--- a/Final Presentation/Presentation.pptx
+++ b/Final Presentation/Presentation.pptx
@@ -16,6 +16,22 @@
     <p:sldId id="273" r:id="rId10"/>
     <p:sldId id="274" r:id="rId11"/>
     <p:sldId id="275" r:id="rId12"/>
+    <p:sldId id="277" r:id="rId13"/>
+    <p:sldId id="276" r:id="rId14"/>
+    <p:sldId id="280" r:id="rId15"/>
+    <p:sldId id="279" r:id="rId16"/>
+    <p:sldId id="281" r:id="rId17"/>
+    <p:sldId id="284" r:id="rId18"/>
+    <p:sldId id="282" r:id="rId19"/>
+    <p:sldId id="285" r:id="rId20"/>
+    <p:sldId id="283" r:id="rId21"/>
+    <p:sldId id="286" r:id="rId22"/>
+    <p:sldId id="287" r:id="rId23"/>
+    <p:sldId id="288" r:id="rId24"/>
+    <p:sldId id="289" r:id="rId25"/>
+    <p:sldId id="290" r:id="rId26"/>
+    <p:sldId id="291" r:id="rId27"/>
+    <p:sldId id="292" r:id="rId28"/>
   </p:sldIdLst>
   <p:sldSz cx="12192000" cy="6858000"/>
   <p:notesSz cx="6858000" cy="9144000"/>
@@ -619,7 +635,8 @@
           <a:p>
             <a:fld id="{F71B3DB1-8543-40E0-A2D1-830196AD91DE}" type="datetimeFigureOut">
               <a:rPr lang="pt-PT" smtClean="0"/>
-              <a:t>29/06/2013</a:t>
+              <a:pPr/>
+              <a:t>29-06-2013</a:t>
             </a:fld>
             <a:endParaRPr lang="pt-PT" dirty="0"/>
           </a:p>
@@ -666,7 +683,8 @@
           <a:p>
             <a:fld id="{5D26EDD4-363A-4236-A170-49C0FA725754}" type="slidenum">
               <a:rPr lang="pt-PT" smtClean="0"/>
-              <a:t>‹#›</a:t>
+              <a:pPr/>
+              <a:t>‹nº›</a:t>
             </a:fld>
             <a:endParaRPr lang="pt-PT" dirty="0"/>
           </a:p>
@@ -675,7 +693,7 @@
     </p:spTree>
     <p:extLst>
       <p:ext uri="{BB962C8B-B14F-4D97-AF65-F5344CB8AC3E}">
-        <p14:creationId xmlns:p14="http://schemas.microsoft.com/office/powerpoint/2010/main" val="3685462610"/>
+        <p14:creationId xmlns:p14="http://schemas.microsoft.com/office/powerpoint/2010/main" xmlns="" val="3685462610"/>
       </p:ext>
     </p:extLst>
   </p:cSld>
@@ -915,7 +933,8 @@
           <a:p>
             <a:fld id="{F71B3DB1-8543-40E0-A2D1-830196AD91DE}" type="datetimeFigureOut">
               <a:rPr lang="pt-PT" smtClean="0"/>
-              <a:t>29/06/2013</a:t>
+              <a:pPr/>
+              <a:t>29-06-2013</a:t>
             </a:fld>
             <a:endParaRPr lang="pt-PT" dirty="0"/>
           </a:p>
@@ -957,7 +976,8 @@
           <a:p>
             <a:fld id="{5D26EDD4-363A-4236-A170-49C0FA725754}" type="slidenum">
               <a:rPr lang="pt-PT" smtClean="0"/>
-              <a:t>‹#›</a:t>
+              <a:pPr/>
+              <a:t>‹nº›</a:t>
             </a:fld>
             <a:endParaRPr lang="pt-PT" dirty="0"/>
           </a:p>
@@ -966,7 +986,7 @@
     </p:spTree>
     <p:extLst>
       <p:ext uri="{BB962C8B-B14F-4D97-AF65-F5344CB8AC3E}">
-        <p14:creationId xmlns:p14="http://schemas.microsoft.com/office/powerpoint/2010/main" val="692322371"/>
+        <p14:creationId xmlns:p14="http://schemas.microsoft.com/office/powerpoint/2010/main" xmlns="" val="692322371"/>
       </p:ext>
     </p:extLst>
   </p:cSld>
@@ -1163,7 +1183,8 @@
           <a:p>
             <a:fld id="{F71B3DB1-8543-40E0-A2D1-830196AD91DE}" type="datetimeFigureOut">
               <a:rPr lang="pt-PT" smtClean="0"/>
-              <a:t>29/06/2013</a:t>
+              <a:pPr/>
+              <a:t>29-06-2013</a:t>
             </a:fld>
             <a:endParaRPr lang="pt-PT" dirty="0"/>
           </a:p>
@@ -1205,7 +1226,8 @@
           <a:p>
             <a:fld id="{5D26EDD4-363A-4236-A170-49C0FA725754}" type="slidenum">
               <a:rPr lang="pt-PT" smtClean="0"/>
-              <a:t>‹#›</a:t>
+              <a:pPr/>
+              <a:t>‹nº›</a:t>
             </a:fld>
             <a:endParaRPr lang="pt-PT" dirty="0"/>
           </a:p>
@@ -1214,7 +1236,7 @@
     </p:spTree>
     <p:extLst>
       <p:ext uri="{BB962C8B-B14F-4D97-AF65-F5344CB8AC3E}">
-        <p14:creationId xmlns:p14="http://schemas.microsoft.com/office/powerpoint/2010/main" val="651107852"/>
+        <p14:creationId xmlns:p14="http://schemas.microsoft.com/office/powerpoint/2010/main" xmlns="" val="651107852"/>
       </p:ext>
     </p:extLst>
   </p:cSld>
@@ -1703,7 +1725,8 @@
           <a:p>
             <a:fld id="{F71B3DB1-8543-40E0-A2D1-830196AD91DE}" type="datetimeFigureOut">
               <a:rPr lang="pt-PT" smtClean="0"/>
-              <a:t>29/06/2013</a:t>
+              <a:pPr/>
+              <a:t>29-06-2013</a:t>
             </a:fld>
             <a:endParaRPr lang="pt-PT" dirty="0"/>
           </a:p>
@@ -1745,7 +1768,8 @@
           <a:p>
             <a:fld id="{5D26EDD4-363A-4236-A170-49C0FA725754}" type="slidenum">
               <a:rPr lang="pt-PT" smtClean="0"/>
-              <a:t>‹#›</a:t>
+              <a:pPr/>
+              <a:t>‹nº›</a:t>
             </a:fld>
             <a:endParaRPr lang="pt-PT" dirty="0"/>
           </a:p>
@@ -1754,7 +1778,7 @@
     </p:spTree>
     <p:extLst>
       <p:ext uri="{BB962C8B-B14F-4D97-AF65-F5344CB8AC3E}">
-        <p14:creationId xmlns:p14="http://schemas.microsoft.com/office/powerpoint/2010/main" val="2959964832"/>
+        <p14:creationId xmlns:p14="http://schemas.microsoft.com/office/powerpoint/2010/main" xmlns="" val="2959964832"/>
       </p:ext>
     </p:extLst>
   </p:cSld>
@@ -1951,7 +1975,8 @@
           <a:p>
             <a:fld id="{F71B3DB1-8543-40E0-A2D1-830196AD91DE}" type="datetimeFigureOut">
               <a:rPr lang="pt-PT" smtClean="0"/>
-              <a:t>29/06/2013</a:t>
+              <a:pPr/>
+              <a:t>29-06-2013</a:t>
             </a:fld>
             <a:endParaRPr lang="pt-PT" dirty="0"/>
           </a:p>
@@ -1993,7 +2018,8 @@
           <a:p>
             <a:fld id="{5D26EDD4-363A-4236-A170-49C0FA725754}" type="slidenum">
               <a:rPr lang="pt-PT" smtClean="0"/>
-              <a:t>‹#›</a:t>
+              <a:pPr/>
+              <a:t>‹nº›</a:t>
             </a:fld>
             <a:endParaRPr lang="pt-PT" dirty="0"/>
           </a:p>
@@ -2002,7 +2028,7 @@
     </p:spTree>
     <p:extLst>
       <p:ext uri="{BB962C8B-B14F-4D97-AF65-F5344CB8AC3E}">
-        <p14:creationId xmlns:p14="http://schemas.microsoft.com/office/powerpoint/2010/main" val="3231562543"/>
+        <p14:creationId xmlns:p14="http://schemas.microsoft.com/office/powerpoint/2010/main" xmlns="" val="3231562543"/>
       </p:ext>
     </p:extLst>
   </p:cSld>
@@ -2483,7 +2509,8 @@
           <a:p>
             <a:fld id="{F71B3DB1-8543-40E0-A2D1-830196AD91DE}" type="datetimeFigureOut">
               <a:rPr lang="pt-PT" smtClean="0"/>
-              <a:t>29/06/2013</a:t>
+              <a:pPr/>
+              <a:t>29-06-2013</a:t>
             </a:fld>
             <a:endParaRPr lang="pt-PT" dirty="0"/>
           </a:p>
@@ -2525,7 +2552,8 @@
           <a:p>
             <a:fld id="{5D26EDD4-363A-4236-A170-49C0FA725754}" type="slidenum">
               <a:rPr lang="pt-PT" smtClean="0"/>
-              <a:t>‹#›</a:t>
+              <a:pPr/>
+              <a:t>‹nº›</a:t>
             </a:fld>
             <a:endParaRPr lang="pt-PT" dirty="0"/>
           </a:p>
@@ -2534,7 +2562,7 @@
     </p:spTree>
     <p:extLst>
       <p:ext uri="{BB962C8B-B14F-4D97-AF65-F5344CB8AC3E}">
-        <p14:creationId xmlns:p14="http://schemas.microsoft.com/office/powerpoint/2010/main" val="1070057827"/>
+        <p14:creationId xmlns:p14="http://schemas.microsoft.com/office/powerpoint/2010/main" xmlns="" val="1070057827"/>
       </p:ext>
     </p:extLst>
   </p:cSld>
@@ -2780,7 +2808,8 @@
           <a:p>
             <a:fld id="{F71B3DB1-8543-40E0-A2D1-830196AD91DE}" type="datetimeFigureOut">
               <a:rPr lang="pt-PT" smtClean="0"/>
-              <a:t>29/06/2013</a:t>
+              <a:pPr/>
+              <a:t>29-06-2013</a:t>
             </a:fld>
             <a:endParaRPr lang="pt-PT" dirty="0"/>
           </a:p>
@@ -2822,7 +2851,8 @@
           <a:p>
             <a:fld id="{5D26EDD4-363A-4236-A170-49C0FA725754}" type="slidenum">
               <a:rPr lang="pt-PT" smtClean="0"/>
-              <a:t>‹#›</a:t>
+              <a:pPr/>
+              <a:t>‹nº›</a:t>
             </a:fld>
             <a:endParaRPr lang="pt-PT" dirty="0"/>
           </a:p>
@@ -2831,7 +2861,7 @@
     </p:spTree>
     <p:extLst>
       <p:ext uri="{BB962C8B-B14F-4D97-AF65-F5344CB8AC3E}">
-        <p14:creationId xmlns:p14="http://schemas.microsoft.com/office/powerpoint/2010/main" val="2453379634"/>
+        <p14:creationId xmlns:p14="http://schemas.microsoft.com/office/powerpoint/2010/main" xmlns="" val="2453379634"/>
       </p:ext>
     </p:extLst>
   </p:cSld>
@@ -2954,7 +2984,8 @@
           <a:p>
             <a:fld id="{F71B3DB1-8543-40E0-A2D1-830196AD91DE}" type="datetimeFigureOut">
               <a:rPr lang="pt-PT" smtClean="0"/>
-              <a:t>29/06/2013</a:t>
+              <a:pPr/>
+              <a:t>29-06-2013</a:t>
             </a:fld>
             <a:endParaRPr lang="pt-PT" dirty="0"/>
           </a:p>
@@ -2996,7 +3027,8 @@
           <a:p>
             <a:fld id="{5D26EDD4-363A-4236-A170-49C0FA725754}" type="slidenum">
               <a:rPr lang="pt-PT" smtClean="0"/>
-              <a:t>‹#›</a:t>
+              <a:pPr/>
+              <a:t>‹nº›</a:t>
             </a:fld>
             <a:endParaRPr lang="pt-PT" dirty="0"/>
           </a:p>
@@ -3005,7 +3037,7 @@
     </p:spTree>
     <p:extLst>
       <p:ext uri="{BB962C8B-B14F-4D97-AF65-F5344CB8AC3E}">
-        <p14:creationId xmlns:p14="http://schemas.microsoft.com/office/powerpoint/2010/main" val="3481463854"/>
+        <p14:creationId xmlns:p14="http://schemas.microsoft.com/office/powerpoint/2010/main" xmlns="" val="3481463854"/>
       </p:ext>
     </p:extLst>
   </p:cSld>
@@ -3134,7 +3166,8 @@
           <a:p>
             <a:fld id="{F71B3DB1-8543-40E0-A2D1-830196AD91DE}" type="datetimeFigureOut">
               <a:rPr lang="pt-PT" smtClean="0"/>
-              <a:t>29/06/2013</a:t>
+              <a:pPr/>
+              <a:t>29-06-2013</a:t>
             </a:fld>
             <a:endParaRPr lang="pt-PT" dirty="0"/>
           </a:p>
@@ -3176,7 +3209,8 @@
           <a:p>
             <a:fld id="{5D26EDD4-363A-4236-A170-49C0FA725754}" type="slidenum">
               <a:rPr lang="pt-PT" smtClean="0"/>
-              <a:t>‹#›</a:t>
+              <a:pPr/>
+              <a:t>‹nº›</a:t>
             </a:fld>
             <a:endParaRPr lang="pt-PT" dirty="0"/>
           </a:p>
@@ -3185,7 +3219,7 @@
     </p:spTree>
     <p:extLst>
       <p:ext uri="{BB962C8B-B14F-4D97-AF65-F5344CB8AC3E}">
-        <p14:creationId xmlns:p14="http://schemas.microsoft.com/office/powerpoint/2010/main" val="2903981940"/>
+        <p14:creationId xmlns:p14="http://schemas.microsoft.com/office/powerpoint/2010/main" xmlns="" val="2903981940"/>
       </p:ext>
     </p:extLst>
   </p:cSld>
@@ -3304,7 +3338,8 @@
           <a:p>
             <a:fld id="{F71B3DB1-8543-40E0-A2D1-830196AD91DE}" type="datetimeFigureOut">
               <a:rPr lang="pt-PT" smtClean="0"/>
-              <a:t>29/06/2013</a:t>
+              <a:pPr/>
+              <a:t>29-06-2013</a:t>
             </a:fld>
             <a:endParaRPr lang="pt-PT" dirty="0"/>
           </a:p>
@@ -3351,7 +3386,8 @@
           <a:p>
             <a:fld id="{5D26EDD4-363A-4236-A170-49C0FA725754}" type="slidenum">
               <a:rPr lang="pt-PT" smtClean="0"/>
-              <a:t>‹#›</a:t>
+              <a:pPr/>
+              <a:t>‹nº›</a:t>
             </a:fld>
             <a:endParaRPr lang="pt-PT" dirty="0"/>
           </a:p>
@@ -3360,7 +3396,7 @@
     </p:spTree>
     <p:extLst>
       <p:ext uri="{BB962C8B-B14F-4D97-AF65-F5344CB8AC3E}">
-        <p14:creationId xmlns:p14="http://schemas.microsoft.com/office/powerpoint/2010/main" val="2337006575"/>
+        <p14:creationId xmlns:p14="http://schemas.microsoft.com/office/powerpoint/2010/main" xmlns="" val="2337006575"/>
       </p:ext>
     </p:extLst>
   </p:cSld>
@@ -3555,7 +3591,8 @@
           <a:p>
             <a:fld id="{F71B3DB1-8543-40E0-A2D1-830196AD91DE}" type="datetimeFigureOut">
               <a:rPr lang="pt-PT" smtClean="0"/>
-              <a:t>29/06/2013</a:t>
+              <a:pPr/>
+              <a:t>29-06-2013</a:t>
             </a:fld>
             <a:endParaRPr lang="pt-PT" dirty="0"/>
           </a:p>
@@ -3597,7 +3634,8 @@
           <a:p>
             <a:fld id="{5D26EDD4-363A-4236-A170-49C0FA725754}" type="slidenum">
               <a:rPr lang="pt-PT" smtClean="0"/>
-              <a:t>‹#›</a:t>
+              <a:pPr/>
+              <a:t>‹nº›</a:t>
             </a:fld>
             <a:endParaRPr lang="pt-PT" dirty="0"/>
           </a:p>
@@ -3606,7 +3644,7 @@
     </p:spTree>
     <p:extLst>
       <p:ext uri="{BB962C8B-B14F-4D97-AF65-F5344CB8AC3E}">
-        <p14:creationId xmlns:p14="http://schemas.microsoft.com/office/powerpoint/2010/main" val="1717849309"/>
+        <p14:creationId xmlns:p14="http://schemas.microsoft.com/office/powerpoint/2010/main" xmlns="" val="1717849309"/>
       </p:ext>
     </p:extLst>
   </p:cSld>
@@ -3852,7 +3890,8 @@
           <a:p>
             <a:fld id="{F71B3DB1-8543-40E0-A2D1-830196AD91DE}" type="datetimeFigureOut">
               <a:rPr lang="pt-PT" smtClean="0"/>
-              <a:t>29/06/2013</a:t>
+              <a:pPr/>
+              <a:t>29-06-2013</a:t>
             </a:fld>
             <a:endParaRPr lang="pt-PT" dirty="0"/>
           </a:p>
@@ -3894,7 +3933,8 @@
           <a:p>
             <a:fld id="{5D26EDD4-363A-4236-A170-49C0FA725754}" type="slidenum">
               <a:rPr lang="pt-PT" smtClean="0"/>
-              <a:t>‹#›</a:t>
+              <a:pPr/>
+              <a:t>‹nº›</a:t>
             </a:fld>
             <a:endParaRPr lang="pt-PT" dirty="0"/>
           </a:p>
@@ -3903,7 +3943,7 @@
     </p:spTree>
     <p:extLst>
       <p:ext uri="{BB962C8B-B14F-4D97-AF65-F5344CB8AC3E}">
-        <p14:creationId xmlns:p14="http://schemas.microsoft.com/office/powerpoint/2010/main" val="4067743965"/>
+        <p14:creationId xmlns:p14="http://schemas.microsoft.com/office/powerpoint/2010/main" xmlns="" val="4067743965"/>
       </p:ext>
     </p:extLst>
   </p:cSld>
@@ -4294,7 +4334,8 @@
           <a:p>
             <a:fld id="{F71B3DB1-8543-40E0-A2D1-830196AD91DE}" type="datetimeFigureOut">
               <a:rPr lang="pt-PT" smtClean="0"/>
-              <a:t>29/06/2013</a:t>
+              <a:pPr/>
+              <a:t>29-06-2013</a:t>
             </a:fld>
             <a:endParaRPr lang="pt-PT" dirty="0"/>
           </a:p>
@@ -4336,7 +4377,8 @@
           <a:p>
             <a:fld id="{5D26EDD4-363A-4236-A170-49C0FA725754}" type="slidenum">
               <a:rPr lang="pt-PT" smtClean="0"/>
-              <a:t>‹#›</a:t>
+              <a:pPr/>
+              <a:t>‹nº›</a:t>
             </a:fld>
             <a:endParaRPr lang="pt-PT" dirty="0"/>
           </a:p>
@@ -4345,7 +4387,7 @@
     </p:spTree>
     <p:extLst>
       <p:ext uri="{BB962C8B-B14F-4D97-AF65-F5344CB8AC3E}">
-        <p14:creationId xmlns:p14="http://schemas.microsoft.com/office/powerpoint/2010/main" val="3772054087"/>
+        <p14:creationId xmlns:p14="http://schemas.microsoft.com/office/powerpoint/2010/main" xmlns="" val="3772054087"/>
       </p:ext>
     </p:extLst>
   </p:cSld>
@@ -4412,7 +4454,8 @@
           <a:p>
             <a:fld id="{F71B3DB1-8543-40E0-A2D1-830196AD91DE}" type="datetimeFigureOut">
               <a:rPr lang="pt-PT" smtClean="0"/>
-              <a:t>29/06/2013</a:t>
+              <a:pPr/>
+              <a:t>29-06-2013</a:t>
             </a:fld>
             <a:endParaRPr lang="pt-PT" dirty="0"/>
           </a:p>
@@ -4454,7 +4497,8 @@
           <a:p>
             <a:fld id="{5D26EDD4-363A-4236-A170-49C0FA725754}" type="slidenum">
               <a:rPr lang="pt-PT" smtClean="0"/>
-              <a:t>‹#›</a:t>
+              <a:pPr/>
+              <a:t>‹nº›</a:t>
             </a:fld>
             <a:endParaRPr lang="pt-PT" dirty="0"/>
           </a:p>
@@ -4463,7 +4507,7 @@
     </p:spTree>
     <p:extLst>
       <p:ext uri="{BB962C8B-B14F-4D97-AF65-F5344CB8AC3E}">
-        <p14:creationId xmlns:p14="http://schemas.microsoft.com/office/powerpoint/2010/main" val="872352092"/>
+        <p14:creationId xmlns:p14="http://schemas.microsoft.com/office/powerpoint/2010/main" xmlns="" val="872352092"/>
       </p:ext>
     </p:extLst>
   </p:cSld>
@@ -4507,7 +4551,8 @@
           <a:p>
             <a:fld id="{F71B3DB1-8543-40E0-A2D1-830196AD91DE}" type="datetimeFigureOut">
               <a:rPr lang="pt-PT" smtClean="0"/>
-              <a:t>29/06/2013</a:t>
+              <a:pPr/>
+              <a:t>29-06-2013</a:t>
             </a:fld>
             <a:endParaRPr lang="pt-PT" dirty="0"/>
           </a:p>
@@ -4549,7 +4594,8 @@
           <a:p>
             <a:fld id="{5D26EDD4-363A-4236-A170-49C0FA725754}" type="slidenum">
               <a:rPr lang="pt-PT" smtClean="0"/>
-              <a:t>‹#›</a:t>
+              <a:pPr/>
+              <a:t>‹nº›</a:t>
             </a:fld>
             <a:endParaRPr lang="pt-PT" dirty="0"/>
           </a:p>
@@ -4558,7 +4604,7 @@
     </p:spTree>
     <p:extLst>
       <p:ext uri="{BB962C8B-B14F-4D97-AF65-F5344CB8AC3E}">
-        <p14:creationId xmlns:p14="http://schemas.microsoft.com/office/powerpoint/2010/main" val="1795036205"/>
+        <p14:creationId xmlns:p14="http://schemas.microsoft.com/office/powerpoint/2010/main" xmlns="" val="1795036205"/>
       </p:ext>
     </p:extLst>
   </p:cSld>
@@ -4790,7 +4836,8 @@
           <a:p>
             <a:fld id="{F71B3DB1-8543-40E0-A2D1-830196AD91DE}" type="datetimeFigureOut">
               <a:rPr lang="pt-PT" smtClean="0"/>
-              <a:t>29/06/2013</a:t>
+              <a:pPr/>
+              <a:t>29-06-2013</a:t>
             </a:fld>
             <a:endParaRPr lang="pt-PT" dirty="0"/>
           </a:p>
@@ -4832,7 +4879,8 @@
           <a:p>
             <a:fld id="{5D26EDD4-363A-4236-A170-49C0FA725754}" type="slidenum">
               <a:rPr lang="pt-PT" smtClean="0"/>
-              <a:t>‹#›</a:t>
+              <a:pPr/>
+              <a:t>‹nº›</a:t>
             </a:fld>
             <a:endParaRPr lang="pt-PT" dirty="0"/>
           </a:p>
@@ -4841,7 +4889,7 @@
     </p:spTree>
     <p:extLst>
       <p:ext uri="{BB962C8B-B14F-4D97-AF65-F5344CB8AC3E}">
-        <p14:creationId xmlns:p14="http://schemas.microsoft.com/office/powerpoint/2010/main" val="4089543025"/>
+        <p14:creationId xmlns:p14="http://schemas.microsoft.com/office/powerpoint/2010/main" xmlns="" val="4089543025"/>
       </p:ext>
     </p:extLst>
   </p:cSld>
@@ -5081,7 +5129,8 @@
           <a:p>
             <a:fld id="{F71B3DB1-8543-40E0-A2D1-830196AD91DE}" type="datetimeFigureOut">
               <a:rPr lang="pt-PT" smtClean="0"/>
-              <a:t>29/06/2013</a:t>
+              <a:pPr/>
+              <a:t>29-06-2013</a:t>
             </a:fld>
             <a:endParaRPr lang="pt-PT" dirty="0"/>
           </a:p>
@@ -5123,7 +5172,8 @@
           <a:p>
             <a:fld id="{5D26EDD4-363A-4236-A170-49C0FA725754}" type="slidenum">
               <a:rPr lang="pt-PT" smtClean="0"/>
-              <a:t>‹#›</a:t>
+              <a:pPr/>
+              <a:t>‹nº›</a:t>
             </a:fld>
             <a:endParaRPr lang="pt-PT" dirty="0"/>
           </a:p>
@@ -5132,7 +5182,7 @@
     </p:spTree>
     <p:extLst>
       <p:ext uri="{BB962C8B-B14F-4D97-AF65-F5344CB8AC3E}">
-        <p14:creationId xmlns:p14="http://schemas.microsoft.com/office/powerpoint/2010/main" val="1202744426"/>
+        <p14:creationId xmlns:p14="http://schemas.microsoft.com/office/powerpoint/2010/main" xmlns="" val="1202744426"/>
       </p:ext>
     </p:extLst>
   </p:cSld>
@@ -5611,7 +5661,8 @@
           <a:p>
             <a:fld id="{F71B3DB1-8543-40E0-A2D1-830196AD91DE}" type="datetimeFigureOut">
               <a:rPr lang="pt-PT" smtClean="0"/>
-              <a:t>29/06/2013</a:t>
+              <a:pPr/>
+              <a:t>29-06-2013</a:t>
             </a:fld>
             <a:endParaRPr lang="pt-PT" dirty="0"/>
           </a:p>
@@ -5689,7 +5740,8 @@
           <a:p>
             <a:fld id="{5D26EDD4-363A-4236-A170-49C0FA725754}" type="slidenum">
               <a:rPr lang="pt-PT" smtClean="0"/>
-              <a:t>‹#›</a:t>
+              <a:pPr/>
+              <a:t>‹nº›</a:t>
             </a:fld>
             <a:endParaRPr lang="pt-PT" dirty="0"/>
           </a:p>
@@ -5698,7 +5750,7 @@
     </p:spTree>
     <p:extLst>
       <p:ext uri="{BB962C8B-B14F-4D97-AF65-F5344CB8AC3E}">
-        <p14:creationId xmlns:p14="http://schemas.microsoft.com/office/powerpoint/2010/main" val="1162698541"/>
+        <p14:creationId xmlns:p14="http://schemas.microsoft.com/office/powerpoint/2010/main" xmlns="" val="1162698541"/>
       </p:ext>
     </p:extLst>
   </p:cSld>
@@ -6194,7 +6246,7 @@
     </p:spTree>
     <p:extLst>
       <p:ext uri="{BB962C8B-B14F-4D97-AF65-F5344CB8AC3E}">
-        <p14:creationId xmlns:p14="http://schemas.microsoft.com/office/powerpoint/2010/main" val="404200990"/>
+        <p14:creationId xmlns:p14="http://schemas.microsoft.com/office/powerpoint/2010/main" xmlns="" val="404200990"/>
       </p:ext>
     </p:extLst>
   </p:cSld>
@@ -6269,7 +6321,7 @@
     </p:spTree>
     <p:extLst>
       <p:ext uri="{BB962C8B-B14F-4D97-AF65-F5344CB8AC3E}">
-        <p14:creationId xmlns:p14="http://schemas.microsoft.com/office/powerpoint/2010/main" val="3857988853"/>
+        <p14:creationId xmlns:p14="http://schemas.microsoft.com/office/powerpoint/2010/main" xmlns="" val="3857988853"/>
       </p:ext>
     </p:extLst>
   </p:cSld>
@@ -6352,7 +6404,7 @@
     </p:spTree>
     <p:extLst>
       <p:ext uri="{BB962C8B-B14F-4D97-AF65-F5344CB8AC3E}">
-        <p14:creationId xmlns:p14="http://schemas.microsoft.com/office/powerpoint/2010/main" val="905212791"/>
+        <p14:creationId xmlns:p14="http://schemas.microsoft.com/office/powerpoint/2010/main" xmlns="" val="905212791"/>
       </p:ext>
     </p:extLst>
   </p:cSld>
@@ -6366,6 +6418,578 @@
       </p:par>
     </p:tnLst>
   </p:timing>
+</p:sld>
+</file>
+
+<file path=ppt/slides/slide12.xml><?xml version="1.0" encoding="utf-8"?>
+<p:sld xmlns:a="http://schemas.openxmlformats.org/drawingml/2006/main" xmlns:r="http://schemas.openxmlformats.org/officeDocument/2006/relationships" xmlns:p="http://schemas.openxmlformats.org/presentationml/2006/main">
+  <p:cSld>
+    <p:spTree>
+      <p:nvGrpSpPr>
+        <p:cNvPr id="1" name=""/>
+        <p:cNvGrpSpPr/>
+        <p:nvPr/>
+      </p:nvGrpSpPr>
+      <p:grpSpPr>
+        <a:xfrm>
+          <a:off x="0" y="0"/>
+          <a:ext cx="0" cy="0"/>
+          <a:chOff x="0" y="0"/>
+          <a:chExt cx="0" cy="0"/>
+        </a:xfrm>
+      </p:grpSpPr>
+      <p:sp>
+        <p:nvSpPr>
+          <p:cNvPr id="2" name="Title 1"/>
+          <p:cNvSpPr>
+            <a:spLocks noGrp="1"/>
+          </p:cNvSpPr>
+          <p:nvPr>
+            <p:ph type="title"/>
+          </p:nvPr>
+        </p:nvSpPr>
+        <p:spPr/>
+        <p:txBody>
+          <a:bodyPr/>
+          <a:lstStyle/>
+          <a:p>
+            <a:endParaRPr lang="pt-PT" dirty="0"/>
+          </a:p>
+        </p:txBody>
+      </p:sp>
+      <p:sp>
+        <p:nvSpPr>
+          <p:cNvPr id="3" name="Content Placeholder 2"/>
+          <p:cNvSpPr>
+            <a:spLocks noGrp="1"/>
+          </p:cNvSpPr>
+          <p:nvPr>
+            <p:ph idx="1"/>
+          </p:nvPr>
+        </p:nvSpPr>
+        <p:spPr/>
+        <p:txBody>
+          <a:bodyPr/>
+          <a:lstStyle/>
+          <a:p>
+            <a:endParaRPr lang="pt-PT"/>
+          </a:p>
+        </p:txBody>
+      </p:sp>
+    </p:spTree>
+    <p:extLst>
+      <p:ext uri="{BB962C8B-B14F-4D97-AF65-F5344CB8AC3E}">
+        <p14:creationId xmlns:p14="http://schemas.microsoft.com/office/powerpoint/2010/main" xmlns="" val="3857988853"/>
+      </p:ext>
+    </p:extLst>
+  </p:cSld>
+  <p:clrMapOvr>
+    <a:masterClrMapping/>
+  </p:clrMapOvr>
+  <p:timing>
+    <p:tnLst>
+      <p:par>
+        <p:cTn id="1" dur="indefinite" restart="never" nodeType="tmRoot"/>
+      </p:par>
+    </p:tnLst>
+  </p:timing>
+</p:sld>
+</file>
+
+<file path=ppt/slides/slide13.xml><?xml version="1.0" encoding="utf-8"?>
+<p:sld xmlns:a="http://schemas.openxmlformats.org/drawingml/2006/main" xmlns:r="http://schemas.openxmlformats.org/officeDocument/2006/relationships" xmlns:p="http://schemas.openxmlformats.org/presentationml/2006/main">
+  <p:cSld>
+    <p:spTree>
+      <p:nvGrpSpPr>
+        <p:cNvPr id="1" name=""/>
+        <p:cNvGrpSpPr/>
+        <p:nvPr/>
+      </p:nvGrpSpPr>
+      <p:grpSpPr>
+        <a:xfrm>
+          <a:off x="0" y="0"/>
+          <a:ext cx="0" cy="0"/>
+          <a:chOff x="0" y="0"/>
+          <a:chExt cx="0" cy="0"/>
+        </a:xfrm>
+      </p:grpSpPr>
+      <p:sp>
+        <p:nvSpPr>
+          <p:cNvPr id="2" name="Título 1"/>
+          <p:cNvSpPr>
+            <a:spLocks noGrp="1"/>
+          </p:cNvSpPr>
+          <p:nvPr>
+            <p:ph type="title"/>
+          </p:nvPr>
+        </p:nvSpPr>
+        <p:spPr/>
+        <p:txBody>
+          <a:bodyPr/>
+          <a:lstStyle/>
+          <a:p>
+            <a:r>
+              <a:rPr lang="en-US" dirty="0" smtClean="0"/>
+              <a:t>Project Quality</a:t>
+            </a:r>
+            <a:endParaRPr lang="en-US" dirty="0"/>
+          </a:p>
+        </p:txBody>
+      </p:sp>
+      <p:sp>
+        <p:nvSpPr>
+          <p:cNvPr id="3" name="Marcador de Posição do Texto 2"/>
+          <p:cNvSpPr>
+            <a:spLocks noGrp="1"/>
+          </p:cNvSpPr>
+          <p:nvPr>
+            <p:ph type="body" idx="1"/>
+          </p:nvPr>
+        </p:nvSpPr>
+        <p:spPr/>
+        <p:txBody>
+          <a:bodyPr/>
+          <a:lstStyle/>
+          <a:p>
+            <a:r>
+              <a:rPr lang="pt-PT" dirty="0" smtClean="0"/>
+              <a:t>Carla Machado</a:t>
+            </a:r>
+            <a:endParaRPr lang="pt-PT" dirty="0"/>
+          </a:p>
+        </p:txBody>
+      </p:sp>
+    </p:spTree>
+  </p:cSld>
+  <p:clrMapOvr>
+    <a:masterClrMapping/>
+  </p:clrMapOvr>
+</p:sld>
+</file>
+
+<file path=ppt/slides/slide14.xml><?xml version="1.0" encoding="utf-8"?>
+<p:sld xmlns:a="http://schemas.openxmlformats.org/drawingml/2006/main" xmlns:r="http://schemas.openxmlformats.org/officeDocument/2006/relationships" xmlns:p="http://schemas.openxmlformats.org/presentationml/2006/main">
+  <p:cSld>
+    <p:spTree>
+      <p:nvGrpSpPr>
+        <p:cNvPr id="1" name=""/>
+        <p:cNvGrpSpPr/>
+        <p:nvPr/>
+      </p:nvGrpSpPr>
+      <p:grpSpPr>
+        <a:xfrm>
+          <a:off x="0" y="0"/>
+          <a:ext cx="0" cy="0"/>
+          <a:chOff x="0" y="0"/>
+          <a:chExt cx="0" cy="0"/>
+        </a:xfrm>
+      </p:grpSpPr>
+      <p:sp>
+        <p:nvSpPr>
+          <p:cNvPr id="2" name="Title 1"/>
+          <p:cNvSpPr>
+            <a:spLocks noGrp="1"/>
+          </p:cNvSpPr>
+          <p:nvPr>
+            <p:ph type="title"/>
+          </p:nvPr>
+        </p:nvSpPr>
+        <p:spPr/>
+        <p:txBody>
+          <a:bodyPr/>
+          <a:lstStyle/>
+          <a:p>
+            <a:endParaRPr lang="pt-PT" dirty="0"/>
+          </a:p>
+        </p:txBody>
+      </p:sp>
+      <p:sp>
+        <p:nvSpPr>
+          <p:cNvPr id="3" name="Content Placeholder 2"/>
+          <p:cNvSpPr>
+            <a:spLocks noGrp="1"/>
+          </p:cNvSpPr>
+          <p:nvPr>
+            <p:ph idx="1"/>
+          </p:nvPr>
+        </p:nvSpPr>
+        <p:spPr/>
+        <p:txBody>
+          <a:bodyPr/>
+          <a:lstStyle/>
+          <a:p>
+            <a:endParaRPr lang="pt-PT"/>
+          </a:p>
+        </p:txBody>
+      </p:sp>
+    </p:spTree>
+    <p:extLst>
+      <p:ext uri="{BB962C8B-B14F-4D97-AF65-F5344CB8AC3E}">
+        <p14:creationId xmlns:p14="http://schemas.microsoft.com/office/powerpoint/2010/main" xmlns="" val="3857988853"/>
+      </p:ext>
+    </p:extLst>
+  </p:cSld>
+  <p:clrMapOvr>
+    <a:masterClrMapping/>
+  </p:clrMapOvr>
+  <p:timing>
+    <p:tnLst>
+      <p:par>
+        <p:cTn id="1" dur="indefinite" restart="never" nodeType="tmRoot"/>
+      </p:par>
+    </p:tnLst>
+  </p:timing>
+</p:sld>
+</file>
+
+<file path=ppt/slides/slide15.xml><?xml version="1.0" encoding="utf-8"?>
+<p:sld xmlns:a="http://schemas.openxmlformats.org/drawingml/2006/main" xmlns:r="http://schemas.openxmlformats.org/officeDocument/2006/relationships" xmlns:p="http://schemas.openxmlformats.org/presentationml/2006/main">
+  <p:cSld>
+    <p:spTree>
+      <p:nvGrpSpPr>
+        <p:cNvPr id="1" name=""/>
+        <p:cNvGrpSpPr/>
+        <p:nvPr/>
+      </p:nvGrpSpPr>
+      <p:grpSpPr>
+        <a:xfrm>
+          <a:off x="0" y="0"/>
+          <a:ext cx="0" cy="0"/>
+          <a:chOff x="0" y="0"/>
+          <a:chExt cx="0" cy="0"/>
+        </a:xfrm>
+      </p:grpSpPr>
+      <p:sp>
+        <p:nvSpPr>
+          <p:cNvPr id="2" name="Título 1"/>
+          <p:cNvSpPr>
+            <a:spLocks noGrp="1"/>
+          </p:cNvSpPr>
+          <p:nvPr>
+            <p:ph type="title"/>
+          </p:nvPr>
+        </p:nvSpPr>
+        <p:spPr/>
+        <p:txBody>
+          <a:bodyPr/>
+          <a:lstStyle/>
+          <a:p>
+            <a:r>
+              <a:rPr lang="en-US" dirty="0" smtClean="0"/>
+              <a:t>Risk Management</a:t>
+            </a:r>
+            <a:endParaRPr lang="en-US" dirty="0"/>
+          </a:p>
+        </p:txBody>
+      </p:sp>
+      <p:sp>
+        <p:nvSpPr>
+          <p:cNvPr id="3" name="Marcador de Posição do Texto 2"/>
+          <p:cNvSpPr>
+            <a:spLocks noGrp="1"/>
+          </p:cNvSpPr>
+          <p:nvPr>
+            <p:ph type="body" idx="1"/>
+          </p:nvPr>
+        </p:nvSpPr>
+        <p:spPr/>
+        <p:txBody>
+          <a:bodyPr/>
+          <a:lstStyle/>
+          <a:p>
+            <a:r>
+              <a:rPr lang="pt-PT" dirty="0" smtClean="0"/>
+              <a:t>João Girão</a:t>
+            </a:r>
+            <a:endParaRPr lang="pt-PT" dirty="0"/>
+          </a:p>
+        </p:txBody>
+      </p:sp>
+    </p:spTree>
+  </p:cSld>
+  <p:clrMapOvr>
+    <a:masterClrMapping/>
+  </p:clrMapOvr>
+</p:sld>
+</file>
+
+<file path=ppt/slides/slide16.xml><?xml version="1.0" encoding="utf-8"?>
+<p:sld xmlns:a="http://schemas.openxmlformats.org/drawingml/2006/main" xmlns:r="http://schemas.openxmlformats.org/officeDocument/2006/relationships" xmlns:p="http://schemas.openxmlformats.org/presentationml/2006/main">
+  <p:cSld>
+    <p:spTree>
+      <p:nvGrpSpPr>
+        <p:cNvPr id="1" name=""/>
+        <p:cNvGrpSpPr/>
+        <p:nvPr/>
+      </p:nvGrpSpPr>
+      <p:grpSpPr>
+        <a:xfrm>
+          <a:off x="0" y="0"/>
+          <a:ext cx="0" cy="0"/>
+          <a:chOff x="0" y="0"/>
+          <a:chExt cx="0" cy="0"/>
+        </a:xfrm>
+      </p:grpSpPr>
+      <p:sp>
+        <p:nvSpPr>
+          <p:cNvPr id="2" name="Title 1"/>
+          <p:cNvSpPr>
+            <a:spLocks noGrp="1"/>
+          </p:cNvSpPr>
+          <p:nvPr>
+            <p:ph type="title"/>
+          </p:nvPr>
+        </p:nvSpPr>
+        <p:spPr/>
+        <p:txBody>
+          <a:bodyPr/>
+          <a:lstStyle/>
+          <a:p>
+            <a:endParaRPr lang="pt-PT" dirty="0"/>
+          </a:p>
+        </p:txBody>
+      </p:sp>
+      <p:sp>
+        <p:nvSpPr>
+          <p:cNvPr id="3" name="Content Placeholder 2"/>
+          <p:cNvSpPr>
+            <a:spLocks noGrp="1"/>
+          </p:cNvSpPr>
+          <p:nvPr>
+            <p:ph idx="1"/>
+          </p:nvPr>
+        </p:nvSpPr>
+        <p:spPr/>
+        <p:txBody>
+          <a:bodyPr/>
+          <a:lstStyle/>
+          <a:p>
+            <a:endParaRPr lang="pt-PT"/>
+          </a:p>
+        </p:txBody>
+      </p:sp>
+    </p:spTree>
+    <p:extLst>
+      <p:ext uri="{BB962C8B-B14F-4D97-AF65-F5344CB8AC3E}">
+        <p14:creationId xmlns:p14="http://schemas.microsoft.com/office/powerpoint/2010/main" xmlns="" val="3857988853"/>
+      </p:ext>
+    </p:extLst>
+  </p:cSld>
+  <p:clrMapOvr>
+    <a:masterClrMapping/>
+  </p:clrMapOvr>
+  <p:timing>
+    <p:tnLst>
+      <p:par>
+        <p:cTn id="1" dur="indefinite" restart="never" nodeType="tmRoot"/>
+      </p:par>
+    </p:tnLst>
+  </p:timing>
+</p:sld>
+</file>
+
+<file path=ppt/slides/slide17.xml><?xml version="1.0" encoding="utf-8"?>
+<p:sld xmlns:a="http://schemas.openxmlformats.org/drawingml/2006/main" xmlns:r="http://schemas.openxmlformats.org/officeDocument/2006/relationships" xmlns:p="http://schemas.openxmlformats.org/presentationml/2006/main">
+  <p:cSld>
+    <p:spTree>
+      <p:nvGrpSpPr>
+        <p:cNvPr id="1" name=""/>
+        <p:cNvGrpSpPr/>
+        <p:nvPr/>
+      </p:nvGrpSpPr>
+      <p:grpSpPr>
+        <a:xfrm>
+          <a:off x="0" y="0"/>
+          <a:ext cx="0" cy="0"/>
+          <a:chOff x="0" y="0"/>
+          <a:chExt cx="0" cy="0"/>
+        </a:xfrm>
+      </p:grpSpPr>
+      <p:sp>
+        <p:nvSpPr>
+          <p:cNvPr id="2" name="Título 1"/>
+          <p:cNvSpPr>
+            <a:spLocks noGrp="1"/>
+          </p:cNvSpPr>
+          <p:nvPr>
+            <p:ph type="title"/>
+          </p:nvPr>
+        </p:nvSpPr>
+        <p:spPr/>
+        <p:txBody>
+          <a:bodyPr/>
+          <a:lstStyle/>
+          <a:p>
+            <a:r>
+              <a:rPr lang="en-US" dirty="0" smtClean="0"/>
+              <a:t>Product Demonstration</a:t>
+            </a:r>
+            <a:endParaRPr lang="en-US" dirty="0"/>
+          </a:p>
+        </p:txBody>
+      </p:sp>
+      <p:sp>
+        <p:nvSpPr>
+          <p:cNvPr id="3" name="Marcador de Posição do Texto 2"/>
+          <p:cNvSpPr>
+            <a:spLocks noGrp="1"/>
+          </p:cNvSpPr>
+          <p:nvPr>
+            <p:ph type="body" idx="1"/>
+          </p:nvPr>
+        </p:nvSpPr>
+        <p:spPr/>
+        <p:txBody>
+          <a:bodyPr/>
+          <a:lstStyle/>
+          <a:p>
+            <a:r>
+              <a:rPr lang="pt-PT" dirty="0" smtClean="0"/>
+              <a:t>David João</a:t>
+            </a:r>
+            <a:endParaRPr lang="pt-PT" dirty="0"/>
+          </a:p>
+        </p:txBody>
+      </p:sp>
+    </p:spTree>
+  </p:cSld>
+  <p:clrMapOvr>
+    <a:masterClrMapping/>
+  </p:clrMapOvr>
+</p:sld>
+</file>
+
+<file path=ppt/slides/slide18.xml><?xml version="1.0" encoding="utf-8"?>
+<p:sld xmlns:a="http://schemas.openxmlformats.org/drawingml/2006/main" xmlns:r="http://schemas.openxmlformats.org/officeDocument/2006/relationships" xmlns:p="http://schemas.openxmlformats.org/presentationml/2006/main">
+  <p:cSld>
+    <p:spTree>
+      <p:nvGrpSpPr>
+        <p:cNvPr id="1" name=""/>
+        <p:cNvGrpSpPr/>
+        <p:nvPr/>
+      </p:nvGrpSpPr>
+      <p:grpSpPr>
+        <a:xfrm>
+          <a:off x="0" y="0"/>
+          <a:ext cx="0" cy="0"/>
+          <a:chOff x="0" y="0"/>
+          <a:chExt cx="0" cy="0"/>
+        </a:xfrm>
+      </p:grpSpPr>
+      <p:sp>
+        <p:nvSpPr>
+          <p:cNvPr id="2" name="Título 1"/>
+          <p:cNvSpPr>
+            <a:spLocks noGrp="1"/>
+          </p:cNvSpPr>
+          <p:nvPr>
+            <p:ph type="title"/>
+          </p:nvPr>
+        </p:nvSpPr>
+        <p:spPr/>
+        <p:txBody>
+          <a:bodyPr/>
+          <a:lstStyle/>
+          <a:p>
+            <a:endParaRPr lang="pt-PT"/>
+          </a:p>
+        </p:txBody>
+      </p:sp>
+      <p:sp>
+        <p:nvSpPr>
+          <p:cNvPr id="3" name="Marcador de Posição de Conteúdo 2"/>
+          <p:cNvSpPr>
+            <a:spLocks noGrp="1"/>
+          </p:cNvSpPr>
+          <p:nvPr>
+            <p:ph idx="1"/>
+          </p:nvPr>
+        </p:nvSpPr>
+        <p:spPr/>
+        <p:txBody>
+          <a:bodyPr/>
+          <a:lstStyle/>
+          <a:p>
+            <a:endParaRPr lang="pt-PT"/>
+          </a:p>
+        </p:txBody>
+      </p:sp>
+    </p:spTree>
+  </p:cSld>
+  <p:clrMapOvr>
+    <a:masterClrMapping/>
+  </p:clrMapOvr>
+</p:sld>
+</file>
+
+<file path=ppt/slides/slide19.xml><?xml version="1.0" encoding="utf-8"?>
+<p:sld xmlns:a="http://schemas.openxmlformats.org/drawingml/2006/main" xmlns:r="http://schemas.openxmlformats.org/officeDocument/2006/relationships" xmlns:p="http://schemas.openxmlformats.org/presentationml/2006/main">
+  <p:cSld>
+    <p:spTree>
+      <p:nvGrpSpPr>
+        <p:cNvPr id="1" name=""/>
+        <p:cNvGrpSpPr/>
+        <p:nvPr/>
+      </p:nvGrpSpPr>
+      <p:grpSpPr>
+        <a:xfrm>
+          <a:off x="0" y="0"/>
+          <a:ext cx="0" cy="0"/>
+          <a:chOff x="0" y="0"/>
+          <a:chExt cx="0" cy="0"/>
+        </a:xfrm>
+      </p:grpSpPr>
+      <p:sp>
+        <p:nvSpPr>
+          <p:cNvPr id="2" name="Título 1"/>
+          <p:cNvSpPr>
+            <a:spLocks noGrp="1"/>
+          </p:cNvSpPr>
+          <p:nvPr>
+            <p:ph type="title"/>
+          </p:nvPr>
+        </p:nvSpPr>
+        <p:spPr/>
+        <p:txBody>
+          <a:bodyPr/>
+          <a:lstStyle/>
+          <a:p>
+            <a:r>
+              <a:rPr lang="en-US" dirty="0" smtClean="0"/>
+              <a:t>Analysis and Conclusions</a:t>
+            </a:r>
+            <a:endParaRPr lang="en-US" dirty="0"/>
+          </a:p>
+        </p:txBody>
+      </p:sp>
+      <p:sp>
+        <p:nvSpPr>
+          <p:cNvPr id="3" name="Marcador de Posição do Texto 2"/>
+          <p:cNvSpPr>
+            <a:spLocks noGrp="1"/>
+          </p:cNvSpPr>
+          <p:nvPr>
+            <p:ph type="body" idx="1"/>
+          </p:nvPr>
+        </p:nvSpPr>
+        <p:spPr/>
+        <p:txBody>
+          <a:bodyPr/>
+          <a:lstStyle/>
+          <a:p>
+            <a:r>
+              <a:rPr lang="pt-PT" dirty="0" smtClean="0"/>
+              <a:t>Team</a:t>
+            </a:r>
+            <a:endParaRPr lang="pt-PT" dirty="0"/>
+          </a:p>
+        </p:txBody>
+      </p:sp>
+    </p:spTree>
+  </p:cSld>
+  <p:clrMapOvr>
+    <a:masterClrMapping/>
+  </p:clrMapOvr>
 </p:sld>
 </file>
 
@@ -6431,7 +7055,7 @@
     </p:spTree>
     <p:extLst>
       <p:ext uri="{BB962C8B-B14F-4D97-AF65-F5344CB8AC3E}">
-        <p14:creationId xmlns:p14="http://schemas.microsoft.com/office/powerpoint/2010/main" val="3708106417"/>
+        <p14:creationId xmlns:p14="http://schemas.microsoft.com/office/powerpoint/2010/main" xmlns="" val="3708106417"/>
       </p:ext>
     </p:extLst>
   </p:cSld>
@@ -6445,6 +7069,542 @@
       </p:par>
     </p:tnLst>
   </p:timing>
+</p:sld>
+</file>
+
+<file path=ppt/slides/slide20.xml><?xml version="1.0" encoding="utf-8"?>
+<p:sld xmlns:a="http://schemas.openxmlformats.org/drawingml/2006/main" xmlns:r="http://schemas.openxmlformats.org/officeDocument/2006/relationships" xmlns:p="http://schemas.openxmlformats.org/presentationml/2006/main">
+  <p:cSld>
+    <p:spTree>
+      <p:nvGrpSpPr>
+        <p:cNvPr id="1" name=""/>
+        <p:cNvGrpSpPr/>
+        <p:nvPr/>
+      </p:nvGrpSpPr>
+      <p:grpSpPr>
+        <a:xfrm>
+          <a:off x="0" y="0"/>
+          <a:ext cx="0" cy="0"/>
+          <a:chOff x="0" y="0"/>
+          <a:chExt cx="0" cy="0"/>
+        </a:xfrm>
+      </p:grpSpPr>
+      <p:sp>
+        <p:nvSpPr>
+          <p:cNvPr id="2" name="Título 1"/>
+          <p:cNvSpPr>
+            <a:spLocks noGrp="1"/>
+          </p:cNvSpPr>
+          <p:nvPr>
+            <p:ph type="title"/>
+          </p:nvPr>
+        </p:nvSpPr>
+        <p:spPr/>
+        <p:txBody>
+          <a:bodyPr/>
+          <a:lstStyle/>
+          <a:p>
+            <a:r>
+              <a:rPr lang="pt-PT" dirty="0" smtClean="0"/>
+              <a:t>Global</a:t>
+            </a:r>
+            <a:endParaRPr lang="pt-PT" dirty="0"/>
+          </a:p>
+        </p:txBody>
+      </p:sp>
+      <p:sp>
+        <p:nvSpPr>
+          <p:cNvPr id="3" name="Marcador de Posição de Conteúdo 2"/>
+          <p:cNvSpPr>
+            <a:spLocks noGrp="1"/>
+          </p:cNvSpPr>
+          <p:nvPr>
+            <p:ph idx="1"/>
+          </p:nvPr>
+        </p:nvSpPr>
+        <p:spPr/>
+        <p:txBody>
+          <a:bodyPr/>
+          <a:lstStyle/>
+          <a:p>
+            <a:endParaRPr lang="pt-PT"/>
+          </a:p>
+        </p:txBody>
+      </p:sp>
+    </p:spTree>
+  </p:cSld>
+  <p:clrMapOvr>
+    <a:masterClrMapping/>
+  </p:clrMapOvr>
+</p:sld>
+</file>
+
+<file path=ppt/slides/slide21.xml><?xml version="1.0" encoding="utf-8"?>
+<p:sld xmlns:a="http://schemas.openxmlformats.org/drawingml/2006/main" xmlns:r="http://schemas.openxmlformats.org/officeDocument/2006/relationships" xmlns:p="http://schemas.openxmlformats.org/presentationml/2006/main">
+  <p:cSld>
+    <p:spTree>
+      <p:nvGrpSpPr>
+        <p:cNvPr id="1" name=""/>
+        <p:cNvGrpSpPr/>
+        <p:nvPr/>
+      </p:nvGrpSpPr>
+      <p:grpSpPr>
+        <a:xfrm>
+          <a:off x="0" y="0"/>
+          <a:ext cx="0" cy="0"/>
+          <a:chOff x="0" y="0"/>
+          <a:chExt cx="0" cy="0"/>
+        </a:xfrm>
+      </p:grpSpPr>
+      <p:sp>
+        <p:nvSpPr>
+          <p:cNvPr id="2" name="Título 1"/>
+          <p:cNvSpPr>
+            <a:spLocks noGrp="1"/>
+          </p:cNvSpPr>
+          <p:nvPr>
+            <p:ph type="title"/>
+          </p:nvPr>
+        </p:nvSpPr>
+        <p:spPr/>
+        <p:txBody>
+          <a:bodyPr/>
+          <a:lstStyle/>
+          <a:p>
+            <a:r>
+              <a:rPr lang="pt-PT" dirty="0" smtClean="0"/>
+              <a:t>Carla Machado</a:t>
+            </a:r>
+            <a:endParaRPr lang="pt-PT" dirty="0"/>
+          </a:p>
+        </p:txBody>
+      </p:sp>
+      <p:sp>
+        <p:nvSpPr>
+          <p:cNvPr id="3" name="Marcador de Posição de Conteúdo 2"/>
+          <p:cNvSpPr>
+            <a:spLocks noGrp="1"/>
+          </p:cNvSpPr>
+          <p:nvPr>
+            <p:ph idx="1"/>
+          </p:nvPr>
+        </p:nvSpPr>
+        <p:spPr/>
+        <p:txBody>
+          <a:bodyPr/>
+          <a:lstStyle/>
+          <a:p>
+            <a:endParaRPr lang="pt-PT"/>
+          </a:p>
+        </p:txBody>
+      </p:sp>
+    </p:spTree>
+  </p:cSld>
+  <p:clrMapOvr>
+    <a:masterClrMapping/>
+  </p:clrMapOvr>
+</p:sld>
+</file>
+
+<file path=ppt/slides/slide22.xml><?xml version="1.0" encoding="utf-8"?>
+<p:sld xmlns:a="http://schemas.openxmlformats.org/drawingml/2006/main" xmlns:r="http://schemas.openxmlformats.org/officeDocument/2006/relationships" xmlns:p="http://schemas.openxmlformats.org/presentationml/2006/main">
+  <p:cSld>
+    <p:spTree>
+      <p:nvGrpSpPr>
+        <p:cNvPr id="1" name=""/>
+        <p:cNvGrpSpPr/>
+        <p:nvPr/>
+      </p:nvGrpSpPr>
+      <p:grpSpPr>
+        <a:xfrm>
+          <a:off x="0" y="0"/>
+          <a:ext cx="0" cy="0"/>
+          <a:chOff x="0" y="0"/>
+          <a:chExt cx="0" cy="0"/>
+        </a:xfrm>
+      </p:grpSpPr>
+      <p:sp>
+        <p:nvSpPr>
+          <p:cNvPr id="2" name="Título 1"/>
+          <p:cNvSpPr>
+            <a:spLocks noGrp="1"/>
+          </p:cNvSpPr>
+          <p:nvPr>
+            <p:ph type="title"/>
+          </p:nvPr>
+        </p:nvSpPr>
+        <p:spPr/>
+        <p:txBody>
+          <a:bodyPr/>
+          <a:lstStyle/>
+          <a:p>
+            <a:r>
+              <a:rPr lang="pt-PT" dirty="0" smtClean="0"/>
+              <a:t>David João</a:t>
+            </a:r>
+            <a:endParaRPr lang="pt-PT" dirty="0"/>
+          </a:p>
+        </p:txBody>
+      </p:sp>
+      <p:sp>
+        <p:nvSpPr>
+          <p:cNvPr id="3" name="Marcador de Posição de Conteúdo 2"/>
+          <p:cNvSpPr>
+            <a:spLocks noGrp="1"/>
+          </p:cNvSpPr>
+          <p:nvPr>
+            <p:ph idx="1"/>
+          </p:nvPr>
+        </p:nvSpPr>
+        <p:spPr/>
+        <p:txBody>
+          <a:bodyPr/>
+          <a:lstStyle/>
+          <a:p>
+            <a:endParaRPr lang="pt-PT"/>
+          </a:p>
+        </p:txBody>
+      </p:sp>
+    </p:spTree>
+  </p:cSld>
+  <p:clrMapOvr>
+    <a:masterClrMapping/>
+  </p:clrMapOvr>
+</p:sld>
+</file>
+
+<file path=ppt/slides/slide23.xml><?xml version="1.0" encoding="utf-8"?>
+<p:sld xmlns:a="http://schemas.openxmlformats.org/drawingml/2006/main" xmlns:r="http://schemas.openxmlformats.org/officeDocument/2006/relationships" xmlns:p="http://schemas.openxmlformats.org/presentationml/2006/main">
+  <p:cSld>
+    <p:spTree>
+      <p:nvGrpSpPr>
+        <p:cNvPr id="1" name=""/>
+        <p:cNvGrpSpPr/>
+        <p:nvPr/>
+      </p:nvGrpSpPr>
+      <p:grpSpPr>
+        <a:xfrm>
+          <a:off x="0" y="0"/>
+          <a:ext cx="0" cy="0"/>
+          <a:chOff x="0" y="0"/>
+          <a:chExt cx="0" cy="0"/>
+        </a:xfrm>
+      </p:grpSpPr>
+      <p:sp>
+        <p:nvSpPr>
+          <p:cNvPr id="2" name="Título 1"/>
+          <p:cNvSpPr>
+            <a:spLocks noGrp="1"/>
+          </p:cNvSpPr>
+          <p:nvPr>
+            <p:ph type="title"/>
+          </p:nvPr>
+        </p:nvSpPr>
+        <p:spPr/>
+        <p:txBody>
+          <a:bodyPr/>
+          <a:lstStyle/>
+          <a:p>
+            <a:r>
+              <a:rPr lang="pt-PT" dirty="0" smtClean="0"/>
+              <a:t>Filipe Brandão</a:t>
+            </a:r>
+            <a:endParaRPr lang="pt-PT" dirty="0"/>
+          </a:p>
+        </p:txBody>
+      </p:sp>
+      <p:sp>
+        <p:nvSpPr>
+          <p:cNvPr id="3" name="Marcador de Posição de Conteúdo 2"/>
+          <p:cNvSpPr>
+            <a:spLocks noGrp="1"/>
+          </p:cNvSpPr>
+          <p:nvPr>
+            <p:ph idx="1"/>
+          </p:nvPr>
+        </p:nvSpPr>
+        <p:spPr/>
+        <p:txBody>
+          <a:bodyPr/>
+          <a:lstStyle/>
+          <a:p>
+            <a:endParaRPr lang="pt-PT"/>
+          </a:p>
+        </p:txBody>
+      </p:sp>
+    </p:spTree>
+  </p:cSld>
+  <p:clrMapOvr>
+    <a:masterClrMapping/>
+  </p:clrMapOvr>
+</p:sld>
+</file>
+
+<file path=ppt/slides/slide24.xml><?xml version="1.0" encoding="utf-8"?>
+<p:sld xmlns:a="http://schemas.openxmlformats.org/drawingml/2006/main" xmlns:r="http://schemas.openxmlformats.org/officeDocument/2006/relationships" xmlns:p="http://schemas.openxmlformats.org/presentationml/2006/main">
+  <p:cSld>
+    <p:spTree>
+      <p:nvGrpSpPr>
+        <p:cNvPr id="1" name=""/>
+        <p:cNvGrpSpPr/>
+        <p:nvPr/>
+      </p:nvGrpSpPr>
+      <p:grpSpPr>
+        <a:xfrm>
+          <a:off x="0" y="0"/>
+          <a:ext cx="0" cy="0"/>
+          <a:chOff x="0" y="0"/>
+          <a:chExt cx="0" cy="0"/>
+        </a:xfrm>
+      </p:grpSpPr>
+      <p:sp>
+        <p:nvSpPr>
+          <p:cNvPr id="2" name="Título 1"/>
+          <p:cNvSpPr>
+            <a:spLocks noGrp="1"/>
+          </p:cNvSpPr>
+          <p:nvPr>
+            <p:ph type="title"/>
+          </p:nvPr>
+        </p:nvSpPr>
+        <p:spPr/>
+        <p:txBody>
+          <a:bodyPr/>
+          <a:lstStyle/>
+          <a:p>
+            <a:r>
+              <a:rPr lang="pt-PT" dirty="0" smtClean="0"/>
+              <a:t>João Girão</a:t>
+            </a:r>
+            <a:endParaRPr lang="pt-PT" dirty="0"/>
+          </a:p>
+        </p:txBody>
+      </p:sp>
+      <p:sp>
+        <p:nvSpPr>
+          <p:cNvPr id="3" name="Marcador de Posição de Conteúdo 2"/>
+          <p:cNvSpPr>
+            <a:spLocks noGrp="1"/>
+          </p:cNvSpPr>
+          <p:nvPr>
+            <p:ph idx="1"/>
+          </p:nvPr>
+        </p:nvSpPr>
+        <p:spPr/>
+        <p:txBody>
+          <a:bodyPr/>
+          <a:lstStyle/>
+          <a:p>
+            <a:endParaRPr lang="pt-PT"/>
+          </a:p>
+        </p:txBody>
+      </p:sp>
+    </p:spTree>
+  </p:cSld>
+  <p:clrMapOvr>
+    <a:masterClrMapping/>
+  </p:clrMapOvr>
+</p:sld>
+</file>
+
+<file path=ppt/slides/slide25.xml><?xml version="1.0" encoding="utf-8"?>
+<p:sld xmlns:a="http://schemas.openxmlformats.org/drawingml/2006/main" xmlns:r="http://schemas.openxmlformats.org/officeDocument/2006/relationships" xmlns:p="http://schemas.openxmlformats.org/presentationml/2006/main">
+  <p:cSld>
+    <p:spTree>
+      <p:nvGrpSpPr>
+        <p:cNvPr id="1" name=""/>
+        <p:cNvGrpSpPr/>
+        <p:nvPr/>
+      </p:nvGrpSpPr>
+      <p:grpSpPr>
+        <a:xfrm>
+          <a:off x="0" y="0"/>
+          <a:ext cx="0" cy="0"/>
+          <a:chOff x="0" y="0"/>
+          <a:chExt cx="0" cy="0"/>
+        </a:xfrm>
+      </p:grpSpPr>
+      <p:sp>
+        <p:nvSpPr>
+          <p:cNvPr id="2" name="Título 1"/>
+          <p:cNvSpPr>
+            <a:spLocks noGrp="1"/>
+          </p:cNvSpPr>
+          <p:nvPr>
+            <p:ph type="title"/>
+          </p:nvPr>
+        </p:nvSpPr>
+        <p:spPr/>
+        <p:txBody>
+          <a:bodyPr/>
+          <a:lstStyle/>
+          <a:p>
+            <a:r>
+              <a:rPr lang="pt-PT" dirty="0" smtClean="0"/>
+              <a:t>João Martins</a:t>
+            </a:r>
+            <a:endParaRPr lang="pt-PT" dirty="0"/>
+          </a:p>
+        </p:txBody>
+      </p:sp>
+      <p:sp>
+        <p:nvSpPr>
+          <p:cNvPr id="3" name="Marcador de Posição de Conteúdo 2"/>
+          <p:cNvSpPr>
+            <a:spLocks noGrp="1"/>
+          </p:cNvSpPr>
+          <p:nvPr>
+            <p:ph idx="1"/>
+          </p:nvPr>
+        </p:nvSpPr>
+        <p:spPr/>
+        <p:txBody>
+          <a:bodyPr/>
+          <a:lstStyle/>
+          <a:p>
+            <a:endParaRPr lang="pt-PT"/>
+          </a:p>
+        </p:txBody>
+      </p:sp>
+    </p:spTree>
+  </p:cSld>
+  <p:clrMapOvr>
+    <a:masterClrMapping/>
+  </p:clrMapOvr>
+</p:sld>
+</file>
+
+<file path=ppt/slides/slide26.xml><?xml version="1.0" encoding="utf-8"?>
+<p:sld xmlns:a="http://schemas.openxmlformats.org/drawingml/2006/main" xmlns:r="http://schemas.openxmlformats.org/officeDocument/2006/relationships" xmlns:p="http://schemas.openxmlformats.org/presentationml/2006/main">
+  <p:cSld>
+    <p:spTree>
+      <p:nvGrpSpPr>
+        <p:cNvPr id="1" name=""/>
+        <p:cNvGrpSpPr/>
+        <p:nvPr/>
+      </p:nvGrpSpPr>
+      <p:grpSpPr>
+        <a:xfrm>
+          <a:off x="0" y="0"/>
+          <a:ext cx="0" cy="0"/>
+          <a:chOff x="0" y="0"/>
+          <a:chExt cx="0" cy="0"/>
+        </a:xfrm>
+      </p:grpSpPr>
+      <p:sp>
+        <p:nvSpPr>
+          <p:cNvPr id="2" name="Título 1"/>
+          <p:cNvSpPr>
+            <a:spLocks noGrp="1"/>
+          </p:cNvSpPr>
+          <p:nvPr>
+            <p:ph type="title"/>
+          </p:nvPr>
+        </p:nvSpPr>
+        <p:spPr/>
+        <p:txBody>
+          <a:bodyPr/>
+          <a:lstStyle/>
+          <a:p>
+            <a:r>
+              <a:rPr lang="pt-PT" dirty="0" smtClean="0"/>
+              <a:t>Mário Oliveira</a:t>
+            </a:r>
+            <a:endParaRPr lang="pt-PT" dirty="0"/>
+          </a:p>
+        </p:txBody>
+      </p:sp>
+      <p:sp>
+        <p:nvSpPr>
+          <p:cNvPr id="3" name="Marcador de Posição de Conteúdo 2"/>
+          <p:cNvSpPr>
+            <a:spLocks noGrp="1"/>
+          </p:cNvSpPr>
+          <p:nvPr>
+            <p:ph idx="1"/>
+          </p:nvPr>
+        </p:nvSpPr>
+        <p:spPr/>
+        <p:txBody>
+          <a:bodyPr/>
+          <a:lstStyle/>
+          <a:p>
+            <a:endParaRPr lang="pt-PT"/>
+          </a:p>
+        </p:txBody>
+      </p:sp>
+    </p:spTree>
+  </p:cSld>
+  <p:clrMapOvr>
+    <a:masterClrMapping/>
+  </p:clrMapOvr>
+</p:sld>
+</file>
+
+<file path=ppt/slides/slide27.xml><?xml version="1.0" encoding="utf-8"?>
+<p:sld xmlns:a="http://schemas.openxmlformats.org/drawingml/2006/main" xmlns:r="http://schemas.openxmlformats.org/officeDocument/2006/relationships" xmlns:p="http://schemas.openxmlformats.org/presentationml/2006/main">
+  <p:cSld>
+    <p:spTree>
+      <p:nvGrpSpPr>
+        <p:cNvPr id="1" name=""/>
+        <p:cNvGrpSpPr/>
+        <p:nvPr/>
+      </p:nvGrpSpPr>
+      <p:grpSpPr>
+        <a:xfrm>
+          <a:off x="0" y="0"/>
+          <a:ext cx="0" cy="0"/>
+          <a:chOff x="0" y="0"/>
+          <a:chExt cx="0" cy="0"/>
+        </a:xfrm>
+      </p:grpSpPr>
+      <p:sp>
+        <p:nvSpPr>
+          <p:cNvPr id="2" name="Título 1"/>
+          <p:cNvSpPr>
+            <a:spLocks noGrp="1"/>
+          </p:cNvSpPr>
+          <p:nvPr>
+            <p:ph type="title"/>
+          </p:nvPr>
+        </p:nvSpPr>
+        <p:spPr/>
+        <p:txBody>
+          <a:bodyPr/>
+          <a:lstStyle/>
+          <a:p>
+            <a:r>
+              <a:rPr lang="pt-PT" dirty="0" smtClean="0"/>
+              <a:t>Rui Ganhoto</a:t>
+            </a:r>
+            <a:endParaRPr lang="pt-PT" dirty="0"/>
+          </a:p>
+        </p:txBody>
+      </p:sp>
+      <p:sp>
+        <p:nvSpPr>
+          <p:cNvPr id="3" name="Marcador de Posição de Conteúdo 2"/>
+          <p:cNvSpPr>
+            <a:spLocks noGrp="1"/>
+          </p:cNvSpPr>
+          <p:nvPr>
+            <p:ph idx="1"/>
+          </p:nvPr>
+        </p:nvSpPr>
+        <p:spPr/>
+        <p:txBody>
+          <a:bodyPr/>
+          <a:lstStyle/>
+          <a:p>
+            <a:endParaRPr lang="pt-PT"/>
+          </a:p>
+        </p:txBody>
+      </p:sp>
+    </p:spTree>
+  </p:cSld>
+  <p:clrMapOvr>
+    <a:masterClrMapping/>
+  </p:clrMapOvr>
 </p:sld>
 </file>
 
@@ -6482,17 +7642,9 @@
           <a:p>
             <a:r>
               <a:rPr lang="en-US" dirty="0" smtClean="0"/>
-              <a:t>Product</a:t>
-            </a:r>
-            <a:r>
-              <a:rPr lang="pt-PT" dirty="0" smtClean="0"/>
-              <a:t> </a:t>
-            </a:r>
-            <a:r>
-              <a:rPr lang="pt-PT" dirty="0" err="1" smtClean="0"/>
-              <a:t>Overview</a:t>
-            </a:r>
-            <a:endParaRPr lang="pt-PT" dirty="0"/>
+              <a:t>Product Overview</a:t>
+            </a:r>
+            <a:endParaRPr lang="en-US" dirty="0"/>
           </a:p>
         </p:txBody>
       </p:sp>
@@ -6522,7 +7674,7 @@
     </p:spTree>
     <p:extLst>
       <p:ext uri="{BB962C8B-B14F-4D97-AF65-F5344CB8AC3E}">
-        <p14:creationId xmlns:p14="http://schemas.microsoft.com/office/powerpoint/2010/main" val="755519461"/>
+        <p14:creationId xmlns:p14="http://schemas.microsoft.com/office/powerpoint/2010/main" xmlns="" val="755519461"/>
       </p:ext>
     </p:extLst>
   </p:cSld>
@@ -6597,7 +7749,7 @@
     </p:spTree>
     <p:extLst>
       <p:ext uri="{BB962C8B-B14F-4D97-AF65-F5344CB8AC3E}">
-        <p14:creationId xmlns:p14="http://schemas.microsoft.com/office/powerpoint/2010/main" val="1515372593"/>
+        <p14:creationId xmlns:p14="http://schemas.microsoft.com/office/powerpoint/2010/main" xmlns="" val="1515372593"/>
       </p:ext>
     </p:extLst>
   </p:cSld>
@@ -6647,14 +7799,14 @@
           <a:lstStyle/>
           <a:p>
             <a:r>
-              <a:rPr lang="pt-PT" dirty="0" smtClean="0"/>
+              <a:rPr lang="en-US" dirty="0" smtClean="0"/>
               <a:t>Project </a:t>
             </a:r>
             <a:r>
-              <a:rPr lang="pt-PT" dirty="0" err="1" smtClean="0"/>
+              <a:rPr lang="en-US" dirty="0" err="1" smtClean="0"/>
               <a:t>Managment</a:t>
             </a:r>
-            <a:endParaRPr lang="pt-PT" dirty="0"/>
+            <a:endParaRPr lang="en-US" dirty="0"/>
           </a:p>
         </p:txBody>
       </p:sp>
@@ -6684,7 +7836,7 @@
     </p:spTree>
     <p:extLst>
       <p:ext uri="{BB962C8B-B14F-4D97-AF65-F5344CB8AC3E}">
-        <p14:creationId xmlns:p14="http://schemas.microsoft.com/office/powerpoint/2010/main" val="4109416244"/>
+        <p14:creationId xmlns:p14="http://schemas.microsoft.com/office/powerpoint/2010/main" xmlns="" val="4109416244"/>
       </p:ext>
     </p:extLst>
   </p:cSld>
@@ -6759,7 +7911,7 @@
     </p:spTree>
     <p:extLst>
       <p:ext uri="{BB962C8B-B14F-4D97-AF65-F5344CB8AC3E}">
-        <p14:creationId xmlns:p14="http://schemas.microsoft.com/office/powerpoint/2010/main" val="444568525"/>
+        <p14:creationId xmlns:p14="http://schemas.microsoft.com/office/powerpoint/2010/main" xmlns="" val="444568525"/>
       </p:ext>
     </p:extLst>
   </p:cSld>
@@ -6842,7 +7994,7 @@
     </p:spTree>
     <p:extLst>
       <p:ext uri="{BB962C8B-B14F-4D97-AF65-F5344CB8AC3E}">
-        <p14:creationId xmlns:p14="http://schemas.microsoft.com/office/powerpoint/2010/main" val="1036071785"/>
+        <p14:creationId xmlns:p14="http://schemas.microsoft.com/office/powerpoint/2010/main" xmlns="" val="1036071785"/>
       </p:ext>
     </p:extLst>
   </p:cSld>
@@ -6917,7 +8069,7 @@
     </p:spTree>
     <p:extLst>
       <p:ext uri="{BB962C8B-B14F-4D97-AF65-F5344CB8AC3E}">
-        <p14:creationId xmlns:p14="http://schemas.microsoft.com/office/powerpoint/2010/main" val="4029259654"/>
+        <p14:creationId xmlns:p14="http://schemas.microsoft.com/office/powerpoint/2010/main" xmlns="" val="4029259654"/>
       </p:ext>
     </p:extLst>
   </p:cSld>
@@ -6967,18 +8119,14 @@
           <a:lstStyle/>
           <a:p>
             <a:r>
-              <a:rPr lang="pt-PT" dirty="0" err="1" smtClean="0"/>
-              <a:t>Document</a:t>
-            </a:r>
-            <a:r>
-              <a:rPr lang="pt-PT" dirty="0" smtClean="0"/>
-              <a:t> </a:t>
-            </a:r>
-            <a:r>
-              <a:rPr lang="pt-PT" dirty="0" err="1" smtClean="0"/>
+              <a:rPr lang="en-US" dirty="0" smtClean="0"/>
+              <a:t>Document </a:t>
+            </a:r>
+            <a:r>
+              <a:rPr lang="en-US" dirty="0" err="1" smtClean="0"/>
               <a:t>Managment</a:t>
             </a:r>
-            <a:endParaRPr lang="pt-PT" dirty="0"/>
+            <a:endParaRPr lang="en-US" dirty="0"/>
           </a:p>
         </p:txBody>
       </p:sp>
@@ -7008,7 +8156,7 @@
     </p:spTree>
     <p:extLst>
       <p:ext uri="{BB962C8B-B14F-4D97-AF65-F5344CB8AC3E}">
-        <p14:creationId xmlns:p14="http://schemas.microsoft.com/office/powerpoint/2010/main" val="1350559237"/>
+        <p14:creationId xmlns:p14="http://schemas.microsoft.com/office/powerpoint/2010/main" xmlns="" val="1350559237"/>
       </p:ext>
     </p:extLst>
   </p:cSld>
@@ -7068,7 +8216,7 @@
     </a:clrScheme>
     <a:fontScheme name="Parallax">
       <a:majorFont>
-        <a:latin typeface="Corbel" panose="020B0503020204020204"/>
+        <a:latin typeface="Corbel"/>
         <a:ea typeface=""/>
         <a:cs typeface=""/>
         <a:font script="Jpan" typeface="HGｺﾞｼｯｸM"/>
@@ -7103,7 +8251,7 @@
         <a:font script="Geor" typeface="Sylfaen"/>
       </a:majorFont>
       <a:minorFont>
-        <a:latin typeface="Corbel" panose="020B0503020204020204"/>
+        <a:latin typeface="Corbel"/>
         <a:ea typeface=""/>
         <a:cs typeface=""/>
         <a:font script="Jpan" typeface="HGｺﾞｼｯｸM"/>
@@ -7275,7 +8423,7 @@
   <a:extraClrSchemeLst/>
   <a:extLst>
     <a:ext uri="{05A4C25C-085E-4340-85A3-A5531E510DB2}">
-      <thm15:themeFamily xmlns:thm15="http://schemas.microsoft.com/office/thememl/2012/main" name="Parallax" id="{3388167B-A2EB-4685-9635-1831D9AEF8C4}" vid="{4F7A876A-7598-49CA-AFC8-8EDA2551E4A7}"/>
+      <thm15:themeFamily xmlns:thm15="http://schemas.microsoft.com/office/thememl/2012/main" xmlns="" name="Parallax" id="{3388167B-A2EB-4685-9635-1831D9AEF8C4}" vid="{4F7A876A-7598-49CA-AFC8-8EDA2551E4A7}"/>
     </a:ext>
   </a:extLst>
 </a:theme>

--- a/Final Presentation/Presentation.pptx
+++ b/Final Presentation/Presentation.pptx
@@ -19,19 +19,25 @@
     <p:sldId id="277" r:id="rId13"/>
     <p:sldId id="276" r:id="rId14"/>
     <p:sldId id="280" r:id="rId15"/>
-    <p:sldId id="279" r:id="rId16"/>
-    <p:sldId id="281" r:id="rId17"/>
-    <p:sldId id="284" r:id="rId18"/>
-    <p:sldId id="282" r:id="rId19"/>
-    <p:sldId id="285" r:id="rId20"/>
-    <p:sldId id="283" r:id="rId21"/>
-    <p:sldId id="286" r:id="rId22"/>
-    <p:sldId id="287" r:id="rId23"/>
-    <p:sldId id="288" r:id="rId24"/>
-    <p:sldId id="289" r:id="rId25"/>
-    <p:sldId id="290" r:id="rId26"/>
-    <p:sldId id="291" r:id="rId27"/>
-    <p:sldId id="292" r:id="rId28"/>
+    <p:sldId id="293" r:id="rId16"/>
+    <p:sldId id="294" r:id="rId17"/>
+    <p:sldId id="295" r:id="rId18"/>
+    <p:sldId id="296" r:id="rId19"/>
+    <p:sldId id="297" r:id="rId20"/>
+    <p:sldId id="298" r:id="rId21"/>
+    <p:sldId id="279" r:id="rId22"/>
+    <p:sldId id="281" r:id="rId23"/>
+    <p:sldId id="284" r:id="rId24"/>
+    <p:sldId id="282" r:id="rId25"/>
+    <p:sldId id="285" r:id="rId26"/>
+    <p:sldId id="283" r:id="rId27"/>
+    <p:sldId id="286" r:id="rId28"/>
+    <p:sldId id="287" r:id="rId29"/>
+    <p:sldId id="288" r:id="rId30"/>
+    <p:sldId id="289" r:id="rId31"/>
+    <p:sldId id="290" r:id="rId32"/>
+    <p:sldId id="291" r:id="rId33"/>
+    <p:sldId id="292" r:id="rId34"/>
   </p:sldIdLst>
   <p:sldSz cx="12192000" cy="6858000"/>
   <p:notesSz cx="6858000" cy="9144000"/>
@@ -6599,6 +6605,10 @@
           <a:bodyPr/>
           <a:lstStyle/>
           <a:p>
+            <a:r>
+              <a:rPr lang="en-US" dirty="0" smtClean="0"/>
+              <a:t>Processes and Process Analysis</a:t>
+            </a:r>
             <a:endParaRPr lang="pt-PT" dirty="0"/>
           </a:p>
         </p:txBody>
@@ -6615,10 +6625,73 @@
         </p:nvSpPr>
         <p:spPr/>
         <p:txBody>
-          <a:bodyPr/>
-          <a:lstStyle/>
-          <a:p>
-            <a:endParaRPr lang="pt-PT"/>
+          <a:bodyPr>
+            <a:normAutofit fontScale="92500" lnSpcReduction="10000"/>
+          </a:bodyPr>
+          <a:lstStyle/>
+          <a:p>
+            <a:r>
+              <a:rPr lang="en-US" dirty="0" smtClean="0"/>
+              <a:t>Document Management Process</a:t>
+            </a:r>
+          </a:p>
+          <a:p>
+            <a:pPr lvl="1"/>
+            <a:r>
+              <a:rPr lang="en-US" dirty="0" smtClean="0"/>
+              <a:t>It was followed in the majority of documents although some unconformities were detected </a:t>
+            </a:r>
+          </a:p>
+          <a:p>
+            <a:pPr lvl="2"/>
+            <a:r>
+              <a:rPr lang="en-US" dirty="0" smtClean="0"/>
+              <a:t>Not following correctly the hierarchy for the different roles</a:t>
+            </a:r>
+          </a:p>
+          <a:p>
+            <a:pPr lvl="1"/>
+            <a:r>
+              <a:rPr lang="en-US" dirty="0" smtClean="0"/>
+              <a:t>The process lacked flexibility in choosing the persons for the different </a:t>
+            </a:r>
+            <a:r>
+              <a:rPr lang="en-US" dirty="0" smtClean="0"/>
+              <a:t>roles</a:t>
+            </a:r>
+            <a:endParaRPr lang="en-US" dirty="0" smtClean="0"/>
+          </a:p>
+          <a:p>
+            <a:r>
+              <a:rPr lang="en-US" dirty="0" smtClean="0"/>
+              <a:t>Project Assessment and Control Process</a:t>
+            </a:r>
+          </a:p>
+          <a:p>
+            <a:pPr lvl="1"/>
+            <a:r>
+              <a:rPr lang="en-US" dirty="0" smtClean="0"/>
+              <a:t>Project and risk control weren’t very accurate</a:t>
+            </a:r>
+          </a:p>
+          <a:p>
+            <a:pPr lvl="2"/>
+            <a:r>
+              <a:rPr lang="en-US" dirty="0" smtClean="0"/>
+              <a:t>Process wasn’t always exactly followed</a:t>
+            </a:r>
+          </a:p>
+          <a:p>
+            <a:pPr lvl="2"/>
+            <a:r>
+              <a:rPr lang="en-US" dirty="0" smtClean="0"/>
+              <a:t>Problems with some of the used </a:t>
+            </a:r>
+            <a:r>
+              <a:rPr lang="en-US" dirty="0" smtClean="0"/>
+              <a:t>tools</a:t>
+            </a:r>
+            <a:endParaRPr lang="en-US" dirty="0" smtClean="0"/>
           </a:p>
         </p:txBody>
       </p:sp>
@@ -6676,32 +6749,72 @@
           <a:p>
             <a:r>
               <a:rPr lang="en-US" dirty="0" smtClean="0"/>
-              <a:t>Risk Management</a:t>
-            </a:r>
-            <a:endParaRPr lang="en-US" dirty="0"/>
-          </a:p>
-        </p:txBody>
-      </p:sp>
-      <p:sp>
-        <p:nvSpPr>
-          <p:cNvPr id="3" name="Marcador de Posição do Texto 2"/>
-          <p:cNvSpPr>
-            <a:spLocks noGrp="1"/>
-          </p:cNvSpPr>
-          <p:nvPr>
-            <p:ph type="body" idx="1"/>
-          </p:nvPr>
-        </p:nvSpPr>
-        <p:spPr/>
-        <p:txBody>
-          <a:bodyPr/>
-          <a:lstStyle/>
-          <a:p>
-            <a:r>
-              <a:rPr lang="pt-PT" dirty="0" smtClean="0"/>
-              <a:t>João Girão</a:t>
+              <a:t>Processes and Process Analysis</a:t>
             </a:r>
             <a:endParaRPr lang="pt-PT" dirty="0"/>
+          </a:p>
+        </p:txBody>
+      </p:sp>
+      <p:sp>
+        <p:nvSpPr>
+          <p:cNvPr id="3" name="Marcador de Posição de Conteúdo 2"/>
+          <p:cNvSpPr>
+            <a:spLocks noGrp="1"/>
+          </p:cNvSpPr>
+          <p:nvPr>
+            <p:ph idx="1"/>
+          </p:nvPr>
+        </p:nvSpPr>
+        <p:spPr/>
+        <p:txBody>
+          <a:bodyPr>
+            <a:normAutofit/>
+          </a:bodyPr>
+          <a:lstStyle/>
+          <a:p>
+            <a:r>
+              <a:rPr lang="en-US" dirty="0" smtClean="0"/>
+              <a:t>Project Planning Process</a:t>
+            </a:r>
+          </a:p>
+          <a:p>
+            <a:pPr lvl="1"/>
+            <a:r>
+              <a:rPr lang="en-US" dirty="0" smtClean="0"/>
+              <a:t>Plan was updated</a:t>
+            </a:r>
+          </a:p>
+          <a:p>
+            <a:pPr lvl="2"/>
+            <a:r>
+              <a:rPr lang="en-US" dirty="0" smtClean="0"/>
+              <a:t>Redefinition of some concepts - </a:t>
+            </a:r>
+            <a:r>
+              <a:rPr lang="en-US" dirty="0" smtClean="0"/>
+              <a:t>milestones</a:t>
+            </a:r>
+            <a:endParaRPr lang="en-US" dirty="0" smtClean="0"/>
+          </a:p>
+          <a:p>
+            <a:r>
+              <a:rPr lang="en-US" dirty="0" smtClean="0"/>
+              <a:t>Requirements Analysis Process</a:t>
+            </a:r>
+          </a:p>
+          <a:p>
+            <a:pPr lvl="1"/>
+            <a:r>
+              <a:rPr lang="en-US" dirty="0" smtClean="0"/>
+              <a:t>Major unconformity</a:t>
+            </a:r>
+          </a:p>
+          <a:p>
+            <a:pPr lvl="2"/>
+            <a:r>
+              <a:rPr lang="en-US" dirty="0" smtClean="0"/>
+              <a:t> changes were made that didn´t follow the change requirements process and documentation wasn’t updated </a:t>
+            </a:r>
           </a:p>
         </p:txBody>
       </p:sp>
@@ -6732,7 +6845,7 @@
       </p:grpSpPr>
       <p:sp>
         <p:nvSpPr>
-          <p:cNvPr id="2" name="Title 1"/>
+          <p:cNvPr id="2" name="Título 1"/>
           <p:cNvSpPr>
             <a:spLocks noGrp="1"/>
           </p:cNvSpPr>
@@ -6745,13 +6858,17 @@
           <a:bodyPr/>
           <a:lstStyle/>
           <a:p>
+            <a:r>
+              <a:rPr lang="en-US" dirty="0" smtClean="0"/>
+              <a:t>Processes and Process Analysis</a:t>
+            </a:r>
             <a:endParaRPr lang="pt-PT" dirty="0"/>
           </a:p>
         </p:txBody>
       </p:sp>
       <p:sp>
         <p:nvSpPr>
-          <p:cNvPr id="3" name="Content Placeholder 2"/>
+          <p:cNvPr id="3" name="Marcador de Posição de Conteúdo 2"/>
           <p:cNvSpPr>
             <a:spLocks noGrp="1"/>
           </p:cNvSpPr>
@@ -6761,30 +6878,76 @@
         </p:nvSpPr>
         <p:spPr/>
         <p:txBody>
-          <a:bodyPr/>
-          <a:lstStyle/>
-          <a:p>
-            <a:endParaRPr lang="pt-PT"/>
+          <a:bodyPr>
+            <a:normAutofit fontScale="92500" lnSpcReduction="20000"/>
+          </a:bodyPr>
+          <a:lstStyle/>
+          <a:p>
+            <a:r>
+              <a:rPr lang="en-US" dirty="0" smtClean="0"/>
+              <a:t>Review Process</a:t>
+            </a:r>
+          </a:p>
+          <a:p>
+            <a:pPr lvl="1"/>
+            <a:r>
+              <a:rPr lang="en-US" dirty="0" smtClean="0"/>
+              <a:t>Major unconformity associated with the walkthrough </a:t>
+            </a:r>
+          </a:p>
+          <a:p>
+            <a:pPr lvl="2"/>
+            <a:r>
+              <a:rPr lang="en-US" dirty="0" smtClean="0"/>
+              <a:t>The process wasn´t followed and measures weren’t recorded</a:t>
+            </a:r>
+          </a:p>
+          <a:p>
+            <a:r>
+              <a:rPr lang="en-US" dirty="0" smtClean="0"/>
+              <a:t>Verification &amp; Validation Process </a:t>
+            </a:r>
+          </a:p>
+          <a:p>
+            <a:pPr lvl="1"/>
+            <a:r>
+              <a:rPr lang="en-US" dirty="0" smtClean="0"/>
+              <a:t>Doesn’t mention Had-doc testing</a:t>
+            </a:r>
+          </a:p>
+          <a:p>
+            <a:pPr lvl="2"/>
+            <a:r>
+              <a:rPr lang="en-US" dirty="0" smtClean="0"/>
+              <a:t>How to report defects not associated with tests</a:t>
+            </a:r>
+          </a:p>
+          <a:p>
+            <a:pPr lvl="1"/>
+            <a:r>
+              <a:rPr lang="en-US" dirty="0" smtClean="0"/>
+              <a:t>What to do in cases of reopen</a:t>
+            </a:r>
+          </a:p>
+          <a:p>
+            <a:pPr lvl="1"/>
+            <a:r>
+              <a:rPr lang="en-US" dirty="0" smtClean="0"/>
+              <a:t>Test plan wasn’t </a:t>
+            </a:r>
+            <a:r>
+              <a:rPr lang="en-US" dirty="0" smtClean="0"/>
+              <a:t>concluded</a:t>
+            </a:r>
+            <a:endParaRPr lang="en-US" dirty="0" smtClean="0"/>
           </a:p>
         </p:txBody>
       </p:sp>
     </p:spTree>
-    <p:extLst>
-      <p:ext uri="{BB962C8B-B14F-4D97-AF65-F5344CB8AC3E}">
-        <p14:creationId xmlns:p14="http://schemas.microsoft.com/office/powerpoint/2010/main" xmlns="" val="3857988853"/>
-      </p:ext>
-    </p:extLst>
   </p:cSld>
   <p:clrMapOvr>
     <a:masterClrMapping/>
   </p:clrMapOvr>
-  <p:timing>
-    <p:tnLst>
-      <p:par>
-        <p:cTn id="1" dur="indefinite" restart="never" nodeType="tmRoot"/>
-      </p:par>
-    </p:tnLst>
-  </p:timing>
 </p:sld>
 </file>
 
@@ -6822,31 +6985,54 @@
           <a:p>
             <a:r>
               <a:rPr lang="en-US" dirty="0" smtClean="0"/>
-              <a:t>Product Demonstration</a:t>
-            </a:r>
-            <a:endParaRPr lang="en-US" dirty="0"/>
-          </a:p>
-        </p:txBody>
-      </p:sp>
-      <p:sp>
-        <p:nvSpPr>
-          <p:cNvPr id="3" name="Marcador de Posição do Texto 2"/>
-          <p:cNvSpPr>
-            <a:spLocks noGrp="1"/>
-          </p:cNvSpPr>
-          <p:nvPr>
-            <p:ph type="body" idx="1"/>
-          </p:nvPr>
-        </p:nvSpPr>
-        <p:spPr/>
-        <p:txBody>
-          <a:bodyPr/>
-          <a:lstStyle/>
-          <a:p>
-            <a:r>
-              <a:rPr lang="pt-PT" dirty="0" smtClean="0"/>
-              <a:t>David João</a:t>
-            </a:r>
+              <a:t>Processes and Process Analysis</a:t>
+            </a:r>
+            <a:endParaRPr lang="pt-PT" dirty="0"/>
+          </a:p>
+        </p:txBody>
+      </p:sp>
+      <p:sp>
+        <p:nvSpPr>
+          <p:cNvPr id="3" name="Marcador de Posição de Conteúdo 2"/>
+          <p:cNvSpPr>
+            <a:spLocks noGrp="1"/>
+          </p:cNvSpPr>
+          <p:nvPr>
+            <p:ph idx="1"/>
+          </p:nvPr>
+        </p:nvSpPr>
+        <p:spPr/>
+        <p:txBody>
+          <a:bodyPr/>
+          <a:lstStyle/>
+          <a:p>
+            <a:r>
+              <a:rPr lang="en-US" dirty="0" smtClean="0"/>
+              <a:t>Common issues in following the processes</a:t>
+            </a:r>
+          </a:p>
+          <a:p>
+            <a:pPr lvl="1"/>
+            <a:r>
+              <a:rPr lang="en-US" dirty="0" smtClean="0"/>
+              <a:t>Process measures weren’t always recorded or updated timely</a:t>
+            </a:r>
+          </a:p>
+          <a:p>
+            <a:pPr lvl="1"/>
+            <a:r>
+              <a:rPr lang="en-US" dirty="0" smtClean="0"/>
+              <a:t>The processes weren’t always exactly followed as defined</a:t>
+            </a:r>
+          </a:p>
+          <a:p>
+            <a:pPr lvl="1"/>
+            <a:r>
+              <a:rPr lang="en-US" dirty="0" smtClean="0"/>
+              <a:t>Some processes were overcomplicated for the team and project needs</a:t>
+            </a:r>
+          </a:p>
+          <a:p>
             <a:endParaRPr lang="pt-PT" dirty="0"/>
           </a:p>
         </p:txBody>
@@ -6891,7 +7077,11 @@
           <a:bodyPr/>
           <a:lstStyle/>
           <a:p>
-            <a:endParaRPr lang="pt-PT"/>
+            <a:r>
+              <a:rPr lang="en-US" dirty="0" smtClean="0"/>
+              <a:t>Quality Activities</a:t>
+            </a:r>
+            <a:endParaRPr lang="pt-PT" dirty="0"/>
           </a:p>
         </p:txBody>
       </p:sp>
@@ -6907,10 +7097,74 @@
         </p:nvSpPr>
         <p:spPr/>
         <p:txBody>
-          <a:bodyPr/>
-          <a:lstStyle/>
-          <a:p>
-            <a:endParaRPr lang="pt-PT"/>
+          <a:bodyPr>
+            <a:normAutofit fontScale="85000" lnSpcReduction="20000"/>
+          </a:bodyPr>
+          <a:lstStyle/>
+          <a:p>
+            <a:r>
+              <a:rPr lang="en-US" dirty="0" smtClean="0"/>
+              <a:t>Reviews</a:t>
+            </a:r>
+          </a:p>
+          <a:p>
+            <a:pPr lvl="1"/>
+            <a:r>
+              <a:rPr lang="en-US" dirty="0" smtClean="0"/>
+              <a:t>Inspections</a:t>
+            </a:r>
+          </a:p>
+          <a:p>
+            <a:pPr lvl="1"/>
+            <a:r>
+              <a:rPr lang="en-US" dirty="0" smtClean="0"/>
+              <a:t>Walkthrough</a:t>
+            </a:r>
+          </a:p>
+          <a:p>
+            <a:pPr lvl="1"/>
+            <a:r>
+              <a:rPr lang="en-US" dirty="0" smtClean="0"/>
+              <a:t>Desk checks</a:t>
+            </a:r>
+          </a:p>
+          <a:p>
+            <a:r>
+              <a:rPr lang="en-US" dirty="0" smtClean="0"/>
+              <a:t>Quality verifications</a:t>
+            </a:r>
+          </a:p>
+          <a:p>
+            <a:pPr lvl="1"/>
+            <a:r>
+              <a:rPr lang="en-US" dirty="0" smtClean="0"/>
+              <a:t>Processes were followed</a:t>
+            </a:r>
+          </a:p>
+          <a:p>
+            <a:r>
+              <a:rPr lang="en-US" dirty="0" smtClean="0"/>
+              <a:t> Testing</a:t>
+            </a:r>
+          </a:p>
+          <a:p>
+            <a:pPr lvl="1"/>
+            <a:r>
+              <a:rPr lang="en-US" dirty="0" smtClean="0"/>
+              <a:t>Unit testing</a:t>
+            </a:r>
+          </a:p>
+          <a:p>
+            <a:pPr lvl="1"/>
+            <a:r>
+              <a:rPr lang="en-US" dirty="0" smtClean="0"/>
+              <a:t>Acceptance and system </a:t>
+            </a:r>
+            <a:r>
+              <a:rPr lang="en-US" dirty="0" smtClean="0"/>
+              <a:t>testing</a:t>
+            </a:r>
+            <a:endParaRPr lang="en-US" dirty="0" smtClean="0"/>
           </a:p>
         </p:txBody>
       </p:sp>
@@ -6956,7 +7210,7 @@
           <a:p>
             <a:r>
               <a:rPr lang="en-US" dirty="0" smtClean="0"/>
-              <a:t>Analysis and Conclusions</a:t>
+              <a:t>Quality Cost</a:t>
             </a:r>
             <a:endParaRPr lang="en-US" dirty="0"/>
           </a:p>
@@ -6964,24 +7218,20 @@
       </p:sp>
       <p:sp>
         <p:nvSpPr>
-          <p:cNvPr id="3" name="Marcador de Posição do Texto 2"/>
-          <p:cNvSpPr>
-            <a:spLocks noGrp="1"/>
-          </p:cNvSpPr>
-          <p:nvPr>
-            <p:ph type="body" idx="1"/>
-          </p:nvPr>
-        </p:nvSpPr>
-        <p:spPr/>
-        <p:txBody>
-          <a:bodyPr/>
-          <a:lstStyle/>
-          <a:p>
-            <a:r>
-              <a:rPr lang="pt-PT" dirty="0" smtClean="0"/>
-              <a:t>Team</a:t>
-            </a:r>
-            <a:endParaRPr lang="pt-PT" dirty="0"/>
+          <p:cNvPr id="3" name="Marcador de Posição de Conteúdo 2"/>
+          <p:cNvSpPr>
+            <a:spLocks noGrp="1"/>
+          </p:cNvSpPr>
+          <p:nvPr>
+            <p:ph idx="1"/>
+          </p:nvPr>
+        </p:nvSpPr>
+        <p:spPr/>
+        <p:txBody>
+          <a:bodyPr/>
+          <a:lstStyle/>
+          <a:p>
+            <a:endParaRPr lang="pt-PT"/>
           </a:p>
         </p:txBody>
       </p:sp>
@@ -7105,10 +7355,18 @@
           <a:lstStyle/>
           <a:p>
             <a:r>
-              <a:rPr lang="pt-PT" dirty="0" smtClean="0"/>
-              <a:t>Global</a:t>
-            </a:r>
-            <a:endParaRPr lang="pt-PT" dirty="0"/>
+              <a:rPr lang="en-US" smtClean="0"/>
+              <a:t>Quality</a:t>
+            </a:r>
+            <a:r>
+              <a:rPr lang="en-US" smtClean="0"/>
+              <a:t> </a:t>
+            </a:r>
+            <a:r>
+              <a:rPr lang="en-US" smtClean="0"/>
+              <a:t>Perception</a:t>
+            </a:r>
+            <a:endParaRPr lang="en-US"/>
           </a:p>
         </p:txBody>
       </p:sp>
@@ -7172,29 +7430,33 @@
           <a:lstStyle/>
           <a:p>
             <a:r>
+              <a:rPr lang="en-US" dirty="0" smtClean="0"/>
+              <a:t>Risk Management</a:t>
+            </a:r>
+            <a:endParaRPr lang="en-US" dirty="0"/>
+          </a:p>
+        </p:txBody>
+      </p:sp>
+      <p:sp>
+        <p:nvSpPr>
+          <p:cNvPr id="3" name="Marcador de Posição do Texto 2"/>
+          <p:cNvSpPr>
+            <a:spLocks noGrp="1"/>
+          </p:cNvSpPr>
+          <p:nvPr>
+            <p:ph type="body" idx="1"/>
+          </p:nvPr>
+        </p:nvSpPr>
+        <p:spPr/>
+        <p:txBody>
+          <a:bodyPr/>
+          <a:lstStyle/>
+          <a:p>
+            <a:r>
               <a:rPr lang="pt-PT" dirty="0" smtClean="0"/>
-              <a:t>Carla Machado</a:t>
+              <a:t>João Girão</a:t>
             </a:r>
             <a:endParaRPr lang="pt-PT" dirty="0"/>
-          </a:p>
-        </p:txBody>
-      </p:sp>
-      <p:sp>
-        <p:nvSpPr>
-          <p:cNvPr id="3" name="Marcador de Posição de Conteúdo 2"/>
-          <p:cNvSpPr>
-            <a:spLocks noGrp="1"/>
-          </p:cNvSpPr>
-          <p:nvPr>
-            <p:ph idx="1"/>
-          </p:nvPr>
-        </p:nvSpPr>
-        <p:spPr/>
-        <p:txBody>
-          <a:bodyPr/>
-          <a:lstStyle/>
-          <a:p>
-            <a:endParaRPr lang="pt-PT"/>
           </a:p>
         </p:txBody>
       </p:sp>
@@ -7203,6 +7465,13 @@
   <p:clrMapOvr>
     <a:masterClrMapping/>
   </p:clrMapOvr>
+  <p:timing>
+    <p:tnLst>
+      <p:par>
+        <p:cTn id="1" dur="indefinite" restart="never" nodeType="tmRoot"/>
+      </p:par>
+    </p:tnLst>
+  </p:timing>
 </p:sld>
 </file>
 
@@ -7225,7 +7494,7 @@
       </p:grpSpPr>
       <p:sp>
         <p:nvSpPr>
-          <p:cNvPr id="2" name="Título 1"/>
+          <p:cNvPr id="2" name="Title 1"/>
           <p:cNvSpPr>
             <a:spLocks noGrp="1"/>
           </p:cNvSpPr>
@@ -7238,17 +7507,13 @@
           <a:bodyPr/>
           <a:lstStyle/>
           <a:p>
-            <a:r>
-              <a:rPr lang="pt-PT" dirty="0" smtClean="0"/>
-              <a:t>David João</a:t>
-            </a:r>
             <a:endParaRPr lang="pt-PT" dirty="0"/>
           </a:p>
         </p:txBody>
       </p:sp>
       <p:sp>
         <p:nvSpPr>
-          <p:cNvPr id="3" name="Marcador de Posição de Conteúdo 2"/>
+          <p:cNvPr id="3" name="Content Placeholder 2"/>
           <p:cNvSpPr>
             <a:spLocks noGrp="1"/>
           </p:cNvSpPr>
@@ -7266,10 +7531,22 @@
         </p:txBody>
       </p:sp>
     </p:spTree>
+    <p:extLst>
+      <p:ext uri="{BB962C8B-B14F-4D97-AF65-F5344CB8AC3E}">
+        <p14:creationId xmlns:p14="http://schemas.microsoft.com/office/powerpoint/2010/main" xmlns="" val="3857988853"/>
+      </p:ext>
+    </p:extLst>
   </p:cSld>
   <p:clrMapOvr>
     <a:masterClrMapping/>
   </p:clrMapOvr>
+  <p:timing>
+    <p:tnLst>
+      <p:par>
+        <p:cTn id="1" dur="indefinite" restart="never" nodeType="tmRoot"/>
+      </p:par>
+    </p:tnLst>
+  </p:timing>
 </p:sld>
 </file>
 
@@ -7306,29 +7583,33 @@
           <a:lstStyle/>
           <a:p>
             <a:r>
+              <a:rPr lang="en-US" dirty="0" smtClean="0"/>
+              <a:t>Product Demonstration</a:t>
+            </a:r>
+            <a:endParaRPr lang="en-US" dirty="0"/>
+          </a:p>
+        </p:txBody>
+      </p:sp>
+      <p:sp>
+        <p:nvSpPr>
+          <p:cNvPr id="3" name="Marcador de Posição do Texto 2"/>
+          <p:cNvSpPr>
+            <a:spLocks noGrp="1"/>
+          </p:cNvSpPr>
+          <p:nvPr>
+            <p:ph type="body" idx="1"/>
+          </p:nvPr>
+        </p:nvSpPr>
+        <p:spPr/>
+        <p:txBody>
+          <a:bodyPr/>
+          <a:lstStyle/>
+          <a:p>
+            <a:r>
               <a:rPr lang="pt-PT" dirty="0" smtClean="0"/>
-              <a:t>Filipe Brandão</a:t>
+              <a:t>David João</a:t>
             </a:r>
             <a:endParaRPr lang="pt-PT" dirty="0"/>
-          </a:p>
-        </p:txBody>
-      </p:sp>
-      <p:sp>
-        <p:nvSpPr>
-          <p:cNvPr id="3" name="Marcador de Posição de Conteúdo 2"/>
-          <p:cNvSpPr>
-            <a:spLocks noGrp="1"/>
-          </p:cNvSpPr>
-          <p:nvPr>
-            <p:ph idx="1"/>
-          </p:nvPr>
-        </p:nvSpPr>
-        <p:spPr/>
-        <p:txBody>
-          <a:bodyPr/>
-          <a:lstStyle/>
-          <a:p>
-            <a:endParaRPr lang="pt-PT"/>
           </a:p>
         </p:txBody>
       </p:sp>
@@ -7372,11 +7653,7 @@
           <a:bodyPr/>
           <a:lstStyle/>
           <a:p>
-            <a:r>
-              <a:rPr lang="pt-PT" dirty="0" smtClean="0"/>
-              <a:t>João Girão</a:t>
-            </a:r>
-            <a:endParaRPr lang="pt-PT" dirty="0"/>
+            <a:endParaRPr lang="pt-PT"/>
           </a:p>
         </p:txBody>
       </p:sp>
@@ -7440,29 +7717,33 @@
           <a:lstStyle/>
           <a:p>
             <a:r>
+              <a:rPr lang="en-US" dirty="0" smtClean="0"/>
+              <a:t>Analysis and Conclusions</a:t>
+            </a:r>
+            <a:endParaRPr lang="en-US" dirty="0"/>
+          </a:p>
+        </p:txBody>
+      </p:sp>
+      <p:sp>
+        <p:nvSpPr>
+          <p:cNvPr id="3" name="Marcador de Posição do Texto 2"/>
+          <p:cNvSpPr>
+            <a:spLocks noGrp="1"/>
+          </p:cNvSpPr>
+          <p:nvPr>
+            <p:ph type="body" idx="1"/>
+          </p:nvPr>
+        </p:nvSpPr>
+        <p:spPr/>
+        <p:txBody>
+          <a:bodyPr/>
+          <a:lstStyle/>
+          <a:p>
+            <a:r>
               <a:rPr lang="pt-PT" dirty="0" smtClean="0"/>
-              <a:t>João Martins</a:t>
+              <a:t>Team</a:t>
             </a:r>
             <a:endParaRPr lang="pt-PT" dirty="0"/>
-          </a:p>
-        </p:txBody>
-      </p:sp>
-      <p:sp>
-        <p:nvSpPr>
-          <p:cNvPr id="3" name="Marcador de Posição de Conteúdo 2"/>
-          <p:cNvSpPr>
-            <a:spLocks noGrp="1"/>
-          </p:cNvSpPr>
-          <p:nvPr>
-            <p:ph idx="1"/>
-          </p:nvPr>
-        </p:nvSpPr>
-        <p:spPr/>
-        <p:txBody>
-          <a:bodyPr/>
-          <a:lstStyle/>
-          <a:p>
-            <a:endParaRPr lang="pt-PT"/>
           </a:p>
         </p:txBody>
       </p:sp>
@@ -7508,7 +7789,7 @@
           <a:p>
             <a:r>
               <a:rPr lang="pt-PT" dirty="0" smtClean="0"/>
-              <a:t>Mário Oliveira</a:t>
+              <a:t>Global</a:t>
             </a:r>
             <a:endParaRPr lang="pt-PT" dirty="0"/>
           </a:p>
@@ -7575,7 +7856,141 @@
           <a:p>
             <a:r>
               <a:rPr lang="pt-PT" dirty="0" smtClean="0"/>
-              <a:t>Rui Ganhoto</a:t>
+              <a:t>Carla Machado</a:t>
+            </a:r>
+            <a:endParaRPr lang="pt-PT" dirty="0"/>
+          </a:p>
+        </p:txBody>
+      </p:sp>
+      <p:sp>
+        <p:nvSpPr>
+          <p:cNvPr id="3" name="Marcador de Posição de Conteúdo 2"/>
+          <p:cNvSpPr>
+            <a:spLocks noGrp="1"/>
+          </p:cNvSpPr>
+          <p:nvPr>
+            <p:ph idx="1"/>
+          </p:nvPr>
+        </p:nvSpPr>
+        <p:spPr/>
+        <p:txBody>
+          <a:bodyPr/>
+          <a:lstStyle/>
+          <a:p>
+            <a:endParaRPr lang="pt-PT"/>
+          </a:p>
+        </p:txBody>
+      </p:sp>
+    </p:spTree>
+  </p:cSld>
+  <p:clrMapOvr>
+    <a:masterClrMapping/>
+  </p:clrMapOvr>
+</p:sld>
+</file>
+
+<file path=ppt/slides/slide28.xml><?xml version="1.0" encoding="utf-8"?>
+<p:sld xmlns:a="http://schemas.openxmlformats.org/drawingml/2006/main" xmlns:r="http://schemas.openxmlformats.org/officeDocument/2006/relationships" xmlns:p="http://schemas.openxmlformats.org/presentationml/2006/main">
+  <p:cSld>
+    <p:spTree>
+      <p:nvGrpSpPr>
+        <p:cNvPr id="1" name=""/>
+        <p:cNvGrpSpPr/>
+        <p:nvPr/>
+      </p:nvGrpSpPr>
+      <p:grpSpPr>
+        <a:xfrm>
+          <a:off x="0" y="0"/>
+          <a:ext cx="0" cy="0"/>
+          <a:chOff x="0" y="0"/>
+          <a:chExt cx="0" cy="0"/>
+        </a:xfrm>
+      </p:grpSpPr>
+      <p:sp>
+        <p:nvSpPr>
+          <p:cNvPr id="2" name="Título 1"/>
+          <p:cNvSpPr>
+            <a:spLocks noGrp="1"/>
+          </p:cNvSpPr>
+          <p:nvPr>
+            <p:ph type="title"/>
+          </p:nvPr>
+        </p:nvSpPr>
+        <p:spPr/>
+        <p:txBody>
+          <a:bodyPr/>
+          <a:lstStyle/>
+          <a:p>
+            <a:r>
+              <a:rPr lang="pt-PT" dirty="0" smtClean="0"/>
+              <a:t>David João</a:t>
+            </a:r>
+            <a:endParaRPr lang="pt-PT" dirty="0"/>
+          </a:p>
+        </p:txBody>
+      </p:sp>
+      <p:sp>
+        <p:nvSpPr>
+          <p:cNvPr id="3" name="Marcador de Posição de Conteúdo 2"/>
+          <p:cNvSpPr>
+            <a:spLocks noGrp="1"/>
+          </p:cNvSpPr>
+          <p:nvPr>
+            <p:ph idx="1"/>
+          </p:nvPr>
+        </p:nvSpPr>
+        <p:spPr/>
+        <p:txBody>
+          <a:bodyPr/>
+          <a:lstStyle/>
+          <a:p>
+            <a:endParaRPr lang="pt-PT"/>
+          </a:p>
+        </p:txBody>
+      </p:sp>
+    </p:spTree>
+  </p:cSld>
+  <p:clrMapOvr>
+    <a:masterClrMapping/>
+  </p:clrMapOvr>
+</p:sld>
+</file>
+
+<file path=ppt/slides/slide29.xml><?xml version="1.0" encoding="utf-8"?>
+<p:sld xmlns:a="http://schemas.openxmlformats.org/drawingml/2006/main" xmlns:r="http://schemas.openxmlformats.org/officeDocument/2006/relationships" xmlns:p="http://schemas.openxmlformats.org/presentationml/2006/main">
+  <p:cSld>
+    <p:spTree>
+      <p:nvGrpSpPr>
+        <p:cNvPr id="1" name=""/>
+        <p:cNvGrpSpPr/>
+        <p:nvPr/>
+      </p:nvGrpSpPr>
+      <p:grpSpPr>
+        <a:xfrm>
+          <a:off x="0" y="0"/>
+          <a:ext cx="0" cy="0"/>
+          <a:chOff x="0" y="0"/>
+          <a:chExt cx="0" cy="0"/>
+        </a:xfrm>
+      </p:grpSpPr>
+      <p:sp>
+        <p:nvSpPr>
+          <p:cNvPr id="2" name="Título 1"/>
+          <p:cNvSpPr>
+            <a:spLocks noGrp="1"/>
+          </p:cNvSpPr>
+          <p:nvPr>
+            <p:ph type="title"/>
+          </p:nvPr>
+        </p:nvSpPr>
+        <p:spPr/>
+        <p:txBody>
+          <a:bodyPr/>
+          <a:lstStyle/>
+          <a:p>
+            <a:r>
+              <a:rPr lang="pt-PT" dirty="0" smtClean="0"/>
+              <a:t>Filipe Brandão</a:t>
             </a:r>
             <a:endParaRPr lang="pt-PT" dirty="0"/>
           </a:p>
@@ -7688,6 +8103,274 @@
       </p:par>
     </p:tnLst>
   </p:timing>
+</p:sld>
+</file>
+
+<file path=ppt/slides/slide30.xml><?xml version="1.0" encoding="utf-8"?>
+<p:sld xmlns:a="http://schemas.openxmlformats.org/drawingml/2006/main" xmlns:r="http://schemas.openxmlformats.org/officeDocument/2006/relationships" xmlns:p="http://schemas.openxmlformats.org/presentationml/2006/main">
+  <p:cSld>
+    <p:spTree>
+      <p:nvGrpSpPr>
+        <p:cNvPr id="1" name=""/>
+        <p:cNvGrpSpPr/>
+        <p:nvPr/>
+      </p:nvGrpSpPr>
+      <p:grpSpPr>
+        <a:xfrm>
+          <a:off x="0" y="0"/>
+          <a:ext cx="0" cy="0"/>
+          <a:chOff x="0" y="0"/>
+          <a:chExt cx="0" cy="0"/>
+        </a:xfrm>
+      </p:grpSpPr>
+      <p:sp>
+        <p:nvSpPr>
+          <p:cNvPr id="2" name="Título 1"/>
+          <p:cNvSpPr>
+            <a:spLocks noGrp="1"/>
+          </p:cNvSpPr>
+          <p:nvPr>
+            <p:ph type="title"/>
+          </p:nvPr>
+        </p:nvSpPr>
+        <p:spPr/>
+        <p:txBody>
+          <a:bodyPr/>
+          <a:lstStyle/>
+          <a:p>
+            <a:r>
+              <a:rPr lang="pt-PT" dirty="0" smtClean="0"/>
+              <a:t>João Girão</a:t>
+            </a:r>
+            <a:endParaRPr lang="pt-PT" dirty="0"/>
+          </a:p>
+        </p:txBody>
+      </p:sp>
+      <p:sp>
+        <p:nvSpPr>
+          <p:cNvPr id="3" name="Marcador de Posição de Conteúdo 2"/>
+          <p:cNvSpPr>
+            <a:spLocks noGrp="1"/>
+          </p:cNvSpPr>
+          <p:nvPr>
+            <p:ph idx="1"/>
+          </p:nvPr>
+        </p:nvSpPr>
+        <p:spPr/>
+        <p:txBody>
+          <a:bodyPr/>
+          <a:lstStyle/>
+          <a:p>
+            <a:endParaRPr lang="pt-PT"/>
+          </a:p>
+        </p:txBody>
+      </p:sp>
+    </p:spTree>
+  </p:cSld>
+  <p:clrMapOvr>
+    <a:masterClrMapping/>
+  </p:clrMapOvr>
+</p:sld>
+</file>
+
+<file path=ppt/slides/slide31.xml><?xml version="1.0" encoding="utf-8"?>
+<p:sld xmlns:a="http://schemas.openxmlformats.org/drawingml/2006/main" xmlns:r="http://schemas.openxmlformats.org/officeDocument/2006/relationships" xmlns:p="http://schemas.openxmlformats.org/presentationml/2006/main">
+  <p:cSld>
+    <p:spTree>
+      <p:nvGrpSpPr>
+        <p:cNvPr id="1" name=""/>
+        <p:cNvGrpSpPr/>
+        <p:nvPr/>
+      </p:nvGrpSpPr>
+      <p:grpSpPr>
+        <a:xfrm>
+          <a:off x="0" y="0"/>
+          <a:ext cx="0" cy="0"/>
+          <a:chOff x="0" y="0"/>
+          <a:chExt cx="0" cy="0"/>
+        </a:xfrm>
+      </p:grpSpPr>
+      <p:sp>
+        <p:nvSpPr>
+          <p:cNvPr id="2" name="Título 1"/>
+          <p:cNvSpPr>
+            <a:spLocks noGrp="1"/>
+          </p:cNvSpPr>
+          <p:nvPr>
+            <p:ph type="title"/>
+          </p:nvPr>
+        </p:nvSpPr>
+        <p:spPr/>
+        <p:txBody>
+          <a:bodyPr/>
+          <a:lstStyle/>
+          <a:p>
+            <a:r>
+              <a:rPr lang="pt-PT" dirty="0" smtClean="0"/>
+              <a:t>João Martins</a:t>
+            </a:r>
+            <a:endParaRPr lang="pt-PT" dirty="0"/>
+          </a:p>
+        </p:txBody>
+      </p:sp>
+      <p:sp>
+        <p:nvSpPr>
+          <p:cNvPr id="3" name="Marcador de Posição de Conteúdo 2"/>
+          <p:cNvSpPr>
+            <a:spLocks noGrp="1"/>
+          </p:cNvSpPr>
+          <p:nvPr>
+            <p:ph idx="1"/>
+          </p:nvPr>
+        </p:nvSpPr>
+        <p:spPr/>
+        <p:txBody>
+          <a:bodyPr/>
+          <a:lstStyle/>
+          <a:p>
+            <a:endParaRPr lang="pt-PT"/>
+          </a:p>
+        </p:txBody>
+      </p:sp>
+    </p:spTree>
+  </p:cSld>
+  <p:clrMapOvr>
+    <a:masterClrMapping/>
+  </p:clrMapOvr>
+</p:sld>
+</file>
+
+<file path=ppt/slides/slide32.xml><?xml version="1.0" encoding="utf-8"?>
+<p:sld xmlns:a="http://schemas.openxmlformats.org/drawingml/2006/main" xmlns:r="http://schemas.openxmlformats.org/officeDocument/2006/relationships" xmlns:p="http://schemas.openxmlformats.org/presentationml/2006/main">
+  <p:cSld>
+    <p:spTree>
+      <p:nvGrpSpPr>
+        <p:cNvPr id="1" name=""/>
+        <p:cNvGrpSpPr/>
+        <p:nvPr/>
+      </p:nvGrpSpPr>
+      <p:grpSpPr>
+        <a:xfrm>
+          <a:off x="0" y="0"/>
+          <a:ext cx="0" cy="0"/>
+          <a:chOff x="0" y="0"/>
+          <a:chExt cx="0" cy="0"/>
+        </a:xfrm>
+      </p:grpSpPr>
+      <p:sp>
+        <p:nvSpPr>
+          <p:cNvPr id="2" name="Título 1"/>
+          <p:cNvSpPr>
+            <a:spLocks noGrp="1"/>
+          </p:cNvSpPr>
+          <p:nvPr>
+            <p:ph type="title"/>
+          </p:nvPr>
+        </p:nvSpPr>
+        <p:spPr/>
+        <p:txBody>
+          <a:bodyPr/>
+          <a:lstStyle/>
+          <a:p>
+            <a:r>
+              <a:rPr lang="pt-PT" dirty="0" smtClean="0"/>
+              <a:t>Mário Oliveira</a:t>
+            </a:r>
+            <a:endParaRPr lang="pt-PT" dirty="0"/>
+          </a:p>
+        </p:txBody>
+      </p:sp>
+      <p:sp>
+        <p:nvSpPr>
+          <p:cNvPr id="3" name="Marcador de Posição de Conteúdo 2"/>
+          <p:cNvSpPr>
+            <a:spLocks noGrp="1"/>
+          </p:cNvSpPr>
+          <p:nvPr>
+            <p:ph idx="1"/>
+          </p:nvPr>
+        </p:nvSpPr>
+        <p:spPr/>
+        <p:txBody>
+          <a:bodyPr/>
+          <a:lstStyle/>
+          <a:p>
+            <a:endParaRPr lang="pt-PT"/>
+          </a:p>
+        </p:txBody>
+      </p:sp>
+    </p:spTree>
+  </p:cSld>
+  <p:clrMapOvr>
+    <a:masterClrMapping/>
+  </p:clrMapOvr>
+</p:sld>
+</file>
+
+<file path=ppt/slides/slide33.xml><?xml version="1.0" encoding="utf-8"?>
+<p:sld xmlns:a="http://schemas.openxmlformats.org/drawingml/2006/main" xmlns:r="http://schemas.openxmlformats.org/officeDocument/2006/relationships" xmlns:p="http://schemas.openxmlformats.org/presentationml/2006/main">
+  <p:cSld>
+    <p:spTree>
+      <p:nvGrpSpPr>
+        <p:cNvPr id="1" name=""/>
+        <p:cNvGrpSpPr/>
+        <p:nvPr/>
+      </p:nvGrpSpPr>
+      <p:grpSpPr>
+        <a:xfrm>
+          <a:off x="0" y="0"/>
+          <a:ext cx="0" cy="0"/>
+          <a:chOff x="0" y="0"/>
+          <a:chExt cx="0" cy="0"/>
+        </a:xfrm>
+      </p:grpSpPr>
+      <p:sp>
+        <p:nvSpPr>
+          <p:cNvPr id="2" name="Título 1"/>
+          <p:cNvSpPr>
+            <a:spLocks noGrp="1"/>
+          </p:cNvSpPr>
+          <p:nvPr>
+            <p:ph type="title"/>
+          </p:nvPr>
+        </p:nvSpPr>
+        <p:spPr/>
+        <p:txBody>
+          <a:bodyPr/>
+          <a:lstStyle/>
+          <a:p>
+            <a:r>
+              <a:rPr lang="pt-PT" dirty="0" smtClean="0"/>
+              <a:t>Rui Ganhoto</a:t>
+            </a:r>
+            <a:endParaRPr lang="pt-PT" dirty="0"/>
+          </a:p>
+        </p:txBody>
+      </p:sp>
+      <p:sp>
+        <p:nvSpPr>
+          <p:cNvPr id="3" name="Marcador de Posição de Conteúdo 2"/>
+          <p:cNvSpPr>
+            <a:spLocks noGrp="1"/>
+          </p:cNvSpPr>
+          <p:nvPr>
+            <p:ph idx="1"/>
+          </p:nvPr>
+        </p:nvSpPr>
+        <p:spPr/>
+        <p:txBody>
+          <a:bodyPr/>
+          <a:lstStyle/>
+          <a:p>
+            <a:endParaRPr lang="pt-PT"/>
+          </a:p>
+        </p:txBody>
+      </p:sp>
+    </p:spTree>
+  </p:cSld>
+  <p:clrMapOvr>
+    <a:masterClrMapping/>
+  </p:clrMapOvr>
 </p:sld>
 </file>
 

--- a/Final Presentation/Presentation.pptx
+++ b/Final Presentation/Presentation.pptx
@@ -2,7 +2,7 @@
 <file path=ppt/presentation.xml><?xml version="1.0" encoding="utf-8"?>
 <p:presentation xmlns:a="http://schemas.openxmlformats.org/drawingml/2006/main" xmlns:r="http://schemas.openxmlformats.org/officeDocument/2006/relationships" xmlns:p="http://schemas.openxmlformats.org/presentationml/2006/main" saveSubsetFonts="1">
   <p:sldMasterIdLst>
-    <p:sldMasterId id="2147483732" r:id="rId1"/>
+    <p:sldMasterId id="2147484047" r:id="rId1"/>
   </p:sldMasterIdLst>
   <p:sldIdLst>
     <p:sldId id="256" r:id="rId2"/>
@@ -136,12 +136,28 @@
       </a:defRPr>
     </a:lvl9pPr>
   </p:defaultTextStyle>
+  <p:extLst>
+    <p:ext uri="{EFAFB233-063F-42B5-8137-9DF3F51BA10A}">
+      <p15:sldGuideLst xmlns:p15="http://schemas.microsoft.com/office/powerpoint/2012/main">
+        <p15:guide id="1" orient="horz" pos="2160">
+          <p15:clr>
+            <a:srgbClr val="A4A3A4"/>
+          </p15:clr>
+        </p15:guide>
+        <p15:guide id="2" pos="3840">
+          <p15:clr>
+            <a:srgbClr val="A4A3A4"/>
+          </p15:clr>
+        </p15:guide>
+      </p15:sldGuideLst>
+    </p:ext>
+  </p:extLst>
 </p:presentation>
 </file>
 
 <file path=ppt/slideLayouts/slideLayout1.xml><?xml version="1.0" encoding="utf-8"?>
 <p:sldLayout xmlns:a="http://schemas.openxmlformats.org/drawingml/2006/main" xmlns:r="http://schemas.openxmlformats.org/officeDocument/2006/relationships" xmlns:p="http://schemas.openxmlformats.org/presentationml/2006/main" showMasterSp="0" type="title" preserve="1">
-  <p:cSld name="Title Slide">
+  <p:cSld name="Diapositivo de título">
     <p:spTree>
       <p:nvGrpSpPr>
         <p:cNvPr id="1" name=""/>
@@ -156,350 +172,67 @@
           <a:chExt cx="0" cy="0"/>
         </a:xfrm>
       </p:grpSpPr>
-      <p:grpSp>
-        <p:nvGrpSpPr>
-          <p:cNvPr id="19" name="Group 18"/>
-          <p:cNvGrpSpPr/>
+      <p:pic>
+        <p:nvPicPr>
+          <p:cNvPr id="7" name="Picture 6" descr="HD-PanelTitle-GrommetsCombined.png"/>
+          <p:cNvPicPr>
+            <a:picLocks noChangeAspect="1"/>
+          </p:cNvPicPr>
           <p:nvPr/>
-        </p:nvGrpSpPr>
-        <p:grpSpPr>
-          <a:xfrm>
-            <a:off x="546100" y="-4763"/>
-            <a:ext cx="5014912" cy="6862763"/>
-            <a:chOff x="2928938" y="-4763"/>
-            <a:chExt cx="5014912" cy="6862763"/>
-          </a:xfrm>
-        </p:grpSpPr>
-        <p:sp>
-          <p:nvSpPr>
-            <p:cNvPr id="22" name="Freeform 6"/>
-            <p:cNvSpPr/>
-            <p:nvPr/>
-          </p:nvSpPr>
-          <p:spPr bwMode="auto">
-            <a:xfrm>
-              <a:off x="3367088" y="-4763"/>
-              <a:ext cx="1063625" cy="2782888"/>
-            </a:xfrm>
-            <a:custGeom>
-              <a:avLst/>
-              <a:gdLst/>
-              <a:ahLst/>
-              <a:cxnLst/>
-              <a:rect l="0" t="0" r="r" b="b"/>
-              <a:pathLst>
-                <a:path w="670" h="1753">
-                  <a:moveTo>
-                    <a:pt x="0" y="1696"/>
-                  </a:moveTo>
-                  <a:lnTo>
-                    <a:pt x="225" y="1753"/>
-                  </a:lnTo>
-                  <a:lnTo>
-                    <a:pt x="670" y="0"/>
-                  </a:lnTo>
-                  <a:lnTo>
-                    <a:pt x="430" y="0"/>
-                  </a:lnTo>
-                  <a:lnTo>
-                    <a:pt x="0" y="1696"/>
-                  </a:lnTo>
-                  <a:close/>
-                </a:path>
-              </a:pathLst>
-            </a:custGeom>
-            <a:solidFill>
-              <a:schemeClr val="accent1"/>
-            </a:solidFill>
-            <a:ln>
-              <a:noFill/>
-            </a:ln>
-          </p:spPr>
-        </p:sp>
-        <p:sp>
-          <p:nvSpPr>
-            <p:cNvPr id="23" name="Freeform 7"/>
-            <p:cNvSpPr/>
-            <p:nvPr/>
-          </p:nvSpPr>
-          <p:spPr bwMode="auto">
-            <a:xfrm>
-              <a:off x="2928938" y="-4763"/>
-              <a:ext cx="1035050" cy="2673350"/>
-            </a:xfrm>
-            <a:custGeom>
-              <a:avLst/>
-              <a:gdLst/>
-              <a:ahLst/>
-              <a:cxnLst/>
-              <a:rect l="0" t="0" r="r" b="b"/>
-              <a:pathLst>
-                <a:path w="652" h="1684">
-                  <a:moveTo>
-                    <a:pt x="225" y="1684"/>
-                  </a:moveTo>
-                  <a:lnTo>
-                    <a:pt x="652" y="0"/>
-                  </a:lnTo>
-                  <a:lnTo>
-                    <a:pt x="411" y="0"/>
-                  </a:lnTo>
-                  <a:lnTo>
-                    <a:pt x="0" y="1627"/>
-                  </a:lnTo>
-                  <a:lnTo>
-                    <a:pt x="219" y="1681"/>
-                  </a:lnTo>
-                  <a:lnTo>
-                    <a:pt x="225" y="1684"/>
-                  </a:lnTo>
-                  <a:close/>
-                </a:path>
-              </a:pathLst>
-            </a:custGeom>
-            <a:solidFill>
-              <a:schemeClr val="tx1">
-                <a:lumMod val="65000"/>
-                <a:lumOff val="35000"/>
-              </a:schemeClr>
-            </a:solidFill>
-            <a:ln>
-              <a:noFill/>
-            </a:ln>
-          </p:spPr>
-        </p:sp>
-        <p:sp>
-          <p:nvSpPr>
-            <p:cNvPr id="24" name="Freeform 9"/>
-            <p:cNvSpPr/>
-            <p:nvPr/>
-          </p:nvSpPr>
-          <p:spPr bwMode="auto">
-            <a:xfrm>
-              <a:off x="2928938" y="2582862"/>
-              <a:ext cx="2693987" cy="4275138"/>
-            </a:xfrm>
-            <a:custGeom>
-              <a:avLst/>
-              <a:gdLst/>
-              <a:ahLst/>
-              <a:cxnLst/>
-              <a:rect l="0" t="0" r="r" b="b"/>
-              <a:pathLst>
-                <a:path w="1697" h="2693">
-                  <a:moveTo>
-                    <a:pt x="0" y="0"/>
-                  </a:moveTo>
-                  <a:lnTo>
-                    <a:pt x="1622" y="2693"/>
-                  </a:lnTo>
-                  <a:lnTo>
-                    <a:pt x="1697" y="2693"/>
-                  </a:lnTo>
-                  <a:lnTo>
-                    <a:pt x="0" y="0"/>
-                  </a:lnTo>
-                  <a:close/>
-                </a:path>
-              </a:pathLst>
-            </a:custGeom>
-            <a:solidFill>
-              <a:schemeClr val="tx1">
-                <a:lumMod val="85000"/>
-                <a:lumOff val="15000"/>
-              </a:schemeClr>
-            </a:solidFill>
-            <a:ln>
-              <a:noFill/>
-            </a:ln>
-          </p:spPr>
-        </p:sp>
-        <p:sp>
-          <p:nvSpPr>
-            <p:cNvPr id="25" name="Freeform 10"/>
-            <p:cNvSpPr/>
-            <p:nvPr/>
-          </p:nvSpPr>
-          <p:spPr bwMode="auto">
-            <a:xfrm>
-              <a:off x="3371850" y="2692400"/>
-              <a:ext cx="3332162" cy="4165600"/>
-            </a:xfrm>
-            <a:custGeom>
-              <a:avLst/>
-              <a:gdLst/>
-              <a:ahLst/>
-              <a:cxnLst/>
-              <a:rect l="0" t="0" r="r" b="b"/>
-              <a:pathLst>
-                <a:path w="2099" h="2624">
-                  <a:moveTo>
-                    <a:pt x="2099" y="2624"/>
-                  </a:moveTo>
-                  <a:lnTo>
-                    <a:pt x="0" y="0"/>
-                  </a:lnTo>
-                  <a:lnTo>
-                    <a:pt x="2021" y="2624"/>
-                  </a:lnTo>
-                  <a:lnTo>
-                    <a:pt x="2099" y="2624"/>
-                  </a:lnTo>
-                  <a:close/>
-                </a:path>
-              </a:pathLst>
-            </a:custGeom>
-            <a:solidFill>
-              <a:schemeClr val="accent1">
-                <a:lumMod val="50000"/>
-              </a:schemeClr>
-            </a:solidFill>
-            <a:ln>
-              <a:noFill/>
-            </a:ln>
-          </p:spPr>
-        </p:sp>
-        <p:sp>
-          <p:nvSpPr>
-            <p:cNvPr id="26" name="Freeform 11"/>
-            <p:cNvSpPr/>
-            <p:nvPr/>
-          </p:nvSpPr>
-          <p:spPr bwMode="auto">
-            <a:xfrm>
-              <a:off x="3367088" y="2687637"/>
-              <a:ext cx="4576762" cy="4170363"/>
-            </a:xfrm>
-            <a:custGeom>
-              <a:avLst/>
-              <a:gdLst/>
-              <a:ahLst/>
-              <a:cxnLst/>
-              <a:rect l="0" t="0" r="r" b="b"/>
-              <a:pathLst>
-                <a:path w="2883" h="2627">
-                  <a:moveTo>
-                    <a:pt x="0" y="0"/>
-                  </a:moveTo>
-                  <a:lnTo>
-                    <a:pt x="3" y="3"/>
-                  </a:lnTo>
-                  <a:lnTo>
-                    <a:pt x="2102" y="2627"/>
-                  </a:lnTo>
-                  <a:lnTo>
-                    <a:pt x="2883" y="2627"/>
-                  </a:lnTo>
-                  <a:lnTo>
-                    <a:pt x="225" y="57"/>
-                  </a:lnTo>
-                  <a:lnTo>
-                    <a:pt x="0" y="0"/>
-                  </a:lnTo>
-                  <a:close/>
-                </a:path>
-              </a:pathLst>
-            </a:custGeom>
-            <a:solidFill>
-              <a:schemeClr val="accent1">
-                <a:lumMod val="75000"/>
-              </a:schemeClr>
-            </a:solidFill>
-            <a:ln>
-              <a:noFill/>
-            </a:ln>
-          </p:spPr>
-        </p:sp>
-        <p:sp>
-          <p:nvSpPr>
-            <p:cNvPr id="27" name="Freeform 12"/>
-            <p:cNvSpPr/>
-            <p:nvPr/>
-          </p:nvSpPr>
-          <p:spPr bwMode="auto">
-            <a:xfrm>
-              <a:off x="2928938" y="2578100"/>
-              <a:ext cx="3584575" cy="4279900"/>
-            </a:xfrm>
-            <a:custGeom>
-              <a:avLst/>
-              <a:gdLst/>
-              <a:ahLst/>
-              <a:cxnLst/>
-              <a:rect l="0" t="0" r="r" b="b"/>
-              <a:pathLst>
-                <a:path w="2258" h="2696">
-                  <a:moveTo>
-                    <a:pt x="2258" y="2696"/>
-                  </a:moveTo>
-                  <a:lnTo>
-                    <a:pt x="264" y="111"/>
-                  </a:lnTo>
-                  <a:lnTo>
-                    <a:pt x="228" y="60"/>
-                  </a:lnTo>
-                  <a:lnTo>
-                    <a:pt x="225" y="57"/>
-                  </a:lnTo>
-                  <a:lnTo>
-                    <a:pt x="0" y="0"/>
-                  </a:lnTo>
-                  <a:lnTo>
-                    <a:pt x="0" y="3"/>
-                  </a:lnTo>
-                  <a:lnTo>
-                    <a:pt x="1697" y="2696"/>
-                  </a:lnTo>
-                  <a:lnTo>
-                    <a:pt x="2258" y="2696"/>
-                  </a:lnTo>
-                  <a:close/>
-                </a:path>
-              </a:pathLst>
-            </a:custGeom>
-            <a:solidFill>
-              <a:schemeClr val="tx1">
-                <a:lumMod val="75000"/>
-                <a:lumOff val="25000"/>
-              </a:schemeClr>
-            </a:solidFill>
-            <a:ln>
-              <a:noFill/>
-            </a:ln>
-          </p:spPr>
-        </p:sp>
-      </p:grpSp>
-      <p:sp>
-        <p:nvSpPr>
-          <p:cNvPr id="2" name="Title 1"/>
-          <p:cNvSpPr>
-            <a:spLocks noGrp="1"/>
-          </p:cNvSpPr>
-          <p:nvPr>
-            <p:ph type="ctrTitle"/>
-          </p:nvPr>
-        </p:nvSpPr>
+        </p:nvPicPr>
+        <p:blipFill>
+          <a:blip r:embed="rId2">
+            <a:extLst>
+              <a:ext uri="{28A0092B-C50C-407E-A947-70E740481C1C}">
+                <a14:useLocalDpi xmlns:a14="http://schemas.microsoft.com/office/drawing/2010/main" val="0"/>
+              </a:ext>
+            </a:extLst>
+          </a:blip>
+          <a:stretch>
+            <a:fillRect/>
+          </a:stretch>
+        </p:blipFill>
         <p:spPr>
           <a:xfrm>
-            <a:off x="2928401" y="1380068"/>
-            <a:ext cx="8574622" cy="2616199"/>
+            <a:off x="0" y="0"/>
+            <a:ext cx="12188825" cy="6856214"/>
+          </a:xfrm>
+          <a:prstGeom prst="rect">
+            <a:avLst/>
+          </a:prstGeom>
+        </p:spPr>
+      </p:pic>
+      <p:sp>
+        <p:nvSpPr>
+          <p:cNvPr id="2" name="Title 1"/>
+          <p:cNvSpPr>
+            <a:spLocks noGrp="1"/>
+          </p:cNvSpPr>
+          <p:nvPr>
+            <p:ph type="ctrTitle"/>
+          </p:nvPr>
+        </p:nvSpPr>
+        <p:spPr>
+          <a:xfrm>
+            <a:off x="2692398" y="1871131"/>
+            <a:ext cx="6815669" cy="1515533"/>
           </a:xfrm>
         </p:spPr>
         <p:txBody>
           <a:bodyPr anchor="b">
-            <a:normAutofit/>
+            <a:noAutofit/>
           </a:bodyPr>
           <a:lstStyle>
-            <a:lvl1pPr algn="r">
-              <a:defRPr sz="6000">
+            <a:lvl1pPr algn="ctr">
+              <a:defRPr sz="5400">
                 <a:effectLst/>
               </a:defRPr>
             </a:lvl1pPr>
           </a:lstStyle>
           <a:p>
             <a:r>
-              <a:rPr lang="en-US" smtClean="0"/>
-              <a:t>Click to edit Master title style</a:t>
+              <a:rPr lang="pt-PT" smtClean="0"/>
+              <a:t>Clique para editar o estilo</a:t>
             </a:r>
             <a:endParaRPr lang="en-US" dirty="0"/>
           </a:p>
@@ -517,8 +250,8 @@
         </p:nvSpPr>
         <p:spPr>
           <a:xfrm>
-            <a:off x="4515377" y="3996267"/>
-            <a:ext cx="6987645" cy="1388534"/>
+            <a:off x="2692398" y="3657597"/>
+            <a:ext cx="6815669" cy="1320802"/>
           </a:xfrm>
         </p:spPr>
         <p:txBody>
@@ -526,7 +259,7 @@
             <a:normAutofit/>
           </a:bodyPr>
           <a:lstStyle>
-            <a:lvl1pPr marL="0" indent="0" algn="r">
+            <a:lvl1pPr marL="0" indent="0" algn="ctr">
               <a:buNone/>
               <a:defRPr sz="2100">
                 <a:solidFill>
@@ -617,8 +350,8 @@
           </a:lstStyle>
           <a:p>
             <a:r>
-              <a:rPr lang="en-US" smtClean="0"/>
-              <a:t>Click to edit Master subtitle style</a:t>
+              <a:rPr lang="pt-PT" smtClean="0"/>
+              <a:t>Faça clique para editar o estilo</a:t>
             </a:r>
             <a:endParaRPr lang="en-US" dirty="0"/>
           </a:p>
@@ -634,7 +367,12 @@
             <p:ph type="dt" sz="half" idx="10"/>
           </p:nvPr>
         </p:nvSpPr>
-        <p:spPr/>
+        <p:spPr>
+          <a:xfrm>
+            <a:off x="7983232" y="5037663"/>
+            <a:ext cx="897467" cy="279400"/>
+          </a:xfrm>
+        </p:spPr>
         <p:txBody>
           <a:bodyPr/>
           <a:lstStyle/>
@@ -660,8 +398,8 @@
         </p:nvSpPr>
         <p:spPr>
           <a:xfrm>
-            <a:off x="5332412" y="5883275"/>
-            <a:ext cx="4324044" cy="365125"/>
+            <a:off x="2692397" y="5037663"/>
+            <a:ext cx="5214635" cy="279400"/>
           </a:xfrm>
         </p:spPr>
         <p:txBody>
@@ -682,7 +420,12 @@
             <p:ph type="sldNum" sz="quarter" idx="12"/>
           </p:nvPr>
         </p:nvSpPr>
-        <p:spPr/>
+        <p:spPr>
+          <a:xfrm>
+            <a:off x="8956900" y="5037663"/>
+            <a:ext cx="551167" cy="279400"/>
+          </a:xfrm>
+        </p:spPr>
         <p:txBody>
           <a:bodyPr/>
           <a:lstStyle/>
@@ -696,10 +439,48 @@
           </a:p>
         </p:txBody>
       </p:sp>
+      <p:cxnSp>
+        <p:nvCxnSpPr>
+          <p:cNvPr id="15" name="Straight Connector 14"/>
+          <p:cNvCxnSpPr/>
+          <p:nvPr/>
+        </p:nvCxnSpPr>
+        <p:spPr>
+          <a:xfrm>
+            <a:off x="2692399" y="3522131"/>
+            <a:ext cx="6815668" cy="0"/>
+          </a:xfrm>
+          <a:prstGeom prst="line">
+            <a:avLst/>
+          </a:prstGeom>
+          <a:ln>
+            <a:solidFill>
+              <a:schemeClr val="accent1">
+                <a:lumMod val="60000"/>
+                <a:lumOff val="40000"/>
+              </a:schemeClr>
+            </a:solidFill>
+          </a:ln>
+        </p:spPr>
+        <p:style>
+          <a:lnRef idx="2">
+            <a:schemeClr val="accent1"/>
+          </a:lnRef>
+          <a:fillRef idx="0">
+            <a:schemeClr val="accent1"/>
+          </a:fillRef>
+          <a:effectRef idx="1">
+            <a:schemeClr val="accent1"/>
+          </a:effectRef>
+          <a:fontRef idx="minor">
+            <a:schemeClr val="tx1"/>
+          </a:fontRef>
+        </p:style>
+      </p:cxnSp>
     </p:spTree>
     <p:extLst>
       <p:ext uri="{BB962C8B-B14F-4D97-AF65-F5344CB8AC3E}">
-        <p14:creationId xmlns:p14="http://schemas.microsoft.com/office/powerpoint/2010/main" xmlns="" val="3685462610"/>
+        <p14:creationId xmlns:p14="http://schemas.microsoft.com/office/powerpoint/2010/main" val="4283900998"/>
       </p:ext>
     </p:extLst>
   </p:cSld>
@@ -711,7 +492,7 @@
 
 <file path=ppt/slideLayouts/slideLayout10.xml><?xml version="1.0" encoding="utf-8"?>
 <p:sldLayout xmlns:a="http://schemas.openxmlformats.org/drawingml/2006/main" xmlns:r="http://schemas.openxmlformats.org/officeDocument/2006/relationships" xmlns:p="http://schemas.openxmlformats.org/presentationml/2006/main" preserve="1">
-  <p:cSld name="Panoramic Picture with Caption">
+  <p:cSld name="Fotografia Panorâmica com Legenda">
     <p:spTree>
       <p:nvGrpSpPr>
         <p:cNvPr id="1" name=""/>
@@ -738,8 +519,8 @@
         </p:nvSpPr>
         <p:spPr>
           <a:xfrm>
-            <a:off x="1484311" y="4732865"/>
-            <a:ext cx="10018711" cy="566738"/>
+            <a:off x="1295401" y="4815415"/>
+            <a:ext cx="9609666" cy="566738"/>
           </a:xfrm>
         </p:spPr>
         <p:txBody>
@@ -753,8 +534,8 @@
           </a:lstStyle>
           <a:p>
             <a:r>
-              <a:rPr lang="en-US" smtClean="0"/>
-              <a:t>Click to edit Master title style</a:t>
+              <a:rPr lang="pt-PT" smtClean="0"/>
+              <a:t>Clique para editar o estilo</a:t>
             </a:r>
             <a:endParaRPr lang="en-US" dirty="0"/>
           </a:p>
@@ -772,29 +553,22 @@
         </p:nvSpPr>
         <p:spPr>
           <a:xfrm>
-            <a:off x="2386012" y="932112"/>
-            <a:ext cx="8225944" cy="3164976"/>
+            <a:off x="1041427" y="1041399"/>
+            <a:ext cx="10105972" cy="3335869"/>
           </a:xfrm>
           <a:prstGeom prst="roundRect">
             <a:avLst>
-              <a:gd name="adj" fmla="val 4380"/>
+              <a:gd name="adj" fmla="val 0"/>
             </a:avLst>
           </a:prstGeom>
-          <a:ln w="38100">
-            <a:gradFill flip="none" rotWithShape="1">
-              <a:gsLst>
-                <a:gs pos="0">
-                  <a:schemeClr val="bg2"/>
-                </a:gs>
-                <a:gs pos="100000">
-                  <a:schemeClr val="bg2">
-                    <a:lumMod val="75000"/>
-                  </a:schemeClr>
-                </a:gs>
-              </a:gsLst>
-              <a:lin ang="5400000" scaled="0"/>
-              <a:tileRect/>
-            </a:gradFill>
+          <a:ln w="57150" cmpd="thickThin">
+            <a:solidFill>
+              <a:schemeClr val="tx1">
+                <a:lumMod val="50000"/>
+                <a:lumOff val="50000"/>
+              </a:schemeClr>
+            </a:solidFill>
+            <a:miter lim="800000"/>
           </a:ln>
           <a:effectLst>
             <a:innerShdw blurRad="57150" dist="38100" dir="14460000">
@@ -848,8 +622,8 @@
           </a:lstStyle>
           <a:p>
             <a:r>
-              <a:rPr lang="en-US" dirty="0" smtClean="0"/>
-              <a:t>Click icon to add picture</a:t>
+              <a:rPr lang="pt-PT" smtClean="0"/>
+              <a:t>Clique no ícone para adicionar uma imagem</a:t>
             </a:r>
             <a:endParaRPr lang="en-US" dirty="0"/>
           </a:p>
@@ -867,8 +641,8 @@
         </p:nvSpPr>
         <p:spPr>
           <a:xfrm>
-            <a:off x="1484311" y="5299603"/>
-            <a:ext cx="10018711" cy="493712"/>
+            <a:off x="1295401" y="5382153"/>
+            <a:ext cx="9609666" cy="493712"/>
           </a:xfrm>
         </p:spPr>
         <p:txBody>
@@ -916,8 +690,8 @@
           <a:p>
             <a:pPr lvl="0"/>
             <a:r>
-              <a:rPr lang="en-US" smtClean="0"/>
-              <a:t>Click to edit Master text styles</a:t>
+              <a:rPr lang="pt-PT" smtClean="0"/>
+              <a:t>Clique para editar os estilos</a:t>
             </a:r>
           </a:p>
         </p:txBody>
@@ -992,7 +766,7 @@
     </p:spTree>
     <p:extLst>
       <p:ext uri="{BB962C8B-B14F-4D97-AF65-F5344CB8AC3E}">
-        <p14:creationId xmlns:p14="http://schemas.microsoft.com/office/powerpoint/2010/main" xmlns="" val="692322371"/>
+        <p14:creationId xmlns:p14="http://schemas.microsoft.com/office/powerpoint/2010/main" val="3834483316"/>
       </p:ext>
     </p:extLst>
   </p:cSld>
@@ -1004,7 +778,7 @@
 
 <file path=ppt/slideLayouts/slideLayout11.xml><?xml version="1.0" encoding="utf-8"?>
 <p:sldLayout xmlns:a="http://schemas.openxmlformats.org/drawingml/2006/main" xmlns:r="http://schemas.openxmlformats.org/officeDocument/2006/relationships" xmlns:p="http://schemas.openxmlformats.org/presentationml/2006/main" preserve="1">
-  <p:cSld name="Title and Caption">
+  <p:cSld name="Título e Legenda">
     <p:spTree>
       <p:nvGrpSpPr>
         <p:cNvPr id="1" name=""/>
@@ -1031,8 +805,8 @@
         </p:nvSpPr>
         <p:spPr>
           <a:xfrm>
-            <a:off x="1484312" y="685800"/>
-            <a:ext cx="10018711" cy="3048000"/>
+            <a:off x="1303868" y="982132"/>
+            <a:ext cx="9592732" cy="2954868"/>
           </a:xfrm>
         </p:spPr>
         <p:txBody>
@@ -1046,8 +820,8 @@
           </a:lstStyle>
           <a:p>
             <a:r>
-              <a:rPr lang="en-US" smtClean="0"/>
-              <a:t>Click to edit Master title style</a:t>
+              <a:rPr lang="pt-PT" smtClean="0"/>
+              <a:t>Clique para editar o estilo</a:t>
             </a:r>
             <a:endParaRPr lang="en-US" dirty="0"/>
           </a:p>
@@ -1065,8 +839,8 @@
         </p:nvSpPr>
         <p:spPr>
           <a:xfrm>
-            <a:off x="1484312" y="4343400"/>
-            <a:ext cx="10018713" cy="1447800"/>
+            <a:off x="1303868" y="4343399"/>
+            <a:ext cx="9592732" cy="1532467"/>
           </a:xfrm>
         </p:spPr>
         <p:txBody>
@@ -1166,8 +940,8 @@
           <a:p>
             <a:pPr lvl="0"/>
             <a:r>
-              <a:rPr lang="en-US" smtClean="0"/>
-              <a:t>Click to edit Master text styles</a:t>
+              <a:rPr lang="pt-PT" smtClean="0"/>
+              <a:t>Clique para editar os estilos</a:t>
             </a:r>
           </a:p>
         </p:txBody>
@@ -1239,10 +1013,48 @@
           </a:p>
         </p:txBody>
       </p:sp>
+      <p:cxnSp>
+        <p:nvCxnSpPr>
+          <p:cNvPr id="15" name="Straight Connector 14"/>
+          <p:cNvCxnSpPr/>
+          <p:nvPr/>
+        </p:nvCxnSpPr>
+        <p:spPr>
+          <a:xfrm>
+            <a:off x="1396169" y="4140199"/>
+            <a:ext cx="9407298" cy="0"/>
+          </a:xfrm>
+          <a:prstGeom prst="line">
+            <a:avLst/>
+          </a:prstGeom>
+          <a:ln w="15875">
+            <a:solidFill>
+              <a:schemeClr val="accent1">
+                <a:lumMod val="60000"/>
+                <a:lumOff val="40000"/>
+              </a:schemeClr>
+            </a:solidFill>
+          </a:ln>
+        </p:spPr>
+        <p:style>
+          <a:lnRef idx="2">
+            <a:schemeClr val="accent1"/>
+          </a:lnRef>
+          <a:fillRef idx="0">
+            <a:schemeClr val="accent1"/>
+          </a:fillRef>
+          <a:effectRef idx="1">
+            <a:schemeClr val="accent1"/>
+          </a:effectRef>
+          <a:fontRef idx="minor">
+            <a:schemeClr val="tx1"/>
+          </a:fontRef>
+        </p:style>
+      </p:cxnSp>
     </p:spTree>
     <p:extLst>
       <p:ext uri="{BB962C8B-B14F-4D97-AF65-F5344CB8AC3E}">
-        <p14:creationId xmlns:p14="http://schemas.microsoft.com/office/powerpoint/2010/main" xmlns="" val="651107852"/>
+        <p14:creationId xmlns:p14="http://schemas.microsoft.com/office/powerpoint/2010/main" val="3278742630"/>
       </p:ext>
     </p:extLst>
   </p:cSld>
@@ -1254,7 +1066,7 @@
 
 <file path=ppt/slideLayouts/slideLayout12.xml><?xml version="1.0" encoding="utf-8"?>
 <p:sldLayout xmlns:a="http://schemas.openxmlformats.org/drawingml/2006/main" xmlns:r="http://schemas.openxmlformats.org/officeDocument/2006/relationships" xmlns:p="http://schemas.openxmlformats.org/presentationml/2006/main" preserve="1">
-  <p:cSld name="Quote with Caption">
+  <p:cSld name="Citação com Legenda">
     <p:spTree>
       <p:nvGrpSpPr>
         <p:cNvPr id="1" name=""/>
@@ -1271,13 +1083,293 @@
       </p:grpSpPr>
       <p:sp>
         <p:nvSpPr>
+          <p:cNvPr id="2" name="Title 1"/>
+          <p:cNvSpPr>
+            <a:spLocks noGrp="1"/>
+          </p:cNvSpPr>
+          <p:nvPr>
+            <p:ph type="title"/>
+          </p:nvPr>
+        </p:nvSpPr>
+        <p:spPr>
+          <a:xfrm>
+            <a:off x="1446213" y="982132"/>
+            <a:ext cx="9296398" cy="2370668"/>
+          </a:xfrm>
+        </p:spPr>
+        <p:txBody>
+          <a:bodyPr anchor="ctr">
+            <a:normAutofit/>
+          </a:bodyPr>
+          <a:lstStyle>
+            <a:lvl1pPr algn="ctr">
+              <a:defRPr sz="3200" b="0" cap="none">
+                <a:solidFill>
+                  <a:schemeClr val="tx1"/>
+                </a:solidFill>
+              </a:defRPr>
+            </a:lvl1pPr>
+          </a:lstStyle>
+          <a:p>
+            <a:r>
+              <a:rPr lang="pt-PT" smtClean="0"/>
+              <a:t>Clique para editar o estilo</a:t>
+            </a:r>
+            <a:endParaRPr lang="en-US" dirty="0"/>
+          </a:p>
+        </p:txBody>
+      </p:sp>
+      <p:sp>
+        <p:nvSpPr>
+          <p:cNvPr id="10" name="Text Placeholder 9"/>
+          <p:cNvSpPr>
+            <a:spLocks noGrp="1"/>
+          </p:cNvSpPr>
+          <p:nvPr>
+            <p:ph type="body" sz="quarter" idx="13"/>
+          </p:nvPr>
+        </p:nvSpPr>
+        <p:spPr>
+          <a:xfrm>
+            <a:off x="1674812" y="3352800"/>
+            <a:ext cx="8839202" cy="584200"/>
+          </a:xfrm>
+        </p:spPr>
+        <p:txBody>
+          <a:bodyPr anchor="ctr">
+            <a:normAutofit/>
+          </a:bodyPr>
+          <a:lstStyle>
+            <a:lvl1pPr marL="0" indent="0" algn="r">
+              <a:buFontTx/>
+              <a:buNone/>
+              <a:defRPr sz="2000"/>
+            </a:lvl1pPr>
+            <a:lvl2pPr marL="457200" indent="0">
+              <a:buFontTx/>
+              <a:buNone/>
+              <a:defRPr/>
+            </a:lvl2pPr>
+            <a:lvl3pPr marL="914400" indent="0">
+              <a:buFontTx/>
+              <a:buNone/>
+              <a:defRPr/>
+            </a:lvl3pPr>
+            <a:lvl4pPr marL="1371600" indent="0">
+              <a:buFontTx/>
+              <a:buNone/>
+              <a:defRPr/>
+            </a:lvl4pPr>
+            <a:lvl5pPr marL="1828800" indent="0">
+              <a:buFontTx/>
+              <a:buNone/>
+              <a:defRPr/>
+            </a:lvl5pPr>
+          </a:lstStyle>
+          <a:p>
+            <a:pPr lvl="0"/>
+            <a:r>
+              <a:rPr lang="pt-PT" smtClean="0"/>
+              <a:t>Clique para editar os estilos</a:t>
+            </a:r>
+          </a:p>
+        </p:txBody>
+      </p:sp>
+      <p:sp>
+        <p:nvSpPr>
+          <p:cNvPr id="3" name="Text Placeholder 2"/>
+          <p:cNvSpPr>
+            <a:spLocks noGrp="1"/>
+          </p:cNvSpPr>
+          <p:nvPr>
+            <p:ph type="body" idx="1"/>
+          </p:nvPr>
+        </p:nvSpPr>
+        <p:spPr>
+          <a:xfrm>
+            <a:off x="1295401" y="4343399"/>
+            <a:ext cx="9609666" cy="1532467"/>
+          </a:xfrm>
+        </p:spPr>
+        <p:txBody>
+          <a:bodyPr anchor="ctr">
+            <a:normAutofit/>
+          </a:bodyPr>
+          <a:lstStyle>
+            <a:lvl1pPr marL="0" indent="0" algn="ctr">
+              <a:buNone/>
+              <a:defRPr sz="2000">
+                <a:solidFill>
+                  <a:schemeClr val="tx1"/>
+                </a:solidFill>
+              </a:defRPr>
+            </a:lvl1pPr>
+            <a:lvl2pPr marL="457200" indent="0">
+              <a:buNone/>
+              <a:defRPr sz="1800">
+                <a:solidFill>
+                  <a:schemeClr val="tx1">
+                    <a:tint val="75000"/>
+                  </a:schemeClr>
+                </a:solidFill>
+              </a:defRPr>
+            </a:lvl2pPr>
+            <a:lvl3pPr marL="914400" indent="0">
+              <a:buNone/>
+              <a:defRPr sz="1600">
+                <a:solidFill>
+                  <a:schemeClr val="tx1">
+                    <a:tint val="75000"/>
+                  </a:schemeClr>
+                </a:solidFill>
+              </a:defRPr>
+            </a:lvl3pPr>
+            <a:lvl4pPr marL="1371600" indent="0">
+              <a:buNone/>
+              <a:defRPr sz="1400">
+                <a:solidFill>
+                  <a:schemeClr val="tx1">
+                    <a:tint val="75000"/>
+                  </a:schemeClr>
+                </a:solidFill>
+              </a:defRPr>
+            </a:lvl4pPr>
+            <a:lvl5pPr marL="1828800" indent="0">
+              <a:buNone/>
+              <a:defRPr sz="1400">
+                <a:solidFill>
+                  <a:schemeClr val="tx1">
+                    <a:tint val="75000"/>
+                  </a:schemeClr>
+                </a:solidFill>
+              </a:defRPr>
+            </a:lvl5pPr>
+            <a:lvl6pPr marL="2286000" indent="0">
+              <a:buNone/>
+              <a:defRPr sz="1400">
+                <a:solidFill>
+                  <a:schemeClr val="tx1">
+                    <a:tint val="75000"/>
+                  </a:schemeClr>
+                </a:solidFill>
+              </a:defRPr>
+            </a:lvl6pPr>
+            <a:lvl7pPr marL="2743200" indent="0">
+              <a:buNone/>
+              <a:defRPr sz="1400">
+                <a:solidFill>
+                  <a:schemeClr val="tx1">
+                    <a:tint val="75000"/>
+                  </a:schemeClr>
+                </a:solidFill>
+              </a:defRPr>
+            </a:lvl7pPr>
+            <a:lvl8pPr marL="3200400" indent="0">
+              <a:buNone/>
+              <a:defRPr sz="1400">
+                <a:solidFill>
+                  <a:schemeClr val="tx1">
+                    <a:tint val="75000"/>
+                  </a:schemeClr>
+                </a:solidFill>
+              </a:defRPr>
+            </a:lvl8pPr>
+            <a:lvl9pPr marL="3657600" indent="0">
+              <a:buNone/>
+              <a:defRPr sz="1400">
+                <a:solidFill>
+                  <a:schemeClr val="tx1">
+                    <a:tint val="75000"/>
+                  </a:schemeClr>
+                </a:solidFill>
+              </a:defRPr>
+            </a:lvl9pPr>
+          </a:lstStyle>
+          <a:p>
+            <a:pPr lvl="0"/>
+            <a:r>
+              <a:rPr lang="pt-PT" smtClean="0"/>
+              <a:t>Clique para editar os estilos</a:t>
+            </a:r>
+          </a:p>
+        </p:txBody>
+      </p:sp>
+      <p:sp>
+        <p:nvSpPr>
+          <p:cNvPr id="4" name="Date Placeholder 3"/>
+          <p:cNvSpPr>
+            <a:spLocks noGrp="1"/>
+          </p:cNvSpPr>
+          <p:nvPr>
+            <p:ph type="dt" sz="half" idx="10"/>
+          </p:nvPr>
+        </p:nvSpPr>
+        <p:spPr/>
+        <p:txBody>
+          <a:bodyPr/>
+          <a:lstStyle/>
+          <a:p>
+            <a:fld id="{F71B3DB1-8543-40E0-A2D1-830196AD91DE}" type="datetimeFigureOut">
+              <a:rPr lang="pt-PT" smtClean="0"/>
+              <a:pPr/>
+              <a:t>29-06-2013</a:t>
+            </a:fld>
+            <a:endParaRPr lang="pt-PT" dirty="0"/>
+          </a:p>
+        </p:txBody>
+      </p:sp>
+      <p:sp>
+        <p:nvSpPr>
+          <p:cNvPr id="5" name="Footer Placeholder 4"/>
+          <p:cNvSpPr>
+            <a:spLocks noGrp="1"/>
+          </p:cNvSpPr>
+          <p:nvPr>
+            <p:ph type="ftr" sz="quarter" idx="11"/>
+          </p:nvPr>
+        </p:nvSpPr>
+        <p:spPr/>
+        <p:txBody>
+          <a:bodyPr/>
+          <a:lstStyle/>
+          <a:p>
+            <a:endParaRPr lang="pt-PT" dirty="0"/>
+          </a:p>
+        </p:txBody>
+      </p:sp>
+      <p:sp>
+        <p:nvSpPr>
+          <p:cNvPr id="6" name="Slide Number Placeholder 5"/>
+          <p:cNvSpPr>
+            <a:spLocks noGrp="1"/>
+          </p:cNvSpPr>
+          <p:nvPr>
+            <p:ph type="sldNum" sz="quarter" idx="12"/>
+          </p:nvPr>
+        </p:nvSpPr>
+        <p:spPr/>
+        <p:txBody>
+          <a:bodyPr/>
+          <a:lstStyle/>
+          <a:p>
+            <a:fld id="{5D26EDD4-363A-4236-A170-49C0FA725754}" type="slidenum">
+              <a:rPr lang="pt-PT" smtClean="0"/>
+              <a:pPr/>
+              <a:t>‹nº›</a:t>
+            </a:fld>
+            <a:endParaRPr lang="pt-PT" dirty="0"/>
+          </a:p>
+        </p:txBody>
+      </p:sp>
+      <p:sp>
+        <p:nvSpPr>
           <p:cNvPr id="14" name="TextBox 13"/>
           <p:cNvSpPr txBox="1"/>
           <p:nvPr/>
         </p:nvSpPr>
         <p:spPr>
           <a:xfrm>
-            <a:off x="1598612" y="863023"/>
+            <a:off x="862013" y="879961"/>
             <a:ext cx="609600" cy="584776"/>
           </a:xfrm>
           <a:prstGeom prst="rect">
@@ -1288,89 +1380,7 @@
           <a:bodyPr vert="horz" lIns="91440" tIns="45720" rIns="91440" bIns="45720" rtlCol="0" anchor="ctr">
             <a:noAutofit/>
           </a:bodyPr>
-          <a:lstStyle>
-            <a:lvl1pPr>
-              <a:spcBef>
-                <a:spcPct val="0"/>
-              </a:spcBef>
-              <a:buNone/>
-              <a:defRPr sz="3200" b="0" cap="all">
-                <a:ln w="3175" cmpd="sng">
-                  <a:noFill/>
-                </a:ln>
-                <a:effectLst>
-                  <a:glow rad="38100">
-                    <a:schemeClr val="bg1">
-                      <a:lumMod val="65000"/>
-                      <a:lumOff val="35000"/>
-                      <a:alpha val="40000"/>
-                    </a:schemeClr>
-                  </a:glow>
-                  <a:outerShdw blurRad="28575" dist="38100" dir="14040000" algn="tl" rotWithShape="0">
-                    <a:srgbClr val="000000">
-                      <a:alpha val="25000"/>
-                    </a:srgbClr>
-                  </a:outerShdw>
-                </a:effectLst>
-              </a:defRPr>
-            </a:lvl1pPr>
-            <a:lvl2pPr>
-              <a:defRPr>
-                <a:solidFill>
-                  <a:schemeClr val="tx2"/>
-                </a:solidFill>
-              </a:defRPr>
-            </a:lvl2pPr>
-            <a:lvl3pPr>
-              <a:defRPr>
-                <a:solidFill>
-                  <a:schemeClr val="tx2"/>
-                </a:solidFill>
-              </a:defRPr>
-            </a:lvl3pPr>
-            <a:lvl4pPr>
-              <a:defRPr>
-                <a:solidFill>
-                  <a:schemeClr val="tx2"/>
-                </a:solidFill>
-              </a:defRPr>
-            </a:lvl4pPr>
-            <a:lvl5pPr>
-              <a:defRPr>
-                <a:solidFill>
-                  <a:schemeClr val="tx2"/>
-                </a:solidFill>
-              </a:defRPr>
-            </a:lvl5pPr>
-            <a:lvl6pPr>
-              <a:defRPr>
-                <a:solidFill>
-                  <a:schemeClr val="tx2"/>
-                </a:solidFill>
-              </a:defRPr>
-            </a:lvl6pPr>
-            <a:lvl7pPr>
-              <a:defRPr>
-                <a:solidFill>
-                  <a:schemeClr val="tx2"/>
-                </a:solidFill>
-              </a:defRPr>
-            </a:lvl7pPr>
-            <a:lvl8pPr>
-              <a:defRPr>
-                <a:solidFill>
-                  <a:schemeClr val="tx2"/>
-                </a:solidFill>
-              </a:defRPr>
-            </a:lvl8pPr>
-            <a:lvl9pPr>
-              <a:defRPr>
-                <a:solidFill>
-                  <a:schemeClr val="tx2"/>
-                </a:solidFill>
-              </a:defRPr>
-            </a:lvl9pPr>
-          </a:lstStyle>
+          <a:lstStyle/>
           <a:p>
             <a:pPr lvl="0"/>
             <a:r>
@@ -1393,7 +1403,7 @@
         </p:nvSpPr>
         <p:spPr>
           <a:xfrm>
-            <a:off x="10893425" y="2819399"/>
+            <a:off x="10600267" y="2827870"/>
             <a:ext cx="609600" cy="584776"/>
           </a:xfrm>
           <a:prstGeom prst="rect">
@@ -1404,89 +1414,7 @@
           <a:bodyPr vert="horz" lIns="91440" tIns="45720" rIns="91440" bIns="45720" rtlCol="0" anchor="ctr">
             <a:noAutofit/>
           </a:bodyPr>
-          <a:lstStyle>
-            <a:lvl1pPr>
-              <a:spcBef>
-                <a:spcPct val="0"/>
-              </a:spcBef>
-              <a:buNone/>
-              <a:defRPr sz="3200" b="0" cap="all">
-                <a:ln w="3175" cmpd="sng">
-                  <a:noFill/>
-                </a:ln>
-                <a:effectLst>
-                  <a:glow rad="38100">
-                    <a:schemeClr val="bg1">
-                      <a:lumMod val="65000"/>
-                      <a:lumOff val="35000"/>
-                      <a:alpha val="40000"/>
-                    </a:schemeClr>
-                  </a:glow>
-                  <a:outerShdw blurRad="28575" dist="38100" dir="14040000" algn="tl" rotWithShape="0">
-                    <a:srgbClr val="000000">
-                      <a:alpha val="25000"/>
-                    </a:srgbClr>
-                  </a:outerShdw>
-                </a:effectLst>
-              </a:defRPr>
-            </a:lvl1pPr>
-            <a:lvl2pPr>
-              <a:defRPr>
-                <a:solidFill>
-                  <a:schemeClr val="tx2"/>
-                </a:solidFill>
-              </a:defRPr>
-            </a:lvl2pPr>
-            <a:lvl3pPr>
-              <a:defRPr>
-                <a:solidFill>
-                  <a:schemeClr val="tx2"/>
-                </a:solidFill>
-              </a:defRPr>
-            </a:lvl3pPr>
-            <a:lvl4pPr>
-              <a:defRPr>
-                <a:solidFill>
-                  <a:schemeClr val="tx2"/>
-                </a:solidFill>
-              </a:defRPr>
-            </a:lvl4pPr>
-            <a:lvl5pPr>
-              <a:defRPr>
-                <a:solidFill>
-                  <a:schemeClr val="tx2"/>
-                </a:solidFill>
-              </a:defRPr>
-            </a:lvl5pPr>
-            <a:lvl6pPr>
-              <a:defRPr>
-                <a:solidFill>
-                  <a:schemeClr val="tx2"/>
-                </a:solidFill>
-              </a:defRPr>
-            </a:lvl6pPr>
-            <a:lvl7pPr>
-              <a:defRPr>
-                <a:solidFill>
-                  <a:schemeClr val="tx2"/>
-                </a:solidFill>
-              </a:defRPr>
-            </a:lvl7pPr>
-            <a:lvl8pPr>
-              <a:defRPr>
-                <a:solidFill>
-                  <a:schemeClr val="tx2"/>
-                </a:solidFill>
-              </a:defRPr>
-            </a:lvl8pPr>
-            <a:lvl9pPr>
-              <a:defRPr>
-                <a:solidFill>
-                  <a:schemeClr val="tx2"/>
-                </a:solidFill>
-              </a:defRPr>
-            </a:lvl9pPr>
-          </a:lstStyle>
+          <a:lstStyle/>
           <a:p>
             <a:pPr lvl="0" algn="r"/>
             <a:r>
@@ -1501,290 +1429,48 @@
           </a:p>
         </p:txBody>
       </p:sp>
-      <p:sp>
-        <p:nvSpPr>
-          <p:cNvPr id="2" name="Title 1"/>
-          <p:cNvSpPr>
-            <a:spLocks noGrp="1"/>
-          </p:cNvSpPr>
-          <p:nvPr>
-            <p:ph type="title"/>
-          </p:nvPr>
-        </p:nvSpPr>
+      <p:cxnSp>
+        <p:nvCxnSpPr>
+          <p:cNvPr id="19" name="Straight Connector 18"/>
+          <p:cNvCxnSpPr/>
+          <p:nvPr/>
+        </p:nvCxnSpPr>
         <p:spPr>
           <a:xfrm>
-            <a:off x="2208212" y="685800"/>
-            <a:ext cx="8990012" cy="2743199"/>
+            <a:off x="1396169" y="4140199"/>
+            <a:ext cx="9407298" cy="0"/>
           </a:xfrm>
+          <a:prstGeom prst="line">
+            <a:avLst/>
+          </a:prstGeom>
+          <a:ln w="15875">
+            <a:solidFill>
+              <a:schemeClr val="accent1">
+                <a:lumMod val="60000"/>
+                <a:lumOff val="40000"/>
+              </a:schemeClr>
+            </a:solidFill>
+          </a:ln>
         </p:spPr>
-        <p:txBody>
-          <a:bodyPr anchor="ctr">
-            <a:normAutofit/>
-          </a:bodyPr>
-          <a:lstStyle>
-            <a:lvl1pPr algn="ctr">
-              <a:defRPr sz="3200" b="0" cap="none">
-                <a:solidFill>
-                  <a:schemeClr val="tx1"/>
-                </a:solidFill>
-              </a:defRPr>
-            </a:lvl1pPr>
-          </a:lstStyle>
-          <a:p>
-            <a:r>
-              <a:rPr lang="en-US" smtClean="0"/>
-              <a:t>Click to edit Master title style</a:t>
-            </a:r>
-            <a:endParaRPr lang="en-US" dirty="0"/>
-          </a:p>
-        </p:txBody>
-      </p:sp>
-      <p:sp>
-        <p:nvSpPr>
-          <p:cNvPr id="10" name="Text Placeholder 9"/>
-          <p:cNvSpPr>
-            <a:spLocks noGrp="1"/>
-          </p:cNvSpPr>
-          <p:nvPr>
-            <p:ph type="body" sz="quarter" idx="13"/>
-          </p:nvPr>
-        </p:nvSpPr>
-        <p:spPr>
-          <a:xfrm>
-            <a:off x="2436811" y="3428999"/>
-            <a:ext cx="8532815" cy="381000"/>
-          </a:xfrm>
-        </p:spPr>
-        <p:txBody>
-          <a:bodyPr anchor="ctr">
-            <a:normAutofit/>
-          </a:bodyPr>
-          <a:lstStyle>
-            <a:lvl1pPr marL="0" indent="0">
-              <a:buFontTx/>
-              <a:buNone/>
-              <a:defRPr sz="1800"/>
-            </a:lvl1pPr>
-            <a:lvl2pPr marL="457200" indent="0">
-              <a:buFontTx/>
-              <a:buNone/>
-              <a:defRPr/>
-            </a:lvl2pPr>
-            <a:lvl3pPr marL="914400" indent="0">
-              <a:buFontTx/>
-              <a:buNone/>
-              <a:defRPr/>
-            </a:lvl3pPr>
-            <a:lvl4pPr marL="1371600" indent="0">
-              <a:buFontTx/>
-              <a:buNone/>
-              <a:defRPr/>
-            </a:lvl4pPr>
-            <a:lvl5pPr marL="1828800" indent="0">
-              <a:buFontTx/>
-              <a:buNone/>
-              <a:defRPr/>
-            </a:lvl5pPr>
-          </a:lstStyle>
-          <a:p>
-            <a:pPr lvl="0"/>
-            <a:r>
-              <a:rPr lang="en-US" smtClean="0"/>
-              <a:t>Click to edit Master text styles</a:t>
-            </a:r>
-          </a:p>
-        </p:txBody>
-      </p:sp>
-      <p:sp>
-        <p:nvSpPr>
-          <p:cNvPr id="3" name="Text Placeholder 2"/>
-          <p:cNvSpPr>
-            <a:spLocks noGrp="1"/>
-          </p:cNvSpPr>
-          <p:nvPr>
-            <p:ph type="body" idx="1"/>
-          </p:nvPr>
-        </p:nvSpPr>
-        <p:spPr>
-          <a:xfrm>
-            <a:off x="1484311" y="4343400"/>
-            <a:ext cx="10018711" cy="1447800"/>
-          </a:xfrm>
-        </p:spPr>
-        <p:txBody>
-          <a:bodyPr anchor="ctr">
-            <a:normAutofit/>
-          </a:bodyPr>
-          <a:lstStyle>
-            <a:lvl1pPr marL="0" indent="0" algn="ctr">
-              <a:buNone/>
-              <a:defRPr sz="2000">
-                <a:solidFill>
-                  <a:schemeClr val="tx1"/>
-                </a:solidFill>
-              </a:defRPr>
-            </a:lvl1pPr>
-            <a:lvl2pPr marL="457200" indent="0">
-              <a:buNone/>
-              <a:defRPr sz="1800">
-                <a:solidFill>
-                  <a:schemeClr val="tx1">
-                    <a:tint val="75000"/>
-                  </a:schemeClr>
-                </a:solidFill>
-              </a:defRPr>
-            </a:lvl2pPr>
-            <a:lvl3pPr marL="914400" indent="0">
-              <a:buNone/>
-              <a:defRPr sz="1600">
-                <a:solidFill>
-                  <a:schemeClr val="tx1">
-                    <a:tint val="75000"/>
-                  </a:schemeClr>
-                </a:solidFill>
-              </a:defRPr>
-            </a:lvl3pPr>
-            <a:lvl4pPr marL="1371600" indent="0">
-              <a:buNone/>
-              <a:defRPr sz="1400">
-                <a:solidFill>
-                  <a:schemeClr val="tx1">
-                    <a:tint val="75000"/>
-                  </a:schemeClr>
-                </a:solidFill>
-              </a:defRPr>
-            </a:lvl4pPr>
-            <a:lvl5pPr marL="1828800" indent="0">
-              <a:buNone/>
-              <a:defRPr sz="1400">
-                <a:solidFill>
-                  <a:schemeClr val="tx1">
-                    <a:tint val="75000"/>
-                  </a:schemeClr>
-                </a:solidFill>
-              </a:defRPr>
-            </a:lvl5pPr>
-            <a:lvl6pPr marL="2286000" indent="0">
-              <a:buNone/>
-              <a:defRPr sz="1400">
-                <a:solidFill>
-                  <a:schemeClr val="tx1">
-                    <a:tint val="75000"/>
-                  </a:schemeClr>
-                </a:solidFill>
-              </a:defRPr>
-            </a:lvl6pPr>
-            <a:lvl7pPr marL="2743200" indent="0">
-              <a:buNone/>
-              <a:defRPr sz="1400">
-                <a:solidFill>
-                  <a:schemeClr val="tx1">
-                    <a:tint val="75000"/>
-                  </a:schemeClr>
-                </a:solidFill>
-              </a:defRPr>
-            </a:lvl7pPr>
-            <a:lvl8pPr marL="3200400" indent="0">
-              <a:buNone/>
-              <a:defRPr sz="1400">
-                <a:solidFill>
-                  <a:schemeClr val="tx1">
-                    <a:tint val="75000"/>
-                  </a:schemeClr>
-                </a:solidFill>
-              </a:defRPr>
-            </a:lvl8pPr>
-            <a:lvl9pPr marL="3657600" indent="0">
-              <a:buNone/>
-              <a:defRPr sz="1400">
-                <a:solidFill>
-                  <a:schemeClr val="tx1">
-                    <a:tint val="75000"/>
-                  </a:schemeClr>
-                </a:solidFill>
-              </a:defRPr>
-            </a:lvl9pPr>
-          </a:lstStyle>
-          <a:p>
-            <a:pPr lvl="0"/>
-            <a:r>
-              <a:rPr lang="en-US" smtClean="0"/>
-              <a:t>Click to edit Master text styles</a:t>
-            </a:r>
-          </a:p>
-        </p:txBody>
-      </p:sp>
-      <p:sp>
-        <p:nvSpPr>
-          <p:cNvPr id="4" name="Date Placeholder 3"/>
-          <p:cNvSpPr>
-            <a:spLocks noGrp="1"/>
-          </p:cNvSpPr>
-          <p:nvPr>
-            <p:ph type="dt" sz="half" idx="10"/>
-          </p:nvPr>
-        </p:nvSpPr>
-        <p:spPr/>
-        <p:txBody>
-          <a:bodyPr/>
-          <a:lstStyle/>
-          <a:p>
-            <a:fld id="{F71B3DB1-8543-40E0-A2D1-830196AD91DE}" type="datetimeFigureOut">
-              <a:rPr lang="pt-PT" smtClean="0"/>
-              <a:pPr/>
-              <a:t>29-06-2013</a:t>
-            </a:fld>
-            <a:endParaRPr lang="pt-PT" dirty="0"/>
-          </a:p>
-        </p:txBody>
-      </p:sp>
-      <p:sp>
-        <p:nvSpPr>
-          <p:cNvPr id="5" name="Footer Placeholder 4"/>
-          <p:cNvSpPr>
-            <a:spLocks noGrp="1"/>
-          </p:cNvSpPr>
-          <p:nvPr>
-            <p:ph type="ftr" sz="quarter" idx="11"/>
-          </p:nvPr>
-        </p:nvSpPr>
-        <p:spPr/>
-        <p:txBody>
-          <a:bodyPr/>
-          <a:lstStyle/>
-          <a:p>
-            <a:endParaRPr lang="pt-PT" dirty="0"/>
-          </a:p>
-        </p:txBody>
-      </p:sp>
-      <p:sp>
-        <p:nvSpPr>
-          <p:cNvPr id="6" name="Slide Number Placeholder 5"/>
-          <p:cNvSpPr>
-            <a:spLocks noGrp="1"/>
-          </p:cNvSpPr>
-          <p:nvPr>
-            <p:ph type="sldNum" sz="quarter" idx="12"/>
-          </p:nvPr>
-        </p:nvSpPr>
-        <p:spPr/>
-        <p:txBody>
-          <a:bodyPr/>
-          <a:lstStyle/>
-          <a:p>
-            <a:fld id="{5D26EDD4-363A-4236-A170-49C0FA725754}" type="slidenum">
-              <a:rPr lang="pt-PT" smtClean="0"/>
-              <a:pPr/>
-              <a:t>‹nº›</a:t>
-            </a:fld>
-            <a:endParaRPr lang="pt-PT" dirty="0"/>
-          </a:p>
-        </p:txBody>
-      </p:sp>
+        <p:style>
+          <a:lnRef idx="2">
+            <a:schemeClr val="accent1"/>
+          </a:lnRef>
+          <a:fillRef idx="0">
+            <a:schemeClr val="accent1"/>
+          </a:fillRef>
+          <a:effectRef idx="1">
+            <a:schemeClr val="accent1"/>
+          </a:effectRef>
+          <a:fontRef idx="minor">
+            <a:schemeClr val="tx1"/>
+          </a:fontRef>
+        </p:style>
+      </p:cxnSp>
     </p:spTree>
     <p:extLst>
       <p:ext uri="{BB962C8B-B14F-4D97-AF65-F5344CB8AC3E}">
-        <p14:creationId xmlns:p14="http://schemas.microsoft.com/office/powerpoint/2010/main" xmlns="" val="2959964832"/>
+        <p14:creationId xmlns:p14="http://schemas.microsoft.com/office/powerpoint/2010/main" val="1960482330"/>
       </p:ext>
     </p:extLst>
   </p:cSld>
@@ -1796,7 +1482,7 @@
 
 <file path=ppt/slideLayouts/slideLayout13.xml><?xml version="1.0" encoding="utf-8"?>
 <p:sldLayout xmlns:a="http://schemas.openxmlformats.org/drawingml/2006/main" xmlns:r="http://schemas.openxmlformats.org/officeDocument/2006/relationships" xmlns:p="http://schemas.openxmlformats.org/presentationml/2006/main" preserve="1">
-  <p:cSld name="Name Card">
+  <p:cSld name="Cartão de Nome">
     <p:spTree>
       <p:nvGrpSpPr>
         <p:cNvPr id="1" name=""/>
@@ -1823,8 +1509,8 @@
         </p:nvSpPr>
         <p:spPr>
           <a:xfrm>
-            <a:off x="1484313" y="3308581"/>
-            <a:ext cx="10018709" cy="1468800"/>
+            <a:off x="1295402" y="3308581"/>
+            <a:ext cx="9609668" cy="1468800"/>
           </a:xfrm>
         </p:spPr>
         <p:txBody>
@@ -1832,14 +1518,14 @@
             <a:normAutofit/>
           </a:bodyPr>
           <a:lstStyle>
-            <a:lvl1pPr algn="r">
+            <a:lvl1pPr algn="l">
               <a:defRPr sz="3200" b="0" cap="none"/>
             </a:lvl1pPr>
           </a:lstStyle>
           <a:p>
             <a:r>
-              <a:rPr lang="en-US" smtClean="0"/>
-              <a:t>Click to edit Master title style</a:t>
+              <a:rPr lang="pt-PT" smtClean="0"/>
+              <a:t>Clique para editar o estilo</a:t>
             </a:r>
             <a:endParaRPr lang="en-US" dirty="0"/>
           </a:p>
@@ -1857,8 +1543,8 @@
         </p:nvSpPr>
         <p:spPr>
           <a:xfrm>
-            <a:off x="1484312" y="4777381"/>
-            <a:ext cx="10018710" cy="860400"/>
+            <a:off x="1295401" y="4777381"/>
+            <a:ext cx="9609668" cy="860400"/>
           </a:xfrm>
         </p:spPr>
         <p:txBody>
@@ -1866,7 +1552,7 @@
             <a:normAutofit/>
           </a:bodyPr>
           <a:lstStyle>
-            <a:lvl1pPr marL="0" indent="0" algn="r">
+            <a:lvl1pPr marL="0" indent="0" algn="l">
               <a:buNone/>
               <a:defRPr sz="2000">
                 <a:solidFill>
@@ -1958,8 +1644,8 @@
           <a:p>
             <a:pPr lvl="0"/>
             <a:r>
-              <a:rPr lang="en-US" smtClean="0"/>
-              <a:t>Click to edit Master text styles</a:t>
+              <a:rPr lang="pt-PT" smtClean="0"/>
+              <a:t>Clique para editar os estilos</a:t>
             </a:r>
           </a:p>
         </p:txBody>
@@ -2034,7 +1720,7 @@
     </p:spTree>
     <p:extLst>
       <p:ext uri="{BB962C8B-B14F-4D97-AF65-F5344CB8AC3E}">
-        <p14:creationId xmlns:p14="http://schemas.microsoft.com/office/powerpoint/2010/main" xmlns="" val="3231562543"/>
+        <p14:creationId xmlns:p14="http://schemas.microsoft.com/office/powerpoint/2010/main" val="1169910341"/>
       </p:ext>
     </p:extLst>
   </p:cSld>
@@ -2046,7 +1732,7 @@
 
 <file path=ppt/slideLayouts/slideLayout14.xml><?xml version="1.0" encoding="utf-8"?>
 <p:sldLayout xmlns:a="http://schemas.openxmlformats.org/drawingml/2006/main" xmlns:r="http://schemas.openxmlformats.org/officeDocument/2006/relationships" xmlns:p="http://schemas.openxmlformats.org/presentationml/2006/main" preserve="1">
-  <p:cSld name="Quote Name Card">
+  <p:cSld name="Cartão de Nome com Citação">
     <p:spTree>
       <p:nvGrpSpPr>
         <p:cNvPr id="1" name=""/>
@@ -2063,13 +1749,359 @@
       </p:grpSpPr>
       <p:sp>
         <p:nvSpPr>
-          <p:cNvPr id="14" name="TextBox 13"/>
+          <p:cNvPr id="2" name="Title 1"/>
+          <p:cNvSpPr>
+            <a:spLocks noGrp="1"/>
+          </p:cNvSpPr>
+          <p:nvPr>
+            <p:ph type="title"/>
+          </p:nvPr>
+        </p:nvSpPr>
+        <p:spPr>
+          <a:xfrm>
+            <a:off x="1446213" y="982132"/>
+            <a:ext cx="9296398" cy="2243668"/>
+          </a:xfrm>
+        </p:spPr>
+        <p:txBody>
+          <a:bodyPr anchor="ctr">
+            <a:normAutofit/>
+          </a:bodyPr>
+          <a:lstStyle>
+            <a:lvl1pPr algn="ctr">
+              <a:defRPr sz="3200" b="0" cap="none">
+                <a:solidFill>
+                  <a:schemeClr val="tx1"/>
+                </a:solidFill>
+              </a:defRPr>
+            </a:lvl1pPr>
+          </a:lstStyle>
+          <a:p>
+            <a:r>
+              <a:rPr lang="pt-PT" smtClean="0"/>
+              <a:t>Clique para editar o estilo</a:t>
+            </a:r>
+            <a:endParaRPr lang="en-US" dirty="0"/>
+          </a:p>
+        </p:txBody>
+      </p:sp>
+      <p:sp>
+        <p:nvSpPr>
+          <p:cNvPr id="14" name="Text Placeholder 2"/>
+          <p:cNvSpPr>
+            <a:spLocks noGrp="1"/>
+          </p:cNvSpPr>
+          <p:nvPr>
+            <p:ph type="body" idx="13"/>
+          </p:nvPr>
+        </p:nvSpPr>
+        <p:spPr>
+          <a:xfrm>
+            <a:off x="1295401" y="3639312"/>
+            <a:ext cx="9609668" cy="886968"/>
+          </a:xfrm>
+        </p:spPr>
+        <p:txBody>
+          <a:bodyPr anchor="b">
+            <a:normAutofit/>
+          </a:bodyPr>
+          <a:lstStyle>
+            <a:lvl1pPr marL="0" indent="0" algn="l">
+              <a:spcBef>
+                <a:spcPts val="0"/>
+              </a:spcBef>
+              <a:buNone/>
+              <a:defRPr sz="2400">
+                <a:solidFill>
+                  <a:schemeClr val="tx1"/>
+                </a:solidFill>
+              </a:defRPr>
+            </a:lvl1pPr>
+            <a:lvl2pPr marL="457200" indent="0">
+              <a:buNone/>
+              <a:defRPr sz="1800">
+                <a:solidFill>
+                  <a:schemeClr val="tx1">
+                    <a:tint val="75000"/>
+                  </a:schemeClr>
+                </a:solidFill>
+              </a:defRPr>
+            </a:lvl2pPr>
+            <a:lvl3pPr marL="914400" indent="0">
+              <a:buNone/>
+              <a:defRPr sz="1600">
+                <a:solidFill>
+                  <a:schemeClr val="tx1">
+                    <a:tint val="75000"/>
+                  </a:schemeClr>
+                </a:solidFill>
+              </a:defRPr>
+            </a:lvl3pPr>
+            <a:lvl4pPr marL="1371600" indent="0">
+              <a:buNone/>
+              <a:defRPr sz="1400">
+                <a:solidFill>
+                  <a:schemeClr val="tx1">
+                    <a:tint val="75000"/>
+                  </a:schemeClr>
+                </a:solidFill>
+              </a:defRPr>
+            </a:lvl4pPr>
+            <a:lvl5pPr marL="1828800" indent="0">
+              <a:buNone/>
+              <a:defRPr sz="1400">
+                <a:solidFill>
+                  <a:schemeClr val="tx1">
+                    <a:tint val="75000"/>
+                  </a:schemeClr>
+                </a:solidFill>
+              </a:defRPr>
+            </a:lvl5pPr>
+            <a:lvl6pPr marL="2286000" indent="0">
+              <a:buNone/>
+              <a:defRPr sz="1400">
+                <a:solidFill>
+                  <a:schemeClr val="tx1">
+                    <a:tint val="75000"/>
+                  </a:schemeClr>
+                </a:solidFill>
+              </a:defRPr>
+            </a:lvl6pPr>
+            <a:lvl7pPr marL="2743200" indent="0">
+              <a:buNone/>
+              <a:defRPr sz="1400">
+                <a:solidFill>
+                  <a:schemeClr val="tx1">
+                    <a:tint val="75000"/>
+                  </a:schemeClr>
+                </a:solidFill>
+              </a:defRPr>
+            </a:lvl7pPr>
+            <a:lvl8pPr marL="3200400" indent="0">
+              <a:buNone/>
+              <a:defRPr sz="1400">
+                <a:solidFill>
+                  <a:schemeClr val="tx1">
+                    <a:tint val="75000"/>
+                  </a:schemeClr>
+                </a:solidFill>
+              </a:defRPr>
+            </a:lvl8pPr>
+            <a:lvl9pPr marL="3657600" indent="0">
+              <a:buNone/>
+              <a:defRPr sz="1400">
+                <a:solidFill>
+                  <a:schemeClr val="tx1">
+                    <a:tint val="75000"/>
+                  </a:schemeClr>
+                </a:solidFill>
+              </a:defRPr>
+            </a:lvl9pPr>
+          </a:lstStyle>
+          <a:p>
+            <a:pPr lvl="0"/>
+            <a:r>
+              <a:rPr lang="pt-PT" smtClean="0"/>
+              <a:t>Clique para editar os estilos</a:t>
+            </a:r>
+          </a:p>
+        </p:txBody>
+      </p:sp>
+      <p:sp>
+        <p:nvSpPr>
+          <p:cNvPr id="3" name="Text Placeholder 2"/>
+          <p:cNvSpPr>
+            <a:spLocks noGrp="1"/>
+          </p:cNvSpPr>
+          <p:nvPr>
+            <p:ph type="body" idx="1"/>
+          </p:nvPr>
+        </p:nvSpPr>
+        <p:spPr>
+          <a:xfrm>
+            <a:off x="1295401" y="4529667"/>
+            <a:ext cx="9609668" cy="1346200"/>
+          </a:xfrm>
+        </p:spPr>
+        <p:txBody>
+          <a:bodyPr anchor="t">
+            <a:normAutofit/>
+          </a:bodyPr>
+          <a:lstStyle>
+            <a:lvl1pPr marL="0" indent="0" algn="l">
+              <a:buNone/>
+              <a:defRPr sz="1800">
+                <a:solidFill>
+                  <a:schemeClr val="tx1"/>
+                </a:solidFill>
+              </a:defRPr>
+            </a:lvl1pPr>
+            <a:lvl2pPr marL="457200" indent="0">
+              <a:buNone/>
+              <a:defRPr sz="1800">
+                <a:solidFill>
+                  <a:schemeClr val="tx1">
+                    <a:tint val="75000"/>
+                  </a:schemeClr>
+                </a:solidFill>
+              </a:defRPr>
+            </a:lvl2pPr>
+            <a:lvl3pPr marL="914400" indent="0">
+              <a:buNone/>
+              <a:defRPr sz="1600">
+                <a:solidFill>
+                  <a:schemeClr val="tx1">
+                    <a:tint val="75000"/>
+                  </a:schemeClr>
+                </a:solidFill>
+              </a:defRPr>
+            </a:lvl3pPr>
+            <a:lvl4pPr marL="1371600" indent="0">
+              <a:buNone/>
+              <a:defRPr sz="1400">
+                <a:solidFill>
+                  <a:schemeClr val="tx1">
+                    <a:tint val="75000"/>
+                  </a:schemeClr>
+                </a:solidFill>
+              </a:defRPr>
+            </a:lvl4pPr>
+            <a:lvl5pPr marL="1828800" indent="0">
+              <a:buNone/>
+              <a:defRPr sz="1400">
+                <a:solidFill>
+                  <a:schemeClr val="tx1">
+                    <a:tint val="75000"/>
+                  </a:schemeClr>
+                </a:solidFill>
+              </a:defRPr>
+            </a:lvl5pPr>
+            <a:lvl6pPr marL="2286000" indent="0">
+              <a:buNone/>
+              <a:defRPr sz="1400">
+                <a:solidFill>
+                  <a:schemeClr val="tx1">
+                    <a:tint val="75000"/>
+                  </a:schemeClr>
+                </a:solidFill>
+              </a:defRPr>
+            </a:lvl6pPr>
+            <a:lvl7pPr marL="2743200" indent="0">
+              <a:buNone/>
+              <a:defRPr sz="1400">
+                <a:solidFill>
+                  <a:schemeClr val="tx1">
+                    <a:tint val="75000"/>
+                  </a:schemeClr>
+                </a:solidFill>
+              </a:defRPr>
+            </a:lvl7pPr>
+            <a:lvl8pPr marL="3200400" indent="0">
+              <a:buNone/>
+              <a:defRPr sz="1400">
+                <a:solidFill>
+                  <a:schemeClr val="tx1">
+                    <a:tint val="75000"/>
+                  </a:schemeClr>
+                </a:solidFill>
+              </a:defRPr>
+            </a:lvl8pPr>
+            <a:lvl9pPr marL="3657600" indent="0">
+              <a:buNone/>
+              <a:defRPr sz="1400">
+                <a:solidFill>
+                  <a:schemeClr val="tx1">
+                    <a:tint val="75000"/>
+                  </a:schemeClr>
+                </a:solidFill>
+              </a:defRPr>
+            </a:lvl9pPr>
+          </a:lstStyle>
+          <a:p>
+            <a:pPr lvl="0"/>
+            <a:r>
+              <a:rPr lang="pt-PT" smtClean="0"/>
+              <a:t>Clique para editar os estilos</a:t>
+            </a:r>
+          </a:p>
+        </p:txBody>
+      </p:sp>
+      <p:sp>
+        <p:nvSpPr>
+          <p:cNvPr id="4" name="Date Placeholder 3"/>
+          <p:cNvSpPr>
+            <a:spLocks noGrp="1"/>
+          </p:cNvSpPr>
+          <p:nvPr>
+            <p:ph type="dt" sz="half" idx="10"/>
+          </p:nvPr>
+        </p:nvSpPr>
+        <p:spPr/>
+        <p:txBody>
+          <a:bodyPr/>
+          <a:lstStyle/>
+          <a:p>
+            <a:fld id="{F71B3DB1-8543-40E0-A2D1-830196AD91DE}" type="datetimeFigureOut">
+              <a:rPr lang="pt-PT" smtClean="0"/>
+              <a:pPr/>
+              <a:t>29-06-2013</a:t>
+            </a:fld>
+            <a:endParaRPr lang="pt-PT" dirty="0"/>
+          </a:p>
+        </p:txBody>
+      </p:sp>
+      <p:sp>
+        <p:nvSpPr>
+          <p:cNvPr id="5" name="Footer Placeholder 4"/>
+          <p:cNvSpPr>
+            <a:spLocks noGrp="1"/>
+          </p:cNvSpPr>
+          <p:nvPr>
+            <p:ph type="ftr" sz="quarter" idx="11"/>
+          </p:nvPr>
+        </p:nvSpPr>
+        <p:spPr/>
+        <p:txBody>
+          <a:bodyPr/>
+          <a:lstStyle/>
+          <a:p>
+            <a:endParaRPr lang="pt-PT" dirty="0"/>
+          </a:p>
+        </p:txBody>
+      </p:sp>
+      <p:sp>
+        <p:nvSpPr>
+          <p:cNvPr id="6" name="Slide Number Placeholder 5"/>
+          <p:cNvSpPr>
+            <a:spLocks noGrp="1"/>
+          </p:cNvSpPr>
+          <p:nvPr>
+            <p:ph type="sldNum" sz="quarter" idx="12"/>
+          </p:nvPr>
+        </p:nvSpPr>
+        <p:spPr/>
+        <p:txBody>
+          <a:bodyPr/>
+          <a:lstStyle/>
+          <a:p>
+            <a:fld id="{5D26EDD4-363A-4236-A170-49C0FA725754}" type="slidenum">
+              <a:rPr lang="pt-PT" smtClean="0"/>
+              <a:pPr/>
+              <a:t>‹nº›</a:t>
+            </a:fld>
+            <a:endParaRPr lang="pt-PT" dirty="0"/>
+          </a:p>
+        </p:txBody>
+      </p:sp>
+      <p:sp>
+        <p:nvSpPr>
+          <p:cNvPr id="12" name="TextBox 11"/>
           <p:cNvSpPr txBox="1"/>
           <p:nvPr/>
         </p:nvSpPr>
         <p:spPr>
           <a:xfrm>
-            <a:off x="1598612" y="863023"/>
+            <a:off x="862013" y="879961"/>
             <a:ext cx="609600" cy="584776"/>
           </a:xfrm>
           <a:prstGeom prst="rect">
@@ -2080,89 +2112,7 @@
           <a:bodyPr vert="horz" lIns="91440" tIns="45720" rIns="91440" bIns="45720" rtlCol="0" anchor="ctr">
             <a:noAutofit/>
           </a:bodyPr>
-          <a:lstStyle>
-            <a:lvl1pPr>
-              <a:spcBef>
-                <a:spcPct val="0"/>
-              </a:spcBef>
-              <a:buNone/>
-              <a:defRPr sz="3200" b="0" cap="all">
-                <a:ln w="3175" cmpd="sng">
-                  <a:noFill/>
-                </a:ln>
-                <a:effectLst>
-                  <a:glow rad="38100">
-                    <a:schemeClr val="bg1">
-                      <a:lumMod val="65000"/>
-                      <a:lumOff val="35000"/>
-                      <a:alpha val="40000"/>
-                    </a:schemeClr>
-                  </a:glow>
-                  <a:outerShdw blurRad="28575" dist="38100" dir="14040000" algn="tl" rotWithShape="0">
-                    <a:srgbClr val="000000">
-                      <a:alpha val="25000"/>
-                    </a:srgbClr>
-                  </a:outerShdw>
-                </a:effectLst>
-              </a:defRPr>
-            </a:lvl1pPr>
-            <a:lvl2pPr>
-              <a:defRPr>
-                <a:solidFill>
-                  <a:schemeClr val="tx2"/>
-                </a:solidFill>
-              </a:defRPr>
-            </a:lvl2pPr>
-            <a:lvl3pPr>
-              <a:defRPr>
-                <a:solidFill>
-                  <a:schemeClr val="tx2"/>
-                </a:solidFill>
-              </a:defRPr>
-            </a:lvl3pPr>
-            <a:lvl4pPr>
-              <a:defRPr>
-                <a:solidFill>
-                  <a:schemeClr val="tx2"/>
-                </a:solidFill>
-              </a:defRPr>
-            </a:lvl4pPr>
-            <a:lvl5pPr>
-              <a:defRPr>
-                <a:solidFill>
-                  <a:schemeClr val="tx2"/>
-                </a:solidFill>
-              </a:defRPr>
-            </a:lvl5pPr>
-            <a:lvl6pPr>
-              <a:defRPr>
-                <a:solidFill>
-                  <a:schemeClr val="tx2"/>
-                </a:solidFill>
-              </a:defRPr>
-            </a:lvl6pPr>
-            <a:lvl7pPr>
-              <a:defRPr>
-                <a:solidFill>
-                  <a:schemeClr val="tx2"/>
-                </a:solidFill>
-              </a:defRPr>
-            </a:lvl7pPr>
-            <a:lvl8pPr>
-              <a:defRPr>
-                <a:solidFill>
-                  <a:schemeClr val="tx2"/>
-                </a:solidFill>
-              </a:defRPr>
-            </a:lvl8pPr>
-            <a:lvl9pPr>
-              <a:defRPr>
-                <a:solidFill>
-                  <a:schemeClr val="tx2"/>
-                </a:solidFill>
-              </a:defRPr>
-            </a:lvl9pPr>
-          </a:lstStyle>
+          <a:lstStyle/>
           <a:p>
             <a:pPr lvl="0"/>
             <a:r>
@@ -2179,13 +2129,13 @@
       </p:sp>
       <p:sp>
         <p:nvSpPr>
-          <p:cNvPr id="15" name="TextBox 14"/>
+          <p:cNvPr id="13" name="TextBox 12"/>
           <p:cNvSpPr txBox="1"/>
           <p:nvPr/>
         </p:nvSpPr>
         <p:spPr>
           <a:xfrm>
-            <a:off x="10893425" y="2819399"/>
+            <a:off x="10600267" y="2599261"/>
             <a:ext cx="609600" cy="584776"/>
           </a:xfrm>
           <a:prstGeom prst="rect">
@@ -2196,89 +2146,7 @@
           <a:bodyPr vert="horz" lIns="91440" tIns="45720" rIns="91440" bIns="45720" rtlCol="0" anchor="ctr">
             <a:noAutofit/>
           </a:bodyPr>
-          <a:lstStyle>
-            <a:lvl1pPr>
-              <a:spcBef>
-                <a:spcPct val="0"/>
-              </a:spcBef>
-              <a:buNone/>
-              <a:defRPr sz="3200" b="0" cap="all">
-                <a:ln w="3175" cmpd="sng">
-                  <a:noFill/>
-                </a:ln>
-                <a:effectLst>
-                  <a:glow rad="38100">
-                    <a:schemeClr val="bg1">
-                      <a:lumMod val="65000"/>
-                      <a:lumOff val="35000"/>
-                      <a:alpha val="40000"/>
-                    </a:schemeClr>
-                  </a:glow>
-                  <a:outerShdw blurRad="28575" dist="38100" dir="14040000" algn="tl" rotWithShape="0">
-                    <a:srgbClr val="000000">
-                      <a:alpha val="25000"/>
-                    </a:srgbClr>
-                  </a:outerShdw>
-                </a:effectLst>
-              </a:defRPr>
-            </a:lvl1pPr>
-            <a:lvl2pPr>
-              <a:defRPr>
-                <a:solidFill>
-                  <a:schemeClr val="tx2"/>
-                </a:solidFill>
-              </a:defRPr>
-            </a:lvl2pPr>
-            <a:lvl3pPr>
-              <a:defRPr>
-                <a:solidFill>
-                  <a:schemeClr val="tx2"/>
-                </a:solidFill>
-              </a:defRPr>
-            </a:lvl3pPr>
-            <a:lvl4pPr>
-              <a:defRPr>
-                <a:solidFill>
-                  <a:schemeClr val="tx2"/>
-                </a:solidFill>
-              </a:defRPr>
-            </a:lvl4pPr>
-            <a:lvl5pPr>
-              <a:defRPr>
-                <a:solidFill>
-                  <a:schemeClr val="tx2"/>
-                </a:solidFill>
-              </a:defRPr>
-            </a:lvl5pPr>
-            <a:lvl6pPr>
-              <a:defRPr>
-                <a:solidFill>
-                  <a:schemeClr val="tx2"/>
-                </a:solidFill>
-              </a:defRPr>
-            </a:lvl6pPr>
-            <a:lvl7pPr>
-              <a:defRPr>
-                <a:solidFill>
-                  <a:schemeClr val="tx2"/>
-                </a:solidFill>
-              </a:defRPr>
-            </a:lvl7pPr>
-            <a:lvl8pPr>
-              <a:defRPr>
-                <a:solidFill>
-                  <a:schemeClr val="tx2"/>
-                </a:solidFill>
-              </a:defRPr>
-            </a:lvl8pPr>
-            <a:lvl9pPr>
-              <a:defRPr>
-                <a:solidFill>
-                  <a:schemeClr val="tx2"/>
-                </a:solidFill>
-              </a:defRPr>
-            </a:lvl9pPr>
-          </a:lstStyle>
+          <a:lstStyle/>
           <a:p>
             <a:pPr lvl="0" algn="r"/>
             <a:r>
@@ -2293,282 +2161,48 @@
           </a:p>
         </p:txBody>
       </p:sp>
-      <p:sp>
-        <p:nvSpPr>
-          <p:cNvPr id="2" name="Title 1"/>
-          <p:cNvSpPr>
-            <a:spLocks noGrp="1"/>
-          </p:cNvSpPr>
-          <p:nvPr>
-            <p:ph type="title"/>
-          </p:nvPr>
-        </p:nvSpPr>
+      <p:cxnSp>
+        <p:nvCxnSpPr>
+          <p:cNvPr id="26" name="Straight Connector 25"/>
+          <p:cNvCxnSpPr/>
+          <p:nvPr/>
+        </p:nvCxnSpPr>
         <p:spPr>
           <a:xfrm>
-            <a:off x="2208212" y="685800"/>
-            <a:ext cx="8990012" cy="2743199"/>
+            <a:off x="1396169" y="3429000"/>
+            <a:ext cx="9407298" cy="0"/>
           </a:xfrm>
+          <a:prstGeom prst="line">
+            <a:avLst/>
+          </a:prstGeom>
+          <a:ln w="15875">
+            <a:solidFill>
+              <a:schemeClr val="accent1">
+                <a:lumMod val="60000"/>
+                <a:lumOff val="40000"/>
+              </a:schemeClr>
+            </a:solidFill>
+          </a:ln>
         </p:spPr>
-        <p:txBody>
-          <a:bodyPr anchor="ctr">
-            <a:normAutofit/>
-          </a:bodyPr>
-          <a:lstStyle>
-            <a:lvl1pPr algn="ctr">
-              <a:defRPr sz="3200" b="0" cap="none">
-                <a:solidFill>
-                  <a:schemeClr val="tx1"/>
-                </a:solidFill>
-              </a:defRPr>
-            </a:lvl1pPr>
-          </a:lstStyle>
-          <a:p>
-            <a:r>
-              <a:rPr lang="en-US" smtClean="0"/>
-              <a:t>Click to edit Master title style</a:t>
-            </a:r>
-            <a:endParaRPr lang="en-US" dirty="0"/>
-          </a:p>
-        </p:txBody>
-      </p:sp>
-      <p:sp>
-        <p:nvSpPr>
-          <p:cNvPr id="10" name="Text Placeholder 9"/>
-          <p:cNvSpPr>
-            <a:spLocks noGrp="1"/>
-          </p:cNvSpPr>
-          <p:nvPr>
-            <p:ph type="body" sz="quarter" idx="13"/>
-          </p:nvPr>
-        </p:nvSpPr>
-        <p:spPr>
-          <a:xfrm>
-            <a:off x="1484313" y="3886200"/>
-            <a:ext cx="10018710" cy="889000"/>
-          </a:xfrm>
-        </p:spPr>
-        <p:txBody>
-          <a:bodyPr vert="horz" lIns="91440" tIns="45720" rIns="91440" bIns="45720" rtlCol="0" anchor="b">
-            <a:normAutofit/>
-          </a:bodyPr>
-          <a:lstStyle>
-            <a:lvl1pPr algn="r">
-              <a:buNone/>
-              <a:defRPr lang="en-US" sz="2400" b="0" cap="none" dirty="0">
-                <a:ln w="3175" cmpd="sng">
-                  <a:noFill/>
-                </a:ln>
-                <a:solidFill>
-                  <a:schemeClr val="tx1"/>
-                </a:solidFill>
-                <a:effectLst/>
-              </a:defRPr>
-            </a:lvl1pPr>
-          </a:lstStyle>
-          <a:p>
-            <a:pPr marL="0" lvl="0">
-              <a:spcBef>
-                <a:spcPct val="0"/>
-              </a:spcBef>
-              <a:buNone/>
-            </a:pPr>
-            <a:r>
-              <a:rPr lang="en-US" smtClean="0"/>
-              <a:t>Click to edit Master text styles</a:t>
-            </a:r>
-          </a:p>
-        </p:txBody>
-      </p:sp>
-      <p:sp>
-        <p:nvSpPr>
-          <p:cNvPr id="3" name="Text Placeholder 2"/>
-          <p:cNvSpPr>
-            <a:spLocks noGrp="1"/>
-          </p:cNvSpPr>
-          <p:nvPr>
-            <p:ph type="body" idx="1"/>
-          </p:nvPr>
-        </p:nvSpPr>
-        <p:spPr>
-          <a:xfrm>
-            <a:off x="1484312" y="4775200"/>
-            <a:ext cx="10018710" cy="1016000"/>
-          </a:xfrm>
-        </p:spPr>
-        <p:txBody>
-          <a:bodyPr anchor="t">
-            <a:normAutofit/>
-          </a:bodyPr>
-          <a:lstStyle>
-            <a:lvl1pPr marL="0" indent="0" algn="r">
-              <a:buNone/>
-              <a:defRPr sz="1800">
-                <a:solidFill>
-                  <a:schemeClr val="tx1"/>
-                </a:solidFill>
-              </a:defRPr>
-            </a:lvl1pPr>
-            <a:lvl2pPr marL="457200" indent="0">
-              <a:buNone/>
-              <a:defRPr sz="1800">
-                <a:solidFill>
-                  <a:schemeClr val="tx1">
-                    <a:tint val="75000"/>
-                  </a:schemeClr>
-                </a:solidFill>
-              </a:defRPr>
-            </a:lvl2pPr>
-            <a:lvl3pPr marL="914400" indent="0">
-              <a:buNone/>
-              <a:defRPr sz="1600">
-                <a:solidFill>
-                  <a:schemeClr val="tx1">
-                    <a:tint val="75000"/>
-                  </a:schemeClr>
-                </a:solidFill>
-              </a:defRPr>
-            </a:lvl3pPr>
-            <a:lvl4pPr marL="1371600" indent="0">
-              <a:buNone/>
-              <a:defRPr sz="1400">
-                <a:solidFill>
-                  <a:schemeClr val="tx1">
-                    <a:tint val="75000"/>
-                  </a:schemeClr>
-                </a:solidFill>
-              </a:defRPr>
-            </a:lvl4pPr>
-            <a:lvl5pPr marL="1828800" indent="0">
-              <a:buNone/>
-              <a:defRPr sz="1400">
-                <a:solidFill>
-                  <a:schemeClr val="tx1">
-                    <a:tint val="75000"/>
-                  </a:schemeClr>
-                </a:solidFill>
-              </a:defRPr>
-            </a:lvl5pPr>
-            <a:lvl6pPr marL="2286000" indent="0">
-              <a:buNone/>
-              <a:defRPr sz="1400">
-                <a:solidFill>
-                  <a:schemeClr val="tx1">
-                    <a:tint val="75000"/>
-                  </a:schemeClr>
-                </a:solidFill>
-              </a:defRPr>
-            </a:lvl6pPr>
-            <a:lvl7pPr marL="2743200" indent="0">
-              <a:buNone/>
-              <a:defRPr sz="1400">
-                <a:solidFill>
-                  <a:schemeClr val="tx1">
-                    <a:tint val="75000"/>
-                  </a:schemeClr>
-                </a:solidFill>
-              </a:defRPr>
-            </a:lvl7pPr>
-            <a:lvl8pPr marL="3200400" indent="0">
-              <a:buNone/>
-              <a:defRPr sz="1400">
-                <a:solidFill>
-                  <a:schemeClr val="tx1">
-                    <a:tint val="75000"/>
-                  </a:schemeClr>
-                </a:solidFill>
-              </a:defRPr>
-            </a:lvl8pPr>
-            <a:lvl9pPr marL="3657600" indent="0">
-              <a:buNone/>
-              <a:defRPr sz="1400">
-                <a:solidFill>
-                  <a:schemeClr val="tx1">
-                    <a:tint val="75000"/>
-                  </a:schemeClr>
-                </a:solidFill>
-              </a:defRPr>
-            </a:lvl9pPr>
-          </a:lstStyle>
-          <a:p>
-            <a:pPr lvl="0"/>
-            <a:r>
-              <a:rPr lang="en-US" smtClean="0"/>
-              <a:t>Click to edit Master text styles</a:t>
-            </a:r>
-          </a:p>
-        </p:txBody>
-      </p:sp>
-      <p:sp>
-        <p:nvSpPr>
-          <p:cNvPr id="4" name="Date Placeholder 3"/>
-          <p:cNvSpPr>
-            <a:spLocks noGrp="1"/>
-          </p:cNvSpPr>
-          <p:nvPr>
-            <p:ph type="dt" sz="half" idx="10"/>
-          </p:nvPr>
-        </p:nvSpPr>
-        <p:spPr/>
-        <p:txBody>
-          <a:bodyPr/>
-          <a:lstStyle/>
-          <a:p>
-            <a:fld id="{F71B3DB1-8543-40E0-A2D1-830196AD91DE}" type="datetimeFigureOut">
-              <a:rPr lang="pt-PT" smtClean="0"/>
-              <a:pPr/>
-              <a:t>29-06-2013</a:t>
-            </a:fld>
-            <a:endParaRPr lang="pt-PT" dirty="0"/>
-          </a:p>
-        </p:txBody>
-      </p:sp>
-      <p:sp>
-        <p:nvSpPr>
-          <p:cNvPr id="5" name="Footer Placeholder 4"/>
-          <p:cNvSpPr>
-            <a:spLocks noGrp="1"/>
-          </p:cNvSpPr>
-          <p:nvPr>
-            <p:ph type="ftr" sz="quarter" idx="11"/>
-          </p:nvPr>
-        </p:nvSpPr>
-        <p:spPr/>
-        <p:txBody>
-          <a:bodyPr/>
-          <a:lstStyle/>
-          <a:p>
-            <a:endParaRPr lang="pt-PT" dirty="0"/>
-          </a:p>
-        </p:txBody>
-      </p:sp>
-      <p:sp>
-        <p:nvSpPr>
-          <p:cNvPr id="6" name="Slide Number Placeholder 5"/>
-          <p:cNvSpPr>
-            <a:spLocks noGrp="1"/>
-          </p:cNvSpPr>
-          <p:nvPr>
-            <p:ph type="sldNum" sz="quarter" idx="12"/>
-          </p:nvPr>
-        </p:nvSpPr>
-        <p:spPr/>
-        <p:txBody>
-          <a:bodyPr/>
-          <a:lstStyle/>
-          <a:p>
-            <a:fld id="{5D26EDD4-363A-4236-A170-49C0FA725754}" type="slidenum">
-              <a:rPr lang="pt-PT" smtClean="0"/>
-              <a:pPr/>
-              <a:t>‹nº›</a:t>
-            </a:fld>
-            <a:endParaRPr lang="pt-PT" dirty="0"/>
-          </a:p>
-        </p:txBody>
-      </p:sp>
+        <p:style>
+          <a:lnRef idx="2">
+            <a:schemeClr val="accent1"/>
+          </a:lnRef>
+          <a:fillRef idx="0">
+            <a:schemeClr val="accent1"/>
+          </a:fillRef>
+          <a:effectRef idx="1">
+            <a:schemeClr val="accent1"/>
+          </a:effectRef>
+          <a:fontRef idx="minor">
+            <a:schemeClr val="tx1"/>
+          </a:fontRef>
+        </p:style>
+      </p:cxnSp>
     </p:spTree>
     <p:extLst>
       <p:ext uri="{BB962C8B-B14F-4D97-AF65-F5344CB8AC3E}">
-        <p14:creationId xmlns:p14="http://schemas.microsoft.com/office/powerpoint/2010/main" xmlns="" val="1070057827"/>
+        <p14:creationId xmlns:p14="http://schemas.microsoft.com/office/powerpoint/2010/main" val="2244926200"/>
       </p:ext>
     </p:extLst>
   </p:cSld>
@@ -2580,7 +2214,7 @@
 
 <file path=ppt/slideLayouts/slideLayout15.xml><?xml version="1.0" encoding="utf-8"?>
 <p:sldLayout xmlns:a="http://schemas.openxmlformats.org/drawingml/2006/main" xmlns:r="http://schemas.openxmlformats.org/officeDocument/2006/relationships" xmlns:p="http://schemas.openxmlformats.org/presentationml/2006/main" preserve="1">
-  <p:cSld name="True or False">
+  <p:cSld name="Verdadeiro ou Falso">
     <p:spTree>
       <p:nvGrpSpPr>
         <p:cNvPr id="1" name=""/>
@@ -2607,8 +2241,8 @@
         </p:nvSpPr>
         <p:spPr>
           <a:xfrm>
-            <a:off x="1484313" y="685800"/>
-            <a:ext cx="10018712" cy="2727325"/>
+            <a:off x="1295401" y="982132"/>
+            <a:ext cx="9609666" cy="2243668"/>
           </a:xfrm>
         </p:spPr>
         <p:txBody>
@@ -2623,8 +2257,8 @@
           <a:p>
             <a:pPr marL="0" lvl="0"/>
             <a:r>
-              <a:rPr lang="en-US" smtClean="0"/>
-              <a:t>Click to edit Master title style</a:t>
+              <a:rPr lang="pt-PT" smtClean="0"/>
+              <a:t>Clique para editar o estilo</a:t>
             </a:r>
             <a:endParaRPr lang="en-US" dirty="0"/>
           </a:p>
@@ -2632,48 +2266,122 @@
       </p:sp>
       <p:sp>
         <p:nvSpPr>
-          <p:cNvPr id="10" name="Text Placeholder 9"/>
-          <p:cNvSpPr>
-            <a:spLocks noGrp="1"/>
-          </p:cNvSpPr>
-          <p:nvPr>
-            <p:ph type="body" sz="quarter" idx="13"/>
+          <p:cNvPr id="11" name="Text Placeholder 2"/>
+          <p:cNvSpPr>
+            <a:spLocks noGrp="1"/>
+          </p:cNvSpPr>
+          <p:nvPr>
+            <p:ph type="body" idx="13"/>
           </p:nvPr>
         </p:nvSpPr>
         <p:spPr>
           <a:xfrm>
-            <a:off x="1484312" y="3505200"/>
-            <a:ext cx="10018713" cy="838200"/>
+            <a:off x="1295401" y="3630168"/>
+            <a:ext cx="9609668" cy="841248"/>
           </a:xfrm>
         </p:spPr>
         <p:txBody>
-          <a:bodyPr vert="horz" lIns="91440" tIns="45720" rIns="91440" bIns="45720" rtlCol="0" anchor="b">
+          <a:bodyPr anchor="b">
             <a:normAutofit/>
           </a:bodyPr>
           <a:lstStyle>
-            <a:lvl1pPr>
-              <a:buNone/>
-              <a:defRPr lang="en-US" sz="2800" b="0" cap="none" dirty="0">
-                <a:ln w="3175" cmpd="sng">
-                  <a:noFill/>
-                </a:ln>
+            <a:lvl1pPr marL="0" indent="0" algn="l">
+              <a:spcBef>
+                <a:spcPts val="0"/>
+              </a:spcBef>
+              <a:buNone/>
+              <a:defRPr sz="2800">
                 <a:solidFill>
                   <a:schemeClr val="tx1"/>
                 </a:solidFill>
-                <a:effectLst/>
               </a:defRPr>
             </a:lvl1pPr>
+            <a:lvl2pPr marL="457200" indent="0">
+              <a:buNone/>
+              <a:defRPr sz="1800">
+                <a:solidFill>
+                  <a:schemeClr val="tx1">
+                    <a:tint val="75000"/>
+                  </a:schemeClr>
+                </a:solidFill>
+              </a:defRPr>
+            </a:lvl2pPr>
+            <a:lvl3pPr marL="914400" indent="0">
+              <a:buNone/>
+              <a:defRPr sz="1600">
+                <a:solidFill>
+                  <a:schemeClr val="tx1">
+                    <a:tint val="75000"/>
+                  </a:schemeClr>
+                </a:solidFill>
+              </a:defRPr>
+            </a:lvl3pPr>
+            <a:lvl4pPr marL="1371600" indent="0">
+              <a:buNone/>
+              <a:defRPr sz="1400">
+                <a:solidFill>
+                  <a:schemeClr val="tx1">
+                    <a:tint val="75000"/>
+                  </a:schemeClr>
+                </a:solidFill>
+              </a:defRPr>
+            </a:lvl4pPr>
+            <a:lvl5pPr marL="1828800" indent="0">
+              <a:buNone/>
+              <a:defRPr sz="1400">
+                <a:solidFill>
+                  <a:schemeClr val="tx1">
+                    <a:tint val="75000"/>
+                  </a:schemeClr>
+                </a:solidFill>
+              </a:defRPr>
+            </a:lvl5pPr>
+            <a:lvl6pPr marL="2286000" indent="0">
+              <a:buNone/>
+              <a:defRPr sz="1400">
+                <a:solidFill>
+                  <a:schemeClr val="tx1">
+                    <a:tint val="75000"/>
+                  </a:schemeClr>
+                </a:solidFill>
+              </a:defRPr>
+            </a:lvl6pPr>
+            <a:lvl7pPr marL="2743200" indent="0">
+              <a:buNone/>
+              <a:defRPr sz="1400">
+                <a:solidFill>
+                  <a:schemeClr val="tx1">
+                    <a:tint val="75000"/>
+                  </a:schemeClr>
+                </a:solidFill>
+              </a:defRPr>
+            </a:lvl7pPr>
+            <a:lvl8pPr marL="3200400" indent="0">
+              <a:buNone/>
+              <a:defRPr sz="1400">
+                <a:solidFill>
+                  <a:schemeClr val="tx1">
+                    <a:tint val="75000"/>
+                  </a:schemeClr>
+                </a:solidFill>
+              </a:defRPr>
+            </a:lvl8pPr>
+            <a:lvl9pPr marL="3657600" indent="0">
+              <a:buNone/>
+              <a:defRPr sz="1400">
+                <a:solidFill>
+                  <a:schemeClr val="tx1">
+                    <a:tint val="75000"/>
+                  </a:schemeClr>
+                </a:solidFill>
+              </a:defRPr>
+            </a:lvl9pPr>
           </a:lstStyle>
           <a:p>
-            <a:pPr marL="0" lvl="0">
-              <a:spcBef>
-                <a:spcPct val="0"/>
-              </a:spcBef>
-              <a:buNone/>
-            </a:pPr>
-            <a:r>
-              <a:rPr lang="en-US" smtClean="0"/>
-              <a:t>Click to edit Master text styles</a:t>
+            <a:pPr lvl="0"/>
+            <a:r>
+              <a:rPr lang="pt-PT" smtClean="0"/>
+              <a:t>Clique para editar os estilos</a:t>
             </a:r>
           </a:p>
         </p:txBody>
@@ -2690,8 +2398,8 @@
         </p:nvSpPr>
         <p:spPr>
           <a:xfrm>
-            <a:off x="1484311" y="4343400"/>
-            <a:ext cx="10018713" cy="1447800"/>
+            <a:off x="1295400" y="4470399"/>
+            <a:ext cx="9609670" cy="1405467"/>
           </a:xfrm>
         </p:spPr>
         <p:txBody>
@@ -2791,8 +2499,8 @@
           <a:p>
             <a:pPr lvl="0"/>
             <a:r>
-              <a:rPr lang="en-US" smtClean="0"/>
-              <a:t>Click to edit Master text styles</a:t>
+              <a:rPr lang="pt-PT" smtClean="0"/>
+              <a:t>Clique para editar os estilos</a:t>
             </a:r>
           </a:p>
         </p:txBody>
@@ -2864,10 +2572,48 @@
           </a:p>
         </p:txBody>
       </p:sp>
+      <p:cxnSp>
+        <p:nvCxnSpPr>
+          <p:cNvPr id="15" name="Straight Connector 14"/>
+          <p:cNvCxnSpPr/>
+          <p:nvPr/>
+        </p:nvCxnSpPr>
+        <p:spPr>
+          <a:xfrm>
+            <a:off x="1396169" y="3429000"/>
+            <a:ext cx="9407298" cy="0"/>
+          </a:xfrm>
+          <a:prstGeom prst="line">
+            <a:avLst/>
+          </a:prstGeom>
+          <a:ln w="15875">
+            <a:solidFill>
+              <a:schemeClr val="accent1">
+                <a:lumMod val="60000"/>
+                <a:lumOff val="40000"/>
+              </a:schemeClr>
+            </a:solidFill>
+          </a:ln>
+        </p:spPr>
+        <p:style>
+          <a:lnRef idx="2">
+            <a:schemeClr val="accent1"/>
+          </a:lnRef>
+          <a:fillRef idx="0">
+            <a:schemeClr val="accent1"/>
+          </a:fillRef>
+          <a:effectRef idx="1">
+            <a:schemeClr val="accent1"/>
+          </a:effectRef>
+          <a:fontRef idx="minor">
+            <a:schemeClr val="tx1"/>
+          </a:fontRef>
+        </p:style>
+      </p:cxnSp>
     </p:spTree>
     <p:extLst>
       <p:ext uri="{BB962C8B-B14F-4D97-AF65-F5344CB8AC3E}">
-        <p14:creationId xmlns:p14="http://schemas.microsoft.com/office/powerpoint/2010/main" xmlns="" val="2453379634"/>
+        <p14:creationId xmlns:p14="http://schemas.microsoft.com/office/powerpoint/2010/main" val="3141152998"/>
       </p:ext>
     </p:extLst>
   </p:cSld>
@@ -2879,7 +2625,7 @@
 
 <file path=ppt/slideLayouts/slideLayout16.xml><?xml version="1.0" encoding="utf-8"?>
 <p:sldLayout xmlns:a="http://schemas.openxmlformats.org/drawingml/2006/main" xmlns:r="http://schemas.openxmlformats.org/officeDocument/2006/relationships" xmlns:p="http://schemas.openxmlformats.org/presentationml/2006/main" type="vertTx" preserve="1">
-  <p:cSld name="Title and Vertical Text">
+  <p:cSld name="Título e texto vertical">
     <p:spTree>
       <p:nvGrpSpPr>
         <p:cNvPr id="1" name=""/>
@@ -2914,8 +2660,8 @@
           </a:lstStyle>
           <a:p>
             <a:r>
-              <a:rPr lang="en-US" smtClean="0"/>
-              <a:t>Click to edit Master title style</a:t>
+              <a:rPr lang="pt-PT" smtClean="0"/>
+              <a:t>Clique para editar o estilo</a:t>
             </a:r>
             <a:endParaRPr lang="en-US" dirty="0"/>
           </a:p>
@@ -2938,36 +2684,36 @@
           <a:p>
             <a:pPr lvl="0"/>
             <a:r>
-              <a:rPr lang="en-US" smtClean="0"/>
-              <a:t>Click to edit Master text styles</a:t>
+              <a:rPr lang="pt-PT" smtClean="0"/>
+              <a:t>Clique para editar os estilos</a:t>
             </a:r>
           </a:p>
           <a:p>
             <a:pPr lvl="1"/>
             <a:r>
-              <a:rPr lang="en-US" smtClean="0"/>
-              <a:t>Second level</a:t>
+              <a:rPr lang="pt-PT" smtClean="0"/>
+              <a:t>Segundo nível</a:t>
             </a:r>
           </a:p>
           <a:p>
             <a:pPr lvl="2"/>
             <a:r>
-              <a:rPr lang="en-US" smtClean="0"/>
-              <a:t>Third level</a:t>
+              <a:rPr lang="pt-PT" smtClean="0"/>
+              <a:t>Terceiro nível</a:t>
             </a:r>
           </a:p>
           <a:p>
             <a:pPr lvl="3"/>
             <a:r>
-              <a:rPr lang="en-US" smtClean="0"/>
-              <a:t>Fourth level</a:t>
+              <a:rPr lang="pt-PT" smtClean="0"/>
+              <a:t>Quarto nível</a:t>
             </a:r>
           </a:p>
           <a:p>
             <a:pPr lvl="4"/>
             <a:r>
-              <a:rPr lang="en-US" smtClean="0"/>
-              <a:t>Fifth level</a:t>
+              <a:rPr lang="pt-PT" smtClean="0"/>
+              <a:t>Quinto nível</a:t>
             </a:r>
             <a:endParaRPr lang="en-US" dirty="0"/>
           </a:p>
@@ -3040,10 +2786,48 @@
           </a:p>
         </p:txBody>
       </p:sp>
+      <p:cxnSp>
+        <p:nvCxnSpPr>
+          <p:cNvPr id="14" name="Straight Connector 13"/>
+          <p:cNvCxnSpPr/>
+          <p:nvPr/>
+        </p:nvCxnSpPr>
+        <p:spPr>
+          <a:xfrm>
+            <a:off x="1396169" y="2421466"/>
+            <a:ext cx="9407298" cy="0"/>
+          </a:xfrm>
+          <a:prstGeom prst="line">
+            <a:avLst/>
+          </a:prstGeom>
+          <a:ln w="15875">
+            <a:solidFill>
+              <a:schemeClr val="accent1">
+                <a:lumMod val="60000"/>
+                <a:lumOff val="40000"/>
+              </a:schemeClr>
+            </a:solidFill>
+          </a:ln>
+        </p:spPr>
+        <p:style>
+          <a:lnRef idx="2">
+            <a:schemeClr val="accent1"/>
+          </a:lnRef>
+          <a:fillRef idx="0">
+            <a:schemeClr val="accent1"/>
+          </a:fillRef>
+          <a:effectRef idx="1">
+            <a:schemeClr val="accent1"/>
+          </a:effectRef>
+          <a:fontRef idx="minor">
+            <a:schemeClr val="tx1"/>
+          </a:fontRef>
+        </p:style>
+      </p:cxnSp>
     </p:spTree>
     <p:extLst>
       <p:ext uri="{BB962C8B-B14F-4D97-AF65-F5344CB8AC3E}">
-        <p14:creationId xmlns:p14="http://schemas.microsoft.com/office/powerpoint/2010/main" xmlns="" val="3481463854"/>
+        <p14:creationId xmlns:p14="http://schemas.microsoft.com/office/powerpoint/2010/main" val="4127282010"/>
       </p:ext>
     </p:extLst>
   </p:cSld>
@@ -3055,7 +2839,7 @@
 
 <file path=ppt/slideLayouts/slideLayout17.xml><?xml version="1.0" encoding="utf-8"?>
 <p:sldLayout xmlns:a="http://schemas.openxmlformats.org/drawingml/2006/main" xmlns:r="http://schemas.openxmlformats.org/officeDocument/2006/relationships" xmlns:p="http://schemas.openxmlformats.org/presentationml/2006/main" type="vertTitleAndTx" preserve="1">
-  <p:cSld name="Vertical Title and Text">
+  <p:cSld name="Título vertical e texto">
     <p:spTree>
       <p:nvGrpSpPr>
         <p:cNvPr id="1" name=""/>
@@ -3082,8 +2866,8 @@
         </p:nvSpPr>
         <p:spPr>
           <a:xfrm>
-            <a:off x="9732655" y="685800"/>
-            <a:ext cx="1770369" cy="5105400"/>
+            <a:off x="8999356" y="982131"/>
+            <a:ext cx="1890895" cy="4893735"/>
           </a:xfrm>
         </p:spPr>
         <p:txBody>
@@ -3091,8 +2875,8 @@
           <a:lstStyle/>
           <a:p>
             <a:r>
-              <a:rPr lang="en-US" smtClean="0"/>
-              <a:t>Click to edit Master title style</a:t>
+              <a:rPr lang="pt-PT" smtClean="0"/>
+              <a:t>Clique para editar o estilo</a:t>
             </a:r>
             <a:endParaRPr lang="en-US" dirty="0"/>
           </a:p>
@@ -3110,8 +2894,8 @@
         </p:nvSpPr>
         <p:spPr>
           <a:xfrm>
-            <a:off x="1484312" y="685800"/>
-            <a:ext cx="8019742" cy="5105400"/>
+            <a:off x="1295398" y="982132"/>
+            <a:ext cx="7433025" cy="4893734"/>
           </a:xfrm>
         </p:spPr>
         <p:txBody>
@@ -3120,36 +2904,36 @@
           <a:p>
             <a:pPr lvl="0"/>
             <a:r>
-              <a:rPr lang="en-US" smtClean="0"/>
-              <a:t>Click to edit Master text styles</a:t>
+              <a:rPr lang="pt-PT" smtClean="0"/>
+              <a:t>Clique para editar os estilos</a:t>
             </a:r>
           </a:p>
           <a:p>
             <a:pPr lvl="1"/>
             <a:r>
-              <a:rPr lang="en-US" smtClean="0"/>
-              <a:t>Second level</a:t>
+              <a:rPr lang="pt-PT" smtClean="0"/>
+              <a:t>Segundo nível</a:t>
             </a:r>
           </a:p>
           <a:p>
             <a:pPr lvl="2"/>
             <a:r>
-              <a:rPr lang="en-US" smtClean="0"/>
-              <a:t>Third level</a:t>
+              <a:rPr lang="pt-PT" smtClean="0"/>
+              <a:t>Terceiro nível</a:t>
             </a:r>
           </a:p>
           <a:p>
             <a:pPr lvl="3"/>
             <a:r>
-              <a:rPr lang="en-US" smtClean="0"/>
-              <a:t>Fourth level</a:t>
+              <a:rPr lang="pt-PT" smtClean="0"/>
+              <a:t>Quarto nível</a:t>
             </a:r>
           </a:p>
           <a:p>
             <a:pPr lvl="4"/>
             <a:r>
-              <a:rPr lang="en-US" smtClean="0"/>
-              <a:t>Fifth level</a:t>
+              <a:rPr lang="pt-PT" smtClean="0"/>
+              <a:t>Quinto nível</a:t>
             </a:r>
             <a:endParaRPr lang="en-US" dirty="0"/>
           </a:p>
@@ -3222,10 +3006,48 @@
           </a:p>
         </p:txBody>
       </p:sp>
+      <p:cxnSp>
+        <p:nvCxnSpPr>
+          <p:cNvPr id="14" name="Straight Connector 13"/>
+          <p:cNvCxnSpPr/>
+          <p:nvPr/>
+        </p:nvCxnSpPr>
+        <p:spPr>
+          <a:xfrm>
+            <a:off x="8863890" y="990600"/>
+            <a:ext cx="0" cy="4876800"/>
+          </a:xfrm>
+          <a:prstGeom prst="line">
+            <a:avLst/>
+          </a:prstGeom>
+          <a:ln w="15875">
+            <a:solidFill>
+              <a:schemeClr val="accent1">
+                <a:lumMod val="60000"/>
+                <a:lumOff val="40000"/>
+              </a:schemeClr>
+            </a:solidFill>
+          </a:ln>
+        </p:spPr>
+        <p:style>
+          <a:lnRef idx="2">
+            <a:schemeClr val="accent1"/>
+          </a:lnRef>
+          <a:fillRef idx="0">
+            <a:schemeClr val="accent1"/>
+          </a:fillRef>
+          <a:effectRef idx="1">
+            <a:schemeClr val="accent1"/>
+          </a:effectRef>
+          <a:fontRef idx="minor">
+            <a:schemeClr val="tx1"/>
+          </a:fontRef>
+        </p:style>
+      </p:cxnSp>
     </p:spTree>
     <p:extLst>
       <p:ext uri="{BB962C8B-B14F-4D97-AF65-F5344CB8AC3E}">
-        <p14:creationId xmlns:p14="http://schemas.microsoft.com/office/powerpoint/2010/main" xmlns="" val="2903981940"/>
+        <p14:creationId xmlns:p14="http://schemas.microsoft.com/office/powerpoint/2010/main" val="1016382411"/>
       </p:ext>
     </p:extLst>
   </p:cSld>
@@ -3237,7 +3059,7 @@
 
 <file path=ppt/slideLayouts/slideLayout2.xml><?xml version="1.0" encoding="utf-8"?>
 <p:sldLayout xmlns:a="http://schemas.openxmlformats.org/drawingml/2006/main" xmlns:r="http://schemas.openxmlformats.org/officeDocument/2006/relationships" xmlns:p="http://schemas.openxmlformats.org/presentationml/2006/main" type="obj" preserve="1">
-  <p:cSld name="Title and Content">
+  <p:cSld name="Título e objeto">
     <p:spTree>
       <p:nvGrpSpPr>
         <p:cNvPr id="1" name=""/>
@@ -3252,6 +3074,44 @@
           <a:chExt cx="0" cy="0"/>
         </a:xfrm>
       </p:grpSpPr>
+      <p:cxnSp>
+        <p:nvCxnSpPr>
+          <p:cNvPr id="7" name="Straight Connector 6"/>
+          <p:cNvCxnSpPr/>
+          <p:nvPr/>
+        </p:nvCxnSpPr>
+        <p:spPr>
+          <a:xfrm>
+            <a:off x="1396169" y="2421466"/>
+            <a:ext cx="9407298" cy="0"/>
+          </a:xfrm>
+          <a:prstGeom prst="line">
+            <a:avLst/>
+          </a:prstGeom>
+          <a:ln>
+            <a:solidFill>
+              <a:schemeClr val="accent1">
+                <a:lumMod val="60000"/>
+                <a:lumOff val="40000"/>
+              </a:schemeClr>
+            </a:solidFill>
+          </a:ln>
+        </p:spPr>
+        <p:style>
+          <a:lnRef idx="2">
+            <a:schemeClr val="accent1"/>
+          </a:lnRef>
+          <a:fillRef idx="0">
+            <a:schemeClr val="accent1"/>
+          </a:fillRef>
+          <a:effectRef idx="1">
+            <a:schemeClr val="accent1"/>
+          </a:effectRef>
+          <a:fontRef idx="minor">
+            <a:schemeClr val="tx1"/>
+          </a:fontRef>
+        </p:style>
+      </p:cxnSp>
       <p:sp>
         <p:nvSpPr>
           <p:cNvPr id="2" name="Title 1"/>
@@ -3268,8 +3128,8 @@
           <a:lstStyle/>
           <a:p>
             <a:r>
-              <a:rPr lang="en-US" smtClean="0"/>
-              <a:t>Click to edit Master title style</a:t>
+              <a:rPr lang="pt-PT" smtClean="0"/>
+              <a:t>Clique para editar o estilo</a:t>
             </a:r>
             <a:endParaRPr lang="en-US" dirty="0"/>
           </a:p>
@@ -3287,41 +3147,41 @@
         </p:nvSpPr>
         <p:spPr/>
         <p:txBody>
-          <a:bodyPr anchor="ctr"/>
+          <a:bodyPr/>
           <a:lstStyle/>
           <a:p>
             <a:pPr lvl="0"/>
             <a:r>
-              <a:rPr lang="en-US" smtClean="0"/>
-              <a:t>Click to edit Master text styles</a:t>
+              <a:rPr lang="pt-PT" smtClean="0"/>
+              <a:t>Clique para editar os estilos</a:t>
             </a:r>
           </a:p>
           <a:p>
             <a:pPr lvl="1"/>
             <a:r>
-              <a:rPr lang="en-US" smtClean="0"/>
-              <a:t>Second level</a:t>
+              <a:rPr lang="pt-PT" smtClean="0"/>
+              <a:t>Segundo nível</a:t>
             </a:r>
           </a:p>
           <a:p>
             <a:pPr lvl="2"/>
             <a:r>
-              <a:rPr lang="en-US" smtClean="0"/>
-              <a:t>Third level</a:t>
+              <a:rPr lang="pt-PT" smtClean="0"/>
+              <a:t>Terceiro nível</a:t>
             </a:r>
           </a:p>
           <a:p>
             <a:pPr lvl="3"/>
             <a:r>
-              <a:rPr lang="en-US" smtClean="0"/>
-              <a:t>Fourth level</a:t>
+              <a:rPr lang="pt-PT" smtClean="0"/>
+              <a:t>Quarto nível</a:t>
             </a:r>
           </a:p>
           <a:p>
             <a:pPr lvl="4"/>
             <a:r>
-              <a:rPr lang="en-US" smtClean="0"/>
-              <a:t>Fifth level</a:t>
+              <a:rPr lang="pt-PT" smtClean="0"/>
+              <a:t>Quinto nível</a:t>
             </a:r>
             <a:endParaRPr lang="en-US" dirty="0"/>
           </a:p>
@@ -3380,12 +3240,7 @@
             <p:ph type="sldNum" sz="quarter" idx="12"/>
           </p:nvPr>
         </p:nvSpPr>
-        <p:spPr>
-          <a:xfrm>
-            <a:off x="10951856" y="5867131"/>
-            <a:ext cx="551167" cy="365125"/>
-          </a:xfrm>
-        </p:spPr>
+        <p:spPr/>
         <p:txBody>
           <a:bodyPr/>
           <a:lstStyle/>
@@ -3402,7 +3257,7 @@
     </p:spTree>
     <p:extLst>
       <p:ext uri="{BB962C8B-B14F-4D97-AF65-F5344CB8AC3E}">
-        <p14:creationId xmlns:p14="http://schemas.microsoft.com/office/powerpoint/2010/main" xmlns="" val="2337006575"/>
+        <p14:creationId xmlns:p14="http://schemas.microsoft.com/office/powerpoint/2010/main" val="548973029"/>
       </p:ext>
     </p:extLst>
   </p:cSld>
@@ -3414,7 +3269,7 @@
 
 <file path=ppt/slideLayouts/slideLayout3.xml><?xml version="1.0" encoding="utf-8"?>
 <p:sldLayout xmlns:a="http://schemas.openxmlformats.org/drawingml/2006/main" xmlns:r="http://schemas.openxmlformats.org/officeDocument/2006/relationships" xmlns:p="http://schemas.openxmlformats.org/presentationml/2006/main" type="secHead" preserve="1">
-  <p:cSld name="Section Header">
+  <p:cSld name="Cabeçalho da Secção">
     <p:spTree>
       <p:nvGrpSpPr>
         <p:cNvPr id="1" name=""/>
@@ -3441,21 +3296,23 @@
         </p:nvSpPr>
         <p:spPr>
           <a:xfrm>
-            <a:off x="2572279" y="2666999"/>
-            <a:ext cx="8930747" cy="2110382"/>
+            <a:off x="2015069" y="1752606"/>
+            <a:ext cx="8158688" cy="1822514"/>
           </a:xfrm>
         </p:spPr>
         <p:txBody>
-          <a:bodyPr anchor="b"/>
+          <a:bodyPr anchor="b">
+            <a:normAutofit/>
+          </a:bodyPr>
           <a:lstStyle>
-            <a:lvl1pPr algn="r">
-              <a:defRPr sz="4000" b="0" cap="none"/>
+            <a:lvl1pPr algn="ctr">
+              <a:defRPr sz="4400" b="0" cap="none"/>
             </a:lvl1pPr>
           </a:lstStyle>
           <a:p>
             <a:r>
-              <a:rPr lang="en-US" smtClean="0"/>
-              <a:t>Click to edit Master title style</a:t>
+              <a:rPr lang="pt-PT" smtClean="0"/>
+              <a:t>Clique para editar o estilo</a:t>
             </a:r>
             <a:endParaRPr lang="en-US" dirty="0"/>
           </a:p>
@@ -3473,8 +3330,8 @@
         </p:nvSpPr>
         <p:spPr>
           <a:xfrm>
-            <a:off x="2572278" y="4777381"/>
-            <a:ext cx="8930748" cy="860400"/>
+            <a:off x="2015067" y="3846051"/>
+            <a:ext cx="8158690" cy="954547"/>
           </a:xfrm>
         </p:spPr>
         <p:txBody>
@@ -3482,9 +3339,9 @@
             <a:normAutofit/>
           </a:bodyPr>
           <a:lstStyle>
-            <a:lvl1pPr marL="0" indent="0" algn="r">
-              <a:buNone/>
-              <a:defRPr sz="2000">
+            <a:lvl1pPr marL="0" indent="0" algn="ctr">
+              <a:buNone/>
+              <a:defRPr sz="2400">
                 <a:solidFill>
                   <a:schemeClr val="tx1"/>
                 </a:solidFill>
@@ -3574,8 +3431,8 @@
           <a:p>
             <a:pPr lvl="0"/>
             <a:r>
-              <a:rPr lang="en-US" smtClean="0"/>
-              <a:t>Click to edit Master text styles</a:t>
+              <a:rPr lang="pt-PT" smtClean="0"/>
+              <a:t>Clique para editar os estilos</a:t>
             </a:r>
           </a:p>
         </p:txBody>
@@ -3647,10 +3504,48 @@
           </a:p>
         </p:txBody>
       </p:sp>
+      <p:cxnSp>
+        <p:nvCxnSpPr>
+          <p:cNvPr id="16" name="Straight Connector 15"/>
+          <p:cNvCxnSpPr/>
+          <p:nvPr/>
+        </p:nvCxnSpPr>
+        <p:spPr>
+          <a:xfrm>
+            <a:off x="2012723" y="3710585"/>
+            <a:ext cx="8163380" cy="0"/>
+          </a:xfrm>
+          <a:prstGeom prst="line">
+            <a:avLst/>
+          </a:prstGeom>
+          <a:ln w="15875">
+            <a:solidFill>
+              <a:schemeClr val="accent1">
+                <a:lumMod val="60000"/>
+                <a:lumOff val="40000"/>
+              </a:schemeClr>
+            </a:solidFill>
+          </a:ln>
+        </p:spPr>
+        <p:style>
+          <a:lnRef idx="2">
+            <a:schemeClr val="accent1"/>
+          </a:lnRef>
+          <a:fillRef idx="0">
+            <a:schemeClr val="accent1"/>
+          </a:fillRef>
+          <a:effectRef idx="1">
+            <a:schemeClr val="accent1"/>
+          </a:effectRef>
+          <a:fontRef idx="minor">
+            <a:schemeClr val="tx1"/>
+          </a:fontRef>
+        </p:style>
+      </p:cxnSp>
     </p:spTree>
     <p:extLst>
       <p:ext uri="{BB962C8B-B14F-4D97-AF65-F5344CB8AC3E}">
-        <p14:creationId xmlns:p14="http://schemas.microsoft.com/office/powerpoint/2010/main" xmlns="" val="1717849309"/>
+        <p14:creationId xmlns:p14="http://schemas.microsoft.com/office/powerpoint/2010/main" val="963473943"/>
       </p:ext>
     </p:extLst>
   </p:cSld>
@@ -3662,7 +3557,7 @@
 
 <file path=ppt/slideLayouts/slideLayout4.xml><?xml version="1.0" encoding="utf-8"?>
 <p:sldLayout xmlns:a="http://schemas.openxmlformats.org/drawingml/2006/main" xmlns:r="http://schemas.openxmlformats.org/officeDocument/2006/relationships" xmlns:p="http://schemas.openxmlformats.org/presentationml/2006/main" type="twoObj" preserve="1">
-  <p:cSld name="Two Content">
+  <p:cSld name="Conteúdo Duplo">
     <p:spTree>
       <p:nvGrpSpPr>
         <p:cNvPr id="1" name=""/>
@@ -3677,29 +3572,62 @@
           <a:chExt cx="0" cy="0"/>
         </a:xfrm>
       </p:grpSpPr>
-      <p:sp>
-        <p:nvSpPr>
-          <p:cNvPr id="2" name="Title 1"/>
-          <p:cNvSpPr>
-            <a:spLocks noGrp="1"/>
-          </p:cNvSpPr>
-          <p:nvPr>
-            <p:ph type="title"/>
-          </p:nvPr>
-        </p:nvSpPr>
+      <p:cxnSp>
+        <p:nvCxnSpPr>
+          <p:cNvPr id="8" name="Straight Connector 7"/>
+          <p:cNvCxnSpPr/>
+          <p:nvPr/>
+        </p:nvCxnSpPr>
         <p:spPr>
           <a:xfrm>
-            <a:off x="1484311" y="685800"/>
-            <a:ext cx="10018713" cy="1752599"/>
+            <a:off x="1396169" y="2421466"/>
+            <a:ext cx="9407298" cy="0"/>
           </a:xfrm>
+          <a:prstGeom prst="line">
+            <a:avLst/>
+          </a:prstGeom>
+          <a:ln w="15875">
+            <a:solidFill>
+              <a:schemeClr val="accent1">
+                <a:lumMod val="60000"/>
+                <a:lumOff val="40000"/>
+              </a:schemeClr>
+            </a:solidFill>
+          </a:ln>
         </p:spPr>
-        <p:txBody>
-          <a:bodyPr/>
-          <a:lstStyle/>
-          <a:p>
-            <a:r>
-              <a:rPr lang="en-US" smtClean="0"/>
-              <a:t>Click to edit Master title style</a:t>
+        <p:style>
+          <a:lnRef idx="2">
+            <a:schemeClr val="accent1"/>
+          </a:lnRef>
+          <a:fillRef idx="0">
+            <a:schemeClr val="accent1"/>
+          </a:fillRef>
+          <a:effectRef idx="1">
+            <a:schemeClr val="accent1"/>
+          </a:effectRef>
+          <a:fontRef idx="minor">
+            <a:schemeClr val="tx1"/>
+          </a:fontRef>
+        </p:style>
+      </p:cxnSp>
+      <p:sp>
+        <p:nvSpPr>
+          <p:cNvPr id="2" name="Title 1"/>
+          <p:cNvSpPr>
+            <a:spLocks noGrp="1"/>
+          </p:cNvSpPr>
+          <p:nvPr>
+            <p:ph type="title"/>
+          </p:nvPr>
+        </p:nvSpPr>
+        <p:spPr/>
+        <p:txBody>
+          <a:bodyPr/>
+          <a:lstStyle/>
+          <a:p>
+            <a:r>
+              <a:rPr lang="pt-PT" smtClean="0"/>
+              <a:t>Clique para editar o estilo</a:t>
             </a:r>
             <a:endParaRPr lang="en-US" dirty="0"/>
           </a:p>
@@ -3717,76 +3645,48 @@
         </p:nvSpPr>
         <p:spPr>
           <a:xfrm>
-            <a:off x="1484312" y="2666999"/>
-            <a:ext cx="4895055" cy="3124201"/>
+            <a:off x="1298448" y="2560320"/>
+            <a:ext cx="4718304" cy="3310128"/>
           </a:xfrm>
         </p:spPr>
         <p:txBody>
           <a:bodyPr>
             <a:normAutofit/>
           </a:bodyPr>
-          <a:lstStyle>
-            <a:lvl1pPr>
-              <a:defRPr sz="1800"/>
-            </a:lvl1pPr>
-            <a:lvl2pPr>
-              <a:defRPr sz="1600"/>
-            </a:lvl2pPr>
-            <a:lvl3pPr>
-              <a:defRPr sz="1400"/>
-            </a:lvl3pPr>
-            <a:lvl4pPr>
-              <a:defRPr sz="1200"/>
-            </a:lvl4pPr>
-            <a:lvl5pPr>
-              <a:defRPr sz="1200"/>
-            </a:lvl5pPr>
-            <a:lvl6pPr>
-              <a:defRPr sz="1200"/>
-            </a:lvl6pPr>
-            <a:lvl7pPr>
-              <a:defRPr sz="1200"/>
-            </a:lvl7pPr>
-            <a:lvl8pPr>
-              <a:defRPr sz="1200"/>
-            </a:lvl8pPr>
-            <a:lvl9pPr>
-              <a:defRPr sz="1200"/>
-            </a:lvl9pPr>
-          </a:lstStyle>
+          <a:lstStyle/>
           <a:p>
             <a:pPr lvl="0"/>
             <a:r>
-              <a:rPr lang="en-US" smtClean="0"/>
-              <a:t>Click to edit Master text styles</a:t>
+              <a:rPr lang="pt-PT" smtClean="0"/>
+              <a:t>Clique para editar os estilos</a:t>
             </a:r>
           </a:p>
           <a:p>
             <a:pPr lvl="1"/>
             <a:r>
-              <a:rPr lang="en-US" smtClean="0"/>
-              <a:t>Second level</a:t>
+              <a:rPr lang="pt-PT" smtClean="0"/>
+              <a:t>Segundo nível</a:t>
             </a:r>
           </a:p>
           <a:p>
             <a:pPr lvl="2"/>
             <a:r>
-              <a:rPr lang="en-US" smtClean="0"/>
-              <a:t>Third level</a:t>
+              <a:rPr lang="pt-PT" smtClean="0"/>
+              <a:t>Terceiro nível</a:t>
             </a:r>
           </a:p>
           <a:p>
             <a:pPr lvl="3"/>
             <a:r>
-              <a:rPr lang="en-US" smtClean="0"/>
-              <a:t>Fourth level</a:t>
+              <a:rPr lang="pt-PT" smtClean="0"/>
+              <a:t>Quarto nível</a:t>
             </a:r>
           </a:p>
           <a:p>
             <a:pPr lvl="4"/>
             <a:r>
-              <a:rPr lang="en-US" smtClean="0"/>
-              <a:t>Fifth level</a:t>
+              <a:rPr lang="pt-PT" smtClean="0"/>
+              <a:t>Quinto nível</a:t>
             </a:r>
             <a:endParaRPr lang="en-US" dirty="0"/>
           </a:p>
@@ -3804,76 +3704,48 @@
         </p:nvSpPr>
         <p:spPr>
           <a:xfrm>
-            <a:off x="6607967" y="2667000"/>
-            <a:ext cx="4895056" cy="3124200"/>
+            <a:off x="6181344" y="2560320"/>
+            <a:ext cx="4718304" cy="3310128"/>
           </a:xfrm>
         </p:spPr>
         <p:txBody>
           <a:bodyPr>
             <a:normAutofit/>
           </a:bodyPr>
-          <a:lstStyle>
-            <a:lvl1pPr>
-              <a:defRPr sz="1800"/>
-            </a:lvl1pPr>
-            <a:lvl2pPr>
-              <a:defRPr sz="1600"/>
-            </a:lvl2pPr>
-            <a:lvl3pPr>
-              <a:defRPr sz="1400"/>
-            </a:lvl3pPr>
-            <a:lvl4pPr>
-              <a:defRPr sz="1200"/>
-            </a:lvl4pPr>
-            <a:lvl5pPr>
-              <a:defRPr sz="1200"/>
-            </a:lvl5pPr>
-            <a:lvl6pPr>
-              <a:defRPr sz="1200"/>
-            </a:lvl6pPr>
-            <a:lvl7pPr>
-              <a:defRPr sz="1200"/>
-            </a:lvl7pPr>
-            <a:lvl8pPr>
-              <a:defRPr sz="1200"/>
-            </a:lvl8pPr>
-            <a:lvl9pPr>
-              <a:defRPr sz="1200"/>
-            </a:lvl9pPr>
-          </a:lstStyle>
+          <a:lstStyle/>
           <a:p>
             <a:pPr lvl="0"/>
             <a:r>
-              <a:rPr lang="en-US" smtClean="0"/>
-              <a:t>Click to edit Master text styles</a:t>
+              <a:rPr lang="pt-PT" smtClean="0"/>
+              <a:t>Clique para editar os estilos</a:t>
             </a:r>
           </a:p>
           <a:p>
             <a:pPr lvl="1"/>
             <a:r>
-              <a:rPr lang="en-US" smtClean="0"/>
-              <a:t>Second level</a:t>
+              <a:rPr lang="pt-PT" smtClean="0"/>
+              <a:t>Segundo nível</a:t>
             </a:r>
           </a:p>
           <a:p>
             <a:pPr lvl="2"/>
             <a:r>
-              <a:rPr lang="en-US" smtClean="0"/>
-              <a:t>Third level</a:t>
+              <a:rPr lang="pt-PT" smtClean="0"/>
+              <a:t>Terceiro nível</a:t>
             </a:r>
           </a:p>
           <a:p>
             <a:pPr lvl="3"/>
             <a:r>
-              <a:rPr lang="en-US" smtClean="0"/>
-              <a:t>Fourth level</a:t>
+              <a:rPr lang="pt-PT" smtClean="0"/>
+              <a:t>Quarto nível</a:t>
             </a:r>
           </a:p>
           <a:p>
             <a:pPr lvl="4"/>
             <a:r>
-              <a:rPr lang="en-US" smtClean="0"/>
-              <a:t>Fifth level</a:t>
+              <a:rPr lang="pt-PT" smtClean="0"/>
+              <a:t>Quinto nível</a:t>
             </a:r>
             <a:endParaRPr lang="en-US" dirty="0"/>
           </a:p>
@@ -3949,7 +3821,7 @@
     </p:spTree>
     <p:extLst>
       <p:ext uri="{BB962C8B-B14F-4D97-AF65-F5344CB8AC3E}">
-        <p14:creationId xmlns:p14="http://schemas.microsoft.com/office/powerpoint/2010/main" xmlns="" val="4067743965"/>
+        <p14:creationId xmlns:p14="http://schemas.microsoft.com/office/powerpoint/2010/main" val="2490349985"/>
       </p:ext>
     </p:extLst>
   </p:cSld>
@@ -3961,7 +3833,7 @@
 
 <file path=ppt/slideLayouts/slideLayout5.xml><?xml version="1.0" encoding="utf-8"?>
 <p:sldLayout xmlns:a="http://schemas.openxmlformats.org/drawingml/2006/main" xmlns:r="http://schemas.openxmlformats.org/officeDocument/2006/relationships" xmlns:p="http://schemas.openxmlformats.org/presentationml/2006/main" type="twoTxTwoObj" preserve="1">
-  <p:cSld name="Comparison">
+  <p:cSld name="Comparação">
     <p:spTree>
       <p:nvGrpSpPr>
         <p:cNvPr id="1" name=""/>
@@ -3996,8 +3868,8 @@
           </a:lstStyle>
           <a:p>
             <a:r>
-              <a:rPr lang="en-US" smtClean="0"/>
-              <a:t>Click to edit Master title style</a:t>
+              <a:rPr lang="pt-PT" smtClean="0"/>
+              <a:t>Clique para editar o estilo</a:t>
             </a:r>
             <a:endParaRPr lang="en-US" dirty="0"/>
           </a:p>
@@ -4015,8 +3887,8 @@
         </p:nvSpPr>
         <p:spPr>
           <a:xfrm>
-            <a:off x="1772179" y="2658533"/>
-            <a:ext cx="4607188" cy="576262"/>
+            <a:off x="1295400" y="2658533"/>
+            <a:ext cx="4718304" cy="576262"/>
           </a:xfrm>
         </p:spPr>
         <p:txBody>
@@ -4028,9 +3900,7 @@
               <a:buNone/>
               <a:defRPr sz="2800" b="0">
                 <a:solidFill>
-                  <a:schemeClr val="accent1">
-                    <a:lumMod val="75000"/>
-                  </a:schemeClr>
+                  <a:schemeClr val="accent1"/>
                 </a:solidFill>
               </a:defRPr>
             </a:lvl1pPr>
@@ -4070,8 +3940,8 @@
           <a:p>
             <a:pPr lvl="0"/>
             <a:r>
-              <a:rPr lang="en-US" smtClean="0"/>
-              <a:t>Click to edit Master text styles</a:t>
+              <a:rPr lang="pt-PT" smtClean="0"/>
+              <a:t>Clique para editar os estilos</a:t>
             </a:r>
           </a:p>
         </p:txBody>
@@ -4088,76 +3958,48 @@
         </p:nvSpPr>
         <p:spPr>
           <a:xfrm>
-            <a:off x="1484311" y="3335337"/>
-            <a:ext cx="4895056" cy="2455862"/>
+            <a:off x="1295400" y="3243262"/>
+            <a:ext cx="4718304" cy="2632605"/>
           </a:xfrm>
         </p:spPr>
         <p:txBody>
           <a:bodyPr anchor="t">
             <a:normAutofit/>
           </a:bodyPr>
-          <a:lstStyle>
-            <a:lvl1pPr>
-              <a:defRPr sz="1800"/>
-            </a:lvl1pPr>
-            <a:lvl2pPr>
-              <a:defRPr sz="1600"/>
-            </a:lvl2pPr>
-            <a:lvl3pPr>
-              <a:defRPr sz="1400"/>
-            </a:lvl3pPr>
-            <a:lvl4pPr>
-              <a:defRPr sz="1200"/>
-            </a:lvl4pPr>
-            <a:lvl5pPr>
-              <a:defRPr sz="1200"/>
-            </a:lvl5pPr>
-            <a:lvl6pPr>
-              <a:defRPr sz="1200"/>
-            </a:lvl6pPr>
-            <a:lvl7pPr>
-              <a:defRPr sz="1200"/>
-            </a:lvl7pPr>
-            <a:lvl8pPr>
-              <a:defRPr sz="1200"/>
-            </a:lvl8pPr>
-            <a:lvl9pPr>
-              <a:defRPr sz="1200"/>
-            </a:lvl9pPr>
-          </a:lstStyle>
+          <a:lstStyle/>
           <a:p>
             <a:pPr lvl="0"/>
             <a:r>
-              <a:rPr lang="en-US" smtClean="0"/>
-              <a:t>Click to edit Master text styles</a:t>
+              <a:rPr lang="pt-PT" smtClean="0"/>
+              <a:t>Clique para editar os estilos</a:t>
             </a:r>
           </a:p>
           <a:p>
             <a:pPr lvl="1"/>
             <a:r>
-              <a:rPr lang="en-US" smtClean="0"/>
-              <a:t>Second level</a:t>
+              <a:rPr lang="pt-PT" smtClean="0"/>
+              <a:t>Segundo nível</a:t>
             </a:r>
           </a:p>
           <a:p>
             <a:pPr lvl="2"/>
             <a:r>
-              <a:rPr lang="en-US" smtClean="0"/>
-              <a:t>Third level</a:t>
+              <a:rPr lang="pt-PT" smtClean="0"/>
+              <a:t>Terceiro nível</a:t>
             </a:r>
           </a:p>
           <a:p>
             <a:pPr lvl="3"/>
             <a:r>
-              <a:rPr lang="en-US" smtClean="0"/>
-              <a:t>Fourth level</a:t>
+              <a:rPr lang="pt-PT" smtClean="0"/>
+              <a:t>Quarto nível</a:t>
             </a:r>
           </a:p>
           <a:p>
             <a:pPr lvl="4"/>
             <a:r>
-              <a:rPr lang="en-US" smtClean="0"/>
-              <a:t>Fifth level</a:t>
+              <a:rPr lang="pt-PT" smtClean="0"/>
+              <a:t>Quinto nível</a:t>
             </a:r>
             <a:endParaRPr lang="en-US" dirty="0"/>
           </a:p>
@@ -4175,8 +4017,8 @@
         </p:nvSpPr>
         <p:spPr>
           <a:xfrm>
-            <a:off x="6880487" y="2667000"/>
-            <a:ext cx="4622537" cy="576262"/>
+            <a:off x="6180671" y="2658533"/>
+            <a:ext cx="4718304" cy="576262"/>
           </a:xfrm>
         </p:spPr>
         <p:txBody>
@@ -4188,9 +4030,7 @@
               <a:buNone/>
               <a:defRPr sz="2800" b="0">
                 <a:solidFill>
-                  <a:schemeClr val="accent1">
-                    <a:lumMod val="75000"/>
-                  </a:schemeClr>
+                  <a:schemeClr val="accent1"/>
                 </a:solidFill>
               </a:defRPr>
             </a:lvl1pPr>
@@ -4230,8 +4070,8 @@
           <a:p>
             <a:pPr lvl="0"/>
             <a:r>
-              <a:rPr lang="en-US" smtClean="0"/>
-              <a:t>Click to edit Master text styles</a:t>
+              <a:rPr lang="pt-PT" smtClean="0"/>
+              <a:t>Clique para editar os estilos</a:t>
             </a:r>
           </a:p>
         </p:txBody>
@@ -4248,76 +4088,48 @@
         </p:nvSpPr>
         <p:spPr>
           <a:xfrm>
-            <a:off x="6607967" y="3335337"/>
-            <a:ext cx="4895056" cy="2455862"/>
+            <a:off x="6180671" y="3243262"/>
+            <a:ext cx="4718304" cy="2632605"/>
           </a:xfrm>
         </p:spPr>
         <p:txBody>
           <a:bodyPr anchor="t">
             <a:normAutofit/>
           </a:bodyPr>
-          <a:lstStyle>
-            <a:lvl1pPr>
-              <a:defRPr sz="1800"/>
-            </a:lvl1pPr>
-            <a:lvl2pPr>
-              <a:defRPr sz="1600"/>
-            </a:lvl2pPr>
-            <a:lvl3pPr>
-              <a:defRPr sz="1400"/>
-            </a:lvl3pPr>
-            <a:lvl4pPr>
-              <a:defRPr sz="1200"/>
-            </a:lvl4pPr>
-            <a:lvl5pPr>
-              <a:defRPr sz="1200"/>
-            </a:lvl5pPr>
-            <a:lvl6pPr>
-              <a:defRPr sz="1200"/>
-            </a:lvl6pPr>
-            <a:lvl7pPr>
-              <a:defRPr sz="1200"/>
-            </a:lvl7pPr>
-            <a:lvl8pPr>
-              <a:defRPr sz="1200"/>
-            </a:lvl8pPr>
-            <a:lvl9pPr>
-              <a:defRPr sz="1200"/>
-            </a:lvl9pPr>
-          </a:lstStyle>
+          <a:lstStyle/>
           <a:p>
             <a:pPr lvl="0"/>
             <a:r>
-              <a:rPr lang="en-US" smtClean="0"/>
-              <a:t>Click to edit Master text styles</a:t>
+              <a:rPr lang="pt-PT" smtClean="0"/>
+              <a:t>Clique para editar os estilos</a:t>
             </a:r>
           </a:p>
           <a:p>
             <a:pPr lvl="1"/>
             <a:r>
-              <a:rPr lang="en-US" smtClean="0"/>
-              <a:t>Second level</a:t>
+              <a:rPr lang="pt-PT" smtClean="0"/>
+              <a:t>Segundo nível</a:t>
             </a:r>
           </a:p>
           <a:p>
             <a:pPr lvl="2"/>
             <a:r>
-              <a:rPr lang="en-US" smtClean="0"/>
-              <a:t>Third level</a:t>
+              <a:rPr lang="pt-PT" smtClean="0"/>
+              <a:t>Terceiro nível</a:t>
             </a:r>
           </a:p>
           <a:p>
             <a:pPr lvl="3"/>
             <a:r>
-              <a:rPr lang="en-US" smtClean="0"/>
-              <a:t>Fourth level</a:t>
+              <a:rPr lang="pt-PT" smtClean="0"/>
+              <a:t>Quarto nível</a:t>
             </a:r>
           </a:p>
           <a:p>
             <a:pPr lvl="4"/>
             <a:r>
-              <a:rPr lang="en-US" smtClean="0"/>
-              <a:t>Fifth level</a:t>
+              <a:rPr lang="pt-PT" smtClean="0"/>
+              <a:t>Quinto nível</a:t>
             </a:r>
             <a:endParaRPr lang="en-US" dirty="0"/>
           </a:p>
@@ -4390,10 +4202,48 @@
           </a:p>
         </p:txBody>
       </p:sp>
+      <p:cxnSp>
+        <p:nvCxnSpPr>
+          <p:cNvPr id="18" name="Straight Connector 17"/>
+          <p:cNvCxnSpPr/>
+          <p:nvPr/>
+        </p:nvCxnSpPr>
+        <p:spPr>
+          <a:xfrm>
+            <a:off x="1396169" y="2421466"/>
+            <a:ext cx="9407298" cy="0"/>
+          </a:xfrm>
+          <a:prstGeom prst="line">
+            <a:avLst/>
+          </a:prstGeom>
+          <a:ln w="15875">
+            <a:solidFill>
+              <a:schemeClr val="accent1">
+                <a:lumMod val="60000"/>
+                <a:lumOff val="40000"/>
+              </a:schemeClr>
+            </a:solidFill>
+          </a:ln>
+        </p:spPr>
+        <p:style>
+          <a:lnRef idx="2">
+            <a:schemeClr val="accent1"/>
+          </a:lnRef>
+          <a:fillRef idx="0">
+            <a:schemeClr val="accent1"/>
+          </a:fillRef>
+          <a:effectRef idx="1">
+            <a:schemeClr val="accent1"/>
+          </a:effectRef>
+          <a:fontRef idx="minor">
+            <a:schemeClr val="tx1"/>
+          </a:fontRef>
+        </p:style>
+      </p:cxnSp>
     </p:spTree>
     <p:extLst>
       <p:ext uri="{BB962C8B-B14F-4D97-AF65-F5344CB8AC3E}">
-        <p14:creationId xmlns:p14="http://schemas.microsoft.com/office/powerpoint/2010/main" xmlns="" val="3772054087"/>
+        <p14:creationId xmlns:p14="http://schemas.microsoft.com/office/powerpoint/2010/main" val="1183446009"/>
       </p:ext>
     </p:extLst>
   </p:cSld>
@@ -4405,7 +4255,7 @@
 
 <file path=ppt/slideLayouts/slideLayout6.xml><?xml version="1.0" encoding="utf-8"?>
 <p:sldLayout xmlns:a="http://schemas.openxmlformats.org/drawingml/2006/main" xmlns:r="http://schemas.openxmlformats.org/officeDocument/2006/relationships" xmlns:p="http://schemas.openxmlformats.org/presentationml/2006/main" type="titleOnly" preserve="1">
-  <p:cSld name="Title Only">
+  <p:cSld name="Só título">
     <p:spTree>
       <p:nvGrpSpPr>
         <p:cNvPr id="1" name=""/>
@@ -4436,8 +4286,8 @@
           <a:lstStyle/>
           <a:p>
             <a:r>
-              <a:rPr lang="en-US" smtClean="0"/>
-              <a:t>Click to edit Master title style</a:t>
+              <a:rPr lang="pt-PT" smtClean="0"/>
+              <a:t>Clique para editar o estilo</a:t>
             </a:r>
             <a:endParaRPr lang="en-US" dirty="0"/>
           </a:p>
@@ -4510,10 +4360,48 @@
           </a:p>
         </p:txBody>
       </p:sp>
+      <p:cxnSp>
+        <p:nvCxnSpPr>
+          <p:cNvPr id="14" name="Straight Connector 13"/>
+          <p:cNvCxnSpPr/>
+          <p:nvPr/>
+        </p:nvCxnSpPr>
+        <p:spPr>
+          <a:xfrm>
+            <a:off x="1396169" y="2421466"/>
+            <a:ext cx="9407298" cy="0"/>
+          </a:xfrm>
+          <a:prstGeom prst="line">
+            <a:avLst/>
+          </a:prstGeom>
+          <a:ln w="15875">
+            <a:solidFill>
+              <a:schemeClr val="accent1">
+                <a:lumMod val="60000"/>
+                <a:lumOff val="40000"/>
+              </a:schemeClr>
+            </a:solidFill>
+          </a:ln>
+        </p:spPr>
+        <p:style>
+          <a:lnRef idx="2">
+            <a:schemeClr val="accent1"/>
+          </a:lnRef>
+          <a:fillRef idx="0">
+            <a:schemeClr val="accent1"/>
+          </a:fillRef>
+          <a:effectRef idx="1">
+            <a:schemeClr val="accent1"/>
+          </a:effectRef>
+          <a:fontRef idx="minor">
+            <a:schemeClr val="tx1"/>
+          </a:fontRef>
+        </p:style>
+      </p:cxnSp>
     </p:spTree>
     <p:extLst>
       <p:ext uri="{BB962C8B-B14F-4D97-AF65-F5344CB8AC3E}">
-        <p14:creationId xmlns:p14="http://schemas.microsoft.com/office/powerpoint/2010/main" xmlns="" val="872352092"/>
+        <p14:creationId xmlns:p14="http://schemas.microsoft.com/office/powerpoint/2010/main" val="1349716058"/>
       </p:ext>
     </p:extLst>
   </p:cSld>
@@ -4525,7 +4413,7 @@
 
 <file path=ppt/slideLayouts/slideLayout7.xml><?xml version="1.0" encoding="utf-8"?>
 <p:sldLayout xmlns:a="http://schemas.openxmlformats.org/drawingml/2006/main" xmlns:r="http://schemas.openxmlformats.org/officeDocument/2006/relationships" xmlns:p="http://schemas.openxmlformats.org/presentationml/2006/main" type="blank" preserve="1">
-  <p:cSld name="Blank">
+  <p:cSld name="Em branco">
     <p:spTree>
       <p:nvGrpSpPr>
         <p:cNvPr id="1" name=""/>
@@ -4610,7 +4498,7 @@
     </p:spTree>
     <p:extLst>
       <p:ext uri="{BB962C8B-B14F-4D97-AF65-F5344CB8AC3E}">
-        <p14:creationId xmlns:p14="http://schemas.microsoft.com/office/powerpoint/2010/main" xmlns="" val="1795036205"/>
+        <p14:creationId xmlns:p14="http://schemas.microsoft.com/office/powerpoint/2010/main" val="1135282261"/>
       </p:ext>
     </p:extLst>
   </p:cSld>
@@ -4622,7 +4510,7 @@
 
 <file path=ppt/slideLayouts/slideLayout8.xml><?xml version="1.0" encoding="utf-8"?>
 <p:sldLayout xmlns:a="http://schemas.openxmlformats.org/drawingml/2006/main" xmlns:r="http://schemas.openxmlformats.org/officeDocument/2006/relationships" xmlns:p="http://schemas.openxmlformats.org/presentationml/2006/main" type="objTx" preserve="1">
-  <p:cSld name="Content with Caption">
+  <p:cSld name="Conteúdo com Legenda">
     <p:spTree>
       <p:nvGrpSpPr>
         <p:cNvPr id="1" name=""/>
@@ -4649,8 +4537,8 @@
         </p:nvSpPr>
         <p:spPr>
           <a:xfrm>
-            <a:off x="1484312" y="1600200"/>
-            <a:ext cx="3549121" cy="1371600"/>
+            <a:off x="1293811" y="1388534"/>
+            <a:ext cx="3718455" cy="1371600"/>
           </a:xfrm>
         </p:spPr>
         <p:txBody>
@@ -4664,8 +4552,8 @@
           </a:lstStyle>
           <a:p>
             <a:r>
-              <a:rPr lang="en-US" smtClean="0"/>
-              <a:t>Click to edit Master title style</a:t>
+              <a:rPr lang="pt-PT" smtClean="0"/>
+              <a:t>Clique para editar o estilo</a:t>
             </a:r>
             <a:endParaRPr lang="en-US" dirty="0"/>
           </a:p>
@@ -4683,76 +4571,48 @@
         </p:nvSpPr>
         <p:spPr>
           <a:xfrm>
-            <a:off x="5262033" y="685799"/>
-            <a:ext cx="6240990" cy="5105401"/>
+            <a:off x="5418668" y="982131"/>
+            <a:ext cx="5469466" cy="4893735"/>
           </a:xfrm>
         </p:spPr>
         <p:txBody>
           <a:bodyPr anchor="ctr">
             <a:normAutofit/>
           </a:bodyPr>
-          <a:lstStyle>
-            <a:lvl1pPr>
-              <a:defRPr sz="2000"/>
-            </a:lvl1pPr>
-            <a:lvl2pPr>
-              <a:defRPr sz="1800"/>
-            </a:lvl2pPr>
-            <a:lvl3pPr>
-              <a:defRPr sz="1600"/>
-            </a:lvl3pPr>
-            <a:lvl4pPr>
-              <a:defRPr sz="1400"/>
-            </a:lvl4pPr>
-            <a:lvl5pPr>
-              <a:defRPr sz="1400"/>
-            </a:lvl5pPr>
-            <a:lvl6pPr>
-              <a:defRPr sz="1400"/>
-            </a:lvl6pPr>
-            <a:lvl7pPr>
-              <a:defRPr sz="1400"/>
-            </a:lvl7pPr>
-            <a:lvl8pPr>
-              <a:defRPr sz="1400"/>
-            </a:lvl8pPr>
-            <a:lvl9pPr>
-              <a:defRPr sz="1400"/>
-            </a:lvl9pPr>
-          </a:lstStyle>
+          <a:lstStyle/>
           <a:p>
             <a:pPr lvl="0"/>
             <a:r>
-              <a:rPr lang="en-US" smtClean="0"/>
-              <a:t>Click to edit Master text styles</a:t>
+              <a:rPr lang="pt-PT" smtClean="0"/>
+              <a:t>Clique para editar os estilos</a:t>
             </a:r>
           </a:p>
           <a:p>
             <a:pPr lvl="1"/>
             <a:r>
-              <a:rPr lang="en-US" smtClean="0"/>
-              <a:t>Second level</a:t>
+              <a:rPr lang="pt-PT" smtClean="0"/>
+              <a:t>Segundo nível</a:t>
             </a:r>
           </a:p>
           <a:p>
             <a:pPr lvl="2"/>
             <a:r>
-              <a:rPr lang="en-US" smtClean="0"/>
-              <a:t>Third level</a:t>
+              <a:rPr lang="pt-PT" smtClean="0"/>
+              <a:t>Terceiro nível</a:t>
             </a:r>
           </a:p>
           <a:p>
             <a:pPr lvl="3"/>
             <a:r>
-              <a:rPr lang="en-US" smtClean="0"/>
-              <a:t>Fourth level</a:t>
+              <a:rPr lang="pt-PT" smtClean="0"/>
+              <a:t>Quarto nível</a:t>
             </a:r>
           </a:p>
           <a:p>
             <a:pPr lvl="4"/>
             <a:r>
-              <a:rPr lang="en-US" smtClean="0"/>
-              <a:t>Fifth level</a:t>
+              <a:rPr lang="pt-PT" smtClean="0"/>
+              <a:t>Quinto nível</a:t>
             </a:r>
             <a:endParaRPr lang="en-US" dirty="0"/>
           </a:p>
@@ -4770,12 +4630,12 @@
         </p:nvSpPr>
         <p:spPr>
           <a:xfrm>
-            <a:off x="1484312" y="2971800"/>
-            <a:ext cx="3549121" cy="1828800"/>
+            <a:off x="1293811" y="3031065"/>
+            <a:ext cx="3718455" cy="2438404"/>
           </a:xfrm>
         </p:spPr>
         <p:txBody>
-          <a:bodyPr>
+          <a:bodyPr anchor="t">
             <a:normAutofit/>
           </a:bodyPr>
           <a:lstStyle>
@@ -4819,8 +4679,8 @@
           <a:p>
             <a:pPr lvl="0"/>
             <a:r>
-              <a:rPr lang="en-US" smtClean="0"/>
-              <a:t>Click to edit Master text styles</a:t>
+              <a:rPr lang="pt-PT" smtClean="0"/>
+              <a:t>Clique para editar os estilos</a:t>
             </a:r>
           </a:p>
         </p:txBody>
@@ -4892,10 +4752,48 @@
           </a:p>
         </p:txBody>
       </p:sp>
+      <p:cxnSp>
+        <p:nvCxnSpPr>
+          <p:cNvPr id="16" name="Straight Connector 15"/>
+          <p:cNvCxnSpPr/>
+          <p:nvPr/>
+        </p:nvCxnSpPr>
+        <p:spPr>
+          <a:xfrm>
+            <a:off x="1396169" y="2912533"/>
+            <a:ext cx="3514498" cy="0"/>
+          </a:xfrm>
+          <a:prstGeom prst="line">
+            <a:avLst/>
+          </a:prstGeom>
+          <a:ln w="15875">
+            <a:solidFill>
+              <a:schemeClr val="accent1">
+                <a:lumMod val="60000"/>
+                <a:lumOff val="40000"/>
+              </a:schemeClr>
+            </a:solidFill>
+          </a:ln>
+        </p:spPr>
+        <p:style>
+          <a:lnRef idx="2">
+            <a:schemeClr val="accent1"/>
+          </a:lnRef>
+          <a:fillRef idx="0">
+            <a:schemeClr val="accent1"/>
+          </a:fillRef>
+          <a:effectRef idx="1">
+            <a:schemeClr val="accent1"/>
+          </a:effectRef>
+          <a:fontRef idx="minor">
+            <a:schemeClr val="tx1"/>
+          </a:fontRef>
+        </p:style>
+      </p:cxnSp>
     </p:spTree>
     <p:extLst>
       <p:ext uri="{BB962C8B-B14F-4D97-AF65-F5344CB8AC3E}">
-        <p14:creationId xmlns:p14="http://schemas.microsoft.com/office/powerpoint/2010/main" xmlns="" val="4089543025"/>
+        <p14:creationId xmlns:p14="http://schemas.microsoft.com/office/powerpoint/2010/main" val="3016415161"/>
       </p:ext>
     </p:extLst>
   </p:cSld>
@@ -4907,7 +4805,7 @@
 
 <file path=ppt/slideLayouts/slideLayout9.xml><?xml version="1.0" encoding="utf-8"?>
 <p:sldLayout xmlns:a="http://schemas.openxmlformats.org/drawingml/2006/main" xmlns:r="http://schemas.openxmlformats.org/officeDocument/2006/relationships" xmlns:p="http://schemas.openxmlformats.org/presentationml/2006/main" type="picTx" preserve="1">
-  <p:cSld name="Picture with Caption">
+  <p:cSld name="Imagem com Legenda">
     <p:spTree>
       <p:nvGrpSpPr>
         <p:cNvPr id="1" name=""/>
@@ -4934,8 +4832,8 @@
         </p:nvSpPr>
         <p:spPr>
           <a:xfrm>
-            <a:off x="1482724" y="1752599"/>
-            <a:ext cx="5426158" cy="1371600"/>
+            <a:off x="1295399" y="1883832"/>
+            <a:ext cx="6241816" cy="1371600"/>
           </a:xfrm>
         </p:spPr>
         <p:txBody>
@@ -4949,8 +4847,8 @@
           </a:lstStyle>
           <a:p>
             <a:r>
-              <a:rPr lang="en-US" smtClean="0"/>
-              <a:t>Click to edit Master title style</a:t>
+              <a:rPr lang="pt-PT" smtClean="0"/>
+              <a:t>Clique para editar o estilo</a:t>
             </a:r>
             <a:endParaRPr lang="en-US" dirty="0"/>
           </a:p>
@@ -4958,7 +4856,7 @@
       </p:sp>
       <p:sp>
         <p:nvSpPr>
-          <p:cNvPr id="14" name="Picture Placeholder 2"/>
+          <p:cNvPr id="17" name="Picture Placeholder 2"/>
           <p:cNvSpPr>
             <a:spLocks noGrp="1" noChangeAspect="1"/>
           </p:cNvSpPr>
@@ -4968,29 +4866,22 @@
         </p:nvSpPr>
         <p:spPr>
           <a:xfrm>
-            <a:off x="7594682" y="914400"/>
-            <a:ext cx="3280974" cy="4572000"/>
+            <a:off x="8094831" y="1041400"/>
+            <a:ext cx="3063347" cy="4775200"/>
           </a:xfrm>
           <a:prstGeom prst="roundRect">
             <a:avLst>
-              <a:gd name="adj" fmla="val 4280"/>
+              <a:gd name="adj" fmla="val 0"/>
             </a:avLst>
           </a:prstGeom>
-          <a:ln w="38100">
-            <a:gradFill flip="none" rotWithShape="1">
-              <a:gsLst>
-                <a:gs pos="0">
-                  <a:schemeClr val="bg2"/>
-                </a:gs>
-                <a:gs pos="100000">
-                  <a:schemeClr val="bg2">
-                    <a:lumMod val="75000"/>
-                  </a:schemeClr>
-                </a:gs>
-              </a:gsLst>
-              <a:lin ang="5400000" scaled="0"/>
-              <a:tileRect/>
-            </a:gradFill>
+          <a:ln w="57150" cmpd="thickThin">
+            <a:solidFill>
+              <a:schemeClr val="tx1">
+                <a:lumMod val="50000"/>
+                <a:lumOff val="50000"/>
+              </a:schemeClr>
+            </a:solidFill>
+            <a:miter lim="800000"/>
           </a:ln>
           <a:effectLst>
             <a:innerShdw blurRad="57150" dist="38100" dir="14460000">
@@ -5044,8 +4935,8 @@
           </a:lstStyle>
           <a:p>
             <a:r>
-              <a:rPr lang="en-US" dirty="0" smtClean="0"/>
-              <a:t>Click icon to add picture</a:t>
+              <a:rPr lang="pt-PT" smtClean="0"/>
+              <a:t>Clique no ícone para adicionar uma imagem</a:t>
             </a:r>
             <a:endParaRPr lang="en-US" dirty="0"/>
           </a:p>
@@ -5063,12 +4954,12 @@
         </p:nvSpPr>
         <p:spPr>
           <a:xfrm>
-            <a:off x="1482724" y="3124199"/>
-            <a:ext cx="5426158" cy="1828800"/>
+            <a:off x="1295399" y="3255432"/>
+            <a:ext cx="6241816" cy="1828800"/>
           </a:xfrm>
         </p:spPr>
         <p:txBody>
-          <a:bodyPr>
+          <a:bodyPr anchor="t">
             <a:normAutofit/>
           </a:bodyPr>
           <a:lstStyle>
@@ -5112,8 +5003,8 @@
           <a:p>
             <a:pPr lvl="0"/>
             <a:r>
-              <a:rPr lang="en-US" smtClean="0"/>
-              <a:t>Click to edit Master text styles</a:t>
+              <a:rPr lang="pt-PT" smtClean="0"/>
+              <a:t>Clique para editar os estilos</a:t>
             </a:r>
           </a:p>
         </p:txBody>
@@ -5188,7 +5079,7 @@
     </p:spTree>
     <p:extLst>
       <p:ext uri="{BB962C8B-B14F-4D97-AF65-F5344CB8AC3E}">
-        <p14:creationId xmlns:p14="http://schemas.microsoft.com/office/powerpoint/2010/main" xmlns="" val="1202744426"/>
+        <p14:creationId xmlns:p14="http://schemas.microsoft.com/office/powerpoint/2010/main" val="2799130186"/>
       </p:ext>
     </p:extLst>
   </p:cSld>
@@ -5203,7 +5094,7 @@
   <p:cSld>
     <p:bg>
       <p:bgRef idx="1003">
-        <a:schemeClr val="bg2"/>
+        <a:schemeClr val="bg1"/>
       </p:bgRef>
     </p:bg>
     <p:spTree>
@@ -5220,336 +5111,50 @@
           <a:chExt cx="0" cy="0"/>
         </a:xfrm>
       </p:grpSpPr>
-      <p:grpSp>
-        <p:nvGrpSpPr>
-          <p:cNvPr id="7" name="Group 6"/>
-          <p:cNvGrpSpPr/>
+      <p:pic>
+        <p:nvPicPr>
+          <p:cNvPr id="7" name="Picture 6" descr="HD-PanelContent-GrommetsCombined.png"/>
+          <p:cNvPicPr>
+            <a:picLocks noChangeAspect="1"/>
+          </p:cNvPicPr>
           <p:nvPr/>
-        </p:nvGrpSpPr>
-        <p:grpSpPr>
-          <a:xfrm>
-            <a:off x="150812" y="0"/>
-            <a:ext cx="2436813" cy="6858001"/>
-            <a:chOff x="1320800" y="0"/>
-            <a:chExt cx="2436813" cy="6858001"/>
-          </a:xfrm>
-        </p:grpSpPr>
-        <p:sp>
-          <p:nvSpPr>
-            <p:cNvPr id="8" name="Freeform 6"/>
-            <p:cNvSpPr/>
-            <p:nvPr/>
-          </p:nvSpPr>
-          <p:spPr bwMode="auto">
-            <a:xfrm>
-              <a:off x="1627188" y="0"/>
-              <a:ext cx="1122363" cy="5329238"/>
-            </a:xfrm>
-            <a:custGeom>
-              <a:avLst/>
-              <a:gdLst/>
-              <a:ahLst/>
-              <a:cxnLst/>
-              <a:rect l="0" t="0" r="r" b="b"/>
-              <a:pathLst>
-                <a:path w="707" h="3357">
-                  <a:moveTo>
-                    <a:pt x="0" y="3330"/>
-                  </a:moveTo>
-                  <a:lnTo>
-                    <a:pt x="156" y="3357"/>
-                  </a:lnTo>
-                  <a:lnTo>
-                    <a:pt x="707" y="0"/>
-                  </a:lnTo>
-                  <a:lnTo>
-                    <a:pt x="547" y="0"/>
-                  </a:lnTo>
-                  <a:lnTo>
-                    <a:pt x="0" y="3330"/>
-                  </a:lnTo>
-                  <a:close/>
-                </a:path>
-              </a:pathLst>
-            </a:custGeom>
-            <a:solidFill>
-              <a:schemeClr val="accent1"/>
-            </a:solidFill>
-            <a:ln>
-              <a:noFill/>
-            </a:ln>
-          </p:spPr>
-        </p:sp>
-        <p:sp>
-          <p:nvSpPr>
-            <p:cNvPr id="9" name="Freeform 7"/>
-            <p:cNvSpPr/>
-            <p:nvPr/>
-          </p:nvSpPr>
-          <p:spPr bwMode="auto">
-            <a:xfrm>
-              <a:off x="1320800" y="0"/>
-              <a:ext cx="1117600" cy="5276850"/>
-            </a:xfrm>
-            <a:custGeom>
-              <a:avLst/>
-              <a:gdLst/>
-              <a:ahLst/>
-              <a:cxnLst/>
-              <a:rect l="0" t="0" r="r" b="b"/>
-              <a:pathLst>
-                <a:path w="704" h="3324">
-                  <a:moveTo>
-                    <a:pt x="704" y="0"/>
-                  </a:moveTo>
-                  <a:lnTo>
-                    <a:pt x="545" y="0"/>
-                  </a:lnTo>
-                  <a:lnTo>
-                    <a:pt x="0" y="3300"/>
-                  </a:lnTo>
-                  <a:lnTo>
-                    <a:pt x="157" y="3324"/>
-                  </a:lnTo>
-                  <a:lnTo>
-                    <a:pt x="704" y="0"/>
-                  </a:lnTo>
-                  <a:close/>
-                </a:path>
-              </a:pathLst>
-            </a:custGeom>
-            <a:solidFill>
-              <a:schemeClr val="tx1">
-                <a:lumMod val="65000"/>
-                <a:lumOff val="35000"/>
-              </a:schemeClr>
-            </a:solidFill>
-            <a:ln>
-              <a:noFill/>
-            </a:ln>
-          </p:spPr>
-        </p:sp>
-        <p:sp>
-          <p:nvSpPr>
-            <p:cNvPr id="10" name="Freeform 8"/>
-            <p:cNvSpPr/>
-            <p:nvPr/>
-          </p:nvSpPr>
-          <p:spPr bwMode="auto">
-            <a:xfrm>
-              <a:off x="1320800" y="5238750"/>
-              <a:ext cx="1228725" cy="1619250"/>
-            </a:xfrm>
-            <a:custGeom>
-              <a:avLst/>
-              <a:gdLst/>
-              <a:ahLst/>
-              <a:cxnLst/>
-              <a:rect l="0" t="0" r="r" b="b"/>
-              <a:pathLst>
-                <a:path w="774" h="1020">
-                  <a:moveTo>
-                    <a:pt x="0" y="0"/>
-                  </a:moveTo>
-                  <a:lnTo>
-                    <a:pt x="740" y="1020"/>
-                  </a:lnTo>
-                  <a:lnTo>
-                    <a:pt x="774" y="1020"/>
-                  </a:lnTo>
-                  <a:lnTo>
-                    <a:pt x="0" y="0"/>
-                  </a:lnTo>
-                  <a:close/>
-                </a:path>
-              </a:pathLst>
-            </a:custGeom>
-            <a:solidFill>
-              <a:schemeClr val="tx1">
-                <a:lumMod val="85000"/>
-                <a:lumOff val="15000"/>
-              </a:schemeClr>
-            </a:solidFill>
-            <a:ln>
-              <a:noFill/>
-            </a:ln>
-          </p:spPr>
-        </p:sp>
-        <p:sp>
-          <p:nvSpPr>
-            <p:cNvPr id="11" name="Freeform 9"/>
-            <p:cNvSpPr/>
-            <p:nvPr/>
-          </p:nvSpPr>
-          <p:spPr bwMode="auto">
-            <a:xfrm>
-              <a:off x="1627188" y="5291138"/>
-              <a:ext cx="1495425" cy="1566863"/>
-            </a:xfrm>
-            <a:custGeom>
-              <a:avLst/>
-              <a:gdLst/>
-              <a:ahLst/>
-              <a:cxnLst/>
-              <a:rect l="0" t="0" r="r" b="b"/>
-              <a:pathLst>
-                <a:path w="942" h="987">
-                  <a:moveTo>
-                    <a:pt x="0" y="0"/>
-                  </a:moveTo>
-                  <a:lnTo>
-                    <a:pt x="909" y="987"/>
-                  </a:lnTo>
-                  <a:lnTo>
-                    <a:pt x="942" y="987"/>
-                  </a:lnTo>
-                  <a:lnTo>
-                    <a:pt x="0" y="0"/>
-                  </a:lnTo>
-                  <a:close/>
-                </a:path>
-              </a:pathLst>
-            </a:custGeom>
-            <a:solidFill>
-              <a:schemeClr val="accent1">
-                <a:lumMod val="50000"/>
-              </a:schemeClr>
-            </a:solidFill>
-            <a:ln>
-              <a:noFill/>
-            </a:ln>
-          </p:spPr>
-        </p:sp>
-        <p:sp>
-          <p:nvSpPr>
-            <p:cNvPr id="12" name="Freeform 10"/>
-            <p:cNvSpPr/>
-            <p:nvPr/>
-          </p:nvSpPr>
-          <p:spPr bwMode="auto">
-            <a:xfrm>
-              <a:off x="1627188" y="5286375"/>
-              <a:ext cx="2130425" cy="1571625"/>
-            </a:xfrm>
-            <a:custGeom>
-              <a:avLst/>
-              <a:gdLst/>
-              <a:ahLst/>
-              <a:cxnLst/>
-              <a:rect l="0" t="0" r="r" b="b"/>
-              <a:pathLst>
-                <a:path w="1342" h="990">
-                  <a:moveTo>
-                    <a:pt x="0" y="3"/>
-                  </a:moveTo>
-                  <a:lnTo>
-                    <a:pt x="942" y="990"/>
-                  </a:lnTo>
-                  <a:lnTo>
-                    <a:pt x="1342" y="990"/>
-                  </a:lnTo>
-                  <a:lnTo>
-                    <a:pt x="156" y="27"/>
-                  </a:lnTo>
-                  <a:lnTo>
-                    <a:pt x="0" y="0"/>
-                  </a:lnTo>
-                  <a:lnTo>
-                    <a:pt x="0" y="3"/>
-                  </a:lnTo>
-                  <a:close/>
-                </a:path>
-              </a:pathLst>
-            </a:custGeom>
-            <a:solidFill>
-              <a:schemeClr val="accent1">
-                <a:lumMod val="75000"/>
-              </a:schemeClr>
-            </a:solidFill>
-            <a:ln>
-              <a:noFill/>
-            </a:ln>
-          </p:spPr>
-        </p:sp>
-        <p:sp>
-          <p:nvSpPr>
-            <p:cNvPr id="13" name="Freeform 11"/>
-            <p:cNvSpPr/>
-            <p:nvPr/>
-          </p:nvSpPr>
-          <p:spPr bwMode="auto">
-            <a:xfrm>
-              <a:off x="1320800" y="5238750"/>
-              <a:ext cx="1695450" cy="1619250"/>
-            </a:xfrm>
-            <a:custGeom>
-              <a:avLst/>
-              <a:gdLst/>
-              <a:ahLst/>
-              <a:cxnLst/>
-              <a:rect l="0" t="0" r="r" b="b"/>
-              <a:pathLst>
-                <a:path w="1068" h="1020">
-                  <a:moveTo>
-                    <a:pt x="1068" y="1020"/>
-                  </a:moveTo>
-                  <a:lnTo>
-                    <a:pt x="184" y="60"/>
-                  </a:lnTo>
-                  <a:lnTo>
-                    <a:pt x="154" y="27"/>
-                  </a:lnTo>
-                  <a:lnTo>
-                    <a:pt x="157" y="27"/>
-                  </a:lnTo>
-                  <a:lnTo>
-                    <a:pt x="157" y="24"/>
-                  </a:lnTo>
-                  <a:lnTo>
-                    <a:pt x="154" y="24"/>
-                  </a:lnTo>
-                  <a:lnTo>
-                    <a:pt x="0" y="0"/>
-                  </a:lnTo>
-                  <a:lnTo>
-                    <a:pt x="0" y="0"/>
-                  </a:lnTo>
-                  <a:lnTo>
-                    <a:pt x="774" y="1020"/>
-                  </a:lnTo>
-                  <a:lnTo>
-                    <a:pt x="1068" y="1020"/>
-                  </a:lnTo>
-                  <a:close/>
-                </a:path>
-              </a:pathLst>
-            </a:custGeom>
-            <a:solidFill>
-              <a:schemeClr val="tx1">
-                <a:lumMod val="75000"/>
-                <a:lumOff val="25000"/>
-              </a:schemeClr>
-            </a:solidFill>
-            <a:ln>
-              <a:noFill/>
-            </a:ln>
-          </p:spPr>
-        </p:sp>
-      </p:grpSp>
-      <p:sp>
-        <p:nvSpPr>
-          <p:cNvPr id="2" name="Title Placeholder 1"/>
-          <p:cNvSpPr>
-            <a:spLocks noGrp="1"/>
-          </p:cNvSpPr>
-          <p:nvPr>
-            <p:ph type="title"/>
-          </p:nvPr>
-        </p:nvSpPr>
+        </p:nvPicPr>
+        <p:blipFill>
+          <a:blip r:embed="rId19">
+            <a:extLst>
+              <a:ext uri="{28A0092B-C50C-407E-A947-70E740481C1C}">
+                <a14:useLocalDpi xmlns:a14="http://schemas.microsoft.com/office/drawing/2010/main" val="0"/>
+              </a:ext>
+            </a:extLst>
+          </a:blip>
+          <a:stretch>
+            <a:fillRect/>
+          </a:stretch>
+        </p:blipFill>
         <p:spPr>
           <a:xfrm>
-            <a:off x="1484311" y="685800"/>
-            <a:ext cx="10018713" cy="1752599"/>
+            <a:off x="0" y="0"/>
+            <a:ext cx="12188825" cy="6856214"/>
+          </a:xfrm>
+          <a:prstGeom prst="rect">
+            <a:avLst/>
+          </a:prstGeom>
+        </p:spPr>
+      </p:pic>
+      <p:sp>
+        <p:nvSpPr>
+          <p:cNvPr id="2" name="Title Placeholder 1"/>
+          <p:cNvSpPr>
+            <a:spLocks noGrp="1"/>
+          </p:cNvSpPr>
+          <p:nvPr>
+            <p:ph type="title"/>
+          </p:nvPr>
+        </p:nvSpPr>
+        <p:spPr>
+          <a:xfrm>
+            <a:off x="1295402" y="982132"/>
+            <a:ext cx="9601196" cy="1303867"/>
           </a:xfrm>
           <a:prstGeom prst="rect">
             <a:avLst/>
@@ -5563,8 +5168,8 @@
           <a:lstStyle/>
           <a:p>
             <a:r>
-              <a:rPr lang="en-US" smtClean="0"/>
-              <a:t>Click to edit Master title style</a:t>
+              <a:rPr lang="pt-PT" smtClean="0"/>
+              <a:t>Clique para editar o estilo</a:t>
             </a:r>
             <a:endParaRPr lang="en-US" dirty="0"/>
           </a:p>
@@ -5582,51 +5187,51 @@
         </p:nvSpPr>
         <p:spPr>
           <a:xfrm>
-            <a:off x="1484310" y="2666999"/>
-            <a:ext cx="10018713" cy="3124201"/>
+            <a:off x="1295401" y="2556932"/>
+            <a:ext cx="9601196" cy="3318936"/>
           </a:xfrm>
           <a:prstGeom prst="rect">
             <a:avLst/>
           </a:prstGeom>
         </p:spPr>
         <p:txBody>
-          <a:bodyPr vert="horz" lIns="91440" tIns="45720" rIns="91440" bIns="45720" rtlCol="0" anchor="ctr">
+          <a:bodyPr vert="horz" lIns="91440" tIns="45720" rIns="91440" bIns="45720" rtlCol="0" anchor="t">
             <a:normAutofit/>
           </a:bodyPr>
           <a:lstStyle/>
           <a:p>
             <a:pPr lvl="0"/>
             <a:r>
-              <a:rPr lang="en-US" smtClean="0"/>
-              <a:t>Click to edit Master text styles</a:t>
+              <a:rPr lang="pt-PT" smtClean="0"/>
+              <a:t>Clique para editar os estilos</a:t>
             </a:r>
           </a:p>
           <a:p>
             <a:pPr lvl="1"/>
             <a:r>
-              <a:rPr lang="en-US" smtClean="0"/>
-              <a:t>Second level</a:t>
+              <a:rPr lang="pt-PT" smtClean="0"/>
+              <a:t>Segundo nível</a:t>
             </a:r>
           </a:p>
           <a:p>
             <a:pPr lvl="2"/>
             <a:r>
-              <a:rPr lang="en-US" smtClean="0"/>
-              <a:t>Third level</a:t>
+              <a:rPr lang="pt-PT" smtClean="0"/>
+              <a:t>Terceiro nível</a:t>
             </a:r>
           </a:p>
           <a:p>
             <a:pPr lvl="3"/>
             <a:r>
-              <a:rPr lang="en-US" smtClean="0"/>
-              <a:t>Fourth level</a:t>
+              <a:rPr lang="pt-PT" smtClean="0"/>
+              <a:t>Quarto nível</a:t>
             </a:r>
           </a:p>
           <a:p>
             <a:pPr lvl="4"/>
             <a:r>
-              <a:rPr lang="en-US" smtClean="0"/>
-              <a:t>Fifth level</a:t>
+              <a:rPr lang="pt-PT" smtClean="0"/>
+              <a:t>Quinto nível</a:t>
             </a:r>
             <a:endParaRPr lang="en-US" dirty="0"/>
           </a:p>
@@ -5644,8 +5249,8 @@
         </p:nvSpPr>
         <p:spPr>
           <a:xfrm>
-            <a:off x="9732656" y="5883275"/>
-            <a:ext cx="1143000" cy="365125"/>
+            <a:off x="8677501" y="5969000"/>
+            <a:ext cx="1600200" cy="279400"/>
           </a:xfrm>
           <a:prstGeom prst="rect">
             <a:avLst/>
@@ -5686,8 +5291,8 @@
         </p:nvSpPr>
         <p:spPr>
           <a:xfrm>
-            <a:off x="2572279" y="5883275"/>
-            <a:ext cx="7084177" cy="365125"/>
+            <a:off x="1295401" y="5969000"/>
+            <a:ext cx="7305900" cy="279400"/>
           </a:xfrm>
           <a:prstGeom prst="rect">
             <a:avLst/>
@@ -5723,8 +5328,8 @@
         </p:nvSpPr>
         <p:spPr>
           <a:xfrm>
-            <a:off x="10951856" y="5883275"/>
-            <a:ext cx="551167" cy="365125"/>
+            <a:off x="10353901" y="5969000"/>
+            <a:ext cx="542697" cy="279400"/>
           </a:xfrm>
           <a:prstGeom prst="rect">
             <a:avLst/>
@@ -5756,29 +5361,29 @@
     </p:spTree>
     <p:extLst>
       <p:ext uri="{BB962C8B-B14F-4D97-AF65-F5344CB8AC3E}">
-        <p14:creationId xmlns:p14="http://schemas.microsoft.com/office/powerpoint/2010/main" xmlns="" val="1162698541"/>
+        <p14:creationId xmlns:p14="http://schemas.microsoft.com/office/powerpoint/2010/main" val="3664009446"/>
       </p:ext>
     </p:extLst>
   </p:cSld>
   <p:clrMap bg1="lt1" tx1="dk1" bg2="lt2" tx2="dk2" accent1="accent1" accent2="accent2" accent3="accent3" accent4="accent4" accent5="accent5" accent6="accent6" hlink="hlink" folHlink="folHlink"/>
   <p:sldLayoutIdLst>
-    <p:sldLayoutId id="2147483733" r:id="rId1"/>
-    <p:sldLayoutId id="2147483734" r:id="rId2"/>
-    <p:sldLayoutId id="2147483735" r:id="rId3"/>
-    <p:sldLayoutId id="2147483736" r:id="rId4"/>
-    <p:sldLayoutId id="2147483737" r:id="rId5"/>
-    <p:sldLayoutId id="2147483738" r:id="rId6"/>
-    <p:sldLayoutId id="2147483739" r:id="rId7"/>
-    <p:sldLayoutId id="2147483740" r:id="rId8"/>
-    <p:sldLayoutId id="2147483741" r:id="rId9"/>
-    <p:sldLayoutId id="2147483742" r:id="rId10"/>
-    <p:sldLayoutId id="2147483743" r:id="rId11"/>
-    <p:sldLayoutId id="2147483744" r:id="rId12"/>
-    <p:sldLayoutId id="2147483745" r:id="rId13"/>
-    <p:sldLayoutId id="2147483746" r:id="rId14"/>
-    <p:sldLayoutId id="2147483747" r:id="rId15"/>
-    <p:sldLayoutId id="2147483748" r:id="rId16"/>
-    <p:sldLayoutId id="2147483749" r:id="rId17"/>
+    <p:sldLayoutId id="2147484048" r:id="rId1"/>
+    <p:sldLayoutId id="2147484049" r:id="rId2"/>
+    <p:sldLayoutId id="2147484050" r:id="rId3"/>
+    <p:sldLayoutId id="2147484051" r:id="rId4"/>
+    <p:sldLayoutId id="2147484052" r:id="rId5"/>
+    <p:sldLayoutId id="2147484053" r:id="rId6"/>
+    <p:sldLayoutId id="2147484054" r:id="rId7"/>
+    <p:sldLayoutId id="2147484055" r:id="rId8"/>
+    <p:sldLayoutId id="2147484056" r:id="rId9"/>
+    <p:sldLayoutId id="2147484057" r:id="rId10"/>
+    <p:sldLayoutId id="2147484058" r:id="rId11"/>
+    <p:sldLayoutId id="2147484059" r:id="rId12"/>
+    <p:sldLayoutId id="2147484060" r:id="rId13"/>
+    <p:sldLayoutId id="2147484061" r:id="rId14"/>
+    <p:sldLayoutId id="2147484062" r:id="rId15"/>
+    <p:sldLayoutId id="2147484063" r:id="rId16"/>
+    <p:sldLayoutId id="2147484064" r:id="rId17"/>
   </p:sldLayoutIdLst>
   <p:txStyles>
     <p:titleStyle>
@@ -5787,12 +5392,15 @@
           <a:spcPct val="0"/>
         </a:spcBef>
         <a:buNone/>
-        <a:defRPr sz="4000" kern="1200" cap="none">
+        <a:defRPr sz="4400" kern="1200" cap="none">
           <a:ln w="3175" cmpd="sng">
             <a:noFill/>
           </a:ln>
           <a:solidFill>
-            <a:schemeClr val="tx1"/>
+            <a:schemeClr val="tx1">
+              <a:lumMod val="85000"/>
+              <a:lumOff val="15000"/>
+            </a:schemeClr>
           </a:solidFill>
           <a:effectLst/>
           <a:latin typeface="+mj-lt"/>
@@ -5866,16 +5474,17 @@
           <a:spcPts val="600"/>
         </a:spcAft>
         <a:buClr>
-          <a:schemeClr val="accent1">
-            <a:lumMod val="75000"/>
-          </a:schemeClr>
+          <a:schemeClr val="accent1"/>
         </a:buClr>
-        <a:buSzPct val="145000"/>
+        <a:buSzPct val="115000"/>
         <a:buFont typeface="Arial"/>
         <a:buChar char="•"/>
         <a:defRPr sz="2400" kern="1200" cap="none">
           <a:solidFill>
-            <a:schemeClr val="tx1"/>
+            <a:schemeClr val="tx1">
+              <a:lumMod val="85000"/>
+              <a:lumOff val="15000"/>
+            </a:schemeClr>
           </a:solidFill>
           <a:effectLst/>
           <a:latin typeface="+mn-lt"/>
@@ -5891,16 +5500,17 @@
           <a:spcPts val="600"/>
         </a:spcAft>
         <a:buClr>
-          <a:schemeClr val="accent1">
-            <a:lumMod val="75000"/>
-          </a:schemeClr>
+          <a:schemeClr val="accent1"/>
         </a:buClr>
-        <a:buSzPct val="145000"/>
+        <a:buSzPct val="115000"/>
         <a:buFont typeface="Arial"/>
         <a:buChar char="•"/>
         <a:defRPr sz="2000" kern="1200" cap="none">
           <a:solidFill>
-            <a:schemeClr val="tx1"/>
+            <a:schemeClr val="tx1">
+              <a:lumMod val="85000"/>
+              <a:lumOff val="15000"/>
+            </a:schemeClr>
           </a:solidFill>
           <a:effectLst/>
           <a:latin typeface="+mn-lt"/>
@@ -5916,16 +5526,17 @@
           <a:spcPts val="600"/>
         </a:spcAft>
         <a:buClr>
-          <a:schemeClr val="accent1">
-            <a:lumMod val="75000"/>
-          </a:schemeClr>
+          <a:schemeClr val="accent1"/>
         </a:buClr>
-        <a:buSzPct val="145000"/>
+        <a:buSzPct val="115000"/>
         <a:buFont typeface="Arial"/>
         <a:buChar char="•"/>
         <a:defRPr sz="1800" kern="1200" cap="none">
           <a:solidFill>
-            <a:schemeClr val="tx1"/>
+            <a:schemeClr val="tx1">
+              <a:lumMod val="85000"/>
+              <a:lumOff val="15000"/>
+            </a:schemeClr>
           </a:solidFill>
           <a:effectLst/>
           <a:latin typeface="+mn-lt"/>
@@ -5941,16 +5552,17 @@
           <a:spcPts val="600"/>
         </a:spcAft>
         <a:buClr>
-          <a:schemeClr val="accent1">
-            <a:lumMod val="75000"/>
-          </a:schemeClr>
+          <a:schemeClr val="accent1"/>
         </a:buClr>
-        <a:buSzPct val="145000"/>
+        <a:buSzPct val="115000"/>
         <a:buFont typeface="Arial"/>
         <a:buChar char="•"/>
         <a:defRPr sz="1600" kern="1200" cap="none">
           <a:solidFill>
-            <a:schemeClr val="tx1"/>
+            <a:schemeClr val="tx1">
+              <a:lumMod val="85000"/>
+              <a:lumOff val="15000"/>
+            </a:schemeClr>
           </a:solidFill>
           <a:effectLst/>
           <a:latin typeface="+mn-lt"/>
@@ -5966,16 +5578,17 @@
           <a:spcPts val="600"/>
         </a:spcAft>
         <a:buClr>
-          <a:schemeClr val="accent1">
-            <a:lumMod val="75000"/>
-          </a:schemeClr>
+          <a:schemeClr val="accent1"/>
         </a:buClr>
-        <a:buSzPct val="145000"/>
+        <a:buSzPct val="115000"/>
         <a:buFont typeface="Arial"/>
         <a:buChar char="•"/>
         <a:defRPr sz="1400" kern="1200" cap="none">
           <a:solidFill>
-            <a:schemeClr val="tx1"/>
+            <a:schemeClr val="tx1">
+              <a:lumMod val="85000"/>
+              <a:lumOff val="15000"/>
+            </a:schemeClr>
           </a:solidFill>
           <a:effectLst/>
           <a:latin typeface="+mn-lt"/>
@@ -5991,16 +5604,17 @@
           <a:spcPts val="600"/>
         </a:spcAft>
         <a:buClr>
-          <a:schemeClr val="accent1">
-            <a:lumMod val="75000"/>
-          </a:schemeClr>
+          <a:schemeClr val="accent1"/>
         </a:buClr>
-        <a:buSzPct val="145000"/>
+        <a:buSzPct val="115000"/>
         <a:buFont typeface="Arial"/>
         <a:buChar char="•"/>
         <a:defRPr sz="1400" kern="1200" cap="none">
           <a:solidFill>
-            <a:schemeClr val="tx1"/>
+            <a:schemeClr val="tx1">
+              <a:lumMod val="85000"/>
+              <a:lumOff val="15000"/>
+            </a:schemeClr>
           </a:solidFill>
           <a:effectLst/>
           <a:latin typeface="+mn-lt"/>
@@ -6016,16 +5630,17 @@
           <a:spcPts val="600"/>
         </a:spcAft>
         <a:buClr>
-          <a:schemeClr val="accent1">
-            <a:lumMod val="75000"/>
-          </a:schemeClr>
+          <a:schemeClr val="accent1"/>
         </a:buClr>
-        <a:buSzPct val="145000"/>
+        <a:buSzPct val="115000"/>
         <a:buFont typeface="Arial"/>
         <a:buChar char="•"/>
         <a:defRPr sz="1400" kern="1200" cap="none">
           <a:solidFill>
-            <a:schemeClr val="tx1"/>
+            <a:schemeClr val="tx1">
+              <a:lumMod val="85000"/>
+              <a:lumOff val="15000"/>
+            </a:schemeClr>
           </a:solidFill>
           <a:effectLst/>
           <a:latin typeface="+mn-lt"/>
@@ -6041,16 +5656,17 @@
           <a:spcPts val="600"/>
         </a:spcAft>
         <a:buClr>
-          <a:schemeClr val="accent1">
-            <a:lumMod val="75000"/>
-          </a:schemeClr>
+          <a:schemeClr val="accent1"/>
         </a:buClr>
-        <a:buSzPct val="145000"/>
+        <a:buSzPct val="115000"/>
         <a:buFont typeface="Arial"/>
         <a:buChar char="•"/>
         <a:defRPr sz="1400" kern="1200" cap="none">
           <a:solidFill>
-            <a:schemeClr val="tx1"/>
+            <a:schemeClr val="tx1">
+              <a:lumMod val="85000"/>
+              <a:lumOff val="15000"/>
+            </a:schemeClr>
           </a:solidFill>
           <a:effectLst/>
           <a:latin typeface="+mn-lt"/>
@@ -6066,16 +5682,17 @@
           <a:spcPts val="600"/>
         </a:spcAft>
         <a:buClr>
-          <a:schemeClr val="accent1">
-            <a:lumMod val="75000"/>
-          </a:schemeClr>
+          <a:schemeClr val="accent1"/>
         </a:buClr>
-        <a:buSzPct val="145000"/>
+        <a:buSzPct val="115000"/>
         <a:buFont typeface="Arial"/>
         <a:buChar char="•"/>
         <a:defRPr sz="1400" kern="1200" cap="none">
           <a:solidFill>
-            <a:schemeClr val="tx1"/>
+            <a:schemeClr val="tx1">
+              <a:lumMod val="85000"/>
+              <a:lumOff val="15000"/>
+            </a:schemeClr>
           </a:solidFill>
           <a:effectLst/>
           <a:latin typeface="+mn-lt"/>
@@ -6252,7 +5869,7 @@
     </p:spTree>
     <p:extLst>
       <p:ext uri="{BB962C8B-B14F-4D97-AF65-F5344CB8AC3E}">
-        <p14:creationId xmlns:p14="http://schemas.microsoft.com/office/powerpoint/2010/main" xmlns="" val="404200990"/>
+        <p14:creationId xmlns:p14="http://schemas.microsoft.com/office/powerpoint/2010/main" val="404200990"/>
       </p:ext>
     </p:extLst>
   </p:cSld>
@@ -6327,7 +5944,7 @@
     </p:spTree>
     <p:extLst>
       <p:ext uri="{BB962C8B-B14F-4D97-AF65-F5344CB8AC3E}">
-        <p14:creationId xmlns:p14="http://schemas.microsoft.com/office/powerpoint/2010/main" xmlns="" val="3857988853"/>
+        <p14:creationId xmlns:p14="http://schemas.microsoft.com/office/powerpoint/2010/main" val="3857988853"/>
       </p:ext>
     </p:extLst>
   </p:cSld>
@@ -6410,7 +6027,7 @@
     </p:spTree>
     <p:extLst>
       <p:ext uri="{BB962C8B-B14F-4D97-AF65-F5344CB8AC3E}">
-        <p14:creationId xmlns:p14="http://schemas.microsoft.com/office/powerpoint/2010/main" xmlns="" val="905212791"/>
+        <p14:creationId xmlns:p14="http://schemas.microsoft.com/office/powerpoint/2010/main" val="905212791"/>
       </p:ext>
     </p:extLst>
   </p:cSld>
@@ -6485,7 +6102,7 @@
     </p:spTree>
     <p:extLst>
       <p:ext uri="{BB962C8B-B14F-4D97-AF65-F5344CB8AC3E}">
-        <p14:creationId xmlns:p14="http://schemas.microsoft.com/office/powerpoint/2010/main" xmlns="" val="3857988853"/>
+        <p14:creationId xmlns:p14="http://schemas.microsoft.com/office/powerpoint/2010/main" val="3857988853"/>
       </p:ext>
     </p:extLst>
   </p:cSld>
@@ -6653,13 +6270,8 @@
             <a:pPr lvl="1"/>
             <a:r>
               <a:rPr lang="en-US" dirty="0" smtClean="0"/>
-              <a:t>The process lacked flexibility in choosing the persons for the different </a:t>
-            </a:r>
-            <a:r>
-              <a:rPr lang="en-US" dirty="0" smtClean="0"/>
-              <a:t>roles</a:t>
-            </a:r>
-            <a:endParaRPr lang="en-US" dirty="0" smtClean="0"/>
+              <a:t>The process lacked flexibility in choosing the persons for the different roles</a:t>
+            </a:r>
           </a:p>
           <a:p>
             <a:r>
@@ -6685,20 +6297,15 @@
             <a:pPr lvl="2"/>
             <a:r>
               <a:rPr lang="en-US" dirty="0" smtClean="0"/>
-              <a:t>Problems with some of the used </a:t>
-            </a:r>
-            <a:r>
-              <a:rPr lang="en-US" dirty="0" smtClean="0"/>
-              <a:t>tools</a:t>
-            </a:r>
-            <a:endParaRPr lang="en-US" dirty="0" smtClean="0"/>
+              <a:t>Problems with some of the used tools</a:t>
+            </a:r>
           </a:p>
         </p:txBody>
       </p:sp>
     </p:spTree>
     <p:extLst>
       <p:ext uri="{BB962C8B-B14F-4D97-AF65-F5344CB8AC3E}">
-        <p14:creationId xmlns:p14="http://schemas.microsoft.com/office/powerpoint/2010/main" xmlns="" val="3857988853"/>
+        <p14:creationId xmlns:p14="http://schemas.microsoft.com/office/powerpoint/2010/main" val="3857988853"/>
       </p:ext>
     </p:extLst>
   </p:cSld>
@@ -6788,13 +6395,8 @@
             <a:pPr lvl="2"/>
             <a:r>
               <a:rPr lang="en-US" dirty="0" smtClean="0"/>
-              <a:t>Redefinition of some concepts - </a:t>
-            </a:r>
-            <a:r>
-              <a:rPr lang="en-US" dirty="0" smtClean="0"/>
-              <a:t>milestones</a:t>
-            </a:r>
-            <a:endParaRPr lang="en-US" dirty="0" smtClean="0"/>
+              <a:t>Redefinition of some concepts - milestones</a:t>
+            </a:r>
           </a:p>
           <a:p>
             <a:r>
@@ -6879,7 +6481,7 @@
         <p:spPr/>
         <p:txBody>
           <a:bodyPr>
-            <a:normAutofit fontScale="92500" lnSpcReduction="20000"/>
+            <a:normAutofit lnSpcReduction="10000"/>
           </a:bodyPr>
           <a:lstStyle/>
           <a:p>
@@ -6912,7 +6514,7 @@
             <a:pPr lvl="1"/>
             <a:r>
               <a:rPr lang="en-US" dirty="0" smtClean="0"/>
-              <a:t>Doesn’t mention Had-doc testing</a:t>
+              <a:t>Doesn’t mention ad-hoc testing</a:t>
             </a:r>
           </a:p>
           <a:p>
@@ -6933,13 +6535,8 @@
             <a:pPr lvl="1"/>
             <a:r>
               <a:rPr lang="en-US" dirty="0" smtClean="0"/>
-              <a:t>Test plan wasn’t </a:t>
-            </a:r>
-            <a:r>
-              <a:rPr lang="en-US" dirty="0" smtClean="0"/>
-              <a:t>concluded</a:t>
-            </a:r>
-            <a:endParaRPr lang="en-US" dirty="0" smtClean="0"/>
+              <a:t>Test plan wasn’t concluded</a:t>
+            </a:r>
           </a:p>
         </p:txBody>
       </p:sp>
@@ -7158,13 +6755,8 @@
             <a:pPr lvl="1"/>
             <a:r>
               <a:rPr lang="en-US" dirty="0" smtClean="0"/>
-              <a:t>Acceptance and system </a:t>
-            </a:r>
-            <a:r>
-              <a:rPr lang="en-US" dirty="0" smtClean="0"/>
-              <a:t>testing</a:t>
-            </a:r>
-            <a:endParaRPr lang="en-US" dirty="0" smtClean="0"/>
+              <a:t>Acceptance and system testing</a:t>
+            </a:r>
           </a:p>
         </p:txBody>
       </p:sp>
@@ -7305,7 +6897,7 @@
     </p:spTree>
     <p:extLst>
       <p:ext uri="{BB962C8B-B14F-4D97-AF65-F5344CB8AC3E}">
-        <p14:creationId xmlns:p14="http://schemas.microsoft.com/office/powerpoint/2010/main" xmlns="" val="3708106417"/>
+        <p14:creationId xmlns:p14="http://schemas.microsoft.com/office/powerpoint/2010/main" val="3708106417"/>
       </p:ext>
     </p:extLst>
   </p:cSld>
@@ -7356,15 +6948,7 @@
           <a:p>
             <a:r>
               <a:rPr lang="en-US" smtClean="0"/>
-              <a:t>Quality</a:t>
-            </a:r>
-            <a:r>
-              <a:rPr lang="en-US" smtClean="0"/>
-              <a:t> </a:t>
-            </a:r>
-            <a:r>
-              <a:rPr lang="en-US" smtClean="0"/>
-              <a:t>Perception</a:t>
+              <a:t>Quality Perception</a:t>
             </a:r>
             <a:endParaRPr lang="en-US"/>
           </a:p>
@@ -7533,7 +7117,7 @@
     </p:spTree>
     <p:extLst>
       <p:ext uri="{BB962C8B-B14F-4D97-AF65-F5344CB8AC3E}">
-        <p14:creationId xmlns:p14="http://schemas.microsoft.com/office/powerpoint/2010/main" xmlns="" val="3857988853"/>
+        <p14:creationId xmlns:p14="http://schemas.microsoft.com/office/powerpoint/2010/main" val="3857988853"/>
       </p:ext>
     </p:extLst>
   </p:cSld>
@@ -8089,7 +7673,7 @@
     </p:spTree>
     <p:extLst>
       <p:ext uri="{BB962C8B-B14F-4D97-AF65-F5344CB8AC3E}">
-        <p14:creationId xmlns:p14="http://schemas.microsoft.com/office/powerpoint/2010/main" xmlns="" val="755519461"/>
+        <p14:creationId xmlns:p14="http://schemas.microsoft.com/office/powerpoint/2010/main" val="755519461"/>
       </p:ext>
     </p:extLst>
   </p:cSld>
@@ -8432,7 +8016,7 @@
     </p:spTree>
     <p:extLst>
       <p:ext uri="{BB962C8B-B14F-4D97-AF65-F5344CB8AC3E}">
-        <p14:creationId xmlns:p14="http://schemas.microsoft.com/office/powerpoint/2010/main" xmlns="" val="1515372593"/>
+        <p14:creationId xmlns:p14="http://schemas.microsoft.com/office/powerpoint/2010/main" val="1515372593"/>
       </p:ext>
     </p:extLst>
   </p:cSld>
@@ -8519,7 +8103,7 @@
     </p:spTree>
     <p:extLst>
       <p:ext uri="{BB962C8B-B14F-4D97-AF65-F5344CB8AC3E}">
-        <p14:creationId xmlns:p14="http://schemas.microsoft.com/office/powerpoint/2010/main" xmlns="" val="4109416244"/>
+        <p14:creationId xmlns:p14="http://schemas.microsoft.com/office/powerpoint/2010/main" val="4109416244"/>
       </p:ext>
     </p:extLst>
   </p:cSld>
@@ -8594,7 +8178,7 @@
     </p:spTree>
     <p:extLst>
       <p:ext uri="{BB962C8B-B14F-4D97-AF65-F5344CB8AC3E}">
-        <p14:creationId xmlns:p14="http://schemas.microsoft.com/office/powerpoint/2010/main" xmlns="" val="444568525"/>
+        <p14:creationId xmlns:p14="http://schemas.microsoft.com/office/powerpoint/2010/main" val="444568525"/>
       </p:ext>
     </p:extLst>
   </p:cSld>
@@ -8677,7 +8261,7 @@
     </p:spTree>
     <p:extLst>
       <p:ext uri="{BB962C8B-B14F-4D97-AF65-F5344CB8AC3E}">
-        <p14:creationId xmlns:p14="http://schemas.microsoft.com/office/powerpoint/2010/main" xmlns="" val="1036071785"/>
+        <p14:creationId xmlns:p14="http://schemas.microsoft.com/office/powerpoint/2010/main" val="1036071785"/>
       </p:ext>
     </p:extLst>
   </p:cSld>
@@ -8752,7 +8336,7 @@
     </p:spTree>
     <p:extLst>
       <p:ext uri="{BB962C8B-B14F-4D97-AF65-F5344CB8AC3E}">
-        <p14:creationId xmlns:p14="http://schemas.microsoft.com/office/powerpoint/2010/main" xmlns="" val="4029259654"/>
+        <p14:creationId xmlns:p14="http://schemas.microsoft.com/office/powerpoint/2010/main" val="4029259654"/>
       </p:ext>
     </p:extLst>
   </p:cSld>
@@ -8839,7 +8423,7 @@
     </p:spTree>
     <p:extLst>
       <p:ext uri="{BB962C8B-B14F-4D97-AF65-F5344CB8AC3E}">
-        <p14:creationId xmlns:p14="http://schemas.microsoft.com/office/powerpoint/2010/main" xmlns="" val="1350559237"/>
+        <p14:creationId xmlns:p14="http://schemas.microsoft.com/office/powerpoint/2010/main" val="1350559237"/>
       </p:ext>
     </p:extLst>
   </p:cSld>
@@ -8857,9 +8441,9 @@
 </file>
 
 <file path=ppt/theme/theme1.xml><?xml version="1.0" encoding="utf-8"?>
-<a:theme xmlns:a="http://schemas.openxmlformats.org/drawingml/2006/main" name="Parallax">
+<a:theme xmlns:a="http://schemas.openxmlformats.org/drawingml/2006/main" name="Orgânico">
   <a:themeElements>
-    <a:clrScheme name="Blue Green">
+    <a:clrScheme name="Office">
       <a:dk1>
         <a:sysClr val="windowText" lastClr="000000"/>
       </a:dk1>
@@ -8867,48 +8451,48 @@
         <a:sysClr val="window" lastClr="FFFFFF"/>
       </a:lt1>
       <a:dk2>
-        <a:srgbClr val="373545"/>
+        <a:srgbClr val="44546A"/>
       </a:dk2>
       <a:lt2>
-        <a:srgbClr val="CEDBE6"/>
+        <a:srgbClr val="E7E6E6"/>
       </a:lt2>
       <a:accent1>
-        <a:srgbClr val="3494BA"/>
+        <a:srgbClr val="5B9BD5"/>
       </a:accent1>
       <a:accent2>
-        <a:srgbClr val="58B6C0"/>
+        <a:srgbClr val="ED7D31"/>
       </a:accent2>
       <a:accent3>
-        <a:srgbClr val="75BDA7"/>
+        <a:srgbClr val="A5A5A5"/>
       </a:accent3>
       <a:accent4>
-        <a:srgbClr val="7A8C8E"/>
+        <a:srgbClr val="FFC000"/>
       </a:accent4>
       <a:accent5>
-        <a:srgbClr val="84ACB6"/>
+        <a:srgbClr val="4472C4"/>
       </a:accent5>
       <a:accent6>
-        <a:srgbClr val="2683C6"/>
+        <a:srgbClr val="70AD47"/>
       </a:accent6>
       <a:hlink>
-        <a:srgbClr val="6B9F25"/>
+        <a:srgbClr val="0563C1"/>
       </a:hlink>
       <a:folHlink>
-        <a:srgbClr val="9F6715"/>
+        <a:srgbClr val="954F72"/>
       </a:folHlink>
     </a:clrScheme>
-    <a:fontScheme name="Parallax">
+    <a:fontScheme name="Orgânico">
       <a:majorFont>
-        <a:latin typeface="Corbel"/>
+        <a:latin typeface="Garamond" panose="02020404030301010803"/>
         <a:ea typeface=""/>
         <a:cs typeface=""/>
-        <a:font script="Jpan" typeface="HGｺﾞｼｯｸM"/>
-        <a:font script="Hang" typeface="HY엽서L"/>
-        <a:font script="Hans" typeface="华文楷体"/>
-        <a:font script="Hant" typeface="新細明體"/>
-        <a:font script="Arab" typeface="Tahoma"/>
-        <a:font script="Hebr" typeface="Miriam"/>
-        <a:font script="Thai" typeface="DilleniaUPC"/>
+        <a:font script="Jpan" typeface="ＭＳ Ｐゴシック"/>
+        <a:font script="Hang" typeface="돋움"/>
+        <a:font script="Hans" typeface="方正舒体"/>
+        <a:font script="Hant" typeface="微軟正黑體"/>
+        <a:font script="Arab" typeface="Arial"/>
+        <a:font script="Hebr" typeface="Arial"/>
+        <a:font script="Thai" typeface="Cordia New"/>
         <a:font script="Ethi" typeface="Nyala"/>
         <a:font script="Beng" typeface="Vrinda"/>
         <a:font script="Gujr" typeface="Shruti"/>
@@ -8934,20 +8518,20 @@
         <a:font script="Geor" typeface="Sylfaen"/>
       </a:majorFont>
       <a:minorFont>
-        <a:latin typeface="Corbel"/>
+        <a:latin typeface="Garamond" panose="02020404030301010803"/>
         <a:ea typeface=""/>
         <a:cs typeface=""/>
-        <a:font script="Jpan" typeface="HGｺﾞｼｯｸM"/>
-        <a:font script="Hang" typeface="HY엽서L"/>
-        <a:font script="Hans" typeface="华文楷体"/>
+        <a:font script="Jpan" typeface="ＭＳ Ｐ明朝"/>
+        <a:font script="Hang" typeface="바탕"/>
+        <a:font script="Hans" typeface="方正舒体"/>
         <a:font script="Hant" typeface="新細明體"/>
-        <a:font script="Arab" typeface="Tahoma"/>
-        <a:font script="Hebr" typeface="Miriam"/>
-        <a:font script="Thai" typeface="DilleniaUPC"/>
+        <a:font script="Arab" typeface="Times New Roman"/>
+        <a:font script="Hebr" typeface="Times New Roman"/>
+        <a:font script="Thai" typeface="Angsana New"/>
         <a:font script="Ethi" typeface="Nyala"/>
         <a:font script="Beng" typeface="Vrinda"/>
         <a:font script="Gujr" typeface="Shruti"/>
-        <a:font script="Khmr" typeface="DaunPenh"/>
+        <a:font script="Khmr" typeface="MoolBoran"/>
         <a:font script="Knda" typeface="Tunga"/>
         <a:font script="Guru" typeface="Raavi"/>
         <a:font script="Cans" typeface="Euphemia"/>
@@ -8964,12 +8548,12 @@
         <a:font script="Laoo" typeface="DokChampa"/>
         <a:font script="Sinh" typeface="Iskoola Pota"/>
         <a:font script="Mong" typeface="Mongolian Baiti"/>
-        <a:font script="Viet" typeface="Arial"/>
+        <a:font script="Viet" typeface="Times New Roman"/>
         <a:font script="Uigh" typeface="Microsoft Uighur"/>
         <a:font script="Geor" typeface="Sylfaen"/>
       </a:minorFont>
     </a:fontScheme>
-    <a:fmtScheme name="Parallax">
+    <a:fmtScheme name="Orgânico">
       <a:fillStyleLst>
         <a:solidFill>
           <a:schemeClr val="phClr"/>
@@ -8979,53 +8563,49 @@
             <a:gs pos="0">
               <a:schemeClr val="phClr">
                 <a:tint val="60000"/>
-                <a:lumMod val="104000"/>
+                <a:lumMod val="110000"/>
               </a:schemeClr>
             </a:gs>
             <a:gs pos="100000">
               <a:schemeClr val="phClr">
-                <a:tint val="84000"/>
+                <a:tint val="82000"/>
               </a:schemeClr>
             </a:gs>
           </a:gsLst>
           <a:lin ang="5400000" scaled="0"/>
         </a:gradFill>
-        <a:gradFill rotWithShape="1">
-          <a:gsLst>
-            <a:gs pos="0">
+        <a:blipFill>
+          <a:blip xmlns:r="http://schemas.openxmlformats.org/officeDocument/2006/relationships" r:embed="rId1">
+            <a:duotone>
               <a:schemeClr val="phClr">
-                <a:tint val="96000"/>
-                <a:lumMod val="102000"/>
+                <a:shade val="74000"/>
+                <a:satMod val="130000"/>
+                <a:lumMod val="90000"/>
               </a:schemeClr>
-            </a:gs>
-            <a:gs pos="100000">
               <a:schemeClr val="phClr">
-                <a:shade val="88000"/>
-                <a:lumMod val="94000"/>
+                <a:tint val="94000"/>
+                <a:satMod val="120000"/>
+                <a:lumMod val="104000"/>
               </a:schemeClr>
-            </a:gs>
-          </a:gsLst>
-          <a:path path="circle">
-            <a:fillToRect l="50000" t="100000" r="100000" b="50000"/>
-          </a:path>
-        </a:gradFill>
+            </a:duotone>
+          </a:blip>
+          <a:tile tx="0" ty="0" sx="100000" sy="100000" flip="none" algn="tl"/>
+        </a:blipFill>
       </a:fillStyleLst>
       <a:lnStyleLst>
-        <a:ln w="9525" cap="rnd" cmpd="sng" algn="ctr">
-          <a:solidFill>
-            <a:schemeClr val="phClr">
-              <a:tint val="60000"/>
-            </a:schemeClr>
-          </a:solidFill>
-          <a:prstDash val="solid"/>
-        </a:ln>
-        <a:ln w="15875" cap="rnd" cmpd="sng" algn="ctr">
+        <a:ln w="9525" cap="flat" cmpd="sng" algn="ctr">
           <a:solidFill>
             <a:schemeClr val="phClr"/>
           </a:solidFill>
           <a:prstDash val="solid"/>
         </a:ln>
-        <a:ln w="22225" cap="rnd" cmpd="sng" algn="ctr">
+        <a:ln w="15875" cap="flat" cmpd="sng" algn="ctr">
+          <a:solidFill>
+            <a:schemeClr val="phClr"/>
+          </a:solidFill>
+          <a:prstDash val="solid"/>
+        </a:ln>
+        <a:ln w="25400" cap="flat" cmpd="sng" algn="ctr">
           <a:solidFill>
             <a:schemeClr val="phClr"/>
           </a:solidFill>
@@ -9038,28 +8618,21 @@
         </a:effectStyle>
         <a:effectStyle>
           <a:effectLst>
-            <a:reflection blurRad="12700" stA="26000" endPos="32000" dist="12700" dir="5400000" sy="-100000" rotWithShape="0"/>
+            <a:innerShdw blurRad="25400" dist="12700" dir="13500000">
+              <a:srgbClr val="000000">
+                <a:alpha val="45000"/>
+              </a:srgbClr>
+            </a:innerShdw>
           </a:effectLst>
         </a:effectStyle>
         <a:effectStyle>
           <a:effectLst>
             <a:outerShdw blurRad="38100" dist="25400" dir="5400000" rotWithShape="0">
               <a:srgbClr val="000000">
-                <a:alpha val="64000"/>
+                <a:alpha val="60000"/>
               </a:srgbClr>
             </a:outerShdw>
           </a:effectLst>
-          <a:scene3d>
-            <a:camera prst="orthographicFront">
-              <a:rot lat="0" lon="0" rev="0"/>
-            </a:camera>
-            <a:lightRig rig="threePt" dir="tl">
-              <a:rot lat="0" lon="0" rev="1200000"/>
-            </a:lightRig>
-          </a:scene3d>
-          <a:sp3d>
-            <a:bevelT w="25400" h="12700"/>
-          </a:sp3d>
         </a:effectStyle>
       </a:effectStyleLst>
       <a:bgFillStyleLst>
@@ -9076,27 +8649,15 @@
             </a:gs>
             <a:gs pos="100000">
               <a:schemeClr val="phClr">
-                <a:shade val="64000"/>
+                <a:shade val="88000"/>
                 <a:lumMod val="98000"/>
               </a:schemeClr>
             </a:gs>
           </a:gsLst>
           <a:lin ang="5400000" scaled="0"/>
         </a:gradFill>
-        <a:blipFill rotWithShape="1">
-          <a:blip xmlns:r="http://schemas.openxmlformats.org/officeDocument/2006/relationships" r:embed="rId1">
-            <a:duotone>
-              <a:schemeClr val="phClr">
-                <a:shade val="76000"/>
-                <a:satMod val="180000"/>
-              </a:schemeClr>
-              <a:schemeClr val="phClr">
-                <a:tint val="80000"/>
-                <a:satMod val="120000"/>
-                <a:lumMod val="180000"/>
-              </a:schemeClr>
-            </a:duotone>
-          </a:blip>
+        <a:blipFill>
+          <a:blip xmlns:r="http://schemas.openxmlformats.org/officeDocument/2006/relationships" r:embed="rId2"/>
           <a:stretch/>
         </a:blipFill>
       </a:bgFillStyleLst>
@@ -9106,7 +8667,7 @@
   <a:extraClrSchemeLst/>
   <a:extLst>
     <a:ext uri="{05A4C25C-085E-4340-85A3-A5531E510DB2}">
-      <thm15:themeFamily xmlns:thm15="http://schemas.microsoft.com/office/thememl/2012/main" xmlns="" name="Parallax" id="{3388167B-A2EB-4685-9635-1831D9AEF8C4}" vid="{4F7A876A-7598-49CA-AFC8-8EDA2551E4A7}"/>
+      <thm15:themeFamily xmlns:thm15="http://schemas.microsoft.com/office/thememl/2012/main" name="Organic" id="{28CDC826-8792-45C0-861B-85EB3ADEDA33}" vid="{E4E49EB0-FB00-41F5-9359-4843D783A23D}"/>
     </a:ext>
   </a:extLst>
 </a:theme>

--- a/Final Presentation/Presentation.pptx
+++ b/Final Presentation/Presentation.pptx
@@ -27,17 +27,19 @@
     <p:sldId id="298" r:id="rId21"/>
     <p:sldId id="279" r:id="rId22"/>
     <p:sldId id="281" r:id="rId23"/>
-    <p:sldId id="284" r:id="rId24"/>
-    <p:sldId id="282" r:id="rId25"/>
-    <p:sldId id="285" r:id="rId26"/>
-    <p:sldId id="283" r:id="rId27"/>
-    <p:sldId id="286" r:id="rId28"/>
-    <p:sldId id="287" r:id="rId29"/>
-    <p:sldId id="288" r:id="rId30"/>
-    <p:sldId id="289" r:id="rId31"/>
-    <p:sldId id="290" r:id="rId32"/>
-    <p:sldId id="291" r:id="rId33"/>
-    <p:sldId id="292" r:id="rId34"/>
+    <p:sldId id="299" r:id="rId24"/>
+    <p:sldId id="300" r:id="rId25"/>
+    <p:sldId id="284" r:id="rId26"/>
+    <p:sldId id="282" r:id="rId27"/>
+    <p:sldId id="285" r:id="rId28"/>
+    <p:sldId id="283" r:id="rId29"/>
+    <p:sldId id="286" r:id="rId30"/>
+    <p:sldId id="287" r:id="rId31"/>
+    <p:sldId id="288" r:id="rId32"/>
+    <p:sldId id="289" r:id="rId33"/>
+    <p:sldId id="290" r:id="rId34"/>
+    <p:sldId id="291" r:id="rId35"/>
+    <p:sldId id="292" r:id="rId36"/>
   </p:sldIdLst>
   <p:sldSz cx="12192000" cy="6858000"/>
   <p:notesSz cx="6858000" cy="9144000"/>
@@ -155,6 +157,3378 @@
 </p:presentation>
 </file>
 
+<file path=ppt/diagrams/colors1.xml><?xml version="1.0" encoding="utf-8"?>
+<dgm:colorsDef xmlns:dgm="http://schemas.openxmlformats.org/drawingml/2006/diagram" xmlns:a="http://schemas.openxmlformats.org/drawingml/2006/main" uniqueId="urn:microsoft.com/office/officeart/2005/8/colors/accent1_2">
+  <dgm:title val=""/>
+  <dgm:desc val=""/>
+  <dgm:catLst>
+    <dgm:cat type="accent1" pri="11200"/>
+  </dgm:catLst>
+  <dgm:styleLbl name="node0">
+    <dgm:fillClrLst meth="repeat">
+      <a:schemeClr val="accent1"/>
+    </dgm:fillClrLst>
+    <dgm:linClrLst meth="repeat">
+      <a:schemeClr val="lt1"/>
+    </dgm:linClrLst>
+    <dgm:effectClrLst/>
+    <dgm:txLinClrLst/>
+    <dgm:txFillClrLst/>
+    <dgm:txEffectClrLst/>
+  </dgm:styleLbl>
+  <dgm:styleLbl name="alignNode1">
+    <dgm:fillClrLst meth="repeat">
+      <a:schemeClr val="accent1"/>
+    </dgm:fillClrLst>
+    <dgm:linClrLst meth="repeat">
+      <a:schemeClr val="accent1"/>
+    </dgm:linClrLst>
+    <dgm:effectClrLst/>
+    <dgm:txLinClrLst/>
+    <dgm:txFillClrLst/>
+    <dgm:txEffectClrLst/>
+  </dgm:styleLbl>
+  <dgm:styleLbl name="node1">
+    <dgm:fillClrLst meth="repeat">
+      <a:schemeClr val="accent1"/>
+    </dgm:fillClrLst>
+    <dgm:linClrLst meth="repeat">
+      <a:schemeClr val="lt1"/>
+    </dgm:linClrLst>
+    <dgm:effectClrLst/>
+    <dgm:txLinClrLst/>
+    <dgm:txFillClrLst/>
+    <dgm:txEffectClrLst/>
+  </dgm:styleLbl>
+  <dgm:styleLbl name="lnNode1">
+    <dgm:fillClrLst meth="repeat">
+      <a:schemeClr val="accent1"/>
+    </dgm:fillClrLst>
+    <dgm:linClrLst meth="repeat">
+      <a:schemeClr val="lt1"/>
+    </dgm:linClrLst>
+    <dgm:effectClrLst/>
+    <dgm:txLinClrLst/>
+    <dgm:txFillClrLst/>
+    <dgm:txEffectClrLst/>
+  </dgm:styleLbl>
+  <dgm:styleLbl name="vennNode1">
+    <dgm:fillClrLst meth="repeat">
+      <a:schemeClr val="accent1">
+        <a:alpha val="50000"/>
+      </a:schemeClr>
+    </dgm:fillClrLst>
+    <dgm:linClrLst meth="repeat">
+      <a:schemeClr val="lt1"/>
+    </dgm:linClrLst>
+    <dgm:effectClrLst/>
+    <dgm:txLinClrLst/>
+    <dgm:txFillClrLst/>
+    <dgm:txEffectClrLst/>
+  </dgm:styleLbl>
+  <dgm:styleLbl name="node2">
+    <dgm:fillClrLst meth="repeat">
+      <a:schemeClr val="accent1"/>
+    </dgm:fillClrLst>
+    <dgm:linClrLst meth="repeat">
+      <a:schemeClr val="lt1"/>
+    </dgm:linClrLst>
+    <dgm:effectClrLst/>
+    <dgm:txLinClrLst/>
+    <dgm:txFillClrLst/>
+    <dgm:txEffectClrLst/>
+  </dgm:styleLbl>
+  <dgm:styleLbl name="node3">
+    <dgm:fillClrLst meth="repeat">
+      <a:schemeClr val="accent1"/>
+    </dgm:fillClrLst>
+    <dgm:linClrLst meth="repeat">
+      <a:schemeClr val="lt1"/>
+    </dgm:linClrLst>
+    <dgm:effectClrLst/>
+    <dgm:txLinClrLst/>
+    <dgm:txFillClrLst/>
+    <dgm:txEffectClrLst/>
+  </dgm:styleLbl>
+  <dgm:styleLbl name="node4">
+    <dgm:fillClrLst meth="repeat">
+      <a:schemeClr val="accent1"/>
+    </dgm:fillClrLst>
+    <dgm:linClrLst meth="repeat">
+      <a:schemeClr val="lt1"/>
+    </dgm:linClrLst>
+    <dgm:effectClrLst/>
+    <dgm:txLinClrLst/>
+    <dgm:txFillClrLst/>
+    <dgm:txEffectClrLst/>
+  </dgm:styleLbl>
+  <dgm:styleLbl name="fgImgPlace1">
+    <dgm:fillClrLst meth="repeat">
+      <a:schemeClr val="accent1">
+        <a:tint val="50000"/>
+      </a:schemeClr>
+    </dgm:fillClrLst>
+    <dgm:linClrLst meth="repeat">
+      <a:schemeClr val="lt1"/>
+    </dgm:linClrLst>
+    <dgm:effectClrLst/>
+    <dgm:txLinClrLst/>
+    <dgm:txFillClrLst meth="repeat">
+      <a:schemeClr val="lt1"/>
+    </dgm:txFillClrLst>
+    <dgm:txEffectClrLst/>
+  </dgm:styleLbl>
+  <dgm:styleLbl name="alignImgPlace1">
+    <dgm:fillClrLst meth="repeat">
+      <a:schemeClr val="accent1">
+        <a:tint val="50000"/>
+      </a:schemeClr>
+    </dgm:fillClrLst>
+    <dgm:linClrLst meth="repeat">
+      <a:schemeClr val="lt1"/>
+    </dgm:linClrLst>
+    <dgm:effectClrLst/>
+    <dgm:txLinClrLst/>
+    <dgm:txFillClrLst meth="repeat">
+      <a:schemeClr val="lt1"/>
+    </dgm:txFillClrLst>
+    <dgm:txEffectClrLst/>
+  </dgm:styleLbl>
+  <dgm:styleLbl name="bgImgPlace1">
+    <dgm:fillClrLst meth="repeat">
+      <a:schemeClr val="accent1">
+        <a:tint val="50000"/>
+      </a:schemeClr>
+    </dgm:fillClrLst>
+    <dgm:linClrLst meth="repeat">
+      <a:schemeClr val="lt1"/>
+    </dgm:linClrLst>
+    <dgm:effectClrLst/>
+    <dgm:txLinClrLst/>
+    <dgm:txFillClrLst meth="repeat">
+      <a:schemeClr val="lt1"/>
+    </dgm:txFillClrLst>
+    <dgm:txEffectClrLst/>
+  </dgm:styleLbl>
+  <dgm:styleLbl name="sibTrans2D1">
+    <dgm:fillClrLst meth="repeat">
+      <a:schemeClr val="accent1">
+        <a:tint val="60000"/>
+      </a:schemeClr>
+    </dgm:fillClrLst>
+    <dgm:linClrLst meth="repeat">
+      <a:schemeClr val="accent1">
+        <a:tint val="60000"/>
+      </a:schemeClr>
+    </dgm:linClrLst>
+    <dgm:effectClrLst/>
+    <dgm:txLinClrLst/>
+    <dgm:txFillClrLst/>
+    <dgm:txEffectClrLst/>
+  </dgm:styleLbl>
+  <dgm:styleLbl name="fgSibTrans2D1">
+    <dgm:fillClrLst meth="repeat">
+      <a:schemeClr val="accent1">
+        <a:tint val="60000"/>
+      </a:schemeClr>
+    </dgm:fillClrLst>
+    <dgm:linClrLst meth="repeat">
+      <a:schemeClr val="accent1">
+        <a:tint val="60000"/>
+      </a:schemeClr>
+    </dgm:linClrLst>
+    <dgm:effectClrLst/>
+    <dgm:txLinClrLst/>
+    <dgm:txFillClrLst/>
+    <dgm:txEffectClrLst/>
+  </dgm:styleLbl>
+  <dgm:styleLbl name="bgSibTrans2D1">
+    <dgm:fillClrLst meth="repeat">
+      <a:schemeClr val="accent1">
+        <a:tint val="60000"/>
+      </a:schemeClr>
+    </dgm:fillClrLst>
+    <dgm:linClrLst meth="repeat">
+      <a:schemeClr val="accent1">
+        <a:tint val="60000"/>
+      </a:schemeClr>
+    </dgm:linClrLst>
+    <dgm:effectClrLst/>
+    <dgm:txLinClrLst/>
+    <dgm:txFillClrLst/>
+    <dgm:txEffectClrLst/>
+  </dgm:styleLbl>
+  <dgm:styleLbl name="sibTrans1D1">
+    <dgm:fillClrLst meth="repeat">
+      <a:schemeClr val="accent1"/>
+    </dgm:fillClrLst>
+    <dgm:linClrLst meth="repeat">
+      <a:schemeClr val="accent1"/>
+    </dgm:linClrLst>
+    <dgm:effectClrLst/>
+    <dgm:txLinClrLst/>
+    <dgm:txFillClrLst meth="repeat">
+      <a:schemeClr val="tx1"/>
+    </dgm:txFillClrLst>
+    <dgm:txEffectClrLst/>
+  </dgm:styleLbl>
+  <dgm:styleLbl name="callout">
+    <dgm:fillClrLst meth="repeat">
+      <a:schemeClr val="accent1"/>
+    </dgm:fillClrLst>
+    <dgm:linClrLst meth="repeat">
+      <a:schemeClr val="accent1">
+        <a:tint val="50000"/>
+      </a:schemeClr>
+    </dgm:linClrLst>
+    <dgm:effectClrLst/>
+    <dgm:txLinClrLst/>
+    <dgm:txFillClrLst meth="repeat">
+      <a:schemeClr val="tx1"/>
+    </dgm:txFillClrLst>
+    <dgm:txEffectClrLst/>
+  </dgm:styleLbl>
+  <dgm:styleLbl name="asst0">
+    <dgm:fillClrLst meth="repeat">
+      <a:schemeClr val="accent1"/>
+    </dgm:fillClrLst>
+    <dgm:linClrLst meth="repeat">
+      <a:schemeClr val="lt1"/>
+    </dgm:linClrLst>
+    <dgm:effectClrLst/>
+    <dgm:txLinClrLst/>
+    <dgm:txFillClrLst/>
+    <dgm:txEffectClrLst/>
+  </dgm:styleLbl>
+  <dgm:styleLbl name="asst1">
+    <dgm:fillClrLst meth="repeat">
+      <a:schemeClr val="accent1"/>
+    </dgm:fillClrLst>
+    <dgm:linClrLst meth="repeat">
+      <a:schemeClr val="lt1"/>
+    </dgm:linClrLst>
+    <dgm:effectClrLst/>
+    <dgm:txLinClrLst/>
+    <dgm:txFillClrLst/>
+    <dgm:txEffectClrLst/>
+  </dgm:styleLbl>
+  <dgm:styleLbl name="asst2">
+    <dgm:fillClrLst meth="repeat">
+      <a:schemeClr val="accent1"/>
+    </dgm:fillClrLst>
+    <dgm:linClrLst meth="repeat">
+      <a:schemeClr val="lt1"/>
+    </dgm:linClrLst>
+    <dgm:effectClrLst/>
+    <dgm:txLinClrLst/>
+    <dgm:txFillClrLst/>
+    <dgm:txEffectClrLst/>
+  </dgm:styleLbl>
+  <dgm:styleLbl name="asst3">
+    <dgm:fillClrLst meth="repeat">
+      <a:schemeClr val="accent1"/>
+    </dgm:fillClrLst>
+    <dgm:linClrLst meth="repeat">
+      <a:schemeClr val="lt1"/>
+    </dgm:linClrLst>
+    <dgm:effectClrLst/>
+    <dgm:txLinClrLst/>
+    <dgm:txFillClrLst/>
+    <dgm:txEffectClrLst/>
+  </dgm:styleLbl>
+  <dgm:styleLbl name="asst4">
+    <dgm:fillClrLst meth="repeat">
+      <a:schemeClr val="accent1"/>
+    </dgm:fillClrLst>
+    <dgm:linClrLst meth="repeat">
+      <a:schemeClr val="lt1"/>
+    </dgm:linClrLst>
+    <dgm:effectClrLst/>
+    <dgm:txLinClrLst/>
+    <dgm:txFillClrLst/>
+    <dgm:txEffectClrLst/>
+  </dgm:styleLbl>
+  <dgm:styleLbl name="parChTrans2D1">
+    <dgm:fillClrLst meth="repeat">
+      <a:schemeClr val="accent1">
+        <a:tint val="60000"/>
+      </a:schemeClr>
+    </dgm:fillClrLst>
+    <dgm:linClrLst meth="repeat">
+      <a:schemeClr val="accent1">
+        <a:tint val="60000"/>
+      </a:schemeClr>
+    </dgm:linClrLst>
+    <dgm:effectClrLst/>
+    <dgm:txLinClrLst/>
+    <dgm:txFillClrLst meth="repeat">
+      <a:schemeClr val="lt1"/>
+    </dgm:txFillClrLst>
+    <dgm:txEffectClrLst/>
+  </dgm:styleLbl>
+  <dgm:styleLbl name="parChTrans2D2">
+    <dgm:fillClrLst meth="repeat">
+      <a:schemeClr val="accent1"/>
+    </dgm:fillClrLst>
+    <dgm:linClrLst meth="repeat">
+      <a:schemeClr val="accent1"/>
+    </dgm:linClrLst>
+    <dgm:effectClrLst/>
+    <dgm:txLinClrLst/>
+    <dgm:txFillClrLst meth="repeat">
+      <a:schemeClr val="lt1"/>
+    </dgm:txFillClrLst>
+    <dgm:txEffectClrLst/>
+  </dgm:styleLbl>
+  <dgm:styleLbl name="parChTrans2D3">
+    <dgm:fillClrLst meth="repeat">
+      <a:schemeClr val="accent1"/>
+    </dgm:fillClrLst>
+    <dgm:linClrLst meth="repeat">
+      <a:schemeClr val="accent1"/>
+    </dgm:linClrLst>
+    <dgm:effectClrLst/>
+    <dgm:txLinClrLst/>
+    <dgm:txFillClrLst meth="repeat">
+      <a:schemeClr val="lt1"/>
+    </dgm:txFillClrLst>
+    <dgm:txEffectClrLst/>
+  </dgm:styleLbl>
+  <dgm:styleLbl name="parChTrans2D4">
+    <dgm:fillClrLst meth="repeat">
+      <a:schemeClr val="accent1"/>
+    </dgm:fillClrLst>
+    <dgm:linClrLst meth="repeat">
+      <a:schemeClr val="accent1"/>
+    </dgm:linClrLst>
+    <dgm:effectClrLst/>
+    <dgm:txLinClrLst/>
+    <dgm:txFillClrLst meth="repeat">
+      <a:schemeClr val="lt1"/>
+    </dgm:txFillClrLst>
+    <dgm:txEffectClrLst/>
+  </dgm:styleLbl>
+  <dgm:styleLbl name="parChTrans1D1">
+    <dgm:fillClrLst meth="repeat">
+      <a:schemeClr val="accent1"/>
+    </dgm:fillClrLst>
+    <dgm:linClrLst meth="repeat">
+      <a:schemeClr val="accent1">
+        <a:shade val="60000"/>
+      </a:schemeClr>
+    </dgm:linClrLst>
+    <dgm:effectClrLst/>
+    <dgm:txLinClrLst/>
+    <dgm:txFillClrLst meth="repeat">
+      <a:schemeClr val="tx1"/>
+    </dgm:txFillClrLst>
+    <dgm:txEffectClrLst/>
+  </dgm:styleLbl>
+  <dgm:styleLbl name="parChTrans1D2">
+    <dgm:fillClrLst meth="repeat">
+      <a:schemeClr val="accent1"/>
+    </dgm:fillClrLst>
+    <dgm:linClrLst meth="repeat">
+      <a:schemeClr val="accent1">
+        <a:shade val="60000"/>
+      </a:schemeClr>
+    </dgm:linClrLst>
+    <dgm:effectClrLst/>
+    <dgm:txLinClrLst/>
+    <dgm:txFillClrLst meth="repeat">
+      <a:schemeClr val="tx1"/>
+    </dgm:txFillClrLst>
+    <dgm:txEffectClrLst/>
+  </dgm:styleLbl>
+  <dgm:styleLbl name="parChTrans1D3">
+    <dgm:fillClrLst meth="repeat">
+      <a:schemeClr val="accent1"/>
+    </dgm:fillClrLst>
+    <dgm:linClrLst meth="repeat">
+      <a:schemeClr val="accent1">
+        <a:shade val="80000"/>
+      </a:schemeClr>
+    </dgm:linClrLst>
+    <dgm:effectClrLst/>
+    <dgm:txLinClrLst/>
+    <dgm:txFillClrLst meth="repeat">
+      <a:schemeClr val="tx1"/>
+    </dgm:txFillClrLst>
+    <dgm:txEffectClrLst/>
+  </dgm:styleLbl>
+  <dgm:styleLbl name="parChTrans1D4">
+    <dgm:fillClrLst meth="repeat">
+      <a:schemeClr val="accent1"/>
+    </dgm:fillClrLst>
+    <dgm:linClrLst meth="repeat">
+      <a:schemeClr val="accent1">
+        <a:shade val="80000"/>
+      </a:schemeClr>
+    </dgm:linClrLst>
+    <dgm:effectClrLst/>
+    <dgm:txLinClrLst/>
+    <dgm:txFillClrLst meth="repeat">
+      <a:schemeClr val="tx1"/>
+    </dgm:txFillClrLst>
+    <dgm:txEffectClrLst/>
+  </dgm:styleLbl>
+  <dgm:styleLbl name="fgAcc1">
+    <dgm:fillClrLst meth="repeat">
+      <a:schemeClr val="lt1">
+        <a:alpha val="90000"/>
+      </a:schemeClr>
+    </dgm:fillClrLst>
+    <dgm:linClrLst meth="repeat">
+      <a:schemeClr val="accent1"/>
+    </dgm:linClrLst>
+    <dgm:effectClrLst/>
+    <dgm:txLinClrLst/>
+    <dgm:txFillClrLst meth="repeat">
+      <a:schemeClr val="dk1"/>
+    </dgm:txFillClrLst>
+    <dgm:txEffectClrLst/>
+  </dgm:styleLbl>
+  <dgm:styleLbl name="conFgAcc1">
+    <dgm:fillClrLst meth="repeat">
+      <a:schemeClr val="lt1">
+        <a:alpha val="90000"/>
+      </a:schemeClr>
+    </dgm:fillClrLst>
+    <dgm:linClrLst meth="repeat">
+      <a:schemeClr val="accent1"/>
+    </dgm:linClrLst>
+    <dgm:effectClrLst/>
+    <dgm:txLinClrLst/>
+    <dgm:txFillClrLst meth="repeat">
+      <a:schemeClr val="dk1"/>
+    </dgm:txFillClrLst>
+    <dgm:txEffectClrLst/>
+  </dgm:styleLbl>
+  <dgm:styleLbl name="alignAcc1">
+    <dgm:fillClrLst meth="repeat">
+      <a:schemeClr val="lt1">
+        <a:alpha val="90000"/>
+      </a:schemeClr>
+    </dgm:fillClrLst>
+    <dgm:linClrLst meth="repeat">
+      <a:schemeClr val="accent1"/>
+    </dgm:linClrLst>
+    <dgm:effectClrLst/>
+    <dgm:txLinClrLst/>
+    <dgm:txFillClrLst meth="repeat">
+      <a:schemeClr val="dk1"/>
+    </dgm:txFillClrLst>
+    <dgm:txEffectClrLst/>
+  </dgm:styleLbl>
+  <dgm:styleLbl name="trAlignAcc1">
+    <dgm:fillClrLst meth="repeat">
+      <a:schemeClr val="lt1">
+        <a:alpha val="40000"/>
+      </a:schemeClr>
+    </dgm:fillClrLst>
+    <dgm:linClrLst meth="repeat">
+      <a:schemeClr val="accent1"/>
+    </dgm:linClrLst>
+    <dgm:effectClrLst/>
+    <dgm:txLinClrLst/>
+    <dgm:txFillClrLst meth="repeat">
+      <a:schemeClr val="dk1"/>
+    </dgm:txFillClrLst>
+    <dgm:txEffectClrLst/>
+  </dgm:styleLbl>
+  <dgm:styleLbl name="bgAcc1">
+    <dgm:fillClrLst meth="repeat">
+      <a:schemeClr val="lt1">
+        <a:alpha val="90000"/>
+      </a:schemeClr>
+    </dgm:fillClrLst>
+    <dgm:linClrLst meth="repeat">
+      <a:schemeClr val="accent1"/>
+    </dgm:linClrLst>
+    <dgm:effectClrLst/>
+    <dgm:txLinClrLst/>
+    <dgm:txFillClrLst meth="repeat">
+      <a:schemeClr val="dk1"/>
+    </dgm:txFillClrLst>
+    <dgm:txEffectClrLst/>
+  </dgm:styleLbl>
+  <dgm:styleLbl name="solidFgAcc1">
+    <dgm:fillClrLst meth="repeat">
+      <a:schemeClr val="lt1"/>
+    </dgm:fillClrLst>
+    <dgm:linClrLst meth="repeat">
+      <a:schemeClr val="accent1"/>
+    </dgm:linClrLst>
+    <dgm:effectClrLst/>
+    <dgm:txLinClrLst/>
+    <dgm:txFillClrLst meth="repeat">
+      <a:schemeClr val="dk1"/>
+    </dgm:txFillClrLst>
+    <dgm:txEffectClrLst/>
+  </dgm:styleLbl>
+  <dgm:styleLbl name="solidAlignAcc1">
+    <dgm:fillClrLst meth="repeat">
+      <a:schemeClr val="lt1"/>
+    </dgm:fillClrLst>
+    <dgm:linClrLst meth="repeat">
+      <a:schemeClr val="accent1"/>
+    </dgm:linClrLst>
+    <dgm:effectClrLst/>
+    <dgm:txLinClrLst/>
+    <dgm:txFillClrLst meth="repeat">
+      <a:schemeClr val="dk1"/>
+    </dgm:txFillClrLst>
+    <dgm:txEffectClrLst/>
+  </dgm:styleLbl>
+  <dgm:styleLbl name="solidBgAcc1">
+    <dgm:fillClrLst meth="repeat">
+      <a:schemeClr val="lt1"/>
+    </dgm:fillClrLst>
+    <dgm:linClrLst meth="repeat">
+      <a:schemeClr val="accent1"/>
+    </dgm:linClrLst>
+    <dgm:effectClrLst/>
+    <dgm:txLinClrLst/>
+    <dgm:txFillClrLst meth="repeat">
+      <a:schemeClr val="dk1"/>
+    </dgm:txFillClrLst>
+    <dgm:txEffectClrLst/>
+  </dgm:styleLbl>
+  <dgm:styleLbl name="fgAccFollowNode1">
+    <dgm:fillClrLst meth="repeat">
+      <a:schemeClr val="accent1">
+        <a:alpha val="90000"/>
+        <a:tint val="40000"/>
+      </a:schemeClr>
+    </dgm:fillClrLst>
+    <dgm:linClrLst meth="repeat">
+      <a:schemeClr val="accent1">
+        <a:alpha val="90000"/>
+        <a:tint val="40000"/>
+      </a:schemeClr>
+    </dgm:linClrLst>
+    <dgm:effectClrLst/>
+    <dgm:txLinClrLst/>
+    <dgm:txFillClrLst meth="repeat">
+      <a:schemeClr val="dk1"/>
+    </dgm:txFillClrLst>
+    <dgm:txEffectClrLst/>
+  </dgm:styleLbl>
+  <dgm:styleLbl name="alignAccFollowNode1">
+    <dgm:fillClrLst meth="repeat">
+      <a:schemeClr val="accent1">
+        <a:alpha val="90000"/>
+        <a:tint val="40000"/>
+      </a:schemeClr>
+    </dgm:fillClrLst>
+    <dgm:linClrLst meth="repeat">
+      <a:schemeClr val="accent1">
+        <a:alpha val="90000"/>
+        <a:tint val="40000"/>
+      </a:schemeClr>
+    </dgm:linClrLst>
+    <dgm:effectClrLst/>
+    <dgm:txLinClrLst/>
+    <dgm:txFillClrLst meth="repeat">
+      <a:schemeClr val="dk1"/>
+    </dgm:txFillClrLst>
+    <dgm:txEffectClrLst/>
+  </dgm:styleLbl>
+  <dgm:styleLbl name="bgAccFollowNode1">
+    <dgm:fillClrLst meth="repeat">
+      <a:schemeClr val="accent1">
+        <a:alpha val="90000"/>
+        <a:tint val="40000"/>
+      </a:schemeClr>
+    </dgm:fillClrLst>
+    <dgm:linClrLst meth="repeat">
+      <a:schemeClr val="accent1">
+        <a:alpha val="90000"/>
+        <a:tint val="40000"/>
+      </a:schemeClr>
+    </dgm:linClrLst>
+    <dgm:effectClrLst/>
+    <dgm:txLinClrLst/>
+    <dgm:txFillClrLst meth="repeat">
+      <a:schemeClr val="dk1"/>
+    </dgm:txFillClrLst>
+    <dgm:txEffectClrLst/>
+  </dgm:styleLbl>
+  <dgm:styleLbl name="fgAcc0">
+    <dgm:fillClrLst meth="repeat">
+      <a:schemeClr val="lt1">
+        <a:alpha val="90000"/>
+      </a:schemeClr>
+    </dgm:fillClrLst>
+    <dgm:linClrLst meth="repeat">
+      <a:schemeClr val="accent1"/>
+    </dgm:linClrLst>
+    <dgm:effectClrLst/>
+    <dgm:txLinClrLst/>
+    <dgm:txFillClrLst meth="repeat">
+      <a:schemeClr val="dk1"/>
+    </dgm:txFillClrLst>
+    <dgm:txEffectClrLst/>
+  </dgm:styleLbl>
+  <dgm:styleLbl name="fgAcc2">
+    <dgm:fillClrLst meth="repeat">
+      <a:schemeClr val="lt1">
+        <a:alpha val="90000"/>
+      </a:schemeClr>
+    </dgm:fillClrLst>
+    <dgm:linClrLst meth="repeat">
+      <a:schemeClr val="accent1"/>
+    </dgm:linClrLst>
+    <dgm:effectClrLst/>
+    <dgm:txLinClrLst/>
+    <dgm:txFillClrLst meth="repeat">
+      <a:schemeClr val="dk1"/>
+    </dgm:txFillClrLst>
+    <dgm:txEffectClrLst/>
+  </dgm:styleLbl>
+  <dgm:styleLbl name="fgAcc3">
+    <dgm:fillClrLst meth="repeat">
+      <a:schemeClr val="lt1">
+        <a:alpha val="90000"/>
+      </a:schemeClr>
+    </dgm:fillClrLst>
+    <dgm:linClrLst meth="repeat">
+      <a:schemeClr val="accent1"/>
+    </dgm:linClrLst>
+    <dgm:effectClrLst/>
+    <dgm:txLinClrLst/>
+    <dgm:txFillClrLst meth="repeat">
+      <a:schemeClr val="dk1"/>
+    </dgm:txFillClrLst>
+    <dgm:txEffectClrLst/>
+  </dgm:styleLbl>
+  <dgm:styleLbl name="fgAcc4">
+    <dgm:fillClrLst meth="repeat">
+      <a:schemeClr val="lt1">
+        <a:alpha val="90000"/>
+      </a:schemeClr>
+    </dgm:fillClrLst>
+    <dgm:linClrLst meth="repeat">
+      <a:schemeClr val="accent1"/>
+    </dgm:linClrLst>
+    <dgm:effectClrLst/>
+    <dgm:txLinClrLst/>
+    <dgm:txFillClrLst meth="repeat">
+      <a:schemeClr val="dk1"/>
+    </dgm:txFillClrLst>
+    <dgm:txEffectClrLst/>
+  </dgm:styleLbl>
+  <dgm:styleLbl name="bgShp">
+    <dgm:fillClrLst meth="repeat">
+      <a:schemeClr val="accent1">
+        <a:tint val="40000"/>
+      </a:schemeClr>
+    </dgm:fillClrLst>
+    <dgm:linClrLst meth="repeat">
+      <a:schemeClr val="accent1"/>
+    </dgm:linClrLst>
+    <dgm:effectClrLst/>
+    <dgm:txLinClrLst/>
+    <dgm:txFillClrLst meth="repeat">
+      <a:schemeClr val="dk1"/>
+    </dgm:txFillClrLst>
+    <dgm:txEffectClrLst/>
+  </dgm:styleLbl>
+  <dgm:styleLbl name="dkBgShp">
+    <dgm:fillClrLst meth="repeat">
+      <a:schemeClr val="accent1">
+        <a:shade val="80000"/>
+      </a:schemeClr>
+    </dgm:fillClrLst>
+    <dgm:linClrLst meth="repeat">
+      <a:schemeClr val="accent1"/>
+    </dgm:linClrLst>
+    <dgm:effectClrLst/>
+    <dgm:txLinClrLst/>
+    <dgm:txFillClrLst meth="repeat">
+      <a:schemeClr val="lt1"/>
+    </dgm:txFillClrLst>
+    <dgm:txEffectClrLst/>
+  </dgm:styleLbl>
+  <dgm:styleLbl name="trBgShp">
+    <dgm:fillClrLst meth="repeat">
+      <a:schemeClr val="accent1">
+        <a:tint val="50000"/>
+        <a:alpha val="40000"/>
+      </a:schemeClr>
+    </dgm:fillClrLst>
+    <dgm:linClrLst meth="repeat">
+      <a:schemeClr val="accent1"/>
+    </dgm:linClrLst>
+    <dgm:effectClrLst/>
+    <dgm:txLinClrLst/>
+    <dgm:txFillClrLst meth="repeat">
+      <a:schemeClr val="lt1"/>
+    </dgm:txFillClrLst>
+    <dgm:txEffectClrLst/>
+  </dgm:styleLbl>
+  <dgm:styleLbl name="fgShp">
+    <dgm:fillClrLst meth="repeat">
+      <a:schemeClr val="accent1">
+        <a:tint val="60000"/>
+      </a:schemeClr>
+    </dgm:fillClrLst>
+    <dgm:linClrLst meth="repeat">
+      <a:schemeClr val="lt1"/>
+    </dgm:linClrLst>
+    <dgm:effectClrLst/>
+    <dgm:txLinClrLst/>
+    <dgm:txFillClrLst meth="repeat">
+      <a:schemeClr val="dk1"/>
+    </dgm:txFillClrLst>
+    <dgm:txEffectClrLst/>
+  </dgm:styleLbl>
+  <dgm:styleLbl name="revTx">
+    <dgm:fillClrLst meth="repeat">
+      <a:schemeClr val="lt1">
+        <a:alpha val="0"/>
+      </a:schemeClr>
+    </dgm:fillClrLst>
+    <dgm:linClrLst meth="repeat">
+      <a:schemeClr val="dk1">
+        <a:alpha val="0"/>
+      </a:schemeClr>
+    </dgm:linClrLst>
+    <dgm:effectClrLst/>
+    <dgm:txLinClrLst/>
+    <dgm:txFillClrLst meth="repeat">
+      <a:schemeClr val="tx1"/>
+    </dgm:txFillClrLst>
+    <dgm:txEffectClrLst/>
+  </dgm:styleLbl>
+</dgm:colorsDef>
+</file>
+
+<file path=ppt/diagrams/data1.xml><?xml version="1.0" encoding="utf-8"?>
+<dgm:dataModel xmlns:dgm="http://schemas.openxmlformats.org/drawingml/2006/diagram" xmlns:a="http://schemas.openxmlformats.org/drawingml/2006/main">
+  <dgm:ptLst>
+    <dgm:pt modelId="{C306C341-D599-4B1B-99D5-C33838902528}" type="doc">
+      <dgm:prSet loTypeId="urn:microsoft.com/office/officeart/2005/8/layout/hProcess11" loCatId="process" qsTypeId="urn:microsoft.com/office/officeart/2005/8/quickstyle/simple1" qsCatId="simple" csTypeId="urn:microsoft.com/office/officeart/2005/8/colors/accent1_2" csCatId="accent1" phldr="1"/>
+      <dgm:spPr/>
+    </dgm:pt>
+    <dgm:pt modelId="{D7A1B3F6-9A96-443D-918B-6A83D726860E}">
+      <dgm:prSet phldrT="[Texto]" custT="1"/>
+      <dgm:spPr/>
+      <dgm:t>
+        <a:bodyPr/>
+        <a:lstStyle/>
+        <a:p>
+          <a:endParaRPr lang="en-GB" sz="1400" dirty="0"/>
+        </a:p>
+      </dgm:t>
+    </dgm:pt>
+    <dgm:pt modelId="{E621CA8E-4955-42BA-A043-EA33F0C1521B}" type="parTrans" cxnId="{02A0FDDF-750D-4E70-AEEE-212E089D8451}">
+      <dgm:prSet/>
+      <dgm:spPr/>
+      <dgm:t>
+        <a:bodyPr/>
+        <a:lstStyle/>
+        <a:p>
+          <a:endParaRPr lang="en-GB"/>
+        </a:p>
+      </dgm:t>
+    </dgm:pt>
+    <dgm:pt modelId="{39AA8962-6813-4284-95C5-BF4AE6D9DB14}" type="sibTrans" cxnId="{02A0FDDF-750D-4E70-AEEE-212E089D8451}">
+      <dgm:prSet/>
+      <dgm:spPr/>
+      <dgm:t>
+        <a:bodyPr/>
+        <a:lstStyle/>
+        <a:p>
+          <a:endParaRPr lang="en-GB"/>
+        </a:p>
+      </dgm:t>
+    </dgm:pt>
+    <dgm:pt modelId="{2FDC2C24-CC4E-4D25-B09B-59FD6E82C3EE}">
+      <dgm:prSet phldrT="[Texto]" custT="1"/>
+      <dgm:spPr/>
+      <dgm:t>
+        <a:bodyPr/>
+        <a:lstStyle/>
+        <a:p>
+          <a:endParaRPr lang="en-GB" sz="1400" dirty="0"/>
+        </a:p>
+      </dgm:t>
+    </dgm:pt>
+    <dgm:pt modelId="{E7F2584E-86F9-4ED7-9B8D-A99EC47827F9}" type="parTrans" cxnId="{1FFE94F7-1A23-436C-BE75-E8E800979E17}">
+      <dgm:prSet/>
+      <dgm:spPr/>
+      <dgm:t>
+        <a:bodyPr/>
+        <a:lstStyle/>
+        <a:p>
+          <a:endParaRPr lang="en-GB"/>
+        </a:p>
+      </dgm:t>
+    </dgm:pt>
+    <dgm:pt modelId="{81A6B66D-8321-4A73-A293-0D29707D523C}" type="sibTrans" cxnId="{1FFE94F7-1A23-436C-BE75-E8E800979E17}">
+      <dgm:prSet/>
+      <dgm:spPr/>
+      <dgm:t>
+        <a:bodyPr/>
+        <a:lstStyle/>
+        <a:p>
+          <a:endParaRPr lang="en-GB"/>
+        </a:p>
+      </dgm:t>
+    </dgm:pt>
+    <dgm:pt modelId="{9059B768-CD7D-43D2-80D2-6FDF0EAA0156}">
+      <dgm:prSet phldrT="[Texto]" custT="1"/>
+      <dgm:spPr/>
+      <dgm:t>
+        <a:bodyPr/>
+        <a:lstStyle/>
+        <a:p>
+          <a:endParaRPr lang="en-GB" sz="1400" dirty="0"/>
+        </a:p>
+      </dgm:t>
+    </dgm:pt>
+    <dgm:pt modelId="{1EDF92A5-B373-4C08-A41F-FC4842BC317C}" type="parTrans" cxnId="{FB5D8D0E-9186-481B-B91B-876243A2F8C3}">
+      <dgm:prSet/>
+      <dgm:spPr/>
+      <dgm:t>
+        <a:bodyPr/>
+        <a:lstStyle/>
+        <a:p>
+          <a:endParaRPr lang="en-GB"/>
+        </a:p>
+      </dgm:t>
+    </dgm:pt>
+    <dgm:pt modelId="{7F219E18-92F5-4220-8440-CDF23E2C86DD}" type="sibTrans" cxnId="{FB5D8D0E-9186-481B-B91B-876243A2F8C3}">
+      <dgm:prSet/>
+      <dgm:spPr/>
+      <dgm:t>
+        <a:bodyPr/>
+        <a:lstStyle/>
+        <a:p>
+          <a:endParaRPr lang="en-GB"/>
+        </a:p>
+      </dgm:t>
+    </dgm:pt>
+    <dgm:pt modelId="{BB8E58C9-394E-4BB7-956B-15FD8F0F4DF6}">
+      <dgm:prSet phldrT="[Texto]" custT="1"/>
+      <dgm:spPr/>
+      <dgm:t>
+        <a:bodyPr/>
+        <a:lstStyle/>
+        <a:p>
+          <a:endParaRPr lang="en-GB" sz="1400" dirty="0"/>
+        </a:p>
+      </dgm:t>
+    </dgm:pt>
+    <dgm:pt modelId="{A1E3FDCD-492B-4046-91FD-A19D4F38F245}" type="parTrans" cxnId="{2531456E-1B85-4C5E-8AF6-C60E58F43067}">
+      <dgm:prSet/>
+      <dgm:spPr/>
+      <dgm:t>
+        <a:bodyPr/>
+        <a:lstStyle/>
+        <a:p>
+          <a:endParaRPr lang="en-GB"/>
+        </a:p>
+      </dgm:t>
+    </dgm:pt>
+    <dgm:pt modelId="{1808AAF0-8272-4577-B8B5-78D78CC4E805}" type="sibTrans" cxnId="{2531456E-1B85-4C5E-8AF6-C60E58F43067}">
+      <dgm:prSet/>
+      <dgm:spPr/>
+      <dgm:t>
+        <a:bodyPr/>
+        <a:lstStyle/>
+        <a:p>
+          <a:endParaRPr lang="en-GB"/>
+        </a:p>
+      </dgm:t>
+    </dgm:pt>
+    <dgm:pt modelId="{1A49080C-0DE7-47E8-922A-4D0B1B6C485A}">
+      <dgm:prSet phldrT="[Texto]" custT="1"/>
+      <dgm:spPr/>
+      <dgm:t>
+        <a:bodyPr/>
+        <a:lstStyle/>
+        <a:p>
+          <a:endParaRPr lang="en-GB" sz="1400" dirty="0"/>
+        </a:p>
+      </dgm:t>
+    </dgm:pt>
+    <dgm:pt modelId="{F7B8845B-EEB5-4952-882F-D415FAF8B60E}" type="parTrans" cxnId="{5B4D9666-1585-4473-894E-27F0786F7A9C}">
+      <dgm:prSet/>
+      <dgm:spPr/>
+      <dgm:t>
+        <a:bodyPr/>
+        <a:lstStyle/>
+        <a:p>
+          <a:endParaRPr lang="en-GB"/>
+        </a:p>
+      </dgm:t>
+    </dgm:pt>
+    <dgm:pt modelId="{1A70AC7A-7F03-4D55-B5D0-E2003D1A4324}" type="sibTrans" cxnId="{5B4D9666-1585-4473-894E-27F0786F7A9C}">
+      <dgm:prSet/>
+      <dgm:spPr/>
+      <dgm:t>
+        <a:bodyPr/>
+        <a:lstStyle/>
+        <a:p>
+          <a:endParaRPr lang="en-GB"/>
+        </a:p>
+      </dgm:t>
+    </dgm:pt>
+    <dgm:pt modelId="{136AD6A2-B441-479A-860B-9C60598DF083}">
+      <dgm:prSet phldrT="[Texto]" custT="1"/>
+      <dgm:spPr/>
+      <dgm:t>
+        <a:bodyPr/>
+        <a:lstStyle/>
+        <a:p>
+          <a:endParaRPr lang="en-GB" sz="1400" dirty="0"/>
+        </a:p>
+      </dgm:t>
+    </dgm:pt>
+    <dgm:pt modelId="{B3AAAF1D-C6F6-49CE-A21B-B1132F4E369E}" type="parTrans" cxnId="{48AC722D-ACE2-4875-8C63-0C6D0EFEC009}">
+      <dgm:prSet/>
+      <dgm:spPr/>
+      <dgm:t>
+        <a:bodyPr/>
+        <a:lstStyle/>
+        <a:p>
+          <a:endParaRPr lang="en-GB"/>
+        </a:p>
+      </dgm:t>
+    </dgm:pt>
+    <dgm:pt modelId="{B013FFB8-9869-4AB3-A2B5-FDAEE2CD0557}" type="sibTrans" cxnId="{48AC722D-ACE2-4875-8C63-0C6D0EFEC009}">
+      <dgm:prSet/>
+      <dgm:spPr/>
+      <dgm:t>
+        <a:bodyPr/>
+        <a:lstStyle/>
+        <a:p>
+          <a:endParaRPr lang="en-GB"/>
+        </a:p>
+      </dgm:t>
+    </dgm:pt>
+    <dgm:pt modelId="{454E9A41-EB5C-4D21-A500-1A0F7280DF0F}">
+      <dgm:prSet phldrT="[Texto]" custT="1"/>
+      <dgm:spPr/>
+      <dgm:t>
+        <a:bodyPr/>
+        <a:lstStyle/>
+        <a:p>
+          <a:endParaRPr lang="en-GB" sz="1400" dirty="0"/>
+        </a:p>
+      </dgm:t>
+    </dgm:pt>
+    <dgm:pt modelId="{1E224352-DCA1-4654-B392-6D76C795B7BE}" type="parTrans" cxnId="{30F53C6F-EC07-427E-851F-3E97E605AFC9}">
+      <dgm:prSet/>
+      <dgm:spPr/>
+      <dgm:t>
+        <a:bodyPr/>
+        <a:lstStyle/>
+        <a:p>
+          <a:endParaRPr lang="en-GB"/>
+        </a:p>
+      </dgm:t>
+    </dgm:pt>
+    <dgm:pt modelId="{AA42D578-BCA4-460B-AE10-0875155B9415}" type="sibTrans" cxnId="{30F53C6F-EC07-427E-851F-3E97E605AFC9}">
+      <dgm:prSet/>
+      <dgm:spPr/>
+      <dgm:t>
+        <a:bodyPr/>
+        <a:lstStyle/>
+        <a:p>
+          <a:endParaRPr lang="en-GB"/>
+        </a:p>
+      </dgm:t>
+    </dgm:pt>
+    <dgm:pt modelId="{6BAF5AC4-12C4-475D-890B-181061458B36}" type="pres">
+      <dgm:prSet presAssocID="{C306C341-D599-4B1B-99D5-C33838902528}" presName="Name0" presStyleCnt="0">
+        <dgm:presLayoutVars>
+          <dgm:dir/>
+          <dgm:resizeHandles val="exact"/>
+        </dgm:presLayoutVars>
+      </dgm:prSet>
+      <dgm:spPr/>
+    </dgm:pt>
+    <dgm:pt modelId="{60799F41-7989-4AA1-B9E8-4EF51F0FF333}" type="pres">
+      <dgm:prSet presAssocID="{C306C341-D599-4B1B-99D5-C33838902528}" presName="arrow" presStyleLbl="bgShp" presStyleIdx="0" presStyleCnt="1"/>
+      <dgm:spPr/>
+    </dgm:pt>
+    <dgm:pt modelId="{5CCD0D81-360B-4CC0-98C6-6C8129CE7187}" type="pres">
+      <dgm:prSet presAssocID="{C306C341-D599-4B1B-99D5-C33838902528}" presName="points" presStyleCnt="0"/>
+      <dgm:spPr/>
+    </dgm:pt>
+    <dgm:pt modelId="{1683355D-447B-4404-8E2E-EE43BAA2B137}" type="pres">
+      <dgm:prSet presAssocID="{D7A1B3F6-9A96-443D-918B-6A83D726860E}" presName="compositeA" presStyleCnt="0"/>
+      <dgm:spPr/>
+    </dgm:pt>
+    <dgm:pt modelId="{6810232A-C069-4BBA-BBD2-7BC82D197AC8}" type="pres">
+      <dgm:prSet presAssocID="{D7A1B3F6-9A96-443D-918B-6A83D726860E}" presName="textA" presStyleLbl="revTx" presStyleIdx="0" presStyleCnt="7">
+        <dgm:presLayoutVars>
+          <dgm:bulletEnabled val="1"/>
+        </dgm:presLayoutVars>
+      </dgm:prSet>
+      <dgm:spPr/>
+      <dgm:t>
+        <a:bodyPr/>
+        <a:lstStyle/>
+        <a:p>
+          <a:endParaRPr lang="en-GB"/>
+        </a:p>
+      </dgm:t>
+    </dgm:pt>
+    <dgm:pt modelId="{1FC66F60-BB44-4240-88A0-7B8E82678D7A}" type="pres">
+      <dgm:prSet presAssocID="{D7A1B3F6-9A96-443D-918B-6A83D726860E}" presName="circleA" presStyleLbl="node1" presStyleIdx="0" presStyleCnt="7"/>
+      <dgm:spPr/>
+    </dgm:pt>
+    <dgm:pt modelId="{3EAC00DC-2DA5-4BE8-AADA-66692B0C3AC5}" type="pres">
+      <dgm:prSet presAssocID="{D7A1B3F6-9A96-443D-918B-6A83D726860E}" presName="spaceA" presStyleCnt="0"/>
+      <dgm:spPr/>
+    </dgm:pt>
+    <dgm:pt modelId="{2E72D498-32A8-4891-8059-FD8EA360555B}" type="pres">
+      <dgm:prSet presAssocID="{39AA8962-6813-4284-95C5-BF4AE6D9DB14}" presName="space" presStyleCnt="0"/>
+      <dgm:spPr/>
+    </dgm:pt>
+    <dgm:pt modelId="{B90F8EE8-3078-4726-B9A0-E9ABBD557973}" type="pres">
+      <dgm:prSet presAssocID="{2FDC2C24-CC4E-4D25-B09B-59FD6E82C3EE}" presName="compositeB" presStyleCnt="0"/>
+      <dgm:spPr/>
+    </dgm:pt>
+    <dgm:pt modelId="{D9A28F98-9710-4524-B177-E78A77379D8B}" type="pres">
+      <dgm:prSet presAssocID="{2FDC2C24-CC4E-4D25-B09B-59FD6E82C3EE}" presName="textB" presStyleLbl="revTx" presStyleIdx="1" presStyleCnt="7">
+        <dgm:presLayoutVars>
+          <dgm:bulletEnabled val="1"/>
+        </dgm:presLayoutVars>
+      </dgm:prSet>
+      <dgm:spPr/>
+      <dgm:t>
+        <a:bodyPr/>
+        <a:lstStyle/>
+        <a:p>
+          <a:endParaRPr lang="en-GB"/>
+        </a:p>
+      </dgm:t>
+    </dgm:pt>
+    <dgm:pt modelId="{C71A848B-1FFA-4C48-9A15-3C391FD7A94C}" type="pres">
+      <dgm:prSet presAssocID="{2FDC2C24-CC4E-4D25-B09B-59FD6E82C3EE}" presName="circleB" presStyleLbl="node1" presStyleIdx="1" presStyleCnt="7"/>
+      <dgm:spPr/>
+    </dgm:pt>
+    <dgm:pt modelId="{220BD0EF-3784-4F4B-943E-53624867277C}" type="pres">
+      <dgm:prSet presAssocID="{2FDC2C24-CC4E-4D25-B09B-59FD6E82C3EE}" presName="spaceB" presStyleCnt="0"/>
+      <dgm:spPr/>
+    </dgm:pt>
+    <dgm:pt modelId="{272066B0-AC5D-4FA7-A534-9A2BC9EA25BC}" type="pres">
+      <dgm:prSet presAssocID="{81A6B66D-8321-4A73-A293-0D29707D523C}" presName="space" presStyleCnt="0"/>
+      <dgm:spPr/>
+    </dgm:pt>
+    <dgm:pt modelId="{938E5456-0398-44D9-A265-4CDE70A9C4AA}" type="pres">
+      <dgm:prSet presAssocID="{9059B768-CD7D-43D2-80D2-6FDF0EAA0156}" presName="compositeA" presStyleCnt="0"/>
+      <dgm:spPr/>
+    </dgm:pt>
+    <dgm:pt modelId="{49B98997-A726-433D-94FF-467BFB2ADCAF}" type="pres">
+      <dgm:prSet presAssocID="{9059B768-CD7D-43D2-80D2-6FDF0EAA0156}" presName="textA" presStyleLbl="revTx" presStyleIdx="2" presStyleCnt="7">
+        <dgm:presLayoutVars>
+          <dgm:bulletEnabled val="1"/>
+        </dgm:presLayoutVars>
+      </dgm:prSet>
+      <dgm:spPr/>
+      <dgm:t>
+        <a:bodyPr/>
+        <a:lstStyle/>
+        <a:p>
+          <a:endParaRPr lang="en-GB"/>
+        </a:p>
+      </dgm:t>
+    </dgm:pt>
+    <dgm:pt modelId="{7A7982EF-506A-4766-9D8E-A14917FDF4F3}" type="pres">
+      <dgm:prSet presAssocID="{9059B768-CD7D-43D2-80D2-6FDF0EAA0156}" presName="circleA" presStyleLbl="node1" presStyleIdx="2" presStyleCnt="7"/>
+      <dgm:spPr/>
+    </dgm:pt>
+    <dgm:pt modelId="{A0F529D2-0FFA-4286-819F-22289881032D}" type="pres">
+      <dgm:prSet presAssocID="{9059B768-CD7D-43D2-80D2-6FDF0EAA0156}" presName="spaceA" presStyleCnt="0"/>
+      <dgm:spPr/>
+    </dgm:pt>
+    <dgm:pt modelId="{70A8C8A4-0480-4FE6-8554-FFC18D0C8273}" type="pres">
+      <dgm:prSet presAssocID="{7F219E18-92F5-4220-8440-CDF23E2C86DD}" presName="space" presStyleCnt="0"/>
+      <dgm:spPr/>
+    </dgm:pt>
+    <dgm:pt modelId="{297414B1-A090-4081-9582-7DF04286F6B2}" type="pres">
+      <dgm:prSet presAssocID="{BB8E58C9-394E-4BB7-956B-15FD8F0F4DF6}" presName="compositeB" presStyleCnt="0"/>
+      <dgm:spPr/>
+    </dgm:pt>
+    <dgm:pt modelId="{F622832A-050B-4EB9-99E6-8F1AAFA7A166}" type="pres">
+      <dgm:prSet presAssocID="{BB8E58C9-394E-4BB7-956B-15FD8F0F4DF6}" presName="textB" presStyleLbl="revTx" presStyleIdx="3" presStyleCnt="7">
+        <dgm:presLayoutVars>
+          <dgm:bulletEnabled val="1"/>
+        </dgm:presLayoutVars>
+      </dgm:prSet>
+      <dgm:spPr/>
+      <dgm:t>
+        <a:bodyPr/>
+        <a:lstStyle/>
+        <a:p>
+          <a:endParaRPr lang="en-GB"/>
+        </a:p>
+      </dgm:t>
+    </dgm:pt>
+    <dgm:pt modelId="{83BCC723-B429-48B2-BBB5-D1A4D76E9EAA}" type="pres">
+      <dgm:prSet presAssocID="{BB8E58C9-394E-4BB7-956B-15FD8F0F4DF6}" presName="circleB" presStyleLbl="node1" presStyleIdx="3" presStyleCnt="7"/>
+      <dgm:spPr/>
+    </dgm:pt>
+    <dgm:pt modelId="{01448075-D886-404B-AB38-EC18EC7D8171}" type="pres">
+      <dgm:prSet presAssocID="{BB8E58C9-394E-4BB7-956B-15FD8F0F4DF6}" presName="spaceB" presStyleCnt="0"/>
+      <dgm:spPr/>
+    </dgm:pt>
+    <dgm:pt modelId="{91C66132-98D1-4DB8-B472-9A62F9EB0C12}" type="pres">
+      <dgm:prSet presAssocID="{1808AAF0-8272-4577-B8B5-78D78CC4E805}" presName="space" presStyleCnt="0"/>
+      <dgm:spPr/>
+    </dgm:pt>
+    <dgm:pt modelId="{B3469DEE-F5CD-4CB9-BDD0-D162A8338AD5}" type="pres">
+      <dgm:prSet presAssocID="{1A49080C-0DE7-47E8-922A-4D0B1B6C485A}" presName="compositeA" presStyleCnt="0"/>
+      <dgm:spPr/>
+    </dgm:pt>
+    <dgm:pt modelId="{50085456-D334-4C9E-B8C2-A46683D1A093}" type="pres">
+      <dgm:prSet presAssocID="{1A49080C-0DE7-47E8-922A-4D0B1B6C485A}" presName="textA" presStyleLbl="revTx" presStyleIdx="4" presStyleCnt="7">
+        <dgm:presLayoutVars>
+          <dgm:bulletEnabled val="1"/>
+        </dgm:presLayoutVars>
+      </dgm:prSet>
+      <dgm:spPr/>
+      <dgm:t>
+        <a:bodyPr/>
+        <a:lstStyle/>
+        <a:p>
+          <a:endParaRPr lang="en-GB"/>
+        </a:p>
+      </dgm:t>
+    </dgm:pt>
+    <dgm:pt modelId="{F75140FE-FF79-47F0-87E8-20FFCBC371E3}" type="pres">
+      <dgm:prSet presAssocID="{1A49080C-0DE7-47E8-922A-4D0B1B6C485A}" presName="circleA" presStyleLbl="node1" presStyleIdx="4" presStyleCnt="7"/>
+      <dgm:spPr/>
+    </dgm:pt>
+    <dgm:pt modelId="{C26AC7D5-83E1-4E48-B0DB-2FCB53FFC5CE}" type="pres">
+      <dgm:prSet presAssocID="{1A49080C-0DE7-47E8-922A-4D0B1B6C485A}" presName="spaceA" presStyleCnt="0"/>
+      <dgm:spPr/>
+    </dgm:pt>
+    <dgm:pt modelId="{1E8D9E9F-1653-4768-993E-08EC2E5A6E9D}" type="pres">
+      <dgm:prSet presAssocID="{1A70AC7A-7F03-4D55-B5D0-E2003D1A4324}" presName="space" presStyleCnt="0"/>
+      <dgm:spPr/>
+    </dgm:pt>
+    <dgm:pt modelId="{322612A4-96ED-491D-8148-F9A2B34AD289}" type="pres">
+      <dgm:prSet presAssocID="{136AD6A2-B441-479A-860B-9C60598DF083}" presName="compositeB" presStyleCnt="0"/>
+      <dgm:spPr/>
+    </dgm:pt>
+    <dgm:pt modelId="{DF520769-FC51-4284-84DC-D345C7025315}" type="pres">
+      <dgm:prSet presAssocID="{136AD6A2-B441-479A-860B-9C60598DF083}" presName="textB" presStyleLbl="revTx" presStyleIdx="5" presStyleCnt="7">
+        <dgm:presLayoutVars>
+          <dgm:bulletEnabled val="1"/>
+        </dgm:presLayoutVars>
+      </dgm:prSet>
+      <dgm:spPr/>
+      <dgm:t>
+        <a:bodyPr/>
+        <a:lstStyle/>
+        <a:p>
+          <a:endParaRPr lang="en-GB"/>
+        </a:p>
+      </dgm:t>
+    </dgm:pt>
+    <dgm:pt modelId="{AF3409C8-313C-4D01-B37C-B07C4FD355FC}" type="pres">
+      <dgm:prSet presAssocID="{136AD6A2-B441-479A-860B-9C60598DF083}" presName="circleB" presStyleLbl="node1" presStyleIdx="5" presStyleCnt="7"/>
+      <dgm:spPr/>
+    </dgm:pt>
+    <dgm:pt modelId="{DE04FD54-7872-49A2-8BC3-BEAE8BD35AAD}" type="pres">
+      <dgm:prSet presAssocID="{136AD6A2-B441-479A-860B-9C60598DF083}" presName="spaceB" presStyleCnt="0"/>
+      <dgm:spPr/>
+    </dgm:pt>
+    <dgm:pt modelId="{D84F68CB-BDFF-4EBC-817C-EED2747E4A68}" type="pres">
+      <dgm:prSet presAssocID="{B013FFB8-9869-4AB3-A2B5-FDAEE2CD0557}" presName="space" presStyleCnt="0"/>
+      <dgm:spPr/>
+    </dgm:pt>
+    <dgm:pt modelId="{4D91080B-D46B-42E9-8953-467084D8B343}" type="pres">
+      <dgm:prSet presAssocID="{454E9A41-EB5C-4D21-A500-1A0F7280DF0F}" presName="compositeA" presStyleCnt="0"/>
+      <dgm:spPr/>
+    </dgm:pt>
+    <dgm:pt modelId="{03D8AACE-E855-4D1F-9736-1957EAD159E9}" type="pres">
+      <dgm:prSet presAssocID="{454E9A41-EB5C-4D21-A500-1A0F7280DF0F}" presName="textA" presStyleLbl="revTx" presStyleIdx="6" presStyleCnt="7">
+        <dgm:presLayoutVars>
+          <dgm:bulletEnabled val="1"/>
+        </dgm:presLayoutVars>
+      </dgm:prSet>
+      <dgm:spPr/>
+      <dgm:t>
+        <a:bodyPr/>
+        <a:lstStyle/>
+        <a:p>
+          <a:endParaRPr lang="en-GB"/>
+        </a:p>
+      </dgm:t>
+    </dgm:pt>
+    <dgm:pt modelId="{9AD4C18E-E8C4-4086-A5F2-06E36BCAD78E}" type="pres">
+      <dgm:prSet presAssocID="{454E9A41-EB5C-4D21-A500-1A0F7280DF0F}" presName="circleA" presStyleLbl="node1" presStyleIdx="6" presStyleCnt="7"/>
+      <dgm:spPr/>
+    </dgm:pt>
+    <dgm:pt modelId="{2F470670-B3A7-4E50-AF9D-2665756D4737}" type="pres">
+      <dgm:prSet presAssocID="{454E9A41-EB5C-4D21-A500-1A0F7280DF0F}" presName="spaceA" presStyleCnt="0"/>
+      <dgm:spPr/>
+    </dgm:pt>
+  </dgm:ptLst>
+  <dgm:cxnLst>
+    <dgm:cxn modelId="{1FFE94F7-1A23-436C-BE75-E8E800979E17}" srcId="{C306C341-D599-4B1B-99D5-C33838902528}" destId="{2FDC2C24-CC4E-4D25-B09B-59FD6E82C3EE}" srcOrd="1" destOrd="0" parTransId="{E7F2584E-86F9-4ED7-9B8D-A99EC47827F9}" sibTransId="{81A6B66D-8321-4A73-A293-0D29707D523C}"/>
+    <dgm:cxn modelId="{74AB5348-BE90-4678-A34C-0914E1E30C30}" type="presOf" srcId="{D7A1B3F6-9A96-443D-918B-6A83D726860E}" destId="{6810232A-C069-4BBA-BBD2-7BC82D197AC8}" srcOrd="0" destOrd="0" presId="urn:microsoft.com/office/officeart/2005/8/layout/hProcess11"/>
+    <dgm:cxn modelId="{30F53C6F-EC07-427E-851F-3E97E605AFC9}" srcId="{C306C341-D599-4B1B-99D5-C33838902528}" destId="{454E9A41-EB5C-4D21-A500-1A0F7280DF0F}" srcOrd="6" destOrd="0" parTransId="{1E224352-DCA1-4654-B392-6D76C795B7BE}" sibTransId="{AA42D578-BCA4-460B-AE10-0875155B9415}"/>
+    <dgm:cxn modelId="{8B924237-C27F-443D-B948-7413A94D4D27}" type="presOf" srcId="{136AD6A2-B441-479A-860B-9C60598DF083}" destId="{DF520769-FC51-4284-84DC-D345C7025315}" srcOrd="0" destOrd="0" presId="urn:microsoft.com/office/officeart/2005/8/layout/hProcess11"/>
+    <dgm:cxn modelId="{A8E9508F-E201-4F3A-B45C-83967300D4A6}" type="presOf" srcId="{BB8E58C9-394E-4BB7-956B-15FD8F0F4DF6}" destId="{F622832A-050B-4EB9-99E6-8F1AAFA7A166}" srcOrd="0" destOrd="0" presId="urn:microsoft.com/office/officeart/2005/8/layout/hProcess11"/>
+    <dgm:cxn modelId="{FB5D8D0E-9186-481B-B91B-876243A2F8C3}" srcId="{C306C341-D599-4B1B-99D5-C33838902528}" destId="{9059B768-CD7D-43D2-80D2-6FDF0EAA0156}" srcOrd="2" destOrd="0" parTransId="{1EDF92A5-B373-4C08-A41F-FC4842BC317C}" sibTransId="{7F219E18-92F5-4220-8440-CDF23E2C86DD}"/>
+    <dgm:cxn modelId="{7DB08E90-EBF1-4B81-81C1-240E3FCE3996}" type="presOf" srcId="{C306C341-D599-4B1B-99D5-C33838902528}" destId="{6BAF5AC4-12C4-475D-890B-181061458B36}" srcOrd="0" destOrd="0" presId="urn:microsoft.com/office/officeart/2005/8/layout/hProcess11"/>
+    <dgm:cxn modelId="{2531456E-1B85-4C5E-8AF6-C60E58F43067}" srcId="{C306C341-D599-4B1B-99D5-C33838902528}" destId="{BB8E58C9-394E-4BB7-956B-15FD8F0F4DF6}" srcOrd="3" destOrd="0" parTransId="{A1E3FDCD-492B-4046-91FD-A19D4F38F245}" sibTransId="{1808AAF0-8272-4577-B8B5-78D78CC4E805}"/>
+    <dgm:cxn modelId="{531B340F-8630-438B-9B38-8C2716FAD3B4}" type="presOf" srcId="{9059B768-CD7D-43D2-80D2-6FDF0EAA0156}" destId="{49B98997-A726-433D-94FF-467BFB2ADCAF}" srcOrd="0" destOrd="0" presId="urn:microsoft.com/office/officeart/2005/8/layout/hProcess11"/>
+    <dgm:cxn modelId="{B9E36F7A-BBBE-4C6F-BF41-35D339983B88}" type="presOf" srcId="{1A49080C-0DE7-47E8-922A-4D0B1B6C485A}" destId="{50085456-D334-4C9E-B8C2-A46683D1A093}" srcOrd="0" destOrd="0" presId="urn:microsoft.com/office/officeart/2005/8/layout/hProcess11"/>
+    <dgm:cxn modelId="{48AC722D-ACE2-4875-8C63-0C6D0EFEC009}" srcId="{C306C341-D599-4B1B-99D5-C33838902528}" destId="{136AD6A2-B441-479A-860B-9C60598DF083}" srcOrd="5" destOrd="0" parTransId="{B3AAAF1D-C6F6-49CE-A21B-B1132F4E369E}" sibTransId="{B013FFB8-9869-4AB3-A2B5-FDAEE2CD0557}"/>
+    <dgm:cxn modelId="{02A0FDDF-750D-4E70-AEEE-212E089D8451}" srcId="{C306C341-D599-4B1B-99D5-C33838902528}" destId="{D7A1B3F6-9A96-443D-918B-6A83D726860E}" srcOrd="0" destOrd="0" parTransId="{E621CA8E-4955-42BA-A043-EA33F0C1521B}" sibTransId="{39AA8962-6813-4284-95C5-BF4AE6D9DB14}"/>
+    <dgm:cxn modelId="{4EF651BC-29A7-4411-A2C1-5D5C76CDC2E0}" type="presOf" srcId="{454E9A41-EB5C-4D21-A500-1A0F7280DF0F}" destId="{03D8AACE-E855-4D1F-9736-1957EAD159E9}" srcOrd="0" destOrd="0" presId="urn:microsoft.com/office/officeart/2005/8/layout/hProcess11"/>
+    <dgm:cxn modelId="{5B4D9666-1585-4473-894E-27F0786F7A9C}" srcId="{C306C341-D599-4B1B-99D5-C33838902528}" destId="{1A49080C-0DE7-47E8-922A-4D0B1B6C485A}" srcOrd="4" destOrd="0" parTransId="{F7B8845B-EEB5-4952-882F-D415FAF8B60E}" sibTransId="{1A70AC7A-7F03-4D55-B5D0-E2003D1A4324}"/>
+    <dgm:cxn modelId="{767A3C01-869E-45E9-9525-49AE88355A73}" type="presOf" srcId="{2FDC2C24-CC4E-4D25-B09B-59FD6E82C3EE}" destId="{D9A28F98-9710-4524-B177-E78A77379D8B}" srcOrd="0" destOrd="0" presId="urn:microsoft.com/office/officeart/2005/8/layout/hProcess11"/>
+    <dgm:cxn modelId="{B10D7C1E-A564-43B7-8CF6-53A3B45427EA}" type="presParOf" srcId="{6BAF5AC4-12C4-475D-890B-181061458B36}" destId="{60799F41-7989-4AA1-B9E8-4EF51F0FF333}" srcOrd="0" destOrd="0" presId="urn:microsoft.com/office/officeart/2005/8/layout/hProcess11"/>
+    <dgm:cxn modelId="{3D4CF2F4-D5DA-4E6E-B60C-17291E4CBF35}" type="presParOf" srcId="{6BAF5AC4-12C4-475D-890B-181061458B36}" destId="{5CCD0D81-360B-4CC0-98C6-6C8129CE7187}" srcOrd="1" destOrd="0" presId="urn:microsoft.com/office/officeart/2005/8/layout/hProcess11"/>
+    <dgm:cxn modelId="{CB43A1D7-7FEB-4CF0-8076-B30824FA5BA7}" type="presParOf" srcId="{5CCD0D81-360B-4CC0-98C6-6C8129CE7187}" destId="{1683355D-447B-4404-8E2E-EE43BAA2B137}" srcOrd="0" destOrd="0" presId="urn:microsoft.com/office/officeart/2005/8/layout/hProcess11"/>
+    <dgm:cxn modelId="{C5D17401-BFC7-48C2-A722-B8173FA83C55}" type="presParOf" srcId="{1683355D-447B-4404-8E2E-EE43BAA2B137}" destId="{6810232A-C069-4BBA-BBD2-7BC82D197AC8}" srcOrd="0" destOrd="0" presId="urn:microsoft.com/office/officeart/2005/8/layout/hProcess11"/>
+    <dgm:cxn modelId="{0210CB4F-C81F-4C43-95F3-21283F32B74F}" type="presParOf" srcId="{1683355D-447B-4404-8E2E-EE43BAA2B137}" destId="{1FC66F60-BB44-4240-88A0-7B8E82678D7A}" srcOrd="1" destOrd="0" presId="urn:microsoft.com/office/officeart/2005/8/layout/hProcess11"/>
+    <dgm:cxn modelId="{9BBE731A-B612-4892-B281-C90172A4ACD0}" type="presParOf" srcId="{1683355D-447B-4404-8E2E-EE43BAA2B137}" destId="{3EAC00DC-2DA5-4BE8-AADA-66692B0C3AC5}" srcOrd="2" destOrd="0" presId="urn:microsoft.com/office/officeart/2005/8/layout/hProcess11"/>
+    <dgm:cxn modelId="{C645005F-993F-442A-82BC-8C7AE9DC260D}" type="presParOf" srcId="{5CCD0D81-360B-4CC0-98C6-6C8129CE7187}" destId="{2E72D498-32A8-4891-8059-FD8EA360555B}" srcOrd="1" destOrd="0" presId="urn:microsoft.com/office/officeart/2005/8/layout/hProcess11"/>
+    <dgm:cxn modelId="{A4C13C4B-7008-45CC-BEFF-A78AA60B2246}" type="presParOf" srcId="{5CCD0D81-360B-4CC0-98C6-6C8129CE7187}" destId="{B90F8EE8-3078-4726-B9A0-E9ABBD557973}" srcOrd="2" destOrd="0" presId="urn:microsoft.com/office/officeart/2005/8/layout/hProcess11"/>
+    <dgm:cxn modelId="{45CB9CD0-B22F-4DF0-8415-54A398A4044A}" type="presParOf" srcId="{B90F8EE8-3078-4726-B9A0-E9ABBD557973}" destId="{D9A28F98-9710-4524-B177-E78A77379D8B}" srcOrd="0" destOrd="0" presId="urn:microsoft.com/office/officeart/2005/8/layout/hProcess11"/>
+    <dgm:cxn modelId="{AE482365-0FA8-447D-8BF7-C8188395751A}" type="presParOf" srcId="{B90F8EE8-3078-4726-B9A0-E9ABBD557973}" destId="{C71A848B-1FFA-4C48-9A15-3C391FD7A94C}" srcOrd="1" destOrd="0" presId="urn:microsoft.com/office/officeart/2005/8/layout/hProcess11"/>
+    <dgm:cxn modelId="{D9A42B8A-9401-42FE-BC8B-78B51ED8D060}" type="presParOf" srcId="{B90F8EE8-3078-4726-B9A0-E9ABBD557973}" destId="{220BD0EF-3784-4F4B-943E-53624867277C}" srcOrd="2" destOrd="0" presId="urn:microsoft.com/office/officeart/2005/8/layout/hProcess11"/>
+    <dgm:cxn modelId="{ABCE1711-59B2-41CF-A88A-C80FEE42CABE}" type="presParOf" srcId="{5CCD0D81-360B-4CC0-98C6-6C8129CE7187}" destId="{272066B0-AC5D-4FA7-A534-9A2BC9EA25BC}" srcOrd="3" destOrd="0" presId="urn:microsoft.com/office/officeart/2005/8/layout/hProcess11"/>
+    <dgm:cxn modelId="{EF81DAC5-C332-486F-9F68-90942F66B082}" type="presParOf" srcId="{5CCD0D81-360B-4CC0-98C6-6C8129CE7187}" destId="{938E5456-0398-44D9-A265-4CDE70A9C4AA}" srcOrd="4" destOrd="0" presId="urn:microsoft.com/office/officeart/2005/8/layout/hProcess11"/>
+    <dgm:cxn modelId="{14ADAE52-CAB5-4ADB-92A3-2FE00C9B0F1D}" type="presParOf" srcId="{938E5456-0398-44D9-A265-4CDE70A9C4AA}" destId="{49B98997-A726-433D-94FF-467BFB2ADCAF}" srcOrd="0" destOrd="0" presId="urn:microsoft.com/office/officeart/2005/8/layout/hProcess11"/>
+    <dgm:cxn modelId="{A6176D93-8800-4C04-A8AC-BE7AFC69A958}" type="presParOf" srcId="{938E5456-0398-44D9-A265-4CDE70A9C4AA}" destId="{7A7982EF-506A-4766-9D8E-A14917FDF4F3}" srcOrd="1" destOrd="0" presId="urn:microsoft.com/office/officeart/2005/8/layout/hProcess11"/>
+    <dgm:cxn modelId="{2EED5AED-A654-48DA-A865-5F08368DC2AA}" type="presParOf" srcId="{938E5456-0398-44D9-A265-4CDE70A9C4AA}" destId="{A0F529D2-0FFA-4286-819F-22289881032D}" srcOrd="2" destOrd="0" presId="urn:microsoft.com/office/officeart/2005/8/layout/hProcess11"/>
+    <dgm:cxn modelId="{6770B7F1-1404-4AAD-B7E2-B3C77F303CF9}" type="presParOf" srcId="{5CCD0D81-360B-4CC0-98C6-6C8129CE7187}" destId="{70A8C8A4-0480-4FE6-8554-FFC18D0C8273}" srcOrd="5" destOrd="0" presId="urn:microsoft.com/office/officeart/2005/8/layout/hProcess11"/>
+    <dgm:cxn modelId="{36923BA1-B29E-40F9-BD71-C4D4BC76197D}" type="presParOf" srcId="{5CCD0D81-360B-4CC0-98C6-6C8129CE7187}" destId="{297414B1-A090-4081-9582-7DF04286F6B2}" srcOrd="6" destOrd="0" presId="urn:microsoft.com/office/officeart/2005/8/layout/hProcess11"/>
+    <dgm:cxn modelId="{96AA5987-C876-4B69-99B7-568304181378}" type="presParOf" srcId="{297414B1-A090-4081-9582-7DF04286F6B2}" destId="{F622832A-050B-4EB9-99E6-8F1AAFA7A166}" srcOrd="0" destOrd="0" presId="urn:microsoft.com/office/officeart/2005/8/layout/hProcess11"/>
+    <dgm:cxn modelId="{ED356ECC-65B6-425A-8BBF-38821C2FED35}" type="presParOf" srcId="{297414B1-A090-4081-9582-7DF04286F6B2}" destId="{83BCC723-B429-48B2-BBB5-D1A4D76E9EAA}" srcOrd="1" destOrd="0" presId="urn:microsoft.com/office/officeart/2005/8/layout/hProcess11"/>
+    <dgm:cxn modelId="{F483D526-5474-470F-AD9F-FE712B481798}" type="presParOf" srcId="{297414B1-A090-4081-9582-7DF04286F6B2}" destId="{01448075-D886-404B-AB38-EC18EC7D8171}" srcOrd="2" destOrd="0" presId="urn:microsoft.com/office/officeart/2005/8/layout/hProcess11"/>
+    <dgm:cxn modelId="{5313C539-B059-4EA3-B9A3-36163F0BCD31}" type="presParOf" srcId="{5CCD0D81-360B-4CC0-98C6-6C8129CE7187}" destId="{91C66132-98D1-4DB8-B472-9A62F9EB0C12}" srcOrd="7" destOrd="0" presId="urn:microsoft.com/office/officeart/2005/8/layout/hProcess11"/>
+    <dgm:cxn modelId="{7DFDBE90-376A-464E-8E7E-AEF866F0F704}" type="presParOf" srcId="{5CCD0D81-360B-4CC0-98C6-6C8129CE7187}" destId="{B3469DEE-F5CD-4CB9-BDD0-D162A8338AD5}" srcOrd="8" destOrd="0" presId="urn:microsoft.com/office/officeart/2005/8/layout/hProcess11"/>
+    <dgm:cxn modelId="{5C68F1FD-7C02-4370-B917-79C8CDBE6F97}" type="presParOf" srcId="{B3469DEE-F5CD-4CB9-BDD0-D162A8338AD5}" destId="{50085456-D334-4C9E-B8C2-A46683D1A093}" srcOrd="0" destOrd="0" presId="urn:microsoft.com/office/officeart/2005/8/layout/hProcess11"/>
+    <dgm:cxn modelId="{041DD871-B1D3-47BB-9E03-64615BF34A9D}" type="presParOf" srcId="{B3469DEE-F5CD-4CB9-BDD0-D162A8338AD5}" destId="{F75140FE-FF79-47F0-87E8-20FFCBC371E3}" srcOrd="1" destOrd="0" presId="urn:microsoft.com/office/officeart/2005/8/layout/hProcess11"/>
+    <dgm:cxn modelId="{06FE16DD-DEC7-41BA-B176-880B7DF44172}" type="presParOf" srcId="{B3469DEE-F5CD-4CB9-BDD0-D162A8338AD5}" destId="{C26AC7D5-83E1-4E48-B0DB-2FCB53FFC5CE}" srcOrd="2" destOrd="0" presId="urn:microsoft.com/office/officeart/2005/8/layout/hProcess11"/>
+    <dgm:cxn modelId="{2B860C35-814F-41ED-A258-634E0859567C}" type="presParOf" srcId="{5CCD0D81-360B-4CC0-98C6-6C8129CE7187}" destId="{1E8D9E9F-1653-4768-993E-08EC2E5A6E9D}" srcOrd="9" destOrd="0" presId="urn:microsoft.com/office/officeart/2005/8/layout/hProcess11"/>
+    <dgm:cxn modelId="{70B8C9E2-5BA0-4BAE-B74C-BA136FA19CAB}" type="presParOf" srcId="{5CCD0D81-360B-4CC0-98C6-6C8129CE7187}" destId="{322612A4-96ED-491D-8148-F9A2B34AD289}" srcOrd="10" destOrd="0" presId="urn:microsoft.com/office/officeart/2005/8/layout/hProcess11"/>
+    <dgm:cxn modelId="{5EC56E55-088D-41D9-9F51-3C8253E3DEB6}" type="presParOf" srcId="{322612A4-96ED-491D-8148-F9A2B34AD289}" destId="{DF520769-FC51-4284-84DC-D345C7025315}" srcOrd="0" destOrd="0" presId="urn:microsoft.com/office/officeart/2005/8/layout/hProcess11"/>
+    <dgm:cxn modelId="{D269671F-1EFF-4622-B0D4-20F15C4AAF83}" type="presParOf" srcId="{322612A4-96ED-491D-8148-F9A2B34AD289}" destId="{AF3409C8-313C-4D01-B37C-B07C4FD355FC}" srcOrd="1" destOrd="0" presId="urn:microsoft.com/office/officeart/2005/8/layout/hProcess11"/>
+    <dgm:cxn modelId="{49758406-834D-45F9-A18C-90D59CE0DD44}" type="presParOf" srcId="{322612A4-96ED-491D-8148-F9A2B34AD289}" destId="{DE04FD54-7872-49A2-8BC3-BEAE8BD35AAD}" srcOrd="2" destOrd="0" presId="urn:microsoft.com/office/officeart/2005/8/layout/hProcess11"/>
+    <dgm:cxn modelId="{89B37139-64E9-4249-A415-5D0668DBE61C}" type="presParOf" srcId="{5CCD0D81-360B-4CC0-98C6-6C8129CE7187}" destId="{D84F68CB-BDFF-4EBC-817C-EED2747E4A68}" srcOrd="11" destOrd="0" presId="urn:microsoft.com/office/officeart/2005/8/layout/hProcess11"/>
+    <dgm:cxn modelId="{7B0FDA7F-680E-4736-8A8A-66FB508FA703}" type="presParOf" srcId="{5CCD0D81-360B-4CC0-98C6-6C8129CE7187}" destId="{4D91080B-D46B-42E9-8953-467084D8B343}" srcOrd="12" destOrd="0" presId="urn:microsoft.com/office/officeart/2005/8/layout/hProcess11"/>
+    <dgm:cxn modelId="{23653198-8E44-48E2-8783-99680F23DEFE}" type="presParOf" srcId="{4D91080B-D46B-42E9-8953-467084D8B343}" destId="{03D8AACE-E855-4D1F-9736-1957EAD159E9}" srcOrd="0" destOrd="0" presId="urn:microsoft.com/office/officeart/2005/8/layout/hProcess11"/>
+    <dgm:cxn modelId="{90AB559F-BC60-4061-8AE6-68C0A86595C5}" type="presParOf" srcId="{4D91080B-D46B-42E9-8953-467084D8B343}" destId="{9AD4C18E-E8C4-4086-A5F2-06E36BCAD78E}" srcOrd="1" destOrd="0" presId="urn:microsoft.com/office/officeart/2005/8/layout/hProcess11"/>
+    <dgm:cxn modelId="{C46E37CA-99E3-497C-B95E-1D02CC966314}" type="presParOf" srcId="{4D91080B-D46B-42E9-8953-467084D8B343}" destId="{2F470670-B3A7-4E50-AF9D-2665756D4737}" srcOrd="2" destOrd="0" presId="urn:microsoft.com/office/officeart/2005/8/layout/hProcess11"/>
+  </dgm:cxnLst>
+  <dgm:bg/>
+  <dgm:whole/>
+  <dgm:extLst>
+    <a:ext uri="http://schemas.microsoft.com/office/drawing/2008/diagram">
+      <dsp:dataModelExt xmlns:dsp="http://schemas.microsoft.com/office/drawing/2008/diagram" relId="rId6" minVer="http://schemas.openxmlformats.org/drawingml/2006/diagram"/>
+    </a:ext>
+  </dgm:extLst>
+</dgm:dataModel>
+</file>
+
+<file path=ppt/diagrams/drawing1.xml><?xml version="1.0" encoding="utf-8"?>
+<dsp:drawing xmlns:dgm="http://schemas.openxmlformats.org/drawingml/2006/diagram" xmlns:dsp="http://schemas.microsoft.com/office/drawing/2008/diagram" xmlns:a="http://schemas.openxmlformats.org/drawingml/2006/main">
+  <dsp:spTree>
+    <dsp:nvGrpSpPr>
+      <dsp:cNvPr id="0" name=""/>
+      <dsp:cNvGrpSpPr/>
+    </dsp:nvGrpSpPr>
+    <dsp:grpSpPr/>
+    <dsp:sp modelId="{60799F41-7989-4AA1-B9E8-4EF51F0FF333}">
+      <dsp:nvSpPr>
+        <dsp:cNvPr id="0" name=""/>
+        <dsp:cNvSpPr/>
+      </dsp:nvSpPr>
+      <dsp:spPr>
+        <a:xfrm>
+          <a:off x="0" y="877610"/>
+          <a:ext cx="10231083" cy="1170147"/>
+        </a:xfrm>
+        <a:prstGeom prst="notchedRightArrow">
+          <a:avLst/>
+        </a:prstGeom>
+        <a:solidFill>
+          <a:schemeClr val="accent1">
+            <a:tint val="40000"/>
+            <a:hueOff val="0"/>
+            <a:satOff val="0"/>
+            <a:lumOff val="0"/>
+            <a:alphaOff val="0"/>
+          </a:schemeClr>
+        </a:solidFill>
+        <a:ln>
+          <a:noFill/>
+        </a:ln>
+        <a:effectLst/>
+      </dsp:spPr>
+      <dsp:style>
+        <a:lnRef idx="0">
+          <a:scrgbClr r="0" g="0" b="0"/>
+        </a:lnRef>
+        <a:fillRef idx="1">
+          <a:scrgbClr r="0" g="0" b="0"/>
+        </a:fillRef>
+        <a:effectRef idx="0">
+          <a:scrgbClr r="0" g="0" b="0"/>
+        </a:effectRef>
+        <a:fontRef idx="minor"/>
+      </dsp:style>
+    </dsp:sp>
+    <dsp:sp modelId="{6810232A-C069-4BBA-BBD2-7BC82D197AC8}">
+      <dsp:nvSpPr>
+        <dsp:cNvPr id="0" name=""/>
+        <dsp:cNvSpPr/>
+      </dsp:nvSpPr>
+      <dsp:spPr>
+        <a:xfrm>
+          <a:off x="786" y="0"/>
+          <a:ext cx="1261150" cy="1170147"/>
+        </a:xfrm>
+        <a:prstGeom prst="rect">
+          <a:avLst/>
+        </a:prstGeom>
+        <a:noFill/>
+        <a:ln>
+          <a:noFill/>
+        </a:ln>
+        <a:effectLst/>
+      </dsp:spPr>
+      <dsp:style>
+        <a:lnRef idx="0">
+          <a:scrgbClr r="0" g="0" b="0"/>
+        </a:lnRef>
+        <a:fillRef idx="0">
+          <a:scrgbClr r="0" g="0" b="0"/>
+        </a:fillRef>
+        <a:effectRef idx="0">
+          <a:scrgbClr r="0" g="0" b="0"/>
+        </a:effectRef>
+        <a:fontRef idx="minor"/>
+      </dsp:style>
+      <dsp:txBody>
+        <a:bodyPr spcFirstLastPara="0" vert="horz" wrap="square" lIns="99568" tIns="99568" rIns="99568" bIns="99568" numCol="1" spcCol="1270" anchor="b" anchorCtr="0">
+          <a:noAutofit/>
+        </a:bodyPr>
+        <a:lstStyle/>
+        <a:p>
+          <a:pPr lvl="0" algn="ctr" defTabSz="622300">
+            <a:lnSpc>
+              <a:spcPct val="90000"/>
+            </a:lnSpc>
+            <a:spcBef>
+              <a:spcPct val="0"/>
+            </a:spcBef>
+            <a:spcAft>
+              <a:spcPct val="35000"/>
+            </a:spcAft>
+          </a:pPr>
+          <a:endParaRPr lang="en-GB" sz="1400" kern="1200" dirty="0"/>
+        </a:p>
+      </dsp:txBody>
+      <dsp:txXfrm>
+        <a:off x="786" y="0"/>
+        <a:ext cx="1261150" cy="1170147"/>
+      </dsp:txXfrm>
+    </dsp:sp>
+    <dsp:sp modelId="{1FC66F60-BB44-4240-88A0-7B8E82678D7A}">
+      <dsp:nvSpPr>
+        <dsp:cNvPr id="0" name=""/>
+        <dsp:cNvSpPr/>
+      </dsp:nvSpPr>
+      <dsp:spPr>
+        <a:xfrm>
+          <a:off x="485093" y="1316415"/>
+          <a:ext cx="292536" cy="292536"/>
+        </a:xfrm>
+        <a:prstGeom prst="ellipse">
+          <a:avLst/>
+        </a:prstGeom>
+        <a:solidFill>
+          <a:schemeClr val="accent1">
+            <a:hueOff val="0"/>
+            <a:satOff val="0"/>
+            <a:lumOff val="0"/>
+            <a:alphaOff val="0"/>
+          </a:schemeClr>
+        </a:solidFill>
+        <a:ln w="15875" cap="flat" cmpd="sng" algn="ctr">
+          <a:solidFill>
+            <a:schemeClr val="lt1">
+              <a:hueOff val="0"/>
+              <a:satOff val="0"/>
+              <a:lumOff val="0"/>
+              <a:alphaOff val="0"/>
+            </a:schemeClr>
+          </a:solidFill>
+          <a:prstDash val="solid"/>
+        </a:ln>
+        <a:effectLst/>
+      </dsp:spPr>
+      <dsp:style>
+        <a:lnRef idx="2">
+          <a:scrgbClr r="0" g="0" b="0"/>
+        </a:lnRef>
+        <a:fillRef idx="1">
+          <a:scrgbClr r="0" g="0" b="0"/>
+        </a:fillRef>
+        <a:effectRef idx="0">
+          <a:scrgbClr r="0" g="0" b="0"/>
+        </a:effectRef>
+        <a:fontRef idx="minor">
+          <a:schemeClr val="lt1"/>
+        </a:fontRef>
+      </dsp:style>
+    </dsp:sp>
+    <dsp:sp modelId="{D9A28F98-9710-4524-B177-E78A77379D8B}">
+      <dsp:nvSpPr>
+        <dsp:cNvPr id="0" name=""/>
+        <dsp:cNvSpPr/>
+      </dsp:nvSpPr>
+      <dsp:spPr>
+        <a:xfrm>
+          <a:off x="1324995" y="1755220"/>
+          <a:ext cx="1261150" cy="1170147"/>
+        </a:xfrm>
+        <a:prstGeom prst="rect">
+          <a:avLst/>
+        </a:prstGeom>
+        <a:noFill/>
+        <a:ln>
+          <a:noFill/>
+        </a:ln>
+        <a:effectLst/>
+      </dsp:spPr>
+      <dsp:style>
+        <a:lnRef idx="0">
+          <a:scrgbClr r="0" g="0" b="0"/>
+        </a:lnRef>
+        <a:fillRef idx="0">
+          <a:scrgbClr r="0" g="0" b="0"/>
+        </a:fillRef>
+        <a:effectRef idx="0">
+          <a:scrgbClr r="0" g="0" b="0"/>
+        </a:effectRef>
+        <a:fontRef idx="minor"/>
+      </dsp:style>
+      <dsp:txBody>
+        <a:bodyPr spcFirstLastPara="0" vert="horz" wrap="square" lIns="99568" tIns="99568" rIns="99568" bIns="99568" numCol="1" spcCol="1270" anchor="t" anchorCtr="0">
+          <a:noAutofit/>
+        </a:bodyPr>
+        <a:lstStyle/>
+        <a:p>
+          <a:pPr lvl="0" algn="ctr" defTabSz="622300">
+            <a:lnSpc>
+              <a:spcPct val="90000"/>
+            </a:lnSpc>
+            <a:spcBef>
+              <a:spcPct val="0"/>
+            </a:spcBef>
+            <a:spcAft>
+              <a:spcPct val="35000"/>
+            </a:spcAft>
+          </a:pPr>
+          <a:endParaRPr lang="en-GB" sz="1400" kern="1200" dirty="0"/>
+        </a:p>
+      </dsp:txBody>
+      <dsp:txXfrm>
+        <a:off x="1324995" y="1755220"/>
+        <a:ext cx="1261150" cy="1170147"/>
+      </dsp:txXfrm>
+    </dsp:sp>
+    <dsp:sp modelId="{C71A848B-1FFA-4C48-9A15-3C391FD7A94C}">
+      <dsp:nvSpPr>
+        <dsp:cNvPr id="0" name=""/>
+        <dsp:cNvSpPr/>
+      </dsp:nvSpPr>
+      <dsp:spPr>
+        <a:xfrm>
+          <a:off x="1809302" y="1316415"/>
+          <a:ext cx="292536" cy="292536"/>
+        </a:xfrm>
+        <a:prstGeom prst="ellipse">
+          <a:avLst/>
+        </a:prstGeom>
+        <a:solidFill>
+          <a:schemeClr val="accent1">
+            <a:hueOff val="0"/>
+            <a:satOff val="0"/>
+            <a:lumOff val="0"/>
+            <a:alphaOff val="0"/>
+          </a:schemeClr>
+        </a:solidFill>
+        <a:ln w="15875" cap="flat" cmpd="sng" algn="ctr">
+          <a:solidFill>
+            <a:schemeClr val="lt1">
+              <a:hueOff val="0"/>
+              <a:satOff val="0"/>
+              <a:lumOff val="0"/>
+              <a:alphaOff val="0"/>
+            </a:schemeClr>
+          </a:solidFill>
+          <a:prstDash val="solid"/>
+        </a:ln>
+        <a:effectLst/>
+      </dsp:spPr>
+      <dsp:style>
+        <a:lnRef idx="2">
+          <a:scrgbClr r="0" g="0" b="0"/>
+        </a:lnRef>
+        <a:fillRef idx="1">
+          <a:scrgbClr r="0" g="0" b="0"/>
+        </a:fillRef>
+        <a:effectRef idx="0">
+          <a:scrgbClr r="0" g="0" b="0"/>
+        </a:effectRef>
+        <a:fontRef idx="minor">
+          <a:schemeClr val="lt1"/>
+        </a:fontRef>
+      </dsp:style>
+    </dsp:sp>
+    <dsp:sp modelId="{49B98997-A726-433D-94FF-467BFB2ADCAF}">
+      <dsp:nvSpPr>
+        <dsp:cNvPr id="0" name=""/>
+        <dsp:cNvSpPr/>
+      </dsp:nvSpPr>
+      <dsp:spPr>
+        <a:xfrm>
+          <a:off x="2649203" y="0"/>
+          <a:ext cx="1261150" cy="1170147"/>
+        </a:xfrm>
+        <a:prstGeom prst="rect">
+          <a:avLst/>
+        </a:prstGeom>
+        <a:noFill/>
+        <a:ln>
+          <a:noFill/>
+        </a:ln>
+        <a:effectLst/>
+      </dsp:spPr>
+      <dsp:style>
+        <a:lnRef idx="0">
+          <a:scrgbClr r="0" g="0" b="0"/>
+        </a:lnRef>
+        <a:fillRef idx="0">
+          <a:scrgbClr r="0" g="0" b="0"/>
+        </a:fillRef>
+        <a:effectRef idx="0">
+          <a:scrgbClr r="0" g="0" b="0"/>
+        </a:effectRef>
+        <a:fontRef idx="minor"/>
+      </dsp:style>
+      <dsp:txBody>
+        <a:bodyPr spcFirstLastPara="0" vert="horz" wrap="square" lIns="99568" tIns="99568" rIns="99568" bIns="99568" numCol="1" spcCol="1270" anchor="b" anchorCtr="0">
+          <a:noAutofit/>
+        </a:bodyPr>
+        <a:lstStyle/>
+        <a:p>
+          <a:pPr lvl="0" algn="ctr" defTabSz="622300">
+            <a:lnSpc>
+              <a:spcPct val="90000"/>
+            </a:lnSpc>
+            <a:spcBef>
+              <a:spcPct val="0"/>
+            </a:spcBef>
+            <a:spcAft>
+              <a:spcPct val="35000"/>
+            </a:spcAft>
+          </a:pPr>
+          <a:endParaRPr lang="en-GB" sz="1400" kern="1200" dirty="0"/>
+        </a:p>
+      </dsp:txBody>
+      <dsp:txXfrm>
+        <a:off x="2649203" y="0"/>
+        <a:ext cx="1261150" cy="1170147"/>
+      </dsp:txXfrm>
+    </dsp:sp>
+    <dsp:sp modelId="{7A7982EF-506A-4766-9D8E-A14917FDF4F3}">
+      <dsp:nvSpPr>
+        <dsp:cNvPr id="0" name=""/>
+        <dsp:cNvSpPr/>
+      </dsp:nvSpPr>
+      <dsp:spPr>
+        <a:xfrm>
+          <a:off x="3133510" y="1316415"/>
+          <a:ext cx="292536" cy="292536"/>
+        </a:xfrm>
+        <a:prstGeom prst="ellipse">
+          <a:avLst/>
+        </a:prstGeom>
+        <a:solidFill>
+          <a:schemeClr val="accent1">
+            <a:hueOff val="0"/>
+            <a:satOff val="0"/>
+            <a:lumOff val="0"/>
+            <a:alphaOff val="0"/>
+          </a:schemeClr>
+        </a:solidFill>
+        <a:ln w="15875" cap="flat" cmpd="sng" algn="ctr">
+          <a:solidFill>
+            <a:schemeClr val="lt1">
+              <a:hueOff val="0"/>
+              <a:satOff val="0"/>
+              <a:lumOff val="0"/>
+              <a:alphaOff val="0"/>
+            </a:schemeClr>
+          </a:solidFill>
+          <a:prstDash val="solid"/>
+        </a:ln>
+        <a:effectLst/>
+      </dsp:spPr>
+      <dsp:style>
+        <a:lnRef idx="2">
+          <a:scrgbClr r="0" g="0" b="0"/>
+        </a:lnRef>
+        <a:fillRef idx="1">
+          <a:scrgbClr r="0" g="0" b="0"/>
+        </a:fillRef>
+        <a:effectRef idx="0">
+          <a:scrgbClr r="0" g="0" b="0"/>
+        </a:effectRef>
+        <a:fontRef idx="minor">
+          <a:schemeClr val="lt1"/>
+        </a:fontRef>
+      </dsp:style>
+    </dsp:sp>
+    <dsp:sp modelId="{F622832A-050B-4EB9-99E6-8F1AAFA7A166}">
+      <dsp:nvSpPr>
+        <dsp:cNvPr id="0" name=""/>
+        <dsp:cNvSpPr/>
+      </dsp:nvSpPr>
+      <dsp:spPr>
+        <a:xfrm>
+          <a:off x="3973412" y="1755220"/>
+          <a:ext cx="1261150" cy="1170147"/>
+        </a:xfrm>
+        <a:prstGeom prst="rect">
+          <a:avLst/>
+        </a:prstGeom>
+        <a:noFill/>
+        <a:ln>
+          <a:noFill/>
+        </a:ln>
+        <a:effectLst/>
+      </dsp:spPr>
+      <dsp:style>
+        <a:lnRef idx="0">
+          <a:scrgbClr r="0" g="0" b="0"/>
+        </a:lnRef>
+        <a:fillRef idx="0">
+          <a:scrgbClr r="0" g="0" b="0"/>
+        </a:fillRef>
+        <a:effectRef idx="0">
+          <a:scrgbClr r="0" g="0" b="0"/>
+        </a:effectRef>
+        <a:fontRef idx="minor"/>
+      </dsp:style>
+      <dsp:txBody>
+        <a:bodyPr spcFirstLastPara="0" vert="horz" wrap="square" lIns="99568" tIns="99568" rIns="99568" bIns="99568" numCol="1" spcCol="1270" anchor="t" anchorCtr="0">
+          <a:noAutofit/>
+        </a:bodyPr>
+        <a:lstStyle/>
+        <a:p>
+          <a:pPr lvl="0" algn="ctr" defTabSz="622300">
+            <a:lnSpc>
+              <a:spcPct val="90000"/>
+            </a:lnSpc>
+            <a:spcBef>
+              <a:spcPct val="0"/>
+            </a:spcBef>
+            <a:spcAft>
+              <a:spcPct val="35000"/>
+            </a:spcAft>
+          </a:pPr>
+          <a:endParaRPr lang="en-GB" sz="1400" kern="1200" dirty="0"/>
+        </a:p>
+      </dsp:txBody>
+      <dsp:txXfrm>
+        <a:off x="3973412" y="1755220"/>
+        <a:ext cx="1261150" cy="1170147"/>
+      </dsp:txXfrm>
+    </dsp:sp>
+    <dsp:sp modelId="{83BCC723-B429-48B2-BBB5-D1A4D76E9EAA}">
+      <dsp:nvSpPr>
+        <dsp:cNvPr id="0" name=""/>
+        <dsp:cNvSpPr/>
+      </dsp:nvSpPr>
+      <dsp:spPr>
+        <a:xfrm>
+          <a:off x="4457719" y="1316415"/>
+          <a:ext cx="292536" cy="292536"/>
+        </a:xfrm>
+        <a:prstGeom prst="ellipse">
+          <a:avLst/>
+        </a:prstGeom>
+        <a:solidFill>
+          <a:schemeClr val="accent1">
+            <a:hueOff val="0"/>
+            <a:satOff val="0"/>
+            <a:lumOff val="0"/>
+            <a:alphaOff val="0"/>
+          </a:schemeClr>
+        </a:solidFill>
+        <a:ln w="15875" cap="flat" cmpd="sng" algn="ctr">
+          <a:solidFill>
+            <a:schemeClr val="lt1">
+              <a:hueOff val="0"/>
+              <a:satOff val="0"/>
+              <a:lumOff val="0"/>
+              <a:alphaOff val="0"/>
+            </a:schemeClr>
+          </a:solidFill>
+          <a:prstDash val="solid"/>
+        </a:ln>
+        <a:effectLst/>
+      </dsp:spPr>
+      <dsp:style>
+        <a:lnRef idx="2">
+          <a:scrgbClr r="0" g="0" b="0"/>
+        </a:lnRef>
+        <a:fillRef idx="1">
+          <a:scrgbClr r="0" g="0" b="0"/>
+        </a:fillRef>
+        <a:effectRef idx="0">
+          <a:scrgbClr r="0" g="0" b="0"/>
+        </a:effectRef>
+        <a:fontRef idx="minor">
+          <a:schemeClr val="lt1"/>
+        </a:fontRef>
+      </dsp:style>
+    </dsp:sp>
+    <dsp:sp modelId="{50085456-D334-4C9E-B8C2-A46683D1A093}">
+      <dsp:nvSpPr>
+        <dsp:cNvPr id="0" name=""/>
+        <dsp:cNvSpPr/>
+      </dsp:nvSpPr>
+      <dsp:spPr>
+        <a:xfrm>
+          <a:off x="5297620" y="0"/>
+          <a:ext cx="1261150" cy="1170147"/>
+        </a:xfrm>
+        <a:prstGeom prst="rect">
+          <a:avLst/>
+        </a:prstGeom>
+        <a:noFill/>
+        <a:ln>
+          <a:noFill/>
+        </a:ln>
+        <a:effectLst/>
+      </dsp:spPr>
+      <dsp:style>
+        <a:lnRef idx="0">
+          <a:scrgbClr r="0" g="0" b="0"/>
+        </a:lnRef>
+        <a:fillRef idx="0">
+          <a:scrgbClr r="0" g="0" b="0"/>
+        </a:fillRef>
+        <a:effectRef idx="0">
+          <a:scrgbClr r="0" g="0" b="0"/>
+        </a:effectRef>
+        <a:fontRef idx="minor"/>
+      </dsp:style>
+      <dsp:txBody>
+        <a:bodyPr spcFirstLastPara="0" vert="horz" wrap="square" lIns="99568" tIns="99568" rIns="99568" bIns="99568" numCol="1" spcCol="1270" anchor="b" anchorCtr="0">
+          <a:noAutofit/>
+        </a:bodyPr>
+        <a:lstStyle/>
+        <a:p>
+          <a:pPr lvl="0" algn="ctr" defTabSz="622300">
+            <a:lnSpc>
+              <a:spcPct val="90000"/>
+            </a:lnSpc>
+            <a:spcBef>
+              <a:spcPct val="0"/>
+            </a:spcBef>
+            <a:spcAft>
+              <a:spcPct val="35000"/>
+            </a:spcAft>
+          </a:pPr>
+          <a:endParaRPr lang="en-GB" sz="1400" kern="1200" dirty="0"/>
+        </a:p>
+      </dsp:txBody>
+      <dsp:txXfrm>
+        <a:off x="5297620" y="0"/>
+        <a:ext cx="1261150" cy="1170147"/>
+      </dsp:txXfrm>
+    </dsp:sp>
+    <dsp:sp modelId="{F75140FE-FF79-47F0-87E8-20FFCBC371E3}">
+      <dsp:nvSpPr>
+        <dsp:cNvPr id="0" name=""/>
+        <dsp:cNvSpPr/>
+      </dsp:nvSpPr>
+      <dsp:spPr>
+        <a:xfrm>
+          <a:off x="5781927" y="1316415"/>
+          <a:ext cx="292536" cy="292536"/>
+        </a:xfrm>
+        <a:prstGeom prst="ellipse">
+          <a:avLst/>
+        </a:prstGeom>
+        <a:solidFill>
+          <a:schemeClr val="accent1">
+            <a:hueOff val="0"/>
+            <a:satOff val="0"/>
+            <a:lumOff val="0"/>
+            <a:alphaOff val="0"/>
+          </a:schemeClr>
+        </a:solidFill>
+        <a:ln w="15875" cap="flat" cmpd="sng" algn="ctr">
+          <a:solidFill>
+            <a:schemeClr val="lt1">
+              <a:hueOff val="0"/>
+              <a:satOff val="0"/>
+              <a:lumOff val="0"/>
+              <a:alphaOff val="0"/>
+            </a:schemeClr>
+          </a:solidFill>
+          <a:prstDash val="solid"/>
+        </a:ln>
+        <a:effectLst/>
+      </dsp:spPr>
+      <dsp:style>
+        <a:lnRef idx="2">
+          <a:scrgbClr r="0" g="0" b="0"/>
+        </a:lnRef>
+        <a:fillRef idx="1">
+          <a:scrgbClr r="0" g="0" b="0"/>
+        </a:fillRef>
+        <a:effectRef idx="0">
+          <a:scrgbClr r="0" g="0" b="0"/>
+        </a:effectRef>
+        <a:fontRef idx="minor">
+          <a:schemeClr val="lt1"/>
+        </a:fontRef>
+      </dsp:style>
+    </dsp:sp>
+    <dsp:sp modelId="{DF520769-FC51-4284-84DC-D345C7025315}">
+      <dsp:nvSpPr>
+        <dsp:cNvPr id="0" name=""/>
+        <dsp:cNvSpPr/>
+      </dsp:nvSpPr>
+      <dsp:spPr>
+        <a:xfrm>
+          <a:off x="6621829" y="1755220"/>
+          <a:ext cx="1261150" cy="1170147"/>
+        </a:xfrm>
+        <a:prstGeom prst="rect">
+          <a:avLst/>
+        </a:prstGeom>
+        <a:noFill/>
+        <a:ln>
+          <a:noFill/>
+        </a:ln>
+        <a:effectLst/>
+      </dsp:spPr>
+      <dsp:style>
+        <a:lnRef idx="0">
+          <a:scrgbClr r="0" g="0" b="0"/>
+        </a:lnRef>
+        <a:fillRef idx="0">
+          <a:scrgbClr r="0" g="0" b="0"/>
+        </a:fillRef>
+        <a:effectRef idx="0">
+          <a:scrgbClr r="0" g="0" b="0"/>
+        </a:effectRef>
+        <a:fontRef idx="minor"/>
+      </dsp:style>
+      <dsp:txBody>
+        <a:bodyPr spcFirstLastPara="0" vert="horz" wrap="square" lIns="99568" tIns="99568" rIns="99568" bIns="99568" numCol="1" spcCol="1270" anchor="t" anchorCtr="0">
+          <a:noAutofit/>
+        </a:bodyPr>
+        <a:lstStyle/>
+        <a:p>
+          <a:pPr lvl="0" algn="ctr" defTabSz="622300">
+            <a:lnSpc>
+              <a:spcPct val="90000"/>
+            </a:lnSpc>
+            <a:spcBef>
+              <a:spcPct val="0"/>
+            </a:spcBef>
+            <a:spcAft>
+              <a:spcPct val="35000"/>
+            </a:spcAft>
+          </a:pPr>
+          <a:endParaRPr lang="en-GB" sz="1400" kern="1200" dirty="0"/>
+        </a:p>
+      </dsp:txBody>
+      <dsp:txXfrm>
+        <a:off x="6621829" y="1755220"/>
+        <a:ext cx="1261150" cy="1170147"/>
+      </dsp:txXfrm>
+    </dsp:sp>
+    <dsp:sp modelId="{AF3409C8-313C-4D01-B37C-B07C4FD355FC}">
+      <dsp:nvSpPr>
+        <dsp:cNvPr id="0" name=""/>
+        <dsp:cNvSpPr/>
+      </dsp:nvSpPr>
+      <dsp:spPr>
+        <a:xfrm>
+          <a:off x="7106136" y="1316415"/>
+          <a:ext cx="292536" cy="292536"/>
+        </a:xfrm>
+        <a:prstGeom prst="ellipse">
+          <a:avLst/>
+        </a:prstGeom>
+        <a:solidFill>
+          <a:schemeClr val="accent1">
+            <a:hueOff val="0"/>
+            <a:satOff val="0"/>
+            <a:lumOff val="0"/>
+            <a:alphaOff val="0"/>
+          </a:schemeClr>
+        </a:solidFill>
+        <a:ln w="15875" cap="flat" cmpd="sng" algn="ctr">
+          <a:solidFill>
+            <a:schemeClr val="lt1">
+              <a:hueOff val="0"/>
+              <a:satOff val="0"/>
+              <a:lumOff val="0"/>
+              <a:alphaOff val="0"/>
+            </a:schemeClr>
+          </a:solidFill>
+          <a:prstDash val="solid"/>
+        </a:ln>
+        <a:effectLst/>
+      </dsp:spPr>
+      <dsp:style>
+        <a:lnRef idx="2">
+          <a:scrgbClr r="0" g="0" b="0"/>
+        </a:lnRef>
+        <a:fillRef idx="1">
+          <a:scrgbClr r="0" g="0" b="0"/>
+        </a:fillRef>
+        <a:effectRef idx="0">
+          <a:scrgbClr r="0" g="0" b="0"/>
+        </a:effectRef>
+        <a:fontRef idx="minor">
+          <a:schemeClr val="lt1"/>
+        </a:fontRef>
+      </dsp:style>
+    </dsp:sp>
+    <dsp:sp modelId="{03D8AACE-E855-4D1F-9736-1957EAD159E9}">
+      <dsp:nvSpPr>
+        <dsp:cNvPr id="0" name=""/>
+        <dsp:cNvSpPr/>
+      </dsp:nvSpPr>
+      <dsp:spPr>
+        <a:xfrm>
+          <a:off x="7946037" y="0"/>
+          <a:ext cx="1261150" cy="1170147"/>
+        </a:xfrm>
+        <a:prstGeom prst="rect">
+          <a:avLst/>
+        </a:prstGeom>
+        <a:noFill/>
+        <a:ln>
+          <a:noFill/>
+        </a:ln>
+        <a:effectLst/>
+      </dsp:spPr>
+      <dsp:style>
+        <a:lnRef idx="0">
+          <a:scrgbClr r="0" g="0" b="0"/>
+        </a:lnRef>
+        <a:fillRef idx="0">
+          <a:scrgbClr r="0" g="0" b="0"/>
+        </a:fillRef>
+        <a:effectRef idx="0">
+          <a:scrgbClr r="0" g="0" b="0"/>
+        </a:effectRef>
+        <a:fontRef idx="minor"/>
+      </dsp:style>
+      <dsp:txBody>
+        <a:bodyPr spcFirstLastPara="0" vert="horz" wrap="square" lIns="99568" tIns="99568" rIns="99568" bIns="99568" numCol="1" spcCol="1270" anchor="b" anchorCtr="0">
+          <a:noAutofit/>
+        </a:bodyPr>
+        <a:lstStyle/>
+        <a:p>
+          <a:pPr lvl="0" algn="ctr" defTabSz="622300">
+            <a:lnSpc>
+              <a:spcPct val="90000"/>
+            </a:lnSpc>
+            <a:spcBef>
+              <a:spcPct val="0"/>
+            </a:spcBef>
+            <a:spcAft>
+              <a:spcPct val="35000"/>
+            </a:spcAft>
+          </a:pPr>
+          <a:endParaRPr lang="en-GB" sz="1400" kern="1200" dirty="0"/>
+        </a:p>
+      </dsp:txBody>
+      <dsp:txXfrm>
+        <a:off x="7946037" y="0"/>
+        <a:ext cx="1261150" cy="1170147"/>
+      </dsp:txXfrm>
+    </dsp:sp>
+    <dsp:sp modelId="{9AD4C18E-E8C4-4086-A5F2-06E36BCAD78E}">
+      <dsp:nvSpPr>
+        <dsp:cNvPr id="0" name=""/>
+        <dsp:cNvSpPr/>
+      </dsp:nvSpPr>
+      <dsp:spPr>
+        <a:xfrm>
+          <a:off x="8430344" y="1316415"/>
+          <a:ext cx="292536" cy="292536"/>
+        </a:xfrm>
+        <a:prstGeom prst="ellipse">
+          <a:avLst/>
+        </a:prstGeom>
+        <a:solidFill>
+          <a:schemeClr val="accent1">
+            <a:hueOff val="0"/>
+            <a:satOff val="0"/>
+            <a:lumOff val="0"/>
+            <a:alphaOff val="0"/>
+          </a:schemeClr>
+        </a:solidFill>
+        <a:ln w="15875" cap="flat" cmpd="sng" algn="ctr">
+          <a:solidFill>
+            <a:schemeClr val="lt1">
+              <a:hueOff val="0"/>
+              <a:satOff val="0"/>
+              <a:lumOff val="0"/>
+              <a:alphaOff val="0"/>
+            </a:schemeClr>
+          </a:solidFill>
+          <a:prstDash val="solid"/>
+        </a:ln>
+        <a:effectLst/>
+      </dsp:spPr>
+      <dsp:style>
+        <a:lnRef idx="2">
+          <a:scrgbClr r="0" g="0" b="0"/>
+        </a:lnRef>
+        <a:fillRef idx="1">
+          <a:scrgbClr r="0" g="0" b="0"/>
+        </a:fillRef>
+        <a:effectRef idx="0">
+          <a:scrgbClr r="0" g="0" b="0"/>
+        </a:effectRef>
+        <a:fontRef idx="minor">
+          <a:schemeClr val="lt1"/>
+        </a:fontRef>
+      </dsp:style>
+    </dsp:sp>
+  </dsp:spTree>
+</dsp:drawing>
+</file>
+
+<file path=ppt/diagrams/layout1.xml><?xml version="1.0" encoding="utf-8"?>
+<dgm:layoutDef xmlns:dgm="http://schemas.openxmlformats.org/drawingml/2006/diagram" xmlns:a="http://schemas.openxmlformats.org/drawingml/2006/main" uniqueId="urn:microsoft.com/office/officeart/2005/8/layout/hProcess11">
+  <dgm:title val=""/>
+  <dgm:desc val=""/>
+  <dgm:catLst>
+    <dgm:cat type="process" pri="8000"/>
+    <dgm:cat type="convert" pri="14000"/>
+  </dgm:catLst>
+  <dgm:sampData useDef="1">
+    <dgm:dataModel>
+      <dgm:ptLst/>
+      <dgm:bg/>
+      <dgm:whole/>
+    </dgm:dataModel>
+  </dgm:sampData>
+  <dgm:styleData>
+    <dgm:dataModel>
+      <dgm:ptLst>
+        <dgm:pt modelId="0" type="doc"/>
+        <dgm:pt modelId="1"/>
+        <dgm:pt modelId="2"/>
+      </dgm:ptLst>
+      <dgm:cxnLst>
+        <dgm:cxn modelId="4" srcId="0" destId="1" srcOrd="0" destOrd="0"/>
+        <dgm:cxn modelId="5" srcId="0" destId="2" srcOrd="1" destOrd="0"/>
+      </dgm:cxnLst>
+      <dgm:bg/>
+      <dgm:whole/>
+    </dgm:dataModel>
+  </dgm:styleData>
+  <dgm:clrData>
+    <dgm:dataModel>
+      <dgm:ptLst>
+        <dgm:pt modelId="0" type="doc"/>
+        <dgm:pt modelId="1"/>
+        <dgm:pt modelId="2"/>
+        <dgm:pt modelId="3"/>
+        <dgm:pt modelId="4"/>
+      </dgm:ptLst>
+      <dgm:cxnLst>
+        <dgm:cxn modelId="5" srcId="0" destId="1" srcOrd="0" destOrd="0"/>
+        <dgm:cxn modelId="6" srcId="0" destId="2" srcOrd="1" destOrd="0"/>
+        <dgm:cxn modelId="7" srcId="0" destId="3" srcOrd="2" destOrd="0"/>
+        <dgm:cxn modelId="8" srcId="0" destId="4" srcOrd="3" destOrd="0"/>
+      </dgm:cxnLst>
+      <dgm:bg/>
+      <dgm:whole/>
+    </dgm:dataModel>
+  </dgm:clrData>
+  <dgm:layoutNode name="Name0">
+    <dgm:varLst>
+      <dgm:dir/>
+      <dgm:resizeHandles val="exact"/>
+    </dgm:varLst>
+    <dgm:alg type="composite"/>
+    <dgm:shape xmlns:r="http://schemas.openxmlformats.org/officeDocument/2006/relationships" r:blip="">
+      <dgm:adjLst/>
+    </dgm:shape>
+    <dgm:presOf/>
+    <dgm:choose name="Name1">
+      <dgm:if name="Name2" func="var" arg="dir" op="equ" val="norm">
+        <dgm:constrLst>
+          <dgm:constr type="w" for="ch" forName="arrow" refType="w"/>
+          <dgm:constr type="h" for="ch" forName="arrow" refType="h" fact="0.4"/>
+          <dgm:constr type="ctrY" for="ch" forName="arrow" refType="h" fact="0.5"/>
+          <dgm:constr type="l" for="ch" forName="arrow"/>
+          <dgm:constr type="w" for="ch" forName="points" refType="w" fact="0.9"/>
+          <dgm:constr type="h" for="ch" forName="points" refType="h"/>
+          <dgm:constr type="t" for="ch" forName="points"/>
+          <dgm:constr type="l" for="ch" forName="points"/>
+        </dgm:constrLst>
+      </dgm:if>
+      <dgm:else name="Name3">
+        <dgm:constrLst>
+          <dgm:constr type="w" for="ch" forName="arrow" refType="w"/>
+          <dgm:constr type="h" for="ch" forName="arrow" refType="h" fact="0.4"/>
+          <dgm:constr type="ctrY" for="ch" forName="arrow" refType="h" fact="0.5"/>
+          <dgm:constr type="r" for="ch" forName="arrow" refType="w"/>
+          <dgm:constr type="w" for="ch" forName="points" refType="w" fact="0.9"/>
+          <dgm:constr type="h" for="ch" forName="points" refType="h"/>
+          <dgm:constr type="t" for="ch" forName="points"/>
+          <dgm:constr type="r" for="ch" forName="points" refType="w"/>
+        </dgm:constrLst>
+      </dgm:else>
+    </dgm:choose>
+    <dgm:ruleLst/>
+    <dgm:layoutNode name="arrow" styleLbl="bgShp">
+      <dgm:alg type="sp"/>
+      <dgm:choose name="Name4">
+        <dgm:if name="Name5" func="var" arg="dir" op="equ" val="norm">
+          <dgm:shape xmlns:r="http://schemas.openxmlformats.org/officeDocument/2006/relationships" type="notchedRightArrow" r:blip="">
+            <dgm:adjLst/>
+          </dgm:shape>
+        </dgm:if>
+        <dgm:else name="Name6">
+          <dgm:shape xmlns:r="http://schemas.openxmlformats.org/officeDocument/2006/relationships" rot="180" type="notchedRightArrow" r:blip="">
+            <dgm:adjLst/>
+          </dgm:shape>
+        </dgm:else>
+      </dgm:choose>
+      <dgm:presOf/>
+      <dgm:constrLst/>
+      <dgm:ruleLst/>
+    </dgm:layoutNode>
+    <dgm:layoutNode name="points">
+      <dgm:choose name="Name7">
+        <dgm:if name="Name8" func="var" arg="dir" op="equ" val="norm">
+          <dgm:alg type="lin">
+            <dgm:param type="linDir" val="fromL"/>
+          </dgm:alg>
+        </dgm:if>
+        <dgm:else name="Name9">
+          <dgm:alg type="lin">
+            <dgm:param type="linDir" val="fromR"/>
+          </dgm:alg>
+        </dgm:else>
+      </dgm:choose>
+      <dgm:shape xmlns:r="http://schemas.openxmlformats.org/officeDocument/2006/relationships" r:blip="">
+        <dgm:adjLst/>
+      </dgm:shape>
+      <dgm:presOf/>
+      <dgm:constrLst>
+        <dgm:constr type="w" for="ch" forName="compositeA" refType="w"/>
+        <dgm:constr type="h" for="ch" forName="compositeA" refType="h"/>
+        <dgm:constr type="w" for="ch" forName="compositeB" refType="w" refFor="ch" refForName="compositeA" op="equ"/>
+        <dgm:constr type="h" for="ch" forName="compositeB" refType="h" refFor="ch" refForName="compositeA" op="equ"/>
+        <dgm:constr type="primFontSz" for="des" ptType="node" op="equ" val="65"/>
+        <dgm:constr type="w" for="ch" forName="space" refType="w" refFor="ch" refForName="compositeA" op="equ" fact="0.05"/>
+      </dgm:constrLst>
+      <dgm:ruleLst/>
+      <dgm:forEach name="Name10" axis="ch" ptType="node">
+        <dgm:choose name="Name11">
+          <dgm:if name="Name12" axis="self" ptType="node" func="posOdd" op="equ" val="1">
+            <dgm:layoutNode name="compositeA">
+              <dgm:alg type="composite"/>
+              <dgm:shape xmlns:r="http://schemas.openxmlformats.org/officeDocument/2006/relationships" r:blip="">
+                <dgm:adjLst/>
+              </dgm:shape>
+              <dgm:presOf/>
+              <dgm:constrLst>
+                <dgm:constr type="w" for="ch" forName="textA" refType="w"/>
+                <dgm:constr type="h" for="ch" forName="textA" refType="h" fact="0.4"/>
+                <dgm:constr type="t" for="ch" forName="textA"/>
+                <dgm:constr type="l" for="ch" forName="textA"/>
+                <dgm:constr type="h" for="ch" forName="circleA" refType="h" fact="0.1"/>
+                <dgm:constr type="h" for="ch" forName="circleA" refType="w" op="lte"/>
+                <dgm:constr type="w" for="ch" forName="circleA" refType="h" refFor="ch" refForName="circleA" op="equ"/>
+                <dgm:constr type="ctrY" for="ch" forName="circleA" refType="h" fact="0.5"/>
+                <dgm:constr type="ctrX" for="ch" forName="circleA" refType="w" refFor="ch" refForName="textA" fact="0.5"/>
+                <dgm:constr type="w" for="ch" forName="spaceA" refType="w"/>
+                <dgm:constr type="h" for="ch" forName="spaceA" refType="h" fact="0.4"/>
+                <dgm:constr type="b" for="ch" forName="spaceA" refType="h"/>
+                <dgm:constr type="l" for="ch" forName="spaceA"/>
+              </dgm:constrLst>
+              <dgm:ruleLst/>
+              <dgm:layoutNode name="textA" styleLbl="revTx">
+                <dgm:varLst>
+                  <dgm:bulletEnabled val="1"/>
+                </dgm:varLst>
+                <dgm:alg type="tx">
+                  <dgm:param type="txAnchorVert" val="b"/>
+                  <dgm:param type="txAnchorVertCh" val="b"/>
+                  <dgm:param type="txAnchorHorzCh" val="ctr"/>
+                </dgm:alg>
+                <dgm:shape xmlns:r="http://schemas.openxmlformats.org/officeDocument/2006/relationships" type="rect" r:blip="">
+                  <dgm:adjLst/>
+                </dgm:shape>
+                <dgm:presOf axis="desOrSelf" ptType="node"/>
+                <dgm:constrLst/>
+                <dgm:ruleLst>
+                  <dgm:rule type="primFontSz" val="5" fact="NaN" max="NaN"/>
+                </dgm:ruleLst>
+              </dgm:layoutNode>
+              <dgm:layoutNode name="circleA">
+                <dgm:alg type="sp"/>
+                <dgm:shape xmlns:r="http://schemas.openxmlformats.org/officeDocument/2006/relationships" type="ellipse" r:blip="">
+                  <dgm:adjLst/>
+                </dgm:shape>
+                <dgm:presOf/>
+                <dgm:constrLst/>
+                <dgm:ruleLst/>
+              </dgm:layoutNode>
+              <dgm:layoutNode name="spaceA">
+                <dgm:alg type="sp"/>
+                <dgm:shape xmlns:r="http://schemas.openxmlformats.org/officeDocument/2006/relationships" r:blip="">
+                  <dgm:adjLst/>
+                </dgm:shape>
+                <dgm:presOf/>
+                <dgm:constrLst/>
+                <dgm:ruleLst/>
+              </dgm:layoutNode>
+            </dgm:layoutNode>
+          </dgm:if>
+          <dgm:else name="Name13">
+            <dgm:layoutNode name="compositeB">
+              <dgm:alg type="composite"/>
+              <dgm:shape xmlns:r="http://schemas.openxmlformats.org/officeDocument/2006/relationships" r:blip="">
+                <dgm:adjLst/>
+              </dgm:shape>
+              <dgm:presOf/>
+              <dgm:constrLst>
+                <dgm:constr type="w" for="ch" forName="textB" refType="w"/>
+                <dgm:constr type="h" for="ch" forName="textB" refType="h" fact="0.4"/>
+                <dgm:constr type="b" for="ch" forName="textB" refType="h"/>
+                <dgm:constr type="l" for="ch" forName="textB"/>
+                <dgm:constr type="h" for="ch" forName="circleB" refType="h" fact="0.1"/>
+                <dgm:constr type="w" for="ch" forName="circleB" refType="h" refFor="ch" refForName="circleB" op="equ"/>
+                <dgm:constr type="h" for="ch" forName="circleB" refType="w" op="lte"/>
+                <dgm:constr type="ctrY" for="ch" forName="circleB" refType="h" fact="0.5"/>
+                <dgm:constr type="ctrX" for="ch" forName="circleB" refType="w" refFor="ch" refForName="textB" fact="0.5"/>
+                <dgm:constr type="w" for="ch" forName="spaceB" refType="w"/>
+                <dgm:constr type="h" for="ch" forName="spaceB" refType="h" fact="0.4"/>
+                <dgm:constr type="t" for="ch" forName="spaceB"/>
+                <dgm:constr type="l" for="ch" forName="spaceB"/>
+              </dgm:constrLst>
+              <dgm:ruleLst/>
+              <dgm:layoutNode name="textB" styleLbl="revTx">
+                <dgm:varLst>
+                  <dgm:bulletEnabled val="1"/>
+                </dgm:varLst>
+                <dgm:alg type="tx">
+                  <dgm:param type="txAnchorVert" val="t"/>
+                  <dgm:param type="txAnchorVertCh" val="t"/>
+                  <dgm:param type="txAnchorHorzCh" val="ctr"/>
+                </dgm:alg>
+                <dgm:shape xmlns:r="http://schemas.openxmlformats.org/officeDocument/2006/relationships" type="rect" r:blip="">
+                  <dgm:adjLst/>
+                </dgm:shape>
+                <dgm:presOf axis="desOrSelf" ptType="node"/>
+                <dgm:constrLst/>
+                <dgm:ruleLst>
+                  <dgm:rule type="primFontSz" val="5" fact="NaN" max="NaN"/>
+                </dgm:ruleLst>
+              </dgm:layoutNode>
+              <dgm:layoutNode name="circleB">
+                <dgm:alg type="sp"/>
+                <dgm:shape xmlns:r="http://schemas.openxmlformats.org/officeDocument/2006/relationships" type="ellipse" r:blip="">
+                  <dgm:adjLst/>
+                </dgm:shape>
+                <dgm:presOf/>
+                <dgm:constrLst/>
+                <dgm:ruleLst/>
+              </dgm:layoutNode>
+              <dgm:layoutNode name="spaceB">
+                <dgm:alg type="sp"/>
+                <dgm:shape xmlns:r="http://schemas.openxmlformats.org/officeDocument/2006/relationships" r:blip="">
+                  <dgm:adjLst/>
+                </dgm:shape>
+                <dgm:presOf/>
+                <dgm:constrLst/>
+                <dgm:ruleLst/>
+              </dgm:layoutNode>
+            </dgm:layoutNode>
+          </dgm:else>
+        </dgm:choose>
+        <dgm:forEach name="Name14" axis="followSib" ptType="sibTrans" cnt="1">
+          <dgm:layoutNode name="space">
+            <dgm:alg type="sp"/>
+            <dgm:shape xmlns:r="http://schemas.openxmlformats.org/officeDocument/2006/relationships" r:blip="">
+              <dgm:adjLst/>
+            </dgm:shape>
+            <dgm:presOf/>
+            <dgm:constrLst/>
+            <dgm:ruleLst/>
+          </dgm:layoutNode>
+        </dgm:forEach>
+      </dgm:forEach>
+    </dgm:layoutNode>
+  </dgm:layoutNode>
+</dgm:layoutDef>
+</file>
+
+<file path=ppt/diagrams/quickStyle1.xml><?xml version="1.0" encoding="utf-8"?>
+<dgm:styleDef xmlns:dgm="http://schemas.openxmlformats.org/drawingml/2006/diagram" xmlns:a="http://schemas.openxmlformats.org/drawingml/2006/main" uniqueId="urn:microsoft.com/office/officeart/2005/8/quickstyle/simple1">
+  <dgm:title val=""/>
+  <dgm:desc val=""/>
+  <dgm:catLst>
+    <dgm:cat type="simple" pri="10100"/>
+  </dgm:catLst>
+  <dgm:scene3d>
+    <a:camera prst="orthographicFront"/>
+    <a:lightRig rig="threePt" dir="t"/>
+  </dgm:scene3d>
+  <dgm:styleLbl name="node0">
+    <dgm:scene3d>
+      <a:camera prst="orthographicFront"/>
+      <a:lightRig rig="threePt" dir="t"/>
+    </dgm:scene3d>
+    <dgm:sp3d/>
+    <dgm:txPr/>
+    <dgm:style>
+      <a:lnRef idx="2">
+        <a:scrgbClr r="0" g="0" b="0"/>
+      </a:lnRef>
+      <a:fillRef idx="1">
+        <a:scrgbClr r="0" g="0" b="0"/>
+      </a:fillRef>
+      <a:effectRef idx="0">
+        <a:scrgbClr r="0" g="0" b="0"/>
+      </a:effectRef>
+      <a:fontRef idx="minor">
+        <a:schemeClr val="lt1"/>
+      </a:fontRef>
+    </dgm:style>
+  </dgm:styleLbl>
+  <dgm:styleLbl name="lnNode1">
+    <dgm:scene3d>
+      <a:camera prst="orthographicFront"/>
+      <a:lightRig rig="threePt" dir="t"/>
+    </dgm:scene3d>
+    <dgm:sp3d/>
+    <dgm:txPr/>
+    <dgm:style>
+      <a:lnRef idx="2">
+        <a:scrgbClr r="0" g="0" b="0"/>
+      </a:lnRef>
+      <a:fillRef idx="1">
+        <a:scrgbClr r="0" g="0" b="0"/>
+      </a:fillRef>
+      <a:effectRef idx="0">
+        <a:scrgbClr r="0" g="0" b="0"/>
+      </a:effectRef>
+      <a:fontRef idx="minor">
+        <a:schemeClr val="lt1"/>
+      </a:fontRef>
+    </dgm:style>
+  </dgm:styleLbl>
+  <dgm:styleLbl name="vennNode1">
+    <dgm:scene3d>
+      <a:camera prst="orthographicFront"/>
+      <a:lightRig rig="threePt" dir="t"/>
+    </dgm:scene3d>
+    <dgm:sp3d/>
+    <dgm:txPr/>
+    <dgm:style>
+      <a:lnRef idx="2">
+        <a:scrgbClr r="0" g="0" b="0"/>
+      </a:lnRef>
+      <a:fillRef idx="1">
+        <a:scrgbClr r="0" g="0" b="0"/>
+      </a:fillRef>
+      <a:effectRef idx="0">
+        <a:scrgbClr r="0" g="0" b="0"/>
+      </a:effectRef>
+      <a:fontRef idx="minor">
+        <a:schemeClr val="tx1"/>
+      </a:fontRef>
+    </dgm:style>
+  </dgm:styleLbl>
+  <dgm:styleLbl name="alignNode1">
+    <dgm:scene3d>
+      <a:camera prst="orthographicFront"/>
+      <a:lightRig rig="threePt" dir="t"/>
+    </dgm:scene3d>
+    <dgm:sp3d/>
+    <dgm:txPr/>
+    <dgm:style>
+      <a:lnRef idx="2">
+        <a:scrgbClr r="0" g="0" b="0"/>
+      </a:lnRef>
+      <a:fillRef idx="1">
+        <a:scrgbClr r="0" g="0" b="0"/>
+      </a:fillRef>
+      <a:effectRef idx="0">
+        <a:scrgbClr r="0" g="0" b="0"/>
+      </a:effectRef>
+      <a:fontRef idx="minor">
+        <a:schemeClr val="lt1"/>
+      </a:fontRef>
+    </dgm:style>
+  </dgm:styleLbl>
+  <dgm:styleLbl name="node1">
+    <dgm:scene3d>
+      <a:camera prst="orthographicFront"/>
+      <a:lightRig rig="threePt" dir="t"/>
+    </dgm:scene3d>
+    <dgm:sp3d/>
+    <dgm:txPr/>
+    <dgm:style>
+      <a:lnRef idx="2">
+        <a:scrgbClr r="0" g="0" b="0"/>
+      </a:lnRef>
+      <a:fillRef idx="1">
+        <a:scrgbClr r="0" g="0" b="0"/>
+      </a:fillRef>
+      <a:effectRef idx="0">
+        <a:scrgbClr r="0" g="0" b="0"/>
+      </a:effectRef>
+      <a:fontRef idx="minor">
+        <a:schemeClr val="lt1"/>
+      </a:fontRef>
+    </dgm:style>
+  </dgm:styleLbl>
+  <dgm:styleLbl name="node2">
+    <dgm:scene3d>
+      <a:camera prst="orthographicFront"/>
+      <a:lightRig rig="threePt" dir="t"/>
+    </dgm:scene3d>
+    <dgm:sp3d/>
+    <dgm:txPr/>
+    <dgm:style>
+      <a:lnRef idx="2">
+        <a:scrgbClr r="0" g="0" b="0"/>
+      </a:lnRef>
+      <a:fillRef idx="1">
+        <a:scrgbClr r="0" g="0" b="0"/>
+      </a:fillRef>
+      <a:effectRef idx="0">
+        <a:scrgbClr r="0" g="0" b="0"/>
+      </a:effectRef>
+      <a:fontRef idx="minor">
+        <a:schemeClr val="lt1"/>
+      </a:fontRef>
+    </dgm:style>
+  </dgm:styleLbl>
+  <dgm:styleLbl name="node3">
+    <dgm:scene3d>
+      <a:camera prst="orthographicFront"/>
+      <a:lightRig rig="threePt" dir="t"/>
+    </dgm:scene3d>
+    <dgm:sp3d/>
+    <dgm:txPr/>
+    <dgm:style>
+      <a:lnRef idx="2">
+        <a:scrgbClr r="0" g="0" b="0"/>
+      </a:lnRef>
+      <a:fillRef idx="1">
+        <a:scrgbClr r="0" g="0" b="0"/>
+      </a:fillRef>
+      <a:effectRef idx="0">
+        <a:scrgbClr r="0" g="0" b="0"/>
+      </a:effectRef>
+      <a:fontRef idx="minor">
+        <a:schemeClr val="lt1"/>
+      </a:fontRef>
+    </dgm:style>
+  </dgm:styleLbl>
+  <dgm:styleLbl name="node4">
+    <dgm:scene3d>
+      <a:camera prst="orthographicFront"/>
+      <a:lightRig rig="threePt" dir="t"/>
+    </dgm:scene3d>
+    <dgm:sp3d/>
+    <dgm:txPr/>
+    <dgm:style>
+      <a:lnRef idx="2">
+        <a:scrgbClr r="0" g="0" b="0"/>
+      </a:lnRef>
+      <a:fillRef idx="1">
+        <a:scrgbClr r="0" g="0" b="0"/>
+      </a:fillRef>
+      <a:effectRef idx="0">
+        <a:scrgbClr r="0" g="0" b="0"/>
+      </a:effectRef>
+      <a:fontRef idx="minor">
+        <a:schemeClr val="lt1"/>
+      </a:fontRef>
+    </dgm:style>
+  </dgm:styleLbl>
+  <dgm:styleLbl name="fgImgPlace1">
+    <dgm:scene3d>
+      <a:camera prst="orthographicFront"/>
+      <a:lightRig rig="threePt" dir="t"/>
+    </dgm:scene3d>
+    <dgm:sp3d/>
+    <dgm:txPr/>
+    <dgm:style>
+      <a:lnRef idx="2">
+        <a:scrgbClr r="0" g="0" b="0"/>
+      </a:lnRef>
+      <a:fillRef idx="1">
+        <a:scrgbClr r="0" g="0" b="0"/>
+      </a:fillRef>
+      <a:effectRef idx="0">
+        <a:scrgbClr r="0" g="0" b="0"/>
+      </a:effectRef>
+      <a:fontRef idx="minor"/>
+    </dgm:style>
+  </dgm:styleLbl>
+  <dgm:styleLbl name="alignImgPlace1">
+    <dgm:scene3d>
+      <a:camera prst="orthographicFront"/>
+      <a:lightRig rig="threePt" dir="t"/>
+    </dgm:scene3d>
+    <dgm:sp3d/>
+    <dgm:txPr/>
+    <dgm:style>
+      <a:lnRef idx="2">
+        <a:scrgbClr r="0" g="0" b="0"/>
+      </a:lnRef>
+      <a:fillRef idx="1">
+        <a:scrgbClr r="0" g="0" b="0"/>
+      </a:fillRef>
+      <a:effectRef idx="0">
+        <a:scrgbClr r="0" g="0" b="0"/>
+      </a:effectRef>
+      <a:fontRef idx="minor"/>
+    </dgm:style>
+  </dgm:styleLbl>
+  <dgm:styleLbl name="bgImgPlace1">
+    <dgm:scene3d>
+      <a:camera prst="orthographicFront"/>
+      <a:lightRig rig="threePt" dir="t"/>
+    </dgm:scene3d>
+    <dgm:sp3d/>
+    <dgm:txPr/>
+    <dgm:style>
+      <a:lnRef idx="2">
+        <a:scrgbClr r="0" g="0" b="0"/>
+      </a:lnRef>
+      <a:fillRef idx="1">
+        <a:scrgbClr r="0" g="0" b="0"/>
+      </a:fillRef>
+      <a:effectRef idx="0">
+        <a:scrgbClr r="0" g="0" b="0"/>
+      </a:effectRef>
+      <a:fontRef idx="minor"/>
+    </dgm:style>
+  </dgm:styleLbl>
+  <dgm:styleLbl name="sibTrans2D1">
+    <dgm:scene3d>
+      <a:camera prst="orthographicFront"/>
+      <a:lightRig rig="threePt" dir="t"/>
+    </dgm:scene3d>
+    <dgm:sp3d/>
+    <dgm:txPr/>
+    <dgm:style>
+      <a:lnRef idx="0">
+        <a:scrgbClr r="0" g="0" b="0"/>
+      </a:lnRef>
+      <a:fillRef idx="1">
+        <a:scrgbClr r="0" g="0" b="0"/>
+      </a:fillRef>
+      <a:effectRef idx="0">
+        <a:scrgbClr r="0" g="0" b="0"/>
+      </a:effectRef>
+      <a:fontRef idx="minor">
+        <a:schemeClr val="lt1"/>
+      </a:fontRef>
+    </dgm:style>
+  </dgm:styleLbl>
+  <dgm:styleLbl name="fgSibTrans2D1">
+    <dgm:scene3d>
+      <a:camera prst="orthographicFront"/>
+      <a:lightRig rig="threePt" dir="t"/>
+    </dgm:scene3d>
+    <dgm:sp3d/>
+    <dgm:txPr/>
+    <dgm:style>
+      <a:lnRef idx="0">
+        <a:scrgbClr r="0" g="0" b="0"/>
+      </a:lnRef>
+      <a:fillRef idx="1">
+        <a:scrgbClr r="0" g="0" b="0"/>
+      </a:fillRef>
+      <a:effectRef idx="0">
+        <a:scrgbClr r="0" g="0" b="0"/>
+      </a:effectRef>
+      <a:fontRef idx="minor">
+        <a:schemeClr val="lt1"/>
+      </a:fontRef>
+    </dgm:style>
+  </dgm:styleLbl>
+  <dgm:styleLbl name="bgSibTrans2D1">
+    <dgm:scene3d>
+      <a:camera prst="orthographicFront"/>
+      <a:lightRig rig="threePt" dir="t"/>
+    </dgm:scene3d>
+    <dgm:sp3d/>
+    <dgm:txPr/>
+    <dgm:style>
+      <a:lnRef idx="0">
+        <a:scrgbClr r="0" g="0" b="0"/>
+      </a:lnRef>
+      <a:fillRef idx="1">
+        <a:scrgbClr r="0" g="0" b="0"/>
+      </a:fillRef>
+      <a:effectRef idx="0">
+        <a:scrgbClr r="0" g="0" b="0"/>
+      </a:effectRef>
+      <a:fontRef idx="minor">
+        <a:schemeClr val="lt1"/>
+      </a:fontRef>
+    </dgm:style>
+  </dgm:styleLbl>
+  <dgm:styleLbl name="sibTrans1D1">
+    <dgm:scene3d>
+      <a:camera prst="orthographicFront"/>
+      <a:lightRig rig="threePt" dir="t"/>
+    </dgm:scene3d>
+    <dgm:sp3d/>
+    <dgm:txPr/>
+    <dgm:style>
+      <a:lnRef idx="1">
+        <a:scrgbClr r="0" g="0" b="0"/>
+      </a:lnRef>
+      <a:fillRef idx="0">
+        <a:scrgbClr r="0" g="0" b="0"/>
+      </a:fillRef>
+      <a:effectRef idx="0">
+        <a:scrgbClr r="0" g="0" b="0"/>
+      </a:effectRef>
+      <a:fontRef idx="minor"/>
+    </dgm:style>
+  </dgm:styleLbl>
+  <dgm:styleLbl name="callout">
+    <dgm:scene3d>
+      <a:camera prst="orthographicFront"/>
+      <a:lightRig rig="threePt" dir="t"/>
+    </dgm:scene3d>
+    <dgm:sp3d/>
+    <dgm:txPr/>
+    <dgm:style>
+      <a:lnRef idx="2">
+        <a:scrgbClr r="0" g="0" b="0"/>
+      </a:lnRef>
+      <a:fillRef idx="1">
+        <a:scrgbClr r="0" g="0" b="0"/>
+      </a:fillRef>
+      <a:effectRef idx="0">
+        <a:scrgbClr r="0" g="0" b="0"/>
+      </a:effectRef>
+      <a:fontRef idx="minor"/>
+    </dgm:style>
+  </dgm:styleLbl>
+  <dgm:styleLbl name="asst0">
+    <dgm:scene3d>
+      <a:camera prst="orthographicFront"/>
+      <a:lightRig rig="threePt" dir="t"/>
+    </dgm:scene3d>
+    <dgm:sp3d/>
+    <dgm:txPr/>
+    <dgm:style>
+      <a:lnRef idx="2">
+        <a:scrgbClr r="0" g="0" b="0"/>
+      </a:lnRef>
+      <a:fillRef idx="1">
+        <a:scrgbClr r="0" g="0" b="0"/>
+      </a:fillRef>
+      <a:effectRef idx="0">
+        <a:scrgbClr r="0" g="0" b="0"/>
+      </a:effectRef>
+      <a:fontRef idx="minor">
+        <a:schemeClr val="lt1"/>
+      </a:fontRef>
+    </dgm:style>
+  </dgm:styleLbl>
+  <dgm:styleLbl name="asst1">
+    <dgm:scene3d>
+      <a:camera prst="orthographicFront"/>
+      <a:lightRig rig="threePt" dir="t"/>
+    </dgm:scene3d>
+    <dgm:sp3d/>
+    <dgm:txPr/>
+    <dgm:style>
+      <a:lnRef idx="2">
+        <a:scrgbClr r="0" g="0" b="0"/>
+      </a:lnRef>
+      <a:fillRef idx="1">
+        <a:scrgbClr r="0" g="0" b="0"/>
+      </a:fillRef>
+      <a:effectRef idx="0">
+        <a:scrgbClr r="0" g="0" b="0"/>
+      </a:effectRef>
+      <a:fontRef idx="minor">
+        <a:schemeClr val="lt1"/>
+      </a:fontRef>
+    </dgm:style>
+  </dgm:styleLbl>
+  <dgm:styleLbl name="asst2">
+    <dgm:scene3d>
+      <a:camera prst="orthographicFront"/>
+      <a:lightRig rig="threePt" dir="t"/>
+    </dgm:scene3d>
+    <dgm:sp3d/>
+    <dgm:txPr/>
+    <dgm:style>
+      <a:lnRef idx="2">
+        <a:scrgbClr r="0" g="0" b="0"/>
+      </a:lnRef>
+      <a:fillRef idx="1">
+        <a:scrgbClr r="0" g="0" b="0"/>
+      </a:fillRef>
+      <a:effectRef idx="0">
+        <a:scrgbClr r="0" g="0" b="0"/>
+      </a:effectRef>
+      <a:fontRef idx="minor">
+        <a:schemeClr val="lt1"/>
+      </a:fontRef>
+    </dgm:style>
+  </dgm:styleLbl>
+  <dgm:styleLbl name="asst3">
+    <dgm:scene3d>
+      <a:camera prst="orthographicFront"/>
+      <a:lightRig rig="threePt" dir="t"/>
+    </dgm:scene3d>
+    <dgm:sp3d/>
+    <dgm:txPr/>
+    <dgm:style>
+      <a:lnRef idx="2">
+        <a:scrgbClr r="0" g="0" b="0"/>
+      </a:lnRef>
+      <a:fillRef idx="1">
+        <a:scrgbClr r="0" g="0" b="0"/>
+      </a:fillRef>
+      <a:effectRef idx="0">
+        <a:scrgbClr r="0" g="0" b="0"/>
+      </a:effectRef>
+      <a:fontRef idx="minor">
+        <a:schemeClr val="lt1"/>
+      </a:fontRef>
+    </dgm:style>
+  </dgm:styleLbl>
+  <dgm:styleLbl name="asst4">
+    <dgm:scene3d>
+      <a:camera prst="orthographicFront"/>
+      <a:lightRig rig="threePt" dir="t"/>
+    </dgm:scene3d>
+    <dgm:sp3d/>
+    <dgm:txPr/>
+    <dgm:style>
+      <a:lnRef idx="2">
+        <a:scrgbClr r="0" g="0" b="0"/>
+      </a:lnRef>
+      <a:fillRef idx="1">
+        <a:scrgbClr r="0" g="0" b="0"/>
+      </a:fillRef>
+      <a:effectRef idx="0">
+        <a:scrgbClr r="0" g="0" b="0"/>
+      </a:effectRef>
+      <a:fontRef idx="minor">
+        <a:schemeClr val="lt1"/>
+      </a:fontRef>
+    </dgm:style>
+  </dgm:styleLbl>
+  <dgm:styleLbl name="parChTrans2D1">
+    <dgm:scene3d>
+      <a:camera prst="orthographicFront"/>
+      <a:lightRig rig="threePt" dir="t"/>
+    </dgm:scene3d>
+    <dgm:sp3d/>
+    <dgm:txPr/>
+    <dgm:style>
+      <a:lnRef idx="2">
+        <a:scrgbClr r="0" g="0" b="0"/>
+      </a:lnRef>
+      <a:fillRef idx="1">
+        <a:scrgbClr r="0" g="0" b="0"/>
+      </a:fillRef>
+      <a:effectRef idx="0">
+        <a:scrgbClr r="0" g="0" b="0"/>
+      </a:effectRef>
+      <a:fontRef idx="minor">
+        <a:schemeClr val="lt1"/>
+      </a:fontRef>
+    </dgm:style>
+  </dgm:styleLbl>
+  <dgm:styleLbl name="parChTrans2D2">
+    <dgm:scene3d>
+      <a:camera prst="orthographicFront"/>
+      <a:lightRig rig="threePt" dir="t"/>
+    </dgm:scene3d>
+    <dgm:sp3d/>
+    <dgm:txPr/>
+    <dgm:style>
+      <a:lnRef idx="2">
+        <a:scrgbClr r="0" g="0" b="0"/>
+      </a:lnRef>
+      <a:fillRef idx="1">
+        <a:scrgbClr r="0" g="0" b="0"/>
+      </a:fillRef>
+      <a:effectRef idx="0">
+        <a:scrgbClr r="0" g="0" b="0"/>
+      </a:effectRef>
+      <a:fontRef idx="minor">
+        <a:schemeClr val="lt1"/>
+      </a:fontRef>
+    </dgm:style>
+  </dgm:styleLbl>
+  <dgm:styleLbl name="parChTrans2D3">
+    <dgm:scene3d>
+      <a:camera prst="orthographicFront"/>
+      <a:lightRig rig="threePt" dir="t"/>
+    </dgm:scene3d>
+    <dgm:sp3d/>
+    <dgm:txPr/>
+    <dgm:style>
+      <a:lnRef idx="2">
+        <a:scrgbClr r="0" g="0" b="0"/>
+      </a:lnRef>
+      <a:fillRef idx="1">
+        <a:scrgbClr r="0" g="0" b="0"/>
+      </a:fillRef>
+      <a:effectRef idx="0">
+        <a:scrgbClr r="0" g="0" b="0"/>
+      </a:effectRef>
+      <a:fontRef idx="minor">
+        <a:schemeClr val="lt1"/>
+      </a:fontRef>
+    </dgm:style>
+  </dgm:styleLbl>
+  <dgm:styleLbl name="parChTrans2D4">
+    <dgm:scene3d>
+      <a:camera prst="orthographicFront"/>
+      <a:lightRig rig="threePt" dir="t"/>
+    </dgm:scene3d>
+    <dgm:sp3d/>
+    <dgm:txPr/>
+    <dgm:style>
+      <a:lnRef idx="2">
+        <a:scrgbClr r="0" g="0" b="0"/>
+      </a:lnRef>
+      <a:fillRef idx="1">
+        <a:scrgbClr r="0" g="0" b="0"/>
+      </a:fillRef>
+      <a:effectRef idx="0">
+        <a:scrgbClr r="0" g="0" b="0"/>
+      </a:effectRef>
+      <a:fontRef idx="minor">
+        <a:schemeClr val="lt1"/>
+      </a:fontRef>
+    </dgm:style>
+  </dgm:styleLbl>
+  <dgm:styleLbl name="parChTrans1D1">
+    <dgm:scene3d>
+      <a:camera prst="orthographicFront"/>
+      <a:lightRig rig="threePt" dir="t"/>
+    </dgm:scene3d>
+    <dgm:sp3d/>
+    <dgm:txPr/>
+    <dgm:style>
+      <a:lnRef idx="2">
+        <a:scrgbClr r="0" g="0" b="0"/>
+      </a:lnRef>
+      <a:fillRef idx="0">
+        <a:scrgbClr r="0" g="0" b="0"/>
+      </a:fillRef>
+      <a:effectRef idx="0">
+        <a:scrgbClr r="0" g="0" b="0"/>
+      </a:effectRef>
+      <a:fontRef idx="minor"/>
+    </dgm:style>
+  </dgm:styleLbl>
+  <dgm:styleLbl name="parChTrans1D2">
+    <dgm:scene3d>
+      <a:camera prst="orthographicFront"/>
+      <a:lightRig rig="threePt" dir="t"/>
+    </dgm:scene3d>
+    <dgm:sp3d/>
+    <dgm:txPr/>
+    <dgm:style>
+      <a:lnRef idx="2">
+        <a:scrgbClr r="0" g="0" b="0"/>
+      </a:lnRef>
+      <a:fillRef idx="0">
+        <a:scrgbClr r="0" g="0" b="0"/>
+      </a:fillRef>
+      <a:effectRef idx="0">
+        <a:scrgbClr r="0" g="0" b="0"/>
+      </a:effectRef>
+      <a:fontRef idx="minor"/>
+    </dgm:style>
+  </dgm:styleLbl>
+  <dgm:styleLbl name="parChTrans1D3">
+    <dgm:scene3d>
+      <a:camera prst="orthographicFront"/>
+      <a:lightRig rig="threePt" dir="t"/>
+    </dgm:scene3d>
+    <dgm:sp3d/>
+    <dgm:txPr/>
+    <dgm:style>
+      <a:lnRef idx="2">
+        <a:scrgbClr r="0" g="0" b="0"/>
+      </a:lnRef>
+      <a:fillRef idx="0">
+        <a:scrgbClr r="0" g="0" b="0"/>
+      </a:fillRef>
+      <a:effectRef idx="0">
+        <a:scrgbClr r="0" g="0" b="0"/>
+      </a:effectRef>
+      <a:fontRef idx="minor"/>
+    </dgm:style>
+  </dgm:styleLbl>
+  <dgm:styleLbl name="parChTrans1D4">
+    <dgm:scene3d>
+      <a:camera prst="orthographicFront"/>
+      <a:lightRig rig="threePt" dir="t"/>
+    </dgm:scene3d>
+    <dgm:sp3d/>
+    <dgm:txPr/>
+    <dgm:style>
+      <a:lnRef idx="2">
+        <a:scrgbClr r="0" g="0" b="0"/>
+      </a:lnRef>
+      <a:fillRef idx="0">
+        <a:scrgbClr r="0" g="0" b="0"/>
+      </a:fillRef>
+      <a:effectRef idx="0">
+        <a:scrgbClr r="0" g="0" b="0"/>
+      </a:effectRef>
+      <a:fontRef idx="minor"/>
+    </dgm:style>
+  </dgm:styleLbl>
+  <dgm:styleLbl name="fgAcc1">
+    <dgm:scene3d>
+      <a:camera prst="orthographicFront"/>
+      <a:lightRig rig="threePt" dir="t"/>
+    </dgm:scene3d>
+    <dgm:sp3d/>
+    <dgm:txPr/>
+    <dgm:style>
+      <a:lnRef idx="2">
+        <a:scrgbClr r="0" g="0" b="0"/>
+      </a:lnRef>
+      <a:fillRef idx="1">
+        <a:scrgbClr r="0" g="0" b="0"/>
+      </a:fillRef>
+      <a:effectRef idx="0">
+        <a:scrgbClr r="0" g="0" b="0"/>
+      </a:effectRef>
+      <a:fontRef idx="minor"/>
+    </dgm:style>
+  </dgm:styleLbl>
+  <dgm:styleLbl name="conFgAcc1">
+    <dgm:scene3d>
+      <a:camera prst="orthographicFront"/>
+      <a:lightRig rig="threePt" dir="t"/>
+    </dgm:scene3d>
+    <dgm:sp3d/>
+    <dgm:txPr/>
+    <dgm:style>
+      <a:lnRef idx="2">
+        <a:scrgbClr r="0" g="0" b="0"/>
+      </a:lnRef>
+      <a:fillRef idx="1">
+        <a:scrgbClr r="0" g="0" b="0"/>
+      </a:fillRef>
+      <a:effectRef idx="0">
+        <a:scrgbClr r="0" g="0" b="0"/>
+      </a:effectRef>
+      <a:fontRef idx="minor"/>
+    </dgm:style>
+  </dgm:styleLbl>
+  <dgm:styleLbl name="alignAcc1">
+    <dgm:scene3d>
+      <a:camera prst="orthographicFront"/>
+      <a:lightRig rig="threePt" dir="t"/>
+    </dgm:scene3d>
+    <dgm:sp3d/>
+    <dgm:txPr/>
+    <dgm:style>
+      <a:lnRef idx="2">
+        <a:scrgbClr r="0" g="0" b="0"/>
+      </a:lnRef>
+      <a:fillRef idx="1">
+        <a:scrgbClr r="0" g="0" b="0"/>
+      </a:fillRef>
+      <a:effectRef idx="0">
+        <a:scrgbClr r="0" g="0" b="0"/>
+      </a:effectRef>
+      <a:fontRef idx="minor"/>
+    </dgm:style>
+  </dgm:styleLbl>
+  <dgm:styleLbl name="trAlignAcc1">
+    <dgm:scene3d>
+      <a:camera prst="orthographicFront"/>
+      <a:lightRig rig="threePt" dir="t"/>
+    </dgm:scene3d>
+    <dgm:sp3d/>
+    <dgm:txPr/>
+    <dgm:style>
+      <a:lnRef idx="1">
+        <a:scrgbClr r="0" g="0" b="0"/>
+      </a:lnRef>
+      <a:fillRef idx="1">
+        <a:scrgbClr r="0" g="0" b="0"/>
+      </a:fillRef>
+      <a:effectRef idx="0">
+        <a:scrgbClr r="0" g="0" b="0"/>
+      </a:effectRef>
+      <a:fontRef idx="minor"/>
+    </dgm:style>
+  </dgm:styleLbl>
+  <dgm:styleLbl name="bgAcc1">
+    <dgm:scene3d>
+      <a:camera prst="orthographicFront"/>
+      <a:lightRig rig="threePt" dir="t"/>
+    </dgm:scene3d>
+    <dgm:sp3d/>
+    <dgm:txPr/>
+    <dgm:style>
+      <a:lnRef idx="2">
+        <a:scrgbClr r="0" g="0" b="0"/>
+      </a:lnRef>
+      <a:fillRef idx="1">
+        <a:scrgbClr r="0" g="0" b="0"/>
+      </a:fillRef>
+      <a:effectRef idx="0">
+        <a:scrgbClr r="0" g="0" b="0"/>
+      </a:effectRef>
+      <a:fontRef idx="minor"/>
+    </dgm:style>
+  </dgm:styleLbl>
+  <dgm:styleLbl name="solidFgAcc1">
+    <dgm:scene3d>
+      <a:camera prst="orthographicFront"/>
+      <a:lightRig rig="threePt" dir="t"/>
+    </dgm:scene3d>
+    <dgm:sp3d/>
+    <dgm:txPr/>
+    <dgm:style>
+      <a:lnRef idx="2">
+        <a:scrgbClr r="0" g="0" b="0"/>
+      </a:lnRef>
+      <a:fillRef idx="1">
+        <a:scrgbClr r="0" g="0" b="0"/>
+      </a:fillRef>
+      <a:effectRef idx="0">
+        <a:scrgbClr r="0" g="0" b="0"/>
+      </a:effectRef>
+      <a:fontRef idx="minor"/>
+    </dgm:style>
+  </dgm:styleLbl>
+  <dgm:styleLbl name="solidAlignAcc1">
+    <dgm:scene3d>
+      <a:camera prst="orthographicFront"/>
+      <a:lightRig rig="threePt" dir="t"/>
+    </dgm:scene3d>
+    <dgm:sp3d/>
+    <dgm:txPr/>
+    <dgm:style>
+      <a:lnRef idx="2">
+        <a:scrgbClr r="0" g="0" b="0"/>
+      </a:lnRef>
+      <a:fillRef idx="1">
+        <a:scrgbClr r="0" g="0" b="0"/>
+      </a:fillRef>
+      <a:effectRef idx="0">
+        <a:scrgbClr r="0" g="0" b="0"/>
+      </a:effectRef>
+      <a:fontRef idx="minor"/>
+    </dgm:style>
+  </dgm:styleLbl>
+  <dgm:styleLbl name="solidBgAcc1">
+    <dgm:scene3d>
+      <a:camera prst="orthographicFront"/>
+      <a:lightRig rig="threePt" dir="t"/>
+    </dgm:scene3d>
+    <dgm:sp3d/>
+    <dgm:txPr/>
+    <dgm:style>
+      <a:lnRef idx="2">
+        <a:scrgbClr r="0" g="0" b="0"/>
+      </a:lnRef>
+      <a:fillRef idx="1">
+        <a:scrgbClr r="0" g="0" b="0"/>
+      </a:fillRef>
+      <a:effectRef idx="0">
+        <a:scrgbClr r="0" g="0" b="0"/>
+      </a:effectRef>
+      <a:fontRef idx="minor"/>
+    </dgm:style>
+  </dgm:styleLbl>
+  <dgm:styleLbl name="fgAccFollowNode1">
+    <dgm:scene3d>
+      <a:camera prst="orthographicFront"/>
+      <a:lightRig rig="threePt" dir="t"/>
+    </dgm:scene3d>
+    <dgm:sp3d/>
+    <dgm:txPr/>
+    <dgm:style>
+      <a:lnRef idx="2">
+        <a:scrgbClr r="0" g="0" b="0"/>
+      </a:lnRef>
+      <a:fillRef idx="1">
+        <a:scrgbClr r="0" g="0" b="0"/>
+      </a:fillRef>
+      <a:effectRef idx="0">
+        <a:scrgbClr r="0" g="0" b="0"/>
+      </a:effectRef>
+      <a:fontRef idx="minor"/>
+    </dgm:style>
+  </dgm:styleLbl>
+  <dgm:styleLbl name="alignAccFollowNode1">
+    <dgm:scene3d>
+      <a:camera prst="orthographicFront"/>
+      <a:lightRig rig="threePt" dir="t"/>
+    </dgm:scene3d>
+    <dgm:sp3d/>
+    <dgm:txPr/>
+    <dgm:style>
+      <a:lnRef idx="2">
+        <a:scrgbClr r="0" g="0" b="0"/>
+      </a:lnRef>
+      <a:fillRef idx="1">
+        <a:scrgbClr r="0" g="0" b="0"/>
+      </a:fillRef>
+      <a:effectRef idx="0">
+        <a:scrgbClr r="0" g="0" b="0"/>
+      </a:effectRef>
+      <a:fontRef idx="minor"/>
+    </dgm:style>
+  </dgm:styleLbl>
+  <dgm:styleLbl name="bgAccFollowNode1">
+    <dgm:scene3d>
+      <a:camera prst="orthographicFront"/>
+      <a:lightRig rig="threePt" dir="t"/>
+    </dgm:scene3d>
+    <dgm:sp3d/>
+    <dgm:txPr/>
+    <dgm:style>
+      <a:lnRef idx="2">
+        <a:scrgbClr r="0" g="0" b="0"/>
+      </a:lnRef>
+      <a:fillRef idx="1">
+        <a:scrgbClr r="0" g="0" b="0"/>
+      </a:fillRef>
+      <a:effectRef idx="0">
+        <a:scrgbClr r="0" g="0" b="0"/>
+      </a:effectRef>
+      <a:fontRef idx="minor"/>
+    </dgm:style>
+  </dgm:styleLbl>
+  <dgm:styleLbl name="fgAcc0">
+    <dgm:scene3d>
+      <a:camera prst="orthographicFront"/>
+      <a:lightRig rig="threePt" dir="t"/>
+    </dgm:scene3d>
+    <dgm:sp3d/>
+    <dgm:txPr/>
+    <dgm:style>
+      <a:lnRef idx="2">
+        <a:scrgbClr r="0" g="0" b="0"/>
+      </a:lnRef>
+      <a:fillRef idx="1">
+        <a:scrgbClr r="0" g="0" b="0"/>
+      </a:fillRef>
+      <a:effectRef idx="0">
+        <a:scrgbClr r="0" g="0" b="0"/>
+      </a:effectRef>
+      <a:fontRef idx="minor"/>
+    </dgm:style>
+  </dgm:styleLbl>
+  <dgm:styleLbl name="fgAcc2">
+    <dgm:scene3d>
+      <a:camera prst="orthographicFront"/>
+      <a:lightRig rig="threePt" dir="t"/>
+    </dgm:scene3d>
+    <dgm:sp3d/>
+    <dgm:txPr/>
+    <dgm:style>
+      <a:lnRef idx="2">
+        <a:scrgbClr r="0" g="0" b="0"/>
+      </a:lnRef>
+      <a:fillRef idx="1">
+        <a:scrgbClr r="0" g="0" b="0"/>
+      </a:fillRef>
+      <a:effectRef idx="0">
+        <a:scrgbClr r="0" g="0" b="0"/>
+      </a:effectRef>
+      <a:fontRef idx="minor"/>
+    </dgm:style>
+  </dgm:styleLbl>
+  <dgm:styleLbl name="fgAcc3">
+    <dgm:scene3d>
+      <a:camera prst="orthographicFront"/>
+      <a:lightRig rig="threePt" dir="t"/>
+    </dgm:scene3d>
+    <dgm:sp3d/>
+    <dgm:txPr/>
+    <dgm:style>
+      <a:lnRef idx="2">
+        <a:scrgbClr r="0" g="0" b="0"/>
+      </a:lnRef>
+      <a:fillRef idx="1">
+        <a:scrgbClr r="0" g="0" b="0"/>
+      </a:fillRef>
+      <a:effectRef idx="0">
+        <a:scrgbClr r="0" g="0" b="0"/>
+      </a:effectRef>
+      <a:fontRef idx="minor"/>
+    </dgm:style>
+  </dgm:styleLbl>
+  <dgm:styleLbl name="fgAcc4">
+    <dgm:scene3d>
+      <a:camera prst="orthographicFront"/>
+      <a:lightRig rig="threePt" dir="t"/>
+    </dgm:scene3d>
+    <dgm:sp3d/>
+    <dgm:txPr/>
+    <dgm:style>
+      <a:lnRef idx="2">
+        <a:scrgbClr r="0" g="0" b="0"/>
+      </a:lnRef>
+      <a:fillRef idx="1">
+        <a:scrgbClr r="0" g="0" b="0"/>
+      </a:fillRef>
+      <a:effectRef idx="0">
+        <a:scrgbClr r="0" g="0" b="0"/>
+      </a:effectRef>
+      <a:fontRef idx="minor"/>
+    </dgm:style>
+  </dgm:styleLbl>
+  <dgm:styleLbl name="bgShp">
+    <dgm:scene3d>
+      <a:camera prst="orthographicFront"/>
+      <a:lightRig rig="threePt" dir="t"/>
+    </dgm:scene3d>
+    <dgm:sp3d/>
+    <dgm:txPr/>
+    <dgm:style>
+      <a:lnRef idx="0">
+        <a:scrgbClr r="0" g="0" b="0"/>
+      </a:lnRef>
+      <a:fillRef idx="1">
+        <a:scrgbClr r="0" g="0" b="0"/>
+      </a:fillRef>
+      <a:effectRef idx="0">
+        <a:scrgbClr r="0" g="0" b="0"/>
+      </a:effectRef>
+      <a:fontRef idx="minor"/>
+    </dgm:style>
+  </dgm:styleLbl>
+  <dgm:styleLbl name="dkBgShp">
+    <dgm:scene3d>
+      <a:camera prst="orthographicFront"/>
+      <a:lightRig rig="threePt" dir="t"/>
+    </dgm:scene3d>
+    <dgm:sp3d/>
+    <dgm:txPr/>
+    <dgm:style>
+      <a:lnRef idx="0">
+        <a:scrgbClr r="0" g="0" b="0"/>
+      </a:lnRef>
+      <a:fillRef idx="1">
+        <a:scrgbClr r="0" g="0" b="0"/>
+      </a:fillRef>
+      <a:effectRef idx="0">
+        <a:scrgbClr r="0" g="0" b="0"/>
+      </a:effectRef>
+      <a:fontRef idx="minor"/>
+    </dgm:style>
+  </dgm:styleLbl>
+  <dgm:styleLbl name="trBgShp">
+    <dgm:scene3d>
+      <a:camera prst="orthographicFront"/>
+      <a:lightRig rig="threePt" dir="t"/>
+    </dgm:scene3d>
+    <dgm:sp3d/>
+    <dgm:txPr/>
+    <dgm:style>
+      <a:lnRef idx="0">
+        <a:scrgbClr r="0" g="0" b="0"/>
+      </a:lnRef>
+      <a:fillRef idx="1">
+        <a:scrgbClr r="0" g="0" b="0"/>
+      </a:fillRef>
+      <a:effectRef idx="0">
+        <a:scrgbClr r="0" g="0" b="0"/>
+      </a:effectRef>
+      <a:fontRef idx="minor"/>
+    </dgm:style>
+  </dgm:styleLbl>
+  <dgm:styleLbl name="fgShp">
+    <dgm:scene3d>
+      <a:camera prst="orthographicFront"/>
+      <a:lightRig rig="threePt" dir="t"/>
+    </dgm:scene3d>
+    <dgm:sp3d/>
+    <dgm:txPr/>
+    <dgm:style>
+      <a:lnRef idx="2">
+        <a:scrgbClr r="0" g="0" b="0"/>
+      </a:lnRef>
+      <a:fillRef idx="1">
+        <a:scrgbClr r="0" g="0" b="0"/>
+      </a:fillRef>
+      <a:effectRef idx="0">
+        <a:scrgbClr r="0" g="0" b="0"/>
+      </a:effectRef>
+      <a:fontRef idx="minor"/>
+    </dgm:style>
+  </dgm:styleLbl>
+  <dgm:styleLbl name="revTx">
+    <dgm:scene3d>
+      <a:camera prst="orthographicFront"/>
+      <a:lightRig rig="threePt" dir="t"/>
+    </dgm:scene3d>
+    <dgm:sp3d/>
+    <dgm:txPr/>
+    <dgm:style>
+      <a:lnRef idx="0">
+        <a:scrgbClr r="0" g="0" b="0"/>
+      </a:lnRef>
+      <a:fillRef idx="0">
+        <a:scrgbClr r="0" g="0" b="0"/>
+      </a:fillRef>
+      <a:effectRef idx="0">
+        <a:scrgbClr r="0" g="0" b="0"/>
+      </a:effectRef>
+      <a:fontRef idx="minor"/>
+    </dgm:style>
+  </dgm:styleLbl>
+</dgm:styleDef>
+</file>
+
 <file path=ppt/slideLayouts/slideLayout1.xml><?xml version="1.0" encoding="utf-8"?>
 <p:sldLayout xmlns:a="http://schemas.openxmlformats.org/drawingml/2006/main" xmlns:r="http://schemas.openxmlformats.org/officeDocument/2006/relationships" xmlns:p="http://schemas.openxmlformats.org/presentationml/2006/main" showMasterSp="0" type="title" preserve="1">
   <p:cSld name="Diapositivo de título">
@@ -380,7 +3754,7 @@
             <a:fld id="{F71B3DB1-8543-40E0-A2D1-830196AD91DE}" type="datetimeFigureOut">
               <a:rPr lang="pt-PT" smtClean="0"/>
               <a:pPr/>
-              <a:t>29-06-2013</a:t>
+              <a:t>29/06/2013</a:t>
             </a:fld>
             <a:endParaRPr lang="pt-PT" dirty="0"/>
           </a:p>
@@ -714,7 +4088,7 @@
             <a:fld id="{F71B3DB1-8543-40E0-A2D1-830196AD91DE}" type="datetimeFigureOut">
               <a:rPr lang="pt-PT" smtClean="0"/>
               <a:pPr/>
-              <a:t>29-06-2013</a:t>
+              <a:t>29/06/2013</a:t>
             </a:fld>
             <a:endParaRPr lang="pt-PT" dirty="0"/>
           </a:p>
@@ -964,7 +4338,7 @@
             <a:fld id="{F71B3DB1-8543-40E0-A2D1-830196AD91DE}" type="datetimeFigureOut">
               <a:rPr lang="pt-PT" smtClean="0"/>
               <a:pPr/>
-              <a:t>29-06-2013</a:t>
+              <a:t>29/06/2013</a:t>
             </a:fld>
             <a:endParaRPr lang="pt-PT" dirty="0"/>
           </a:p>
@@ -1312,7 +4686,7 @@
             <a:fld id="{F71B3DB1-8543-40E0-A2D1-830196AD91DE}" type="datetimeFigureOut">
               <a:rPr lang="pt-PT" smtClean="0"/>
               <a:pPr/>
-              <a:t>29-06-2013</a:t>
+              <a:t>29/06/2013</a:t>
             </a:fld>
             <a:endParaRPr lang="pt-PT" dirty="0"/>
           </a:p>
@@ -1668,7 +5042,7 @@
             <a:fld id="{F71B3DB1-8543-40E0-A2D1-830196AD91DE}" type="datetimeFigureOut">
               <a:rPr lang="pt-PT" smtClean="0"/>
               <a:pPr/>
-              <a:t>29-06-2013</a:t>
+              <a:t>29/06/2013</a:t>
             </a:fld>
             <a:endParaRPr lang="pt-PT" dirty="0"/>
           </a:p>
@@ -2044,7 +5418,7 @@
             <a:fld id="{F71B3DB1-8543-40E0-A2D1-830196AD91DE}" type="datetimeFigureOut">
               <a:rPr lang="pt-PT" smtClean="0"/>
               <a:pPr/>
-              <a:t>29-06-2013</a:t>
+              <a:t>29/06/2013</a:t>
             </a:fld>
             <a:endParaRPr lang="pt-PT" dirty="0"/>
           </a:p>
@@ -2523,7 +5897,7 @@
             <a:fld id="{F71B3DB1-8543-40E0-A2D1-830196AD91DE}" type="datetimeFigureOut">
               <a:rPr lang="pt-PT" smtClean="0"/>
               <a:pPr/>
-              <a:t>29-06-2013</a:t>
+              <a:t>29/06/2013</a:t>
             </a:fld>
             <a:endParaRPr lang="pt-PT" dirty="0"/>
           </a:p>
@@ -2737,7 +6111,7 @@
             <a:fld id="{F71B3DB1-8543-40E0-A2D1-830196AD91DE}" type="datetimeFigureOut">
               <a:rPr lang="pt-PT" smtClean="0"/>
               <a:pPr/>
-              <a:t>29-06-2013</a:t>
+              <a:t>29/06/2013</a:t>
             </a:fld>
             <a:endParaRPr lang="pt-PT" dirty="0"/>
           </a:p>
@@ -2957,7 +6331,7 @@
             <a:fld id="{F71B3DB1-8543-40E0-A2D1-830196AD91DE}" type="datetimeFigureOut">
               <a:rPr lang="pt-PT" smtClean="0"/>
               <a:pPr/>
-              <a:t>29-06-2013</a:t>
+              <a:t>29/06/2013</a:t>
             </a:fld>
             <a:endParaRPr lang="pt-PT" dirty="0"/>
           </a:p>
@@ -3205,7 +6579,7 @@
             <a:fld id="{F71B3DB1-8543-40E0-A2D1-830196AD91DE}" type="datetimeFigureOut">
               <a:rPr lang="pt-PT" smtClean="0"/>
               <a:pPr/>
-              <a:t>29-06-2013</a:t>
+              <a:t>29/06/2013</a:t>
             </a:fld>
             <a:endParaRPr lang="pt-PT" dirty="0"/>
           </a:p>
@@ -3455,7 +6829,7 @@
             <a:fld id="{F71B3DB1-8543-40E0-A2D1-830196AD91DE}" type="datetimeFigureOut">
               <a:rPr lang="pt-PT" smtClean="0"/>
               <a:pPr/>
-              <a:t>29-06-2013</a:t>
+              <a:t>29/06/2013</a:t>
             </a:fld>
             <a:endParaRPr lang="pt-PT" dirty="0"/>
           </a:p>
@@ -3769,7 +7143,7 @@
             <a:fld id="{F71B3DB1-8543-40E0-A2D1-830196AD91DE}" type="datetimeFigureOut">
               <a:rPr lang="pt-PT" smtClean="0"/>
               <a:pPr/>
-              <a:t>29-06-2013</a:t>
+              <a:t>29/06/2013</a:t>
             </a:fld>
             <a:endParaRPr lang="pt-PT" dirty="0"/>
           </a:p>
@@ -4153,7 +7527,7 @@
             <a:fld id="{F71B3DB1-8543-40E0-A2D1-830196AD91DE}" type="datetimeFigureOut">
               <a:rPr lang="pt-PT" smtClean="0"/>
               <a:pPr/>
-              <a:t>29-06-2013</a:t>
+              <a:t>29/06/2013</a:t>
             </a:fld>
             <a:endParaRPr lang="pt-PT" dirty="0"/>
           </a:p>
@@ -4311,7 +7685,7 @@
             <a:fld id="{F71B3DB1-8543-40E0-A2D1-830196AD91DE}" type="datetimeFigureOut">
               <a:rPr lang="pt-PT" smtClean="0"/>
               <a:pPr/>
-              <a:t>29-06-2013</a:t>
+              <a:t>29/06/2013</a:t>
             </a:fld>
             <a:endParaRPr lang="pt-PT" dirty="0"/>
           </a:p>
@@ -4446,7 +7820,7 @@
             <a:fld id="{F71B3DB1-8543-40E0-A2D1-830196AD91DE}" type="datetimeFigureOut">
               <a:rPr lang="pt-PT" smtClean="0"/>
               <a:pPr/>
-              <a:t>29-06-2013</a:t>
+              <a:t>29/06/2013</a:t>
             </a:fld>
             <a:endParaRPr lang="pt-PT" dirty="0"/>
           </a:p>
@@ -4703,7 +8077,7 @@
             <a:fld id="{F71B3DB1-8543-40E0-A2D1-830196AD91DE}" type="datetimeFigureOut">
               <a:rPr lang="pt-PT" smtClean="0"/>
               <a:pPr/>
-              <a:t>29-06-2013</a:t>
+              <a:t>29/06/2013</a:t>
             </a:fld>
             <a:endParaRPr lang="pt-PT" dirty="0"/>
           </a:p>
@@ -5027,7 +8401,7 @@
             <a:fld id="{F71B3DB1-8543-40E0-A2D1-830196AD91DE}" type="datetimeFigureOut">
               <a:rPr lang="pt-PT" smtClean="0"/>
               <a:pPr/>
-              <a:t>29-06-2013</a:t>
+              <a:t>29/06/2013</a:t>
             </a:fld>
             <a:endParaRPr lang="pt-PT" dirty="0"/>
           </a:p>
@@ -5273,7 +8647,7 @@
             <a:fld id="{F71B3DB1-8543-40E0-A2D1-830196AD91DE}" type="datetimeFigureOut">
               <a:rPr lang="pt-PT" smtClean="0"/>
               <a:pPr/>
-              <a:t>29-06-2013</a:t>
+              <a:t>29/06/2013</a:t>
             </a:fld>
             <a:endParaRPr lang="pt-PT" dirty="0"/>
           </a:p>
@@ -7091,26 +10465,1007 @@
           <a:bodyPr/>
           <a:lstStyle/>
           <a:p>
+            <a:r>
+              <a:rPr lang="en-US" dirty="0"/>
+              <a:t>Risk </a:t>
+            </a:r>
+            <a:r>
+              <a:rPr lang="en-US" dirty="0" smtClean="0"/>
+              <a:t>Management - Timeline</a:t>
+            </a:r>
             <a:endParaRPr lang="pt-PT" dirty="0"/>
           </a:p>
         </p:txBody>
       </p:sp>
-      <p:sp>
-        <p:nvSpPr>
-          <p:cNvPr id="3" name="Content Placeholder 2"/>
-          <p:cNvSpPr>
-            <a:spLocks noGrp="1"/>
-          </p:cNvSpPr>
-          <p:nvPr>
-            <p:ph idx="1"/>
-          </p:nvPr>
-        </p:nvSpPr>
-        <p:spPr/>
-        <p:txBody>
-          <a:bodyPr/>
-          <a:lstStyle/>
-          <a:p>
-            <a:endParaRPr lang="pt-PT"/>
+      <p:grpSp>
+        <p:nvGrpSpPr>
+          <p:cNvPr id="4" name="Grupo 3"/>
+          <p:cNvGrpSpPr/>
+          <p:nvPr/>
+        </p:nvGrpSpPr>
+        <p:grpSpPr>
+          <a:xfrm>
+            <a:off x="721217" y="2485623"/>
+            <a:ext cx="10971674" cy="3539600"/>
+            <a:chOff x="558061" y="2049631"/>
+            <a:chExt cx="11196956" cy="3920730"/>
+          </a:xfrm>
+        </p:grpSpPr>
+        <p:grpSp>
+          <p:nvGrpSpPr>
+            <p:cNvPr id="5" name="Grupo 4"/>
+            <p:cNvGrpSpPr/>
+            <p:nvPr/>
+          </p:nvGrpSpPr>
+          <p:grpSpPr>
+            <a:xfrm>
+              <a:off x="558061" y="2049631"/>
+              <a:ext cx="11196956" cy="3920730"/>
+              <a:chOff x="558061" y="2049631"/>
+              <a:chExt cx="11196956" cy="3920730"/>
+            </a:xfrm>
+          </p:grpSpPr>
+          <p:grpSp>
+            <p:nvGrpSpPr>
+              <p:cNvPr id="8" name="Grupo 7"/>
+              <p:cNvGrpSpPr/>
+              <p:nvPr/>
+            </p:nvGrpSpPr>
+            <p:grpSpPr>
+              <a:xfrm>
+                <a:off x="558061" y="2049631"/>
+                <a:ext cx="11196956" cy="3920730"/>
+                <a:chOff x="558061" y="2049631"/>
+                <a:chExt cx="11196956" cy="3920730"/>
+              </a:xfrm>
+            </p:grpSpPr>
+            <p:grpSp>
+              <p:nvGrpSpPr>
+                <p:cNvPr id="11" name="Grupo 10"/>
+                <p:cNvGrpSpPr/>
+                <p:nvPr/>
+              </p:nvGrpSpPr>
+              <p:grpSpPr>
+                <a:xfrm>
+                  <a:off x="558061" y="2049631"/>
+                  <a:ext cx="11196956" cy="3491966"/>
+                  <a:chOff x="558061" y="2049631"/>
+                  <a:chExt cx="11196956" cy="3491966"/>
+                </a:xfrm>
+              </p:grpSpPr>
+              <p:graphicFrame>
+                <p:nvGraphicFramePr>
+                  <p:cNvPr id="16" name="Diagrama 15"/>
+                  <p:cNvGraphicFramePr/>
+                  <p:nvPr>
+                    <p:extLst>
+                      <p:ext uri="{D42A27DB-BD31-4B8C-83A1-F6EECF244321}">
+                        <p14:modId xmlns:p14="http://schemas.microsoft.com/office/powerpoint/2010/main" val="568955525"/>
+                      </p:ext>
+                    </p:extLst>
+                  </p:nvPr>
+                </p:nvGraphicFramePr>
+                <p:xfrm>
+                  <a:off x="1269876" y="2276872"/>
+                  <a:ext cx="10441159" cy="3240360"/>
+                </p:xfrm>
+                <a:graphic>
+                  <a:graphicData uri="http://schemas.openxmlformats.org/drawingml/2006/diagram">
+                    <dgm:relIds xmlns:dgm="http://schemas.openxmlformats.org/drawingml/2006/diagram" xmlns:r="http://schemas.openxmlformats.org/officeDocument/2006/relationships" r:dm="rId2" r:lo="rId3" r:qs="rId4" r:cs="rId5"/>
+                  </a:graphicData>
+                </a:graphic>
+              </p:graphicFrame>
+              <p:sp>
+                <p:nvSpPr>
+                  <p:cNvPr id="17" name="CaixaDeTexto 16"/>
+                  <p:cNvSpPr txBox="1"/>
+                  <p:nvPr/>
+                </p:nvSpPr>
+                <p:spPr>
+                  <a:xfrm>
+                    <a:off x="558061" y="2688504"/>
+                    <a:ext cx="1256562" cy="590931"/>
+                  </a:xfrm>
+                  <a:prstGeom prst="rect">
+                    <a:avLst/>
+                  </a:prstGeom>
+                  <a:noFill/>
+                </p:spPr>
+                <p:txBody>
+                  <a:bodyPr wrap="none" rtlCol="0">
+                    <a:spAutoFit/>
+                  </a:bodyPr>
+                  <a:lstStyle/>
+                  <a:p>
+                    <a:pPr algn="ctr">
+                      <a:lnSpc>
+                        <a:spcPct val="90000"/>
+                      </a:lnSpc>
+                    </a:pPr>
+                    <a:r>
+                      <a:rPr lang="en-GB" b="1" dirty="0" smtClean="0">
+                        <a:effectLst>
+                          <a:outerShdw blurRad="38100" dist="38100" dir="2700000" algn="tl">
+                            <a:srgbClr val="000000">
+                              <a:alpha val="43137"/>
+                            </a:srgbClr>
+                          </a:outerShdw>
+                        </a:effectLst>
+                      </a:rPr>
+                      <a:t>08/04/2013</a:t>
+                    </a:r>
+                  </a:p>
+                  <a:p>
+                    <a:pPr algn="ctr">
+                      <a:lnSpc>
+                        <a:spcPct val="90000"/>
+                      </a:lnSpc>
+                    </a:pPr>
+                    <a:r>
+                      <a:rPr lang="en-GB" b="1" dirty="0" smtClean="0">
+                        <a:effectLst>
+                          <a:outerShdw blurRad="38100" dist="38100" dir="2700000" algn="tl">
+                            <a:srgbClr val="000000">
+                              <a:alpha val="43137"/>
+                            </a:srgbClr>
+                          </a:outerShdw>
+                        </a:effectLst>
+                      </a:rPr>
+                      <a:t>KOM</a:t>
+                    </a:r>
+                    <a:endParaRPr lang="en-GB" b="1" dirty="0">
+                      <a:effectLst>
+                        <a:outerShdw blurRad="38100" dist="38100" dir="2700000" algn="tl">
+                          <a:srgbClr val="000000">
+                            <a:alpha val="43137"/>
+                          </a:srgbClr>
+                        </a:outerShdw>
+                      </a:effectLst>
+                    </a:endParaRPr>
+                  </a:p>
+                </p:txBody>
+              </p:sp>
+              <p:sp>
+                <p:nvSpPr>
+                  <p:cNvPr id="18" name="CaixaDeTexto 17"/>
+                  <p:cNvSpPr txBox="1"/>
+                  <p:nvPr/>
+                </p:nvSpPr>
+                <p:spPr>
+                  <a:xfrm>
+                    <a:off x="1976346" y="2049631"/>
+                    <a:ext cx="2538459" cy="784108"/>
+                  </a:xfrm>
+                  <a:prstGeom prst="rect">
+                    <a:avLst/>
+                  </a:prstGeom>
+                </p:spPr>
+                <p:style>
+                  <a:lnRef idx="2">
+                    <a:schemeClr val="accent1"/>
+                  </a:lnRef>
+                  <a:fillRef idx="1">
+                    <a:schemeClr val="lt1"/>
+                  </a:fillRef>
+                  <a:effectRef idx="0">
+                    <a:schemeClr val="accent1"/>
+                  </a:effectRef>
+                  <a:fontRef idx="minor">
+                    <a:schemeClr val="dk1"/>
+                  </a:fontRef>
+                </p:style>
+                <p:txBody>
+                  <a:bodyPr wrap="square" rtlCol="0">
+                    <a:spAutoFit/>
+                  </a:bodyPr>
+                  <a:lstStyle/>
+                  <a:p>
+                    <a:pPr lvl="0"/>
+                    <a:r>
+                      <a:rPr lang="en-GB" sz="1600" dirty="0">
+                        <a:latin typeface="+mj-lt"/>
+                      </a:rPr>
+                      <a:t>Risks </a:t>
+                    </a:r>
+                    <a:r>
+                      <a:rPr lang="en-GB" sz="1600" dirty="0" smtClean="0">
+                        <a:latin typeface="+mj-lt"/>
+                      </a:rPr>
+                      <a:t>Identification:</a:t>
+                    </a:r>
+                  </a:p>
+                  <a:p>
+                    <a:pPr lvl="0"/>
+                    <a:r>
+                      <a:rPr lang="en-US" sz="1200" dirty="0" smtClean="0">
+                        <a:latin typeface="+mj-lt"/>
+                      </a:rPr>
+                      <a:t>Lack </a:t>
+                    </a:r>
+                    <a:r>
+                      <a:rPr lang="en-US" sz="1200" dirty="0">
+                        <a:latin typeface="+mj-lt"/>
+                      </a:rPr>
+                      <a:t>of knowledge on </a:t>
+                    </a:r>
+                    <a:r>
+                      <a:rPr lang="en-US" sz="1200" dirty="0" smtClean="0">
+                        <a:latin typeface="+mj-lt"/>
+                      </a:rPr>
+                      <a:t>technology;</a:t>
+                    </a:r>
+                    <a:endParaRPr lang="en-GB" sz="1200" dirty="0" smtClean="0">
+                      <a:latin typeface="+mj-lt"/>
+                    </a:endParaRPr>
+                  </a:p>
+                  <a:p>
+                    <a:pPr lvl="0"/>
+                    <a:r>
+                      <a:rPr lang="en-US" sz="1200" dirty="0" smtClean="0">
+                        <a:latin typeface="+mj-lt"/>
+                      </a:rPr>
+                      <a:t>Project </a:t>
+                    </a:r>
+                    <a:r>
+                      <a:rPr lang="en-US" sz="1200" dirty="0">
+                        <a:latin typeface="+mj-lt"/>
+                      </a:rPr>
+                      <a:t>Plan is over </a:t>
+                    </a:r>
+                    <a:r>
+                      <a:rPr lang="en-US" sz="1200" dirty="0" smtClean="0">
+                        <a:latin typeface="+mj-lt"/>
+                      </a:rPr>
+                      <a:t>budget</a:t>
+                    </a:r>
+                    <a:endParaRPr lang="en-GB" sz="1200" dirty="0">
+                      <a:latin typeface="+mj-lt"/>
+                    </a:endParaRPr>
+                  </a:p>
+                </p:txBody>
+              </p:sp>
+              <p:sp>
+                <p:nvSpPr>
+                  <p:cNvPr id="20" name="CaixaDeTexto 19"/>
+                  <p:cNvSpPr txBox="1"/>
+                  <p:nvPr/>
+                </p:nvSpPr>
+                <p:spPr>
+                  <a:xfrm>
+                    <a:off x="9257377" y="5013176"/>
+                    <a:ext cx="1572443" cy="528421"/>
+                  </a:xfrm>
+                  <a:prstGeom prst="rect">
+                    <a:avLst/>
+                  </a:prstGeom>
+                </p:spPr>
+                <p:style>
+                  <a:lnRef idx="2">
+                    <a:schemeClr val="accent1"/>
+                  </a:lnRef>
+                  <a:fillRef idx="1">
+                    <a:schemeClr val="lt1"/>
+                  </a:fillRef>
+                  <a:effectRef idx="0">
+                    <a:schemeClr val="accent1"/>
+                  </a:effectRef>
+                  <a:fontRef idx="minor">
+                    <a:schemeClr val="dk1"/>
+                  </a:fontRef>
+                </p:style>
+                <p:txBody>
+                  <a:bodyPr wrap="none" rtlCol="0">
+                    <a:spAutoFit/>
+                  </a:bodyPr>
+                  <a:lstStyle/>
+                  <a:p>
+                    <a:pPr lvl="0" algn="ctr"/>
+                    <a:r>
+                      <a:rPr lang="en-GB" sz="1400" dirty="0"/>
+                      <a:t>Mitigation </a:t>
+                    </a:r>
+                    <a:r>
+                      <a:rPr lang="en-GB" sz="1400" dirty="0" smtClean="0"/>
+                      <a:t>Plan</a:t>
+                    </a:r>
+                  </a:p>
+                  <a:p>
+                    <a:pPr lvl="0" algn="ctr"/>
+                    <a:r>
+                      <a:rPr lang="en-GB" sz="1100" dirty="0" smtClean="0"/>
+                      <a:t>(task plan for final week)</a:t>
+                    </a:r>
+                    <a:endParaRPr lang="en-GB" dirty="0"/>
+                  </a:p>
+                </p:txBody>
+              </p:sp>
+              <p:cxnSp>
+                <p:nvCxnSpPr>
+                  <p:cNvPr id="21" name="Conexão reta 20"/>
+                  <p:cNvCxnSpPr>
+                    <a:endCxn id="18" idx="2"/>
+                  </p:cNvCxnSpPr>
+                  <p:nvPr/>
+                </p:nvCxnSpPr>
+                <p:spPr>
+                  <a:xfrm flipH="1" flipV="1">
+                    <a:off x="3245576" y="2833739"/>
+                    <a:ext cx="14333" cy="905123"/>
+                  </a:xfrm>
+                  <a:prstGeom prst="line">
+                    <a:avLst/>
+                  </a:prstGeom>
+                  <a:ln w="38100"/>
+                </p:spPr>
+                <p:style>
+                  <a:lnRef idx="1">
+                    <a:schemeClr val="accent1"/>
+                  </a:lnRef>
+                  <a:fillRef idx="0">
+                    <a:schemeClr val="accent1"/>
+                  </a:fillRef>
+                  <a:effectRef idx="0">
+                    <a:schemeClr val="accent1"/>
+                  </a:effectRef>
+                  <a:fontRef idx="minor">
+                    <a:schemeClr val="tx1"/>
+                  </a:fontRef>
+                </p:style>
+              </p:cxnSp>
+              <p:cxnSp>
+                <p:nvCxnSpPr>
+                  <p:cNvPr id="22" name="Conexão reta 21"/>
+                  <p:cNvCxnSpPr>
+                    <a:stCxn id="19" idx="0"/>
+                  </p:cNvCxnSpPr>
+                  <p:nvPr/>
+                </p:nvCxnSpPr>
+                <p:spPr>
+                  <a:xfrm flipH="1" flipV="1">
+                    <a:off x="5959964" y="3918427"/>
+                    <a:ext cx="1236" cy="937707"/>
+                  </a:xfrm>
+                  <a:prstGeom prst="line">
+                    <a:avLst/>
+                  </a:prstGeom>
+                  <a:ln w="38100"/>
+                </p:spPr>
+                <p:style>
+                  <a:lnRef idx="1">
+                    <a:schemeClr val="accent1"/>
+                  </a:lnRef>
+                  <a:fillRef idx="0">
+                    <a:schemeClr val="accent1"/>
+                  </a:fillRef>
+                  <a:effectRef idx="0">
+                    <a:schemeClr val="accent1"/>
+                  </a:effectRef>
+                  <a:fontRef idx="minor">
+                    <a:schemeClr val="tx1"/>
+                  </a:fontRef>
+                </p:style>
+              </p:cxnSp>
+              <p:cxnSp>
+                <p:nvCxnSpPr>
+                  <p:cNvPr id="23" name="Conexão reta 22"/>
+                  <p:cNvCxnSpPr>
+                    <a:stCxn id="20" idx="0"/>
+                  </p:cNvCxnSpPr>
+                  <p:nvPr/>
+                </p:nvCxnSpPr>
+                <p:spPr>
+                  <a:xfrm flipH="1" flipV="1">
+                    <a:off x="10034393" y="3918426"/>
+                    <a:ext cx="9205" cy="1094749"/>
+                  </a:xfrm>
+                  <a:prstGeom prst="line">
+                    <a:avLst/>
+                  </a:prstGeom>
+                  <a:ln w="38100"/>
+                </p:spPr>
+                <p:style>
+                  <a:lnRef idx="1">
+                    <a:schemeClr val="accent1"/>
+                  </a:lnRef>
+                  <a:fillRef idx="0">
+                    <a:schemeClr val="accent1"/>
+                  </a:fillRef>
+                  <a:effectRef idx="0">
+                    <a:schemeClr val="accent1"/>
+                  </a:effectRef>
+                  <a:fontRef idx="minor">
+                    <a:schemeClr val="tx1"/>
+                  </a:fontRef>
+                </p:style>
+              </p:cxnSp>
+              <p:sp>
+                <p:nvSpPr>
+                  <p:cNvPr id="24" name="CaixaDeTexto 23"/>
+                  <p:cNvSpPr txBox="1"/>
+                  <p:nvPr/>
+                </p:nvSpPr>
+                <p:spPr>
+                  <a:xfrm>
+                    <a:off x="2757561" y="3279435"/>
+                    <a:ext cx="1423788" cy="341632"/>
+                  </a:xfrm>
+                  <a:prstGeom prst="rect">
+                    <a:avLst/>
+                  </a:prstGeom>
+                  <a:noFill/>
+                </p:spPr>
+                <p:txBody>
+                  <a:bodyPr wrap="none" rtlCol="0">
+                    <a:spAutoFit/>
+                  </a:bodyPr>
+                  <a:lstStyle/>
+                  <a:p>
+                    <a:pPr>
+                      <a:lnSpc>
+                        <a:spcPct val="90000"/>
+                      </a:lnSpc>
+                    </a:pPr>
+                    <a:r>
+                      <a:rPr lang="en-GB" dirty="0" smtClean="0"/>
+                      <a:t>Risk meeting</a:t>
+                    </a:r>
+                    <a:endParaRPr lang="en-GB" dirty="0"/>
+                  </a:p>
+                </p:txBody>
+              </p:sp>
+              <p:sp>
+                <p:nvSpPr>
+                  <p:cNvPr id="25" name="CaixaDeTexto 24"/>
+                  <p:cNvSpPr txBox="1"/>
+                  <p:nvPr/>
+                </p:nvSpPr>
+                <p:spPr>
+                  <a:xfrm>
+                    <a:off x="6620908" y="3240544"/>
+                    <a:ext cx="1423788" cy="341632"/>
+                  </a:xfrm>
+                  <a:prstGeom prst="rect">
+                    <a:avLst/>
+                  </a:prstGeom>
+                  <a:noFill/>
+                </p:spPr>
+                <p:txBody>
+                  <a:bodyPr wrap="none" rtlCol="0">
+                    <a:spAutoFit/>
+                  </a:bodyPr>
+                  <a:lstStyle/>
+                  <a:p>
+                    <a:pPr>
+                      <a:lnSpc>
+                        <a:spcPct val="90000"/>
+                      </a:lnSpc>
+                    </a:pPr>
+                    <a:r>
+                      <a:rPr lang="en-GB" dirty="0" smtClean="0"/>
+                      <a:t>Risk meeting</a:t>
+                    </a:r>
+                    <a:endParaRPr lang="en-GB" dirty="0"/>
+                  </a:p>
+                </p:txBody>
+              </p:sp>
+              <p:sp>
+                <p:nvSpPr>
+                  <p:cNvPr id="26" name="CaixaDeTexto 25"/>
+                  <p:cNvSpPr txBox="1"/>
+                  <p:nvPr/>
+                </p:nvSpPr>
+                <p:spPr>
+                  <a:xfrm>
+                    <a:off x="10419587" y="2622045"/>
+                    <a:ext cx="1335430" cy="590931"/>
+                  </a:xfrm>
+                  <a:prstGeom prst="rect">
+                    <a:avLst/>
+                  </a:prstGeom>
+                  <a:noFill/>
+                </p:spPr>
+                <p:txBody>
+                  <a:bodyPr wrap="none" rtlCol="0">
+                    <a:spAutoFit/>
+                  </a:bodyPr>
+                  <a:lstStyle/>
+                  <a:p>
+                    <a:pPr algn="ctr">
+                      <a:lnSpc>
+                        <a:spcPct val="90000"/>
+                      </a:lnSpc>
+                    </a:pPr>
+                    <a:r>
+                      <a:rPr lang="en-GB" b="1" dirty="0" smtClean="0">
+                        <a:effectLst>
+                          <a:outerShdw blurRad="38100" dist="38100" dir="2700000" algn="tl">
+                            <a:srgbClr val="000000">
+                              <a:alpha val="43137"/>
+                            </a:srgbClr>
+                          </a:outerShdw>
+                        </a:effectLst>
+                      </a:rPr>
+                      <a:t>03/06/2013</a:t>
+                    </a:r>
+                  </a:p>
+                  <a:p>
+                    <a:pPr algn="ctr">
+                      <a:lnSpc>
+                        <a:spcPct val="90000"/>
+                      </a:lnSpc>
+                    </a:pPr>
+                    <a:r>
+                      <a:rPr lang="en-GB" b="1" dirty="0" smtClean="0">
+                        <a:effectLst>
+                          <a:outerShdw blurRad="38100" dist="38100" dir="2700000" algn="tl">
+                            <a:srgbClr val="000000">
+                              <a:alpha val="43137"/>
+                            </a:srgbClr>
+                          </a:outerShdw>
+                        </a:effectLst>
+                      </a:rPr>
+                      <a:t>Acceptance</a:t>
+                    </a:r>
+                    <a:endParaRPr lang="en-GB" b="1" dirty="0">
+                      <a:effectLst>
+                        <a:outerShdw blurRad="38100" dist="38100" dir="2700000" algn="tl">
+                          <a:srgbClr val="000000">
+                            <a:alpha val="43137"/>
+                          </a:srgbClr>
+                        </a:outerShdw>
+                      </a:effectLst>
+                    </a:endParaRPr>
+                  </a:p>
+                </p:txBody>
+              </p:sp>
+              <p:sp>
+                <p:nvSpPr>
+                  <p:cNvPr id="19" name="CaixaDeTexto 18"/>
+                  <p:cNvSpPr txBox="1"/>
+                  <p:nvPr/>
+                </p:nvSpPr>
+                <p:spPr>
+                  <a:xfrm>
+                    <a:off x="4847753" y="4856133"/>
+                    <a:ext cx="2226892" cy="477054"/>
+                  </a:xfrm>
+                  <a:prstGeom prst="rect">
+                    <a:avLst/>
+                  </a:prstGeom>
+                </p:spPr>
+                <p:style>
+                  <a:lnRef idx="2">
+                    <a:schemeClr val="accent1"/>
+                  </a:lnRef>
+                  <a:fillRef idx="1">
+                    <a:schemeClr val="lt1"/>
+                  </a:fillRef>
+                  <a:effectRef idx="0">
+                    <a:schemeClr val="accent1"/>
+                  </a:effectRef>
+                  <a:fontRef idx="minor">
+                    <a:schemeClr val="dk1"/>
+                  </a:fontRef>
+                </p:style>
+                <p:txBody>
+                  <a:bodyPr wrap="none" rtlCol="0">
+                    <a:spAutoFit/>
+                  </a:bodyPr>
+                  <a:lstStyle/>
+                  <a:p>
+                    <a:pPr lvl="0" algn="ctr"/>
+                    <a:r>
+                      <a:rPr lang="en-GB" sz="1400" dirty="0"/>
+                      <a:t>Risk </a:t>
+                    </a:r>
+                    <a:r>
+                      <a:rPr lang="en-GB" sz="1400" dirty="0" smtClean="0"/>
+                      <a:t>Minimization</a:t>
+                    </a:r>
+                  </a:p>
+                  <a:p>
+                    <a:pPr lvl="0" algn="ctr"/>
+                    <a:r>
+                      <a:rPr lang="en-GB" sz="1100" dirty="0" smtClean="0"/>
+                      <a:t>(Lack </a:t>
+                    </a:r>
+                    <a:r>
+                      <a:rPr lang="en-GB" sz="1100" dirty="0"/>
+                      <a:t>of knowledge on </a:t>
+                    </a:r>
+                    <a:r>
+                      <a:rPr lang="en-GB" sz="1100" dirty="0" smtClean="0"/>
+                      <a:t>technology)</a:t>
+                    </a:r>
+                    <a:endParaRPr lang="en-GB" sz="1100" dirty="0"/>
+                  </a:p>
+                </p:txBody>
+              </p:sp>
+            </p:grpSp>
+            <p:sp>
+              <p:nvSpPr>
+                <p:cNvPr id="12" name="CaixaDeTexto 11"/>
+                <p:cNvSpPr txBox="1"/>
+                <p:nvPr/>
+              </p:nvSpPr>
+              <p:spPr>
+                <a:xfrm>
+                  <a:off x="8104530" y="2154940"/>
+                  <a:ext cx="2315057" cy="341632"/>
+                </a:xfrm>
+                <a:prstGeom prst="rect">
+                  <a:avLst/>
+                </a:prstGeom>
+              </p:spPr>
+              <p:style>
+                <a:lnRef idx="2">
+                  <a:schemeClr val="accent6"/>
+                </a:lnRef>
+                <a:fillRef idx="1">
+                  <a:schemeClr val="lt1"/>
+                </a:fillRef>
+                <a:effectRef idx="0">
+                  <a:schemeClr val="accent6"/>
+                </a:effectRef>
+                <a:fontRef idx="minor">
+                  <a:schemeClr val="dk1"/>
+                </a:fontRef>
+              </p:style>
+              <p:txBody>
+                <a:bodyPr wrap="none" rtlCol="0">
+                  <a:spAutoFit/>
+                </a:bodyPr>
+                <a:lstStyle/>
+                <a:p>
+                  <a:pPr>
+                    <a:lnSpc>
+                      <a:spcPct val="90000"/>
+                    </a:lnSpc>
+                  </a:pPr>
+                  <a:r>
+                    <a:rPr lang="en-GB" dirty="0" smtClean="0"/>
+                    <a:t>Problem Identification</a:t>
+                  </a:r>
+                  <a:endParaRPr lang="en-GB" dirty="0"/>
+                </a:p>
+              </p:txBody>
+            </p:sp>
+            <p:sp>
+              <p:nvSpPr>
+                <p:cNvPr id="13" name="CaixaDeTexto 12"/>
+                <p:cNvSpPr txBox="1"/>
+                <p:nvPr/>
+              </p:nvSpPr>
+              <p:spPr>
+                <a:xfrm>
+                  <a:off x="2944055" y="5490230"/>
+                  <a:ext cx="2271776" cy="480131"/>
+                </a:xfrm>
+                <a:prstGeom prst="rect">
+                  <a:avLst/>
+                </a:prstGeom>
+              </p:spPr>
+              <p:style>
+                <a:lnRef idx="2">
+                  <a:schemeClr val="accent1"/>
+                </a:lnRef>
+                <a:fillRef idx="1">
+                  <a:schemeClr val="lt1"/>
+                </a:fillRef>
+                <a:effectRef idx="0">
+                  <a:schemeClr val="accent1"/>
+                </a:effectRef>
+                <a:fontRef idx="minor">
+                  <a:schemeClr val="dk1"/>
+                </a:fontRef>
+              </p:style>
+              <p:txBody>
+                <a:bodyPr wrap="none" rtlCol="0">
+                  <a:spAutoFit/>
+                </a:bodyPr>
+                <a:lstStyle/>
+                <a:p>
+                  <a:pPr algn="ctr">
+                    <a:lnSpc>
+                      <a:spcPct val="90000"/>
+                    </a:lnSpc>
+                  </a:pPr>
+                  <a:r>
+                    <a:rPr lang="en-GB" sz="1400" dirty="0" smtClean="0"/>
+                    <a:t>REESTIMATION</a:t>
+                  </a:r>
+                </a:p>
+                <a:p>
+                  <a:pPr algn="ctr">
+                    <a:lnSpc>
+                      <a:spcPct val="90000"/>
+                    </a:lnSpc>
+                  </a:pPr>
+                  <a:r>
+                    <a:rPr lang="en-GB" sz="1400" dirty="0" smtClean="0"/>
+                    <a:t>(Project </a:t>
+                  </a:r>
+                  <a:r>
+                    <a:rPr lang="en-GB" sz="1400" dirty="0"/>
+                    <a:t>Plan is over </a:t>
+                  </a:r>
+                  <a:r>
+                    <a:rPr lang="en-GB" sz="1400" dirty="0" smtClean="0"/>
+                    <a:t>budget)</a:t>
+                  </a:r>
+                  <a:endParaRPr lang="en-GB" sz="1400" dirty="0"/>
+                </a:p>
+              </p:txBody>
+            </p:sp>
+            <p:cxnSp>
+              <p:nvCxnSpPr>
+                <p:cNvPr id="14" name="Conexão reta 13"/>
+                <p:cNvCxnSpPr>
+                  <a:stCxn id="13" idx="0"/>
+                </p:cNvCxnSpPr>
+                <p:nvPr/>
+              </p:nvCxnSpPr>
+              <p:spPr>
+                <a:xfrm flipV="1">
+                  <a:off x="4079943" y="3918427"/>
+                  <a:ext cx="1877659" cy="1571803"/>
+                </a:xfrm>
+                <a:prstGeom prst="line">
+                  <a:avLst/>
+                </a:prstGeom>
+                <a:ln w="38100"/>
+              </p:spPr>
+              <p:style>
+                <a:lnRef idx="1">
+                  <a:schemeClr val="accent1"/>
+                </a:lnRef>
+                <a:fillRef idx="0">
+                  <a:schemeClr val="accent1"/>
+                </a:fillRef>
+                <a:effectRef idx="0">
+                  <a:schemeClr val="accent1"/>
+                </a:effectRef>
+                <a:fontRef idx="minor">
+                  <a:schemeClr val="tx1"/>
+                </a:fontRef>
+              </p:style>
+            </p:cxnSp>
+            <p:cxnSp>
+              <p:nvCxnSpPr>
+                <p:cNvPr id="15" name="Conexão reta 14"/>
+                <p:cNvCxnSpPr/>
+                <p:nvPr/>
+              </p:nvCxnSpPr>
+              <p:spPr>
+                <a:xfrm>
+                  <a:off x="9516038" y="2496572"/>
+                  <a:ext cx="394798" cy="1242291"/>
+                </a:xfrm>
+                <a:prstGeom prst="line">
+                  <a:avLst/>
+                </a:prstGeom>
+                <a:ln w="38100"/>
+              </p:spPr>
+              <p:style>
+                <a:lnRef idx="1">
+                  <a:schemeClr val="accent6"/>
+                </a:lnRef>
+                <a:fillRef idx="0">
+                  <a:schemeClr val="accent6"/>
+                </a:fillRef>
+                <a:effectRef idx="0">
+                  <a:schemeClr val="accent6"/>
+                </a:effectRef>
+                <a:fontRef idx="minor">
+                  <a:schemeClr val="tx1"/>
+                </a:fontRef>
+              </p:style>
+            </p:cxnSp>
+          </p:grpSp>
+          <p:sp>
+            <p:nvSpPr>
+              <p:cNvPr id="9" name="CaixaDeTexto 8"/>
+              <p:cNvSpPr txBox="1"/>
+              <p:nvPr/>
+            </p:nvSpPr>
+            <p:spPr>
+              <a:xfrm>
+                <a:off x="2376516" y="4674488"/>
+                <a:ext cx="1794081" cy="313932"/>
+              </a:xfrm>
+              <a:prstGeom prst="rect">
+                <a:avLst/>
+              </a:prstGeom>
+            </p:spPr>
+            <p:style>
+              <a:lnRef idx="2">
+                <a:schemeClr val="accent2"/>
+              </a:lnRef>
+              <a:fillRef idx="1">
+                <a:schemeClr val="lt1"/>
+              </a:fillRef>
+              <a:effectRef idx="0">
+                <a:schemeClr val="accent2"/>
+              </a:effectRef>
+              <a:fontRef idx="minor">
+                <a:schemeClr val="dk1"/>
+              </a:fontRef>
+            </p:style>
+            <p:txBody>
+              <a:bodyPr wrap="none" rtlCol="0">
+                <a:spAutoFit/>
+              </a:bodyPr>
+              <a:lstStyle/>
+              <a:p>
+                <a:pPr>
+                  <a:lnSpc>
+                    <a:spcPct val="90000"/>
+                  </a:lnSpc>
+                </a:pPr>
+                <a:r>
+                  <a:rPr lang="en-GB" sz="1600" dirty="0" smtClean="0"/>
+                  <a:t>Risk Identifications</a:t>
+                </a:r>
+                <a:endParaRPr lang="en-GB" sz="1600" dirty="0"/>
+              </a:p>
+            </p:txBody>
+          </p:sp>
+          <p:cxnSp>
+            <p:nvCxnSpPr>
+              <p:cNvPr id="10" name="Conexão reta 9"/>
+              <p:cNvCxnSpPr>
+                <a:stCxn id="9" idx="0"/>
+              </p:cNvCxnSpPr>
+              <p:nvPr/>
+            </p:nvCxnSpPr>
+            <p:spPr>
+              <a:xfrm flipH="1" flipV="1">
+                <a:off x="3259909" y="4031830"/>
+                <a:ext cx="13648" cy="642658"/>
+              </a:xfrm>
+              <a:prstGeom prst="line">
+                <a:avLst/>
+              </a:prstGeom>
+              <a:ln w="38100"/>
+            </p:spPr>
+            <p:style>
+              <a:lnRef idx="1">
+                <a:schemeClr val="accent2"/>
+              </a:lnRef>
+              <a:fillRef idx="0">
+                <a:schemeClr val="accent2"/>
+              </a:fillRef>
+              <a:effectRef idx="0">
+                <a:schemeClr val="accent2"/>
+              </a:effectRef>
+              <a:fontRef idx="minor">
+                <a:schemeClr val="tx1"/>
+              </a:fontRef>
+            </p:style>
+          </p:cxnSp>
+        </p:grpSp>
+        <p:sp>
+          <p:nvSpPr>
+            <p:cNvPr id="6" name="CaixaDeTexto 5"/>
+            <p:cNvSpPr txBox="1"/>
+            <p:nvPr/>
+          </p:nvSpPr>
+          <p:spPr>
+            <a:xfrm>
+              <a:off x="6425916" y="4442465"/>
+              <a:ext cx="1794081" cy="313932"/>
+            </a:xfrm>
+            <a:prstGeom prst="rect">
+              <a:avLst/>
+            </a:prstGeom>
+          </p:spPr>
+          <p:style>
+            <a:lnRef idx="2">
+              <a:schemeClr val="accent2"/>
+            </a:lnRef>
+            <a:fillRef idx="1">
+              <a:schemeClr val="lt1"/>
+            </a:fillRef>
+            <a:effectRef idx="0">
+              <a:schemeClr val="accent2"/>
+            </a:effectRef>
+            <a:fontRef idx="minor">
+              <a:schemeClr val="dk1"/>
+            </a:fontRef>
+          </p:style>
+          <p:txBody>
+            <a:bodyPr wrap="none" rtlCol="0">
+              <a:spAutoFit/>
+            </a:bodyPr>
+            <a:lstStyle/>
+            <a:p>
+              <a:pPr>
+                <a:lnSpc>
+                  <a:spcPct val="90000"/>
+                </a:lnSpc>
+              </a:pPr>
+              <a:r>
+                <a:rPr lang="en-GB" sz="1600" dirty="0" smtClean="0"/>
+                <a:t>Risk Identifications</a:t>
+              </a:r>
+              <a:endParaRPr lang="en-GB" sz="1600" dirty="0"/>
+            </a:p>
+          </p:txBody>
+        </p:sp>
+        <p:cxnSp>
+          <p:nvCxnSpPr>
+            <p:cNvPr id="7" name="Conexão reta 6"/>
+            <p:cNvCxnSpPr>
+              <a:stCxn id="6" idx="0"/>
+            </p:cNvCxnSpPr>
+            <p:nvPr/>
+          </p:nvCxnSpPr>
+          <p:spPr>
+            <a:xfrm flipV="1">
+              <a:off x="7322956" y="4046816"/>
+              <a:ext cx="3913" cy="395649"/>
+            </a:xfrm>
+            <a:prstGeom prst="line">
+              <a:avLst/>
+            </a:prstGeom>
+            <a:ln w="38100"/>
+          </p:spPr>
+          <p:style>
+            <a:lnRef idx="1">
+              <a:schemeClr val="accent2"/>
+            </a:lnRef>
+            <a:fillRef idx="0">
+              <a:schemeClr val="accent2"/>
+            </a:fillRef>
+            <a:effectRef idx="0">
+              <a:schemeClr val="accent2"/>
+            </a:effectRef>
+            <a:fontRef idx="minor">
+              <a:schemeClr val="tx1"/>
+            </a:fontRef>
+          </p:style>
+        </p:cxnSp>
+      </p:grpSp>
+      <p:sp>
+        <p:nvSpPr>
+          <p:cNvPr id="45" name="CaixaDeTexto 44"/>
+          <p:cNvSpPr txBox="1"/>
+          <p:nvPr/>
+        </p:nvSpPr>
+        <p:spPr>
+          <a:xfrm>
+            <a:off x="1049618" y="5876726"/>
+            <a:ext cx="1792478" cy="341632"/>
+          </a:xfrm>
+          <a:prstGeom prst="rect">
+            <a:avLst/>
+          </a:prstGeom>
+          <a:noFill/>
+        </p:spPr>
+        <p:txBody>
+          <a:bodyPr wrap="none" rtlCol="0">
+            <a:spAutoFit/>
+          </a:bodyPr>
+          <a:lstStyle/>
+          <a:p>
+            <a:pPr>
+              <a:lnSpc>
+                <a:spcPct val="90000"/>
+              </a:lnSpc>
+            </a:pPr>
+            <a:r>
+              <a:rPr lang="en-GB" b="1" dirty="0"/>
+              <a:t>Risks Number</a:t>
+            </a:r>
+            <a:r>
+              <a:rPr lang="en-GB" dirty="0"/>
+              <a:t>: </a:t>
+            </a:r>
+            <a:r>
+              <a:rPr lang="en-GB" dirty="0" smtClean="0"/>
+              <a:t>2</a:t>
+            </a:r>
+            <a:endParaRPr lang="en-GB" dirty="0"/>
           </a:p>
         </p:txBody>
       </p:sp>
@@ -7167,37 +11522,150 @@
           <a:lstStyle/>
           <a:p>
             <a:r>
+              <a:rPr lang="en-US" dirty="0"/>
+              <a:t>Risk Management</a:t>
+            </a:r>
+            <a:endParaRPr lang="en-GB" dirty="0"/>
+          </a:p>
+        </p:txBody>
+      </p:sp>
+      <p:sp>
+        <p:nvSpPr>
+          <p:cNvPr id="3" name="Marcador de Posição de Conteúdo 2"/>
+          <p:cNvSpPr>
+            <a:spLocks noGrp="1"/>
+          </p:cNvSpPr>
+          <p:nvPr>
+            <p:ph idx="1"/>
+          </p:nvPr>
+        </p:nvSpPr>
+        <p:spPr/>
+        <p:txBody>
+          <a:bodyPr>
+            <a:normAutofit fontScale="85000" lnSpcReduction="10000"/>
+          </a:bodyPr>
+          <a:lstStyle/>
+          <a:p>
+            <a:r>
+              <a:rPr lang="en-GB" b="1" dirty="0"/>
+              <a:t>1º</a:t>
+            </a:r>
+            <a:r>
+              <a:rPr lang="en-GB" dirty="0"/>
+              <a:t> - Lack of knowledge on technology</a:t>
+            </a:r>
+            <a:r>
+              <a:rPr lang="en-GB" b="1" dirty="0"/>
+              <a:t>:</a:t>
+            </a:r>
+          </a:p>
+          <a:p>
+            <a:pPr lvl="1"/>
+            <a:r>
+              <a:rPr lang="en-GB" b="1" dirty="0"/>
+              <a:t>Probability:</a:t>
+            </a:r>
+            <a:r>
+              <a:rPr lang="en-GB" dirty="0"/>
+              <a:t> 3</a:t>
+            </a:r>
+          </a:p>
+          <a:p>
+            <a:pPr lvl="1"/>
+            <a:r>
+              <a:rPr lang="en-GB" b="1" dirty="0"/>
+              <a:t>Impact:</a:t>
+            </a:r>
+            <a:r>
+              <a:rPr lang="en-GB" dirty="0"/>
+              <a:t> 3</a:t>
+            </a:r>
+          </a:p>
+          <a:p>
+            <a:pPr lvl="1"/>
+            <a:r>
+              <a:rPr lang="en-GB" b="1" dirty="0"/>
+              <a:t>Team Member:</a:t>
+            </a:r>
+            <a:r>
+              <a:rPr lang="en-GB" dirty="0"/>
+              <a:t> João Girão, Mário Oliveira, David Silva, João Martins, Carla Machado and Filipe </a:t>
+            </a:r>
+            <a:r>
+              <a:rPr lang="en-GB" dirty="0" err="1"/>
+              <a:t>Brandão</a:t>
+            </a:r>
+            <a:r>
+              <a:rPr lang="en-GB" dirty="0"/>
+              <a:t> </a:t>
+            </a:r>
+          </a:p>
+          <a:p>
+            <a:pPr lvl="1"/>
+            <a:r>
+              <a:rPr lang="en-GB" b="1" dirty="0"/>
+              <a:t>Avoidance:</a:t>
+            </a:r>
+            <a:r>
+              <a:rPr lang="en-GB" dirty="0"/>
+              <a:t> </a:t>
+            </a:r>
+            <a:r>
+              <a:rPr lang="en-US" dirty="0"/>
+              <a:t>To reduce probability all interfaces must be created and managed by Rui </a:t>
+            </a:r>
+            <a:r>
+              <a:rPr lang="en-US" dirty="0" err="1"/>
+              <a:t>Ganhoto</a:t>
+            </a:r>
+            <a:r>
+              <a:rPr lang="en-US" dirty="0"/>
+              <a:t>.</a:t>
+            </a:r>
+          </a:p>
+          <a:p>
+            <a:pPr lvl="1"/>
+            <a:r>
+              <a:rPr lang="en-US" b="1" dirty="0"/>
+              <a:t>Minimization:</a:t>
+            </a:r>
+            <a:r>
+              <a:rPr lang="en-US" dirty="0"/>
+              <a:t> To reduce Impact Rui </a:t>
+            </a:r>
+            <a:r>
+              <a:rPr lang="en-US" dirty="0" err="1"/>
+              <a:t>Ganhoto</a:t>
+            </a:r>
+            <a:r>
+              <a:rPr lang="en-US" dirty="0"/>
+              <a:t> must give some formation to every team members. </a:t>
+            </a:r>
+          </a:p>
+          <a:p>
+            <a:pPr lvl="1"/>
+            <a:r>
+              <a:rPr lang="en-US" b="1" dirty="0"/>
+              <a:t>Contingency: </a:t>
+            </a:r>
+            <a:r>
+              <a:rPr lang="en-US" dirty="0"/>
+              <a:t>Negotiate interface with the client and avoid WPF, windows forms would be an easier option for static content</a:t>
+            </a:r>
+            <a:r>
               <a:rPr lang="en-US" dirty="0" smtClean="0"/>
-              <a:t>Product Demonstration</a:t>
-            </a:r>
-            <a:endParaRPr lang="en-US" dirty="0"/>
-          </a:p>
-        </p:txBody>
-      </p:sp>
-      <p:sp>
-        <p:nvSpPr>
-          <p:cNvPr id="3" name="Marcador de Posição do Texto 2"/>
-          <p:cNvSpPr>
-            <a:spLocks noGrp="1"/>
-          </p:cNvSpPr>
-          <p:nvPr>
-            <p:ph type="body" idx="1"/>
-          </p:nvPr>
-        </p:nvSpPr>
-        <p:spPr/>
-        <p:txBody>
-          <a:bodyPr/>
-          <a:lstStyle/>
-          <a:p>
-            <a:r>
-              <a:rPr lang="pt-PT" dirty="0" smtClean="0"/>
-              <a:t>David João</a:t>
-            </a:r>
-            <a:endParaRPr lang="pt-PT" dirty="0"/>
+              <a:t>.</a:t>
+            </a:r>
+            <a:endParaRPr lang="en-GB" dirty="0"/>
           </a:p>
         </p:txBody>
       </p:sp>
     </p:spTree>
+    <p:extLst>
+      <p:ext uri="{BB962C8B-B14F-4D97-AF65-F5344CB8AC3E}">
+        <p14:creationId xmlns:p14="http://schemas.microsoft.com/office/powerpoint/2010/main" val="576009203"/>
+      </p:ext>
+    </p:extLst>
   </p:cSld>
   <p:clrMapOvr>
     <a:masterClrMapping/>
@@ -7237,7 +11705,11 @@
           <a:bodyPr/>
           <a:lstStyle/>
           <a:p>
-            <a:endParaRPr lang="pt-PT"/>
+            <a:r>
+              <a:rPr lang="en-US" dirty="0"/>
+              <a:t>Risk Management</a:t>
+            </a:r>
+            <a:endParaRPr lang="en-GB" dirty="0"/>
           </a:p>
         </p:txBody>
       </p:sp>
@@ -7253,14 +11725,96 @@
         </p:nvSpPr>
         <p:spPr/>
         <p:txBody>
-          <a:bodyPr/>
-          <a:lstStyle/>
-          <a:p>
-            <a:endParaRPr lang="pt-PT"/>
+          <a:bodyPr>
+            <a:normAutofit fontScale="92500" lnSpcReduction="10000"/>
+          </a:bodyPr>
+          <a:lstStyle/>
+          <a:p>
+            <a:r>
+              <a:rPr lang="en-GB" dirty="0"/>
+              <a:t>2º - Project Plan is over budget</a:t>
+            </a:r>
+          </a:p>
+          <a:p>
+            <a:pPr lvl="1"/>
+            <a:r>
+              <a:rPr lang="en-GB" b="1" dirty="0"/>
+              <a:t>Probability</a:t>
+            </a:r>
+            <a:r>
+              <a:rPr lang="en-GB" dirty="0"/>
+              <a:t>: 3</a:t>
+            </a:r>
+          </a:p>
+          <a:p>
+            <a:pPr lvl="1"/>
+            <a:r>
+              <a:rPr lang="en-GB" b="1" dirty="0"/>
+              <a:t>Impact</a:t>
+            </a:r>
+            <a:r>
+              <a:rPr lang="en-GB" dirty="0"/>
+              <a:t>: 2</a:t>
+            </a:r>
+          </a:p>
+          <a:p>
+            <a:pPr lvl="1"/>
+            <a:r>
+              <a:rPr lang="en-GB" b="1" dirty="0"/>
+              <a:t>Team Member</a:t>
+            </a:r>
+            <a:r>
+              <a:rPr lang="en-GB" dirty="0"/>
+              <a:t>: Everyone</a:t>
+            </a:r>
+          </a:p>
+          <a:p>
+            <a:pPr lvl="1"/>
+            <a:r>
+              <a:rPr lang="en-GB" dirty="0"/>
+              <a:t>Resolved with the </a:t>
+            </a:r>
+            <a:r>
+              <a:rPr lang="en-GB" dirty="0" err="1"/>
+              <a:t>Reestimation</a:t>
+            </a:r>
+            <a:endParaRPr lang="en-GB" dirty="0"/>
+          </a:p>
+          <a:p>
+            <a:pPr lvl="1"/>
+            <a:endParaRPr lang="en-GB" dirty="0"/>
+          </a:p>
+          <a:p>
+            <a:r>
+              <a:rPr lang="en-US" dirty="0"/>
+              <a:t>The project doesn’t end at the planned time (it’s a problem)</a:t>
+            </a:r>
+          </a:p>
+          <a:p>
+            <a:pPr lvl="1"/>
+            <a:r>
+              <a:rPr lang="en-US" b="1" dirty="0"/>
+              <a:t>Mitigation Plan</a:t>
+            </a:r>
+            <a:r>
+              <a:rPr lang="en-US" dirty="0"/>
+              <a:t>: redistribution the tasks</a:t>
+            </a:r>
+          </a:p>
+          <a:p>
+            <a:pPr marL="0" indent="0">
+              <a:buNone/>
+            </a:pPr>
+            <a:endParaRPr lang="en-GB" dirty="0"/>
           </a:p>
         </p:txBody>
       </p:sp>
     </p:spTree>
+    <p:extLst>
+      <p:ext uri="{BB962C8B-B14F-4D97-AF65-F5344CB8AC3E}">
+        <p14:creationId xmlns:p14="http://schemas.microsoft.com/office/powerpoint/2010/main" val="2359148607"/>
+      </p:ext>
+    </p:extLst>
   </p:cSld>
   <p:clrMapOvr>
     <a:masterClrMapping/>
@@ -7302,7 +11856,7 @@
           <a:p>
             <a:r>
               <a:rPr lang="en-US" dirty="0" smtClean="0"/>
-              <a:t>Analysis and Conclusions</a:t>
+              <a:t>Product Demonstration</a:t>
             </a:r>
             <a:endParaRPr lang="en-US" dirty="0"/>
           </a:p>
@@ -7325,7 +11879,7 @@
           <a:p>
             <a:r>
               <a:rPr lang="pt-PT" dirty="0" smtClean="0"/>
-              <a:t>Team</a:t>
+              <a:t>David João</a:t>
             </a:r>
             <a:endParaRPr lang="pt-PT" dirty="0"/>
           </a:p>
@@ -7336,6 +11890,13 @@
   <p:clrMapOvr>
     <a:masterClrMapping/>
   </p:clrMapOvr>
+  <p:timing>
+    <p:tnLst>
+      <p:par>
+        <p:cTn id="1" dur="indefinite" restart="never" nodeType="tmRoot"/>
+      </p:par>
+    </p:tnLst>
+  </p:timing>
 </p:sld>
 </file>
 
@@ -7371,11 +11932,7 @@
           <a:bodyPr/>
           <a:lstStyle/>
           <a:p>
-            <a:r>
-              <a:rPr lang="pt-PT" dirty="0" smtClean="0"/>
-              <a:t>Global</a:t>
-            </a:r>
-            <a:endParaRPr lang="pt-PT" dirty="0"/>
+            <a:endParaRPr lang="pt-PT"/>
           </a:p>
         </p:txBody>
       </p:sp>
@@ -7439,29 +11996,33 @@
           <a:lstStyle/>
           <a:p>
             <a:r>
+              <a:rPr lang="en-US" dirty="0" smtClean="0"/>
+              <a:t>Analysis and Conclusions</a:t>
+            </a:r>
+            <a:endParaRPr lang="en-US" dirty="0"/>
+          </a:p>
+        </p:txBody>
+      </p:sp>
+      <p:sp>
+        <p:nvSpPr>
+          <p:cNvPr id="3" name="Marcador de Posição do Texto 2"/>
+          <p:cNvSpPr>
+            <a:spLocks noGrp="1"/>
+          </p:cNvSpPr>
+          <p:nvPr>
+            <p:ph type="body" idx="1"/>
+          </p:nvPr>
+        </p:nvSpPr>
+        <p:spPr/>
+        <p:txBody>
+          <a:bodyPr/>
+          <a:lstStyle/>
+          <a:p>
+            <a:r>
               <a:rPr lang="pt-PT" dirty="0" smtClean="0"/>
-              <a:t>Carla Machado</a:t>
+              <a:t>Team</a:t>
             </a:r>
             <a:endParaRPr lang="pt-PT" dirty="0"/>
-          </a:p>
-        </p:txBody>
-      </p:sp>
-      <p:sp>
-        <p:nvSpPr>
-          <p:cNvPr id="3" name="Marcador de Posição de Conteúdo 2"/>
-          <p:cNvSpPr>
-            <a:spLocks noGrp="1"/>
-          </p:cNvSpPr>
-          <p:nvPr>
-            <p:ph idx="1"/>
-          </p:nvPr>
-        </p:nvSpPr>
-        <p:spPr/>
-        <p:txBody>
-          <a:bodyPr/>
-          <a:lstStyle/>
-          <a:p>
-            <a:endParaRPr lang="pt-PT"/>
           </a:p>
         </p:txBody>
       </p:sp>
@@ -7507,7 +12068,7 @@
           <a:p>
             <a:r>
               <a:rPr lang="pt-PT" dirty="0" smtClean="0"/>
-              <a:t>David João</a:t>
+              <a:t>Global</a:t>
             </a:r>
             <a:endParaRPr lang="pt-PT" dirty="0"/>
           </a:p>
@@ -7574,7 +12135,7 @@
           <a:p>
             <a:r>
               <a:rPr lang="pt-PT" dirty="0" smtClean="0"/>
-              <a:t>Filipe Brandão</a:t>
+              <a:t>Carla Machado</a:t>
             </a:r>
             <a:endParaRPr lang="pt-PT" dirty="0"/>
           </a:p>
@@ -7724,7 +12285,7 @@
           <a:p>
             <a:r>
               <a:rPr lang="pt-PT" dirty="0" smtClean="0"/>
-              <a:t>João Girão</a:t>
+              <a:t>David João</a:t>
             </a:r>
             <a:endParaRPr lang="pt-PT" dirty="0"/>
           </a:p>
@@ -7791,7 +12352,7 @@
           <a:p>
             <a:r>
               <a:rPr lang="pt-PT" dirty="0" smtClean="0"/>
-              <a:t>João Martins</a:t>
+              <a:t>Filipe Brandão</a:t>
             </a:r>
             <a:endParaRPr lang="pt-PT" dirty="0"/>
           </a:p>
@@ -7858,7 +12419,7 @@
           <a:p>
             <a:r>
               <a:rPr lang="pt-PT" dirty="0" smtClean="0"/>
-              <a:t>Mário Oliveira</a:t>
+              <a:t>João Girão</a:t>
             </a:r>
             <a:endParaRPr lang="pt-PT" dirty="0"/>
           </a:p>
@@ -7892,6 +12453,140 @@
 </file>
 
 <file path=ppt/slides/slide33.xml><?xml version="1.0" encoding="utf-8"?>
+<p:sld xmlns:a="http://schemas.openxmlformats.org/drawingml/2006/main" xmlns:r="http://schemas.openxmlformats.org/officeDocument/2006/relationships" xmlns:p="http://schemas.openxmlformats.org/presentationml/2006/main">
+  <p:cSld>
+    <p:spTree>
+      <p:nvGrpSpPr>
+        <p:cNvPr id="1" name=""/>
+        <p:cNvGrpSpPr/>
+        <p:nvPr/>
+      </p:nvGrpSpPr>
+      <p:grpSpPr>
+        <a:xfrm>
+          <a:off x="0" y="0"/>
+          <a:ext cx="0" cy="0"/>
+          <a:chOff x="0" y="0"/>
+          <a:chExt cx="0" cy="0"/>
+        </a:xfrm>
+      </p:grpSpPr>
+      <p:sp>
+        <p:nvSpPr>
+          <p:cNvPr id="2" name="Título 1"/>
+          <p:cNvSpPr>
+            <a:spLocks noGrp="1"/>
+          </p:cNvSpPr>
+          <p:nvPr>
+            <p:ph type="title"/>
+          </p:nvPr>
+        </p:nvSpPr>
+        <p:spPr/>
+        <p:txBody>
+          <a:bodyPr/>
+          <a:lstStyle/>
+          <a:p>
+            <a:r>
+              <a:rPr lang="pt-PT" dirty="0" smtClean="0"/>
+              <a:t>João Martins</a:t>
+            </a:r>
+            <a:endParaRPr lang="pt-PT" dirty="0"/>
+          </a:p>
+        </p:txBody>
+      </p:sp>
+      <p:sp>
+        <p:nvSpPr>
+          <p:cNvPr id="3" name="Marcador de Posição de Conteúdo 2"/>
+          <p:cNvSpPr>
+            <a:spLocks noGrp="1"/>
+          </p:cNvSpPr>
+          <p:nvPr>
+            <p:ph idx="1"/>
+          </p:nvPr>
+        </p:nvSpPr>
+        <p:spPr/>
+        <p:txBody>
+          <a:bodyPr/>
+          <a:lstStyle/>
+          <a:p>
+            <a:endParaRPr lang="pt-PT"/>
+          </a:p>
+        </p:txBody>
+      </p:sp>
+    </p:spTree>
+  </p:cSld>
+  <p:clrMapOvr>
+    <a:masterClrMapping/>
+  </p:clrMapOvr>
+</p:sld>
+</file>
+
+<file path=ppt/slides/slide34.xml><?xml version="1.0" encoding="utf-8"?>
+<p:sld xmlns:a="http://schemas.openxmlformats.org/drawingml/2006/main" xmlns:r="http://schemas.openxmlformats.org/officeDocument/2006/relationships" xmlns:p="http://schemas.openxmlformats.org/presentationml/2006/main">
+  <p:cSld>
+    <p:spTree>
+      <p:nvGrpSpPr>
+        <p:cNvPr id="1" name=""/>
+        <p:cNvGrpSpPr/>
+        <p:nvPr/>
+      </p:nvGrpSpPr>
+      <p:grpSpPr>
+        <a:xfrm>
+          <a:off x="0" y="0"/>
+          <a:ext cx="0" cy="0"/>
+          <a:chOff x="0" y="0"/>
+          <a:chExt cx="0" cy="0"/>
+        </a:xfrm>
+      </p:grpSpPr>
+      <p:sp>
+        <p:nvSpPr>
+          <p:cNvPr id="2" name="Título 1"/>
+          <p:cNvSpPr>
+            <a:spLocks noGrp="1"/>
+          </p:cNvSpPr>
+          <p:nvPr>
+            <p:ph type="title"/>
+          </p:nvPr>
+        </p:nvSpPr>
+        <p:spPr/>
+        <p:txBody>
+          <a:bodyPr/>
+          <a:lstStyle/>
+          <a:p>
+            <a:r>
+              <a:rPr lang="pt-PT" dirty="0" smtClean="0"/>
+              <a:t>Mário Oliveira</a:t>
+            </a:r>
+            <a:endParaRPr lang="pt-PT" dirty="0"/>
+          </a:p>
+        </p:txBody>
+      </p:sp>
+      <p:sp>
+        <p:nvSpPr>
+          <p:cNvPr id="3" name="Marcador de Posição de Conteúdo 2"/>
+          <p:cNvSpPr>
+            <a:spLocks noGrp="1"/>
+          </p:cNvSpPr>
+          <p:nvPr>
+            <p:ph idx="1"/>
+          </p:nvPr>
+        </p:nvSpPr>
+        <p:spPr/>
+        <p:txBody>
+          <a:bodyPr/>
+          <a:lstStyle/>
+          <a:p>
+            <a:endParaRPr lang="pt-PT"/>
+          </a:p>
+        </p:txBody>
+      </p:sp>
+    </p:spTree>
+  </p:cSld>
+  <p:clrMapOvr>
+    <a:masterClrMapping/>
+  </p:clrMapOvr>
+</p:sld>
+</file>
+
+<file path=ppt/slides/slide35.xml><?xml version="1.0" encoding="utf-8"?>
 <p:sld xmlns:a="http://schemas.openxmlformats.org/drawingml/2006/main" xmlns:r="http://schemas.openxmlformats.org/officeDocument/2006/relationships" xmlns:p="http://schemas.openxmlformats.org/presentationml/2006/main">
   <p:cSld>
     <p:spTree>

--- a/Final Presentation/Presentation.pptx
+++ b/Final Presentation/Presentation.pptx
@@ -15,17 +15,17 @@
     <p:sldId id="272" r:id="rId9"/>
     <p:sldId id="273" r:id="rId10"/>
     <p:sldId id="274" r:id="rId11"/>
-    <p:sldId id="275" r:id="rId12"/>
-    <p:sldId id="277" r:id="rId13"/>
-    <p:sldId id="276" r:id="rId14"/>
-    <p:sldId id="280" r:id="rId15"/>
-    <p:sldId id="293" r:id="rId16"/>
-    <p:sldId id="294" r:id="rId17"/>
-    <p:sldId id="295" r:id="rId18"/>
-    <p:sldId id="296" r:id="rId19"/>
-    <p:sldId id="297" r:id="rId20"/>
-    <p:sldId id="298" r:id="rId21"/>
-    <p:sldId id="279" r:id="rId22"/>
+    <p:sldId id="276" r:id="rId12"/>
+    <p:sldId id="280" r:id="rId13"/>
+    <p:sldId id="293" r:id="rId14"/>
+    <p:sldId id="294" r:id="rId15"/>
+    <p:sldId id="295" r:id="rId16"/>
+    <p:sldId id="296" r:id="rId17"/>
+    <p:sldId id="297" r:id="rId18"/>
+    <p:sldId id="298" r:id="rId19"/>
+    <p:sldId id="279" r:id="rId20"/>
+    <p:sldId id="302" r:id="rId21"/>
+    <p:sldId id="301" r:id="rId22"/>
     <p:sldId id="281" r:id="rId23"/>
     <p:sldId id="299" r:id="rId24"/>
     <p:sldId id="300" r:id="rId25"/>
@@ -3754,7 +3754,7 @@
             <a:fld id="{F71B3DB1-8543-40E0-A2D1-830196AD91DE}" type="datetimeFigureOut">
               <a:rPr lang="pt-PT" smtClean="0"/>
               <a:pPr/>
-              <a:t>29/06/2013</a:t>
+              <a:t>30/06/2013</a:t>
             </a:fld>
             <a:endParaRPr lang="pt-PT" dirty="0"/>
           </a:p>
@@ -3807,7 +3807,7 @@
             <a:fld id="{5D26EDD4-363A-4236-A170-49C0FA725754}" type="slidenum">
               <a:rPr lang="pt-PT" smtClean="0"/>
               <a:pPr/>
-              <a:t>‹nº›</a:t>
+              <a:t>‹#›</a:t>
             </a:fld>
             <a:endParaRPr lang="pt-PT" dirty="0"/>
           </a:p>
@@ -4088,7 +4088,7 @@
             <a:fld id="{F71B3DB1-8543-40E0-A2D1-830196AD91DE}" type="datetimeFigureOut">
               <a:rPr lang="pt-PT" smtClean="0"/>
               <a:pPr/>
-              <a:t>29/06/2013</a:t>
+              <a:t>30/06/2013</a:t>
             </a:fld>
             <a:endParaRPr lang="pt-PT" dirty="0"/>
           </a:p>
@@ -4131,7 +4131,7 @@
             <a:fld id="{5D26EDD4-363A-4236-A170-49C0FA725754}" type="slidenum">
               <a:rPr lang="pt-PT" smtClean="0"/>
               <a:pPr/>
-              <a:t>‹nº›</a:t>
+              <a:t>‹#›</a:t>
             </a:fld>
             <a:endParaRPr lang="pt-PT" dirty="0"/>
           </a:p>
@@ -4338,7 +4338,7 @@
             <a:fld id="{F71B3DB1-8543-40E0-A2D1-830196AD91DE}" type="datetimeFigureOut">
               <a:rPr lang="pt-PT" smtClean="0"/>
               <a:pPr/>
-              <a:t>29/06/2013</a:t>
+              <a:t>30/06/2013</a:t>
             </a:fld>
             <a:endParaRPr lang="pt-PT" dirty="0"/>
           </a:p>
@@ -4381,7 +4381,7 @@
             <a:fld id="{5D26EDD4-363A-4236-A170-49C0FA725754}" type="slidenum">
               <a:rPr lang="pt-PT" smtClean="0"/>
               <a:pPr/>
-              <a:t>‹nº›</a:t>
+              <a:t>‹#›</a:t>
             </a:fld>
             <a:endParaRPr lang="pt-PT" dirty="0"/>
           </a:p>
@@ -4686,7 +4686,7 @@
             <a:fld id="{F71B3DB1-8543-40E0-A2D1-830196AD91DE}" type="datetimeFigureOut">
               <a:rPr lang="pt-PT" smtClean="0"/>
               <a:pPr/>
-              <a:t>29/06/2013</a:t>
+              <a:t>30/06/2013</a:t>
             </a:fld>
             <a:endParaRPr lang="pt-PT" dirty="0"/>
           </a:p>
@@ -4729,7 +4729,7 @@
             <a:fld id="{5D26EDD4-363A-4236-A170-49C0FA725754}" type="slidenum">
               <a:rPr lang="pt-PT" smtClean="0"/>
               <a:pPr/>
-              <a:t>‹nº›</a:t>
+              <a:t>‹#›</a:t>
             </a:fld>
             <a:endParaRPr lang="pt-PT" dirty="0"/>
           </a:p>
@@ -5042,7 +5042,7 @@
             <a:fld id="{F71B3DB1-8543-40E0-A2D1-830196AD91DE}" type="datetimeFigureOut">
               <a:rPr lang="pt-PT" smtClean="0"/>
               <a:pPr/>
-              <a:t>29/06/2013</a:t>
+              <a:t>30/06/2013</a:t>
             </a:fld>
             <a:endParaRPr lang="pt-PT" dirty="0"/>
           </a:p>
@@ -5085,7 +5085,7 @@
             <a:fld id="{5D26EDD4-363A-4236-A170-49C0FA725754}" type="slidenum">
               <a:rPr lang="pt-PT" smtClean="0"/>
               <a:pPr/>
-              <a:t>‹nº›</a:t>
+              <a:t>‹#›</a:t>
             </a:fld>
             <a:endParaRPr lang="pt-PT" dirty="0"/>
           </a:p>
@@ -5418,7 +5418,7 @@
             <a:fld id="{F71B3DB1-8543-40E0-A2D1-830196AD91DE}" type="datetimeFigureOut">
               <a:rPr lang="pt-PT" smtClean="0"/>
               <a:pPr/>
-              <a:t>29/06/2013</a:t>
+              <a:t>30/06/2013</a:t>
             </a:fld>
             <a:endParaRPr lang="pt-PT" dirty="0"/>
           </a:p>
@@ -5461,7 +5461,7 @@
             <a:fld id="{5D26EDD4-363A-4236-A170-49C0FA725754}" type="slidenum">
               <a:rPr lang="pt-PT" smtClean="0"/>
               <a:pPr/>
-              <a:t>‹nº›</a:t>
+              <a:t>‹#›</a:t>
             </a:fld>
             <a:endParaRPr lang="pt-PT" dirty="0"/>
           </a:p>
@@ -5897,7 +5897,7 @@
             <a:fld id="{F71B3DB1-8543-40E0-A2D1-830196AD91DE}" type="datetimeFigureOut">
               <a:rPr lang="pt-PT" smtClean="0"/>
               <a:pPr/>
-              <a:t>29/06/2013</a:t>
+              <a:t>30/06/2013</a:t>
             </a:fld>
             <a:endParaRPr lang="pt-PT" dirty="0"/>
           </a:p>
@@ -5940,7 +5940,7 @@
             <a:fld id="{5D26EDD4-363A-4236-A170-49C0FA725754}" type="slidenum">
               <a:rPr lang="pt-PT" smtClean="0"/>
               <a:pPr/>
-              <a:t>‹nº›</a:t>
+              <a:t>‹#›</a:t>
             </a:fld>
             <a:endParaRPr lang="pt-PT" dirty="0"/>
           </a:p>
@@ -6111,7 +6111,7 @@
             <a:fld id="{F71B3DB1-8543-40E0-A2D1-830196AD91DE}" type="datetimeFigureOut">
               <a:rPr lang="pt-PT" smtClean="0"/>
               <a:pPr/>
-              <a:t>29/06/2013</a:t>
+              <a:t>30/06/2013</a:t>
             </a:fld>
             <a:endParaRPr lang="pt-PT" dirty="0"/>
           </a:p>
@@ -6154,7 +6154,7 @@
             <a:fld id="{5D26EDD4-363A-4236-A170-49C0FA725754}" type="slidenum">
               <a:rPr lang="pt-PT" smtClean="0"/>
               <a:pPr/>
-              <a:t>‹nº›</a:t>
+              <a:t>‹#›</a:t>
             </a:fld>
             <a:endParaRPr lang="pt-PT" dirty="0"/>
           </a:p>
@@ -6331,7 +6331,7 @@
             <a:fld id="{F71B3DB1-8543-40E0-A2D1-830196AD91DE}" type="datetimeFigureOut">
               <a:rPr lang="pt-PT" smtClean="0"/>
               <a:pPr/>
-              <a:t>29/06/2013</a:t>
+              <a:t>30/06/2013</a:t>
             </a:fld>
             <a:endParaRPr lang="pt-PT" dirty="0"/>
           </a:p>
@@ -6374,7 +6374,7 @@
             <a:fld id="{5D26EDD4-363A-4236-A170-49C0FA725754}" type="slidenum">
               <a:rPr lang="pt-PT" smtClean="0"/>
               <a:pPr/>
-              <a:t>‹nº›</a:t>
+              <a:t>‹#›</a:t>
             </a:fld>
             <a:endParaRPr lang="pt-PT" dirty="0"/>
           </a:p>
@@ -6579,7 +6579,7 @@
             <a:fld id="{F71B3DB1-8543-40E0-A2D1-830196AD91DE}" type="datetimeFigureOut">
               <a:rPr lang="pt-PT" smtClean="0"/>
               <a:pPr/>
-              <a:t>29/06/2013</a:t>
+              <a:t>30/06/2013</a:t>
             </a:fld>
             <a:endParaRPr lang="pt-PT" dirty="0"/>
           </a:p>
@@ -6622,7 +6622,7 @@
             <a:fld id="{5D26EDD4-363A-4236-A170-49C0FA725754}" type="slidenum">
               <a:rPr lang="pt-PT" smtClean="0"/>
               <a:pPr/>
-              <a:t>‹nº›</a:t>
+              <a:t>‹#›</a:t>
             </a:fld>
             <a:endParaRPr lang="pt-PT" dirty="0"/>
           </a:p>
@@ -6829,7 +6829,7 @@
             <a:fld id="{F71B3DB1-8543-40E0-A2D1-830196AD91DE}" type="datetimeFigureOut">
               <a:rPr lang="pt-PT" smtClean="0"/>
               <a:pPr/>
-              <a:t>29/06/2013</a:t>
+              <a:t>30/06/2013</a:t>
             </a:fld>
             <a:endParaRPr lang="pt-PT" dirty="0"/>
           </a:p>
@@ -6872,7 +6872,7 @@
             <a:fld id="{5D26EDD4-363A-4236-A170-49C0FA725754}" type="slidenum">
               <a:rPr lang="pt-PT" smtClean="0"/>
               <a:pPr/>
-              <a:t>‹nº›</a:t>
+              <a:t>‹#›</a:t>
             </a:fld>
             <a:endParaRPr lang="pt-PT" dirty="0"/>
           </a:p>
@@ -7143,7 +7143,7 @@
             <a:fld id="{F71B3DB1-8543-40E0-A2D1-830196AD91DE}" type="datetimeFigureOut">
               <a:rPr lang="pt-PT" smtClean="0"/>
               <a:pPr/>
-              <a:t>29/06/2013</a:t>
+              <a:t>30/06/2013</a:t>
             </a:fld>
             <a:endParaRPr lang="pt-PT" dirty="0"/>
           </a:p>
@@ -7186,7 +7186,7 @@
             <a:fld id="{5D26EDD4-363A-4236-A170-49C0FA725754}" type="slidenum">
               <a:rPr lang="pt-PT" smtClean="0"/>
               <a:pPr/>
-              <a:t>‹nº›</a:t>
+              <a:t>‹#›</a:t>
             </a:fld>
             <a:endParaRPr lang="pt-PT" dirty="0"/>
           </a:p>
@@ -7527,7 +7527,7 @@
             <a:fld id="{F71B3DB1-8543-40E0-A2D1-830196AD91DE}" type="datetimeFigureOut">
               <a:rPr lang="pt-PT" smtClean="0"/>
               <a:pPr/>
-              <a:t>29/06/2013</a:t>
+              <a:t>30/06/2013</a:t>
             </a:fld>
             <a:endParaRPr lang="pt-PT" dirty="0"/>
           </a:p>
@@ -7570,7 +7570,7 @@
             <a:fld id="{5D26EDD4-363A-4236-A170-49C0FA725754}" type="slidenum">
               <a:rPr lang="pt-PT" smtClean="0"/>
               <a:pPr/>
-              <a:t>‹nº›</a:t>
+              <a:t>‹#›</a:t>
             </a:fld>
             <a:endParaRPr lang="pt-PT" dirty="0"/>
           </a:p>
@@ -7685,7 +7685,7 @@
             <a:fld id="{F71B3DB1-8543-40E0-A2D1-830196AD91DE}" type="datetimeFigureOut">
               <a:rPr lang="pt-PT" smtClean="0"/>
               <a:pPr/>
-              <a:t>29/06/2013</a:t>
+              <a:t>30/06/2013</a:t>
             </a:fld>
             <a:endParaRPr lang="pt-PT" dirty="0"/>
           </a:p>
@@ -7728,7 +7728,7 @@
             <a:fld id="{5D26EDD4-363A-4236-A170-49C0FA725754}" type="slidenum">
               <a:rPr lang="pt-PT" smtClean="0"/>
               <a:pPr/>
-              <a:t>‹nº›</a:t>
+              <a:t>‹#›</a:t>
             </a:fld>
             <a:endParaRPr lang="pt-PT" dirty="0"/>
           </a:p>
@@ -7820,7 +7820,7 @@
             <a:fld id="{F71B3DB1-8543-40E0-A2D1-830196AD91DE}" type="datetimeFigureOut">
               <a:rPr lang="pt-PT" smtClean="0"/>
               <a:pPr/>
-              <a:t>29/06/2013</a:t>
+              <a:t>30/06/2013</a:t>
             </a:fld>
             <a:endParaRPr lang="pt-PT" dirty="0"/>
           </a:p>
@@ -7863,7 +7863,7 @@
             <a:fld id="{5D26EDD4-363A-4236-A170-49C0FA725754}" type="slidenum">
               <a:rPr lang="pt-PT" smtClean="0"/>
               <a:pPr/>
-              <a:t>‹nº›</a:t>
+              <a:t>‹#›</a:t>
             </a:fld>
             <a:endParaRPr lang="pt-PT" dirty="0"/>
           </a:p>
@@ -8077,7 +8077,7 @@
             <a:fld id="{F71B3DB1-8543-40E0-A2D1-830196AD91DE}" type="datetimeFigureOut">
               <a:rPr lang="pt-PT" smtClean="0"/>
               <a:pPr/>
-              <a:t>29/06/2013</a:t>
+              <a:t>30/06/2013</a:t>
             </a:fld>
             <a:endParaRPr lang="pt-PT" dirty="0"/>
           </a:p>
@@ -8120,7 +8120,7 @@
             <a:fld id="{5D26EDD4-363A-4236-A170-49C0FA725754}" type="slidenum">
               <a:rPr lang="pt-PT" smtClean="0"/>
               <a:pPr/>
-              <a:t>‹nº›</a:t>
+              <a:t>‹#›</a:t>
             </a:fld>
             <a:endParaRPr lang="pt-PT" dirty="0"/>
           </a:p>
@@ -8401,7 +8401,7 @@
             <a:fld id="{F71B3DB1-8543-40E0-A2D1-830196AD91DE}" type="datetimeFigureOut">
               <a:rPr lang="pt-PT" smtClean="0"/>
               <a:pPr/>
-              <a:t>29/06/2013</a:t>
+              <a:t>30/06/2013</a:t>
             </a:fld>
             <a:endParaRPr lang="pt-PT" dirty="0"/>
           </a:p>
@@ -8444,7 +8444,7 @@
             <a:fld id="{5D26EDD4-363A-4236-A170-49C0FA725754}" type="slidenum">
               <a:rPr lang="pt-PT" smtClean="0"/>
               <a:pPr/>
-              <a:t>‹nº›</a:t>
+              <a:t>‹#›</a:t>
             </a:fld>
             <a:endParaRPr lang="pt-PT" dirty="0"/>
           </a:p>
@@ -8647,7 +8647,7 @@
             <a:fld id="{F71B3DB1-8543-40E0-A2D1-830196AD91DE}" type="datetimeFigureOut">
               <a:rPr lang="pt-PT" smtClean="0"/>
               <a:pPr/>
-              <a:t>29/06/2013</a:t>
+              <a:t>30/06/2013</a:t>
             </a:fld>
             <a:endParaRPr lang="pt-PT" dirty="0"/>
           </a:p>
@@ -8726,7 +8726,7 @@
             <a:fld id="{5D26EDD4-363A-4236-A170-49C0FA725754}" type="slidenum">
               <a:rPr lang="pt-PT" smtClean="0"/>
               <a:pPr/>
-              <a:t>‹nº›</a:t>
+              <a:t>‹#›</a:t>
             </a:fld>
             <a:endParaRPr lang="pt-PT" dirty="0"/>
           </a:p>
@@ -9354,7 +9354,7 @@
       </p:grpSpPr>
       <p:sp>
         <p:nvSpPr>
-          <p:cNvPr id="4" name="Title 3"/>
+          <p:cNvPr id="2" name="Título 1"/>
           <p:cNvSpPr>
             <a:spLocks noGrp="1"/>
           </p:cNvSpPr>
@@ -9369,7 +9369,7 @@
           <a:p>
             <a:r>
               <a:rPr lang="en-US" dirty="0" smtClean="0"/>
-              <a:t>Document</a:t>
+              <a:t>Project Quality</a:t>
             </a:r>
             <a:endParaRPr lang="en-US" dirty="0"/>
           </a:p>
@@ -9377,7 +9377,7 @@
       </p:sp>
       <p:sp>
         <p:nvSpPr>
-          <p:cNvPr id="5" name="Text Placeholder 4"/>
+          <p:cNvPr id="3" name="Marcador de Posição do Texto 2"/>
           <p:cNvSpPr>
             <a:spLocks noGrp="1"/>
           </p:cNvSpPr>
@@ -9392,29 +9392,17 @@
           <a:p>
             <a:r>
               <a:rPr lang="pt-PT" dirty="0" smtClean="0"/>
-              <a:t>Mário Oliveira</a:t>
+              <a:t>Carla Machado</a:t>
             </a:r>
             <a:endParaRPr lang="pt-PT" dirty="0"/>
           </a:p>
         </p:txBody>
       </p:sp>
     </p:spTree>
-    <p:extLst>
-      <p:ext uri="{BB962C8B-B14F-4D97-AF65-F5344CB8AC3E}">
-        <p14:creationId xmlns:p14="http://schemas.microsoft.com/office/powerpoint/2010/main" val="905212791"/>
-      </p:ext>
-    </p:extLst>
   </p:cSld>
   <p:clrMapOvr>
     <a:masterClrMapping/>
   </p:clrMapOvr>
-  <p:timing>
-    <p:tnLst>
-      <p:par>
-        <p:cTn id="1" dur="indefinite" restart="never" nodeType="tmRoot"/>
-      </p:par>
-    </p:tnLst>
-  </p:timing>
 </p:sld>
 </file>
 
@@ -9450,6 +9438,10 @@
           <a:bodyPr/>
           <a:lstStyle/>
           <a:p>
+            <a:r>
+              <a:rPr lang="en-US" dirty="0" smtClean="0"/>
+              <a:t>Processes and Process Analysis</a:t>
+            </a:r>
             <a:endParaRPr lang="pt-PT" dirty="0"/>
           </a:p>
         </p:txBody>
@@ -9466,10 +9458,63 @@
         </p:nvSpPr>
         <p:spPr/>
         <p:txBody>
-          <a:bodyPr/>
-          <a:lstStyle/>
-          <a:p>
-            <a:endParaRPr lang="pt-PT"/>
+          <a:bodyPr>
+            <a:normAutofit fontScale="92500" lnSpcReduction="10000"/>
+          </a:bodyPr>
+          <a:lstStyle/>
+          <a:p>
+            <a:r>
+              <a:rPr lang="en-US" dirty="0" smtClean="0"/>
+              <a:t>Document Management Process</a:t>
+            </a:r>
+          </a:p>
+          <a:p>
+            <a:pPr lvl="1"/>
+            <a:r>
+              <a:rPr lang="en-US" dirty="0" smtClean="0"/>
+              <a:t>It was followed in the majority of documents although some unconformities were detected </a:t>
+            </a:r>
+          </a:p>
+          <a:p>
+            <a:pPr lvl="2"/>
+            <a:r>
+              <a:rPr lang="en-US" dirty="0" smtClean="0"/>
+              <a:t>Not following correctly the hierarchy for the different roles</a:t>
+            </a:r>
+          </a:p>
+          <a:p>
+            <a:pPr lvl="1"/>
+            <a:r>
+              <a:rPr lang="en-US" dirty="0" smtClean="0"/>
+              <a:t>The process lacked flexibility in choosing the persons for the different roles</a:t>
+            </a:r>
+          </a:p>
+          <a:p>
+            <a:r>
+              <a:rPr lang="en-US" dirty="0" smtClean="0"/>
+              <a:t>Project Assessment and Control Process</a:t>
+            </a:r>
+          </a:p>
+          <a:p>
+            <a:pPr lvl="1"/>
+            <a:r>
+              <a:rPr lang="en-US" dirty="0" smtClean="0"/>
+              <a:t>Project and risk control weren’t very accurate</a:t>
+            </a:r>
+          </a:p>
+          <a:p>
+            <a:pPr lvl="2"/>
+            <a:r>
+              <a:rPr lang="en-US" dirty="0" smtClean="0"/>
+              <a:t>Process wasn’t always exactly followed</a:t>
+            </a:r>
+          </a:p>
+          <a:p>
+            <a:pPr lvl="2"/>
+            <a:r>
+              <a:rPr lang="en-US" dirty="0" smtClean="0"/>
+              <a:t>Problems with some of the used tools</a:t>
+            </a:r>
           </a:p>
         </p:txBody>
       </p:sp>
@@ -9527,32 +9572,67 @@
           <a:p>
             <a:r>
               <a:rPr lang="en-US" dirty="0" smtClean="0"/>
-              <a:t>Project Quality</a:t>
-            </a:r>
-            <a:endParaRPr lang="en-US" dirty="0"/>
-          </a:p>
-        </p:txBody>
-      </p:sp>
-      <p:sp>
-        <p:nvSpPr>
-          <p:cNvPr id="3" name="Marcador de Posição do Texto 2"/>
-          <p:cNvSpPr>
-            <a:spLocks noGrp="1"/>
-          </p:cNvSpPr>
-          <p:nvPr>
-            <p:ph type="body" idx="1"/>
+              <a:t>Processes and Process Analysis</a:t>
+            </a:r>
+            <a:endParaRPr lang="pt-PT" dirty="0"/>
+          </a:p>
+        </p:txBody>
+      </p:sp>
+      <p:sp>
+        <p:nvSpPr>
+          <p:cNvPr id="3" name="Marcador de Posição de Conteúdo 2"/>
+          <p:cNvSpPr>
+            <a:spLocks noGrp="1"/>
+          </p:cNvSpPr>
+          <p:nvPr>
+            <p:ph idx="1"/>
           </p:nvPr>
         </p:nvSpPr>
         <p:spPr/>
         <p:txBody>
-          <a:bodyPr/>
-          <a:lstStyle/>
-          <a:p>
-            <a:r>
-              <a:rPr lang="pt-PT" dirty="0" smtClean="0"/>
-              <a:t>Carla Machado</a:t>
-            </a:r>
-            <a:endParaRPr lang="pt-PT" dirty="0"/>
+          <a:bodyPr>
+            <a:normAutofit/>
+          </a:bodyPr>
+          <a:lstStyle/>
+          <a:p>
+            <a:r>
+              <a:rPr lang="en-US" dirty="0" smtClean="0"/>
+              <a:t>Project Planning Process</a:t>
+            </a:r>
+          </a:p>
+          <a:p>
+            <a:pPr lvl="1"/>
+            <a:r>
+              <a:rPr lang="en-US" dirty="0" smtClean="0"/>
+              <a:t>Plan was updated</a:t>
+            </a:r>
+          </a:p>
+          <a:p>
+            <a:pPr lvl="2"/>
+            <a:r>
+              <a:rPr lang="en-US" dirty="0" smtClean="0"/>
+              <a:t>Redefinition of some concepts - milestones</a:t>
+            </a:r>
+          </a:p>
+          <a:p>
+            <a:r>
+              <a:rPr lang="en-US" dirty="0" smtClean="0"/>
+              <a:t>Requirements Analysis Process</a:t>
+            </a:r>
+          </a:p>
+          <a:p>
+            <a:pPr lvl="1"/>
+            <a:r>
+              <a:rPr lang="en-US" dirty="0" smtClean="0"/>
+              <a:t>Major unconformity</a:t>
+            </a:r>
+          </a:p>
+          <a:p>
+            <a:pPr lvl="2"/>
+            <a:r>
+              <a:rPr lang="en-US" dirty="0" smtClean="0"/>
+              <a:t> changes were made that didn´t follow the change requirements process and documentation wasn’t updated </a:t>
+            </a:r>
           </a:p>
         </p:txBody>
       </p:sp>
@@ -9583,7 +9663,7 @@
       </p:grpSpPr>
       <p:sp>
         <p:nvSpPr>
-          <p:cNvPr id="2" name="Title 1"/>
+          <p:cNvPr id="2" name="Título 1"/>
           <p:cNvSpPr>
             <a:spLocks noGrp="1"/>
           </p:cNvSpPr>
@@ -9606,7 +9686,7 @@
       </p:sp>
       <p:sp>
         <p:nvSpPr>
-          <p:cNvPr id="3" name="Content Placeholder 2"/>
+          <p:cNvPr id="3" name="Marcador de Posição de Conteúdo 2"/>
           <p:cNvSpPr>
             <a:spLocks noGrp="1"/>
           </p:cNvSpPr>
@@ -9617,82 +9697,70 @@
         <p:spPr/>
         <p:txBody>
           <a:bodyPr>
-            <a:normAutofit fontScale="92500" lnSpcReduction="10000"/>
+            <a:normAutofit lnSpcReduction="10000"/>
           </a:bodyPr>
           <a:lstStyle/>
           <a:p>
             <a:r>
               <a:rPr lang="en-US" dirty="0" smtClean="0"/>
-              <a:t>Document Management Process</a:t>
+              <a:t>Review Process</a:t>
             </a:r>
           </a:p>
           <a:p>
             <a:pPr lvl="1"/>
             <a:r>
               <a:rPr lang="en-US" dirty="0" smtClean="0"/>
-              <a:t>It was followed in the majority of documents although some unconformities were detected </a:t>
+              <a:t>Major unconformity associated with the walkthrough </a:t>
             </a:r>
           </a:p>
           <a:p>
             <a:pPr lvl="2"/>
             <a:r>
               <a:rPr lang="en-US" dirty="0" smtClean="0"/>
-              <a:t>Not following correctly the hierarchy for the different roles</a:t>
+              <a:t>The process wasn´t followed and measures weren’t recorded</a:t>
+            </a:r>
+          </a:p>
+          <a:p>
+            <a:r>
+              <a:rPr lang="en-US" dirty="0" smtClean="0"/>
+              <a:t>Verification &amp; Validation Process </a:t>
             </a:r>
           </a:p>
           <a:p>
             <a:pPr lvl="1"/>
             <a:r>
               <a:rPr lang="en-US" dirty="0" smtClean="0"/>
-              <a:t>The process lacked flexibility in choosing the persons for the different roles</a:t>
-            </a:r>
-          </a:p>
-          <a:p>
+              <a:t>Doesn’t mention ad-hoc testing</a:t>
+            </a:r>
+          </a:p>
+          <a:p>
+            <a:pPr lvl="2"/>
             <a:r>
               <a:rPr lang="en-US" dirty="0" smtClean="0"/>
-              <a:t>Project Assessment and Control Process</a:t>
+              <a:t>How to report defects not associated with tests</a:t>
             </a:r>
           </a:p>
           <a:p>
             <a:pPr lvl="1"/>
             <a:r>
               <a:rPr lang="en-US" dirty="0" smtClean="0"/>
-              <a:t>Project and risk control weren’t very accurate</a:t>
-            </a:r>
-          </a:p>
-          <a:p>
-            <a:pPr lvl="2"/>
+              <a:t>What to do in cases of reopen</a:t>
+            </a:r>
+          </a:p>
+          <a:p>
+            <a:pPr lvl="1"/>
             <a:r>
               <a:rPr lang="en-US" dirty="0" smtClean="0"/>
-              <a:t>Process wasn’t always exactly followed</a:t>
-            </a:r>
-          </a:p>
-          <a:p>
-            <a:pPr lvl="2"/>
-            <a:r>
-              <a:rPr lang="en-US" dirty="0" smtClean="0"/>
-              <a:t>Problems with some of the used tools</a:t>
+              <a:t>Test plan wasn’t concluded</a:t>
             </a:r>
           </a:p>
         </p:txBody>
       </p:sp>
     </p:spTree>
-    <p:extLst>
-      <p:ext uri="{BB962C8B-B14F-4D97-AF65-F5344CB8AC3E}">
-        <p14:creationId xmlns:p14="http://schemas.microsoft.com/office/powerpoint/2010/main" val="3857988853"/>
-      </p:ext>
-    </p:extLst>
   </p:cSld>
   <p:clrMapOvr>
     <a:masterClrMapping/>
   </p:clrMapOvr>
-  <p:timing>
-    <p:tnLst>
-      <p:par>
-        <p:cTn id="1" dur="indefinite" restart="never" nodeType="tmRoot"/>
-      </p:par>
-    </p:tnLst>
-  </p:timing>
 </p:sld>
 </file>
 
@@ -9748,49 +9816,37 @@
         </p:nvSpPr>
         <p:spPr/>
         <p:txBody>
-          <a:bodyPr>
-            <a:normAutofit/>
-          </a:bodyPr>
+          <a:bodyPr/>
           <a:lstStyle/>
           <a:p>
             <a:r>
               <a:rPr lang="en-US" dirty="0" smtClean="0"/>
-              <a:t>Project Planning Process</a:t>
+              <a:t>Common issues in following the processes</a:t>
             </a:r>
           </a:p>
           <a:p>
             <a:pPr lvl="1"/>
             <a:r>
               <a:rPr lang="en-US" dirty="0" smtClean="0"/>
-              <a:t>Plan was updated</a:t>
-            </a:r>
-          </a:p>
-          <a:p>
-            <a:pPr lvl="2"/>
+              <a:t>Process measures weren’t always recorded or updated timely</a:t>
+            </a:r>
+          </a:p>
+          <a:p>
+            <a:pPr lvl="1"/>
             <a:r>
               <a:rPr lang="en-US" dirty="0" smtClean="0"/>
-              <a:t>Redefinition of some concepts - milestones</a:t>
-            </a:r>
-          </a:p>
-          <a:p>
+              <a:t>The processes weren’t always exactly followed as defined</a:t>
+            </a:r>
+          </a:p>
+          <a:p>
+            <a:pPr lvl="1"/>
             <a:r>
               <a:rPr lang="en-US" dirty="0" smtClean="0"/>
-              <a:t>Requirements Analysis Process</a:t>
-            </a:r>
-          </a:p>
-          <a:p>
-            <a:pPr lvl="1"/>
-            <a:r>
-              <a:rPr lang="en-US" dirty="0" smtClean="0"/>
-              <a:t>Major unconformity</a:t>
-            </a:r>
-          </a:p>
-          <a:p>
-            <a:pPr lvl="2"/>
-            <a:r>
-              <a:rPr lang="en-US" dirty="0" smtClean="0"/>
-              <a:t> changes were made that didn´t follow the change requirements process and documentation wasn’t updated </a:t>
-            </a:r>
+              <a:t>Some processes were overcomplicated for the team and project needs</a:t>
+            </a:r>
+          </a:p>
+          <a:p>
+            <a:endParaRPr lang="pt-PT" dirty="0"/>
           </a:p>
         </p:txBody>
       </p:sp>
@@ -9836,7 +9892,7 @@
           <a:p>
             <a:r>
               <a:rPr lang="en-US" dirty="0" smtClean="0"/>
-              <a:t>Processes and Process Analysis</a:t>
+              <a:t>Quality Activities</a:t>
             </a:r>
             <a:endParaRPr lang="pt-PT" dirty="0"/>
           </a:p>
@@ -9855,61 +9911,67 @@
         <p:spPr/>
         <p:txBody>
           <a:bodyPr>
-            <a:normAutofit lnSpcReduction="10000"/>
+            <a:normAutofit fontScale="85000" lnSpcReduction="20000"/>
           </a:bodyPr>
           <a:lstStyle/>
           <a:p>
             <a:r>
               <a:rPr lang="en-US" dirty="0" smtClean="0"/>
-              <a:t>Review Process</a:t>
+              <a:t>Reviews</a:t>
             </a:r>
           </a:p>
           <a:p>
             <a:pPr lvl="1"/>
             <a:r>
               <a:rPr lang="en-US" dirty="0" smtClean="0"/>
-              <a:t>Major unconformity associated with the walkthrough </a:t>
-            </a:r>
-          </a:p>
-          <a:p>
-            <a:pPr lvl="2"/>
+              <a:t>Inspections</a:t>
+            </a:r>
+          </a:p>
+          <a:p>
+            <a:pPr lvl="1"/>
             <a:r>
               <a:rPr lang="en-US" dirty="0" smtClean="0"/>
-              <a:t>The process wasn´t followed and measures weren’t recorded</a:t>
-            </a:r>
-          </a:p>
-          <a:p>
+              <a:t>Walkthrough</a:t>
+            </a:r>
+          </a:p>
+          <a:p>
+            <a:pPr lvl="1"/>
             <a:r>
               <a:rPr lang="en-US" dirty="0" smtClean="0"/>
-              <a:t>Verification &amp; Validation Process </a:t>
+              <a:t>Desk checks</a:t>
+            </a:r>
+          </a:p>
+          <a:p>
+            <a:r>
+              <a:rPr lang="en-US" dirty="0" smtClean="0"/>
+              <a:t>Quality verifications</a:t>
             </a:r>
           </a:p>
           <a:p>
             <a:pPr lvl="1"/>
             <a:r>
               <a:rPr lang="en-US" dirty="0" smtClean="0"/>
-              <a:t>Doesn’t mention ad-hoc testing</a:t>
-            </a:r>
-          </a:p>
-          <a:p>
-            <a:pPr lvl="2"/>
+              <a:t>Processes were followed</a:t>
+            </a:r>
+          </a:p>
+          <a:p>
             <a:r>
               <a:rPr lang="en-US" dirty="0" smtClean="0"/>
-              <a:t>How to report defects not associated with tests</a:t>
+              <a:t> Testing</a:t>
             </a:r>
           </a:p>
           <a:p>
             <a:pPr lvl="1"/>
             <a:r>
               <a:rPr lang="en-US" dirty="0" smtClean="0"/>
-              <a:t>What to do in cases of reopen</a:t>
+              <a:t>Unit testing</a:t>
             </a:r>
           </a:p>
           <a:p>
             <a:pPr lvl="1"/>
             <a:r>
               <a:rPr lang="en-US" dirty="0" smtClean="0"/>
-              <a:t>Test plan wasn’t concluded</a:t>
+              <a:t>Acceptance and system testing</a:t>
             </a:r>
           </a:p>
         </p:txBody>
@@ -9956,9 +10018,9 @@
           <a:p>
             <a:r>
               <a:rPr lang="en-US" dirty="0" smtClean="0"/>
-              <a:t>Processes and Process Analysis</a:t>
-            </a:r>
-            <a:endParaRPr lang="pt-PT" dirty="0"/>
+              <a:t>Quality Cost</a:t>
+            </a:r>
+            <a:endParaRPr lang="en-US" dirty="0"/>
           </a:p>
         </p:txBody>
       </p:sp>
@@ -9977,34 +10039,7 @@
           <a:bodyPr/>
           <a:lstStyle/>
           <a:p>
-            <a:r>
-              <a:rPr lang="en-US" dirty="0" smtClean="0"/>
-              <a:t>Common issues in following the processes</a:t>
-            </a:r>
-          </a:p>
-          <a:p>
-            <a:pPr lvl="1"/>
-            <a:r>
-              <a:rPr lang="en-US" dirty="0" smtClean="0"/>
-              <a:t>Process measures weren’t always recorded or updated timely</a:t>
-            </a:r>
-          </a:p>
-          <a:p>
-            <a:pPr lvl="1"/>
-            <a:r>
-              <a:rPr lang="en-US" dirty="0" smtClean="0"/>
-              <a:t>The processes weren’t always exactly followed as defined</a:t>
-            </a:r>
-          </a:p>
-          <a:p>
-            <a:pPr lvl="1"/>
-            <a:r>
-              <a:rPr lang="en-US" dirty="0" smtClean="0"/>
-              <a:t>Some processes were overcomplicated for the team and project needs</a:t>
-            </a:r>
-          </a:p>
-          <a:p>
-            <a:endParaRPr lang="pt-PT" dirty="0"/>
+            <a:endParaRPr lang="pt-PT"/>
           </a:p>
         </p:txBody>
       </p:sp>
@@ -10049,10 +10084,10 @@
           <a:lstStyle/>
           <a:p>
             <a:r>
-              <a:rPr lang="en-US" dirty="0" smtClean="0"/>
-              <a:t>Quality Activities</a:t>
-            </a:r>
-            <a:endParaRPr lang="pt-PT" dirty="0"/>
+              <a:rPr lang="en-US" smtClean="0"/>
+              <a:t>Quality Perception</a:t>
+            </a:r>
+            <a:endParaRPr lang="en-US"/>
           </a:p>
         </p:txBody>
       </p:sp>
@@ -10068,69 +10103,10 @@
         </p:nvSpPr>
         <p:spPr/>
         <p:txBody>
-          <a:bodyPr>
-            <a:normAutofit fontScale="85000" lnSpcReduction="20000"/>
-          </a:bodyPr>
-          <a:lstStyle/>
-          <a:p>
-            <a:r>
-              <a:rPr lang="en-US" dirty="0" smtClean="0"/>
-              <a:t>Reviews</a:t>
-            </a:r>
-          </a:p>
-          <a:p>
-            <a:pPr lvl="1"/>
-            <a:r>
-              <a:rPr lang="en-US" dirty="0" smtClean="0"/>
-              <a:t>Inspections</a:t>
-            </a:r>
-          </a:p>
-          <a:p>
-            <a:pPr lvl="1"/>
-            <a:r>
-              <a:rPr lang="en-US" dirty="0" smtClean="0"/>
-              <a:t>Walkthrough</a:t>
-            </a:r>
-          </a:p>
-          <a:p>
-            <a:pPr lvl="1"/>
-            <a:r>
-              <a:rPr lang="en-US" dirty="0" smtClean="0"/>
-              <a:t>Desk checks</a:t>
-            </a:r>
-          </a:p>
-          <a:p>
-            <a:r>
-              <a:rPr lang="en-US" dirty="0" smtClean="0"/>
-              <a:t>Quality verifications</a:t>
-            </a:r>
-          </a:p>
-          <a:p>
-            <a:pPr lvl="1"/>
-            <a:r>
-              <a:rPr lang="en-US" dirty="0" smtClean="0"/>
-              <a:t>Processes were followed</a:t>
-            </a:r>
-          </a:p>
-          <a:p>
-            <a:r>
-              <a:rPr lang="en-US" dirty="0" smtClean="0"/>
-              <a:t> Testing</a:t>
-            </a:r>
-          </a:p>
-          <a:p>
-            <a:pPr lvl="1"/>
-            <a:r>
-              <a:rPr lang="en-US" dirty="0" smtClean="0"/>
-              <a:t>Unit testing</a:t>
-            </a:r>
-          </a:p>
-          <a:p>
-            <a:pPr lvl="1"/>
-            <a:r>
-              <a:rPr lang="en-US" dirty="0" smtClean="0"/>
-              <a:t>Acceptance and system testing</a:t>
-            </a:r>
+          <a:bodyPr/>
+          <a:lstStyle/>
+          <a:p>
+            <a:endParaRPr lang="pt-PT"/>
           </a:p>
         </p:txBody>
       </p:sp>
@@ -10176,7 +10152,7 @@
           <a:p>
             <a:r>
               <a:rPr lang="en-US" dirty="0" smtClean="0"/>
-              <a:t>Quality Cost</a:t>
+              <a:t>Architecture</a:t>
             </a:r>
             <a:endParaRPr lang="en-US" dirty="0"/>
           </a:p>
@@ -10184,12 +10160,12 @@
       </p:sp>
       <p:sp>
         <p:nvSpPr>
-          <p:cNvPr id="3" name="Marcador de Posição de Conteúdo 2"/>
-          <p:cNvSpPr>
-            <a:spLocks noGrp="1"/>
-          </p:cNvSpPr>
-          <p:nvPr>
-            <p:ph idx="1"/>
+          <p:cNvPr id="3" name="Marcador de Posição do Texto 2"/>
+          <p:cNvSpPr>
+            <a:spLocks noGrp="1"/>
+          </p:cNvSpPr>
+          <p:nvPr>
+            <p:ph type="body" idx="1"/>
           </p:nvPr>
         </p:nvSpPr>
         <p:spPr/>
@@ -10197,7 +10173,11 @@
           <a:bodyPr/>
           <a:lstStyle/>
           <a:p>
-            <a:endParaRPr lang="pt-PT"/>
+            <a:r>
+              <a:rPr lang="pt-PT" dirty="0" smtClean="0"/>
+              <a:t>Rui Ganhoto</a:t>
+            </a:r>
+            <a:endParaRPr lang="pt-PT" dirty="0"/>
           </a:p>
         </p:txBody>
       </p:sp>
@@ -10206,6 +10186,13 @@
   <p:clrMapOvr>
     <a:masterClrMapping/>
   </p:clrMapOvr>
+  <p:timing>
+    <p:tnLst>
+      <p:par>
+        <p:cTn id="1" dur="indefinite" restart="never" nodeType="tmRoot"/>
+      </p:par>
+    </p:tnLst>
+  </p:timing>
 </p:sld>
 </file>
 
@@ -10320,11 +10307,7 @@
           <a:bodyPr/>
           <a:lstStyle/>
           <a:p>
-            <a:r>
-              <a:rPr lang="en-US" smtClean="0"/>
-              <a:t>Quality Perception</a:t>
-            </a:r>
-            <a:endParaRPr lang="en-US"/>
+            <a:endParaRPr lang="en-US" dirty="0"/>
           </a:p>
         </p:txBody>
       </p:sp>
@@ -10348,6 +10331,11 @@
         </p:txBody>
       </p:sp>
     </p:spTree>
+    <p:extLst>
+      <p:ext uri="{BB962C8B-B14F-4D97-AF65-F5344CB8AC3E}">
+        <p14:creationId xmlns:p14="http://schemas.microsoft.com/office/powerpoint/2010/main" val="2470495484"/>
+      </p:ext>
+    </p:extLst>
   </p:cSld>
   <p:clrMapOvr>
     <a:masterClrMapping/>
@@ -10419,6 +10407,11 @@
         </p:txBody>
       </p:sp>
     </p:spTree>
+    <p:extLst>
+      <p:ext uri="{BB962C8B-B14F-4D97-AF65-F5344CB8AC3E}">
+        <p14:creationId xmlns:p14="http://schemas.microsoft.com/office/powerpoint/2010/main" val="745076154"/>
+      </p:ext>
+    </p:extLst>
   </p:cSld>
   <p:clrMapOvr>
     <a:masterClrMapping/>

--- a/Final Presentation/Presentation.pptx
+++ b/Final Presentation/Presentation.pptx
@@ -140,7 +140,7 @@
   </p:defaultTextStyle>
   <p:extLst>
     <p:ext uri="{EFAFB233-063F-42B5-8137-9DF3F51BA10A}">
-      <p15:sldGuideLst xmlns:p15="http://schemas.microsoft.com/office/powerpoint/2012/main">
+      <p15:sldGuideLst xmlns:p15="http://schemas.microsoft.com/office/powerpoint/2012/main" xmlns="">
         <p15:guide id="1" orient="horz" pos="2160">
           <p15:clr>
             <a:srgbClr val="A4A3A4"/>
@@ -155,6 +155,132 @@
     </p:ext>
   </p:extLst>
 </p:presentation>
+</file>
+
+<file path=ppt/charts/chart1.xml><?xml version="1.0" encoding="utf-8"?>
+<c:chartSpace xmlns:c="http://schemas.openxmlformats.org/drawingml/2006/chart" xmlns:a="http://schemas.openxmlformats.org/drawingml/2006/main" xmlns:r="http://schemas.openxmlformats.org/officeDocument/2006/relationships">
+  <c:lang val="pt-PT"/>
+  <c:style val="34"/>
+  <c:chart>
+    <c:title>
+      <c:tx>
+        <c:rich>
+          <a:bodyPr/>
+          <a:lstStyle/>
+          <a:p>
+            <a:pPr>
+              <a:defRPr/>
+            </a:pPr>
+            <a:r>
+              <a:rPr lang="en-US"/>
+              <a:t>Quality Cost by Activity</a:t>
+            </a:r>
+          </a:p>
+        </c:rich>
+      </c:tx>
+      <c:layout/>
+    </c:title>
+    <c:plotArea>
+      <c:layout>
+        <c:manualLayout>
+          <c:layoutTarget val="inner"/>
+          <c:xMode val="edge"/>
+          <c:yMode val="edge"/>
+          <c:x val="1.837493717540626E-2"/>
+          <c:y val="0.11685429321334835"/>
+          <c:w val="0.9687301563126659"/>
+          <c:h val="0.74789651293588366"/>
+        </c:manualLayout>
+      </c:layout>
+      <c:ofPieChart>
+        <c:ofPieType val="pie"/>
+        <c:varyColors val="1"/>
+        <c:ser>
+          <c:idx val="0"/>
+          <c:order val="0"/>
+          <c:tx>
+            <c:strRef>
+              <c:f>Folha1!$B$1</c:f>
+              <c:strCache>
+                <c:ptCount val="1"/>
+                <c:pt idx="0">
+                  <c:v>Time</c:v>
+                </c:pt>
+              </c:strCache>
+            </c:strRef>
+          </c:tx>
+          <c:dLbls>
+            <c:dLblPos val="bestFit"/>
+            <c:showPercent val="1"/>
+            <c:showLeaderLines val="1"/>
+          </c:dLbls>
+          <c:cat>
+            <c:strRef>
+              <c:f>Folha1!$A$2:$A$5</c:f>
+              <c:strCache>
+                <c:ptCount val="4"/>
+                <c:pt idx="0">
+                  <c:v>Reviews</c:v>
+                </c:pt>
+                <c:pt idx="1">
+                  <c:v>Quality verifications</c:v>
+                </c:pt>
+                <c:pt idx="2">
+                  <c:v>Test Planning</c:v>
+                </c:pt>
+                <c:pt idx="3">
+                  <c:v>Test Execution</c:v>
+                </c:pt>
+              </c:strCache>
+            </c:strRef>
+          </c:cat>
+          <c:val>
+            <c:numRef>
+              <c:f>Folha1!$B$2:$B$5</c:f>
+              <c:numCache>
+                <c:formatCode>Estandar</c:formatCode>
+                <c:ptCount val="4"/>
+                <c:pt idx="0">
+                  <c:v>46</c:v>
+                </c:pt>
+                <c:pt idx="1">
+                  <c:v>2</c:v>
+                </c:pt>
+                <c:pt idx="2">
+                  <c:v>48</c:v>
+                </c:pt>
+                <c:pt idx="3">
+                  <c:v>7.25</c:v>
+                </c:pt>
+              </c:numCache>
+            </c:numRef>
+          </c:val>
+        </c:ser>
+        <c:dLbls>
+          <c:showPercent val="1"/>
+        </c:dLbls>
+        <c:gapWidth val="150"/>
+        <c:secondPieSize val="75"/>
+        <c:serLines/>
+      </c:ofPieChart>
+    </c:plotArea>
+    <c:legend>
+      <c:legendPos val="t"/>
+      <c:layout>
+        <c:manualLayout>
+          <c:xMode val="edge"/>
+          <c:yMode val="edge"/>
+          <c:x val="0.10437076409936182"/>
+          <c:y val="0.89422182227221614"/>
+          <c:w val="0.84181970483863588"/>
+          <c:h val="6.8887289088863907E-2"/>
+        </c:manualLayout>
+      </c:layout>
+    </c:legend>
+    <c:plotVisOnly val="1"/>
+  </c:chart>
+  <c:externalData r:id="rId1"/>
+</c:chartSpace>
 </file>
 
 <file path=ppt/diagrams/colors1.xml><?xml version="1.0" encoding="utf-8"?>
@@ -1374,21 +1500,21 @@
     </dgm:pt>
   </dgm:ptLst>
   <dgm:cxnLst>
+    <dgm:cxn modelId="{531B340F-8630-438B-9B38-8C2716FAD3B4}" type="presOf" srcId="{9059B768-CD7D-43D2-80D2-6FDF0EAA0156}" destId="{49B98997-A726-433D-94FF-467BFB2ADCAF}" srcOrd="0" destOrd="0" presId="urn:microsoft.com/office/officeart/2005/8/layout/hProcess11"/>
+    <dgm:cxn modelId="{48AC722D-ACE2-4875-8C63-0C6D0EFEC009}" srcId="{C306C341-D599-4B1B-99D5-C33838902528}" destId="{136AD6A2-B441-479A-860B-9C60598DF083}" srcOrd="5" destOrd="0" parTransId="{B3AAAF1D-C6F6-49CE-A21B-B1132F4E369E}" sibTransId="{B013FFB8-9869-4AB3-A2B5-FDAEE2CD0557}"/>
+    <dgm:cxn modelId="{2531456E-1B85-4C5E-8AF6-C60E58F43067}" srcId="{C306C341-D599-4B1B-99D5-C33838902528}" destId="{BB8E58C9-394E-4BB7-956B-15FD8F0F4DF6}" srcOrd="3" destOrd="0" parTransId="{A1E3FDCD-492B-4046-91FD-A19D4F38F245}" sibTransId="{1808AAF0-8272-4577-B8B5-78D78CC4E805}"/>
+    <dgm:cxn modelId="{B9E36F7A-BBBE-4C6F-BF41-35D339983B88}" type="presOf" srcId="{1A49080C-0DE7-47E8-922A-4D0B1B6C485A}" destId="{50085456-D334-4C9E-B8C2-A46683D1A093}" srcOrd="0" destOrd="0" presId="urn:microsoft.com/office/officeart/2005/8/layout/hProcess11"/>
+    <dgm:cxn modelId="{FB5D8D0E-9186-481B-B91B-876243A2F8C3}" srcId="{C306C341-D599-4B1B-99D5-C33838902528}" destId="{9059B768-CD7D-43D2-80D2-6FDF0EAA0156}" srcOrd="2" destOrd="0" parTransId="{1EDF92A5-B373-4C08-A41F-FC4842BC317C}" sibTransId="{7F219E18-92F5-4220-8440-CDF23E2C86DD}"/>
+    <dgm:cxn modelId="{02A0FDDF-750D-4E70-AEEE-212E089D8451}" srcId="{C306C341-D599-4B1B-99D5-C33838902528}" destId="{D7A1B3F6-9A96-443D-918B-6A83D726860E}" srcOrd="0" destOrd="0" parTransId="{E621CA8E-4955-42BA-A043-EA33F0C1521B}" sibTransId="{39AA8962-6813-4284-95C5-BF4AE6D9DB14}"/>
+    <dgm:cxn modelId="{767A3C01-869E-45E9-9525-49AE88355A73}" type="presOf" srcId="{2FDC2C24-CC4E-4D25-B09B-59FD6E82C3EE}" destId="{D9A28F98-9710-4524-B177-E78A77379D8B}" srcOrd="0" destOrd="0" presId="urn:microsoft.com/office/officeart/2005/8/layout/hProcess11"/>
+    <dgm:cxn modelId="{74AB5348-BE90-4678-A34C-0914E1E30C30}" type="presOf" srcId="{D7A1B3F6-9A96-443D-918B-6A83D726860E}" destId="{6810232A-C069-4BBA-BBD2-7BC82D197AC8}" srcOrd="0" destOrd="0" presId="urn:microsoft.com/office/officeart/2005/8/layout/hProcess11"/>
+    <dgm:cxn modelId="{5B4D9666-1585-4473-894E-27F0786F7A9C}" srcId="{C306C341-D599-4B1B-99D5-C33838902528}" destId="{1A49080C-0DE7-47E8-922A-4D0B1B6C485A}" srcOrd="4" destOrd="0" parTransId="{F7B8845B-EEB5-4952-882F-D415FAF8B60E}" sibTransId="{1A70AC7A-7F03-4D55-B5D0-E2003D1A4324}"/>
+    <dgm:cxn modelId="{8B924237-C27F-443D-B948-7413A94D4D27}" type="presOf" srcId="{136AD6A2-B441-479A-860B-9C60598DF083}" destId="{DF520769-FC51-4284-84DC-D345C7025315}" srcOrd="0" destOrd="0" presId="urn:microsoft.com/office/officeart/2005/8/layout/hProcess11"/>
+    <dgm:cxn modelId="{30F53C6F-EC07-427E-851F-3E97E605AFC9}" srcId="{C306C341-D599-4B1B-99D5-C33838902528}" destId="{454E9A41-EB5C-4D21-A500-1A0F7280DF0F}" srcOrd="6" destOrd="0" parTransId="{1E224352-DCA1-4654-B392-6D76C795B7BE}" sibTransId="{AA42D578-BCA4-460B-AE10-0875155B9415}"/>
+    <dgm:cxn modelId="{4EF651BC-29A7-4411-A2C1-5D5C76CDC2E0}" type="presOf" srcId="{454E9A41-EB5C-4D21-A500-1A0F7280DF0F}" destId="{03D8AACE-E855-4D1F-9736-1957EAD159E9}" srcOrd="0" destOrd="0" presId="urn:microsoft.com/office/officeart/2005/8/layout/hProcess11"/>
     <dgm:cxn modelId="{1FFE94F7-1A23-436C-BE75-E8E800979E17}" srcId="{C306C341-D599-4B1B-99D5-C33838902528}" destId="{2FDC2C24-CC4E-4D25-B09B-59FD6E82C3EE}" srcOrd="1" destOrd="0" parTransId="{E7F2584E-86F9-4ED7-9B8D-A99EC47827F9}" sibTransId="{81A6B66D-8321-4A73-A293-0D29707D523C}"/>
-    <dgm:cxn modelId="{74AB5348-BE90-4678-A34C-0914E1E30C30}" type="presOf" srcId="{D7A1B3F6-9A96-443D-918B-6A83D726860E}" destId="{6810232A-C069-4BBA-BBD2-7BC82D197AC8}" srcOrd="0" destOrd="0" presId="urn:microsoft.com/office/officeart/2005/8/layout/hProcess11"/>
-    <dgm:cxn modelId="{30F53C6F-EC07-427E-851F-3E97E605AFC9}" srcId="{C306C341-D599-4B1B-99D5-C33838902528}" destId="{454E9A41-EB5C-4D21-A500-1A0F7280DF0F}" srcOrd="6" destOrd="0" parTransId="{1E224352-DCA1-4654-B392-6D76C795B7BE}" sibTransId="{AA42D578-BCA4-460B-AE10-0875155B9415}"/>
-    <dgm:cxn modelId="{8B924237-C27F-443D-B948-7413A94D4D27}" type="presOf" srcId="{136AD6A2-B441-479A-860B-9C60598DF083}" destId="{DF520769-FC51-4284-84DC-D345C7025315}" srcOrd="0" destOrd="0" presId="urn:microsoft.com/office/officeart/2005/8/layout/hProcess11"/>
     <dgm:cxn modelId="{A8E9508F-E201-4F3A-B45C-83967300D4A6}" type="presOf" srcId="{BB8E58C9-394E-4BB7-956B-15FD8F0F4DF6}" destId="{F622832A-050B-4EB9-99E6-8F1AAFA7A166}" srcOrd="0" destOrd="0" presId="urn:microsoft.com/office/officeart/2005/8/layout/hProcess11"/>
-    <dgm:cxn modelId="{FB5D8D0E-9186-481B-B91B-876243A2F8C3}" srcId="{C306C341-D599-4B1B-99D5-C33838902528}" destId="{9059B768-CD7D-43D2-80D2-6FDF0EAA0156}" srcOrd="2" destOrd="0" parTransId="{1EDF92A5-B373-4C08-A41F-FC4842BC317C}" sibTransId="{7F219E18-92F5-4220-8440-CDF23E2C86DD}"/>
     <dgm:cxn modelId="{7DB08E90-EBF1-4B81-81C1-240E3FCE3996}" type="presOf" srcId="{C306C341-D599-4B1B-99D5-C33838902528}" destId="{6BAF5AC4-12C4-475D-890B-181061458B36}" srcOrd="0" destOrd="0" presId="urn:microsoft.com/office/officeart/2005/8/layout/hProcess11"/>
-    <dgm:cxn modelId="{2531456E-1B85-4C5E-8AF6-C60E58F43067}" srcId="{C306C341-D599-4B1B-99D5-C33838902528}" destId="{BB8E58C9-394E-4BB7-956B-15FD8F0F4DF6}" srcOrd="3" destOrd="0" parTransId="{A1E3FDCD-492B-4046-91FD-A19D4F38F245}" sibTransId="{1808AAF0-8272-4577-B8B5-78D78CC4E805}"/>
-    <dgm:cxn modelId="{531B340F-8630-438B-9B38-8C2716FAD3B4}" type="presOf" srcId="{9059B768-CD7D-43D2-80D2-6FDF0EAA0156}" destId="{49B98997-A726-433D-94FF-467BFB2ADCAF}" srcOrd="0" destOrd="0" presId="urn:microsoft.com/office/officeart/2005/8/layout/hProcess11"/>
-    <dgm:cxn modelId="{B9E36F7A-BBBE-4C6F-BF41-35D339983B88}" type="presOf" srcId="{1A49080C-0DE7-47E8-922A-4D0B1B6C485A}" destId="{50085456-D334-4C9E-B8C2-A46683D1A093}" srcOrd="0" destOrd="0" presId="urn:microsoft.com/office/officeart/2005/8/layout/hProcess11"/>
-    <dgm:cxn modelId="{48AC722D-ACE2-4875-8C63-0C6D0EFEC009}" srcId="{C306C341-D599-4B1B-99D5-C33838902528}" destId="{136AD6A2-B441-479A-860B-9C60598DF083}" srcOrd="5" destOrd="0" parTransId="{B3AAAF1D-C6F6-49CE-A21B-B1132F4E369E}" sibTransId="{B013FFB8-9869-4AB3-A2B5-FDAEE2CD0557}"/>
-    <dgm:cxn modelId="{02A0FDDF-750D-4E70-AEEE-212E089D8451}" srcId="{C306C341-D599-4B1B-99D5-C33838902528}" destId="{D7A1B3F6-9A96-443D-918B-6A83D726860E}" srcOrd="0" destOrd="0" parTransId="{E621CA8E-4955-42BA-A043-EA33F0C1521B}" sibTransId="{39AA8962-6813-4284-95C5-BF4AE6D9DB14}"/>
-    <dgm:cxn modelId="{4EF651BC-29A7-4411-A2C1-5D5C76CDC2E0}" type="presOf" srcId="{454E9A41-EB5C-4D21-A500-1A0F7280DF0F}" destId="{03D8AACE-E855-4D1F-9736-1957EAD159E9}" srcOrd="0" destOrd="0" presId="urn:microsoft.com/office/officeart/2005/8/layout/hProcess11"/>
-    <dgm:cxn modelId="{5B4D9666-1585-4473-894E-27F0786F7A9C}" srcId="{C306C341-D599-4B1B-99D5-C33838902528}" destId="{1A49080C-0DE7-47E8-922A-4D0B1B6C485A}" srcOrd="4" destOrd="0" parTransId="{F7B8845B-EEB5-4952-882F-D415FAF8B60E}" sibTransId="{1A70AC7A-7F03-4D55-B5D0-E2003D1A4324}"/>
-    <dgm:cxn modelId="{767A3C01-869E-45E9-9525-49AE88355A73}" type="presOf" srcId="{2FDC2C24-CC4E-4D25-B09B-59FD6E82C3EE}" destId="{D9A28F98-9710-4524-B177-E78A77379D8B}" srcOrd="0" destOrd="0" presId="urn:microsoft.com/office/officeart/2005/8/layout/hProcess11"/>
     <dgm:cxn modelId="{B10D7C1E-A564-43B7-8CF6-53A3B45427EA}" type="presParOf" srcId="{6BAF5AC4-12C4-475D-890B-181061458B36}" destId="{60799F41-7989-4AA1-B9E8-4EF51F0FF333}" srcOrd="0" destOrd="0" presId="urn:microsoft.com/office/officeart/2005/8/layout/hProcess11"/>
     <dgm:cxn modelId="{3D4CF2F4-D5DA-4E6E-B60C-17291E4CBF35}" type="presParOf" srcId="{6BAF5AC4-12C4-475D-890B-181061458B36}" destId="{5CCD0D81-360B-4CC0-98C6-6C8129CE7187}" srcOrd="1" destOrd="0" presId="urn:microsoft.com/office/officeart/2005/8/layout/hProcess11"/>
     <dgm:cxn modelId="{CB43A1D7-7FEB-4CF0-8076-B30824FA5BA7}" type="presParOf" srcId="{5CCD0D81-360B-4CC0-98C6-6C8129CE7187}" destId="{1683355D-447B-4404-8E2E-EE43BAA2B137}" srcOrd="0" destOrd="0" presId="urn:microsoft.com/office/officeart/2005/8/layout/hProcess11"/>
@@ -1430,14 +1556,14 @@
   <dgm:whole/>
   <dgm:extLst>
     <a:ext uri="http://schemas.microsoft.com/office/drawing/2008/diagram">
-      <dsp:dataModelExt xmlns:dsp="http://schemas.microsoft.com/office/drawing/2008/diagram" relId="rId6" minVer="http://schemas.openxmlformats.org/drawingml/2006/diagram"/>
+      <dsp:dataModelExt xmlns:dsp="http://schemas.microsoft.com/office/drawing/2008/diagram" xmlns="" relId="rId6" minVer="http://schemas.openxmlformats.org/drawingml/2006/diagram"/>
     </a:ext>
   </dgm:extLst>
 </dgm:dataModel>
 </file>
 
 <file path=ppt/diagrams/drawing1.xml><?xml version="1.0" encoding="utf-8"?>
-<dsp:drawing xmlns:dgm="http://schemas.openxmlformats.org/drawingml/2006/diagram" xmlns:dsp="http://schemas.microsoft.com/office/drawing/2008/diagram" xmlns:a="http://schemas.openxmlformats.org/drawingml/2006/main">
+<dsp:drawing xmlns:dgm="http://schemas.openxmlformats.org/drawingml/2006/diagram" xmlns:a="http://schemas.openxmlformats.org/drawingml/2006/main" xmlns:dsp="http://schemas.microsoft.com/office/drawing/2008/diagram">
   <dsp:spTree>
     <dsp:nvGrpSpPr>
       <dsp:cNvPr id="0" name=""/>
@@ -3555,10 +3681,10 @@
           <p:nvPr/>
         </p:nvPicPr>
         <p:blipFill>
-          <a:blip r:embed="rId2">
+          <a:blip r:embed="rId2" cstate="print">
             <a:extLst>
               <a:ext uri="{28A0092B-C50C-407E-A947-70E740481C1C}">
-                <a14:useLocalDpi xmlns:a14="http://schemas.microsoft.com/office/drawing/2010/main" val="0"/>
+                <a14:useLocalDpi xmlns:a14="http://schemas.microsoft.com/office/drawing/2010/main" xmlns="" val="0"/>
               </a:ext>
             </a:extLst>
           </a:blip>
@@ -3754,7 +3880,7 @@
             <a:fld id="{F71B3DB1-8543-40E0-A2D1-830196AD91DE}" type="datetimeFigureOut">
               <a:rPr lang="pt-PT" smtClean="0"/>
               <a:pPr/>
-              <a:t>30/06/2013</a:t>
+              <a:t>30-06-2013</a:t>
             </a:fld>
             <a:endParaRPr lang="pt-PT" dirty="0"/>
           </a:p>
@@ -3807,7 +3933,7 @@
             <a:fld id="{5D26EDD4-363A-4236-A170-49C0FA725754}" type="slidenum">
               <a:rPr lang="pt-PT" smtClean="0"/>
               <a:pPr/>
-              <a:t>‹#›</a:t>
+              <a:t>‹nº›</a:t>
             </a:fld>
             <a:endParaRPr lang="pt-PT" dirty="0"/>
           </a:p>
@@ -3854,7 +3980,7 @@
     </p:spTree>
     <p:extLst>
       <p:ext uri="{BB962C8B-B14F-4D97-AF65-F5344CB8AC3E}">
-        <p14:creationId xmlns:p14="http://schemas.microsoft.com/office/powerpoint/2010/main" val="4283900998"/>
+        <p14:creationId xmlns:p14="http://schemas.microsoft.com/office/powerpoint/2010/main" xmlns="" val="4283900998"/>
       </p:ext>
     </p:extLst>
   </p:cSld>
@@ -4088,7 +4214,7 @@
             <a:fld id="{F71B3DB1-8543-40E0-A2D1-830196AD91DE}" type="datetimeFigureOut">
               <a:rPr lang="pt-PT" smtClean="0"/>
               <a:pPr/>
-              <a:t>30/06/2013</a:t>
+              <a:t>30-06-2013</a:t>
             </a:fld>
             <a:endParaRPr lang="pt-PT" dirty="0"/>
           </a:p>
@@ -4131,7 +4257,7 @@
             <a:fld id="{5D26EDD4-363A-4236-A170-49C0FA725754}" type="slidenum">
               <a:rPr lang="pt-PT" smtClean="0"/>
               <a:pPr/>
-              <a:t>‹#›</a:t>
+              <a:t>‹nº›</a:t>
             </a:fld>
             <a:endParaRPr lang="pt-PT" dirty="0"/>
           </a:p>
@@ -4140,7 +4266,7 @@
     </p:spTree>
     <p:extLst>
       <p:ext uri="{BB962C8B-B14F-4D97-AF65-F5344CB8AC3E}">
-        <p14:creationId xmlns:p14="http://schemas.microsoft.com/office/powerpoint/2010/main" val="3834483316"/>
+        <p14:creationId xmlns:p14="http://schemas.microsoft.com/office/powerpoint/2010/main" xmlns="" val="3834483316"/>
       </p:ext>
     </p:extLst>
   </p:cSld>
@@ -4338,7 +4464,7 @@
             <a:fld id="{F71B3DB1-8543-40E0-A2D1-830196AD91DE}" type="datetimeFigureOut">
               <a:rPr lang="pt-PT" smtClean="0"/>
               <a:pPr/>
-              <a:t>30/06/2013</a:t>
+              <a:t>30-06-2013</a:t>
             </a:fld>
             <a:endParaRPr lang="pt-PT" dirty="0"/>
           </a:p>
@@ -4381,7 +4507,7 @@
             <a:fld id="{5D26EDD4-363A-4236-A170-49C0FA725754}" type="slidenum">
               <a:rPr lang="pt-PT" smtClean="0"/>
               <a:pPr/>
-              <a:t>‹#›</a:t>
+              <a:t>‹nº›</a:t>
             </a:fld>
             <a:endParaRPr lang="pt-PT" dirty="0"/>
           </a:p>
@@ -4428,7 +4554,7 @@
     </p:spTree>
     <p:extLst>
       <p:ext uri="{BB962C8B-B14F-4D97-AF65-F5344CB8AC3E}">
-        <p14:creationId xmlns:p14="http://schemas.microsoft.com/office/powerpoint/2010/main" val="3278742630"/>
+        <p14:creationId xmlns:p14="http://schemas.microsoft.com/office/powerpoint/2010/main" xmlns="" val="3278742630"/>
       </p:ext>
     </p:extLst>
   </p:cSld>
@@ -4686,7 +4812,7 @@
             <a:fld id="{F71B3DB1-8543-40E0-A2D1-830196AD91DE}" type="datetimeFigureOut">
               <a:rPr lang="pt-PT" smtClean="0"/>
               <a:pPr/>
-              <a:t>30/06/2013</a:t>
+              <a:t>30-06-2013</a:t>
             </a:fld>
             <a:endParaRPr lang="pt-PT" dirty="0"/>
           </a:p>
@@ -4729,7 +4855,7 @@
             <a:fld id="{5D26EDD4-363A-4236-A170-49C0FA725754}" type="slidenum">
               <a:rPr lang="pt-PT" smtClean="0"/>
               <a:pPr/>
-              <a:t>‹#›</a:t>
+              <a:t>‹nº›</a:t>
             </a:fld>
             <a:endParaRPr lang="pt-PT" dirty="0"/>
           </a:p>
@@ -4844,7 +4970,7 @@
     </p:spTree>
     <p:extLst>
       <p:ext uri="{BB962C8B-B14F-4D97-AF65-F5344CB8AC3E}">
-        <p14:creationId xmlns:p14="http://schemas.microsoft.com/office/powerpoint/2010/main" val="1960482330"/>
+        <p14:creationId xmlns:p14="http://schemas.microsoft.com/office/powerpoint/2010/main" xmlns="" val="1960482330"/>
       </p:ext>
     </p:extLst>
   </p:cSld>
@@ -5042,7 +5168,7 @@
             <a:fld id="{F71B3DB1-8543-40E0-A2D1-830196AD91DE}" type="datetimeFigureOut">
               <a:rPr lang="pt-PT" smtClean="0"/>
               <a:pPr/>
-              <a:t>30/06/2013</a:t>
+              <a:t>30-06-2013</a:t>
             </a:fld>
             <a:endParaRPr lang="pt-PT" dirty="0"/>
           </a:p>
@@ -5085,7 +5211,7 @@
             <a:fld id="{5D26EDD4-363A-4236-A170-49C0FA725754}" type="slidenum">
               <a:rPr lang="pt-PT" smtClean="0"/>
               <a:pPr/>
-              <a:t>‹#›</a:t>
+              <a:t>‹nº›</a:t>
             </a:fld>
             <a:endParaRPr lang="pt-PT" dirty="0"/>
           </a:p>
@@ -5094,7 +5220,7 @@
     </p:spTree>
     <p:extLst>
       <p:ext uri="{BB962C8B-B14F-4D97-AF65-F5344CB8AC3E}">
-        <p14:creationId xmlns:p14="http://schemas.microsoft.com/office/powerpoint/2010/main" val="1169910341"/>
+        <p14:creationId xmlns:p14="http://schemas.microsoft.com/office/powerpoint/2010/main" xmlns="" val="1169910341"/>
       </p:ext>
     </p:extLst>
   </p:cSld>
@@ -5418,7 +5544,7 @@
             <a:fld id="{F71B3DB1-8543-40E0-A2D1-830196AD91DE}" type="datetimeFigureOut">
               <a:rPr lang="pt-PT" smtClean="0"/>
               <a:pPr/>
-              <a:t>30/06/2013</a:t>
+              <a:t>30-06-2013</a:t>
             </a:fld>
             <a:endParaRPr lang="pt-PT" dirty="0"/>
           </a:p>
@@ -5461,7 +5587,7 @@
             <a:fld id="{5D26EDD4-363A-4236-A170-49C0FA725754}" type="slidenum">
               <a:rPr lang="pt-PT" smtClean="0"/>
               <a:pPr/>
-              <a:t>‹#›</a:t>
+              <a:t>‹nº›</a:t>
             </a:fld>
             <a:endParaRPr lang="pt-PT" dirty="0"/>
           </a:p>
@@ -5576,7 +5702,7 @@
     </p:spTree>
     <p:extLst>
       <p:ext uri="{BB962C8B-B14F-4D97-AF65-F5344CB8AC3E}">
-        <p14:creationId xmlns:p14="http://schemas.microsoft.com/office/powerpoint/2010/main" val="2244926200"/>
+        <p14:creationId xmlns:p14="http://schemas.microsoft.com/office/powerpoint/2010/main" xmlns="" val="2244926200"/>
       </p:ext>
     </p:extLst>
   </p:cSld>
@@ -5897,7 +6023,7 @@
             <a:fld id="{F71B3DB1-8543-40E0-A2D1-830196AD91DE}" type="datetimeFigureOut">
               <a:rPr lang="pt-PT" smtClean="0"/>
               <a:pPr/>
-              <a:t>30/06/2013</a:t>
+              <a:t>30-06-2013</a:t>
             </a:fld>
             <a:endParaRPr lang="pt-PT" dirty="0"/>
           </a:p>
@@ -5940,7 +6066,7 @@
             <a:fld id="{5D26EDD4-363A-4236-A170-49C0FA725754}" type="slidenum">
               <a:rPr lang="pt-PT" smtClean="0"/>
               <a:pPr/>
-              <a:t>‹#›</a:t>
+              <a:t>‹nº›</a:t>
             </a:fld>
             <a:endParaRPr lang="pt-PT" dirty="0"/>
           </a:p>
@@ -5987,7 +6113,7 @@
     </p:spTree>
     <p:extLst>
       <p:ext uri="{BB962C8B-B14F-4D97-AF65-F5344CB8AC3E}">
-        <p14:creationId xmlns:p14="http://schemas.microsoft.com/office/powerpoint/2010/main" val="3141152998"/>
+        <p14:creationId xmlns:p14="http://schemas.microsoft.com/office/powerpoint/2010/main" xmlns="" val="3141152998"/>
       </p:ext>
     </p:extLst>
   </p:cSld>
@@ -6111,7 +6237,7 @@
             <a:fld id="{F71B3DB1-8543-40E0-A2D1-830196AD91DE}" type="datetimeFigureOut">
               <a:rPr lang="pt-PT" smtClean="0"/>
               <a:pPr/>
-              <a:t>30/06/2013</a:t>
+              <a:t>30-06-2013</a:t>
             </a:fld>
             <a:endParaRPr lang="pt-PT" dirty="0"/>
           </a:p>
@@ -6154,7 +6280,7 @@
             <a:fld id="{5D26EDD4-363A-4236-A170-49C0FA725754}" type="slidenum">
               <a:rPr lang="pt-PT" smtClean="0"/>
               <a:pPr/>
-              <a:t>‹#›</a:t>
+              <a:t>‹nº›</a:t>
             </a:fld>
             <a:endParaRPr lang="pt-PT" dirty="0"/>
           </a:p>
@@ -6201,7 +6327,7 @@
     </p:spTree>
     <p:extLst>
       <p:ext uri="{BB962C8B-B14F-4D97-AF65-F5344CB8AC3E}">
-        <p14:creationId xmlns:p14="http://schemas.microsoft.com/office/powerpoint/2010/main" val="4127282010"/>
+        <p14:creationId xmlns:p14="http://schemas.microsoft.com/office/powerpoint/2010/main" xmlns="" val="4127282010"/>
       </p:ext>
     </p:extLst>
   </p:cSld>
@@ -6331,7 +6457,7 @@
             <a:fld id="{F71B3DB1-8543-40E0-A2D1-830196AD91DE}" type="datetimeFigureOut">
               <a:rPr lang="pt-PT" smtClean="0"/>
               <a:pPr/>
-              <a:t>30/06/2013</a:t>
+              <a:t>30-06-2013</a:t>
             </a:fld>
             <a:endParaRPr lang="pt-PT" dirty="0"/>
           </a:p>
@@ -6374,7 +6500,7 @@
             <a:fld id="{5D26EDD4-363A-4236-A170-49C0FA725754}" type="slidenum">
               <a:rPr lang="pt-PT" smtClean="0"/>
               <a:pPr/>
-              <a:t>‹#›</a:t>
+              <a:t>‹nº›</a:t>
             </a:fld>
             <a:endParaRPr lang="pt-PT" dirty="0"/>
           </a:p>
@@ -6421,7 +6547,7 @@
     </p:spTree>
     <p:extLst>
       <p:ext uri="{BB962C8B-B14F-4D97-AF65-F5344CB8AC3E}">
-        <p14:creationId xmlns:p14="http://schemas.microsoft.com/office/powerpoint/2010/main" val="1016382411"/>
+        <p14:creationId xmlns:p14="http://schemas.microsoft.com/office/powerpoint/2010/main" xmlns="" val="1016382411"/>
       </p:ext>
     </p:extLst>
   </p:cSld>
@@ -6579,7 +6705,7 @@
             <a:fld id="{F71B3DB1-8543-40E0-A2D1-830196AD91DE}" type="datetimeFigureOut">
               <a:rPr lang="pt-PT" smtClean="0"/>
               <a:pPr/>
-              <a:t>30/06/2013</a:t>
+              <a:t>30-06-2013</a:t>
             </a:fld>
             <a:endParaRPr lang="pt-PT" dirty="0"/>
           </a:p>
@@ -6622,7 +6748,7 @@
             <a:fld id="{5D26EDD4-363A-4236-A170-49C0FA725754}" type="slidenum">
               <a:rPr lang="pt-PT" smtClean="0"/>
               <a:pPr/>
-              <a:t>‹#›</a:t>
+              <a:t>‹nº›</a:t>
             </a:fld>
             <a:endParaRPr lang="pt-PT" dirty="0"/>
           </a:p>
@@ -6631,7 +6757,7 @@
     </p:spTree>
     <p:extLst>
       <p:ext uri="{BB962C8B-B14F-4D97-AF65-F5344CB8AC3E}">
-        <p14:creationId xmlns:p14="http://schemas.microsoft.com/office/powerpoint/2010/main" val="548973029"/>
+        <p14:creationId xmlns:p14="http://schemas.microsoft.com/office/powerpoint/2010/main" xmlns="" val="548973029"/>
       </p:ext>
     </p:extLst>
   </p:cSld>
@@ -6829,7 +6955,7 @@
             <a:fld id="{F71B3DB1-8543-40E0-A2D1-830196AD91DE}" type="datetimeFigureOut">
               <a:rPr lang="pt-PT" smtClean="0"/>
               <a:pPr/>
-              <a:t>30/06/2013</a:t>
+              <a:t>30-06-2013</a:t>
             </a:fld>
             <a:endParaRPr lang="pt-PT" dirty="0"/>
           </a:p>
@@ -6872,7 +6998,7 @@
             <a:fld id="{5D26EDD4-363A-4236-A170-49C0FA725754}" type="slidenum">
               <a:rPr lang="pt-PT" smtClean="0"/>
               <a:pPr/>
-              <a:t>‹#›</a:t>
+              <a:t>‹nº›</a:t>
             </a:fld>
             <a:endParaRPr lang="pt-PT" dirty="0"/>
           </a:p>
@@ -6919,7 +7045,7 @@
     </p:spTree>
     <p:extLst>
       <p:ext uri="{BB962C8B-B14F-4D97-AF65-F5344CB8AC3E}">
-        <p14:creationId xmlns:p14="http://schemas.microsoft.com/office/powerpoint/2010/main" val="963473943"/>
+        <p14:creationId xmlns:p14="http://schemas.microsoft.com/office/powerpoint/2010/main" xmlns="" val="963473943"/>
       </p:ext>
     </p:extLst>
   </p:cSld>
@@ -7143,7 +7269,7 @@
             <a:fld id="{F71B3DB1-8543-40E0-A2D1-830196AD91DE}" type="datetimeFigureOut">
               <a:rPr lang="pt-PT" smtClean="0"/>
               <a:pPr/>
-              <a:t>30/06/2013</a:t>
+              <a:t>30-06-2013</a:t>
             </a:fld>
             <a:endParaRPr lang="pt-PT" dirty="0"/>
           </a:p>
@@ -7186,7 +7312,7 @@
             <a:fld id="{5D26EDD4-363A-4236-A170-49C0FA725754}" type="slidenum">
               <a:rPr lang="pt-PT" smtClean="0"/>
               <a:pPr/>
-              <a:t>‹#›</a:t>
+              <a:t>‹nº›</a:t>
             </a:fld>
             <a:endParaRPr lang="pt-PT" dirty="0"/>
           </a:p>
@@ -7195,7 +7321,7 @@
     </p:spTree>
     <p:extLst>
       <p:ext uri="{BB962C8B-B14F-4D97-AF65-F5344CB8AC3E}">
-        <p14:creationId xmlns:p14="http://schemas.microsoft.com/office/powerpoint/2010/main" val="2490349985"/>
+        <p14:creationId xmlns:p14="http://schemas.microsoft.com/office/powerpoint/2010/main" xmlns="" val="2490349985"/>
       </p:ext>
     </p:extLst>
   </p:cSld>
@@ -7527,7 +7653,7 @@
             <a:fld id="{F71B3DB1-8543-40E0-A2D1-830196AD91DE}" type="datetimeFigureOut">
               <a:rPr lang="pt-PT" smtClean="0"/>
               <a:pPr/>
-              <a:t>30/06/2013</a:t>
+              <a:t>30-06-2013</a:t>
             </a:fld>
             <a:endParaRPr lang="pt-PT" dirty="0"/>
           </a:p>
@@ -7570,7 +7696,7 @@
             <a:fld id="{5D26EDD4-363A-4236-A170-49C0FA725754}" type="slidenum">
               <a:rPr lang="pt-PT" smtClean="0"/>
               <a:pPr/>
-              <a:t>‹#›</a:t>
+              <a:t>‹nº›</a:t>
             </a:fld>
             <a:endParaRPr lang="pt-PT" dirty="0"/>
           </a:p>
@@ -7617,7 +7743,7 @@
     </p:spTree>
     <p:extLst>
       <p:ext uri="{BB962C8B-B14F-4D97-AF65-F5344CB8AC3E}">
-        <p14:creationId xmlns:p14="http://schemas.microsoft.com/office/powerpoint/2010/main" val="1183446009"/>
+        <p14:creationId xmlns:p14="http://schemas.microsoft.com/office/powerpoint/2010/main" xmlns="" val="1183446009"/>
       </p:ext>
     </p:extLst>
   </p:cSld>
@@ -7685,7 +7811,7 @@
             <a:fld id="{F71B3DB1-8543-40E0-A2D1-830196AD91DE}" type="datetimeFigureOut">
               <a:rPr lang="pt-PT" smtClean="0"/>
               <a:pPr/>
-              <a:t>30/06/2013</a:t>
+              <a:t>30-06-2013</a:t>
             </a:fld>
             <a:endParaRPr lang="pt-PT" dirty="0"/>
           </a:p>
@@ -7728,7 +7854,7 @@
             <a:fld id="{5D26EDD4-363A-4236-A170-49C0FA725754}" type="slidenum">
               <a:rPr lang="pt-PT" smtClean="0"/>
               <a:pPr/>
-              <a:t>‹#›</a:t>
+              <a:t>‹nº›</a:t>
             </a:fld>
             <a:endParaRPr lang="pt-PT" dirty="0"/>
           </a:p>
@@ -7775,7 +7901,7 @@
     </p:spTree>
     <p:extLst>
       <p:ext uri="{BB962C8B-B14F-4D97-AF65-F5344CB8AC3E}">
-        <p14:creationId xmlns:p14="http://schemas.microsoft.com/office/powerpoint/2010/main" val="1349716058"/>
+        <p14:creationId xmlns:p14="http://schemas.microsoft.com/office/powerpoint/2010/main" xmlns="" val="1349716058"/>
       </p:ext>
     </p:extLst>
   </p:cSld>
@@ -7820,7 +7946,7 @@
             <a:fld id="{F71B3DB1-8543-40E0-A2D1-830196AD91DE}" type="datetimeFigureOut">
               <a:rPr lang="pt-PT" smtClean="0"/>
               <a:pPr/>
-              <a:t>30/06/2013</a:t>
+              <a:t>30-06-2013</a:t>
             </a:fld>
             <a:endParaRPr lang="pt-PT" dirty="0"/>
           </a:p>
@@ -7863,7 +7989,7 @@
             <a:fld id="{5D26EDD4-363A-4236-A170-49C0FA725754}" type="slidenum">
               <a:rPr lang="pt-PT" smtClean="0"/>
               <a:pPr/>
-              <a:t>‹#›</a:t>
+              <a:t>‹nº›</a:t>
             </a:fld>
             <a:endParaRPr lang="pt-PT" dirty="0"/>
           </a:p>
@@ -7872,7 +7998,7 @@
     </p:spTree>
     <p:extLst>
       <p:ext uri="{BB962C8B-B14F-4D97-AF65-F5344CB8AC3E}">
-        <p14:creationId xmlns:p14="http://schemas.microsoft.com/office/powerpoint/2010/main" val="1135282261"/>
+        <p14:creationId xmlns:p14="http://schemas.microsoft.com/office/powerpoint/2010/main" xmlns="" val="1135282261"/>
       </p:ext>
     </p:extLst>
   </p:cSld>
@@ -8077,7 +8203,7 @@
             <a:fld id="{F71B3DB1-8543-40E0-A2D1-830196AD91DE}" type="datetimeFigureOut">
               <a:rPr lang="pt-PT" smtClean="0"/>
               <a:pPr/>
-              <a:t>30/06/2013</a:t>
+              <a:t>30-06-2013</a:t>
             </a:fld>
             <a:endParaRPr lang="pt-PT" dirty="0"/>
           </a:p>
@@ -8120,7 +8246,7 @@
             <a:fld id="{5D26EDD4-363A-4236-A170-49C0FA725754}" type="slidenum">
               <a:rPr lang="pt-PT" smtClean="0"/>
               <a:pPr/>
-              <a:t>‹#›</a:t>
+              <a:t>‹nº›</a:t>
             </a:fld>
             <a:endParaRPr lang="pt-PT" dirty="0"/>
           </a:p>
@@ -8167,7 +8293,7 @@
     </p:spTree>
     <p:extLst>
       <p:ext uri="{BB962C8B-B14F-4D97-AF65-F5344CB8AC3E}">
-        <p14:creationId xmlns:p14="http://schemas.microsoft.com/office/powerpoint/2010/main" val="3016415161"/>
+        <p14:creationId xmlns:p14="http://schemas.microsoft.com/office/powerpoint/2010/main" xmlns="" val="3016415161"/>
       </p:ext>
     </p:extLst>
   </p:cSld>
@@ -8401,7 +8527,7 @@
             <a:fld id="{F71B3DB1-8543-40E0-A2D1-830196AD91DE}" type="datetimeFigureOut">
               <a:rPr lang="pt-PT" smtClean="0"/>
               <a:pPr/>
-              <a:t>30/06/2013</a:t>
+              <a:t>30-06-2013</a:t>
             </a:fld>
             <a:endParaRPr lang="pt-PT" dirty="0"/>
           </a:p>
@@ -8444,7 +8570,7 @@
             <a:fld id="{5D26EDD4-363A-4236-A170-49C0FA725754}" type="slidenum">
               <a:rPr lang="pt-PT" smtClean="0"/>
               <a:pPr/>
-              <a:t>‹#›</a:t>
+              <a:t>‹nº›</a:t>
             </a:fld>
             <a:endParaRPr lang="pt-PT" dirty="0"/>
           </a:p>
@@ -8453,7 +8579,7 @@
     </p:spTree>
     <p:extLst>
       <p:ext uri="{BB962C8B-B14F-4D97-AF65-F5344CB8AC3E}">
-        <p14:creationId xmlns:p14="http://schemas.microsoft.com/office/powerpoint/2010/main" val="2799130186"/>
+        <p14:creationId xmlns:p14="http://schemas.microsoft.com/office/powerpoint/2010/main" xmlns="" val="2799130186"/>
       </p:ext>
     </p:extLst>
   </p:cSld>
@@ -8494,10 +8620,10 @@
           <p:nvPr/>
         </p:nvPicPr>
         <p:blipFill>
-          <a:blip r:embed="rId19">
+          <a:blip r:embed="rId19" cstate="print">
             <a:extLst>
               <a:ext uri="{28A0092B-C50C-407E-A947-70E740481C1C}">
-                <a14:useLocalDpi xmlns:a14="http://schemas.microsoft.com/office/drawing/2010/main" val="0"/>
+                <a14:useLocalDpi xmlns:a14="http://schemas.microsoft.com/office/drawing/2010/main" xmlns="" val="0"/>
               </a:ext>
             </a:extLst>
           </a:blip>
@@ -8647,7 +8773,7 @@
             <a:fld id="{F71B3DB1-8543-40E0-A2D1-830196AD91DE}" type="datetimeFigureOut">
               <a:rPr lang="pt-PT" smtClean="0"/>
               <a:pPr/>
-              <a:t>30/06/2013</a:t>
+              <a:t>30-06-2013</a:t>
             </a:fld>
             <a:endParaRPr lang="pt-PT" dirty="0"/>
           </a:p>
@@ -8726,7 +8852,7 @@
             <a:fld id="{5D26EDD4-363A-4236-A170-49C0FA725754}" type="slidenum">
               <a:rPr lang="pt-PT" smtClean="0"/>
               <a:pPr/>
-              <a:t>‹#›</a:t>
+              <a:t>‹nº›</a:t>
             </a:fld>
             <a:endParaRPr lang="pt-PT" dirty="0"/>
           </a:p>
@@ -8735,7 +8861,7 @@
     </p:spTree>
     <p:extLst>
       <p:ext uri="{BB962C8B-B14F-4D97-AF65-F5344CB8AC3E}">
-        <p14:creationId xmlns:p14="http://schemas.microsoft.com/office/powerpoint/2010/main" val="3664009446"/>
+        <p14:creationId xmlns:p14="http://schemas.microsoft.com/office/powerpoint/2010/main" xmlns="" val="3664009446"/>
       </p:ext>
     </p:extLst>
   </p:cSld>
@@ -9243,7 +9369,7 @@
     </p:spTree>
     <p:extLst>
       <p:ext uri="{BB962C8B-B14F-4D97-AF65-F5344CB8AC3E}">
-        <p14:creationId xmlns:p14="http://schemas.microsoft.com/office/powerpoint/2010/main" val="404200990"/>
+        <p14:creationId xmlns:p14="http://schemas.microsoft.com/office/powerpoint/2010/main" xmlns="" val="404200990"/>
       </p:ext>
     </p:extLst>
   </p:cSld>
@@ -9318,7 +9444,7 @@
     </p:spTree>
     <p:extLst>
       <p:ext uri="{BB962C8B-B14F-4D97-AF65-F5344CB8AC3E}">
-        <p14:creationId xmlns:p14="http://schemas.microsoft.com/office/powerpoint/2010/main" val="3857988853"/>
+        <p14:creationId xmlns:p14="http://schemas.microsoft.com/office/powerpoint/2010/main" xmlns="" val="3857988853"/>
       </p:ext>
     </p:extLst>
   </p:cSld>
@@ -9521,7 +9647,7 @@
     </p:spTree>
     <p:extLst>
       <p:ext uri="{BB962C8B-B14F-4D97-AF65-F5344CB8AC3E}">
-        <p14:creationId xmlns:p14="http://schemas.microsoft.com/office/powerpoint/2010/main" val="3857988853"/>
+        <p14:creationId xmlns:p14="http://schemas.microsoft.com/office/powerpoint/2010/main" xmlns="" val="3857988853"/>
       </p:ext>
     </p:extLst>
   </p:cSld>
@@ -10024,30 +10150,226 @@
           </a:p>
         </p:txBody>
       </p:sp>
-      <p:sp>
-        <p:nvSpPr>
-          <p:cNvPr id="3" name="Marcador de Posição de Conteúdo 2"/>
-          <p:cNvSpPr>
-            <a:spLocks noGrp="1"/>
-          </p:cNvSpPr>
-          <p:nvPr>
-            <p:ph idx="1"/>
-          </p:nvPr>
-        </p:nvSpPr>
-        <p:spPr/>
-        <p:txBody>
-          <a:bodyPr/>
-          <a:lstStyle/>
-          <a:p>
-            <a:endParaRPr lang="pt-PT"/>
-          </a:p>
-        </p:txBody>
-      </p:sp>
+      <p:graphicFrame>
+        <p:nvGraphicFramePr>
+          <p:cNvPr id="7" name="Marcador de Posição de Conteúdo 6"/>
+          <p:cNvGraphicFramePr>
+            <a:graphicFrameLocks noGrp="1"/>
+          </p:cNvGraphicFramePr>
+          <p:nvPr>
+            <p:ph sz="half" idx="1"/>
+          </p:nvPr>
+        </p:nvGraphicFramePr>
+        <p:xfrm>
+          <a:off x="1655928" y="2886459"/>
+          <a:ext cx="2506170" cy="2392680"/>
+        </p:xfrm>
+        <a:graphic>
+          <a:graphicData uri="http://schemas.openxmlformats.org/drawingml/2006/table">
+            <a:tbl>
+              <a:tblPr firstRow="1" bandRow="1">
+                <a:tableStyleId>{5C22544A-7EE6-4342-B048-85BDC9FD1C3A}</a:tableStyleId>
+              </a:tblPr>
+              <a:tblGrid>
+                <a:gridCol w="1455134"/>
+                <a:gridCol w="1051036"/>
+              </a:tblGrid>
+              <a:tr h="370840">
+                <a:tc>
+                  <a:txBody>
+                    <a:bodyPr/>
+                    <a:lstStyle/>
+                    <a:p>
+                      <a:pPr algn="ctr"/>
+                      <a:r>
+                        <a:rPr lang="en-US" noProof="0" dirty="0" smtClean="0"/>
+                        <a:t>Task</a:t>
+                      </a:r>
+                      <a:endParaRPr lang="en-US" noProof="0" dirty="0"/>
+                    </a:p>
+                  </a:txBody>
+                  <a:tcPr/>
+                </a:tc>
+                <a:tc>
+                  <a:txBody>
+                    <a:bodyPr/>
+                    <a:lstStyle/>
+                    <a:p>
+                      <a:pPr algn="ctr"/>
+                      <a:r>
+                        <a:rPr lang="pt-PT" dirty="0" smtClean="0"/>
+                        <a:t>Time</a:t>
+                      </a:r>
+                      <a:endParaRPr lang="pt-PT" dirty="0"/>
+                    </a:p>
+                  </a:txBody>
+                  <a:tcPr/>
+                </a:tc>
+              </a:tr>
+              <a:tr h="370840">
+                <a:tc>
+                  <a:txBody>
+                    <a:bodyPr/>
+                    <a:lstStyle/>
+                    <a:p>
+                      <a:pPr algn="ctr"/>
+                      <a:r>
+                        <a:rPr lang="en-US" noProof="0" dirty="0" smtClean="0"/>
+                        <a:t>Reviews</a:t>
+                      </a:r>
+                      <a:endParaRPr lang="en-US" noProof="0" dirty="0"/>
+                    </a:p>
+                  </a:txBody>
+                  <a:tcPr/>
+                </a:tc>
+                <a:tc>
+                  <a:txBody>
+                    <a:bodyPr/>
+                    <a:lstStyle/>
+                    <a:p>
+                      <a:pPr algn="ctr"/>
+                      <a:r>
+                        <a:rPr lang="pt-PT" dirty="0" smtClean="0"/>
+                        <a:t>46</a:t>
+                      </a:r>
+                      <a:endParaRPr lang="pt-PT" dirty="0"/>
+                    </a:p>
+                  </a:txBody>
+                  <a:tcPr/>
+                </a:tc>
+              </a:tr>
+              <a:tr h="370840">
+                <a:tc>
+                  <a:txBody>
+                    <a:bodyPr/>
+                    <a:lstStyle/>
+                    <a:p>
+                      <a:pPr algn="ctr"/>
+                      <a:r>
+                        <a:rPr lang="en-US" noProof="0" smtClean="0"/>
+                        <a:t>Quality verifications</a:t>
+                      </a:r>
+                      <a:endParaRPr lang="en-US" noProof="0"/>
+                    </a:p>
+                  </a:txBody>
+                  <a:tcPr/>
+                </a:tc>
+                <a:tc>
+                  <a:txBody>
+                    <a:bodyPr/>
+                    <a:lstStyle/>
+                    <a:p>
+                      <a:pPr algn="ctr"/>
+                      <a:r>
+                        <a:rPr lang="pt-PT" dirty="0" smtClean="0"/>
+                        <a:t>2</a:t>
+                      </a:r>
+                      <a:endParaRPr lang="pt-PT" dirty="0"/>
+                    </a:p>
+                  </a:txBody>
+                  <a:tcPr/>
+                </a:tc>
+              </a:tr>
+              <a:tr h="370840">
+                <a:tc>
+                  <a:txBody>
+                    <a:bodyPr/>
+                    <a:lstStyle/>
+                    <a:p>
+                      <a:pPr algn="ctr"/>
+                      <a:r>
+                        <a:rPr lang="en-US" noProof="0" smtClean="0"/>
+                        <a:t>Test Planning</a:t>
+                      </a:r>
+                      <a:endParaRPr lang="en-US" noProof="0"/>
+                    </a:p>
+                  </a:txBody>
+                  <a:tcPr/>
+                </a:tc>
+                <a:tc>
+                  <a:txBody>
+                    <a:bodyPr/>
+                    <a:lstStyle/>
+                    <a:p>
+                      <a:pPr algn="ctr"/>
+                      <a:r>
+                        <a:rPr lang="pt-PT" dirty="0" smtClean="0"/>
+                        <a:t>48</a:t>
+                      </a:r>
+                      <a:endParaRPr lang="pt-PT" dirty="0"/>
+                    </a:p>
+                  </a:txBody>
+                  <a:tcPr/>
+                </a:tc>
+              </a:tr>
+              <a:tr h="370840">
+                <a:tc>
+                  <a:txBody>
+                    <a:bodyPr/>
+                    <a:lstStyle/>
+                    <a:p>
+                      <a:pPr algn="ctr"/>
+                      <a:r>
+                        <a:rPr lang="en-US" noProof="0" dirty="0" smtClean="0"/>
+                        <a:t>Test Execution</a:t>
+                      </a:r>
+                      <a:endParaRPr lang="en-US" noProof="0" dirty="0"/>
+                    </a:p>
+                  </a:txBody>
+                  <a:tcPr/>
+                </a:tc>
+                <a:tc>
+                  <a:txBody>
+                    <a:bodyPr/>
+                    <a:lstStyle/>
+                    <a:p>
+                      <a:pPr algn="ctr"/>
+                      <a:r>
+                        <a:rPr lang="pt-PT" dirty="0" smtClean="0"/>
+                        <a:t>7.25</a:t>
+                      </a:r>
+                      <a:endParaRPr lang="pt-PT" dirty="0"/>
+                    </a:p>
+                  </a:txBody>
+                  <a:tcPr/>
+                </a:tc>
+              </a:tr>
+            </a:tbl>
+          </a:graphicData>
+        </a:graphic>
+      </p:graphicFrame>
+      <p:graphicFrame>
+        <p:nvGraphicFramePr>
+          <p:cNvPr id="6" name="Marcador de Posição de Conteúdo 5"/>
+          <p:cNvGraphicFramePr>
+            <a:graphicFrameLocks noGrp="1"/>
+          </p:cNvGraphicFramePr>
+          <p:nvPr>
+            <p:ph sz="half" idx="2"/>
+          </p:nvPr>
+        </p:nvGraphicFramePr>
+        <p:xfrm>
+          <a:off x="5181600" y="2487066"/>
+          <a:ext cx="5465379" cy="3787610"/>
+        </p:xfrm>
+        <a:graphic>
+          <a:graphicData uri="http://schemas.openxmlformats.org/drawingml/2006/chart">
+            <c:chart xmlns:c="http://schemas.openxmlformats.org/drawingml/2006/chart" xmlns:r="http://schemas.openxmlformats.org/officeDocument/2006/relationships" r:id="rId2"/>
+          </a:graphicData>
+        </a:graphic>
+      </p:graphicFrame>
     </p:spTree>
   </p:cSld>
   <p:clrMapOvr>
     <a:masterClrMapping/>
   </p:clrMapOvr>
+  <p:timing>
+    <p:tnLst>
+      <p:par>
+        <p:cTn id="1" dur="indefinite" restart="never" nodeType="tmRoot"/>
+      </p:par>
+    </p:tnLst>
+  </p:timing>
 </p:sld>
 </file>
 
@@ -10115,6 +10437,13 @@
   <p:clrMapOvr>
     <a:masterClrMapping/>
   </p:clrMapOvr>
+  <p:timing>
+    <p:tnLst>
+      <p:par>
+        <p:cTn id="1" dur="indefinite" restart="never" nodeType="tmRoot"/>
+      </p:par>
+    </p:tnLst>
+  </p:timing>
 </p:sld>
 </file>
 
@@ -10258,7 +10587,7 @@
     </p:spTree>
     <p:extLst>
       <p:ext uri="{BB962C8B-B14F-4D97-AF65-F5344CB8AC3E}">
-        <p14:creationId xmlns:p14="http://schemas.microsoft.com/office/powerpoint/2010/main" val="3708106417"/>
+        <p14:creationId xmlns:p14="http://schemas.microsoft.com/office/powerpoint/2010/main" xmlns="" val="3708106417"/>
       </p:ext>
     </p:extLst>
   </p:cSld>
@@ -10333,7 +10662,7 @@
     </p:spTree>
     <p:extLst>
       <p:ext uri="{BB962C8B-B14F-4D97-AF65-F5344CB8AC3E}">
-        <p14:creationId xmlns:p14="http://schemas.microsoft.com/office/powerpoint/2010/main" val="2470495484"/>
+        <p14:creationId xmlns:p14="http://schemas.microsoft.com/office/powerpoint/2010/main" xmlns="" val="2470495484"/>
       </p:ext>
     </p:extLst>
   </p:cSld>
@@ -10409,7 +10738,7 @@
     </p:spTree>
     <p:extLst>
       <p:ext uri="{BB962C8B-B14F-4D97-AF65-F5344CB8AC3E}">
-        <p14:creationId xmlns:p14="http://schemas.microsoft.com/office/powerpoint/2010/main" val="745076154"/>
+        <p14:creationId xmlns:p14="http://schemas.microsoft.com/office/powerpoint/2010/main" xmlns="" val="745076154"/>
       </p:ext>
     </p:extLst>
   </p:cSld>
@@ -10533,7 +10862,7 @@
                   <p:nvPr>
                     <p:extLst>
                       <p:ext uri="{D42A27DB-BD31-4B8C-83A1-F6EECF244321}">
-                        <p14:modId xmlns:p14="http://schemas.microsoft.com/office/powerpoint/2010/main" val="568955525"/>
+                        <p14:modId xmlns:p14="http://schemas.microsoft.com/office/powerpoint/2010/main" xmlns="" val="568955525"/>
                       </p:ext>
                     </p:extLst>
                   </p:nvPr>
@@ -11465,7 +11794,7 @@
     </p:spTree>
     <p:extLst>
       <p:ext uri="{BB962C8B-B14F-4D97-AF65-F5344CB8AC3E}">
-        <p14:creationId xmlns:p14="http://schemas.microsoft.com/office/powerpoint/2010/main" val="3857988853"/>
+        <p14:creationId xmlns:p14="http://schemas.microsoft.com/office/powerpoint/2010/main" xmlns="" val="3857988853"/>
       </p:ext>
     </p:extLst>
   </p:cSld>
@@ -11656,7 +11985,7 @@
     </p:spTree>
     <p:extLst>
       <p:ext uri="{BB962C8B-B14F-4D97-AF65-F5344CB8AC3E}">
-        <p14:creationId xmlns:p14="http://schemas.microsoft.com/office/powerpoint/2010/main" val="576009203"/>
+        <p14:creationId xmlns:p14="http://schemas.microsoft.com/office/powerpoint/2010/main" xmlns="" val="576009203"/>
       </p:ext>
     </p:extLst>
   </p:cSld>
@@ -11805,7 +12134,7 @@
     </p:spTree>
     <p:extLst>
       <p:ext uri="{BB962C8B-B14F-4D97-AF65-F5344CB8AC3E}">
-        <p14:creationId xmlns:p14="http://schemas.microsoft.com/office/powerpoint/2010/main" val="2359148607"/>
+        <p14:creationId xmlns:p14="http://schemas.microsoft.com/office/powerpoint/2010/main" xmlns="" val="2359148607"/>
       </p:ext>
     </p:extLst>
   </p:cSld>
@@ -12227,7 +12556,7 @@
     </p:spTree>
     <p:extLst>
       <p:ext uri="{BB962C8B-B14F-4D97-AF65-F5344CB8AC3E}">
-        <p14:creationId xmlns:p14="http://schemas.microsoft.com/office/powerpoint/2010/main" val="755519461"/>
+        <p14:creationId xmlns:p14="http://schemas.microsoft.com/office/powerpoint/2010/main" xmlns="" val="755519461"/>
       </p:ext>
     </p:extLst>
   </p:cSld>
@@ -12704,7 +13033,7 @@
     </p:spTree>
     <p:extLst>
       <p:ext uri="{BB962C8B-B14F-4D97-AF65-F5344CB8AC3E}">
-        <p14:creationId xmlns:p14="http://schemas.microsoft.com/office/powerpoint/2010/main" val="1515372593"/>
+        <p14:creationId xmlns:p14="http://schemas.microsoft.com/office/powerpoint/2010/main" xmlns="" val="1515372593"/>
       </p:ext>
     </p:extLst>
   </p:cSld>
@@ -12791,7 +13120,7 @@
     </p:spTree>
     <p:extLst>
       <p:ext uri="{BB962C8B-B14F-4D97-AF65-F5344CB8AC3E}">
-        <p14:creationId xmlns:p14="http://schemas.microsoft.com/office/powerpoint/2010/main" val="4109416244"/>
+        <p14:creationId xmlns:p14="http://schemas.microsoft.com/office/powerpoint/2010/main" xmlns="" val="4109416244"/>
       </p:ext>
     </p:extLst>
   </p:cSld>
@@ -12866,7 +13195,7 @@
     </p:spTree>
     <p:extLst>
       <p:ext uri="{BB962C8B-B14F-4D97-AF65-F5344CB8AC3E}">
-        <p14:creationId xmlns:p14="http://schemas.microsoft.com/office/powerpoint/2010/main" val="444568525"/>
+        <p14:creationId xmlns:p14="http://schemas.microsoft.com/office/powerpoint/2010/main" xmlns="" val="444568525"/>
       </p:ext>
     </p:extLst>
   </p:cSld>
@@ -12949,7 +13278,7 @@
     </p:spTree>
     <p:extLst>
       <p:ext uri="{BB962C8B-B14F-4D97-AF65-F5344CB8AC3E}">
-        <p14:creationId xmlns:p14="http://schemas.microsoft.com/office/powerpoint/2010/main" val="1036071785"/>
+        <p14:creationId xmlns:p14="http://schemas.microsoft.com/office/powerpoint/2010/main" xmlns="" val="1036071785"/>
       </p:ext>
     </p:extLst>
   </p:cSld>
@@ -13024,7 +13353,7 @@
     </p:spTree>
     <p:extLst>
       <p:ext uri="{BB962C8B-B14F-4D97-AF65-F5344CB8AC3E}">
-        <p14:creationId xmlns:p14="http://schemas.microsoft.com/office/powerpoint/2010/main" val="4029259654"/>
+        <p14:creationId xmlns:p14="http://schemas.microsoft.com/office/powerpoint/2010/main" xmlns="" val="4029259654"/>
       </p:ext>
     </p:extLst>
   </p:cSld>
@@ -13111,7 +13440,7 @@
     </p:spTree>
     <p:extLst>
       <p:ext uri="{BB962C8B-B14F-4D97-AF65-F5344CB8AC3E}">
-        <p14:creationId xmlns:p14="http://schemas.microsoft.com/office/powerpoint/2010/main" val="1350559237"/>
+        <p14:creationId xmlns:p14="http://schemas.microsoft.com/office/powerpoint/2010/main" xmlns="" val="1350559237"/>
       </p:ext>
     </p:extLst>
   </p:cSld>
@@ -13171,7 +13500,7 @@
     </a:clrScheme>
     <a:fontScheme name="Orgânico">
       <a:majorFont>
-        <a:latin typeface="Garamond" panose="02020404030301010803"/>
+        <a:latin typeface="Garamond"/>
         <a:ea typeface=""/>
         <a:cs typeface=""/>
         <a:font script="Jpan" typeface="ＭＳ Ｐゴシック"/>
@@ -13206,7 +13535,7 @@
         <a:font script="Geor" typeface="Sylfaen"/>
       </a:majorFont>
       <a:minorFont>
-        <a:latin typeface="Garamond" panose="02020404030301010803"/>
+        <a:latin typeface="Garamond"/>
         <a:ea typeface=""/>
         <a:cs typeface=""/>
         <a:font script="Jpan" typeface="ＭＳ Ｐ明朝"/>
@@ -13355,7 +13684,7 @@
   <a:extraClrSchemeLst/>
   <a:extLst>
     <a:ext uri="{05A4C25C-085E-4340-85A3-A5531E510DB2}">
-      <thm15:themeFamily xmlns:thm15="http://schemas.microsoft.com/office/thememl/2012/main" name="Organic" id="{28CDC826-8792-45C0-861B-85EB3ADEDA33}" vid="{E4E49EB0-FB00-41F5-9359-4843D783A23D}"/>
+      <thm15:themeFamily xmlns:thm15="http://schemas.microsoft.com/office/thememl/2012/main" xmlns="" name="Organic" id="{28CDC826-8792-45C0-861B-85EB3ADEDA33}" vid="{E4E49EB0-FB00-41F5-9359-4843D783A23D}"/>
     </a:ext>
   </a:extLst>
 </a:theme>

--- a/Final Presentation/Presentation.pptx
+++ b/Final Presentation/Presentation.pptx
@@ -4,6 +4,9 @@
   <p:sldMasterIdLst>
     <p:sldMasterId id="2147484047" r:id="rId1"/>
   </p:sldMasterIdLst>
+  <p:notesMasterIdLst>
+    <p:notesMasterId r:id="rId40"/>
+  </p:notesMasterIdLst>
   <p:sldIdLst>
     <p:sldId id="256" r:id="rId2"/>
     <p:sldId id="257" r:id="rId3"/>
@@ -13,33 +16,36 @@
     <p:sldId id="270" r:id="rId7"/>
     <p:sldId id="271" r:id="rId8"/>
     <p:sldId id="272" r:id="rId9"/>
-    <p:sldId id="273" r:id="rId10"/>
-    <p:sldId id="274" r:id="rId11"/>
-    <p:sldId id="276" r:id="rId12"/>
-    <p:sldId id="280" r:id="rId13"/>
-    <p:sldId id="293" r:id="rId14"/>
-    <p:sldId id="294" r:id="rId15"/>
-    <p:sldId id="295" r:id="rId16"/>
-    <p:sldId id="296" r:id="rId17"/>
-    <p:sldId id="297" r:id="rId18"/>
-    <p:sldId id="298" r:id="rId19"/>
-    <p:sldId id="279" r:id="rId20"/>
-    <p:sldId id="302" r:id="rId21"/>
-    <p:sldId id="301" r:id="rId22"/>
-    <p:sldId id="281" r:id="rId23"/>
-    <p:sldId id="299" r:id="rId24"/>
-    <p:sldId id="300" r:id="rId25"/>
-    <p:sldId id="284" r:id="rId26"/>
-    <p:sldId id="282" r:id="rId27"/>
-    <p:sldId id="285" r:id="rId28"/>
-    <p:sldId id="283" r:id="rId29"/>
-    <p:sldId id="286" r:id="rId30"/>
-    <p:sldId id="287" r:id="rId31"/>
-    <p:sldId id="288" r:id="rId32"/>
-    <p:sldId id="289" r:id="rId33"/>
-    <p:sldId id="290" r:id="rId34"/>
-    <p:sldId id="291" r:id="rId35"/>
-    <p:sldId id="292" r:id="rId36"/>
+    <p:sldId id="303" r:id="rId10"/>
+    <p:sldId id="304" r:id="rId11"/>
+    <p:sldId id="305" r:id="rId12"/>
+    <p:sldId id="273" r:id="rId13"/>
+    <p:sldId id="274" r:id="rId14"/>
+    <p:sldId id="276" r:id="rId15"/>
+    <p:sldId id="280" r:id="rId16"/>
+    <p:sldId id="293" r:id="rId17"/>
+    <p:sldId id="294" r:id="rId18"/>
+    <p:sldId id="295" r:id="rId19"/>
+    <p:sldId id="296" r:id="rId20"/>
+    <p:sldId id="297" r:id="rId21"/>
+    <p:sldId id="298" r:id="rId22"/>
+    <p:sldId id="279" r:id="rId23"/>
+    <p:sldId id="302" r:id="rId24"/>
+    <p:sldId id="301" r:id="rId25"/>
+    <p:sldId id="281" r:id="rId26"/>
+    <p:sldId id="299" r:id="rId27"/>
+    <p:sldId id="300" r:id="rId28"/>
+    <p:sldId id="284" r:id="rId29"/>
+    <p:sldId id="282" r:id="rId30"/>
+    <p:sldId id="285" r:id="rId31"/>
+    <p:sldId id="283" r:id="rId32"/>
+    <p:sldId id="286" r:id="rId33"/>
+    <p:sldId id="287" r:id="rId34"/>
+    <p:sldId id="288" r:id="rId35"/>
+    <p:sldId id="289" r:id="rId36"/>
+    <p:sldId id="290" r:id="rId37"/>
+    <p:sldId id="291" r:id="rId38"/>
+    <p:sldId id="292" r:id="rId39"/>
   </p:sldIdLst>
   <p:sldSz cx="12192000" cy="6858000"/>
   <p:notesSz cx="6858000" cy="9144000"/>
@@ -140,7 +146,7 @@
   </p:defaultTextStyle>
   <p:extLst>
     <p:ext uri="{EFAFB233-063F-42B5-8137-9DF3F51BA10A}">
-      <p15:sldGuideLst xmlns:p15="http://schemas.microsoft.com/office/powerpoint/2012/main" xmlns="">
+      <p15:sldGuideLst xmlns:p15="http://schemas.microsoft.com/office/powerpoint/2012/main">
         <p15:guide id="1" orient="horz" pos="2160">
           <p15:clr>
             <a:srgbClr val="A4A3A4"/>
@@ -159,8 +165,17 @@
 
 <file path=ppt/charts/chart1.xml><?xml version="1.0" encoding="utf-8"?>
 <c:chartSpace xmlns:c="http://schemas.openxmlformats.org/drawingml/2006/chart" xmlns:a="http://schemas.openxmlformats.org/drawingml/2006/main" xmlns:r="http://schemas.openxmlformats.org/officeDocument/2006/relationships">
-  <c:lang val="pt-PT"/>
-  <c:style val="34"/>
+  <c:date1904 val="0"/>
+  <c:lang val="en-US"/>
+  <c:roundedCorners val="0"/>
+  <mc:AlternateContent xmlns:mc="http://schemas.openxmlformats.org/markup-compatibility/2006">
+    <mc:Choice xmlns:c14="http://schemas.microsoft.com/office/drawing/2007/8/2/chart" Requires="c14">
+      <c14:style val="134"/>
+    </mc:Choice>
+    <mc:Fallback>
+      <c:style val="34"/>
+    </mc:Fallback>
+  </mc:AlternateContent>
   <c:chart>
     <c:title>
       <c:tx>
@@ -178,8 +193,9 @@
           </a:p>
         </c:rich>
       </c:tx>
-      <c:layout/>
+      <c:overlay val="0"/>
     </c:title>
+    <c:autoTitleDeleted val="0"/>
     <c:plotArea>
       <c:layout>
         <c:manualLayout>
@@ -210,9 +226,24 @@
             </c:strRef>
           </c:tx>
           <c:dLbls>
+            <c:spPr>
+              <a:noFill/>
+              <a:ln>
+                <a:noFill/>
+              </a:ln>
+              <a:effectLst/>
+            </c:spPr>
             <c:dLblPos val="bestFit"/>
+            <c:showLegendKey val="0"/>
+            <c:showVal val="0"/>
+            <c:showCatName val="0"/>
+            <c:showSerName val="0"/>
             <c:showPercent val="1"/>
+            <c:showBubbleSize val="0"/>
             <c:showLeaderLines val="1"/>
+            <c:extLst>
+              <c:ext xmlns:c15="http://schemas.microsoft.com/office/drawing/2012/chart" uri="{CE6537A1-D6FC-4f65-9D91-7224C49458BB}"/>
+            </c:extLst>
           </c:dLbls>
           <c:cat>
             <c:strRef>
@@ -238,7 +269,7 @@
             <c:numRef>
               <c:f>Folha1!$B$2:$B$5</c:f>
               <c:numCache>
-                <c:formatCode>Estandar</c:formatCode>
+                <c:formatCode>General</c:formatCode>
                 <c:ptCount val="4"/>
                 <c:pt idx="0">
                   <c:v>46</c:v>
@@ -257,7 +288,13 @@
           </c:val>
         </c:ser>
         <c:dLbls>
+          <c:showLegendKey val="0"/>
+          <c:showVal val="0"/>
+          <c:showCatName val="0"/>
+          <c:showSerName val="0"/>
           <c:showPercent val="1"/>
+          <c:showBubbleSize val="0"/>
+          <c:showLeaderLines val="1"/>
         </c:dLbls>
         <c:gapWidth val="150"/>
         <c:secondPieSize val="75"/>
@@ -276,10 +313,15 @@
           <c:h val="6.8887289088863907E-2"/>
         </c:manualLayout>
       </c:layout>
+      <c:overlay val="0"/>
     </c:legend>
     <c:plotVisOnly val="1"/>
+    <c:dispBlanksAs val="gap"/>
+    <c:showDLblsOverMax val="0"/>
   </c:chart>
-  <c:externalData r:id="rId1"/>
+  <c:externalData r:id="rId1">
+    <c:autoUpdate val="0"/>
+  </c:externalData>
 </c:chartSpace>
 </file>
 
@@ -1500,21 +1542,21 @@
     </dgm:pt>
   </dgm:ptLst>
   <dgm:cxnLst>
+    <dgm:cxn modelId="{1FFE94F7-1A23-436C-BE75-E8E800979E17}" srcId="{C306C341-D599-4B1B-99D5-C33838902528}" destId="{2FDC2C24-CC4E-4D25-B09B-59FD6E82C3EE}" srcOrd="1" destOrd="0" parTransId="{E7F2584E-86F9-4ED7-9B8D-A99EC47827F9}" sibTransId="{81A6B66D-8321-4A73-A293-0D29707D523C}"/>
+    <dgm:cxn modelId="{74AB5348-BE90-4678-A34C-0914E1E30C30}" type="presOf" srcId="{D7A1B3F6-9A96-443D-918B-6A83D726860E}" destId="{6810232A-C069-4BBA-BBD2-7BC82D197AC8}" srcOrd="0" destOrd="0" presId="urn:microsoft.com/office/officeart/2005/8/layout/hProcess11"/>
+    <dgm:cxn modelId="{30F53C6F-EC07-427E-851F-3E97E605AFC9}" srcId="{C306C341-D599-4B1B-99D5-C33838902528}" destId="{454E9A41-EB5C-4D21-A500-1A0F7280DF0F}" srcOrd="6" destOrd="0" parTransId="{1E224352-DCA1-4654-B392-6D76C795B7BE}" sibTransId="{AA42D578-BCA4-460B-AE10-0875155B9415}"/>
+    <dgm:cxn modelId="{8B924237-C27F-443D-B948-7413A94D4D27}" type="presOf" srcId="{136AD6A2-B441-479A-860B-9C60598DF083}" destId="{DF520769-FC51-4284-84DC-D345C7025315}" srcOrd="0" destOrd="0" presId="urn:microsoft.com/office/officeart/2005/8/layout/hProcess11"/>
+    <dgm:cxn modelId="{A8E9508F-E201-4F3A-B45C-83967300D4A6}" type="presOf" srcId="{BB8E58C9-394E-4BB7-956B-15FD8F0F4DF6}" destId="{F622832A-050B-4EB9-99E6-8F1AAFA7A166}" srcOrd="0" destOrd="0" presId="urn:microsoft.com/office/officeart/2005/8/layout/hProcess11"/>
+    <dgm:cxn modelId="{FB5D8D0E-9186-481B-B91B-876243A2F8C3}" srcId="{C306C341-D599-4B1B-99D5-C33838902528}" destId="{9059B768-CD7D-43D2-80D2-6FDF0EAA0156}" srcOrd="2" destOrd="0" parTransId="{1EDF92A5-B373-4C08-A41F-FC4842BC317C}" sibTransId="{7F219E18-92F5-4220-8440-CDF23E2C86DD}"/>
+    <dgm:cxn modelId="{7DB08E90-EBF1-4B81-81C1-240E3FCE3996}" type="presOf" srcId="{C306C341-D599-4B1B-99D5-C33838902528}" destId="{6BAF5AC4-12C4-475D-890B-181061458B36}" srcOrd="0" destOrd="0" presId="urn:microsoft.com/office/officeart/2005/8/layout/hProcess11"/>
+    <dgm:cxn modelId="{2531456E-1B85-4C5E-8AF6-C60E58F43067}" srcId="{C306C341-D599-4B1B-99D5-C33838902528}" destId="{BB8E58C9-394E-4BB7-956B-15FD8F0F4DF6}" srcOrd="3" destOrd="0" parTransId="{A1E3FDCD-492B-4046-91FD-A19D4F38F245}" sibTransId="{1808AAF0-8272-4577-B8B5-78D78CC4E805}"/>
     <dgm:cxn modelId="{531B340F-8630-438B-9B38-8C2716FAD3B4}" type="presOf" srcId="{9059B768-CD7D-43D2-80D2-6FDF0EAA0156}" destId="{49B98997-A726-433D-94FF-467BFB2ADCAF}" srcOrd="0" destOrd="0" presId="urn:microsoft.com/office/officeart/2005/8/layout/hProcess11"/>
+    <dgm:cxn modelId="{B9E36F7A-BBBE-4C6F-BF41-35D339983B88}" type="presOf" srcId="{1A49080C-0DE7-47E8-922A-4D0B1B6C485A}" destId="{50085456-D334-4C9E-B8C2-A46683D1A093}" srcOrd="0" destOrd="0" presId="urn:microsoft.com/office/officeart/2005/8/layout/hProcess11"/>
     <dgm:cxn modelId="{48AC722D-ACE2-4875-8C63-0C6D0EFEC009}" srcId="{C306C341-D599-4B1B-99D5-C33838902528}" destId="{136AD6A2-B441-479A-860B-9C60598DF083}" srcOrd="5" destOrd="0" parTransId="{B3AAAF1D-C6F6-49CE-A21B-B1132F4E369E}" sibTransId="{B013FFB8-9869-4AB3-A2B5-FDAEE2CD0557}"/>
-    <dgm:cxn modelId="{2531456E-1B85-4C5E-8AF6-C60E58F43067}" srcId="{C306C341-D599-4B1B-99D5-C33838902528}" destId="{BB8E58C9-394E-4BB7-956B-15FD8F0F4DF6}" srcOrd="3" destOrd="0" parTransId="{A1E3FDCD-492B-4046-91FD-A19D4F38F245}" sibTransId="{1808AAF0-8272-4577-B8B5-78D78CC4E805}"/>
-    <dgm:cxn modelId="{B9E36F7A-BBBE-4C6F-BF41-35D339983B88}" type="presOf" srcId="{1A49080C-0DE7-47E8-922A-4D0B1B6C485A}" destId="{50085456-D334-4C9E-B8C2-A46683D1A093}" srcOrd="0" destOrd="0" presId="urn:microsoft.com/office/officeart/2005/8/layout/hProcess11"/>
-    <dgm:cxn modelId="{FB5D8D0E-9186-481B-B91B-876243A2F8C3}" srcId="{C306C341-D599-4B1B-99D5-C33838902528}" destId="{9059B768-CD7D-43D2-80D2-6FDF0EAA0156}" srcOrd="2" destOrd="0" parTransId="{1EDF92A5-B373-4C08-A41F-FC4842BC317C}" sibTransId="{7F219E18-92F5-4220-8440-CDF23E2C86DD}"/>
     <dgm:cxn modelId="{02A0FDDF-750D-4E70-AEEE-212E089D8451}" srcId="{C306C341-D599-4B1B-99D5-C33838902528}" destId="{D7A1B3F6-9A96-443D-918B-6A83D726860E}" srcOrd="0" destOrd="0" parTransId="{E621CA8E-4955-42BA-A043-EA33F0C1521B}" sibTransId="{39AA8962-6813-4284-95C5-BF4AE6D9DB14}"/>
+    <dgm:cxn modelId="{4EF651BC-29A7-4411-A2C1-5D5C76CDC2E0}" type="presOf" srcId="{454E9A41-EB5C-4D21-A500-1A0F7280DF0F}" destId="{03D8AACE-E855-4D1F-9736-1957EAD159E9}" srcOrd="0" destOrd="0" presId="urn:microsoft.com/office/officeart/2005/8/layout/hProcess11"/>
+    <dgm:cxn modelId="{5B4D9666-1585-4473-894E-27F0786F7A9C}" srcId="{C306C341-D599-4B1B-99D5-C33838902528}" destId="{1A49080C-0DE7-47E8-922A-4D0B1B6C485A}" srcOrd="4" destOrd="0" parTransId="{F7B8845B-EEB5-4952-882F-D415FAF8B60E}" sibTransId="{1A70AC7A-7F03-4D55-B5D0-E2003D1A4324}"/>
     <dgm:cxn modelId="{767A3C01-869E-45E9-9525-49AE88355A73}" type="presOf" srcId="{2FDC2C24-CC4E-4D25-B09B-59FD6E82C3EE}" destId="{D9A28F98-9710-4524-B177-E78A77379D8B}" srcOrd="0" destOrd="0" presId="urn:microsoft.com/office/officeart/2005/8/layout/hProcess11"/>
-    <dgm:cxn modelId="{74AB5348-BE90-4678-A34C-0914E1E30C30}" type="presOf" srcId="{D7A1B3F6-9A96-443D-918B-6A83D726860E}" destId="{6810232A-C069-4BBA-BBD2-7BC82D197AC8}" srcOrd="0" destOrd="0" presId="urn:microsoft.com/office/officeart/2005/8/layout/hProcess11"/>
-    <dgm:cxn modelId="{5B4D9666-1585-4473-894E-27F0786F7A9C}" srcId="{C306C341-D599-4B1B-99D5-C33838902528}" destId="{1A49080C-0DE7-47E8-922A-4D0B1B6C485A}" srcOrd="4" destOrd="0" parTransId="{F7B8845B-EEB5-4952-882F-D415FAF8B60E}" sibTransId="{1A70AC7A-7F03-4D55-B5D0-E2003D1A4324}"/>
-    <dgm:cxn modelId="{8B924237-C27F-443D-B948-7413A94D4D27}" type="presOf" srcId="{136AD6A2-B441-479A-860B-9C60598DF083}" destId="{DF520769-FC51-4284-84DC-D345C7025315}" srcOrd="0" destOrd="0" presId="urn:microsoft.com/office/officeart/2005/8/layout/hProcess11"/>
-    <dgm:cxn modelId="{30F53C6F-EC07-427E-851F-3E97E605AFC9}" srcId="{C306C341-D599-4B1B-99D5-C33838902528}" destId="{454E9A41-EB5C-4D21-A500-1A0F7280DF0F}" srcOrd="6" destOrd="0" parTransId="{1E224352-DCA1-4654-B392-6D76C795B7BE}" sibTransId="{AA42D578-BCA4-460B-AE10-0875155B9415}"/>
-    <dgm:cxn modelId="{4EF651BC-29A7-4411-A2C1-5D5C76CDC2E0}" type="presOf" srcId="{454E9A41-EB5C-4D21-A500-1A0F7280DF0F}" destId="{03D8AACE-E855-4D1F-9736-1957EAD159E9}" srcOrd="0" destOrd="0" presId="urn:microsoft.com/office/officeart/2005/8/layout/hProcess11"/>
-    <dgm:cxn modelId="{1FFE94F7-1A23-436C-BE75-E8E800979E17}" srcId="{C306C341-D599-4B1B-99D5-C33838902528}" destId="{2FDC2C24-CC4E-4D25-B09B-59FD6E82C3EE}" srcOrd="1" destOrd="0" parTransId="{E7F2584E-86F9-4ED7-9B8D-A99EC47827F9}" sibTransId="{81A6B66D-8321-4A73-A293-0D29707D523C}"/>
-    <dgm:cxn modelId="{A8E9508F-E201-4F3A-B45C-83967300D4A6}" type="presOf" srcId="{BB8E58C9-394E-4BB7-956B-15FD8F0F4DF6}" destId="{F622832A-050B-4EB9-99E6-8F1AAFA7A166}" srcOrd="0" destOrd="0" presId="urn:microsoft.com/office/officeart/2005/8/layout/hProcess11"/>
-    <dgm:cxn modelId="{7DB08E90-EBF1-4B81-81C1-240E3FCE3996}" type="presOf" srcId="{C306C341-D599-4B1B-99D5-C33838902528}" destId="{6BAF5AC4-12C4-475D-890B-181061458B36}" srcOrd="0" destOrd="0" presId="urn:microsoft.com/office/officeart/2005/8/layout/hProcess11"/>
     <dgm:cxn modelId="{B10D7C1E-A564-43B7-8CF6-53A3B45427EA}" type="presParOf" srcId="{6BAF5AC4-12C4-475D-890B-181061458B36}" destId="{60799F41-7989-4AA1-B9E8-4EF51F0FF333}" srcOrd="0" destOrd="0" presId="urn:microsoft.com/office/officeart/2005/8/layout/hProcess11"/>
     <dgm:cxn modelId="{3D4CF2F4-D5DA-4E6E-B60C-17291E4CBF35}" type="presParOf" srcId="{6BAF5AC4-12C4-475D-890B-181061458B36}" destId="{5CCD0D81-360B-4CC0-98C6-6C8129CE7187}" srcOrd="1" destOrd="0" presId="urn:microsoft.com/office/officeart/2005/8/layout/hProcess11"/>
     <dgm:cxn modelId="{CB43A1D7-7FEB-4CF0-8076-B30824FA5BA7}" type="presParOf" srcId="{5CCD0D81-360B-4CC0-98C6-6C8129CE7187}" destId="{1683355D-447B-4404-8E2E-EE43BAA2B137}" srcOrd="0" destOrd="0" presId="urn:microsoft.com/office/officeart/2005/8/layout/hProcess11"/>
@@ -1556,14 +1598,14 @@
   <dgm:whole/>
   <dgm:extLst>
     <a:ext uri="http://schemas.microsoft.com/office/drawing/2008/diagram">
-      <dsp:dataModelExt xmlns:dsp="http://schemas.microsoft.com/office/drawing/2008/diagram" xmlns="" relId="rId6" minVer="http://schemas.openxmlformats.org/drawingml/2006/diagram"/>
+      <dsp:dataModelExt xmlns:dsp="http://schemas.microsoft.com/office/drawing/2008/diagram" relId="rId6" minVer="http://schemas.openxmlformats.org/drawingml/2006/diagram"/>
     </a:ext>
   </dgm:extLst>
 </dgm:dataModel>
 </file>
 
 <file path=ppt/diagrams/drawing1.xml><?xml version="1.0" encoding="utf-8"?>
-<dsp:drawing xmlns:dgm="http://schemas.openxmlformats.org/drawingml/2006/diagram" xmlns:a="http://schemas.openxmlformats.org/drawingml/2006/main" xmlns:dsp="http://schemas.microsoft.com/office/drawing/2008/diagram">
+<dsp:drawing xmlns:dgm="http://schemas.openxmlformats.org/drawingml/2006/diagram" xmlns:dsp="http://schemas.microsoft.com/office/drawing/2008/diagram" xmlns:a="http://schemas.openxmlformats.org/drawingml/2006/main">
   <dsp:spTree>
     <dsp:nvGrpSpPr>
       <dsp:cNvPr id="0" name=""/>
@@ -3655,6 +3697,515 @@
 </dgm:styleDef>
 </file>
 
+<file path=ppt/notesMasters/notesMaster1.xml><?xml version="1.0" encoding="utf-8"?>
+<p:notesMaster xmlns:a="http://schemas.openxmlformats.org/drawingml/2006/main" xmlns:r="http://schemas.openxmlformats.org/officeDocument/2006/relationships" xmlns:p="http://schemas.openxmlformats.org/presentationml/2006/main">
+  <p:cSld>
+    <p:bg>
+      <p:bgRef idx="1001">
+        <a:schemeClr val="bg1"/>
+      </p:bgRef>
+    </p:bg>
+    <p:spTree>
+      <p:nvGrpSpPr>
+        <p:cNvPr id="1" name=""/>
+        <p:cNvGrpSpPr/>
+        <p:nvPr/>
+      </p:nvGrpSpPr>
+      <p:grpSpPr>
+        <a:xfrm>
+          <a:off x="0" y="0"/>
+          <a:ext cx="0" cy="0"/>
+          <a:chOff x="0" y="0"/>
+          <a:chExt cx="0" cy="0"/>
+        </a:xfrm>
+      </p:grpSpPr>
+      <p:sp>
+        <p:nvSpPr>
+          <p:cNvPr id="2" name="Header Placeholder 1"/>
+          <p:cNvSpPr>
+            <a:spLocks noGrp="1"/>
+          </p:cNvSpPr>
+          <p:nvPr>
+            <p:ph type="hdr" sz="quarter"/>
+          </p:nvPr>
+        </p:nvSpPr>
+        <p:spPr>
+          <a:xfrm>
+            <a:off x="0" y="0"/>
+            <a:ext cx="2971800" cy="458788"/>
+          </a:xfrm>
+          <a:prstGeom prst="rect">
+            <a:avLst/>
+          </a:prstGeom>
+        </p:spPr>
+        <p:txBody>
+          <a:bodyPr vert="horz" lIns="91440" tIns="45720" rIns="91440" bIns="45720" rtlCol="0"/>
+          <a:lstStyle>
+            <a:lvl1pPr algn="l">
+              <a:defRPr sz="1200"/>
+            </a:lvl1pPr>
+          </a:lstStyle>
+          <a:p>
+            <a:endParaRPr lang="pt-PT"/>
+          </a:p>
+        </p:txBody>
+      </p:sp>
+      <p:sp>
+        <p:nvSpPr>
+          <p:cNvPr id="3" name="Date Placeholder 2"/>
+          <p:cNvSpPr>
+            <a:spLocks noGrp="1"/>
+          </p:cNvSpPr>
+          <p:nvPr>
+            <p:ph type="dt" idx="1"/>
+          </p:nvPr>
+        </p:nvSpPr>
+        <p:spPr>
+          <a:xfrm>
+            <a:off x="3884613" y="0"/>
+            <a:ext cx="2971800" cy="458788"/>
+          </a:xfrm>
+          <a:prstGeom prst="rect">
+            <a:avLst/>
+          </a:prstGeom>
+        </p:spPr>
+        <p:txBody>
+          <a:bodyPr vert="horz" lIns="91440" tIns="45720" rIns="91440" bIns="45720" rtlCol="0"/>
+          <a:lstStyle>
+            <a:lvl1pPr algn="r">
+              <a:defRPr sz="1200"/>
+            </a:lvl1pPr>
+          </a:lstStyle>
+          <a:p>
+            <a:fld id="{82948236-07A4-447C-AC43-06AAF24DC65B}" type="datetimeFigureOut">
+              <a:rPr lang="pt-PT" smtClean="0"/>
+              <a:t>30-06-2013</a:t>
+            </a:fld>
+            <a:endParaRPr lang="pt-PT"/>
+          </a:p>
+        </p:txBody>
+      </p:sp>
+      <p:sp>
+        <p:nvSpPr>
+          <p:cNvPr id="4" name="Slide Image Placeholder 3"/>
+          <p:cNvSpPr>
+            <a:spLocks noGrp="1" noRot="1" noChangeAspect="1"/>
+          </p:cNvSpPr>
+          <p:nvPr>
+            <p:ph type="sldImg" idx="2"/>
+          </p:nvPr>
+        </p:nvSpPr>
+        <p:spPr>
+          <a:xfrm>
+            <a:off x="685800" y="1143000"/>
+            <a:ext cx="5486400" cy="3086100"/>
+          </a:xfrm>
+          <a:prstGeom prst="rect">
+            <a:avLst/>
+          </a:prstGeom>
+          <a:noFill/>
+          <a:ln w="12700">
+            <a:solidFill>
+              <a:prstClr val="black"/>
+            </a:solidFill>
+          </a:ln>
+        </p:spPr>
+        <p:txBody>
+          <a:bodyPr vert="horz" lIns="91440" tIns="45720" rIns="91440" bIns="45720" rtlCol="0" anchor="ctr"/>
+          <a:lstStyle/>
+          <a:p>
+            <a:endParaRPr lang="pt-PT"/>
+          </a:p>
+        </p:txBody>
+      </p:sp>
+      <p:sp>
+        <p:nvSpPr>
+          <p:cNvPr id="5" name="Notes Placeholder 4"/>
+          <p:cNvSpPr>
+            <a:spLocks noGrp="1"/>
+          </p:cNvSpPr>
+          <p:nvPr>
+            <p:ph type="body" sz="quarter" idx="3"/>
+          </p:nvPr>
+        </p:nvSpPr>
+        <p:spPr>
+          <a:xfrm>
+            <a:off x="685800" y="4400550"/>
+            <a:ext cx="5486400" cy="3600450"/>
+          </a:xfrm>
+          <a:prstGeom prst="rect">
+            <a:avLst/>
+          </a:prstGeom>
+        </p:spPr>
+        <p:txBody>
+          <a:bodyPr vert="horz" lIns="91440" tIns="45720" rIns="91440" bIns="45720" rtlCol="0"/>
+          <a:lstStyle/>
+          <a:p>
+            <a:pPr lvl="0"/>
+            <a:r>
+              <a:rPr lang="en-US" smtClean="0"/>
+              <a:t>Click to edit Master text styles</a:t>
+            </a:r>
+          </a:p>
+          <a:p>
+            <a:pPr lvl="1"/>
+            <a:r>
+              <a:rPr lang="en-US" smtClean="0"/>
+              <a:t>Second level</a:t>
+            </a:r>
+          </a:p>
+          <a:p>
+            <a:pPr lvl="2"/>
+            <a:r>
+              <a:rPr lang="en-US" smtClean="0"/>
+              <a:t>Third level</a:t>
+            </a:r>
+          </a:p>
+          <a:p>
+            <a:pPr lvl="3"/>
+            <a:r>
+              <a:rPr lang="en-US" smtClean="0"/>
+              <a:t>Fourth level</a:t>
+            </a:r>
+          </a:p>
+          <a:p>
+            <a:pPr lvl="4"/>
+            <a:r>
+              <a:rPr lang="en-US" smtClean="0"/>
+              <a:t>Fifth level</a:t>
+            </a:r>
+            <a:endParaRPr lang="pt-PT"/>
+          </a:p>
+        </p:txBody>
+      </p:sp>
+      <p:sp>
+        <p:nvSpPr>
+          <p:cNvPr id="6" name="Footer Placeholder 5"/>
+          <p:cNvSpPr>
+            <a:spLocks noGrp="1"/>
+          </p:cNvSpPr>
+          <p:nvPr>
+            <p:ph type="ftr" sz="quarter" idx="4"/>
+          </p:nvPr>
+        </p:nvSpPr>
+        <p:spPr>
+          <a:xfrm>
+            <a:off x="0" y="8685213"/>
+            <a:ext cx="2971800" cy="458787"/>
+          </a:xfrm>
+          <a:prstGeom prst="rect">
+            <a:avLst/>
+          </a:prstGeom>
+        </p:spPr>
+        <p:txBody>
+          <a:bodyPr vert="horz" lIns="91440" tIns="45720" rIns="91440" bIns="45720" rtlCol="0" anchor="b"/>
+          <a:lstStyle>
+            <a:lvl1pPr algn="l">
+              <a:defRPr sz="1200"/>
+            </a:lvl1pPr>
+          </a:lstStyle>
+          <a:p>
+            <a:endParaRPr lang="pt-PT"/>
+          </a:p>
+        </p:txBody>
+      </p:sp>
+      <p:sp>
+        <p:nvSpPr>
+          <p:cNvPr id="7" name="Slide Number Placeholder 6"/>
+          <p:cNvSpPr>
+            <a:spLocks noGrp="1"/>
+          </p:cNvSpPr>
+          <p:nvPr>
+            <p:ph type="sldNum" sz="quarter" idx="5"/>
+          </p:nvPr>
+        </p:nvSpPr>
+        <p:spPr>
+          <a:xfrm>
+            <a:off x="3884613" y="8685213"/>
+            <a:ext cx="2971800" cy="458787"/>
+          </a:xfrm>
+          <a:prstGeom prst="rect">
+            <a:avLst/>
+          </a:prstGeom>
+        </p:spPr>
+        <p:txBody>
+          <a:bodyPr vert="horz" lIns="91440" tIns="45720" rIns="91440" bIns="45720" rtlCol="0" anchor="b"/>
+          <a:lstStyle>
+            <a:lvl1pPr algn="r">
+              <a:defRPr sz="1200"/>
+            </a:lvl1pPr>
+          </a:lstStyle>
+          <a:p>
+            <a:fld id="{0E4FF081-3A8B-4019-8856-6C60FECB4303}" type="slidenum">
+              <a:rPr lang="pt-PT" smtClean="0"/>
+              <a:t>‹#›</a:t>
+            </a:fld>
+            <a:endParaRPr lang="pt-PT"/>
+          </a:p>
+        </p:txBody>
+      </p:sp>
+    </p:spTree>
+    <p:extLst>
+      <p:ext uri="{BB962C8B-B14F-4D97-AF65-F5344CB8AC3E}">
+        <p14:creationId xmlns:p14="http://schemas.microsoft.com/office/powerpoint/2010/main" val="2332033991"/>
+      </p:ext>
+    </p:extLst>
+  </p:cSld>
+  <p:clrMap bg1="lt1" tx1="dk1" bg2="lt2" tx2="dk2" accent1="accent1" accent2="accent2" accent3="accent3" accent4="accent4" accent5="accent5" accent6="accent6" hlink="hlink" folHlink="folHlink"/>
+  <p:notesStyle>
+    <a:lvl1pPr marL="0" algn="l" defTabSz="914400" rtl="0" eaLnBrk="1" latinLnBrk="0" hangingPunct="1">
+      <a:defRPr sz="1200" kern="1200">
+        <a:solidFill>
+          <a:schemeClr val="tx1"/>
+        </a:solidFill>
+        <a:latin typeface="+mn-lt"/>
+        <a:ea typeface="+mn-ea"/>
+        <a:cs typeface="+mn-cs"/>
+      </a:defRPr>
+    </a:lvl1pPr>
+    <a:lvl2pPr marL="457200" algn="l" defTabSz="914400" rtl="0" eaLnBrk="1" latinLnBrk="0" hangingPunct="1">
+      <a:defRPr sz="1200" kern="1200">
+        <a:solidFill>
+          <a:schemeClr val="tx1"/>
+        </a:solidFill>
+        <a:latin typeface="+mn-lt"/>
+        <a:ea typeface="+mn-ea"/>
+        <a:cs typeface="+mn-cs"/>
+      </a:defRPr>
+    </a:lvl2pPr>
+    <a:lvl3pPr marL="914400" algn="l" defTabSz="914400" rtl="0" eaLnBrk="1" latinLnBrk="0" hangingPunct="1">
+      <a:defRPr sz="1200" kern="1200">
+        <a:solidFill>
+          <a:schemeClr val="tx1"/>
+        </a:solidFill>
+        <a:latin typeface="+mn-lt"/>
+        <a:ea typeface="+mn-ea"/>
+        <a:cs typeface="+mn-cs"/>
+      </a:defRPr>
+    </a:lvl3pPr>
+    <a:lvl4pPr marL="1371600" algn="l" defTabSz="914400" rtl="0" eaLnBrk="1" latinLnBrk="0" hangingPunct="1">
+      <a:defRPr sz="1200" kern="1200">
+        <a:solidFill>
+          <a:schemeClr val="tx1"/>
+        </a:solidFill>
+        <a:latin typeface="+mn-lt"/>
+        <a:ea typeface="+mn-ea"/>
+        <a:cs typeface="+mn-cs"/>
+      </a:defRPr>
+    </a:lvl4pPr>
+    <a:lvl5pPr marL="1828800" algn="l" defTabSz="914400" rtl="0" eaLnBrk="1" latinLnBrk="0" hangingPunct="1">
+      <a:defRPr sz="1200" kern="1200">
+        <a:solidFill>
+          <a:schemeClr val="tx1"/>
+        </a:solidFill>
+        <a:latin typeface="+mn-lt"/>
+        <a:ea typeface="+mn-ea"/>
+        <a:cs typeface="+mn-cs"/>
+      </a:defRPr>
+    </a:lvl5pPr>
+    <a:lvl6pPr marL="2286000" algn="l" defTabSz="914400" rtl="0" eaLnBrk="1" latinLnBrk="0" hangingPunct="1">
+      <a:defRPr sz="1200" kern="1200">
+        <a:solidFill>
+          <a:schemeClr val="tx1"/>
+        </a:solidFill>
+        <a:latin typeface="+mn-lt"/>
+        <a:ea typeface="+mn-ea"/>
+        <a:cs typeface="+mn-cs"/>
+      </a:defRPr>
+    </a:lvl6pPr>
+    <a:lvl7pPr marL="2743200" algn="l" defTabSz="914400" rtl="0" eaLnBrk="1" latinLnBrk="0" hangingPunct="1">
+      <a:defRPr sz="1200" kern="1200">
+        <a:solidFill>
+          <a:schemeClr val="tx1"/>
+        </a:solidFill>
+        <a:latin typeface="+mn-lt"/>
+        <a:ea typeface="+mn-ea"/>
+        <a:cs typeface="+mn-cs"/>
+      </a:defRPr>
+    </a:lvl7pPr>
+    <a:lvl8pPr marL="3200400" algn="l" defTabSz="914400" rtl="0" eaLnBrk="1" latinLnBrk="0" hangingPunct="1">
+      <a:defRPr sz="1200" kern="1200">
+        <a:solidFill>
+          <a:schemeClr val="tx1"/>
+        </a:solidFill>
+        <a:latin typeface="+mn-lt"/>
+        <a:ea typeface="+mn-ea"/>
+        <a:cs typeface="+mn-cs"/>
+      </a:defRPr>
+    </a:lvl8pPr>
+    <a:lvl9pPr marL="3657600" algn="l" defTabSz="914400" rtl="0" eaLnBrk="1" latinLnBrk="0" hangingPunct="1">
+      <a:defRPr sz="1200" kern="1200">
+        <a:solidFill>
+          <a:schemeClr val="tx1"/>
+        </a:solidFill>
+        <a:latin typeface="+mn-lt"/>
+        <a:ea typeface="+mn-ea"/>
+        <a:cs typeface="+mn-cs"/>
+      </a:defRPr>
+    </a:lvl9pPr>
+  </p:notesStyle>
+</p:notesMaster>
+</file>
+
+<file path=ppt/notesSlides/notesSlide1.xml><?xml version="1.0" encoding="utf-8"?>
+<p:notes xmlns:a="http://schemas.openxmlformats.org/drawingml/2006/main" xmlns:r="http://schemas.openxmlformats.org/officeDocument/2006/relationships" xmlns:p="http://schemas.openxmlformats.org/presentationml/2006/main">
+  <p:cSld>
+    <p:spTree>
+      <p:nvGrpSpPr>
+        <p:cNvPr id="1" name=""/>
+        <p:cNvGrpSpPr/>
+        <p:nvPr/>
+      </p:nvGrpSpPr>
+      <p:grpSpPr>
+        <a:xfrm>
+          <a:off x="0" y="0"/>
+          <a:ext cx="0" cy="0"/>
+          <a:chOff x="0" y="0"/>
+          <a:chExt cx="0" cy="0"/>
+        </a:xfrm>
+      </p:grpSpPr>
+      <p:sp>
+        <p:nvSpPr>
+          <p:cNvPr id="2" name="Slide Image Placeholder 1"/>
+          <p:cNvSpPr>
+            <a:spLocks noGrp="1" noRot="1" noChangeAspect="1"/>
+          </p:cNvSpPr>
+          <p:nvPr>
+            <p:ph type="sldImg"/>
+          </p:nvPr>
+        </p:nvSpPr>
+        <p:spPr/>
+      </p:sp>
+      <p:sp>
+        <p:nvSpPr>
+          <p:cNvPr id="3" name="Notes Placeholder 2"/>
+          <p:cNvSpPr>
+            <a:spLocks noGrp="1"/>
+          </p:cNvSpPr>
+          <p:nvPr>
+            <p:ph type="body" idx="1"/>
+          </p:nvPr>
+        </p:nvSpPr>
+        <p:spPr/>
+        <p:txBody>
+          <a:bodyPr/>
+          <a:lstStyle/>
+          <a:p>
+            <a:pPr rtl="0" eaLnBrk="1" fontAlgn="b" latinLnBrk="0" hangingPunct="1"/>
+            <a:r>
+              <a:rPr lang="pt-PT" sz="1200" b="0" i="0" u="none" strike="noStrike" kern="1200" dirty="0" smtClean="0">
+                <a:solidFill>
+                  <a:schemeClr val="tx1"/>
+                </a:solidFill>
+                <a:effectLst/>
+                <a:latin typeface="+mn-lt"/>
+                <a:ea typeface="+mn-ea"/>
+                <a:cs typeface="+mn-cs"/>
+              </a:rPr>
+              <a:t>A tecnologia usada permite uma melhor validação contudo não permite mandar mensagem de erro porque a tecnologia resolve o erro sozinha</a:t>
+            </a:r>
+          </a:p>
+          <a:p>
+            <a:pPr rtl="0" eaLnBrk="1" fontAlgn="b" latinLnBrk="0" hangingPunct="1"/>
+            <a:r>
+              <a:rPr lang="pt-PT" sz="1200" b="0" i="0" u="none" strike="noStrike" kern="1200" dirty="0" smtClean="0">
+                <a:solidFill>
+                  <a:schemeClr val="tx1"/>
+                </a:solidFill>
+                <a:effectLst/>
+                <a:latin typeface="+mn-lt"/>
+                <a:ea typeface="+mn-ea"/>
+                <a:cs typeface="+mn-cs"/>
+              </a:rPr>
+              <a:t>Funciona com o primeiro </a:t>
+            </a:r>
+            <a:r>
+              <a:rPr lang="pt-PT" sz="1200" b="0" i="0" u="none" strike="noStrike" kern="1200" dirty="0" err="1" smtClean="0">
+                <a:solidFill>
+                  <a:schemeClr val="tx1"/>
+                </a:solidFill>
+                <a:effectLst/>
+                <a:latin typeface="+mn-lt"/>
+                <a:ea typeface="+mn-ea"/>
+                <a:cs typeface="+mn-cs"/>
+              </a:rPr>
+              <a:t>Caracter.Complicado</a:t>
+            </a:r>
+            <a:r>
+              <a:rPr lang="pt-PT" sz="1200" b="0" i="0" u="none" strike="noStrike" kern="1200" dirty="0" smtClean="0">
+                <a:solidFill>
+                  <a:schemeClr val="tx1"/>
+                </a:solidFill>
+                <a:effectLst/>
+                <a:latin typeface="+mn-lt"/>
+                <a:ea typeface="+mn-ea"/>
+                <a:cs typeface="+mn-cs"/>
+              </a:rPr>
+              <a:t> de se fazer pois a tecnologia está </a:t>
+            </a:r>
+            <a:r>
+              <a:rPr lang="pt-PT" sz="1200" b="0" i="0" u="none" strike="noStrike" kern="1200" dirty="0" err="1" smtClean="0">
+                <a:solidFill>
+                  <a:schemeClr val="tx1"/>
+                </a:solidFill>
+                <a:effectLst/>
+                <a:latin typeface="+mn-lt"/>
+                <a:ea typeface="+mn-ea"/>
+                <a:cs typeface="+mn-cs"/>
+              </a:rPr>
+              <a:t>optimizada</a:t>
+            </a:r>
+            <a:r>
+              <a:rPr lang="pt-PT" sz="1200" b="0" i="0" u="none" strike="noStrike" kern="1200" dirty="0" smtClean="0">
+                <a:solidFill>
+                  <a:schemeClr val="tx1"/>
+                </a:solidFill>
+                <a:effectLst/>
+                <a:latin typeface="+mn-lt"/>
+                <a:ea typeface="+mn-ea"/>
+                <a:cs typeface="+mn-cs"/>
+              </a:rPr>
+              <a:t> para o primeiro caracter.</a:t>
+            </a:r>
+          </a:p>
+        </p:txBody>
+      </p:sp>
+      <p:sp>
+        <p:nvSpPr>
+          <p:cNvPr id="4" name="Slide Number Placeholder 3"/>
+          <p:cNvSpPr>
+            <a:spLocks noGrp="1"/>
+          </p:cNvSpPr>
+          <p:nvPr>
+            <p:ph type="sldNum" sz="quarter" idx="10"/>
+          </p:nvPr>
+        </p:nvSpPr>
+        <p:spPr/>
+        <p:txBody>
+          <a:bodyPr/>
+          <a:lstStyle/>
+          <a:p>
+            <a:fld id="{75F283C9-5F19-4BE8-A7EE-73102BFD7277}" type="slidenum">
+              <a:rPr lang="pt-PT" smtClean="0"/>
+              <a:t>11</a:t>
+            </a:fld>
+            <a:endParaRPr lang="pt-PT"/>
+          </a:p>
+        </p:txBody>
+      </p:sp>
+    </p:spTree>
+    <p:extLst>
+      <p:ext uri="{BB962C8B-B14F-4D97-AF65-F5344CB8AC3E}">
+        <p14:creationId xmlns:p14="http://schemas.microsoft.com/office/powerpoint/2010/main" val="4072347644"/>
+      </p:ext>
+    </p:extLst>
+  </p:cSld>
+  <p:clrMapOvr>
+    <a:masterClrMapping/>
+  </p:clrMapOvr>
+</p:notes>
+</file>
+
 <file path=ppt/slideLayouts/slideLayout1.xml><?xml version="1.0" encoding="utf-8"?>
 <p:sldLayout xmlns:a="http://schemas.openxmlformats.org/drawingml/2006/main" xmlns:r="http://schemas.openxmlformats.org/officeDocument/2006/relationships" xmlns:p="http://schemas.openxmlformats.org/presentationml/2006/main" showMasterSp="0" type="title" preserve="1">
   <p:cSld name="Diapositivo de título">
@@ -3684,7 +4235,7 @@
           <a:blip r:embed="rId2" cstate="print">
             <a:extLst>
               <a:ext uri="{28A0092B-C50C-407E-A947-70E740481C1C}">
-                <a14:useLocalDpi xmlns:a14="http://schemas.microsoft.com/office/drawing/2010/main" xmlns="" val="0"/>
+                <a14:useLocalDpi xmlns:a14="http://schemas.microsoft.com/office/drawing/2010/main" val="0"/>
               </a:ext>
             </a:extLst>
           </a:blip>
@@ -3933,7 +4484,7 @@
             <a:fld id="{5D26EDD4-363A-4236-A170-49C0FA725754}" type="slidenum">
               <a:rPr lang="pt-PT" smtClean="0"/>
               <a:pPr/>
-              <a:t>‹nº›</a:t>
+              <a:t>‹#›</a:t>
             </a:fld>
             <a:endParaRPr lang="pt-PT" dirty="0"/>
           </a:p>
@@ -3980,7 +4531,7 @@
     </p:spTree>
     <p:extLst>
       <p:ext uri="{BB962C8B-B14F-4D97-AF65-F5344CB8AC3E}">
-        <p14:creationId xmlns:p14="http://schemas.microsoft.com/office/powerpoint/2010/main" xmlns="" val="4283900998"/>
+        <p14:creationId xmlns:p14="http://schemas.microsoft.com/office/powerpoint/2010/main" val="4283900998"/>
       </p:ext>
     </p:extLst>
   </p:cSld>
@@ -4257,7 +4808,7 @@
             <a:fld id="{5D26EDD4-363A-4236-A170-49C0FA725754}" type="slidenum">
               <a:rPr lang="pt-PT" smtClean="0"/>
               <a:pPr/>
-              <a:t>‹nº›</a:t>
+              <a:t>‹#›</a:t>
             </a:fld>
             <a:endParaRPr lang="pt-PT" dirty="0"/>
           </a:p>
@@ -4266,7 +4817,7 @@
     </p:spTree>
     <p:extLst>
       <p:ext uri="{BB962C8B-B14F-4D97-AF65-F5344CB8AC3E}">
-        <p14:creationId xmlns:p14="http://schemas.microsoft.com/office/powerpoint/2010/main" xmlns="" val="3834483316"/>
+        <p14:creationId xmlns:p14="http://schemas.microsoft.com/office/powerpoint/2010/main" val="3834483316"/>
       </p:ext>
     </p:extLst>
   </p:cSld>
@@ -4507,7 +5058,7 @@
             <a:fld id="{5D26EDD4-363A-4236-A170-49C0FA725754}" type="slidenum">
               <a:rPr lang="pt-PT" smtClean="0"/>
               <a:pPr/>
-              <a:t>‹nº›</a:t>
+              <a:t>‹#›</a:t>
             </a:fld>
             <a:endParaRPr lang="pt-PT" dirty="0"/>
           </a:p>
@@ -4554,7 +5105,7 @@
     </p:spTree>
     <p:extLst>
       <p:ext uri="{BB962C8B-B14F-4D97-AF65-F5344CB8AC3E}">
-        <p14:creationId xmlns:p14="http://schemas.microsoft.com/office/powerpoint/2010/main" xmlns="" val="3278742630"/>
+        <p14:creationId xmlns:p14="http://schemas.microsoft.com/office/powerpoint/2010/main" val="3278742630"/>
       </p:ext>
     </p:extLst>
   </p:cSld>
@@ -4855,7 +5406,7 @@
             <a:fld id="{5D26EDD4-363A-4236-A170-49C0FA725754}" type="slidenum">
               <a:rPr lang="pt-PT" smtClean="0"/>
               <a:pPr/>
-              <a:t>‹nº›</a:t>
+              <a:t>‹#›</a:t>
             </a:fld>
             <a:endParaRPr lang="pt-PT" dirty="0"/>
           </a:p>
@@ -4970,7 +5521,7 @@
     </p:spTree>
     <p:extLst>
       <p:ext uri="{BB962C8B-B14F-4D97-AF65-F5344CB8AC3E}">
-        <p14:creationId xmlns:p14="http://schemas.microsoft.com/office/powerpoint/2010/main" xmlns="" val="1960482330"/>
+        <p14:creationId xmlns:p14="http://schemas.microsoft.com/office/powerpoint/2010/main" val="1960482330"/>
       </p:ext>
     </p:extLst>
   </p:cSld>
@@ -5211,7 +5762,7 @@
             <a:fld id="{5D26EDD4-363A-4236-A170-49C0FA725754}" type="slidenum">
               <a:rPr lang="pt-PT" smtClean="0"/>
               <a:pPr/>
-              <a:t>‹nº›</a:t>
+              <a:t>‹#›</a:t>
             </a:fld>
             <a:endParaRPr lang="pt-PT" dirty="0"/>
           </a:p>
@@ -5220,7 +5771,7 @@
     </p:spTree>
     <p:extLst>
       <p:ext uri="{BB962C8B-B14F-4D97-AF65-F5344CB8AC3E}">
-        <p14:creationId xmlns:p14="http://schemas.microsoft.com/office/powerpoint/2010/main" xmlns="" val="1169910341"/>
+        <p14:creationId xmlns:p14="http://schemas.microsoft.com/office/powerpoint/2010/main" val="1169910341"/>
       </p:ext>
     </p:extLst>
   </p:cSld>
@@ -5587,7 +6138,7 @@
             <a:fld id="{5D26EDD4-363A-4236-A170-49C0FA725754}" type="slidenum">
               <a:rPr lang="pt-PT" smtClean="0"/>
               <a:pPr/>
-              <a:t>‹nº›</a:t>
+              <a:t>‹#›</a:t>
             </a:fld>
             <a:endParaRPr lang="pt-PT" dirty="0"/>
           </a:p>
@@ -5702,7 +6253,7 @@
     </p:spTree>
     <p:extLst>
       <p:ext uri="{BB962C8B-B14F-4D97-AF65-F5344CB8AC3E}">
-        <p14:creationId xmlns:p14="http://schemas.microsoft.com/office/powerpoint/2010/main" xmlns="" val="2244926200"/>
+        <p14:creationId xmlns:p14="http://schemas.microsoft.com/office/powerpoint/2010/main" val="2244926200"/>
       </p:ext>
     </p:extLst>
   </p:cSld>
@@ -6066,7 +6617,7 @@
             <a:fld id="{5D26EDD4-363A-4236-A170-49C0FA725754}" type="slidenum">
               <a:rPr lang="pt-PT" smtClean="0"/>
               <a:pPr/>
-              <a:t>‹nº›</a:t>
+              <a:t>‹#›</a:t>
             </a:fld>
             <a:endParaRPr lang="pt-PT" dirty="0"/>
           </a:p>
@@ -6113,7 +6664,7 @@
     </p:spTree>
     <p:extLst>
       <p:ext uri="{BB962C8B-B14F-4D97-AF65-F5344CB8AC3E}">
-        <p14:creationId xmlns:p14="http://schemas.microsoft.com/office/powerpoint/2010/main" xmlns="" val="3141152998"/>
+        <p14:creationId xmlns:p14="http://schemas.microsoft.com/office/powerpoint/2010/main" val="3141152998"/>
       </p:ext>
     </p:extLst>
   </p:cSld>
@@ -6280,7 +6831,7 @@
             <a:fld id="{5D26EDD4-363A-4236-A170-49C0FA725754}" type="slidenum">
               <a:rPr lang="pt-PT" smtClean="0"/>
               <a:pPr/>
-              <a:t>‹nº›</a:t>
+              <a:t>‹#›</a:t>
             </a:fld>
             <a:endParaRPr lang="pt-PT" dirty="0"/>
           </a:p>
@@ -6327,7 +6878,7 @@
     </p:spTree>
     <p:extLst>
       <p:ext uri="{BB962C8B-B14F-4D97-AF65-F5344CB8AC3E}">
-        <p14:creationId xmlns:p14="http://schemas.microsoft.com/office/powerpoint/2010/main" xmlns="" val="4127282010"/>
+        <p14:creationId xmlns:p14="http://schemas.microsoft.com/office/powerpoint/2010/main" val="4127282010"/>
       </p:ext>
     </p:extLst>
   </p:cSld>
@@ -6500,7 +7051,7 @@
             <a:fld id="{5D26EDD4-363A-4236-A170-49C0FA725754}" type="slidenum">
               <a:rPr lang="pt-PT" smtClean="0"/>
               <a:pPr/>
-              <a:t>‹nº›</a:t>
+              <a:t>‹#›</a:t>
             </a:fld>
             <a:endParaRPr lang="pt-PT" dirty="0"/>
           </a:p>
@@ -6547,7 +7098,7 @@
     </p:spTree>
     <p:extLst>
       <p:ext uri="{BB962C8B-B14F-4D97-AF65-F5344CB8AC3E}">
-        <p14:creationId xmlns:p14="http://schemas.microsoft.com/office/powerpoint/2010/main" xmlns="" val="1016382411"/>
+        <p14:creationId xmlns:p14="http://schemas.microsoft.com/office/powerpoint/2010/main" val="1016382411"/>
       </p:ext>
     </p:extLst>
   </p:cSld>
@@ -6748,7 +7299,7 @@
             <a:fld id="{5D26EDD4-363A-4236-A170-49C0FA725754}" type="slidenum">
               <a:rPr lang="pt-PT" smtClean="0"/>
               <a:pPr/>
-              <a:t>‹nº›</a:t>
+              <a:t>‹#›</a:t>
             </a:fld>
             <a:endParaRPr lang="pt-PT" dirty="0"/>
           </a:p>
@@ -6757,7 +7308,7 @@
     </p:spTree>
     <p:extLst>
       <p:ext uri="{BB962C8B-B14F-4D97-AF65-F5344CB8AC3E}">
-        <p14:creationId xmlns:p14="http://schemas.microsoft.com/office/powerpoint/2010/main" xmlns="" val="548973029"/>
+        <p14:creationId xmlns:p14="http://schemas.microsoft.com/office/powerpoint/2010/main" val="548973029"/>
       </p:ext>
     </p:extLst>
   </p:cSld>
@@ -6998,7 +7549,7 @@
             <a:fld id="{5D26EDD4-363A-4236-A170-49C0FA725754}" type="slidenum">
               <a:rPr lang="pt-PT" smtClean="0"/>
               <a:pPr/>
-              <a:t>‹nº›</a:t>
+              <a:t>‹#›</a:t>
             </a:fld>
             <a:endParaRPr lang="pt-PT" dirty="0"/>
           </a:p>
@@ -7045,7 +7596,7 @@
     </p:spTree>
     <p:extLst>
       <p:ext uri="{BB962C8B-B14F-4D97-AF65-F5344CB8AC3E}">
-        <p14:creationId xmlns:p14="http://schemas.microsoft.com/office/powerpoint/2010/main" xmlns="" val="963473943"/>
+        <p14:creationId xmlns:p14="http://schemas.microsoft.com/office/powerpoint/2010/main" val="963473943"/>
       </p:ext>
     </p:extLst>
   </p:cSld>
@@ -7312,7 +7863,7 @@
             <a:fld id="{5D26EDD4-363A-4236-A170-49C0FA725754}" type="slidenum">
               <a:rPr lang="pt-PT" smtClean="0"/>
               <a:pPr/>
-              <a:t>‹nº›</a:t>
+              <a:t>‹#›</a:t>
             </a:fld>
             <a:endParaRPr lang="pt-PT" dirty="0"/>
           </a:p>
@@ -7321,7 +7872,7 @@
     </p:spTree>
     <p:extLst>
       <p:ext uri="{BB962C8B-B14F-4D97-AF65-F5344CB8AC3E}">
-        <p14:creationId xmlns:p14="http://schemas.microsoft.com/office/powerpoint/2010/main" xmlns="" val="2490349985"/>
+        <p14:creationId xmlns:p14="http://schemas.microsoft.com/office/powerpoint/2010/main" val="2490349985"/>
       </p:ext>
     </p:extLst>
   </p:cSld>
@@ -7696,7 +8247,7 @@
             <a:fld id="{5D26EDD4-363A-4236-A170-49C0FA725754}" type="slidenum">
               <a:rPr lang="pt-PT" smtClean="0"/>
               <a:pPr/>
-              <a:t>‹nº›</a:t>
+              <a:t>‹#›</a:t>
             </a:fld>
             <a:endParaRPr lang="pt-PT" dirty="0"/>
           </a:p>
@@ -7743,7 +8294,7 @@
     </p:spTree>
     <p:extLst>
       <p:ext uri="{BB962C8B-B14F-4D97-AF65-F5344CB8AC3E}">
-        <p14:creationId xmlns:p14="http://schemas.microsoft.com/office/powerpoint/2010/main" xmlns="" val="1183446009"/>
+        <p14:creationId xmlns:p14="http://schemas.microsoft.com/office/powerpoint/2010/main" val="1183446009"/>
       </p:ext>
     </p:extLst>
   </p:cSld>
@@ -7854,7 +8405,7 @@
             <a:fld id="{5D26EDD4-363A-4236-A170-49C0FA725754}" type="slidenum">
               <a:rPr lang="pt-PT" smtClean="0"/>
               <a:pPr/>
-              <a:t>‹nº›</a:t>
+              <a:t>‹#›</a:t>
             </a:fld>
             <a:endParaRPr lang="pt-PT" dirty="0"/>
           </a:p>
@@ -7901,7 +8452,7 @@
     </p:spTree>
     <p:extLst>
       <p:ext uri="{BB962C8B-B14F-4D97-AF65-F5344CB8AC3E}">
-        <p14:creationId xmlns:p14="http://schemas.microsoft.com/office/powerpoint/2010/main" xmlns="" val="1349716058"/>
+        <p14:creationId xmlns:p14="http://schemas.microsoft.com/office/powerpoint/2010/main" val="1349716058"/>
       </p:ext>
     </p:extLst>
   </p:cSld>
@@ -7989,7 +8540,7 @@
             <a:fld id="{5D26EDD4-363A-4236-A170-49C0FA725754}" type="slidenum">
               <a:rPr lang="pt-PT" smtClean="0"/>
               <a:pPr/>
-              <a:t>‹nº›</a:t>
+              <a:t>‹#›</a:t>
             </a:fld>
             <a:endParaRPr lang="pt-PT" dirty="0"/>
           </a:p>
@@ -7998,7 +8549,7 @@
     </p:spTree>
     <p:extLst>
       <p:ext uri="{BB962C8B-B14F-4D97-AF65-F5344CB8AC3E}">
-        <p14:creationId xmlns:p14="http://schemas.microsoft.com/office/powerpoint/2010/main" xmlns="" val="1135282261"/>
+        <p14:creationId xmlns:p14="http://schemas.microsoft.com/office/powerpoint/2010/main" val="1135282261"/>
       </p:ext>
     </p:extLst>
   </p:cSld>
@@ -8246,7 +8797,7 @@
             <a:fld id="{5D26EDD4-363A-4236-A170-49C0FA725754}" type="slidenum">
               <a:rPr lang="pt-PT" smtClean="0"/>
               <a:pPr/>
-              <a:t>‹nº›</a:t>
+              <a:t>‹#›</a:t>
             </a:fld>
             <a:endParaRPr lang="pt-PT" dirty="0"/>
           </a:p>
@@ -8293,7 +8844,7 @@
     </p:spTree>
     <p:extLst>
       <p:ext uri="{BB962C8B-B14F-4D97-AF65-F5344CB8AC3E}">
-        <p14:creationId xmlns:p14="http://schemas.microsoft.com/office/powerpoint/2010/main" xmlns="" val="3016415161"/>
+        <p14:creationId xmlns:p14="http://schemas.microsoft.com/office/powerpoint/2010/main" val="3016415161"/>
       </p:ext>
     </p:extLst>
   </p:cSld>
@@ -8570,7 +9121,7 @@
             <a:fld id="{5D26EDD4-363A-4236-A170-49C0FA725754}" type="slidenum">
               <a:rPr lang="pt-PT" smtClean="0"/>
               <a:pPr/>
-              <a:t>‹nº›</a:t>
+              <a:t>‹#›</a:t>
             </a:fld>
             <a:endParaRPr lang="pt-PT" dirty="0"/>
           </a:p>
@@ -8579,7 +9130,7 @@
     </p:spTree>
     <p:extLst>
       <p:ext uri="{BB962C8B-B14F-4D97-AF65-F5344CB8AC3E}">
-        <p14:creationId xmlns:p14="http://schemas.microsoft.com/office/powerpoint/2010/main" xmlns="" val="2799130186"/>
+        <p14:creationId xmlns:p14="http://schemas.microsoft.com/office/powerpoint/2010/main" val="2799130186"/>
       </p:ext>
     </p:extLst>
   </p:cSld>
@@ -8623,7 +9174,7 @@
           <a:blip r:embed="rId19" cstate="print">
             <a:extLst>
               <a:ext uri="{28A0092B-C50C-407E-A947-70E740481C1C}">
-                <a14:useLocalDpi xmlns:a14="http://schemas.microsoft.com/office/drawing/2010/main" xmlns="" val="0"/>
+                <a14:useLocalDpi xmlns:a14="http://schemas.microsoft.com/office/drawing/2010/main" val="0"/>
               </a:ext>
             </a:extLst>
           </a:blip>
@@ -8852,7 +9403,7 @@
             <a:fld id="{5D26EDD4-363A-4236-A170-49C0FA725754}" type="slidenum">
               <a:rPr lang="pt-PT" smtClean="0"/>
               <a:pPr/>
-              <a:t>‹nº›</a:t>
+              <a:t>‹#›</a:t>
             </a:fld>
             <a:endParaRPr lang="pt-PT" dirty="0"/>
           </a:p>
@@ -8861,7 +9412,7 @@
     </p:spTree>
     <p:extLst>
       <p:ext uri="{BB962C8B-B14F-4D97-AF65-F5344CB8AC3E}">
-        <p14:creationId xmlns:p14="http://schemas.microsoft.com/office/powerpoint/2010/main" xmlns="" val="3664009446"/>
+        <p14:creationId xmlns:p14="http://schemas.microsoft.com/office/powerpoint/2010/main" val="3664009446"/>
       </p:ext>
     </p:extLst>
   </p:cSld>
@@ -9369,7 +9920,7 @@
     </p:spTree>
     <p:extLst>
       <p:ext uri="{BB962C8B-B14F-4D97-AF65-F5344CB8AC3E}">
-        <p14:creationId xmlns:p14="http://schemas.microsoft.com/office/powerpoint/2010/main" xmlns="" val="404200990"/>
+        <p14:creationId xmlns:p14="http://schemas.microsoft.com/office/powerpoint/2010/main" val="404200990"/>
       </p:ext>
     </p:extLst>
   </p:cSld>
@@ -9405,7 +9956,7 @@
       </p:grpSpPr>
       <p:sp>
         <p:nvSpPr>
-          <p:cNvPr id="2" name="Title 1"/>
+          <p:cNvPr id="4" name="Title 3"/>
           <p:cNvSpPr>
             <a:spLocks noGrp="1"/>
           </p:cNvSpPr>
@@ -9418,33 +9969,558 @@
           <a:bodyPr/>
           <a:lstStyle/>
           <a:p>
+            <a:r>
+              <a:rPr lang="pt-PT" dirty="0" err="1" smtClean="0"/>
+              <a:t>Requirements</a:t>
+            </a:r>
             <a:endParaRPr lang="pt-PT" dirty="0"/>
           </a:p>
         </p:txBody>
       </p:sp>
-      <p:sp>
-        <p:nvSpPr>
-          <p:cNvPr id="3" name="Content Placeholder 2"/>
-          <p:cNvSpPr>
-            <a:spLocks noGrp="1"/>
-          </p:cNvSpPr>
-          <p:nvPr>
-            <p:ph idx="1"/>
-          </p:nvPr>
-        </p:nvSpPr>
-        <p:spPr/>
-        <p:txBody>
-          <a:bodyPr/>
-          <a:lstStyle/>
-          <a:p>
-            <a:endParaRPr lang="pt-PT"/>
-          </a:p>
-        </p:txBody>
-      </p:sp>
+      <p:graphicFrame>
+        <p:nvGraphicFramePr>
+          <p:cNvPr id="6" name="Table 5"/>
+          <p:cNvGraphicFramePr>
+            <a:graphicFrameLocks noGrp="1"/>
+          </p:cNvGraphicFramePr>
+          <p:nvPr>
+            <p:extLst>
+              <p:ext uri="{D42A27DB-BD31-4B8C-83A1-F6EECF244321}">
+                <p14:modId xmlns:p14="http://schemas.microsoft.com/office/powerpoint/2010/main" val="963427250"/>
+              </p:ext>
+            </p:extLst>
+          </p:nvPr>
+        </p:nvGraphicFramePr>
+        <p:xfrm>
+          <a:off x="1785669" y="2665561"/>
+          <a:ext cx="8514269" cy="2604748"/>
+        </p:xfrm>
+        <a:graphic>
+          <a:graphicData uri="http://schemas.openxmlformats.org/drawingml/2006/table">
+            <a:tbl>
+              <a:tblPr>
+                <a:tableStyleId>{5C22544A-7EE6-4342-B048-85BDC9FD1C3A}</a:tableStyleId>
+              </a:tblPr>
+              <a:tblGrid>
+                <a:gridCol w="3895763"/>
+                <a:gridCol w="810882"/>
+                <a:gridCol w="1709905"/>
+                <a:gridCol w="2097719"/>
+              </a:tblGrid>
+              <a:tr h="496882">
+                <a:tc>
+                  <a:txBody>
+                    <a:bodyPr/>
+                    <a:lstStyle/>
+                    <a:p>
+                      <a:pPr algn="l" fontAlgn="b"/>
+                      <a:r>
+                        <a:rPr lang="pt-PT" sz="2000" u="none" strike="noStrike" dirty="0" err="1" smtClean="0">
+                          <a:effectLst/>
+                        </a:rPr>
+                        <a:t>Requirements</a:t>
+                      </a:r>
+                      <a:endParaRPr lang="pt-PT" sz="2000" b="1" i="0" u="none" strike="noStrike" dirty="0">
+                        <a:solidFill>
+                          <a:srgbClr val="000000"/>
+                        </a:solidFill>
+                        <a:effectLst/>
+                        <a:latin typeface="Calibri" panose="020F0502020204030204" pitchFamily="34" charset="0"/>
+                      </a:endParaRPr>
+                    </a:p>
+                  </a:txBody>
+                  <a:tcPr marL="7620" marR="7620" marT="7620" marB="0" anchor="b"/>
+                </a:tc>
+                <a:tc>
+                  <a:txBody>
+                    <a:bodyPr/>
+                    <a:lstStyle/>
+                    <a:p>
+                      <a:pPr algn="l" fontAlgn="b"/>
+                      <a:r>
+                        <a:rPr lang="pt-PT" sz="2000" u="none" strike="noStrike">
+                          <a:effectLst/>
+                        </a:rPr>
+                        <a:t>Nº</a:t>
+                      </a:r>
+                      <a:endParaRPr lang="pt-PT" sz="2000" b="1" i="0" u="none" strike="noStrike">
+                        <a:solidFill>
+                          <a:srgbClr val="000000"/>
+                        </a:solidFill>
+                        <a:effectLst/>
+                        <a:latin typeface="Calibri" panose="020F0502020204030204" pitchFamily="34" charset="0"/>
+                      </a:endParaRPr>
+                    </a:p>
+                  </a:txBody>
+                  <a:tcPr marL="7620" marR="7620" marT="7620" marB="0" anchor="b"/>
+                </a:tc>
+                <a:tc>
+                  <a:txBody>
+                    <a:bodyPr/>
+                    <a:lstStyle/>
+                    <a:p>
+                      <a:pPr algn="l" fontAlgn="b"/>
+                      <a:r>
+                        <a:rPr lang="pt-PT" sz="2000" u="none" strike="noStrike" dirty="0" err="1" smtClean="0">
+                          <a:effectLst/>
+                        </a:rPr>
+                        <a:t>Requirements</a:t>
+                      </a:r>
+                      <a:r>
+                        <a:rPr lang="pt-PT" sz="2000" u="none" strike="noStrike" dirty="0" smtClean="0">
+                          <a:effectLst/>
+                        </a:rPr>
+                        <a:t> </a:t>
+                      </a:r>
+                      <a:r>
+                        <a:rPr lang="pt-PT" sz="2000" u="none" strike="noStrike" dirty="0" err="1" smtClean="0">
+                          <a:effectLst/>
+                        </a:rPr>
+                        <a:t>Delivered</a:t>
+                      </a:r>
+                      <a:endParaRPr lang="pt-PT" sz="2000" b="1" i="0" u="none" strike="noStrike" dirty="0">
+                        <a:solidFill>
+                          <a:srgbClr val="000000"/>
+                        </a:solidFill>
+                        <a:effectLst/>
+                        <a:latin typeface="Calibri" panose="020F0502020204030204" pitchFamily="34" charset="0"/>
+                      </a:endParaRPr>
+                    </a:p>
+                  </a:txBody>
+                  <a:tcPr marL="7620" marR="7620" marT="7620" marB="0" anchor="b"/>
+                </a:tc>
+                <a:tc>
+                  <a:txBody>
+                    <a:bodyPr/>
+                    <a:lstStyle/>
+                    <a:p>
+                      <a:pPr algn="l" fontAlgn="b"/>
+                      <a:r>
+                        <a:rPr lang="pt-PT" sz="2000" u="none" strike="noStrike" dirty="0" err="1" smtClean="0">
+                          <a:effectLst/>
+                        </a:rPr>
+                        <a:t>Requirements</a:t>
+                      </a:r>
+                      <a:r>
+                        <a:rPr lang="pt-PT" sz="2000" u="none" strike="noStrike" dirty="0" smtClean="0">
+                          <a:effectLst/>
+                        </a:rPr>
+                        <a:t> </a:t>
+                      </a:r>
+                      <a:r>
+                        <a:rPr lang="pt-PT" sz="2000" u="none" strike="noStrike" dirty="0" err="1" smtClean="0">
+                          <a:effectLst/>
+                        </a:rPr>
+                        <a:t>not</a:t>
+                      </a:r>
+                      <a:r>
+                        <a:rPr lang="pt-PT" sz="2000" u="none" strike="noStrike" dirty="0" smtClean="0">
+                          <a:effectLst/>
+                        </a:rPr>
+                        <a:t> </a:t>
+                      </a:r>
+                      <a:r>
+                        <a:rPr lang="pt-PT" sz="2000" u="none" strike="noStrike" dirty="0" err="1" smtClean="0">
+                          <a:effectLst/>
+                        </a:rPr>
+                        <a:t>Delivered</a:t>
+                      </a:r>
+                      <a:endParaRPr lang="pt-PT" sz="2000" b="1" i="0" u="none" strike="noStrike" dirty="0">
+                        <a:solidFill>
+                          <a:srgbClr val="000000"/>
+                        </a:solidFill>
+                        <a:effectLst/>
+                        <a:latin typeface="Calibri" panose="020F0502020204030204" pitchFamily="34" charset="0"/>
+                      </a:endParaRPr>
+                    </a:p>
+                  </a:txBody>
+                  <a:tcPr marL="7620" marR="7620" marT="7620" marB="0" anchor="b"/>
+                </a:tc>
+              </a:tr>
+              <a:tr h="496882">
+                <a:tc>
+                  <a:txBody>
+                    <a:bodyPr/>
+                    <a:lstStyle/>
+                    <a:p>
+                      <a:pPr algn="l" fontAlgn="b"/>
+                      <a:r>
+                        <a:rPr lang="pt-PT" sz="2000" u="none" strike="noStrike" dirty="0" err="1" smtClean="0">
+                          <a:effectLst/>
+                        </a:rPr>
+                        <a:t>Functional</a:t>
+                      </a:r>
+                      <a:endParaRPr lang="pt-PT" sz="2000" b="0" i="0" u="none" strike="noStrike" dirty="0">
+                        <a:solidFill>
+                          <a:srgbClr val="000000"/>
+                        </a:solidFill>
+                        <a:effectLst/>
+                        <a:latin typeface="Calibri" panose="020F0502020204030204" pitchFamily="34" charset="0"/>
+                      </a:endParaRPr>
+                    </a:p>
+                  </a:txBody>
+                  <a:tcPr marL="7620" marR="7620" marT="7620" marB="0" anchor="b"/>
+                </a:tc>
+                <a:tc>
+                  <a:txBody>
+                    <a:bodyPr/>
+                    <a:lstStyle/>
+                    <a:p>
+                      <a:pPr algn="r" fontAlgn="b"/>
+                      <a:r>
+                        <a:rPr lang="pt-PT" sz="2000" u="none" strike="noStrike">
+                          <a:effectLst/>
+                        </a:rPr>
+                        <a:t>53</a:t>
+                      </a:r>
+                      <a:endParaRPr lang="pt-PT" sz="2000" b="0" i="0" u="none" strike="noStrike">
+                        <a:solidFill>
+                          <a:srgbClr val="000000"/>
+                        </a:solidFill>
+                        <a:effectLst/>
+                        <a:latin typeface="Calibri" panose="020F0502020204030204" pitchFamily="34" charset="0"/>
+                      </a:endParaRPr>
+                    </a:p>
+                  </a:txBody>
+                  <a:tcPr marL="7620" marR="7620" marT="7620" marB="0" anchor="b"/>
+                </a:tc>
+                <a:tc>
+                  <a:txBody>
+                    <a:bodyPr/>
+                    <a:lstStyle/>
+                    <a:p>
+                      <a:pPr algn="r" fontAlgn="b"/>
+                      <a:r>
+                        <a:rPr lang="pt-PT" sz="2000" u="none" strike="noStrike">
+                          <a:effectLst/>
+                        </a:rPr>
+                        <a:t>51</a:t>
+                      </a:r>
+                      <a:endParaRPr lang="pt-PT" sz="2000" b="0" i="0" u="none" strike="noStrike">
+                        <a:solidFill>
+                          <a:srgbClr val="000000"/>
+                        </a:solidFill>
+                        <a:effectLst/>
+                        <a:latin typeface="Calibri" panose="020F0502020204030204" pitchFamily="34" charset="0"/>
+                      </a:endParaRPr>
+                    </a:p>
+                  </a:txBody>
+                  <a:tcPr marL="7620" marR="7620" marT="7620" marB="0" anchor="b"/>
+                </a:tc>
+                <a:tc>
+                  <a:txBody>
+                    <a:bodyPr/>
+                    <a:lstStyle/>
+                    <a:p>
+                      <a:pPr algn="r" fontAlgn="b"/>
+                      <a:r>
+                        <a:rPr lang="pt-PT" sz="2000" u="none" strike="noStrike">
+                          <a:effectLst/>
+                        </a:rPr>
+                        <a:t>2</a:t>
+                      </a:r>
+                      <a:endParaRPr lang="pt-PT" sz="2000" b="0" i="0" u="none" strike="noStrike">
+                        <a:solidFill>
+                          <a:srgbClr val="000000"/>
+                        </a:solidFill>
+                        <a:effectLst/>
+                        <a:latin typeface="Calibri" panose="020F0502020204030204" pitchFamily="34" charset="0"/>
+                      </a:endParaRPr>
+                    </a:p>
+                  </a:txBody>
+                  <a:tcPr marL="7620" marR="7620" marT="7620" marB="0" anchor="b"/>
+                </a:tc>
+              </a:tr>
+              <a:tr h="496882">
+                <a:tc>
+                  <a:txBody>
+                    <a:bodyPr/>
+                    <a:lstStyle/>
+                    <a:p>
+                      <a:pPr algn="l" fontAlgn="b"/>
+                      <a:r>
+                        <a:rPr lang="pt-PT" sz="2000" u="none" strike="noStrike">
+                          <a:effectLst/>
+                        </a:rPr>
+                        <a:t>Interface</a:t>
+                      </a:r>
+                      <a:endParaRPr lang="pt-PT" sz="2000" b="0" i="0" u="none" strike="noStrike">
+                        <a:solidFill>
+                          <a:srgbClr val="000000"/>
+                        </a:solidFill>
+                        <a:effectLst/>
+                        <a:latin typeface="Calibri" panose="020F0502020204030204" pitchFamily="34" charset="0"/>
+                      </a:endParaRPr>
+                    </a:p>
+                  </a:txBody>
+                  <a:tcPr marL="7620" marR="7620" marT="7620" marB="0" anchor="b"/>
+                </a:tc>
+                <a:tc>
+                  <a:txBody>
+                    <a:bodyPr/>
+                    <a:lstStyle/>
+                    <a:p>
+                      <a:pPr algn="r" fontAlgn="b"/>
+                      <a:r>
+                        <a:rPr lang="pt-PT" sz="2000" u="none" strike="noStrike">
+                          <a:effectLst/>
+                        </a:rPr>
+                        <a:t>11</a:t>
+                      </a:r>
+                      <a:endParaRPr lang="pt-PT" sz="2000" b="0" i="0" u="none" strike="noStrike">
+                        <a:solidFill>
+                          <a:srgbClr val="000000"/>
+                        </a:solidFill>
+                        <a:effectLst/>
+                        <a:latin typeface="Calibri" panose="020F0502020204030204" pitchFamily="34" charset="0"/>
+                      </a:endParaRPr>
+                    </a:p>
+                  </a:txBody>
+                  <a:tcPr marL="7620" marR="7620" marT="7620" marB="0" anchor="b"/>
+                </a:tc>
+                <a:tc>
+                  <a:txBody>
+                    <a:bodyPr/>
+                    <a:lstStyle/>
+                    <a:p>
+                      <a:pPr algn="r" fontAlgn="b"/>
+                      <a:r>
+                        <a:rPr lang="pt-PT" sz="2000" u="none" strike="noStrike">
+                          <a:effectLst/>
+                        </a:rPr>
+                        <a:t>11</a:t>
+                      </a:r>
+                      <a:endParaRPr lang="pt-PT" sz="2000" b="0" i="0" u="none" strike="noStrike">
+                        <a:solidFill>
+                          <a:srgbClr val="000000"/>
+                        </a:solidFill>
+                        <a:effectLst/>
+                        <a:latin typeface="Calibri" panose="020F0502020204030204" pitchFamily="34" charset="0"/>
+                      </a:endParaRPr>
+                    </a:p>
+                  </a:txBody>
+                  <a:tcPr marL="7620" marR="7620" marT="7620" marB="0" anchor="b"/>
+                </a:tc>
+                <a:tc>
+                  <a:txBody>
+                    <a:bodyPr/>
+                    <a:lstStyle/>
+                    <a:p>
+                      <a:pPr algn="r" fontAlgn="b"/>
+                      <a:r>
+                        <a:rPr lang="pt-PT" sz="2000" u="none" strike="noStrike">
+                          <a:effectLst/>
+                        </a:rPr>
+                        <a:t>0</a:t>
+                      </a:r>
+                      <a:endParaRPr lang="pt-PT" sz="2000" b="0" i="0" u="none" strike="noStrike">
+                        <a:solidFill>
+                          <a:srgbClr val="000000"/>
+                        </a:solidFill>
+                        <a:effectLst/>
+                        <a:latin typeface="Calibri" panose="020F0502020204030204" pitchFamily="34" charset="0"/>
+                      </a:endParaRPr>
+                    </a:p>
+                  </a:txBody>
+                  <a:tcPr marL="7620" marR="7620" marT="7620" marB="0" anchor="b"/>
+                </a:tc>
+              </a:tr>
+              <a:tr h="496882">
+                <a:tc>
+                  <a:txBody>
+                    <a:bodyPr/>
+                    <a:lstStyle/>
+                    <a:p>
+                      <a:pPr algn="l" fontAlgn="b"/>
+                      <a:r>
+                        <a:rPr lang="pt-PT" sz="2000" u="none" strike="noStrike">
+                          <a:effectLst/>
+                        </a:rPr>
+                        <a:t>Performance</a:t>
+                      </a:r>
+                      <a:endParaRPr lang="pt-PT" sz="2000" b="0" i="0" u="none" strike="noStrike">
+                        <a:solidFill>
+                          <a:srgbClr val="000000"/>
+                        </a:solidFill>
+                        <a:effectLst/>
+                        <a:latin typeface="Calibri" panose="020F0502020204030204" pitchFamily="34" charset="0"/>
+                      </a:endParaRPr>
+                    </a:p>
+                  </a:txBody>
+                  <a:tcPr marL="7620" marR="7620" marT="7620" marB="0" anchor="b"/>
+                </a:tc>
+                <a:tc>
+                  <a:txBody>
+                    <a:bodyPr/>
+                    <a:lstStyle/>
+                    <a:p>
+                      <a:pPr algn="r" fontAlgn="b"/>
+                      <a:r>
+                        <a:rPr lang="pt-PT" sz="2000" u="none" strike="noStrike">
+                          <a:effectLst/>
+                        </a:rPr>
+                        <a:t>2</a:t>
+                      </a:r>
+                      <a:endParaRPr lang="pt-PT" sz="2000" b="0" i="0" u="none" strike="noStrike">
+                        <a:solidFill>
+                          <a:srgbClr val="000000"/>
+                        </a:solidFill>
+                        <a:effectLst/>
+                        <a:latin typeface="Calibri" panose="020F0502020204030204" pitchFamily="34" charset="0"/>
+                      </a:endParaRPr>
+                    </a:p>
+                  </a:txBody>
+                  <a:tcPr marL="7620" marR="7620" marT="7620" marB="0" anchor="b"/>
+                </a:tc>
+                <a:tc>
+                  <a:txBody>
+                    <a:bodyPr/>
+                    <a:lstStyle/>
+                    <a:p>
+                      <a:pPr algn="r" fontAlgn="b"/>
+                      <a:r>
+                        <a:rPr lang="pt-PT" sz="2000" u="none" strike="noStrike">
+                          <a:effectLst/>
+                        </a:rPr>
+                        <a:t>2</a:t>
+                      </a:r>
+                      <a:endParaRPr lang="pt-PT" sz="2000" b="0" i="0" u="none" strike="noStrike">
+                        <a:solidFill>
+                          <a:srgbClr val="000000"/>
+                        </a:solidFill>
+                        <a:effectLst/>
+                        <a:latin typeface="Calibri" panose="020F0502020204030204" pitchFamily="34" charset="0"/>
+                      </a:endParaRPr>
+                    </a:p>
+                  </a:txBody>
+                  <a:tcPr marL="7620" marR="7620" marT="7620" marB="0" anchor="b"/>
+                </a:tc>
+                <a:tc>
+                  <a:txBody>
+                    <a:bodyPr/>
+                    <a:lstStyle/>
+                    <a:p>
+                      <a:pPr algn="r" fontAlgn="b"/>
+                      <a:r>
+                        <a:rPr lang="pt-PT" sz="2000" u="none" strike="noStrike">
+                          <a:effectLst/>
+                        </a:rPr>
+                        <a:t>0</a:t>
+                      </a:r>
+                      <a:endParaRPr lang="pt-PT" sz="2000" b="0" i="0" u="none" strike="noStrike">
+                        <a:solidFill>
+                          <a:srgbClr val="000000"/>
+                        </a:solidFill>
+                        <a:effectLst/>
+                        <a:latin typeface="Calibri" panose="020F0502020204030204" pitchFamily="34" charset="0"/>
+                      </a:endParaRPr>
+                    </a:p>
+                  </a:txBody>
+                  <a:tcPr marL="7620" marR="7620" marT="7620" marB="0" anchor="b"/>
+                </a:tc>
+              </a:tr>
+              <a:tr h="496882">
+                <a:tc>
+                  <a:txBody>
+                    <a:bodyPr/>
+                    <a:lstStyle/>
+                    <a:p>
+                      <a:pPr algn="l" fontAlgn="b"/>
+                      <a:r>
+                        <a:rPr lang="pt-PT" sz="2000" u="none" strike="noStrike">
+                          <a:effectLst/>
+                        </a:rPr>
+                        <a:t>Total</a:t>
+                      </a:r>
+                      <a:endParaRPr lang="pt-PT" sz="2000" b="0" i="0" u="none" strike="noStrike">
+                        <a:solidFill>
+                          <a:srgbClr val="000000"/>
+                        </a:solidFill>
+                        <a:effectLst/>
+                        <a:latin typeface="Calibri" panose="020F0502020204030204" pitchFamily="34" charset="0"/>
+                      </a:endParaRPr>
+                    </a:p>
+                  </a:txBody>
+                  <a:tcPr marL="7620" marR="7620" marT="7620" marB="0" anchor="b"/>
+                </a:tc>
+                <a:tc>
+                  <a:txBody>
+                    <a:bodyPr/>
+                    <a:lstStyle/>
+                    <a:p>
+                      <a:pPr algn="r" fontAlgn="b"/>
+                      <a:r>
+                        <a:rPr lang="pt-PT" sz="2000" u="none" strike="noStrike">
+                          <a:effectLst/>
+                        </a:rPr>
+                        <a:t>66</a:t>
+                      </a:r>
+                      <a:endParaRPr lang="pt-PT" sz="2000" b="0" i="0" u="none" strike="noStrike">
+                        <a:solidFill>
+                          <a:srgbClr val="000000"/>
+                        </a:solidFill>
+                        <a:effectLst/>
+                        <a:latin typeface="Calibri" panose="020F0502020204030204" pitchFamily="34" charset="0"/>
+                      </a:endParaRPr>
+                    </a:p>
+                  </a:txBody>
+                  <a:tcPr marL="7620" marR="7620" marT="7620" marB="0" anchor="b"/>
+                </a:tc>
+                <a:tc>
+                  <a:txBody>
+                    <a:bodyPr/>
+                    <a:lstStyle/>
+                    <a:p>
+                      <a:pPr algn="r" fontAlgn="b"/>
+                      <a:r>
+                        <a:rPr lang="pt-PT" sz="2000" u="none" strike="noStrike">
+                          <a:effectLst/>
+                        </a:rPr>
+                        <a:t>64</a:t>
+                      </a:r>
+                      <a:endParaRPr lang="pt-PT" sz="2000" b="0" i="0" u="none" strike="noStrike">
+                        <a:solidFill>
+                          <a:srgbClr val="000000"/>
+                        </a:solidFill>
+                        <a:effectLst/>
+                        <a:latin typeface="Calibri" panose="020F0502020204030204" pitchFamily="34" charset="0"/>
+                      </a:endParaRPr>
+                    </a:p>
+                  </a:txBody>
+                  <a:tcPr marL="7620" marR="7620" marT="7620" marB="0" anchor="b"/>
+                </a:tc>
+                <a:tc>
+                  <a:txBody>
+                    <a:bodyPr/>
+                    <a:lstStyle/>
+                    <a:p>
+                      <a:pPr algn="r" fontAlgn="b"/>
+                      <a:r>
+                        <a:rPr lang="pt-PT" sz="2000" u="none" strike="noStrike" dirty="0">
+                          <a:effectLst/>
+                        </a:rPr>
+                        <a:t>2</a:t>
+                      </a:r>
+                      <a:endParaRPr lang="pt-PT" sz="2000" b="0" i="0" u="none" strike="noStrike" dirty="0">
+                        <a:solidFill>
+                          <a:srgbClr val="000000"/>
+                        </a:solidFill>
+                        <a:effectLst/>
+                        <a:latin typeface="Calibri" panose="020F0502020204030204" pitchFamily="34" charset="0"/>
+                      </a:endParaRPr>
+                    </a:p>
+                  </a:txBody>
+                  <a:tcPr marL="7620" marR="7620" marT="7620" marB="0" anchor="b"/>
+                </a:tc>
+              </a:tr>
+            </a:tbl>
+          </a:graphicData>
+        </a:graphic>
+      </p:graphicFrame>
     </p:spTree>
     <p:extLst>
       <p:ext uri="{BB962C8B-B14F-4D97-AF65-F5344CB8AC3E}">
-        <p14:creationId xmlns:p14="http://schemas.microsoft.com/office/powerpoint/2010/main" xmlns="" val="3857988853"/>
+        <p14:creationId xmlns:p14="http://schemas.microsoft.com/office/powerpoint/2010/main" val="2960815596"/>
       </p:ext>
     </p:extLst>
   </p:cSld>
@@ -9480,7 +10556,7 @@
       </p:grpSpPr>
       <p:sp>
         <p:nvSpPr>
-          <p:cNvPr id="2" name="Título 1"/>
+          <p:cNvPr id="2" name="Title 1"/>
           <p:cNvSpPr>
             <a:spLocks noGrp="1"/>
           </p:cNvSpPr>
@@ -9494,41 +10570,167 @@
           <a:lstStyle/>
           <a:p>
             <a:r>
-              <a:rPr lang="en-US" dirty="0" smtClean="0"/>
-              <a:t>Project Quality</a:t>
-            </a:r>
-            <a:endParaRPr lang="en-US" dirty="0"/>
-          </a:p>
-        </p:txBody>
-      </p:sp>
-      <p:sp>
-        <p:nvSpPr>
-          <p:cNvPr id="3" name="Marcador de Posição do Texto 2"/>
-          <p:cNvSpPr>
-            <a:spLocks noGrp="1"/>
-          </p:cNvSpPr>
-          <p:nvPr>
-            <p:ph type="body" idx="1"/>
+              <a:rPr lang="pt-PT" dirty="0" err="1" smtClean="0"/>
+              <a:t>Requirements</a:t>
+            </a:r>
+            <a:r>
+              <a:rPr lang="pt-PT" dirty="0" smtClean="0"/>
+              <a:t> </a:t>
+            </a:r>
+            <a:r>
+              <a:rPr lang="pt-PT" dirty="0" err="1" smtClean="0"/>
+              <a:t>conclusion</a:t>
+            </a:r>
+            <a:endParaRPr lang="pt-PT" dirty="0"/>
+          </a:p>
+        </p:txBody>
+      </p:sp>
+      <p:sp>
+        <p:nvSpPr>
+          <p:cNvPr id="3" name="Content Placeholder 2"/>
+          <p:cNvSpPr>
+            <a:spLocks noGrp="1"/>
+          </p:cNvSpPr>
+          <p:nvPr>
+            <p:ph idx="1"/>
           </p:nvPr>
         </p:nvSpPr>
         <p:spPr/>
         <p:txBody>
-          <a:bodyPr/>
+          <a:bodyPr>
+            <a:normAutofit/>
+          </a:bodyPr>
           <a:lstStyle/>
           <a:p>
-            <a:r>
-              <a:rPr lang="pt-PT" dirty="0" smtClean="0"/>
-              <a:t>Carla Machado</a:t>
-            </a:r>
-            <a:endParaRPr lang="pt-PT" dirty="0"/>
+            <a:pPr algn="ctr"/>
+            <a:r>
+              <a:rPr lang="pt-PT" sz="3200" dirty="0" smtClean="0"/>
+              <a:t>97% </a:t>
+            </a:r>
+            <a:r>
+              <a:rPr lang="pt-PT" sz="3200" dirty="0" err="1" smtClean="0"/>
+              <a:t>of</a:t>
+            </a:r>
+            <a:r>
+              <a:rPr lang="pt-PT" sz="3200" dirty="0" smtClean="0"/>
+              <a:t> </a:t>
+            </a:r>
+            <a:r>
+              <a:rPr lang="pt-PT" sz="3200" dirty="0" err="1" smtClean="0"/>
+              <a:t>the</a:t>
+            </a:r>
+            <a:r>
+              <a:rPr lang="pt-PT" sz="3200" dirty="0" smtClean="0"/>
+              <a:t> </a:t>
+            </a:r>
+            <a:r>
+              <a:rPr lang="pt-PT" sz="3200" dirty="0" err="1" smtClean="0"/>
+              <a:t>Requirements</a:t>
+            </a:r>
+            <a:r>
+              <a:rPr lang="pt-PT" sz="3200" dirty="0" smtClean="0"/>
+              <a:t> </a:t>
+            </a:r>
+            <a:r>
+              <a:rPr lang="pt-PT" sz="3200" dirty="0" err="1" smtClean="0"/>
+              <a:t>were</a:t>
+            </a:r>
+            <a:r>
+              <a:rPr lang="pt-PT" sz="3200" dirty="0" smtClean="0"/>
+              <a:t> </a:t>
+            </a:r>
+            <a:r>
+              <a:rPr lang="pt-PT" sz="3200" dirty="0" err="1" smtClean="0"/>
+              <a:t>delivered</a:t>
+            </a:r>
+            <a:endParaRPr lang="pt-PT" sz="3200" dirty="0"/>
+          </a:p>
+          <a:p>
+            <a:pPr algn="ctr"/>
+            <a:endParaRPr lang="pt-PT" sz="3200" dirty="0" smtClean="0"/>
+          </a:p>
+          <a:p>
+            <a:pPr algn="ctr"/>
+            <a:r>
+              <a:rPr lang="pt-PT" sz="3200" dirty="0" err="1" smtClean="0"/>
+              <a:t>Requirements</a:t>
+            </a:r>
+            <a:r>
+              <a:rPr lang="pt-PT" sz="3200" dirty="0" smtClean="0"/>
+              <a:t> </a:t>
+            </a:r>
+            <a:r>
+              <a:rPr lang="pt-PT" sz="3200" dirty="0" err="1" smtClean="0"/>
+              <a:t>not</a:t>
+            </a:r>
+            <a:r>
+              <a:rPr lang="pt-PT" sz="3200" dirty="0" smtClean="0"/>
+              <a:t> </a:t>
+            </a:r>
+            <a:r>
+              <a:rPr lang="pt-PT" sz="3200" dirty="0" err="1" smtClean="0"/>
+              <a:t>Delivered</a:t>
+            </a:r>
+            <a:r>
+              <a:rPr lang="pt-PT" sz="3200" dirty="0" smtClean="0"/>
+              <a:t>:</a:t>
+            </a:r>
+          </a:p>
+          <a:p>
+            <a:pPr algn="ctr">
+              <a:buFont typeface="Arial" panose="020B0604020202020204" pitchFamily="34" charset="0"/>
+              <a:buChar char="•"/>
+            </a:pPr>
+            <a:r>
+              <a:rPr lang="pt-PT" sz="3200" dirty="0"/>
+              <a:t>12CIT-003:ConfigureInactiveTime.Validate.False</a:t>
+            </a:r>
+            <a:endParaRPr lang="pt-PT" sz="3200" dirty="0">
+              <a:solidFill>
+                <a:srgbClr val="000000"/>
+              </a:solidFill>
+              <a:latin typeface="Calibri" panose="020F0502020204030204" pitchFamily="34" charset="0"/>
+            </a:endParaRPr>
+          </a:p>
+          <a:p>
+            <a:pPr algn="ctr">
+              <a:buFont typeface="Arial" panose="020B0604020202020204" pitchFamily="34" charset="0"/>
+              <a:buChar char="•"/>
+            </a:pPr>
+            <a:r>
+              <a:rPr lang="pt-PT" sz="3200" dirty="0"/>
+              <a:t>1CT-004:Task.create.AutoComplete</a:t>
+            </a:r>
+            <a:endParaRPr lang="pt-PT" sz="3200" dirty="0">
+              <a:solidFill>
+                <a:srgbClr val="000000"/>
+              </a:solidFill>
+              <a:latin typeface="Calibri" panose="020F0502020204030204" pitchFamily="34" charset="0"/>
+            </a:endParaRPr>
+          </a:p>
+          <a:p>
+            <a:pPr algn="ctr"/>
+            <a:endParaRPr lang="pt-PT" sz="3200" dirty="0"/>
           </a:p>
         </p:txBody>
       </p:sp>
     </p:spTree>
+    <p:extLst>
+      <p:ext uri="{BB962C8B-B14F-4D97-AF65-F5344CB8AC3E}">
+        <p14:creationId xmlns:p14="http://schemas.microsoft.com/office/powerpoint/2010/main" val="1314162854"/>
+      </p:ext>
+    </p:extLst>
   </p:cSld>
   <p:clrMapOvr>
     <a:masterClrMapping/>
   </p:clrMapOvr>
+  <p:timing>
+    <p:tnLst>
+      <p:par>
+        <p:cTn id="1" dur="indefinite" restart="never" nodeType="tmRoot"/>
+      </p:par>
+    </p:tnLst>
+  </p:timing>
 </p:sld>
 </file>
 
@@ -9551,7 +10753,7 @@
       </p:grpSpPr>
       <p:sp>
         <p:nvSpPr>
-          <p:cNvPr id="2" name="Title 1"/>
+          <p:cNvPr id="4" name="Title 3"/>
           <p:cNvSpPr>
             <a:spLocks noGrp="1"/>
           </p:cNvSpPr>
@@ -9566,88 +10768,43 @@
           <a:p>
             <a:r>
               <a:rPr lang="en-US" dirty="0" smtClean="0"/>
-              <a:t>Processes and Process Analysis</a:t>
+              <a:t>Document </a:t>
+            </a:r>
+            <a:r>
+              <a:rPr lang="en-US" dirty="0" err="1" smtClean="0"/>
+              <a:t>Managment</a:t>
+            </a:r>
+            <a:endParaRPr lang="en-US" dirty="0"/>
+          </a:p>
+        </p:txBody>
+      </p:sp>
+      <p:sp>
+        <p:nvSpPr>
+          <p:cNvPr id="5" name="Text Placeholder 4"/>
+          <p:cNvSpPr>
+            <a:spLocks noGrp="1"/>
+          </p:cNvSpPr>
+          <p:nvPr>
+            <p:ph type="body" idx="1"/>
+          </p:nvPr>
+        </p:nvSpPr>
+        <p:spPr/>
+        <p:txBody>
+          <a:bodyPr/>
+          <a:lstStyle/>
+          <a:p>
+            <a:r>
+              <a:rPr lang="pt-PT" dirty="0" smtClean="0"/>
+              <a:t>Mário Oliveira</a:t>
             </a:r>
             <a:endParaRPr lang="pt-PT" dirty="0"/>
-          </a:p>
-        </p:txBody>
-      </p:sp>
-      <p:sp>
-        <p:nvSpPr>
-          <p:cNvPr id="3" name="Content Placeholder 2"/>
-          <p:cNvSpPr>
-            <a:spLocks noGrp="1"/>
-          </p:cNvSpPr>
-          <p:nvPr>
-            <p:ph idx="1"/>
-          </p:nvPr>
-        </p:nvSpPr>
-        <p:spPr/>
-        <p:txBody>
-          <a:bodyPr>
-            <a:normAutofit fontScale="92500" lnSpcReduction="10000"/>
-          </a:bodyPr>
-          <a:lstStyle/>
-          <a:p>
-            <a:r>
-              <a:rPr lang="en-US" dirty="0" smtClean="0"/>
-              <a:t>Document Management Process</a:t>
-            </a:r>
-          </a:p>
-          <a:p>
-            <a:pPr lvl="1"/>
-            <a:r>
-              <a:rPr lang="en-US" dirty="0" smtClean="0"/>
-              <a:t>It was followed in the majority of documents although some unconformities were detected </a:t>
-            </a:r>
-          </a:p>
-          <a:p>
-            <a:pPr lvl="2"/>
-            <a:r>
-              <a:rPr lang="en-US" dirty="0" smtClean="0"/>
-              <a:t>Not following correctly the hierarchy for the different roles</a:t>
-            </a:r>
-          </a:p>
-          <a:p>
-            <a:pPr lvl="1"/>
-            <a:r>
-              <a:rPr lang="en-US" dirty="0" smtClean="0"/>
-              <a:t>The process lacked flexibility in choosing the persons for the different roles</a:t>
-            </a:r>
-          </a:p>
-          <a:p>
-            <a:r>
-              <a:rPr lang="en-US" dirty="0" smtClean="0"/>
-              <a:t>Project Assessment and Control Process</a:t>
-            </a:r>
-          </a:p>
-          <a:p>
-            <a:pPr lvl="1"/>
-            <a:r>
-              <a:rPr lang="en-US" dirty="0" smtClean="0"/>
-              <a:t>Project and risk control weren’t very accurate</a:t>
-            </a:r>
-          </a:p>
-          <a:p>
-            <a:pPr lvl="2"/>
-            <a:r>
-              <a:rPr lang="en-US" dirty="0" smtClean="0"/>
-              <a:t>Process wasn’t always exactly followed</a:t>
-            </a:r>
-          </a:p>
-          <a:p>
-            <a:pPr lvl="2"/>
-            <a:r>
-              <a:rPr lang="en-US" dirty="0" smtClean="0"/>
-              <a:t>Problems with some of the used tools</a:t>
-            </a:r>
           </a:p>
         </p:txBody>
       </p:sp>
     </p:spTree>
     <p:extLst>
       <p:ext uri="{BB962C8B-B14F-4D97-AF65-F5344CB8AC3E}">
-        <p14:creationId xmlns:p14="http://schemas.microsoft.com/office/powerpoint/2010/main" xmlns="" val="3857988853"/>
+        <p14:creationId xmlns:p14="http://schemas.microsoft.com/office/powerpoint/2010/main" val="1350559237"/>
       </p:ext>
     </p:extLst>
   </p:cSld>
@@ -9683,7 +10840,7 @@
       </p:grpSpPr>
       <p:sp>
         <p:nvSpPr>
-          <p:cNvPr id="2" name="Título 1"/>
+          <p:cNvPr id="2" name="Title 1"/>
           <p:cNvSpPr>
             <a:spLocks noGrp="1"/>
           </p:cNvSpPr>
@@ -9696,17 +10853,13 @@
           <a:bodyPr/>
           <a:lstStyle/>
           <a:p>
-            <a:r>
-              <a:rPr lang="en-US" dirty="0" smtClean="0"/>
-              <a:t>Processes and Process Analysis</a:t>
-            </a:r>
             <a:endParaRPr lang="pt-PT" dirty="0"/>
           </a:p>
         </p:txBody>
       </p:sp>
       <p:sp>
         <p:nvSpPr>
-          <p:cNvPr id="3" name="Marcador de Posição de Conteúdo 2"/>
+          <p:cNvPr id="3" name="Content Placeholder 2"/>
           <p:cNvSpPr>
             <a:spLocks noGrp="1"/>
           </p:cNvSpPr>
@@ -9716,57 +10869,30 @@
         </p:nvSpPr>
         <p:spPr/>
         <p:txBody>
-          <a:bodyPr>
-            <a:normAutofit/>
-          </a:bodyPr>
+          <a:bodyPr/>
           <a:lstStyle/>
           <a:p>
-            <a:r>
-              <a:rPr lang="en-US" dirty="0" smtClean="0"/>
-              <a:t>Project Planning Process</a:t>
-            </a:r>
-          </a:p>
-          <a:p>
-            <a:pPr lvl="1"/>
-            <a:r>
-              <a:rPr lang="en-US" dirty="0" smtClean="0"/>
-              <a:t>Plan was updated</a:t>
-            </a:r>
-          </a:p>
-          <a:p>
-            <a:pPr lvl="2"/>
-            <a:r>
-              <a:rPr lang="en-US" dirty="0" smtClean="0"/>
-              <a:t>Redefinition of some concepts - milestones</a:t>
-            </a:r>
-          </a:p>
-          <a:p>
-            <a:r>
-              <a:rPr lang="en-US" dirty="0" smtClean="0"/>
-              <a:t>Requirements Analysis Process</a:t>
-            </a:r>
-          </a:p>
-          <a:p>
-            <a:pPr lvl="1"/>
-            <a:r>
-              <a:rPr lang="en-US" dirty="0" smtClean="0"/>
-              <a:t>Major unconformity</a:t>
-            </a:r>
-          </a:p>
-          <a:p>
-            <a:pPr lvl="2"/>
-            <a:r>
-              <a:rPr lang="en-US" dirty="0" smtClean="0"/>
-              <a:t> changes were made that didn´t follow the change requirements process and documentation wasn’t updated </a:t>
-            </a:r>
+            <a:endParaRPr lang="pt-PT"/>
           </a:p>
         </p:txBody>
       </p:sp>
     </p:spTree>
+    <p:extLst>
+      <p:ext uri="{BB962C8B-B14F-4D97-AF65-F5344CB8AC3E}">
+        <p14:creationId xmlns:p14="http://schemas.microsoft.com/office/powerpoint/2010/main" val="3857988853"/>
+      </p:ext>
+    </p:extLst>
   </p:cSld>
   <p:clrMapOvr>
     <a:masterClrMapping/>
   </p:clrMapOvr>
+  <p:timing>
+    <p:tnLst>
+      <p:par>
+        <p:cTn id="1" dur="indefinite" restart="never" nodeType="tmRoot"/>
+      </p:par>
+    </p:tnLst>
+  </p:timing>
 </p:sld>
 </file>
 
@@ -9804,81 +10930,32 @@
           <a:p>
             <a:r>
               <a:rPr lang="en-US" dirty="0" smtClean="0"/>
-              <a:t>Processes and Process Analysis</a:t>
+              <a:t>Project Quality</a:t>
+            </a:r>
+            <a:endParaRPr lang="en-US" dirty="0"/>
+          </a:p>
+        </p:txBody>
+      </p:sp>
+      <p:sp>
+        <p:nvSpPr>
+          <p:cNvPr id="3" name="Marcador de Posição do Texto 2"/>
+          <p:cNvSpPr>
+            <a:spLocks noGrp="1"/>
+          </p:cNvSpPr>
+          <p:nvPr>
+            <p:ph type="body" idx="1"/>
+          </p:nvPr>
+        </p:nvSpPr>
+        <p:spPr/>
+        <p:txBody>
+          <a:bodyPr/>
+          <a:lstStyle/>
+          <a:p>
+            <a:r>
+              <a:rPr lang="pt-PT" dirty="0" smtClean="0"/>
+              <a:t>Carla Machado</a:t>
             </a:r>
             <a:endParaRPr lang="pt-PT" dirty="0"/>
-          </a:p>
-        </p:txBody>
-      </p:sp>
-      <p:sp>
-        <p:nvSpPr>
-          <p:cNvPr id="3" name="Marcador de Posição de Conteúdo 2"/>
-          <p:cNvSpPr>
-            <a:spLocks noGrp="1"/>
-          </p:cNvSpPr>
-          <p:nvPr>
-            <p:ph idx="1"/>
-          </p:nvPr>
-        </p:nvSpPr>
-        <p:spPr/>
-        <p:txBody>
-          <a:bodyPr>
-            <a:normAutofit lnSpcReduction="10000"/>
-          </a:bodyPr>
-          <a:lstStyle/>
-          <a:p>
-            <a:r>
-              <a:rPr lang="en-US" dirty="0" smtClean="0"/>
-              <a:t>Review Process</a:t>
-            </a:r>
-          </a:p>
-          <a:p>
-            <a:pPr lvl="1"/>
-            <a:r>
-              <a:rPr lang="en-US" dirty="0" smtClean="0"/>
-              <a:t>Major unconformity associated with the walkthrough </a:t>
-            </a:r>
-          </a:p>
-          <a:p>
-            <a:pPr lvl="2"/>
-            <a:r>
-              <a:rPr lang="en-US" dirty="0" smtClean="0"/>
-              <a:t>The process wasn´t followed and measures weren’t recorded</a:t>
-            </a:r>
-          </a:p>
-          <a:p>
-            <a:r>
-              <a:rPr lang="en-US" dirty="0" smtClean="0"/>
-              <a:t>Verification &amp; Validation Process </a:t>
-            </a:r>
-          </a:p>
-          <a:p>
-            <a:pPr lvl="1"/>
-            <a:r>
-              <a:rPr lang="en-US" dirty="0" smtClean="0"/>
-              <a:t>Doesn’t mention ad-hoc testing</a:t>
-            </a:r>
-          </a:p>
-          <a:p>
-            <a:pPr lvl="2"/>
-            <a:r>
-              <a:rPr lang="en-US" dirty="0" smtClean="0"/>
-              <a:t>How to report defects not associated with tests</a:t>
-            </a:r>
-          </a:p>
-          <a:p>
-            <a:pPr lvl="1"/>
-            <a:r>
-              <a:rPr lang="en-US" dirty="0" smtClean="0"/>
-              <a:t>What to do in cases of reopen</a:t>
-            </a:r>
-          </a:p>
-          <a:p>
-            <a:pPr lvl="1"/>
-            <a:r>
-              <a:rPr lang="en-US" dirty="0" smtClean="0"/>
-              <a:t>Test plan wasn’t concluded</a:t>
-            </a:r>
           </a:p>
         </p:txBody>
       </p:sp>
@@ -9887,6 +10964,13 @@
   <p:clrMapOvr>
     <a:masterClrMapping/>
   </p:clrMapOvr>
+  <p:timing>
+    <p:tnLst>
+      <p:par>
+        <p:cTn id="1" dur="indefinite" restart="never" nodeType="tmRoot"/>
+      </p:par>
+    </p:tnLst>
+  </p:timing>
 </p:sld>
 </file>
 
@@ -9909,7 +10993,7 @@
       </p:grpSpPr>
       <p:sp>
         <p:nvSpPr>
-          <p:cNvPr id="2" name="Título 1"/>
+          <p:cNvPr id="2" name="Title 1"/>
           <p:cNvSpPr>
             <a:spLocks noGrp="1"/>
           </p:cNvSpPr>
@@ -9932,7 +11016,7 @@
       </p:sp>
       <p:sp>
         <p:nvSpPr>
-          <p:cNvPr id="3" name="Marcador de Posição de Conteúdo 2"/>
+          <p:cNvPr id="3" name="Content Placeholder 2"/>
           <p:cNvSpPr>
             <a:spLocks noGrp="1"/>
           </p:cNvSpPr>
@@ -9942,45 +11026,83 @@
         </p:nvSpPr>
         <p:spPr/>
         <p:txBody>
-          <a:bodyPr/>
+          <a:bodyPr>
+            <a:normAutofit fontScale="92500" lnSpcReduction="10000"/>
+          </a:bodyPr>
           <a:lstStyle/>
           <a:p>
             <a:r>
               <a:rPr lang="en-US" dirty="0" smtClean="0"/>
-              <a:t>Common issues in following the processes</a:t>
+              <a:t>Document Management Process</a:t>
             </a:r>
           </a:p>
           <a:p>
             <a:pPr lvl="1"/>
             <a:r>
               <a:rPr lang="en-US" dirty="0" smtClean="0"/>
-              <a:t>Process measures weren’t always recorded or updated timely</a:t>
+              <a:t>It was followed in the majority of documents although some unconformities were detected </a:t>
+            </a:r>
+          </a:p>
+          <a:p>
+            <a:pPr lvl="2"/>
+            <a:r>
+              <a:rPr lang="en-US" dirty="0" smtClean="0"/>
+              <a:t>Not following correctly the hierarchy for the different roles</a:t>
             </a:r>
           </a:p>
           <a:p>
             <a:pPr lvl="1"/>
             <a:r>
               <a:rPr lang="en-US" dirty="0" smtClean="0"/>
-              <a:t>The processes weren’t always exactly followed as defined</a:t>
+              <a:t>The process lacked flexibility in choosing the persons for the different roles</a:t>
+            </a:r>
+          </a:p>
+          <a:p>
+            <a:r>
+              <a:rPr lang="en-US" dirty="0" smtClean="0"/>
+              <a:t>Project Assessment and Control Process</a:t>
             </a:r>
           </a:p>
           <a:p>
             <a:pPr lvl="1"/>
             <a:r>
               <a:rPr lang="en-US" dirty="0" smtClean="0"/>
-              <a:t>Some processes were overcomplicated for the team and project needs</a:t>
-            </a:r>
-          </a:p>
-          <a:p>
-            <a:endParaRPr lang="pt-PT" dirty="0"/>
+              <a:t>Project and risk control weren’t very accurate</a:t>
+            </a:r>
+          </a:p>
+          <a:p>
+            <a:pPr lvl="2"/>
+            <a:r>
+              <a:rPr lang="en-US" dirty="0" smtClean="0"/>
+              <a:t>Process wasn’t always exactly followed</a:t>
+            </a:r>
+          </a:p>
+          <a:p>
+            <a:pPr lvl="2"/>
+            <a:r>
+              <a:rPr lang="en-US" dirty="0" smtClean="0"/>
+              <a:t>Problems with some of the used tools</a:t>
+            </a:r>
           </a:p>
         </p:txBody>
       </p:sp>
     </p:spTree>
+    <p:extLst>
+      <p:ext uri="{BB962C8B-B14F-4D97-AF65-F5344CB8AC3E}">
+        <p14:creationId xmlns:p14="http://schemas.microsoft.com/office/powerpoint/2010/main" val="3857988853"/>
+      </p:ext>
+    </p:extLst>
   </p:cSld>
   <p:clrMapOvr>
     <a:masterClrMapping/>
   </p:clrMapOvr>
+  <p:timing>
+    <p:tnLst>
+      <p:par>
+        <p:cTn id="1" dur="indefinite" restart="never" nodeType="tmRoot"/>
+      </p:par>
+    </p:tnLst>
+  </p:timing>
 </p:sld>
 </file>
 
@@ -10018,7 +11140,7 @@
           <a:p>
             <a:r>
               <a:rPr lang="en-US" dirty="0" smtClean="0"/>
-              <a:t>Quality Activities</a:t>
+              <a:t>Processes and Process Analysis</a:t>
             </a:r>
             <a:endParaRPr lang="pt-PT" dirty="0"/>
           </a:p>
@@ -10037,67 +11159,47 @@
         <p:spPr/>
         <p:txBody>
           <a:bodyPr>
-            <a:normAutofit fontScale="85000" lnSpcReduction="20000"/>
+            <a:normAutofit/>
           </a:bodyPr>
           <a:lstStyle/>
           <a:p>
             <a:r>
               <a:rPr lang="en-US" dirty="0" smtClean="0"/>
-              <a:t>Reviews</a:t>
+              <a:t>Project Planning Process</a:t>
             </a:r>
           </a:p>
           <a:p>
             <a:pPr lvl="1"/>
             <a:r>
               <a:rPr lang="en-US" dirty="0" smtClean="0"/>
-              <a:t>Inspections</a:t>
+              <a:t>Plan was updated</a:t>
+            </a:r>
+          </a:p>
+          <a:p>
+            <a:pPr lvl="2"/>
+            <a:r>
+              <a:rPr lang="en-US" dirty="0" smtClean="0"/>
+              <a:t>Redefinition of some concepts - milestones</a:t>
+            </a:r>
+          </a:p>
+          <a:p>
+            <a:r>
+              <a:rPr lang="en-US" dirty="0" smtClean="0"/>
+              <a:t>Requirements Analysis Process</a:t>
             </a:r>
           </a:p>
           <a:p>
             <a:pPr lvl="1"/>
             <a:r>
               <a:rPr lang="en-US" dirty="0" smtClean="0"/>
-              <a:t>Walkthrough</a:t>
-            </a:r>
-          </a:p>
-          <a:p>
-            <a:pPr lvl="1"/>
+              <a:t>Major unconformity</a:t>
+            </a:r>
+          </a:p>
+          <a:p>
+            <a:pPr lvl="2"/>
             <a:r>
               <a:rPr lang="en-US" dirty="0" smtClean="0"/>
-              <a:t>Desk checks</a:t>
-            </a:r>
-          </a:p>
-          <a:p>
-            <a:r>
-              <a:rPr lang="en-US" dirty="0" smtClean="0"/>
-              <a:t>Quality verifications</a:t>
-            </a:r>
-          </a:p>
-          <a:p>
-            <a:pPr lvl="1"/>
-            <a:r>
-              <a:rPr lang="en-US" dirty="0" smtClean="0"/>
-              <a:t>Processes were followed</a:t>
-            </a:r>
-          </a:p>
-          <a:p>
-            <a:r>
-              <a:rPr lang="en-US" dirty="0" smtClean="0"/>
-              <a:t> Testing</a:t>
-            </a:r>
-          </a:p>
-          <a:p>
-            <a:pPr lvl="1"/>
-            <a:r>
-              <a:rPr lang="en-US" dirty="0" smtClean="0"/>
-              <a:t>Unit testing</a:t>
-            </a:r>
-          </a:p>
-          <a:p>
-            <a:pPr lvl="1"/>
-            <a:r>
-              <a:rPr lang="en-US" dirty="0" smtClean="0"/>
-              <a:t>Acceptance and system testing</a:t>
+              <a:t> changes were made that didn´t follow the change requirements process and documentation wasn’t updated </a:t>
             </a:r>
           </a:p>
         </p:txBody>
@@ -10111,6 +11213,425 @@
 </file>
 
 <file path=ppt/slides/slide17.xml><?xml version="1.0" encoding="utf-8"?>
+<p:sld xmlns:a="http://schemas.openxmlformats.org/drawingml/2006/main" xmlns:r="http://schemas.openxmlformats.org/officeDocument/2006/relationships" xmlns:p="http://schemas.openxmlformats.org/presentationml/2006/main">
+  <p:cSld>
+    <p:spTree>
+      <p:nvGrpSpPr>
+        <p:cNvPr id="1" name=""/>
+        <p:cNvGrpSpPr/>
+        <p:nvPr/>
+      </p:nvGrpSpPr>
+      <p:grpSpPr>
+        <a:xfrm>
+          <a:off x="0" y="0"/>
+          <a:ext cx="0" cy="0"/>
+          <a:chOff x="0" y="0"/>
+          <a:chExt cx="0" cy="0"/>
+        </a:xfrm>
+      </p:grpSpPr>
+      <p:sp>
+        <p:nvSpPr>
+          <p:cNvPr id="2" name="Título 1"/>
+          <p:cNvSpPr>
+            <a:spLocks noGrp="1"/>
+          </p:cNvSpPr>
+          <p:nvPr>
+            <p:ph type="title"/>
+          </p:nvPr>
+        </p:nvSpPr>
+        <p:spPr/>
+        <p:txBody>
+          <a:bodyPr/>
+          <a:lstStyle/>
+          <a:p>
+            <a:r>
+              <a:rPr lang="en-US" dirty="0" smtClean="0"/>
+              <a:t>Processes and Process Analysis</a:t>
+            </a:r>
+            <a:endParaRPr lang="pt-PT" dirty="0"/>
+          </a:p>
+        </p:txBody>
+      </p:sp>
+      <p:sp>
+        <p:nvSpPr>
+          <p:cNvPr id="3" name="Marcador de Posição de Conteúdo 2"/>
+          <p:cNvSpPr>
+            <a:spLocks noGrp="1"/>
+          </p:cNvSpPr>
+          <p:nvPr>
+            <p:ph idx="1"/>
+          </p:nvPr>
+        </p:nvSpPr>
+        <p:spPr/>
+        <p:txBody>
+          <a:bodyPr>
+            <a:normAutofit lnSpcReduction="10000"/>
+          </a:bodyPr>
+          <a:lstStyle/>
+          <a:p>
+            <a:r>
+              <a:rPr lang="en-US" dirty="0" smtClean="0"/>
+              <a:t>Review Process</a:t>
+            </a:r>
+          </a:p>
+          <a:p>
+            <a:pPr lvl="1"/>
+            <a:r>
+              <a:rPr lang="en-US" dirty="0" smtClean="0"/>
+              <a:t>Major unconformity associated with the walkthrough </a:t>
+            </a:r>
+          </a:p>
+          <a:p>
+            <a:pPr lvl="2"/>
+            <a:r>
+              <a:rPr lang="en-US" dirty="0" smtClean="0"/>
+              <a:t>The process wasn´t followed and measures weren’t recorded</a:t>
+            </a:r>
+          </a:p>
+          <a:p>
+            <a:r>
+              <a:rPr lang="en-US" dirty="0" smtClean="0"/>
+              <a:t>Verification &amp; Validation Process </a:t>
+            </a:r>
+          </a:p>
+          <a:p>
+            <a:pPr lvl="1"/>
+            <a:r>
+              <a:rPr lang="en-US" dirty="0" smtClean="0"/>
+              <a:t>Doesn’t mention ad-hoc testing</a:t>
+            </a:r>
+          </a:p>
+          <a:p>
+            <a:pPr lvl="2"/>
+            <a:r>
+              <a:rPr lang="en-US" dirty="0" smtClean="0"/>
+              <a:t>How to report defects not associated with tests</a:t>
+            </a:r>
+          </a:p>
+          <a:p>
+            <a:pPr lvl="1"/>
+            <a:r>
+              <a:rPr lang="en-US" dirty="0" smtClean="0"/>
+              <a:t>What to do in cases of reopen</a:t>
+            </a:r>
+          </a:p>
+          <a:p>
+            <a:pPr lvl="1"/>
+            <a:r>
+              <a:rPr lang="en-US" dirty="0" smtClean="0"/>
+              <a:t>Test plan wasn’t concluded</a:t>
+            </a:r>
+          </a:p>
+        </p:txBody>
+      </p:sp>
+    </p:spTree>
+  </p:cSld>
+  <p:clrMapOvr>
+    <a:masterClrMapping/>
+  </p:clrMapOvr>
+</p:sld>
+</file>
+
+<file path=ppt/slides/slide18.xml><?xml version="1.0" encoding="utf-8"?>
+<p:sld xmlns:a="http://schemas.openxmlformats.org/drawingml/2006/main" xmlns:r="http://schemas.openxmlformats.org/officeDocument/2006/relationships" xmlns:p="http://schemas.openxmlformats.org/presentationml/2006/main">
+  <p:cSld>
+    <p:spTree>
+      <p:nvGrpSpPr>
+        <p:cNvPr id="1" name=""/>
+        <p:cNvGrpSpPr/>
+        <p:nvPr/>
+      </p:nvGrpSpPr>
+      <p:grpSpPr>
+        <a:xfrm>
+          <a:off x="0" y="0"/>
+          <a:ext cx="0" cy="0"/>
+          <a:chOff x="0" y="0"/>
+          <a:chExt cx="0" cy="0"/>
+        </a:xfrm>
+      </p:grpSpPr>
+      <p:sp>
+        <p:nvSpPr>
+          <p:cNvPr id="2" name="Título 1"/>
+          <p:cNvSpPr>
+            <a:spLocks noGrp="1"/>
+          </p:cNvSpPr>
+          <p:nvPr>
+            <p:ph type="title"/>
+          </p:nvPr>
+        </p:nvSpPr>
+        <p:spPr/>
+        <p:txBody>
+          <a:bodyPr/>
+          <a:lstStyle/>
+          <a:p>
+            <a:r>
+              <a:rPr lang="en-US" dirty="0" smtClean="0"/>
+              <a:t>Processes and Process Analysis</a:t>
+            </a:r>
+            <a:endParaRPr lang="pt-PT" dirty="0"/>
+          </a:p>
+        </p:txBody>
+      </p:sp>
+      <p:sp>
+        <p:nvSpPr>
+          <p:cNvPr id="3" name="Marcador de Posição de Conteúdo 2"/>
+          <p:cNvSpPr>
+            <a:spLocks noGrp="1"/>
+          </p:cNvSpPr>
+          <p:nvPr>
+            <p:ph idx="1"/>
+          </p:nvPr>
+        </p:nvSpPr>
+        <p:spPr/>
+        <p:txBody>
+          <a:bodyPr/>
+          <a:lstStyle/>
+          <a:p>
+            <a:r>
+              <a:rPr lang="en-US" dirty="0" smtClean="0"/>
+              <a:t>Common issues in following the processes</a:t>
+            </a:r>
+          </a:p>
+          <a:p>
+            <a:pPr lvl="1"/>
+            <a:r>
+              <a:rPr lang="en-US" dirty="0" smtClean="0"/>
+              <a:t>Process measures weren’t always recorded or updated timely</a:t>
+            </a:r>
+          </a:p>
+          <a:p>
+            <a:pPr lvl="1"/>
+            <a:r>
+              <a:rPr lang="en-US" dirty="0" smtClean="0"/>
+              <a:t>The processes weren’t always exactly followed as defined</a:t>
+            </a:r>
+          </a:p>
+          <a:p>
+            <a:pPr lvl="1"/>
+            <a:r>
+              <a:rPr lang="en-US" dirty="0" smtClean="0"/>
+              <a:t>Some processes were overcomplicated for the team and project needs</a:t>
+            </a:r>
+          </a:p>
+          <a:p>
+            <a:endParaRPr lang="pt-PT" dirty="0"/>
+          </a:p>
+        </p:txBody>
+      </p:sp>
+    </p:spTree>
+  </p:cSld>
+  <p:clrMapOvr>
+    <a:masterClrMapping/>
+  </p:clrMapOvr>
+</p:sld>
+</file>
+
+<file path=ppt/slides/slide19.xml><?xml version="1.0" encoding="utf-8"?>
+<p:sld xmlns:a="http://schemas.openxmlformats.org/drawingml/2006/main" xmlns:r="http://schemas.openxmlformats.org/officeDocument/2006/relationships" xmlns:p="http://schemas.openxmlformats.org/presentationml/2006/main">
+  <p:cSld>
+    <p:spTree>
+      <p:nvGrpSpPr>
+        <p:cNvPr id="1" name=""/>
+        <p:cNvGrpSpPr/>
+        <p:nvPr/>
+      </p:nvGrpSpPr>
+      <p:grpSpPr>
+        <a:xfrm>
+          <a:off x="0" y="0"/>
+          <a:ext cx="0" cy="0"/>
+          <a:chOff x="0" y="0"/>
+          <a:chExt cx="0" cy="0"/>
+        </a:xfrm>
+      </p:grpSpPr>
+      <p:sp>
+        <p:nvSpPr>
+          <p:cNvPr id="2" name="Título 1"/>
+          <p:cNvSpPr>
+            <a:spLocks noGrp="1"/>
+          </p:cNvSpPr>
+          <p:nvPr>
+            <p:ph type="title"/>
+          </p:nvPr>
+        </p:nvSpPr>
+        <p:spPr/>
+        <p:txBody>
+          <a:bodyPr/>
+          <a:lstStyle/>
+          <a:p>
+            <a:r>
+              <a:rPr lang="en-US" dirty="0" smtClean="0"/>
+              <a:t>Quality Activities</a:t>
+            </a:r>
+            <a:endParaRPr lang="pt-PT" dirty="0"/>
+          </a:p>
+        </p:txBody>
+      </p:sp>
+      <p:sp>
+        <p:nvSpPr>
+          <p:cNvPr id="3" name="Marcador de Posição de Conteúdo 2"/>
+          <p:cNvSpPr>
+            <a:spLocks noGrp="1"/>
+          </p:cNvSpPr>
+          <p:nvPr>
+            <p:ph idx="1"/>
+          </p:nvPr>
+        </p:nvSpPr>
+        <p:spPr/>
+        <p:txBody>
+          <a:bodyPr>
+            <a:normAutofit fontScale="85000" lnSpcReduction="20000"/>
+          </a:bodyPr>
+          <a:lstStyle/>
+          <a:p>
+            <a:r>
+              <a:rPr lang="en-US" dirty="0" smtClean="0"/>
+              <a:t>Reviews</a:t>
+            </a:r>
+          </a:p>
+          <a:p>
+            <a:pPr lvl="1"/>
+            <a:r>
+              <a:rPr lang="en-US" dirty="0" smtClean="0"/>
+              <a:t>Inspections</a:t>
+            </a:r>
+          </a:p>
+          <a:p>
+            <a:pPr lvl="1"/>
+            <a:r>
+              <a:rPr lang="en-US" dirty="0" smtClean="0"/>
+              <a:t>Walkthrough</a:t>
+            </a:r>
+          </a:p>
+          <a:p>
+            <a:pPr lvl="1"/>
+            <a:r>
+              <a:rPr lang="en-US" dirty="0" smtClean="0"/>
+              <a:t>Desk checks</a:t>
+            </a:r>
+          </a:p>
+          <a:p>
+            <a:r>
+              <a:rPr lang="en-US" dirty="0" smtClean="0"/>
+              <a:t>Quality verifications</a:t>
+            </a:r>
+          </a:p>
+          <a:p>
+            <a:pPr lvl="1"/>
+            <a:r>
+              <a:rPr lang="en-US" dirty="0" smtClean="0"/>
+              <a:t>Processes were followed</a:t>
+            </a:r>
+          </a:p>
+          <a:p>
+            <a:r>
+              <a:rPr lang="en-US" dirty="0" smtClean="0"/>
+              <a:t> Testing</a:t>
+            </a:r>
+          </a:p>
+          <a:p>
+            <a:pPr lvl="1"/>
+            <a:r>
+              <a:rPr lang="en-US" dirty="0" smtClean="0"/>
+              <a:t>Unit testing</a:t>
+            </a:r>
+          </a:p>
+          <a:p>
+            <a:pPr lvl="1"/>
+            <a:r>
+              <a:rPr lang="en-US" dirty="0" smtClean="0"/>
+              <a:t>Acceptance and system testing</a:t>
+            </a:r>
+          </a:p>
+        </p:txBody>
+      </p:sp>
+    </p:spTree>
+  </p:cSld>
+  <p:clrMapOvr>
+    <a:masterClrMapping/>
+  </p:clrMapOvr>
+</p:sld>
+</file>
+
+<file path=ppt/slides/slide2.xml><?xml version="1.0" encoding="utf-8"?>
+<p:sld xmlns:a="http://schemas.openxmlformats.org/drawingml/2006/main" xmlns:r="http://schemas.openxmlformats.org/officeDocument/2006/relationships" xmlns:p="http://schemas.openxmlformats.org/presentationml/2006/main">
+  <p:cSld>
+    <p:spTree>
+      <p:nvGrpSpPr>
+        <p:cNvPr id="1" name=""/>
+        <p:cNvGrpSpPr/>
+        <p:nvPr/>
+      </p:nvGrpSpPr>
+      <p:grpSpPr>
+        <a:xfrm>
+          <a:off x="0" y="0"/>
+          <a:ext cx="0" cy="0"/>
+          <a:chOff x="0" y="0"/>
+          <a:chExt cx="0" cy="0"/>
+        </a:xfrm>
+      </p:grpSpPr>
+      <p:sp>
+        <p:nvSpPr>
+          <p:cNvPr id="2" name="Title 1"/>
+          <p:cNvSpPr>
+            <a:spLocks noGrp="1"/>
+          </p:cNvSpPr>
+          <p:nvPr>
+            <p:ph type="title"/>
+          </p:nvPr>
+        </p:nvSpPr>
+        <p:spPr/>
+        <p:txBody>
+          <a:bodyPr/>
+          <a:lstStyle/>
+          <a:p>
+            <a:r>
+              <a:rPr lang="en-US" dirty="0" smtClean="0"/>
+              <a:t>Content</a:t>
+            </a:r>
+            <a:endParaRPr lang="en-US" dirty="0"/>
+          </a:p>
+        </p:txBody>
+      </p:sp>
+      <p:sp>
+        <p:nvSpPr>
+          <p:cNvPr id="3" name="Content Placeholder 2"/>
+          <p:cNvSpPr>
+            <a:spLocks noGrp="1"/>
+          </p:cNvSpPr>
+          <p:nvPr>
+            <p:ph idx="1"/>
+          </p:nvPr>
+        </p:nvSpPr>
+        <p:spPr/>
+        <p:txBody>
+          <a:bodyPr/>
+          <a:lstStyle/>
+          <a:p>
+            <a:endParaRPr lang="en-US" dirty="0"/>
+          </a:p>
+        </p:txBody>
+      </p:sp>
+    </p:spTree>
+    <p:extLst>
+      <p:ext uri="{BB962C8B-B14F-4D97-AF65-F5344CB8AC3E}">
+        <p14:creationId xmlns:p14="http://schemas.microsoft.com/office/powerpoint/2010/main" val="3708106417"/>
+      </p:ext>
+    </p:extLst>
+  </p:cSld>
+  <p:clrMapOvr>
+    <a:masterClrMapping/>
+  </p:clrMapOvr>
+  <p:timing>
+    <p:tnLst>
+      <p:par>
+        <p:cTn id="1" dur="indefinite" restart="never" nodeType="tmRoot"/>
+      </p:par>
+    </p:tnLst>
+  </p:timing>
+</p:sld>
+</file>
+
+<file path=ppt/slides/slide20.xml><?xml version="1.0" encoding="utf-8"?>
 <p:sld xmlns:a="http://schemas.openxmlformats.org/drawingml/2006/main" xmlns:r="http://schemas.openxmlformats.org/officeDocument/2006/relationships" xmlns:p="http://schemas.openxmlformats.org/presentationml/2006/main">
   <p:cSld>
     <p:spTree>
@@ -10373,305 +11894,6 @@
 </p:sld>
 </file>
 
-<file path=ppt/slides/slide18.xml><?xml version="1.0" encoding="utf-8"?>
-<p:sld xmlns:a="http://schemas.openxmlformats.org/drawingml/2006/main" xmlns:r="http://schemas.openxmlformats.org/officeDocument/2006/relationships" xmlns:p="http://schemas.openxmlformats.org/presentationml/2006/main">
-  <p:cSld>
-    <p:spTree>
-      <p:nvGrpSpPr>
-        <p:cNvPr id="1" name=""/>
-        <p:cNvGrpSpPr/>
-        <p:nvPr/>
-      </p:nvGrpSpPr>
-      <p:grpSpPr>
-        <a:xfrm>
-          <a:off x="0" y="0"/>
-          <a:ext cx="0" cy="0"/>
-          <a:chOff x="0" y="0"/>
-          <a:chExt cx="0" cy="0"/>
-        </a:xfrm>
-      </p:grpSpPr>
-      <p:sp>
-        <p:nvSpPr>
-          <p:cNvPr id="2" name="Título 1"/>
-          <p:cNvSpPr>
-            <a:spLocks noGrp="1"/>
-          </p:cNvSpPr>
-          <p:nvPr>
-            <p:ph type="title"/>
-          </p:nvPr>
-        </p:nvSpPr>
-        <p:spPr/>
-        <p:txBody>
-          <a:bodyPr/>
-          <a:lstStyle/>
-          <a:p>
-            <a:r>
-              <a:rPr lang="en-US" smtClean="0"/>
-              <a:t>Quality Perception</a:t>
-            </a:r>
-            <a:endParaRPr lang="en-US"/>
-          </a:p>
-        </p:txBody>
-      </p:sp>
-      <p:sp>
-        <p:nvSpPr>
-          <p:cNvPr id="3" name="Marcador de Posição de Conteúdo 2"/>
-          <p:cNvSpPr>
-            <a:spLocks noGrp="1"/>
-          </p:cNvSpPr>
-          <p:nvPr>
-            <p:ph idx="1"/>
-          </p:nvPr>
-        </p:nvSpPr>
-        <p:spPr/>
-        <p:txBody>
-          <a:bodyPr/>
-          <a:lstStyle/>
-          <a:p>
-            <a:endParaRPr lang="pt-PT"/>
-          </a:p>
-        </p:txBody>
-      </p:sp>
-    </p:spTree>
-  </p:cSld>
-  <p:clrMapOvr>
-    <a:masterClrMapping/>
-  </p:clrMapOvr>
-  <p:timing>
-    <p:tnLst>
-      <p:par>
-        <p:cTn id="1" dur="indefinite" restart="never" nodeType="tmRoot"/>
-      </p:par>
-    </p:tnLst>
-  </p:timing>
-</p:sld>
-</file>
-
-<file path=ppt/slides/slide19.xml><?xml version="1.0" encoding="utf-8"?>
-<p:sld xmlns:a="http://schemas.openxmlformats.org/drawingml/2006/main" xmlns:r="http://schemas.openxmlformats.org/officeDocument/2006/relationships" xmlns:p="http://schemas.openxmlformats.org/presentationml/2006/main">
-  <p:cSld>
-    <p:spTree>
-      <p:nvGrpSpPr>
-        <p:cNvPr id="1" name=""/>
-        <p:cNvGrpSpPr/>
-        <p:nvPr/>
-      </p:nvGrpSpPr>
-      <p:grpSpPr>
-        <a:xfrm>
-          <a:off x="0" y="0"/>
-          <a:ext cx="0" cy="0"/>
-          <a:chOff x="0" y="0"/>
-          <a:chExt cx="0" cy="0"/>
-        </a:xfrm>
-      </p:grpSpPr>
-      <p:sp>
-        <p:nvSpPr>
-          <p:cNvPr id="2" name="Título 1"/>
-          <p:cNvSpPr>
-            <a:spLocks noGrp="1"/>
-          </p:cNvSpPr>
-          <p:nvPr>
-            <p:ph type="title"/>
-          </p:nvPr>
-        </p:nvSpPr>
-        <p:spPr/>
-        <p:txBody>
-          <a:bodyPr/>
-          <a:lstStyle/>
-          <a:p>
-            <a:r>
-              <a:rPr lang="en-US" dirty="0" smtClean="0"/>
-              <a:t>Architecture</a:t>
-            </a:r>
-            <a:endParaRPr lang="en-US" dirty="0"/>
-          </a:p>
-        </p:txBody>
-      </p:sp>
-      <p:sp>
-        <p:nvSpPr>
-          <p:cNvPr id="3" name="Marcador de Posição do Texto 2"/>
-          <p:cNvSpPr>
-            <a:spLocks noGrp="1"/>
-          </p:cNvSpPr>
-          <p:nvPr>
-            <p:ph type="body" idx="1"/>
-          </p:nvPr>
-        </p:nvSpPr>
-        <p:spPr/>
-        <p:txBody>
-          <a:bodyPr/>
-          <a:lstStyle/>
-          <a:p>
-            <a:r>
-              <a:rPr lang="pt-PT" dirty="0" smtClean="0"/>
-              <a:t>Rui Ganhoto</a:t>
-            </a:r>
-            <a:endParaRPr lang="pt-PT" dirty="0"/>
-          </a:p>
-        </p:txBody>
-      </p:sp>
-    </p:spTree>
-  </p:cSld>
-  <p:clrMapOvr>
-    <a:masterClrMapping/>
-  </p:clrMapOvr>
-  <p:timing>
-    <p:tnLst>
-      <p:par>
-        <p:cTn id="1" dur="indefinite" restart="never" nodeType="tmRoot"/>
-      </p:par>
-    </p:tnLst>
-  </p:timing>
-</p:sld>
-</file>
-
-<file path=ppt/slides/slide2.xml><?xml version="1.0" encoding="utf-8"?>
-<p:sld xmlns:a="http://schemas.openxmlformats.org/drawingml/2006/main" xmlns:r="http://schemas.openxmlformats.org/officeDocument/2006/relationships" xmlns:p="http://schemas.openxmlformats.org/presentationml/2006/main">
-  <p:cSld>
-    <p:spTree>
-      <p:nvGrpSpPr>
-        <p:cNvPr id="1" name=""/>
-        <p:cNvGrpSpPr/>
-        <p:nvPr/>
-      </p:nvGrpSpPr>
-      <p:grpSpPr>
-        <a:xfrm>
-          <a:off x="0" y="0"/>
-          <a:ext cx="0" cy="0"/>
-          <a:chOff x="0" y="0"/>
-          <a:chExt cx="0" cy="0"/>
-        </a:xfrm>
-      </p:grpSpPr>
-      <p:sp>
-        <p:nvSpPr>
-          <p:cNvPr id="2" name="Title 1"/>
-          <p:cNvSpPr>
-            <a:spLocks noGrp="1"/>
-          </p:cNvSpPr>
-          <p:nvPr>
-            <p:ph type="title"/>
-          </p:nvPr>
-        </p:nvSpPr>
-        <p:spPr/>
-        <p:txBody>
-          <a:bodyPr/>
-          <a:lstStyle/>
-          <a:p>
-            <a:r>
-              <a:rPr lang="en-US" dirty="0" smtClean="0"/>
-              <a:t>Content</a:t>
-            </a:r>
-            <a:endParaRPr lang="en-US" dirty="0"/>
-          </a:p>
-        </p:txBody>
-      </p:sp>
-      <p:sp>
-        <p:nvSpPr>
-          <p:cNvPr id="3" name="Content Placeholder 2"/>
-          <p:cNvSpPr>
-            <a:spLocks noGrp="1"/>
-          </p:cNvSpPr>
-          <p:nvPr>
-            <p:ph idx="1"/>
-          </p:nvPr>
-        </p:nvSpPr>
-        <p:spPr/>
-        <p:txBody>
-          <a:bodyPr/>
-          <a:lstStyle/>
-          <a:p>
-            <a:endParaRPr lang="en-US" dirty="0"/>
-          </a:p>
-        </p:txBody>
-      </p:sp>
-    </p:spTree>
-    <p:extLst>
-      <p:ext uri="{BB962C8B-B14F-4D97-AF65-F5344CB8AC3E}">
-        <p14:creationId xmlns:p14="http://schemas.microsoft.com/office/powerpoint/2010/main" xmlns="" val="3708106417"/>
-      </p:ext>
-    </p:extLst>
-  </p:cSld>
-  <p:clrMapOvr>
-    <a:masterClrMapping/>
-  </p:clrMapOvr>
-  <p:timing>
-    <p:tnLst>
-      <p:par>
-        <p:cTn id="1" dur="indefinite" restart="never" nodeType="tmRoot"/>
-      </p:par>
-    </p:tnLst>
-  </p:timing>
-</p:sld>
-</file>
-
-<file path=ppt/slides/slide20.xml><?xml version="1.0" encoding="utf-8"?>
-<p:sld xmlns:a="http://schemas.openxmlformats.org/drawingml/2006/main" xmlns:r="http://schemas.openxmlformats.org/officeDocument/2006/relationships" xmlns:p="http://schemas.openxmlformats.org/presentationml/2006/main">
-  <p:cSld>
-    <p:spTree>
-      <p:nvGrpSpPr>
-        <p:cNvPr id="1" name=""/>
-        <p:cNvGrpSpPr/>
-        <p:nvPr/>
-      </p:nvGrpSpPr>
-      <p:grpSpPr>
-        <a:xfrm>
-          <a:off x="0" y="0"/>
-          <a:ext cx="0" cy="0"/>
-          <a:chOff x="0" y="0"/>
-          <a:chExt cx="0" cy="0"/>
-        </a:xfrm>
-      </p:grpSpPr>
-      <p:sp>
-        <p:nvSpPr>
-          <p:cNvPr id="2" name="Título 1"/>
-          <p:cNvSpPr>
-            <a:spLocks noGrp="1"/>
-          </p:cNvSpPr>
-          <p:nvPr>
-            <p:ph type="title"/>
-          </p:nvPr>
-        </p:nvSpPr>
-        <p:spPr/>
-        <p:txBody>
-          <a:bodyPr/>
-          <a:lstStyle/>
-          <a:p>
-            <a:endParaRPr lang="en-US" dirty="0"/>
-          </a:p>
-        </p:txBody>
-      </p:sp>
-      <p:sp>
-        <p:nvSpPr>
-          <p:cNvPr id="3" name="Marcador de Posição de Conteúdo 2"/>
-          <p:cNvSpPr>
-            <a:spLocks noGrp="1"/>
-          </p:cNvSpPr>
-          <p:nvPr>
-            <p:ph idx="1"/>
-          </p:nvPr>
-        </p:nvSpPr>
-        <p:spPr/>
-        <p:txBody>
-          <a:bodyPr/>
-          <a:lstStyle/>
-          <a:p>
-            <a:endParaRPr lang="pt-PT"/>
-          </a:p>
-        </p:txBody>
-      </p:sp>
-    </p:spTree>
-    <p:extLst>
-      <p:ext uri="{BB962C8B-B14F-4D97-AF65-F5344CB8AC3E}">
-        <p14:creationId xmlns:p14="http://schemas.microsoft.com/office/powerpoint/2010/main" xmlns="" val="2470495484"/>
-      </p:ext>
-    </p:extLst>
-  </p:cSld>
-  <p:clrMapOvr>
-    <a:masterClrMapping/>
-  </p:clrMapOvr>
-</p:sld>
-</file>
-
 <file path=ppt/slides/slide21.xml><?xml version="1.0" encoding="utf-8"?>
 <p:sld xmlns:a="http://schemas.openxmlformats.org/drawingml/2006/main" xmlns:r="http://schemas.openxmlformats.org/officeDocument/2006/relationships" xmlns:p="http://schemas.openxmlformats.org/presentationml/2006/main">
   <p:cSld>
@@ -10705,21 +11927,21 @@
           <a:lstStyle/>
           <a:p>
             <a:r>
-              <a:rPr lang="en-US" dirty="0" smtClean="0"/>
-              <a:t>Risk Management</a:t>
-            </a:r>
-            <a:endParaRPr lang="en-US" dirty="0"/>
-          </a:p>
-        </p:txBody>
-      </p:sp>
-      <p:sp>
-        <p:nvSpPr>
-          <p:cNvPr id="3" name="Marcador de Posição do Texto 2"/>
-          <p:cNvSpPr>
-            <a:spLocks noGrp="1"/>
-          </p:cNvSpPr>
-          <p:nvPr>
-            <p:ph type="body" idx="1"/>
+              <a:rPr lang="en-US" smtClean="0"/>
+              <a:t>Quality Perception</a:t>
+            </a:r>
+            <a:endParaRPr lang="en-US"/>
+          </a:p>
+        </p:txBody>
+      </p:sp>
+      <p:sp>
+        <p:nvSpPr>
+          <p:cNvPr id="3" name="Marcador de Posição de Conteúdo 2"/>
+          <p:cNvSpPr>
+            <a:spLocks noGrp="1"/>
+          </p:cNvSpPr>
+          <p:nvPr>
+            <p:ph idx="1"/>
           </p:nvPr>
         </p:nvSpPr>
         <p:spPr/>
@@ -10727,18 +11949,238 @@
           <a:bodyPr/>
           <a:lstStyle/>
           <a:p>
+            <a:endParaRPr lang="pt-PT"/>
+          </a:p>
+        </p:txBody>
+      </p:sp>
+    </p:spTree>
+  </p:cSld>
+  <p:clrMapOvr>
+    <a:masterClrMapping/>
+  </p:clrMapOvr>
+  <p:timing>
+    <p:tnLst>
+      <p:par>
+        <p:cTn id="1" dur="indefinite" restart="never" nodeType="tmRoot"/>
+      </p:par>
+    </p:tnLst>
+  </p:timing>
+</p:sld>
+</file>
+
+<file path=ppt/slides/slide22.xml><?xml version="1.0" encoding="utf-8"?>
+<p:sld xmlns:a="http://schemas.openxmlformats.org/drawingml/2006/main" xmlns:r="http://schemas.openxmlformats.org/officeDocument/2006/relationships" xmlns:p="http://schemas.openxmlformats.org/presentationml/2006/main">
+  <p:cSld>
+    <p:spTree>
+      <p:nvGrpSpPr>
+        <p:cNvPr id="1" name=""/>
+        <p:cNvGrpSpPr/>
+        <p:nvPr/>
+      </p:nvGrpSpPr>
+      <p:grpSpPr>
+        <a:xfrm>
+          <a:off x="0" y="0"/>
+          <a:ext cx="0" cy="0"/>
+          <a:chOff x="0" y="0"/>
+          <a:chExt cx="0" cy="0"/>
+        </a:xfrm>
+      </p:grpSpPr>
+      <p:sp>
+        <p:nvSpPr>
+          <p:cNvPr id="2" name="Título 1"/>
+          <p:cNvSpPr>
+            <a:spLocks noGrp="1"/>
+          </p:cNvSpPr>
+          <p:nvPr>
+            <p:ph type="title"/>
+          </p:nvPr>
+        </p:nvSpPr>
+        <p:spPr/>
+        <p:txBody>
+          <a:bodyPr/>
+          <a:lstStyle/>
+          <a:p>
+            <a:r>
+              <a:rPr lang="en-US" dirty="0" smtClean="0"/>
+              <a:t>Architecture</a:t>
+            </a:r>
+            <a:endParaRPr lang="en-US" dirty="0"/>
+          </a:p>
+        </p:txBody>
+      </p:sp>
+      <p:sp>
+        <p:nvSpPr>
+          <p:cNvPr id="3" name="Marcador de Posição do Texto 2"/>
+          <p:cNvSpPr>
+            <a:spLocks noGrp="1"/>
+          </p:cNvSpPr>
+          <p:nvPr>
+            <p:ph type="body" idx="1"/>
+          </p:nvPr>
+        </p:nvSpPr>
+        <p:spPr/>
+        <p:txBody>
+          <a:bodyPr/>
+          <a:lstStyle/>
+          <a:p>
             <a:r>
               <a:rPr lang="pt-PT" dirty="0" smtClean="0"/>
-              <a:t>João Girão</a:t>
+              <a:t>Rui Ganhoto</a:t>
             </a:r>
             <a:endParaRPr lang="pt-PT" dirty="0"/>
+          </a:p>
+        </p:txBody>
+      </p:sp>
+    </p:spTree>
+  </p:cSld>
+  <p:clrMapOvr>
+    <a:masterClrMapping/>
+  </p:clrMapOvr>
+  <p:timing>
+    <p:tnLst>
+      <p:par>
+        <p:cTn id="1" dur="indefinite" restart="never" nodeType="tmRoot"/>
+      </p:par>
+    </p:tnLst>
+  </p:timing>
+</p:sld>
+</file>
+
+<file path=ppt/slides/slide23.xml><?xml version="1.0" encoding="utf-8"?>
+<p:sld xmlns:a="http://schemas.openxmlformats.org/drawingml/2006/main" xmlns:r="http://schemas.openxmlformats.org/officeDocument/2006/relationships" xmlns:p="http://schemas.openxmlformats.org/presentationml/2006/main">
+  <p:cSld>
+    <p:spTree>
+      <p:nvGrpSpPr>
+        <p:cNvPr id="1" name=""/>
+        <p:cNvGrpSpPr/>
+        <p:nvPr/>
+      </p:nvGrpSpPr>
+      <p:grpSpPr>
+        <a:xfrm>
+          <a:off x="0" y="0"/>
+          <a:ext cx="0" cy="0"/>
+          <a:chOff x="0" y="0"/>
+          <a:chExt cx="0" cy="0"/>
+        </a:xfrm>
+      </p:grpSpPr>
+      <p:sp>
+        <p:nvSpPr>
+          <p:cNvPr id="2" name="Título 1"/>
+          <p:cNvSpPr>
+            <a:spLocks noGrp="1"/>
+          </p:cNvSpPr>
+          <p:nvPr>
+            <p:ph type="title"/>
+          </p:nvPr>
+        </p:nvSpPr>
+        <p:spPr/>
+        <p:txBody>
+          <a:bodyPr/>
+          <a:lstStyle/>
+          <a:p>
+            <a:endParaRPr lang="en-US" dirty="0"/>
+          </a:p>
+        </p:txBody>
+      </p:sp>
+      <p:sp>
+        <p:nvSpPr>
+          <p:cNvPr id="3" name="Marcador de Posição de Conteúdo 2"/>
+          <p:cNvSpPr>
+            <a:spLocks noGrp="1"/>
+          </p:cNvSpPr>
+          <p:nvPr>
+            <p:ph idx="1"/>
+          </p:nvPr>
+        </p:nvSpPr>
+        <p:spPr/>
+        <p:txBody>
+          <a:bodyPr/>
+          <a:lstStyle/>
+          <a:p>
+            <a:endParaRPr lang="pt-PT"/>
           </a:p>
         </p:txBody>
       </p:sp>
     </p:spTree>
     <p:extLst>
       <p:ext uri="{BB962C8B-B14F-4D97-AF65-F5344CB8AC3E}">
-        <p14:creationId xmlns:p14="http://schemas.microsoft.com/office/powerpoint/2010/main" xmlns="" val="745076154"/>
+        <p14:creationId xmlns:p14="http://schemas.microsoft.com/office/powerpoint/2010/main" val="2470495484"/>
+      </p:ext>
+    </p:extLst>
+  </p:cSld>
+  <p:clrMapOvr>
+    <a:masterClrMapping/>
+  </p:clrMapOvr>
+</p:sld>
+</file>
+
+<file path=ppt/slides/slide24.xml><?xml version="1.0" encoding="utf-8"?>
+<p:sld xmlns:a="http://schemas.openxmlformats.org/drawingml/2006/main" xmlns:r="http://schemas.openxmlformats.org/officeDocument/2006/relationships" xmlns:p="http://schemas.openxmlformats.org/presentationml/2006/main">
+  <p:cSld>
+    <p:spTree>
+      <p:nvGrpSpPr>
+        <p:cNvPr id="1" name=""/>
+        <p:cNvGrpSpPr/>
+        <p:nvPr/>
+      </p:nvGrpSpPr>
+      <p:grpSpPr>
+        <a:xfrm>
+          <a:off x="0" y="0"/>
+          <a:ext cx="0" cy="0"/>
+          <a:chOff x="0" y="0"/>
+          <a:chExt cx="0" cy="0"/>
+        </a:xfrm>
+      </p:grpSpPr>
+      <p:sp>
+        <p:nvSpPr>
+          <p:cNvPr id="2" name="Título 1"/>
+          <p:cNvSpPr>
+            <a:spLocks noGrp="1"/>
+          </p:cNvSpPr>
+          <p:nvPr>
+            <p:ph type="title"/>
+          </p:nvPr>
+        </p:nvSpPr>
+        <p:spPr/>
+        <p:txBody>
+          <a:bodyPr/>
+          <a:lstStyle/>
+          <a:p>
+            <a:r>
+              <a:rPr lang="en-US" dirty="0" smtClean="0"/>
+              <a:t>Risk Management</a:t>
+            </a:r>
+            <a:endParaRPr lang="en-US" dirty="0"/>
+          </a:p>
+        </p:txBody>
+      </p:sp>
+      <p:sp>
+        <p:nvSpPr>
+          <p:cNvPr id="3" name="Marcador de Posição do Texto 2"/>
+          <p:cNvSpPr>
+            <a:spLocks noGrp="1"/>
+          </p:cNvSpPr>
+          <p:nvPr>
+            <p:ph type="body" idx="1"/>
+          </p:nvPr>
+        </p:nvSpPr>
+        <p:spPr/>
+        <p:txBody>
+          <a:bodyPr/>
+          <a:lstStyle/>
+          <a:p>
+            <a:r>
+              <a:rPr lang="pt-PT" dirty="0" smtClean="0"/>
+              <a:t>João Girão</a:t>
+            </a:r>
+            <a:endParaRPr lang="pt-PT" dirty="0"/>
+          </a:p>
+        </p:txBody>
+      </p:sp>
+    </p:spTree>
+    <p:extLst>
+      <p:ext uri="{BB962C8B-B14F-4D97-AF65-F5344CB8AC3E}">
+        <p14:creationId xmlns:p14="http://schemas.microsoft.com/office/powerpoint/2010/main" val="745076154"/>
       </p:ext>
     </p:extLst>
   </p:cSld>
@@ -10755,7 +12197,7 @@
 </p:sld>
 </file>
 
-<file path=ppt/slides/slide22.xml><?xml version="1.0" encoding="utf-8"?>
+<file path=ppt/slides/slide25.xml><?xml version="1.0" encoding="utf-8"?>
 <p:sld xmlns:a="http://schemas.openxmlformats.org/drawingml/2006/main" xmlns:r="http://schemas.openxmlformats.org/officeDocument/2006/relationships" xmlns:p="http://schemas.openxmlformats.org/presentationml/2006/main">
   <p:cSld>
     <p:spTree>
@@ -10862,7 +12304,7 @@
                   <p:nvPr>
                     <p:extLst>
                       <p:ext uri="{D42A27DB-BD31-4B8C-83A1-F6EECF244321}">
-                        <p14:modId xmlns:p14="http://schemas.microsoft.com/office/powerpoint/2010/main" xmlns="" val="568955525"/>
+                        <p14:modId xmlns:p14="http://schemas.microsoft.com/office/powerpoint/2010/main" val="568955525"/>
                       </p:ext>
                     </p:extLst>
                   </p:nvPr>
@@ -11794,420 +13236,9 @@
     </p:spTree>
     <p:extLst>
       <p:ext uri="{BB962C8B-B14F-4D97-AF65-F5344CB8AC3E}">
-        <p14:creationId xmlns:p14="http://schemas.microsoft.com/office/powerpoint/2010/main" xmlns="" val="3857988853"/>
+        <p14:creationId xmlns:p14="http://schemas.microsoft.com/office/powerpoint/2010/main" val="3857988853"/>
       </p:ext>
     </p:extLst>
-  </p:cSld>
-  <p:clrMapOvr>
-    <a:masterClrMapping/>
-  </p:clrMapOvr>
-  <p:timing>
-    <p:tnLst>
-      <p:par>
-        <p:cTn id="1" dur="indefinite" restart="never" nodeType="tmRoot"/>
-      </p:par>
-    </p:tnLst>
-  </p:timing>
-</p:sld>
-</file>
-
-<file path=ppt/slides/slide23.xml><?xml version="1.0" encoding="utf-8"?>
-<p:sld xmlns:a="http://schemas.openxmlformats.org/drawingml/2006/main" xmlns:r="http://schemas.openxmlformats.org/officeDocument/2006/relationships" xmlns:p="http://schemas.openxmlformats.org/presentationml/2006/main">
-  <p:cSld>
-    <p:spTree>
-      <p:nvGrpSpPr>
-        <p:cNvPr id="1" name=""/>
-        <p:cNvGrpSpPr/>
-        <p:nvPr/>
-      </p:nvGrpSpPr>
-      <p:grpSpPr>
-        <a:xfrm>
-          <a:off x="0" y="0"/>
-          <a:ext cx="0" cy="0"/>
-          <a:chOff x="0" y="0"/>
-          <a:chExt cx="0" cy="0"/>
-        </a:xfrm>
-      </p:grpSpPr>
-      <p:sp>
-        <p:nvSpPr>
-          <p:cNvPr id="2" name="Título 1"/>
-          <p:cNvSpPr>
-            <a:spLocks noGrp="1"/>
-          </p:cNvSpPr>
-          <p:nvPr>
-            <p:ph type="title"/>
-          </p:nvPr>
-        </p:nvSpPr>
-        <p:spPr/>
-        <p:txBody>
-          <a:bodyPr/>
-          <a:lstStyle/>
-          <a:p>
-            <a:r>
-              <a:rPr lang="en-US" dirty="0"/>
-              <a:t>Risk Management</a:t>
-            </a:r>
-            <a:endParaRPr lang="en-GB" dirty="0"/>
-          </a:p>
-        </p:txBody>
-      </p:sp>
-      <p:sp>
-        <p:nvSpPr>
-          <p:cNvPr id="3" name="Marcador de Posição de Conteúdo 2"/>
-          <p:cNvSpPr>
-            <a:spLocks noGrp="1"/>
-          </p:cNvSpPr>
-          <p:nvPr>
-            <p:ph idx="1"/>
-          </p:nvPr>
-        </p:nvSpPr>
-        <p:spPr/>
-        <p:txBody>
-          <a:bodyPr>
-            <a:normAutofit fontScale="85000" lnSpcReduction="10000"/>
-          </a:bodyPr>
-          <a:lstStyle/>
-          <a:p>
-            <a:r>
-              <a:rPr lang="en-GB" b="1" dirty="0"/>
-              <a:t>1º</a:t>
-            </a:r>
-            <a:r>
-              <a:rPr lang="en-GB" dirty="0"/>
-              <a:t> - Lack of knowledge on technology</a:t>
-            </a:r>
-            <a:r>
-              <a:rPr lang="en-GB" b="1" dirty="0"/>
-              <a:t>:</a:t>
-            </a:r>
-          </a:p>
-          <a:p>
-            <a:pPr lvl="1"/>
-            <a:r>
-              <a:rPr lang="en-GB" b="1" dirty="0"/>
-              <a:t>Probability:</a:t>
-            </a:r>
-            <a:r>
-              <a:rPr lang="en-GB" dirty="0"/>
-              <a:t> 3</a:t>
-            </a:r>
-          </a:p>
-          <a:p>
-            <a:pPr lvl="1"/>
-            <a:r>
-              <a:rPr lang="en-GB" b="1" dirty="0"/>
-              <a:t>Impact:</a:t>
-            </a:r>
-            <a:r>
-              <a:rPr lang="en-GB" dirty="0"/>
-              <a:t> 3</a:t>
-            </a:r>
-          </a:p>
-          <a:p>
-            <a:pPr lvl="1"/>
-            <a:r>
-              <a:rPr lang="en-GB" b="1" dirty="0"/>
-              <a:t>Team Member:</a:t>
-            </a:r>
-            <a:r>
-              <a:rPr lang="en-GB" dirty="0"/>
-              <a:t> João Girão, Mário Oliveira, David Silva, João Martins, Carla Machado and Filipe </a:t>
-            </a:r>
-            <a:r>
-              <a:rPr lang="en-GB" dirty="0" err="1"/>
-              <a:t>Brandão</a:t>
-            </a:r>
-            <a:r>
-              <a:rPr lang="en-GB" dirty="0"/>
-              <a:t> </a:t>
-            </a:r>
-          </a:p>
-          <a:p>
-            <a:pPr lvl="1"/>
-            <a:r>
-              <a:rPr lang="en-GB" b="1" dirty="0"/>
-              <a:t>Avoidance:</a:t>
-            </a:r>
-            <a:r>
-              <a:rPr lang="en-GB" dirty="0"/>
-              <a:t> </a:t>
-            </a:r>
-            <a:r>
-              <a:rPr lang="en-US" dirty="0"/>
-              <a:t>To reduce probability all interfaces must be created and managed by Rui </a:t>
-            </a:r>
-            <a:r>
-              <a:rPr lang="en-US" dirty="0" err="1"/>
-              <a:t>Ganhoto</a:t>
-            </a:r>
-            <a:r>
-              <a:rPr lang="en-US" dirty="0"/>
-              <a:t>.</a:t>
-            </a:r>
-          </a:p>
-          <a:p>
-            <a:pPr lvl="1"/>
-            <a:r>
-              <a:rPr lang="en-US" b="1" dirty="0"/>
-              <a:t>Minimization:</a:t>
-            </a:r>
-            <a:r>
-              <a:rPr lang="en-US" dirty="0"/>
-              <a:t> To reduce Impact Rui </a:t>
-            </a:r>
-            <a:r>
-              <a:rPr lang="en-US" dirty="0" err="1"/>
-              <a:t>Ganhoto</a:t>
-            </a:r>
-            <a:r>
-              <a:rPr lang="en-US" dirty="0"/>
-              <a:t> must give some formation to every team members. </a:t>
-            </a:r>
-          </a:p>
-          <a:p>
-            <a:pPr lvl="1"/>
-            <a:r>
-              <a:rPr lang="en-US" b="1" dirty="0"/>
-              <a:t>Contingency: </a:t>
-            </a:r>
-            <a:r>
-              <a:rPr lang="en-US" dirty="0"/>
-              <a:t>Negotiate interface with the client and avoid WPF, windows forms would be an easier option for static content</a:t>
-            </a:r>
-            <a:r>
-              <a:rPr lang="en-US" dirty="0" smtClean="0"/>
-              <a:t>.</a:t>
-            </a:r>
-            <a:endParaRPr lang="en-GB" dirty="0"/>
-          </a:p>
-        </p:txBody>
-      </p:sp>
-    </p:spTree>
-    <p:extLst>
-      <p:ext uri="{BB962C8B-B14F-4D97-AF65-F5344CB8AC3E}">
-        <p14:creationId xmlns:p14="http://schemas.microsoft.com/office/powerpoint/2010/main" xmlns="" val="576009203"/>
-      </p:ext>
-    </p:extLst>
-  </p:cSld>
-  <p:clrMapOvr>
-    <a:masterClrMapping/>
-  </p:clrMapOvr>
-</p:sld>
-</file>
-
-<file path=ppt/slides/slide24.xml><?xml version="1.0" encoding="utf-8"?>
-<p:sld xmlns:a="http://schemas.openxmlformats.org/drawingml/2006/main" xmlns:r="http://schemas.openxmlformats.org/officeDocument/2006/relationships" xmlns:p="http://schemas.openxmlformats.org/presentationml/2006/main">
-  <p:cSld>
-    <p:spTree>
-      <p:nvGrpSpPr>
-        <p:cNvPr id="1" name=""/>
-        <p:cNvGrpSpPr/>
-        <p:nvPr/>
-      </p:nvGrpSpPr>
-      <p:grpSpPr>
-        <a:xfrm>
-          <a:off x="0" y="0"/>
-          <a:ext cx="0" cy="0"/>
-          <a:chOff x="0" y="0"/>
-          <a:chExt cx="0" cy="0"/>
-        </a:xfrm>
-      </p:grpSpPr>
-      <p:sp>
-        <p:nvSpPr>
-          <p:cNvPr id="2" name="Título 1"/>
-          <p:cNvSpPr>
-            <a:spLocks noGrp="1"/>
-          </p:cNvSpPr>
-          <p:nvPr>
-            <p:ph type="title"/>
-          </p:nvPr>
-        </p:nvSpPr>
-        <p:spPr/>
-        <p:txBody>
-          <a:bodyPr/>
-          <a:lstStyle/>
-          <a:p>
-            <a:r>
-              <a:rPr lang="en-US" dirty="0"/>
-              <a:t>Risk Management</a:t>
-            </a:r>
-            <a:endParaRPr lang="en-GB" dirty="0"/>
-          </a:p>
-        </p:txBody>
-      </p:sp>
-      <p:sp>
-        <p:nvSpPr>
-          <p:cNvPr id="3" name="Marcador de Posição de Conteúdo 2"/>
-          <p:cNvSpPr>
-            <a:spLocks noGrp="1"/>
-          </p:cNvSpPr>
-          <p:nvPr>
-            <p:ph idx="1"/>
-          </p:nvPr>
-        </p:nvSpPr>
-        <p:spPr/>
-        <p:txBody>
-          <a:bodyPr>
-            <a:normAutofit fontScale="92500" lnSpcReduction="10000"/>
-          </a:bodyPr>
-          <a:lstStyle/>
-          <a:p>
-            <a:r>
-              <a:rPr lang="en-GB" dirty="0"/>
-              <a:t>2º - Project Plan is over budget</a:t>
-            </a:r>
-          </a:p>
-          <a:p>
-            <a:pPr lvl="1"/>
-            <a:r>
-              <a:rPr lang="en-GB" b="1" dirty="0"/>
-              <a:t>Probability</a:t>
-            </a:r>
-            <a:r>
-              <a:rPr lang="en-GB" dirty="0"/>
-              <a:t>: 3</a:t>
-            </a:r>
-          </a:p>
-          <a:p>
-            <a:pPr lvl="1"/>
-            <a:r>
-              <a:rPr lang="en-GB" b="1" dirty="0"/>
-              <a:t>Impact</a:t>
-            </a:r>
-            <a:r>
-              <a:rPr lang="en-GB" dirty="0"/>
-              <a:t>: 2</a:t>
-            </a:r>
-          </a:p>
-          <a:p>
-            <a:pPr lvl="1"/>
-            <a:r>
-              <a:rPr lang="en-GB" b="1" dirty="0"/>
-              <a:t>Team Member</a:t>
-            </a:r>
-            <a:r>
-              <a:rPr lang="en-GB" dirty="0"/>
-              <a:t>: Everyone</a:t>
-            </a:r>
-          </a:p>
-          <a:p>
-            <a:pPr lvl="1"/>
-            <a:r>
-              <a:rPr lang="en-GB" dirty="0"/>
-              <a:t>Resolved with the </a:t>
-            </a:r>
-            <a:r>
-              <a:rPr lang="en-GB" dirty="0" err="1"/>
-              <a:t>Reestimation</a:t>
-            </a:r>
-            <a:endParaRPr lang="en-GB" dirty="0"/>
-          </a:p>
-          <a:p>
-            <a:pPr lvl="1"/>
-            <a:endParaRPr lang="en-GB" dirty="0"/>
-          </a:p>
-          <a:p>
-            <a:r>
-              <a:rPr lang="en-US" dirty="0"/>
-              <a:t>The project doesn’t end at the planned time (it’s a problem)</a:t>
-            </a:r>
-          </a:p>
-          <a:p>
-            <a:pPr lvl="1"/>
-            <a:r>
-              <a:rPr lang="en-US" b="1" dirty="0"/>
-              <a:t>Mitigation Plan</a:t>
-            </a:r>
-            <a:r>
-              <a:rPr lang="en-US" dirty="0"/>
-              <a:t>: redistribution the tasks</a:t>
-            </a:r>
-          </a:p>
-          <a:p>
-            <a:pPr marL="0" indent="0">
-              <a:buNone/>
-            </a:pPr>
-            <a:endParaRPr lang="en-GB" dirty="0"/>
-          </a:p>
-        </p:txBody>
-      </p:sp>
-    </p:spTree>
-    <p:extLst>
-      <p:ext uri="{BB962C8B-B14F-4D97-AF65-F5344CB8AC3E}">
-        <p14:creationId xmlns:p14="http://schemas.microsoft.com/office/powerpoint/2010/main" xmlns="" val="2359148607"/>
-      </p:ext>
-    </p:extLst>
-  </p:cSld>
-  <p:clrMapOvr>
-    <a:masterClrMapping/>
-  </p:clrMapOvr>
-</p:sld>
-</file>
-
-<file path=ppt/slides/slide25.xml><?xml version="1.0" encoding="utf-8"?>
-<p:sld xmlns:a="http://schemas.openxmlformats.org/drawingml/2006/main" xmlns:r="http://schemas.openxmlformats.org/officeDocument/2006/relationships" xmlns:p="http://schemas.openxmlformats.org/presentationml/2006/main">
-  <p:cSld>
-    <p:spTree>
-      <p:nvGrpSpPr>
-        <p:cNvPr id="1" name=""/>
-        <p:cNvGrpSpPr/>
-        <p:nvPr/>
-      </p:nvGrpSpPr>
-      <p:grpSpPr>
-        <a:xfrm>
-          <a:off x="0" y="0"/>
-          <a:ext cx="0" cy="0"/>
-          <a:chOff x="0" y="0"/>
-          <a:chExt cx="0" cy="0"/>
-        </a:xfrm>
-      </p:grpSpPr>
-      <p:sp>
-        <p:nvSpPr>
-          <p:cNvPr id="2" name="Título 1"/>
-          <p:cNvSpPr>
-            <a:spLocks noGrp="1"/>
-          </p:cNvSpPr>
-          <p:nvPr>
-            <p:ph type="title"/>
-          </p:nvPr>
-        </p:nvSpPr>
-        <p:spPr/>
-        <p:txBody>
-          <a:bodyPr/>
-          <a:lstStyle/>
-          <a:p>
-            <a:r>
-              <a:rPr lang="en-US" dirty="0" smtClean="0"/>
-              <a:t>Product Demonstration</a:t>
-            </a:r>
-            <a:endParaRPr lang="en-US" dirty="0"/>
-          </a:p>
-        </p:txBody>
-      </p:sp>
-      <p:sp>
-        <p:nvSpPr>
-          <p:cNvPr id="3" name="Marcador de Posição do Texto 2"/>
-          <p:cNvSpPr>
-            <a:spLocks noGrp="1"/>
-          </p:cNvSpPr>
-          <p:nvPr>
-            <p:ph type="body" idx="1"/>
-          </p:nvPr>
-        </p:nvSpPr>
-        <p:spPr/>
-        <p:txBody>
-          <a:bodyPr/>
-          <a:lstStyle/>
-          <a:p>
-            <a:r>
-              <a:rPr lang="pt-PT" dirty="0" smtClean="0"/>
-              <a:t>David João</a:t>
-            </a:r>
-            <a:endParaRPr lang="pt-PT" dirty="0"/>
-          </a:p>
-        </p:txBody>
-      </p:sp>
-    </p:spTree>
   </p:cSld>
   <p:clrMapOvr>
     <a:masterClrMapping/>
@@ -12254,7 +13285,11 @@
           <a:bodyPr/>
           <a:lstStyle/>
           <a:p>
-            <a:endParaRPr lang="pt-PT"/>
+            <a:r>
+              <a:rPr lang="en-US" dirty="0"/>
+              <a:t>Risk Management</a:t>
+            </a:r>
+            <a:endParaRPr lang="en-GB" dirty="0"/>
           </a:p>
         </p:txBody>
       </p:sp>
@@ -12270,14 +13305,131 @@
         </p:nvSpPr>
         <p:spPr/>
         <p:txBody>
-          <a:bodyPr/>
+          <a:bodyPr>
+            <a:normAutofit fontScale="85000" lnSpcReduction="10000"/>
+          </a:bodyPr>
           <a:lstStyle/>
           <a:p>
-            <a:endParaRPr lang="pt-PT"/>
+            <a:r>
+              <a:rPr lang="en-GB" b="1" dirty="0"/>
+              <a:t>1º</a:t>
+            </a:r>
+            <a:r>
+              <a:rPr lang="en-GB" dirty="0"/>
+              <a:t> - Lack of knowledge on technology</a:t>
+            </a:r>
+            <a:r>
+              <a:rPr lang="en-GB" b="1" dirty="0"/>
+              <a:t>:</a:t>
+            </a:r>
+          </a:p>
+          <a:p>
+            <a:pPr lvl="1"/>
+            <a:r>
+              <a:rPr lang="en-GB" b="1" dirty="0"/>
+              <a:t>Probability:</a:t>
+            </a:r>
+            <a:r>
+              <a:rPr lang="en-GB" dirty="0"/>
+              <a:t> 3</a:t>
+            </a:r>
+          </a:p>
+          <a:p>
+            <a:pPr lvl="1"/>
+            <a:r>
+              <a:rPr lang="en-GB" b="1" dirty="0"/>
+              <a:t>Impact:</a:t>
+            </a:r>
+            <a:r>
+              <a:rPr lang="en-GB" dirty="0"/>
+              <a:t> 3</a:t>
+            </a:r>
+          </a:p>
+          <a:p>
+            <a:pPr lvl="1"/>
+            <a:r>
+              <a:rPr lang="en-GB" b="1" dirty="0"/>
+              <a:t>Team Member:</a:t>
+            </a:r>
+            <a:r>
+              <a:rPr lang="en-GB" dirty="0"/>
+              <a:t> João Girão, Mário Oliveira, David Silva, João Martins, Carla Machado and Filipe </a:t>
+            </a:r>
+            <a:r>
+              <a:rPr lang="en-GB" dirty="0" err="1"/>
+              <a:t>Brandão</a:t>
+            </a:r>
+            <a:r>
+              <a:rPr lang="en-GB" dirty="0"/>
+              <a:t> </a:t>
+            </a:r>
+          </a:p>
+          <a:p>
+            <a:pPr lvl="1"/>
+            <a:r>
+              <a:rPr lang="en-GB" b="1" dirty="0"/>
+              <a:t>Avoidance:</a:t>
+            </a:r>
+            <a:r>
+              <a:rPr lang="en-GB" dirty="0"/>
+              <a:t> </a:t>
+            </a:r>
+            <a:r>
+              <a:rPr lang="en-US" dirty="0"/>
+              <a:t>To reduce probability all interfaces must be created and managed by Rui </a:t>
+            </a:r>
+            <a:r>
+              <a:rPr lang="en-US" dirty="0" err="1"/>
+              <a:t>Ganhoto</a:t>
+            </a:r>
+            <a:r>
+              <a:rPr lang="en-US" dirty="0"/>
+              <a:t>.</a:t>
+            </a:r>
+          </a:p>
+          <a:p>
+            <a:pPr lvl="1"/>
+            <a:r>
+              <a:rPr lang="en-US" b="1" dirty="0"/>
+              <a:t>Minimization:</a:t>
+            </a:r>
+            <a:r>
+              <a:rPr lang="en-US" dirty="0"/>
+              <a:t> To reduce Impact Rui </a:t>
+            </a:r>
+            <a:r>
+              <a:rPr lang="en-US" dirty="0" err="1"/>
+              <a:t>Ganhoto</a:t>
+            </a:r>
+            <a:r>
+              <a:rPr lang="en-US" dirty="0"/>
+              <a:t> must give some formation to every team members. </a:t>
+            </a:r>
+          </a:p>
+          <a:p>
+            <a:pPr lvl="1"/>
+            <a:r>
+              <a:rPr lang="en-US" b="1" dirty="0"/>
+              <a:t>Contingency: </a:t>
+            </a:r>
+            <a:r>
+              <a:rPr lang="en-US" dirty="0"/>
+              <a:t>Negotiate interface with the client and avoid WPF, windows forms would be an easier option for static content</a:t>
+            </a:r>
+            <a:r>
+              <a:rPr lang="en-US" dirty="0" smtClean="0"/>
+              <a:t>.</a:t>
+            </a:r>
+            <a:endParaRPr lang="en-GB" dirty="0"/>
           </a:p>
         </p:txBody>
       </p:sp>
     </p:spTree>
+    <p:extLst>
+      <p:ext uri="{BB962C8B-B14F-4D97-AF65-F5344CB8AC3E}">
+        <p14:creationId xmlns:p14="http://schemas.microsoft.com/office/powerpoint/2010/main" val="576009203"/>
+      </p:ext>
+    </p:extLst>
   </p:cSld>
   <p:clrMapOvr>
     <a:masterClrMapping/>
@@ -12318,37 +13470,115 @@
           <a:lstStyle/>
           <a:p>
             <a:r>
-              <a:rPr lang="en-US" dirty="0" smtClean="0"/>
-              <a:t>Analysis and Conclusions</a:t>
-            </a:r>
-            <a:endParaRPr lang="en-US" dirty="0"/>
-          </a:p>
-        </p:txBody>
-      </p:sp>
-      <p:sp>
-        <p:nvSpPr>
-          <p:cNvPr id="3" name="Marcador de Posição do Texto 2"/>
-          <p:cNvSpPr>
-            <a:spLocks noGrp="1"/>
-          </p:cNvSpPr>
-          <p:nvPr>
-            <p:ph type="body" idx="1"/>
+              <a:rPr lang="en-US" dirty="0"/>
+              <a:t>Risk Management</a:t>
+            </a:r>
+            <a:endParaRPr lang="en-GB" dirty="0"/>
+          </a:p>
+        </p:txBody>
+      </p:sp>
+      <p:sp>
+        <p:nvSpPr>
+          <p:cNvPr id="3" name="Marcador de Posição de Conteúdo 2"/>
+          <p:cNvSpPr>
+            <a:spLocks noGrp="1"/>
+          </p:cNvSpPr>
+          <p:nvPr>
+            <p:ph idx="1"/>
           </p:nvPr>
         </p:nvSpPr>
         <p:spPr/>
         <p:txBody>
-          <a:bodyPr/>
+          <a:bodyPr>
+            <a:normAutofit fontScale="92500" lnSpcReduction="10000"/>
+          </a:bodyPr>
           <a:lstStyle/>
           <a:p>
             <a:r>
-              <a:rPr lang="pt-PT" dirty="0" smtClean="0"/>
-              <a:t>Team</a:t>
-            </a:r>
-            <a:endParaRPr lang="pt-PT" dirty="0"/>
+              <a:rPr lang="en-GB" dirty="0"/>
+              <a:t>2º - Project Plan is over budget</a:t>
+            </a:r>
+          </a:p>
+          <a:p>
+            <a:pPr lvl="1"/>
+            <a:r>
+              <a:rPr lang="en-GB" b="1" dirty="0"/>
+              <a:t>Probability</a:t>
+            </a:r>
+            <a:r>
+              <a:rPr lang="en-GB" dirty="0"/>
+              <a:t>: 3</a:t>
+            </a:r>
+          </a:p>
+          <a:p>
+            <a:pPr lvl="1"/>
+            <a:r>
+              <a:rPr lang="en-GB" b="1" dirty="0"/>
+              <a:t>Impact</a:t>
+            </a:r>
+            <a:r>
+              <a:rPr lang="en-GB" dirty="0"/>
+              <a:t>: 2</a:t>
+            </a:r>
+          </a:p>
+          <a:p>
+            <a:pPr lvl="1"/>
+            <a:r>
+              <a:rPr lang="en-GB" b="1" dirty="0"/>
+              <a:t>Team Member</a:t>
+            </a:r>
+            <a:r>
+              <a:rPr lang="en-GB" dirty="0"/>
+              <a:t>: Everyone</a:t>
+            </a:r>
+          </a:p>
+          <a:p>
+            <a:pPr lvl="1"/>
+            <a:r>
+              <a:rPr lang="en-GB" dirty="0"/>
+              <a:t>Resolved with the </a:t>
+            </a:r>
+            <a:r>
+              <a:rPr lang="en-GB" dirty="0" err="1"/>
+              <a:t>Reestimation</a:t>
+            </a:r>
+            <a:endParaRPr lang="en-GB" dirty="0"/>
+          </a:p>
+          <a:p>
+            <a:pPr lvl="1"/>
+            <a:endParaRPr lang="en-GB" dirty="0"/>
+          </a:p>
+          <a:p>
+            <a:r>
+              <a:rPr lang="en-US" dirty="0"/>
+              <a:t>The project doesn’t end at the planned time (it’s a problem)</a:t>
+            </a:r>
+          </a:p>
+          <a:p>
+            <a:pPr lvl="1"/>
+            <a:r>
+              <a:rPr lang="en-US" b="1" dirty="0"/>
+              <a:t>Mitigation Plan</a:t>
+            </a:r>
+            <a:r>
+              <a:rPr lang="en-US" dirty="0"/>
+              <a:t>: redistribution the tasks</a:t>
+            </a:r>
+          </a:p>
+          <a:p>
+            <a:pPr marL="0" indent="0">
+              <a:buNone/>
+            </a:pPr>
+            <a:endParaRPr lang="en-GB" dirty="0"/>
           </a:p>
         </p:txBody>
       </p:sp>
     </p:spTree>
+    <p:extLst>
+      <p:ext uri="{BB962C8B-B14F-4D97-AF65-F5344CB8AC3E}">
+        <p14:creationId xmlns:p14="http://schemas.microsoft.com/office/powerpoint/2010/main" val="2359148607"/>
+      </p:ext>
+    </p:extLst>
   </p:cSld>
   <p:clrMapOvr>
     <a:masterClrMapping/>
@@ -12389,21 +13619,21 @@
           <a:lstStyle/>
           <a:p>
             <a:r>
-              <a:rPr lang="pt-PT" dirty="0" smtClean="0"/>
-              <a:t>Global</a:t>
-            </a:r>
-            <a:endParaRPr lang="pt-PT" dirty="0"/>
-          </a:p>
-        </p:txBody>
-      </p:sp>
-      <p:sp>
-        <p:nvSpPr>
-          <p:cNvPr id="3" name="Marcador de Posição de Conteúdo 2"/>
-          <p:cNvSpPr>
-            <a:spLocks noGrp="1"/>
-          </p:cNvSpPr>
-          <p:nvPr>
-            <p:ph idx="1"/>
+              <a:rPr lang="en-US" dirty="0" smtClean="0"/>
+              <a:t>Product Demonstration</a:t>
+            </a:r>
+            <a:endParaRPr lang="en-US" dirty="0"/>
+          </a:p>
+        </p:txBody>
+      </p:sp>
+      <p:sp>
+        <p:nvSpPr>
+          <p:cNvPr id="3" name="Marcador de Posição do Texto 2"/>
+          <p:cNvSpPr>
+            <a:spLocks noGrp="1"/>
+          </p:cNvSpPr>
+          <p:nvPr>
+            <p:ph type="body" idx="1"/>
           </p:nvPr>
         </p:nvSpPr>
         <p:spPr/>
@@ -12411,7 +13641,11 @@
           <a:bodyPr/>
           <a:lstStyle/>
           <a:p>
-            <a:endParaRPr lang="pt-PT"/>
+            <a:r>
+              <a:rPr lang="pt-PT" dirty="0" smtClean="0"/>
+              <a:t>David João</a:t>
+            </a:r>
+            <a:endParaRPr lang="pt-PT" dirty="0"/>
           </a:p>
         </p:txBody>
       </p:sp>
@@ -12420,6 +13654,13 @@
   <p:clrMapOvr>
     <a:masterClrMapping/>
   </p:clrMapOvr>
+  <p:timing>
+    <p:tnLst>
+      <p:par>
+        <p:cTn id="1" dur="indefinite" restart="never" nodeType="tmRoot"/>
+      </p:par>
+    </p:tnLst>
+  </p:timing>
 </p:sld>
 </file>
 
@@ -12455,11 +13696,7 @@
           <a:bodyPr/>
           <a:lstStyle/>
           <a:p>
-            <a:r>
-              <a:rPr lang="pt-PT" dirty="0" smtClean="0"/>
-              <a:t>Carla Machado</a:t>
-            </a:r>
-            <a:endParaRPr lang="pt-PT" dirty="0"/>
+            <a:endParaRPr lang="pt-PT"/>
           </a:p>
         </p:txBody>
       </p:sp>
@@ -12556,7 +13793,7 @@
     </p:spTree>
     <p:extLst>
       <p:ext uri="{BB962C8B-B14F-4D97-AF65-F5344CB8AC3E}">
-        <p14:creationId xmlns:p14="http://schemas.microsoft.com/office/powerpoint/2010/main" xmlns="" val="755519461"/>
+        <p14:creationId xmlns:p14="http://schemas.microsoft.com/office/powerpoint/2010/main" val="755519461"/>
       </p:ext>
     </p:extLst>
   </p:cSld>
@@ -12606,21 +13843,21 @@
           <a:lstStyle/>
           <a:p>
             <a:r>
-              <a:rPr lang="pt-PT" dirty="0" smtClean="0"/>
-              <a:t>David João</a:t>
-            </a:r>
-            <a:endParaRPr lang="pt-PT" dirty="0"/>
-          </a:p>
-        </p:txBody>
-      </p:sp>
-      <p:sp>
-        <p:nvSpPr>
-          <p:cNvPr id="3" name="Marcador de Posição de Conteúdo 2"/>
-          <p:cNvSpPr>
-            <a:spLocks noGrp="1"/>
-          </p:cNvSpPr>
-          <p:nvPr>
-            <p:ph idx="1"/>
+              <a:rPr lang="en-US" dirty="0" smtClean="0"/>
+              <a:t>Analysis and Conclusions</a:t>
+            </a:r>
+            <a:endParaRPr lang="en-US" dirty="0"/>
+          </a:p>
+        </p:txBody>
+      </p:sp>
+      <p:sp>
+        <p:nvSpPr>
+          <p:cNvPr id="3" name="Marcador de Posição do Texto 2"/>
+          <p:cNvSpPr>
+            <a:spLocks noGrp="1"/>
+          </p:cNvSpPr>
+          <p:nvPr>
+            <p:ph type="body" idx="1"/>
           </p:nvPr>
         </p:nvSpPr>
         <p:spPr/>
@@ -12628,7 +13865,11 @@
           <a:bodyPr/>
           <a:lstStyle/>
           <a:p>
-            <a:endParaRPr lang="pt-PT"/>
+            <a:r>
+              <a:rPr lang="pt-PT" dirty="0" smtClean="0"/>
+              <a:t>Team</a:t>
+            </a:r>
+            <a:endParaRPr lang="pt-PT" dirty="0"/>
           </a:p>
         </p:txBody>
       </p:sp>
@@ -12674,7 +13915,7 @@
           <a:p>
             <a:r>
               <a:rPr lang="pt-PT" dirty="0" smtClean="0"/>
-              <a:t>Filipe Brandão</a:t>
+              <a:t>Global</a:t>
             </a:r>
             <a:endParaRPr lang="pt-PT" dirty="0"/>
           </a:p>
@@ -12741,7 +13982,7 @@
           <a:p>
             <a:r>
               <a:rPr lang="pt-PT" dirty="0" smtClean="0"/>
-              <a:t>João Girão</a:t>
+              <a:t>Carla Machado</a:t>
             </a:r>
             <a:endParaRPr lang="pt-PT" dirty="0"/>
           </a:p>
@@ -12808,7 +14049,7 @@
           <a:p>
             <a:r>
               <a:rPr lang="pt-PT" dirty="0" smtClean="0"/>
-              <a:t>João Martins</a:t>
+              <a:t>David João</a:t>
             </a:r>
             <a:endParaRPr lang="pt-PT" dirty="0"/>
           </a:p>
@@ -12875,7 +14116,7 @@
           <a:p>
             <a:r>
               <a:rPr lang="pt-PT" dirty="0" smtClean="0"/>
-              <a:t>Mário Oliveira</a:t>
+              <a:t>Filipe Brandão</a:t>
             </a:r>
             <a:endParaRPr lang="pt-PT" dirty="0"/>
           </a:p>
@@ -12942,6 +14183,207 @@
           <a:p>
             <a:r>
               <a:rPr lang="pt-PT" dirty="0" smtClean="0"/>
+              <a:t>João Girão</a:t>
+            </a:r>
+            <a:endParaRPr lang="pt-PT" dirty="0"/>
+          </a:p>
+        </p:txBody>
+      </p:sp>
+      <p:sp>
+        <p:nvSpPr>
+          <p:cNvPr id="3" name="Marcador de Posição de Conteúdo 2"/>
+          <p:cNvSpPr>
+            <a:spLocks noGrp="1"/>
+          </p:cNvSpPr>
+          <p:nvPr>
+            <p:ph idx="1"/>
+          </p:nvPr>
+        </p:nvSpPr>
+        <p:spPr/>
+        <p:txBody>
+          <a:bodyPr/>
+          <a:lstStyle/>
+          <a:p>
+            <a:endParaRPr lang="pt-PT"/>
+          </a:p>
+        </p:txBody>
+      </p:sp>
+    </p:spTree>
+  </p:cSld>
+  <p:clrMapOvr>
+    <a:masterClrMapping/>
+  </p:clrMapOvr>
+</p:sld>
+</file>
+
+<file path=ppt/slides/slide36.xml><?xml version="1.0" encoding="utf-8"?>
+<p:sld xmlns:a="http://schemas.openxmlformats.org/drawingml/2006/main" xmlns:r="http://schemas.openxmlformats.org/officeDocument/2006/relationships" xmlns:p="http://schemas.openxmlformats.org/presentationml/2006/main">
+  <p:cSld>
+    <p:spTree>
+      <p:nvGrpSpPr>
+        <p:cNvPr id="1" name=""/>
+        <p:cNvGrpSpPr/>
+        <p:nvPr/>
+      </p:nvGrpSpPr>
+      <p:grpSpPr>
+        <a:xfrm>
+          <a:off x="0" y="0"/>
+          <a:ext cx="0" cy="0"/>
+          <a:chOff x="0" y="0"/>
+          <a:chExt cx="0" cy="0"/>
+        </a:xfrm>
+      </p:grpSpPr>
+      <p:sp>
+        <p:nvSpPr>
+          <p:cNvPr id="2" name="Título 1"/>
+          <p:cNvSpPr>
+            <a:spLocks noGrp="1"/>
+          </p:cNvSpPr>
+          <p:nvPr>
+            <p:ph type="title"/>
+          </p:nvPr>
+        </p:nvSpPr>
+        <p:spPr/>
+        <p:txBody>
+          <a:bodyPr/>
+          <a:lstStyle/>
+          <a:p>
+            <a:r>
+              <a:rPr lang="pt-PT" dirty="0" smtClean="0"/>
+              <a:t>João Martins</a:t>
+            </a:r>
+            <a:endParaRPr lang="pt-PT" dirty="0"/>
+          </a:p>
+        </p:txBody>
+      </p:sp>
+      <p:sp>
+        <p:nvSpPr>
+          <p:cNvPr id="3" name="Marcador de Posição de Conteúdo 2"/>
+          <p:cNvSpPr>
+            <a:spLocks noGrp="1"/>
+          </p:cNvSpPr>
+          <p:nvPr>
+            <p:ph idx="1"/>
+          </p:nvPr>
+        </p:nvSpPr>
+        <p:spPr/>
+        <p:txBody>
+          <a:bodyPr/>
+          <a:lstStyle/>
+          <a:p>
+            <a:endParaRPr lang="pt-PT"/>
+          </a:p>
+        </p:txBody>
+      </p:sp>
+    </p:spTree>
+  </p:cSld>
+  <p:clrMapOvr>
+    <a:masterClrMapping/>
+  </p:clrMapOvr>
+</p:sld>
+</file>
+
+<file path=ppt/slides/slide37.xml><?xml version="1.0" encoding="utf-8"?>
+<p:sld xmlns:a="http://schemas.openxmlformats.org/drawingml/2006/main" xmlns:r="http://schemas.openxmlformats.org/officeDocument/2006/relationships" xmlns:p="http://schemas.openxmlformats.org/presentationml/2006/main">
+  <p:cSld>
+    <p:spTree>
+      <p:nvGrpSpPr>
+        <p:cNvPr id="1" name=""/>
+        <p:cNvGrpSpPr/>
+        <p:nvPr/>
+      </p:nvGrpSpPr>
+      <p:grpSpPr>
+        <a:xfrm>
+          <a:off x="0" y="0"/>
+          <a:ext cx="0" cy="0"/>
+          <a:chOff x="0" y="0"/>
+          <a:chExt cx="0" cy="0"/>
+        </a:xfrm>
+      </p:grpSpPr>
+      <p:sp>
+        <p:nvSpPr>
+          <p:cNvPr id="2" name="Título 1"/>
+          <p:cNvSpPr>
+            <a:spLocks noGrp="1"/>
+          </p:cNvSpPr>
+          <p:nvPr>
+            <p:ph type="title"/>
+          </p:nvPr>
+        </p:nvSpPr>
+        <p:spPr/>
+        <p:txBody>
+          <a:bodyPr/>
+          <a:lstStyle/>
+          <a:p>
+            <a:r>
+              <a:rPr lang="pt-PT" dirty="0" smtClean="0"/>
+              <a:t>Mário Oliveira</a:t>
+            </a:r>
+            <a:endParaRPr lang="pt-PT" dirty="0"/>
+          </a:p>
+        </p:txBody>
+      </p:sp>
+      <p:sp>
+        <p:nvSpPr>
+          <p:cNvPr id="3" name="Marcador de Posição de Conteúdo 2"/>
+          <p:cNvSpPr>
+            <a:spLocks noGrp="1"/>
+          </p:cNvSpPr>
+          <p:nvPr>
+            <p:ph idx="1"/>
+          </p:nvPr>
+        </p:nvSpPr>
+        <p:spPr/>
+        <p:txBody>
+          <a:bodyPr/>
+          <a:lstStyle/>
+          <a:p>
+            <a:endParaRPr lang="pt-PT"/>
+          </a:p>
+        </p:txBody>
+      </p:sp>
+    </p:spTree>
+  </p:cSld>
+  <p:clrMapOvr>
+    <a:masterClrMapping/>
+  </p:clrMapOvr>
+</p:sld>
+</file>
+
+<file path=ppt/slides/slide38.xml><?xml version="1.0" encoding="utf-8"?>
+<p:sld xmlns:a="http://schemas.openxmlformats.org/drawingml/2006/main" xmlns:r="http://schemas.openxmlformats.org/officeDocument/2006/relationships" xmlns:p="http://schemas.openxmlformats.org/presentationml/2006/main">
+  <p:cSld>
+    <p:spTree>
+      <p:nvGrpSpPr>
+        <p:cNvPr id="1" name=""/>
+        <p:cNvGrpSpPr/>
+        <p:nvPr/>
+      </p:nvGrpSpPr>
+      <p:grpSpPr>
+        <a:xfrm>
+          <a:off x="0" y="0"/>
+          <a:ext cx="0" cy="0"/>
+          <a:chOff x="0" y="0"/>
+          <a:chExt cx="0" cy="0"/>
+        </a:xfrm>
+      </p:grpSpPr>
+      <p:sp>
+        <p:nvSpPr>
+          <p:cNvPr id="2" name="Título 1"/>
+          <p:cNvSpPr>
+            <a:spLocks noGrp="1"/>
+          </p:cNvSpPr>
+          <p:nvPr>
+            <p:ph type="title"/>
+          </p:nvPr>
+        </p:nvSpPr>
+        <p:spPr/>
+        <p:txBody>
+          <a:bodyPr/>
+          <a:lstStyle/>
+          <a:p>
+            <a:r>
+              <a:rPr lang="pt-PT" dirty="0" smtClean="0"/>
               <a:t>Rui Ganhoto</a:t>
             </a:r>
             <a:endParaRPr lang="pt-PT" dirty="0"/>
@@ -13033,7 +14475,7 @@
     </p:spTree>
     <p:extLst>
       <p:ext uri="{BB962C8B-B14F-4D97-AF65-F5344CB8AC3E}">
-        <p14:creationId xmlns:p14="http://schemas.microsoft.com/office/powerpoint/2010/main" xmlns="" val="1515372593"/>
+        <p14:creationId xmlns:p14="http://schemas.microsoft.com/office/powerpoint/2010/main" val="1515372593"/>
       </p:ext>
     </p:extLst>
   </p:cSld>
@@ -13120,7 +14562,7 @@
     </p:spTree>
     <p:extLst>
       <p:ext uri="{BB962C8B-B14F-4D97-AF65-F5344CB8AC3E}">
-        <p14:creationId xmlns:p14="http://schemas.microsoft.com/office/powerpoint/2010/main" xmlns="" val="4109416244"/>
+        <p14:creationId xmlns:p14="http://schemas.microsoft.com/office/powerpoint/2010/main" val="4109416244"/>
       </p:ext>
     </p:extLst>
   </p:cSld>
@@ -13195,7 +14637,7 @@
     </p:spTree>
     <p:extLst>
       <p:ext uri="{BB962C8B-B14F-4D97-AF65-F5344CB8AC3E}">
-        <p14:creationId xmlns:p14="http://schemas.microsoft.com/office/powerpoint/2010/main" xmlns="" val="444568525"/>
+        <p14:creationId xmlns:p14="http://schemas.microsoft.com/office/powerpoint/2010/main" val="444568525"/>
       </p:ext>
     </p:extLst>
   </p:cSld>
@@ -13278,7 +14720,7 @@
     </p:spTree>
     <p:extLst>
       <p:ext uri="{BB962C8B-B14F-4D97-AF65-F5344CB8AC3E}">
-        <p14:creationId xmlns:p14="http://schemas.microsoft.com/office/powerpoint/2010/main" xmlns="" val="1036071785"/>
+        <p14:creationId xmlns:p14="http://schemas.microsoft.com/office/powerpoint/2010/main" val="1036071785"/>
       </p:ext>
     </p:extLst>
   </p:cSld>
@@ -13353,7 +14795,7 @@
     </p:spTree>
     <p:extLst>
       <p:ext uri="{BB962C8B-B14F-4D97-AF65-F5344CB8AC3E}">
-        <p14:creationId xmlns:p14="http://schemas.microsoft.com/office/powerpoint/2010/main" xmlns="" val="4029259654"/>
+        <p14:creationId xmlns:p14="http://schemas.microsoft.com/office/powerpoint/2010/main" val="4029259654"/>
       </p:ext>
     </p:extLst>
   </p:cSld>
@@ -13389,7 +14831,7 @@
       </p:grpSpPr>
       <p:sp>
         <p:nvSpPr>
-          <p:cNvPr id="4" name="Title 3"/>
+          <p:cNvPr id="5" name="Title 4"/>
           <p:cNvSpPr>
             <a:spLocks noGrp="1"/>
           </p:cNvSpPr>
@@ -13404,11 +14846,7 @@
           <a:p>
             <a:r>
               <a:rPr lang="en-US" dirty="0" smtClean="0"/>
-              <a:t>Document </a:t>
-            </a:r>
-            <a:r>
-              <a:rPr lang="en-US" dirty="0" err="1" smtClean="0"/>
-              <a:t>Managment</a:t>
+              <a:t>Requirements</a:t>
             </a:r>
             <a:endParaRPr lang="en-US" dirty="0"/>
           </a:p>
@@ -13416,43 +14854,566 @@
       </p:sp>
       <p:sp>
         <p:nvSpPr>
-          <p:cNvPr id="5" name="Text Placeholder 4"/>
-          <p:cNvSpPr>
-            <a:spLocks noGrp="1"/>
-          </p:cNvSpPr>
-          <p:nvPr>
-            <p:ph type="body" idx="1"/>
-          </p:nvPr>
-        </p:nvSpPr>
-        <p:spPr/>
+          <p:cNvPr id="6" name="Content Placeholder 5"/>
+          <p:cNvSpPr>
+            <a:spLocks noGrp="1"/>
+          </p:cNvSpPr>
+          <p:nvPr>
+            <p:ph idx="1"/>
+          </p:nvPr>
+        </p:nvSpPr>
+        <p:spPr>
+          <a:xfrm>
+            <a:off x="3504050" y="2578979"/>
+            <a:ext cx="1870207" cy="2993685"/>
+          </a:xfrm>
+        </p:spPr>
         <p:txBody>
           <a:bodyPr/>
           <a:lstStyle/>
           <a:p>
-            <a:r>
-              <a:rPr lang="pt-PT" dirty="0" smtClean="0"/>
-              <a:t>Mário Oliveira</a:t>
-            </a:r>
-            <a:endParaRPr lang="pt-PT" dirty="0"/>
+            <a:pPr marL="0" indent="0">
+              <a:buNone/>
+            </a:pPr>
+            <a:r>
+              <a:rPr lang="en-US" sz="2000" dirty="0" smtClean="0"/>
+              <a:t>Number of Initial </a:t>
+            </a:r>
+            <a:r>
+              <a:rPr lang="en-US" sz="2000" dirty="0" smtClean="0"/>
+              <a:t>Requirements</a:t>
+            </a:r>
+            <a:endParaRPr lang="en-US" dirty="0"/>
+          </a:p>
+          <a:p>
+            <a:pPr marL="0" indent="0" algn="ctr">
+              <a:buNone/>
+            </a:pPr>
+            <a:r>
+              <a:rPr lang="pt-PT" sz="6600" dirty="0" smtClean="0"/>
+              <a:t>66 </a:t>
+            </a:r>
+            <a:endParaRPr lang="en-US" sz="6600" dirty="0"/>
+          </a:p>
+        </p:txBody>
+      </p:sp>
+      <p:sp>
+        <p:nvSpPr>
+          <p:cNvPr id="7" name="Content Placeholder 5"/>
+          <p:cNvSpPr txBox="1">
+            <a:spLocks/>
+          </p:cNvSpPr>
+          <p:nvPr/>
+        </p:nvSpPr>
+        <p:spPr>
+          <a:xfrm>
+            <a:off x="5761296" y="2578979"/>
+            <a:ext cx="2269897" cy="4023360"/>
+          </a:xfrm>
+          <a:prstGeom prst="rect">
+            <a:avLst/>
+          </a:prstGeom>
+        </p:spPr>
+        <p:txBody>
+          <a:bodyPr vert="horz" lIns="0" tIns="45720" rIns="0" bIns="45720" rtlCol="0">
+            <a:normAutofit/>
+          </a:bodyPr>
+          <a:lstStyle>
+            <a:lvl1pPr marL="91440" indent="-91440" algn="l" defTabSz="914400" rtl="0" eaLnBrk="1" latinLnBrk="0" hangingPunct="1">
+              <a:lnSpc>
+                <a:spcPct val="90000"/>
+              </a:lnSpc>
+              <a:spcBef>
+                <a:spcPts val="1200"/>
+              </a:spcBef>
+              <a:spcAft>
+                <a:spcPts val="200"/>
+              </a:spcAft>
+              <a:buClr>
+                <a:schemeClr val="accent1"/>
+              </a:buClr>
+              <a:buSzPct val="100000"/>
+              <a:buFont typeface="Calibri" panose="020F0502020204030204" pitchFamily="34" charset="0"/>
+              <a:buChar char=" "/>
+              <a:defRPr sz="2000" kern="1200">
+                <a:solidFill>
+                  <a:schemeClr val="tx1">
+                    <a:lumMod val="75000"/>
+                    <a:lumOff val="25000"/>
+                  </a:schemeClr>
+                </a:solidFill>
+                <a:latin typeface="+mn-lt"/>
+                <a:ea typeface="+mn-ea"/>
+                <a:cs typeface="+mn-cs"/>
+              </a:defRPr>
+            </a:lvl1pPr>
+            <a:lvl2pPr marL="384048" indent="-182880" algn="l" defTabSz="914400" rtl="0" eaLnBrk="1" latinLnBrk="0" hangingPunct="1">
+              <a:lnSpc>
+                <a:spcPct val="90000"/>
+              </a:lnSpc>
+              <a:spcBef>
+                <a:spcPts val="200"/>
+              </a:spcBef>
+              <a:spcAft>
+                <a:spcPts val="400"/>
+              </a:spcAft>
+              <a:buClr>
+                <a:schemeClr val="accent1"/>
+              </a:buClr>
+              <a:buFont typeface="Calibri" pitchFamily="34" charset="0"/>
+              <a:buChar char="◦"/>
+              <a:defRPr sz="1800" kern="1200">
+                <a:solidFill>
+                  <a:schemeClr val="tx1">
+                    <a:lumMod val="75000"/>
+                    <a:lumOff val="25000"/>
+                  </a:schemeClr>
+                </a:solidFill>
+                <a:latin typeface="+mn-lt"/>
+                <a:ea typeface="+mn-ea"/>
+                <a:cs typeface="+mn-cs"/>
+              </a:defRPr>
+            </a:lvl2pPr>
+            <a:lvl3pPr marL="566928" indent="-182880" algn="l" defTabSz="914400" rtl="0" eaLnBrk="1" latinLnBrk="0" hangingPunct="1">
+              <a:lnSpc>
+                <a:spcPct val="90000"/>
+              </a:lnSpc>
+              <a:spcBef>
+                <a:spcPts val="200"/>
+              </a:spcBef>
+              <a:spcAft>
+                <a:spcPts val="400"/>
+              </a:spcAft>
+              <a:buClr>
+                <a:schemeClr val="accent1"/>
+              </a:buClr>
+              <a:buFont typeface="Calibri" pitchFamily="34" charset="0"/>
+              <a:buChar char="◦"/>
+              <a:defRPr sz="1400" kern="1200">
+                <a:solidFill>
+                  <a:schemeClr val="tx1">
+                    <a:lumMod val="75000"/>
+                    <a:lumOff val="25000"/>
+                  </a:schemeClr>
+                </a:solidFill>
+                <a:latin typeface="+mn-lt"/>
+                <a:ea typeface="+mn-ea"/>
+                <a:cs typeface="+mn-cs"/>
+              </a:defRPr>
+            </a:lvl3pPr>
+            <a:lvl4pPr marL="749808" indent="-182880" algn="l" defTabSz="914400" rtl="0" eaLnBrk="1" latinLnBrk="0" hangingPunct="1">
+              <a:lnSpc>
+                <a:spcPct val="90000"/>
+              </a:lnSpc>
+              <a:spcBef>
+                <a:spcPts val="200"/>
+              </a:spcBef>
+              <a:spcAft>
+                <a:spcPts val="400"/>
+              </a:spcAft>
+              <a:buClr>
+                <a:schemeClr val="accent1"/>
+              </a:buClr>
+              <a:buFont typeface="Calibri" pitchFamily="34" charset="0"/>
+              <a:buChar char="◦"/>
+              <a:defRPr sz="1400" kern="1200">
+                <a:solidFill>
+                  <a:schemeClr val="tx1">
+                    <a:lumMod val="75000"/>
+                    <a:lumOff val="25000"/>
+                  </a:schemeClr>
+                </a:solidFill>
+                <a:latin typeface="+mn-lt"/>
+                <a:ea typeface="+mn-ea"/>
+                <a:cs typeface="+mn-cs"/>
+              </a:defRPr>
+            </a:lvl4pPr>
+            <a:lvl5pPr marL="932688" indent="-182880" algn="l" defTabSz="914400" rtl="0" eaLnBrk="1" latinLnBrk="0" hangingPunct="1">
+              <a:lnSpc>
+                <a:spcPct val="90000"/>
+              </a:lnSpc>
+              <a:spcBef>
+                <a:spcPts val="200"/>
+              </a:spcBef>
+              <a:spcAft>
+                <a:spcPts val="400"/>
+              </a:spcAft>
+              <a:buClr>
+                <a:schemeClr val="accent1"/>
+              </a:buClr>
+              <a:buFont typeface="Calibri" pitchFamily="34" charset="0"/>
+              <a:buChar char="◦"/>
+              <a:defRPr sz="1400" kern="1200">
+                <a:solidFill>
+                  <a:schemeClr val="tx1">
+                    <a:lumMod val="75000"/>
+                    <a:lumOff val="25000"/>
+                  </a:schemeClr>
+                </a:solidFill>
+                <a:latin typeface="+mn-lt"/>
+                <a:ea typeface="+mn-ea"/>
+                <a:cs typeface="+mn-cs"/>
+              </a:defRPr>
+            </a:lvl5pPr>
+            <a:lvl6pPr marL="1100000" indent="-228600" algn="l" defTabSz="914400" rtl="0" eaLnBrk="1" latinLnBrk="0" hangingPunct="1">
+              <a:lnSpc>
+                <a:spcPct val="90000"/>
+              </a:lnSpc>
+              <a:spcBef>
+                <a:spcPts val="200"/>
+              </a:spcBef>
+              <a:spcAft>
+                <a:spcPts val="400"/>
+              </a:spcAft>
+              <a:buClr>
+                <a:schemeClr val="accent1"/>
+              </a:buClr>
+              <a:buFont typeface="Calibri" pitchFamily="34" charset="0"/>
+              <a:buChar char="◦"/>
+              <a:defRPr sz="1400" kern="1200">
+                <a:solidFill>
+                  <a:schemeClr val="tx1">
+                    <a:lumMod val="75000"/>
+                    <a:lumOff val="25000"/>
+                  </a:schemeClr>
+                </a:solidFill>
+                <a:latin typeface="+mn-lt"/>
+                <a:ea typeface="+mn-ea"/>
+                <a:cs typeface="+mn-cs"/>
+              </a:defRPr>
+            </a:lvl6pPr>
+            <a:lvl7pPr marL="1300000" indent="-228600" algn="l" defTabSz="914400" rtl="0" eaLnBrk="1" latinLnBrk="0" hangingPunct="1">
+              <a:lnSpc>
+                <a:spcPct val="90000"/>
+              </a:lnSpc>
+              <a:spcBef>
+                <a:spcPts val="200"/>
+              </a:spcBef>
+              <a:spcAft>
+                <a:spcPts val="400"/>
+              </a:spcAft>
+              <a:buClr>
+                <a:schemeClr val="accent1"/>
+              </a:buClr>
+              <a:buFont typeface="Calibri" pitchFamily="34" charset="0"/>
+              <a:buChar char="◦"/>
+              <a:defRPr sz="1400" kern="1200">
+                <a:solidFill>
+                  <a:schemeClr val="tx1">
+                    <a:lumMod val="75000"/>
+                    <a:lumOff val="25000"/>
+                  </a:schemeClr>
+                </a:solidFill>
+                <a:latin typeface="+mn-lt"/>
+                <a:ea typeface="+mn-ea"/>
+                <a:cs typeface="+mn-cs"/>
+              </a:defRPr>
+            </a:lvl7pPr>
+            <a:lvl8pPr marL="1500000" indent="-228600" algn="l" defTabSz="914400" rtl="0" eaLnBrk="1" latinLnBrk="0" hangingPunct="1">
+              <a:lnSpc>
+                <a:spcPct val="90000"/>
+              </a:lnSpc>
+              <a:spcBef>
+                <a:spcPts val="200"/>
+              </a:spcBef>
+              <a:spcAft>
+                <a:spcPts val="400"/>
+              </a:spcAft>
+              <a:buClr>
+                <a:schemeClr val="accent1"/>
+              </a:buClr>
+              <a:buFont typeface="Calibri" pitchFamily="34" charset="0"/>
+              <a:buChar char="◦"/>
+              <a:defRPr sz="1400" kern="1200">
+                <a:solidFill>
+                  <a:schemeClr val="tx1">
+                    <a:lumMod val="75000"/>
+                    <a:lumOff val="25000"/>
+                  </a:schemeClr>
+                </a:solidFill>
+                <a:latin typeface="+mn-lt"/>
+                <a:ea typeface="+mn-ea"/>
+                <a:cs typeface="+mn-cs"/>
+              </a:defRPr>
+            </a:lvl8pPr>
+            <a:lvl9pPr marL="1700000" indent="-228600" algn="l" defTabSz="914400" rtl="0" eaLnBrk="1" latinLnBrk="0" hangingPunct="1">
+              <a:lnSpc>
+                <a:spcPct val="90000"/>
+              </a:lnSpc>
+              <a:spcBef>
+                <a:spcPts val="200"/>
+              </a:spcBef>
+              <a:spcAft>
+                <a:spcPts val="400"/>
+              </a:spcAft>
+              <a:buClr>
+                <a:schemeClr val="accent1"/>
+              </a:buClr>
+              <a:buFont typeface="Calibri" pitchFamily="34" charset="0"/>
+              <a:buChar char="◦"/>
+              <a:defRPr sz="1400" kern="1200">
+                <a:solidFill>
+                  <a:schemeClr val="tx1">
+                    <a:lumMod val="75000"/>
+                    <a:lumOff val="25000"/>
+                  </a:schemeClr>
+                </a:solidFill>
+                <a:latin typeface="+mn-lt"/>
+                <a:ea typeface="+mn-ea"/>
+                <a:cs typeface="+mn-cs"/>
+              </a:defRPr>
+            </a:lvl9pPr>
+          </a:lstStyle>
+          <a:p>
+            <a:r>
+              <a:rPr lang="en-US" dirty="0" smtClean="0"/>
+              <a:t>Number of Delivered Requirements</a:t>
+            </a:r>
+          </a:p>
+          <a:p>
+            <a:pPr marL="0" indent="0">
+              <a:buNone/>
+            </a:pPr>
+            <a:endParaRPr lang="en-US" dirty="0"/>
+          </a:p>
+          <a:p>
+            <a:pPr algn="ctr"/>
+            <a:r>
+              <a:rPr lang="en-US" sz="6600" dirty="0" smtClean="0"/>
+              <a:t>64</a:t>
+            </a:r>
+          </a:p>
+          <a:p>
+            <a:endParaRPr lang="en-US" dirty="0"/>
           </a:p>
         </p:txBody>
       </p:sp>
     </p:spTree>
     <p:extLst>
       <p:ext uri="{BB962C8B-B14F-4D97-AF65-F5344CB8AC3E}">
-        <p14:creationId xmlns:p14="http://schemas.microsoft.com/office/powerpoint/2010/main" xmlns="" val="1350559237"/>
+        <p14:creationId xmlns:p14="http://schemas.microsoft.com/office/powerpoint/2010/main" val="2323100813"/>
       </p:ext>
     </p:extLst>
   </p:cSld>
   <p:clrMapOvr>
     <a:masterClrMapping/>
   </p:clrMapOvr>
+  <mc:AlternateContent xmlns:mc="http://schemas.openxmlformats.org/markup-compatibility/2006">
+    <mc:Choice xmlns:p14="http://schemas.microsoft.com/office/powerpoint/2010/main" Requires="p14">
+      <p:transition p14:dur="0"/>
+    </mc:Choice>
+    <mc:Fallback>
+      <p:transition/>
+    </mc:Fallback>
+  </mc:AlternateContent>
   <p:timing>
     <p:tnLst>
       <p:par>
-        <p:cTn id="1" dur="indefinite" restart="never" nodeType="tmRoot"/>
+        <p:cTn id="1" dur="indefinite" restart="never" nodeType="tmRoot">
+          <p:childTnLst>
+            <p:seq concurrent="1" nextAc="seek">
+              <p:cTn id="2" dur="indefinite" nodeType="mainSeq">
+                <p:childTnLst>
+                  <p:par>
+                    <p:cTn id="3" fill="hold">
+                      <p:stCondLst>
+                        <p:cond delay="indefinite"/>
+                      </p:stCondLst>
+                      <p:childTnLst>
+                        <p:par>
+                          <p:cTn id="4" fill="hold">
+                            <p:stCondLst>
+                              <p:cond delay="0"/>
+                            </p:stCondLst>
+                            <p:childTnLst>
+                              <p:par>
+                                <p:cTn id="5" presetID="10" presetClass="entr" presetSubtype="0" fill="hold" grpId="0" nodeType="clickEffect">
+                                  <p:stCondLst>
+                                    <p:cond delay="0"/>
+                                  </p:stCondLst>
+                                  <p:childTnLst>
+                                    <p:set>
+                                      <p:cBhvr>
+                                        <p:cTn id="6" dur="1" fill="hold">
+                                          <p:stCondLst>
+                                            <p:cond delay="0"/>
+                                          </p:stCondLst>
+                                        </p:cTn>
+                                        <p:tgtEl>
+                                          <p:spTgt spid="6">
+                                            <p:txEl>
+                                              <p:pRg st="0" end="0"/>
+                                            </p:txEl>
+                                          </p:spTgt>
+                                        </p:tgtEl>
+                                        <p:attrNameLst>
+                                          <p:attrName>style.visibility</p:attrName>
+                                        </p:attrNameLst>
+                                      </p:cBhvr>
+                                      <p:to>
+                                        <p:strVal val="visible"/>
+                                      </p:to>
+                                    </p:set>
+                                    <p:animEffect transition="in" filter="fade">
+                                      <p:cBhvr>
+                                        <p:cTn id="7" dur="500"/>
+                                        <p:tgtEl>
+                                          <p:spTgt spid="6">
+                                            <p:txEl>
+                                              <p:pRg st="0" end="0"/>
+                                            </p:txEl>
+                                          </p:spTgt>
+                                        </p:tgtEl>
+                                      </p:cBhvr>
+                                    </p:animEffect>
+                                  </p:childTnLst>
+                                </p:cTn>
+                              </p:par>
+                            </p:childTnLst>
+                          </p:cTn>
+                        </p:par>
+                      </p:childTnLst>
+                    </p:cTn>
+                  </p:par>
+                  <p:par>
+                    <p:cTn id="8" fill="hold">
+                      <p:stCondLst>
+                        <p:cond delay="indefinite"/>
+                      </p:stCondLst>
+                      <p:childTnLst>
+                        <p:par>
+                          <p:cTn id="9" fill="hold">
+                            <p:stCondLst>
+                              <p:cond delay="0"/>
+                            </p:stCondLst>
+                            <p:childTnLst>
+                              <p:par>
+                                <p:cTn id="10" presetID="10" presetClass="entr" presetSubtype="0" fill="hold" grpId="0" nodeType="clickEffect">
+                                  <p:stCondLst>
+                                    <p:cond delay="0"/>
+                                  </p:stCondLst>
+                                  <p:childTnLst>
+                                    <p:set>
+                                      <p:cBhvr>
+                                        <p:cTn id="11" dur="1" fill="hold">
+                                          <p:stCondLst>
+                                            <p:cond delay="0"/>
+                                          </p:stCondLst>
+                                        </p:cTn>
+                                        <p:tgtEl>
+                                          <p:spTgt spid="6">
+                                            <p:txEl>
+                                              <p:pRg st="1" end="1"/>
+                                            </p:txEl>
+                                          </p:spTgt>
+                                        </p:tgtEl>
+                                        <p:attrNameLst>
+                                          <p:attrName>style.visibility</p:attrName>
+                                        </p:attrNameLst>
+                                      </p:cBhvr>
+                                      <p:to>
+                                        <p:strVal val="visible"/>
+                                      </p:to>
+                                    </p:set>
+                                    <p:animEffect transition="in" filter="fade">
+                                      <p:cBhvr>
+                                        <p:cTn id="12" dur="500"/>
+                                        <p:tgtEl>
+                                          <p:spTgt spid="6">
+                                            <p:txEl>
+                                              <p:pRg st="1" end="1"/>
+                                            </p:txEl>
+                                          </p:spTgt>
+                                        </p:tgtEl>
+                                      </p:cBhvr>
+                                    </p:animEffect>
+                                  </p:childTnLst>
+                                </p:cTn>
+                              </p:par>
+                            </p:childTnLst>
+                          </p:cTn>
+                        </p:par>
+                      </p:childTnLst>
+                    </p:cTn>
+                  </p:par>
+                  <p:par>
+                    <p:cTn id="13" fill="hold">
+                      <p:stCondLst>
+                        <p:cond delay="indefinite"/>
+                      </p:stCondLst>
+                      <p:childTnLst>
+                        <p:par>
+                          <p:cTn id="14" fill="hold">
+                            <p:stCondLst>
+                              <p:cond delay="0"/>
+                            </p:stCondLst>
+                            <p:childTnLst>
+                              <p:par>
+                                <p:cTn id="15" presetID="10" presetClass="entr" presetSubtype="0" fill="hold" grpId="0" nodeType="clickEffect">
+                                  <p:stCondLst>
+                                    <p:cond delay="0"/>
+                                  </p:stCondLst>
+                                  <p:childTnLst>
+                                    <p:set>
+                                      <p:cBhvr>
+                                        <p:cTn id="16" dur="1" fill="hold">
+                                          <p:stCondLst>
+                                            <p:cond delay="0"/>
+                                          </p:stCondLst>
+                                        </p:cTn>
+                                        <p:tgtEl>
+                                          <p:spTgt spid="7"/>
+                                        </p:tgtEl>
+                                        <p:attrNameLst>
+                                          <p:attrName>style.visibility</p:attrName>
+                                        </p:attrNameLst>
+                                      </p:cBhvr>
+                                      <p:to>
+                                        <p:strVal val="visible"/>
+                                      </p:to>
+                                    </p:set>
+                                    <p:animEffect transition="in" filter="fade">
+                                      <p:cBhvr>
+                                        <p:cTn id="17" dur="500"/>
+                                        <p:tgtEl>
+                                          <p:spTgt spid="7"/>
+                                        </p:tgtEl>
+                                      </p:cBhvr>
+                                    </p:animEffect>
+                                  </p:childTnLst>
+                                </p:cTn>
+                              </p:par>
+                            </p:childTnLst>
+                          </p:cTn>
+                        </p:par>
+                      </p:childTnLst>
+                    </p:cTn>
+                  </p:par>
+                </p:childTnLst>
+              </p:cTn>
+              <p:prevCondLst>
+                <p:cond evt="onPrev" delay="0">
+                  <p:tgtEl>
+                    <p:sldTgt/>
+                  </p:tgtEl>
+                </p:cond>
+              </p:prevCondLst>
+              <p:nextCondLst>
+                <p:cond evt="onNext" delay="0">
+                  <p:tgtEl>
+                    <p:sldTgt/>
+                  </p:tgtEl>
+                </p:cond>
+              </p:nextCondLst>
+            </p:seq>
+          </p:childTnLst>
+        </p:cTn>
       </p:par>
     </p:tnLst>
+    <p:bldLst>
+      <p:bldP spid="6" grpId="0" build="p"/>
+      <p:bldP spid="7" grpId="0"/>
+    </p:bldLst>
   </p:timing>
 </p:sld>
 </file>
@@ -13684,7 +15645,268 @@
   <a:extraClrSchemeLst/>
   <a:extLst>
     <a:ext uri="{05A4C25C-085E-4340-85A3-A5531E510DB2}">
-      <thm15:themeFamily xmlns:thm15="http://schemas.microsoft.com/office/thememl/2012/main" xmlns="" name="Organic" id="{28CDC826-8792-45C0-861B-85EB3ADEDA33}" vid="{E4E49EB0-FB00-41F5-9359-4843D783A23D}"/>
+      <thm15:themeFamily xmlns:thm15="http://schemas.microsoft.com/office/thememl/2012/main" name="Organic" id="{28CDC826-8792-45C0-861B-85EB3ADEDA33}" vid="{E4E49EB0-FB00-41F5-9359-4843D783A23D}"/>
+    </a:ext>
+  </a:extLst>
+</a:theme>
+</file>
+
+<file path=ppt/theme/theme2.xml><?xml version="1.0" encoding="utf-8"?>
+<a:theme xmlns:a="http://schemas.openxmlformats.org/drawingml/2006/main" name="Office Theme">
+  <a:themeElements>
+    <a:clrScheme name="Office">
+      <a:dk1>
+        <a:sysClr val="windowText" lastClr="000000"/>
+      </a:dk1>
+      <a:lt1>
+        <a:sysClr val="window" lastClr="FFFFFF"/>
+      </a:lt1>
+      <a:dk2>
+        <a:srgbClr val="44546A"/>
+      </a:dk2>
+      <a:lt2>
+        <a:srgbClr val="E7E6E6"/>
+      </a:lt2>
+      <a:accent1>
+        <a:srgbClr val="5B9BD5"/>
+      </a:accent1>
+      <a:accent2>
+        <a:srgbClr val="ED7D31"/>
+      </a:accent2>
+      <a:accent3>
+        <a:srgbClr val="A5A5A5"/>
+      </a:accent3>
+      <a:accent4>
+        <a:srgbClr val="FFC000"/>
+      </a:accent4>
+      <a:accent5>
+        <a:srgbClr val="4472C4"/>
+      </a:accent5>
+      <a:accent6>
+        <a:srgbClr val="70AD47"/>
+      </a:accent6>
+      <a:hlink>
+        <a:srgbClr val="0563C1"/>
+      </a:hlink>
+      <a:folHlink>
+        <a:srgbClr val="954F72"/>
+      </a:folHlink>
+    </a:clrScheme>
+    <a:fontScheme name="Office">
+      <a:majorFont>
+        <a:latin typeface="Calibri Light" panose="020F0302020204030204"/>
+        <a:ea typeface=""/>
+        <a:cs typeface=""/>
+        <a:font script="Jpan" typeface="ＭＳ Ｐゴシック"/>
+        <a:font script="Hang" typeface="맑은 고딕"/>
+        <a:font script="Hans" typeface="宋体"/>
+        <a:font script="Hant" typeface="新細明體"/>
+        <a:font script="Arab" typeface="Times New Roman"/>
+        <a:font script="Hebr" typeface="Times New Roman"/>
+        <a:font script="Thai" typeface="Angsana New"/>
+        <a:font script="Ethi" typeface="Nyala"/>
+        <a:font script="Beng" typeface="Vrinda"/>
+        <a:font script="Gujr" typeface="Shruti"/>
+        <a:font script="Khmr" typeface="MoolBoran"/>
+        <a:font script="Knda" typeface="Tunga"/>
+        <a:font script="Guru" typeface="Raavi"/>
+        <a:font script="Cans" typeface="Euphemia"/>
+        <a:font script="Cher" typeface="Plantagenet Cherokee"/>
+        <a:font script="Yiii" typeface="Microsoft Yi Baiti"/>
+        <a:font script="Tibt" typeface="Microsoft Himalaya"/>
+        <a:font script="Thaa" typeface="MV Boli"/>
+        <a:font script="Deva" typeface="Mangal"/>
+        <a:font script="Telu" typeface="Gautami"/>
+        <a:font script="Taml" typeface="Latha"/>
+        <a:font script="Syrc" typeface="Estrangelo Edessa"/>
+        <a:font script="Orya" typeface="Kalinga"/>
+        <a:font script="Mlym" typeface="Kartika"/>
+        <a:font script="Laoo" typeface="DokChampa"/>
+        <a:font script="Sinh" typeface="Iskoola Pota"/>
+        <a:font script="Mong" typeface="Mongolian Baiti"/>
+        <a:font script="Viet" typeface="Times New Roman"/>
+        <a:font script="Uigh" typeface="Microsoft Uighur"/>
+        <a:font script="Geor" typeface="Sylfaen"/>
+      </a:majorFont>
+      <a:minorFont>
+        <a:latin typeface="Calibri" panose="020F0502020204030204"/>
+        <a:ea typeface=""/>
+        <a:cs typeface=""/>
+        <a:font script="Jpan" typeface="ＭＳ Ｐゴシック"/>
+        <a:font script="Hang" typeface="맑은 고딕"/>
+        <a:font script="Hans" typeface="宋体"/>
+        <a:font script="Hant" typeface="新細明體"/>
+        <a:font script="Arab" typeface="Arial"/>
+        <a:font script="Hebr" typeface="Arial"/>
+        <a:font script="Thai" typeface="Cordia New"/>
+        <a:font script="Ethi" typeface="Nyala"/>
+        <a:font script="Beng" typeface="Vrinda"/>
+        <a:font script="Gujr" typeface="Shruti"/>
+        <a:font script="Khmr" typeface="DaunPenh"/>
+        <a:font script="Knda" typeface="Tunga"/>
+        <a:font script="Guru" typeface="Raavi"/>
+        <a:font script="Cans" typeface="Euphemia"/>
+        <a:font script="Cher" typeface="Plantagenet Cherokee"/>
+        <a:font script="Yiii" typeface="Microsoft Yi Baiti"/>
+        <a:font script="Tibt" typeface="Microsoft Himalaya"/>
+        <a:font script="Thaa" typeface="MV Boli"/>
+        <a:font script="Deva" typeface="Mangal"/>
+        <a:font script="Telu" typeface="Gautami"/>
+        <a:font script="Taml" typeface="Latha"/>
+        <a:font script="Syrc" typeface="Estrangelo Edessa"/>
+        <a:font script="Orya" typeface="Kalinga"/>
+        <a:font script="Mlym" typeface="Kartika"/>
+        <a:font script="Laoo" typeface="DokChampa"/>
+        <a:font script="Sinh" typeface="Iskoola Pota"/>
+        <a:font script="Mong" typeface="Mongolian Baiti"/>
+        <a:font script="Viet" typeface="Arial"/>
+        <a:font script="Uigh" typeface="Microsoft Uighur"/>
+        <a:font script="Geor" typeface="Sylfaen"/>
+      </a:minorFont>
+    </a:fontScheme>
+    <a:fmtScheme name="Office">
+      <a:fillStyleLst>
+        <a:solidFill>
+          <a:schemeClr val="phClr"/>
+        </a:solidFill>
+        <a:gradFill rotWithShape="1">
+          <a:gsLst>
+            <a:gs pos="0">
+              <a:schemeClr val="phClr">
+                <a:lumMod val="110000"/>
+                <a:satMod val="105000"/>
+                <a:tint val="67000"/>
+              </a:schemeClr>
+            </a:gs>
+            <a:gs pos="50000">
+              <a:schemeClr val="phClr">
+                <a:lumMod val="105000"/>
+                <a:satMod val="103000"/>
+                <a:tint val="73000"/>
+              </a:schemeClr>
+            </a:gs>
+            <a:gs pos="100000">
+              <a:schemeClr val="phClr">
+                <a:lumMod val="105000"/>
+                <a:satMod val="109000"/>
+                <a:tint val="81000"/>
+              </a:schemeClr>
+            </a:gs>
+          </a:gsLst>
+          <a:lin ang="5400000" scaled="0"/>
+        </a:gradFill>
+        <a:gradFill rotWithShape="1">
+          <a:gsLst>
+            <a:gs pos="0">
+              <a:schemeClr val="phClr">
+                <a:satMod val="103000"/>
+                <a:lumMod val="102000"/>
+                <a:tint val="94000"/>
+              </a:schemeClr>
+            </a:gs>
+            <a:gs pos="50000">
+              <a:schemeClr val="phClr">
+                <a:satMod val="110000"/>
+                <a:lumMod val="100000"/>
+                <a:shade val="100000"/>
+              </a:schemeClr>
+            </a:gs>
+            <a:gs pos="100000">
+              <a:schemeClr val="phClr">
+                <a:lumMod val="99000"/>
+                <a:satMod val="120000"/>
+                <a:shade val="78000"/>
+              </a:schemeClr>
+            </a:gs>
+          </a:gsLst>
+          <a:lin ang="5400000" scaled="0"/>
+        </a:gradFill>
+      </a:fillStyleLst>
+      <a:lnStyleLst>
+        <a:ln w="6350" cap="flat" cmpd="sng" algn="ctr">
+          <a:solidFill>
+            <a:schemeClr val="phClr"/>
+          </a:solidFill>
+          <a:prstDash val="solid"/>
+          <a:miter lim="800000"/>
+        </a:ln>
+        <a:ln w="12700" cap="flat" cmpd="sng" algn="ctr">
+          <a:solidFill>
+            <a:schemeClr val="phClr"/>
+          </a:solidFill>
+          <a:prstDash val="solid"/>
+          <a:miter lim="800000"/>
+        </a:ln>
+        <a:ln w="19050" cap="flat" cmpd="sng" algn="ctr">
+          <a:solidFill>
+            <a:schemeClr val="phClr"/>
+          </a:solidFill>
+          <a:prstDash val="solid"/>
+          <a:miter lim="800000"/>
+        </a:ln>
+      </a:lnStyleLst>
+      <a:effectStyleLst>
+        <a:effectStyle>
+          <a:effectLst/>
+        </a:effectStyle>
+        <a:effectStyle>
+          <a:effectLst/>
+        </a:effectStyle>
+        <a:effectStyle>
+          <a:effectLst>
+            <a:outerShdw blurRad="57150" dist="19050" dir="5400000" algn="ctr" rotWithShape="0">
+              <a:srgbClr val="000000">
+                <a:alpha val="63000"/>
+              </a:srgbClr>
+            </a:outerShdw>
+          </a:effectLst>
+        </a:effectStyle>
+      </a:effectStyleLst>
+      <a:bgFillStyleLst>
+        <a:solidFill>
+          <a:schemeClr val="phClr"/>
+        </a:solidFill>
+        <a:solidFill>
+          <a:schemeClr val="phClr">
+            <a:tint val="95000"/>
+            <a:satMod val="170000"/>
+          </a:schemeClr>
+        </a:solidFill>
+        <a:gradFill rotWithShape="1">
+          <a:gsLst>
+            <a:gs pos="0">
+              <a:schemeClr val="phClr">
+                <a:tint val="93000"/>
+                <a:satMod val="150000"/>
+                <a:shade val="98000"/>
+                <a:lumMod val="102000"/>
+              </a:schemeClr>
+            </a:gs>
+            <a:gs pos="50000">
+              <a:schemeClr val="phClr">
+                <a:tint val="98000"/>
+                <a:satMod val="130000"/>
+                <a:shade val="90000"/>
+                <a:lumMod val="103000"/>
+              </a:schemeClr>
+            </a:gs>
+            <a:gs pos="100000">
+              <a:schemeClr val="phClr">
+                <a:shade val="63000"/>
+                <a:satMod val="120000"/>
+              </a:schemeClr>
+            </a:gs>
+          </a:gsLst>
+          <a:lin ang="5400000" scaled="0"/>
+        </a:gradFill>
+      </a:bgFillStyleLst>
+    </a:fmtScheme>
+  </a:themeElements>
+  <a:objectDefaults/>
+  <a:extraClrSchemeLst/>
+  <a:extLst>
+    <a:ext uri="{05A4C25C-085E-4340-85A3-A5531E510DB2}">
+      <thm15:themeFamily xmlns:thm15="http://schemas.microsoft.com/office/thememl/2012/main" name="Office Theme" id="{62F939B6-93AF-4DB8-9C6B-D6C7DFDC589F}" vid="{4A3C46E8-61CC-4603-A589-7422A47A8E4A}"/>
     </a:ext>
   </a:extLst>
 </a:theme>

--- a/Final Presentation/Presentation.pptx
+++ b/Final Presentation/Presentation.pptx
@@ -5,47 +5,50 @@
     <p:sldMasterId id="2147484047" r:id="rId1"/>
   </p:sldMasterIdLst>
   <p:notesMasterIdLst>
-    <p:notesMasterId r:id="rId40"/>
+    <p:notesMasterId r:id="rId43"/>
   </p:notesMasterIdLst>
   <p:sldIdLst>
     <p:sldId id="256" r:id="rId2"/>
     <p:sldId id="257" r:id="rId3"/>
     <p:sldId id="268" r:id="rId4"/>
     <p:sldId id="258" r:id="rId5"/>
-    <p:sldId id="269" r:id="rId6"/>
-    <p:sldId id="270" r:id="rId7"/>
-    <p:sldId id="271" r:id="rId8"/>
-    <p:sldId id="272" r:id="rId9"/>
-    <p:sldId id="303" r:id="rId10"/>
-    <p:sldId id="304" r:id="rId11"/>
-    <p:sldId id="305" r:id="rId12"/>
-    <p:sldId id="273" r:id="rId13"/>
-    <p:sldId id="274" r:id="rId14"/>
-    <p:sldId id="276" r:id="rId15"/>
-    <p:sldId id="280" r:id="rId16"/>
-    <p:sldId id="293" r:id="rId17"/>
-    <p:sldId id="294" r:id="rId18"/>
-    <p:sldId id="295" r:id="rId19"/>
-    <p:sldId id="296" r:id="rId20"/>
-    <p:sldId id="297" r:id="rId21"/>
-    <p:sldId id="298" r:id="rId22"/>
-    <p:sldId id="279" r:id="rId23"/>
-    <p:sldId id="302" r:id="rId24"/>
-    <p:sldId id="301" r:id="rId25"/>
-    <p:sldId id="281" r:id="rId26"/>
-    <p:sldId id="299" r:id="rId27"/>
-    <p:sldId id="300" r:id="rId28"/>
-    <p:sldId id="284" r:id="rId29"/>
-    <p:sldId id="282" r:id="rId30"/>
-    <p:sldId id="285" r:id="rId31"/>
-    <p:sldId id="283" r:id="rId32"/>
-    <p:sldId id="286" r:id="rId33"/>
-    <p:sldId id="287" r:id="rId34"/>
-    <p:sldId id="288" r:id="rId35"/>
-    <p:sldId id="289" r:id="rId36"/>
-    <p:sldId id="290" r:id="rId37"/>
-    <p:sldId id="291" r:id="rId38"/>
-    <p:sldId id="292" r:id="rId39"/>
+    <p:sldId id="307" r:id="rId6"/>
+    <p:sldId id="308" r:id="rId7"/>
+    <p:sldId id="269" r:id="rId8"/>
+    <p:sldId id="270" r:id="rId9"/>
+    <p:sldId id="271" r:id="rId10"/>
+    <p:sldId id="272" r:id="rId11"/>
+    <p:sldId id="303" r:id="rId12"/>
+    <p:sldId id="304" r:id="rId13"/>
+    <p:sldId id="305" r:id="rId14"/>
+    <p:sldId id="273" r:id="rId15"/>
+    <p:sldId id="274" r:id="rId16"/>
+    <p:sldId id="276" r:id="rId17"/>
+    <p:sldId id="280" r:id="rId18"/>
+    <p:sldId id="293" r:id="rId19"/>
+    <p:sldId id="294" r:id="rId20"/>
+    <p:sldId id="295" r:id="rId21"/>
+    <p:sldId id="296" r:id="rId22"/>
+    <p:sldId id="297" r:id="rId23"/>
+    <p:sldId id="298" r:id="rId24"/>
+    <p:sldId id="279" r:id="rId25"/>
+    <p:sldId id="302" r:id="rId26"/>
+    <p:sldId id="301" r:id="rId27"/>
+    <p:sldId id="281" r:id="rId28"/>
+    <p:sldId id="299" r:id="rId29"/>
+    <p:sldId id="300" r:id="rId30"/>
+    <p:sldId id="284" r:id="rId31"/>
+    <p:sldId id="282" r:id="rId32"/>
+    <p:sldId id="285" r:id="rId33"/>
+    <p:sldId id="283" r:id="rId34"/>
+    <p:sldId id="286" r:id="rId35"/>
+    <p:sldId id="287" r:id="rId36"/>
+    <p:sldId id="288" r:id="rId37"/>
+    <p:sldId id="289" r:id="rId38"/>
+    <p:sldId id="290" r:id="rId39"/>
+    <p:sldId id="306" r:id="rId40"/>
+    <p:sldId id="291" r:id="rId41"/>
+    <p:sldId id="292" r:id="rId42"/>
   </p:sldIdLst>
   <p:sldSz cx="12192000" cy="6858000"/>
   <p:notesSz cx="6858000" cy="9144000"/>
@@ -4187,7 +4190,7 @@
           <a:p>
             <a:fld id="{75F283C9-5F19-4BE8-A7EE-73102BFD7277}" type="slidenum">
               <a:rPr lang="pt-PT" smtClean="0"/>
-              <a:t>11</a:t>
+              <a:t>13</a:t>
             </a:fld>
             <a:endParaRPr lang="pt-PT"/>
           </a:p>
@@ -9938,6 +9941,683 @@
 </file>
 
 <file path=ppt/slides/slide10.xml><?xml version="1.0" encoding="utf-8"?>
+<p:sld xmlns:a="http://schemas.openxmlformats.org/drawingml/2006/main" xmlns:r="http://schemas.openxmlformats.org/officeDocument/2006/relationships" xmlns:p="http://schemas.openxmlformats.org/presentationml/2006/main">
+  <p:cSld>
+    <p:spTree>
+      <p:nvGrpSpPr>
+        <p:cNvPr id="1" name=""/>
+        <p:cNvGrpSpPr/>
+        <p:nvPr/>
+      </p:nvGrpSpPr>
+      <p:grpSpPr>
+        <a:xfrm>
+          <a:off x="0" y="0"/>
+          <a:ext cx="0" cy="0"/>
+          <a:chOff x="0" y="0"/>
+          <a:chExt cx="0" cy="0"/>
+        </a:xfrm>
+      </p:grpSpPr>
+      <p:sp>
+        <p:nvSpPr>
+          <p:cNvPr id="2" name="Title 1"/>
+          <p:cNvSpPr>
+            <a:spLocks noGrp="1"/>
+          </p:cNvSpPr>
+          <p:nvPr>
+            <p:ph type="title"/>
+          </p:nvPr>
+        </p:nvSpPr>
+        <p:spPr/>
+        <p:txBody>
+          <a:bodyPr/>
+          <a:lstStyle/>
+          <a:p>
+            <a:endParaRPr lang="pt-PT" dirty="0"/>
+          </a:p>
+        </p:txBody>
+      </p:sp>
+      <p:sp>
+        <p:nvSpPr>
+          <p:cNvPr id="3" name="Content Placeholder 2"/>
+          <p:cNvSpPr>
+            <a:spLocks noGrp="1"/>
+          </p:cNvSpPr>
+          <p:nvPr>
+            <p:ph idx="1"/>
+          </p:nvPr>
+        </p:nvSpPr>
+        <p:spPr/>
+        <p:txBody>
+          <a:bodyPr/>
+          <a:lstStyle/>
+          <a:p>
+            <a:endParaRPr lang="pt-PT"/>
+          </a:p>
+        </p:txBody>
+      </p:sp>
+    </p:spTree>
+    <p:extLst>
+      <p:ext uri="{BB962C8B-B14F-4D97-AF65-F5344CB8AC3E}">
+        <p14:creationId xmlns:p14="http://schemas.microsoft.com/office/powerpoint/2010/main" val="4029259654"/>
+      </p:ext>
+    </p:extLst>
+  </p:cSld>
+  <p:clrMapOvr>
+    <a:masterClrMapping/>
+  </p:clrMapOvr>
+  <p:timing>
+    <p:tnLst>
+      <p:par>
+        <p:cTn id="1" dur="indefinite" restart="never" nodeType="tmRoot"/>
+      </p:par>
+    </p:tnLst>
+  </p:timing>
+</p:sld>
+</file>
+
+<file path=ppt/slides/slide11.xml><?xml version="1.0" encoding="utf-8"?>
+<p:sld xmlns:a="http://schemas.openxmlformats.org/drawingml/2006/main" xmlns:r="http://schemas.openxmlformats.org/officeDocument/2006/relationships" xmlns:p="http://schemas.openxmlformats.org/presentationml/2006/main">
+  <p:cSld>
+    <p:spTree>
+      <p:nvGrpSpPr>
+        <p:cNvPr id="1" name=""/>
+        <p:cNvGrpSpPr/>
+        <p:nvPr/>
+      </p:nvGrpSpPr>
+      <p:grpSpPr>
+        <a:xfrm>
+          <a:off x="0" y="0"/>
+          <a:ext cx="0" cy="0"/>
+          <a:chOff x="0" y="0"/>
+          <a:chExt cx="0" cy="0"/>
+        </a:xfrm>
+      </p:grpSpPr>
+      <p:sp>
+        <p:nvSpPr>
+          <p:cNvPr id="5" name="Title 4"/>
+          <p:cNvSpPr>
+            <a:spLocks noGrp="1"/>
+          </p:cNvSpPr>
+          <p:nvPr>
+            <p:ph type="title"/>
+          </p:nvPr>
+        </p:nvSpPr>
+        <p:spPr/>
+        <p:txBody>
+          <a:bodyPr/>
+          <a:lstStyle/>
+          <a:p>
+            <a:r>
+              <a:rPr lang="en-US" dirty="0" smtClean="0"/>
+              <a:t>Requirements</a:t>
+            </a:r>
+            <a:endParaRPr lang="en-US" dirty="0"/>
+          </a:p>
+        </p:txBody>
+      </p:sp>
+      <p:sp>
+        <p:nvSpPr>
+          <p:cNvPr id="6" name="Content Placeholder 5"/>
+          <p:cNvSpPr>
+            <a:spLocks noGrp="1"/>
+          </p:cNvSpPr>
+          <p:nvPr>
+            <p:ph idx="1"/>
+          </p:nvPr>
+        </p:nvSpPr>
+        <p:spPr>
+          <a:xfrm>
+            <a:off x="3504050" y="2578979"/>
+            <a:ext cx="1870207" cy="2993685"/>
+          </a:xfrm>
+        </p:spPr>
+        <p:txBody>
+          <a:bodyPr/>
+          <a:lstStyle/>
+          <a:p>
+            <a:pPr marL="0" indent="0">
+              <a:buNone/>
+            </a:pPr>
+            <a:r>
+              <a:rPr lang="en-US" sz="2000" dirty="0" smtClean="0"/>
+              <a:t>Number of Initial Requirements</a:t>
+            </a:r>
+            <a:endParaRPr lang="en-US" dirty="0"/>
+          </a:p>
+          <a:p>
+            <a:pPr marL="0" indent="0" algn="ctr">
+              <a:buNone/>
+            </a:pPr>
+            <a:r>
+              <a:rPr lang="pt-PT" sz="6600" dirty="0" smtClean="0"/>
+              <a:t>66 </a:t>
+            </a:r>
+            <a:endParaRPr lang="en-US" sz="6600" dirty="0"/>
+          </a:p>
+        </p:txBody>
+      </p:sp>
+      <p:sp>
+        <p:nvSpPr>
+          <p:cNvPr id="7" name="Content Placeholder 5"/>
+          <p:cNvSpPr txBox="1">
+            <a:spLocks/>
+          </p:cNvSpPr>
+          <p:nvPr/>
+        </p:nvSpPr>
+        <p:spPr>
+          <a:xfrm>
+            <a:off x="5761296" y="2578979"/>
+            <a:ext cx="2269897" cy="4023360"/>
+          </a:xfrm>
+          <a:prstGeom prst="rect">
+            <a:avLst/>
+          </a:prstGeom>
+        </p:spPr>
+        <p:txBody>
+          <a:bodyPr vert="horz" lIns="0" tIns="45720" rIns="0" bIns="45720" rtlCol="0">
+            <a:normAutofit/>
+          </a:bodyPr>
+          <a:lstStyle>
+            <a:lvl1pPr marL="91440" indent="-91440" algn="l" defTabSz="914400" rtl="0" eaLnBrk="1" latinLnBrk="0" hangingPunct="1">
+              <a:lnSpc>
+                <a:spcPct val="90000"/>
+              </a:lnSpc>
+              <a:spcBef>
+                <a:spcPts val="1200"/>
+              </a:spcBef>
+              <a:spcAft>
+                <a:spcPts val="200"/>
+              </a:spcAft>
+              <a:buClr>
+                <a:schemeClr val="accent1"/>
+              </a:buClr>
+              <a:buSzPct val="100000"/>
+              <a:buFont typeface="Calibri" panose="020F0502020204030204" pitchFamily="34" charset="0"/>
+              <a:buChar char=" "/>
+              <a:defRPr sz="2000" kern="1200">
+                <a:solidFill>
+                  <a:schemeClr val="tx1">
+                    <a:lumMod val="75000"/>
+                    <a:lumOff val="25000"/>
+                  </a:schemeClr>
+                </a:solidFill>
+                <a:latin typeface="+mn-lt"/>
+                <a:ea typeface="+mn-ea"/>
+                <a:cs typeface="+mn-cs"/>
+              </a:defRPr>
+            </a:lvl1pPr>
+            <a:lvl2pPr marL="384048" indent="-182880" algn="l" defTabSz="914400" rtl="0" eaLnBrk="1" latinLnBrk="0" hangingPunct="1">
+              <a:lnSpc>
+                <a:spcPct val="90000"/>
+              </a:lnSpc>
+              <a:spcBef>
+                <a:spcPts val="200"/>
+              </a:spcBef>
+              <a:spcAft>
+                <a:spcPts val="400"/>
+              </a:spcAft>
+              <a:buClr>
+                <a:schemeClr val="accent1"/>
+              </a:buClr>
+              <a:buFont typeface="Calibri" pitchFamily="34" charset="0"/>
+              <a:buChar char="◦"/>
+              <a:defRPr sz="1800" kern="1200">
+                <a:solidFill>
+                  <a:schemeClr val="tx1">
+                    <a:lumMod val="75000"/>
+                    <a:lumOff val="25000"/>
+                  </a:schemeClr>
+                </a:solidFill>
+                <a:latin typeface="+mn-lt"/>
+                <a:ea typeface="+mn-ea"/>
+                <a:cs typeface="+mn-cs"/>
+              </a:defRPr>
+            </a:lvl2pPr>
+            <a:lvl3pPr marL="566928" indent="-182880" algn="l" defTabSz="914400" rtl="0" eaLnBrk="1" latinLnBrk="0" hangingPunct="1">
+              <a:lnSpc>
+                <a:spcPct val="90000"/>
+              </a:lnSpc>
+              <a:spcBef>
+                <a:spcPts val="200"/>
+              </a:spcBef>
+              <a:spcAft>
+                <a:spcPts val="400"/>
+              </a:spcAft>
+              <a:buClr>
+                <a:schemeClr val="accent1"/>
+              </a:buClr>
+              <a:buFont typeface="Calibri" pitchFamily="34" charset="0"/>
+              <a:buChar char="◦"/>
+              <a:defRPr sz="1400" kern="1200">
+                <a:solidFill>
+                  <a:schemeClr val="tx1">
+                    <a:lumMod val="75000"/>
+                    <a:lumOff val="25000"/>
+                  </a:schemeClr>
+                </a:solidFill>
+                <a:latin typeface="+mn-lt"/>
+                <a:ea typeface="+mn-ea"/>
+                <a:cs typeface="+mn-cs"/>
+              </a:defRPr>
+            </a:lvl3pPr>
+            <a:lvl4pPr marL="749808" indent="-182880" algn="l" defTabSz="914400" rtl="0" eaLnBrk="1" latinLnBrk="0" hangingPunct="1">
+              <a:lnSpc>
+                <a:spcPct val="90000"/>
+              </a:lnSpc>
+              <a:spcBef>
+                <a:spcPts val="200"/>
+              </a:spcBef>
+              <a:spcAft>
+                <a:spcPts val="400"/>
+              </a:spcAft>
+              <a:buClr>
+                <a:schemeClr val="accent1"/>
+              </a:buClr>
+              <a:buFont typeface="Calibri" pitchFamily="34" charset="0"/>
+              <a:buChar char="◦"/>
+              <a:defRPr sz="1400" kern="1200">
+                <a:solidFill>
+                  <a:schemeClr val="tx1">
+                    <a:lumMod val="75000"/>
+                    <a:lumOff val="25000"/>
+                  </a:schemeClr>
+                </a:solidFill>
+                <a:latin typeface="+mn-lt"/>
+                <a:ea typeface="+mn-ea"/>
+                <a:cs typeface="+mn-cs"/>
+              </a:defRPr>
+            </a:lvl4pPr>
+            <a:lvl5pPr marL="932688" indent="-182880" algn="l" defTabSz="914400" rtl="0" eaLnBrk="1" latinLnBrk="0" hangingPunct="1">
+              <a:lnSpc>
+                <a:spcPct val="90000"/>
+              </a:lnSpc>
+              <a:spcBef>
+                <a:spcPts val="200"/>
+              </a:spcBef>
+              <a:spcAft>
+                <a:spcPts val="400"/>
+              </a:spcAft>
+              <a:buClr>
+                <a:schemeClr val="accent1"/>
+              </a:buClr>
+              <a:buFont typeface="Calibri" pitchFamily="34" charset="0"/>
+              <a:buChar char="◦"/>
+              <a:defRPr sz="1400" kern="1200">
+                <a:solidFill>
+                  <a:schemeClr val="tx1">
+                    <a:lumMod val="75000"/>
+                    <a:lumOff val="25000"/>
+                  </a:schemeClr>
+                </a:solidFill>
+                <a:latin typeface="+mn-lt"/>
+                <a:ea typeface="+mn-ea"/>
+                <a:cs typeface="+mn-cs"/>
+              </a:defRPr>
+            </a:lvl5pPr>
+            <a:lvl6pPr marL="1100000" indent="-228600" algn="l" defTabSz="914400" rtl="0" eaLnBrk="1" latinLnBrk="0" hangingPunct="1">
+              <a:lnSpc>
+                <a:spcPct val="90000"/>
+              </a:lnSpc>
+              <a:spcBef>
+                <a:spcPts val="200"/>
+              </a:spcBef>
+              <a:spcAft>
+                <a:spcPts val="400"/>
+              </a:spcAft>
+              <a:buClr>
+                <a:schemeClr val="accent1"/>
+              </a:buClr>
+              <a:buFont typeface="Calibri" pitchFamily="34" charset="0"/>
+              <a:buChar char="◦"/>
+              <a:defRPr sz="1400" kern="1200">
+                <a:solidFill>
+                  <a:schemeClr val="tx1">
+                    <a:lumMod val="75000"/>
+                    <a:lumOff val="25000"/>
+                  </a:schemeClr>
+                </a:solidFill>
+                <a:latin typeface="+mn-lt"/>
+                <a:ea typeface="+mn-ea"/>
+                <a:cs typeface="+mn-cs"/>
+              </a:defRPr>
+            </a:lvl6pPr>
+            <a:lvl7pPr marL="1300000" indent="-228600" algn="l" defTabSz="914400" rtl="0" eaLnBrk="1" latinLnBrk="0" hangingPunct="1">
+              <a:lnSpc>
+                <a:spcPct val="90000"/>
+              </a:lnSpc>
+              <a:spcBef>
+                <a:spcPts val="200"/>
+              </a:spcBef>
+              <a:spcAft>
+                <a:spcPts val="400"/>
+              </a:spcAft>
+              <a:buClr>
+                <a:schemeClr val="accent1"/>
+              </a:buClr>
+              <a:buFont typeface="Calibri" pitchFamily="34" charset="0"/>
+              <a:buChar char="◦"/>
+              <a:defRPr sz="1400" kern="1200">
+                <a:solidFill>
+                  <a:schemeClr val="tx1">
+                    <a:lumMod val="75000"/>
+                    <a:lumOff val="25000"/>
+                  </a:schemeClr>
+                </a:solidFill>
+                <a:latin typeface="+mn-lt"/>
+                <a:ea typeface="+mn-ea"/>
+                <a:cs typeface="+mn-cs"/>
+              </a:defRPr>
+            </a:lvl7pPr>
+            <a:lvl8pPr marL="1500000" indent="-228600" algn="l" defTabSz="914400" rtl="0" eaLnBrk="1" latinLnBrk="0" hangingPunct="1">
+              <a:lnSpc>
+                <a:spcPct val="90000"/>
+              </a:lnSpc>
+              <a:spcBef>
+                <a:spcPts val="200"/>
+              </a:spcBef>
+              <a:spcAft>
+                <a:spcPts val="400"/>
+              </a:spcAft>
+              <a:buClr>
+                <a:schemeClr val="accent1"/>
+              </a:buClr>
+              <a:buFont typeface="Calibri" pitchFamily="34" charset="0"/>
+              <a:buChar char="◦"/>
+              <a:defRPr sz="1400" kern="1200">
+                <a:solidFill>
+                  <a:schemeClr val="tx1">
+                    <a:lumMod val="75000"/>
+                    <a:lumOff val="25000"/>
+                  </a:schemeClr>
+                </a:solidFill>
+                <a:latin typeface="+mn-lt"/>
+                <a:ea typeface="+mn-ea"/>
+                <a:cs typeface="+mn-cs"/>
+              </a:defRPr>
+            </a:lvl8pPr>
+            <a:lvl9pPr marL="1700000" indent="-228600" algn="l" defTabSz="914400" rtl="0" eaLnBrk="1" latinLnBrk="0" hangingPunct="1">
+              <a:lnSpc>
+                <a:spcPct val="90000"/>
+              </a:lnSpc>
+              <a:spcBef>
+                <a:spcPts val="200"/>
+              </a:spcBef>
+              <a:spcAft>
+                <a:spcPts val="400"/>
+              </a:spcAft>
+              <a:buClr>
+                <a:schemeClr val="accent1"/>
+              </a:buClr>
+              <a:buFont typeface="Calibri" pitchFamily="34" charset="0"/>
+              <a:buChar char="◦"/>
+              <a:defRPr sz="1400" kern="1200">
+                <a:solidFill>
+                  <a:schemeClr val="tx1">
+                    <a:lumMod val="75000"/>
+                    <a:lumOff val="25000"/>
+                  </a:schemeClr>
+                </a:solidFill>
+                <a:latin typeface="+mn-lt"/>
+                <a:ea typeface="+mn-ea"/>
+                <a:cs typeface="+mn-cs"/>
+              </a:defRPr>
+            </a:lvl9pPr>
+          </a:lstStyle>
+          <a:p>
+            <a:r>
+              <a:rPr lang="en-US" dirty="0" smtClean="0"/>
+              <a:t>Number of Delivered Requirements</a:t>
+            </a:r>
+          </a:p>
+          <a:p>
+            <a:pPr marL="0" indent="0">
+              <a:buNone/>
+            </a:pPr>
+            <a:endParaRPr lang="en-US" dirty="0"/>
+          </a:p>
+          <a:p>
+            <a:pPr algn="ctr"/>
+            <a:r>
+              <a:rPr lang="en-US" sz="6600" dirty="0" smtClean="0"/>
+              <a:t>64</a:t>
+            </a:r>
+          </a:p>
+          <a:p>
+            <a:endParaRPr lang="en-US" dirty="0"/>
+          </a:p>
+        </p:txBody>
+      </p:sp>
+    </p:spTree>
+    <p:extLst>
+      <p:ext uri="{BB962C8B-B14F-4D97-AF65-F5344CB8AC3E}">
+        <p14:creationId xmlns:p14="http://schemas.microsoft.com/office/powerpoint/2010/main" val="2323100813"/>
+      </p:ext>
+    </p:extLst>
+  </p:cSld>
+  <p:clrMapOvr>
+    <a:masterClrMapping/>
+  </p:clrMapOvr>
+  <mc:AlternateContent xmlns:mc="http://schemas.openxmlformats.org/markup-compatibility/2006" xmlns:p14="http://schemas.microsoft.com/office/powerpoint/2010/main">
+    <mc:Choice Requires="p14">
+      <p:transition p14:dur="0"/>
+    </mc:Choice>
+    <mc:Fallback xmlns="">
+      <p:transition/>
+    </mc:Fallback>
+  </mc:AlternateContent>
+  <p:timing>
+    <p:tnLst>
+      <p:par>
+        <p:cTn id="1" dur="indefinite" restart="never" nodeType="tmRoot">
+          <p:childTnLst>
+            <p:seq concurrent="1" nextAc="seek">
+              <p:cTn id="2" dur="indefinite" nodeType="mainSeq">
+                <p:childTnLst>
+                  <p:par>
+                    <p:cTn id="3" fill="hold">
+                      <p:stCondLst>
+                        <p:cond delay="indefinite"/>
+                      </p:stCondLst>
+                      <p:childTnLst>
+                        <p:par>
+                          <p:cTn id="4" fill="hold">
+                            <p:stCondLst>
+                              <p:cond delay="0"/>
+                            </p:stCondLst>
+                            <p:childTnLst>
+                              <p:par>
+                                <p:cTn id="5" presetID="10" presetClass="entr" presetSubtype="0" fill="hold" grpId="0" nodeType="clickEffect">
+                                  <p:stCondLst>
+                                    <p:cond delay="0"/>
+                                  </p:stCondLst>
+                                  <p:childTnLst>
+                                    <p:set>
+                                      <p:cBhvr>
+                                        <p:cTn id="6" dur="1" fill="hold">
+                                          <p:stCondLst>
+                                            <p:cond delay="0"/>
+                                          </p:stCondLst>
+                                        </p:cTn>
+                                        <p:tgtEl>
+                                          <p:spTgt spid="6">
+                                            <p:txEl>
+                                              <p:pRg st="0" end="0"/>
+                                            </p:txEl>
+                                          </p:spTgt>
+                                        </p:tgtEl>
+                                        <p:attrNameLst>
+                                          <p:attrName>style.visibility</p:attrName>
+                                        </p:attrNameLst>
+                                      </p:cBhvr>
+                                      <p:to>
+                                        <p:strVal val="visible"/>
+                                      </p:to>
+                                    </p:set>
+                                    <p:animEffect transition="in" filter="fade">
+                                      <p:cBhvr>
+                                        <p:cTn id="7" dur="500"/>
+                                        <p:tgtEl>
+                                          <p:spTgt spid="6">
+                                            <p:txEl>
+                                              <p:pRg st="0" end="0"/>
+                                            </p:txEl>
+                                          </p:spTgt>
+                                        </p:tgtEl>
+                                      </p:cBhvr>
+                                    </p:animEffect>
+                                  </p:childTnLst>
+                                </p:cTn>
+                              </p:par>
+                            </p:childTnLst>
+                          </p:cTn>
+                        </p:par>
+                      </p:childTnLst>
+                    </p:cTn>
+                  </p:par>
+                  <p:par>
+                    <p:cTn id="8" fill="hold">
+                      <p:stCondLst>
+                        <p:cond delay="indefinite"/>
+                      </p:stCondLst>
+                      <p:childTnLst>
+                        <p:par>
+                          <p:cTn id="9" fill="hold">
+                            <p:stCondLst>
+                              <p:cond delay="0"/>
+                            </p:stCondLst>
+                            <p:childTnLst>
+                              <p:par>
+                                <p:cTn id="10" presetID="10" presetClass="entr" presetSubtype="0" fill="hold" grpId="0" nodeType="clickEffect">
+                                  <p:stCondLst>
+                                    <p:cond delay="0"/>
+                                  </p:stCondLst>
+                                  <p:childTnLst>
+                                    <p:set>
+                                      <p:cBhvr>
+                                        <p:cTn id="11" dur="1" fill="hold">
+                                          <p:stCondLst>
+                                            <p:cond delay="0"/>
+                                          </p:stCondLst>
+                                        </p:cTn>
+                                        <p:tgtEl>
+                                          <p:spTgt spid="6">
+                                            <p:txEl>
+                                              <p:pRg st="1" end="1"/>
+                                            </p:txEl>
+                                          </p:spTgt>
+                                        </p:tgtEl>
+                                        <p:attrNameLst>
+                                          <p:attrName>style.visibility</p:attrName>
+                                        </p:attrNameLst>
+                                      </p:cBhvr>
+                                      <p:to>
+                                        <p:strVal val="visible"/>
+                                      </p:to>
+                                    </p:set>
+                                    <p:animEffect transition="in" filter="fade">
+                                      <p:cBhvr>
+                                        <p:cTn id="12" dur="500"/>
+                                        <p:tgtEl>
+                                          <p:spTgt spid="6">
+                                            <p:txEl>
+                                              <p:pRg st="1" end="1"/>
+                                            </p:txEl>
+                                          </p:spTgt>
+                                        </p:tgtEl>
+                                      </p:cBhvr>
+                                    </p:animEffect>
+                                  </p:childTnLst>
+                                </p:cTn>
+                              </p:par>
+                            </p:childTnLst>
+                          </p:cTn>
+                        </p:par>
+                      </p:childTnLst>
+                    </p:cTn>
+                  </p:par>
+                  <p:par>
+                    <p:cTn id="13" fill="hold">
+                      <p:stCondLst>
+                        <p:cond delay="indefinite"/>
+                      </p:stCondLst>
+                      <p:childTnLst>
+                        <p:par>
+                          <p:cTn id="14" fill="hold">
+                            <p:stCondLst>
+                              <p:cond delay="0"/>
+                            </p:stCondLst>
+                            <p:childTnLst>
+                              <p:par>
+                                <p:cTn id="15" presetID="10" presetClass="entr" presetSubtype="0" fill="hold" grpId="0" nodeType="clickEffect">
+                                  <p:stCondLst>
+                                    <p:cond delay="0"/>
+                                  </p:stCondLst>
+                                  <p:childTnLst>
+                                    <p:set>
+                                      <p:cBhvr>
+                                        <p:cTn id="16" dur="1" fill="hold">
+                                          <p:stCondLst>
+                                            <p:cond delay="0"/>
+                                          </p:stCondLst>
+                                        </p:cTn>
+                                        <p:tgtEl>
+                                          <p:spTgt spid="7"/>
+                                        </p:tgtEl>
+                                        <p:attrNameLst>
+                                          <p:attrName>style.visibility</p:attrName>
+                                        </p:attrNameLst>
+                                      </p:cBhvr>
+                                      <p:to>
+                                        <p:strVal val="visible"/>
+                                      </p:to>
+                                    </p:set>
+                                    <p:animEffect transition="in" filter="fade">
+                                      <p:cBhvr>
+                                        <p:cTn id="17" dur="500"/>
+                                        <p:tgtEl>
+                                          <p:spTgt spid="7"/>
+                                        </p:tgtEl>
+                                      </p:cBhvr>
+                                    </p:animEffect>
+                                  </p:childTnLst>
+                                </p:cTn>
+                              </p:par>
+                            </p:childTnLst>
+                          </p:cTn>
+                        </p:par>
+                      </p:childTnLst>
+                    </p:cTn>
+                  </p:par>
+                </p:childTnLst>
+              </p:cTn>
+              <p:prevCondLst>
+                <p:cond evt="onPrev" delay="0">
+                  <p:tgtEl>
+                    <p:sldTgt/>
+                  </p:tgtEl>
+                </p:cond>
+              </p:prevCondLst>
+              <p:nextCondLst>
+                <p:cond evt="onNext" delay="0">
+                  <p:tgtEl>
+                    <p:sldTgt/>
+                  </p:tgtEl>
+                </p:cond>
+              </p:nextCondLst>
+            </p:seq>
+          </p:childTnLst>
+        </p:cTn>
+      </p:par>
+    </p:tnLst>
+    <p:bldLst>
+      <p:bldP spid="6" grpId="0" build="p"/>
+      <p:bldP spid="7" grpId="0"/>
+    </p:bldLst>
+  </p:timing>
+</p:sld>
+</file>
+
+<file path=ppt/slides/slide12.xml><?xml version="1.0" encoding="utf-8"?>
 <p:sld xmlns:a="http://schemas.openxmlformats.org/drawingml/2006/main" xmlns:r="http://schemas.openxmlformats.org/officeDocument/2006/relationships" xmlns:p="http://schemas.openxmlformats.org/presentationml/2006/main">
   <p:cSld>
     <p:spTree>
@@ -10537,290 +11217,6 @@
 </p:sld>
 </file>
 
-<file path=ppt/slides/slide11.xml><?xml version="1.0" encoding="utf-8"?>
-<p:sld xmlns:a="http://schemas.openxmlformats.org/drawingml/2006/main" xmlns:r="http://schemas.openxmlformats.org/officeDocument/2006/relationships" xmlns:p="http://schemas.openxmlformats.org/presentationml/2006/main">
-  <p:cSld>
-    <p:spTree>
-      <p:nvGrpSpPr>
-        <p:cNvPr id="1" name=""/>
-        <p:cNvGrpSpPr/>
-        <p:nvPr/>
-      </p:nvGrpSpPr>
-      <p:grpSpPr>
-        <a:xfrm>
-          <a:off x="0" y="0"/>
-          <a:ext cx="0" cy="0"/>
-          <a:chOff x="0" y="0"/>
-          <a:chExt cx="0" cy="0"/>
-        </a:xfrm>
-      </p:grpSpPr>
-      <p:sp>
-        <p:nvSpPr>
-          <p:cNvPr id="2" name="Title 1"/>
-          <p:cNvSpPr>
-            <a:spLocks noGrp="1"/>
-          </p:cNvSpPr>
-          <p:nvPr>
-            <p:ph type="title"/>
-          </p:nvPr>
-        </p:nvSpPr>
-        <p:spPr/>
-        <p:txBody>
-          <a:bodyPr/>
-          <a:lstStyle/>
-          <a:p>
-            <a:r>
-              <a:rPr lang="pt-PT" dirty="0" err="1" smtClean="0"/>
-              <a:t>Requirements</a:t>
-            </a:r>
-            <a:r>
-              <a:rPr lang="pt-PT" dirty="0" smtClean="0"/>
-              <a:t> </a:t>
-            </a:r>
-            <a:r>
-              <a:rPr lang="pt-PT" dirty="0" err="1" smtClean="0"/>
-              <a:t>conclusion</a:t>
-            </a:r>
-            <a:endParaRPr lang="pt-PT" dirty="0"/>
-          </a:p>
-        </p:txBody>
-      </p:sp>
-      <p:sp>
-        <p:nvSpPr>
-          <p:cNvPr id="3" name="Content Placeholder 2"/>
-          <p:cNvSpPr>
-            <a:spLocks noGrp="1"/>
-          </p:cNvSpPr>
-          <p:nvPr>
-            <p:ph idx="1"/>
-          </p:nvPr>
-        </p:nvSpPr>
-        <p:spPr/>
-        <p:txBody>
-          <a:bodyPr>
-            <a:normAutofit/>
-          </a:bodyPr>
-          <a:lstStyle/>
-          <a:p>
-            <a:pPr algn="ctr"/>
-            <a:r>
-              <a:rPr lang="pt-PT" sz="3200" dirty="0" smtClean="0"/>
-              <a:t>97% </a:t>
-            </a:r>
-            <a:r>
-              <a:rPr lang="pt-PT" sz="3200" dirty="0" err="1" smtClean="0"/>
-              <a:t>of</a:t>
-            </a:r>
-            <a:r>
-              <a:rPr lang="pt-PT" sz="3200" dirty="0" smtClean="0"/>
-              <a:t> </a:t>
-            </a:r>
-            <a:r>
-              <a:rPr lang="pt-PT" sz="3200" dirty="0" err="1" smtClean="0"/>
-              <a:t>the</a:t>
-            </a:r>
-            <a:r>
-              <a:rPr lang="pt-PT" sz="3200" dirty="0" smtClean="0"/>
-              <a:t> </a:t>
-            </a:r>
-            <a:r>
-              <a:rPr lang="pt-PT" sz="3200" dirty="0" err="1" smtClean="0"/>
-              <a:t>Requirements</a:t>
-            </a:r>
-            <a:r>
-              <a:rPr lang="pt-PT" sz="3200" dirty="0" smtClean="0"/>
-              <a:t> </a:t>
-            </a:r>
-            <a:r>
-              <a:rPr lang="pt-PT" sz="3200" dirty="0" err="1" smtClean="0"/>
-              <a:t>were</a:t>
-            </a:r>
-            <a:r>
-              <a:rPr lang="pt-PT" sz="3200" dirty="0" smtClean="0"/>
-              <a:t> </a:t>
-            </a:r>
-            <a:r>
-              <a:rPr lang="pt-PT" sz="3200" dirty="0" err="1" smtClean="0"/>
-              <a:t>delivered</a:t>
-            </a:r>
-            <a:endParaRPr lang="pt-PT" sz="3200" dirty="0"/>
-          </a:p>
-          <a:p>
-            <a:pPr algn="ctr"/>
-            <a:endParaRPr lang="pt-PT" sz="3200" dirty="0" smtClean="0"/>
-          </a:p>
-          <a:p>
-            <a:pPr algn="ctr"/>
-            <a:r>
-              <a:rPr lang="pt-PT" sz="3200" dirty="0" err="1" smtClean="0"/>
-              <a:t>Requirements</a:t>
-            </a:r>
-            <a:r>
-              <a:rPr lang="pt-PT" sz="3200" dirty="0" smtClean="0"/>
-              <a:t> </a:t>
-            </a:r>
-            <a:r>
-              <a:rPr lang="pt-PT" sz="3200" dirty="0" err="1" smtClean="0"/>
-              <a:t>not</a:t>
-            </a:r>
-            <a:r>
-              <a:rPr lang="pt-PT" sz="3200" dirty="0" smtClean="0"/>
-              <a:t> </a:t>
-            </a:r>
-            <a:r>
-              <a:rPr lang="pt-PT" sz="3200" dirty="0" err="1" smtClean="0"/>
-              <a:t>Delivered</a:t>
-            </a:r>
-            <a:r>
-              <a:rPr lang="pt-PT" sz="3200" dirty="0" smtClean="0"/>
-              <a:t>:</a:t>
-            </a:r>
-          </a:p>
-          <a:p>
-            <a:pPr algn="ctr">
-              <a:buFont typeface="Arial" panose="020B0604020202020204" pitchFamily="34" charset="0"/>
-              <a:buChar char="•"/>
-            </a:pPr>
-            <a:r>
-              <a:rPr lang="pt-PT" sz="3200" dirty="0"/>
-              <a:t>12CIT-003:ConfigureInactiveTime.Validate.False</a:t>
-            </a:r>
-            <a:endParaRPr lang="pt-PT" sz="3200" dirty="0">
-              <a:solidFill>
-                <a:srgbClr val="000000"/>
-              </a:solidFill>
-              <a:latin typeface="Calibri" panose="020F0502020204030204" pitchFamily="34" charset="0"/>
-            </a:endParaRPr>
-          </a:p>
-          <a:p>
-            <a:pPr algn="ctr">
-              <a:buFont typeface="Arial" panose="020B0604020202020204" pitchFamily="34" charset="0"/>
-              <a:buChar char="•"/>
-            </a:pPr>
-            <a:r>
-              <a:rPr lang="pt-PT" sz="3200" dirty="0"/>
-              <a:t>1CT-004:Task.create.AutoComplete</a:t>
-            </a:r>
-            <a:endParaRPr lang="pt-PT" sz="3200" dirty="0">
-              <a:solidFill>
-                <a:srgbClr val="000000"/>
-              </a:solidFill>
-              <a:latin typeface="Calibri" panose="020F0502020204030204" pitchFamily="34" charset="0"/>
-            </a:endParaRPr>
-          </a:p>
-          <a:p>
-            <a:pPr algn="ctr"/>
-            <a:endParaRPr lang="pt-PT" sz="3200" dirty="0"/>
-          </a:p>
-        </p:txBody>
-      </p:sp>
-    </p:spTree>
-    <p:extLst>
-      <p:ext uri="{BB962C8B-B14F-4D97-AF65-F5344CB8AC3E}">
-        <p14:creationId xmlns:p14="http://schemas.microsoft.com/office/powerpoint/2010/main" val="1314162854"/>
-      </p:ext>
-    </p:extLst>
-  </p:cSld>
-  <p:clrMapOvr>
-    <a:masterClrMapping/>
-  </p:clrMapOvr>
-  <p:timing>
-    <p:tnLst>
-      <p:par>
-        <p:cTn id="1" dur="indefinite" restart="never" nodeType="tmRoot"/>
-      </p:par>
-    </p:tnLst>
-  </p:timing>
-</p:sld>
-</file>
-
-<file path=ppt/slides/slide12.xml><?xml version="1.0" encoding="utf-8"?>
-<p:sld xmlns:a="http://schemas.openxmlformats.org/drawingml/2006/main" xmlns:r="http://schemas.openxmlformats.org/officeDocument/2006/relationships" xmlns:p="http://schemas.openxmlformats.org/presentationml/2006/main">
-  <p:cSld>
-    <p:spTree>
-      <p:nvGrpSpPr>
-        <p:cNvPr id="1" name=""/>
-        <p:cNvGrpSpPr/>
-        <p:nvPr/>
-      </p:nvGrpSpPr>
-      <p:grpSpPr>
-        <a:xfrm>
-          <a:off x="0" y="0"/>
-          <a:ext cx="0" cy="0"/>
-          <a:chOff x="0" y="0"/>
-          <a:chExt cx="0" cy="0"/>
-        </a:xfrm>
-      </p:grpSpPr>
-      <p:sp>
-        <p:nvSpPr>
-          <p:cNvPr id="4" name="Title 3"/>
-          <p:cNvSpPr>
-            <a:spLocks noGrp="1"/>
-          </p:cNvSpPr>
-          <p:nvPr>
-            <p:ph type="title"/>
-          </p:nvPr>
-        </p:nvSpPr>
-        <p:spPr/>
-        <p:txBody>
-          <a:bodyPr/>
-          <a:lstStyle/>
-          <a:p>
-            <a:r>
-              <a:rPr lang="en-US" dirty="0" smtClean="0"/>
-              <a:t>Document </a:t>
-            </a:r>
-            <a:r>
-              <a:rPr lang="en-US" dirty="0" err="1" smtClean="0"/>
-              <a:t>Managment</a:t>
-            </a:r>
-            <a:endParaRPr lang="en-US" dirty="0"/>
-          </a:p>
-        </p:txBody>
-      </p:sp>
-      <p:sp>
-        <p:nvSpPr>
-          <p:cNvPr id="5" name="Text Placeholder 4"/>
-          <p:cNvSpPr>
-            <a:spLocks noGrp="1"/>
-          </p:cNvSpPr>
-          <p:nvPr>
-            <p:ph type="body" idx="1"/>
-          </p:nvPr>
-        </p:nvSpPr>
-        <p:spPr/>
-        <p:txBody>
-          <a:bodyPr/>
-          <a:lstStyle/>
-          <a:p>
-            <a:r>
-              <a:rPr lang="pt-PT" dirty="0" smtClean="0"/>
-              <a:t>Mário Oliveira</a:t>
-            </a:r>
-            <a:endParaRPr lang="pt-PT" dirty="0"/>
-          </a:p>
-        </p:txBody>
-      </p:sp>
-    </p:spTree>
-    <p:extLst>
-      <p:ext uri="{BB962C8B-B14F-4D97-AF65-F5344CB8AC3E}">
-        <p14:creationId xmlns:p14="http://schemas.microsoft.com/office/powerpoint/2010/main" val="1350559237"/>
-      </p:ext>
-    </p:extLst>
-  </p:cSld>
-  <p:clrMapOvr>
-    <a:masterClrMapping/>
-  </p:clrMapOvr>
-  <p:timing>
-    <p:tnLst>
-      <p:par>
-        <p:cTn id="1" dur="indefinite" restart="never" nodeType="tmRoot"/>
-      </p:par>
-    </p:tnLst>
-  </p:timing>
-</p:sld>
-</file>
-
 <file path=ppt/slides/slide13.xml><?xml version="1.0" encoding="utf-8"?>
 <p:sld xmlns:a="http://schemas.openxmlformats.org/drawingml/2006/main" xmlns:r="http://schemas.openxmlformats.org/officeDocument/2006/relationships" xmlns:p="http://schemas.openxmlformats.org/presentationml/2006/main">
   <p:cSld>
@@ -10853,6 +11249,18 @@
           <a:bodyPr/>
           <a:lstStyle/>
           <a:p>
+            <a:r>
+              <a:rPr lang="pt-PT" dirty="0" err="1" smtClean="0"/>
+              <a:t>Requirements</a:t>
+            </a:r>
+            <a:r>
+              <a:rPr lang="pt-PT" dirty="0" smtClean="0"/>
+              <a:t> </a:t>
+            </a:r>
+            <a:r>
+              <a:rPr lang="pt-PT" dirty="0" err="1" smtClean="0"/>
+              <a:t>conclusion</a:t>
+            </a:r>
             <a:endParaRPr lang="pt-PT" dirty="0"/>
           </a:p>
         </p:txBody>
@@ -10869,17 +11277,127 @@
         </p:nvSpPr>
         <p:spPr/>
         <p:txBody>
-          <a:bodyPr/>
+          <a:bodyPr>
+            <a:normAutofit/>
+          </a:bodyPr>
           <a:lstStyle/>
           <a:p>
-            <a:endParaRPr lang="pt-PT"/>
+            <a:pPr algn="ctr"/>
+            <a:r>
+              <a:rPr lang="pt-PT" sz="3200" dirty="0" smtClean="0"/>
+              <a:t>97% </a:t>
+            </a:r>
+            <a:r>
+              <a:rPr lang="pt-PT" sz="3200" dirty="0" err="1" smtClean="0"/>
+              <a:t>of</a:t>
+            </a:r>
+            <a:r>
+              <a:rPr lang="pt-PT" sz="3200" dirty="0" smtClean="0"/>
+              <a:t> </a:t>
+            </a:r>
+            <a:r>
+              <a:rPr lang="pt-PT" sz="3200" dirty="0" err="1" smtClean="0"/>
+              <a:t>the</a:t>
+            </a:r>
+            <a:r>
+              <a:rPr lang="pt-PT" sz="3200" dirty="0" smtClean="0"/>
+              <a:t> </a:t>
+            </a:r>
+            <a:r>
+              <a:rPr lang="pt-PT" sz="3200" dirty="0" err="1" smtClean="0"/>
+              <a:t>Requirements</a:t>
+            </a:r>
+            <a:r>
+              <a:rPr lang="pt-PT" sz="3200" dirty="0" smtClean="0"/>
+              <a:t> </a:t>
+            </a:r>
+            <a:r>
+              <a:rPr lang="pt-PT" sz="3200" dirty="0" err="1" smtClean="0"/>
+              <a:t>were</a:t>
+            </a:r>
+            <a:r>
+              <a:rPr lang="pt-PT" sz="3200" dirty="0" smtClean="0"/>
+              <a:t> </a:t>
+            </a:r>
+            <a:r>
+              <a:rPr lang="pt-PT" sz="3200" dirty="0" err="1" smtClean="0"/>
+              <a:t>delivered</a:t>
+            </a:r>
+            <a:endParaRPr lang="pt-PT" sz="3200" dirty="0"/>
+          </a:p>
+          <a:p>
+            <a:pPr algn="ctr"/>
+            <a:endParaRPr lang="pt-PT" sz="3200" dirty="0" smtClean="0"/>
+          </a:p>
+          <a:p>
+            <a:pPr algn="ctr"/>
+            <a:r>
+              <a:rPr lang="pt-PT" sz="3200" dirty="0" err="1" smtClean="0"/>
+              <a:t>Requirements</a:t>
+            </a:r>
+            <a:r>
+              <a:rPr lang="pt-PT" sz="3200" dirty="0" smtClean="0"/>
+              <a:t> </a:t>
+            </a:r>
+            <a:r>
+              <a:rPr lang="pt-PT" sz="3200" dirty="0" err="1" smtClean="0"/>
+              <a:t>not</a:t>
+            </a:r>
+            <a:r>
+              <a:rPr lang="pt-PT" sz="3200" dirty="0" smtClean="0"/>
+              <a:t> </a:t>
+            </a:r>
+            <a:r>
+              <a:rPr lang="pt-PT" sz="3200" dirty="0" err="1" smtClean="0"/>
+              <a:t>Delivered</a:t>
+            </a:r>
+            <a:r>
+              <a:rPr lang="pt-PT" sz="3200" dirty="0" smtClean="0"/>
+              <a:t>:</a:t>
+            </a:r>
+          </a:p>
+          <a:p>
+            <a:pPr algn="ctr">
+              <a:buFont typeface="Arial" panose="020B0604020202020204" pitchFamily="34" charset="0"/>
+              <a:buChar char="•"/>
+            </a:pPr>
+            <a:r>
+              <a:rPr lang="pt-PT" sz="3200" dirty="0"/>
+              <a:t>12CIT-003:ConfigureInactiveTime.Validate.False</a:t>
+            </a:r>
+            <a:endParaRPr lang="pt-PT" sz="3200" dirty="0">
+              <a:solidFill>
+                <a:srgbClr val="000000"/>
+              </a:solidFill>
+              <a:latin typeface="Calibri" panose="020F0502020204030204" pitchFamily="34" charset="0"/>
+            </a:endParaRPr>
+          </a:p>
+          <a:p>
+            <a:pPr algn="ctr">
+              <a:buFont typeface="Arial" panose="020B0604020202020204" pitchFamily="34" charset="0"/>
+              <a:buChar char="•"/>
+            </a:pPr>
+            <a:r>
+              <a:rPr lang="pt-PT" sz="3200" dirty="0"/>
+              <a:t>1CT-004:Task.create.AutoComplete</a:t>
+            </a:r>
+            <a:endParaRPr lang="pt-PT" sz="3200" dirty="0">
+              <a:solidFill>
+                <a:srgbClr val="000000"/>
+              </a:solidFill>
+              <a:latin typeface="Calibri" panose="020F0502020204030204" pitchFamily="34" charset="0"/>
+            </a:endParaRPr>
+          </a:p>
+          <a:p>
+            <a:pPr algn="ctr"/>
+            <a:endParaRPr lang="pt-PT" sz="3200" dirty="0"/>
           </a:p>
         </p:txBody>
       </p:sp>
     </p:spTree>
     <p:extLst>
       <p:ext uri="{BB962C8B-B14F-4D97-AF65-F5344CB8AC3E}">
-        <p14:creationId xmlns:p14="http://schemas.microsoft.com/office/powerpoint/2010/main" val="3857988853"/>
+        <p14:creationId xmlns:p14="http://schemas.microsoft.com/office/powerpoint/2010/main" val="1314162854"/>
       </p:ext>
     </p:extLst>
   </p:cSld>
@@ -10915,7 +11433,7 @@
       </p:grpSpPr>
       <p:sp>
         <p:nvSpPr>
-          <p:cNvPr id="2" name="Título 1"/>
+          <p:cNvPr id="4" name="Title 3"/>
           <p:cNvSpPr>
             <a:spLocks noGrp="1"/>
           </p:cNvSpPr>
@@ -10930,7 +11448,11 @@
           <a:p>
             <a:r>
               <a:rPr lang="en-US" dirty="0" smtClean="0"/>
-              <a:t>Project Quality</a:t>
+              <a:t>Document </a:t>
+            </a:r>
+            <a:r>
+              <a:rPr lang="en-US" dirty="0" err="1" smtClean="0"/>
+              <a:t>Managment</a:t>
             </a:r>
             <a:endParaRPr lang="en-US" dirty="0"/>
           </a:p>
@@ -10938,7 +11460,7 @@
       </p:sp>
       <p:sp>
         <p:nvSpPr>
-          <p:cNvPr id="3" name="Marcador de Posição do Texto 2"/>
+          <p:cNvPr id="5" name="Text Placeholder 4"/>
           <p:cNvSpPr>
             <a:spLocks noGrp="1"/>
           </p:cNvSpPr>
@@ -10953,13 +11475,18 @@
           <a:p>
             <a:r>
               <a:rPr lang="pt-PT" dirty="0" smtClean="0"/>
-              <a:t>Carla Machado</a:t>
+              <a:t>Mário Oliveira</a:t>
             </a:r>
             <a:endParaRPr lang="pt-PT" dirty="0"/>
           </a:p>
         </p:txBody>
       </p:sp>
     </p:spTree>
+    <p:extLst>
+      <p:ext uri="{BB962C8B-B14F-4D97-AF65-F5344CB8AC3E}">
+        <p14:creationId xmlns:p14="http://schemas.microsoft.com/office/powerpoint/2010/main" val="1350559237"/>
+      </p:ext>
+    </p:extLst>
   </p:cSld>
   <p:clrMapOvr>
     <a:masterClrMapping/>
@@ -11006,10 +11533,6 @@
           <a:bodyPr/>
           <a:lstStyle/>
           <a:p>
-            <a:r>
-              <a:rPr lang="en-US" dirty="0" smtClean="0"/>
-              <a:t>Processes and Process Analysis</a:t>
-            </a:r>
             <a:endParaRPr lang="pt-PT" dirty="0"/>
           </a:p>
         </p:txBody>
@@ -11026,63 +11549,10 @@
         </p:nvSpPr>
         <p:spPr/>
         <p:txBody>
-          <a:bodyPr>
-            <a:normAutofit fontScale="92500" lnSpcReduction="10000"/>
-          </a:bodyPr>
+          <a:bodyPr/>
           <a:lstStyle/>
           <a:p>
-            <a:r>
-              <a:rPr lang="en-US" dirty="0" smtClean="0"/>
-              <a:t>Document Management Process</a:t>
-            </a:r>
-          </a:p>
-          <a:p>
-            <a:pPr lvl="1"/>
-            <a:r>
-              <a:rPr lang="en-US" dirty="0" smtClean="0"/>
-              <a:t>It was followed in the majority of documents although some unconformities were detected </a:t>
-            </a:r>
-          </a:p>
-          <a:p>
-            <a:pPr lvl="2"/>
-            <a:r>
-              <a:rPr lang="en-US" dirty="0" smtClean="0"/>
-              <a:t>Not following correctly the hierarchy for the different roles</a:t>
-            </a:r>
-          </a:p>
-          <a:p>
-            <a:pPr lvl="1"/>
-            <a:r>
-              <a:rPr lang="en-US" dirty="0" smtClean="0"/>
-              <a:t>The process lacked flexibility in choosing the persons for the different roles</a:t>
-            </a:r>
-          </a:p>
-          <a:p>
-            <a:r>
-              <a:rPr lang="en-US" dirty="0" smtClean="0"/>
-              <a:t>Project Assessment and Control Process</a:t>
-            </a:r>
-          </a:p>
-          <a:p>
-            <a:pPr lvl="1"/>
-            <a:r>
-              <a:rPr lang="en-US" dirty="0" smtClean="0"/>
-              <a:t>Project and risk control weren’t very accurate</a:t>
-            </a:r>
-          </a:p>
-          <a:p>
-            <a:pPr lvl="2"/>
-            <a:r>
-              <a:rPr lang="en-US" dirty="0" smtClean="0"/>
-              <a:t>Process wasn’t always exactly followed</a:t>
-            </a:r>
-          </a:p>
-          <a:p>
-            <a:pPr lvl="2"/>
-            <a:r>
-              <a:rPr lang="en-US" dirty="0" smtClean="0"/>
-              <a:t>Problems with some of the used tools</a:t>
-            </a:r>
+            <a:endParaRPr lang="pt-PT"/>
           </a:p>
         </p:txBody>
       </p:sp>
@@ -11140,67 +11610,32 @@
           <a:p>
             <a:r>
               <a:rPr lang="en-US" dirty="0" smtClean="0"/>
-              <a:t>Processes and Process Analysis</a:t>
+              <a:t>Project Quality</a:t>
+            </a:r>
+            <a:endParaRPr lang="en-US" dirty="0"/>
+          </a:p>
+        </p:txBody>
+      </p:sp>
+      <p:sp>
+        <p:nvSpPr>
+          <p:cNvPr id="3" name="Marcador de Posição do Texto 2"/>
+          <p:cNvSpPr>
+            <a:spLocks noGrp="1"/>
+          </p:cNvSpPr>
+          <p:nvPr>
+            <p:ph type="body" idx="1"/>
+          </p:nvPr>
+        </p:nvSpPr>
+        <p:spPr/>
+        <p:txBody>
+          <a:bodyPr/>
+          <a:lstStyle/>
+          <a:p>
+            <a:r>
+              <a:rPr lang="pt-PT" dirty="0" smtClean="0"/>
+              <a:t>Carla Machado</a:t>
             </a:r>
             <a:endParaRPr lang="pt-PT" dirty="0"/>
-          </a:p>
-        </p:txBody>
-      </p:sp>
-      <p:sp>
-        <p:nvSpPr>
-          <p:cNvPr id="3" name="Marcador de Posição de Conteúdo 2"/>
-          <p:cNvSpPr>
-            <a:spLocks noGrp="1"/>
-          </p:cNvSpPr>
-          <p:nvPr>
-            <p:ph idx="1"/>
-          </p:nvPr>
-        </p:nvSpPr>
-        <p:spPr/>
-        <p:txBody>
-          <a:bodyPr>
-            <a:normAutofit/>
-          </a:bodyPr>
-          <a:lstStyle/>
-          <a:p>
-            <a:r>
-              <a:rPr lang="en-US" dirty="0" smtClean="0"/>
-              <a:t>Project Planning Process</a:t>
-            </a:r>
-          </a:p>
-          <a:p>
-            <a:pPr lvl="1"/>
-            <a:r>
-              <a:rPr lang="en-US" dirty="0" smtClean="0"/>
-              <a:t>Plan was updated</a:t>
-            </a:r>
-          </a:p>
-          <a:p>
-            <a:pPr lvl="2"/>
-            <a:r>
-              <a:rPr lang="en-US" dirty="0" smtClean="0"/>
-              <a:t>Redefinition of some concepts - milestones</a:t>
-            </a:r>
-          </a:p>
-          <a:p>
-            <a:r>
-              <a:rPr lang="en-US" dirty="0" smtClean="0"/>
-              <a:t>Requirements Analysis Process</a:t>
-            </a:r>
-          </a:p>
-          <a:p>
-            <a:pPr lvl="1"/>
-            <a:r>
-              <a:rPr lang="en-US" dirty="0" smtClean="0"/>
-              <a:t>Major unconformity</a:t>
-            </a:r>
-          </a:p>
-          <a:p>
-            <a:pPr lvl="2"/>
-            <a:r>
-              <a:rPr lang="en-US" dirty="0" smtClean="0"/>
-              <a:t> changes were made that didn´t follow the change requirements process and documentation wasn’t updated </a:t>
-            </a:r>
           </a:p>
         </p:txBody>
       </p:sp>
@@ -11209,6 +11644,13 @@
   <p:clrMapOvr>
     <a:masterClrMapping/>
   </p:clrMapOvr>
+  <p:timing>
+    <p:tnLst>
+      <p:par>
+        <p:cTn id="1" dur="indefinite" restart="never" nodeType="tmRoot"/>
+      </p:par>
+    </p:tnLst>
+  </p:timing>
 </p:sld>
 </file>
 
@@ -11231,7 +11673,7 @@
       </p:grpSpPr>
       <p:sp>
         <p:nvSpPr>
-          <p:cNvPr id="2" name="Título 1"/>
+          <p:cNvPr id="2" name="Title 1"/>
           <p:cNvSpPr>
             <a:spLocks noGrp="1"/>
           </p:cNvSpPr>
@@ -11254,7 +11696,7 @@
       </p:sp>
       <p:sp>
         <p:nvSpPr>
-          <p:cNvPr id="3" name="Marcador de Posição de Conteúdo 2"/>
+          <p:cNvPr id="3" name="Content Placeholder 2"/>
           <p:cNvSpPr>
             <a:spLocks noGrp="1"/>
           </p:cNvSpPr>
@@ -11265,70 +11707,82 @@
         <p:spPr/>
         <p:txBody>
           <a:bodyPr>
-            <a:normAutofit lnSpcReduction="10000"/>
+            <a:normAutofit fontScale="92500" lnSpcReduction="10000"/>
           </a:bodyPr>
           <a:lstStyle/>
           <a:p>
             <a:r>
               <a:rPr lang="en-US" dirty="0" smtClean="0"/>
-              <a:t>Review Process</a:t>
+              <a:t>Document Management Process</a:t>
             </a:r>
           </a:p>
           <a:p>
             <a:pPr lvl="1"/>
             <a:r>
               <a:rPr lang="en-US" dirty="0" smtClean="0"/>
-              <a:t>Major unconformity associated with the walkthrough </a:t>
+              <a:t>It was followed in the majority of documents although some unconformities were detected </a:t>
             </a:r>
           </a:p>
           <a:p>
             <a:pPr lvl="2"/>
             <a:r>
               <a:rPr lang="en-US" dirty="0" smtClean="0"/>
-              <a:t>The process wasn´t followed and measures weren’t recorded</a:t>
-            </a:r>
-          </a:p>
-          <a:p>
+              <a:t>Not following correctly the hierarchy for the different roles</a:t>
+            </a:r>
+          </a:p>
+          <a:p>
+            <a:pPr lvl="1"/>
             <a:r>
               <a:rPr lang="en-US" dirty="0" smtClean="0"/>
-              <a:t>Verification &amp; Validation Process </a:t>
+              <a:t>The process lacked flexibility in choosing the persons for the different roles</a:t>
+            </a:r>
+          </a:p>
+          <a:p>
+            <a:r>
+              <a:rPr lang="en-US" dirty="0" smtClean="0"/>
+              <a:t>Project Assessment and Control Process</a:t>
             </a:r>
           </a:p>
           <a:p>
             <a:pPr lvl="1"/>
             <a:r>
               <a:rPr lang="en-US" dirty="0" smtClean="0"/>
-              <a:t>Doesn’t mention ad-hoc testing</a:t>
+              <a:t>Project and risk control weren’t very accurate</a:t>
             </a:r>
           </a:p>
           <a:p>
             <a:pPr lvl="2"/>
             <a:r>
               <a:rPr lang="en-US" dirty="0" smtClean="0"/>
-              <a:t>How to report defects not associated with tests</a:t>
-            </a:r>
-          </a:p>
-          <a:p>
-            <a:pPr lvl="1"/>
+              <a:t>Process wasn’t always exactly followed</a:t>
+            </a:r>
+          </a:p>
+          <a:p>
+            <a:pPr lvl="2"/>
             <a:r>
               <a:rPr lang="en-US" dirty="0" smtClean="0"/>
-              <a:t>What to do in cases of reopen</a:t>
-            </a:r>
-          </a:p>
-          <a:p>
-            <a:pPr lvl="1"/>
-            <a:r>
-              <a:rPr lang="en-US" dirty="0" smtClean="0"/>
-              <a:t>Test plan wasn’t concluded</a:t>
+              <a:t>Problems with some of the used tools</a:t>
             </a:r>
           </a:p>
         </p:txBody>
       </p:sp>
     </p:spTree>
+    <p:extLst>
+      <p:ext uri="{BB962C8B-B14F-4D97-AF65-F5344CB8AC3E}">
+        <p14:creationId xmlns:p14="http://schemas.microsoft.com/office/powerpoint/2010/main" val="3857988853"/>
+      </p:ext>
+    </p:extLst>
   </p:cSld>
   <p:clrMapOvr>
     <a:masterClrMapping/>
   </p:clrMapOvr>
+  <p:timing>
+    <p:tnLst>
+      <p:par>
+        <p:cTn id="1" dur="indefinite" restart="never" nodeType="tmRoot"/>
+      </p:par>
+    </p:tnLst>
+  </p:timing>
 </p:sld>
 </file>
 
@@ -11384,37 +11838,49 @@
         </p:nvSpPr>
         <p:spPr/>
         <p:txBody>
-          <a:bodyPr/>
+          <a:bodyPr>
+            <a:normAutofit/>
+          </a:bodyPr>
           <a:lstStyle/>
           <a:p>
             <a:r>
               <a:rPr lang="en-US" dirty="0" smtClean="0"/>
-              <a:t>Common issues in following the processes</a:t>
+              <a:t>Project Planning Process</a:t>
             </a:r>
           </a:p>
           <a:p>
             <a:pPr lvl="1"/>
             <a:r>
               <a:rPr lang="en-US" dirty="0" smtClean="0"/>
-              <a:t>Process measures weren’t always recorded or updated timely</a:t>
+              <a:t>Plan was updated</a:t>
+            </a:r>
+          </a:p>
+          <a:p>
+            <a:pPr lvl="2"/>
+            <a:r>
+              <a:rPr lang="en-US" dirty="0" smtClean="0"/>
+              <a:t>Redefinition of some concepts - milestones</a:t>
+            </a:r>
+          </a:p>
+          <a:p>
+            <a:r>
+              <a:rPr lang="en-US" dirty="0" smtClean="0"/>
+              <a:t>Requirements Analysis Process</a:t>
             </a:r>
           </a:p>
           <a:p>
             <a:pPr lvl="1"/>
             <a:r>
               <a:rPr lang="en-US" dirty="0" smtClean="0"/>
-              <a:t>The processes weren’t always exactly followed as defined</a:t>
-            </a:r>
-          </a:p>
-          <a:p>
-            <a:pPr lvl="1"/>
+              <a:t>Major unconformity</a:t>
+            </a:r>
+          </a:p>
+          <a:p>
+            <a:pPr lvl="2"/>
             <a:r>
               <a:rPr lang="en-US" dirty="0" smtClean="0"/>
-              <a:t>Some processes were overcomplicated for the team and project needs</a:t>
-            </a:r>
-          </a:p>
-          <a:p>
-            <a:endParaRPr lang="pt-PT" dirty="0"/>
+              <a:t> changes were made that didn´t follow the change requirements process and documentation wasn’t updated </a:t>
+            </a:r>
           </a:p>
         </p:txBody>
       </p:sp>
@@ -11460,7 +11926,7 @@
           <a:p>
             <a:r>
               <a:rPr lang="en-US" dirty="0" smtClean="0"/>
-              <a:t>Quality Activities</a:t>
+              <a:t>Processes and Process Analysis</a:t>
             </a:r>
             <a:endParaRPr lang="pt-PT" dirty="0"/>
           </a:p>
@@ -11479,67 +11945,61 @@
         <p:spPr/>
         <p:txBody>
           <a:bodyPr>
-            <a:normAutofit fontScale="85000" lnSpcReduction="20000"/>
+            <a:normAutofit lnSpcReduction="10000"/>
           </a:bodyPr>
           <a:lstStyle/>
           <a:p>
             <a:r>
               <a:rPr lang="en-US" dirty="0" smtClean="0"/>
-              <a:t>Reviews</a:t>
+              <a:t>Review Process</a:t>
             </a:r>
           </a:p>
           <a:p>
             <a:pPr lvl="1"/>
             <a:r>
               <a:rPr lang="en-US" dirty="0" smtClean="0"/>
-              <a:t>Inspections</a:t>
+              <a:t>Major unconformity associated with the walkthrough </a:t>
+            </a:r>
+          </a:p>
+          <a:p>
+            <a:pPr lvl="2"/>
+            <a:r>
+              <a:rPr lang="en-US" dirty="0" smtClean="0"/>
+              <a:t>The process wasn´t followed and measures weren’t recorded</a:t>
+            </a:r>
+          </a:p>
+          <a:p>
+            <a:r>
+              <a:rPr lang="en-US" dirty="0" smtClean="0"/>
+              <a:t>Verification &amp; Validation Process </a:t>
             </a:r>
           </a:p>
           <a:p>
             <a:pPr lvl="1"/>
             <a:r>
               <a:rPr lang="en-US" dirty="0" smtClean="0"/>
-              <a:t>Walkthrough</a:t>
+              <a:t>Doesn’t mention ad-hoc testing</a:t>
+            </a:r>
+          </a:p>
+          <a:p>
+            <a:pPr lvl="2"/>
+            <a:r>
+              <a:rPr lang="en-US" dirty="0" smtClean="0"/>
+              <a:t>How to report defects not associated with tests</a:t>
             </a:r>
           </a:p>
           <a:p>
             <a:pPr lvl="1"/>
             <a:r>
               <a:rPr lang="en-US" dirty="0" smtClean="0"/>
-              <a:t>Desk checks</a:t>
-            </a:r>
-          </a:p>
-          <a:p>
+              <a:t>What to do in cases of reopen</a:t>
+            </a:r>
+          </a:p>
+          <a:p>
+            <a:pPr lvl="1"/>
             <a:r>
               <a:rPr lang="en-US" dirty="0" smtClean="0"/>
-              <a:t>Quality verifications</a:t>
-            </a:r>
-          </a:p>
-          <a:p>
-            <a:pPr lvl="1"/>
-            <a:r>
-              <a:rPr lang="en-US" dirty="0" smtClean="0"/>
-              <a:t>Processes were followed</a:t>
-            </a:r>
-          </a:p>
-          <a:p>
-            <a:r>
-              <a:rPr lang="en-US" dirty="0" smtClean="0"/>
-              <a:t> Testing</a:t>
-            </a:r>
-          </a:p>
-          <a:p>
-            <a:pPr lvl="1"/>
-            <a:r>
-              <a:rPr lang="en-US" dirty="0" smtClean="0"/>
-              <a:t>Unit testing</a:t>
-            </a:r>
-          </a:p>
-          <a:p>
-            <a:pPr lvl="1"/>
-            <a:r>
-              <a:rPr lang="en-US" dirty="0" smtClean="0"/>
-              <a:t>Acceptance and system testing</a:t>
+              <a:t>Test plan wasn’t concluded</a:t>
             </a:r>
           </a:p>
         </p:txBody>
@@ -11632,6 +12092,226 @@
 </file>
 
 <file path=ppt/slides/slide20.xml><?xml version="1.0" encoding="utf-8"?>
+<p:sld xmlns:a="http://schemas.openxmlformats.org/drawingml/2006/main" xmlns:r="http://schemas.openxmlformats.org/officeDocument/2006/relationships" xmlns:p="http://schemas.openxmlformats.org/presentationml/2006/main">
+  <p:cSld>
+    <p:spTree>
+      <p:nvGrpSpPr>
+        <p:cNvPr id="1" name=""/>
+        <p:cNvGrpSpPr/>
+        <p:nvPr/>
+      </p:nvGrpSpPr>
+      <p:grpSpPr>
+        <a:xfrm>
+          <a:off x="0" y="0"/>
+          <a:ext cx="0" cy="0"/>
+          <a:chOff x="0" y="0"/>
+          <a:chExt cx="0" cy="0"/>
+        </a:xfrm>
+      </p:grpSpPr>
+      <p:sp>
+        <p:nvSpPr>
+          <p:cNvPr id="2" name="Título 1"/>
+          <p:cNvSpPr>
+            <a:spLocks noGrp="1"/>
+          </p:cNvSpPr>
+          <p:nvPr>
+            <p:ph type="title"/>
+          </p:nvPr>
+        </p:nvSpPr>
+        <p:spPr/>
+        <p:txBody>
+          <a:bodyPr/>
+          <a:lstStyle/>
+          <a:p>
+            <a:r>
+              <a:rPr lang="en-US" dirty="0" smtClean="0"/>
+              <a:t>Processes and Process Analysis</a:t>
+            </a:r>
+            <a:endParaRPr lang="pt-PT" dirty="0"/>
+          </a:p>
+        </p:txBody>
+      </p:sp>
+      <p:sp>
+        <p:nvSpPr>
+          <p:cNvPr id="3" name="Marcador de Posição de Conteúdo 2"/>
+          <p:cNvSpPr>
+            <a:spLocks noGrp="1"/>
+          </p:cNvSpPr>
+          <p:nvPr>
+            <p:ph idx="1"/>
+          </p:nvPr>
+        </p:nvSpPr>
+        <p:spPr/>
+        <p:txBody>
+          <a:bodyPr/>
+          <a:lstStyle/>
+          <a:p>
+            <a:r>
+              <a:rPr lang="en-US" dirty="0" smtClean="0"/>
+              <a:t>Common issues in following the processes</a:t>
+            </a:r>
+          </a:p>
+          <a:p>
+            <a:pPr lvl="1"/>
+            <a:r>
+              <a:rPr lang="en-US" dirty="0" smtClean="0"/>
+              <a:t>Process measures weren’t always recorded or updated timely</a:t>
+            </a:r>
+          </a:p>
+          <a:p>
+            <a:pPr lvl="1"/>
+            <a:r>
+              <a:rPr lang="en-US" dirty="0" smtClean="0"/>
+              <a:t>The processes weren’t always exactly followed as defined</a:t>
+            </a:r>
+          </a:p>
+          <a:p>
+            <a:pPr lvl="1"/>
+            <a:r>
+              <a:rPr lang="en-US" dirty="0" smtClean="0"/>
+              <a:t>Some processes were overcomplicated for the team and project needs</a:t>
+            </a:r>
+          </a:p>
+          <a:p>
+            <a:endParaRPr lang="pt-PT" dirty="0"/>
+          </a:p>
+        </p:txBody>
+      </p:sp>
+    </p:spTree>
+  </p:cSld>
+  <p:clrMapOvr>
+    <a:masterClrMapping/>
+  </p:clrMapOvr>
+</p:sld>
+</file>
+
+<file path=ppt/slides/slide21.xml><?xml version="1.0" encoding="utf-8"?>
+<p:sld xmlns:a="http://schemas.openxmlformats.org/drawingml/2006/main" xmlns:r="http://schemas.openxmlformats.org/officeDocument/2006/relationships" xmlns:p="http://schemas.openxmlformats.org/presentationml/2006/main">
+  <p:cSld>
+    <p:spTree>
+      <p:nvGrpSpPr>
+        <p:cNvPr id="1" name=""/>
+        <p:cNvGrpSpPr/>
+        <p:nvPr/>
+      </p:nvGrpSpPr>
+      <p:grpSpPr>
+        <a:xfrm>
+          <a:off x="0" y="0"/>
+          <a:ext cx="0" cy="0"/>
+          <a:chOff x="0" y="0"/>
+          <a:chExt cx="0" cy="0"/>
+        </a:xfrm>
+      </p:grpSpPr>
+      <p:sp>
+        <p:nvSpPr>
+          <p:cNvPr id="2" name="Título 1"/>
+          <p:cNvSpPr>
+            <a:spLocks noGrp="1"/>
+          </p:cNvSpPr>
+          <p:nvPr>
+            <p:ph type="title"/>
+          </p:nvPr>
+        </p:nvSpPr>
+        <p:spPr/>
+        <p:txBody>
+          <a:bodyPr/>
+          <a:lstStyle/>
+          <a:p>
+            <a:r>
+              <a:rPr lang="en-US" dirty="0" smtClean="0"/>
+              <a:t>Quality Activities</a:t>
+            </a:r>
+            <a:endParaRPr lang="pt-PT" dirty="0"/>
+          </a:p>
+        </p:txBody>
+      </p:sp>
+      <p:sp>
+        <p:nvSpPr>
+          <p:cNvPr id="3" name="Marcador de Posição de Conteúdo 2"/>
+          <p:cNvSpPr>
+            <a:spLocks noGrp="1"/>
+          </p:cNvSpPr>
+          <p:nvPr>
+            <p:ph idx="1"/>
+          </p:nvPr>
+        </p:nvSpPr>
+        <p:spPr/>
+        <p:txBody>
+          <a:bodyPr>
+            <a:normAutofit fontScale="85000" lnSpcReduction="20000"/>
+          </a:bodyPr>
+          <a:lstStyle/>
+          <a:p>
+            <a:r>
+              <a:rPr lang="en-US" dirty="0" smtClean="0"/>
+              <a:t>Reviews</a:t>
+            </a:r>
+          </a:p>
+          <a:p>
+            <a:pPr lvl="1"/>
+            <a:r>
+              <a:rPr lang="en-US" dirty="0" smtClean="0"/>
+              <a:t>Inspections</a:t>
+            </a:r>
+          </a:p>
+          <a:p>
+            <a:pPr lvl="1"/>
+            <a:r>
+              <a:rPr lang="en-US" dirty="0" smtClean="0"/>
+              <a:t>Walkthrough</a:t>
+            </a:r>
+          </a:p>
+          <a:p>
+            <a:pPr lvl="1"/>
+            <a:r>
+              <a:rPr lang="en-US" dirty="0" smtClean="0"/>
+              <a:t>Desk checks</a:t>
+            </a:r>
+          </a:p>
+          <a:p>
+            <a:r>
+              <a:rPr lang="en-US" dirty="0" smtClean="0"/>
+              <a:t>Quality verifications</a:t>
+            </a:r>
+          </a:p>
+          <a:p>
+            <a:pPr lvl="1"/>
+            <a:r>
+              <a:rPr lang="en-US" dirty="0" smtClean="0"/>
+              <a:t>Processes were followed</a:t>
+            </a:r>
+          </a:p>
+          <a:p>
+            <a:r>
+              <a:rPr lang="en-US" dirty="0" smtClean="0"/>
+              <a:t> Testing</a:t>
+            </a:r>
+          </a:p>
+          <a:p>
+            <a:pPr lvl="1"/>
+            <a:r>
+              <a:rPr lang="en-US" dirty="0" smtClean="0"/>
+              <a:t>Unit testing</a:t>
+            </a:r>
+          </a:p>
+          <a:p>
+            <a:pPr lvl="1"/>
+            <a:r>
+              <a:rPr lang="en-US" dirty="0" smtClean="0"/>
+              <a:t>Acceptance and system testing</a:t>
+            </a:r>
+          </a:p>
+        </p:txBody>
+      </p:sp>
+    </p:spTree>
+  </p:cSld>
+  <p:clrMapOvr>
+    <a:masterClrMapping/>
+  </p:clrMapOvr>
+</p:sld>
+</file>
+
+<file path=ppt/slides/slide22.xml><?xml version="1.0" encoding="utf-8"?>
 <p:sld xmlns:a="http://schemas.openxmlformats.org/drawingml/2006/main" xmlns:r="http://schemas.openxmlformats.org/officeDocument/2006/relationships" xmlns:p="http://schemas.openxmlformats.org/presentationml/2006/main">
   <p:cSld>
     <p:spTree>
@@ -11894,158 +12574,6 @@
 </p:sld>
 </file>
 
-<file path=ppt/slides/slide21.xml><?xml version="1.0" encoding="utf-8"?>
-<p:sld xmlns:a="http://schemas.openxmlformats.org/drawingml/2006/main" xmlns:r="http://schemas.openxmlformats.org/officeDocument/2006/relationships" xmlns:p="http://schemas.openxmlformats.org/presentationml/2006/main">
-  <p:cSld>
-    <p:spTree>
-      <p:nvGrpSpPr>
-        <p:cNvPr id="1" name=""/>
-        <p:cNvGrpSpPr/>
-        <p:nvPr/>
-      </p:nvGrpSpPr>
-      <p:grpSpPr>
-        <a:xfrm>
-          <a:off x="0" y="0"/>
-          <a:ext cx="0" cy="0"/>
-          <a:chOff x="0" y="0"/>
-          <a:chExt cx="0" cy="0"/>
-        </a:xfrm>
-      </p:grpSpPr>
-      <p:sp>
-        <p:nvSpPr>
-          <p:cNvPr id="2" name="Título 1"/>
-          <p:cNvSpPr>
-            <a:spLocks noGrp="1"/>
-          </p:cNvSpPr>
-          <p:nvPr>
-            <p:ph type="title"/>
-          </p:nvPr>
-        </p:nvSpPr>
-        <p:spPr/>
-        <p:txBody>
-          <a:bodyPr/>
-          <a:lstStyle/>
-          <a:p>
-            <a:r>
-              <a:rPr lang="en-US" smtClean="0"/>
-              <a:t>Quality Perception</a:t>
-            </a:r>
-            <a:endParaRPr lang="en-US"/>
-          </a:p>
-        </p:txBody>
-      </p:sp>
-      <p:sp>
-        <p:nvSpPr>
-          <p:cNvPr id="3" name="Marcador de Posição de Conteúdo 2"/>
-          <p:cNvSpPr>
-            <a:spLocks noGrp="1"/>
-          </p:cNvSpPr>
-          <p:nvPr>
-            <p:ph idx="1"/>
-          </p:nvPr>
-        </p:nvSpPr>
-        <p:spPr/>
-        <p:txBody>
-          <a:bodyPr/>
-          <a:lstStyle/>
-          <a:p>
-            <a:endParaRPr lang="pt-PT"/>
-          </a:p>
-        </p:txBody>
-      </p:sp>
-    </p:spTree>
-  </p:cSld>
-  <p:clrMapOvr>
-    <a:masterClrMapping/>
-  </p:clrMapOvr>
-  <p:timing>
-    <p:tnLst>
-      <p:par>
-        <p:cTn id="1" dur="indefinite" restart="never" nodeType="tmRoot"/>
-      </p:par>
-    </p:tnLst>
-  </p:timing>
-</p:sld>
-</file>
-
-<file path=ppt/slides/slide22.xml><?xml version="1.0" encoding="utf-8"?>
-<p:sld xmlns:a="http://schemas.openxmlformats.org/drawingml/2006/main" xmlns:r="http://schemas.openxmlformats.org/officeDocument/2006/relationships" xmlns:p="http://schemas.openxmlformats.org/presentationml/2006/main">
-  <p:cSld>
-    <p:spTree>
-      <p:nvGrpSpPr>
-        <p:cNvPr id="1" name=""/>
-        <p:cNvGrpSpPr/>
-        <p:nvPr/>
-      </p:nvGrpSpPr>
-      <p:grpSpPr>
-        <a:xfrm>
-          <a:off x="0" y="0"/>
-          <a:ext cx="0" cy="0"/>
-          <a:chOff x="0" y="0"/>
-          <a:chExt cx="0" cy="0"/>
-        </a:xfrm>
-      </p:grpSpPr>
-      <p:sp>
-        <p:nvSpPr>
-          <p:cNvPr id="2" name="Título 1"/>
-          <p:cNvSpPr>
-            <a:spLocks noGrp="1"/>
-          </p:cNvSpPr>
-          <p:nvPr>
-            <p:ph type="title"/>
-          </p:nvPr>
-        </p:nvSpPr>
-        <p:spPr/>
-        <p:txBody>
-          <a:bodyPr/>
-          <a:lstStyle/>
-          <a:p>
-            <a:r>
-              <a:rPr lang="en-US" dirty="0" smtClean="0"/>
-              <a:t>Architecture</a:t>
-            </a:r>
-            <a:endParaRPr lang="en-US" dirty="0"/>
-          </a:p>
-        </p:txBody>
-      </p:sp>
-      <p:sp>
-        <p:nvSpPr>
-          <p:cNvPr id="3" name="Marcador de Posição do Texto 2"/>
-          <p:cNvSpPr>
-            <a:spLocks noGrp="1"/>
-          </p:cNvSpPr>
-          <p:nvPr>
-            <p:ph type="body" idx="1"/>
-          </p:nvPr>
-        </p:nvSpPr>
-        <p:spPr/>
-        <p:txBody>
-          <a:bodyPr/>
-          <a:lstStyle/>
-          <a:p>
-            <a:r>
-              <a:rPr lang="pt-PT" dirty="0" smtClean="0"/>
-              <a:t>Rui Ganhoto</a:t>
-            </a:r>
-            <a:endParaRPr lang="pt-PT" dirty="0"/>
-          </a:p>
-        </p:txBody>
-      </p:sp>
-    </p:spTree>
-  </p:cSld>
-  <p:clrMapOvr>
-    <a:masterClrMapping/>
-  </p:clrMapOvr>
-  <p:timing>
-    <p:tnLst>
-      <p:par>
-        <p:cTn id="1" dur="indefinite" restart="never" nodeType="tmRoot"/>
-      </p:par>
-    </p:tnLst>
-  </p:timing>
-</p:sld>
-</file>
-
 <file path=ppt/slides/slide23.xml><?xml version="1.0" encoding="utf-8"?>
 <p:sld xmlns:a="http://schemas.openxmlformats.org/drawingml/2006/main" xmlns:r="http://schemas.openxmlformats.org/officeDocument/2006/relationships" xmlns:p="http://schemas.openxmlformats.org/presentationml/2006/main">
   <p:cSld>
@@ -12078,7 +12606,11 @@
           <a:bodyPr/>
           <a:lstStyle/>
           <a:p>
-            <a:endParaRPr lang="en-US" dirty="0"/>
+            <a:r>
+              <a:rPr lang="en-US" smtClean="0"/>
+              <a:t>Quality Perception</a:t>
+            </a:r>
+            <a:endParaRPr lang="en-US"/>
           </a:p>
         </p:txBody>
       </p:sp>
@@ -12102,15 +12634,17 @@
         </p:txBody>
       </p:sp>
     </p:spTree>
-    <p:extLst>
-      <p:ext uri="{BB962C8B-B14F-4D97-AF65-F5344CB8AC3E}">
-        <p14:creationId xmlns:p14="http://schemas.microsoft.com/office/powerpoint/2010/main" val="2470495484"/>
-      </p:ext>
-    </p:extLst>
   </p:cSld>
   <p:clrMapOvr>
     <a:masterClrMapping/>
   </p:clrMapOvr>
+  <p:timing>
+    <p:tnLst>
+      <p:par>
+        <p:cTn id="1" dur="indefinite" restart="never" nodeType="tmRoot"/>
+      </p:par>
+    </p:tnLst>
+  </p:timing>
 </p:sld>
 </file>
 
@@ -12148,6 +12682,152 @@
           <a:p>
             <a:r>
               <a:rPr lang="en-US" dirty="0" smtClean="0"/>
+              <a:t>Architecture</a:t>
+            </a:r>
+            <a:endParaRPr lang="en-US" dirty="0"/>
+          </a:p>
+        </p:txBody>
+      </p:sp>
+      <p:sp>
+        <p:nvSpPr>
+          <p:cNvPr id="3" name="Marcador de Posição do Texto 2"/>
+          <p:cNvSpPr>
+            <a:spLocks noGrp="1"/>
+          </p:cNvSpPr>
+          <p:nvPr>
+            <p:ph type="body" idx="1"/>
+          </p:nvPr>
+        </p:nvSpPr>
+        <p:spPr/>
+        <p:txBody>
+          <a:bodyPr/>
+          <a:lstStyle/>
+          <a:p>
+            <a:r>
+              <a:rPr lang="pt-PT" dirty="0" smtClean="0"/>
+              <a:t>Rui Ganhoto</a:t>
+            </a:r>
+            <a:endParaRPr lang="pt-PT" dirty="0"/>
+          </a:p>
+        </p:txBody>
+      </p:sp>
+    </p:spTree>
+  </p:cSld>
+  <p:clrMapOvr>
+    <a:masterClrMapping/>
+  </p:clrMapOvr>
+  <p:timing>
+    <p:tnLst>
+      <p:par>
+        <p:cTn id="1" dur="indefinite" restart="never" nodeType="tmRoot"/>
+      </p:par>
+    </p:tnLst>
+  </p:timing>
+</p:sld>
+</file>
+
+<file path=ppt/slides/slide25.xml><?xml version="1.0" encoding="utf-8"?>
+<p:sld xmlns:a="http://schemas.openxmlformats.org/drawingml/2006/main" xmlns:r="http://schemas.openxmlformats.org/officeDocument/2006/relationships" xmlns:p="http://schemas.openxmlformats.org/presentationml/2006/main">
+  <p:cSld>
+    <p:spTree>
+      <p:nvGrpSpPr>
+        <p:cNvPr id="1" name=""/>
+        <p:cNvGrpSpPr/>
+        <p:nvPr/>
+      </p:nvGrpSpPr>
+      <p:grpSpPr>
+        <a:xfrm>
+          <a:off x="0" y="0"/>
+          <a:ext cx="0" cy="0"/>
+          <a:chOff x="0" y="0"/>
+          <a:chExt cx="0" cy="0"/>
+        </a:xfrm>
+      </p:grpSpPr>
+      <p:sp>
+        <p:nvSpPr>
+          <p:cNvPr id="2" name="Título 1"/>
+          <p:cNvSpPr>
+            <a:spLocks noGrp="1"/>
+          </p:cNvSpPr>
+          <p:nvPr>
+            <p:ph type="title"/>
+          </p:nvPr>
+        </p:nvSpPr>
+        <p:spPr/>
+        <p:txBody>
+          <a:bodyPr/>
+          <a:lstStyle/>
+          <a:p>
+            <a:endParaRPr lang="en-US" dirty="0"/>
+          </a:p>
+        </p:txBody>
+      </p:sp>
+      <p:sp>
+        <p:nvSpPr>
+          <p:cNvPr id="3" name="Marcador de Posição de Conteúdo 2"/>
+          <p:cNvSpPr>
+            <a:spLocks noGrp="1"/>
+          </p:cNvSpPr>
+          <p:nvPr>
+            <p:ph idx="1"/>
+          </p:nvPr>
+        </p:nvSpPr>
+        <p:spPr/>
+        <p:txBody>
+          <a:bodyPr/>
+          <a:lstStyle/>
+          <a:p>
+            <a:endParaRPr lang="pt-PT"/>
+          </a:p>
+        </p:txBody>
+      </p:sp>
+    </p:spTree>
+    <p:extLst>
+      <p:ext uri="{BB962C8B-B14F-4D97-AF65-F5344CB8AC3E}">
+        <p14:creationId xmlns:p14="http://schemas.microsoft.com/office/powerpoint/2010/main" val="2470495484"/>
+      </p:ext>
+    </p:extLst>
+  </p:cSld>
+  <p:clrMapOvr>
+    <a:masterClrMapping/>
+  </p:clrMapOvr>
+</p:sld>
+</file>
+
+<file path=ppt/slides/slide26.xml><?xml version="1.0" encoding="utf-8"?>
+<p:sld xmlns:a="http://schemas.openxmlformats.org/drawingml/2006/main" xmlns:r="http://schemas.openxmlformats.org/officeDocument/2006/relationships" xmlns:p="http://schemas.openxmlformats.org/presentationml/2006/main">
+  <p:cSld>
+    <p:spTree>
+      <p:nvGrpSpPr>
+        <p:cNvPr id="1" name=""/>
+        <p:cNvGrpSpPr/>
+        <p:nvPr/>
+      </p:nvGrpSpPr>
+      <p:grpSpPr>
+        <a:xfrm>
+          <a:off x="0" y="0"/>
+          <a:ext cx="0" cy="0"/>
+          <a:chOff x="0" y="0"/>
+          <a:chExt cx="0" cy="0"/>
+        </a:xfrm>
+      </p:grpSpPr>
+      <p:sp>
+        <p:nvSpPr>
+          <p:cNvPr id="2" name="Título 1"/>
+          <p:cNvSpPr>
+            <a:spLocks noGrp="1"/>
+          </p:cNvSpPr>
+          <p:nvPr>
+            <p:ph type="title"/>
+          </p:nvPr>
+        </p:nvSpPr>
+        <p:spPr/>
+        <p:txBody>
+          <a:bodyPr/>
+          <a:lstStyle/>
+          <a:p>
+            <a:r>
+              <a:rPr lang="en-US" dirty="0" smtClean="0"/>
               <a:t>Risk Management</a:t>
             </a:r>
             <a:endParaRPr lang="en-US" dirty="0"/>
@@ -12197,7 +12877,7 @@
 </p:sld>
 </file>
 
-<file path=ppt/slides/slide25.xml><?xml version="1.0" encoding="utf-8"?>
+<file path=ppt/slides/slide27.xml><?xml version="1.0" encoding="utf-8"?>
 <p:sld xmlns:a="http://schemas.openxmlformats.org/drawingml/2006/main" xmlns:r="http://schemas.openxmlformats.org/officeDocument/2006/relationships" xmlns:p="http://schemas.openxmlformats.org/presentationml/2006/main">
   <p:cSld>
     <p:spTree>
@@ -13253,339 +13933,6 @@
 </p:sld>
 </file>
 
-<file path=ppt/slides/slide26.xml><?xml version="1.0" encoding="utf-8"?>
-<p:sld xmlns:a="http://schemas.openxmlformats.org/drawingml/2006/main" xmlns:r="http://schemas.openxmlformats.org/officeDocument/2006/relationships" xmlns:p="http://schemas.openxmlformats.org/presentationml/2006/main">
-  <p:cSld>
-    <p:spTree>
-      <p:nvGrpSpPr>
-        <p:cNvPr id="1" name=""/>
-        <p:cNvGrpSpPr/>
-        <p:nvPr/>
-      </p:nvGrpSpPr>
-      <p:grpSpPr>
-        <a:xfrm>
-          <a:off x="0" y="0"/>
-          <a:ext cx="0" cy="0"/>
-          <a:chOff x="0" y="0"/>
-          <a:chExt cx="0" cy="0"/>
-        </a:xfrm>
-      </p:grpSpPr>
-      <p:sp>
-        <p:nvSpPr>
-          <p:cNvPr id="2" name="Título 1"/>
-          <p:cNvSpPr>
-            <a:spLocks noGrp="1"/>
-          </p:cNvSpPr>
-          <p:nvPr>
-            <p:ph type="title"/>
-          </p:nvPr>
-        </p:nvSpPr>
-        <p:spPr/>
-        <p:txBody>
-          <a:bodyPr/>
-          <a:lstStyle/>
-          <a:p>
-            <a:r>
-              <a:rPr lang="en-US" dirty="0"/>
-              <a:t>Risk Management</a:t>
-            </a:r>
-            <a:endParaRPr lang="en-GB" dirty="0"/>
-          </a:p>
-        </p:txBody>
-      </p:sp>
-      <p:sp>
-        <p:nvSpPr>
-          <p:cNvPr id="3" name="Marcador de Posição de Conteúdo 2"/>
-          <p:cNvSpPr>
-            <a:spLocks noGrp="1"/>
-          </p:cNvSpPr>
-          <p:nvPr>
-            <p:ph idx="1"/>
-          </p:nvPr>
-        </p:nvSpPr>
-        <p:spPr/>
-        <p:txBody>
-          <a:bodyPr>
-            <a:normAutofit fontScale="85000" lnSpcReduction="10000"/>
-          </a:bodyPr>
-          <a:lstStyle/>
-          <a:p>
-            <a:r>
-              <a:rPr lang="en-GB" b="1" dirty="0"/>
-              <a:t>1º</a:t>
-            </a:r>
-            <a:r>
-              <a:rPr lang="en-GB" dirty="0"/>
-              <a:t> - Lack of knowledge on technology</a:t>
-            </a:r>
-            <a:r>
-              <a:rPr lang="en-GB" b="1" dirty="0"/>
-              <a:t>:</a:t>
-            </a:r>
-          </a:p>
-          <a:p>
-            <a:pPr lvl="1"/>
-            <a:r>
-              <a:rPr lang="en-GB" b="1" dirty="0"/>
-              <a:t>Probability:</a:t>
-            </a:r>
-            <a:r>
-              <a:rPr lang="en-GB" dirty="0"/>
-              <a:t> 3</a:t>
-            </a:r>
-          </a:p>
-          <a:p>
-            <a:pPr lvl="1"/>
-            <a:r>
-              <a:rPr lang="en-GB" b="1" dirty="0"/>
-              <a:t>Impact:</a:t>
-            </a:r>
-            <a:r>
-              <a:rPr lang="en-GB" dirty="0"/>
-              <a:t> 3</a:t>
-            </a:r>
-          </a:p>
-          <a:p>
-            <a:pPr lvl="1"/>
-            <a:r>
-              <a:rPr lang="en-GB" b="1" dirty="0"/>
-              <a:t>Team Member:</a:t>
-            </a:r>
-            <a:r>
-              <a:rPr lang="en-GB" dirty="0"/>
-              <a:t> João Girão, Mário Oliveira, David Silva, João Martins, Carla Machado and Filipe </a:t>
-            </a:r>
-            <a:r>
-              <a:rPr lang="en-GB" dirty="0" err="1"/>
-              <a:t>Brandão</a:t>
-            </a:r>
-            <a:r>
-              <a:rPr lang="en-GB" dirty="0"/>
-              <a:t> </a:t>
-            </a:r>
-          </a:p>
-          <a:p>
-            <a:pPr lvl="1"/>
-            <a:r>
-              <a:rPr lang="en-GB" b="1" dirty="0"/>
-              <a:t>Avoidance:</a:t>
-            </a:r>
-            <a:r>
-              <a:rPr lang="en-GB" dirty="0"/>
-              <a:t> </a:t>
-            </a:r>
-            <a:r>
-              <a:rPr lang="en-US" dirty="0"/>
-              <a:t>To reduce probability all interfaces must be created and managed by Rui </a:t>
-            </a:r>
-            <a:r>
-              <a:rPr lang="en-US" dirty="0" err="1"/>
-              <a:t>Ganhoto</a:t>
-            </a:r>
-            <a:r>
-              <a:rPr lang="en-US" dirty="0"/>
-              <a:t>.</a:t>
-            </a:r>
-          </a:p>
-          <a:p>
-            <a:pPr lvl="1"/>
-            <a:r>
-              <a:rPr lang="en-US" b="1" dirty="0"/>
-              <a:t>Minimization:</a:t>
-            </a:r>
-            <a:r>
-              <a:rPr lang="en-US" dirty="0"/>
-              <a:t> To reduce Impact Rui </a:t>
-            </a:r>
-            <a:r>
-              <a:rPr lang="en-US" dirty="0" err="1"/>
-              <a:t>Ganhoto</a:t>
-            </a:r>
-            <a:r>
-              <a:rPr lang="en-US" dirty="0"/>
-              <a:t> must give some formation to every team members. </a:t>
-            </a:r>
-          </a:p>
-          <a:p>
-            <a:pPr lvl="1"/>
-            <a:r>
-              <a:rPr lang="en-US" b="1" dirty="0"/>
-              <a:t>Contingency: </a:t>
-            </a:r>
-            <a:r>
-              <a:rPr lang="en-US" dirty="0"/>
-              <a:t>Negotiate interface with the client and avoid WPF, windows forms would be an easier option for static content</a:t>
-            </a:r>
-            <a:r>
-              <a:rPr lang="en-US" dirty="0" smtClean="0"/>
-              <a:t>.</a:t>
-            </a:r>
-            <a:endParaRPr lang="en-GB" dirty="0"/>
-          </a:p>
-        </p:txBody>
-      </p:sp>
-    </p:spTree>
-    <p:extLst>
-      <p:ext uri="{BB962C8B-B14F-4D97-AF65-F5344CB8AC3E}">
-        <p14:creationId xmlns:p14="http://schemas.microsoft.com/office/powerpoint/2010/main" val="576009203"/>
-      </p:ext>
-    </p:extLst>
-  </p:cSld>
-  <p:clrMapOvr>
-    <a:masterClrMapping/>
-  </p:clrMapOvr>
-</p:sld>
-</file>
-
-<file path=ppt/slides/slide27.xml><?xml version="1.0" encoding="utf-8"?>
-<p:sld xmlns:a="http://schemas.openxmlformats.org/drawingml/2006/main" xmlns:r="http://schemas.openxmlformats.org/officeDocument/2006/relationships" xmlns:p="http://schemas.openxmlformats.org/presentationml/2006/main">
-  <p:cSld>
-    <p:spTree>
-      <p:nvGrpSpPr>
-        <p:cNvPr id="1" name=""/>
-        <p:cNvGrpSpPr/>
-        <p:nvPr/>
-      </p:nvGrpSpPr>
-      <p:grpSpPr>
-        <a:xfrm>
-          <a:off x="0" y="0"/>
-          <a:ext cx="0" cy="0"/>
-          <a:chOff x="0" y="0"/>
-          <a:chExt cx="0" cy="0"/>
-        </a:xfrm>
-      </p:grpSpPr>
-      <p:sp>
-        <p:nvSpPr>
-          <p:cNvPr id="2" name="Título 1"/>
-          <p:cNvSpPr>
-            <a:spLocks noGrp="1"/>
-          </p:cNvSpPr>
-          <p:nvPr>
-            <p:ph type="title"/>
-          </p:nvPr>
-        </p:nvSpPr>
-        <p:spPr/>
-        <p:txBody>
-          <a:bodyPr/>
-          <a:lstStyle/>
-          <a:p>
-            <a:r>
-              <a:rPr lang="en-US" dirty="0"/>
-              <a:t>Risk Management</a:t>
-            </a:r>
-            <a:endParaRPr lang="en-GB" dirty="0"/>
-          </a:p>
-        </p:txBody>
-      </p:sp>
-      <p:sp>
-        <p:nvSpPr>
-          <p:cNvPr id="3" name="Marcador de Posição de Conteúdo 2"/>
-          <p:cNvSpPr>
-            <a:spLocks noGrp="1"/>
-          </p:cNvSpPr>
-          <p:nvPr>
-            <p:ph idx="1"/>
-          </p:nvPr>
-        </p:nvSpPr>
-        <p:spPr/>
-        <p:txBody>
-          <a:bodyPr>
-            <a:normAutofit fontScale="92500" lnSpcReduction="10000"/>
-          </a:bodyPr>
-          <a:lstStyle/>
-          <a:p>
-            <a:r>
-              <a:rPr lang="en-GB" dirty="0"/>
-              <a:t>2º - Project Plan is over budget</a:t>
-            </a:r>
-          </a:p>
-          <a:p>
-            <a:pPr lvl="1"/>
-            <a:r>
-              <a:rPr lang="en-GB" b="1" dirty="0"/>
-              <a:t>Probability</a:t>
-            </a:r>
-            <a:r>
-              <a:rPr lang="en-GB" dirty="0"/>
-              <a:t>: 3</a:t>
-            </a:r>
-          </a:p>
-          <a:p>
-            <a:pPr lvl="1"/>
-            <a:r>
-              <a:rPr lang="en-GB" b="1" dirty="0"/>
-              <a:t>Impact</a:t>
-            </a:r>
-            <a:r>
-              <a:rPr lang="en-GB" dirty="0"/>
-              <a:t>: 2</a:t>
-            </a:r>
-          </a:p>
-          <a:p>
-            <a:pPr lvl="1"/>
-            <a:r>
-              <a:rPr lang="en-GB" b="1" dirty="0"/>
-              <a:t>Team Member</a:t>
-            </a:r>
-            <a:r>
-              <a:rPr lang="en-GB" dirty="0"/>
-              <a:t>: Everyone</a:t>
-            </a:r>
-          </a:p>
-          <a:p>
-            <a:pPr lvl="1"/>
-            <a:r>
-              <a:rPr lang="en-GB" dirty="0"/>
-              <a:t>Resolved with the </a:t>
-            </a:r>
-            <a:r>
-              <a:rPr lang="en-GB" dirty="0" err="1"/>
-              <a:t>Reestimation</a:t>
-            </a:r>
-            <a:endParaRPr lang="en-GB" dirty="0"/>
-          </a:p>
-          <a:p>
-            <a:pPr lvl="1"/>
-            <a:endParaRPr lang="en-GB" dirty="0"/>
-          </a:p>
-          <a:p>
-            <a:r>
-              <a:rPr lang="en-US" dirty="0"/>
-              <a:t>The project doesn’t end at the planned time (it’s a problem)</a:t>
-            </a:r>
-          </a:p>
-          <a:p>
-            <a:pPr lvl="1"/>
-            <a:r>
-              <a:rPr lang="en-US" b="1" dirty="0"/>
-              <a:t>Mitigation Plan</a:t>
-            </a:r>
-            <a:r>
-              <a:rPr lang="en-US" dirty="0"/>
-              <a:t>: redistribution the tasks</a:t>
-            </a:r>
-          </a:p>
-          <a:p>
-            <a:pPr marL="0" indent="0">
-              <a:buNone/>
-            </a:pPr>
-            <a:endParaRPr lang="en-GB" dirty="0"/>
-          </a:p>
-        </p:txBody>
-      </p:sp>
-    </p:spTree>
-    <p:extLst>
-      <p:ext uri="{BB962C8B-B14F-4D97-AF65-F5344CB8AC3E}">
-        <p14:creationId xmlns:p14="http://schemas.microsoft.com/office/powerpoint/2010/main" val="2359148607"/>
-      </p:ext>
-    </p:extLst>
-  </p:cSld>
-  <p:clrMapOvr>
-    <a:masterClrMapping/>
-  </p:clrMapOvr>
-</p:sld>
-</file>
-
 <file path=ppt/slides/slide28.xml><?xml version="1.0" encoding="utf-8"?>
 <p:sld xmlns:a="http://schemas.openxmlformats.org/drawingml/2006/main" xmlns:r="http://schemas.openxmlformats.org/officeDocument/2006/relationships" xmlns:p="http://schemas.openxmlformats.org/presentationml/2006/main">
   <p:cSld>
@@ -13619,48 +13966,154 @@
           <a:lstStyle/>
           <a:p>
             <a:r>
+              <a:rPr lang="en-US" dirty="0"/>
+              <a:t>Risk Management</a:t>
+            </a:r>
+            <a:endParaRPr lang="en-GB" dirty="0"/>
+          </a:p>
+        </p:txBody>
+      </p:sp>
+      <p:sp>
+        <p:nvSpPr>
+          <p:cNvPr id="3" name="Marcador de Posição de Conteúdo 2"/>
+          <p:cNvSpPr>
+            <a:spLocks noGrp="1"/>
+          </p:cNvSpPr>
+          <p:nvPr>
+            <p:ph idx="1"/>
+          </p:nvPr>
+        </p:nvSpPr>
+        <p:spPr/>
+        <p:txBody>
+          <a:bodyPr>
+            <a:normAutofit fontScale="85000" lnSpcReduction="10000"/>
+          </a:bodyPr>
+          <a:lstStyle/>
+          <a:p>
+            <a:r>
+              <a:rPr lang="en-GB" b="1" dirty="0"/>
+              <a:t>1º</a:t>
+            </a:r>
+            <a:r>
+              <a:rPr lang="en-GB" dirty="0"/>
+              <a:t> - Lack of knowledge on technology</a:t>
+            </a:r>
+            <a:r>
+              <a:rPr lang="en-GB" b="1" dirty="0"/>
+              <a:t>:</a:t>
+            </a:r>
+          </a:p>
+          <a:p>
+            <a:pPr lvl="1"/>
+            <a:r>
+              <a:rPr lang="en-GB" b="1" dirty="0"/>
+              <a:t>Probability:</a:t>
+            </a:r>
+            <a:r>
+              <a:rPr lang="en-GB" dirty="0"/>
+              <a:t> 3</a:t>
+            </a:r>
+          </a:p>
+          <a:p>
+            <a:pPr lvl="1"/>
+            <a:r>
+              <a:rPr lang="en-GB" b="1" dirty="0"/>
+              <a:t>Impact:</a:t>
+            </a:r>
+            <a:r>
+              <a:rPr lang="en-GB" dirty="0"/>
+              <a:t> 3</a:t>
+            </a:r>
+          </a:p>
+          <a:p>
+            <a:pPr lvl="1"/>
+            <a:r>
+              <a:rPr lang="en-GB" b="1" dirty="0"/>
+              <a:t>Team Member:</a:t>
+            </a:r>
+            <a:r>
+              <a:rPr lang="en-GB" dirty="0"/>
+              <a:t> João Girão, Mário Oliveira, David Silva, João Martins, Carla Machado and Filipe </a:t>
+            </a:r>
+            <a:r>
+              <a:rPr lang="en-GB" dirty="0" err="1"/>
+              <a:t>Brandão</a:t>
+            </a:r>
+            <a:r>
+              <a:rPr lang="en-GB" dirty="0"/>
+              <a:t> </a:t>
+            </a:r>
+          </a:p>
+          <a:p>
+            <a:pPr lvl="1"/>
+            <a:r>
+              <a:rPr lang="en-GB" b="1" dirty="0"/>
+              <a:t>Avoidance:</a:t>
+            </a:r>
+            <a:r>
+              <a:rPr lang="en-GB" dirty="0"/>
+              <a:t> </a:t>
+            </a:r>
+            <a:r>
+              <a:rPr lang="en-US" dirty="0"/>
+              <a:t>To reduce probability all interfaces must be created and managed by Rui </a:t>
+            </a:r>
+            <a:r>
+              <a:rPr lang="en-US" dirty="0" err="1"/>
+              <a:t>Ganhoto</a:t>
+            </a:r>
+            <a:r>
+              <a:rPr lang="en-US" dirty="0"/>
+              <a:t>.</a:t>
+            </a:r>
+          </a:p>
+          <a:p>
+            <a:pPr lvl="1"/>
+            <a:r>
+              <a:rPr lang="en-US" b="1" dirty="0"/>
+              <a:t>Minimization:</a:t>
+            </a:r>
+            <a:r>
+              <a:rPr lang="en-US" dirty="0"/>
+              <a:t> To reduce Impact Rui </a:t>
+            </a:r>
+            <a:r>
+              <a:rPr lang="en-US" dirty="0" err="1"/>
+              <a:t>Ganhoto</a:t>
+            </a:r>
+            <a:r>
+              <a:rPr lang="en-US" dirty="0"/>
+              <a:t> must give some formation to every team members. </a:t>
+            </a:r>
+          </a:p>
+          <a:p>
+            <a:pPr lvl="1"/>
+            <a:r>
+              <a:rPr lang="en-US" b="1" dirty="0"/>
+              <a:t>Contingency: </a:t>
+            </a:r>
+            <a:r>
+              <a:rPr lang="en-US" dirty="0"/>
+              <a:t>Negotiate interface with the client and avoid WPF, windows forms would be an easier option for static content</a:t>
+            </a:r>
+            <a:r>
               <a:rPr lang="en-US" dirty="0" smtClean="0"/>
-              <a:t>Product Demonstration</a:t>
-            </a:r>
-            <a:endParaRPr lang="en-US" dirty="0"/>
-          </a:p>
-        </p:txBody>
-      </p:sp>
-      <p:sp>
-        <p:nvSpPr>
-          <p:cNvPr id="3" name="Marcador de Posição do Texto 2"/>
-          <p:cNvSpPr>
-            <a:spLocks noGrp="1"/>
-          </p:cNvSpPr>
-          <p:nvPr>
-            <p:ph type="body" idx="1"/>
-          </p:nvPr>
-        </p:nvSpPr>
-        <p:spPr/>
-        <p:txBody>
-          <a:bodyPr/>
-          <a:lstStyle/>
-          <a:p>
-            <a:r>
-              <a:rPr lang="pt-PT" dirty="0" smtClean="0"/>
-              <a:t>David João</a:t>
-            </a:r>
-            <a:endParaRPr lang="pt-PT" dirty="0"/>
+              <a:t>.</a:t>
+            </a:r>
+            <a:endParaRPr lang="en-GB" dirty="0"/>
           </a:p>
         </p:txBody>
       </p:sp>
     </p:spTree>
+    <p:extLst>
+      <p:ext uri="{BB962C8B-B14F-4D97-AF65-F5344CB8AC3E}">
+        <p14:creationId xmlns:p14="http://schemas.microsoft.com/office/powerpoint/2010/main" val="576009203"/>
+      </p:ext>
+    </p:extLst>
   </p:cSld>
   <p:clrMapOvr>
     <a:masterClrMapping/>
   </p:clrMapOvr>
-  <p:timing>
-    <p:tnLst>
-      <p:par>
-        <p:cTn id="1" dur="indefinite" restart="never" nodeType="tmRoot"/>
-      </p:par>
-    </p:tnLst>
-  </p:timing>
 </p:sld>
 </file>
 
@@ -13696,7 +14149,11 @@
           <a:bodyPr/>
           <a:lstStyle/>
           <a:p>
-            <a:endParaRPr lang="pt-PT"/>
+            <a:r>
+              <a:rPr lang="en-US" dirty="0"/>
+              <a:t>Risk Management</a:t>
+            </a:r>
+            <a:endParaRPr lang="en-GB" dirty="0"/>
           </a:p>
         </p:txBody>
       </p:sp>
@@ -13712,14 +14169,96 @@
         </p:nvSpPr>
         <p:spPr/>
         <p:txBody>
-          <a:bodyPr/>
+          <a:bodyPr>
+            <a:normAutofit fontScale="92500" lnSpcReduction="10000"/>
+          </a:bodyPr>
           <a:lstStyle/>
           <a:p>
-            <a:endParaRPr lang="pt-PT"/>
+            <a:r>
+              <a:rPr lang="en-GB" dirty="0"/>
+              <a:t>2º - Project Plan is over budget</a:t>
+            </a:r>
+          </a:p>
+          <a:p>
+            <a:pPr lvl="1"/>
+            <a:r>
+              <a:rPr lang="en-GB" b="1" dirty="0"/>
+              <a:t>Probability</a:t>
+            </a:r>
+            <a:r>
+              <a:rPr lang="en-GB" dirty="0"/>
+              <a:t>: 3</a:t>
+            </a:r>
+          </a:p>
+          <a:p>
+            <a:pPr lvl="1"/>
+            <a:r>
+              <a:rPr lang="en-GB" b="1" dirty="0"/>
+              <a:t>Impact</a:t>
+            </a:r>
+            <a:r>
+              <a:rPr lang="en-GB" dirty="0"/>
+              <a:t>: 2</a:t>
+            </a:r>
+          </a:p>
+          <a:p>
+            <a:pPr lvl="1"/>
+            <a:r>
+              <a:rPr lang="en-GB" b="1" dirty="0"/>
+              <a:t>Team Member</a:t>
+            </a:r>
+            <a:r>
+              <a:rPr lang="en-GB" dirty="0"/>
+              <a:t>: Everyone</a:t>
+            </a:r>
+          </a:p>
+          <a:p>
+            <a:pPr lvl="1"/>
+            <a:r>
+              <a:rPr lang="en-GB" dirty="0"/>
+              <a:t>Resolved with the </a:t>
+            </a:r>
+            <a:r>
+              <a:rPr lang="en-GB" dirty="0" err="1"/>
+              <a:t>Reestimation</a:t>
+            </a:r>
+            <a:endParaRPr lang="en-GB" dirty="0"/>
+          </a:p>
+          <a:p>
+            <a:pPr lvl="1"/>
+            <a:endParaRPr lang="en-GB" dirty="0"/>
+          </a:p>
+          <a:p>
+            <a:r>
+              <a:rPr lang="en-US" dirty="0"/>
+              <a:t>The project doesn’t end at the planned time (it’s a problem)</a:t>
+            </a:r>
+          </a:p>
+          <a:p>
+            <a:pPr lvl="1"/>
+            <a:r>
+              <a:rPr lang="en-US" b="1" dirty="0"/>
+              <a:t>Mitigation Plan</a:t>
+            </a:r>
+            <a:r>
+              <a:rPr lang="en-US" dirty="0"/>
+              <a:t>: redistribution the tasks</a:t>
+            </a:r>
+          </a:p>
+          <a:p>
+            <a:pPr marL="0" indent="0">
+              <a:buNone/>
+            </a:pPr>
+            <a:endParaRPr lang="en-GB" dirty="0"/>
           </a:p>
         </p:txBody>
       </p:sp>
     </p:spTree>
+    <p:extLst>
+      <p:ext uri="{BB962C8B-B14F-4D97-AF65-F5344CB8AC3E}">
+        <p14:creationId xmlns:p14="http://schemas.microsoft.com/office/powerpoint/2010/main" val="2359148607"/>
+      </p:ext>
+    </p:extLst>
   </p:cSld>
   <p:clrMapOvr>
     <a:masterClrMapping/>
@@ -13844,7 +14383,7 @@
           <a:p>
             <a:r>
               <a:rPr lang="en-US" dirty="0" smtClean="0"/>
-              <a:t>Analysis and Conclusions</a:t>
+              <a:t>Product Demonstration</a:t>
             </a:r>
             <a:endParaRPr lang="en-US" dirty="0"/>
           </a:p>
@@ -13867,7 +14406,7 @@
           <a:p>
             <a:r>
               <a:rPr lang="pt-PT" dirty="0" smtClean="0"/>
-              <a:t>Team</a:t>
+              <a:t>David João</a:t>
             </a:r>
             <a:endParaRPr lang="pt-PT" dirty="0"/>
           </a:p>
@@ -13878,6 +14417,13 @@
   <p:clrMapOvr>
     <a:masterClrMapping/>
   </p:clrMapOvr>
+  <p:timing>
+    <p:tnLst>
+      <p:par>
+        <p:cTn id="1" dur="indefinite" restart="never" nodeType="tmRoot"/>
+      </p:par>
+    </p:tnLst>
+  </p:timing>
 </p:sld>
 </file>
 
@@ -13913,11 +14459,7 @@
           <a:bodyPr/>
           <a:lstStyle/>
           <a:p>
-            <a:r>
-              <a:rPr lang="pt-PT" dirty="0" smtClean="0"/>
-              <a:t>Global</a:t>
-            </a:r>
-            <a:endParaRPr lang="pt-PT" dirty="0"/>
+            <a:endParaRPr lang="pt-PT"/>
           </a:p>
         </p:txBody>
       </p:sp>
@@ -13981,21 +14523,21 @@
           <a:lstStyle/>
           <a:p>
             <a:r>
-              <a:rPr lang="pt-PT" dirty="0" smtClean="0"/>
-              <a:t>Carla Machado</a:t>
-            </a:r>
-            <a:endParaRPr lang="pt-PT" dirty="0"/>
-          </a:p>
-        </p:txBody>
-      </p:sp>
-      <p:sp>
-        <p:nvSpPr>
-          <p:cNvPr id="3" name="Marcador de Posição de Conteúdo 2"/>
-          <p:cNvSpPr>
-            <a:spLocks noGrp="1"/>
-          </p:cNvSpPr>
-          <p:nvPr>
-            <p:ph idx="1"/>
+              <a:rPr lang="en-US" dirty="0" smtClean="0"/>
+              <a:t>Analysis and Conclusions</a:t>
+            </a:r>
+            <a:endParaRPr lang="en-US" dirty="0"/>
+          </a:p>
+        </p:txBody>
+      </p:sp>
+      <p:sp>
+        <p:nvSpPr>
+          <p:cNvPr id="3" name="Marcador de Posição do Texto 2"/>
+          <p:cNvSpPr>
+            <a:spLocks noGrp="1"/>
+          </p:cNvSpPr>
+          <p:nvPr>
+            <p:ph type="body" idx="1"/>
           </p:nvPr>
         </p:nvSpPr>
         <p:spPr/>
@@ -14003,7 +14545,11 @@
           <a:bodyPr/>
           <a:lstStyle/>
           <a:p>
-            <a:endParaRPr lang="pt-PT"/>
+            <a:r>
+              <a:rPr lang="pt-PT" dirty="0" smtClean="0"/>
+              <a:t>Team</a:t>
+            </a:r>
+            <a:endParaRPr lang="pt-PT" dirty="0"/>
           </a:p>
         </p:txBody>
       </p:sp>
@@ -14049,7 +14595,7 @@
           <a:p>
             <a:r>
               <a:rPr lang="pt-PT" dirty="0" smtClean="0"/>
-              <a:t>David João</a:t>
+              <a:t>Global</a:t>
             </a:r>
             <a:endParaRPr lang="pt-PT" dirty="0"/>
           </a:p>
@@ -14116,7 +14662,7 @@
           <a:p>
             <a:r>
               <a:rPr lang="pt-PT" dirty="0" smtClean="0"/>
-              <a:t>Filipe Brandão</a:t>
+              <a:t>Carla Machado</a:t>
             </a:r>
             <a:endParaRPr lang="pt-PT" dirty="0"/>
           </a:p>
@@ -14183,7 +14729,7 @@
           <a:p>
             <a:r>
               <a:rPr lang="pt-PT" dirty="0" smtClean="0"/>
-              <a:t>João Girão</a:t>
+              <a:t>David João</a:t>
             </a:r>
             <a:endParaRPr lang="pt-PT" dirty="0"/>
           </a:p>
@@ -14250,7 +14796,7 @@
           <a:p>
             <a:r>
               <a:rPr lang="pt-PT" dirty="0" smtClean="0"/>
-              <a:t>João Martins</a:t>
+              <a:t>Filipe Brandão</a:t>
             </a:r>
             <a:endParaRPr lang="pt-PT" dirty="0"/>
           </a:p>
@@ -14317,7 +14863,7 @@
           <a:p>
             <a:r>
               <a:rPr lang="pt-PT" dirty="0" smtClean="0"/>
-              <a:t>Mário Oliveira</a:t>
+              <a:t>João Girão</a:t>
             </a:r>
             <a:endParaRPr lang="pt-PT" dirty="0"/>
           </a:p>
@@ -14384,7 +14930,7 @@
           <a:p>
             <a:r>
               <a:rPr lang="pt-PT" dirty="0" smtClean="0"/>
-              <a:t>Rui Ganhoto</a:t>
+              <a:t>João Martins</a:t>
             </a:r>
             <a:endParaRPr lang="pt-PT" dirty="0"/>
           </a:p>
@@ -14405,7 +14951,52 @@
           <a:bodyPr/>
           <a:lstStyle/>
           <a:p>
-            <a:endParaRPr lang="pt-PT"/>
+            <a:r>
+              <a:rPr lang="en-US" dirty="0" smtClean="0"/>
+              <a:t>Main Contributions:</a:t>
+            </a:r>
+          </a:p>
+          <a:p>
+            <a:pPr lvl="1"/>
+            <a:r>
+              <a:rPr lang="en-US" dirty="0" smtClean="0"/>
+              <a:t>Project plan process definition</a:t>
+            </a:r>
+          </a:p>
+          <a:p>
+            <a:pPr lvl="1"/>
+            <a:r>
+              <a:rPr lang="en-US" dirty="0" smtClean="0"/>
+              <a:t>Verification and Validation process</a:t>
+            </a:r>
+          </a:p>
+          <a:p>
+            <a:pPr lvl="1"/>
+            <a:r>
+              <a:rPr lang="en-US" dirty="0" smtClean="0"/>
+              <a:t>Test plan</a:t>
+            </a:r>
+            <a:endParaRPr lang="en-US" dirty="0" smtClean="0"/>
+          </a:p>
+          <a:p>
+            <a:r>
+              <a:rPr lang="en-US" dirty="0" smtClean="0"/>
+              <a:t>Lessons Learned:</a:t>
+            </a:r>
+          </a:p>
+          <a:p>
+            <a:pPr lvl="1"/>
+            <a:r>
+              <a:rPr lang="en-US" dirty="0" smtClean="0"/>
+              <a:t>Teamwork is important</a:t>
+            </a:r>
+          </a:p>
+          <a:p>
+            <a:pPr lvl="1"/>
+            <a:r>
+              <a:rPr lang="en-US" dirty="0" smtClean="0"/>
+              <a:t>Communication is a must!</a:t>
+            </a:r>
           </a:p>
         </p:txBody>
       </p:sp>
@@ -14414,6 +15005,135 @@
   <p:clrMapOvr>
     <a:masterClrMapping/>
   </p:clrMapOvr>
+  <p:timing>
+    <p:tnLst>
+      <p:par>
+        <p:cTn id="1" dur="indefinite" restart="never" nodeType="tmRoot"/>
+      </p:par>
+    </p:tnLst>
+  </p:timing>
+</p:sld>
+</file>
+
+<file path=ppt/slides/slide39.xml><?xml version="1.0" encoding="utf-8"?>
+<p:sld xmlns:a="http://schemas.openxmlformats.org/drawingml/2006/main" xmlns:r="http://schemas.openxmlformats.org/officeDocument/2006/relationships" xmlns:p="http://schemas.openxmlformats.org/presentationml/2006/main">
+  <p:cSld>
+    <p:spTree>
+      <p:nvGrpSpPr>
+        <p:cNvPr id="1" name=""/>
+        <p:cNvGrpSpPr/>
+        <p:nvPr/>
+      </p:nvGrpSpPr>
+      <p:grpSpPr>
+        <a:xfrm>
+          <a:off x="0" y="0"/>
+          <a:ext cx="0" cy="0"/>
+          <a:chOff x="0" y="0"/>
+          <a:chExt cx="0" cy="0"/>
+        </a:xfrm>
+      </p:grpSpPr>
+      <p:sp>
+        <p:nvSpPr>
+          <p:cNvPr id="2" name="Título 1"/>
+          <p:cNvSpPr>
+            <a:spLocks noGrp="1"/>
+          </p:cNvSpPr>
+          <p:nvPr>
+            <p:ph type="title"/>
+          </p:nvPr>
+        </p:nvSpPr>
+        <p:spPr/>
+        <p:txBody>
+          <a:bodyPr/>
+          <a:lstStyle/>
+          <a:p>
+            <a:r>
+              <a:rPr lang="pt-PT" dirty="0" smtClean="0"/>
+              <a:t>João Martins</a:t>
+            </a:r>
+            <a:endParaRPr lang="pt-PT" dirty="0"/>
+          </a:p>
+        </p:txBody>
+      </p:sp>
+      <p:sp>
+        <p:nvSpPr>
+          <p:cNvPr id="3" name="Marcador de Posição de Conteúdo 2"/>
+          <p:cNvSpPr>
+            <a:spLocks noGrp="1"/>
+          </p:cNvSpPr>
+          <p:nvPr>
+            <p:ph idx="1"/>
+          </p:nvPr>
+        </p:nvSpPr>
+        <p:spPr/>
+        <p:txBody>
+          <a:bodyPr/>
+          <a:lstStyle/>
+          <a:p>
+            <a:r>
+              <a:rPr lang="en-US" dirty="0" smtClean="0"/>
+              <a:t>Lessons Learned:</a:t>
+            </a:r>
+          </a:p>
+          <a:p>
+            <a:pPr lvl="1"/>
+            <a:r>
+              <a:rPr lang="en-US" dirty="0" smtClean="0"/>
+              <a:t>Test plan is not easy to make</a:t>
+            </a:r>
+          </a:p>
+          <a:p>
+            <a:pPr lvl="1"/>
+            <a:r>
+              <a:rPr lang="en-US" dirty="0"/>
+              <a:t>W</a:t>
+            </a:r>
+            <a:r>
+              <a:rPr lang="en-US" dirty="0" smtClean="0"/>
+              <a:t>hen anything can go wrong, it will go wrong.</a:t>
+            </a:r>
+            <a:endParaRPr lang="en-US" dirty="0"/>
+          </a:p>
+          <a:p>
+            <a:pPr marL="285750" lvl="1"/>
+            <a:r>
+              <a:rPr lang="en-US" dirty="0"/>
+              <a:t>Participation in Team Results:</a:t>
+            </a:r>
+          </a:p>
+          <a:p>
+            <a:pPr lvl="1"/>
+            <a:r>
+              <a:rPr lang="en-US" dirty="0" smtClean="0"/>
+              <a:t>Application Quality (Test plan)</a:t>
+            </a:r>
+          </a:p>
+          <a:p>
+            <a:pPr lvl="1"/>
+            <a:r>
+              <a:rPr lang="en-US" dirty="0" smtClean="0"/>
+              <a:t>Do everything that it’s needed.</a:t>
+            </a:r>
+          </a:p>
+        </p:txBody>
+      </p:sp>
+    </p:spTree>
+    <p:extLst>
+      <p:ext uri="{BB962C8B-B14F-4D97-AF65-F5344CB8AC3E}">
+        <p14:creationId xmlns:p14="http://schemas.microsoft.com/office/powerpoint/2010/main" val="1960690833"/>
+      </p:ext>
+    </p:extLst>
+  </p:cSld>
+  <p:clrMapOvr>
+    <a:masterClrMapping/>
+  </p:clrMapOvr>
+  <p:timing>
+    <p:tnLst>
+      <p:par>
+        <p:cTn id="1" dur="indefinite" restart="never" nodeType="tmRoot"/>
+      </p:par>
+    </p:tnLst>
+  </p:timing>
 </p:sld>
 </file>
 
@@ -14449,29 +15169,48 @@
           <a:bodyPr/>
           <a:lstStyle/>
           <a:p>
+            <a:r>
+              <a:rPr lang="pt-PT" dirty="0" err="1" smtClean="0"/>
+              <a:t>Product</a:t>
+            </a:r>
+            <a:r>
+              <a:rPr lang="pt-PT" dirty="0" smtClean="0"/>
+              <a:t> </a:t>
+            </a:r>
+            <a:r>
+              <a:rPr lang="pt-PT" dirty="0" err="1" smtClean="0"/>
+              <a:t>Overview</a:t>
+            </a:r>
             <a:endParaRPr lang="pt-PT" dirty="0"/>
           </a:p>
         </p:txBody>
       </p:sp>
-      <p:sp>
-        <p:nvSpPr>
-          <p:cNvPr id="3" name="Content Placeholder 2"/>
-          <p:cNvSpPr>
-            <a:spLocks noGrp="1"/>
-          </p:cNvSpPr>
+      <p:pic>
+        <p:nvPicPr>
+          <p:cNvPr id="4" name="Content Placeholder 3"/>
+          <p:cNvPicPr>
+            <a:picLocks noGrp="1" noChangeAspect="1"/>
+          </p:cNvPicPr>
           <p:nvPr>
             <p:ph idx="1"/>
           </p:nvPr>
-        </p:nvSpPr>
-        <p:spPr/>
-        <p:txBody>
-          <a:bodyPr/>
-          <a:lstStyle/>
-          <a:p>
-            <a:endParaRPr lang="pt-PT"/>
-          </a:p>
-        </p:txBody>
-      </p:sp>
+        </p:nvPicPr>
+        <p:blipFill>
+          <a:blip r:embed="rId2"/>
+          <a:stretch>
+            <a:fillRect/>
+          </a:stretch>
+        </p:blipFill>
+        <p:spPr>
+          <a:xfrm>
+            <a:off x="2941807" y="2557463"/>
+            <a:ext cx="6308386" cy="3317875"/>
+          </a:xfrm>
+          <a:prstGeom prst="rect">
+            <a:avLst/>
+          </a:prstGeom>
+        </p:spPr>
+      </p:pic>
     </p:spTree>
     <p:extLst>
       <p:ext uri="{BB962C8B-B14F-4D97-AF65-F5344CB8AC3E}">
@@ -14492,6 +15231,147 @@
 </p:sld>
 </file>
 
+<file path=ppt/slides/slide40.xml><?xml version="1.0" encoding="utf-8"?>
+<p:sld xmlns:a="http://schemas.openxmlformats.org/drawingml/2006/main" xmlns:r="http://schemas.openxmlformats.org/officeDocument/2006/relationships" xmlns:p="http://schemas.openxmlformats.org/presentationml/2006/main">
+  <p:cSld>
+    <p:spTree>
+      <p:nvGrpSpPr>
+        <p:cNvPr id="1" name=""/>
+        <p:cNvGrpSpPr/>
+        <p:nvPr/>
+      </p:nvGrpSpPr>
+      <p:grpSpPr>
+        <a:xfrm>
+          <a:off x="0" y="0"/>
+          <a:ext cx="0" cy="0"/>
+          <a:chOff x="0" y="0"/>
+          <a:chExt cx="0" cy="0"/>
+        </a:xfrm>
+      </p:grpSpPr>
+      <p:sp>
+        <p:nvSpPr>
+          <p:cNvPr id="2" name="Título 1"/>
+          <p:cNvSpPr>
+            <a:spLocks noGrp="1"/>
+          </p:cNvSpPr>
+          <p:nvPr>
+            <p:ph type="title"/>
+          </p:nvPr>
+        </p:nvSpPr>
+        <p:spPr/>
+        <p:txBody>
+          <a:bodyPr/>
+          <a:lstStyle/>
+          <a:p>
+            <a:r>
+              <a:rPr lang="pt-PT" dirty="0" smtClean="0"/>
+              <a:t>Mário Oliveira</a:t>
+            </a:r>
+            <a:endParaRPr lang="pt-PT" dirty="0"/>
+          </a:p>
+        </p:txBody>
+      </p:sp>
+      <p:sp>
+        <p:nvSpPr>
+          <p:cNvPr id="3" name="Marcador de Posição de Conteúdo 2"/>
+          <p:cNvSpPr>
+            <a:spLocks noGrp="1"/>
+          </p:cNvSpPr>
+          <p:nvPr>
+            <p:ph idx="1"/>
+          </p:nvPr>
+        </p:nvSpPr>
+        <p:spPr/>
+        <p:txBody>
+          <a:bodyPr/>
+          <a:lstStyle/>
+          <a:p>
+            <a:endParaRPr lang="pt-PT" dirty="0"/>
+          </a:p>
+        </p:txBody>
+      </p:sp>
+    </p:spTree>
+  </p:cSld>
+  <p:clrMapOvr>
+    <a:masterClrMapping/>
+  </p:clrMapOvr>
+  <p:timing>
+    <p:tnLst>
+      <p:par>
+        <p:cTn id="1" dur="indefinite" restart="never" nodeType="tmRoot"/>
+      </p:par>
+    </p:tnLst>
+  </p:timing>
+</p:sld>
+</file>
+
+<file path=ppt/slides/slide41.xml><?xml version="1.0" encoding="utf-8"?>
+<p:sld xmlns:a="http://schemas.openxmlformats.org/drawingml/2006/main" xmlns:r="http://schemas.openxmlformats.org/officeDocument/2006/relationships" xmlns:p="http://schemas.openxmlformats.org/presentationml/2006/main">
+  <p:cSld>
+    <p:spTree>
+      <p:nvGrpSpPr>
+        <p:cNvPr id="1" name=""/>
+        <p:cNvGrpSpPr/>
+        <p:nvPr/>
+      </p:nvGrpSpPr>
+      <p:grpSpPr>
+        <a:xfrm>
+          <a:off x="0" y="0"/>
+          <a:ext cx="0" cy="0"/>
+          <a:chOff x="0" y="0"/>
+          <a:chExt cx="0" cy="0"/>
+        </a:xfrm>
+      </p:grpSpPr>
+      <p:sp>
+        <p:nvSpPr>
+          <p:cNvPr id="2" name="Título 1"/>
+          <p:cNvSpPr>
+            <a:spLocks noGrp="1"/>
+          </p:cNvSpPr>
+          <p:nvPr>
+            <p:ph type="title"/>
+          </p:nvPr>
+        </p:nvSpPr>
+        <p:spPr/>
+        <p:txBody>
+          <a:bodyPr/>
+          <a:lstStyle/>
+          <a:p>
+            <a:r>
+              <a:rPr lang="pt-PT" dirty="0" smtClean="0"/>
+              <a:t>Rui Ganhoto</a:t>
+            </a:r>
+            <a:endParaRPr lang="pt-PT" dirty="0"/>
+          </a:p>
+        </p:txBody>
+      </p:sp>
+      <p:sp>
+        <p:nvSpPr>
+          <p:cNvPr id="3" name="Marcador de Posição de Conteúdo 2"/>
+          <p:cNvSpPr>
+            <a:spLocks noGrp="1"/>
+          </p:cNvSpPr>
+          <p:nvPr>
+            <p:ph idx="1"/>
+          </p:nvPr>
+        </p:nvSpPr>
+        <p:spPr/>
+        <p:txBody>
+          <a:bodyPr/>
+          <a:lstStyle/>
+          <a:p>
+            <a:endParaRPr lang="pt-PT"/>
+          </a:p>
+        </p:txBody>
+      </p:sp>
+    </p:spTree>
+  </p:cSld>
+  <p:clrMapOvr>
+    <a:masterClrMapping/>
+  </p:clrMapOvr>
+</p:sld>
+</file>
+
 <file path=ppt/slides/slide5.xml><?xml version="1.0" encoding="utf-8"?>
 <p:sld xmlns:a="http://schemas.openxmlformats.org/drawingml/2006/main" xmlns:r="http://schemas.openxmlformats.org/officeDocument/2006/relationships" xmlns:p="http://schemas.openxmlformats.org/presentationml/2006/main">
   <p:cSld>
@@ -14511,7 +15391,7 @@
       </p:grpSpPr>
       <p:sp>
         <p:nvSpPr>
-          <p:cNvPr id="4" name="Title 3"/>
+          <p:cNvPr id="2" name="Title 1"/>
           <p:cNvSpPr>
             <a:spLocks noGrp="1"/>
           </p:cNvSpPr>
@@ -14525,44 +15405,75 @@
           <a:lstStyle/>
           <a:p>
             <a:r>
-              <a:rPr lang="en-US" dirty="0" smtClean="0"/>
-              <a:t>Project </a:t>
-            </a:r>
-            <a:r>
-              <a:rPr lang="en-US" dirty="0" err="1" smtClean="0"/>
-              <a:t>Managment</a:t>
-            </a:r>
-            <a:endParaRPr lang="en-US" dirty="0"/>
-          </a:p>
-        </p:txBody>
-      </p:sp>
-      <p:sp>
-        <p:nvSpPr>
-          <p:cNvPr id="5" name="Text Placeholder 4"/>
-          <p:cNvSpPr>
-            <a:spLocks noGrp="1"/>
-          </p:cNvSpPr>
-          <p:nvPr>
-            <p:ph type="body" idx="1"/>
-          </p:nvPr>
-        </p:nvSpPr>
-        <p:spPr/>
-        <p:txBody>
-          <a:bodyPr/>
-          <a:lstStyle/>
-          <a:p>
+              <a:rPr lang="pt-PT" dirty="0" err="1" smtClean="0"/>
+              <a:t>Product</a:t>
+            </a:r>
             <a:r>
               <a:rPr lang="pt-PT" dirty="0" smtClean="0"/>
-              <a:t>Filipe Brandão</a:t>
+              <a:t> </a:t>
+            </a:r>
+            <a:r>
+              <a:rPr lang="pt-PT" dirty="0" err="1" smtClean="0"/>
+              <a:t>Overview</a:t>
             </a:r>
             <a:endParaRPr lang="pt-PT" dirty="0"/>
           </a:p>
         </p:txBody>
       </p:sp>
+      <p:pic>
+        <p:nvPicPr>
+          <p:cNvPr id="6" name="Content Placeholder 5"/>
+          <p:cNvPicPr>
+            <a:picLocks noGrp="1" noChangeAspect="1"/>
+          </p:cNvPicPr>
+          <p:nvPr>
+            <p:ph idx="1"/>
+          </p:nvPr>
+        </p:nvPicPr>
+        <p:blipFill>
+          <a:blip r:embed="rId2"/>
+          <a:stretch>
+            <a:fillRect/>
+          </a:stretch>
+        </p:blipFill>
+        <p:spPr>
+          <a:xfrm>
+            <a:off x="1009426" y="2726947"/>
+            <a:ext cx="6308386" cy="3317875"/>
+          </a:xfrm>
+          <a:prstGeom prst="rect">
+            <a:avLst/>
+          </a:prstGeom>
+        </p:spPr>
+      </p:pic>
+      <p:pic>
+        <p:nvPicPr>
+          <p:cNvPr id="5" name="Picture 4"/>
+          <p:cNvPicPr>
+            <a:picLocks noChangeAspect="1"/>
+          </p:cNvPicPr>
+          <p:nvPr/>
+        </p:nvPicPr>
+        <p:blipFill>
+          <a:blip r:embed="rId3"/>
+          <a:stretch>
+            <a:fillRect/>
+          </a:stretch>
+        </p:blipFill>
+        <p:spPr>
+          <a:xfrm>
+            <a:off x="7317812" y="2556932"/>
+            <a:ext cx="3048256" cy="3657907"/>
+          </a:xfrm>
+          <a:prstGeom prst="rect">
+            <a:avLst/>
+          </a:prstGeom>
+        </p:spPr>
+      </p:pic>
     </p:spTree>
     <p:extLst>
       <p:ext uri="{BB962C8B-B14F-4D97-AF65-F5344CB8AC3E}">
-        <p14:creationId xmlns:p14="http://schemas.microsoft.com/office/powerpoint/2010/main" val="4109416244"/>
+        <p14:creationId xmlns:p14="http://schemas.microsoft.com/office/powerpoint/2010/main" val="139459399"/>
       </p:ext>
     </p:extLst>
   </p:cSld>
@@ -14611,33 +15522,76 @@
           <a:bodyPr/>
           <a:lstStyle/>
           <a:p>
+            <a:r>
+              <a:rPr lang="pt-PT" dirty="0" err="1"/>
+              <a:t>Product</a:t>
+            </a:r>
+            <a:r>
+              <a:rPr lang="pt-PT" dirty="0"/>
+              <a:t> </a:t>
+            </a:r>
+            <a:r>
+              <a:rPr lang="pt-PT" dirty="0" err="1"/>
+              <a:t>Overview</a:t>
+            </a:r>
             <a:endParaRPr lang="pt-PT" dirty="0"/>
           </a:p>
         </p:txBody>
       </p:sp>
-      <p:sp>
-        <p:nvSpPr>
-          <p:cNvPr id="3" name="Content Placeholder 2"/>
-          <p:cNvSpPr>
-            <a:spLocks noGrp="1"/>
-          </p:cNvSpPr>
+      <p:pic>
+        <p:nvPicPr>
+          <p:cNvPr id="4" name="Content Placeholder 3"/>
+          <p:cNvPicPr>
+            <a:picLocks noGrp="1" noChangeAspect="1"/>
+          </p:cNvPicPr>
           <p:nvPr>
             <p:ph idx="1"/>
           </p:nvPr>
-        </p:nvSpPr>
-        <p:spPr/>
-        <p:txBody>
-          <a:bodyPr/>
-          <a:lstStyle/>
-          <a:p>
-            <a:endParaRPr lang="pt-PT"/>
-          </a:p>
-        </p:txBody>
-      </p:sp>
+        </p:nvPicPr>
+        <p:blipFill>
+          <a:blip r:embed="rId2"/>
+          <a:stretch>
+            <a:fillRect/>
+          </a:stretch>
+        </p:blipFill>
+        <p:spPr>
+          <a:xfrm>
+            <a:off x="1226576" y="2567295"/>
+            <a:ext cx="4879256" cy="3790080"/>
+          </a:xfrm>
+          <a:prstGeom prst="rect">
+            <a:avLst/>
+          </a:prstGeom>
+        </p:spPr>
+      </p:pic>
+      <p:pic>
+        <p:nvPicPr>
+          <p:cNvPr id="5" name="Picture 4"/>
+          <p:cNvPicPr>
+            <a:picLocks noChangeAspect="1"/>
+          </p:cNvPicPr>
+          <p:nvPr/>
+        </p:nvPicPr>
+        <p:blipFill>
+          <a:blip r:embed="rId3"/>
+          <a:stretch>
+            <a:fillRect/>
+          </a:stretch>
+        </p:blipFill>
+        <p:spPr>
+          <a:xfrm>
+            <a:off x="6259461" y="2567295"/>
+            <a:ext cx="5057468" cy="3793101"/>
+          </a:xfrm>
+          <a:prstGeom prst="rect">
+            <a:avLst/>
+          </a:prstGeom>
+        </p:spPr>
+      </p:pic>
     </p:spTree>
     <p:extLst>
       <p:ext uri="{BB962C8B-B14F-4D97-AF65-F5344CB8AC3E}">
-        <p14:creationId xmlns:p14="http://schemas.microsoft.com/office/powerpoint/2010/main" val="444568525"/>
+        <p14:creationId xmlns:p14="http://schemas.microsoft.com/office/powerpoint/2010/main" val="1996551084"/>
       </p:ext>
     </p:extLst>
   </p:cSld>
@@ -14687,10 +15641,14 @@
           <a:lstStyle/>
           <a:p>
             <a:r>
-              <a:rPr lang="pt-PT" dirty="0" err="1" smtClean="0"/>
-              <a:t>Product</a:t>
-            </a:r>
-            <a:endParaRPr lang="pt-PT" dirty="0"/>
+              <a:rPr lang="en-US" dirty="0" smtClean="0"/>
+              <a:t>Project </a:t>
+            </a:r>
+            <a:r>
+              <a:rPr lang="en-US" dirty="0" err="1" smtClean="0"/>
+              <a:t>Managment</a:t>
+            </a:r>
+            <a:endParaRPr lang="en-US" dirty="0"/>
           </a:p>
         </p:txBody>
       </p:sp>
@@ -14711,7 +15669,7 @@
           <a:p>
             <a:r>
               <a:rPr lang="pt-PT" dirty="0" smtClean="0"/>
-              <a:t>João Martins</a:t>
+              <a:t>Filipe Brandão</a:t>
             </a:r>
             <a:endParaRPr lang="pt-PT" dirty="0"/>
           </a:p>
@@ -14720,7 +15678,7 @@
     </p:spTree>
     <p:extLst>
       <p:ext uri="{BB962C8B-B14F-4D97-AF65-F5344CB8AC3E}">
-        <p14:creationId xmlns:p14="http://schemas.microsoft.com/office/powerpoint/2010/main" val="1036071785"/>
+        <p14:creationId xmlns:p14="http://schemas.microsoft.com/office/powerpoint/2010/main" val="4109416244"/>
       </p:ext>
     </p:extLst>
   </p:cSld>
@@ -14795,7 +15753,7 @@
     </p:spTree>
     <p:extLst>
       <p:ext uri="{BB962C8B-B14F-4D97-AF65-F5344CB8AC3E}">
-        <p14:creationId xmlns:p14="http://schemas.microsoft.com/office/powerpoint/2010/main" val="4029259654"/>
+        <p14:creationId xmlns:p14="http://schemas.microsoft.com/office/powerpoint/2010/main" val="444568525"/>
       </p:ext>
     </p:extLst>
   </p:cSld>
@@ -14831,7 +15789,7 @@
       </p:grpSpPr>
       <p:sp>
         <p:nvSpPr>
-          <p:cNvPr id="5" name="Title 4"/>
+          <p:cNvPr id="4" name="Title 3"/>
           <p:cNvSpPr>
             <a:spLocks noGrp="1"/>
           </p:cNvSpPr>
@@ -14845,575 +15803,52 @@
           <a:lstStyle/>
           <a:p>
             <a:r>
-              <a:rPr lang="en-US" dirty="0" smtClean="0"/>
-              <a:t>Requirements</a:t>
-            </a:r>
-            <a:endParaRPr lang="en-US" dirty="0"/>
-          </a:p>
-        </p:txBody>
-      </p:sp>
-      <p:sp>
-        <p:nvSpPr>
-          <p:cNvPr id="6" name="Content Placeholder 5"/>
-          <p:cNvSpPr>
-            <a:spLocks noGrp="1"/>
-          </p:cNvSpPr>
-          <p:nvPr>
-            <p:ph idx="1"/>
-          </p:nvPr>
-        </p:nvSpPr>
-        <p:spPr>
-          <a:xfrm>
-            <a:off x="3504050" y="2578979"/>
-            <a:ext cx="1870207" cy="2993685"/>
-          </a:xfrm>
-        </p:spPr>
+              <a:rPr lang="pt-PT" dirty="0" err="1" smtClean="0"/>
+              <a:t>Product</a:t>
+            </a:r>
+            <a:endParaRPr lang="pt-PT" dirty="0"/>
+          </a:p>
+        </p:txBody>
+      </p:sp>
+      <p:sp>
+        <p:nvSpPr>
+          <p:cNvPr id="5" name="Text Placeholder 4"/>
+          <p:cNvSpPr>
+            <a:spLocks noGrp="1"/>
+          </p:cNvSpPr>
+          <p:nvPr>
+            <p:ph type="body" idx="1"/>
+          </p:nvPr>
+        </p:nvSpPr>
+        <p:spPr/>
         <p:txBody>
           <a:bodyPr/>
           <a:lstStyle/>
           <a:p>
-            <a:pPr marL="0" indent="0">
-              <a:buNone/>
-            </a:pPr>
-            <a:r>
-              <a:rPr lang="en-US" sz="2000" dirty="0" smtClean="0"/>
-              <a:t>Number of Initial </a:t>
-            </a:r>
-            <a:r>
-              <a:rPr lang="en-US" sz="2000" dirty="0" smtClean="0"/>
-              <a:t>Requirements</a:t>
-            </a:r>
-            <a:endParaRPr lang="en-US" dirty="0"/>
-          </a:p>
-          <a:p>
-            <a:pPr marL="0" indent="0" algn="ctr">
-              <a:buNone/>
-            </a:pPr>
-            <a:r>
-              <a:rPr lang="pt-PT" sz="6600" dirty="0" smtClean="0"/>
-              <a:t>66 </a:t>
-            </a:r>
-            <a:endParaRPr lang="en-US" sz="6600" dirty="0"/>
-          </a:p>
-        </p:txBody>
-      </p:sp>
-      <p:sp>
-        <p:nvSpPr>
-          <p:cNvPr id="7" name="Content Placeholder 5"/>
-          <p:cNvSpPr txBox="1">
-            <a:spLocks/>
-          </p:cNvSpPr>
-          <p:nvPr/>
-        </p:nvSpPr>
-        <p:spPr>
-          <a:xfrm>
-            <a:off x="5761296" y="2578979"/>
-            <a:ext cx="2269897" cy="4023360"/>
-          </a:xfrm>
-          <a:prstGeom prst="rect">
-            <a:avLst/>
-          </a:prstGeom>
-        </p:spPr>
-        <p:txBody>
-          <a:bodyPr vert="horz" lIns="0" tIns="45720" rIns="0" bIns="45720" rtlCol="0">
-            <a:normAutofit/>
-          </a:bodyPr>
-          <a:lstStyle>
-            <a:lvl1pPr marL="91440" indent="-91440" algn="l" defTabSz="914400" rtl="0" eaLnBrk="1" latinLnBrk="0" hangingPunct="1">
-              <a:lnSpc>
-                <a:spcPct val="90000"/>
-              </a:lnSpc>
-              <a:spcBef>
-                <a:spcPts val="1200"/>
-              </a:spcBef>
-              <a:spcAft>
-                <a:spcPts val="200"/>
-              </a:spcAft>
-              <a:buClr>
-                <a:schemeClr val="accent1"/>
-              </a:buClr>
-              <a:buSzPct val="100000"/>
-              <a:buFont typeface="Calibri" panose="020F0502020204030204" pitchFamily="34" charset="0"/>
-              <a:buChar char=" "/>
-              <a:defRPr sz="2000" kern="1200">
-                <a:solidFill>
-                  <a:schemeClr val="tx1">
-                    <a:lumMod val="75000"/>
-                    <a:lumOff val="25000"/>
-                  </a:schemeClr>
-                </a:solidFill>
-                <a:latin typeface="+mn-lt"/>
-                <a:ea typeface="+mn-ea"/>
-                <a:cs typeface="+mn-cs"/>
-              </a:defRPr>
-            </a:lvl1pPr>
-            <a:lvl2pPr marL="384048" indent="-182880" algn="l" defTabSz="914400" rtl="0" eaLnBrk="1" latinLnBrk="0" hangingPunct="1">
-              <a:lnSpc>
-                <a:spcPct val="90000"/>
-              </a:lnSpc>
-              <a:spcBef>
-                <a:spcPts val="200"/>
-              </a:spcBef>
-              <a:spcAft>
-                <a:spcPts val="400"/>
-              </a:spcAft>
-              <a:buClr>
-                <a:schemeClr val="accent1"/>
-              </a:buClr>
-              <a:buFont typeface="Calibri" pitchFamily="34" charset="0"/>
-              <a:buChar char="◦"/>
-              <a:defRPr sz="1800" kern="1200">
-                <a:solidFill>
-                  <a:schemeClr val="tx1">
-                    <a:lumMod val="75000"/>
-                    <a:lumOff val="25000"/>
-                  </a:schemeClr>
-                </a:solidFill>
-                <a:latin typeface="+mn-lt"/>
-                <a:ea typeface="+mn-ea"/>
-                <a:cs typeface="+mn-cs"/>
-              </a:defRPr>
-            </a:lvl2pPr>
-            <a:lvl3pPr marL="566928" indent="-182880" algn="l" defTabSz="914400" rtl="0" eaLnBrk="1" latinLnBrk="0" hangingPunct="1">
-              <a:lnSpc>
-                <a:spcPct val="90000"/>
-              </a:lnSpc>
-              <a:spcBef>
-                <a:spcPts val="200"/>
-              </a:spcBef>
-              <a:spcAft>
-                <a:spcPts val="400"/>
-              </a:spcAft>
-              <a:buClr>
-                <a:schemeClr val="accent1"/>
-              </a:buClr>
-              <a:buFont typeface="Calibri" pitchFamily="34" charset="0"/>
-              <a:buChar char="◦"/>
-              <a:defRPr sz="1400" kern="1200">
-                <a:solidFill>
-                  <a:schemeClr val="tx1">
-                    <a:lumMod val="75000"/>
-                    <a:lumOff val="25000"/>
-                  </a:schemeClr>
-                </a:solidFill>
-                <a:latin typeface="+mn-lt"/>
-                <a:ea typeface="+mn-ea"/>
-                <a:cs typeface="+mn-cs"/>
-              </a:defRPr>
-            </a:lvl3pPr>
-            <a:lvl4pPr marL="749808" indent="-182880" algn="l" defTabSz="914400" rtl="0" eaLnBrk="1" latinLnBrk="0" hangingPunct="1">
-              <a:lnSpc>
-                <a:spcPct val="90000"/>
-              </a:lnSpc>
-              <a:spcBef>
-                <a:spcPts val="200"/>
-              </a:spcBef>
-              <a:spcAft>
-                <a:spcPts val="400"/>
-              </a:spcAft>
-              <a:buClr>
-                <a:schemeClr val="accent1"/>
-              </a:buClr>
-              <a:buFont typeface="Calibri" pitchFamily="34" charset="0"/>
-              <a:buChar char="◦"/>
-              <a:defRPr sz="1400" kern="1200">
-                <a:solidFill>
-                  <a:schemeClr val="tx1">
-                    <a:lumMod val="75000"/>
-                    <a:lumOff val="25000"/>
-                  </a:schemeClr>
-                </a:solidFill>
-                <a:latin typeface="+mn-lt"/>
-                <a:ea typeface="+mn-ea"/>
-                <a:cs typeface="+mn-cs"/>
-              </a:defRPr>
-            </a:lvl4pPr>
-            <a:lvl5pPr marL="932688" indent="-182880" algn="l" defTabSz="914400" rtl="0" eaLnBrk="1" latinLnBrk="0" hangingPunct="1">
-              <a:lnSpc>
-                <a:spcPct val="90000"/>
-              </a:lnSpc>
-              <a:spcBef>
-                <a:spcPts val="200"/>
-              </a:spcBef>
-              <a:spcAft>
-                <a:spcPts val="400"/>
-              </a:spcAft>
-              <a:buClr>
-                <a:schemeClr val="accent1"/>
-              </a:buClr>
-              <a:buFont typeface="Calibri" pitchFamily="34" charset="0"/>
-              <a:buChar char="◦"/>
-              <a:defRPr sz="1400" kern="1200">
-                <a:solidFill>
-                  <a:schemeClr val="tx1">
-                    <a:lumMod val="75000"/>
-                    <a:lumOff val="25000"/>
-                  </a:schemeClr>
-                </a:solidFill>
-                <a:latin typeface="+mn-lt"/>
-                <a:ea typeface="+mn-ea"/>
-                <a:cs typeface="+mn-cs"/>
-              </a:defRPr>
-            </a:lvl5pPr>
-            <a:lvl6pPr marL="1100000" indent="-228600" algn="l" defTabSz="914400" rtl="0" eaLnBrk="1" latinLnBrk="0" hangingPunct="1">
-              <a:lnSpc>
-                <a:spcPct val="90000"/>
-              </a:lnSpc>
-              <a:spcBef>
-                <a:spcPts val="200"/>
-              </a:spcBef>
-              <a:spcAft>
-                <a:spcPts val="400"/>
-              </a:spcAft>
-              <a:buClr>
-                <a:schemeClr val="accent1"/>
-              </a:buClr>
-              <a:buFont typeface="Calibri" pitchFamily="34" charset="0"/>
-              <a:buChar char="◦"/>
-              <a:defRPr sz="1400" kern="1200">
-                <a:solidFill>
-                  <a:schemeClr val="tx1">
-                    <a:lumMod val="75000"/>
-                    <a:lumOff val="25000"/>
-                  </a:schemeClr>
-                </a:solidFill>
-                <a:latin typeface="+mn-lt"/>
-                <a:ea typeface="+mn-ea"/>
-                <a:cs typeface="+mn-cs"/>
-              </a:defRPr>
-            </a:lvl6pPr>
-            <a:lvl7pPr marL="1300000" indent="-228600" algn="l" defTabSz="914400" rtl="0" eaLnBrk="1" latinLnBrk="0" hangingPunct="1">
-              <a:lnSpc>
-                <a:spcPct val="90000"/>
-              </a:lnSpc>
-              <a:spcBef>
-                <a:spcPts val="200"/>
-              </a:spcBef>
-              <a:spcAft>
-                <a:spcPts val="400"/>
-              </a:spcAft>
-              <a:buClr>
-                <a:schemeClr val="accent1"/>
-              </a:buClr>
-              <a:buFont typeface="Calibri" pitchFamily="34" charset="0"/>
-              <a:buChar char="◦"/>
-              <a:defRPr sz="1400" kern="1200">
-                <a:solidFill>
-                  <a:schemeClr val="tx1">
-                    <a:lumMod val="75000"/>
-                    <a:lumOff val="25000"/>
-                  </a:schemeClr>
-                </a:solidFill>
-                <a:latin typeface="+mn-lt"/>
-                <a:ea typeface="+mn-ea"/>
-                <a:cs typeface="+mn-cs"/>
-              </a:defRPr>
-            </a:lvl7pPr>
-            <a:lvl8pPr marL="1500000" indent="-228600" algn="l" defTabSz="914400" rtl="0" eaLnBrk="1" latinLnBrk="0" hangingPunct="1">
-              <a:lnSpc>
-                <a:spcPct val="90000"/>
-              </a:lnSpc>
-              <a:spcBef>
-                <a:spcPts val="200"/>
-              </a:spcBef>
-              <a:spcAft>
-                <a:spcPts val="400"/>
-              </a:spcAft>
-              <a:buClr>
-                <a:schemeClr val="accent1"/>
-              </a:buClr>
-              <a:buFont typeface="Calibri" pitchFamily="34" charset="0"/>
-              <a:buChar char="◦"/>
-              <a:defRPr sz="1400" kern="1200">
-                <a:solidFill>
-                  <a:schemeClr val="tx1">
-                    <a:lumMod val="75000"/>
-                    <a:lumOff val="25000"/>
-                  </a:schemeClr>
-                </a:solidFill>
-                <a:latin typeface="+mn-lt"/>
-                <a:ea typeface="+mn-ea"/>
-                <a:cs typeface="+mn-cs"/>
-              </a:defRPr>
-            </a:lvl8pPr>
-            <a:lvl9pPr marL="1700000" indent="-228600" algn="l" defTabSz="914400" rtl="0" eaLnBrk="1" latinLnBrk="0" hangingPunct="1">
-              <a:lnSpc>
-                <a:spcPct val="90000"/>
-              </a:lnSpc>
-              <a:spcBef>
-                <a:spcPts val="200"/>
-              </a:spcBef>
-              <a:spcAft>
-                <a:spcPts val="400"/>
-              </a:spcAft>
-              <a:buClr>
-                <a:schemeClr val="accent1"/>
-              </a:buClr>
-              <a:buFont typeface="Calibri" pitchFamily="34" charset="0"/>
-              <a:buChar char="◦"/>
-              <a:defRPr sz="1400" kern="1200">
-                <a:solidFill>
-                  <a:schemeClr val="tx1">
-                    <a:lumMod val="75000"/>
-                    <a:lumOff val="25000"/>
-                  </a:schemeClr>
-                </a:solidFill>
-                <a:latin typeface="+mn-lt"/>
-                <a:ea typeface="+mn-ea"/>
-                <a:cs typeface="+mn-cs"/>
-              </a:defRPr>
-            </a:lvl9pPr>
-          </a:lstStyle>
-          <a:p>
-            <a:r>
-              <a:rPr lang="en-US" dirty="0" smtClean="0"/>
-              <a:t>Number of Delivered Requirements</a:t>
-            </a:r>
-          </a:p>
-          <a:p>
-            <a:pPr marL="0" indent="0">
-              <a:buNone/>
-            </a:pPr>
-            <a:endParaRPr lang="en-US" dirty="0"/>
-          </a:p>
-          <a:p>
-            <a:pPr algn="ctr"/>
-            <a:r>
-              <a:rPr lang="en-US" sz="6600" dirty="0" smtClean="0"/>
-              <a:t>64</a:t>
-            </a:r>
-          </a:p>
-          <a:p>
-            <a:endParaRPr lang="en-US" dirty="0"/>
+            <a:r>
+              <a:rPr lang="pt-PT" dirty="0" smtClean="0"/>
+              <a:t>João Martins</a:t>
+            </a:r>
+            <a:endParaRPr lang="pt-PT" dirty="0"/>
           </a:p>
         </p:txBody>
       </p:sp>
     </p:spTree>
     <p:extLst>
       <p:ext uri="{BB962C8B-B14F-4D97-AF65-F5344CB8AC3E}">
-        <p14:creationId xmlns:p14="http://schemas.microsoft.com/office/powerpoint/2010/main" val="2323100813"/>
+        <p14:creationId xmlns:p14="http://schemas.microsoft.com/office/powerpoint/2010/main" val="1036071785"/>
       </p:ext>
     </p:extLst>
   </p:cSld>
   <p:clrMapOvr>
     <a:masterClrMapping/>
   </p:clrMapOvr>
-  <mc:AlternateContent xmlns:mc="http://schemas.openxmlformats.org/markup-compatibility/2006">
-    <mc:Choice xmlns:p14="http://schemas.microsoft.com/office/powerpoint/2010/main" Requires="p14">
-      <p:transition p14:dur="0"/>
-    </mc:Choice>
-    <mc:Fallback>
-      <p:transition/>
-    </mc:Fallback>
-  </mc:AlternateContent>
   <p:timing>
     <p:tnLst>
       <p:par>
-        <p:cTn id="1" dur="indefinite" restart="never" nodeType="tmRoot">
-          <p:childTnLst>
-            <p:seq concurrent="1" nextAc="seek">
-              <p:cTn id="2" dur="indefinite" nodeType="mainSeq">
-                <p:childTnLst>
-                  <p:par>
-                    <p:cTn id="3" fill="hold">
-                      <p:stCondLst>
-                        <p:cond delay="indefinite"/>
-                      </p:stCondLst>
-                      <p:childTnLst>
-                        <p:par>
-                          <p:cTn id="4" fill="hold">
-                            <p:stCondLst>
-                              <p:cond delay="0"/>
-                            </p:stCondLst>
-                            <p:childTnLst>
-                              <p:par>
-                                <p:cTn id="5" presetID="10" presetClass="entr" presetSubtype="0" fill="hold" grpId="0" nodeType="clickEffect">
-                                  <p:stCondLst>
-                                    <p:cond delay="0"/>
-                                  </p:stCondLst>
-                                  <p:childTnLst>
-                                    <p:set>
-                                      <p:cBhvr>
-                                        <p:cTn id="6" dur="1" fill="hold">
-                                          <p:stCondLst>
-                                            <p:cond delay="0"/>
-                                          </p:stCondLst>
-                                        </p:cTn>
-                                        <p:tgtEl>
-                                          <p:spTgt spid="6">
-                                            <p:txEl>
-                                              <p:pRg st="0" end="0"/>
-                                            </p:txEl>
-                                          </p:spTgt>
-                                        </p:tgtEl>
-                                        <p:attrNameLst>
-                                          <p:attrName>style.visibility</p:attrName>
-                                        </p:attrNameLst>
-                                      </p:cBhvr>
-                                      <p:to>
-                                        <p:strVal val="visible"/>
-                                      </p:to>
-                                    </p:set>
-                                    <p:animEffect transition="in" filter="fade">
-                                      <p:cBhvr>
-                                        <p:cTn id="7" dur="500"/>
-                                        <p:tgtEl>
-                                          <p:spTgt spid="6">
-                                            <p:txEl>
-                                              <p:pRg st="0" end="0"/>
-                                            </p:txEl>
-                                          </p:spTgt>
-                                        </p:tgtEl>
-                                      </p:cBhvr>
-                                    </p:animEffect>
-                                  </p:childTnLst>
-                                </p:cTn>
-                              </p:par>
-                            </p:childTnLst>
-                          </p:cTn>
-                        </p:par>
-                      </p:childTnLst>
-                    </p:cTn>
-                  </p:par>
-                  <p:par>
-                    <p:cTn id="8" fill="hold">
-                      <p:stCondLst>
-                        <p:cond delay="indefinite"/>
-                      </p:stCondLst>
-                      <p:childTnLst>
-                        <p:par>
-                          <p:cTn id="9" fill="hold">
-                            <p:stCondLst>
-                              <p:cond delay="0"/>
-                            </p:stCondLst>
-                            <p:childTnLst>
-                              <p:par>
-                                <p:cTn id="10" presetID="10" presetClass="entr" presetSubtype="0" fill="hold" grpId="0" nodeType="clickEffect">
-                                  <p:stCondLst>
-                                    <p:cond delay="0"/>
-                                  </p:stCondLst>
-                                  <p:childTnLst>
-                                    <p:set>
-                                      <p:cBhvr>
-                                        <p:cTn id="11" dur="1" fill="hold">
-                                          <p:stCondLst>
-                                            <p:cond delay="0"/>
-                                          </p:stCondLst>
-                                        </p:cTn>
-                                        <p:tgtEl>
-                                          <p:spTgt spid="6">
-                                            <p:txEl>
-                                              <p:pRg st="1" end="1"/>
-                                            </p:txEl>
-                                          </p:spTgt>
-                                        </p:tgtEl>
-                                        <p:attrNameLst>
-                                          <p:attrName>style.visibility</p:attrName>
-                                        </p:attrNameLst>
-                                      </p:cBhvr>
-                                      <p:to>
-                                        <p:strVal val="visible"/>
-                                      </p:to>
-                                    </p:set>
-                                    <p:animEffect transition="in" filter="fade">
-                                      <p:cBhvr>
-                                        <p:cTn id="12" dur="500"/>
-                                        <p:tgtEl>
-                                          <p:spTgt spid="6">
-                                            <p:txEl>
-                                              <p:pRg st="1" end="1"/>
-                                            </p:txEl>
-                                          </p:spTgt>
-                                        </p:tgtEl>
-                                      </p:cBhvr>
-                                    </p:animEffect>
-                                  </p:childTnLst>
-                                </p:cTn>
-                              </p:par>
-                            </p:childTnLst>
-                          </p:cTn>
-                        </p:par>
-                      </p:childTnLst>
-                    </p:cTn>
-                  </p:par>
-                  <p:par>
-                    <p:cTn id="13" fill="hold">
-                      <p:stCondLst>
-                        <p:cond delay="indefinite"/>
-                      </p:stCondLst>
-                      <p:childTnLst>
-                        <p:par>
-                          <p:cTn id="14" fill="hold">
-                            <p:stCondLst>
-                              <p:cond delay="0"/>
-                            </p:stCondLst>
-                            <p:childTnLst>
-                              <p:par>
-                                <p:cTn id="15" presetID="10" presetClass="entr" presetSubtype="0" fill="hold" grpId="0" nodeType="clickEffect">
-                                  <p:stCondLst>
-                                    <p:cond delay="0"/>
-                                  </p:stCondLst>
-                                  <p:childTnLst>
-                                    <p:set>
-                                      <p:cBhvr>
-                                        <p:cTn id="16" dur="1" fill="hold">
-                                          <p:stCondLst>
-                                            <p:cond delay="0"/>
-                                          </p:stCondLst>
-                                        </p:cTn>
-                                        <p:tgtEl>
-                                          <p:spTgt spid="7"/>
-                                        </p:tgtEl>
-                                        <p:attrNameLst>
-                                          <p:attrName>style.visibility</p:attrName>
-                                        </p:attrNameLst>
-                                      </p:cBhvr>
-                                      <p:to>
-                                        <p:strVal val="visible"/>
-                                      </p:to>
-                                    </p:set>
-                                    <p:animEffect transition="in" filter="fade">
-                                      <p:cBhvr>
-                                        <p:cTn id="17" dur="500"/>
-                                        <p:tgtEl>
-                                          <p:spTgt spid="7"/>
-                                        </p:tgtEl>
-                                      </p:cBhvr>
-                                    </p:animEffect>
-                                  </p:childTnLst>
-                                </p:cTn>
-                              </p:par>
-                            </p:childTnLst>
-                          </p:cTn>
-                        </p:par>
-                      </p:childTnLst>
-                    </p:cTn>
-                  </p:par>
-                </p:childTnLst>
-              </p:cTn>
-              <p:prevCondLst>
-                <p:cond evt="onPrev" delay="0">
-                  <p:tgtEl>
-                    <p:sldTgt/>
-                  </p:tgtEl>
-                </p:cond>
-              </p:prevCondLst>
-              <p:nextCondLst>
-                <p:cond evt="onNext" delay="0">
-                  <p:tgtEl>
-                    <p:sldTgt/>
-                  </p:tgtEl>
-                </p:cond>
-              </p:nextCondLst>
-            </p:seq>
-          </p:childTnLst>
-        </p:cTn>
+        <p:cTn id="1" dur="indefinite" restart="never" nodeType="tmRoot"/>
       </p:par>
     </p:tnLst>
-    <p:bldLst>
-      <p:bldP spid="6" grpId="0" build="p"/>
-      <p:bldP spid="7" grpId="0"/>
-    </p:bldLst>
   </p:timing>
 </p:sld>
 </file>

--- a/Final Presentation/Presentation.pptx
+++ b/Final Presentation/Presentation.pptx
@@ -5,7 +5,7 @@
     <p:sldMasterId id="2147484047" r:id="rId1"/>
   </p:sldMasterIdLst>
   <p:notesMasterIdLst>
-    <p:notesMasterId r:id="rId63"/>
+    <p:notesMasterId r:id="rId68"/>
   </p:notesMasterIdLst>
   <p:sldIdLst>
     <p:sldId id="256" r:id="rId2"/>
@@ -49,26 +49,31 @@
     <p:sldId id="297" r:id="rId40"/>
     <p:sldId id="298" r:id="rId41"/>
     <p:sldId id="279" r:id="rId42"/>
-    <p:sldId id="302" r:id="rId43"/>
-    <p:sldId id="301" r:id="rId44"/>
-    <p:sldId id="281" r:id="rId45"/>
-    <p:sldId id="299" r:id="rId46"/>
-    <p:sldId id="300" r:id="rId47"/>
-    <p:sldId id="284" r:id="rId48"/>
-    <p:sldId id="282" r:id="rId49"/>
-    <p:sldId id="285" r:id="rId50"/>
-    <p:sldId id="283" r:id="rId51"/>
-    <p:sldId id="286" r:id="rId52"/>
-    <p:sldId id="287" r:id="rId53"/>
-    <p:sldId id="288" r:id="rId54"/>
-    <p:sldId id="327" r:id="rId55"/>
-    <p:sldId id="328" r:id="rId56"/>
-    <p:sldId id="329" r:id="rId57"/>
-    <p:sldId id="289" r:id="rId58"/>
-    <p:sldId id="290" r:id="rId59"/>
-    <p:sldId id="306" r:id="rId60"/>
-    <p:sldId id="291" r:id="rId61"/>
-    <p:sldId id="292" r:id="rId62"/>
+    <p:sldId id="330" r:id="rId43"/>
+    <p:sldId id="331" r:id="rId44"/>
+    <p:sldId id="332" r:id="rId45"/>
+    <p:sldId id="333" r:id="rId46"/>
+    <p:sldId id="334" r:id="rId47"/>
+    <p:sldId id="335" r:id="rId48"/>
+    <p:sldId id="301" r:id="rId49"/>
+    <p:sldId id="281" r:id="rId50"/>
+    <p:sldId id="299" r:id="rId51"/>
+    <p:sldId id="300" r:id="rId52"/>
+    <p:sldId id="284" r:id="rId53"/>
+    <p:sldId id="282" r:id="rId54"/>
+    <p:sldId id="285" r:id="rId55"/>
+    <p:sldId id="283" r:id="rId56"/>
+    <p:sldId id="286" r:id="rId57"/>
+    <p:sldId id="287" r:id="rId58"/>
+    <p:sldId id="288" r:id="rId59"/>
+    <p:sldId id="327" r:id="rId60"/>
+    <p:sldId id="328" r:id="rId61"/>
+    <p:sldId id="329" r:id="rId62"/>
+    <p:sldId id="289" r:id="rId63"/>
+    <p:sldId id="290" r:id="rId64"/>
+    <p:sldId id="306" r:id="rId65"/>
+    <p:sldId id="291" r:id="rId66"/>
+    <p:sldId id="292" r:id="rId67"/>
   </p:sldIdLst>
   <p:sldSz cx="12192000" cy="6858000"/>
   <p:notesSz cx="6858000" cy="9144000"/>
@@ -189,7 +194,7 @@
 <file path=ppt/charts/chart1.xml><?xml version="1.0" encoding="utf-8"?>
 <c:chartSpace xmlns:c="http://schemas.openxmlformats.org/drawingml/2006/chart" xmlns:a="http://schemas.openxmlformats.org/drawingml/2006/main" xmlns:r="http://schemas.openxmlformats.org/officeDocument/2006/relationships">
   <c:date1904 val="0"/>
-  <c:lang val="pt-PT"/>
+  <c:lang val="en-US"/>
   <c:roundedCorners val="0"/>
   <mc:AlternateContent xmlns:mc="http://schemas.openxmlformats.org/markup-compatibility/2006">
     <mc:Choice xmlns:c14="http://schemas.microsoft.com/office/drawing/2007/8/2/chart" Requires="c14">
@@ -226,6 +231,7 @@
           </a:p>
         </c:rich>
       </c:tx>
+      <c:layout/>
       <c:overlay val="0"/>
       <c:spPr>
         <a:noFill/>
@@ -326,6 +332,7 @@
             <c:showLeaderLines val="0"/>
             <c:extLst>
               <c:ext xmlns:c15="http://schemas.microsoft.com/office/drawing/2012/chart" uri="{CE6537A1-D6FC-4f65-9D91-7224C49458BB}">
+                <c15:layout/>
                 <c15:showLeaderLines val="1"/>
                 <c15:leaderLines>
                   <c:spPr>
@@ -446,6 +453,7 @@
             <c:showLeaderLines val="0"/>
             <c:extLst>
               <c:ext xmlns:c15="http://schemas.microsoft.com/office/drawing/2012/chart" uri="{CE6537A1-D6FC-4f65-9D91-7224C49458BB}">
+                <c15:layout/>
                 <c15:showLeaderLines val="1"/>
                 <c15:leaderLines>
                   <c:spPr>
@@ -513,11 +521,11 @@
         </c:dLbls>
         <c:gapWidth val="444"/>
         <c:overlap val="-90"/>
-        <c:axId val="378622944"/>
-        <c:axId val="378622384"/>
+        <c:axId val="1110356160"/>
+        <c:axId val="1110356704"/>
       </c:barChart>
       <c:catAx>
-        <c:axId val="378622944"/>
+        <c:axId val="1110356160"/>
         <c:scaling>
           <c:orientation val="minMax"/>
         </c:scaling>
@@ -574,7 +582,7 @@
             <a:endParaRPr lang="pt-PT"/>
           </a:p>
         </c:txPr>
-        <c:crossAx val="378622384"/>
+        <c:crossAx val="1110356704"/>
         <c:crosses val="autoZero"/>
         <c:auto val="1"/>
         <c:lblAlgn val="ctr"/>
@@ -582,7 +590,7 @@
         <c:noMultiLvlLbl val="0"/>
       </c:catAx>
       <c:valAx>
-        <c:axId val="378622384"/>
+        <c:axId val="1110356704"/>
         <c:scaling>
           <c:orientation val="minMax"/>
         </c:scaling>
@@ -592,7 +600,7 @@
         <c:majorTickMark val="none"/>
         <c:minorTickMark val="none"/>
         <c:tickLblPos val="nextTo"/>
-        <c:crossAx val="378622944"/>
+        <c:crossAx val="1110356160"/>
         <c:crosses val="autoZero"/>
         <c:crossBetween val="between"/>
       </c:valAx>
@@ -606,6 +614,7 @@
     </c:plotArea>
     <c:legend>
       <c:legendPos val="t"/>
+      <c:layout/>
       <c:overlay val="0"/>
       <c:spPr>
         <a:noFill/>
@@ -665,7 +674,7 @@
 <file path=ppt/charts/chart2.xml><?xml version="1.0" encoding="utf-8"?>
 <c:chartSpace xmlns:c="http://schemas.openxmlformats.org/drawingml/2006/chart" xmlns:a="http://schemas.openxmlformats.org/drawingml/2006/main" xmlns:r="http://schemas.openxmlformats.org/officeDocument/2006/relationships">
   <c:date1904 val="0"/>
-  <c:lang val="pt-PT"/>
+  <c:lang val="en-US"/>
   <c:roundedCorners val="0"/>
   <mc:AlternateContent xmlns:mc="http://schemas.openxmlformats.org/markup-compatibility/2006">
     <mc:Choice xmlns:c14="http://schemas.microsoft.com/office/drawing/2007/8/2/chart" Requires="c14">
@@ -810,6 +819,7 @@
             <c:showLeaderLines val="0"/>
             <c:extLst>
               <c:ext xmlns:c15="http://schemas.microsoft.com/office/drawing/2012/chart" uri="{CE6537A1-D6FC-4f65-9D91-7224C49458BB}">
+                <c15:layout/>
                 <c15:showLeaderLines val="1"/>
                 <c15:leaderLines>
                   <c:spPr>
@@ -933,6 +943,7 @@
             <c:showLeaderLines val="0"/>
             <c:extLst>
               <c:ext xmlns:c15="http://schemas.microsoft.com/office/drawing/2012/chart" uri="{CE6537A1-D6FC-4f65-9D91-7224C49458BB}">
+                <c15:layout/>
                 <c15:showLeaderLines val="1"/>
                 <c15:leaderLines>
                   <c:spPr>
@@ -1003,11 +1014,11 @@
         </c:dLbls>
         <c:gapWidth val="444"/>
         <c:overlap val="-90"/>
-        <c:axId val="265950592"/>
-        <c:axId val="377925440"/>
+        <c:axId val="1207138448"/>
+        <c:axId val="1207138992"/>
       </c:barChart>
       <c:catAx>
-        <c:axId val="265950592"/>
+        <c:axId val="1207138448"/>
         <c:scaling>
           <c:orientation val="minMax"/>
         </c:scaling>
@@ -1064,7 +1075,7 @@
             <a:endParaRPr lang="pt-PT"/>
           </a:p>
         </c:txPr>
-        <c:crossAx val="377925440"/>
+        <c:crossAx val="1207138992"/>
         <c:crosses val="autoZero"/>
         <c:auto val="1"/>
         <c:lblAlgn val="ctr"/>
@@ -1072,7 +1083,7 @@
         <c:noMultiLvlLbl val="0"/>
       </c:catAx>
       <c:valAx>
-        <c:axId val="377925440"/>
+        <c:axId val="1207138992"/>
         <c:scaling>
           <c:orientation val="minMax"/>
         </c:scaling>
@@ -1082,7 +1093,7 @@
         <c:majorTickMark val="none"/>
         <c:minorTickMark val="none"/>
         <c:tickLblPos val="nextTo"/>
-        <c:crossAx val="265950592"/>
+        <c:crossAx val="1207138448"/>
         <c:crosses val="autoZero"/>
         <c:crossBetween val="between"/>
       </c:valAx>
@@ -1142,6 +1153,7 @@
           </a:p>
         </c:txPr>
       </c:legendEntry>
+      <c:layout/>
       <c:overlay val="0"/>
       <c:spPr>
         <a:noFill/>
@@ -1201,7 +1213,7 @@
 <file path=ppt/charts/chart3.xml><?xml version="1.0" encoding="utf-8"?>
 <c:chartSpace xmlns:c="http://schemas.openxmlformats.org/drawingml/2006/chart" xmlns:a="http://schemas.openxmlformats.org/drawingml/2006/main" xmlns:r="http://schemas.openxmlformats.org/officeDocument/2006/relationships">
   <c:date1904 val="0"/>
-  <c:lang val="pt-PT"/>
+  <c:lang val="en-US"/>
   <c:roundedCorners val="0"/>
   <mc:AlternateContent xmlns:mc="http://schemas.openxmlformats.org/markup-compatibility/2006">
     <mc:Choice xmlns:c14="http://schemas.microsoft.com/office/drawing/2007/8/2/chart" Requires="c14">
@@ -1238,6 +1250,7 @@
           </a:p>
         </c:rich>
       </c:tx>
+      <c:layout/>
       <c:overlay val="0"/>
       <c:spPr>
         <a:noFill/>
@@ -1327,6 +1340,7 @@
             <c:showLeaderLines val="0"/>
             <c:extLst>
               <c:ext xmlns:c15="http://schemas.microsoft.com/office/drawing/2012/chart" uri="{CE6537A1-D6FC-4f65-9D91-7224C49458BB}">
+                <c15:layout/>
                 <c15:showLeaderLines val="1"/>
                 <c15:leaderLines>
                   <c:spPr>
@@ -1403,11 +1417,11 @@
         </c:dLbls>
         <c:gapWidth val="444"/>
         <c:overlap val="-90"/>
-        <c:axId val="377928800"/>
-        <c:axId val="482045856"/>
+        <c:axId val="1207134640"/>
+        <c:axId val="1207124304"/>
       </c:barChart>
       <c:catAx>
-        <c:axId val="377928800"/>
+        <c:axId val="1207134640"/>
         <c:scaling>
           <c:orientation val="minMax"/>
         </c:scaling>
@@ -1464,7 +1478,7 @@
             <a:endParaRPr lang="pt-PT"/>
           </a:p>
         </c:txPr>
-        <c:crossAx val="482045856"/>
+        <c:crossAx val="1207124304"/>
         <c:crosses val="autoZero"/>
         <c:auto val="1"/>
         <c:lblAlgn val="ctr"/>
@@ -1472,7 +1486,7 @@
         <c:noMultiLvlLbl val="0"/>
       </c:catAx>
       <c:valAx>
-        <c:axId val="482045856"/>
+        <c:axId val="1207124304"/>
         <c:scaling>
           <c:orientation val="minMax"/>
         </c:scaling>
@@ -1482,7 +1496,7 @@
         <c:majorTickMark val="none"/>
         <c:minorTickMark val="none"/>
         <c:tickLblPos val="nextTo"/>
-        <c:crossAx val="377928800"/>
+        <c:crossAx val="1207134640"/>
         <c:crosses val="autoZero"/>
         <c:crossBetween val="between"/>
       </c:valAx>
@@ -1524,7 +1538,7 @@
 <file path=ppt/charts/chart4.xml><?xml version="1.0" encoding="utf-8"?>
 <c:chartSpace xmlns:c="http://schemas.openxmlformats.org/drawingml/2006/chart" xmlns:a="http://schemas.openxmlformats.org/drawingml/2006/main" xmlns:r="http://schemas.openxmlformats.org/officeDocument/2006/relationships">
   <c:date1904 val="0"/>
-  <c:lang val="pt-PT"/>
+  <c:lang val="en-US"/>
   <c:roundedCorners val="0"/>
   <mc:AlternateContent xmlns:mc="http://schemas.openxmlformats.org/markup-compatibility/2006">
     <mc:Choice xmlns:c14="http://schemas.microsoft.com/office/drawing/2007/8/2/chart" Requires="c14">
@@ -1839,11 +1853,11 @@
         </c:dLbls>
         <c:gapWidth val="219"/>
         <c:overlap val="-27"/>
-        <c:axId val="376266592"/>
-        <c:axId val="376267152"/>
+        <c:axId val="1207133552"/>
+        <c:axId val="1207129744"/>
       </c:barChart>
       <c:catAx>
-        <c:axId val="376266592"/>
+        <c:axId val="1207133552"/>
         <c:scaling>
           <c:orientation val="minMax"/>
         </c:scaling>
@@ -1886,7 +1900,7 @@
             <a:endParaRPr lang="pt-PT"/>
           </a:p>
         </c:txPr>
-        <c:crossAx val="376267152"/>
+        <c:crossAx val="1207129744"/>
         <c:crosses val="autoZero"/>
         <c:auto val="1"/>
         <c:lblAlgn val="ctr"/>
@@ -1894,7 +1908,7 @@
         <c:noMultiLvlLbl val="0"/>
       </c:catAx>
       <c:valAx>
-        <c:axId val="376267152"/>
+        <c:axId val="1207129744"/>
         <c:scaling>
           <c:orientation val="minMax"/>
         </c:scaling>
@@ -1945,7 +1959,7 @@
             <a:endParaRPr lang="pt-PT"/>
           </a:p>
         </c:txPr>
-        <c:crossAx val="376266592"/>
+        <c:crossAx val="1207133552"/>
         <c:crosses val="autoZero"/>
         <c:crossBetween val="between"/>
       </c:valAx>
@@ -1959,6 +1973,7 @@
     </c:plotArea>
     <c:legend>
       <c:legendPos val="b"/>
+      <c:layout/>
       <c:overlay val="0"/>
       <c:spPr>
         <a:noFill/>
@@ -2018,7 +2033,7 @@
 <file path=ppt/charts/chart5.xml><?xml version="1.0" encoding="utf-8"?>
 <c:chartSpace xmlns:c="http://schemas.openxmlformats.org/drawingml/2006/chart" xmlns:a="http://schemas.openxmlformats.org/drawingml/2006/main" xmlns:r="http://schemas.openxmlformats.org/officeDocument/2006/relationships">
   <c:date1904 val="0"/>
-  <c:lang val="pt-PT"/>
+  <c:lang val="en-US"/>
   <c:roundedCorners val="0"/>
   <mc:AlternateContent xmlns:mc="http://schemas.openxmlformats.org/markup-compatibility/2006">
     <mc:Choice xmlns:c14="http://schemas.microsoft.com/office/drawing/2007/8/2/chart" Requires="c14">
@@ -2347,11 +2362,11 @@
             <a:effectLst/>
           </c:spPr>
         </c:hiLowLines>
-        <c:axId val="269296240"/>
-        <c:axId val="269296800"/>
+        <c:axId val="1207137904"/>
+        <c:axId val="1207135728"/>
       </c:stockChart>
       <c:catAx>
-        <c:axId val="269296240"/>
+        <c:axId val="1207137904"/>
         <c:scaling>
           <c:orientation val="minMax"/>
         </c:scaling>
@@ -2394,7 +2409,7 @@
             <a:endParaRPr lang="pt-PT"/>
           </a:p>
         </c:txPr>
-        <c:crossAx val="269296800"/>
+        <c:crossAx val="1207135728"/>
         <c:crosses val="autoZero"/>
         <c:auto val="1"/>
         <c:lblAlgn val="ctr"/>
@@ -2402,7 +2417,7 @@
         <c:noMultiLvlLbl val="0"/>
       </c:catAx>
       <c:valAx>
-        <c:axId val="269296800"/>
+        <c:axId val="1207135728"/>
         <c:scaling>
           <c:orientation val="minMax"/>
         </c:scaling>
@@ -2453,7 +2468,7 @@
             <a:endParaRPr lang="pt-PT"/>
           </a:p>
         </c:txPr>
-        <c:crossAx val="269296240"/>
+        <c:crossAx val="1207137904"/>
         <c:crosses val="autoZero"/>
         <c:crossBetween val="between"/>
         <c:majorUnit val="1"/>
@@ -2497,7 +2512,7 @@
 <file path=ppt/charts/chart6.xml><?xml version="1.0" encoding="utf-8"?>
 <c:chartSpace xmlns:c="http://schemas.openxmlformats.org/drawingml/2006/chart" xmlns:a="http://schemas.openxmlformats.org/drawingml/2006/main" xmlns:r="http://schemas.openxmlformats.org/officeDocument/2006/relationships">
   <c:date1904 val="0"/>
-  <c:lang val="pt-PT"/>
+  <c:lang val="en-US"/>
   <c:roundedCorners val="0"/>
   <mc:AlternateContent xmlns:mc="http://schemas.openxmlformats.org/markup-compatibility/2006">
     <mc:Choice xmlns:c14="http://schemas.microsoft.com/office/drawing/2007/8/2/chart" Requires="c14">
@@ -2524,7 +2539,6 @@
           </a:p>
         </c:rich>
       </c:tx>
-      <c:layout/>
       <c:overlay val="0"/>
     </c:title>
     <c:autoTitleDeleted val="0"/>
@@ -2574,9 +2588,7 @@
             <c:showBubbleSize val="0"/>
             <c:showLeaderLines val="1"/>
             <c:extLst>
-              <c:ext xmlns:c15="http://schemas.microsoft.com/office/drawing/2012/chart" uri="{CE6537A1-D6FC-4f65-9D91-7224C49458BB}">
-                <c15:layout/>
-              </c:ext>
+              <c:ext xmlns:c15="http://schemas.microsoft.com/office/drawing/2012/chart" uri="{CE6537A1-D6FC-4f65-9D91-7224C49458BB}"/>
             </c:extLst>
           </c:dLbls>
           <c:cat>
@@ -8890,7 +8902,7 @@
           <a:p>
             <a:fld id="{82948236-07A4-447C-AC43-06AAF24DC65B}" type="datetimeFigureOut">
               <a:rPr lang="pt-PT" smtClean="0"/>
-              <a:t>30-06-2013</a:t>
+              <a:t>01/07/2013</a:t>
             </a:fld>
             <a:endParaRPr lang="pt-PT"/>
           </a:p>
@@ -9049,7 +9061,7 @@
           <a:p>
             <a:fld id="{0E4FF081-3A8B-4019-8856-6C60FECB4303}" type="slidenum">
               <a:rPr lang="pt-PT" smtClean="0"/>
-              <a:t>‹nº›</a:t>
+              <a:t>‹#›</a:t>
             </a:fld>
             <a:endParaRPr lang="pt-PT"/>
           </a:p>
@@ -10153,7 +10165,7 @@
           <a:p>
             <a:fld id="{3969ECAC-4CC7-4FDF-8D22-C5AD85B730EC}" type="slidenum">
               <a:rPr lang="pt-PT" smtClean="0"/>
-              <a:t>54</a:t>
+              <a:t>59</a:t>
             </a:fld>
             <a:endParaRPr lang="pt-PT"/>
           </a:p>
@@ -10237,7 +10249,7 @@
           <a:p>
             <a:fld id="{3969ECAC-4CC7-4FDF-8D22-C5AD85B730EC}" type="slidenum">
               <a:rPr lang="pt-PT" smtClean="0"/>
-              <a:t>55</a:t>
+              <a:t>60</a:t>
             </a:fld>
             <a:endParaRPr lang="pt-PT"/>
           </a:p>
@@ -10321,7 +10333,7 @@
           <a:p>
             <a:fld id="{3969ECAC-4CC7-4FDF-8D22-C5AD85B730EC}" type="slidenum">
               <a:rPr lang="pt-PT" smtClean="0"/>
-              <a:t>56</a:t>
+              <a:t>61</a:t>
             </a:fld>
             <a:endParaRPr lang="pt-PT"/>
           </a:p>
@@ -11589,7 +11601,7 @@
             <a:fld id="{F71B3DB1-8543-40E0-A2D1-830196AD91DE}" type="datetimeFigureOut">
               <a:rPr lang="pt-PT" smtClean="0"/>
               <a:pPr/>
-              <a:t>30-06-2013</a:t>
+              <a:t>01/07/2013</a:t>
             </a:fld>
             <a:endParaRPr lang="pt-PT" dirty="0"/>
           </a:p>
@@ -11642,7 +11654,7 @@
             <a:fld id="{5D26EDD4-363A-4236-A170-49C0FA725754}" type="slidenum">
               <a:rPr lang="pt-PT" smtClean="0"/>
               <a:pPr/>
-              <a:t>‹nº›</a:t>
+              <a:t>‹#›</a:t>
             </a:fld>
             <a:endParaRPr lang="pt-PT" dirty="0"/>
           </a:p>
@@ -11923,7 +11935,7 @@
             <a:fld id="{F71B3DB1-8543-40E0-A2D1-830196AD91DE}" type="datetimeFigureOut">
               <a:rPr lang="pt-PT" smtClean="0"/>
               <a:pPr/>
-              <a:t>30-06-2013</a:t>
+              <a:t>01/07/2013</a:t>
             </a:fld>
             <a:endParaRPr lang="pt-PT" dirty="0"/>
           </a:p>
@@ -11966,7 +11978,7 @@
             <a:fld id="{5D26EDD4-363A-4236-A170-49C0FA725754}" type="slidenum">
               <a:rPr lang="pt-PT" smtClean="0"/>
               <a:pPr/>
-              <a:t>‹nº›</a:t>
+              <a:t>‹#›</a:t>
             </a:fld>
             <a:endParaRPr lang="pt-PT" dirty="0"/>
           </a:p>
@@ -12173,7 +12185,7 @@
             <a:fld id="{F71B3DB1-8543-40E0-A2D1-830196AD91DE}" type="datetimeFigureOut">
               <a:rPr lang="pt-PT" smtClean="0"/>
               <a:pPr/>
-              <a:t>30-06-2013</a:t>
+              <a:t>01/07/2013</a:t>
             </a:fld>
             <a:endParaRPr lang="pt-PT" dirty="0"/>
           </a:p>
@@ -12216,7 +12228,7 @@
             <a:fld id="{5D26EDD4-363A-4236-A170-49C0FA725754}" type="slidenum">
               <a:rPr lang="pt-PT" smtClean="0"/>
               <a:pPr/>
-              <a:t>‹nº›</a:t>
+              <a:t>‹#›</a:t>
             </a:fld>
             <a:endParaRPr lang="pt-PT" dirty="0"/>
           </a:p>
@@ -12521,7 +12533,7 @@
             <a:fld id="{F71B3DB1-8543-40E0-A2D1-830196AD91DE}" type="datetimeFigureOut">
               <a:rPr lang="pt-PT" smtClean="0"/>
               <a:pPr/>
-              <a:t>30-06-2013</a:t>
+              <a:t>01/07/2013</a:t>
             </a:fld>
             <a:endParaRPr lang="pt-PT" dirty="0"/>
           </a:p>
@@ -12564,7 +12576,7 @@
             <a:fld id="{5D26EDD4-363A-4236-A170-49C0FA725754}" type="slidenum">
               <a:rPr lang="pt-PT" smtClean="0"/>
               <a:pPr/>
-              <a:t>‹nº›</a:t>
+              <a:t>‹#›</a:t>
             </a:fld>
             <a:endParaRPr lang="pt-PT" dirty="0"/>
           </a:p>
@@ -12877,7 +12889,7 @@
             <a:fld id="{F71B3DB1-8543-40E0-A2D1-830196AD91DE}" type="datetimeFigureOut">
               <a:rPr lang="pt-PT" smtClean="0"/>
               <a:pPr/>
-              <a:t>30-06-2013</a:t>
+              <a:t>01/07/2013</a:t>
             </a:fld>
             <a:endParaRPr lang="pt-PT" dirty="0"/>
           </a:p>
@@ -12920,7 +12932,7 @@
             <a:fld id="{5D26EDD4-363A-4236-A170-49C0FA725754}" type="slidenum">
               <a:rPr lang="pt-PT" smtClean="0"/>
               <a:pPr/>
-              <a:t>‹nº›</a:t>
+              <a:t>‹#›</a:t>
             </a:fld>
             <a:endParaRPr lang="pt-PT" dirty="0"/>
           </a:p>
@@ -13253,7 +13265,7 @@
             <a:fld id="{F71B3DB1-8543-40E0-A2D1-830196AD91DE}" type="datetimeFigureOut">
               <a:rPr lang="pt-PT" smtClean="0"/>
               <a:pPr/>
-              <a:t>30-06-2013</a:t>
+              <a:t>01/07/2013</a:t>
             </a:fld>
             <a:endParaRPr lang="pt-PT" dirty="0"/>
           </a:p>
@@ -13296,7 +13308,7 @@
             <a:fld id="{5D26EDD4-363A-4236-A170-49C0FA725754}" type="slidenum">
               <a:rPr lang="pt-PT" smtClean="0"/>
               <a:pPr/>
-              <a:t>‹nº›</a:t>
+              <a:t>‹#›</a:t>
             </a:fld>
             <a:endParaRPr lang="pt-PT" dirty="0"/>
           </a:p>
@@ -13732,7 +13744,7 @@
             <a:fld id="{F71B3DB1-8543-40E0-A2D1-830196AD91DE}" type="datetimeFigureOut">
               <a:rPr lang="pt-PT" smtClean="0"/>
               <a:pPr/>
-              <a:t>30-06-2013</a:t>
+              <a:t>01/07/2013</a:t>
             </a:fld>
             <a:endParaRPr lang="pt-PT" dirty="0"/>
           </a:p>
@@ -13775,7 +13787,7 @@
             <a:fld id="{5D26EDD4-363A-4236-A170-49C0FA725754}" type="slidenum">
               <a:rPr lang="pt-PT" smtClean="0"/>
               <a:pPr/>
-              <a:t>‹nº›</a:t>
+              <a:t>‹#›</a:t>
             </a:fld>
             <a:endParaRPr lang="pt-PT" dirty="0"/>
           </a:p>
@@ -13946,7 +13958,7 @@
             <a:fld id="{F71B3DB1-8543-40E0-A2D1-830196AD91DE}" type="datetimeFigureOut">
               <a:rPr lang="pt-PT" smtClean="0"/>
               <a:pPr/>
-              <a:t>30-06-2013</a:t>
+              <a:t>01/07/2013</a:t>
             </a:fld>
             <a:endParaRPr lang="pt-PT" dirty="0"/>
           </a:p>
@@ -13989,7 +14001,7 @@
             <a:fld id="{5D26EDD4-363A-4236-A170-49C0FA725754}" type="slidenum">
               <a:rPr lang="pt-PT" smtClean="0"/>
               <a:pPr/>
-              <a:t>‹nº›</a:t>
+              <a:t>‹#›</a:t>
             </a:fld>
             <a:endParaRPr lang="pt-PT" dirty="0"/>
           </a:p>
@@ -14166,7 +14178,7 @@
             <a:fld id="{F71B3DB1-8543-40E0-A2D1-830196AD91DE}" type="datetimeFigureOut">
               <a:rPr lang="pt-PT" smtClean="0"/>
               <a:pPr/>
-              <a:t>30-06-2013</a:t>
+              <a:t>01/07/2013</a:t>
             </a:fld>
             <a:endParaRPr lang="pt-PT" dirty="0"/>
           </a:p>
@@ -14209,7 +14221,7 @@
             <a:fld id="{5D26EDD4-363A-4236-A170-49C0FA725754}" type="slidenum">
               <a:rPr lang="pt-PT" smtClean="0"/>
               <a:pPr/>
-              <a:t>‹nº›</a:t>
+              <a:t>‹#›</a:t>
             </a:fld>
             <a:endParaRPr lang="pt-PT" dirty="0"/>
           </a:p>
@@ -14414,7 +14426,7 @@
             <a:fld id="{F71B3DB1-8543-40E0-A2D1-830196AD91DE}" type="datetimeFigureOut">
               <a:rPr lang="pt-PT" smtClean="0"/>
               <a:pPr/>
-              <a:t>30-06-2013</a:t>
+              <a:t>01/07/2013</a:t>
             </a:fld>
             <a:endParaRPr lang="pt-PT" dirty="0"/>
           </a:p>
@@ -14457,7 +14469,7 @@
             <a:fld id="{5D26EDD4-363A-4236-A170-49C0FA725754}" type="slidenum">
               <a:rPr lang="pt-PT" smtClean="0"/>
               <a:pPr/>
-              <a:t>‹nº›</a:t>
+              <a:t>‹#›</a:t>
             </a:fld>
             <a:endParaRPr lang="pt-PT" dirty="0"/>
           </a:p>
@@ -14664,7 +14676,7 @@
             <a:fld id="{F71B3DB1-8543-40E0-A2D1-830196AD91DE}" type="datetimeFigureOut">
               <a:rPr lang="pt-PT" smtClean="0"/>
               <a:pPr/>
-              <a:t>30-06-2013</a:t>
+              <a:t>01/07/2013</a:t>
             </a:fld>
             <a:endParaRPr lang="pt-PT" dirty="0"/>
           </a:p>
@@ -14707,7 +14719,7 @@
             <a:fld id="{5D26EDD4-363A-4236-A170-49C0FA725754}" type="slidenum">
               <a:rPr lang="pt-PT" smtClean="0"/>
               <a:pPr/>
-              <a:t>‹nº›</a:t>
+              <a:t>‹#›</a:t>
             </a:fld>
             <a:endParaRPr lang="pt-PT" dirty="0"/>
           </a:p>
@@ -14978,7 +14990,7 @@
             <a:fld id="{F71B3DB1-8543-40E0-A2D1-830196AD91DE}" type="datetimeFigureOut">
               <a:rPr lang="pt-PT" smtClean="0"/>
               <a:pPr/>
-              <a:t>30-06-2013</a:t>
+              <a:t>01/07/2013</a:t>
             </a:fld>
             <a:endParaRPr lang="pt-PT" dirty="0"/>
           </a:p>
@@ -15021,7 +15033,7 @@
             <a:fld id="{5D26EDD4-363A-4236-A170-49C0FA725754}" type="slidenum">
               <a:rPr lang="pt-PT" smtClean="0"/>
               <a:pPr/>
-              <a:t>‹nº›</a:t>
+              <a:t>‹#›</a:t>
             </a:fld>
             <a:endParaRPr lang="pt-PT" dirty="0"/>
           </a:p>
@@ -15362,7 +15374,7 @@
             <a:fld id="{F71B3DB1-8543-40E0-A2D1-830196AD91DE}" type="datetimeFigureOut">
               <a:rPr lang="pt-PT" smtClean="0"/>
               <a:pPr/>
-              <a:t>30-06-2013</a:t>
+              <a:t>01/07/2013</a:t>
             </a:fld>
             <a:endParaRPr lang="pt-PT" dirty="0"/>
           </a:p>
@@ -15405,7 +15417,7 @@
             <a:fld id="{5D26EDD4-363A-4236-A170-49C0FA725754}" type="slidenum">
               <a:rPr lang="pt-PT" smtClean="0"/>
               <a:pPr/>
-              <a:t>‹nº›</a:t>
+              <a:t>‹#›</a:t>
             </a:fld>
             <a:endParaRPr lang="pt-PT" dirty="0"/>
           </a:p>
@@ -15520,7 +15532,7 @@
             <a:fld id="{F71B3DB1-8543-40E0-A2D1-830196AD91DE}" type="datetimeFigureOut">
               <a:rPr lang="pt-PT" smtClean="0"/>
               <a:pPr/>
-              <a:t>30-06-2013</a:t>
+              <a:t>01/07/2013</a:t>
             </a:fld>
             <a:endParaRPr lang="pt-PT" dirty="0"/>
           </a:p>
@@ -15563,7 +15575,7 @@
             <a:fld id="{5D26EDD4-363A-4236-A170-49C0FA725754}" type="slidenum">
               <a:rPr lang="pt-PT" smtClean="0"/>
               <a:pPr/>
-              <a:t>‹nº›</a:t>
+              <a:t>‹#›</a:t>
             </a:fld>
             <a:endParaRPr lang="pt-PT" dirty="0"/>
           </a:p>
@@ -15655,7 +15667,7 @@
             <a:fld id="{F71B3DB1-8543-40E0-A2D1-830196AD91DE}" type="datetimeFigureOut">
               <a:rPr lang="pt-PT" smtClean="0"/>
               <a:pPr/>
-              <a:t>30-06-2013</a:t>
+              <a:t>01/07/2013</a:t>
             </a:fld>
             <a:endParaRPr lang="pt-PT" dirty="0"/>
           </a:p>
@@ -15698,7 +15710,7 @@
             <a:fld id="{5D26EDD4-363A-4236-A170-49C0FA725754}" type="slidenum">
               <a:rPr lang="pt-PT" smtClean="0"/>
               <a:pPr/>
-              <a:t>‹nº›</a:t>
+              <a:t>‹#›</a:t>
             </a:fld>
             <a:endParaRPr lang="pt-PT" dirty="0"/>
           </a:p>
@@ -15912,7 +15924,7 @@
             <a:fld id="{F71B3DB1-8543-40E0-A2D1-830196AD91DE}" type="datetimeFigureOut">
               <a:rPr lang="pt-PT" smtClean="0"/>
               <a:pPr/>
-              <a:t>30-06-2013</a:t>
+              <a:t>01/07/2013</a:t>
             </a:fld>
             <a:endParaRPr lang="pt-PT" dirty="0"/>
           </a:p>
@@ -15955,7 +15967,7 @@
             <a:fld id="{5D26EDD4-363A-4236-A170-49C0FA725754}" type="slidenum">
               <a:rPr lang="pt-PT" smtClean="0"/>
               <a:pPr/>
-              <a:t>‹nº›</a:t>
+              <a:t>‹#›</a:t>
             </a:fld>
             <a:endParaRPr lang="pt-PT" dirty="0"/>
           </a:p>
@@ -16236,7 +16248,7 @@
             <a:fld id="{F71B3DB1-8543-40E0-A2D1-830196AD91DE}" type="datetimeFigureOut">
               <a:rPr lang="pt-PT" smtClean="0"/>
               <a:pPr/>
-              <a:t>30-06-2013</a:t>
+              <a:t>01/07/2013</a:t>
             </a:fld>
             <a:endParaRPr lang="pt-PT" dirty="0"/>
           </a:p>
@@ -16279,7 +16291,7 @@
             <a:fld id="{5D26EDD4-363A-4236-A170-49C0FA725754}" type="slidenum">
               <a:rPr lang="pt-PT" smtClean="0"/>
               <a:pPr/>
-              <a:t>‹nº›</a:t>
+              <a:t>‹#›</a:t>
             </a:fld>
             <a:endParaRPr lang="pt-PT" dirty="0"/>
           </a:p>
@@ -16482,7 +16494,7 @@
             <a:fld id="{F71B3DB1-8543-40E0-A2D1-830196AD91DE}" type="datetimeFigureOut">
               <a:rPr lang="pt-PT" smtClean="0"/>
               <a:pPr/>
-              <a:t>30-06-2013</a:t>
+              <a:t>01/07/2013</a:t>
             </a:fld>
             <a:endParaRPr lang="pt-PT" dirty="0"/>
           </a:p>
@@ -16561,7 +16573,7 @@
             <a:fld id="{5D26EDD4-363A-4236-A170-49C0FA725754}" type="slidenum">
               <a:rPr lang="pt-PT" smtClean="0"/>
               <a:pPr/>
-              <a:t>‹nº›</a:t>
+              <a:t>‹#›</a:t>
             </a:fld>
             <a:endParaRPr lang="pt-PT" dirty="0"/>
           </a:p>
@@ -24870,6 +24882,10 @@
           <a:bodyPr/>
           <a:lstStyle/>
           <a:p>
+            <a:r>
+              <a:rPr lang="en-US" dirty="0" smtClean="0"/>
+              <a:t>Architecture</a:t>
+            </a:r>
             <a:endParaRPr lang="en-US" dirty="0"/>
           </a:p>
         </p:txBody>
@@ -24889,14 +24905,82 @@
           <a:bodyPr/>
           <a:lstStyle/>
           <a:p>
-            <a:endParaRPr lang="pt-PT"/>
+            <a:r>
+              <a:rPr lang="pt-PT" dirty="0" err="1" smtClean="0"/>
+              <a:t>Tools</a:t>
+            </a:r>
+            <a:endParaRPr lang="pt-PT" dirty="0" smtClean="0"/>
+          </a:p>
+          <a:p>
+            <a:r>
+              <a:rPr lang="pt-PT" dirty="0" err="1" smtClean="0"/>
+              <a:t>Layer</a:t>
+            </a:r>
+            <a:r>
+              <a:rPr lang="pt-PT" dirty="0" smtClean="0"/>
+              <a:t> </a:t>
+            </a:r>
+            <a:r>
+              <a:rPr lang="pt-PT" dirty="0" err="1" smtClean="0"/>
+              <a:t>Model</a:t>
+            </a:r>
+            <a:endParaRPr lang="pt-PT" dirty="0" smtClean="0"/>
+          </a:p>
+          <a:p>
+            <a:pPr lvl="1"/>
+            <a:r>
+              <a:rPr lang="pt-PT" dirty="0" err="1" smtClean="0"/>
+              <a:t>Development</a:t>
+            </a:r>
+            <a:r>
+              <a:rPr lang="pt-PT" dirty="0" smtClean="0"/>
+              <a:t> </a:t>
+            </a:r>
+            <a:r>
+              <a:rPr lang="pt-PT" dirty="0" err="1" smtClean="0"/>
+              <a:t>Architecture</a:t>
+            </a:r>
+            <a:endParaRPr lang="pt-PT" dirty="0" smtClean="0"/>
+          </a:p>
+          <a:p>
+            <a:pPr lvl="1"/>
+            <a:r>
+              <a:rPr lang="pt-PT" dirty="0" err="1"/>
+              <a:t>Database</a:t>
+            </a:r>
+            <a:endParaRPr lang="pt-PT" dirty="0"/>
+          </a:p>
+          <a:p>
+            <a:r>
+              <a:rPr lang="pt-PT" dirty="0" err="1" smtClean="0"/>
+              <a:t>Main</a:t>
+            </a:r>
+            <a:r>
+              <a:rPr lang="pt-PT" dirty="0" smtClean="0"/>
+              <a:t> </a:t>
+            </a:r>
+            <a:r>
+              <a:rPr lang="pt-PT" dirty="0" err="1" smtClean="0"/>
+              <a:t>Features</a:t>
+            </a:r>
+            <a:endParaRPr lang="pt-PT" dirty="0" smtClean="0"/>
+          </a:p>
+          <a:p>
+            <a:endParaRPr lang="pt-PT" dirty="0" smtClean="0"/>
+          </a:p>
+          <a:p>
+            <a:endParaRPr lang="pt-PT" dirty="0" smtClean="0"/>
+          </a:p>
+          <a:p>
+            <a:pPr lvl="1"/>
+            <a:endParaRPr lang="pt-PT" dirty="0"/>
           </a:p>
         </p:txBody>
       </p:sp>
     </p:spTree>
     <p:extLst>
       <p:ext uri="{BB962C8B-B14F-4D97-AF65-F5344CB8AC3E}">
-        <p14:creationId xmlns:p14="http://schemas.microsoft.com/office/powerpoint/2010/main" val="2470495484"/>
+        <p14:creationId xmlns:p14="http://schemas.microsoft.com/office/powerpoint/2010/main" val="1569197944"/>
       </p:ext>
     </p:extLst>
   </p:cSld>
@@ -24907,6 +24991,1046 @@
 </file>
 
 <file path=ppt/slides/slide43.xml><?xml version="1.0" encoding="utf-8"?>
+<p:sld xmlns:a="http://schemas.openxmlformats.org/drawingml/2006/main" xmlns:r="http://schemas.openxmlformats.org/officeDocument/2006/relationships" xmlns:p="http://schemas.openxmlformats.org/presentationml/2006/main">
+  <p:cSld>
+    <p:spTree>
+      <p:nvGrpSpPr>
+        <p:cNvPr id="1" name=""/>
+        <p:cNvGrpSpPr/>
+        <p:nvPr/>
+      </p:nvGrpSpPr>
+      <p:grpSpPr>
+        <a:xfrm>
+          <a:off x="0" y="0"/>
+          <a:ext cx="0" cy="0"/>
+          <a:chOff x="0" y="0"/>
+          <a:chExt cx="0" cy="0"/>
+        </a:xfrm>
+      </p:grpSpPr>
+      <p:pic>
+        <p:nvPicPr>
+          <p:cNvPr id="5" name="Picture 4"/>
+          <p:cNvPicPr>
+            <a:picLocks noChangeAspect="1"/>
+          </p:cNvPicPr>
+          <p:nvPr/>
+        </p:nvPicPr>
+        <p:blipFill rotWithShape="1">
+          <a:blip r:embed="rId2" cstate="print">
+            <a:extLst>
+              <a:ext uri="{28A0092B-C50C-407E-A947-70E740481C1C}">
+                <a14:useLocalDpi xmlns:a14="http://schemas.microsoft.com/office/drawing/2010/main" val="0"/>
+              </a:ext>
+            </a:extLst>
+          </a:blip>
+          <a:srcRect t="24049" b="25385"/>
+          <a:stretch/>
+        </p:blipFill>
+        <p:spPr>
+          <a:xfrm>
+            <a:off x="4794160" y="2556932"/>
+            <a:ext cx="2088523" cy="528034"/>
+          </a:xfrm>
+          <a:prstGeom prst="rect">
+            <a:avLst/>
+          </a:prstGeom>
+        </p:spPr>
+      </p:pic>
+      <p:sp>
+        <p:nvSpPr>
+          <p:cNvPr id="2" name="Title 1"/>
+          <p:cNvSpPr>
+            <a:spLocks noGrp="1"/>
+          </p:cNvSpPr>
+          <p:nvPr>
+            <p:ph type="title"/>
+          </p:nvPr>
+        </p:nvSpPr>
+        <p:spPr/>
+        <p:txBody>
+          <a:bodyPr/>
+          <a:lstStyle/>
+          <a:p>
+            <a:r>
+              <a:rPr lang="pt-PT" dirty="0" err="1" smtClean="0"/>
+              <a:t>Tools</a:t>
+            </a:r>
+            <a:endParaRPr lang="pt-PT" dirty="0"/>
+          </a:p>
+        </p:txBody>
+      </p:sp>
+      <p:sp>
+        <p:nvSpPr>
+          <p:cNvPr id="3" name="Content Placeholder 2"/>
+          <p:cNvSpPr>
+            <a:spLocks noGrp="1"/>
+          </p:cNvSpPr>
+          <p:nvPr>
+            <p:ph idx="1"/>
+          </p:nvPr>
+        </p:nvSpPr>
+        <p:spPr/>
+        <p:txBody>
+          <a:bodyPr>
+            <a:normAutofit/>
+          </a:bodyPr>
+          <a:lstStyle/>
+          <a:p>
+            <a:r>
+              <a:rPr lang="pt-PT" dirty="0" smtClean="0"/>
+              <a:t>Microsoft Visual </a:t>
+            </a:r>
+            <a:r>
+              <a:rPr lang="pt-PT" dirty="0" err="1" smtClean="0"/>
+              <a:t>Studio</a:t>
+            </a:r>
+            <a:endParaRPr lang="pt-PT" dirty="0" smtClean="0"/>
+          </a:p>
+          <a:p>
+            <a:endParaRPr lang="pt-PT" dirty="0"/>
+          </a:p>
+          <a:p>
+            <a:r>
+              <a:rPr lang="pt-PT" dirty="0" err="1" smtClean="0"/>
+              <a:t>SubMain</a:t>
+            </a:r>
+            <a:r>
+              <a:rPr lang="pt-PT" dirty="0" smtClean="0"/>
+              <a:t> </a:t>
+            </a:r>
+            <a:r>
+              <a:rPr lang="pt-PT" dirty="0" err="1" smtClean="0"/>
+              <a:t>GhostDoc</a:t>
+            </a:r>
+            <a:endParaRPr lang="pt-PT" dirty="0" smtClean="0"/>
+          </a:p>
+          <a:p>
+            <a:endParaRPr lang="pt-PT" dirty="0" smtClean="0"/>
+          </a:p>
+          <a:p>
+            <a:r>
+              <a:rPr lang="pt-PT" dirty="0" err="1" smtClean="0"/>
+              <a:t>Enterprise</a:t>
+            </a:r>
+            <a:r>
+              <a:rPr lang="pt-PT" dirty="0" smtClean="0"/>
+              <a:t> </a:t>
+            </a:r>
+            <a:r>
+              <a:rPr lang="pt-PT" dirty="0" err="1" smtClean="0"/>
+              <a:t>Architect</a:t>
+            </a:r>
+            <a:endParaRPr lang="pt-PT" dirty="0"/>
+          </a:p>
+          <a:p>
+            <a:endParaRPr lang="pt-PT" dirty="0"/>
+          </a:p>
+        </p:txBody>
+      </p:sp>
+      <p:pic>
+        <p:nvPicPr>
+          <p:cNvPr id="6" name="Picture 5"/>
+          <p:cNvPicPr>
+            <a:picLocks noChangeAspect="1"/>
+          </p:cNvPicPr>
+          <p:nvPr/>
+        </p:nvPicPr>
+        <p:blipFill>
+          <a:blip r:embed="rId3">
+            <a:extLst>
+              <a:ext uri="{28A0092B-C50C-407E-A947-70E740481C1C}">
+                <a14:useLocalDpi xmlns:a14="http://schemas.microsoft.com/office/drawing/2010/main" val="0"/>
+              </a:ext>
+            </a:extLst>
+          </a:blip>
+          <a:stretch>
+            <a:fillRect/>
+          </a:stretch>
+        </p:blipFill>
+        <p:spPr>
+          <a:xfrm>
+            <a:off x="4794160" y="3473450"/>
+            <a:ext cx="2057400" cy="742950"/>
+          </a:xfrm>
+          <a:prstGeom prst="rect">
+            <a:avLst/>
+          </a:prstGeom>
+        </p:spPr>
+      </p:pic>
+      <p:pic>
+        <p:nvPicPr>
+          <p:cNvPr id="7" name="Picture 6"/>
+          <p:cNvPicPr>
+            <a:picLocks noChangeAspect="1"/>
+          </p:cNvPicPr>
+          <p:nvPr/>
+        </p:nvPicPr>
+        <p:blipFill>
+          <a:blip r:embed="rId4">
+            <a:extLst>
+              <a:ext uri="{28A0092B-C50C-407E-A947-70E740481C1C}">
+                <a14:useLocalDpi xmlns:a14="http://schemas.microsoft.com/office/drawing/2010/main" val="0"/>
+              </a:ext>
+            </a:extLst>
+          </a:blip>
+          <a:stretch>
+            <a:fillRect/>
+          </a:stretch>
+        </p:blipFill>
+        <p:spPr>
+          <a:xfrm>
+            <a:off x="6882683" y="3263900"/>
+            <a:ext cx="952500" cy="952500"/>
+          </a:xfrm>
+          <a:prstGeom prst="rect">
+            <a:avLst/>
+          </a:prstGeom>
+          <a:solidFill>
+            <a:schemeClr val="bg1">
+              <a:lumMod val="50000"/>
+            </a:schemeClr>
+          </a:solidFill>
+          <a:effectLst>
+            <a:glow rad="139700">
+              <a:schemeClr val="accent3">
+                <a:satMod val="175000"/>
+                <a:alpha val="40000"/>
+              </a:schemeClr>
+            </a:glow>
+            <a:outerShdw blurRad="50800" dist="38100" dir="2700000" algn="tl" rotWithShape="0">
+              <a:prstClr val="black">
+                <a:alpha val="40000"/>
+              </a:prstClr>
+            </a:outerShdw>
+          </a:effectLst>
+        </p:spPr>
+      </p:pic>
+      <p:pic>
+        <p:nvPicPr>
+          <p:cNvPr id="8" name="Picture 7"/>
+          <p:cNvPicPr>
+            <a:picLocks noChangeAspect="1"/>
+          </p:cNvPicPr>
+          <p:nvPr/>
+        </p:nvPicPr>
+        <p:blipFill>
+          <a:blip r:embed="rId5" cstate="print">
+            <a:extLst>
+              <a:ext uri="{28A0092B-C50C-407E-A947-70E740481C1C}">
+                <a14:useLocalDpi xmlns:a14="http://schemas.microsoft.com/office/drawing/2010/main" val="0"/>
+              </a:ext>
+            </a:extLst>
+          </a:blip>
+          <a:stretch>
+            <a:fillRect/>
+          </a:stretch>
+        </p:blipFill>
+        <p:spPr>
+          <a:xfrm>
+            <a:off x="4669469" y="4754696"/>
+            <a:ext cx="3041023" cy="825910"/>
+          </a:xfrm>
+          <a:prstGeom prst="rect">
+            <a:avLst/>
+          </a:prstGeom>
+        </p:spPr>
+      </p:pic>
+    </p:spTree>
+    <p:extLst>
+      <p:ext uri="{BB962C8B-B14F-4D97-AF65-F5344CB8AC3E}">
+        <p14:creationId xmlns:p14="http://schemas.microsoft.com/office/powerpoint/2010/main" val="3458532491"/>
+      </p:ext>
+    </p:extLst>
+  </p:cSld>
+  <p:clrMapOvr>
+    <a:masterClrMapping/>
+  </p:clrMapOvr>
+  <p:timing>
+    <p:tnLst>
+      <p:par>
+        <p:cTn id="1" dur="indefinite" restart="never" nodeType="tmRoot"/>
+      </p:par>
+    </p:tnLst>
+  </p:timing>
+</p:sld>
+</file>
+
+<file path=ppt/slides/slide44.xml><?xml version="1.0" encoding="utf-8"?>
+<p:sld xmlns:a="http://schemas.openxmlformats.org/drawingml/2006/main" xmlns:r="http://schemas.openxmlformats.org/officeDocument/2006/relationships" xmlns:p="http://schemas.openxmlformats.org/presentationml/2006/main">
+  <p:cSld>
+    <p:spTree>
+      <p:nvGrpSpPr>
+        <p:cNvPr id="1" name=""/>
+        <p:cNvGrpSpPr/>
+        <p:nvPr/>
+      </p:nvGrpSpPr>
+      <p:grpSpPr>
+        <a:xfrm>
+          <a:off x="0" y="0"/>
+          <a:ext cx="0" cy="0"/>
+          <a:chOff x="0" y="0"/>
+          <a:chExt cx="0" cy="0"/>
+        </a:xfrm>
+      </p:grpSpPr>
+      <p:sp>
+        <p:nvSpPr>
+          <p:cNvPr id="2" name="Title 1"/>
+          <p:cNvSpPr>
+            <a:spLocks noGrp="1"/>
+          </p:cNvSpPr>
+          <p:nvPr>
+            <p:ph type="title"/>
+          </p:nvPr>
+        </p:nvSpPr>
+        <p:spPr/>
+        <p:txBody>
+          <a:bodyPr/>
+          <a:lstStyle/>
+          <a:p>
+            <a:r>
+              <a:rPr lang="pt-PT" dirty="0" err="1" smtClean="0"/>
+              <a:t>Layer</a:t>
+            </a:r>
+            <a:r>
+              <a:rPr lang="pt-PT" dirty="0" smtClean="0"/>
+              <a:t> </a:t>
+            </a:r>
+            <a:r>
+              <a:rPr lang="pt-PT" dirty="0" err="1" smtClean="0"/>
+              <a:t>Model</a:t>
+            </a:r>
+            <a:endParaRPr lang="pt-PT" dirty="0"/>
+          </a:p>
+        </p:txBody>
+      </p:sp>
+      <p:sp>
+        <p:nvSpPr>
+          <p:cNvPr id="8" name="Content Placeholder 7"/>
+          <p:cNvSpPr>
+            <a:spLocks noGrp="1"/>
+          </p:cNvSpPr>
+          <p:nvPr>
+            <p:ph idx="1"/>
+          </p:nvPr>
+        </p:nvSpPr>
+        <p:spPr/>
+        <p:txBody>
+          <a:bodyPr/>
+          <a:lstStyle/>
+          <a:p>
+            <a:r>
+              <a:rPr lang="pt-PT" dirty="0" err="1" smtClean="0"/>
+              <a:t>From</a:t>
+            </a:r>
+            <a:r>
+              <a:rPr lang="pt-PT" dirty="0" smtClean="0"/>
+              <a:t> Visual </a:t>
+            </a:r>
+            <a:r>
+              <a:rPr lang="pt-PT" dirty="0" err="1" smtClean="0"/>
+              <a:t>Studio</a:t>
+            </a:r>
+            <a:endParaRPr lang="pt-PT" dirty="0" smtClean="0"/>
+          </a:p>
+          <a:p>
+            <a:pPr lvl="1"/>
+            <a:r>
+              <a:rPr lang="pt-PT" dirty="0" smtClean="0"/>
+              <a:t>WCF</a:t>
+            </a:r>
+          </a:p>
+          <a:p>
+            <a:pPr lvl="1"/>
+            <a:r>
+              <a:rPr lang="pt-PT" dirty="0" smtClean="0"/>
+              <a:t>C#</a:t>
+            </a:r>
+          </a:p>
+          <a:p>
+            <a:pPr lvl="1"/>
+            <a:r>
+              <a:rPr lang="pt-PT" dirty="0" smtClean="0"/>
+              <a:t>SQL CE</a:t>
+            </a:r>
+            <a:endParaRPr lang="pt-PT" dirty="0"/>
+          </a:p>
+        </p:txBody>
+      </p:sp>
+      <p:pic>
+        <p:nvPicPr>
+          <p:cNvPr id="9" name="Picture 8"/>
+          <p:cNvPicPr>
+            <a:picLocks noChangeAspect="1"/>
+          </p:cNvPicPr>
+          <p:nvPr/>
+        </p:nvPicPr>
+        <p:blipFill>
+          <a:blip r:embed="rId2"/>
+          <a:stretch>
+            <a:fillRect/>
+          </a:stretch>
+        </p:blipFill>
+        <p:spPr>
+          <a:xfrm>
+            <a:off x="4900133" y="2556932"/>
+            <a:ext cx="2253190" cy="3510087"/>
+          </a:xfrm>
+          <a:prstGeom prst="rect">
+            <a:avLst/>
+          </a:prstGeom>
+        </p:spPr>
+      </p:pic>
+    </p:spTree>
+    <p:extLst>
+      <p:ext uri="{BB962C8B-B14F-4D97-AF65-F5344CB8AC3E}">
+        <p14:creationId xmlns:p14="http://schemas.microsoft.com/office/powerpoint/2010/main" val="3599542048"/>
+      </p:ext>
+    </p:extLst>
+  </p:cSld>
+  <p:clrMapOvr>
+    <a:masterClrMapping/>
+  </p:clrMapOvr>
+  <p:timing>
+    <p:tnLst>
+      <p:par>
+        <p:cTn id="1" dur="indefinite" restart="never" nodeType="tmRoot"/>
+      </p:par>
+    </p:tnLst>
+  </p:timing>
+</p:sld>
+</file>
+
+<file path=ppt/slides/slide45.xml><?xml version="1.0" encoding="utf-8"?>
+<p:sld xmlns:a="http://schemas.openxmlformats.org/drawingml/2006/main" xmlns:r="http://schemas.openxmlformats.org/officeDocument/2006/relationships" xmlns:p="http://schemas.openxmlformats.org/presentationml/2006/main">
+  <p:cSld>
+    <p:spTree>
+      <p:nvGrpSpPr>
+        <p:cNvPr id="1" name=""/>
+        <p:cNvGrpSpPr/>
+        <p:nvPr/>
+      </p:nvGrpSpPr>
+      <p:grpSpPr>
+        <a:xfrm>
+          <a:off x="0" y="0"/>
+          <a:ext cx="0" cy="0"/>
+          <a:chOff x="0" y="0"/>
+          <a:chExt cx="0" cy="0"/>
+        </a:xfrm>
+      </p:grpSpPr>
+      <p:sp>
+        <p:nvSpPr>
+          <p:cNvPr id="2" name="Title 1"/>
+          <p:cNvSpPr>
+            <a:spLocks noGrp="1"/>
+          </p:cNvSpPr>
+          <p:nvPr>
+            <p:ph type="title"/>
+          </p:nvPr>
+        </p:nvSpPr>
+        <p:spPr/>
+        <p:txBody>
+          <a:bodyPr/>
+          <a:lstStyle/>
+          <a:p>
+            <a:r>
+              <a:rPr lang="pt-PT" dirty="0" err="1" smtClean="0"/>
+              <a:t>Development</a:t>
+            </a:r>
+            <a:r>
+              <a:rPr lang="pt-PT" dirty="0" smtClean="0"/>
+              <a:t> </a:t>
+            </a:r>
+            <a:r>
+              <a:rPr lang="pt-PT" dirty="0" err="1" smtClean="0"/>
+              <a:t>Architecture</a:t>
+            </a:r>
+            <a:endParaRPr lang="pt-PT" dirty="0"/>
+          </a:p>
+        </p:txBody>
+      </p:sp>
+      <p:sp>
+        <p:nvSpPr>
+          <p:cNvPr id="3" name="Content Placeholder 2"/>
+          <p:cNvSpPr>
+            <a:spLocks noGrp="1"/>
+          </p:cNvSpPr>
+          <p:nvPr>
+            <p:ph idx="1"/>
+          </p:nvPr>
+        </p:nvSpPr>
+        <p:spPr>
+          <a:xfrm>
+            <a:off x="1295401" y="2556932"/>
+            <a:ext cx="4842163" cy="3318936"/>
+          </a:xfrm>
+        </p:spPr>
+        <p:txBody>
+          <a:bodyPr>
+            <a:normAutofit lnSpcReduction="10000"/>
+          </a:bodyPr>
+          <a:lstStyle/>
+          <a:p>
+            <a:r>
+              <a:rPr lang="en-GB" dirty="0" smtClean="0"/>
+              <a:t>Multiple User Controls</a:t>
+            </a:r>
+          </a:p>
+          <a:p>
+            <a:pPr lvl="1"/>
+            <a:r>
+              <a:rPr lang="en-GB" dirty="0" smtClean="0"/>
+              <a:t>Each with is own functionality</a:t>
+            </a:r>
+          </a:p>
+          <a:p>
+            <a:pPr lvl="1"/>
+            <a:r>
+              <a:rPr lang="en-GB" dirty="0" smtClean="0"/>
+              <a:t>Communication between user controls with Events</a:t>
+            </a:r>
+          </a:p>
+          <a:p>
+            <a:r>
+              <a:rPr lang="en-GB" dirty="0" smtClean="0"/>
+              <a:t>Available Events</a:t>
+            </a:r>
+          </a:p>
+          <a:p>
+            <a:pPr lvl="1"/>
+            <a:r>
+              <a:rPr lang="en-GB" dirty="0" err="1" smtClean="0"/>
+              <a:t>OnTaskListChanged</a:t>
+            </a:r>
+            <a:endParaRPr lang="en-GB" dirty="0" smtClean="0"/>
+          </a:p>
+          <a:p>
+            <a:pPr lvl="1"/>
+            <a:r>
+              <a:rPr lang="en-GB" dirty="0" err="1" smtClean="0"/>
+              <a:t>OnTaskUpdated</a:t>
+            </a:r>
+            <a:endParaRPr lang="en-GB" dirty="0" smtClean="0"/>
+          </a:p>
+          <a:p>
+            <a:pPr lvl="1"/>
+            <a:r>
+              <a:rPr lang="en-GB" dirty="0" err="1"/>
+              <a:t>OnTimeAdded</a:t>
+            </a:r>
+            <a:endParaRPr lang="en-GB" dirty="0" smtClean="0"/>
+          </a:p>
+        </p:txBody>
+      </p:sp>
+      <p:sp>
+        <p:nvSpPr>
+          <p:cNvPr id="4" name="Content Placeholder 2"/>
+          <p:cNvSpPr txBox="1">
+            <a:spLocks/>
+          </p:cNvSpPr>
+          <p:nvPr/>
+        </p:nvSpPr>
+        <p:spPr>
+          <a:xfrm>
+            <a:off x="6054435" y="4207655"/>
+            <a:ext cx="4842163" cy="1706207"/>
+          </a:xfrm>
+          <a:prstGeom prst="rect">
+            <a:avLst/>
+          </a:prstGeom>
+        </p:spPr>
+        <p:txBody>
+          <a:bodyPr vert="horz" lIns="91440" tIns="45720" rIns="91440" bIns="45720" rtlCol="0" anchor="t">
+            <a:normAutofit lnSpcReduction="10000"/>
+          </a:bodyPr>
+          <a:lstStyle>
+            <a:lvl1pPr marL="285750" indent="-285750" algn="l" defTabSz="457200" rtl="0" eaLnBrk="1" latinLnBrk="0" hangingPunct="1">
+              <a:spcBef>
+                <a:spcPct val="20000"/>
+              </a:spcBef>
+              <a:spcAft>
+                <a:spcPts val="600"/>
+              </a:spcAft>
+              <a:buClr>
+                <a:schemeClr val="accent1"/>
+              </a:buClr>
+              <a:buSzPct val="115000"/>
+              <a:buFont typeface="Arial"/>
+              <a:buChar char="•"/>
+              <a:defRPr sz="2400" kern="1200" cap="none">
+                <a:solidFill>
+                  <a:schemeClr val="tx1">
+                    <a:lumMod val="85000"/>
+                    <a:lumOff val="15000"/>
+                  </a:schemeClr>
+                </a:solidFill>
+                <a:effectLst/>
+                <a:latin typeface="+mn-lt"/>
+                <a:ea typeface="+mn-ea"/>
+                <a:cs typeface="+mn-cs"/>
+              </a:defRPr>
+            </a:lvl1pPr>
+            <a:lvl2pPr marL="742950" indent="-285750" algn="l" defTabSz="457200" rtl="0" eaLnBrk="1" latinLnBrk="0" hangingPunct="1">
+              <a:spcBef>
+                <a:spcPct val="20000"/>
+              </a:spcBef>
+              <a:spcAft>
+                <a:spcPts val="600"/>
+              </a:spcAft>
+              <a:buClr>
+                <a:schemeClr val="accent1"/>
+              </a:buClr>
+              <a:buSzPct val="115000"/>
+              <a:buFont typeface="Arial"/>
+              <a:buChar char="•"/>
+              <a:defRPr sz="2000" kern="1200" cap="none">
+                <a:solidFill>
+                  <a:schemeClr val="tx1">
+                    <a:lumMod val="85000"/>
+                    <a:lumOff val="15000"/>
+                  </a:schemeClr>
+                </a:solidFill>
+                <a:effectLst/>
+                <a:latin typeface="+mn-lt"/>
+                <a:ea typeface="+mn-ea"/>
+                <a:cs typeface="+mn-cs"/>
+              </a:defRPr>
+            </a:lvl2pPr>
+            <a:lvl3pPr marL="1200150" indent="-285750" algn="l" defTabSz="457200" rtl="0" eaLnBrk="1" latinLnBrk="0" hangingPunct="1">
+              <a:spcBef>
+                <a:spcPct val="20000"/>
+              </a:spcBef>
+              <a:spcAft>
+                <a:spcPts val="600"/>
+              </a:spcAft>
+              <a:buClr>
+                <a:schemeClr val="accent1"/>
+              </a:buClr>
+              <a:buSzPct val="115000"/>
+              <a:buFont typeface="Arial"/>
+              <a:buChar char="•"/>
+              <a:defRPr sz="1800" kern="1200" cap="none">
+                <a:solidFill>
+                  <a:schemeClr val="tx1">
+                    <a:lumMod val="85000"/>
+                    <a:lumOff val="15000"/>
+                  </a:schemeClr>
+                </a:solidFill>
+                <a:effectLst/>
+                <a:latin typeface="+mn-lt"/>
+                <a:ea typeface="+mn-ea"/>
+                <a:cs typeface="+mn-cs"/>
+              </a:defRPr>
+            </a:lvl3pPr>
+            <a:lvl4pPr marL="1543050" indent="-171450" algn="l" defTabSz="457200" rtl="0" eaLnBrk="1" latinLnBrk="0" hangingPunct="1">
+              <a:spcBef>
+                <a:spcPct val="20000"/>
+              </a:spcBef>
+              <a:spcAft>
+                <a:spcPts val="600"/>
+              </a:spcAft>
+              <a:buClr>
+                <a:schemeClr val="accent1"/>
+              </a:buClr>
+              <a:buSzPct val="115000"/>
+              <a:buFont typeface="Arial"/>
+              <a:buChar char="•"/>
+              <a:defRPr sz="1600" kern="1200" cap="none">
+                <a:solidFill>
+                  <a:schemeClr val="tx1">
+                    <a:lumMod val="85000"/>
+                    <a:lumOff val="15000"/>
+                  </a:schemeClr>
+                </a:solidFill>
+                <a:effectLst/>
+                <a:latin typeface="+mn-lt"/>
+                <a:ea typeface="+mn-ea"/>
+                <a:cs typeface="+mn-cs"/>
+              </a:defRPr>
+            </a:lvl4pPr>
+            <a:lvl5pPr marL="2000250" indent="-171450" algn="l" defTabSz="457200" rtl="0" eaLnBrk="1" latinLnBrk="0" hangingPunct="1">
+              <a:spcBef>
+                <a:spcPct val="20000"/>
+              </a:spcBef>
+              <a:spcAft>
+                <a:spcPts val="600"/>
+              </a:spcAft>
+              <a:buClr>
+                <a:schemeClr val="accent1"/>
+              </a:buClr>
+              <a:buSzPct val="115000"/>
+              <a:buFont typeface="Arial"/>
+              <a:buChar char="•"/>
+              <a:defRPr sz="1400" kern="1200" cap="none">
+                <a:solidFill>
+                  <a:schemeClr val="tx1">
+                    <a:lumMod val="85000"/>
+                    <a:lumOff val="15000"/>
+                  </a:schemeClr>
+                </a:solidFill>
+                <a:effectLst/>
+                <a:latin typeface="+mn-lt"/>
+                <a:ea typeface="+mn-ea"/>
+                <a:cs typeface="+mn-cs"/>
+              </a:defRPr>
+            </a:lvl5pPr>
+            <a:lvl6pPr marL="2514600" indent="-228600" algn="l" defTabSz="457200" rtl="0" eaLnBrk="1" latinLnBrk="0" hangingPunct="1">
+              <a:spcBef>
+                <a:spcPct val="20000"/>
+              </a:spcBef>
+              <a:spcAft>
+                <a:spcPts val="600"/>
+              </a:spcAft>
+              <a:buClr>
+                <a:schemeClr val="accent1"/>
+              </a:buClr>
+              <a:buSzPct val="115000"/>
+              <a:buFont typeface="Arial"/>
+              <a:buChar char="•"/>
+              <a:defRPr sz="1400" kern="1200" cap="none">
+                <a:solidFill>
+                  <a:schemeClr val="tx1">
+                    <a:lumMod val="85000"/>
+                    <a:lumOff val="15000"/>
+                  </a:schemeClr>
+                </a:solidFill>
+                <a:effectLst/>
+                <a:latin typeface="+mn-lt"/>
+                <a:ea typeface="+mn-ea"/>
+                <a:cs typeface="+mn-cs"/>
+              </a:defRPr>
+            </a:lvl6pPr>
+            <a:lvl7pPr marL="2971800" indent="-228600" algn="l" defTabSz="457200" rtl="0" eaLnBrk="1" latinLnBrk="0" hangingPunct="1">
+              <a:spcBef>
+                <a:spcPct val="20000"/>
+              </a:spcBef>
+              <a:spcAft>
+                <a:spcPts val="600"/>
+              </a:spcAft>
+              <a:buClr>
+                <a:schemeClr val="accent1"/>
+              </a:buClr>
+              <a:buSzPct val="115000"/>
+              <a:buFont typeface="Arial"/>
+              <a:buChar char="•"/>
+              <a:defRPr sz="1400" kern="1200" cap="none">
+                <a:solidFill>
+                  <a:schemeClr val="tx1">
+                    <a:lumMod val="85000"/>
+                    <a:lumOff val="15000"/>
+                  </a:schemeClr>
+                </a:solidFill>
+                <a:effectLst/>
+                <a:latin typeface="+mn-lt"/>
+                <a:ea typeface="+mn-ea"/>
+                <a:cs typeface="+mn-cs"/>
+              </a:defRPr>
+            </a:lvl7pPr>
+            <a:lvl8pPr marL="3429000" indent="-228600" algn="l" defTabSz="457200" rtl="0" eaLnBrk="1" latinLnBrk="0" hangingPunct="1">
+              <a:spcBef>
+                <a:spcPct val="20000"/>
+              </a:spcBef>
+              <a:spcAft>
+                <a:spcPts val="600"/>
+              </a:spcAft>
+              <a:buClr>
+                <a:schemeClr val="accent1"/>
+              </a:buClr>
+              <a:buSzPct val="115000"/>
+              <a:buFont typeface="Arial"/>
+              <a:buChar char="•"/>
+              <a:defRPr sz="1400" kern="1200" cap="none">
+                <a:solidFill>
+                  <a:schemeClr val="tx1">
+                    <a:lumMod val="85000"/>
+                    <a:lumOff val="15000"/>
+                  </a:schemeClr>
+                </a:solidFill>
+                <a:effectLst/>
+                <a:latin typeface="+mn-lt"/>
+                <a:ea typeface="+mn-ea"/>
+                <a:cs typeface="+mn-cs"/>
+              </a:defRPr>
+            </a:lvl8pPr>
+            <a:lvl9pPr marL="3886200" indent="-228600" algn="l" defTabSz="457200" rtl="0" eaLnBrk="1" latinLnBrk="0" hangingPunct="1">
+              <a:spcBef>
+                <a:spcPct val="20000"/>
+              </a:spcBef>
+              <a:spcAft>
+                <a:spcPts val="600"/>
+              </a:spcAft>
+              <a:buClr>
+                <a:schemeClr val="accent1"/>
+              </a:buClr>
+              <a:buSzPct val="115000"/>
+              <a:buFont typeface="Arial"/>
+              <a:buChar char="•"/>
+              <a:defRPr sz="1400" kern="1200" cap="none">
+                <a:solidFill>
+                  <a:schemeClr val="tx1">
+                    <a:lumMod val="85000"/>
+                    <a:lumOff val="15000"/>
+                  </a:schemeClr>
+                </a:solidFill>
+                <a:effectLst/>
+                <a:latin typeface="+mn-lt"/>
+                <a:ea typeface="+mn-ea"/>
+                <a:cs typeface="+mn-cs"/>
+              </a:defRPr>
+            </a:lvl9pPr>
+          </a:lstStyle>
+          <a:p>
+            <a:pPr lvl="1"/>
+            <a:r>
+              <a:rPr lang="en-GB" dirty="0" err="1" smtClean="0"/>
+              <a:t>OnTaskDeleted</a:t>
+            </a:r>
+            <a:endParaRPr lang="en-GB" dirty="0" smtClean="0"/>
+          </a:p>
+          <a:p>
+            <a:pPr lvl="1"/>
+            <a:r>
+              <a:rPr lang="en-GB" dirty="0" err="1" smtClean="0"/>
+              <a:t>OnStartTaskPressed</a:t>
+            </a:r>
+            <a:endParaRPr lang="en-GB" dirty="0" smtClean="0"/>
+          </a:p>
+          <a:p>
+            <a:pPr lvl="1"/>
+            <a:r>
+              <a:rPr lang="en-GB" dirty="0" err="1" smtClean="0"/>
+              <a:t>OnStopTaskPressed</a:t>
+            </a:r>
+            <a:endParaRPr lang="en-GB" dirty="0" smtClean="0"/>
+          </a:p>
+          <a:p>
+            <a:pPr lvl="1"/>
+            <a:r>
+              <a:rPr lang="en-GB" dirty="0" err="1" smtClean="0"/>
+              <a:t>OnTaskCreated</a:t>
+            </a:r>
+            <a:endParaRPr lang="en-GB" dirty="0" smtClean="0"/>
+          </a:p>
+        </p:txBody>
+      </p:sp>
+    </p:spTree>
+    <p:extLst>
+      <p:ext uri="{BB962C8B-B14F-4D97-AF65-F5344CB8AC3E}">
+        <p14:creationId xmlns:p14="http://schemas.microsoft.com/office/powerpoint/2010/main" val="1933947800"/>
+      </p:ext>
+    </p:extLst>
+  </p:cSld>
+  <p:clrMapOvr>
+    <a:masterClrMapping/>
+  </p:clrMapOvr>
+  <p:timing>
+    <p:tnLst>
+      <p:par>
+        <p:cTn id="1" dur="indefinite" restart="never" nodeType="tmRoot"/>
+      </p:par>
+    </p:tnLst>
+  </p:timing>
+</p:sld>
+</file>
+
+<file path=ppt/slides/slide46.xml><?xml version="1.0" encoding="utf-8"?>
+<p:sld xmlns:a="http://schemas.openxmlformats.org/drawingml/2006/main" xmlns:r="http://schemas.openxmlformats.org/officeDocument/2006/relationships" xmlns:p="http://schemas.openxmlformats.org/presentationml/2006/main">
+  <p:cSld>
+    <p:spTree>
+      <p:nvGrpSpPr>
+        <p:cNvPr id="1" name=""/>
+        <p:cNvGrpSpPr/>
+        <p:nvPr/>
+      </p:nvGrpSpPr>
+      <p:grpSpPr>
+        <a:xfrm>
+          <a:off x="0" y="0"/>
+          <a:ext cx="0" cy="0"/>
+          <a:chOff x="0" y="0"/>
+          <a:chExt cx="0" cy="0"/>
+        </a:xfrm>
+      </p:grpSpPr>
+      <p:sp>
+        <p:nvSpPr>
+          <p:cNvPr id="2" name="Title 1"/>
+          <p:cNvSpPr>
+            <a:spLocks noGrp="1"/>
+          </p:cNvSpPr>
+          <p:nvPr>
+            <p:ph type="title"/>
+          </p:nvPr>
+        </p:nvSpPr>
+        <p:spPr/>
+        <p:txBody>
+          <a:bodyPr/>
+          <a:lstStyle/>
+          <a:p>
+            <a:r>
+              <a:rPr lang="pt-PT" dirty="0" err="1"/>
+              <a:t>Database</a:t>
+            </a:r>
+            <a:endParaRPr lang="pt-PT" dirty="0"/>
+          </a:p>
+        </p:txBody>
+      </p:sp>
+      <p:pic>
+        <p:nvPicPr>
+          <p:cNvPr id="6" name="Content Placeholder 5"/>
+          <p:cNvPicPr>
+            <a:picLocks noGrp="1" noChangeAspect="1"/>
+          </p:cNvPicPr>
+          <p:nvPr>
+            <p:ph idx="1"/>
+          </p:nvPr>
+        </p:nvPicPr>
+        <p:blipFill>
+          <a:blip r:embed="rId2"/>
+          <a:stretch>
+            <a:fillRect/>
+          </a:stretch>
+        </p:blipFill>
+        <p:spPr>
+          <a:xfrm>
+            <a:off x="4120467" y="2871443"/>
+            <a:ext cx="3951066" cy="2468207"/>
+          </a:xfrm>
+          <a:prstGeom prst="rect">
+            <a:avLst/>
+          </a:prstGeom>
+        </p:spPr>
+      </p:pic>
+    </p:spTree>
+    <p:extLst>
+      <p:ext uri="{BB962C8B-B14F-4D97-AF65-F5344CB8AC3E}">
+        <p14:creationId xmlns:p14="http://schemas.microsoft.com/office/powerpoint/2010/main" val="256484290"/>
+      </p:ext>
+    </p:extLst>
+  </p:cSld>
+  <p:clrMapOvr>
+    <a:masterClrMapping/>
+  </p:clrMapOvr>
+</p:sld>
+</file>
+
+<file path=ppt/slides/slide47.xml><?xml version="1.0" encoding="utf-8"?>
+<p:sld xmlns:a="http://schemas.openxmlformats.org/drawingml/2006/main" xmlns:r="http://schemas.openxmlformats.org/officeDocument/2006/relationships" xmlns:p="http://schemas.openxmlformats.org/presentationml/2006/main">
+  <p:cSld>
+    <p:spTree>
+      <p:nvGrpSpPr>
+        <p:cNvPr id="1" name=""/>
+        <p:cNvGrpSpPr/>
+        <p:nvPr/>
+      </p:nvGrpSpPr>
+      <p:grpSpPr>
+        <a:xfrm>
+          <a:off x="0" y="0"/>
+          <a:ext cx="0" cy="0"/>
+          <a:chOff x="0" y="0"/>
+          <a:chExt cx="0" cy="0"/>
+        </a:xfrm>
+      </p:grpSpPr>
+      <p:sp>
+        <p:nvSpPr>
+          <p:cNvPr id="2" name="Title 1"/>
+          <p:cNvSpPr>
+            <a:spLocks noGrp="1"/>
+          </p:cNvSpPr>
+          <p:nvPr>
+            <p:ph type="title"/>
+          </p:nvPr>
+        </p:nvSpPr>
+        <p:spPr/>
+        <p:txBody>
+          <a:bodyPr/>
+          <a:lstStyle/>
+          <a:p>
+            <a:r>
+              <a:rPr lang="pt-PT" dirty="0" err="1" smtClean="0"/>
+              <a:t>Main</a:t>
+            </a:r>
+            <a:r>
+              <a:rPr lang="pt-PT" dirty="0" smtClean="0"/>
+              <a:t> </a:t>
+            </a:r>
+            <a:r>
+              <a:rPr lang="pt-PT" dirty="0" err="1" smtClean="0"/>
+              <a:t>Features</a:t>
+            </a:r>
+            <a:endParaRPr lang="pt-PT" dirty="0"/>
+          </a:p>
+        </p:txBody>
+      </p:sp>
+      <p:sp>
+        <p:nvSpPr>
+          <p:cNvPr id="3" name="Content Placeholder 2"/>
+          <p:cNvSpPr>
+            <a:spLocks noGrp="1"/>
+          </p:cNvSpPr>
+          <p:nvPr>
+            <p:ph idx="1"/>
+          </p:nvPr>
+        </p:nvSpPr>
+        <p:spPr>
+          <a:xfrm>
+            <a:off x="1295401" y="2556932"/>
+            <a:ext cx="2306781" cy="3318936"/>
+          </a:xfrm>
+        </p:spPr>
+        <p:txBody>
+          <a:bodyPr/>
+          <a:lstStyle/>
+          <a:p>
+            <a:r>
+              <a:rPr lang="en-US" dirty="0" smtClean="0"/>
+              <a:t>Task Tracking</a:t>
+            </a:r>
+          </a:p>
+          <a:p>
+            <a:r>
+              <a:rPr lang="en-US" dirty="0" smtClean="0"/>
+              <a:t>Accessing user activity</a:t>
+            </a:r>
+            <a:endParaRPr lang="en-US" dirty="0"/>
+          </a:p>
+        </p:txBody>
+      </p:sp>
+      <p:pic>
+        <p:nvPicPr>
+          <p:cNvPr id="4" name="Picture 3"/>
+          <p:cNvPicPr>
+            <a:picLocks noChangeAspect="1"/>
+          </p:cNvPicPr>
+          <p:nvPr/>
+        </p:nvPicPr>
+        <p:blipFill>
+          <a:blip r:embed="rId2"/>
+          <a:stretch>
+            <a:fillRect/>
+          </a:stretch>
+        </p:blipFill>
+        <p:spPr>
+          <a:xfrm>
+            <a:off x="3851564" y="2556931"/>
+            <a:ext cx="7045033" cy="3084460"/>
+          </a:xfrm>
+          <a:prstGeom prst="rect">
+            <a:avLst/>
+          </a:prstGeom>
+        </p:spPr>
+      </p:pic>
+    </p:spTree>
+    <p:extLst>
+      <p:ext uri="{BB962C8B-B14F-4D97-AF65-F5344CB8AC3E}">
+        <p14:creationId xmlns:p14="http://schemas.microsoft.com/office/powerpoint/2010/main" val="286368229"/>
+      </p:ext>
+    </p:extLst>
+  </p:cSld>
+  <p:clrMapOvr>
+    <a:masterClrMapping/>
+  </p:clrMapOvr>
+</p:sld>
+</file>
+
+<file path=ppt/slides/slide48.xml><?xml version="1.0" encoding="utf-8"?>
 <p:sld xmlns:a="http://schemas.openxmlformats.org/drawingml/2006/main" xmlns:r="http://schemas.openxmlformats.org/officeDocument/2006/relationships" xmlns:p="http://schemas.openxmlformats.org/presentationml/2006/main">
   <p:cSld>
     <p:spTree>
@@ -24989,7 +26113,7 @@
 </p:sld>
 </file>
 
-<file path=ppt/slides/slide44.xml><?xml version="1.0" encoding="utf-8"?>
+<file path=ppt/slides/slide49.xml><?xml version="1.0" encoding="utf-8"?>
 <p:sld xmlns:a="http://schemas.openxmlformats.org/drawingml/2006/main" xmlns:r="http://schemas.openxmlformats.org/officeDocument/2006/relationships" xmlns:p="http://schemas.openxmlformats.org/presentationml/2006/main">
   <p:cSld>
     <p:spTree>
@@ -26045,551 +27169,6 @@
 </p:sld>
 </file>
 
-<file path=ppt/slides/slide45.xml><?xml version="1.0" encoding="utf-8"?>
-<p:sld xmlns:a="http://schemas.openxmlformats.org/drawingml/2006/main" xmlns:r="http://schemas.openxmlformats.org/officeDocument/2006/relationships" xmlns:p="http://schemas.openxmlformats.org/presentationml/2006/main">
-  <p:cSld>
-    <p:spTree>
-      <p:nvGrpSpPr>
-        <p:cNvPr id="1" name=""/>
-        <p:cNvGrpSpPr/>
-        <p:nvPr/>
-      </p:nvGrpSpPr>
-      <p:grpSpPr>
-        <a:xfrm>
-          <a:off x="0" y="0"/>
-          <a:ext cx="0" cy="0"/>
-          <a:chOff x="0" y="0"/>
-          <a:chExt cx="0" cy="0"/>
-        </a:xfrm>
-      </p:grpSpPr>
-      <p:sp>
-        <p:nvSpPr>
-          <p:cNvPr id="2" name="Título 1"/>
-          <p:cNvSpPr>
-            <a:spLocks noGrp="1"/>
-          </p:cNvSpPr>
-          <p:nvPr>
-            <p:ph type="title"/>
-          </p:nvPr>
-        </p:nvSpPr>
-        <p:spPr/>
-        <p:txBody>
-          <a:bodyPr/>
-          <a:lstStyle/>
-          <a:p>
-            <a:r>
-              <a:rPr lang="en-US" dirty="0"/>
-              <a:t>Risk Management</a:t>
-            </a:r>
-            <a:endParaRPr lang="en-GB" dirty="0"/>
-          </a:p>
-        </p:txBody>
-      </p:sp>
-      <p:sp>
-        <p:nvSpPr>
-          <p:cNvPr id="3" name="Marcador de Posição de Conteúdo 2"/>
-          <p:cNvSpPr>
-            <a:spLocks noGrp="1"/>
-          </p:cNvSpPr>
-          <p:nvPr>
-            <p:ph idx="1"/>
-          </p:nvPr>
-        </p:nvSpPr>
-        <p:spPr/>
-        <p:txBody>
-          <a:bodyPr>
-            <a:normAutofit fontScale="85000" lnSpcReduction="10000"/>
-          </a:bodyPr>
-          <a:lstStyle/>
-          <a:p>
-            <a:r>
-              <a:rPr lang="en-GB" b="1" dirty="0"/>
-              <a:t>1º</a:t>
-            </a:r>
-            <a:r>
-              <a:rPr lang="en-GB" dirty="0"/>
-              <a:t> - Lack of knowledge on technology</a:t>
-            </a:r>
-            <a:r>
-              <a:rPr lang="en-GB" b="1" dirty="0"/>
-              <a:t>:</a:t>
-            </a:r>
-          </a:p>
-          <a:p>
-            <a:pPr lvl="1"/>
-            <a:r>
-              <a:rPr lang="en-GB" b="1" dirty="0"/>
-              <a:t>Probability:</a:t>
-            </a:r>
-            <a:r>
-              <a:rPr lang="en-GB" dirty="0"/>
-              <a:t> 3</a:t>
-            </a:r>
-          </a:p>
-          <a:p>
-            <a:pPr lvl="1"/>
-            <a:r>
-              <a:rPr lang="en-GB" b="1" dirty="0"/>
-              <a:t>Impact:</a:t>
-            </a:r>
-            <a:r>
-              <a:rPr lang="en-GB" dirty="0"/>
-              <a:t> 3</a:t>
-            </a:r>
-          </a:p>
-          <a:p>
-            <a:pPr lvl="1"/>
-            <a:r>
-              <a:rPr lang="en-GB" b="1" dirty="0"/>
-              <a:t>Team Member:</a:t>
-            </a:r>
-            <a:r>
-              <a:rPr lang="en-GB" dirty="0"/>
-              <a:t> João Girão, Mário Oliveira, David Silva, João Martins, Carla Machado and Filipe </a:t>
-            </a:r>
-            <a:r>
-              <a:rPr lang="en-GB" dirty="0" err="1"/>
-              <a:t>Brandão</a:t>
-            </a:r>
-            <a:r>
-              <a:rPr lang="en-GB" dirty="0"/>
-              <a:t> </a:t>
-            </a:r>
-          </a:p>
-          <a:p>
-            <a:pPr lvl="1"/>
-            <a:r>
-              <a:rPr lang="en-GB" b="1" dirty="0"/>
-              <a:t>Avoidance:</a:t>
-            </a:r>
-            <a:r>
-              <a:rPr lang="en-GB" dirty="0"/>
-              <a:t> </a:t>
-            </a:r>
-            <a:r>
-              <a:rPr lang="en-US" dirty="0"/>
-              <a:t>To reduce probability all interfaces must be created and managed by Rui </a:t>
-            </a:r>
-            <a:r>
-              <a:rPr lang="en-US" dirty="0" err="1"/>
-              <a:t>Ganhoto</a:t>
-            </a:r>
-            <a:r>
-              <a:rPr lang="en-US" dirty="0"/>
-              <a:t>.</a:t>
-            </a:r>
-          </a:p>
-          <a:p>
-            <a:pPr lvl="1"/>
-            <a:r>
-              <a:rPr lang="en-US" b="1" dirty="0"/>
-              <a:t>Minimization:</a:t>
-            </a:r>
-            <a:r>
-              <a:rPr lang="en-US" dirty="0"/>
-              <a:t> To reduce Impact Rui </a:t>
-            </a:r>
-            <a:r>
-              <a:rPr lang="en-US" dirty="0" err="1"/>
-              <a:t>Ganhoto</a:t>
-            </a:r>
-            <a:r>
-              <a:rPr lang="en-US" dirty="0"/>
-              <a:t> must give some formation to every team members. </a:t>
-            </a:r>
-          </a:p>
-          <a:p>
-            <a:pPr lvl="1"/>
-            <a:r>
-              <a:rPr lang="en-US" b="1" dirty="0"/>
-              <a:t>Contingency: </a:t>
-            </a:r>
-            <a:r>
-              <a:rPr lang="en-US" dirty="0"/>
-              <a:t>Negotiate interface with the client and avoid WPF, windows forms would be an easier option for static content</a:t>
-            </a:r>
-            <a:r>
-              <a:rPr lang="en-US" dirty="0" smtClean="0"/>
-              <a:t>.</a:t>
-            </a:r>
-            <a:endParaRPr lang="en-GB" dirty="0"/>
-          </a:p>
-        </p:txBody>
-      </p:sp>
-    </p:spTree>
-    <p:extLst>
-      <p:ext uri="{BB962C8B-B14F-4D97-AF65-F5344CB8AC3E}">
-        <p14:creationId xmlns:p14="http://schemas.microsoft.com/office/powerpoint/2010/main" val="576009203"/>
-      </p:ext>
-    </p:extLst>
-  </p:cSld>
-  <p:clrMapOvr>
-    <a:masterClrMapping/>
-  </p:clrMapOvr>
-</p:sld>
-</file>
-
-<file path=ppt/slides/slide46.xml><?xml version="1.0" encoding="utf-8"?>
-<p:sld xmlns:a="http://schemas.openxmlformats.org/drawingml/2006/main" xmlns:r="http://schemas.openxmlformats.org/officeDocument/2006/relationships" xmlns:p="http://schemas.openxmlformats.org/presentationml/2006/main">
-  <p:cSld>
-    <p:spTree>
-      <p:nvGrpSpPr>
-        <p:cNvPr id="1" name=""/>
-        <p:cNvGrpSpPr/>
-        <p:nvPr/>
-      </p:nvGrpSpPr>
-      <p:grpSpPr>
-        <a:xfrm>
-          <a:off x="0" y="0"/>
-          <a:ext cx="0" cy="0"/>
-          <a:chOff x="0" y="0"/>
-          <a:chExt cx="0" cy="0"/>
-        </a:xfrm>
-      </p:grpSpPr>
-      <p:sp>
-        <p:nvSpPr>
-          <p:cNvPr id="2" name="Título 1"/>
-          <p:cNvSpPr>
-            <a:spLocks noGrp="1"/>
-          </p:cNvSpPr>
-          <p:nvPr>
-            <p:ph type="title"/>
-          </p:nvPr>
-        </p:nvSpPr>
-        <p:spPr/>
-        <p:txBody>
-          <a:bodyPr/>
-          <a:lstStyle/>
-          <a:p>
-            <a:r>
-              <a:rPr lang="en-US" dirty="0"/>
-              <a:t>Risk Management</a:t>
-            </a:r>
-            <a:endParaRPr lang="en-GB" dirty="0"/>
-          </a:p>
-        </p:txBody>
-      </p:sp>
-      <p:sp>
-        <p:nvSpPr>
-          <p:cNvPr id="3" name="Marcador de Posição de Conteúdo 2"/>
-          <p:cNvSpPr>
-            <a:spLocks noGrp="1"/>
-          </p:cNvSpPr>
-          <p:nvPr>
-            <p:ph idx="1"/>
-          </p:nvPr>
-        </p:nvSpPr>
-        <p:spPr/>
-        <p:txBody>
-          <a:bodyPr>
-            <a:normAutofit fontScale="92500" lnSpcReduction="10000"/>
-          </a:bodyPr>
-          <a:lstStyle/>
-          <a:p>
-            <a:r>
-              <a:rPr lang="en-GB" dirty="0"/>
-              <a:t>2º - Project Plan is over budget</a:t>
-            </a:r>
-          </a:p>
-          <a:p>
-            <a:pPr lvl="1"/>
-            <a:r>
-              <a:rPr lang="en-GB" b="1" dirty="0"/>
-              <a:t>Probability</a:t>
-            </a:r>
-            <a:r>
-              <a:rPr lang="en-GB" dirty="0"/>
-              <a:t>: 3</a:t>
-            </a:r>
-          </a:p>
-          <a:p>
-            <a:pPr lvl="1"/>
-            <a:r>
-              <a:rPr lang="en-GB" b="1" dirty="0"/>
-              <a:t>Impact</a:t>
-            </a:r>
-            <a:r>
-              <a:rPr lang="en-GB" dirty="0"/>
-              <a:t>: 2</a:t>
-            </a:r>
-          </a:p>
-          <a:p>
-            <a:pPr lvl="1"/>
-            <a:r>
-              <a:rPr lang="en-GB" b="1" dirty="0"/>
-              <a:t>Team Member</a:t>
-            </a:r>
-            <a:r>
-              <a:rPr lang="en-GB" dirty="0"/>
-              <a:t>: Everyone</a:t>
-            </a:r>
-          </a:p>
-          <a:p>
-            <a:pPr lvl="1"/>
-            <a:r>
-              <a:rPr lang="en-GB" dirty="0"/>
-              <a:t>Resolved with the </a:t>
-            </a:r>
-            <a:r>
-              <a:rPr lang="en-GB" dirty="0" err="1"/>
-              <a:t>Reestimation</a:t>
-            </a:r>
-            <a:endParaRPr lang="en-GB" dirty="0"/>
-          </a:p>
-          <a:p>
-            <a:pPr lvl="1"/>
-            <a:endParaRPr lang="en-GB" dirty="0"/>
-          </a:p>
-          <a:p>
-            <a:r>
-              <a:rPr lang="en-US" dirty="0"/>
-              <a:t>The project doesn’t end at the planned time (it’s a problem)</a:t>
-            </a:r>
-          </a:p>
-          <a:p>
-            <a:pPr lvl="1"/>
-            <a:r>
-              <a:rPr lang="en-US" b="1" dirty="0"/>
-              <a:t>Mitigation Plan</a:t>
-            </a:r>
-            <a:r>
-              <a:rPr lang="en-US" dirty="0"/>
-              <a:t>: redistribution the tasks</a:t>
-            </a:r>
-          </a:p>
-          <a:p>
-            <a:pPr marL="0" indent="0">
-              <a:buNone/>
-            </a:pPr>
-            <a:endParaRPr lang="en-GB" dirty="0"/>
-          </a:p>
-        </p:txBody>
-      </p:sp>
-    </p:spTree>
-    <p:extLst>
-      <p:ext uri="{BB962C8B-B14F-4D97-AF65-F5344CB8AC3E}">
-        <p14:creationId xmlns:p14="http://schemas.microsoft.com/office/powerpoint/2010/main" val="2359148607"/>
-      </p:ext>
-    </p:extLst>
-  </p:cSld>
-  <p:clrMapOvr>
-    <a:masterClrMapping/>
-  </p:clrMapOvr>
-</p:sld>
-</file>
-
-<file path=ppt/slides/slide47.xml><?xml version="1.0" encoding="utf-8"?>
-<p:sld xmlns:a="http://schemas.openxmlformats.org/drawingml/2006/main" xmlns:r="http://schemas.openxmlformats.org/officeDocument/2006/relationships" xmlns:p="http://schemas.openxmlformats.org/presentationml/2006/main">
-  <p:cSld>
-    <p:spTree>
-      <p:nvGrpSpPr>
-        <p:cNvPr id="1" name=""/>
-        <p:cNvGrpSpPr/>
-        <p:nvPr/>
-      </p:nvGrpSpPr>
-      <p:grpSpPr>
-        <a:xfrm>
-          <a:off x="0" y="0"/>
-          <a:ext cx="0" cy="0"/>
-          <a:chOff x="0" y="0"/>
-          <a:chExt cx="0" cy="0"/>
-        </a:xfrm>
-      </p:grpSpPr>
-      <p:sp>
-        <p:nvSpPr>
-          <p:cNvPr id="2" name="Título 1"/>
-          <p:cNvSpPr>
-            <a:spLocks noGrp="1"/>
-          </p:cNvSpPr>
-          <p:nvPr>
-            <p:ph type="title"/>
-          </p:nvPr>
-        </p:nvSpPr>
-        <p:spPr/>
-        <p:txBody>
-          <a:bodyPr/>
-          <a:lstStyle/>
-          <a:p>
-            <a:r>
-              <a:rPr lang="en-US" dirty="0" smtClean="0"/>
-              <a:t>Product Demonstration</a:t>
-            </a:r>
-            <a:endParaRPr lang="en-US" dirty="0"/>
-          </a:p>
-        </p:txBody>
-      </p:sp>
-      <p:sp>
-        <p:nvSpPr>
-          <p:cNvPr id="3" name="Marcador de Posição do Texto 2"/>
-          <p:cNvSpPr>
-            <a:spLocks noGrp="1"/>
-          </p:cNvSpPr>
-          <p:nvPr>
-            <p:ph type="body" idx="1"/>
-          </p:nvPr>
-        </p:nvSpPr>
-        <p:spPr/>
-        <p:txBody>
-          <a:bodyPr/>
-          <a:lstStyle/>
-          <a:p>
-            <a:r>
-              <a:rPr lang="pt-PT" dirty="0" smtClean="0"/>
-              <a:t>David João</a:t>
-            </a:r>
-            <a:endParaRPr lang="pt-PT" dirty="0"/>
-          </a:p>
-        </p:txBody>
-      </p:sp>
-    </p:spTree>
-  </p:cSld>
-  <p:clrMapOvr>
-    <a:masterClrMapping/>
-  </p:clrMapOvr>
-  <p:timing>
-    <p:tnLst>
-      <p:par>
-        <p:cTn id="1" dur="indefinite" restart="never" nodeType="tmRoot"/>
-      </p:par>
-    </p:tnLst>
-  </p:timing>
-</p:sld>
-</file>
-
-<file path=ppt/slides/slide48.xml><?xml version="1.0" encoding="utf-8"?>
-<p:sld xmlns:a="http://schemas.openxmlformats.org/drawingml/2006/main" xmlns:r="http://schemas.openxmlformats.org/officeDocument/2006/relationships" xmlns:p="http://schemas.openxmlformats.org/presentationml/2006/main">
-  <p:cSld>
-    <p:spTree>
-      <p:nvGrpSpPr>
-        <p:cNvPr id="1" name=""/>
-        <p:cNvGrpSpPr/>
-        <p:nvPr/>
-      </p:nvGrpSpPr>
-      <p:grpSpPr>
-        <a:xfrm>
-          <a:off x="0" y="0"/>
-          <a:ext cx="0" cy="0"/>
-          <a:chOff x="0" y="0"/>
-          <a:chExt cx="0" cy="0"/>
-        </a:xfrm>
-      </p:grpSpPr>
-      <p:sp>
-        <p:nvSpPr>
-          <p:cNvPr id="2" name="Título 1"/>
-          <p:cNvSpPr>
-            <a:spLocks noGrp="1"/>
-          </p:cNvSpPr>
-          <p:nvPr>
-            <p:ph type="title"/>
-          </p:nvPr>
-        </p:nvSpPr>
-        <p:spPr/>
-        <p:txBody>
-          <a:bodyPr/>
-          <a:lstStyle/>
-          <a:p>
-            <a:endParaRPr lang="pt-PT"/>
-          </a:p>
-        </p:txBody>
-      </p:sp>
-      <p:sp>
-        <p:nvSpPr>
-          <p:cNvPr id="3" name="Marcador de Posição de Conteúdo 2"/>
-          <p:cNvSpPr>
-            <a:spLocks noGrp="1"/>
-          </p:cNvSpPr>
-          <p:nvPr>
-            <p:ph idx="1"/>
-          </p:nvPr>
-        </p:nvSpPr>
-        <p:spPr/>
-        <p:txBody>
-          <a:bodyPr/>
-          <a:lstStyle/>
-          <a:p>
-            <a:endParaRPr lang="pt-PT"/>
-          </a:p>
-        </p:txBody>
-      </p:sp>
-    </p:spTree>
-  </p:cSld>
-  <p:clrMapOvr>
-    <a:masterClrMapping/>
-  </p:clrMapOvr>
-</p:sld>
-</file>
-
-<file path=ppt/slides/slide49.xml><?xml version="1.0" encoding="utf-8"?>
-<p:sld xmlns:a="http://schemas.openxmlformats.org/drawingml/2006/main" xmlns:r="http://schemas.openxmlformats.org/officeDocument/2006/relationships" xmlns:p="http://schemas.openxmlformats.org/presentationml/2006/main">
-  <p:cSld>
-    <p:spTree>
-      <p:nvGrpSpPr>
-        <p:cNvPr id="1" name=""/>
-        <p:cNvGrpSpPr/>
-        <p:nvPr/>
-      </p:nvGrpSpPr>
-      <p:grpSpPr>
-        <a:xfrm>
-          <a:off x="0" y="0"/>
-          <a:ext cx="0" cy="0"/>
-          <a:chOff x="0" y="0"/>
-          <a:chExt cx="0" cy="0"/>
-        </a:xfrm>
-      </p:grpSpPr>
-      <p:sp>
-        <p:nvSpPr>
-          <p:cNvPr id="2" name="Título 1"/>
-          <p:cNvSpPr>
-            <a:spLocks noGrp="1"/>
-          </p:cNvSpPr>
-          <p:nvPr>
-            <p:ph type="title"/>
-          </p:nvPr>
-        </p:nvSpPr>
-        <p:spPr/>
-        <p:txBody>
-          <a:bodyPr/>
-          <a:lstStyle/>
-          <a:p>
-            <a:r>
-              <a:rPr lang="en-US" dirty="0" smtClean="0"/>
-              <a:t>Analysis and Conclusions</a:t>
-            </a:r>
-            <a:endParaRPr lang="en-US" dirty="0"/>
-          </a:p>
-        </p:txBody>
-      </p:sp>
-      <p:sp>
-        <p:nvSpPr>
-          <p:cNvPr id="3" name="Marcador de Posição do Texto 2"/>
-          <p:cNvSpPr>
-            <a:spLocks noGrp="1"/>
-          </p:cNvSpPr>
-          <p:nvPr>
-            <p:ph type="body" idx="1"/>
-          </p:nvPr>
-        </p:nvSpPr>
-        <p:spPr/>
-        <p:txBody>
-          <a:bodyPr/>
-          <a:lstStyle/>
-          <a:p>
-            <a:r>
-              <a:rPr lang="pt-PT" dirty="0" smtClean="0"/>
-              <a:t>Team</a:t>
-            </a:r>
-            <a:endParaRPr lang="pt-PT" dirty="0"/>
-          </a:p>
-        </p:txBody>
-      </p:sp>
-    </p:spTree>
-  </p:cSld>
-  <p:clrMapOvr>
-    <a:masterClrMapping/>
-  </p:clrMapOvr>
-</p:sld>
-</file>
-
 <file path=ppt/slides/slide5.xml><?xml version="1.0" encoding="utf-8"?>
 <p:sld xmlns:a="http://schemas.openxmlformats.org/drawingml/2006/main" xmlns:r="http://schemas.openxmlformats.org/officeDocument/2006/relationships" xmlns:p="http://schemas.openxmlformats.org/presentationml/2006/main">
   <p:cSld>
@@ -26717,10 +27296,10 @@
           <a:lstStyle/>
           <a:p>
             <a:r>
-              <a:rPr lang="pt-PT" dirty="0" smtClean="0"/>
-              <a:t>Global</a:t>
-            </a:r>
-            <a:endParaRPr lang="pt-PT" dirty="0"/>
+              <a:rPr lang="en-US" dirty="0"/>
+              <a:t>Risk Management</a:t>
+            </a:r>
+            <a:endParaRPr lang="en-GB" dirty="0"/>
           </a:p>
         </p:txBody>
       </p:sp>
@@ -26736,14 +27315,131 @@
         </p:nvSpPr>
         <p:spPr/>
         <p:txBody>
-          <a:bodyPr/>
+          <a:bodyPr>
+            <a:normAutofit fontScale="85000" lnSpcReduction="10000"/>
+          </a:bodyPr>
           <a:lstStyle/>
           <a:p>
-            <a:endParaRPr lang="pt-PT"/>
+            <a:r>
+              <a:rPr lang="en-GB" b="1" dirty="0"/>
+              <a:t>1º</a:t>
+            </a:r>
+            <a:r>
+              <a:rPr lang="en-GB" dirty="0"/>
+              <a:t> - Lack of knowledge on technology</a:t>
+            </a:r>
+            <a:r>
+              <a:rPr lang="en-GB" b="1" dirty="0"/>
+              <a:t>:</a:t>
+            </a:r>
+          </a:p>
+          <a:p>
+            <a:pPr lvl="1"/>
+            <a:r>
+              <a:rPr lang="en-GB" b="1" dirty="0"/>
+              <a:t>Probability:</a:t>
+            </a:r>
+            <a:r>
+              <a:rPr lang="en-GB" dirty="0"/>
+              <a:t> 3</a:t>
+            </a:r>
+          </a:p>
+          <a:p>
+            <a:pPr lvl="1"/>
+            <a:r>
+              <a:rPr lang="en-GB" b="1" dirty="0"/>
+              <a:t>Impact:</a:t>
+            </a:r>
+            <a:r>
+              <a:rPr lang="en-GB" dirty="0"/>
+              <a:t> 3</a:t>
+            </a:r>
+          </a:p>
+          <a:p>
+            <a:pPr lvl="1"/>
+            <a:r>
+              <a:rPr lang="en-GB" b="1" dirty="0"/>
+              <a:t>Team Member:</a:t>
+            </a:r>
+            <a:r>
+              <a:rPr lang="en-GB" dirty="0"/>
+              <a:t> João Girão, Mário Oliveira, David Silva, João Martins, Carla Machado and Filipe </a:t>
+            </a:r>
+            <a:r>
+              <a:rPr lang="en-GB" dirty="0" err="1"/>
+              <a:t>Brandão</a:t>
+            </a:r>
+            <a:r>
+              <a:rPr lang="en-GB" dirty="0"/>
+              <a:t> </a:t>
+            </a:r>
+          </a:p>
+          <a:p>
+            <a:pPr lvl="1"/>
+            <a:r>
+              <a:rPr lang="en-GB" b="1" dirty="0"/>
+              <a:t>Avoidance:</a:t>
+            </a:r>
+            <a:r>
+              <a:rPr lang="en-GB" dirty="0"/>
+              <a:t> </a:t>
+            </a:r>
+            <a:r>
+              <a:rPr lang="en-US" dirty="0"/>
+              <a:t>To reduce probability all interfaces must be created and managed by Rui </a:t>
+            </a:r>
+            <a:r>
+              <a:rPr lang="en-US" dirty="0" err="1"/>
+              <a:t>Ganhoto</a:t>
+            </a:r>
+            <a:r>
+              <a:rPr lang="en-US" dirty="0"/>
+              <a:t>.</a:t>
+            </a:r>
+          </a:p>
+          <a:p>
+            <a:pPr lvl="1"/>
+            <a:r>
+              <a:rPr lang="en-US" b="1" dirty="0"/>
+              <a:t>Minimization:</a:t>
+            </a:r>
+            <a:r>
+              <a:rPr lang="en-US" dirty="0"/>
+              <a:t> To reduce Impact Rui </a:t>
+            </a:r>
+            <a:r>
+              <a:rPr lang="en-US" dirty="0" err="1"/>
+              <a:t>Ganhoto</a:t>
+            </a:r>
+            <a:r>
+              <a:rPr lang="en-US" dirty="0"/>
+              <a:t> must give some formation to every team members. </a:t>
+            </a:r>
+          </a:p>
+          <a:p>
+            <a:pPr lvl="1"/>
+            <a:r>
+              <a:rPr lang="en-US" b="1" dirty="0"/>
+              <a:t>Contingency: </a:t>
+            </a:r>
+            <a:r>
+              <a:rPr lang="en-US" dirty="0"/>
+              <a:t>Negotiate interface with the client and avoid WPF, windows forms would be an easier option for static content</a:t>
+            </a:r>
+            <a:r>
+              <a:rPr lang="en-US" dirty="0" smtClean="0"/>
+              <a:t>.</a:t>
+            </a:r>
+            <a:endParaRPr lang="en-GB" dirty="0"/>
           </a:p>
         </p:txBody>
       </p:sp>
     </p:spTree>
+    <p:extLst>
+      <p:ext uri="{BB962C8B-B14F-4D97-AF65-F5344CB8AC3E}">
+        <p14:creationId xmlns:p14="http://schemas.microsoft.com/office/powerpoint/2010/main" val="576009203"/>
+      </p:ext>
+    </p:extLst>
   </p:cSld>
   <p:clrMapOvr>
     <a:masterClrMapping/>
@@ -26784,10 +27480,10 @@
           <a:lstStyle/>
           <a:p>
             <a:r>
-              <a:rPr lang="pt-PT" dirty="0" smtClean="0"/>
-              <a:t>Carla Machado</a:t>
-            </a:r>
-            <a:endParaRPr lang="pt-PT" dirty="0"/>
+              <a:rPr lang="en-US" dirty="0"/>
+              <a:t>Risk Management</a:t>
+            </a:r>
+            <a:endParaRPr lang="en-GB" dirty="0"/>
           </a:p>
         </p:txBody>
       </p:sp>
@@ -26803,14 +27499,96 @@
         </p:nvSpPr>
         <p:spPr/>
         <p:txBody>
-          <a:bodyPr/>
+          <a:bodyPr>
+            <a:normAutofit fontScale="92500" lnSpcReduction="10000"/>
+          </a:bodyPr>
           <a:lstStyle/>
           <a:p>
-            <a:endParaRPr lang="pt-PT"/>
+            <a:r>
+              <a:rPr lang="en-GB" dirty="0"/>
+              <a:t>2º - Project Plan is over budget</a:t>
+            </a:r>
+          </a:p>
+          <a:p>
+            <a:pPr lvl="1"/>
+            <a:r>
+              <a:rPr lang="en-GB" b="1" dirty="0"/>
+              <a:t>Probability</a:t>
+            </a:r>
+            <a:r>
+              <a:rPr lang="en-GB" dirty="0"/>
+              <a:t>: 3</a:t>
+            </a:r>
+          </a:p>
+          <a:p>
+            <a:pPr lvl="1"/>
+            <a:r>
+              <a:rPr lang="en-GB" b="1" dirty="0"/>
+              <a:t>Impact</a:t>
+            </a:r>
+            <a:r>
+              <a:rPr lang="en-GB" dirty="0"/>
+              <a:t>: 2</a:t>
+            </a:r>
+          </a:p>
+          <a:p>
+            <a:pPr lvl="1"/>
+            <a:r>
+              <a:rPr lang="en-GB" b="1" dirty="0"/>
+              <a:t>Team Member</a:t>
+            </a:r>
+            <a:r>
+              <a:rPr lang="en-GB" dirty="0"/>
+              <a:t>: Everyone</a:t>
+            </a:r>
+          </a:p>
+          <a:p>
+            <a:pPr lvl="1"/>
+            <a:r>
+              <a:rPr lang="en-GB" dirty="0"/>
+              <a:t>Resolved with the </a:t>
+            </a:r>
+            <a:r>
+              <a:rPr lang="en-GB" dirty="0" err="1"/>
+              <a:t>Reestimation</a:t>
+            </a:r>
+            <a:endParaRPr lang="en-GB" dirty="0"/>
+          </a:p>
+          <a:p>
+            <a:pPr lvl="1"/>
+            <a:endParaRPr lang="en-GB" dirty="0"/>
+          </a:p>
+          <a:p>
+            <a:r>
+              <a:rPr lang="en-US" dirty="0"/>
+              <a:t>The project doesn’t end at the planned time (it’s a problem)</a:t>
+            </a:r>
+          </a:p>
+          <a:p>
+            <a:pPr lvl="1"/>
+            <a:r>
+              <a:rPr lang="en-US" b="1" dirty="0"/>
+              <a:t>Mitigation Plan</a:t>
+            </a:r>
+            <a:r>
+              <a:rPr lang="en-US" dirty="0"/>
+              <a:t>: redistribution the tasks</a:t>
+            </a:r>
+          </a:p>
+          <a:p>
+            <a:pPr marL="0" indent="0">
+              <a:buNone/>
+            </a:pPr>
+            <a:endParaRPr lang="en-GB" dirty="0"/>
           </a:p>
         </p:txBody>
       </p:sp>
     </p:spTree>
+    <p:extLst>
+      <p:ext uri="{BB962C8B-B14F-4D97-AF65-F5344CB8AC3E}">
+        <p14:creationId xmlns:p14="http://schemas.microsoft.com/office/powerpoint/2010/main" val="2359148607"/>
+      </p:ext>
+    </p:extLst>
   </p:cSld>
   <p:clrMapOvr>
     <a:masterClrMapping/>
@@ -26851,21 +27629,21 @@
           <a:lstStyle/>
           <a:p>
             <a:r>
-              <a:rPr lang="pt-PT" dirty="0" smtClean="0"/>
-              <a:t>David João</a:t>
-            </a:r>
-            <a:endParaRPr lang="pt-PT" dirty="0"/>
+              <a:rPr lang="en-US" dirty="0" smtClean="0"/>
+              <a:t>Product Demonstration</a:t>
+            </a:r>
+            <a:endParaRPr lang="en-US" dirty="0"/>
           </a:p>
         </p:txBody>
       </p:sp>
       <p:sp>
         <p:nvSpPr>
-          <p:cNvPr id="3" name="Marcador de Posição de Conteúdo 2"/>
+          <p:cNvPr id="3" name="Marcador de Posição do Texto 2"/>
           <p:cNvSpPr>
             <a:spLocks noGrp="1"/>
           </p:cNvSpPr>
           <p:nvPr>
-            <p:ph idx="1"/>
+            <p:ph type="body" idx="1"/>
           </p:nvPr>
         </p:nvSpPr>
         <p:spPr/>
@@ -26873,7 +27651,11 @@
           <a:bodyPr/>
           <a:lstStyle/>
           <a:p>
-            <a:endParaRPr lang="pt-PT"/>
+            <a:r>
+              <a:rPr lang="pt-PT" dirty="0" smtClean="0"/>
+              <a:t>David João</a:t>
+            </a:r>
+            <a:endParaRPr lang="pt-PT" dirty="0"/>
           </a:p>
         </p:txBody>
       </p:sp>
@@ -26882,6 +27664,13 @@
   <p:clrMapOvr>
     <a:masterClrMapping/>
   </p:clrMapOvr>
+  <p:timing>
+    <p:tnLst>
+      <p:par>
+        <p:cTn id="1" dur="indefinite" restart="never" nodeType="tmRoot"/>
+      </p:par>
+    </p:tnLst>
+  </p:timing>
 </p:sld>
 </file>
 
@@ -26917,11 +27706,7 @@
           <a:bodyPr/>
           <a:lstStyle/>
           <a:p>
-            <a:r>
-              <a:rPr lang="pt-PT" dirty="0" smtClean="0"/>
-              <a:t>Filipe Brandão</a:t>
-            </a:r>
-            <a:endParaRPr lang="pt-PT" dirty="0"/>
+            <a:endParaRPr lang="pt-PT"/>
           </a:p>
         </p:txBody>
       </p:sp>
@@ -26985,29 +27770,21 @@
           <a:lstStyle/>
           <a:p>
             <a:r>
-              <a:rPr lang="pt-PT" dirty="0"/>
-              <a:t>Filipe </a:t>
-            </a:r>
-            <a:r>
-              <a:rPr lang="pt-PT" dirty="0" smtClean="0"/>
-              <a:t>Brandão - </a:t>
-            </a:r>
-            <a:r>
-              <a:rPr lang="pt-PT" b="1" dirty="0" err="1" smtClean="0"/>
-              <a:t>Contributions</a:t>
-            </a:r>
-            <a:endParaRPr lang="pt-PT" b="1" dirty="0"/>
+              <a:rPr lang="en-US" dirty="0" smtClean="0"/>
+              <a:t>Analysis and Conclusions</a:t>
+            </a:r>
+            <a:endParaRPr lang="en-US" dirty="0"/>
           </a:p>
         </p:txBody>
       </p:sp>
       <p:sp>
         <p:nvSpPr>
-          <p:cNvPr id="3" name="Marcador de Posição de Conteúdo 2"/>
+          <p:cNvPr id="3" name="Marcador de Posição do Texto 2"/>
           <p:cNvSpPr>
             <a:spLocks noGrp="1"/>
           </p:cNvSpPr>
           <p:nvPr>
-            <p:ph idx="1"/>
+            <p:ph type="body" idx="1"/>
           </p:nvPr>
         </p:nvSpPr>
         <p:spPr/>
@@ -27015,154 +27792,19 @@
           <a:bodyPr/>
           <a:lstStyle/>
           <a:p>
-            <a:pPr lvl="1"/>
-            <a:r>
-              <a:rPr lang="pt-PT" dirty="0" err="1" smtClean="0"/>
-              <a:t>Previous</a:t>
-            </a:r>
             <a:r>
               <a:rPr lang="pt-PT" dirty="0" smtClean="0"/>
-              <a:t> </a:t>
-            </a:r>
-            <a:r>
-              <a:rPr lang="pt-PT" dirty="0" err="1" smtClean="0"/>
-              <a:t>experience</a:t>
-            </a:r>
-            <a:r>
-              <a:rPr lang="pt-PT" dirty="0" smtClean="0"/>
-              <a:t> :</a:t>
-            </a:r>
-          </a:p>
-          <a:p>
-            <a:pPr lvl="2"/>
-            <a:r>
-              <a:rPr lang="pt-PT" dirty="0" err="1" smtClean="0"/>
-              <a:t>allowed</a:t>
-            </a:r>
-            <a:r>
-              <a:rPr lang="pt-PT" dirty="0" smtClean="0"/>
-              <a:t> a more </a:t>
-            </a:r>
-            <a:r>
-              <a:rPr lang="pt-PT" dirty="0" err="1" smtClean="0"/>
-              <a:t>direct</a:t>
-            </a:r>
-            <a:r>
-              <a:rPr lang="pt-PT" dirty="0" smtClean="0"/>
-              <a:t> </a:t>
-            </a:r>
-            <a:r>
-              <a:rPr lang="pt-PT" dirty="0" err="1" smtClean="0"/>
-              <a:t>approach</a:t>
-            </a:r>
-            <a:r>
-              <a:rPr lang="pt-PT" dirty="0" smtClean="0"/>
-              <a:t> to </a:t>
-            </a:r>
-            <a:r>
-              <a:rPr lang="pt-PT" dirty="0" err="1" smtClean="0"/>
-              <a:t>the</a:t>
-            </a:r>
-            <a:r>
-              <a:rPr lang="pt-PT" dirty="0" smtClean="0"/>
-              <a:t> </a:t>
-            </a:r>
-            <a:r>
-              <a:rPr lang="pt-PT" dirty="0" err="1" smtClean="0"/>
-              <a:t>problems</a:t>
-            </a:r>
-            <a:r>
-              <a:rPr lang="pt-PT" dirty="0"/>
-              <a:t> </a:t>
-            </a:r>
-            <a:r>
-              <a:rPr lang="pt-PT" dirty="0" err="1" smtClean="0"/>
-              <a:t>presented</a:t>
-            </a:r>
-            <a:endParaRPr lang="pt-PT" dirty="0"/>
-          </a:p>
-          <a:p>
-            <a:pPr lvl="2"/>
-            <a:r>
-              <a:rPr lang="pt-PT" dirty="0" err="1" smtClean="0"/>
-              <a:t>allowed</a:t>
-            </a:r>
-            <a:r>
-              <a:rPr lang="pt-PT" dirty="0" smtClean="0"/>
-              <a:t> me to </a:t>
-            </a:r>
-            <a:r>
-              <a:rPr lang="pt-PT" dirty="0" err="1" smtClean="0"/>
-              <a:t>help</a:t>
-            </a:r>
-            <a:r>
-              <a:rPr lang="pt-PT" dirty="0" smtClean="0"/>
-              <a:t> </a:t>
-            </a:r>
-            <a:r>
-              <a:rPr lang="pt-PT" dirty="0" err="1" smtClean="0"/>
-              <a:t>other</a:t>
-            </a:r>
-            <a:r>
-              <a:rPr lang="pt-PT" dirty="0" smtClean="0"/>
-              <a:t> </a:t>
-            </a:r>
-            <a:r>
-              <a:rPr lang="pt-PT" dirty="0" err="1" smtClean="0"/>
-              <a:t>members</a:t>
-            </a:r>
-            <a:r>
-              <a:rPr lang="pt-PT" dirty="0" smtClean="0"/>
-              <a:t> </a:t>
-            </a:r>
-            <a:r>
-              <a:rPr lang="pt-PT" dirty="0" err="1" smtClean="0"/>
-              <a:t>providing</a:t>
-            </a:r>
-            <a:r>
-              <a:rPr lang="pt-PT" dirty="0" smtClean="0"/>
-              <a:t> </a:t>
-            </a:r>
-            <a:r>
-              <a:rPr lang="pt-PT" dirty="0" err="1" smtClean="0"/>
-              <a:t>guidance</a:t>
-            </a:r>
-            <a:endParaRPr lang="pt-PT" dirty="0" smtClean="0"/>
-          </a:p>
-          <a:p>
-            <a:pPr lvl="1"/>
-            <a:endParaRPr lang="pt-PT" dirty="0" smtClean="0"/>
-          </a:p>
-          <a:p>
-            <a:pPr lvl="1"/>
-            <a:endParaRPr lang="pt-PT" dirty="0" smtClean="0"/>
-          </a:p>
-          <a:p>
-            <a:pPr lvl="1"/>
-            <a:endParaRPr lang="pt-PT" dirty="0"/>
-          </a:p>
-          <a:p>
+              <a:t>Team</a:t>
+            </a:r>
             <a:endParaRPr lang="pt-PT" dirty="0"/>
           </a:p>
         </p:txBody>
       </p:sp>
     </p:spTree>
-    <p:extLst>
-      <p:ext uri="{BB962C8B-B14F-4D97-AF65-F5344CB8AC3E}">
-        <p14:creationId xmlns:p14="http://schemas.microsoft.com/office/powerpoint/2010/main" val="529958241"/>
-      </p:ext>
-    </p:extLst>
   </p:cSld>
   <p:clrMapOvr>
     <a:masterClrMapping/>
   </p:clrMapOvr>
-  <p:timing>
-    <p:tnLst>
-      <p:par>
-        <p:cTn id="1" dur="indefinite" restart="never" nodeType="tmRoot"/>
-      </p:par>
-    </p:tnLst>
-  </p:timing>
 </p:sld>
 </file>
 
@@ -27199,26 +27841,10 @@
           <a:lstStyle/>
           <a:p>
             <a:r>
-              <a:rPr lang="pt-PT" dirty="0"/>
-              <a:t>Filipe </a:t>
-            </a:r>
-            <a:r>
               <a:rPr lang="pt-PT" dirty="0" smtClean="0"/>
-              <a:t>Brandão - </a:t>
-            </a:r>
-            <a:r>
-              <a:rPr lang="pt-PT" b="1" dirty="0" err="1" smtClean="0"/>
-              <a:t>Lessons</a:t>
-            </a:r>
-            <a:r>
-              <a:rPr lang="pt-PT" b="1" dirty="0" smtClean="0"/>
-              <a:t> </a:t>
-            </a:r>
-            <a:r>
-              <a:rPr lang="pt-PT" b="1" dirty="0" err="1" smtClean="0"/>
-              <a:t>Learned</a:t>
-            </a:r>
-            <a:endParaRPr lang="pt-PT" b="1" dirty="0"/>
+              <a:t>Global</a:t>
+            </a:r>
+            <a:endParaRPr lang="pt-PT" dirty="0"/>
           </a:p>
         </p:txBody>
       </p:sp>
@@ -27234,129 +27860,18 @@
         </p:nvSpPr>
         <p:spPr/>
         <p:txBody>
-          <a:bodyPr>
-            <a:normAutofit fontScale="85000" lnSpcReduction="20000"/>
-          </a:bodyPr>
+          <a:bodyPr/>
           <a:lstStyle/>
           <a:p>
-            <a:r>
-              <a:rPr lang="en-US" dirty="0" smtClean="0"/>
-              <a:t>Project Management is a lot about experience, learning lessons and adapting based on all the previous information.</a:t>
-            </a:r>
-          </a:p>
-          <a:p>
-            <a:r>
-              <a:rPr lang="pt-PT" dirty="0" smtClean="0"/>
-              <a:t>Soft </a:t>
-            </a:r>
-            <a:r>
-              <a:rPr lang="en-US" dirty="0" smtClean="0"/>
-              <a:t>skills</a:t>
-            </a:r>
-            <a:r>
-              <a:rPr lang="pt-PT" dirty="0" smtClean="0"/>
-              <a:t> are </a:t>
-            </a:r>
-            <a:r>
-              <a:rPr lang="en-US" dirty="0" smtClean="0"/>
-              <a:t>necessary</a:t>
-            </a:r>
-            <a:r>
-              <a:rPr lang="pt-PT" dirty="0" smtClean="0"/>
-              <a:t>: </a:t>
-            </a:r>
-            <a:r>
-              <a:rPr lang="en-US" dirty="0" smtClean="0"/>
-              <a:t>communication</a:t>
-            </a:r>
-            <a:r>
-              <a:rPr lang="pt-PT" dirty="0" smtClean="0"/>
-              <a:t>, </a:t>
-            </a:r>
-            <a:r>
-              <a:rPr lang="en-US" dirty="0" smtClean="0"/>
-              <a:t>leadership</a:t>
-            </a:r>
-            <a:r>
-              <a:rPr lang="pt-PT" dirty="0" smtClean="0"/>
-              <a:t>, handling </a:t>
-            </a:r>
-            <a:r>
-              <a:rPr lang="en-US" dirty="0" smtClean="0"/>
-              <a:t>different</a:t>
-            </a:r>
-            <a:r>
-              <a:rPr lang="pt-PT" dirty="0" smtClean="0"/>
-              <a:t> </a:t>
-            </a:r>
-            <a:r>
-              <a:rPr lang="en-US" dirty="0" smtClean="0"/>
-              <a:t>personalities</a:t>
-            </a:r>
-            <a:r>
-              <a:rPr lang="pt-PT" dirty="0" smtClean="0"/>
-              <a:t>, etc.</a:t>
-            </a:r>
-          </a:p>
-          <a:p>
-            <a:r>
-              <a:rPr lang="en-US" dirty="0" smtClean="0"/>
-              <a:t>A tool, doesn’t matter how many value it can add to our work, is worth nothing if not correctly used.</a:t>
-            </a:r>
-          </a:p>
-          <a:p>
-            <a:r>
-              <a:rPr lang="en-US" dirty="0" smtClean="0"/>
-              <a:t>Regular meetings are essential. Working together is beneficial.</a:t>
-            </a:r>
-          </a:p>
-          <a:p>
-            <a:r>
-              <a:rPr lang="en-US" dirty="0" smtClean="0"/>
-              <a:t>Project control implies different aspects depending on the project state.</a:t>
-            </a:r>
-          </a:p>
-          <a:p>
-            <a:r>
-              <a:rPr lang="en-US" dirty="0" smtClean="0"/>
-              <a:t>Transparency during the whole project is essential. </a:t>
-            </a:r>
-          </a:p>
-          <a:p>
-            <a:r>
-              <a:rPr lang="en-US" dirty="0" smtClean="0"/>
-              <a:t>Motivation is key.</a:t>
-            </a:r>
-          </a:p>
-          <a:p>
-            <a:endParaRPr lang="pt-PT" dirty="0"/>
-          </a:p>
-          <a:p>
-            <a:endParaRPr lang="pt-PT" dirty="0" smtClean="0"/>
-          </a:p>
-          <a:p>
-            <a:pPr lvl="1"/>
-            <a:endParaRPr lang="pt-PT" dirty="0"/>
+            <a:endParaRPr lang="pt-PT"/>
           </a:p>
         </p:txBody>
       </p:sp>
     </p:spTree>
-    <p:extLst>
-      <p:ext uri="{BB962C8B-B14F-4D97-AF65-F5344CB8AC3E}">
-        <p14:creationId xmlns:p14="http://schemas.microsoft.com/office/powerpoint/2010/main" val="1756093289"/>
-      </p:ext>
-    </p:extLst>
   </p:cSld>
   <p:clrMapOvr>
     <a:masterClrMapping/>
   </p:clrMapOvr>
-  <p:timing>
-    <p:tnLst>
-      <p:par>
-        <p:cTn id="1" dur="indefinite" restart="never" nodeType="tmRoot"/>
-      </p:par>
-    </p:tnLst>
-  </p:timing>
 </p:sld>
 </file>
 
@@ -27393,26 +27908,10 @@
           <a:lstStyle/>
           <a:p>
             <a:r>
-              <a:rPr lang="pt-PT" dirty="0"/>
-              <a:t>Filipe </a:t>
-            </a:r>
-            <a:r>
               <a:rPr lang="pt-PT" dirty="0" smtClean="0"/>
-              <a:t>Brandão - </a:t>
-            </a:r>
-            <a:r>
-              <a:rPr lang="pt-PT" b="1" dirty="0" err="1" smtClean="0"/>
-              <a:t>Lessons</a:t>
-            </a:r>
-            <a:r>
-              <a:rPr lang="pt-PT" b="1" dirty="0" smtClean="0"/>
-              <a:t> </a:t>
-            </a:r>
-            <a:r>
-              <a:rPr lang="pt-PT" b="1" dirty="0" err="1" smtClean="0"/>
-              <a:t>Learned</a:t>
-            </a:r>
-            <a:endParaRPr lang="pt-PT" b="1" dirty="0"/>
+              <a:t>Carla Machado</a:t>
+            </a:r>
+            <a:endParaRPr lang="pt-PT" dirty="0"/>
           </a:p>
         </p:txBody>
       </p:sp>
@@ -27428,600 +27927,18 @@
         </p:nvSpPr>
         <p:spPr/>
         <p:txBody>
-          <a:bodyPr>
-            <a:normAutofit/>
-          </a:bodyPr>
+          <a:bodyPr/>
           <a:lstStyle/>
           <a:p>
-            <a:r>
-              <a:rPr lang="pt-PT" dirty="0"/>
-              <a:t>A </a:t>
-            </a:r>
-            <a:r>
-              <a:rPr lang="pt-PT" dirty="0" err="1"/>
-              <a:t>good</a:t>
-            </a:r>
-            <a:r>
-              <a:rPr lang="pt-PT" dirty="0"/>
-              <a:t> </a:t>
-            </a:r>
-            <a:r>
-              <a:rPr lang="pt-PT" dirty="0" err="1"/>
-              <a:t>Work</a:t>
-            </a:r>
-            <a:r>
-              <a:rPr lang="pt-PT" dirty="0"/>
-              <a:t> </a:t>
-            </a:r>
-            <a:r>
-              <a:rPr lang="pt-PT" dirty="0" err="1"/>
-              <a:t>Breakdown</a:t>
-            </a:r>
-            <a:r>
-              <a:rPr lang="pt-PT" dirty="0"/>
-              <a:t> </a:t>
-            </a:r>
-            <a:r>
-              <a:rPr lang="pt-PT" dirty="0" err="1"/>
-              <a:t>Chart</a:t>
-            </a:r>
-            <a:r>
-              <a:rPr lang="pt-PT" dirty="0"/>
-              <a:t> </a:t>
-            </a:r>
-            <a:r>
-              <a:rPr lang="pt-PT" dirty="0" err="1"/>
-              <a:t>is</a:t>
-            </a:r>
-            <a:r>
-              <a:rPr lang="pt-PT" dirty="0"/>
-              <a:t> a </a:t>
-            </a:r>
-            <a:r>
-              <a:rPr lang="pt-PT" dirty="0" err="1"/>
-              <a:t>good</a:t>
-            </a:r>
-            <a:r>
-              <a:rPr lang="pt-PT" dirty="0"/>
-              <a:t> </a:t>
-            </a:r>
-            <a:r>
-              <a:rPr lang="pt-PT" dirty="0" err="1"/>
-              <a:t>foundation</a:t>
-            </a:r>
-            <a:r>
-              <a:rPr lang="pt-PT" dirty="0"/>
-              <a:t> for </a:t>
-            </a:r>
-            <a:r>
-              <a:rPr lang="pt-PT" dirty="0" err="1"/>
-              <a:t>the</a:t>
-            </a:r>
-            <a:r>
-              <a:rPr lang="pt-PT" dirty="0"/>
-              <a:t> </a:t>
-            </a:r>
-            <a:r>
-              <a:rPr lang="pt-PT" dirty="0" err="1"/>
-              <a:t>project</a:t>
-            </a:r>
-            <a:r>
-              <a:rPr lang="pt-PT" dirty="0"/>
-              <a:t> </a:t>
-            </a:r>
-            <a:r>
-              <a:rPr lang="pt-PT" dirty="0" err="1"/>
-              <a:t>plan</a:t>
-            </a:r>
-            <a:r>
-              <a:rPr lang="pt-PT" dirty="0" smtClean="0"/>
-              <a:t>.</a:t>
-            </a:r>
-          </a:p>
-          <a:p>
-            <a:r>
-              <a:rPr lang="pt-PT" dirty="0" err="1" smtClean="0"/>
-              <a:t>Earned</a:t>
-            </a:r>
-            <a:r>
-              <a:rPr lang="pt-PT" dirty="0" smtClean="0"/>
-              <a:t> </a:t>
-            </a:r>
-            <a:r>
-              <a:rPr lang="pt-PT" dirty="0" err="1" smtClean="0"/>
-              <a:t>Value</a:t>
-            </a:r>
-            <a:r>
-              <a:rPr lang="pt-PT" dirty="0" smtClean="0"/>
-              <a:t> </a:t>
-            </a:r>
-            <a:r>
-              <a:rPr lang="pt-PT" dirty="0" err="1" smtClean="0"/>
-              <a:t>Graph</a:t>
-            </a:r>
-            <a:r>
-              <a:rPr lang="pt-PT" dirty="0" smtClean="0"/>
-              <a:t> </a:t>
-            </a:r>
-            <a:r>
-              <a:rPr lang="pt-PT" dirty="0" err="1" smtClean="0"/>
-              <a:t>tasks</a:t>
-            </a:r>
-            <a:r>
-              <a:rPr lang="pt-PT" dirty="0" smtClean="0"/>
-              <a:t> </a:t>
-            </a:r>
-            <a:r>
-              <a:rPr lang="pt-PT" dirty="0" err="1" smtClean="0"/>
-              <a:t>should</a:t>
-            </a:r>
-            <a:r>
-              <a:rPr lang="pt-PT" dirty="0" smtClean="0"/>
-              <a:t> </a:t>
-            </a:r>
-            <a:r>
-              <a:rPr lang="pt-PT" dirty="0" err="1" smtClean="0"/>
-              <a:t>be</a:t>
-            </a:r>
-            <a:r>
-              <a:rPr lang="pt-PT" dirty="0" smtClean="0"/>
-              <a:t> </a:t>
-            </a:r>
-            <a:r>
-              <a:rPr lang="pt-PT" dirty="0" err="1" smtClean="0"/>
-              <a:t>related</a:t>
-            </a:r>
-            <a:r>
-              <a:rPr lang="pt-PT" dirty="0" smtClean="0"/>
-              <a:t> to </a:t>
-            </a:r>
-            <a:r>
-              <a:rPr lang="pt-PT" dirty="0" err="1" smtClean="0"/>
-              <a:t>one</a:t>
-            </a:r>
-            <a:r>
-              <a:rPr lang="pt-PT" dirty="0" smtClean="0"/>
-              <a:t> </a:t>
-            </a:r>
-            <a:r>
-              <a:rPr lang="pt-PT" dirty="0" err="1" smtClean="0"/>
-              <a:t>member</a:t>
-            </a:r>
-            <a:r>
-              <a:rPr lang="pt-PT" dirty="0" smtClean="0"/>
-              <a:t>. </a:t>
-            </a:r>
-            <a:r>
-              <a:rPr lang="pt-PT" dirty="0" err="1" smtClean="0"/>
-              <a:t>If</a:t>
-            </a:r>
-            <a:r>
-              <a:rPr lang="pt-PT" dirty="0" smtClean="0"/>
-              <a:t> more </a:t>
-            </a:r>
-            <a:r>
-              <a:rPr lang="pt-PT" dirty="0" err="1" smtClean="0"/>
-              <a:t>members</a:t>
-            </a:r>
-            <a:r>
-              <a:rPr lang="pt-PT" dirty="0" smtClean="0"/>
-              <a:t> are </a:t>
-            </a:r>
-            <a:r>
-              <a:rPr lang="pt-PT" dirty="0" err="1" smtClean="0"/>
-              <a:t>allocated</a:t>
-            </a:r>
-            <a:r>
-              <a:rPr lang="pt-PT" dirty="0" smtClean="0"/>
-              <a:t> to </a:t>
-            </a:r>
-            <a:r>
-              <a:rPr lang="pt-PT" dirty="0" err="1" smtClean="0"/>
-              <a:t>that</a:t>
-            </a:r>
-            <a:r>
-              <a:rPr lang="pt-PT" dirty="0" smtClean="0"/>
-              <a:t> </a:t>
-            </a:r>
-            <a:r>
-              <a:rPr lang="pt-PT" dirty="0" err="1" smtClean="0"/>
-              <a:t>task</a:t>
-            </a:r>
-            <a:r>
-              <a:rPr lang="pt-PT" dirty="0" smtClean="0"/>
-              <a:t>, </a:t>
-            </a:r>
-            <a:r>
-              <a:rPr lang="pt-PT" dirty="0" err="1" smtClean="0"/>
-              <a:t>repeat</a:t>
-            </a:r>
-            <a:r>
-              <a:rPr lang="pt-PT" dirty="0" smtClean="0"/>
-              <a:t> </a:t>
-            </a:r>
-            <a:r>
-              <a:rPr lang="pt-PT" dirty="0" err="1" smtClean="0"/>
-              <a:t>it</a:t>
-            </a:r>
-            <a:r>
-              <a:rPr lang="pt-PT" dirty="0" smtClean="0"/>
-              <a:t>.</a:t>
-            </a:r>
-          </a:p>
-          <a:p>
-            <a:r>
-              <a:rPr lang="pt-PT" dirty="0">
-                <a:sym typeface="Wingdings" panose="05000000000000000000" pitchFamily="2" charset="2"/>
-              </a:rPr>
-              <a:t>Project </a:t>
-            </a:r>
-            <a:r>
-              <a:rPr lang="pt-PT" dirty="0" err="1">
-                <a:sym typeface="Wingdings" panose="05000000000000000000" pitchFamily="2" charset="2"/>
-              </a:rPr>
-              <a:t>Planning</a:t>
-            </a:r>
-            <a:r>
-              <a:rPr lang="pt-PT" dirty="0">
-                <a:sym typeface="Wingdings" panose="05000000000000000000" pitchFamily="2" charset="2"/>
-              </a:rPr>
-              <a:t> </a:t>
-            </a:r>
-            <a:r>
-              <a:rPr lang="pt-PT" dirty="0" err="1">
-                <a:sym typeface="Wingdings" panose="05000000000000000000" pitchFamily="2" charset="2"/>
-              </a:rPr>
-              <a:t>Process</a:t>
-            </a:r>
-            <a:r>
-              <a:rPr lang="pt-PT" dirty="0">
-                <a:sym typeface="Wingdings" panose="05000000000000000000" pitchFamily="2" charset="2"/>
-              </a:rPr>
-              <a:t> </a:t>
-            </a:r>
-            <a:r>
-              <a:rPr lang="pt-PT" dirty="0" err="1">
-                <a:sym typeface="Wingdings" panose="05000000000000000000" pitchFamily="2" charset="2"/>
-              </a:rPr>
-              <a:t>seemed</a:t>
-            </a:r>
-            <a:r>
-              <a:rPr lang="pt-PT" dirty="0">
-                <a:sym typeface="Wingdings" panose="05000000000000000000" pitchFamily="2" charset="2"/>
-              </a:rPr>
-              <a:t> OK for </a:t>
-            </a:r>
-            <a:r>
-              <a:rPr lang="pt-PT" dirty="0" err="1">
-                <a:sym typeface="Wingdings" panose="05000000000000000000" pitchFamily="2" charset="2"/>
-              </a:rPr>
-              <a:t>this</a:t>
-            </a:r>
-            <a:r>
-              <a:rPr lang="pt-PT" dirty="0">
-                <a:sym typeface="Wingdings" panose="05000000000000000000" pitchFamily="2" charset="2"/>
-              </a:rPr>
-              <a:t> </a:t>
-            </a:r>
-            <a:r>
-              <a:rPr lang="pt-PT" dirty="0" err="1">
-                <a:sym typeface="Wingdings" panose="05000000000000000000" pitchFamily="2" charset="2"/>
-              </a:rPr>
-              <a:t>project</a:t>
-            </a:r>
-            <a:r>
-              <a:rPr lang="pt-PT" dirty="0">
-                <a:sym typeface="Wingdings" panose="05000000000000000000" pitchFamily="2" charset="2"/>
-              </a:rPr>
-              <a:t> </a:t>
-            </a:r>
-            <a:r>
-              <a:rPr lang="pt-PT" dirty="0" err="1">
-                <a:sym typeface="Wingdings" panose="05000000000000000000" pitchFamily="2" charset="2"/>
-              </a:rPr>
-              <a:t>but</a:t>
-            </a:r>
-            <a:r>
-              <a:rPr lang="pt-PT" dirty="0">
-                <a:sym typeface="Wingdings" panose="05000000000000000000" pitchFamily="2" charset="2"/>
-              </a:rPr>
-              <a:t> </a:t>
-            </a:r>
-            <a:r>
-              <a:rPr lang="pt-PT" dirty="0" err="1">
-                <a:sym typeface="Wingdings" panose="05000000000000000000" pitchFamily="2" charset="2"/>
-              </a:rPr>
-              <a:t>should</a:t>
-            </a:r>
-            <a:r>
-              <a:rPr lang="pt-PT" dirty="0">
-                <a:sym typeface="Wingdings" panose="05000000000000000000" pitchFamily="2" charset="2"/>
-              </a:rPr>
-              <a:t> </a:t>
-            </a:r>
-            <a:r>
-              <a:rPr lang="pt-PT" dirty="0" err="1">
-                <a:sym typeface="Wingdings" panose="05000000000000000000" pitchFamily="2" charset="2"/>
-              </a:rPr>
-              <a:t>be</a:t>
-            </a:r>
-            <a:r>
-              <a:rPr lang="pt-PT" dirty="0">
-                <a:sym typeface="Wingdings" panose="05000000000000000000" pitchFamily="2" charset="2"/>
-              </a:rPr>
-              <a:t> </a:t>
-            </a:r>
-            <a:r>
-              <a:rPr lang="pt-PT" dirty="0" err="1">
-                <a:sym typeface="Wingdings" panose="05000000000000000000" pitchFamily="2" charset="2"/>
-              </a:rPr>
-              <a:t>added</a:t>
-            </a:r>
-            <a:r>
-              <a:rPr lang="pt-PT" dirty="0">
-                <a:sym typeface="Wingdings" panose="05000000000000000000" pitchFamily="2" charset="2"/>
-              </a:rPr>
-              <a:t> </a:t>
-            </a:r>
-            <a:r>
-              <a:rPr lang="pt-PT" dirty="0" err="1">
-                <a:sym typeface="Wingdings" panose="05000000000000000000" pitchFamily="2" charset="2"/>
-              </a:rPr>
-              <a:t>hints</a:t>
-            </a:r>
-            <a:r>
-              <a:rPr lang="pt-PT" dirty="0">
-                <a:sym typeface="Wingdings" panose="05000000000000000000" pitchFamily="2" charset="2"/>
-              </a:rPr>
-              <a:t> </a:t>
-            </a:r>
-            <a:r>
-              <a:rPr lang="pt-PT" dirty="0" err="1">
-                <a:sym typeface="Wingdings" panose="05000000000000000000" pitchFamily="2" charset="2"/>
-              </a:rPr>
-              <a:t>on</a:t>
-            </a:r>
-            <a:r>
-              <a:rPr lang="pt-PT" dirty="0">
-                <a:sym typeface="Wingdings" panose="05000000000000000000" pitchFamily="2" charset="2"/>
-              </a:rPr>
-              <a:t> </a:t>
-            </a:r>
-            <a:r>
-              <a:rPr lang="pt-PT" dirty="0" err="1">
-                <a:sym typeface="Wingdings" panose="05000000000000000000" pitchFamily="2" charset="2"/>
-              </a:rPr>
-              <a:t>how</a:t>
-            </a:r>
-            <a:r>
-              <a:rPr lang="pt-PT" dirty="0">
-                <a:sym typeface="Wingdings" panose="05000000000000000000" pitchFamily="2" charset="2"/>
-              </a:rPr>
-              <a:t> to </a:t>
-            </a:r>
-            <a:r>
-              <a:rPr lang="pt-PT" dirty="0" err="1">
-                <a:sym typeface="Wingdings" panose="05000000000000000000" pitchFamily="2" charset="2"/>
-              </a:rPr>
-              <a:t>develop</a:t>
-            </a:r>
-            <a:r>
-              <a:rPr lang="pt-PT" dirty="0">
-                <a:sym typeface="Wingdings" panose="05000000000000000000" pitchFamily="2" charset="2"/>
-              </a:rPr>
-              <a:t> a </a:t>
-            </a:r>
-            <a:r>
-              <a:rPr lang="pt-PT" dirty="0" err="1">
-                <a:sym typeface="Wingdings" panose="05000000000000000000" pitchFamily="2" charset="2"/>
-              </a:rPr>
-              <a:t>good</a:t>
-            </a:r>
-            <a:r>
-              <a:rPr lang="pt-PT" dirty="0">
-                <a:sym typeface="Wingdings" panose="05000000000000000000" pitchFamily="2" charset="2"/>
-              </a:rPr>
-              <a:t> </a:t>
-            </a:r>
-            <a:r>
-              <a:rPr lang="pt-PT" dirty="0" smtClean="0">
-                <a:sym typeface="Wingdings" panose="05000000000000000000" pitchFamily="2" charset="2"/>
-              </a:rPr>
-              <a:t>WBS.</a:t>
-            </a:r>
-          </a:p>
-          <a:p>
-            <a:r>
-              <a:rPr lang="pt-PT" dirty="0" err="1" smtClean="0">
-                <a:sym typeface="Wingdings" panose="05000000000000000000" pitchFamily="2" charset="2"/>
-              </a:rPr>
-              <a:t>Regarding</a:t>
-            </a:r>
-            <a:r>
-              <a:rPr lang="pt-PT" dirty="0" smtClean="0">
-                <a:sym typeface="Wingdings" panose="05000000000000000000" pitchFamily="2" charset="2"/>
-              </a:rPr>
-              <a:t> </a:t>
-            </a:r>
-            <a:r>
-              <a:rPr lang="pt-PT" dirty="0" err="1" smtClean="0">
-                <a:sym typeface="Wingdings" panose="05000000000000000000" pitchFamily="2" charset="2"/>
-              </a:rPr>
-              <a:t>tools</a:t>
-            </a:r>
-            <a:r>
-              <a:rPr lang="pt-PT" dirty="0" smtClean="0">
-                <a:sym typeface="Wingdings" panose="05000000000000000000" pitchFamily="2" charset="2"/>
-              </a:rPr>
-              <a:t>, SVN </a:t>
-            </a:r>
-            <a:r>
-              <a:rPr lang="pt-PT" dirty="0" err="1" smtClean="0">
-                <a:sym typeface="Wingdings" panose="05000000000000000000" pitchFamily="2" charset="2"/>
-              </a:rPr>
-              <a:t>is</a:t>
-            </a:r>
-            <a:r>
-              <a:rPr lang="pt-PT" dirty="0" smtClean="0">
-                <a:sym typeface="Wingdings" panose="05000000000000000000" pitchFamily="2" charset="2"/>
-              </a:rPr>
-              <a:t> to </a:t>
-            </a:r>
-            <a:r>
-              <a:rPr lang="pt-PT" dirty="0" err="1" smtClean="0">
-                <a:sym typeface="Wingdings" panose="05000000000000000000" pitchFamily="2" charset="2"/>
-              </a:rPr>
-              <a:t>keeper</a:t>
-            </a:r>
-            <a:r>
-              <a:rPr lang="pt-PT" dirty="0" smtClean="0">
-                <a:sym typeface="Wingdings" panose="05000000000000000000" pitchFamily="2" charset="2"/>
-              </a:rPr>
-              <a:t>. </a:t>
-            </a:r>
-            <a:r>
-              <a:rPr lang="pt-PT" dirty="0" err="1" smtClean="0">
-                <a:sym typeface="Wingdings" panose="05000000000000000000" pitchFamily="2" charset="2"/>
-              </a:rPr>
-              <a:t>Facebook</a:t>
-            </a:r>
-            <a:r>
-              <a:rPr lang="pt-PT" dirty="0" smtClean="0">
-                <a:sym typeface="Wingdings" panose="05000000000000000000" pitchFamily="2" charset="2"/>
-              </a:rPr>
-              <a:t> </a:t>
-            </a:r>
-            <a:r>
-              <a:rPr lang="pt-PT" dirty="0" err="1" smtClean="0">
-                <a:sym typeface="Wingdings" panose="05000000000000000000" pitchFamily="2" charset="2"/>
-              </a:rPr>
-              <a:t>is</a:t>
-            </a:r>
-            <a:r>
-              <a:rPr lang="pt-PT" dirty="0" smtClean="0">
-                <a:sym typeface="Wingdings" panose="05000000000000000000" pitchFamily="2" charset="2"/>
-              </a:rPr>
-              <a:t> </a:t>
-            </a:r>
-            <a:r>
-              <a:rPr lang="pt-PT" dirty="0" err="1" smtClean="0">
-                <a:sym typeface="Wingdings" panose="05000000000000000000" pitchFamily="2" charset="2"/>
-              </a:rPr>
-              <a:t>good</a:t>
-            </a:r>
-            <a:r>
-              <a:rPr lang="pt-PT" dirty="0" smtClean="0">
-                <a:sym typeface="Wingdings" panose="05000000000000000000" pitchFamily="2" charset="2"/>
-              </a:rPr>
-              <a:t> for </a:t>
-            </a:r>
-            <a:r>
-              <a:rPr lang="pt-PT" dirty="0" err="1" smtClean="0">
-                <a:sym typeface="Wingdings" panose="05000000000000000000" pitchFamily="2" charset="2"/>
-              </a:rPr>
-              <a:t>communication</a:t>
-            </a:r>
-            <a:r>
-              <a:rPr lang="pt-PT" dirty="0" smtClean="0">
-                <a:sym typeface="Wingdings" panose="05000000000000000000" pitchFamily="2" charset="2"/>
-              </a:rPr>
-              <a:t> </a:t>
-            </a:r>
-            <a:r>
-              <a:rPr lang="pt-PT" dirty="0" err="1" smtClean="0">
-                <a:sym typeface="Wingdings" panose="05000000000000000000" pitchFamily="2" charset="2"/>
-              </a:rPr>
-              <a:t>but</a:t>
-            </a:r>
-            <a:r>
-              <a:rPr lang="pt-PT" dirty="0" smtClean="0">
-                <a:sym typeface="Wingdings" panose="05000000000000000000" pitchFamily="2" charset="2"/>
-              </a:rPr>
-              <a:t> </a:t>
-            </a:r>
-            <a:r>
-              <a:rPr lang="pt-PT" dirty="0" err="1" smtClean="0">
-                <a:sym typeface="Wingdings" panose="05000000000000000000" pitchFamily="2" charset="2"/>
-              </a:rPr>
-              <a:t>it</a:t>
-            </a:r>
-            <a:r>
-              <a:rPr lang="pt-PT" dirty="0" smtClean="0">
-                <a:sym typeface="Wingdings" panose="05000000000000000000" pitchFamily="2" charset="2"/>
-              </a:rPr>
-              <a:t> </a:t>
-            </a:r>
-            <a:r>
-              <a:rPr lang="pt-PT" dirty="0" err="1" smtClean="0">
-                <a:sym typeface="Wingdings" panose="05000000000000000000" pitchFamily="2" charset="2"/>
-              </a:rPr>
-              <a:t>doesn’t</a:t>
-            </a:r>
-            <a:r>
-              <a:rPr lang="pt-PT" dirty="0" smtClean="0">
-                <a:sym typeface="Wingdings" panose="05000000000000000000" pitchFamily="2" charset="2"/>
-              </a:rPr>
-              <a:t> </a:t>
-            </a:r>
-            <a:r>
-              <a:rPr lang="pt-PT" dirty="0" err="1" smtClean="0">
-                <a:sym typeface="Wingdings" panose="05000000000000000000" pitchFamily="2" charset="2"/>
-              </a:rPr>
-              <a:t>have</a:t>
-            </a:r>
-            <a:r>
-              <a:rPr lang="pt-PT" dirty="0" smtClean="0">
-                <a:sym typeface="Wingdings" panose="05000000000000000000" pitchFamily="2" charset="2"/>
-              </a:rPr>
-              <a:t> </a:t>
-            </a:r>
-            <a:r>
-              <a:rPr lang="pt-PT" dirty="0" err="1" smtClean="0">
-                <a:sym typeface="Wingdings" panose="05000000000000000000" pitchFamily="2" charset="2"/>
-              </a:rPr>
-              <a:t>search</a:t>
-            </a:r>
-            <a:r>
-              <a:rPr lang="pt-PT" dirty="0" smtClean="0">
-                <a:sym typeface="Wingdings" panose="05000000000000000000" pitchFamily="2" charset="2"/>
-              </a:rPr>
-              <a:t> </a:t>
-            </a:r>
-            <a:r>
-              <a:rPr lang="pt-PT" dirty="0" err="1" smtClean="0">
-                <a:sym typeface="Wingdings" panose="05000000000000000000" pitchFamily="2" charset="2"/>
-              </a:rPr>
-              <a:t>functionality</a:t>
-            </a:r>
-            <a:r>
-              <a:rPr lang="pt-PT" dirty="0" smtClean="0">
-                <a:sym typeface="Wingdings" panose="05000000000000000000" pitchFamily="2" charset="2"/>
-              </a:rPr>
-              <a:t>.</a:t>
-            </a:r>
-            <a:endParaRPr lang="pt-PT" dirty="0">
-              <a:sym typeface="Wingdings" panose="05000000000000000000" pitchFamily="2" charset="2"/>
-            </a:endParaRPr>
+            <a:endParaRPr lang="pt-PT"/>
           </a:p>
         </p:txBody>
       </p:sp>
     </p:spTree>
-    <p:extLst>
-      <p:ext uri="{BB962C8B-B14F-4D97-AF65-F5344CB8AC3E}">
-        <p14:creationId xmlns:p14="http://schemas.microsoft.com/office/powerpoint/2010/main" val="3608220894"/>
-      </p:ext>
-    </p:extLst>
   </p:cSld>
   <p:clrMapOvr>
     <a:masterClrMapping/>
   </p:clrMapOvr>
-  <p:timing>
-    <p:tnLst>
-      <p:par>
-        <p:cTn id="1" dur="indefinite" restart="never" nodeType="tmRoot"/>
-      </p:par>
-    </p:tnLst>
-  </p:timing>
 </p:sld>
 </file>
 
@@ -28059,7 +27976,7 @@
           <a:p>
             <a:r>
               <a:rPr lang="pt-PT" dirty="0" smtClean="0"/>
-              <a:t>João Girão</a:t>
+              <a:t>David João</a:t>
             </a:r>
             <a:endParaRPr lang="pt-PT" dirty="0"/>
           </a:p>
@@ -28126,7 +28043,7 @@
           <a:p>
             <a:r>
               <a:rPr lang="pt-PT" dirty="0" smtClean="0"/>
-              <a:t>João Martins</a:t>
+              <a:t>Filipe Brandão</a:t>
             </a:r>
             <a:endParaRPr lang="pt-PT" dirty="0"/>
           </a:p>
@@ -28147,51 +28064,7 @@
           <a:bodyPr/>
           <a:lstStyle/>
           <a:p>
-            <a:r>
-              <a:rPr lang="en-US" dirty="0" smtClean="0"/>
-              <a:t>Main Contributions:</a:t>
-            </a:r>
-          </a:p>
-          <a:p>
-            <a:pPr lvl="1"/>
-            <a:r>
-              <a:rPr lang="en-US" dirty="0" smtClean="0"/>
-              <a:t>Project plan process definition</a:t>
-            </a:r>
-          </a:p>
-          <a:p>
-            <a:pPr lvl="1"/>
-            <a:r>
-              <a:rPr lang="en-US" dirty="0" smtClean="0"/>
-              <a:t>Verification and Validation process</a:t>
-            </a:r>
-          </a:p>
-          <a:p>
-            <a:pPr lvl="1"/>
-            <a:r>
-              <a:rPr lang="en-US" dirty="0" smtClean="0"/>
-              <a:t>Test plan</a:t>
-            </a:r>
-          </a:p>
-          <a:p>
-            <a:r>
-              <a:rPr lang="en-US" dirty="0" smtClean="0"/>
-              <a:t>Lessons Learned:</a:t>
-            </a:r>
-          </a:p>
-          <a:p>
-            <a:pPr lvl="1"/>
-            <a:r>
-              <a:rPr lang="en-US" dirty="0" smtClean="0"/>
-              <a:t>Teamwork is important</a:t>
-            </a:r>
-          </a:p>
-          <a:p>
-            <a:pPr lvl="1"/>
-            <a:r>
-              <a:rPr lang="en-US" dirty="0" smtClean="0"/>
-              <a:t>Communication is a must!</a:t>
-            </a:r>
+            <a:endParaRPr lang="pt-PT"/>
           </a:p>
         </p:txBody>
       </p:sp>
@@ -28200,13 +28073,6 @@
   <p:clrMapOvr>
     <a:masterClrMapping/>
   </p:clrMapOvr>
-  <p:timing>
-    <p:tnLst>
-      <p:par>
-        <p:cTn id="1" dur="indefinite" restart="never" nodeType="tmRoot"/>
-      </p:par>
-    </p:tnLst>
-  </p:timing>
 </p:sld>
 </file>
 
@@ -28243,10 +28109,18 @@
           <a:lstStyle/>
           <a:p>
             <a:r>
+              <a:rPr lang="pt-PT" dirty="0"/>
+              <a:t>Filipe </a:t>
+            </a:r>
+            <a:r>
               <a:rPr lang="pt-PT" dirty="0" smtClean="0"/>
-              <a:t>João Martins</a:t>
-            </a:r>
-            <a:endParaRPr lang="pt-PT" dirty="0"/>
+              <a:t>Brandão - </a:t>
+            </a:r>
+            <a:r>
+              <a:rPr lang="pt-PT" b="1" dirty="0" err="1" smtClean="0"/>
+              <a:t>Contributions</a:t>
+            </a:r>
+            <a:endParaRPr lang="pt-PT" b="1" dirty="0"/>
           </a:p>
         </p:txBody>
       </p:sp>
@@ -28265,57 +28139,141 @@
           <a:bodyPr/>
           <a:lstStyle/>
           <a:p>
-            <a:r>
-              <a:rPr lang="en-US" dirty="0" smtClean="0"/>
-              <a:t>Lessons Learned:</a:t>
-            </a:r>
-          </a:p>
-          <a:p>
             <a:pPr lvl="1"/>
             <a:r>
-              <a:rPr lang="en-US" dirty="0" smtClean="0"/>
-              <a:t>Test plan is not easy to make</a:t>
-            </a:r>
+              <a:rPr lang="pt-PT" dirty="0" err="1" smtClean="0"/>
+              <a:t>Previous</a:t>
+            </a:r>
+            <a:r>
+              <a:rPr lang="pt-PT" dirty="0" smtClean="0"/>
+              <a:t> </a:t>
+            </a:r>
+            <a:r>
+              <a:rPr lang="pt-PT" dirty="0" err="1" smtClean="0"/>
+              <a:t>experience</a:t>
+            </a:r>
+            <a:r>
+              <a:rPr lang="pt-PT" dirty="0" smtClean="0"/>
+              <a:t> :</a:t>
+            </a:r>
+          </a:p>
+          <a:p>
+            <a:pPr lvl="2"/>
+            <a:r>
+              <a:rPr lang="pt-PT" dirty="0" err="1" smtClean="0"/>
+              <a:t>allowed</a:t>
+            </a:r>
+            <a:r>
+              <a:rPr lang="pt-PT" dirty="0" smtClean="0"/>
+              <a:t> a more </a:t>
+            </a:r>
+            <a:r>
+              <a:rPr lang="pt-PT" dirty="0" err="1" smtClean="0"/>
+              <a:t>direct</a:t>
+            </a:r>
+            <a:r>
+              <a:rPr lang="pt-PT" dirty="0" smtClean="0"/>
+              <a:t> </a:t>
+            </a:r>
+            <a:r>
+              <a:rPr lang="pt-PT" dirty="0" err="1" smtClean="0"/>
+              <a:t>approach</a:t>
+            </a:r>
+            <a:r>
+              <a:rPr lang="pt-PT" dirty="0" smtClean="0"/>
+              <a:t> to </a:t>
+            </a:r>
+            <a:r>
+              <a:rPr lang="pt-PT" dirty="0" err="1" smtClean="0"/>
+              <a:t>the</a:t>
+            </a:r>
+            <a:r>
+              <a:rPr lang="pt-PT" dirty="0" smtClean="0"/>
+              <a:t> </a:t>
+            </a:r>
+            <a:r>
+              <a:rPr lang="pt-PT" dirty="0" err="1" smtClean="0"/>
+              <a:t>problems</a:t>
+            </a:r>
+            <a:r>
+              <a:rPr lang="pt-PT" dirty="0"/>
+              <a:t> </a:t>
+            </a:r>
+            <a:r>
+              <a:rPr lang="pt-PT" dirty="0" err="1" smtClean="0"/>
+              <a:t>presented</a:t>
+            </a:r>
+            <a:endParaRPr lang="pt-PT" dirty="0"/>
+          </a:p>
+          <a:p>
+            <a:pPr lvl="2"/>
+            <a:r>
+              <a:rPr lang="pt-PT" dirty="0" err="1" smtClean="0"/>
+              <a:t>allowed</a:t>
+            </a:r>
+            <a:r>
+              <a:rPr lang="pt-PT" dirty="0" smtClean="0"/>
+              <a:t> me to </a:t>
+            </a:r>
+            <a:r>
+              <a:rPr lang="pt-PT" dirty="0" err="1" smtClean="0"/>
+              <a:t>help</a:t>
+            </a:r>
+            <a:r>
+              <a:rPr lang="pt-PT" dirty="0" smtClean="0"/>
+              <a:t> </a:t>
+            </a:r>
+            <a:r>
+              <a:rPr lang="pt-PT" dirty="0" err="1" smtClean="0"/>
+              <a:t>other</a:t>
+            </a:r>
+            <a:r>
+              <a:rPr lang="pt-PT" dirty="0" smtClean="0"/>
+              <a:t> </a:t>
+            </a:r>
+            <a:r>
+              <a:rPr lang="pt-PT" dirty="0" err="1" smtClean="0"/>
+              <a:t>members</a:t>
+            </a:r>
+            <a:r>
+              <a:rPr lang="pt-PT" dirty="0" smtClean="0"/>
+              <a:t> </a:t>
+            </a:r>
+            <a:r>
+              <a:rPr lang="pt-PT" dirty="0" err="1" smtClean="0"/>
+              <a:t>providing</a:t>
+            </a:r>
+            <a:r>
+              <a:rPr lang="pt-PT" dirty="0" smtClean="0"/>
+              <a:t> </a:t>
+            </a:r>
+            <a:r>
+              <a:rPr lang="pt-PT" dirty="0" err="1" smtClean="0"/>
+              <a:t>guidance</a:t>
+            </a:r>
+            <a:endParaRPr lang="pt-PT" dirty="0" smtClean="0"/>
           </a:p>
           <a:p>
             <a:pPr lvl="1"/>
-            <a:r>
-              <a:rPr lang="en-US" dirty="0"/>
-              <a:t>W</a:t>
-            </a:r>
-            <a:r>
-              <a:rPr lang="en-US" dirty="0" smtClean="0"/>
-              <a:t>hen anything can go wrong, it will go wrong.</a:t>
-            </a:r>
-            <a:endParaRPr lang="en-US" dirty="0"/>
-          </a:p>
-          <a:p>
-            <a:pPr marL="285750" lvl="1"/>
-            <a:r>
-              <a:rPr lang="en-US" dirty="0"/>
-              <a:t>Participation in Team Results:</a:t>
-            </a:r>
+            <a:endParaRPr lang="pt-PT" dirty="0" smtClean="0"/>
           </a:p>
           <a:p>
             <a:pPr lvl="1"/>
-            <a:r>
-              <a:rPr lang="en-US" dirty="0" smtClean="0"/>
-              <a:t>Application Quality (Test plan)</a:t>
-            </a:r>
+            <a:endParaRPr lang="pt-PT" dirty="0" smtClean="0"/>
           </a:p>
           <a:p>
             <a:pPr lvl="1"/>
-            <a:r>
-              <a:rPr lang="en-US" dirty="0" smtClean="0"/>
-              <a:t>Do everything that it’s needed.</a:t>
-            </a:r>
+            <a:endParaRPr lang="pt-PT" dirty="0"/>
+          </a:p>
+          <a:p>
+            <a:endParaRPr lang="pt-PT" dirty="0"/>
           </a:p>
         </p:txBody>
       </p:sp>
     </p:spTree>
     <p:extLst>
       <p:ext uri="{BB962C8B-B14F-4D97-AF65-F5344CB8AC3E}">
-        <p14:creationId xmlns:p14="http://schemas.microsoft.com/office/powerpoint/2010/main" val="1960690833"/>
+        <p14:creationId xmlns:p14="http://schemas.microsoft.com/office/powerpoint/2010/main" val="529958241"/>
       </p:ext>
     </p:extLst>
   </p:cSld>
@@ -28483,10 +28441,26 @@
           <a:lstStyle/>
           <a:p>
             <a:r>
+              <a:rPr lang="pt-PT" dirty="0"/>
+              <a:t>Filipe </a:t>
+            </a:r>
+            <a:r>
               <a:rPr lang="pt-PT" dirty="0" smtClean="0"/>
-              <a:t>Mário Oliveira</a:t>
-            </a:r>
-            <a:endParaRPr lang="pt-PT" dirty="0"/>
+              <a:t>Brandão - </a:t>
+            </a:r>
+            <a:r>
+              <a:rPr lang="pt-PT" b="1" dirty="0" err="1" smtClean="0"/>
+              <a:t>Lessons</a:t>
+            </a:r>
+            <a:r>
+              <a:rPr lang="pt-PT" b="1" dirty="0" smtClean="0"/>
+              <a:t> </a:t>
+            </a:r>
+            <a:r>
+              <a:rPr lang="pt-PT" b="1" dirty="0" err="1" smtClean="0"/>
+              <a:t>Learned</a:t>
+            </a:r>
+            <a:endParaRPr lang="pt-PT" b="1" dirty="0"/>
           </a:p>
         </p:txBody>
       </p:sp>
@@ -28502,14 +28476,118 @@
         </p:nvSpPr>
         <p:spPr/>
         <p:txBody>
-          <a:bodyPr/>
+          <a:bodyPr>
+            <a:normAutofit fontScale="85000" lnSpcReduction="20000"/>
+          </a:bodyPr>
           <a:lstStyle/>
           <a:p>
+            <a:r>
+              <a:rPr lang="en-US" dirty="0" smtClean="0"/>
+              <a:t>Project Management is a lot about experience, learning lessons and adapting based on all the previous information.</a:t>
+            </a:r>
+          </a:p>
+          <a:p>
+            <a:r>
+              <a:rPr lang="pt-PT" dirty="0" smtClean="0"/>
+              <a:t>Soft </a:t>
+            </a:r>
+            <a:r>
+              <a:rPr lang="en-US" dirty="0" smtClean="0"/>
+              <a:t>skills</a:t>
+            </a:r>
+            <a:r>
+              <a:rPr lang="pt-PT" dirty="0" smtClean="0"/>
+              <a:t> are </a:t>
+            </a:r>
+            <a:r>
+              <a:rPr lang="en-US" dirty="0" smtClean="0"/>
+              <a:t>necessary</a:t>
+            </a:r>
+            <a:r>
+              <a:rPr lang="pt-PT" dirty="0" smtClean="0"/>
+              <a:t>: </a:t>
+            </a:r>
+            <a:r>
+              <a:rPr lang="en-US" dirty="0" smtClean="0"/>
+              <a:t>communication</a:t>
+            </a:r>
+            <a:r>
+              <a:rPr lang="pt-PT" dirty="0" smtClean="0"/>
+              <a:t>, </a:t>
+            </a:r>
+            <a:r>
+              <a:rPr lang="en-US" dirty="0" smtClean="0"/>
+              <a:t>leadership</a:t>
+            </a:r>
+            <a:r>
+              <a:rPr lang="pt-PT" dirty="0" smtClean="0"/>
+              <a:t>, handling </a:t>
+            </a:r>
+            <a:r>
+              <a:rPr lang="en-US" dirty="0" smtClean="0"/>
+              <a:t>different</a:t>
+            </a:r>
+            <a:r>
+              <a:rPr lang="pt-PT" dirty="0" smtClean="0"/>
+              <a:t> </a:t>
+            </a:r>
+            <a:r>
+              <a:rPr lang="en-US" dirty="0" smtClean="0"/>
+              <a:t>personalities</a:t>
+            </a:r>
+            <a:r>
+              <a:rPr lang="pt-PT" dirty="0" smtClean="0"/>
+              <a:t>, etc.</a:t>
+            </a:r>
+          </a:p>
+          <a:p>
+            <a:r>
+              <a:rPr lang="en-US" dirty="0" smtClean="0"/>
+              <a:t>A tool, doesn’t matter how many value it can add to our work, is worth nothing if not correctly used.</a:t>
+            </a:r>
+          </a:p>
+          <a:p>
+            <a:r>
+              <a:rPr lang="en-US" dirty="0" smtClean="0"/>
+              <a:t>Regular meetings are essential. Working together is beneficial.</a:t>
+            </a:r>
+          </a:p>
+          <a:p>
+            <a:r>
+              <a:rPr lang="en-US" dirty="0" smtClean="0"/>
+              <a:t>Project control implies different aspects depending on the project state.</a:t>
+            </a:r>
+          </a:p>
+          <a:p>
+            <a:r>
+              <a:rPr lang="en-US" dirty="0" smtClean="0"/>
+              <a:t>Transparency during the whole project is essential. </a:t>
+            </a:r>
+          </a:p>
+          <a:p>
+            <a:r>
+              <a:rPr lang="en-US" dirty="0" smtClean="0"/>
+              <a:t>Motivation is key.</a:t>
+            </a:r>
+          </a:p>
+          <a:p>
+            <a:endParaRPr lang="pt-PT" dirty="0"/>
+          </a:p>
+          <a:p>
+            <a:endParaRPr lang="pt-PT" dirty="0" smtClean="0"/>
+          </a:p>
+          <a:p>
+            <a:pPr lvl="1"/>
             <a:endParaRPr lang="pt-PT" dirty="0"/>
           </a:p>
         </p:txBody>
       </p:sp>
     </p:spTree>
+    <p:extLst>
+      <p:ext uri="{BB962C8B-B14F-4D97-AF65-F5344CB8AC3E}">
+        <p14:creationId xmlns:p14="http://schemas.microsoft.com/office/powerpoint/2010/main" val="1756093289"/>
+      </p:ext>
+    </p:extLst>
   </p:cSld>
   <p:clrMapOvr>
     <a:masterClrMapping/>
@@ -28557,8 +28635,673 @@
           <a:lstStyle/>
           <a:p>
             <a:r>
+              <a:rPr lang="pt-PT" dirty="0"/>
+              <a:t>Filipe </a:t>
+            </a:r>
+            <a:r>
               <a:rPr lang="pt-PT" dirty="0" smtClean="0"/>
-              <a:t>Rui Ganhoto</a:t>
+              <a:t>Brandão - </a:t>
+            </a:r>
+            <a:r>
+              <a:rPr lang="pt-PT" b="1" dirty="0" err="1" smtClean="0"/>
+              <a:t>Lessons</a:t>
+            </a:r>
+            <a:r>
+              <a:rPr lang="pt-PT" b="1" dirty="0" smtClean="0"/>
+              <a:t> </a:t>
+            </a:r>
+            <a:r>
+              <a:rPr lang="pt-PT" b="1" dirty="0" err="1" smtClean="0"/>
+              <a:t>Learned</a:t>
+            </a:r>
+            <a:endParaRPr lang="pt-PT" b="1" dirty="0"/>
+          </a:p>
+        </p:txBody>
+      </p:sp>
+      <p:sp>
+        <p:nvSpPr>
+          <p:cNvPr id="3" name="Marcador de Posição de Conteúdo 2"/>
+          <p:cNvSpPr>
+            <a:spLocks noGrp="1"/>
+          </p:cNvSpPr>
+          <p:nvPr>
+            <p:ph idx="1"/>
+          </p:nvPr>
+        </p:nvSpPr>
+        <p:spPr/>
+        <p:txBody>
+          <a:bodyPr>
+            <a:normAutofit/>
+          </a:bodyPr>
+          <a:lstStyle/>
+          <a:p>
+            <a:r>
+              <a:rPr lang="pt-PT" dirty="0"/>
+              <a:t>A </a:t>
+            </a:r>
+            <a:r>
+              <a:rPr lang="pt-PT" dirty="0" err="1"/>
+              <a:t>good</a:t>
+            </a:r>
+            <a:r>
+              <a:rPr lang="pt-PT" dirty="0"/>
+              <a:t> </a:t>
+            </a:r>
+            <a:r>
+              <a:rPr lang="pt-PT" dirty="0" err="1"/>
+              <a:t>Work</a:t>
+            </a:r>
+            <a:r>
+              <a:rPr lang="pt-PT" dirty="0"/>
+              <a:t> </a:t>
+            </a:r>
+            <a:r>
+              <a:rPr lang="pt-PT" dirty="0" err="1"/>
+              <a:t>Breakdown</a:t>
+            </a:r>
+            <a:r>
+              <a:rPr lang="pt-PT" dirty="0"/>
+              <a:t> </a:t>
+            </a:r>
+            <a:r>
+              <a:rPr lang="pt-PT" dirty="0" err="1"/>
+              <a:t>Chart</a:t>
+            </a:r>
+            <a:r>
+              <a:rPr lang="pt-PT" dirty="0"/>
+              <a:t> </a:t>
+            </a:r>
+            <a:r>
+              <a:rPr lang="pt-PT" dirty="0" err="1"/>
+              <a:t>is</a:t>
+            </a:r>
+            <a:r>
+              <a:rPr lang="pt-PT" dirty="0"/>
+              <a:t> a </a:t>
+            </a:r>
+            <a:r>
+              <a:rPr lang="pt-PT" dirty="0" err="1"/>
+              <a:t>good</a:t>
+            </a:r>
+            <a:r>
+              <a:rPr lang="pt-PT" dirty="0"/>
+              <a:t> </a:t>
+            </a:r>
+            <a:r>
+              <a:rPr lang="pt-PT" dirty="0" err="1"/>
+              <a:t>foundation</a:t>
+            </a:r>
+            <a:r>
+              <a:rPr lang="pt-PT" dirty="0"/>
+              <a:t> for </a:t>
+            </a:r>
+            <a:r>
+              <a:rPr lang="pt-PT" dirty="0" err="1"/>
+              <a:t>the</a:t>
+            </a:r>
+            <a:r>
+              <a:rPr lang="pt-PT" dirty="0"/>
+              <a:t> </a:t>
+            </a:r>
+            <a:r>
+              <a:rPr lang="pt-PT" dirty="0" err="1"/>
+              <a:t>project</a:t>
+            </a:r>
+            <a:r>
+              <a:rPr lang="pt-PT" dirty="0"/>
+              <a:t> </a:t>
+            </a:r>
+            <a:r>
+              <a:rPr lang="pt-PT" dirty="0" err="1"/>
+              <a:t>plan</a:t>
+            </a:r>
+            <a:r>
+              <a:rPr lang="pt-PT" dirty="0" smtClean="0"/>
+              <a:t>.</a:t>
+            </a:r>
+          </a:p>
+          <a:p>
+            <a:r>
+              <a:rPr lang="pt-PT" dirty="0" err="1" smtClean="0"/>
+              <a:t>Earned</a:t>
+            </a:r>
+            <a:r>
+              <a:rPr lang="pt-PT" dirty="0" smtClean="0"/>
+              <a:t> </a:t>
+            </a:r>
+            <a:r>
+              <a:rPr lang="pt-PT" dirty="0" err="1" smtClean="0"/>
+              <a:t>Value</a:t>
+            </a:r>
+            <a:r>
+              <a:rPr lang="pt-PT" dirty="0" smtClean="0"/>
+              <a:t> </a:t>
+            </a:r>
+            <a:r>
+              <a:rPr lang="pt-PT" dirty="0" err="1" smtClean="0"/>
+              <a:t>Graph</a:t>
+            </a:r>
+            <a:r>
+              <a:rPr lang="pt-PT" dirty="0" smtClean="0"/>
+              <a:t> </a:t>
+            </a:r>
+            <a:r>
+              <a:rPr lang="pt-PT" dirty="0" err="1" smtClean="0"/>
+              <a:t>tasks</a:t>
+            </a:r>
+            <a:r>
+              <a:rPr lang="pt-PT" dirty="0" smtClean="0"/>
+              <a:t> </a:t>
+            </a:r>
+            <a:r>
+              <a:rPr lang="pt-PT" dirty="0" err="1" smtClean="0"/>
+              <a:t>should</a:t>
+            </a:r>
+            <a:r>
+              <a:rPr lang="pt-PT" dirty="0" smtClean="0"/>
+              <a:t> </a:t>
+            </a:r>
+            <a:r>
+              <a:rPr lang="pt-PT" dirty="0" err="1" smtClean="0"/>
+              <a:t>be</a:t>
+            </a:r>
+            <a:r>
+              <a:rPr lang="pt-PT" dirty="0" smtClean="0"/>
+              <a:t> </a:t>
+            </a:r>
+            <a:r>
+              <a:rPr lang="pt-PT" dirty="0" err="1" smtClean="0"/>
+              <a:t>related</a:t>
+            </a:r>
+            <a:r>
+              <a:rPr lang="pt-PT" dirty="0" smtClean="0"/>
+              <a:t> to </a:t>
+            </a:r>
+            <a:r>
+              <a:rPr lang="pt-PT" dirty="0" err="1" smtClean="0"/>
+              <a:t>one</a:t>
+            </a:r>
+            <a:r>
+              <a:rPr lang="pt-PT" dirty="0" smtClean="0"/>
+              <a:t> </a:t>
+            </a:r>
+            <a:r>
+              <a:rPr lang="pt-PT" dirty="0" err="1" smtClean="0"/>
+              <a:t>member</a:t>
+            </a:r>
+            <a:r>
+              <a:rPr lang="pt-PT" dirty="0" smtClean="0"/>
+              <a:t>. </a:t>
+            </a:r>
+            <a:r>
+              <a:rPr lang="pt-PT" dirty="0" err="1" smtClean="0"/>
+              <a:t>If</a:t>
+            </a:r>
+            <a:r>
+              <a:rPr lang="pt-PT" dirty="0" smtClean="0"/>
+              <a:t> more </a:t>
+            </a:r>
+            <a:r>
+              <a:rPr lang="pt-PT" dirty="0" err="1" smtClean="0"/>
+              <a:t>members</a:t>
+            </a:r>
+            <a:r>
+              <a:rPr lang="pt-PT" dirty="0" smtClean="0"/>
+              <a:t> are </a:t>
+            </a:r>
+            <a:r>
+              <a:rPr lang="pt-PT" dirty="0" err="1" smtClean="0"/>
+              <a:t>allocated</a:t>
+            </a:r>
+            <a:r>
+              <a:rPr lang="pt-PT" dirty="0" smtClean="0"/>
+              <a:t> to </a:t>
+            </a:r>
+            <a:r>
+              <a:rPr lang="pt-PT" dirty="0" err="1" smtClean="0"/>
+              <a:t>that</a:t>
+            </a:r>
+            <a:r>
+              <a:rPr lang="pt-PT" dirty="0" smtClean="0"/>
+              <a:t> </a:t>
+            </a:r>
+            <a:r>
+              <a:rPr lang="pt-PT" dirty="0" err="1" smtClean="0"/>
+              <a:t>task</a:t>
+            </a:r>
+            <a:r>
+              <a:rPr lang="pt-PT" dirty="0" smtClean="0"/>
+              <a:t>, </a:t>
+            </a:r>
+            <a:r>
+              <a:rPr lang="pt-PT" dirty="0" err="1" smtClean="0"/>
+              <a:t>repeat</a:t>
+            </a:r>
+            <a:r>
+              <a:rPr lang="pt-PT" dirty="0" smtClean="0"/>
+              <a:t> </a:t>
+            </a:r>
+            <a:r>
+              <a:rPr lang="pt-PT" dirty="0" err="1" smtClean="0"/>
+              <a:t>it</a:t>
+            </a:r>
+            <a:r>
+              <a:rPr lang="pt-PT" dirty="0" smtClean="0"/>
+              <a:t>.</a:t>
+            </a:r>
+          </a:p>
+          <a:p>
+            <a:r>
+              <a:rPr lang="pt-PT" dirty="0">
+                <a:sym typeface="Wingdings" panose="05000000000000000000" pitchFamily="2" charset="2"/>
+              </a:rPr>
+              <a:t>Project </a:t>
+            </a:r>
+            <a:r>
+              <a:rPr lang="pt-PT" dirty="0" err="1">
+                <a:sym typeface="Wingdings" panose="05000000000000000000" pitchFamily="2" charset="2"/>
+              </a:rPr>
+              <a:t>Planning</a:t>
+            </a:r>
+            <a:r>
+              <a:rPr lang="pt-PT" dirty="0">
+                <a:sym typeface="Wingdings" panose="05000000000000000000" pitchFamily="2" charset="2"/>
+              </a:rPr>
+              <a:t> </a:t>
+            </a:r>
+            <a:r>
+              <a:rPr lang="pt-PT" dirty="0" err="1">
+                <a:sym typeface="Wingdings" panose="05000000000000000000" pitchFamily="2" charset="2"/>
+              </a:rPr>
+              <a:t>Process</a:t>
+            </a:r>
+            <a:r>
+              <a:rPr lang="pt-PT" dirty="0">
+                <a:sym typeface="Wingdings" panose="05000000000000000000" pitchFamily="2" charset="2"/>
+              </a:rPr>
+              <a:t> </a:t>
+            </a:r>
+            <a:r>
+              <a:rPr lang="pt-PT" dirty="0" err="1">
+                <a:sym typeface="Wingdings" panose="05000000000000000000" pitchFamily="2" charset="2"/>
+              </a:rPr>
+              <a:t>seemed</a:t>
+            </a:r>
+            <a:r>
+              <a:rPr lang="pt-PT" dirty="0">
+                <a:sym typeface="Wingdings" panose="05000000000000000000" pitchFamily="2" charset="2"/>
+              </a:rPr>
+              <a:t> OK for </a:t>
+            </a:r>
+            <a:r>
+              <a:rPr lang="pt-PT" dirty="0" err="1">
+                <a:sym typeface="Wingdings" panose="05000000000000000000" pitchFamily="2" charset="2"/>
+              </a:rPr>
+              <a:t>this</a:t>
+            </a:r>
+            <a:r>
+              <a:rPr lang="pt-PT" dirty="0">
+                <a:sym typeface="Wingdings" panose="05000000000000000000" pitchFamily="2" charset="2"/>
+              </a:rPr>
+              <a:t> </a:t>
+            </a:r>
+            <a:r>
+              <a:rPr lang="pt-PT" dirty="0" err="1">
+                <a:sym typeface="Wingdings" panose="05000000000000000000" pitchFamily="2" charset="2"/>
+              </a:rPr>
+              <a:t>project</a:t>
+            </a:r>
+            <a:r>
+              <a:rPr lang="pt-PT" dirty="0">
+                <a:sym typeface="Wingdings" panose="05000000000000000000" pitchFamily="2" charset="2"/>
+              </a:rPr>
+              <a:t> </a:t>
+            </a:r>
+            <a:r>
+              <a:rPr lang="pt-PT" dirty="0" err="1">
+                <a:sym typeface="Wingdings" panose="05000000000000000000" pitchFamily="2" charset="2"/>
+              </a:rPr>
+              <a:t>but</a:t>
+            </a:r>
+            <a:r>
+              <a:rPr lang="pt-PT" dirty="0">
+                <a:sym typeface="Wingdings" panose="05000000000000000000" pitchFamily="2" charset="2"/>
+              </a:rPr>
+              <a:t> </a:t>
+            </a:r>
+            <a:r>
+              <a:rPr lang="pt-PT" dirty="0" err="1">
+                <a:sym typeface="Wingdings" panose="05000000000000000000" pitchFamily="2" charset="2"/>
+              </a:rPr>
+              <a:t>should</a:t>
+            </a:r>
+            <a:r>
+              <a:rPr lang="pt-PT" dirty="0">
+                <a:sym typeface="Wingdings" panose="05000000000000000000" pitchFamily="2" charset="2"/>
+              </a:rPr>
+              <a:t> </a:t>
+            </a:r>
+            <a:r>
+              <a:rPr lang="pt-PT" dirty="0" err="1">
+                <a:sym typeface="Wingdings" panose="05000000000000000000" pitchFamily="2" charset="2"/>
+              </a:rPr>
+              <a:t>be</a:t>
+            </a:r>
+            <a:r>
+              <a:rPr lang="pt-PT" dirty="0">
+                <a:sym typeface="Wingdings" panose="05000000000000000000" pitchFamily="2" charset="2"/>
+              </a:rPr>
+              <a:t> </a:t>
+            </a:r>
+            <a:r>
+              <a:rPr lang="pt-PT" dirty="0" err="1">
+                <a:sym typeface="Wingdings" panose="05000000000000000000" pitchFamily="2" charset="2"/>
+              </a:rPr>
+              <a:t>added</a:t>
+            </a:r>
+            <a:r>
+              <a:rPr lang="pt-PT" dirty="0">
+                <a:sym typeface="Wingdings" panose="05000000000000000000" pitchFamily="2" charset="2"/>
+              </a:rPr>
+              <a:t> </a:t>
+            </a:r>
+            <a:r>
+              <a:rPr lang="pt-PT" dirty="0" err="1">
+                <a:sym typeface="Wingdings" panose="05000000000000000000" pitchFamily="2" charset="2"/>
+              </a:rPr>
+              <a:t>hints</a:t>
+            </a:r>
+            <a:r>
+              <a:rPr lang="pt-PT" dirty="0">
+                <a:sym typeface="Wingdings" panose="05000000000000000000" pitchFamily="2" charset="2"/>
+              </a:rPr>
+              <a:t> </a:t>
+            </a:r>
+            <a:r>
+              <a:rPr lang="pt-PT" dirty="0" err="1">
+                <a:sym typeface="Wingdings" panose="05000000000000000000" pitchFamily="2" charset="2"/>
+              </a:rPr>
+              <a:t>on</a:t>
+            </a:r>
+            <a:r>
+              <a:rPr lang="pt-PT" dirty="0">
+                <a:sym typeface="Wingdings" panose="05000000000000000000" pitchFamily="2" charset="2"/>
+              </a:rPr>
+              <a:t> </a:t>
+            </a:r>
+            <a:r>
+              <a:rPr lang="pt-PT" dirty="0" err="1">
+                <a:sym typeface="Wingdings" panose="05000000000000000000" pitchFamily="2" charset="2"/>
+              </a:rPr>
+              <a:t>how</a:t>
+            </a:r>
+            <a:r>
+              <a:rPr lang="pt-PT" dirty="0">
+                <a:sym typeface="Wingdings" panose="05000000000000000000" pitchFamily="2" charset="2"/>
+              </a:rPr>
+              <a:t> to </a:t>
+            </a:r>
+            <a:r>
+              <a:rPr lang="pt-PT" dirty="0" err="1">
+                <a:sym typeface="Wingdings" panose="05000000000000000000" pitchFamily="2" charset="2"/>
+              </a:rPr>
+              <a:t>develop</a:t>
+            </a:r>
+            <a:r>
+              <a:rPr lang="pt-PT" dirty="0">
+                <a:sym typeface="Wingdings" panose="05000000000000000000" pitchFamily="2" charset="2"/>
+              </a:rPr>
+              <a:t> a </a:t>
+            </a:r>
+            <a:r>
+              <a:rPr lang="pt-PT" dirty="0" err="1">
+                <a:sym typeface="Wingdings" panose="05000000000000000000" pitchFamily="2" charset="2"/>
+              </a:rPr>
+              <a:t>good</a:t>
+            </a:r>
+            <a:r>
+              <a:rPr lang="pt-PT" dirty="0">
+                <a:sym typeface="Wingdings" panose="05000000000000000000" pitchFamily="2" charset="2"/>
+              </a:rPr>
+              <a:t> </a:t>
+            </a:r>
+            <a:r>
+              <a:rPr lang="pt-PT" dirty="0" smtClean="0">
+                <a:sym typeface="Wingdings" panose="05000000000000000000" pitchFamily="2" charset="2"/>
+              </a:rPr>
+              <a:t>WBS.</a:t>
+            </a:r>
+          </a:p>
+          <a:p>
+            <a:r>
+              <a:rPr lang="pt-PT" dirty="0" err="1" smtClean="0">
+                <a:sym typeface="Wingdings" panose="05000000000000000000" pitchFamily="2" charset="2"/>
+              </a:rPr>
+              <a:t>Regarding</a:t>
+            </a:r>
+            <a:r>
+              <a:rPr lang="pt-PT" dirty="0" smtClean="0">
+                <a:sym typeface="Wingdings" panose="05000000000000000000" pitchFamily="2" charset="2"/>
+              </a:rPr>
+              <a:t> </a:t>
+            </a:r>
+            <a:r>
+              <a:rPr lang="pt-PT" dirty="0" err="1" smtClean="0">
+                <a:sym typeface="Wingdings" panose="05000000000000000000" pitchFamily="2" charset="2"/>
+              </a:rPr>
+              <a:t>tools</a:t>
+            </a:r>
+            <a:r>
+              <a:rPr lang="pt-PT" dirty="0" smtClean="0">
+                <a:sym typeface="Wingdings" panose="05000000000000000000" pitchFamily="2" charset="2"/>
+              </a:rPr>
+              <a:t>, SVN </a:t>
+            </a:r>
+            <a:r>
+              <a:rPr lang="pt-PT" dirty="0" err="1" smtClean="0">
+                <a:sym typeface="Wingdings" panose="05000000000000000000" pitchFamily="2" charset="2"/>
+              </a:rPr>
+              <a:t>is</a:t>
+            </a:r>
+            <a:r>
+              <a:rPr lang="pt-PT" dirty="0" smtClean="0">
+                <a:sym typeface="Wingdings" panose="05000000000000000000" pitchFamily="2" charset="2"/>
+              </a:rPr>
+              <a:t> to </a:t>
+            </a:r>
+            <a:r>
+              <a:rPr lang="pt-PT" dirty="0" err="1" smtClean="0">
+                <a:sym typeface="Wingdings" panose="05000000000000000000" pitchFamily="2" charset="2"/>
+              </a:rPr>
+              <a:t>keeper</a:t>
+            </a:r>
+            <a:r>
+              <a:rPr lang="pt-PT" dirty="0" smtClean="0">
+                <a:sym typeface="Wingdings" panose="05000000000000000000" pitchFamily="2" charset="2"/>
+              </a:rPr>
+              <a:t>. </a:t>
+            </a:r>
+            <a:r>
+              <a:rPr lang="pt-PT" dirty="0" err="1" smtClean="0">
+                <a:sym typeface="Wingdings" panose="05000000000000000000" pitchFamily="2" charset="2"/>
+              </a:rPr>
+              <a:t>Facebook</a:t>
+            </a:r>
+            <a:r>
+              <a:rPr lang="pt-PT" dirty="0" smtClean="0">
+                <a:sym typeface="Wingdings" panose="05000000000000000000" pitchFamily="2" charset="2"/>
+              </a:rPr>
+              <a:t> </a:t>
+            </a:r>
+            <a:r>
+              <a:rPr lang="pt-PT" dirty="0" err="1" smtClean="0">
+                <a:sym typeface="Wingdings" panose="05000000000000000000" pitchFamily="2" charset="2"/>
+              </a:rPr>
+              <a:t>is</a:t>
+            </a:r>
+            <a:r>
+              <a:rPr lang="pt-PT" dirty="0" smtClean="0">
+                <a:sym typeface="Wingdings" panose="05000000000000000000" pitchFamily="2" charset="2"/>
+              </a:rPr>
+              <a:t> </a:t>
+            </a:r>
+            <a:r>
+              <a:rPr lang="pt-PT" dirty="0" err="1" smtClean="0">
+                <a:sym typeface="Wingdings" panose="05000000000000000000" pitchFamily="2" charset="2"/>
+              </a:rPr>
+              <a:t>good</a:t>
+            </a:r>
+            <a:r>
+              <a:rPr lang="pt-PT" dirty="0" smtClean="0">
+                <a:sym typeface="Wingdings" panose="05000000000000000000" pitchFamily="2" charset="2"/>
+              </a:rPr>
+              <a:t> for </a:t>
+            </a:r>
+            <a:r>
+              <a:rPr lang="pt-PT" dirty="0" err="1" smtClean="0">
+                <a:sym typeface="Wingdings" panose="05000000000000000000" pitchFamily="2" charset="2"/>
+              </a:rPr>
+              <a:t>communication</a:t>
+            </a:r>
+            <a:r>
+              <a:rPr lang="pt-PT" dirty="0" smtClean="0">
+                <a:sym typeface="Wingdings" panose="05000000000000000000" pitchFamily="2" charset="2"/>
+              </a:rPr>
+              <a:t> </a:t>
+            </a:r>
+            <a:r>
+              <a:rPr lang="pt-PT" dirty="0" err="1" smtClean="0">
+                <a:sym typeface="Wingdings" panose="05000000000000000000" pitchFamily="2" charset="2"/>
+              </a:rPr>
+              <a:t>but</a:t>
+            </a:r>
+            <a:r>
+              <a:rPr lang="pt-PT" dirty="0" smtClean="0">
+                <a:sym typeface="Wingdings" panose="05000000000000000000" pitchFamily="2" charset="2"/>
+              </a:rPr>
+              <a:t> </a:t>
+            </a:r>
+            <a:r>
+              <a:rPr lang="pt-PT" dirty="0" err="1" smtClean="0">
+                <a:sym typeface="Wingdings" panose="05000000000000000000" pitchFamily="2" charset="2"/>
+              </a:rPr>
+              <a:t>it</a:t>
+            </a:r>
+            <a:r>
+              <a:rPr lang="pt-PT" dirty="0" smtClean="0">
+                <a:sym typeface="Wingdings" panose="05000000000000000000" pitchFamily="2" charset="2"/>
+              </a:rPr>
+              <a:t> </a:t>
+            </a:r>
+            <a:r>
+              <a:rPr lang="pt-PT" dirty="0" err="1" smtClean="0">
+                <a:sym typeface="Wingdings" panose="05000000000000000000" pitchFamily="2" charset="2"/>
+              </a:rPr>
+              <a:t>doesn’t</a:t>
+            </a:r>
+            <a:r>
+              <a:rPr lang="pt-PT" dirty="0" smtClean="0">
+                <a:sym typeface="Wingdings" panose="05000000000000000000" pitchFamily="2" charset="2"/>
+              </a:rPr>
+              <a:t> </a:t>
+            </a:r>
+            <a:r>
+              <a:rPr lang="pt-PT" dirty="0" err="1" smtClean="0">
+                <a:sym typeface="Wingdings" panose="05000000000000000000" pitchFamily="2" charset="2"/>
+              </a:rPr>
+              <a:t>have</a:t>
+            </a:r>
+            <a:r>
+              <a:rPr lang="pt-PT" dirty="0" smtClean="0">
+                <a:sym typeface="Wingdings" panose="05000000000000000000" pitchFamily="2" charset="2"/>
+              </a:rPr>
+              <a:t> </a:t>
+            </a:r>
+            <a:r>
+              <a:rPr lang="pt-PT" dirty="0" err="1" smtClean="0">
+                <a:sym typeface="Wingdings" panose="05000000000000000000" pitchFamily="2" charset="2"/>
+              </a:rPr>
+              <a:t>search</a:t>
+            </a:r>
+            <a:r>
+              <a:rPr lang="pt-PT" dirty="0" smtClean="0">
+                <a:sym typeface="Wingdings" panose="05000000000000000000" pitchFamily="2" charset="2"/>
+              </a:rPr>
+              <a:t> </a:t>
+            </a:r>
+            <a:r>
+              <a:rPr lang="pt-PT" dirty="0" err="1" smtClean="0">
+                <a:sym typeface="Wingdings" panose="05000000000000000000" pitchFamily="2" charset="2"/>
+              </a:rPr>
+              <a:t>functionality</a:t>
+            </a:r>
+            <a:r>
+              <a:rPr lang="pt-PT" dirty="0" smtClean="0">
+                <a:sym typeface="Wingdings" panose="05000000000000000000" pitchFamily="2" charset="2"/>
+              </a:rPr>
+              <a:t>.</a:t>
+            </a:r>
+            <a:endParaRPr lang="pt-PT" dirty="0">
+              <a:sym typeface="Wingdings" panose="05000000000000000000" pitchFamily="2" charset="2"/>
+            </a:endParaRPr>
+          </a:p>
+        </p:txBody>
+      </p:sp>
+    </p:spTree>
+    <p:extLst>
+      <p:ext uri="{BB962C8B-B14F-4D97-AF65-F5344CB8AC3E}">
+        <p14:creationId xmlns:p14="http://schemas.microsoft.com/office/powerpoint/2010/main" val="3608220894"/>
+      </p:ext>
+    </p:extLst>
+  </p:cSld>
+  <p:clrMapOvr>
+    <a:masterClrMapping/>
+  </p:clrMapOvr>
+  <p:timing>
+    <p:tnLst>
+      <p:par>
+        <p:cTn id="1" dur="indefinite" restart="never" nodeType="tmRoot"/>
+      </p:par>
+    </p:tnLst>
+  </p:timing>
+</p:sld>
+</file>
+
+<file path=ppt/slides/slide62.xml><?xml version="1.0" encoding="utf-8"?>
+<p:sld xmlns:a="http://schemas.openxmlformats.org/drawingml/2006/main" xmlns:r="http://schemas.openxmlformats.org/officeDocument/2006/relationships" xmlns:p="http://schemas.openxmlformats.org/presentationml/2006/main">
+  <p:cSld>
+    <p:spTree>
+      <p:nvGrpSpPr>
+        <p:cNvPr id="1" name=""/>
+        <p:cNvGrpSpPr/>
+        <p:nvPr/>
+      </p:nvGrpSpPr>
+      <p:grpSpPr>
+        <a:xfrm>
+          <a:off x="0" y="0"/>
+          <a:ext cx="0" cy="0"/>
+          <a:chOff x="0" y="0"/>
+          <a:chExt cx="0" cy="0"/>
+        </a:xfrm>
+      </p:grpSpPr>
+      <p:sp>
+        <p:nvSpPr>
+          <p:cNvPr id="2" name="Título 1"/>
+          <p:cNvSpPr>
+            <a:spLocks noGrp="1"/>
+          </p:cNvSpPr>
+          <p:nvPr>
+            <p:ph type="title"/>
+          </p:nvPr>
+        </p:nvSpPr>
+        <p:spPr/>
+        <p:txBody>
+          <a:bodyPr/>
+          <a:lstStyle/>
+          <a:p>
+            <a:r>
+              <a:rPr lang="pt-PT" dirty="0" smtClean="0"/>
+              <a:t>João Girão</a:t>
             </a:r>
             <a:endParaRPr lang="pt-PT" dirty="0"/>
           </a:p>
@@ -28580,6 +29323,403 @@
           <a:lstStyle/>
           <a:p>
             <a:endParaRPr lang="pt-PT"/>
+          </a:p>
+        </p:txBody>
+      </p:sp>
+    </p:spTree>
+  </p:cSld>
+  <p:clrMapOvr>
+    <a:masterClrMapping/>
+  </p:clrMapOvr>
+</p:sld>
+</file>
+
+<file path=ppt/slides/slide63.xml><?xml version="1.0" encoding="utf-8"?>
+<p:sld xmlns:a="http://schemas.openxmlformats.org/drawingml/2006/main" xmlns:r="http://schemas.openxmlformats.org/officeDocument/2006/relationships" xmlns:p="http://schemas.openxmlformats.org/presentationml/2006/main">
+  <p:cSld>
+    <p:spTree>
+      <p:nvGrpSpPr>
+        <p:cNvPr id="1" name=""/>
+        <p:cNvGrpSpPr/>
+        <p:nvPr/>
+      </p:nvGrpSpPr>
+      <p:grpSpPr>
+        <a:xfrm>
+          <a:off x="0" y="0"/>
+          <a:ext cx="0" cy="0"/>
+          <a:chOff x="0" y="0"/>
+          <a:chExt cx="0" cy="0"/>
+        </a:xfrm>
+      </p:grpSpPr>
+      <p:sp>
+        <p:nvSpPr>
+          <p:cNvPr id="2" name="Título 1"/>
+          <p:cNvSpPr>
+            <a:spLocks noGrp="1"/>
+          </p:cNvSpPr>
+          <p:nvPr>
+            <p:ph type="title"/>
+          </p:nvPr>
+        </p:nvSpPr>
+        <p:spPr/>
+        <p:txBody>
+          <a:bodyPr/>
+          <a:lstStyle/>
+          <a:p>
+            <a:r>
+              <a:rPr lang="pt-PT" dirty="0" smtClean="0"/>
+              <a:t>João Martins</a:t>
+            </a:r>
+            <a:endParaRPr lang="pt-PT" dirty="0"/>
+          </a:p>
+        </p:txBody>
+      </p:sp>
+      <p:sp>
+        <p:nvSpPr>
+          <p:cNvPr id="3" name="Marcador de Posição de Conteúdo 2"/>
+          <p:cNvSpPr>
+            <a:spLocks noGrp="1"/>
+          </p:cNvSpPr>
+          <p:nvPr>
+            <p:ph idx="1"/>
+          </p:nvPr>
+        </p:nvSpPr>
+        <p:spPr/>
+        <p:txBody>
+          <a:bodyPr/>
+          <a:lstStyle/>
+          <a:p>
+            <a:r>
+              <a:rPr lang="en-US" dirty="0" smtClean="0"/>
+              <a:t>Main Contributions:</a:t>
+            </a:r>
+          </a:p>
+          <a:p>
+            <a:pPr lvl="1"/>
+            <a:r>
+              <a:rPr lang="en-US" dirty="0" smtClean="0"/>
+              <a:t>Project plan process definition</a:t>
+            </a:r>
+          </a:p>
+          <a:p>
+            <a:pPr lvl="1"/>
+            <a:r>
+              <a:rPr lang="en-US" dirty="0" smtClean="0"/>
+              <a:t>Verification and Validation process</a:t>
+            </a:r>
+          </a:p>
+          <a:p>
+            <a:pPr lvl="1"/>
+            <a:r>
+              <a:rPr lang="en-US" dirty="0" smtClean="0"/>
+              <a:t>Test plan</a:t>
+            </a:r>
+          </a:p>
+          <a:p>
+            <a:r>
+              <a:rPr lang="en-US" dirty="0" smtClean="0"/>
+              <a:t>Lessons Learned:</a:t>
+            </a:r>
+          </a:p>
+          <a:p>
+            <a:pPr lvl="1"/>
+            <a:r>
+              <a:rPr lang="en-US" dirty="0" smtClean="0"/>
+              <a:t>Teamwork is important</a:t>
+            </a:r>
+          </a:p>
+          <a:p>
+            <a:pPr lvl="1"/>
+            <a:r>
+              <a:rPr lang="en-US" dirty="0" smtClean="0"/>
+              <a:t>Communication is a must!</a:t>
+            </a:r>
+          </a:p>
+        </p:txBody>
+      </p:sp>
+    </p:spTree>
+  </p:cSld>
+  <p:clrMapOvr>
+    <a:masterClrMapping/>
+  </p:clrMapOvr>
+  <p:timing>
+    <p:tnLst>
+      <p:par>
+        <p:cTn id="1" dur="indefinite" restart="never" nodeType="tmRoot"/>
+      </p:par>
+    </p:tnLst>
+  </p:timing>
+</p:sld>
+</file>
+
+<file path=ppt/slides/slide64.xml><?xml version="1.0" encoding="utf-8"?>
+<p:sld xmlns:a="http://schemas.openxmlformats.org/drawingml/2006/main" xmlns:r="http://schemas.openxmlformats.org/officeDocument/2006/relationships" xmlns:p="http://schemas.openxmlformats.org/presentationml/2006/main">
+  <p:cSld>
+    <p:spTree>
+      <p:nvGrpSpPr>
+        <p:cNvPr id="1" name=""/>
+        <p:cNvGrpSpPr/>
+        <p:nvPr/>
+      </p:nvGrpSpPr>
+      <p:grpSpPr>
+        <a:xfrm>
+          <a:off x="0" y="0"/>
+          <a:ext cx="0" cy="0"/>
+          <a:chOff x="0" y="0"/>
+          <a:chExt cx="0" cy="0"/>
+        </a:xfrm>
+      </p:grpSpPr>
+      <p:sp>
+        <p:nvSpPr>
+          <p:cNvPr id="2" name="Título 1"/>
+          <p:cNvSpPr>
+            <a:spLocks noGrp="1"/>
+          </p:cNvSpPr>
+          <p:nvPr>
+            <p:ph type="title"/>
+          </p:nvPr>
+        </p:nvSpPr>
+        <p:spPr/>
+        <p:txBody>
+          <a:bodyPr/>
+          <a:lstStyle/>
+          <a:p>
+            <a:r>
+              <a:rPr lang="pt-PT" dirty="0" smtClean="0"/>
+              <a:t>João Martins</a:t>
+            </a:r>
+            <a:endParaRPr lang="pt-PT" dirty="0"/>
+          </a:p>
+        </p:txBody>
+      </p:sp>
+      <p:sp>
+        <p:nvSpPr>
+          <p:cNvPr id="3" name="Marcador de Posição de Conteúdo 2"/>
+          <p:cNvSpPr>
+            <a:spLocks noGrp="1"/>
+          </p:cNvSpPr>
+          <p:nvPr>
+            <p:ph idx="1"/>
+          </p:nvPr>
+        </p:nvSpPr>
+        <p:spPr/>
+        <p:txBody>
+          <a:bodyPr/>
+          <a:lstStyle/>
+          <a:p>
+            <a:r>
+              <a:rPr lang="en-US" dirty="0" smtClean="0"/>
+              <a:t>Lessons Learned:</a:t>
+            </a:r>
+          </a:p>
+          <a:p>
+            <a:pPr lvl="1"/>
+            <a:r>
+              <a:rPr lang="en-US" dirty="0" smtClean="0"/>
+              <a:t>Test plan is not easy to make</a:t>
+            </a:r>
+          </a:p>
+          <a:p>
+            <a:pPr lvl="1"/>
+            <a:r>
+              <a:rPr lang="en-US" dirty="0"/>
+              <a:t>W</a:t>
+            </a:r>
+            <a:r>
+              <a:rPr lang="en-US" dirty="0" smtClean="0"/>
+              <a:t>hen anything can go wrong, it will go wrong.</a:t>
+            </a:r>
+            <a:endParaRPr lang="en-US" dirty="0"/>
+          </a:p>
+          <a:p>
+            <a:pPr marL="285750" lvl="1"/>
+            <a:r>
+              <a:rPr lang="en-US" dirty="0"/>
+              <a:t>Participation in Team Results:</a:t>
+            </a:r>
+          </a:p>
+          <a:p>
+            <a:pPr lvl="1"/>
+            <a:r>
+              <a:rPr lang="en-US" dirty="0" smtClean="0"/>
+              <a:t>Application Quality (Test plan)</a:t>
+            </a:r>
+          </a:p>
+          <a:p>
+            <a:pPr lvl="1"/>
+            <a:r>
+              <a:rPr lang="en-US" dirty="0" smtClean="0"/>
+              <a:t>Do everything that it’s needed.</a:t>
+            </a:r>
+          </a:p>
+        </p:txBody>
+      </p:sp>
+    </p:spTree>
+    <p:extLst>
+      <p:ext uri="{BB962C8B-B14F-4D97-AF65-F5344CB8AC3E}">
+        <p14:creationId xmlns:p14="http://schemas.microsoft.com/office/powerpoint/2010/main" val="1960690833"/>
+      </p:ext>
+    </p:extLst>
+  </p:cSld>
+  <p:clrMapOvr>
+    <a:masterClrMapping/>
+  </p:clrMapOvr>
+  <p:timing>
+    <p:tnLst>
+      <p:par>
+        <p:cTn id="1" dur="indefinite" restart="never" nodeType="tmRoot"/>
+      </p:par>
+    </p:tnLst>
+  </p:timing>
+</p:sld>
+</file>
+
+<file path=ppt/slides/slide65.xml><?xml version="1.0" encoding="utf-8"?>
+<p:sld xmlns:a="http://schemas.openxmlformats.org/drawingml/2006/main" xmlns:r="http://schemas.openxmlformats.org/officeDocument/2006/relationships" xmlns:p="http://schemas.openxmlformats.org/presentationml/2006/main">
+  <p:cSld>
+    <p:spTree>
+      <p:nvGrpSpPr>
+        <p:cNvPr id="1" name=""/>
+        <p:cNvGrpSpPr/>
+        <p:nvPr/>
+      </p:nvGrpSpPr>
+      <p:grpSpPr>
+        <a:xfrm>
+          <a:off x="0" y="0"/>
+          <a:ext cx="0" cy="0"/>
+          <a:chOff x="0" y="0"/>
+          <a:chExt cx="0" cy="0"/>
+        </a:xfrm>
+      </p:grpSpPr>
+      <p:sp>
+        <p:nvSpPr>
+          <p:cNvPr id="2" name="Título 1"/>
+          <p:cNvSpPr>
+            <a:spLocks noGrp="1"/>
+          </p:cNvSpPr>
+          <p:nvPr>
+            <p:ph type="title"/>
+          </p:nvPr>
+        </p:nvSpPr>
+        <p:spPr/>
+        <p:txBody>
+          <a:bodyPr/>
+          <a:lstStyle/>
+          <a:p>
+            <a:r>
+              <a:rPr lang="pt-PT" dirty="0" smtClean="0"/>
+              <a:t>Mário Oliveira</a:t>
+            </a:r>
+            <a:endParaRPr lang="pt-PT" dirty="0"/>
+          </a:p>
+        </p:txBody>
+      </p:sp>
+      <p:sp>
+        <p:nvSpPr>
+          <p:cNvPr id="3" name="Marcador de Posição de Conteúdo 2"/>
+          <p:cNvSpPr>
+            <a:spLocks noGrp="1"/>
+          </p:cNvSpPr>
+          <p:nvPr>
+            <p:ph idx="1"/>
+          </p:nvPr>
+        </p:nvSpPr>
+        <p:spPr/>
+        <p:txBody>
+          <a:bodyPr/>
+          <a:lstStyle/>
+          <a:p>
+            <a:endParaRPr lang="pt-PT" dirty="0"/>
+          </a:p>
+        </p:txBody>
+      </p:sp>
+    </p:spTree>
+  </p:cSld>
+  <p:clrMapOvr>
+    <a:masterClrMapping/>
+  </p:clrMapOvr>
+  <p:timing>
+    <p:tnLst>
+      <p:par>
+        <p:cTn id="1" dur="indefinite" restart="never" nodeType="tmRoot"/>
+      </p:par>
+    </p:tnLst>
+  </p:timing>
+</p:sld>
+</file>
+
+<file path=ppt/slides/slide66.xml><?xml version="1.0" encoding="utf-8"?>
+<p:sld xmlns:a="http://schemas.openxmlformats.org/drawingml/2006/main" xmlns:r="http://schemas.openxmlformats.org/officeDocument/2006/relationships" xmlns:p="http://schemas.openxmlformats.org/presentationml/2006/main">
+  <p:cSld>
+    <p:spTree>
+      <p:nvGrpSpPr>
+        <p:cNvPr id="1" name=""/>
+        <p:cNvGrpSpPr/>
+        <p:nvPr/>
+      </p:nvGrpSpPr>
+      <p:grpSpPr>
+        <a:xfrm>
+          <a:off x="0" y="0"/>
+          <a:ext cx="0" cy="0"/>
+          <a:chOff x="0" y="0"/>
+          <a:chExt cx="0" cy="0"/>
+        </a:xfrm>
+      </p:grpSpPr>
+      <p:sp>
+        <p:nvSpPr>
+          <p:cNvPr id="2" name="Título 1"/>
+          <p:cNvSpPr>
+            <a:spLocks noGrp="1"/>
+          </p:cNvSpPr>
+          <p:nvPr>
+            <p:ph type="title"/>
+          </p:nvPr>
+        </p:nvSpPr>
+        <p:spPr/>
+        <p:txBody>
+          <a:bodyPr/>
+          <a:lstStyle/>
+          <a:p>
+            <a:r>
+              <a:rPr lang="pt-PT" dirty="0" smtClean="0"/>
+              <a:t>Rui Ganhoto</a:t>
+            </a:r>
+            <a:endParaRPr lang="pt-PT" dirty="0"/>
+          </a:p>
+        </p:txBody>
+      </p:sp>
+      <p:sp>
+        <p:nvSpPr>
+          <p:cNvPr id="3" name="Marcador de Posição de Conteúdo 2"/>
+          <p:cNvSpPr>
+            <a:spLocks noGrp="1"/>
+          </p:cNvSpPr>
+          <p:nvPr>
+            <p:ph idx="1"/>
+          </p:nvPr>
+        </p:nvSpPr>
+        <p:spPr/>
+        <p:txBody>
+          <a:bodyPr/>
+          <a:lstStyle/>
+          <a:p>
+            <a:r>
+              <a:rPr lang="en-US" dirty="0" smtClean="0"/>
+              <a:t>Main Contributions</a:t>
+            </a:r>
+          </a:p>
+          <a:p>
+            <a:r>
+              <a:rPr lang="en-US" dirty="0" smtClean="0"/>
+              <a:t>Participation in Team Results</a:t>
+            </a:r>
+          </a:p>
+          <a:p>
+            <a:r>
+              <a:rPr lang="en-US" smtClean="0"/>
+              <a:t>Lessons Learned</a:t>
+            </a:r>
+            <a:endParaRPr lang="en-US" dirty="0"/>
           </a:p>
         </p:txBody>
       </p:sp>

--- a/Final Presentation/Presentation.pptx
+++ b/Final Presentation/Presentation.pptx
@@ -5,7 +5,7 @@
     <p:sldMasterId id="2147484047" r:id="rId1"/>
   </p:sldMasterIdLst>
   <p:notesMasterIdLst>
-    <p:notesMasterId r:id="rId68"/>
+    <p:notesMasterId r:id="rId69"/>
   </p:notesMasterIdLst>
   <p:sldIdLst>
     <p:sldId id="256" r:id="rId2"/>
@@ -64,16 +64,17 @@
     <p:sldId id="285" r:id="rId55"/>
     <p:sldId id="283" r:id="rId56"/>
     <p:sldId id="286" r:id="rId57"/>
-    <p:sldId id="287" r:id="rId58"/>
-    <p:sldId id="288" r:id="rId59"/>
-    <p:sldId id="327" r:id="rId60"/>
-    <p:sldId id="328" r:id="rId61"/>
-    <p:sldId id="329" r:id="rId62"/>
-    <p:sldId id="289" r:id="rId63"/>
-    <p:sldId id="290" r:id="rId64"/>
-    <p:sldId id="306" r:id="rId65"/>
-    <p:sldId id="291" r:id="rId66"/>
-    <p:sldId id="292" r:id="rId67"/>
+    <p:sldId id="336" r:id="rId58"/>
+    <p:sldId id="287" r:id="rId59"/>
+    <p:sldId id="288" r:id="rId60"/>
+    <p:sldId id="327" r:id="rId61"/>
+    <p:sldId id="328" r:id="rId62"/>
+    <p:sldId id="329" r:id="rId63"/>
+    <p:sldId id="289" r:id="rId64"/>
+    <p:sldId id="290" r:id="rId65"/>
+    <p:sldId id="306" r:id="rId66"/>
+    <p:sldId id="291" r:id="rId67"/>
+    <p:sldId id="292" r:id="rId68"/>
   </p:sldIdLst>
   <p:sldSz cx="12192000" cy="6858000"/>
   <p:notesSz cx="6858000" cy="9144000"/>
@@ -174,7 +175,7 @@
   </p:defaultTextStyle>
   <p:extLst>
     <p:ext uri="{EFAFB233-063F-42B5-8137-9DF3F51BA10A}">
-      <p15:sldGuideLst xmlns:p15="http://schemas.microsoft.com/office/powerpoint/2012/main">
+      <p15:sldGuideLst xmlns:p15="http://schemas.microsoft.com/office/powerpoint/2012/main" xmlns="">
         <p15:guide id="1" orient="horz" pos="2160">
           <p15:clr>
             <a:srgbClr val="A4A3A4"/>
@@ -193,17 +194,7 @@
 
 <file path=ppt/charts/chart1.xml><?xml version="1.0" encoding="utf-8"?>
 <c:chartSpace xmlns:c="http://schemas.openxmlformats.org/drawingml/2006/chart" xmlns:a="http://schemas.openxmlformats.org/drawingml/2006/main" xmlns:r="http://schemas.openxmlformats.org/officeDocument/2006/relationships">
-  <c:date1904 val="0"/>
-  <c:lang val="en-US"/>
-  <c:roundedCorners val="0"/>
-  <mc:AlternateContent xmlns:mc="http://schemas.openxmlformats.org/markup-compatibility/2006">
-    <mc:Choice xmlns:c14="http://schemas.microsoft.com/office/drawing/2007/8/2/chart" Requires="c14">
-      <c14:style val="102"/>
-    </mc:Choice>
-    <mc:Fallback>
-      <c:style val="2"/>
-    </mc:Fallback>
-  </mc:AlternateContent>
+  <c:lang val="pt-PT"/>
   <c:chart>
     <c:title>
       <c:tx>
@@ -232,7 +223,6 @@
         </c:rich>
       </c:tx>
       <c:layout/>
-      <c:overlay val="0"/>
       <c:spPr>
         <a:noFill/>
         <a:ln>
@@ -240,34 +230,12 @@
         </a:ln>
         <a:effectLst/>
       </c:spPr>
-      <c:txPr>
-        <a:bodyPr rot="0" spcFirstLastPara="1" vertOverflow="ellipsis" vert="horz" wrap="square" anchor="ctr" anchorCtr="1"/>
-        <a:lstStyle/>
-        <a:p>
-          <a:pPr>
-            <a:defRPr sz="2128" b="1" i="0" u="none" strike="noStrike" kern="1200" cap="all" spc="120" normalizeH="0" baseline="0">
-              <a:solidFill>
-                <a:schemeClr val="tx1">
-                  <a:lumMod val="65000"/>
-                  <a:lumOff val="35000"/>
-                </a:schemeClr>
-              </a:solidFill>
-              <a:latin typeface="+mn-lt"/>
-              <a:ea typeface="+mn-ea"/>
-              <a:cs typeface="+mn-cs"/>
-            </a:defRPr>
-          </a:pPr>
-          <a:endParaRPr lang="pt-PT"/>
-        </a:p>
-      </c:txPr>
     </c:title>
-    <c:autoTitleDeleted val="0"/>
     <c:plotArea>
       <c:layout/>
       <c:barChart>
         <c:barDir val="col"/>
         <c:grouping val="clustered"/>
-        <c:varyColors val="0"/>
         <c:ser>
           <c:idx val="0"/>
           <c:order val="0"/>
@@ -291,7 +259,6 @@
             </a:ln>
             <a:effectLst/>
           </c:spPr>
-          <c:invertIfNegative val="0"/>
           <c:dLbls>
             <c:spPr>
               <a:noFill/>
@@ -323,13 +290,7 @@
               </a:p>
             </c:txPr>
             <c:dLblPos val="outEnd"/>
-            <c:showLegendKey val="0"/>
             <c:showVal val="1"/>
-            <c:showCatName val="0"/>
-            <c:showSerName val="0"/>
-            <c:showPercent val="0"/>
-            <c:showBubbleSize val="0"/>
-            <c:showLeaderLines val="0"/>
             <c:extLst>
               <c:ext xmlns:c15="http://schemas.microsoft.com/office/drawing/2012/chart" uri="{CE6537A1-D6FC-4f65-9D91-7224C49458BB}">
                 <c15:layout/>
@@ -374,7 +335,7 @@
             <c:numRef>
               <c:f>Folha1!$O$44:$R$44</c:f>
               <c:numCache>
-                <c:formatCode>General</c:formatCode>
+                <c:formatCode>Estandar</c:formatCode>
                 <c:ptCount val="4"/>
                 <c:pt idx="0">
                   <c:v>100</c:v>
@@ -412,7 +373,6 @@
             </a:ln>
             <a:effectLst/>
           </c:spPr>
-          <c:invertIfNegative val="0"/>
           <c:dLbls>
             <c:spPr>
               <a:noFill/>
@@ -444,13 +404,7 @@
               </a:p>
             </c:txPr>
             <c:dLblPos val="outEnd"/>
-            <c:showLegendKey val="0"/>
             <c:showVal val="1"/>
-            <c:showCatName val="0"/>
-            <c:showSerName val="0"/>
-            <c:showPercent val="0"/>
-            <c:showBubbleSize val="0"/>
-            <c:showLeaderLines val="0"/>
             <c:extLst>
               <c:ext xmlns:c15="http://schemas.microsoft.com/office/drawing/2012/chart" uri="{CE6537A1-D6FC-4f65-9D91-7224C49458BB}">
                 <c15:layout/>
@@ -495,7 +449,7 @@
             <c:numRef>
               <c:f>Folha1!$O$45:$R$45</c:f>
               <c:numCache>
-                <c:formatCode>General</c:formatCode>
+                <c:formatCode>Estandar</c:formatCode>
                 <c:ptCount val="4"/>
                 <c:pt idx="1">
                   <c:v>93</c:v>
@@ -511,25 +465,18 @@
           </c:val>
         </c:ser>
         <c:dLbls>
-          <c:dLblPos val="outEnd"/>
-          <c:showLegendKey val="0"/>
           <c:showVal val="1"/>
-          <c:showCatName val="0"/>
-          <c:showSerName val="0"/>
-          <c:showPercent val="0"/>
-          <c:showBubbleSize val="0"/>
         </c:dLbls>
         <c:gapWidth val="444"/>
         <c:overlap val="-90"/>
-        <c:axId val="1110356160"/>
-        <c:axId val="1110356704"/>
+        <c:axId val="92445312"/>
+        <c:axId val="92459392"/>
       </c:barChart>
       <c:catAx>
-        <c:axId val="1110356160"/>
+        <c:axId val="92445312"/>
         <c:scaling>
           <c:orientation val="minMax"/>
         </c:scaling>
-        <c:delete val="0"/>
         <c:axPos val="b"/>
         <c:majorGridlines>
           <c:spPr>
@@ -545,9 +492,8 @@
             <a:effectLst/>
           </c:spPr>
         </c:majorGridlines>
-        <c:numFmt formatCode="General" sourceLinked="1"/>
+        <c:numFmt formatCode="Estandar" sourceLinked="1"/>
         <c:majorTickMark val="none"/>
-        <c:minorTickMark val="none"/>
         <c:tickLblPos val="nextTo"/>
         <c:spPr>
           <a:noFill/>
@@ -582,25 +528,23 @@
             <a:endParaRPr lang="pt-PT"/>
           </a:p>
         </c:txPr>
-        <c:crossAx val="1110356704"/>
+        <c:crossAx val="92459392"/>
         <c:crosses val="autoZero"/>
         <c:auto val="1"/>
         <c:lblAlgn val="ctr"/>
         <c:lblOffset val="100"/>
-        <c:noMultiLvlLbl val="0"/>
       </c:catAx>
       <c:valAx>
-        <c:axId val="1110356704"/>
+        <c:axId val="92459392"/>
         <c:scaling>
           <c:orientation val="minMax"/>
         </c:scaling>
         <c:delete val="1"/>
         <c:axPos val="l"/>
-        <c:numFmt formatCode="General" sourceLinked="1"/>
+        <c:numFmt formatCode="Estandar" sourceLinked="1"/>
         <c:majorTickMark val="none"/>
-        <c:minorTickMark val="none"/>
-        <c:tickLblPos val="nextTo"/>
-        <c:crossAx val="1110356160"/>
+        <c:tickLblPos val="none"/>
+        <c:crossAx val="92445312"/>
         <c:crosses val="autoZero"/>
         <c:crossBetween val="between"/>
       </c:valAx>
@@ -615,7 +559,6 @@
     <c:legend>
       <c:legendPos val="t"/>
       <c:layout/>
-      <c:overlay val="0"/>
       <c:spPr>
         <a:noFill/>
         <a:ln>
@@ -646,7 +589,6 @@
     </c:legend>
     <c:plotVisOnly val="1"/>
     <c:dispBlanksAs val="gap"/>
-    <c:showDLblsOverMax val="0"/>
   </c:chart>
   <c:spPr>
     <a:noFill/>
@@ -665,25 +607,13 @@
       <a:endParaRPr lang="pt-PT"/>
     </a:p>
   </c:txPr>
-  <c:externalData r:id="rId3">
-    <c:autoUpdate val="0"/>
-  </c:externalData>
+  <c:externalData r:id="rId1"/>
 </c:chartSpace>
 </file>
 
 <file path=ppt/charts/chart2.xml><?xml version="1.0" encoding="utf-8"?>
 <c:chartSpace xmlns:c="http://schemas.openxmlformats.org/drawingml/2006/chart" xmlns:a="http://schemas.openxmlformats.org/drawingml/2006/main" xmlns:r="http://schemas.openxmlformats.org/officeDocument/2006/relationships">
-  <c:date1904 val="0"/>
-  <c:lang val="en-US"/>
-  <c:roundedCorners val="0"/>
-  <mc:AlternateContent xmlns:mc="http://schemas.openxmlformats.org/markup-compatibility/2006">
-    <mc:Choice xmlns:c14="http://schemas.microsoft.com/office/drawing/2007/8/2/chart" Requires="c14">
-      <c14:style val="102"/>
-    </mc:Choice>
-    <mc:Fallback>
-      <c:style val="2"/>
-    </mc:Fallback>
-  </mc:AlternateContent>
+  <c:lang val="pt-PT"/>
   <c:chart>
     <c:title>
       <c:tx>
@@ -715,11 +645,10 @@
         <c:manualLayout>
           <c:xMode val="edge"/>
           <c:yMode val="edge"/>
-          <c:x val="0.29292401282316854"/>
-          <c:y val="2.4482108622810708E-2"/>
+          <c:x val="0.2929240128231686"/>
+          <c:y val="2.4482108622810719E-2"/>
         </c:manualLayout>
       </c:layout>
-      <c:overlay val="0"/>
       <c:spPr>
         <a:noFill/>
         <a:ln>
@@ -727,34 +656,12 @@
         </a:ln>
         <a:effectLst/>
       </c:spPr>
-      <c:txPr>
-        <a:bodyPr rot="0" spcFirstLastPara="1" vertOverflow="ellipsis" vert="horz" wrap="square" anchor="ctr" anchorCtr="1"/>
-        <a:lstStyle/>
-        <a:p>
-          <a:pPr>
-            <a:defRPr sz="2128" b="1" i="0" u="none" strike="noStrike" kern="1200" cap="all" spc="120" normalizeH="0" baseline="0">
-              <a:solidFill>
-                <a:schemeClr val="tx1">
-                  <a:lumMod val="65000"/>
-                  <a:lumOff val="35000"/>
-                </a:schemeClr>
-              </a:solidFill>
-              <a:latin typeface="+mn-lt"/>
-              <a:ea typeface="+mn-ea"/>
-              <a:cs typeface="+mn-cs"/>
-            </a:defRPr>
-          </a:pPr>
-          <a:endParaRPr lang="pt-PT"/>
-        </a:p>
-      </c:txPr>
     </c:title>
-    <c:autoTitleDeleted val="0"/>
     <c:plotArea>
       <c:layout/>
       <c:barChart>
         <c:barDir val="col"/>
         <c:grouping val="clustered"/>
-        <c:varyColors val="0"/>
         <c:ser>
           <c:idx val="0"/>
           <c:order val="0"/>
@@ -778,7 +685,6 @@
             </a:ln>
             <a:effectLst/>
           </c:spPr>
-          <c:invertIfNegative val="0"/>
           <c:dLbls>
             <c:spPr>
               <a:noFill/>
@@ -810,13 +716,7 @@
               </a:p>
             </c:txPr>
             <c:dLblPos val="outEnd"/>
-            <c:showLegendKey val="0"/>
             <c:showVal val="1"/>
-            <c:showCatName val="0"/>
-            <c:showSerName val="0"/>
-            <c:showPercent val="0"/>
-            <c:showBubbleSize val="0"/>
-            <c:showLeaderLines val="0"/>
             <c:extLst>
               <c:ext xmlns:c15="http://schemas.microsoft.com/office/drawing/2012/chart" uri="{CE6537A1-D6FC-4f65-9D91-7224C49458BB}">
                 <c15:layout/>
@@ -861,7 +761,7 @@
             <c:numRef>
               <c:f>Folha1!$L$69:$O$69</c:f>
               <c:numCache>
-                <c:formatCode>General</c:formatCode>
+                <c:formatCode>Estandar</c:formatCode>
                 <c:ptCount val="4"/>
                 <c:pt idx="0">
                   <c:v>100</c:v>
@@ -902,7 +802,6 @@
             </a:ln>
             <a:effectLst/>
           </c:spPr>
-          <c:invertIfNegative val="0"/>
           <c:dLbls>
             <c:spPr>
               <a:noFill/>
@@ -934,13 +833,7 @@
               </a:p>
             </c:txPr>
             <c:dLblPos val="outEnd"/>
-            <c:showLegendKey val="0"/>
             <c:showVal val="1"/>
-            <c:showCatName val="0"/>
-            <c:showSerName val="0"/>
-            <c:showPercent val="0"/>
-            <c:showBubbleSize val="0"/>
-            <c:showLeaderLines val="0"/>
             <c:extLst>
               <c:ext xmlns:c15="http://schemas.microsoft.com/office/drawing/2012/chart" uri="{CE6537A1-D6FC-4f65-9D91-7224C49458BB}">
                 <c15:layout/>
@@ -985,7 +878,7 @@
             <c:numRef>
               <c:f>Folha1!$L$70:$O$70</c:f>
               <c:numCache>
-                <c:formatCode>General</c:formatCode>
+                <c:formatCode>Estandar</c:formatCode>
                 <c:ptCount val="4"/>
                 <c:pt idx="0">
                   <c:v>107.75</c:v>
@@ -1004,25 +897,18 @@
           </c:val>
         </c:ser>
         <c:dLbls>
-          <c:dLblPos val="outEnd"/>
-          <c:showLegendKey val="0"/>
           <c:showVal val="1"/>
-          <c:showCatName val="0"/>
-          <c:showSerName val="0"/>
-          <c:showPercent val="0"/>
-          <c:showBubbleSize val="0"/>
         </c:dLbls>
         <c:gapWidth val="444"/>
         <c:overlap val="-90"/>
-        <c:axId val="1207138448"/>
-        <c:axId val="1207138992"/>
+        <c:axId val="94329472"/>
+        <c:axId val="94343552"/>
       </c:barChart>
       <c:catAx>
-        <c:axId val="1207138448"/>
+        <c:axId val="94329472"/>
         <c:scaling>
           <c:orientation val="minMax"/>
         </c:scaling>
-        <c:delete val="0"/>
         <c:axPos val="b"/>
         <c:majorGridlines>
           <c:spPr>
@@ -1038,9 +924,8 @@
             <a:effectLst/>
           </c:spPr>
         </c:majorGridlines>
-        <c:numFmt formatCode="General" sourceLinked="1"/>
+        <c:numFmt formatCode="Estandar" sourceLinked="1"/>
         <c:majorTickMark val="none"/>
-        <c:minorTickMark val="none"/>
         <c:tickLblPos val="nextTo"/>
         <c:spPr>
           <a:noFill/>
@@ -1075,25 +960,23 @@
             <a:endParaRPr lang="pt-PT"/>
           </a:p>
         </c:txPr>
-        <c:crossAx val="1207138992"/>
+        <c:crossAx val="94343552"/>
         <c:crosses val="autoZero"/>
         <c:auto val="1"/>
         <c:lblAlgn val="ctr"/>
         <c:lblOffset val="100"/>
-        <c:noMultiLvlLbl val="0"/>
       </c:catAx>
       <c:valAx>
-        <c:axId val="1207138992"/>
+        <c:axId val="94343552"/>
         <c:scaling>
           <c:orientation val="minMax"/>
         </c:scaling>
         <c:delete val="1"/>
         <c:axPos val="l"/>
-        <c:numFmt formatCode="General" sourceLinked="1"/>
+        <c:numFmt formatCode="Estandar" sourceLinked="1"/>
         <c:majorTickMark val="none"/>
-        <c:minorTickMark val="none"/>
-        <c:tickLblPos val="nextTo"/>
-        <c:crossAx val="1207138448"/>
+        <c:tickLblPos val="none"/>
+        <c:crossAx val="94329472"/>
         <c:crosses val="autoZero"/>
         <c:crossBetween val="between"/>
       </c:valAx>
@@ -1154,7 +1037,6 @@
         </c:txPr>
       </c:legendEntry>
       <c:layout/>
-      <c:overlay val="0"/>
       <c:spPr>
         <a:noFill/>
         <a:ln>
@@ -1185,7 +1067,6 @@
     </c:legend>
     <c:plotVisOnly val="1"/>
     <c:dispBlanksAs val="gap"/>
-    <c:showDLblsOverMax val="0"/>
   </c:chart>
   <c:spPr>
     <a:noFill/>
@@ -1204,25 +1085,13 @@
       <a:endParaRPr lang="pt-PT"/>
     </a:p>
   </c:txPr>
-  <c:externalData r:id="rId3">
-    <c:autoUpdate val="0"/>
-  </c:externalData>
+  <c:externalData r:id="rId1"/>
 </c:chartSpace>
 </file>
 
 <file path=ppt/charts/chart3.xml><?xml version="1.0" encoding="utf-8"?>
 <c:chartSpace xmlns:c="http://schemas.openxmlformats.org/drawingml/2006/chart" xmlns:a="http://schemas.openxmlformats.org/drawingml/2006/main" xmlns:r="http://schemas.openxmlformats.org/officeDocument/2006/relationships">
-  <c:date1904 val="0"/>
-  <c:lang val="en-US"/>
-  <c:roundedCorners val="0"/>
-  <mc:AlternateContent xmlns:mc="http://schemas.openxmlformats.org/markup-compatibility/2006">
-    <mc:Choice xmlns:c14="http://schemas.microsoft.com/office/drawing/2007/8/2/chart" Requires="c14">
-      <c14:style val="102"/>
-    </mc:Choice>
-    <mc:Fallback>
-      <c:style val="2"/>
-    </mc:Fallback>
-  </mc:AlternateContent>
+  <c:lang val="pt-PT"/>
   <c:chart>
     <c:title>
       <c:tx>
@@ -1251,7 +1120,6 @@
         </c:rich>
       </c:tx>
       <c:layout/>
-      <c:overlay val="0"/>
       <c:spPr>
         <a:noFill/>
         <a:ln>
@@ -1259,34 +1127,12 @@
         </a:ln>
         <a:effectLst/>
       </c:spPr>
-      <c:txPr>
-        <a:bodyPr rot="0" spcFirstLastPara="1" vertOverflow="ellipsis" vert="horz" wrap="square" anchor="ctr" anchorCtr="1"/>
-        <a:lstStyle/>
-        <a:p>
-          <a:pPr>
-            <a:defRPr sz="2128" b="1" i="0" u="none" strike="noStrike" kern="1200" cap="all" spc="120" normalizeH="0" baseline="0">
-              <a:solidFill>
-                <a:schemeClr val="tx1">
-                  <a:lumMod val="65000"/>
-                  <a:lumOff val="35000"/>
-                </a:schemeClr>
-              </a:solidFill>
-              <a:latin typeface="+mn-lt"/>
-              <a:ea typeface="+mn-ea"/>
-              <a:cs typeface="+mn-cs"/>
-            </a:defRPr>
-          </a:pPr>
-          <a:endParaRPr lang="pt-PT"/>
-        </a:p>
-      </c:txPr>
     </c:title>
-    <c:autoTitleDeleted val="0"/>
     <c:plotArea>
       <c:layout/>
       <c:barChart>
         <c:barDir val="col"/>
         <c:grouping val="clustered"/>
-        <c:varyColors val="0"/>
         <c:ser>
           <c:idx val="0"/>
           <c:order val="0"/>
@@ -1299,7 +1145,6 @@
             </a:ln>
             <a:effectLst/>
           </c:spPr>
-          <c:invertIfNegative val="0"/>
           <c:dLbls>
             <c:spPr>
               <a:noFill/>
@@ -1331,13 +1176,7 @@
               </a:p>
             </c:txPr>
             <c:dLblPos val="outEnd"/>
-            <c:showLegendKey val="0"/>
             <c:showVal val="1"/>
-            <c:showCatName val="0"/>
-            <c:showSerName val="0"/>
-            <c:showPercent val="0"/>
-            <c:showBubbleSize val="0"/>
-            <c:showLeaderLines val="0"/>
             <c:extLst>
               <c:ext xmlns:c15="http://schemas.microsoft.com/office/drawing/2012/chart" uri="{CE6537A1-D6FC-4f65-9D91-7224C49458BB}">
                 <c15:layout/>
@@ -1385,7 +1224,7 @@
             <c:numRef>
               <c:f>'Team Log'!$G$2:$G$6</c:f>
               <c:numCache>
-                <c:formatCode>General</c:formatCode>
+                <c:formatCode>Estandar</c:formatCode>
                 <c:ptCount val="5"/>
                 <c:pt idx="0">
                   <c:v>262</c:v>
@@ -1407,25 +1246,18 @@
           </c:val>
         </c:ser>
         <c:dLbls>
-          <c:dLblPos val="outEnd"/>
-          <c:showLegendKey val="0"/>
           <c:showVal val="1"/>
-          <c:showCatName val="0"/>
-          <c:showSerName val="0"/>
-          <c:showPercent val="0"/>
-          <c:showBubbleSize val="0"/>
         </c:dLbls>
         <c:gapWidth val="444"/>
         <c:overlap val="-90"/>
-        <c:axId val="1207134640"/>
-        <c:axId val="1207124304"/>
+        <c:axId val="16328960"/>
+        <c:axId val="16338944"/>
       </c:barChart>
       <c:catAx>
-        <c:axId val="1207134640"/>
+        <c:axId val="16328960"/>
         <c:scaling>
           <c:orientation val="minMax"/>
         </c:scaling>
-        <c:delete val="0"/>
         <c:axPos val="b"/>
         <c:majorGridlines>
           <c:spPr>
@@ -1441,9 +1273,8 @@
             <a:effectLst/>
           </c:spPr>
         </c:majorGridlines>
-        <c:numFmt formatCode="General" sourceLinked="1"/>
+        <c:numFmt formatCode="Estandar" sourceLinked="1"/>
         <c:majorTickMark val="none"/>
-        <c:minorTickMark val="none"/>
         <c:tickLblPos val="nextTo"/>
         <c:spPr>
           <a:noFill/>
@@ -1478,25 +1309,23 @@
             <a:endParaRPr lang="pt-PT"/>
           </a:p>
         </c:txPr>
-        <c:crossAx val="1207124304"/>
+        <c:crossAx val="16338944"/>
         <c:crosses val="autoZero"/>
         <c:auto val="1"/>
         <c:lblAlgn val="ctr"/>
         <c:lblOffset val="100"/>
-        <c:noMultiLvlLbl val="0"/>
       </c:catAx>
       <c:valAx>
-        <c:axId val="1207124304"/>
+        <c:axId val="16338944"/>
         <c:scaling>
           <c:orientation val="minMax"/>
         </c:scaling>
         <c:delete val="1"/>
         <c:axPos val="l"/>
-        <c:numFmt formatCode="General" sourceLinked="1"/>
+        <c:numFmt formatCode="Estandar" sourceLinked="1"/>
         <c:majorTickMark val="none"/>
-        <c:minorTickMark val="none"/>
-        <c:tickLblPos val="nextTo"/>
-        <c:crossAx val="1207134640"/>
+        <c:tickLblPos val="none"/>
+        <c:crossAx val="16328960"/>
         <c:crosses val="autoZero"/>
         <c:crossBetween val="between"/>
       </c:valAx>
@@ -1510,7 +1339,6 @@
     </c:plotArea>
     <c:plotVisOnly val="1"/>
     <c:dispBlanksAs val="gap"/>
-    <c:showDLblsOverMax val="0"/>
   </c:chart>
   <c:spPr>
     <a:noFill/>
@@ -1529,25 +1357,13 @@
       <a:endParaRPr lang="pt-PT"/>
     </a:p>
   </c:txPr>
-  <c:externalData r:id="rId3">
-    <c:autoUpdate val="0"/>
-  </c:externalData>
+  <c:externalData r:id="rId1"/>
 </c:chartSpace>
 </file>
 
 <file path=ppt/charts/chart4.xml><?xml version="1.0" encoding="utf-8"?>
 <c:chartSpace xmlns:c="http://schemas.openxmlformats.org/drawingml/2006/chart" xmlns:a="http://schemas.openxmlformats.org/drawingml/2006/main" xmlns:r="http://schemas.openxmlformats.org/officeDocument/2006/relationships">
-  <c:date1904 val="0"/>
-  <c:lang val="en-US"/>
-  <c:roundedCorners val="0"/>
-  <mc:AlternateContent xmlns:mc="http://schemas.openxmlformats.org/markup-compatibility/2006">
-    <mc:Choice xmlns:c14="http://schemas.microsoft.com/office/drawing/2007/8/2/chart" Requires="c14">
-      <c14:style val="102"/>
-    </mc:Choice>
-    <mc:Fallback>
-      <c:style val="2"/>
-    </mc:Fallback>
-  </mc:AlternateContent>
+  <c:lang val="pt-PT"/>
   <c:chart>
     <c:autoTitleDeleted val="1"/>
     <c:plotArea>
@@ -1555,7 +1371,6 @@
       <c:barChart>
         <c:barDir val="col"/>
         <c:grouping val="clustered"/>
-        <c:varyColors val="0"/>
         <c:ser>
           <c:idx val="0"/>
           <c:order val="0"/>
@@ -1579,11 +1394,8 @@
             </a:ln>
             <a:effectLst/>
           </c:spPr>
-          <c:invertIfNegative val="0"/>
           <c:dPt>
             <c:idx val="7"/>
-            <c:invertIfNegative val="0"/>
-            <c:bubble3D val="0"/>
             <c:spPr>
               <a:solidFill>
                 <a:schemeClr val="accent1">
@@ -1632,7 +1444,7 @@
             <c:numRef>
               <c:f>'Team Log'!$F$23:$F$30</c:f>
               <c:numCache>
-                <c:formatCode>General</c:formatCode>
+                <c:formatCode>Estandar</c:formatCode>
                 <c:ptCount val="8"/>
                 <c:pt idx="0">
                   <c:v>40.5</c:v>
@@ -1685,11 +1497,8 @@
             </a:ln>
             <a:effectLst/>
           </c:spPr>
-          <c:invertIfNegative val="0"/>
           <c:dPt>
             <c:idx val="7"/>
-            <c:invertIfNegative val="0"/>
-            <c:bubble3D val="0"/>
             <c:spPr>
               <a:solidFill>
                 <a:schemeClr val="bg2">
@@ -1738,7 +1547,7 @@
             <c:numRef>
               <c:f>'Team Log'!$G$23:$G$30</c:f>
               <c:numCache>
-                <c:formatCode>General</c:formatCode>
+                <c:formatCode>Estandar</c:formatCode>
                 <c:ptCount val="8"/>
                 <c:pt idx="0">
                   <c:v>45.5</c:v>
@@ -1791,7 +1600,6 @@
             </a:ln>
             <a:effectLst/>
           </c:spPr>
-          <c:invertIfNegative val="0"/>
           <c:cat>
             <c:strRef>
               <c:f>'Team Log'!$E$23:$E$30</c:f>
@@ -1828,7 +1636,7 @@
             <c:numRef>
               <c:f>'Team Log'!$H$23:$H$30</c:f>
               <c:numCache>
-                <c:formatCode>General</c:formatCode>
+                <c:formatCode>Estandar</c:formatCode>
                 <c:ptCount val="8"/>
                 <c:pt idx="0">
                   <c:v>3</c:v>
@@ -1843,29 +1651,20 @@
             </c:numRef>
           </c:val>
         </c:ser>
-        <c:dLbls>
-          <c:showLegendKey val="0"/>
-          <c:showVal val="0"/>
-          <c:showCatName val="0"/>
-          <c:showSerName val="0"/>
-          <c:showPercent val="0"/>
-          <c:showBubbleSize val="0"/>
-        </c:dLbls>
+        <c:dLbls/>
         <c:gapWidth val="219"/>
         <c:overlap val="-27"/>
-        <c:axId val="1207133552"/>
-        <c:axId val="1207129744"/>
+        <c:axId val="96496256"/>
+        <c:axId val="96510336"/>
       </c:barChart>
       <c:catAx>
-        <c:axId val="1207133552"/>
+        <c:axId val="96496256"/>
         <c:scaling>
           <c:orientation val="minMax"/>
         </c:scaling>
-        <c:delete val="0"/>
         <c:axPos val="b"/>
-        <c:numFmt formatCode="General" sourceLinked="1"/>
+        <c:numFmt formatCode="Estandar" sourceLinked="1"/>
         <c:majorTickMark val="none"/>
-        <c:minorTickMark val="none"/>
         <c:tickLblPos val="nextTo"/>
         <c:spPr>
           <a:noFill/>
@@ -1900,19 +1699,17 @@
             <a:endParaRPr lang="pt-PT"/>
           </a:p>
         </c:txPr>
-        <c:crossAx val="1207129744"/>
+        <c:crossAx val="96510336"/>
         <c:crosses val="autoZero"/>
         <c:auto val="1"/>
         <c:lblAlgn val="ctr"/>
         <c:lblOffset val="100"/>
-        <c:noMultiLvlLbl val="0"/>
       </c:catAx>
       <c:valAx>
-        <c:axId val="1207129744"/>
+        <c:axId val="96510336"/>
         <c:scaling>
           <c:orientation val="minMax"/>
         </c:scaling>
-        <c:delete val="0"/>
         <c:axPos val="l"/>
         <c:majorGridlines>
           <c:spPr>
@@ -1928,9 +1725,8 @@
             <a:effectLst/>
           </c:spPr>
         </c:majorGridlines>
-        <c:numFmt formatCode="General" sourceLinked="1"/>
+        <c:numFmt formatCode="Estandar" sourceLinked="1"/>
         <c:majorTickMark val="none"/>
-        <c:minorTickMark val="none"/>
         <c:tickLblPos val="nextTo"/>
         <c:spPr>
           <a:noFill/>
@@ -1959,7 +1755,7 @@
             <a:endParaRPr lang="pt-PT"/>
           </a:p>
         </c:txPr>
-        <c:crossAx val="1207133552"/>
+        <c:crossAx val="96496256"/>
         <c:crosses val="autoZero"/>
         <c:crossBetween val="between"/>
       </c:valAx>
@@ -1974,7 +1770,6 @@
     <c:legend>
       <c:legendPos val="b"/>
       <c:layout/>
-      <c:overlay val="0"/>
       <c:spPr>
         <a:noFill/>
         <a:ln>
@@ -2005,7 +1800,6 @@
     </c:legend>
     <c:plotVisOnly val="1"/>
     <c:dispBlanksAs val="gap"/>
-    <c:showDLblsOverMax val="0"/>
   </c:chart>
   <c:spPr>
     <a:noFill/>
@@ -2024,25 +1818,13 @@
       <a:endParaRPr lang="pt-PT"/>
     </a:p>
   </c:txPr>
-  <c:externalData r:id="rId3">
-    <c:autoUpdate val="0"/>
-  </c:externalData>
+  <c:externalData r:id="rId1"/>
 </c:chartSpace>
 </file>
 
 <file path=ppt/charts/chart5.xml><?xml version="1.0" encoding="utf-8"?>
 <c:chartSpace xmlns:c="http://schemas.openxmlformats.org/drawingml/2006/chart" xmlns:a="http://schemas.openxmlformats.org/drawingml/2006/main" xmlns:r="http://schemas.openxmlformats.org/officeDocument/2006/relationships">
-  <c:date1904 val="0"/>
-  <c:lang val="en-US"/>
-  <c:roundedCorners val="0"/>
-  <mc:AlternateContent xmlns:mc="http://schemas.openxmlformats.org/markup-compatibility/2006">
-    <mc:Choice xmlns:c14="http://schemas.microsoft.com/office/drawing/2007/8/2/chart" Requires="c14">
-      <c14:style val="102"/>
-    </mc:Choice>
-    <mc:Fallback>
-      <c:style val="2"/>
-    </mc:Fallback>
-  </mc:AlternateContent>
+  <c:lang val="pt-PT"/>
   <c:chart>
     <c:autoTitleDeleted val="1"/>
     <c:plotArea>
@@ -2111,7 +1893,7 @@
             <c:numRef>
               <c:f>Folha1!$C$2:$C$8</c:f>
               <c:numCache>
-                <c:formatCode>General</c:formatCode>
+                <c:formatCode>Estandar</c:formatCode>
                 <c:ptCount val="7"/>
                 <c:pt idx="0">
                   <c:v>5.5</c:v>
@@ -2137,7 +1919,6 @@
               </c:numCache>
             </c:numRef>
           </c:val>
-          <c:smooth val="0"/>
         </c:ser>
         <c:ser>
           <c:idx val="2"/>
@@ -2202,7 +1983,7 @@
             <c:numRef>
               <c:f>Folha1!$D$2:$D$8</c:f>
               <c:numCache>
-                <c:formatCode>General</c:formatCode>
+                <c:formatCode>Estandar</c:formatCode>
                 <c:ptCount val="7"/>
                 <c:pt idx="0">
                   <c:v>8.5</c:v>
@@ -2228,7 +2009,6 @@
               </c:numCache>
             </c:numRef>
           </c:val>
-          <c:smooth val="0"/>
         </c:ser>
         <c:ser>
           <c:idx val="3"/>
@@ -2312,42 +2092,34 @@
             <c:numRef>
               <c:f>Folha1!$E$2:$E$8</c:f>
               <c:numCache>
-                <c:formatCode>General</c:formatCode>
+                <c:formatCode>Estandar</c:formatCode>
                 <c:ptCount val="7"/>
                 <c:pt idx="0">
                   <c:v>6.615384615384615</c:v>
                 </c:pt>
                 <c:pt idx="1">
-                  <c:v>5.5576923076923075</c:v>
+                  <c:v>5.5576923076923084</c:v>
                 </c:pt>
                 <c:pt idx="2">
                   <c:v>6.1538461538461542</c:v>
                 </c:pt>
                 <c:pt idx="3">
-                  <c:v>5.7307692307692308</c:v>
+                  <c:v>5.7307692307692317</c:v>
                 </c:pt>
                 <c:pt idx="4">
                   <c:v>5.8461538461538458</c:v>
                 </c:pt>
                 <c:pt idx="5">
-                  <c:v>6.4038461538461542</c:v>
+                  <c:v>6.4038461538461551</c:v>
                 </c:pt>
                 <c:pt idx="6">
-                  <c:v>6.0576923076923075</c:v>
+                  <c:v>6.0576923076923084</c:v>
                 </c:pt>
               </c:numCache>
             </c:numRef>
           </c:val>
-          <c:smooth val="0"/>
         </c:ser>
-        <c:dLbls>
-          <c:showLegendKey val="0"/>
-          <c:showVal val="0"/>
-          <c:showCatName val="0"/>
-          <c:showSerName val="0"/>
-          <c:showPercent val="0"/>
-          <c:showBubbleSize val="0"/>
-        </c:dLbls>
+        <c:dLbls/>
         <c:hiLowLines>
           <c:spPr>
             <a:ln w="9525" cap="flat" cmpd="sng" algn="ctr">
@@ -2362,19 +2134,17 @@
             <a:effectLst/>
           </c:spPr>
         </c:hiLowLines>
-        <c:axId val="1207137904"/>
-        <c:axId val="1207135728"/>
+        <c:axId val="96553984"/>
+        <c:axId val="96568064"/>
       </c:stockChart>
       <c:catAx>
-        <c:axId val="1207137904"/>
+        <c:axId val="96553984"/>
         <c:scaling>
           <c:orientation val="minMax"/>
         </c:scaling>
-        <c:delete val="0"/>
         <c:axPos val="b"/>
-        <c:numFmt formatCode="General" sourceLinked="1"/>
+        <c:numFmt formatCode="Estandar" sourceLinked="1"/>
         <c:majorTickMark val="none"/>
-        <c:minorTickMark val="none"/>
         <c:tickLblPos val="nextTo"/>
         <c:spPr>
           <a:noFill/>
@@ -2409,19 +2179,17 @@
             <a:endParaRPr lang="pt-PT"/>
           </a:p>
         </c:txPr>
-        <c:crossAx val="1207135728"/>
+        <c:crossAx val="96568064"/>
         <c:crosses val="autoZero"/>
         <c:auto val="1"/>
         <c:lblAlgn val="ctr"/>
         <c:lblOffset val="100"/>
-        <c:noMultiLvlLbl val="0"/>
       </c:catAx>
       <c:valAx>
-        <c:axId val="1207135728"/>
+        <c:axId val="96568064"/>
         <c:scaling>
           <c:orientation val="minMax"/>
         </c:scaling>
-        <c:delete val="0"/>
         <c:axPos val="l"/>
         <c:majorGridlines>
           <c:spPr>
@@ -2437,9 +2205,8 @@
             <a:effectLst/>
           </c:spPr>
         </c:majorGridlines>
-        <c:numFmt formatCode="General" sourceLinked="1"/>
+        <c:numFmt formatCode="Estandar" sourceLinked="1"/>
         <c:majorTickMark val="none"/>
-        <c:minorTickMark val="none"/>
         <c:tickLblPos val="nextTo"/>
         <c:spPr>
           <a:noFill/>
@@ -2468,7 +2235,7 @@
             <a:endParaRPr lang="pt-PT"/>
           </a:p>
         </c:txPr>
-        <c:crossAx val="1207137904"/>
+        <c:crossAx val="96553984"/>
         <c:crosses val="autoZero"/>
         <c:crossBetween val="between"/>
         <c:majorUnit val="1"/>
@@ -2484,7 +2251,6 @@
     </c:plotArea>
     <c:plotVisOnly val="1"/>
     <c:dispBlanksAs val="gap"/>
-    <c:showDLblsOverMax val="0"/>
   </c:chart>
   <c:spPr>
     <a:noFill/>
@@ -2503,25 +2269,14 @@
       <a:endParaRPr lang="pt-PT"/>
     </a:p>
   </c:txPr>
-  <c:externalData r:id="rId3">
-    <c:autoUpdate val="0"/>
-  </c:externalData>
+  <c:externalData r:id="rId1"/>
 </c:chartSpace>
 </file>
 
 <file path=ppt/charts/chart6.xml><?xml version="1.0" encoding="utf-8"?>
 <c:chartSpace xmlns:c="http://schemas.openxmlformats.org/drawingml/2006/chart" xmlns:a="http://schemas.openxmlformats.org/drawingml/2006/main" xmlns:r="http://schemas.openxmlformats.org/officeDocument/2006/relationships">
-  <c:date1904 val="0"/>
-  <c:lang val="en-US"/>
-  <c:roundedCorners val="0"/>
-  <mc:AlternateContent xmlns:mc="http://schemas.openxmlformats.org/markup-compatibility/2006">
-    <mc:Choice xmlns:c14="http://schemas.microsoft.com/office/drawing/2007/8/2/chart" Requires="c14">
-      <c14:style val="134"/>
-    </mc:Choice>
-    <mc:Fallback>
-      <c:style val="34"/>
-    </mc:Fallback>
-  </mc:AlternateContent>
+  <c:lang val="pt-PT"/>
+  <c:style val="34"/>
   <c:chart>
     <c:title>
       <c:tx>
@@ -2539,9 +2294,8 @@
           </a:p>
         </c:rich>
       </c:tx>
-      <c:overlay val="0"/>
+      <c:layout/>
     </c:title>
-    <c:autoTitleDeleted val="0"/>
     <c:plotArea>
       <c:layout>
         <c:manualLayout>
@@ -2551,7 +2305,7 @@
           <c:x val="1.837493717540626E-2"/>
           <c:y val="0.11685429321334835"/>
           <c:w val="0.9687301563126659"/>
-          <c:h val="0.74789651293588366"/>
+          <c:h val="0.74789651293588388"/>
         </c:manualLayout>
       </c:layout>
       <c:ofPieChart>
@@ -2580,12 +2334,7 @@
               <a:effectLst/>
             </c:spPr>
             <c:dLblPos val="bestFit"/>
-            <c:showLegendKey val="0"/>
-            <c:showVal val="0"/>
-            <c:showCatName val="0"/>
-            <c:showSerName val="0"/>
             <c:showPercent val="1"/>
-            <c:showBubbleSize val="0"/>
             <c:showLeaderLines val="1"/>
             <c:extLst>
               <c:ext xmlns:c15="http://schemas.microsoft.com/office/drawing/2012/chart" uri="{CE6537A1-D6FC-4f65-9D91-7224C49458BB}"/>
@@ -2615,7 +2364,7 @@
             <c:numRef>
               <c:f>Folha1!$B$2:$B$5</c:f>
               <c:numCache>
-                <c:formatCode>General</c:formatCode>
+                <c:formatCode>Estandar</c:formatCode>
                 <c:ptCount val="4"/>
                 <c:pt idx="0">
                   <c:v>46</c:v>
@@ -2634,13 +2383,7 @@
           </c:val>
         </c:ser>
         <c:dLbls>
-          <c:showLegendKey val="0"/>
-          <c:showVal val="0"/>
-          <c:showCatName val="0"/>
-          <c:showSerName val="0"/>
           <c:showPercent val="1"/>
-          <c:showBubbleSize val="0"/>
-          <c:showLeaderLines val="1"/>
         </c:dLbls>
         <c:gapWidth val="150"/>
         <c:secondPieSize val="75"/>
@@ -2653,21 +2396,17 @@
         <c:manualLayout>
           <c:xMode val="edge"/>
           <c:yMode val="edge"/>
-          <c:x val="0.10437076409936182"/>
+          <c:x val="0.1043707640993618"/>
           <c:y val="0.89422182227221614"/>
           <c:w val="0.84181970483863588"/>
           <c:h val="6.8887289088863907E-2"/>
         </c:manualLayout>
       </c:layout>
-      <c:overlay val="0"/>
     </c:legend>
     <c:plotVisOnly val="1"/>
-    <c:dispBlanksAs val="gap"/>
-    <c:showDLblsOverMax val="0"/>
+    <c:dispBlanksAs val="zero"/>
   </c:chart>
-  <c:externalData r:id="rId1">
-    <c:autoUpdate val="0"/>
-  </c:externalData>
+  <c:externalData r:id="rId1"/>
 </c:chartSpace>
 </file>
 
@@ -6665,21 +6404,21 @@
     </dgm:pt>
   </dgm:ptLst>
   <dgm:cxnLst>
+    <dgm:cxn modelId="{531B340F-8630-438B-9B38-8C2716FAD3B4}" type="presOf" srcId="{9059B768-CD7D-43D2-80D2-6FDF0EAA0156}" destId="{49B98997-A726-433D-94FF-467BFB2ADCAF}" srcOrd="0" destOrd="0" presId="urn:microsoft.com/office/officeart/2005/8/layout/hProcess11"/>
+    <dgm:cxn modelId="{48AC722D-ACE2-4875-8C63-0C6D0EFEC009}" srcId="{C306C341-D599-4B1B-99D5-C33838902528}" destId="{136AD6A2-B441-479A-860B-9C60598DF083}" srcOrd="5" destOrd="0" parTransId="{B3AAAF1D-C6F6-49CE-A21B-B1132F4E369E}" sibTransId="{B013FFB8-9869-4AB3-A2B5-FDAEE2CD0557}"/>
+    <dgm:cxn modelId="{2531456E-1B85-4C5E-8AF6-C60E58F43067}" srcId="{C306C341-D599-4B1B-99D5-C33838902528}" destId="{BB8E58C9-394E-4BB7-956B-15FD8F0F4DF6}" srcOrd="3" destOrd="0" parTransId="{A1E3FDCD-492B-4046-91FD-A19D4F38F245}" sibTransId="{1808AAF0-8272-4577-B8B5-78D78CC4E805}"/>
+    <dgm:cxn modelId="{B9E36F7A-BBBE-4C6F-BF41-35D339983B88}" type="presOf" srcId="{1A49080C-0DE7-47E8-922A-4D0B1B6C485A}" destId="{50085456-D334-4C9E-B8C2-A46683D1A093}" srcOrd="0" destOrd="0" presId="urn:microsoft.com/office/officeart/2005/8/layout/hProcess11"/>
+    <dgm:cxn modelId="{FB5D8D0E-9186-481B-B91B-876243A2F8C3}" srcId="{C306C341-D599-4B1B-99D5-C33838902528}" destId="{9059B768-CD7D-43D2-80D2-6FDF0EAA0156}" srcOrd="2" destOrd="0" parTransId="{1EDF92A5-B373-4C08-A41F-FC4842BC317C}" sibTransId="{7F219E18-92F5-4220-8440-CDF23E2C86DD}"/>
+    <dgm:cxn modelId="{02A0FDDF-750D-4E70-AEEE-212E089D8451}" srcId="{C306C341-D599-4B1B-99D5-C33838902528}" destId="{D7A1B3F6-9A96-443D-918B-6A83D726860E}" srcOrd="0" destOrd="0" parTransId="{E621CA8E-4955-42BA-A043-EA33F0C1521B}" sibTransId="{39AA8962-6813-4284-95C5-BF4AE6D9DB14}"/>
+    <dgm:cxn modelId="{767A3C01-869E-45E9-9525-49AE88355A73}" type="presOf" srcId="{2FDC2C24-CC4E-4D25-B09B-59FD6E82C3EE}" destId="{D9A28F98-9710-4524-B177-E78A77379D8B}" srcOrd="0" destOrd="0" presId="urn:microsoft.com/office/officeart/2005/8/layout/hProcess11"/>
+    <dgm:cxn modelId="{74AB5348-BE90-4678-A34C-0914E1E30C30}" type="presOf" srcId="{D7A1B3F6-9A96-443D-918B-6A83D726860E}" destId="{6810232A-C069-4BBA-BBD2-7BC82D197AC8}" srcOrd="0" destOrd="0" presId="urn:microsoft.com/office/officeart/2005/8/layout/hProcess11"/>
+    <dgm:cxn modelId="{5B4D9666-1585-4473-894E-27F0786F7A9C}" srcId="{C306C341-D599-4B1B-99D5-C33838902528}" destId="{1A49080C-0DE7-47E8-922A-4D0B1B6C485A}" srcOrd="4" destOrd="0" parTransId="{F7B8845B-EEB5-4952-882F-D415FAF8B60E}" sibTransId="{1A70AC7A-7F03-4D55-B5D0-E2003D1A4324}"/>
+    <dgm:cxn modelId="{8B924237-C27F-443D-B948-7413A94D4D27}" type="presOf" srcId="{136AD6A2-B441-479A-860B-9C60598DF083}" destId="{DF520769-FC51-4284-84DC-D345C7025315}" srcOrd="0" destOrd="0" presId="urn:microsoft.com/office/officeart/2005/8/layout/hProcess11"/>
+    <dgm:cxn modelId="{30F53C6F-EC07-427E-851F-3E97E605AFC9}" srcId="{C306C341-D599-4B1B-99D5-C33838902528}" destId="{454E9A41-EB5C-4D21-A500-1A0F7280DF0F}" srcOrd="6" destOrd="0" parTransId="{1E224352-DCA1-4654-B392-6D76C795B7BE}" sibTransId="{AA42D578-BCA4-460B-AE10-0875155B9415}"/>
+    <dgm:cxn modelId="{4EF651BC-29A7-4411-A2C1-5D5C76CDC2E0}" type="presOf" srcId="{454E9A41-EB5C-4D21-A500-1A0F7280DF0F}" destId="{03D8AACE-E855-4D1F-9736-1957EAD159E9}" srcOrd="0" destOrd="0" presId="urn:microsoft.com/office/officeart/2005/8/layout/hProcess11"/>
     <dgm:cxn modelId="{1FFE94F7-1A23-436C-BE75-E8E800979E17}" srcId="{C306C341-D599-4B1B-99D5-C33838902528}" destId="{2FDC2C24-CC4E-4D25-B09B-59FD6E82C3EE}" srcOrd="1" destOrd="0" parTransId="{E7F2584E-86F9-4ED7-9B8D-A99EC47827F9}" sibTransId="{81A6B66D-8321-4A73-A293-0D29707D523C}"/>
-    <dgm:cxn modelId="{74AB5348-BE90-4678-A34C-0914E1E30C30}" type="presOf" srcId="{D7A1B3F6-9A96-443D-918B-6A83D726860E}" destId="{6810232A-C069-4BBA-BBD2-7BC82D197AC8}" srcOrd="0" destOrd="0" presId="urn:microsoft.com/office/officeart/2005/8/layout/hProcess11"/>
-    <dgm:cxn modelId="{30F53C6F-EC07-427E-851F-3E97E605AFC9}" srcId="{C306C341-D599-4B1B-99D5-C33838902528}" destId="{454E9A41-EB5C-4D21-A500-1A0F7280DF0F}" srcOrd="6" destOrd="0" parTransId="{1E224352-DCA1-4654-B392-6D76C795B7BE}" sibTransId="{AA42D578-BCA4-460B-AE10-0875155B9415}"/>
-    <dgm:cxn modelId="{8B924237-C27F-443D-B948-7413A94D4D27}" type="presOf" srcId="{136AD6A2-B441-479A-860B-9C60598DF083}" destId="{DF520769-FC51-4284-84DC-D345C7025315}" srcOrd="0" destOrd="0" presId="urn:microsoft.com/office/officeart/2005/8/layout/hProcess11"/>
     <dgm:cxn modelId="{A8E9508F-E201-4F3A-B45C-83967300D4A6}" type="presOf" srcId="{BB8E58C9-394E-4BB7-956B-15FD8F0F4DF6}" destId="{F622832A-050B-4EB9-99E6-8F1AAFA7A166}" srcOrd="0" destOrd="0" presId="urn:microsoft.com/office/officeart/2005/8/layout/hProcess11"/>
-    <dgm:cxn modelId="{FB5D8D0E-9186-481B-B91B-876243A2F8C3}" srcId="{C306C341-D599-4B1B-99D5-C33838902528}" destId="{9059B768-CD7D-43D2-80D2-6FDF0EAA0156}" srcOrd="2" destOrd="0" parTransId="{1EDF92A5-B373-4C08-A41F-FC4842BC317C}" sibTransId="{7F219E18-92F5-4220-8440-CDF23E2C86DD}"/>
     <dgm:cxn modelId="{7DB08E90-EBF1-4B81-81C1-240E3FCE3996}" type="presOf" srcId="{C306C341-D599-4B1B-99D5-C33838902528}" destId="{6BAF5AC4-12C4-475D-890B-181061458B36}" srcOrd="0" destOrd="0" presId="urn:microsoft.com/office/officeart/2005/8/layout/hProcess11"/>
-    <dgm:cxn modelId="{2531456E-1B85-4C5E-8AF6-C60E58F43067}" srcId="{C306C341-D599-4B1B-99D5-C33838902528}" destId="{BB8E58C9-394E-4BB7-956B-15FD8F0F4DF6}" srcOrd="3" destOrd="0" parTransId="{A1E3FDCD-492B-4046-91FD-A19D4F38F245}" sibTransId="{1808AAF0-8272-4577-B8B5-78D78CC4E805}"/>
-    <dgm:cxn modelId="{531B340F-8630-438B-9B38-8C2716FAD3B4}" type="presOf" srcId="{9059B768-CD7D-43D2-80D2-6FDF0EAA0156}" destId="{49B98997-A726-433D-94FF-467BFB2ADCAF}" srcOrd="0" destOrd="0" presId="urn:microsoft.com/office/officeart/2005/8/layout/hProcess11"/>
-    <dgm:cxn modelId="{B9E36F7A-BBBE-4C6F-BF41-35D339983B88}" type="presOf" srcId="{1A49080C-0DE7-47E8-922A-4D0B1B6C485A}" destId="{50085456-D334-4C9E-B8C2-A46683D1A093}" srcOrd="0" destOrd="0" presId="urn:microsoft.com/office/officeart/2005/8/layout/hProcess11"/>
-    <dgm:cxn modelId="{48AC722D-ACE2-4875-8C63-0C6D0EFEC009}" srcId="{C306C341-D599-4B1B-99D5-C33838902528}" destId="{136AD6A2-B441-479A-860B-9C60598DF083}" srcOrd="5" destOrd="0" parTransId="{B3AAAF1D-C6F6-49CE-A21B-B1132F4E369E}" sibTransId="{B013FFB8-9869-4AB3-A2B5-FDAEE2CD0557}"/>
-    <dgm:cxn modelId="{02A0FDDF-750D-4E70-AEEE-212E089D8451}" srcId="{C306C341-D599-4B1B-99D5-C33838902528}" destId="{D7A1B3F6-9A96-443D-918B-6A83D726860E}" srcOrd="0" destOrd="0" parTransId="{E621CA8E-4955-42BA-A043-EA33F0C1521B}" sibTransId="{39AA8962-6813-4284-95C5-BF4AE6D9DB14}"/>
-    <dgm:cxn modelId="{4EF651BC-29A7-4411-A2C1-5D5C76CDC2E0}" type="presOf" srcId="{454E9A41-EB5C-4D21-A500-1A0F7280DF0F}" destId="{03D8AACE-E855-4D1F-9736-1957EAD159E9}" srcOrd="0" destOrd="0" presId="urn:microsoft.com/office/officeart/2005/8/layout/hProcess11"/>
-    <dgm:cxn modelId="{5B4D9666-1585-4473-894E-27F0786F7A9C}" srcId="{C306C341-D599-4B1B-99D5-C33838902528}" destId="{1A49080C-0DE7-47E8-922A-4D0B1B6C485A}" srcOrd="4" destOrd="0" parTransId="{F7B8845B-EEB5-4952-882F-D415FAF8B60E}" sibTransId="{1A70AC7A-7F03-4D55-B5D0-E2003D1A4324}"/>
-    <dgm:cxn modelId="{767A3C01-869E-45E9-9525-49AE88355A73}" type="presOf" srcId="{2FDC2C24-CC4E-4D25-B09B-59FD6E82C3EE}" destId="{D9A28F98-9710-4524-B177-E78A77379D8B}" srcOrd="0" destOrd="0" presId="urn:microsoft.com/office/officeart/2005/8/layout/hProcess11"/>
     <dgm:cxn modelId="{B10D7C1E-A564-43B7-8CF6-53A3B45427EA}" type="presParOf" srcId="{6BAF5AC4-12C4-475D-890B-181061458B36}" destId="{60799F41-7989-4AA1-B9E8-4EF51F0FF333}" srcOrd="0" destOrd="0" presId="urn:microsoft.com/office/officeart/2005/8/layout/hProcess11"/>
     <dgm:cxn modelId="{3D4CF2F4-D5DA-4E6E-B60C-17291E4CBF35}" type="presParOf" srcId="{6BAF5AC4-12C4-475D-890B-181061458B36}" destId="{5CCD0D81-360B-4CC0-98C6-6C8129CE7187}" srcOrd="1" destOrd="0" presId="urn:microsoft.com/office/officeart/2005/8/layout/hProcess11"/>
     <dgm:cxn modelId="{CB43A1D7-7FEB-4CF0-8076-B30824FA5BA7}" type="presParOf" srcId="{5CCD0D81-360B-4CC0-98C6-6C8129CE7187}" destId="{1683355D-447B-4404-8E2E-EE43BAA2B137}" srcOrd="0" destOrd="0" presId="urn:microsoft.com/office/officeart/2005/8/layout/hProcess11"/>
@@ -6721,14 +6460,14 @@
   <dgm:whole/>
   <dgm:extLst>
     <a:ext uri="http://schemas.microsoft.com/office/drawing/2008/diagram">
-      <dsp:dataModelExt xmlns:dsp="http://schemas.microsoft.com/office/drawing/2008/diagram" relId="rId6" minVer="http://schemas.openxmlformats.org/drawingml/2006/diagram"/>
+      <dsp:dataModelExt xmlns:dsp="http://schemas.microsoft.com/office/drawing/2008/diagram" xmlns="" relId="rId6" minVer="http://schemas.openxmlformats.org/drawingml/2006/diagram"/>
     </a:ext>
   </dgm:extLst>
 </dgm:dataModel>
 </file>
 
 <file path=ppt/diagrams/drawing1.xml><?xml version="1.0" encoding="utf-8"?>
-<dsp:drawing xmlns:dgm="http://schemas.openxmlformats.org/drawingml/2006/diagram" xmlns:dsp="http://schemas.microsoft.com/office/drawing/2008/diagram" xmlns:a="http://schemas.openxmlformats.org/drawingml/2006/main">
+<dsp:drawing xmlns:dgm="http://schemas.openxmlformats.org/drawingml/2006/diagram" xmlns:a="http://schemas.openxmlformats.org/drawingml/2006/main" xmlns:dsp="http://schemas.microsoft.com/office/drawing/2008/diagram">
   <dsp:spTree>
     <dsp:nvGrpSpPr>
       <dsp:cNvPr id="0" name=""/>
@@ -8902,7 +8641,8 @@
           <a:p>
             <a:fld id="{82948236-07A4-447C-AC43-06AAF24DC65B}" type="datetimeFigureOut">
               <a:rPr lang="pt-PT" smtClean="0"/>
-              <a:t>01/07/2013</a:t>
+              <a:pPr/>
+              <a:t>01-07-2013</a:t>
             </a:fld>
             <a:endParaRPr lang="pt-PT"/>
           </a:p>
@@ -9061,7 +8801,8 @@
           <a:p>
             <a:fld id="{0E4FF081-3A8B-4019-8856-6C60FECB4303}" type="slidenum">
               <a:rPr lang="pt-PT" smtClean="0"/>
-              <a:t>‹#›</a:t>
+              <a:pPr/>
+              <a:t>‹nº›</a:t>
             </a:fld>
             <a:endParaRPr lang="pt-PT"/>
           </a:p>
@@ -9070,7 +8811,7 @@
     </p:spTree>
     <p:extLst>
       <p:ext uri="{BB962C8B-B14F-4D97-AF65-F5344CB8AC3E}">
-        <p14:creationId xmlns:p14="http://schemas.microsoft.com/office/powerpoint/2010/main" val="2332033991"/>
+        <p14:creationId xmlns:p14="http://schemas.microsoft.com/office/powerpoint/2010/main" xmlns="" val="2332033991"/>
       </p:ext>
     </p:extLst>
   </p:cSld>
@@ -9535,6 +9276,7 @@
           <a:p>
             <a:fld id="{3969ECAC-4CC7-4FDF-8D22-C5AD85B730EC}" type="slidenum">
               <a:rPr lang="pt-PT" smtClean="0"/>
+              <a:pPr/>
               <a:t>14</a:t>
             </a:fld>
             <a:endParaRPr lang="pt-PT"/>
@@ -9544,7 +9286,7 @@
     </p:spTree>
     <p:extLst>
       <p:ext uri="{BB962C8B-B14F-4D97-AF65-F5344CB8AC3E}">
-        <p14:creationId xmlns:p14="http://schemas.microsoft.com/office/powerpoint/2010/main" val="2905257727"/>
+        <p14:creationId xmlns:p14="http://schemas.microsoft.com/office/powerpoint/2010/main" xmlns="" val="2905257727"/>
       </p:ext>
     </p:extLst>
   </p:cSld>
@@ -9754,6 +9496,7 @@
           <a:p>
             <a:fld id="{3969ECAC-4CC7-4FDF-8D22-C5AD85B730EC}" type="slidenum">
               <a:rPr lang="pt-PT" smtClean="0"/>
+              <a:pPr/>
               <a:t>23</a:t>
             </a:fld>
             <a:endParaRPr lang="pt-PT"/>
@@ -9763,7 +9506,7 @@
     </p:spTree>
     <p:extLst>
       <p:ext uri="{BB962C8B-B14F-4D97-AF65-F5344CB8AC3E}">
-        <p14:creationId xmlns:p14="http://schemas.microsoft.com/office/powerpoint/2010/main" val="4251687254"/>
+        <p14:creationId xmlns:p14="http://schemas.microsoft.com/office/powerpoint/2010/main" xmlns="" val="4251687254"/>
       </p:ext>
     </p:extLst>
   </p:cSld>
@@ -9838,6 +9581,7 @@
           <a:p>
             <a:fld id="{3969ECAC-4CC7-4FDF-8D22-C5AD85B730EC}" type="slidenum">
               <a:rPr lang="pt-PT" smtClean="0"/>
+              <a:pPr/>
               <a:t>24</a:t>
             </a:fld>
             <a:endParaRPr lang="pt-PT"/>
@@ -9847,7 +9591,7 @@
     </p:spTree>
     <p:extLst>
       <p:ext uri="{BB962C8B-B14F-4D97-AF65-F5344CB8AC3E}">
-        <p14:creationId xmlns:p14="http://schemas.microsoft.com/office/powerpoint/2010/main" val="2118353209"/>
+        <p14:creationId xmlns:p14="http://schemas.microsoft.com/office/powerpoint/2010/main" xmlns="" val="2118353209"/>
       </p:ext>
     </p:extLst>
   </p:cSld>
@@ -9922,6 +9666,7 @@
           <a:p>
             <a:fld id="{3969ECAC-4CC7-4FDF-8D22-C5AD85B730EC}" type="slidenum">
               <a:rPr lang="pt-PT" smtClean="0"/>
+              <a:pPr/>
               <a:t>25</a:t>
             </a:fld>
             <a:endParaRPr lang="pt-PT"/>
@@ -9931,7 +9676,7 @@
     </p:spTree>
     <p:extLst>
       <p:ext uri="{BB962C8B-B14F-4D97-AF65-F5344CB8AC3E}">
-        <p14:creationId xmlns:p14="http://schemas.microsoft.com/office/powerpoint/2010/main" val="1216955315"/>
+        <p14:creationId xmlns:p14="http://schemas.microsoft.com/office/powerpoint/2010/main" xmlns="" val="1216955315"/>
       </p:ext>
     </p:extLst>
   </p:cSld>
@@ -10081,6 +9826,7 @@
           <a:p>
             <a:fld id="{75F283C9-5F19-4BE8-A7EE-73102BFD7277}" type="slidenum">
               <a:rPr lang="pt-PT" smtClean="0"/>
+              <a:pPr/>
               <a:t>30</a:t>
             </a:fld>
             <a:endParaRPr lang="pt-PT"/>
@@ -10090,7 +9836,7 @@
     </p:spTree>
     <p:extLst>
       <p:ext uri="{BB962C8B-B14F-4D97-AF65-F5344CB8AC3E}">
-        <p14:creationId xmlns:p14="http://schemas.microsoft.com/office/powerpoint/2010/main" val="4072347644"/>
+        <p14:creationId xmlns:p14="http://schemas.microsoft.com/office/powerpoint/2010/main" xmlns="" val="4072347644"/>
       </p:ext>
     </p:extLst>
   </p:cSld>
@@ -10165,7 +9911,8 @@
           <a:p>
             <a:fld id="{3969ECAC-4CC7-4FDF-8D22-C5AD85B730EC}" type="slidenum">
               <a:rPr lang="pt-PT" smtClean="0"/>
-              <a:t>59</a:t>
+              <a:pPr/>
+              <a:t>60</a:t>
             </a:fld>
             <a:endParaRPr lang="pt-PT"/>
           </a:p>
@@ -10174,7 +9921,7 @@
     </p:spTree>
     <p:extLst>
       <p:ext uri="{BB962C8B-B14F-4D97-AF65-F5344CB8AC3E}">
-        <p14:creationId xmlns:p14="http://schemas.microsoft.com/office/powerpoint/2010/main" val="2598853279"/>
+        <p14:creationId xmlns:p14="http://schemas.microsoft.com/office/powerpoint/2010/main" xmlns="" val="2598853279"/>
       </p:ext>
     </p:extLst>
   </p:cSld>
@@ -10249,7 +9996,8 @@
           <a:p>
             <a:fld id="{3969ECAC-4CC7-4FDF-8D22-C5AD85B730EC}" type="slidenum">
               <a:rPr lang="pt-PT" smtClean="0"/>
-              <a:t>60</a:t>
+              <a:pPr/>
+              <a:t>61</a:t>
             </a:fld>
             <a:endParaRPr lang="pt-PT"/>
           </a:p>
@@ -10258,7 +10006,7 @@
     </p:spTree>
     <p:extLst>
       <p:ext uri="{BB962C8B-B14F-4D97-AF65-F5344CB8AC3E}">
-        <p14:creationId xmlns:p14="http://schemas.microsoft.com/office/powerpoint/2010/main" val="3001826006"/>
+        <p14:creationId xmlns:p14="http://schemas.microsoft.com/office/powerpoint/2010/main" xmlns="" val="3001826006"/>
       </p:ext>
     </p:extLst>
   </p:cSld>
@@ -10333,7 +10081,8 @@
           <a:p>
             <a:fld id="{3969ECAC-4CC7-4FDF-8D22-C5AD85B730EC}" type="slidenum">
               <a:rPr lang="pt-PT" smtClean="0"/>
-              <a:t>61</a:t>
+              <a:pPr/>
+              <a:t>62</a:t>
             </a:fld>
             <a:endParaRPr lang="pt-PT"/>
           </a:p>
@@ -10342,7 +10091,7 @@
     </p:spTree>
     <p:extLst>
       <p:ext uri="{BB962C8B-B14F-4D97-AF65-F5344CB8AC3E}">
-        <p14:creationId xmlns:p14="http://schemas.microsoft.com/office/powerpoint/2010/main" val="3337223467"/>
+        <p14:creationId xmlns:p14="http://schemas.microsoft.com/office/powerpoint/2010/main" xmlns="" val="3337223467"/>
       </p:ext>
     </p:extLst>
   </p:cSld>
@@ -10417,6 +10166,7 @@
           <a:p>
             <a:fld id="{3969ECAC-4CC7-4FDF-8D22-C5AD85B730EC}" type="slidenum">
               <a:rPr lang="pt-PT" smtClean="0"/>
+              <a:pPr/>
               <a:t>15</a:t>
             </a:fld>
             <a:endParaRPr lang="pt-PT"/>
@@ -10426,7 +10176,7 @@
     </p:spTree>
     <p:extLst>
       <p:ext uri="{BB962C8B-B14F-4D97-AF65-F5344CB8AC3E}">
-        <p14:creationId xmlns:p14="http://schemas.microsoft.com/office/powerpoint/2010/main" val="2724149497"/>
+        <p14:creationId xmlns:p14="http://schemas.microsoft.com/office/powerpoint/2010/main" xmlns="" val="2724149497"/>
       </p:ext>
     </p:extLst>
   </p:cSld>
@@ -10537,6 +10287,7 @@
           <a:p>
             <a:fld id="{3969ECAC-4CC7-4FDF-8D22-C5AD85B730EC}" type="slidenum">
               <a:rPr lang="pt-PT" smtClean="0"/>
+              <a:pPr/>
               <a:t>16</a:t>
             </a:fld>
             <a:endParaRPr lang="pt-PT"/>
@@ -10546,7 +10297,7 @@
     </p:spTree>
     <p:extLst>
       <p:ext uri="{BB962C8B-B14F-4D97-AF65-F5344CB8AC3E}">
-        <p14:creationId xmlns:p14="http://schemas.microsoft.com/office/powerpoint/2010/main" val="572649040"/>
+        <p14:creationId xmlns:p14="http://schemas.microsoft.com/office/powerpoint/2010/main" xmlns="" val="572649040"/>
       </p:ext>
     </p:extLst>
   </p:cSld>
@@ -10710,6 +10461,7 @@
           <a:p>
             <a:fld id="{3969ECAC-4CC7-4FDF-8D22-C5AD85B730EC}" type="slidenum">
               <a:rPr lang="pt-PT" smtClean="0"/>
+              <a:pPr/>
               <a:t>17</a:t>
             </a:fld>
             <a:endParaRPr lang="pt-PT"/>
@@ -10719,7 +10471,7 @@
     </p:spTree>
     <p:extLst>
       <p:ext uri="{BB962C8B-B14F-4D97-AF65-F5344CB8AC3E}">
-        <p14:creationId xmlns:p14="http://schemas.microsoft.com/office/powerpoint/2010/main" val="474988129"/>
+        <p14:creationId xmlns:p14="http://schemas.microsoft.com/office/powerpoint/2010/main" xmlns="" val="474988129"/>
       </p:ext>
     </p:extLst>
   </p:cSld>
@@ -10829,6 +10581,7 @@
           <a:p>
             <a:fld id="{3969ECAC-4CC7-4FDF-8D22-C5AD85B730EC}" type="slidenum">
               <a:rPr lang="pt-PT" smtClean="0"/>
+              <a:pPr/>
               <a:t>18</a:t>
             </a:fld>
             <a:endParaRPr lang="pt-PT"/>
@@ -10838,7 +10591,7 @@
     </p:spTree>
     <p:extLst>
       <p:ext uri="{BB962C8B-B14F-4D97-AF65-F5344CB8AC3E}">
-        <p14:creationId xmlns:p14="http://schemas.microsoft.com/office/powerpoint/2010/main" val="3919745491"/>
+        <p14:creationId xmlns:p14="http://schemas.microsoft.com/office/powerpoint/2010/main" xmlns="" val="3919745491"/>
       </p:ext>
     </p:extLst>
   </p:cSld>
@@ -11071,6 +10824,7 @@
           <a:p>
             <a:fld id="{3969ECAC-4CC7-4FDF-8D22-C5AD85B730EC}" type="slidenum">
               <a:rPr lang="pt-PT" smtClean="0"/>
+              <a:pPr/>
               <a:t>19</a:t>
             </a:fld>
             <a:endParaRPr lang="pt-PT"/>
@@ -11080,7 +10834,7 @@
     </p:spTree>
     <p:extLst>
       <p:ext uri="{BB962C8B-B14F-4D97-AF65-F5344CB8AC3E}">
-        <p14:creationId xmlns:p14="http://schemas.microsoft.com/office/powerpoint/2010/main" val="2006419056"/>
+        <p14:creationId xmlns:p14="http://schemas.microsoft.com/office/powerpoint/2010/main" xmlns="" val="2006419056"/>
       </p:ext>
     </p:extLst>
   </p:cSld>
@@ -11159,6 +10913,7 @@
           <a:p>
             <a:fld id="{3969ECAC-4CC7-4FDF-8D22-C5AD85B730EC}" type="slidenum">
               <a:rPr lang="pt-PT" smtClean="0"/>
+              <a:pPr/>
               <a:t>20</a:t>
             </a:fld>
             <a:endParaRPr lang="pt-PT"/>
@@ -11168,7 +10923,7 @@
     </p:spTree>
     <p:extLst>
       <p:ext uri="{BB962C8B-B14F-4D97-AF65-F5344CB8AC3E}">
-        <p14:creationId xmlns:p14="http://schemas.microsoft.com/office/powerpoint/2010/main" val="1979049812"/>
+        <p14:creationId xmlns:p14="http://schemas.microsoft.com/office/powerpoint/2010/main" xmlns="" val="1979049812"/>
       </p:ext>
     </p:extLst>
   </p:cSld>
@@ -11269,6 +11024,7 @@
           <a:p>
             <a:fld id="{3969ECAC-4CC7-4FDF-8D22-C5AD85B730EC}" type="slidenum">
               <a:rPr lang="pt-PT" smtClean="0"/>
+              <a:pPr/>
               <a:t>21</a:t>
             </a:fld>
             <a:endParaRPr lang="pt-PT"/>
@@ -11278,7 +11034,7 @@
     </p:spTree>
     <p:extLst>
       <p:ext uri="{BB962C8B-B14F-4D97-AF65-F5344CB8AC3E}">
-        <p14:creationId xmlns:p14="http://schemas.microsoft.com/office/powerpoint/2010/main" val="736461960"/>
+        <p14:creationId xmlns:p14="http://schemas.microsoft.com/office/powerpoint/2010/main" xmlns="" val="736461960"/>
       </p:ext>
     </p:extLst>
   </p:cSld>
@@ -11357,6 +11113,7 @@
           <a:p>
             <a:fld id="{3969ECAC-4CC7-4FDF-8D22-C5AD85B730EC}" type="slidenum">
               <a:rPr lang="pt-PT" smtClean="0"/>
+              <a:pPr/>
               <a:t>22</a:t>
             </a:fld>
             <a:endParaRPr lang="pt-PT"/>
@@ -11366,7 +11123,7 @@
     </p:spTree>
     <p:extLst>
       <p:ext uri="{BB962C8B-B14F-4D97-AF65-F5344CB8AC3E}">
-        <p14:creationId xmlns:p14="http://schemas.microsoft.com/office/powerpoint/2010/main" val="184239105"/>
+        <p14:creationId xmlns:p14="http://schemas.microsoft.com/office/powerpoint/2010/main" xmlns="" val="184239105"/>
       </p:ext>
     </p:extLst>
   </p:cSld>
@@ -11405,7 +11162,7 @@
           <a:blip r:embed="rId2" cstate="print">
             <a:extLst>
               <a:ext uri="{28A0092B-C50C-407E-A947-70E740481C1C}">
-                <a14:useLocalDpi xmlns:a14="http://schemas.microsoft.com/office/drawing/2010/main" val="0"/>
+                <a14:useLocalDpi xmlns:a14="http://schemas.microsoft.com/office/drawing/2010/main" xmlns="" val="0"/>
               </a:ext>
             </a:extLst>
           </a:blip>
@@ -11601,7 +11358,7 @@
             <a:fld id="{F71B3DB1-8543-40E0-A2D1-830196AD91DE}" type="datetimeFigureOut">
               <a:rPr lang="pt-PT" smtClean="0"/>
               <a:pPr/>
-              <a:t>01/07/2013</a:t>
+              <a:t>01-07-2013</a:t>
             </a:fld>
             <a:endParaRPr lang="pt-PT" dirty="0"/>
           </a:p>
@@ -11654,7 +11411,7 @@
             <a:fld id="{5D26EDD4-363A-4236-A170-49C0FA725754}" type="slidenum">
               <a:rPr lang="pt-PT" smtClean="0"/>
               <a:pPr/>
-              <a:t>‹#›</a:t>
+              <a:t>‹nº›</a:t>
             </a:fld>
             <a:endParaRPr lang="pt-PT" dirty="0"/>
           </a:p>
@@ -11701,7 +11458,7 @@
     </p:spTree>
     <p:extLst>
       <p:ext uri="{BB962C8B-B14F-4D97-AF65-F5344CB8AC3E}">
-        <p14:creationId xmlns:p14="http://schemas.microsoft.com/office/powerpoint/2010/main" val="4283900998"/>
+        <p14:creationId xmlns:p14="http://schemas.microsoft.com/office/powerpoint/2010/main" xmlns="" val="4283900998"/>
       </p:ext>
     </p:extLst>
   </p:cSld>
@@ -11935,7 +11692,7 @@
             <a:fld id="{F71B3DB1-8543-40E0-A2D1-830196AD91DE}" type="datetimeFigureOut">
               <a:rPr lang="pt-PT" smtClean="0"/>
               <a:pPr/>
-              <a:t>01/07/2013</a:t>
+              <a:t>01-07-2013</a:t>
             </a:fld>
             <a:endParaRPr lang="pt-PT" dirty="0"/>
           </a:p>
@@ -11978,7 +11735,7 @@
             <a:fld id="{5D26EDD4-363A-4236-A170-49C0FA725754}" type="slidenum">
               <a:rPr lang="pt-PT" smtClean="0"/>
               <a:pPr/>
-              <a:t>‹#›</a:t>
+              <a:t>‹nº›</a:t>
             </a:fld>
             <a:endParaRPr lang="pt-PT" dirty="0"/>
           </a:p>
@@ -11987,7 +11744,7 @@
     </p:spTree>
     <p:extLst>
       <p:ext uri="{BB962C8B-B14F-4D97-AF65-F5344CB8AC3E}">
-        <p14:creationId xmlns:p14="http://schemas.microsoft.com/office/powerpoint/2010/main" val="3834483316"/>
+        <p14:creationId xmlns:p14="http://schemas.microsoft.com/office/powerpoint/2010/main" xmlns="" val="3834483316"/>
       </p:ext>
     </p:extLst>
   </p:cSld>
@@ -12185,7 +11942,7 @@
             <a:fld id="{F71B3DB1-8543-40E0-A2D1-830196AD91DE}" type="datetimeFigureOut">
               <a:rPr lang="pt-PT" smtClean="0"/>
               <a:pPr/>
-              <a:t>01/07/2013</a:t>
+              <a:t>01-07-2013</a:t>
             </a:fld>
             <a:endParaRPr lang="pt-PT" dirty="0"/>
           </a:p>
@@ -12228,7 +11985,7 @@
             <a:fld id="{5D26EDD4-363A-4236-A170-49C0FA725754}" type="slidenum">
               <a:rPr lang="pt-PT" smtClean="0"/>
               <a:pPr/>
-              <a:t>‹#›</a:t>
+              <a:t>‹nº›</a:t>
             </a:fld>
             <a:endParaRPr lang="pt-PT" dirty="0"/>
           </a:p>
@@ -12275,7 +12032,7 @@
     </p:spTree>
     <p:extLst>
       <p:ext uri="{BB962C8B-B14F-4D97-AF65-F5344CB8AC3E}">
-        <p14:creationId xmlns:p14="http://schemas.microsoft.com/office/powerpoint/2010/main" val="3278742630"/>
+        <p14:creationId xmlns:p14="http://schemas.microsoft.com/office/powerpoint/2010/main" xmlns="" val="3278742630"/>
       </p:ext>
     </p:extLst>
   </p:cSld>
@@ -12533,7 +12290,7 @@
             <a:fld id="{F71B3DB1-8543-40E0-A2D1-830196AD91DE}" type="datetimeFigureOut">
               <a:rPr lang="pt-PT" smtClean="0"/>
               <a:pPr/>
-              <a:t>01/07/2013</a:t>
+              <a:t>01-07-2013</a:t>
             </a:fld>
             <a:endParaRPr lang="pt-PT" dirty="0"/>
           </a:p>
@@ -12576,7 +12333,7 @@
             <a:fld id="{5D26EDD4-363A-4236-A170-49C0FA725754}" type="slidenum">
               <a:rPr lang="pt-PT" smtClean="0"/>
               <a:pPr/>
-              <a:t>‹#›</a:t>
+              <a:t>‹nº›</a:t>
             </a:fld>
             <a:endParaRPr lang="pt-PT" dirty="0"/>
           </a:p>
@@ -12691,7 +12448,7 @@
     </p:spTree>
     <p:extLst>
       <p:ext uri="{BB962C8B-B14F-4D97-AF65-F5344CB8AC3E}">
-        <p14:creationId xmlns:p14="http://schemas.microsoft.com/office/powerpoint/2010/main" val="1960482330"/>
+        <p14:creationId xmlns:p14="http://schemas.microsoft.com/office/powerpoint/2010/main" xmlns="" val="1960482330"/>
       </p:ext>
     </p:extLst>
   </p:cSld>
@@ -12889,7 +12646,7 @@
             <a:fld id="{F71B3DB1-8543-40E0-A2D1-830196AD91DE}" type="datetimeFigureOut">
               <a:rPr lang="pt-PT" smtClean="0"/>
               <a:pPr/>
-              <a:t>01/07/2013</a:t>
+              <a:t>01-07-2013</a:t>
             </a:fld>
             <a:endParaRPr lang="pt-PT" dirty="0"/>
           </a:p>
@@ -12932,7 +12689,7 @@
             <a:fld id="{5D26EDD4-363A-4236-A170-49C0FA725754}" type="slidenum">
               <a:rPr lang="pt-PT" smtClean="0"/>
               <a:pPr/>
-              <a:t>‹#›</a:t>
+              <a:t>‹nº›</a:t>
             </a:fld>
             <a:endParaRPr lang="pt-PT" dirty="0"/>
           </a:p>
@@ -12941,7 +12698,7 @@
     </p:spTree>
     <p:extLst>
       <p:ext uri="{BB962C8B-B14F-4D97-AF65-F5344CB8AC3E}">
-        <p14:creationId xmlns:p14="http://schemas.microsoft.com/office/powerpoint/2010/main" val="1169910341"/>
+        <p14:creationId xmlns:p14="http://schemas.microsoft.com/office/powerpoint/2010/main" xmlns="" val="1169910341"/>
       </p:ext>
     </p:extLst>
   </p:cSld>
@@ -13265,7 +13022,7 @@
             <a:fld id="{F71B3DB1-8543-40E0-A2D1-830196AD91DE}" type="datetimeFigureOut">
               <a:rPr lang="pt-PT" smtClean="0"/>
               <a:pPr/>
-              <a:t>01/07/2013</a:t>
+              <a:t>01-07-2013</a:t>
             </a:fld>
             <a:endParaRPr lang="pt-PT" dirty="0"/>
           </a:p>
@@ -13308,7 +13065,7 @@
             <a:fld id="{5D26EDD4-363A-4236-A170-49C0FA725754}" type="slidenum">
               <a:rPr lang="pt-PT" smtClean="0"/>
               <a:pPr/>
-              <a:t>‹#›</a:t>
+              <a:t>‹nº›</a:t>
             </a:fld>
             <a:endParaRPr lang="pt-PT" dirty="0"/>
           </a:p>
@@ -13423,7 +13180,7 @@
     </p:spTree>
     <p:extLst>
       <p:ext uri="{BB962C8B-B14F-4D97-AF65-F5344CB8AC3E}">
-        <p14:creationId xmlns:p14="http://schemas.microsoft.com/office/powerpoint/2010/main" val="2244926200"/>
+        <p14:creationId xmlns:p14="http://schemas.microsoft.com/office/powerpoint/2010/main" xmlns="" val="2244926200"/>
       </p:ext>
     </p:extLst>
   </p:cSld>
@@ -13744,7 +13501,7 @@
             <a:fld id="{F71B3DB1-8543-40E0-A2D1-830196AD91DE}" type="datetimeFigureOut">
               <a:rPr lang="pt-PT" smtClean="0"/>
               <a:pPr/>
-              <a:t>01/07/2013</a:t>
+              <a:t>01-07-2013</a:t>
             </a:fld>
             <a:endParaRPr lang="pt-PT" dirty="0"/>
           </a:p>
@@ -13787,7 +13544,7 @@
             <a:fld id="{5D26EDD4-363A-4236-A170-49C0FA725754}" type="slidenum">
               <a:rPr lang="pt-PT" smtClean="0"/>
               <a:pPr/>
-              <a:t>‹#›</a:t>
+              <a:t>‹nº›</a:t>
             </a:fld>
             <a:endParaRPr lang="pt-PT" dirty="0"/>
           </a:p>
@@ -13834,7 +13591,7 @@
     </p:spTree>
     <p:extLst>
       <p:ext uri="{BB962C8B-B14F-4D97-AF65-F5344CB8AC3E}">
-        <p14:creationId xmlns:p14="http://schemas.microsoft.com/office/powerpoint/2010/main" val="3141152998"/>
+        <p14:creationId xmlns:p14="http://schemas.microsoft.com/office/powerpoint/2010/main" xmlns="" val="3141152998"/>
       </p:ext>
     </p:extLst>
   </p:cSld>
@@ -13958,7 +13715,7 @@
             <a:fld id="{F71B3DB1-8543-40E0-A2D1-830196AD91DE}" type="datetimeFigureOut">
               <a:rPr lang="pt-PT" smtClean="0"/>
               <a:pPr/>
-              <a:t>01/07/2013</a:t>
+              <a:t>01-07-2013</a:t>
             </a:fld>
             <a:endParaRPr lang="pt-PT" dirty="0"/>
           </a:p>
@@ -14001,7 +13758,7 @@
             <a:fld id="{5D26EDD4-363A-4236-A170-49C0FA725754}" type="slidenum">
               <a:rPr lang="pt-PT" smtClean="0"/>
               <a:pPr/>
-              <a:t>‹#›</a:t>
+              <a:t>‹nº›</a:t>
             </a:fld>
             <a:endParaRPr lang="pt-PT" dirty="0"/>
           </a:p>
@@ -14048,7 +13805,7 @@
     </p:spTree>
     <p:extLst>
       <p:ext uri="{BB962C8B-B14F-4D97-AF65-F5344CB8AC3E}">
-        <p14:creationId xmlns:p14="http://schemas.microsoft.com/office/powerpoint/2010/main" val="4127282010"/>
+        <p14:creationId xmlns:p14="http://schemas.microsoft.com/office/powerpoint/2010/main" xmlns="" val="4127282010"/>
       </p:ext>
     </p:extLst>
   </p:cSld>
@@ -14178,7 +13935,7 @@
             <a:fld id="{F71B3DB1-8543-40E0-A2D1-830196AD91DE}" type="datetimeFigureOut">
               <a:rPr lang="pt-PT" smtClean="0"/>
               <a:pPr/>
-              <a:t>01/07/2013</a:t>
+              <a:t>01-07-2013</a:t>
             </a:fld>
             <a:endParaRPr lang="pt-PT" dirty="0"/>
           </a:p>
@@ -14221,7 +13978,7 @@
             <a:fld id="{5D26EDD4-363A-4236-A170-49C0FA725754}" type="slidenum">
               <a:rPr lang="pt-PT" smtClean="0"/>
               <a:pPr/>
-              <a:t>‹#›</a:t>
+              <a:t>‹nº›</a:t>
             </a:fld>
             <a:endParaRPr lang="pt-PT" dirty="0"/>
           </a:p>
@@ -14268,7 +14025,7 @@
     </p:spTree>
     <p:extLst>
       <p:ext uri="{BB962C8B-B14F-4D97-AF65-F5344CB8AC3E}">
-        <p14:creationId xmlns:p14="http://schemas.microsoft.com/office/powerpoint/2010/main" val="1016382411"/>
+        <p14:creationId xmlns:p14="http://schemas.microsoft.com/office/powerpoint/2010/main" xmlns="" val="1016382411"/>
       </p:ext>
     </p:extLst>
   </p:cSld>
@@ -14426,7 +14183,7 @@
             <a:fld id="{F71B3DB1-8543-40E0-A2D1-830196AD91DE}" type="datetimeFigureOut">
               <a:rPr lang="pt-PT" smtClean="0"/>
               <a:pPr/>
-              <a:t>01/07/2013</a:t>
+              <a:t>01-07-2013</a:t>
             </a:fld>
             <a:endParaRPr lang="pt-PT" dirty="0"/>
           </a:p>
@@ -14469,7 +14226,7 @@
             <a:fld id="{5D26EDD4-363A-4236-A170-49C0FA725754}" type="slidenum">
               <a:rPr lang="pt-PT" smtClean="0"/>
               <a:pPr/>
-              <a:t>‹#›</a:t>
+              <a:t>‹nº›</a:t>
             </a:fld>
             <a:endParaRPr lang="pt-PT" dirty="0"/>
           </a:p>
@@ -14478,7 +14235,7 @@
     </p:spTree>
     <p:extLst>
       <p:ext uri="{BB962C8B-B14F-4D97-AF65-F5344CB8AC3E}">
-        <p14:creationId xmlns:p14="http://schemas.microsoft.com/office/powerpoint/2010/main" val="548973029"/>
+        <p14:creationId xmlns:p14="http://schemas.microsoft.com/office/powerpoint/2010/main" xmlns="" val="548973029"/>
       </p:ext>
     </p:extLst>
   </p:cSld>
@@ -14676,7 +14433,7 @@
             <a:fld id="{F71B3DB1-8543-40E0-A2D1-830196AD91DE}" type="datetimeFigureOut">
               <a:rPr lang="pt-PT" smtClean="0"/>
               <a:pPr/>
-              <a:t>01/07/2013</a:t>
+              <a:t>01-07-2013</a:t>
             </a:fld>
             <a:endParaRPr lang="pt-PT" dirty="0"/>
           </a:p>
@@ -14719,7 +14476,7 @@
             <a:fld id="{5D26EDD4-363A-4236-A170-49C0FA725754}" type="slidenum">
               <a:rPr lang="pt-PT" smtClean="0"/>
               <a:pPr/>
-              <a:t>‹#›</a:t>
+              <a:t>‹nº›</a:t>
             </a:fld>
             <a:endParaRPr lang="pt-PT" dirty="0"/>
           </a:p>
@@ -14766,7 +14523,7 @@
     </p:spTree>
     <p:extLst>
       <p:ext uri="{BB962C8B-B14F-4D97-AF65-F5344CB8AC3E}">
-        <p14:creationId xmlns:p14="http://schemas.microsoft.com/office/powerpoint/2010/main" val="963473943"/>
+        <p14:creationId xmlns:p14="http://schemas.microsoft.com/office/powerpoint/2010/main" xmlns="" val="963473943"/>
       </p:ext>
     </p:extLst>
   </p:cSld>
@@ -14990,7 +14747,7 @@
             <a:fld id="{F71B3DB1-8543-40E0-A2D1-830196AD91DE}" type="datetimeFigureOut">
               <a:rPr lang="pt-PT" smtClean="0"/>
               <a:pPr/>
-              <a:t>01/07/2013</a:t>
+              <a:t>01-07-2013</a:t>
             </a:fld>
             <a:endParaRPr lang="pt-PT" dirty="0"/>
           </a:p>
@@ -15033,7 +14790,7 @@
             <a:fld id="{5D26EDD4-363A-4236-A170-49C0FA725754}" type="slidenum">
               <a:rPr lang="pt-PT" smtClean="0"/>
               <a:pPr/>
-              <a:t>‹#›</a:t>
+              <a:t>‹nº›</a:t>
             </a:fld>
             <a:endParaRPr lang="pt-PT" dirty="0"/>
           </a:p>
@@ -15042,7 +14799,7 @@
     </p:spTree>
     <p:extLst>
       <p:ext uri="{BB962C8B-B14F-4D97-AF65-F5344CB8AC3E}">
-        <p14:creationId xmlns:p14="http://schemas.microsoft.com/office/powerpoint/2010/main" val="2490349985"/>
+        <p14:creationId xmlns:p14="http://schemas.microsoft.com/office/powerpoint/2010/main" xmlns="" val="2490349985"/>
       </p:ext>
     </p:extLst>
   </p:cSld>
@@ -15374,7 +15131,7 @@
             <a:fld id="{F71B3DB1-8543-40E0-A2D1-830196AD91DE}" type="datetimeFigureOut">
               <a:rPr lang="pt-PT" smtClean="0"/>
               <a:pPr/>
-              <a:t>01/07/2013</a:t>
+              <a:t>01-07-2013</a:t>
             </a:fld>
             <a:endParaRPr lang="pt-PT" dirty="0"/>
           </a:p>
@@ -15417,7 +15174,7 @@
             <a:fld id="{5D26EDD4-363A-4236-A170-49C0FA725754}" type="slidenum">
               <a:rPr lang="pt-PT" smtClean="0"/>
               <a:pPr/>
-              <a:t>‹#›</a:t>
+              <a:t>‹nº›</a:t>
             </a:fld>
             <a:endParaRPr lang="pt-PT" dirty="0"/>
           </a:p>
@@ -15464,7 +15221,7 @@
     </p:spTree>
     <p:extLst>
       <p:ext uri="{BB962C8B-B14F-4D97-AF65-F5344CB8AC3E}">
-        <p14:creationId xmlns:p14="http://schemas.microsoft.com/office/powerpoint/2010/main" val="1183446009"/>
+        <p14:creationId xmlns:p14="http://schemas.microsoft.com/office/powerpoint/2010/main" xmlns="" val="1183446009"/>
       </p:ext>
     </p:extLst>
   </p:cSld>
@@ -15532,7 +15289,7 @@
             <a:fld id="{F71B3DB1-8543-40E0-A2D1-830196AD91DE}" type="datetimeFigureOut">
               <a:rPr lang="pt-PT" smtClean="0"/>
               <a:pPr/>
-              <a:t>01/07/2013</a:t>
+              <a:t>01-07-2013</a:t>
             </a:fld>
             <a:endParaRPr lang="pt-PT" dirty="0"/>
           </a:p>
@@ -15575,7 +15332,7 @@
             <a:fld id="{5D26EDD4-363A-4236-A170-49C0FA725754}" type="slidenum">
               <a:rPr lang="pt-PT" smtClean="0"/>
               <a:pPr/>
-              <a:t>‹#›</a:t>
+              <a:t>‹nº›</a:t>
             </a:fld>
             <a:endParaRPr lang="pt-PT" dirty="0"/>
           </a:p>
@@ -15622,7 +15379,7 @@
     </p:spTree>
     <p:extLst>
       <p:ext uri="{BB962C8B-B14F-4D97-AF65-F5344CB8AC3E}">
-        <p14:creationId xmlns:p14="http://schemas.microsoft.com/office/powerpoint/2010/main" val="1349716058"/>
+        <p14:creationId xmlns:p14="http://schemas.microsoft.com/office/powerpoint/2010/main" xmlns="" val="1349716058"/>
       </p:ext>
     </p:extLst>
   </p:cSld>
@@ -15667,7 +15424,7 @@
             <a:fld id="{F71B3DB1-8543-40E0-A2D1-830196AD91DE}" type="datetimeFigureOut">
               <a:rPr lang="pt-PT" smtClean="0"/>
               <a:pPr/>
-              <a:t>01/07/2013</a:t>
+              <a:t>01-07-2013</a:t>
             </a:fld>
             <a:endParaRPr lang="pt-PT" dirty="0"/>
           </a:p>
@@ -15710,7 +15467,7 @@
             <a:fld id="{5D26EDD4-363A-4236-A170-49C0FA725754}" type="slidenum">
               <a:rPr lang="pt-PT" smtClean="0"/>
               <a:pPr/>
-              <a:t>‹#›</a:t>
+              <a:t>‹nº›</a:t>
             </a:fld>
             <a:endParaRPr lang="pt-PT" dirty="0"/>
           </a:p>
@@ -15719,7 +15476,7 @@
     </p:spTree>
     <p:extLst>
       <p:ext uri="{BB962C8B-B14F-4D97-AF65-F5344CB8AC3E}">
-        <p14:creationId xmlns:p14="http://schemas.microsoft.com/office/powerpoint/2010/main" val="1135282261"/>
+        <p14:creationId xmlns:p14="http://schemas.microsoft.com/office/powerpoint/2010/main" xmlns="" val="1135282261"/>
       </p:ext>
     </p:extLst>
   </p:cSld>
@@ -15924,7 +15681,7 @@
             <a:fld id="{F71B3DB1-8543-40E0-A2D1-830196AD91DE}" type="datetimeFigureOut">
               <a:rPr lang="pt-PT" smtClean="0"/>
               <a:pPr/>
-              <a:t>01/07/2013</a:t>
+              <a:t>01-07-2013</a:t>
             </a:fld>
             <a:endParaRPr lang="pt-PT" dirty="0"/>
           </a:p>
@@ -15967,7 +15724,7 @@
             <a:fld id="{5D26EDD4-363A-4236-A170-49C0FA725754}" type="slidenum">
               <a:rPr lang="pt-PT" smtClean="0"/>
               <a:pPr/>
-              <a:t>‹#›</a:t>
+              <a:t>‹nº›</a:t>
             </a:fld>
             <a:endParaRPr lang="pt-PT" dirty="0"/>
           </a:p>
@@ -16014,7 +15771,7 @@
     </p:spTree>
     <p:extLst>
       <p:ext uri="{BB962C8B-B14F-4D97-AF65-F5344CB8AC3E}">
-        <p14:creationId xmlns:p14="http://schemas.microsoft.com/office/powerpoint/2010/main" val="3016415161"/>
+        <p14:creationId xmlns:p14="http://schemas.microsoft.com/office/powerpoint/2010/main" xmlns="" val="3016415161"/>
       </p:ext>
     </p:extLst>
   </p:cSld>
@@ -16248,7 +16005,7 @@
             <a:fld id="{F71B3DB1-8543-40E0-A2D1-830196AD91DE}" type="datetimeFigureOut">
               <a:rPr lang="pt-PT" smtClean="0"/>
               <a:pPr/>
-              <a:t>01/07/2013</a:t>
+              <a:t>01-07-2013</a:t>
             </a:fld>
             <a:endParaRPr lang="pt-PT" dirty="0"/>
           </a:p>
@@ -16291,7 +16048,7 @@
             <a:fld id="{5D26EDD4-363A-4236-A170-49C0FA725754}" type="slidenum">
               <a:rPr lang="pt-PT" smtClean="0"/>
               <a:pPr/>
-              <a:t>‹#›</a:t>
+              <a:t>‹nº›</a:t>
             </a:fld>
             <a:endParaRPr lang="pt-PT" dirty="0"/>
           </a:p>
@@ -16300,7 +16057,7 @@
     </p:spTree>
     <p:extLst>
       <p:ext uri="{BB962C8B-B14F-4D97-AF65-F5344CB8AC3E}">
-        <p14:creationId xmlns:p14="http://schemas.microsoft.com/office/powerpoint/2010/main" val="2799130186"/>
+        <p14:creationId xmlns:p14="http://schemas.microsoft.com/office/powerpoint/2010/main" xmlns="" val="2799130186"/>
       </p:ext>
     </p:extLst>
   </p:cSld>
@@ -16344,7 +16101,7 @@
           <a:blip r:embed="rId19" cstate="print">
             <a:extLst>
               <a:ext uri="{28A0092B-C50C-407E-A947-70E740481C1C}">
-                <a14:useLocalDpi xmlns:a14="http://schemas.microsoft.com/office/drawing/2010/main" val="0"/>
+                <a14:useLocalDpi xmlns:a14="http://schemas.microsoft.com/office/drawing/2010/main" xmlns="" val="0"/>
               </a:ext>
             </a:extLst>
           </a:blip>
@@ -16494,7 +16251,7 @@
             <a:fld id="{F71B3DB1-8543-40E0-A2D1-830196AD91DE}" type="datetimeFigureOut">
               <a:rPr lang="pt-PT" smtClean="0"/>
               <a:pPr/>
-              <a:t>01/07/2013</a:t>
+              <a:t>01-07-2013</a:t>
             </a:fld>
             <a:endParaRPr lang="pt-PT" dirty="0"/>
           </a:p>
@@ -16573,7 +16330,7 @@
             <a:fld id="{5D26EDD4-363A-4236-A170-49C0FA725754}" type="slidenum">
               <a:rPr lang="pt-PT" smtClean="0"/>
               <a:pPr/>
-              <a:t>‹#›</a:t>
+              <a:t>‹nº›</a:t>
             </a:fld>
             <a:endParaRPr lang="pt-PT" dirty="0"/>
           </a:p>
@@ -16582,7 +16339,7 @@
     </p:spTree>
     <p:extLst>
       <p:ext uri="{BB962C8B-B14F-4D97-AF65-F5344CB8AC3E}">
-        <p14:creationId xmlns:p14="http://schemas.microsoft.com/office/powerpoint/2010/main" val="3664009446"/>
+        <p14:creationId xmlns:p14="http://schemas.microsoft.com/office/powerpoint/2010/main" xmlns="" val="3664009446"/>
       </p:ext>
     </p:extLst>
   </p:cSld>
@@ -17090,7 +16847,7 @@
     </p:spTree>
     <p:extLst>
       <p:ext uri="{BB962C8B-B14F-4D97-AF65-F5344CB8AC3E}">
-        <p14:creationId xmlns:p14="http://schemas.microsoft.com/office/powerpoint/2010/main" val="404200990"/>
+        <p14:creationId xmlns:p14="http://schemas.microsoft.com/office/powerpoint/2010/main" xmlns="" val="404200990"/>
       </p:ext>
     </p:extLst>
   </p:cSld>
@@ -17173,7 +16930,7 @@
     </p:spTree>
     <p:extLst>
       <p:ext uri="{BB962C8B-B14F-4D97-AF65-F5344CB8AC3E}">
-        <p14:creationId xmlns:p14="http://schemas.microsoft.com/office/powerpoint/2010/main" val="1280194573"/>
+        <p14:creationId xmlns:p14="http://schemas.microsoft.com/office/powerpoint/2010/main" xmlns="" val="1280194573"/>
       </p:ext>
     </p:extLst>
   </p:cSld>
@@ -17248,7 +17005,7 @@
     </p:spTree>
     <p:extLst>
       <p:ext uri="{BB962C8B-B14F-4D97-AF65-F5344CB8AC3E}">
-        <p14:creationId xmlns:p14="http://schemas.microsoft.com/office/powerpoint/2010/main" val="3292307339"/>
+        <p14:creationId xmlns:p14="http://schemas.microsoft.com/office/powerpoint/2010/main" xmlns="" val="3292307339"/>
       </p:ext>
     </p:extLst>
   </p:cSld>
@@ -17331,7 +17088,7 @@
     </p:spTree>
     <p:extLst>
       <p:ext uri="{BB962C8B-B14F-4D97-AF65-F5344CB8AC3E}">
-        <p14:creationId xmlns:p14="http://schemas.microsoft.com/office/powerpoint/2010/main" val="2525735037"/>
+        <p14:creationId xmlns:p14="http://schemas.microsoft.com/office/powerpoint/2010/main" xmlns="" val="2525735037"/>
       </p:ext>
     </p:extLst>
   </p:cSld>
@@ -17603,7 +17360,7 @@
     </p:spTree>
     <p:extLst>
       <p:ext uri="{BB962C8B-B14F-4D97-AF65-F5344CB8AC3E}">
-        <p14:creationId xmlns:p14="http://schemas.microsoft.com/office/powerpoint/2010/main" val="95242113"/>
+        <p14:creationId xmlns:p14="http://schemas.microsoft.com/office/powerpoint/2010/main" xmlns="" val="95242113"/>
       </p:ext>
     </p:extLst>
   </p:cSld>
@@ -18514,7 +18271,7 @@
     </p:spTree>
     <p:extLst>
       <p:ext uri="{BB962C8B-B14F-4D97-AF65-F5344CB8AC3E}">
-        <p14:creationId xmlns:p14="http://schemas.microsoft.com/office/powerpoint/2010/main" val="2652038306"/>
+        <p14:creationId xmlns:p14="http://schemas.microsoft.com/office/powerpoint/2010/main" xmlns="" val="2652038306"/>
       </p:ext>
     </p:extLst>
   </p:cSld>
@@ -18768,7 +18525,7 @@
     </p:spTree>
     <p:extLst>
       <p:ext uri="{BB962C8B-B14F-4D97-AF65-F5344CB8AC3E}">
-        <p14:creationId xmlns:p14="http://schemas.microsoft.com/office/powerpoint/2010/main" val="2278680210"/>
+        <p14:creationId xmlns:p14="http://schemas.microsoft.com/office/powerpoint/2010/main" xmlns="" val="2278680210"/>
       </p:ext>
     </p:extLst>
   </p:cSld>
@@ -19119,7 +18876,7 @@
     </p:spTree>
     <p:extLst>
       <p:ext uri="{BB962C8B-B14F-4D97-AF65-F5344CB8AC3E}">
-        <p14:creationId xmlns:p14="http://schemas.microsoft.com/office/powerpoint/2010/main" val="2466546361"/>
+        <p14:creationId xmlns:p14="http://schemas.microsoft.com/office/powerpoint/2010/main" xmlns="" val="2466546361"/>
       </p:ext>
     </p:extLst>
   </p:cSld>
@@ -19201,7 +18958,7 @@
           <p:nvPr>
             <p:extLst>
               <p:ext uri="{D42A27DB-BD31-4B8C-83A1-F6EECF244321}">
-                <p14:modId xmlns:p14="http://schemas.microsoft.com/office/powerpoint/2010/main" val="2639408096"/>
+                <p14:modId xmlns:p14="http://schemas.microsoft.com/office/powerpoint/2010/main" xmlns="" val="2639408096"/>
               </p:ext>
             </p:extLst>
           </p:nvPr>
@@ -19219,7 +18976,7 @@
     </p:spTree>
     <p:extLst>
       <p:ext uri="{BB962C8B-B14F-4D97-AF65-F5344CB8AC3E}">
-        <p14:creationId xmlns:p14="http://schemas.microsoft.com/office/powerpoint/2010/main" val="980046083"/>
+        <p14:creationId xmlns:p14="http://schemas.microsoft.com/office/powerpoint/2010/main" xmlns="" val="980046083"/>
       </p:ext>
     </p:extLst>
   </p:cSld>
@@ -19301,7 +19058,7 @@
           <p:nvPr>
             <p:extLst>
               <p:ext uri="{D42A27DB-BD31-4B8C-83A1-F6EECF244321}">
-                <p14:modId xmlns:p14="http://schemas.microsoft.com/office/powerpoint/2010/main" val="3968378676"/>
+                <p14:modId xmlns:p14="http://schemas.microsoft.com/office/powerpoint/2010/main" xmlns="" val="3968378676"/>
               </p:ext>
             </p:extLst>
           </p:nvPr>
@@ -19319,7 +19076,7 @@
     </p:spTree>
     <p:extLst>
       <p:ext uri="{BB962C8B-B14F-4D97-AF65-F5344CB8AC3E}">
-        <p14:creationId xmlns:p14="http://schemas.microsoft.com/office/powerpoint/2010/main" val="197448477"/>
+        <p14:creationId xmlns:p14="http://schemas.microsoft.com/office/powerpoint/2010/main" xmlns="" val="197448477"/>
       </p:ext>
     </p:extLst>
   </p:cSld>
@@ -19453,7 +19210,7 @@
           <p:nvPr>
             <p:extLst>
               <p:ext uri="{D42A27DB-BD31-4B8C-83A1-F6EECF244321}">
-                <p14:modId xmlns:p14="http://schemas.microsoft.com/office/powerpoint/2010/main" val="2079267717"/>
+                <p14:modId xmlns:p14="http://schemas.microsoft.com/office/powerpoint/2010/main" xmlns="" val="2079267717"/>
               </p:ext>
             </p:extLst>
           </p:nvPr>
@@ -19471,7 +19228,7 @@
     </p:spTree>
     <p:extLst>
       <p:ext uri="{BB962C8B-B14F-4D97-AF65-F5344CB8AC3E}">
-        <p14:creationId xmlns:p14="http://schemas.microsoft.com/office/powerpoint/2010/main" val="3967897178"/>
+        <p14:creationId xmlns:p14="http://schemas.microsoft.com/office/powerpoint/2010/main" xmlns="" val="3967897178"/>
       </p:ext>
     </p:extLst>
   </p:cSld>
@@ -19550,7 +19307,7 @@
     </p:spTree>
     <p:extLst>
       <p:ext uri="{BB962C8B-B14F-4D97-AF65-F5344CB8AC3E}">
-        <p14:creationId xmlns:p14="http://schemas.microsoft.com/office/powerpoint/2010/main" val="3708106417"/>
+        <p14:creationId xmlns:p14="http://schemas.microsoft.com/office/powerpoint/2010/main" xmlns="" val="3708106417"/>
       </p:ext>
     </p:extLst>
   </p:cSld>
@@ -20555,7 +20312,7 @@
     </p:spTree>
     <p:extLst>
       <p:ext uri="{BB962C8B-B14F-4D97-AF65-F5344CB8AC3E}">
-        <p14:creationId xmlns:p14="http://schemas.microsoft.com/office/powerpoint/2010/main" val="810377202"/>
+        <p14:creationId xmlns:p14="http://schemas.microsoft.com/office/powerpoint/2010/main" xmlns="" val="810377202"/>
       </p:ext>
     </p:extLst>
   </p:cSld>
@@ -20633,7 +20390,7 @@
           <p:nvPr>
             <p:extLst>
               <p:ext uri="{D42A27DB-BD31-4B8C-83A1-F6EECF244321}">
-                <p14:modId xmlns:p14="http://schemas.microsoft.com/office/powerpoint/2010/main" val="2002974256"/>
+                <p14:modId xmlns:p14="http://schemas.microsoft.com/office/powerpoint/2010/main" xmlns="" val="2002974256"/>
               </p:ext>
             </p:extLst>
           </p:nvPr>
@@ -20651,7 +20408,7 @@
     </p:spTree>
     <p:extLst>
       <p:ext uri="{BB962C8B-B14F-4D97-AF65-F5344CB8AC3E}">
-        <p14:creationId xmlns:p14="http://schemas.microsoft.com/office/powerpoint/2010/main" val="1637874217"/>
+        <p14:creationId xmlns:p14="http://schemas.microsoft.com/office/powerpoint/2010/main" xmlns="" val="1637874217"/>
       </p:ext>
     </p:extLst>
   </p:cSld>
@@ -20727,7 +20484,7 @@
           <p:nvPr>
             <p:extLst>
               <p:ext uri="{D42A27DB-BD31-4B8C-83A1-F6EECF244321}">
-                <p14:modId xmlns:p14="http://schemas.microsoft.com/office/powerpoint/2010/main" val="3456624213"/>
+                <p14:modId xmlns:p14="http://schemas.microsoft.com/office/powerpoint/2010/main" xmlns="" val="3456624213"/>
               </p:ext>
             </p:extLst>
           </p:nvPr>
@@ -20745,7 +20502,7 @@
     </p:spTree>
     <p:extLst>
       <p:ext uri="{BB962C8B-B14F-4D97-AF65-F5344CB8AC3E}">
-        <p14:creationId xmlns:p14="http://schemas.microsoft.com/office/powerpoint/2010/main" val="2330439383"/>
+        <p14:creationId xmlns:p14="http://schemas.microsoft.com/office/powerpoint/2010/main" xmlns="" val="2330439383"/>
       </p:ext>
     </p:extLst>
   </p:cSld>
@@ -21094,7 +20851,7 @@
     </p:spTree>
     <p:extLst>
       <p:ext uri="{BB962C8B-B14F-4D97-AF65-F5344CB8AC3E}">
-        <p14:creationId xmlns:p14="http://schemas.microsoft.com/office/powerpoint/2010/main" val="3651665137"/>
+        <p14:creationId xmlns:p14="http://schemas.microsoft.com/office/powerpoint/2010/main" xmlns="" val="3651665137"/>
       </p:ext>
     </p:extLst>
   </p:cSld>
@@ -21168,7 +20925,7 @@
           </p:nvPr>
         </p:nvPicPr>
         <p:blipFill>
-          <a:blip r:embed="rId3"/>
+          <a:blip r:embed="rId3" cstate="print"/>
           <a:stretch>
             <a:fillRect/>
           </a:stretch>
@@ -21192,7 +20949,7 @@
           <p:nvPr/>
         </p:nvPicPr>
         <p:blipFill>
-          <a:blip r:embed="rId4"/>
+          <a:blip r:embed="rId4" cstate="print"/>
           <a:stretch>
             <a:fillRect/>
           </a:stretch>
@@ -21492,7 +21249,7 @@
     </p:spTree>
     <p:extLst>
       <p:ext uri="{BB962C8B-B14F-4D97-AF65-F5344CB8AC3E}">
-        <p14:creationId xmlns:p14="http://schemas.microsoft.com/office/powerpoint/2010/main" val="4024771090"/>
+        <p14:creationId xmlns:p14="http://schemas.microsoft.com/office/powerpoint/2010/main" xmlns="" val="4024771090"/>
       </p:ext>
     </p:extLst>
   </p:cSld>
@@ -21722,7 +21479,7 @@
     </p:spTree>
     <p:extLst>
       <p:ext uri="{BB962C8B-B14F-4D97-AF65-F5344CB8AC3E}">
-        <p14:creationId xmlns:p14="http://schemas.microsoft.com/office/powerpoint/2010/main" val="3337746042"/>
+        <p14:creationId xmlns:p14="http://schemas.microsoft.com/office/powerpoint/2010/main" xmlns="" val="3337746042"/>
       </p:ext>
     </p:extLst>
   </p:cSld>
@@ -21805,7 +21562,7 @@
     </p:spTree>
     <p:extLst>
       <p:ext uri="{BB962C8B-B14F-4D97-AF65-F5344CB8AC3E}">
-        <p14:creationId xmlns:p14="http://schemas.microsoft.com/office/powerpoint/2010/main" val="1036071785"/>
+        <p14:creationId xmlns:p14="http://schemas.microsoft.com/office/powerpoint/2010/main" xmlns="" val="1036071785"/>
       </p:ext>
     </p:extLst>
   </p:cSld>
@@ -21880,7 +21637,7 @@
     </p:spTree>
     <p:extLst>
       <p:ext uri="{BB962C8B-B14F-4D97-AF65-F5344CB8AC3E}">
-        <p14:creationId xmlns:p14="http://schemas.microsoft.com/office/powerpoint/2010/main" val="4029259654"/>
+        <p14:creationId xmlns:p14="http://schemas.microsoft.com/office/powerpoint/2010/main" xmlns="" val="4029259654"/>
       </p:ext>
     </p:extLst>
   </p:cSld>
@@ -22272,18 +22029,18 @@
     </p:spTree>
     <p:extLst>
       <p:ext uri="{BB962C8B-B14F-4D97-AF65-F5344CB8AC3E}">
-        <p14:creationId xmlns:p14="http://schemas.microsoft.com/office/powerpoint/2010/main" val="2323100813"/>
+        <p14:creationId xmlns:p14="http://schemas.microsoft.com/office/powerpoint/2010/main" xmlns="" val="2323100813"/>
       </p:ext>
     </p:extLst>
   </p:cSld>
   <p:clrMapOvr>
     <a:masterClrMapping/>
   </p:clrMapOvr>
-  <mc:AlternateContent xmlns:mc="http://schemas.openxmlformats.org/markup-compatibility/2006" xmlns:p14="http://schemas.microsoft.com/office/powerpoint/2010/main">
-    <mc:Choice Requires="p14">
+  <mc:AlternateContent xmlns:mc="http://schemas.openxmlformats.org/markup-compatibility/2006">
+    <mc:Choice xmlns:p14="http://schemas.microsoft.com/office/powerpoint/2010/main" xmlns="" Requires="p14">
       <p:transition p14:dur="0"/>
     </mc:Choice>
-    <mc:Fallback xmlns="">
+    <mc:Fallback>
       <p:transition/>
     </mc:Fallback>
   </mc:AlternateContent>
@@ -22548,7 +22305,7 @@
           <p:nvPr>
             <p:extLst>
               <p:ext uri="{D42A27DB-BD31-4B8C-83A1-F6EECF244321}">
-                <p14:modId xmlns:p14="http://schemas.microsoft.com/office/powerpoint/2010/main" val="963427250"/>
+                <p14:modId xmlns:p14="http://schemas.microsoft.com/office/powerpoint/2010/main" xmlns="" val="963427250"/>
               </p:ext>
             </p:extLst>
           </p:nvPr>
@@ -23082,7 +22839,7 @@
     </p:spTree>
     <p:extLst>
       <p:ext uri="{BB962C8B-B14F-4D97-AF65-F5344CB8AC3E}">
-        <p14:creationId xmlns:p14="http://schemas.microsoft.com/office/powerpoint/2010/main" val="2960815596"/>
+        <p14:creationId xmlns:p14="http://schemas.microsoft.com/office/powerpoint/2010/main" xmlns="" val="2960815596"/>
       </p:ext>
     </p:extLst>
   </p:cSld>
@@ -23320,7 +23077,7 @@
     </p:spTree>
     <p:extLst>
       <p:ext uri="{BB962C8B-B14F-4D97-AF65-F5344CB8AC3E}">
-        <p14:creationId xmlns:p14="http://schemas.microsoft.com/office/powerpoint/2010/main" val="1616575088"/>
+        <p14:creationId xmlns:p14="http://schemas.microsoft.com/office/powerpoint/2010/main" xmlns="" val="1616575088"/>
       </p:ext>
     </p:extLst>
   </p:cSld>
@@ -23517,7 +23274,7 @@
     </p:spTree>
     <p:extLst>
       <p:ext uri="{BB962C8B-B14F-4D97-AF65-F5344CB8AC3E}">
-        <p14:creationId xmlns:p14="http://schemas.microsoft.com/office/powerpoint/2010/main" val="1314162854"/>
+        <p14:creationId xmlns:p14="http://schemas.microsoft.com/office/powerpoint/2010/main" xmlns="" val="1314162854"/>
       </p:ext>
     </p:extLst>
   </p:cSld>
@@ -23604,7 +23361,7 @@
     </p:spTree>
     <p:extLst>
       <p:ext uri="{BB962C8B-B14F-4D97-AF65-F5344CB8AC3E}">
-        <p14:creationId xmlns:p14="http://schemas.microsoft.com/office/powerpoint/2010/main" val="1350559237"/>
+        <p14:creationId xmlns:p14="http://schemas.microsoft.com/office/powerpoint/2010/main" xmlns="" val="1350559237"/>
       </p:ext>
     </p:extLst>
   </p:cSld>
@@ -23679,7 +23436,7 @@
     </p:spTree>
     <p:extLst>
       <p:ext uri="{BB962C8B-B14F-4D97-AF65-F5344CB8AC3E}">
-        <p14:creationId xmlns:p14="http://schemas.microsoft.com/office/powerpoint/2010/main" val="3857988853"/>
+        <p14:creationId xmlns:p14="http://schemas.microsoft.com/office/powerpoint/2010/main" xmlns="" val="3857988853"/>
       </p:ext>
     </p:extLst>
   </p:cSld>
@@ -23889,7 +23646,7 @@
     </p:spTree>
     <p:extLst>
       <p:ext uri="{BB962C8B-B14F-4D97-AF65-F5344CB8AC3E}">
-        <p14:creationId xmlns:p14="http://schemas.microsoft.com/office/powerpoint/2010/main" val="3857988853"/>
+        <p14:creationId xmlns:p14="http://schemas.microsoft.com/office/powerpoint/2010/main" xmlns="" val="3857988853"/>
       </p:ext>
     </p:extLst>
   </p:cSld>
@@ -24681,7 +24438,7 @@
     </p:spTree>
     <p:extLst>
       <p:ext uri="{BB962C8B-B14F-4D97-AF65-F5344CB8AC3E}">
-        <p14:creationId xmlns:p14="http://schemas.microsoft.com/office/powerpoint/2010/main" val="755519461"/>
+        <p14:creationId xmlns:p14="http://schemas.microsoft.com/office/powerpoint/2010/main" xmlns="" val="755519461"/>
       </p:ext>
     </p:extLst>
   </p:cSld>
@@ -24980,7 +24737,7 @@
     </p:spTree>
     <p:extLst>
       <p:ext uri="{BB962C8B-B14F-4D97-AF65-F5344CB8AC3E}">
-        <p14:creationId xmlns:p14="http://schemas.microsoft.com/office/powerpoint/2010/main" val="1569197944"/>
+        <p14:creationId xmlns:p14="http://schemas.microsoft.com/office/powerpoint/2010/main" xmlns="" val="1569197944"/>
       </p:ext>
     </p:extLst>
   </p:cSld>
@@ -25019,7 +24776,7 @@
           <a:blip r:embed="rId2" cstate="print">
             <a:extLst>
               <a:ext uri="{28A0092B-C50C-407E-A947-70E740481C1C}">
-                <a14:useLocalDpi xmlns:a14="http://schemas.microsoft.com/office/drawing/2010/main" val="0"/>
+                <a14:useLocalDpi xmlns:a14="http://schemas.microsoft.com/office/drawing/2010/main" xmlns="" val="0"/>
               </a:ext>
             </a:extLst>
           </a:blip>
@@ -25136,10 +24893,10 @@
           <p:nvPr/>
         </p:nvPicPr>
         <p:blipFill>
-          <a:blip r:embed="rId3">
+          <a:blip r:embed="rId3" cstate="print">
             <a:extLst>
               <a:ext uri="{28A0092B-C50C-407E-A947-70E740481C1C}">
-                <a14:useLocalDpi xmlns:a14="http://schemas.microsoft.com/office/drawing/2010/main" val="0"/>
+                <a14:useLocalDpi xmlns:a14="http://schemas.microsoft.com/office/drawing/2010/main" xmlns="" val="0"/>
               </a:ext>
             </a:extLst>
           </a:blip>
@@ -25166,10 +24923,10 @@
           <p:nvPr/>
         </p:nvPicPr>
         <p:blipFill>
-          <a:blip r:embed="rId4">
+          <a:blip r:embed="rId4" cstate="print">
             <a:extLst>
               <a:ext uri="{28A0092B-C50C-407E-A947-70E740481C1C}">
-                <a14:useLocalDpi xmlns:a14="http://schemas.microsoft.com/office/drawing/2010/main" val="0"/>
+                <a14:useLocalDpi xmlns:a14="http://schemas.microsoft.com/office/drawing/2010/main" xmlns="" val="0"/>
               </a:ext>
             </a:extLst>
           </a:blip>
@@ -25217,7 +24974,7 @@
           <a:blip r:embed="rId5" cstate="print">
             <a:extLst>
               <a:ext uri="{28A0092B-C50C-407E-A947-70E740481C1C}">
-                <a14:useLocalDpi xmlns:a14="http://schemas.microsoft.com/office/drawing/2010/main" val="0"/>
+                <a14:useLocalDpi xmlns:a14="http://schemas.microsoft.com/office/drawing/2010/main" xmlns="" val="0"/>
               </a:ext>
             </a:extLst>
           </a:blip>
@@ -25238,7 +24995,7 @@
     </p:spTree>
     <p:extLst>
       <p:ext uri="{BB962C8B-B14F-4D97-AF65-F5344CB8AC3E}">
-        <p14:creationId xmlns:p14="http://schemas.microsoft.com/office/powerpoint/2010/main" val="3458532491"/>
+        <p14:creationId xmlns:p14="http://schemas.microsoft.com/office/powerpoint/2010/main" xmlns="" val="3458532491"/>
       </p:ext>
     </p:extLst>
   </p:cSld>
@@ -25365,7 +25122,7 @@
           <p:nvPr/>
         </p:nvPicPr>
         <p:blipFill>
-          <a:blip r:embed="rId2"/>
+          <a:blip r:embed="rId2" cstate="print"/>
           <a:stretch>
             <a:fillRect/>
           </a:stretch>
@@ -25383,7 +25140,7 @@
     </p:spTree>
     <p:extLst>
       <p:ext uri="{BB962C8B-B14F-4D97-AF65-F5344CB8AC3E}">
-        <p14:creationId xmlns:p14="http://schemas.microsoft.com/office/powerpoint/2010/main" val="3599542048"/>
+        <p14:creationId xmlns:p14="http://schemas.microsoft.com/office/powerpoint/2010/main" xmlns="" val="3599542048"/>
       </p:ext>
     </p:extLst>
   </p:cSld>
@@ -25815,7 +25572,7 @@
     </p:spTree>
     <p:extLst>
       <p:ext uri="{BB962C8B-B14F-4D97-AF65-F5344CB8AC3E}">
-        <p14:creationId xmlns:p14="http://schemas.microsoft.com/office/powerpoint/2010/main" val="1933947800"/>
+        <p14:creationId xmlns:p14="http://schemas.microsoft.com/office/powerpoint/2010/main" xmlns="" val="1933947800"/>
       </p:ext>
     </p:extLst>
   </p:cSld>
@@ -25883,7 +25640,7 @@
           </p:nvPr>
         </p:nvPicPr>
         <p:blipFill>
-          <a:blip r:embed="rId2"/>
+          <a:blip r:embed="rId2" cstate="print"/>
           <a:stretch>
             <a:fillRect/>
           </a:stretch>
@@ -25901,7 +25658,7 @@
     </p:spTree>
     <p:extLst>
       <p:ext uri="{BB962C8B-B14F-4D97-AF65-F5344CB8AC3E}">
-        <p14:creationId xmlns:p14="http://schemas.microsoft.com/office/powerpoint/2010/main" val="256484290"/>
+        <p14:creationId xmlns:p14="http://schemas.microsoft.com/office/powerpoint/2010/main" xmlns="" val="256484290"/>
       </p:ext>
     </p:extLst>
   </p:cSld>
@@ -26002,7 +25759,7 @@
           <p:nvPr/>
         </p:nvPicPr>
         <p:blipFill>
-          <a:blip r:embed="rId2"/>
+          <a:blip r:embed="rId2" cstate="print"/>
           <a:stretch>
             <a:fillRect/>
           </a:stretch>
@@ -26020,7 +25777,7 @@
     </p:spTree>
     <p:extLst>
       <p:ext uri="{BB962C8B-B14F-4D97-AF65-F5344CB8AC3E}">
-        <p14:creationId xmlns:p14="http://schemas.microsoft.com/office/powerpoint/2010/main" val="286368229"/>
+        <p14:creationId xmlns:p14="http://schemas.microsoft.com/office/powerpoint/2010/main" xmlns="" val="286368229"/>
       </p:ext>
     </p:extLst>
   </p:cSld>
@@ -26096,7 +25853,7 @@
     </p:spTree>
     <p:extLst>
       <p:ext uri="{BB962C8B-B14F-4D97-AF65-F5344CB8AC3E}">
-        <p14:creationId xmlns:p14="http://schemas.microsoft.com/office/powerpoint/2010/main" val="745076154"/>
+        <p14:creationId xmlns:p14="http://schemas.microsoft.com/office/powerpoint/2010/main" xmlns="" val="745076154"/>
       </p:ext>
     </p:extLst>
   </p:cSld>
@@ -26220,7 +25977,7 @@
                   <p:nvPr>
                     <p:extLst>
                       <p:ext uri="{D42A27DB-BD31-4B8C-83A1-F6EECF244321}">
-                        <p14:modId xmlns:p14="http://schemas.microsoft.com/office/powerpoint/2010/main" val="568955525"/>
+                        <p14:modId xmlns:p14="http://schemas.microsoft.com/office/powerpoint/2010/main" xmlns="" val="568955525"/>
                       </p:ext>
                     </p:extLst>
                   </p:nvPr>
@@ -27152,7 +26909,7 @@
     </p:spTree>
     <p:extLst>
       <p:ext uri="{BB962C8B-B14F-4D97-AF65-F5344CB8AC3E}">
-        <p14:creationId xmlns:p14="http://schemas.microsoft.com/office/powerpoint/2010/main" val="3857988853"/>
+        <p14:creationId xmlns:p14="http://schemas.microsoft.com/office/powerpoint/2010/main" xmlns="" val="3857988853"/>
       </p:ext>
     </p:extLst>
   </p:cSld>
@@ -27228,7 +26985,7 @@
           </p:nvPr>
         </p:nvPicPr>
         <p:blipFill>
-          <a:blip r:embed="rId2"/>
+          <a:blip r:embed="rId2" cstate="print"/>
           <a:stretch>
             <a:fillRect/>
           </a:stretch>
@@ -27246,7 +27003,7 @@
     </p:spTree>
     <p:extLst>
       <p:ext uri="{BB962C8B-B14F-4D97-AF65-F5344CB8AC3E}">
-        <p14:creationId xmlns:p14="http://schemas.microsoft.com/office/powerpoint/2010/main" val="1515372593"/>
+        <p14:creationId xmlns:p14="http://schemas.microsoft.com/office/powerpoint/2010/main" xmlns="" val="1515372593"/>
       </p:ext>
     </p:extLst>
   </p:cSld>
@@ -27437,7 +27194,7 @@
     </p:spTree>
     <p:extLst>
       <p:ext uri="{BB962C8B-B14F-4D97-AF65-F5344CB8AC3E}">
-        <p14:creationId xmlns:p14="http://schemas.microsoft.com/office/powerpoint/2010/main" val="576009203"/>
+        <p14:creationId xmlns:p14="http://schemas.microsoft.com/office/powerpoint/2010/main" xmlns="" val="576009203"/>
       </p:ext>
     </p:extLst>
   </p:cSld>
@@ -27586,7 +27343,7 @@
     </p:spTree>
     <p:extLst>
       <p:ext uri="{BB962C8B-B14F-4D97-AF65-F5344CB8AC3E}">
-        <p14:creationId xmlns:p14="http://schemas.microsoft.com/office/powerpoint/2010/main" val="2359148607"/>
+        <p14:creationId xmlns:p14="http://schemas.microsoft.com/office/powerpoint/2010/main" xmlns="" val="2359148607"/>
       </p:ext>
     </p:extLst>
   </p:cSld>
@@ -27930,7 +27687,59 @@
           <a:bodyPr/>
           <a:lstStyle/>
           <a:p>
-            <a:endParaRPr lang="pt-PT"/>
+            <a:r>
+              <a:rPr lang="en-US" dirty="0" smtClean="0"/>
+              <a:t>Main contributions</a:t>
+            </a:r>
+          </a:p>
+          <a:p>
+            <a:pPr lvl="1"/>
+            <a:r>
+              <a:rPr lang="en-US" dirty="0" smtClean="0"/>
+              <a:t>English revisions</a:t>
+            </a:r>
+          </a:p>
+          <a:p>
+            <a:pPr lvl="1"/>
+            <a:r>
+              <a:rPr lang="en-US" dirty="0" smtClean="0"/>
+              <a:t>Enterprise Architect </a:t>
+            </a:r>
+            <a:r>
+              <a:rPr lang="en-US" dirty="0" smtClean="0"/>
+              <a:t>knowledge</a:t>
+            </a:r>
+          </a:p>
+          <a:p>
+            <a:pPr lvl="1"/>
+            <a:r>
+              <a:rPr lang="en-US" dirty="0" smtClean="0"/>
+              <a:t>Testing</a:t>
+            </a:r>
+            <a:endParaRPr lang="en-US" dirty="0" smtClean="0"/>
+          </a:p>
+          <a:p>
+            <a:r>
+              <a:rPr lang="en-US" dirty="0" smtClean="0"/>
+              <a:t>Participation analysis</a:t>
+            </a:r>
+          </a:p>
+          <a:p>
+            <a:pPr lvl="1"/>
+            <a:r>
+              <a:rPr lang="en-US" dirty="0" smtClean="0"/>
+              <a:t>Positive</a:t>
+            </a:r>
+          </a:p>
+          <a:p>
+            <a:pPr lvl="1"/>
+            <a:r>
+              <a:rPr lang="en-US" dirty="0" smtClean="0"/>
+              <a:t>Work done, availability to help and overwork when required</a:t>
+            </a:r>
+          </a:p>
+          <a:p>
+            <a:endParaRPr lang="pt-PT" dirty="0"/>
           </a:p>
         </p:txBody>
       </p:sp>
@@ -27976,7 +27785,7 @@
           <a:p>
             <a:r>
               <a:rPr lang="pt-PT" dirty="0" smtClean="0"/>
-              <a:t>David João</a:t>
+              <a:t>Carla Machado</a:t>
             </a:r>
             <a:endParaRPr lang="pt-PT" dirty="0"/>
           </a:p>
@@ -27994,10 +27803,78 @@
         </p:nvSpPr>
         <p:spPr/>
         <p:txBody>
-          <a:bodyPr/>
+          <a:bodyPr>
+            <a:normAutofit/>
+          </a:bodyPr>
           <a:lstStyle/>
           <a:p>
-            <a:endParaRPr lang="pt-PT"/>
+            <a:r>
+              <a:rPr lang="en-US" dirty="0" smtClean="0"/>
+              <a:t>Lessons Learned</a:t>
+            </a:r>
+          </a:p>
+          <a:p>
+            <a:pPr lvl="1"/>
+            <a:r>
+              <a:rPr lang="en-US" dirty="0" smtClean="0"/>
+              <a:t>Organization</a:t>
+            </a:r>
+          </a:p>
+          <a:p>
+            <a:pPr lvl="1"/>
+            <a:r>
+              <a:rPr lang="en-US" dirty="0" smtClean="0"/>
+              <a:t>Level of </a:t>
+            </a:r>
+            <a:r>
+              <a:rPr lang="en-US" dirty="0" smtClean="0"/>
+              <a:t>commitment and motivation</a:t>
+            </a:r>
+            <a:endParaRPr lang="en-US" dirty="0" smtClean="0"/>
+          </a:p>
+          <a:p>
+            <a:pPr lvl="2"/>
+            <a:r>
+              <a:rPr lang="en-US" dirty="0" smtClean="0"/>
+              <a:t> similar </a:t>
+            </a:r>
+            <a:r>
+              <a:rPr lang="en-US" dirty="0" smtClean="0"/>
+              <a:t>for </a:t>
+            </a:r>
+            <a:r>
+              <a:rPr lang="en-US" dirty="0" smtClean="0"/>
+              <a:t>all members </a:t>
+            </a:r>
+          </a:p>
+          <a:p>
+            <a:pPr lvl="2"/>
+            <a:r>
+              <a:rPr lang="en-US" dirty="0" smtClean="0"/>
+              <a:t>Maintain it throughout the project</a:t>
+            </a:r>
+          </a:p>
+          <a:p>
+            <a:pPr lvl="1"/>
+            <a:r>
+              <a:rPr lang="en-US" dirty="0" smtClean="0"/>
+              <a:t>Working together and regular </a:t>
+            </a:r>
+            <a:r>
+              <a:rPr lang="en-US" dirty="0" smtClean="0"/>
+              <a:t>meetings</a:t>
+            </a:r>
+          </a:p>
+          <a:p>
+            <a:pPr lvl="1"/>
+            <a:r>
+              <a:rPr lang="en-US" dirty="0" smtClean="0"/>
+              <a:t>Take advantage of individual strengths and knowledge </a:t>
+            </a:r>
+            <a:endParaRPr lang="en-US" dirty="0" smtClean="0"/>
+          </a:p>
+          <a:p>
+            <a:endParaRPr lang="pt-PT" dirty="0"/>
           </a:p>
         </p:txBody>
       </p:sp>
@@ -28043,7 +27920,7 @@
           <a:p>
             <a:r>
               <a:rPr lang="pt-PT" dirty="0" smtClean="0"/>
-              <a:t>Filipe Brandão</a:t>
+              <a:t>David João</a:t>
             </a:r>
             <a:endParaRPr lang="pt-PT" dirty="0"/>
           </a:p>
@@ -28109,18 +27986,10 @@
           <a:lstStyle/>
           <a:p>
             <a:r>
-              <a:rPr lang="pt-PT" dirty="0"/>
-              <a:t>Filipe </a:t>
-            </a:r>
-            <a:r>
               <a:rPr lang="pt-PT" dirty="0" smtClean="0"/>
-              <a:t>Brandão - </a:t>
-            </a:r>
-            <a:r>
-              <a:rPr lang="pt-PT" b="1" dirty="0" err="1" smtClean="0"/>
-              <a:t>Contributions</a:t>
-            </a:r>
-            <a:endParaRPr lang="pt-PT" b="1" dirty="0"/>
+              <a:t>Filipe Brandão</a:t>
+            </a:r>
+            <a:endParaRPr lang="pt-PT" dirty="0"/>
           </a:p>
         </p:txBody>
       </p:sp>
@@ -28139,154 +28008,15 @@
           <a:bodyPr/>
           <a:lstStyle/>
           <a:p>
-            <a:pPr lvl="1"/>
-            <a:r>
-              <a:rPr lang="pt-PT" dirty="0" err="1" smtClean="0"/>
-              <a:t>Previous</a:t>
-            </a:r>
-            <a:r>
-              <a:rPr lang="pt-PT" dirty="0" smtClean="0"/>
-              <a:t> </a:t>
-            </a:r>
-            <a:r>
-              <a:rPr lang="pt-PT" dirty="0" err="1" smtClean="0"/>
-              <a:t>experience</a:t>
-            </a:r>
-            <a:r>
-              <a:rPr lang="pt-PT" dirty="0" smtClean="0"/>
-              <a:t> :</a:t>
-            </a:r>
-          </a:p>
-          <a:p>
-            <a:pPr lvl="2"/>
-            <a:r>
-              <a:rPr lang="pt-PT" dirty="0" err="1" smtClean="0"/>
-              <a:t>allowed</a:t>
-            </a:r>
-            <a:r>
-              <a:rPr lang="pt-PT" dirty="0" smtClean="0"/>
-              <a:t> a more </a:t>
-            </a:r>
-            <a:r>
-              <a:rPr lang="pt-PT" dirty="0" err="1" smtClean="0"/>
-              <a:t>direct</a:t>
-            </a:r>
-            <a:r>
-              <a:rPr lang="pt-PT" dirty="0" smtClean="0"/>
-              <a:t> </a:t>
-            </a:r>
-            <a:r>
-              <a:rPr lang="pt-PT" dirty="0" err="1" smtClean="0"/>
-              <a:t>approach</a:t>
-            </a:r>
-            <a:r>
-              <a:rPr lang="pt-PT" dirty="0" smtClean="0"/>
-              <a:t> to </a:t>
-            </a:r>
-            <a:r>
-              <a:rPr lang="pt-PT" dirty="0" err="1" smtClean="0"/>
-              <a:t>the</a:t>
-            </a:r>
-            <a:r>
-              <a:rPr lang="pt-PT" dirty="0" smtClean="0"/>
-              <a:t> </a:t>
-            </a:r>
-            <a:r>
-              <a:rPr lang="pt-PT" dirty="0" err="1" smtClean="0"/>
-              <a:t>problems</a:t>
-            </a:r>
-            <a:r>
-              <a:rPr lang="pt-PT" dirty="0"/>
-              <a:t> </a:t>
-            </a:r>
-            <a:r>
-              <a:rPr lang="pt-PT" dirty="0" err="1" smtClean="0"/>
-              <a:t>presented</a:t>
-            </a:r>
-            <a:endParaRPr lang="pt-PT" dirty="0"/>
-          </a:p>
-          <a:p>
-            <a:pPr lvl="2"/>
-            <a:r>
-              <a:rPr lang="pt-PT" dirty="0" err="1" smtClean="0"/>
-              <a:t>allowed</a:t>
-            </a:r>
-            <a:r>
-              <a:rPr lang="pt-PT" dirty="0" smtClean="0"/>
-              <a:t> me to </a:t>
-            </a:r>
-            <a:r>
-              <a:rPr lang="pt-PT" dirty="0" err="1" smtClean="0"/>
-              <a:t>help</a:t>
-            </a:r>
-            <a:r>
-              <a:rPr lang="pt-PT" dirty="0" smtClean="0"/>
-              <a:t> </a:t>
-            </a:r>
-            <a:r>
-              <a:rPr lang="pt-PT" dirty="0" err="1" smtClean="0"/>
-              <a:t>other</a:t>
-            </a:r>
-            <a:r>
-              <a:rPr lang="pt-PT" dirty="0" smtClean="0"/>
-              <a:t> </a:t>
-            </a:r>
-            <a:r>
-              <a:rPr lang="pt-PT" dirty="0" err="1" smtClean="0"/>
-              <a:t>members</a:t>
-            </a:r>
-            <a:r>
-              <a:rPr lang="pt-PT" dirty="0" smtClean="0"/>
-              <a:t> </a:t>
-            </a:r>
-            <a:r>
-              <a:rPr lang="pt-PT" dirty="0" err="1" smtClean="0"/>
-              <a:t>providing</a:t>
-            </a:r>
-            <a:r>
-              <a:rPr lang="pt-PT" dirty="0" smtClean="0"/>
-              <a:t> </a:t>
-            </a:r>
-            <a:r>
-              <a:rPr lang="pt-PT" dirty="0" err="1" smtClean="0"/>
-              <a:t>guidance</a:t>
-            </a:r>
-            <a:endParaRPr lang="pt-PT" dirty="0" smtClean="0"/>
-          </a:p>
-          <a:p>
-            <a:pPr lvl="1"/>
-            <a:endParaRPr lang="pt-PT" dirty="0" smtClean="0"/>
-          </a:p>
-          <a:p>
-            <a:pPr lvl="1"/>
-            <a:endParaRPr lang="pt-PT" dirty="0" smtClean="0"/>
-          </a:p>
-          <a:p>
-            <a:pPr lvl="1"/>
-            <a:endParaRPr lang="pt-PT" dirty="0"/>
-          </a:p>
-          <a:p>
-            <a:endParaRPr lang="pt-PT" dirty="0"/>
+            <a:endParaRPr lang="pt-PT"/>
           </a:p>
         </p:txBody>
       </p:sp>
     </p:spTree>
-    <p:extLst>
-      <p:ext uri="{BB962C8B-B14F-4D97-AF65-F5344CB8AC3E}">
-        <p14:creationId xmlns:p14="http://schemas.microsoft.com/office/powerpoint/2010/main" val="529958241"/>
-      </p:ext>
-    </p:extLst>
   </p:cSld>
   <p:clrMapOvr>
     <a:masterClrMapping/>
   </p:clrMapOvr>
-  <p:timing>
-    <p:tnLst>
-      <p:par>
-        <p:cTn id="1" dur="indefinite" restart="never" nodeType="tmRoot"/>
-      </p:par>
-    </p:tnLst>
-  </p:timing>
 </p:sld>
 </file>
 
@@ -28349,7 +28079,7 @@
           </p:nvPr>
         </p:nvPicPr>
         <p:blipFill>
-          <a:blip r:embed="rId2"/>
+          <a:blip r:embed="rId2" cstate="print"/>
           <a:stretch>
             <a:fillRect/>
           </a:stretch>
@@ -28373,7 +28103,7 @@
           <p:nvPr/>
         </p:nvPicPr>
         <p:blipFill>
-          <a:blip r:embed="rId3"/>
+          <a:blip r:embed="rId3" cstate="print"/>
           <a:stretch>
             <a:fillRect/>
           </a:stretch>
@@ -28391,7 +28121,7 @@
     </p:spTree>
     <p:extLst>
       <p:ext uri="{BB962C8B-B14F-4D97-AF65-F5344CB8AC3E}">
-        <p14:creationId xmlns:p14="http://schemas.microsoft.com/office/powerpoint/2010/main" val="139459399"/>
+        <p14:creationId xmlns:p14="http://schemas.microsoft.com/office/powerpoint/2010/main" xmlns="" val="139459399"/>
       </p:ext>
     </p:extLst>
   </p:cSld>
@@ -28450,15 +28180,7 @@
             </a:r>
             <a:r>
               <a:rPr lang="pt-PT" b="1" dirty="0" err="1" smtClean="0"/>
-              <a:t>Lessons</a:t>
-            </a:r>
-            <a:r>
-              <a:rPr lang="pt-PT" b="1" dirty="0" smtClean="0"/>
-              <a:t> </a:t>
-            </a:r>
-            <a:r>
-              <a:rPr lang="pt-PT" b="1" dirty="0" err="1" smtClean="0"/>
-              <a:t>Learned</a:t>
+              <a:t>Contributions</a:t>
             </a:r>
             <a:endParaRPr lang="pt-PT" b="1" dirty="0"/>
           </a:p>
@@ -28476,108 +28198,136 @@
         </p:nvSpPr>
         <p:spPr/>
         <p:txBody>
-          <a:bodyPr>
-            <a:normAutofit fontScale="85000" lnSpcReduction="20000"/>
-          </a:bodyPr>
+          <a:bodyPr/>
           <a:lstStyle/>
           <a:p>
-            <a:r>
-              <a:rPr lang="en-US" dirty="0" smtClean="0"/>
-              <a:t>Project Management is a lot about experience, learning lessons and adapting based on all the previous information.</a:t>
-            </a:r>
-          </a:p>
-          <a:p>
-            <a:r>
-              <a:rPr lang="pt-PT" dirty="0" smtClean="0"/>
-              <a:t>Soft </a:t>
-            </a:r>
-            <a:r>
-              <a:rPr lang="en-US" dirty="0" smtClean="0"/>
-              <a:t>skills</a:t>
-            </a:r>
-            <a:r>
-              <a:rPr lang="pt-PT" dirty="0" smtClean="0"/>
-              <a:t> are </a:t>
-            </a:r>
-            <a:r>
-              <a:rPr lang="en-US" dirty="0" smtClean="0"/>
-              <a:t>necessary</a:t>
-            </a:r>
-            <a:r>
-              <a:rPr lang="pt-PT" dirty="0" smtClean="0"/>
-              <a:t>: </a:t>
-            </a:r>
-            <a:r>
-              <a:rPr lang="en-US" dirty="0" smtClean="0"/>
-              <a:t>communication</a:t>
-            </a:r>
-            <a:r>
-              <a:rPr lang="pt-PT" dirty="0" smtClean="0"/>
-              <a:t>, </a:t>
-            </a:r>
-            <a:r>
-              <a:rPr lang="en-US" dirty="0" smtClean="0"/>
-              <a:t>leadership</a:t>
-            </a:r>
-            <a:r>
-              <a:rPr lang="pt-PT" dirty="0" smtClean="0"/>
-              <a:t>, handling </a:t>
-            </a:r>
-            <a:r>
-              <a:rPr lang="en-US" dirty="0" smtClean="0"/>
-              <a:t>different</a:t>
+            <a:pPr lvl="1"/>
+            <a:r>
+              <a:rPr lang="pt-PT" dirty="0" err="1" smtClean="0"/>
+              <a:t>Previous</a:t>
             </a:r>
             <a:r>
               <a:rPr lang="pt-PT" dirty="0" smtClean="0"/>
               <a:t> </a:t>
             </a:r>
             <a:r>
-              <a:rPr lang="en-US" dirty="0" smtClean="0"/>
-              <a:t>personalities</a:t>
+              <a:rPr lang="pt-PT" dirty="0" err="1" smtClean="0"/>
+              <a:t>experience</a:t>
             </a:r>
             <a:r>
               <a:rPr lang="pt-PT" dirty="0" smtClean="0"/>
-              <a:t>, etc.</a:t>
-            </a:r>
-          </a:p>
-          <a:p>
-            <a:r>
-              <a:rPr lang="en-US" dirty="0" smtClean="0"/>
-              <a:t>A tool, doesn’t matter how many value it can add to our work, is worth nothing if not correctly used.</a:t>
-            </a:r>
-          </a:p>
-          <a:p>
-            <a:r>
-              <a:rPr lang="en-US" dirty="0" smtClean="0"/>
-              <a:t>Regular meetings are essential. Working together is beneficial.</a:t>
-            </a:r>
-          </a:p>
-          <a:p>
-            <a:r>
-              <a:rPr lang="en-US" dirty="0" smtClean="0"/>
-              <a:t>Project control implies different aspects depending on the project state.</a:t>
-            </a:r>
-          </a:p>
-          <a:p>
-            <a:r>
-              <a:rPr lang="en-US" dirty="0" smtClean="0"/>
-              <a:t>Transparency during the whole project is essential. </a:t>
-            </a:r>
-          </a:p>
-          <a:p>
-            <a:r>
-              <a:rPr lang="en-US" dirty="0" smtClean="0"/>
-              <a:t>Motivation is key.</a:t>
-            </a:r>
-          </a:p>
-          <a:p>
+              <a:t> :</a:t>
+            </a:r>
+          </a:p>
+          <a:p>
+            <a:pPr lvl="2"/>
+            <a:r>
+              <a:rPr lang="pt-PT" dirty="0" err="1" smtClean="0"/>
+              <a:t>allowed</a:t>
+            </a:r>
+            <a:r>
+              <a:rPr lang="pt-PT" dirty="0" smtClean="0"/>
+              <a:t> a more </a:t>
+            </a:r>
+            <a:r>
+              <a:rPr lang="pt-PT" dirty="0" err="1" smtClean="0"/>
+              <a:t>direct</a:t>
+            </a:r>
+            <a:r>
+              <a:rPr lang="pt-PT" dirty="0" smtClean="0"/>
+              <a:t> </a:t>
+            </a:r>
+            <a:r>
+              <a:rPr lang="pt-PT" dirty="0" err="1" smtClean="0"/>
+              <a:t>approach</a:t>
+            </a:r>
+            <a:r>
+              <a:rPr lang="pt-PT" dirty="0" smtClean="0"/>
+              <a:t> to </a:t>
+            </a:r>
+            <a:r>
+              <a:rPr lang="pt-PT" dirty="0" err="1" smtClean="0"/>
+              <a:t>the</a:t>
+            </a:r>
+            <a:r>
+              <a:rPr lang="pt-PT" dirty="0" smtClean="0"/>
+              <a:t> </a:t>
+            </a:r>
+            <a:r>
+              <a:rPr lang="pt-PT" dirty="0" err="1" smtClean="0"/>
+              <a:t>problems</a:t>
+            </a:r>
+            <a:r>
+              <a:rPr lang="pt-PT" dirty="0"/>
+              <a:t> </a:t>
+            </a:r>
+            <a:r>
+              <a:rPr lang="pt-PT" dirty="0" err="1" smtClean="0"/>
+              <a:t>presented</a:t>
+            </a:r>
             <a:endParaRPr lang="pt-PT" dirty="0"/>
           </a:p>
           <a:p>
+            <a:pPr lvl="2"/>
+            <a:r>
+              <a:rPr lang="pt-PT" dirty="0" err="1" smtClean="0"/>
+              <a:t>allowed</a:t>
+            </a:r>
+            <a:r>
+              <a:rPr lang="pt-PT" dirty="0" smtClean="0"/>
+              <a:t> me to </a:t>
+            </a:r>
+            <a:r>
+              <a:rPr lang="pt-PT" dirty="0" err="1" smtClean="0"/>
+              <a:t>help</a:t>
+            </a:r>
+            <a:r>
+              <a:rPr lang="pt-PT" dirty="0" smtClean="0"/>
+              <a:t> </a:t>
+            </a:r>
+            <a:r>
+              <a:rPr lang="pt-PT" dirty="0" err="1" smtClean="0"/>
+              <a:t>other</a:t>
+            </a:r>
+            <a:r>
+              <a:rPr lang="pt-PT" dirty="0" smtClean="0"/>
+              <a:t> </a:t>
+            </a:r>
+            <a:r>
+              <a:rPr lang="pt-PT" dirty="0" err="1" smtClean="0"/>
+              <a:t>members</a:t>
+            </a:r>
+            <a:r>
+              <a:rPr lang="pt-PT" dirty="0" smtClean="0"/>
+              <a:t> </a:t>
+            </a:r>
+            <a:r>
+              <a:rPr lang="pt-PT" dirty="0" err="1" smtClean="0"/>
+              <a:t>providing</a:t>
+            </a:r>
+            <a:r>
+              <a:rPr lang="pt-PT" dirty="0" smtClean="0"/>
+              <a:t> </a:t>
+            </a:r>
+            <a:r>
+              <a:rPr lang="pt-PT" dirty="0" err="1" smtClean="0"/>
+              <a:t>guidance</a:t>
+            </a:r>
             <a:endParaRPr lang="pt-PT" dirty="0" smtClean="0"/>
           </a:p>
           <a:p>
             <a:pPr lvl="1"/>
+            <a:endParaRPr lang="pt-PT" dirty="0" smtClean="0"/>
+          </a:p>
+          <a:p>
+            <a:pPr lvl="1"/>
+            <a:endParaRPr lang="pt-PT" dirty="0" smtClean="0"/>
+          </a:p>
+          <a:p>
+            <a:pPr lvl="1"/>
+            <a:endParaRPr lang="pt-PT" dirty="0"/>
+          </a:p>
+          <a:p>
             <a:endParaRPr lang="pt-PT" dirty="0"/>
           </a:p>
         </p:txBody>
@@ -28585,7 +28335,7 @@
     </p:spTree>
     <p:extLst>
       <p:ext uri="{BB962C8B-B14F-4D97-AF65-F5344CB8AC3E}">
-        <p14:creationId xmlns:p14="http://schemas.microsoft.com/office/powerpoint/2010/main" val="1756093289"/>
+        <p14:creationId xmlns:p14="http://schemas.microsoft.com/office/powerpoint/2010/main" xmlns="" val="529958241"/>
       </p:ext>
     </p:extLst>
   </p:cSld>
@@ -28671,586 +28421,115 @@
         <p:spPr/>
         <p:txBody>
           <a:bodyPr>
-            <a:normAutofit/>
+            <a:normAutofit fontScale="85000" lnSpcReduction="20000"/>
           </a:bodyPr>
           <a:lstStyle/>
           <a:p>
             <a:r>
-              <a:rPr lang="pt-PT" dirty="0"/>
-              <a:t>A </a:t>
-            </a:r>
-            <a:r>
-              <a:rPr lang="pt-PT" dirty="0" err="1"/>
-              <a:t>good</a:t>
-            </a:r>
-            <a:r>
-              <a:rPr lang="pt-PT" dirty="0"/>
-              <a:t> </a:t>
-            </a:r>
-            <a:r>
-              <a:rPr lang="pt-PT" dirty="0" err="1"/>
-              <a:t>Work</a:t>
-            </a:r>
-            <a:r>
-              <a:rPr lang="pt-PT" dirty="0"/>
-              <a:t> </a:t>
-            </a:r>
-            <a:r>
-              <a:rPr lang="pt-PT" dirty="0" err="1"/>
-              <a:t>Breakdown</a:t>
-            </a:r>
-            <a:r>
-              <a:rPr lang="pt-PT" dirty="0"/>
-              <a:t> </a:t>
-            </a:r>
-            <a:r>
-              <a:rPr lang="pt-PT" dirty="0" err="1"/>
-              <a:t>Chart</a:t>
-            </a:r>
-            <a:r>
-              <a:rPr lang="pt-PT" dirty="0"/>
-              <a:t> </a:t>
-            </a:r>
-            <a:r>
-              <a:rPr lang="pt-PT" dirty="0" err="1"/>
-              <a:t>is</a:t>
-            </a:r>
-            <a:r>
-              <a:rPr lang="pt-PT" dirty="0"/>
-              <a:t> a </a:t>
-            </a:r>
-            <a:r>
-              <a:rPr lang="pt-PT" dirty="0" err="1"/>
-              <a:t>good</a:t>
-            </a:r>
-            <a:r>
-              <a:rPr lang="pt-PT" dirty="0"/>
-              <a:t> </a:t>
-            </a:r>
-            <a:r>
-              <a:rPr lang="pt-PT" dirty="0" err="1"/>
-              <a:t>foundation</a:t>
-            </a:r>
-            <a:r>
-              <a:rPr lang="pt-PT" dirty="0"/>
-              <a:t> for </a:t>
-            </a:r>
-            <a:r>
-              <a:rPr lang="pt-PT" dirty="0" err="1"/>
-              <a:t>the</a:t>
-            </a:r>
-            <a:r>
-              <a:rPr lang="pt-PT" dirty="0"/>
-              <a:t> </a:t>
-            </a:r>
-            <a:r>
-              <a:rPr lang="pt-PT" dirty="0" err="1"/>
-              <a:t>project</a:t>
-            </a:r>
-            <a:r>
-              <a:rPr lang="pt-PT" dirty="0"/>
-              <a:t> </a:t>
-            </a:r>
-            <a:r>
-              <a:rPr lang="pt-PT" dirty="0" err="1"/>
-              <a:t>plan</a:t>
-            </a:r>
+              <a:rPr lang="en-US" dirty="0" smtClean="0"/>
+              <a:t>Project Management is a lot about experience, learning lessons and adapting based on all the previous information.</a:t>
+            </a:r>
+          </a:p>
+          <a:p>
             <a:r>
               <a:rPr lang="pt-PT" dirty="0" smtClean="0"/>
-              <a:t>.</a:t>
-            </a:r>
-          </a:p>
-          <a:p>
-            <a:r>
-              <a:rPr lang="pt-PT" dirty="0" err="1" smtClean="0"/>
-              <a:t>Earned</a:t>
+              <a:t>Soft </a:t>
+            </a:r>
+            <a:r>
+              <a:rPr lang="en-US" dirty="0" smtClean="0"/>
+              <a:t>skills</a:t>
+            </a:r>
+            <a:r>
+              <a:rPr lang="pt-PT" dirty="0" smtClean="0"/>
+              <a:t> are </a:t>
+            </a:r>
+            <a:r>
+              <a:rPr lang="en-US" dirty="0" smtClean="0"/>
+              <a:t>necessary</a:t>
+            </a:r>
+            <a:r>
+              <a:rPr lang="pt-PT" dirty="0" smtClean="0"/>
+              <a:t>: </a:t>
+            </a:r>
+            <a:r>
+              <a:rPr lang="en-US" dirty="0" smtClean="0"/>
+              <a:t>communication</a:t>
+            </a:r>
+            <a:r>
+              <a:rPr lang="pt-PT" dirty="0" smtClean="0"/>
+              <a:t>, </a:t>
+            </a:r>
+            <a:r>
+              <a:rPr lang="en-US" dirty="0" smtClean="0"/>
+              <a:t>leadership</a:t>
+            </a:r>
+            <a:r>
+              <a:rPr lang="pt-PT" dirty="0" smtClean="0"/>
+              <a:t>, handling </a:t>
+            </a:r>
+            <a:r>
+              <a:rPr lang="en-US" dirty="0" smtClean="0"/>
+              <a:t>different</a:t>
             </a:r>
             <a:r>
               <a:rPr lang="pt-PT" dirty="0" smtClean="0"/>
               <a:t> </a:t>
             </a:r>
             <a:r>
-              <a:rPr lang="pt-PT" dirty="0" err="1" smtClean="0"/>
-              <a:t>Value</a:t>
+              <a:rPr lang="en-US" dirty="0" smtClean="0"/>
+              <a:t>personalities</a:t>
             </a:r>
             <a:r>
               <a:rPr lang="pt-PT" dirty="0" smtClean="0"/>
-              <a:t> </a:t>
-            </a:r>
-            <a:r>
-              <a:rPr lang="pt-PT" dirty="0" err="1" smtClean="0"/>
-              <a:t>Graph</a:t>
-            </a:r>
-            <a:r>
-              <a:rPr lang="pt-PT" dirty="0" smtClean="0"/>
-              <a:t> </a:t>
-            </a:r>
-            <a:r>
-              <a:rPr lang="pt-PT" dirty="0" err="1" smtClean="0"/>
-              <a:t>tasks</a:t>
-            </a:r>
-            <a:r>
-              <a:rPr lang="pt-PT" dirty="0" smtClean="0"/>
-              <a:t> </a:t>
-            </a:r>
-            <a:r>
-              <a:rPr lang="pt-PT" dirty="0" err="1" smtClean="0"/>
-              <a:t>should</a:t>
-            </a:r>
-            <a:r>
-              <a:rPr lang="pt-PT" dirty="0" smtClean="0"/>
-              <a:t> </a:t>
-            </a:r>
-            <a:r>
-              <a:rPr lang="pt-PT" dirty="0" err="1" smtClean="0"/>
-              <a:t>be</a:t>
-            </a:r>
-            <a:r>
-              <a:rPr lang="pt-PT" dirty="0" smtClean="0"/>
-              <a:t> </a:t>
-            </a:r>
-            <a:r>
-              <a:rPr lang="pt-PT" dirty="0" err="1" smtClean="0"/>
-              <a:t>related</a:t>
-            </a:r>
-            <a:r>
-              <a:rPr lang="pt-PT" dirty="0" smtClean="0"/>
-              <a:t> to </a:t>
-            </a:r>
-            <a:r>
-              <a:rPr lang="pt-PT" dirty="0" err="1" smtClean="0"/>
-              <a:t>one</a:t>
-            </a:r>
-            <a:r>
-              <a:rPr lang="pt-PT" dirty="0" smtClean="0"/>
-              <a:t> </a:t>
-            </a:r>
-            <a:r>
-              <a:rPr lang="pt-PT" dirty="0" err="1" smtClean="0"/>
-              <a:t>member</a:t>
-            </a:r>
-            <a:r>
-              <a:rPr lang="pt-PT" dirty="0" smtClean="0"/>
-              <a:t>. </a:t>
-            </a:r>
-            <a:r>
-              <a:rPr lang="pt-PT" dirty="0" err="1" smtClean="0"/>
-              <a:t>If</a:t>
-            </a:r>
-            <a:r>
-              <a:rPr lang="pt-PT" dirty="0" smtClean="0"/>
-              <a:t> more </a:t>
-            </a:r>
-            <a:r>
-              <a:rPr lang="pt-PT" dirty="0" err="1" smtClean="0"/>
-              <a:t>members</a:t>
-            </a:r>
-            <a:r>
-              <a:rPr lang="pt-PT" dirty="0" smtClean="0"/>
-              <a:t> are </a:t>
-            </a:r>
-            <a:r>
-              <a:rPr lang="pt-PT" dirty="0" err="1" smtClean="0"/>
-              <a:t>allocated</a:t>
-            </a:r>
-            <a:r>
-              <a:rPr lang="pt-PT" dirty="0" smtClean="0"/>
-              <a:t> to </a:t>
-            </a:r>
-            <a:r>
-              <a:rPr lang="pt-PT" dirty="0" err="1" smtClean="0"/>
-              <a:t>that</a:t>
-            </a:r>
-            <a:r>
-              <a:rPr lang="pt-PT" dirty="0" smtClean="0"/>
-              <a:t> </a:t>
-            </a:r>
-            <a:r>
-              <a:rPr lang="pt-PT" dirty="0" err="1" smtClean="0"/>
-              <a:t>task</a:t>
-            </a:r>
-            <a:r>
-              <a:rPr lang="pt-PT" dirty="0" smtClean="0"/>
-              <a:t>, </a:t>
-            </a:r>
-            <a:r>
-              <a:rPr lang="pt-PT" dirty="0" err="1" smtClean="0"/>
-              <a:t>repeat</a:t>
-            </a:r>
-            <a:r>
-              <a:rPr lang="pt-PT" dirty="0" smtClean="0"/>
-              <a:t> </a:t>
-            </a:r>
-            <a:r>
-              <a:rPr lang="pt-PT" dirty="0" err="1" smtClean="0"/>
-              <a:t>it</a:t>
-            </a:r>
-            <a:r>
-              <a:rPr lang="pt-PT" dirty="0" smtClean="0"/>
-              <a:t>.</a:t>
-            </a:r>
-          </a:p>
-          <a:p>
-            <a:r>
-              <a:rPr lang="pt-PT" dirty="0">
-                <a:sym typeface="Wingdings" panose="05000000000000000000" pitchFamily="2" charset="2"/>
-              </a:rPr>
-              <a:t>Project </a:t>
-            </a:r>
-            <a:r>
-              <a:rPr lang="pt-PT" dirty="0" err="1">
-                <a:sym typeface="Wingdings" panose="05000000000000000000" pitchFamily="2" charset="2"/>
-              </a:rPr>
-              <a:t>Planning</a:t>
-            </a:r>
-            <a:r>
-              <a:rPr lang="pt-PT" dirty="0">
-                <a:sym typeface="Wingdings" panose="05000000000000000000" pitchFamily="2" charset="2"/>
-              </a:rPr>
-              <a:t> </a:t>
-            </a:r>
-            <a:r>
-              <a:rPr lang="pt-PT" dirty="0" err="1">
-                <a:sym typeface="Wingdings" panose="05000000000000000000" pitchFamily="2" charset="2"/>
-              </a:rPr>
-              <a:t>Process</a:t>
-            </a:r>
-            <a:r>
-              <a:rPr lang="pt-PT" dirty="0">
-                <a:sym typeface="Wingdings" panose="05000000000000000000" pitchFamily="2" charset="2"/>
-              </a:rPr>
-              <a:t> </a:t>
-            </a:r>
-            <a:r>
-              <a:rPr lang="pt-PT" dirty="0" err="1">
-                <a:sym typeface="Wingdings" panose="05000000000000000000" pitchFamily="2" charset="2"/>
-              </a:rPr>
-              <a:t>seemed</a:t>
-            </a:r>
-            <a:r>
-              <a:rPr lang="pt-PT" dirty="0">
-                <a:sym typeface="Wingdings" panose="05000000000000000000" pitchFamily="2" charset="2"/>
-              </a:rPr>
-              <a:t> OK for </a:t>
-            </a:r>
-            <a:r>
-              <a:rPr lang="pt-PT" dirty="0" err="1">
-                <a:sym typeface="Wingdings" panose="05000000000000000000" pitchFamily="2" charset="2"/>
-              </a:rPr>
-              <a:t>this</a:t>
-            </a:r>
-            <a:r>
-              <a:rPr lang="pt-PT" dirty="0">
-                <a:sym typeface="Wingdings" panose="05000000000000000000" pitchFamily="2" charset="2"/>
-              </a:rPr>
-              <a:t> </a:t>
-            </a:r>
-            <a:r>
-              <a:rPr lang="pt-PT" dirty="0" err="1">
-                <a:sym typeface="Wingdings" panose="05000000000000000000" pitchFamily="2" charset="2"/>
-              </a:rPr>
-              <a:t>project</a:t>
-            </a:r>
-            <a:r>
-              <a:rPr lang="pt-PT" dirty="0">
-                <a:sym typeface="Wingdings" panose="05000000000000000000" pitchFamily="2" charset="2"/>
-              </a:rPr>
-              <a:t> </a:t>
-            </a:r>
-            <a:r>
-              <a:rPr lang="pt-PT" dirty="0" err="1">
-                <a:sym typeface="Wingdings" panose="05000000000000000000" pitchFamily="2" charset="2"/>
-              </a:rPr>
-              <a:t>but</a:t>
-            </a:r>
-            <a:r>
-              <a:rPr lang="pt-PT" dirty="0">
-                <a:sym typeface="Wingdings" panose="05000000000000000000" pitchFamily="2" charset="2"/>
-              </a:rPr>
-              <a:t> </a:t>
-            </a:r>
-            <a:r>
-              <a:rPr lang="pt-PT" dirty="0" err="1">
-                <a:sym typeface="Wingdings" panose="05000000000000000000" pitchFamily="2" charset="2"/>
-              </a:rPr>
-              <a:t>should</a:t>
-            </a:r>
-            <a:r>
-              <a:rPr lang="pt-PT" dirty="0">
-                <a:sym typeface="Wingdings" panose="05000000000000000000" pitchFamily="2" charset="2"/>
-              </a:rPr>
-              <a:t> </a:t>
-            </a:r>
-            <a:r>
-              <a:rPr lang="pt-PT" dirty="0" err="1">
-                <a:sym typeface="Wingdings" panose="05000000000000000000" pitchFamily="2" charset="2"/>
-              </a:rPr>
-              <a:t>be</a:t>
-            </a:r>
-            <a:r>
-              <a:rPr lang="pt-PT" dirty="0">
-                <a:sym typeface="Wingdings" panose="05000000000000000000" pitchFamily="2" charset="2"/>
-              </a:rPr>
-              <a:t> </a:t>
-            </a:r>
-            <a:r>
-              <a:rPr lang="pt-PT" dirty="0" err="1">
-                <a:sym typeface="Wingdings" panose="05000000000000000000" pitchFamily="2" charset="2"/>
-              </a:rPr>
-              <a:t>added</a:t>
-            </a:r>
-            <a:r>
-              <a:rPr lang="pt-PT" dirty="0">
-                <a:sym typeface="Wingdings" panose="05000000000000000000" pitchFamily="2" charset="2"/>
-              </a:rPr>
-              <a:t> </a:t>
-            </a:r>
-            <a:r>
-              <a:rPr lang="pt-PT" dirty="0" err="1">
-                <a:sym typeface="Wingdings" panose="05000000000000000000" pitchFamily="2" charset="2"/>
-              </a:rPr>
-              <a:t>hints</a:t>
-            </a:r>
-            <a:r>
-              <a:rPr lang="pt-PT" dirty="0">
-                <a:sym typeface="Wingdings" panose="05000000000000000000" pitchFamily="2" charset="2"/>
-              </a:rPr>
-              <a:t> </a:t>
-            </a:r>
-            <a:r>
-              <a:rPr lang="pt-PT" dirty="0" err="1">
-                <a:sym typeface="Wingdings" panose="05000000000000000000" pitchFamily="2" charset="2"/>
-              </a:rPr>
-              <a:t>on</a:t>
-            </a:r>
-            <a:r>
-              <a:rPr lang="pt-PT" dirty="0">
-                <a:sym typeface="Wingdings" panose="05000000000000000000" pitchFamily="2" charset="2"/>
-              </a:rPr>
-              <a:t> </a:t>
-            </a:r>
-            <a:r>
-              <a:rPr lang="pt-PT" dirty="0" err="1">
-                <a:sym typeface="Wingdings" panose="05000000000000000000" pitchFamily="2" charset="2"/>
-              </a:rPr>
-              <a:t>how</a:t>
-            </a:r>
-            <a:r>
-              <a:rPr lang="pt-PT" dirty="0">
-                <a:sym typeface="Wingdings" panose="05000000000000000000" pitchFamily="2" charset="2"/>
-              </a:rPr>
-              <a:t> to </a:t>
-            </a:r>
-            <a:r>
-              <a:rPr lang="pt-PT" dirty="0" err="1">
-                <a:sym typeface="Wingdings" panose="05000000000000000000" pitchFamily="2" charset="2"/>
-              </a:rPr>
-              <a:t>develop</a:t>
-            </a:r>
-            <a:r>
-              <a:rPr lang="pt-PT" dirty="0">
-                <a:sym typeface="Wingdings" panose="05000000000000000000" pitchFamily="2" charset="2"/>
-              </a:rPr>
-              <a:t> a </a:t>
-            </a:r>
-            <a:r>
-              <a:rPr lang="pt-PT" dirty="0" err="1">
-                <a:sym typeface="Wingdings" panose="05000000000000000000" pitchFamily="2" charset="2"/>
-              </a:rPr>
-              <a:t>good</a:t>
-            </a:r>
-            <a:r>
-              <a:rPr lang="pt-PT" dirty="0">
-                <a:sym typeface="Wingdings" panose="05000000000000000000" pitchFamily="2" charset="2"/>
-              </a:rPr>
-              <a:t> </a:t>
-            </a:r>
-            <a:r>
-              <a:rPr lang="pt-PT" dirty="0" smtClean="0">
-                <a:sym typeface="Wingdings" panose="05000000000000000000" pitchFamily="2" charset="2"/>
-              </a:rPr>
-              <a:t>WBS.</a:t>
-            </a:r>
-          </a:p>
-          <a:p>
-            <a:r>
-              <a:rPr lang="pt-PT" dirty="0" err="1" smtClean="0">
-                <a:sym typeface="Wingdings" panose="05000000000000000000" pitchFamily="2" charset="2"/>
-              </a:rPr>
-              <a:t>Regarding</a:t>
-            </a:r>
-            <a:r>
-              <a:rPr lang="pt-PT" dirty="0" smtClean="0">
-                <a:sym typeface="Wingdings" panose="05000000000000000000" pitchFamily="2" charset="2"/>
-              </a:rPr>
-              <a:t> </a:t>
-            </a:r>
-            <a:r>
-              <a:rPr lang="pt-PT" dirty="0" err="1" smtClean="0">
-                <a:sym typeface="Wingdings" panose="05000000000000000000" pitchFamily="2" charset="2"/>
-              </a:rPr>
-              <a:t>tools</a:t>
-            </a:r>
-            <a:r>
-              <a:rPr lang="pt-PT" dirty="0" smtClean="0">
-                <a:sym typeface="Wingdings" panose="05000000000000000000" pitchFamily="2" charset="2"/>
-              </a:rPr>
-              <a:t>, SVN </a:t>
-            </a:r>
-            <a:r>
-              <a:rPr lang="pt-PT" dirty="0" err="1" smtClean="0">
-                <a:sym typeface="Wingdings" panose="05000000000000000000" pitchFamily="2" charset="2"/>
-              </a:rPr>
-              <a:t>is</a:t>
-            </a:r>
-            <a:r>
-              <a:rPr lang="pt-PT" dirty="0" smtClean="0">
-                <a:sym typeface="Wingdings" panose="05000000000000000000" pitchFamily="2" charset="2"/>
-              </a:rPr>
-              <a:t> to </a:t>
-            </a:r>
-            <a:r>
-              <a:rPr lang="pt-PT" dirty="0" err="1" smtClean="0">
-                <a:sym typeface="Wingdings" panose="05000000000000000000" pitchFamily="2" charset="2"/>
-              </a:rPr>
-              <a:t>keeper</a:t>
-            </a:r>
-            <a:r>
-              <a:rPr lang="pt-PT" dirty="0" smtClean="0">
-                <a:sym typeface="Wingdings" panose="05000000000000000000" pitchFamily="2" charset="2"/>
-              </a:rPr>
-              <a:t>. </a:t>
-            </a:r>
-            <a:r>
-              <a:rPr lang="pt-PT" dirty="0" err="1" smtClean="0">
-                <a:sym typeface="Wingdings" panose="05000000000000000000" pitchFamily="2" charset="2"/>
-              </a:rPr>
-              <a:t>Facebook</a:t>
-            </a:r>
-            <a:r>
-              <a:rPr lang="pt-PT" dirty="0" smtClean="0">
-                <a:sym typeface="Wingdings" panose="05000000000000000000" pitchFamily="2" charset="2"/>
-              </a:rPr>
-              <a:t> </a:t>
-            </a:r>
-            <a:r>
-              <a:rPr lang="pt-PT" dirty="0" err="1" smtClean="0">
-                <a:sym typeface="Wingdings" panose="05000000000000000000" pitchFamily="2" charset="2"/>
-              </a:rPr>
-              <a:t>is</a:t>
-            </a:r>
-            <a:r>
-              <a:rPr lang="pt-PT" dirty="0" smtClean="0">
-                <a:sym typeface="Wingdings" panose="05000000000000000000" pitchFamily="2" charset="2"/>
-              </a:rPr>
-              <a:t> </a:t>
-            </a:r>
-            <a:r>
-              <a:rPr lang="pt-PT" dirty="0" err="1" smtClean="0">
-                <a:sym typeface="Wingdings" panose="05000000000000000000" pitchFamily="2" charset="2"/>
-              </a:rPr>
-              <a:t>good</a:t>
-            </a:r>
-            <a:r>
-              <a:rPr lang="pt-PT" dirty="0" smtClean="0">
-                <a:sym typeface="Wingdings" panose="05000000000000000000" pitchFamily="2" charset="2"/>
-              </a:rPr>
-              <a:t> for </a:t>
-            </a:r>
-            <a:r>
-              <a:rPr lang="pt-PT" dirty="0" err="1" smtClean="0">
-                <a:sym typeface="Wingdings" panose="05000000000000000000" pitchFamily="2" charset="2"/>
-              </a:rPr>
-              <a:t>communication</a:t>
-            </a:r>
-            <a:r>
-              <a:rPr lang="pt-PT" dirty="0" smtClean="0">
-                <a:sym typeface="Wingdings" panose="05000000000000000000" pitchFamily="2" charset="2"/>
-              </a:rPr>
-              <a:t> </a:t>
-            </a:r>
-            <a:r>
-              <a:rPr lang="pt-PT" dirty="0" err="1" smtClean="0">
-                <a:sym typeface="Wingdings" panose="05000000000000000000" pitchFamily="2" charset="2"/>
-              </a:rPr>
-              <a:t>but</a:t>
-            </a:r>
-            <a:r>
-              <a:rPr lang="pt-PT" dirty="0" smtClean="0">
-                <a:sym typeface="Wingdings" panose="05000000000000000000" pitchFamily="2" charset="2"/>
-              </a:rPr>
-              <a:t> </a:t>
-            </a:r>
-            <a:r>
-              <a:rPr lang="pt-PT" dirty="0" err="1" smtClean="0">
-                <a:sym typeface="Wingdings" panose="05000000000000000000" pitchFamily="2" charset="2"/>
-              </a:rPr>
-              <a:t>it</a:t>
-            </a:r>
-            <a:r>
-              <a:rPr lang="pt-PT" dirty="0" smtClean="0">
-                <a:sym typeface="Wingdings" panose="05000000000000000000" pitchFamily="2" charset="2"/>
-              </a:rPr>
-              <a:t> </a:t>
-            </a:r>
-            <a:r>
-              <a:rPr lang="pt-PT" dirty="0" err="1" smtClean="0">
-                <a:sym typeface="Wingdings" panose="05000000000000000000" pitchFamily="2" charset="2"/>
-              </a:rPr>
-              <a:t>doesn’t</a:t>
-            </a:r>
-            <a:r>
-              <a:rPr lang="pt-PT" dirty="0" smtClean="0">
-                <a:sym typeface="Wingdings" panose="05000000000000000000" pitchFamily="2" charset="2"/>
-              </a:rPr>
-              <a:t> </a:t>
-            </a:r>
-            <a:r>
-              <a:rPr lang="pt-PT" dirty="0" err="1" smtClean="0">
-                <a:sym typeface="Wingdings" panose="05000000000000000000" pitchFamily="2" charset="2"/>
-              </a:rPr>
-              <a:t>have</a:t>
-            </a:r>
-            <a:r>
-              <a:rPr lang="pt-PT" dirty="0" smtClean="0">
-                <a:sym typeface="Wingdings" panose="05000000000000000000" pitchFamily="2" charset="2"/>
-              </a:rPr>
-              <a:t> </a:t>
-            </a:r>
-            <a:r>
-              <a:rPr lang="pt-PT" dirty="0" err="1" smtClean="0">
-                <a:sym typeface="Wingdings" panose="05000000000000000000" pitchFamily="2" charset="2"/>
-              </a:rPr>
-              <a:t>search</a:t>
-            </a:r>
-            <a:r>
-              <a:rPr lang="pt-PT" dirty="0" smtClean="0">
-                <a:sym typeface="Wingdings" panose="05000000000000000000" pitchFamily="2" charset="2"/>
-              </a:rPr>
-              <a:t> </a:t>
-            </a:r>
-            <a:r>
-              <a:rPr lang="pt-PT" dirty="0" err="1" smtClean="0">
-                <a:sym typeface="Wingdings" panose="05000000000000000000" pitchFamily="2" charset="2"/>
-              </a:rPr>
-              <a:t>functionality</a:t>
-            </a:r>
-            <a:r>
-              <a:rPr lang="pt-PT" dirty="0" smtClean="0">
-                <a:sym typeface="Wingdings" panose="05000000000000000000" pitchFamily="2" charset="2"/>
-              </a:rPr>
-              <a:t>.</a:t>
-            </a:r>
-            <a:endParaRPr lang="pt-PT" dirty="0">
-              <a:sym typeface="Wingdings" panose="05000000000000000000" pitchFamily="2" charset="2"/>
-            </a:endParaRPr>
+              <a:t>, etc.</a:t>
+            </a:r>
+          </a:p>
+          <a:p>
+            <a:r>
+              <a:rPr lang="en-US" dirty="0" smtClean="0"/>
+              <a:t>A tool, doesn’t matter how many value it can add to our work, is worth nothing if not correctly used.</a:t>
+            </a:r>
+          </a:p>
+          <a:p>
+            <a:r>
+              <a:rPr lang="en-US" dirty="0" smtClean="0"/>
+              <a:t>Regular meetings are essential. Working together is beneficial.</a:t>
+            </a:r>
+          </a:p>
+          <a:p>
+            <a:r>
+              <a:rPr lang="en-US" dirty="0" smtClean="0"/>
+              <a:t>Project control implies different aspects depending on the project state.</a:t>
+            </a:r>
+          </a:p>
+          <a:p>
+            <a:r>
+              <a:rPr lang="en-US" dirty="0" smtClean="0"/>
+              <a:t>Transparency during the whole project is essential. </a:t>
+            </a:r>
+          </a:p>
+          <a:p>
+            <a:r>
+              <a:rPr lang="en-US" dirty="0" smtClean="0"/>
+              <a:t>Motivation is key.</a:t>
+            </a:r>
+          </a:p>
+          <a:p>
+            <a:endParaRPr lang="pt-PT" dirty="0"/>
+          </a:p>
+          <a:p>
+            <a:endParaRPr lang="pt-PT" dirty="0" smtClean="0"/>
+          </a:p>
+          <a:p>
+            <a:pPr lvl="1"/>
+            <a:endParaRPr lang="pt-PT" dirty="0"/>
           </a:p>
         </p:txBody>
       </p:sp>
     </p:spTree>
     <p:extLst>
       <p:ext uri="{BB962C8B-B14F-4D97-AF65-F5344CB8AC3E}">
-        <p14:creationId xmlns:p14="http://schemas.microsoft.com/office/powerpoint/2010/main" val="3608220894"/>
+        <p14:creationId xmlns:p14="http://schemas.microsoft.com/office/powerpoint/2010/main" xmlns="" val="1756093289"/>
       </p:ext>
     </p:extLst>
   </p:cSld>
@@ -29300,10 +28579,26 @@
           <a:lstStyle/>
           <a:p>
             <a:r>
+              <a:rPr lang="pt-PT" dirty="0"/>
+              <a:t>Filipe </a:t>
+            </a:r>
+            <a:r>
               <a:rPr lang="pt-PT" dirty="0" smtClean="0"/>
-              <a:t>João Girão</a:t>
-            </a:r>
-            <a:endParaRPr lang="pt-PT" dirty="0"/>
+              <a:t>Brandão - </a:t>
+            </a:r>
+            <a:r>
+              <a:rPr lang="pt-PT" b="1" dirty="0" err="1" smtClean="0"/>
+              <a:t>Lessons</a:t>
+            </a:r>
+            <a:r>
+              <a:rPr lang="pt-PT" b="1" dirty="0" smtClean="0"/>
+              <a:t> </a:t>
+            </a:r>
+            <a:r>
+              <a:rPr lang="pt-PT" b="1" dirty="0" err="1" smtClean="0"/>
+              <a:t>Learned</a:t>
+            </a:r>
+            <a:endParaRPr lang="pt-PT" b="1" dirty="0"/>
           </a:p>
         </p:txBody>
       </p:sp>
@@ -29319,18 +28614,600 @@
         </p:nvSpPr>
         <p:spPr/>
         <p:txBody>
-          <a:bodyPr/>
+          <a:bodyPr>
+            <a:normAutofit/>
+          </a:bodyPr>
           <a:lstStyle/>
           <a:p>
-            <a:endParaRPr lang="pt-PT"/>
+            <a:r>
+              <a:rPr lang="pt-PT" dirty="0"/>
+              <a:t>A </a:t>
+            </a:r>
+            <a:r>
+              <a:rPr lang="pt-PT" dirty="0" err="1"/>
+              <a:t>good</a:t>
+            </a:r>
+            <a:r>
+              <a:rPr lang="pt-PT" dirty="0"/>
+              <a:t> </a:t>
+            </a:r>
+            <a:r>
+              <a:rPr lang="pt-PT" dirty="0" err="1"/>
+              <a:t>Work</a:t>
+            </a:r>
+            <a:r>
+              <a:rPr lang="pt-PT" dirty="0"/>
+              <a:t> </a:t>
+            </a:r>
+            <a:r>
+              <a:rPr lang="pt-PT" dirty="0" err="1"/>
+              <a:t>Breakdown</a:t>
+            </a:r>
+            <a:r>
+              <a:rPr lang="pt-PT" dirty="0"/>
+              <a:t> </a:t>
+            </a:r>
+            <a:r>
+              <a:rPr lang="pt-PT" dirty="0" err="1"/>
+              <a:t>Chart</a:t>
+            </a:r>
+            <a:r>
+              <a:rPr lang="pt-PT" dirty="0"/>
+              <a:t> </a:t>
+            </a:r>
+            <a:r>
+              <a:rPr lang="pt-PT" dirty="0" err="1"/>
+              <a:t>is</a:t>
+            </a:r>
+            <a:r>
+              <a:rPr lang="pt-PT" dirty="0"/>
+              <a:t> a </a:t>
+            </a:r>
+            <a:r>
+              <a:rPr lang="pt-PT" dirty="0" err="1"/>
+              <a:t>good</a:t>
+            </a:r>
+            <a:r>
+              <a:rPr lang="pt-PT" dirty="0"/>
+              <a:t> </a:t>
+            </a:r>
+            <a:r>
+              <a:rPr lang="pt-PT" dirty="0" err="1"/>
+              <a:t>foundation</a:t>
+            </a:r>
+            <a:r>
+              <a:rPr lang="pt-PT" dirty="0"/>
+              <a:t> for </a:t>
+            </a:r>
+            <a:r>
+              <a:rPr lang="pt-PT" dirty="0" err="1"/>
+              <a:t>the</a:t>
+            </a:r>
+            <a:r>
+              <a:rPr lang="pt-PT" dirty="0"/>
+              <a:t> </a:t>
+            </a:r>
+            <a:r>
+              <a:rPr lang="pt-PT" dirty="0" err="1"/>
+              <a:t>project</a:t>
+            </a:r>
+            <a:r>
+              <a:rPr lang="pt-PT" dirty="0"/>
+              <a:t> </a:t>
+            </a:r>
+            <a:r>
+              <a:rPr lang="pt-PT" dirty="0" err="1"/>
+              <a:t>plan</a:t>
+            </a:r>
+            <a:r>
+              <a:rPr lang="pt-PT" dirty="0" smtClean="0"/>
+              <a:t>.</a:t>
+            </a:r>
+          </a:p>
+          <a:p>
+            <a:r>
+              <a:rPr lang="pt-PT" dirty="0" err="1" smtClean="0"/>
+              <a:t>Earned</a:t>
+            </a:r>
+            <a:r>
+              <a:rPr lang="pt-PT" dirty="0" smtClean="0"/>
+              <a:t> </a:t>
+            </a:r>
+            <a:r>
+              <a:rPr lang="pt-PT" dirty="0" err="1" smtClean="0"/>
+              <a:t>Value</a:t>
+            </a:r>
+            <a:r>
+              <a:rPr lang="pt-PT" dirty="0" smtClean="0"/>
+              <a:t> </a:t>
+            </a:r>
+            <a:r>
+              <a:rPr lang="pt-PT" dirty="0" err="1" smtClean="0"/>
+              <a:t>Graph</a:t>
+            </a:r>
+            <a:r>
+              <a:rPr lang="pt-PT" dirty="0" smtClean="0"/>
+              <a:t> </a:t>
+            </a:r>
+            <a:r>
+              <a:rPr lang="pt-PT" dirty="0" err="1" smtClean="0"/>
+              <a:t>tasks</a:t>
+            </a:r>
+            <a:r>
+              <a:rPr lang="pt-PT" dirty="0" smtClean="0"/>
+              <a:t> </a:t>
+            </a:r>
+            <a:r>
+              <a:rPr lang="pt-PT" dirty="0" err="1" smtClean="0"/>
+              <a:t>should</a:t>
+            </a:r>
+            <a:r>
+              <a:rPr lang="pt-PT" dirty="0" smtClean="0"/>
+              <a:t> </a:t>
+            </a:r>
+            <a:r>
+              <a:rPr lang="pt-PT" dirty="0" err="1" smtClean="0"/>
+              <a:t>be</a:t>
+            </a:r>
+            <a:r>
+              <a:rPr lang="pt-PT" dirty="0" smtClean="0"/>
+              <a:t> </a:t>
+            </a:r>
+            <a:r>
+              <a:rPr lang="pt-PT" dirty="0" err="1" smtClean="0"/>
+              <a:t>related</a:t>
+            </a:r>
+            <a:r>
+              <a:rPr lang="pt-PT" dirty="0" smtClean="0"/>
+              <a:t> to </a:t>
+            </a:r>
+            <a:r>
+              <a:rPr lang="pt-PT" dirty="0" err="1" smtClean="0"/>
+              <a:t>one</a:t>
+            </a:r>
+            <a:r>
+              <a:rPr lang="pt-PT" dirty="0" smtClean="0"/>
+              <a:t> </a:t>
+            </a:r>
+            <a:r>
+              <a:rPr lang="pt-PT" dirty="0" err="1" smtClean="0"/>
+              <a:t>member</a:t>
+            </a:r>
+            <a:r>
+              <a:rPr lang="pt-PT" dirty="0" smtClean="0"/>
+              <a:t>. </a:t>
+            </a:r>
+            <a:r>
+              <a:rPr lang="pt-PT" dirty="0" err="1" smtClean="0"/>
+              <a:t>If</a:t>
+            </a:r>
+            <a:r>
+              <a:rPr lang="pt-PT" dirty="0" smtClean="0"/>
+              <a:t> more </a:t>
+            </a:r>
+            <a:r>
+              <a:rPr lang="pt-PT" dirty="0" err="1" smtClean="0"/>
+              <a:t>members</a:t>
+            </a:r>
+            <a:r>
+              <a:rPr lang="pt-PT" dirty="0" smtClean="0"/>
+              <a:t> are </a:t>
+            </a:r>
+            <a:r>
+              <a:rPr lang="pt-PT" dirty="0" err="1" smtClean="0"/>
+              <a:t>allocated</a:t>
+            </a:r>
+            <a:r>
+              <a:rPr lang="pt-PT" dirty="0" smtClean="0"/>
+              <a:t> to </a:t>
+            </a:r>
+            <a:r>
+              <a:rPr lang="pt-PT" dirty="0" err="1" smtClean="0"/>
+              <a:t>that</a:t>
+            </a:r>
+            <a:r>
+              <a:rPr lang="pt-PT" dirty="0" smtClean="0"/>
+              <a:t> </a:t>
+            </a:r>
+            <a:r>
+              <a:rPr lang="pt-PT" dirty="0" err="1" smtClean="0"/>
+              <a:t>task</a:t>
+            </a:r>
+            <a:r>
+              <a:rPr lang="pt-PT" dirty="0" smtClean="0"/>
+              <a:t>, </a:t>
+            </a:r>
+            <a:r>
+              <a:rPr lang="pt-PT" dirty="0" err="1" smtClean="0"/>
+              <a:t>repeat</a:t>
+            </a:r>
+            <a:r>
+              <a:rPr lang="pt-PT" dirty="0" smtClean="0"/>
+              <a:t> </a:t>
+            </a:r>
+            <a:r>
+              <a:rPr lang="pt-PT" dirty="0" err="1" smtClean="0"/>
+              <a:t>it</a:t>
+            </a:r>
+            <a:r>
+              <a:rPr lang="pt-PT" dirty="0" smtClean="0"/>
+              <a:t>.</a:t>
+            </a:r>
+          </a:p>
+          <a:p>
+            <a:r>
+              <a:rPr lang="pt-PT" dirty="0">
+                <a:sym typeface="Wingdings" panose="05000000000000000000" pitchFamily="2" charset="2"/>
+              </a:rPr>
+              <a:t>Project </a:t>
+            </a:r>
+            <a:r>
+              <a:rPr lang="pt-PT" dirty="0" err="1">
+                <a:sym typeface="Wingdings" panose="05000000000000000000" pitchFamily="2" charset="2"/>
+              </a:rPr>
+              <a:t>Planning</a:t>
+            </a:r>
+            <a:r>
+              <a:rPr lang="pt-PT" dirty="0">
+                <a:sym typeface="Wingdings" panose="05000000000000000000" pitchFamily="2" charset="2"/>
+              </a:rPr>
+              <a:t> </a:t>
+            </a:r>
+            <a:r>
+              <a:rPr lang="pt-PT" dirty="0" err="1">
+                <a:sym typeface="Wingdings" panose="05000000000000000000" pitchFamily="2" charset="2"/>
+              </a:rPr>
+              <a:t>Process</a:t>
+            </a:r>
+            <a:r>
+              <a:rPr lang="pt-PT" dirty="0">
+                <a:sym typeface="Wingdings" panose="05000000000000000000" pitchFamily="2" charset="2"/>
+              </a:rPr>
+              <a:t> </a:t>
+            </a:r>
+            <a:r>
+              <a:rPr lang="pt-PT" dirty="0" err="1">
+                <a:sym typeface="Wingdings" panose="05000000000000000000" pitchFamily="2" charset="2"/>
+              </a:rPr>
+              <a:t>seemed</a:t>
+            </a:r>
+            <a:r>
+              <a:rPr lang="pt-PT" dirty="0">
+                <a:sym typeface="Wingdings" panose="05000000000000000000" pitchFamily="2" charset="2"/>
+              </a:rPr>
+              <a:t> OK for </a:t>
+            </a:r>
+            <a:r>
+              <a:rPr lang="pt-PT" dirty="0" err="1">
+                <a:sym typeface="Wingdings" panose="05000000000000000000" pitchFamily="2" charset="2"/>
+              </a:rPr>
+              <a:t>this</a:t>
+            </a:r>
+            <a:r>
+              <a:rPr lang="pt-PT" dirty="0">
+                <a:sym typeface="Wingdings" panose="05000000000000000000" pitchFamily="2" charset="2"/>
+              </a:rPr>
+              <a:t> </a:t>
+            </a:r>
+            <a:r>
+              <a:rPr lang="pt-PT" dirty="0" err="1">
+                <a:sym typeface="Wingdings" panose="05000000000000000000" pitchFamily="2" charset="2"/>
+              </a:rPr>
+              <a:t>project</a:t>
+            </a:r>
+            <a:r>
+              <a:rPr lang="pt-PT" dirty="0">
+                <a:sym typeface="Wingdings" panose="05000000000000000000" pitchFamily="2" charset="2"/>
+              </a:rPr>
+              <a:t> </a:t>
+            </a:r>
+            <a:r>
+              <a:rPr lang="pt-PT" dirty="0" err="1">
+                <a:sym typeface="Wingdings" panose="05000000000000000000" pitchFamily="2" charset="2"/>
+              </a:rPr>
+              <a:t>but</a:t>
+            </a:r>
+            <a:r>
+              <a:rPr lang="pt-PT" dirty="0">
+                <a:sym typeface="Wingdings" panose="05000000000000000000" pitchFamily="2" charset="2"/>
+              </a:rPr>
+              <a:t> </a:t>
+            </a:r>
+            <a:r>
+              <a:rPr lang="pt-PT" dirty="0" err="1">
+                <a:sym typeface="Wingdings" panose="05000000000000000000" pitchFamily="2" charset="2"/>
+              </a:rPr>
+              <a:t>should</a:t>
+            </a:r>
+            <a:r>
+              <a:rPr lang="pt-PT" dirty="0">
+                <a:sym typeface="Wingdings" panose="05000000000000000000" pitchFamily="2" charset="2"/>
+              </a:rPr>
+              <a:t> </a:t>
+            </a:r>
+            <a:r>
+              <a:rPr lang="pt-PT" dirty="0" err="1">
+                <a:sym typeface="Wingdings" panose="05000000000000000000" pitchFamily="2" charset="2"/>
+              </a:rPr>
+              <a:t>be</a:t>
+            </a:r>
+            <a:r>
+              <a:rPr lang="pt-PT" dirty="0">
+                <a:sym typeface="Wingdings" panose="05000000000000000000" pitchFamily="2" charset="2"/>
+              </a:rPr>
+              <a:t> </a:t>
+            </a:r>
+            <a:r>
+              <a:rPr lang="pt-PT" dirty="0" err="1">
+                <a:sym typeface="Wingdings" panose="05000000000000000000" pitchFamily="2" charset="2"/>
+              </a:rPr>
+              <a:t>added</a:t>
+            </a:r>
+            <a:r>
+              <a:rPr lang="pt-PT" dirty="0">
+                <a:sym typeface="Wingdings" panose="05000000000000000000" pitchFamily="2" charset="2"/>
+              </a:rPr>
+              <a:t> </a:t>
+            </a:r>
+            <a:r>
+              <a:rPr lang="pt-PT" dirty="0" err="1">
+                <a:sym typeface="Wingdings" panose="05000000000000000000" pitchFamily="2" charset="2"/>
+              </a:rPr>
+              <a:t>hints</a:t>
+            </a:r>
+            <a:r>
+              <a:rPr lang="pt-PT" dirty="0">
+                <a:sym typeface="Wingdings" panose="05000000000000000000" pitchFamily="2" charset="2"/>
+              </a:rPr>
+              <a:t> </a:t>
+            </a:r>
+            <a:r>
+              <a:rPr lang="pt-PT" dirty="0" err="1">
+                <a:sym typeface="Wingdings" panose="05000000000000000000" pitchFamily="2" charset="2"/>
+              </a:rPr>
+              <a:t>on</a:t>
+            </a:r>
+            <a:r>
+              <a:rPr lang="pt-PT" dirty="0">
+                <a:sym typeface="Wingdings" panose="05000000000000000000" pitchFamily="2" charset="2"/>
+              </a:rPr>
+              <a:t> </a:t>
+            </a:r>
+            <a:r>
+              <a:rPr lang="pt-PT" dirty="0" err="1">
+                <a:sym typeface="Wingdings" panose="05000000000000000000" pitchFamily="2" charset="2"/>
+              </a:rPr>
+              <a:t>how</a:t>
+            </a:r>
+            <a:r>
+              <a:rPr lang="pt-PT" dirty="0">
+                <a:sym typeface="Wingdings" panose="05000000000000000000" pitchFamily="2" charset="2"/>
+              </a:rPr>
+              <a:t> to </a:t>
+            </a:r>
+            <a:r>
+              <a:rPr lang="pt-PT" dirty="0" err="1">
+                <a:sym typeface="Wingdings" panose="05000000000000000000" pitchFamily="2" charset="2"/>
+              </a:rPr>
+              <a:t>develop</a:t>
+            </a:r>
+            <a:r>
+              <a:rPr lang="pt-PT" dirty="0">
+                <a:sym typeface="Wingdings" panose="05000000000000000000" pitchFamily="2" charset="2"/>
+              </a:rPr>
+              <a:t> a </a:t>
+            </a:r>
+            <a:r>
+              <a:rPr lang="pt-PT" dirty="0" err="1">
+                <a:sym typeface="Wingdings" panose="05000000000000000000" pitchFamily="2" charset="2"/>
+              </a:rPr>
+              <a:t>good</a:t>
+            </a:r>
+            <a:r>
+              <a:rPr lang="pt-PT" dirty="0">
+                <a:sym typeface="Wingdings" panose="05000000000000000000" pitchFamily="2" charset="2"/>
+              </a:rPr>
+              <a:t> </a:t>
+            </a:r>
+            <a:r>
+              <a:rPr lang="pt-PT" dirty="0" smtClean="0">
+                <a:sym typeface="Wingdings" panose="05000000000000000000" pitchFamily="2" charset="2"/>
+              </a:rPr>
+              <a:t>WBS.</a:t>
+            </a:r>
+          </a:p>
+          <a:p>
+            <a:r>
+              <a:rPr lang="pt-PT" dirty="0" err="1" smtClean="0">
+                <a:sym typeface="Wingdings" panose="05000000000000000000" pitchFamily="2" charset="2"/>
+              </a:rPr>
+              <a:t>Regarding</a:t>
+            </a:r>
+            <a:r>
+              <a:rPr lang="pt-PT" dirty="0" smtClean="0">
+                <a:sym typeface="Wingdings" panose="05000000000000000000" pitchFamily="2" charset="2"/>
+              </a:rPr>
+              <a:t> </a:t>
+            </a:r>
+            <a:r>
+              <a:rPr lang="pt-PT" dirty="0" err="1" smtClean="0">
+                <a:sym typeface="Wingdings" panose="05000000000000000000" pitchFamily="2" charset="2"/>
+              </a:rPr>
+              <a:t>tools</a:t>
+            </a:r>
+            <a:r>
+              <a:rPr lang="pt-PT" dirty="0" smtClean="0">
+                <a:sym typeface="Wingdings" panose="05000000000000000000" pitchFamily="2" charset="2"/>
+              </a:rPr>
+              <a:t>, SVN </a:t>
+            </a:r>
+            <a:r>
+              <a:rPr lang="pt-PT" dirty="0" err="1" smtClean="0">
+                <a:sym typeface="Wingdings" panose="05000000000000000000" pitchFamily="2" charset="2"/>
+              </a:rPr>
+              <a:t>is</a:t>
+            </a:r>
+            <a:r>
+              <a:rPr lang="pt-PT" dirty="0" smtClean="0">
+                <a:sym typeface="Wingdings" panose="05000000000000000000" pitchFamily="2" charset="2"/>
+              </a:rPr>
+              <a:t> to </a:t>
+            </a:r>
+            <a:r>
+              <a:rPr lang="pt-PT" dirty="0" err="1" smtClean="0">
+                <a:sym typeface="Wingdings" panose="05000000000000000000" pitchFamily="2" charset="2"/>
+              </a:rPr>
+              <a:t>keeper</a:t>
+            </a:r>
+            <a:r>
+              <a:rPr lang="pt-PT" dirty="0" smtClean="0">
+                <a:sym typeface="Wingdings" panose="05000000000000000000" pitchFamily="2" charset="2"/>
+              </a:rPr>
+              <a:t>. </a:t>
+            </a:r>
+            <a:r>
+              <a:rPr lang="pt-PT" dirty="0" err="1" smtClean="0">
+                <a:sym typeface="Wingdings" panose="05000000000000000000" pitchFamily="2" charset="2"/>
+              </a:rPr>
+              <a:t>Facebook</a:t>
+            </a:r>
+            <a:r>
+              <a:rPr lang="pt-PT" dirty="0" smtClean="0">
+                <a:sym typeface="Wingdings" panose="05000000000000000000" pitchFamily="2" charset="2"/>
+              </a:rPr>
+              <a:t> </a:t>
+            </a:r>
+            <a:r>
+              <a:rPr lang="pt-PT" dirty="0" err="1" smtClean="0">
+                <a:sym typeface="Wingdings" panose="05000000000000000000" pitchFamily="2" charset="2"/>
+              </a:rPr>
+              <a:t>is</a:t>
+            </a:r>
+            <a:r>
+              <a:rPr lang="pt-PT" dirty="0" smtClean="0">
+                <a:sym typeface="Wingdings" panose="05000000000000000000" pitchFamily="2" charset="2"/>
+              </a:rPr>
+              <a:t> </a:t>
+            </a:r>
+            <a:r>
+              <a:rPr lang="pt-PT" dirty="0" err="1" smtClean="0">
+                <a:sym typeface="Wingdings" panose="05000000000000000000" pitchFamily="2" charset="2"/>
+              </a:rPr>
+              <a:t>good</a:t>
+            </a:r>
+            <a:r>
+              <a:rPr lang="pt-PT" dirty="0" smtClean="0">
+                <a:sym typeface="Wingdings" panose="05000000000000000000" pitchFamily="2" charset="2"/>
+              </a:rPr>
+              <a:t> for </a:t>
+            </a:r>
+            <a:r>
+              <a:rPr lang="pt-PT" dirty="0" err="1" smtClean="0">
+                <a:sym typeface="Wingdings" panose="05000000000000000000" pitchFamily="2" charset="2"/>
+              </a:rPr>
+              <a:t>communication</a:t>
+            </a:r>
+            <a:r>
+              <a:rPr lang="pt-PT" dirty="0" smtClean="0">
+                <a:sym typeface="Wingdings" panose="05000000000000000000" pitchFamily="2" charset="2"/>
+              </a:rPr>
+              <a:t> </a:t>
+            </a:r>
+            <a:r>
+              <a:rPr lang="pt-PT" dirty="0" err="1" smtClean="0">
+                <a:sym typeface="Wingdings" panose="05000000000000000000" pitchFamily="2" charset="2"/>
+              </a:rPr>
+              <a:t>but</a:t>
+            </a:r>
+            <a:r>
+              <a:rPr lang="pt-PT" dirty="0" smtClean="0">
+                <a:sym typeface="Wingdings" panose="05000000000000000000" pitchFamily="2" charset="2"/>
+              </a:rPr>
+              <a:t> </a:t>
+            </a:r>
+            <a:r>
+              <a:rPr lang="pt-PT" dirty="0" err="1" smtClean="0">
+                <a:sym typeface="Wingdings" panose="05000000000000000000" pitchFamily="2" charset="2"/>
+              </a:rPr>
+              <a:t>it</a:t>
+            </a:r>
+            <a:r>
+              <a:rPr lang="pt-PT" dirty="0" smtClean="0">
+                <a:sym typeface="Wingdings" panose="05000000000000000000" pitchFamily="2" charset="2"/>
+              </a:rPr>
+              <a:t> </a:t>
+            </a:r>
+            <a:r>
+              <a:rPr lang="pt-PT" dirty="0" err="1" smtClean="0">
+                <a:sym typeface="Wingdings" panose="05000000000000000000" pitchFamily="2" charset="2"/>
+              </a:rPr>
+              <a:t>doesn’t</a:t>
+            </a:r>
+            <a:r>
+              <a:rPr lang="pt-PT" dirty="0" smtClean="0">
+                <a:sym typeface="Wingdings" panose="05000000000000000000" pitchFamily="2" charset="2"/>
+              </a:rPr>
+              <a:t> </a:t>
+            </a:r>
+            <a:r>
+              <a:rPr lang="pt-PT" dirty="0" err="1" smtClean="0">
+                <a:sym typeface="Wingdings" panose="05000000000000000000" pitchFamily="2" charset="2"/>
+              </a:rPr>
+              <a:t>have</a:t>
+            </a:r>
+            <a:r>
+              <a:rPr lang="pt-PT" dirty="0" smtClean="0">
+                <a:sym typeface="Wingdings" panose="05000000000000000000" pitchFamily="2" charset="2"/>
+              </a:rPr>
+              <a:t> </a:t>
+            </a:r>
+            <a:r>
+              <a:rPr lang="pt-PT" dirty="0" err="1" smtClean="0">
+                <a:sym typeface="Wingdings" panose="05000000000000000000" pitchFamily="2" charset="2"/>
+              </a:rPr>
+              <a:t>search</a:t>
+            </a:r>
+            <a:r>
+              <a:rPr lang="pt-PT" dirty="0" smtClean="0">
+                <a:sym typeface="Wingdings" panose="05000000000000000000" pitchFamily="2" charset="2"/>
+              </a:rPr>
+              <a:t> </a:t>
+            </a:r>
+            <a:r>
+              <a:rPr lang="pt-PT" dirty="0" err="1" smtClean="0">
+                <a:sym typeface="Wingdings" panose="05000000000000000000" pitchFamily="2" charset="2"/>
+              </a:rPr>
+              <a:t>functionality</a:t>
+            </a:r>
+            <a:r>
+              <a:rPr lang="pt-PT" dirty="0" smtClean="0">
+                <a:sym typeface="Wingdings" panose="05000000000000000000" pitchFamily="2" charset="2"/>
+              </a:rPr>
+              <a:t>.</a:t>
+            </a:r>
+            <a:endParaRPr lang="pt-PT" dirty="0">
+              <a:sym typeface="Wingdings" panose="05000000000000000000" pitchFamily="2" charset="2"/>
+            </a:endParaRPr>
           </a:p>
         </p:txBody>
       </p:sp>
     </p:spTree>
+    <p:extLst>
+      <p:ext uri="{BB962C8B-B14F-4D97-AF65-F5344CB8AC3E}">
+        <p14:creationId xmlns:p14="http://schemas.microsoft.com/office/powerpoint/2010/main" xmlns="" val="3608220894"/>
+      </p:ext>
+    </p:extLst>
   </p:cSld>
   <p:clrMapOvr>
     <a:masterClrMapping/>
   </p:clrMapOvr>
+  <p:timing>
+    <p:tnLst>
+      <p:par>
+        <p:cTn id="1" dur="indefinite" restart="never" nodeType="tmRoot"/>
+      </p:par>
+    </p:tnLst>
+  </p:timing>
 </p:sld>
 </file>
 
@@ -29368,7 +29245,7 @@
           <a:p>
             <a:r>
               <a:rPr lang="pt-PT" dirty="0" smtClean="0"/>
-              <a:t>João Martins</a:t>
+              <a:t>João Girão</a:t>
             </a:r>
             <a:endParaRPr lang="pt-PT" dirty="0"/>
           </a:p>
@@ -29389,51 +29266,7 @@
           <a:bodyPr/>
           <a:lstStyle/>
           <a:p>
-            <a:r>
-              <a:rPr lang="en-US" dirty="0" smtClean="0"/>
-              <a:t>Main Contributions:</a:t>
-            </a:r>
-          </a:p>
-          <a:p>
-            <a:pPr lvl="1"/>
-            <a:r>
-              <a:rPr lang="en-US" dirty="0" smtClean="0"/>
-              <a:t>Project plan process definition</a:t>
-            </a:r>
-          </a:p>
-          <a:p>
-            <a:pPr lvl="1"/>
-            <a:r>
-              <a:rPr lang="en-US" dirty="0" smtClean="0"/>
-              <a:t>Verification and Validation process</a:t>
-            </a:r>
-          </a:p>
-          <a:p>
-            <a:pPr lvl="1"/>
-            <a:r>
-              <a:rPr lang="en-US" dirty="0" smtClean="0"/>
-              <a:t>Test plan</a:t>
-            </a:r>
-          </a:p>
-          <a:p>
-            <a:r>
-              <a:rPr lang="en-US" dirty="0" smtClean="0"/>
-              <a:t>Lessons Learned:</a:t>
-            </a:r>
-          </a:p>
-          <a:p>
-            <a:pPr lvl="1"/>
-            <a:r>
-              <a:rPr lang="en-US" dirty="0" smtClean="0"/>
-              <a:t>Teamwork is important</a:t>
-            </a:r>
-          </a:p>
-          <a:p>
-            <a:pPr lvl="1"/>
-            <a:r>
-              <a:rPr lang="en-US" dirty="0" smtClean="0"/>
-              <a:t>Communication is a must!</a:t>
-            </a:r>
+            <a:endParaRPr lang="pt-PT"/>
           </a:p>
         </p:txBody>
       </p:sp>
@@ -29442,13 +29275,6 @@
   <p:clrMapOvr>
     <a:masterClrMapping/>
   </p:clrMapOvr>
-  <p:timing>
-    <p:tnLst>
-      <p:par>
-        <p:cTn id="1" dur="indefinite" restart="never" nodeType="tmRoot"/>
-      </p:par>
-    </p:tnLst>
-  </p:timing>
 </p:sld>
 </file>
 
@@ -29509,6 +29335,33 @@
           <a:p>
             <a:r>
               <a:rPr lang="en-US" dirty="0" smtClean="0"/>
+              <a:t>Main Contributions:</a:t>
+            </a:r>
+          </a:p>
+          <a:p>
+            <a:pPr lvl="1"/>
+            <a:r>
+              <a:rPr lang="en-US" dirty="0" smtClean="0"/>
+              <a:t>Project plan process definition</a:t>
+            </a:r>
+          </a:p>
+          <a:p>
+            <a:pPr lvl="1"/>
+            <a:r>
+              <a:rPr lang="en-US" dirty="0" smtClean="0"/>
+              <a:t>Verification and Validation process</a:t>
+            </a:r>
+          </a:p>
+          <a:p>
+            <a:pPr lvl="1"/>
+            <a:r>
+              <a:rPr lang="en-US" dirty="0" smtClean="0"/>
+              <a:t>Test plan</a:t>
+            </a:r>
+          </a:p>
+          <a:p>
+            <a:r>
+              <a:rPr lang="en-US" dirty="0" smtClean="0"/>
               <a:t>Lessons Learned:</a:t>
             </a:r>
           </a:p>
@@ -29516,50 +29369,19 @@
             <a:pPr lvl="1"/>
             <a:r>
               <a:rPr lang="en-US" dirty="0" smtClean="0"/>
-              <a:t>Test plan is not easy to make</a:t>
+              <a:t>Teamwork is important</a:t>
             </a:r>
           </a:p>
           <a:p>
             <a:pPr lvl="1"/>
             <a:r>
-              <a:rPr lang="en-US" dirty="0"/>
-              <a:t>W</a:t>
-            </a:r>
-            <a:r>
               <a:rPr lang="en-US" dirty="0" smtClean="0"/>
-              <a:t>hen anything can go wrong, it will go wrong.</a:t>
-            </a:r>
-            <a:endParaRPr lang="en-US" dirty="0"/>
-          </a:p>
-          <a:p>
-            <a:pPr marL="285750" lvl="1"/>
-            <a:r>
-              <a:rPr lang="en-US" dirty="0"/>
-              <a:t>Participation in Team Results:</a:t>
-            </a:r>
-          </a:p>
-          <a:p>
-            <a:pPr lvl="1"/>
-            <a:r>
-              <a:rPr lang="en-US" dirty="0" smtClean="0"/>
-              <a:t>Application Quality (Test plan)</a:t>
-            </a:r>
-          </a:p>
-          <a:p>
-            <a:pPr lvl="1"/>
-            <a:r>
-              <a:rPr lang="en-US" dirty="0" smtClean="0"/>
-              <a:t>Do everything that it’s needed.</a:t>
+              <a:t>Communication is a must!</a:t>
             </a:r>
           </a:p>
         </p:txBody>
       </p:sp>
     </p:spTree>
-    <p:extLst>
-      <p:ext uri="{BB962C8B-B14F-4D97-AF65-F5344CB8AC3E}">
-        <p14:creationId xmlns:p14="http://schemas.microsoft.com/office/powerpoint/2010/main" val="1960690833"/>
-      </p:ext>
-    </p:extLst>
   </p:cSld>
   <p:clrMapOvr>
     <a:masterClrMapping/>
@@ -29608,7 +29430,7 @@
           <a:p>
             <a:r>
               <a:rPr lang="pt-PT" dirty="0" smtClean="0"/>
-              <a:t>Mário Oliveira</a:t>
+              <a:t>João Martins</a:t>
             </a:r>
             <a:endParaRPr lang="pt-PT" dirty="0"/>
           </a:p>
@@ -29629,11 +29451,59 @@
           <a:bodyPr/>
           <a:lstStyle/>
           <a:p>
-            <a:endParaRPr lang="pt-PT" dirty="0"/>
+            <a:r>
+              <a:rPr lang="en-US" dirty="0" smtClean="0"/>
+              <a:t>Lessons Learned:</a:t>
+            </a:r>
+          </a:p>
+          <a:p>
+            <a:pPr lvl="1"/>
+            <a:r>
+              <a:rPr lang="en-US" dirty="0" smtClean="0"/>
+              <a:t>Test plan is not easy to make</a:t>
+            </a:r>
+          </a:p>
+          <a:p>
+            <a:pPr lvl="1"/>
+            <a:r>
+              <a:rPr lang="en-US" dirty="0"/>
+              <a:t>W</a:t>
+            </a:r>
+            <a:r>
+              <a:rPr lang="en-US" dirty="0" smtClean="0"/>
+              <a:t>hen anything can go wrong, it will go wrong.</a:t>
+            </a:r>
+            <a:endParaRPr lang="en-US" dirty="0"/>
+          </a:p>
+          <a:p>
+            <a:pPr marL="285750" lvl="1"/>
+            <a:r>
+              <a:rPr lang="en-US" dirty="0"/>
+              <a:t>Participation in Team Results:</a:t>
+            </a:r>
+          </a:p>
+          <a:p>
+            <a:pPr lvl="1"/>
+            <a:r>
+              <a:rPr lang="en-US" dirty="0" smtClean="0"/>
+              <a:t>Application Quality (Test plan)</a:t>
+            </a:r>
+          </a:p>
+          <a:p>
+            <a:pPr lvl="1"/>
+            <a:r>
+              <a:rPr lang="en-US" dirty="0" smtClean="0"/>
+              <a:t>Do everything that it’s needed.</a:t>
+            </a:r>
           </a:p>
         </p:txBody>
       </p:sp>
     </p:spTree>
+    <p:extLst>
+      <p:ext uri="{BB962C8B-B14F-4D97-AF65-F5344CB8AC3E}">
+        <p14:creationId xmlns:p14="http://schemas.microsoft.com/office/powerpoint/2010/main" xmlns="" val="1960690833"/>
+      </p:ext>
+    </p:extLst>
   </p:cSld>
   <p:clrMapOvr>
     <a:masterClrMapping/>
@@ -29682,6 +29552,80 @@
           <a:p>
             <a:r>
               <a:rPr lang="pt-PT" dirty="0" smtClean="0"/>
+              <a:t>Mário Oliveira</a:t>
+            </a:r>
+            <a:endParaRPr lang="pt-PT" dirty="0"/>
+          </a:p>
+        </p:txBody>
+      </p:sp>
+      <p:sp>
+        <p:nvSpPr>
+          <p:cNvPr id="3" name="Marcador de Posição de Conteúdo 2"/>
+          <p:cNvSpPr>
+            <a:spLocks noGrp="1"/>
+          </p:cNvSpPr>
+          <p:nvPr>
+            <p:ph idx="1"/>
+          </p:nvPr>
+        </p:nvSpPr>
+        <p:spPr/>
+        <p:txBody>
+          <a:bodyPr/>
+          <a:lstStyle/>
+          <a:p>
+            <a:endParaRPr lang="pt-PT" dirty="0"/>
+          </a:p>
+        </p:txBody>
+      </p:sp>
+    </p:spTree>
+  </p:cSld>
+  <p:clrMapOvr>
+    <a:masterClrMapping/>
+  </p:clrMapOvr>
+  <p:timing>
+    <p:tnLst>
+      <p:par>
+        <p:cTn id="1" dur="indefinite" restart="never" nodeType="tmRoot"/>
+      </p:par>
+    </p:tnLst>
+  </p:timing>
+</p:sld>
+</file>
+
+<file path=ppt/slides/slide67.xml><?xml version="1.0" encoding="utf-8"?>
+<p:sld xmlns:a="http://schemas.openxmlformats.org/drawingml/2006/main" xmlns:r="http://schemas.openxmlformats.org/officeDocument/2006/relationships" xmlns:p="http://schemas.openxmlformats.org/presentationml/2006/main">
+  <p:cSld>
+    <p:spTree>
+      <p:nvGrpSpPr>
+        <p:cNvPr id="1" name=""/>
+        <p:cNvGrpSpPr/>
+        <p:nvPr/>
+      </p:nvGrpSpPr>
+      <p:grpSpPr>
+        <a:xfrm>
+          <a:off x="0" y="0"/>
+          <a:ext cx="0" cy="0"/>
+          <a:chOff x="0" y="0"/>
+          <a:chExt cx="0" cy="0"/>
+        </a:xfrm>
+      </p:grpSpPr>
+      <p:sp>
+        <p:nvSpPr>
+          <p:cNvPr id="2" name="Título 1"/>
+          <p:cNvSpPr>
+            <a:spLocks noGrp="1"/>
+          </p:cNvSpPr>
+          <p:nvPr>
+            <p:ph type="title"/>
+          </p:nvPr>
+        </p:nvSpPr>
+        <p:spPr/>
+        <p:txBody>
+          <a:bodyPr/>
+          <a:lstStyle/>
+          <a:p>
+            <a:r>
+              <a:rPr lang="pt-PT" dirty="0" smtClean="0"/>
               <a:t>Rui Ganhoto</a:t>
             </a:r>
             <a:endParaRPr lang="pt-PT" dirty="0"/>
@@ -29790,7 +29734,7 @@
           </p:nvPr>
         </p:nvPicPr>
         <p:blipFill>
-          <a:blip r:embed="rId2"/>
+          <a:blip r:embed="rId2" cstate="print"/>
           <a:stretch>
             <a:fillRect/>
           </a:stretch>
@@ -29814,7 +29758,7 @@
           <p:nvPr/>
         </p:nvPicPr>
         <p:blipFill>
-          <a:blip r:embed="rId3"/>
+          <a:blip r:embed="rId3" cstate="print"/>
           <a:stretch>
             <a:fillRect/>
           </a:stretch>
@@ -29832,7 +29776,7 @@
     </p:spTree>
     <p:extLst>
       <p:ext uri="{BB962C8B-B14F-4D97-AF65-F5344CB8AC3E}">
-        <p14:creationId xmlns:p14="http://schemas.microsoft.com/office/powerpoint/2010/main" val="1996551084"/>
+        <p14:creationId xmlns:p14="http://schemas.microsoft.com/office/powerpoint/2010/main" xmlns="" val="1996551084"/>
       </p:ext>
     </p:extLst>
   </p:cSld>
@@ -29919,7 +29863,7 @@
     </p:spTree>
     <p:extLst>
       <p:ext uri="{BB962C8B-B14F-4D97-AF65-F5344CB8AC3E}">
-        <p14:creationId xmlns:p14="http://schemas.microsoft.com/office/powerpoint/2010/main" val="4109416244"/>
+        <p14:creationId xmlns:p14="http://schemas.microsoft.com/office/powerpoint/2010/main" xmlns="" val="4109416244"/>
       </p:ext>
     </p:extLst>
   </p:cSld>
@@ -30157,7 +30101,7 @@
     </p:spTree>
     <p:extLst>
       <p:ext uri="{BB962C8B-B14F-4D97-AF65-F5344CB8AC3E}">
-        <p14:creationId xmlns:p14="http://schemas.microsoft.com/office/powerpoint/2010/main" val="3388566770"/>
+        <p14:creationId xmlns:p14="http://schemas.microsoft.com/office/powerpoint/2010/main" xmlns="" val="3388566770"/>
       </p:ext>
     </p:extLst>
   </p:cSld>
@@ -30401,7 +30345,7 @@
   <a:extraClrSchemeLst/>
   <a:extLst>
     <a:ext uri="{05A4C25C-085E-4340-85A3-A5531E510DB2}">
-      <thm15:themeFamily xmlns:thm15="http://schemas.microsoft.com/office/thememl/2012/main" name="Organic" id="{28CDC826-8792-45C0-861B-85EB3ADEDA33}" vid="{E4E49EB0-FB00-41F5-9359-4843D783A23D}"/>
+      <thm15:themeFamily xmlns:thm15="http://schemas.microsoft.com/office/thememl/2012/main" xmlns="" name="Organic" id="{28CDC826-8792-45C0-861B-85EB3ADEDA33}" vid="{E4E49EB0-FB00-41F5-9359-4843D783A23D}"/>
     </a:ext>
   </a:extLst>
 </a:theme>
@@ -30450,7 +30394,7 @@
     </a:clrScheme>
     <a:fontScheme name="Office">
       <a:majorFont>
-        <a:latin typeface="Calibri Light" panose="020F0302020204030204"/>
+        <a:latin typeface="Calibri Light"/>
         <a:ea typeface=""/>
         <a:cs typeface=""/>
         <a:font script="Jpan" typeface="ＭＳ Ｐゴシック"/>
@@ -30485,7 +30429,7 @@
         <a:font script="Geor" typeface="Sylfaen"/>
       </a:majorFont>
       <a:minorFont>
-        <a:latin typeface="Calibri" panose="020F0502020204030204"/>
+        <a:latin typeface="Calibri"/>
         <a:ea typeface=""/>
         <a:cs typeface=""/>
         <a:font script="Jpan" typeface="ＭＳ Ｐゴシック"/>
@@ -30662,7 +30606,7 @@
   <a:extraClrSchemeLst/>
   <a:extLst>
     <a:ext uri="{05A4C25C-085E-4340-85A3-A5531E510DB2}">
-      <thm15:themeFamily xmlns:thm15="http://schemas.microsoft.com/office/thememl/2012/main" name="Office Theme" id="{62F939B6-93AF-4DB8-9C6B-D6C7DFDC589F}" vid="{4A3C46E8-61CC-4603-A589-7422A47A8E4A}"/>
+      <thm15:themeFamily xmlns:thm15="http://schemas.microsoft.com/office/thememl/2012/main" xmlns="" name="Office Theme" id="{62F939B6-93AF-4DB8-9C6B-D6C7DFDC589F}" vid="{4A3C46E8-61CC-4603-A589-7422A47A8E4A}"/>
     </a:ext>
   </a:extLst>
 </a:theme>

--- a/Final Presentation/Presentation.pptx
+++ b/Final Presentation/Presentation.pptx
@@ -5,7 +5,7 @@
     <p:sldMasterId id="2147484047" r:id="rId1"/>
   </p:sldMasterIdLst>
   <p:notesMasterIdLst>
-    <p:notesMasterId r:id="rId69"/>
+    <p:notesMasterId r:id="rId70"/>
   </p:notesMasterIdLst>
   <p:sldIdLst>
     <p:sldId id="256" r:id="rId2"/>
@@ -75,6 +75,7 @@
     <p:sldId id="306" r:id="rId66"/>
     <p:sldId id="291" r:id="rId67"/>
     <p:sldId id="292" r:id="rId68"/>
+    <p:sldId id="337" r:id="rId69"/>
   </p:sldIdLst>
   <p:sldSz cx="12192000" cy="6858000"/>
   <p:notesSz cx="6858000" cy="9144000"/>
@@ -175,7 +176,7 @@
   </p:defaultTextStyle>
   <p:extLst>
     <p:ext uri="{EFAFB233-063F-42B5-8137-9DF3F51BA10A}">
-      <p15:sldGuideLst xmlns:p15="http://schemas.microsoft.com/office/powerpoint/2012/main" xmlns="">
+      <p15:sldGuideLst xmlns:p15="http://schemas.microsoft.com/office/powerpoint/2012/main">
         <p15:guide id="1" orient="horz" pos="2160">
           <p15:clr>
             <a:srgbClr val="A4A3A4"/>
@@ -194,7 +195,17 @@
 
 <file path=ppt/charts/chart1.xml><?xml version="1.0" encoding="utf-8"?>
 <c:chartSpace xmlns:c="http://schemas.openxmlformats.org/drawingml/2006/chart" xmlns:a="http://schemas.openxmlformats.org/drawingml/2006/main" xmlns:r="http://schemas.openxmlformats.org/officeDocument/2006/relationships">
-  <c:lang val="pt-PT"/>
+  <c:date1904 val="0"/>
+  <c:lang val="en-US"/>
+  <c:roundedCorners val="0"/>
+  <mc:AlternateContent xmlns:mc="http://schemas.openxmlformats.org/markup-compatibility/2006">
+    <mc:Choice xmlns:c14="http://schemas.microsoft.com/office/drawing/2007/8/2/chart" Requires="c14">
+      <c14:style val="102"/>
+    </mc:Choice>
+    <mc:Fallback>
+      <c:style val="2"/>
+    </mc:Fallback>
+  </mc:AlternateContent>
   <c:chart>
     <c:title>
       <c:tx>
@@ -222,7 +233,7 @@
           </a:p>
         </c:rich>
       </c:tx>
-      <c:layout/>
+      <c:overlay val="0"/>
       <c:spPr>
         <a:noFill/>
         <a:ln>
@@ -230,12 +241,34 @@
         </a:ln>
         <a:effectLst/>
       </c:spPr>
+      <c:txPr>
+        <a:bodyPr rot="0" spcFirstLastPara="1" vertOverflow="ellipsis" vert="horz" wrap="square" anchor="ctr" anchorCtr="1"/>
+        <a:lstStyle/>
+        <a:p>
+          <a:pPr>
+            <a:defRPr sz="2128" b="1" i="0" u="none" strike="noStrike" kern="1200" cap="all" spc="120" normalizeH="0" baseline="0">
+              <a:solidFill>
+                <a:schemeClr val="tx1">
+                  <a:lumMod val="65000"/>
+                  <a:lumOff val="35000"/>
+                </a:schemeClr>
+              </a:solidFill>
+              <a:latin typeface="+mn-lt"/>
+              <a:ea typeface="+mn-ea"/>
+              <a:cs typeface="+mn-cs"/>
+            </a:defRPr>
+          </a:pPr>
+          <a:endParaRPr lang="pt-PT"/>
+        </a:p>
+      </c:txPr>
     </c:title>
+    <c:autoTitleDeleted val="0"/>
     <c:plotArea>
       <c:layout/>
       <c:barChart>
         <c:barDir val="col"/>
         <c:grouping val="clustered"/>
+        <c:varyColors val="0"/>
         <c:ser>
           <c:idx val="0"/>
           <c:order val="0"/>
@@ -259,6 +292,7 @@
             </a:ln>
             <a:effectLst/>
           </c:spPr>
+          <c:invertIfNegative val="0"/>
           <c:dLbls>
             <c:spPr>
               <a:noFill/>
@@ -290,10 +324,15 @@
               </a:p>
             </c:txPr>
             <c:dLblPos val="outEnd"/>
+            <c:showLegendKey val="0"/>
             <c:showVal val="1"/>
+            <c:showCatName val="0"/>
+            <c:showSerName val="0"/>
+            <c:showPercent val="0"/>
+            <c:showBubbleSize val="0"/>
+            <c:showLeaderLines val="0"/>
             <c:extLst>
               <c:ext xmlns:c15="http://schemas.microsoft.com/office/drawing/2012/chart" uri="{CE6537A1-D6FC-4f65-9D91-7224C49458BB}">
-                <c15:layout/>
                 <c15:showLeaderLines val="1"/>
                 <c15:leaderLines>
                   <c:spPr>
@@ -335,7 +374,7 @@
             <c:numRef>
               <c:f>Folha1!$O$44:$R$44</c:f>
               <c:numCache>
-                <c:formatCode>Estandar</c:formatCode>
+                <c:formatCode>General</c:formatCode>
                 <c:ptCount val="4"/>
                 <c:pt idx="0">
                   <c:v>100</c:v>
@@ -373,6 +412,7 @@
             </a:ln>
             <a:effectLst/>
           </c:spPr>
+          <c:invertIfNegative val="0"/>
           <c:dLbls>
             <c:spPr>
               <a:noFill/>
@@ -404,10 +444,15 @@
               </a:p>
             </c:txPr>
             <c:dLblPos val="outEnd"/>
+            <c:showLegendKey val="0"/>
             <c:showVal val="1"/>
+            <c:showCatName val="0"/>
+            <c:showSerName val="0"/>
+            <c:showPercent val="0"/>
+            <c:showBubbleSize val="0"/>
+            <c:showLeaderLines val="0"/>
             <c:extLst>
               <c:ext xmlns:c15="http://schemas.microsoft.com/office/drawing/2012/chart" uri="{CE6537A1-D6FC-4f65-9D91-7224C49458BB}">
-                <c15:layout/>
                 <c15:showLeaderLines val="1"/>
                 <c15:leaderLines>
                   <c:spPr>
@@ -449,7 +494,7 @@
             <c:numRef>
               <c:f>Folha1!$O$45:$R$45</c:f>
               <c:numCache>
-                <c:formatCode>Estandar</c:formatCode>
+                <c:formatCode>General</c:formatCode>
                 <c:ptCount val="4"/>
                 <c:pt idx="1">
                   <c:v>93</c:v>
@@ -465,18 +510,24 @@
           </c:val>
         </c:ser>
         <c:dLbls>
+          <c:showLegendKey val="0"/>
           <c:showVal val="1"/>
+          <c:showCatName val="0"/>
+          <c:showSerName val="0"/>
+          <c:showPercent val="0"/>
+          <c:showBubbleSize val="0"/>
         </c:dLbls>
         <c:gapWidth val="444"/>
         <c:overlap val="-90"/>
-        <c:axId val="92445312"/>
-        <c:axId val="92459392"/>
+        <c:axId val="863674848"/>
+        <c:axId val="863676480"/>
       </c:barChart>
       <c:catAx>
-        <c:axId val="92445312"/>
+        <c:axId val="863674848"/>
         <c:scaling>
           <c:orientation val="minMax"/>
         </c:scaling>
+        <c:delete val="0"/>
         <c:axPos val="b"/>
         <c:majorGridlines>
           <c:spPr>
@@ -492,8 +543,9 @@
             <a:effectLst/>
           </c:spPr>
         </c:majorGridlines>
-        <c:numFmt formatCode="Estandar" sourceLinked="1"/>
+        <c:numFmt formatCode="General" sourceLinked="1"/>
         <c:majorTickMark val="none"/>
+        <c:minorTickMark val="none"/>
         <c:tickLblPos val="nextTo"/>
         <c:spPr>
           <a:noFill/>
@@ -528,23 +580,25 @@
             <a:endParaRPr lang="pt-PT"/>
           </a:p>
         </c:txPr>
-        <c:crossAx val="92459392"/>
+        <c:crossAx val="863676480"/>
         <c:crosses val="autoZero"/>
         <c:auto val="1"/>
         <c:lblAlgn val="ctr"/>
         <c:lblOffset val="100"/>
+        <c:noMultiLvlLbl val="0"/>
       </c:catAx>
       <c:valAx>
-        <c:axId val="92459392"/>
+        <c:axId val="863676480"/>
         <c:scaling>
           <c:orientation val="minMax"/>
         </c:scaling>
         <c:delete val="1"/>
         <c:axPos val="l"/>
-        <c:numFmt formatCode="Estandar" sourceLinked="1"/>
+        <c:numFmt formatCode="General" sourceLinked="1"/>
         <c:majorTickMark val="none"/>
+        <c:minorTickMark val="none"/>
         <c:tickLblPos val="none"/>
-        <c:crossAx val="92445312"/>
+        <c:crossAx val="863674848"/>
         <c:crosses val="autoZero"/>
         <c:crossBetween val="between"/>
       </c:valAx>
@@ -558,7 +612,7 @@
     </c:plotArea>
     <c:legend>
       <c:legendPos val="t"/>
-      <c:layout/>
+      <c:overlay val="0"/>
       <c:spPr>
         <a:noFill/>
         <a:ln>
@@ -589,6 +643,7 @@
     </c:legend>
     <c:plotVisOnly val="1"/>
     <c:dispBlanksAs val="gap"/>
+    <c:showDLblsOverMax val="0"/>
   </c:chart>
   <c:spPr>
     <a:noFill/>
@@ -607,13 +662,25 @@
       <a:endParaRPr lang="pt-PT"/>
     </a:p>
   </c:txPr>
-  <c:externalData r:id="rId1"/>
+  <c:externalData r:id="rId3">
+    <c:autoUpdate val="0"/>
+  </c:externalData>
 </c:chartSpace>
 </file>
 
 <file path=ppt/charts/chart2.xml><?xml version="1.0" encoding="utf-8"?>
 <c:chartSpace xmlns:c="http://schemas.openxmlformats.org/drawingml/2006/chart" xmlns:a="http://schemas.openxmlformats.org/drawingml/2006/main" xmlns:r="http://schemas.openxmlformats.org/officeDocument/2006/relationships">
-  <c:lang val="pt-PT"/>
+  <c:date1904 val="0"/>
+  <c:lang val="en-US"/>
+  <c:roundedCorners val="0"/>
+  <mc:AlternateContent xmlns:mc="http://schemas.openxmlformats.org/markup-compatibility/2006">
+    <mc:Choice xmlns:c14="http://schemas.microsoft.com/office/drawing/2007/8/2/chart" Requires="c14">
+      <c14:style val="102"/>
+    </mc:Choice>
+    <mc:Fallback>
+      <c:style val="2"/>
+    </mc:Fallback>
+  </mc:AlternateContent>
   <c:chart>
     <c:title>
       <c:tx>
@@ -649,6 +716,7 @@
           <c:y val="2.4482108622810719E-2"/>
         </c:manualLayout>
       </c:layout>
+      <c:overlay val="0"/>
       <c:spPr>
         <a:noFill/>
         <a:ln>
@@ -656,12 +724,34 @@
         </a:ln>
         <a:effectLst/>
       </c:spPr>
+      <c:txPr>
+        <a:bodyPr rot="0" spcFirstLastPara="1" vertOverflow="ellipsis" vert="horz" wrap="square" anchor="ctr" anchorCtr="1"/>
+        <a:lstStyle/>
+        <a:p>
+          <a:pPr>
+            <a:defRPr sz="2128" b="1" i="0" u="none" strike="noStrike" kern="1200" cap="all" spc="120" normalizeH="0" baseline="0">
+              <a:solidFill>
+                <a:schemeClr val="tx1">
+                  <a:lumMod val="65000"/>
+                  <a:lumOff val="35000"/>
+                </a:schemeClr>
+              </a:solidFill>
+              <a:latin typeface="+mn-lt"/>
+              <a:ea typeface="+mn-ea"/>
+              <a:cs typeface="+mn-cs"/>
+            </a:defRPr>
+          </a:pPr>
+          <a:endParaRPr lang="pt-PT"/>
+        </a:p>
+      </c:txPr>
     </c:title>
+    <c:autoTitleDeleted val="0"/>
     <c:plotArea>
       <c:layout/>
       <c:barChart>
         <c:barDir val="col"/>
         <c:grouping val="clustered"/>
+        <c:varyColors val="0"/>
         <c:ser>
           <c:idx val="0"/>
           <c:order val="0"/>
@@ -685,6 +775,7 @@
             </a:ln>
             <a:effectLst/>
           </c:spPr>
+          <c:invertIfNegative val="0"/>
           <c:dLbls>
             <c:spPr>
               <a:noFill/>
@@ -716,10 +807,15 @@
               </a:p>
             </c:txPr>
             <c:dLblPos val="outEnd"/>
+            <c:showLegendKey val="0"/>
             <c:showVal val="1"/>
+            <c:showCatName val="0"/>
+            <c:showSerName val="0"/>
+            <c:showPercent val="0"/>
+            <c:showBubbleSize val="0"/>
+            <c:showLeaderLines val="0"/>
             <c:extLst>
               <c:ext xmlns:c15="http://schemas.microsoft.com/office/drawing/2012/chart" uri="{CE6537A1-D6FC-4f65-9D91-7224C49458BB}">
-                <c15:layout/>
                 <c15:showLeaderLines val="1"/>
                 <c15:leaderLines>
                   <c:spPr>
@@ -761,7 +857,7 @@
             <c:numRef>
               <c:f>Folha1!$L$69:$O$69</c:f>
               <c:numCache>
-                <c:formatCode>Estandar</c:formatCode>
+                <c:formatCode>General</c:formatCode>
                 <c:ptCount val="4"/>
                 <c:pt idx="0">
                   <c:v>100</c:v>
@@ -802,6 +898,7 @@
             </a:ln>
             <a:effectLst/>
           </c:spPr>
+          <c:invertIfNegative val="0"/>
           <c:dLbls>
             <c:spPr>
               <a:noFill/>
@@ -833,10 +930,15 @@
               </a:p>
             </c:txPr>
             <c:dLblPos val="outEnd"/>
+            <c:showLegendKey val="0"/>
             <c:showVal val="1"/>
+            <c:showCatName val="0"/>
+            <c:showSerName val="0"/>
+            <c:showPercent val="0"/>
+            <c:showBubbleSize val="0"/>
+            <c:showLeaderLines val="0"/>
             <c:extLst>
               <c:ext xmlns:c15="http://schemas.microsoft.com/office/drawing/2012/chart" uri="{CE6537A1-D6FC-4f65-9D91-7224C49458BB}">
-                <c15:layout/>
                 <c15:showLeaderLines val="1"/>
                 <c15:leaderLines>
                   <c:spPr>
@@ -878,7 +980,7 @@
             <c:numRef>
               <c:f>Folha1!$L$70:$O$70</c:f>
               <c:numCache>
-                <c:formatCode>Estandar</c:formatCode>
+                <c:formatCode>General</c:formatCode>
                 <c:ptCount val="4"/>
                 <c:pt idx="0">
                   <c:v>107.75</c:v>
@@ -897,18 +999,24 @@
           </c:val>
         </c:ser>
         <c:dLbls>
+          <c:showLegendKey val="0"/>
           <c:showVal val="1"/>
+          <c:showCatName val="0"/>
+          <c:showSerName val="0"/>
+          <c:showPercent val="0"/>
+          <c:showBubbleSize val="0"/>
         </c:dLbls>
         <c:gapWidth val="444"/>
         <c:overlap val="-90"/>
-        <c:axId val="94329472"/>
-        <c:axId val="94343552"/>
+        <c:axId val="700149408"/>
+        <c:axId val="700150496"/>
       </c:barChart>
       <c:catAx>
-        <c:axId val="94329472"/>
+        <c:axId val="700149408"/>
         <c:scaling>
           <c:orientation val="minMax"/>
         </c:scaling>
+        <c:delete val="0"/>
         <c:axPos val="b"/>
         <c:majorGridlines>
           <c:spPr>
@@ -924,8 +1032,9 @@
             <a:effectLst/>
           </c:spPr>
         </c:majorGridlines>
-        <c:numFmt formatCode="Estandar" sourceLinked="1"/>
+        <c:numFmt formatCode="General" sourceLinked="1"/>
         <c:majorTickMark val="none"/>
+        <c:minorTickMark val="none"/>
         <c:tickLblPos val="nextTo"/>
         <c:spPr>
           <a:noFill/>
@@ -960,23 +1069,25 @@
             <a:endParaRPr lang="pt-PT"/>
           </a:p>
         </c:txPr>
-        <c:crossAx val="94343552"/>
+        <c:crossAx val="700150496"/>
         <c:crosses val="autoZero"/>
         <c:auto val="1"/>
         <c:lblAlgn val="ctr"/>
         <c:lblOffset val="100"/>
+        <c:noMultiLvlLbl val="0"/>
       </c:catAx>
       <c:valAx>
-        <c:axId val="94343552"/>
+        <c:axId val="700150496"/>
         <c:scaling>
           <c:orientation val="minMax"/>
         </c:scaling>
         <c:delete val="1"/>
         <c:axPos val="l"/>
-        <c:numFmt formatCode="Estandar" sourceLinked="1"/>
+        <c:numFmt formatCode="General" sourceLinked="1"/>
         <c:majorTickMark val="none"/>
+        <c:minorTickMark val="none"/>
         <c:tickLblPos val="none"/>
-        <c:crossAx val="94329472"/>
+        <c:crossAx val="700149408"/>
         <c:crosses val="autoZero"/>
         <c:crossBetween val="between"/>
       </c:valAx>
@@ -1036,7 +1147,7 @@
           </a:p>
         </c:txPr>
       </c:legendEntry>
-      <c:layout/>
+      <c:overlay val="0"/>
       <c:spPr>
         <a:noFill/>
         <a:ln>
@@ -1067,6 +1178,7 @@
     </c:legend>
     <c:plotVisOnly val="1"/>
     <c:dispBlanksAs val="gap"/>
+    <c:showDLblsOverMax val="0"/>
   </c:chart>
   <c:spPr>
     <a:noFill/>
@@ -1085,13 +1197,25 @@
       <a:endParaRPr lang="pt-PT"/>
     </a:p>
   </c:txPr>
-  <c:externalData r:id="rId1"/>
+  <c:externalData r:id="rId3">
+    <c:autoUpdate val="0"/>
+  </c:externalData>
 </c:chartSpace>
 </file>
 
 <file path=ppt/charts/chart3.xml><?xml version="1.0" encoding="utf-8"?>
 <c:chartSpace xmlns:c="http://schemas.openxmlformats.org/drawingml/2006/chart" xmlns:a="http://schemas.openxmlformats.org/drawingml/2006/main" xmlns:r="http://schemas.openxmlformats.org/officeDocument/2006/relationships">
-  <c:lang val="pt-PT"/>
+  <c:date1904 val="0"/>
+  <c:lang val="en-US"/>
+  <c:roundedCorners val="0"/>
+  <mc:AlternateContent xmlns:mc="http://schemas.openxmlformats.org/markup-compatibility/2006">
+    <mc:Choice xmlns:c14="http://schemas.microsoft.com/office/drawing/2007/8/2/chart" Requires="c14">
+      <c14:style val="102"/>
+    </mc:Choice>
+    <mc:Fallback>
+      <c:style val="2"/>
+    </mc:Fallback>
+  </mc:AlternateContent>
   <c:chart>
     <c:title>
       <c:tx>
@@ -1119,7 +1243,7 @@
           </a:p>
         </c:rich>
       </c:tx>
-      <c:layout/>
+      <c:overlay val="0"/>
       <c:spPr>
         <a:noFill/>
         <a:ln>
@@ -1127,12 +1251,34 @@
         </a:ln>
         <a:effectLst/>
       </c:spPr>
+      <c:txPr>
+        <a:bodyPr rot="0" spcFirstLastPara="1" vertOverflow="ellipsis" vert="horz" wrap="square" anchor="ctr" anchorCtr="1"/>
+        <a:lstStyle/>
+        <a:p>
+          <a:pPr>
+            <a:defRPr sz="2128" b="1" i="0" u="none" strike="noStrike" kern="1200" cap="all" spc="120" normalizeH="0" baseline="0">
+              <a:solidFill>
+                <a:schemeClr val="tx1">
+                  <a:lumMod val="65000"/>
+                  <a:lumOff val="35000"/>
+                </a:schemeClr>
+              </a:solidFill>
+              <a:latin typeface="+mn-lt"/>
+              <a:ea typeface="+mn-ea"/>
+              <a:cs typeface="+mn-cs"/>
+            </a:defRPr>
+          </a:pPr>
+          <a:endParaRPr lang="pt-PT"/>
+        </a:p>
+      </c:txPr>
     </c:title>
+    <c:autoTitleDeleted val="0"/>
     <c:plotArea>
       <c:layout/>
       <c:barChart>
         <c:barDir val="col"/>
         <c:grouping val="clustered"/>
+        <c:varyColors val="0"/>
         <c:ser>
           <c:idx val="0"/>
           <c:order val="0"/>
@@ -1145,6 +1291,7 @@
             </a:ln>
             <a:effectLst/>
           </c:spPr>
+          <c:invertIfNegative val="0"/>
           <c:dLbls>
             <c:spPr>
               <a:noFill/>
@@ -1176,10 +1323,15 @@
               </a:p>
             </c:txPr>
             <c:dLblPos val="outEnd"/>
+            <c:showLegendKey val="0"/>
             <c:showVal val="1"/>
+            <c:showCatName val="0"/>
+            <c:showSerName val="0"/>
+            <c:showPercent val="0"/>
+            <c:showBubbleSize val="0"/>
+            <c:showLeaderLines val="0"/>
             <c:extLst>
               <c:ext xmlns:c15="http://schemas.microsoft.com/office/drawing/2012/chart" uri="{CE6537A1-D6FC-4f65-9D91-7224C49458BB}">
-                <c15:layout/>
                 <c15:showLeaderLines val="1"/>
                 <c15:leaderLines>
                   <c:spPr>
@@ -1224,7 +1376,7 @@
             <c:numRef>
               <c:f>'Team Log'!$G$2:$G$6</c:f>
               <c:numCache>
-                <c:formatCode>Estandar</c:formatCode>
+                <c:formatCode>General</c:formatCode>
                 <c:ptCount val="5"/>
                 <c:pt idx="0">
                   <c:v>262</c:v>
@@ -1246,18 +1398,24 @@
           </c:val>
         </c:ser>
         <c:dLbls>
+          <c:showLegendKey val="0"/>
           <c:showVal val="1"/>
+          <c:showCatName val="0"/>
+          <c:showSerName val="0"/>
+          <c:showPercent val="0"/>
+          <c:showBubbleSize val="0"/>
         </c:dLbls>
         <c:gapWidth val="444"/>
         <c:overlap val="-90"/>
-        <c:axId val="16328960"/>
-        <c:axId val="16338944"/>
+        <c:axId val="700153216"/>
+        <c:axId val="914617296"/>
       </c:barChart>
       <c:catAx>
-        <c:axId val="16328960"/>
+        <c:axId val="700153216"/>
         <c:scaling>
           <c:orientation val="minMax"/>
         </c:scaling>
+        <c:delete val="0"/>
         <c:axPos val="b"/>
         <c:majorGridlines>
           <c:spPr>
@@ -1273,8 +1431,9 @@
             <a:effectLst/>
           </c:spPr>
         </c:majorGridlines>
-        <c:numFmt formatCode="Estandar" sourceLinked="1"/>
+        <c:numFmt formatCode="General" sourceLinked="1"/>
         <c:majorTickMark val="none"/>
+        <c:minorTickMark val="none"/>
         <c:tickLblPos val="nextTo"/>
         <c:spPr>
           <a:noFill/>
@@ -1309,23 +1468,25 @@
             <a:endParaRPr lang="pt-PT"/>
           </a:p>
         </c:txPr>
-        <c:crossAx val="16338944"/>
+        <c:crossAx val="914617296"/>
         <c:crosses val="autoZero"/>
         <c:auto val="1"/>
         <c:lblAlgn val="ctr"/>
         <c:lblOffset val="100"/>
+        <c:noMultiLvlLbl val="0"/>
       </c:catAx>
       <c:valAx>
-        <c:axId val="16338944"/>
+        <c:axId val="914617296"/>
         <c:scaling>
           <c:orientation val="minMax"/>
         </c:scaling>
         <c:delete val="1"/>
         <c:axPos val="l"/>
-        <c:numFmt formatCode="Estandar" sourceLinked="1"/>
+        <c:numFmt formatCode="General" sourceLinked="1"/>
         <c:majorTickMark val="none"/>
+        <c:minorTickMark val="none"/>
         <c:tickLblPos val="none"/>
-        <c:crossAx val="16328960"/>
+        <c:crossAx val="700153216"/>
         <c:crosses val="autoZero"/>
         <c:crossBetween val="between"/>
       </c:valAx>
@@ -1339,6 +1500,7 @@
     </c:plotArea>
     <c:plotVisOnly val="1"/>
     <c:dispBlanksAs val="gap"/>
+    <c:showDLblsOverMax val="0"/>
   </c:chart>
   <c:spPr>
     <a:noFill/>
@@ -1357,13 +1519,25 @@
       <a:endParaRPr lang="pt-PT"/>
     </a:p>
   </c:txPr>
-  <c:externalData r:id="rId1"/>
+  <c:externalData r:id="rId3">
+    <c:autoUpdate val="0"/>
+  </c:externalData>
 </c:chartSpace>
 </file>
 
 <file path=ppt/charts/chart4.xml><?xml version="1.0" encoding="utf-8"?>
 <c:chartSpace xmlns:c="http://schemas.openxmlformats.org/drawingml/2006/chart" xmlns:a="http://schemas.openxmlformats.org/drawingml/2006/main" xmlns:r="http://schemas.openxmlformats.org/officeDocument/2006/relationships">
-  <c:lang val="pt-PT"/>
+  <c:date1904 val="0"/>
+  <c:lang val="en-US"/>
+  <c:roundedCorners val="0"/>
+  <mc:AlternateContent xmlns:mc="http://schemas.openxmlformats.org/markup-compatibility/2006">
+    <mc:Choice xmlns:c14="http://schemas.microsoft.com/office/drawing/2007/8/2/chart" Requires="c14">
+      <c14:style val="102"/>
+    </mc:Choice>
+    <mc:Fallback>
+      <c:style val="2"/>
+    </mc:Fallback>
+  </mc:AlternateContent>
   <c:chart>
     <c:autoTitleDeleted val="1"/>
     <c:plotArea>
@@ -1371,6 +1545,7 @@
       <c:barChart>
         <c:barDir val="col"/>
         <c:grouping val="clustered"/>
+        <c:varyColors val="0"/>
         <c:ser>
           <c:idx val="0"/>
           <c:order val="0"/>
@@ -1394,8 +1569,11 @@
             </a:ln>
             <a:effectLst/>
           </c:spPr>
+          <c:invertIfNegative val="0"/>
           <c:dPt>
             <c:idx val="7"/>
+            <c:invertIfNegative val="0"/>
+            <c:bubble3D val="0"/>
             <c:spPr>
               <a:solidFill>
                 <a:schemeClr val="accent1">
@@ -1444,7 +1622,7 @@
             <c:numRef>
               <c:f>'Team Log'!$F$23:$F$30</c:f>
               <c:numCache>
-                <c:formatCode>Estandar</c:formatCode>
+                <c:formatCode>General</c:formatCode>
                 <c:ptCount val="8"/>
                 <c:pt idx="0">
                   <c:v>40.5</c:v>
@@ -1497,8 +1675,11 @@
             </a:ln>
             <a:effectLst/>
           </c:spPr>
+          <c:invertIfNegative val="0"/>
           <c:dPt>
             <c:idx val="7"/>
+            <c:invertIfNegative val="0"/>
+            <c:bubble3D val="0"/>
             <c:spPr>
               <a:solidFill>
                 <a:schemeClr val="bg2">
@@ -1547,7 +1728,7 @@
             <c:numRef>
               <c:f>'Team Log'!$G$23:$G$30</c:f>
               <c:numCache>
-                <c:formatCode>Estandar</c:formatCode>
+                <c:formatCode>General</c:formatCode>
                 <c:ptCount val="8"/>
                 <c:pt idx="0">
                   <c:v>45.5</c:v>
@@ -1600,6 +1781,7 @@
             </a:ln>
             <a:effectLst/>
           </c:spPr>
+          <c:invertIfNegative val="0"/>
           <c:cat>
             <c:strRef>
               <c:f>'Team Log'!$E$23:$E$30</c:f>
@@ -1636,7 +1818,7 @@
             <c:numRef>
               <c:f>'Team Log'!$H$23:$H$30</c:f>
               <c:numCache>
-                <c:formatCode>Estandar</c:formatCode>
+                <c:formatCode>General</c:formatCode>
                 <c:ptCount val="8"/>
                 <c:pt idx="0">
                   <c:v>3</c:v>
@@ -1651,20 +1833,29 @@
             </c:numRef>
           </c:val>
         </c:ser>
-        <c:dLbls/>
+        <c:dLbls>
+          <c:showLegendKey val="0"/>
+          <c:showVal val="0"/>
+          <c:showCatName val="0"/>
+          <c:showSerName val="0"/>
+          <c:showPercent val="0"/>
+          <c:showBubbleSize val="0"/>
+        </c:dLbls>
         <c:gapWidth val="219"/>
         <c:overlap val="-27"/>
-        <c:axId val="96496256"/>
-        <c:axId val="96510336"/>
+        <c:axId val="914620560"/>
+        <c:axId val="914614032"/>
       </c:barChart>
       <c:catAx>
-        <c:axId val="96496256"/>
+        <c:axId val="914620560"/>
         <c:scaling>
           <c:orientation val="minMax"/>
         </c:scaling>
+        <c:delete val="0"/>
         <c:axPos val="b"/>
-        <c:numFmt formatCode="Estandar" sourceLinked="1"/>
+        <c:numFmt formatCode="General" sourceLinked="1"/>
         <c:majorTickMark val="none"/>
+        <c:minorTickMark val="none"/>
         <c:tickLblPos val="nextTo"/>
         <c:spPr>
           <a:noFill/>
@@ -1699,17 +1890,19 @@
             <a:endParaRPr lang="pt-PT"/>
           </a:p>
         </c:txPr>
-        <c:crossAx val="96510336"/>
+        <c:crossAx val="914614032"/>
         <c:crosses val="autoZero"/>
         <c:auto val="1"/>
         <c:lblAlgn val="ctr"/>
         <c:lblOffset val="100"/>
+        <c:noMultiLvlLbl val="0"/>
       </c:catAx>
       <c:valAx>
-        <c:axId val="96510336"/>
+        <c:axId val="914614032"/>
         <c:scaling>
           <c:orientation val="minMax"/>
         </c:scaling>
+        <c:delete val="0"/>
         <c:axPos val="l"/>
         <c:majorGridlines>
           <c:spPr>
@@ -1725,8 +1918,9 @@
             <a:effectLst/>
           </c:spPr>
         </c:majorGridlines>
-        <c:numFmt formatCode="Estandar" sourceLinked="1"/>
+        <c:numFmt formatCode="General" sourceLinked="1"/>
         <c:majorTickMark val="none"/>
+        <c:minorTickMark val="none"/>
         <c:tickLblPos val="nextTo"/>
         <c:spPr>
           <a:noFill/>
@@ -1755,7 +1949,7 @@
             <a:endParaRPr lang="pt-PT"/>
           </a:p>
         </c:txPr>
-        <c:crossAx val="96496256"/>
+        <c:crossAx val="914620560"/>
         <c:crosses val="autoZero"/>
         <c:crossBetween val="between"/>
       </c:valAx>
@@ -1769,7 +1963,7 @@
     </c:plotArea>
     <c:legend>
       <c:legendPos val="b"/>
-      <c:layout/>
+      <c:overlay val="0"/>
       <c:spPr>
         <a:noFill/>
         <a:ln>
@@ -1800,6 +1994,7 @@
     </c:legend>
     <c:plotVisOnly val="1"/>
     <c:dispBlanksAs val="gap"/>
+    <c:showDLblsOverMax val="0"/>
   </c:chart>
   <c:spPr>
     <a:noFill/>
@@ -1818,13 +2013,25 @@
       <a:endParaRPr lang="pt-PT"/>
     </a:p>
   </c:txPr>
-  <c:externalData r:id="rId1"/>
+  <c:externalData r:id="rId1">
+    <c:autoUpdate val="0"/>
+  </c:externalData>
 </c:chartSpace>
 </file>
 
 <file path=ppt/charts/chart5.xml><?xml version="1.0" encoding="utf-8"?>
 <c:chartSpace xmlns:c="http://schemas.openxmlformats.org/drawingml/2006/chart" xmlns:a="http://schemas.openxmlformats.org/drawingml/2006/main" xmlns:r="http://schemas.openxmlformats.org/officeDocument/2006/relationships">
-  <c:lang val="pt-PT"/>
+  <c:date1904 val="0"/>
+  <c:lang val="en-US"/>
+  <c:roundedCorners val="0"/>
+  <mc:AlternateContent xmlns:mc="http://schemas.openxmlformats.org/markup-compatibility/2006">
+    <mc:Choice xmlns:c14="http://schemas.microsoft.com/office/drawing/2007/8/2/chart" Requires="c14">
+      <c14:style val="102"/>
+    </mc:Choice>
+    <mc:Fallback>
+      <c:style val="2"/>
+    </mc:Fallback>
+  </mc:AlternateContent>
   <c:chart>
     <c:autoTitleDeleted val="1"/>
     <c:plotArea>
@@ -1893,7 +2100,7 @@
             <c:numRef>
               <c:f>Folha1!$C$2:$C$8</c:f>
               <c:numCache>
-                <c:formatCode>Estandar</c:formatCode>
+                <c:formatCode>General</c:formatCode>
                 <c:ptCount val="7"/>
                 <c:pt idx="0">
                   <c:v>5.5</c:v>
@@ -1919,6 +2126,7 @@
               </c:numCache>
             </c:numRef>
           </c:val>
+          <c:smooth val="0"/>
         </c:ser>
         <c:ser>
           <c:idx val="2"/>
@@ -1983,7 +2191,7 @@
             <c:numRef>
               <c:f>Folha1!$D$2:$D$8</c:f>
               <c:numCache>
-                <c:formatCode>Estandar</c:formatCode>
+                <c:formatCode>General</c:formatCode>
                 <c:ptCount val="7"/>
                 <c:pt idx="0">
                   <c:v>8.5</c:v>
@@ -2009,6 +2217,7 @@
               </c:numCache>
             </c:numRef>
           </c:val>
+          <c:smooth val="0"/>
         </c:ser>
         <c:ser>
           <c:idx val="3"/>
@@ -2092,7 +2301,7 @@
             <c:numRef>
               <c:f>Folha1!$E$2:$E$8</c:f>
               <c:numCache>
-                <c:formatCode>Estandar</c:formatCode>
+                <c:formatCode>General</c:formatCode>
                 <c:ptCount val="7"/>
                 <c:pt idx="0">
                   <c:v>6.615384615384615</c:v>
@@ -2118,8 +2327,16 @@
               </c:numCache>
             </c:numRef>
           </c:val>
+          <c:smooth val="0"/>
         </c:ser>
-        <c:dLbls/>
+        <c:dLbls>
+          <c:showLegendKey val="0"/>
+          <c:showVal val="0"/>
+          <c:showCatName val="0"/>
+          <c:showSerName val="0"/>
+          <c:showPercent val="0"/>
+          <c:showBubbleSize val="0"/>
+        </c:dLbls>
         <c:hiLowLines>
           <c:spPr>
             <a:ln w="9525" cap="flat" cmpd="sng" algn="ctr">
@@ -2134,17 +2351,19 @@
             <a:effectLst/>
           </c:spPr>
         </c:hiLowLines>
-        <c:axId val="96553984"/>
-        <c:axId val="96568064"/>
+        <c:axId val="914614576"/>
+        <c:axId val="914615120"/>
       </c:stockChart>
       <c:catAx>
-        <c:axId val="96553984"/>
+        <c:axId val="914614576"/>
         <c:scaling>
           <c:orientation val="minMax"/>
         </c:scaling>
+        <c:delete val="0"/>
         <c:axPos val="b"/>
-        <c:numFmt formatCode="Estandar" sourceLinked="1"/>
+        <c:numFmt formatCode="General" sourceLinked="1"/>
         <c:majorTickMark val="none"/>
+        <c:minorTickMark val="none"/>
         <c:tickLblPos val="nextTo"/>
         <c:spPr>
           <a:noFill/>
@@ -2179,17 +2398,19 @@
             <a:endParaRPr lang="pt-PT"/>
           </a:p>
         </c:txPr>
-        <c:crossAx val="96568064"/>
+        <c:crossAx val="914615120"/>
         <c:crosses val="autoZero"/>
         <c:auto val="1"/>
         <c:lblAlgn val="ctr"/>
         <c:lblOffset val="100"/>
+        <c:noMultiLvlLbl val="0"/>
       </c:catAx>
       <c:valAx>
-        <c:axId val="96568064"/>
+        <c:axId val="914615120"/>
         <c:scaling>
           <c:orientation val="minMax"/>
         </c:scaling>
+        <c:delete val="0"/>
         <c:axPos val="l"/>
         <c:majorGridlines>
           <c:spPr>
@@ -2205,8 +2426,9 @@
             <a:effectLst/>
           </c:spPr>
         </c:majorGridlines>
-        <c:numFmt formatCode="Estandar" sourceLinked="1"/>
+        <c:numFmt formatCode="General" sourceLinked="1"/>
         <c:majorTickMark val="none"/>
+        <c:minorTickMark val="none"/>
         <c:tickLblPos val="nextTo"/>
         <c:spPr>
           <a:noFill/>
@@ -2235,7 +2457,7 @@
             <a:endParaRPr lang="pt-PT"/>
           </a:p>
         </c:txPr>
-        <c:crossAx val="96553984"/>
+        <c:crossAx val="914614576"/>
         <c:crosses val="autoZero"/>
         <c:crossBetween val="between"/>
         <c:majorUnit val="1"/>
@@ -2251,6 +2473,7 @@
     </c:plotArea>
     <c:plotVisOnly val="1"/>
     <c:dispBlanksAs val="gap"/>
+    <c:showDLblsOverMax val="0"/>
   </c:chart>
   <c:spPr>
     <a:noFill/>
@@ -2269,14 +2492,25 @@
       <a:endParaRPr lang="pt-PT"/>
     </a:p>
   </c:txPr>
-  <c:externalData r:id="rId1"/>
+  <c:externalData r:id="rId1">
+    <c:autoUpdate val="0"/>
+  </c:externalData>
 </c:chartSpace>
 </file>
 
 <file path=ppt/charts/chart6.xml><?xml version="1.0" encoding="utf-8"?>
 <c:chartSpace xmlns:c="http://schemas.openxmlformats.org/drawingml/2006/chart" xmlns:a="http://schemas.openxmlformats.org/drawingml/2006/main" xmlns:r="http://schemas.openxmlformats.org/officeDocument/2006/relationships">
-  <c:lang val="pt-PT"/>
-  <c:style val="34"/>
+  <c:date1904 val="0"/>
+  <c:lang val="en-US"/>
+  <c:roundedCorners val="0"/>
+  <mc:AlternateContent xmlns:mc="http://schemas.openxmlformats.org/markup-compatibility/2006">
+    <mc:Choice xmlns:c14="http://schemas.microsoft.com/office/drawing/2007/8/2/chart" Requires="c14">
+      <c14:style val="134"/>
+    </mc:Choice>
+    <mc:Fallback>
+      <c:style val="34"/>
+    </mc:Fallback>
+  </mc:AlternateContent>
   <c:chart>
     <c:title>
       <c:tx>
@@ -2294,8 +2528,9 @@
           </a:p>
         </c:rich>
       </c:tx>
-      <c:layout/>
+      <c:overlay val="0"/>
     </c:title>
+    <c:autoTitleDeleted val="0"/>
     <c:plotArea>
       <c:layout>
         <c:manualLayout>
@@ -2334,7 +2569,12 @@
               <a:effectLst/>
             </c:spPr>
             <c:dLblPos val="bestFit"/>
+            <c:showLegendKey val="0"/>
+            <c:showVal val="0"/>
+            <c:showCatName val="0"/>
+            <c:showSerName val="0"/>
             <c:showPercent val="1"/>
+            <c:showBubbleSize val="0"/>
             <c:showLeaderLines val="1"/>
             <c:extLst>
               <c:ext xmlns:c15="http://schemas.microsoft.com/office/drawing/2012/chart" uri="{CE6537A1-D6FC-4f65-9D91-7224C49458BB}"/>
@@ -2364,7 +2604,7 @@
             <c:numRef>
               <c:f>Folha1!$B$2:$B$5</c:f>
               <c:numCache>
-                <c:formatCode>Estandar</c:formatCode>
+                <c:formatCode>General</c:formatCode>
                 <c:ptCount val="4"/>
                 <c:pt idx="0">
                   <c:v>46</c:v>
@@ -2383,7 +2623,13 @@
           </c:val>
         </c:ser>
         <c:dLbls>
+          <c:showLegendKey val="0"/>
+          <c:showVal val="0"/>
+          <c:showCatName val="0"/>
+          <c:showSerName val="0"/>
           <c:showPercent val="1"/>
+          <c:showBubbleSize val="0"/>
+          <c:showLeaderLines val="1"/>
         </c:dLbls>
         <c:gapWidth val="150"/>
         <c:secondPieSize val="75"/>
@@ -2402,11 +2648,15 @@
           <c:h val="6.8887289088863907E-2"/>
         </c:manualLayout>
       </c:layout>
+      <c:overlay val="0"/>
     </c:legend>
     <c:plotVisOnly val="1"/>
     <c:dispBlanksAs val="zero"/>
+    <c:showDLblsOverMax val="0"/>
   </c:chart>
-  <c:externalData r:id="rId1"/>
+  <c:externalData r:id="rId1">
+    <c:autoUpdate val="0"/>
+  </c:externalData>
 </c:chartSpace>
 </file>
 
@@ -2491,86 +2741,6 @@
 </file>
 
 <file path=ppt/charts/colors3.xml><?xml version="1.0" encoding="utf-8"?>
-<cs:colorStyle xmlns:cs="http://schemas.microsoft.com/office/drawing/2012/chartStyle" xmlns:a="http://schemas.openxmlformats.org/drawingml/2006/main" meth="cycle" id="10">
-  <a:schemeClr val="accent1"/>
-  <a:schemeClr val="accent2"/>
-  <a:schemeClr val="accent3"/>
-  <a:schemeClr val="accent4"/>
-  <a:schemeClr val="accent5"/>
-  <a:schemeClr val="accent6"/>
-  <cs:variation/>
-  <cs:variation>
-    <a:lumMod val="60000"/>
-  </cs:variation>
-  <cs:variation>
-    <a:lumMod val="80000"/>
-    <a:lumOff val="20000"/>
-  </cs:variation>
-  <cs:variation>
-    <a:lumMod val="80000"/>
-  </cs:variation>
-  <cs:variation>
-    <a:lumMod val="60000"/>
-    <a:lumOff val="40000"/>
-  </cs:variation>
-  <cs:variation>
-    <a:lumMod val="50000"/>
-  </cs:variation>
-  <cs:variation>
-    <a:lumMod val="70000"/>
-    <a:lumOff val="30000"/>
-  </cs:variation>
-  <cs:variation>
-    <a:lumMod val="70000"/>
-  </cs:variation>
-  <cs:variation>
-    <a:lumMod val="50000"/>
-    <a:lumOff val="50000"/>
-  </cs:variation>
-</cs:colorStyle>
-</file>
-
-<file path=ppt/charts/colors4.xml><?xml version="1.0" encoding="utf-8"?>
-<cs:colorStyle xmlns:cs="http://schemas.microsoft.com/office/drawing/2012/chartStyle" xmlns:a="http://schemas.openxmlformats.org/drawingml/2006/main" meth="cycle" id="10">
-  <a:schemeClr val="accent1"/>
-  <a:schemeClr val="accent2"/>
-  <a:schemeClr val="accent3"/>
-  <a:schemeClr val="accent4"/>
-  <a:schemeClr val="accent5"/>
-  <a:schemeClr val="accent6"/>
-  <cs:variation/>
-  <cs:variation>
-    <a:lumMod val="60000"/>
-  </cs:variation>
-  <cs:variation>
-    <a:lumMod val="80000"/>
-    <a:lumOff val="20000"/>
-  </cs:variation>
-  <cs:variation>
-    <a:lumMod val="80000"/>
-  </cs:variation>
-  <cs:variation>
-    <a:lumMod val="60000"/>
-    <a:lumOff val="40000"/>
-  </cs:variation>
-  <cs:variation>
-    <a:lumMod val="50000"/>
-  </cs:variation>
-  <cs:variation>
-    <a:lumMod val="70000"/>
-    <a:lumOff val="30000"/>
-  </cs:variation>
-  <cs:variation>
-    <a:lumMod val="70000"/>
-  </cs:variation>
-  <cs:variation>
-    <a:lumMod val="50000"/>
-    <a:lumOff val="50000"/>
-  </cs:variation>
-</cs:colorStyle>
-</file>
-
-<file path=ppt/charts/colors5.xml><?xml version="1.0" encoding="utf-8"?>
 <cs:colorStyle xmlns:cs="http://schemas.microsoft.com/office/drawing/2012/chartStyle" xmlns:a="http://schemas.openxmlformats.org/drawingml/2006/main" meth="cycle" id="10">
   <a:schemeClr val="accent1"/>
   <a:schemeClr val="accent2"/>
@@ -4182,1011 +4352,6 @@
 </cs:chartStyle>
 </file>
 
-<file path=ppt/charts/style4.xml><?xml version="1.0" encoding="utf-8"?>
-<cs:chartStyle xmlns:cs="http://schemas.microsoft.com/office/drawing/2012/chartStyle" xmlns:a="http://schemas.openxmlformats.org/drawingml/2006/main" id="201">
-  <cs:axisTitle>
-    <cs:lnRef idx="0"/>
-    <cs:fillRef idx="0"/>
-    <cs:effectRef idx="0"/>
-    <cs:fontRef idx="minor">
-      <a:schemeClr val="tx1">
-        <a:lumMod val="65000"/>
-        <a:lumOff val="35000"/>
-      </a:schemeClr>
-    </cs:fontRef>
-    <cs:defRPr sz="1000" kern="1200"/>
-  </cs:axisTitle>
-  <cs:categoryAxis>
-    <cs:lnRef idx="0"/>
-    <cs:fillRef idx="0"/>
-    <cs:effectRef idx="0"/>
-    <cs:fontRef idx="minor">
-      <a:schemeClr val="tx1">
-        <a:lumMod val="65000"/>
-        <a:lumOff val="35000"/>
-      </a:schemeClr>
-    </cs:fontRef>
-    <cs:spPr>
-      <a:ln w="9525" cap="flat" cmpd="sng" algn="ctr">
-        <a:solidFill>
-          <a:schemeClr val="tx1">
-            <a:lumMod val="15000"/>
-            <a:lumOff val="85000"/>
-          </a:schemeClr>
-        </a:solidFill>
-        <a:round/>
-      </a:ln>
-    </cs:spPr>
-    <cs:defRPr sz="900" kern="1200"/>
-  </cs:categoryAxis>
-  <cs:chartArea mods="allowNoFillOverride allowNoLineOverride">
-    <cs:lnRef idx="0"/>
-    <cs:fillRef idx="0"/>
-    <cs:effectRef idx="0"/>
-    <cs:fontRef idx="minor">
-      <a:schemeClr val="tx1"/>
-    </cs:fontRef>
-    <cs:spPr>
-      <a:solidFill>
-        <a:schemeClr val="bg1"/>
-      </a:solidFill>
-      <a:ln w="9525" cap="flat" cmpd="sng" algn="ctr">
-        <a:solidFill>
-          <a:schemeClr val="tx1">
-            <a:lumMod val="15000"/>
-            <a:lumOff val="85000"/>
-          </a:schemeClr>
-        </a:solidFill>
-        <a:round/>
-      </a:ln>
-    </cs:spPr>
-    <cs:defRPr sz="1000" kern="1200"/>
-  </cs:chartArea>
-  <cs:dataLabel>
-    <cs:lnRef idx="0"/>
-    <cs:fillRef idx="0"/>
-    <cs:effectRef idx="0"/>
-    <cs:fontRef idx="minor">
-      <a:schemeClr val="tx1">
-        <a:lumMod val="75000"/>
-        <a:lumOff val="25000"/>
-      </a:schemeClr>
-    </cs:fontRef>
-    <cs:defRPr sz="900" kern="1200"/>
-  </cs:dataLabel>
-  <cs:dataLabelCallout>
-    <cs:lnRef idx="0"/>
-    <cs:fillRef idx="0"/>
-    <cs:effectRef idx="0"/>
-    <cs:fontRef idx="minor">
-      <a:schemeClr val="dk1">
-        <a:lumMod val="65000"/>
-        <a:lumOff val="35000"/>
-      </a:schemeClr>
-    </cs:fontRef>
-    <cs:spPr>
-      <a:solidFill>
-        <a:schemeClr val="lt1"/>
-      </a:solidFill>
-      <a:ln>
-        <a:solidFill>
-          <a:schemeClr val="dk1">
-            <a:lumMod val="25000"/>
-            <a:lumOff val="75000"/>
-          </a:schemeClr>
-        </a:solidFill>
-      </a:ln>
-    </cs:spPr>
-    <cs:defRPr sz="900" kern="1200"/>
-    <cs:bodyPr rot="0" spcFirstLastPara="1" vertOverflow="clip" horzOverflow="clip" vert="horz" wrap="square" lIns="36576" tIns="18288" rIns="36576" bIns="18288" anchor="ctr" anchorCtr="1">
-      <a:spAutoFit/>
-    </cs:bodyPr>
-  </cs:dataLabelCallout>
-  <cs:dataPoint>
-    <cs:lnRef idx="0"/>
-    <cs:fillRef idx="1">
-      <cs:styleClr val="auto"/>
-    </cs:fillRef>
-    <cs:effectRef idx="0"/>
-    <cs:fontRef idx="minor">
-      <a:schemeClr val="tx1"/>
-    </cs:fontRef>
-  </cs:dataPoint>
-  <cs:dataPoint3D>
-    <cs:lnRef idx="0"/>
-    <cs:fillRef idx="1">
-      <cs:styleClr val="auto"/>
-    </cs:fillRef>
-    <cs:effectRef idx="0"/>
-    <cs:fontRef idx="minor">
-      <a:schemeClr val="tx1"/>
-    </cs:fontRef>
-  </cs:dataPoint3D>
-  <cs:dataPointLine>
-    <cs:lnRef idx="0">
-      <cs:styleClr val="auto"/>
-    </cs:lnRef>
-    <cs:fillRef idx="1"/>
-    <cs:effectRef idx="0"/>
-    <cs:fontRef idx="minor">
-      <a:schemeClr val="tx1"/>
-    </cs:fontRef>
-    <cs:spPr>
-      <a:ln w="28575" cap="rnd">
-        <a:solidFill>
-          <a:schemeClr val="phClr"/>
-        </a:solidFill>
-        <a:round/>
-      </a:ln>
-    </cs:spPr>
-  </cs:dataPointLine>
-  <cs:dataPointMarker>
-    <cs:lnRef idx="0">
-      <cs:styleClr val="auto"/>
-    </cs:lnRef>
-    <cs:fillRef idx="1">
-      <cs:styleClr val="auto"/>
-    </cs:fillRef>
-    <cs:effectRef idx="0"/>
-    <cs:fontRef idx="minor">
-      <a:schemeClr val="tx1"/>
-    </cs:fontRef>
-    <cs:spPr>
-      <a:ln w="9525">
-        <a:solidFill>
-          <a:schemeClr val="phClr"/>
-        </a:solidFill>
-      </a:ln>
-    </cs:spPr>
-  </cs:dataPointMarker>
-  <cs:dataPointMarkerLayout symbol="circle" size="5"/>
-  <cs:dataPointWireframe>
-    <cs:lnRef idx="0">
-      <cs:styleClr val="auto"/>
-    </cs:lnRef>
-    <cs:fillRef idx="1"/>
-    <cs:effectRef idx="0"/>
-    <cs:fontRef idx="minor">
-      <a:schemeClr val="tx1"/>
-    </cs:fontRef>
-    <cs:spPr>
-      <a:ln w="9525" cap="rnd">
-        <a:solidFill>
-          <a:schemeClr val="phClr"/>
-        </a:solidFill>
-        <a:round/>
-      </a:ln>
-    </cs:spPr>
-  </cs:dataPointWireframe>
-  <cs:dataTable>
-    <cs:lnRef idx="0"/>
-    <cs:fillRef idx="0"/>
-    <cs:effectRef idx="0"/>
-    <cs:fontRef idx="minor">
-      <a:schemeClr val="tx1">
-        <a:lumMod val="65000"/>
-        <a:lumOff val="35000"/>
-      </a:schemeClr>
-    </cs:fontRef>
-    <cs:spPr>
-      <a:noFill/>
-      <a:ln w="9525" cap="flat" cmpd="sng" algn="ctr">
-        <a:solidFill>
-          <a:schemeClr val="tx1">
-            <a:lumMod val="15000"/>
-            <a:lumOff val="85000"/>
-          </a:schemeClr>
-        </a:solidFill>
-        <a:round/>
-      </a:ln>
-    </cs:spPr>
-    <cs:defRPr sz="900" kern="1200"/>
-  </cs:dataTable>
-  <cs:downBar>
-    <cs:lnRef idx="0"/>
-    <cs:fillRef idx="0"/>
-    <cs:effectRef idx="0"/>
-    <cs:fontRef idx="minor">
-      <a:schemeClr val="dk1"/>
-    </cs:fontRef>
-    <cs:spPr>
-      <a:solidFill>
-        <a:schemeClr val="dk1">
-          <a:lumMod val="65000"/>
-          <a:lumOff val="35000"/>
-        </a:schemeClr>
-      </a:solidFill>
-      <a:ln w="9525">
-        <a:solidFill>
-          <a:schemeClr val="tx1">
-            <a:lumMod val="65000"/>
-            <a:lumOff val="35000"/>
-          </a:schemeClr>
-        </a:solidFill>
-      </a:ln>
-    </cs:spPr>
-  </cs:downBar>
-  <cs:dropLine>
-    <cs:lnRef idx="0"/>
-    <cs:fillRef idx="0"/>
-    <cs:effectRef idx="0"/>
-    <cs:fontRef idx="minor">
-      <a:schemeClr val="tx1"/>
-    </cs:fontRef>
-    <cs:spPr>
-      <a:ln w="9525" cap="flat" cmpd="sng" algn="ctr">
-        <a:solidFill>
-          <a:schemeClr val="tx1">
-            <a:lumMod val="35000"/>
-            <a:lumOff val="65000"/>
-          </a:schemeClr>
-        </a:solidFill>
-        <a:round/>
-      </a:ln>
-    </cs:spPr>
-  </cs:dropLine>
-  <cs:errorBar>
-    <cs:lnRef idx="0"/>
-    <cs:fillRef idx="0"/>
-    <cs:effectRef idx="0"/>
-    <cs:fontRef idx="minor">
-      <a:schemeClr val="tx1"/>
-    </cs:fontRef>
-    <cs:spPr>
-      <a:ln w="9525" cap="flat" cmpd="sng" algn="ctr">
-        <a:solidFill>
-          <a:schemeClr val="tx1">
-            <a:lumMod val="65000"/>
-            <a:lumOff val="35000"/>
-          </a:schemeClr>
-        </a:solidFill>
-        <a:round/>
-      </a:ln>
-    </cs:spPr>
-  </cs:errorBar>
-  <cs:floor>
-    <cs:lnRef idx="0"/>
-    <cs:fillRef idx="0"/>
-    <cs:effectRef idx="0"/>
-    <cs:fontRef idx="minor">
-      <a:schemeClr val="tx1"/>
-    </cs:fontRef>
-    <cs:spPr>
-      <a:noFill/>
-      <a:ln>
-        <a:noFill/>
-      </a:ln>
-    </cs:spPr>
-  </cs:floor>
-  <cs:gridlineMajor>
-    <cs:lnRef idx="0"/>
-    <cs:fillRef idx="0"/>
-    <cs:effectRef idx="0"/>
-    <cs:fontRef idx="minor">
-      <a:schemeClr val="tx1"/>
-    </cs:fontRef>
-    <cs:spPr>
-      <a:ln w="9525" cap="flat" cmpd="sng" algn="ctr">
-        <a:solidFill>
-          <a:schemeClr val="tx1">
-            <a:lumMod val="15000"/>
-            <a:lumOff val="85000"/>
-          </a:schemeClr>
-        </a:solidFill>
-        <a:round/>
-      </a:ln>
-    </cs:spPr>
-  </cs:gridlineMajor>
-  <cs:gridlineMinor>
-    <cs:lnRef idx="0"/>
-    <cs:fillRef idx="0"/>
-    <cs:effectRef idx="0"/>
-    <cs:fontRef idx="minor">
-      <a:schemeClr val="tx1"/>
-    </cs:fontRef>
-    <cs:spPr>
-      <a:ln w="9525" cap="flat" cmpd="sng" algn="ctr">
-        <a:solidFill>
-          <a:schemeClr val="tx1">
-            <a:lumMod val="5000"/>
-            <a:lumOff val="95000"/>
-          </a:schemeClr>
-        </a:solidFill>
-        <a:round/>
-      </a:ln>
-    </cs:spPr>
-  </cs:gridlineMinor>
-  <cs:hiLoLine>
-    <cs:lnRef idx="0"/>
-    <cs:fillRef idx="0"/>
-    <cs:effectRef idx="0"/>
-    <cs:fontRef idx="minor">
-      <a:schemeClr val="tx1"/>
-    </cs:fontRef>
-    <cs:spPr>
-      <a:ln w="9525" cap="flat" cmpd="sng" algn="ctr">
-        <a:solidFill>
-          <a:schemeClr val="tx1">
-            <a:lumMod val="75000"/>
-            <a:lumOff val="25000"/>
-          </a:schemeClr>
-        </a:solidFill>
-        <a:round/>
-      </a:ln>
-    </cs:spPr>
-  </cs:hiLoLine>
-  <cs:leaderLine>
-    <cs:lnRef idx="0"/>
-    <cs:fillRef idx="0"/>
-    <cs:effectRef idx="0"/>
-    <cs:fontRef idx="minor">
-      <a:schemeClr val="tx1"/>
-    </cs:fontRef>
-    <cs:spPr>
-      <a:ln w="9525" cap="flat" cmpd="sng" algn="ctr">
-        <a:solidFill>
-          <a:schemeClr val="tx1">
-            <a:lumMod val="35000"/>
-            <a:lumOff val="65000"/>
-          </a:schemeClr>
-        </a:solidFill>
-        <a:round/>
-      </a:ln>
-    </cs:spPr>
-  </cs:leaderLine>
-  <cs:legend>
-    <cs:lnRef idx="0"/>
-    <cs:fillRef idx="0"/>
-    <cs:effectRef idx="0"/>
-    <cs:fontRef idx="minor">
-      <a:schemeClr val="tx1">
-        <a:lumMod val="65000"/>
-        <a:lumOff val="35000"/>
-      </a:schemeClr>
-    </cs:fontRef>
-    <cs:defRPr sz="900" kern="1200"/>
-  </cs:legend>
-  <cs:plotArea mods="allowNoFillOverride allowNoLineOverride">
-    <cs:lnRef idx="0"/>
-    <cs:fillRef idx="0"/>
-    <cs:effectRef idx="0"/>
-    <cs:fontRef idx="minor">
-      <a:schemeClr val="tx1"/>
-    </cs:fontRef>
-  </cs:plotArea>
-  <cs:plotArea3D mods="allowNoFillOverride allowNoLineOverride">
-    <cs:lnRef idx="0"/>
-    <cs:fillRef idx="0"/>
-    <cs:effectRef idx="0"/>
-    <cs:fontRef idx="minor">
-      <a:schemeClr val="tx1"/>
-    </cs:fontRef>
-  </cs:plotArea3D>
-  <cs:seriesAxis>
-    <cs:lnRef idx="0"/>
-    <cs:fillRef idx="0"/>
-    <cs:effectRef idx="0"/>
-    <cs:fontRef idx="minor">
-      <a:schemeClr val="tx1">
-        <a:lumMod val="65000"/>
-        <a:lumOff val="35000"/>
-      </a:schemeClr>
-    </cs:fontRef>
-    <cs:defRPr sz="900" kern="1200"/>
-  </cs:seriesAxis>
-  <cs:seriesLine>
-    <cs:lnRef idx="0"/>
-    <cs:fillRef idx="0"/>
-    <cs:effectRef idx="0"/>
-    <cs:fontRef idx="minor">
-      <a:schemeClr val="tx1"/>
-    </cs:fontRef>
-    <cs:spPr>
-      <a:ln w="9525" cap="flat" cmpd="sng" algn="ctr">
-        <a:solidFill>
-          <a:schemeClr val="tx1">
-            <a:lumMod val="35000"/>
-            <a:lumOff val="65000"/>
-          </a:schemeClr>
-        </a:solidFill>
-        <a:round/>
-      </a:ln>
-    </cs:spPr>
-  </cs:seriesLine>
-  <cs:title>
-    <cs:lnRef idx="0"/>
-    <cs:fillRef idx="0"/>
-    <cs:effectRef idx="0"/>
-    <cs:fontRef idx="minor">
-      <a:schemeClr val="tx1">
-        <a:lumMod val="65000"/>
-        <a:lumOff val="35000"/>
-      </a:schemeClr>
-    </cs:fontRef>
-    <cs:defRPr sz="1400" b="0" kern="1200" spc="0" baseline="0"/>
-  </cs:title>
-  <cs:trendline>
-    <cs:lnRef idx="0">
-      <cs:styleClr val="auto"/>
-    </cs:lnRef>
-    <cs:fillRef idx="0"/>
-    <cs:effectRef idx="0"/>
-    <cs:fontRef idx="minor">
-      <a:schemeClr val="tx1"/>
-    </cs:fontRef>
-    <cs:spPr>
-      <a:ln w="19050" cap="rnd">
-        <a:solidFill>
-          <a:schemeClr val="phClr"/>
-        </a:solidFill>
-        <a:prstDash val="sysDot"/>
-      </a:ln>
-    </cs:spPr>
-  </cs:trendline>
-  <cs:trendlineLabel>
-    <cs:lnRef idx="0"/>
-    <cs:fillRef idx="0"/>
-    <cs:effectRef idx="0"/>
-    <cs:fontRef idx="minor">
-      <a:schemeClr val="tx1">
-        <a:lumMod val="65000"/>
-        <a:lumOff val="35000"/>
-      </a:schemeClr>
-    </cs:fontRef>
-    <cs:defRPr sz="900" kern="1200"/>
-  </cs:trendlineLabel>
-  <cs:upBar>
-    <cs:lnRef idx="0"/>
-    <cs:fillRef idx="0"/>
-    <cs:effectRef idx="0"/>
-    <cs:fontRef idx="minor">
-      <a:schemeClr val="dk1"/>
-    </cs:fontRef>
-    <cs:spPr>
-      <a:solidFill>
-        <a:schemeClr val="lt1"/>
-      </a:solidFill>
-      <a:ln w="9525">
-        <a:solidFill>
-          <a:schemeClr val="tx1">
-            <a:lumMod val="15000"/>
-            <a:lumOff val="85000"/>
-          </a:schemeClr>
-        </a:solidFill>
-      </a:ln>
-    </cs:spPr>
-  </cs:upBar>
-  <cs:valueAxis>
-    <cs:lnRef idx="0"/>
-    <cs:fillRef idx="0"/>
-    <cs:effectRef idx="0"/>
-    <cs:fontRef idx="minor">
-      <a:schemeClr val="tx1">
-        <a:lumMod val="65000"/>
-        <a:lumOff val="35000"/>
-      </a:schemeClr>
-    </cs:fontRef>
-    <cs:defRPr sz="900" kern="1200"/>
-  </cs:valueAxis>
-  <cs:wall>
-    <cs:lnRef idx="0"/>
-    <cs:fillRef idx="0"/>
-    <cs:effectRef idx="0"/>
-    <cs:fontRef idx="minor">
-      <a:schemeClr val="tx1"/>
-    </cs:fontRef>
-    <cs:spPr>
-      <a:noFill/>
-      <a:ln>
-        <a:noFill/>
-      </a:ln>
-    </cs:spPr>
-  </cs:wall>
-</cs:chartStyle>
-</file>
-
-<file path=ppt/charts/style5.xml><?xml version="1.0" encoding="utf-8"?>
-<cs:chartStyle xmlns:cs="http://schemas.microsoft.com/office/drawing/2012/chartStyle" xmlns:a="http://schemas.openxmlformats.org/drawingml/2006/main" id="352">
-  <cs:axisTitle>
-    <cs:lnRef idx="0"/>
-    <cs:fillRef idx="0"/>
-    <cs:effectRef idx="0"/>
-    <cs:fontRef idx="minor">
-      <a:schemeClr val="tx1">
-        <a:lumMod val="65000"/>
-        <a:lumOff val="35000"/>
-      </a:schemeClr>
-    </cs:fontRef>
-    <cs:defRPr sz="1197" kern="1200"/>
-  </cs:axisTitle>
-  <cs:categoryAxis>
-    <cs:lnRef idx="0"/>
-    <cs:fillRef idx="0"/>
-    <cs:effectRef idx="0"/>
-    <cs:fontRef idx="minor">
-      <a:schemeClr val="tx1">
-        <a:lumMod val="65000"/>
-        <a:lumOff val="35000"/>
-      </a:schemeClr>
-    </cs:fontRef>
-    <cs:spPr>
-      <a:ln w="12700" cap="flat" cmpd="sng" algn="ctr">
-        <a:solidFill>
-          <a:schemeClr val="tx1">
-            <a:lumMod val="15000"/>
-            <a:lumOff val="85000"/>
-          </a:schemeClr>
-        </a:solidFill>
-        <a:round/>
-      </a:ln>
-    </cs:spPr>
-    <cs:defRPr sz="1197" kern="1200"/>
-  </cs:categoryAxis>
-  <cs:chartArea mods="allowNoFillOverride allowNoLineOverride">
-    <cs:lnRef idx="0"/>
-    <cs:fillRef idx="0"/>
-    <cs:effectRef idx="0"/>
-    <cs:fontRef idx="minor">
-      <a:schemeClr val="tx2"/>
-    </cs:fontRef>
-    <cs:spPr>
-      <a:solidFill>
-        <a:schemeClr val="bg1"/>
-      </a:solidFill>
-      <a:ln w="9525" cap="flat" cmpd="sng" algn="ctr">
-        <a:solidFill>
-          <a:schemeClr val="tx1">
-            <a:lumMod val="15000"/>
-            <a:lumOff val="85000"/>
-          </a:schemeClr>
-        </a:solidFill>
-        <a:round/>
-      </a:ln>
-    </cs:spPr>
-    <cs:defRPr sz="1197" kern="1200"/>
-  </cs:chartArea>
-  <cs:dataLabel>
-    <cs:lnRef idx="0"/>
-    <cs:fillRef idx="0"/>
-    <cs:effectRef idx="0"/>
-    <cs:fontRef idx="minor">
-      <a:schemeClr val="tx1">
-        <a:lumMod val="75000"/>
-        <a:lumOff val="25000"/>
-      </a:schemeClr>
-    </cs:fontRef>
-    <cs:defRPr sz="1197" kern="1200"/>
-  </cs:dataLabel>
-  <cs:dataLabelCallout>
-    <cs:lnRef idx="0"/>
-    <cs:fillRef idx="0"/>
-    <cs:effectRef idx="0"/>
-    <cs:fontRef idx="minor">
-      <a:schemeClr val="dk1">
-        <a:lumMod val="65000"/>
-        <a:lumOff val="35000"/>
-      </a:schemeClr>
-    </cs:fontRef>
-    <cs:spPr>
-      <a:solidFill>
-        <a:schemeClr val="lt1"/>
-      </a:solidFill>
-      <a:ln>
-        <a:solidFill>
-          <a:schemeClr val="dk1">
-            <a:lumMod val="25000"/>
-            <a:lumOff val="75000"/>
-          </a:schemeClr>
-        </a:solidFill>
-      </a:ln>
-    </cs:spPr>
-    <cs:defRPr sz="1197" kern="1200"/>
-    <cs:bodyPr rot="0" spcFirstLastPara="1" vertOverflow="clip" horzOverflow="clip" vert="horz" wrap="square" lIns="36576" tIns="18288" rIns="36576" bIns="18288" anchor="ctr" anchorCtr="1">
-      <a:spAutoFit/>
-    </cs:bodyPr>
-  </cs:dataLabelCallout>
-  <cs:dataPoint>
-    <cs:lnRef idx="0"/>
-    <cs:fillRef idx="3">
-      <cs:styleClr val="auto"/>
-    </cs:fillRef>
-    <cs:effectRef idx="3"/>
-    <cs:fontRef idx="minor">
-      <a:schemeClr val="tx1"/>
-    </cs:fontRef>
-  </cs:dataPoint>
-  <cs:dataPoint3D>
-    <cs:lnRef idx="0"/>
-    <cs:fillRef idx="3">
-      <cs:styleClr val="auto"/>
-    </cs:fillRef>
-    <cs:effectRef idx="3"/>
-    <cs:fontRef idx="minor">
-      <a:schemeClr val="tx1"/>
-    </cs:fontRef>
-  </cs:dataPoint3D>
-  <cs:dataPointLine>
-    <cs:lnRef idx="0">
-      <cs:styleClr val="auto"/>
-    </cs:lnRef>
-    <cs:fillRef idx="3"/>
-    <cs:effectRef idx="3"/>
-    <cs:fontRef idx="minor">
-      <a:schemeClr val="tx1"/>
-    </cs:fontRef>
-    <cs:spPr>
-      <a:ln w="34925" cap="rnd">
-        <a:solidFill>
-          <a:schemeClr val="phClr"/>
-        </a:solidFill>
-        <a:round/>
-      </a:ln>
-    </cs:spPr>
-  </cs:dataPointLine>
-  <cs:dataPointMarker>
-    <cs:lnRef idx="0">
-      <cs:styleClr val="auto"/>
-    </cs:lnRef>
-    <cs:fillRef idx="3">
-      <cs:styleClr val="auto"/>
-    </cs:fillRef>
-    <cs:effectRef idx="3"/>
-    <cs:fontRef idx="minor">
-      <a:schemeClr val="tx1"/>
-    </cs:fontRef>
-    <cs:spPr>
-      <a:ln w="9525">
-        <a:solidFill>
-          <a:schemeClr val="phClr"/>
-        </a:solidFill>
-        <a:round/>
-      </a:ln>
-    </cs:spPr>
-  </cs:dataPointMarker>
-  <cs:dataPointMarkerLayout symbol="circle" size="6"/>
-  <cs:dataPointWireframe>
-    <cs:lnRef idx="0">
-      <cs:styleClr val="auto"/>
-    </cs:lnRef>
-    <cs:fillRef idx="3"/>
-    <cs:effectRef idx="3"/>
-    <cs:fontRef idx="minor">
-      <a:schemeClr val="tx1"/>
-    </cs:fontRef>
-    <cs:spPr>
-      <a:ln w="9525" cap="rnd">
-        <a:solidFill>
-          <a:schemeClr val="phClr"/>
-        </a:solidFill>
-        <a:round/>
-      </a:ln>
-    </cs:spPr>
-  </cs:dataPointWireframe>
-  <cs:dataTable>
-    <cs:lnRef idx="0"/>
-    <cs:fillRef idx="0"/>
-    <cs:effectRef idx="0"/>
-    <cs:fontRef idx="minor">
-      <a:schemeClr val="tx1">
-        <a:lumMod val="65000"/>
-        <a:lumOff val="35000"/>
-      </a:schemeClr>
-    </cs:fontRef>
-    <cs:spPr>
-      <a:noFill/>
-      <a:ln w="9525" cap="flat" cmpd="sng" algn="ctr">
-        <a:solidFill>
-          <a:schemeClr val="tx1">
-            <a:lumMod val="15000"/>
-            <a:lumOff val="85000"/>
-          </a:schemeClr>
-        </a:solidFill>
-        <a:round/>
-      </a:ln>
-    </cs:spPr>
-    <cs:defRPr sz="1197" kern="1200"/>
-  </cs:dataTable>
-  <cs:downBar>
-    <cs:lnRef idx="0"/>
-    <cs:fillRef idx="0"/>
-    <cs:effectRef idx="0"/>
-    <cs:fontRef idx="minor">
-      <a:schemeClr val="dk1"/>
-    </cs:fontRef>
-    <cs:spPr>
-      <a:solidFill>
-        <a:schemeClr val="dk1">
-          <a:lumMod val="65000"/>
-          <a:lumOff val="35000"/>
-        </a:schemeClr>
-      </a:solidFill>
-      <a:ln w="9525">
-        <a:solidFill>
-          <a:schemeClr val="tx1">
-            <a:lumMod val="65000"/>
-            <a:lumOff val="35000"/>
-          </a:schemeClr>
-        </a:solidFill>
-      </a:ln>
-    </cs:spPr>
-  </cs:downBar>
-  <cs:dropLine>
-    <cs:lnRef idx="0"/>
-    <cs:fillRef idx="0"/>
-    <cs:effectRef idx="0"/>
-    <cs:fontRef idx="minor">
-      <a:schemeClr val="tx1"/>
-    </cs:fontRef>
-    <cs:spPr>
-      <a:ln w="9525" cap="flat" cmpd="sng" algn="ctr">
-        <a:solidFill>
-          <a:schemeClr val="tx1">
-            <a:lumMod val="35000"/>
-            <a:lumOff val="65000"/>
-          </a:schemeClr>
-        </a:solidFill>
-        <a:round/>
-      </a:ln>
-    </cs:spPr>
-  </cs:dropLine>
-  <cs:errorBar>
-    <cs:lnRef idx="0"/>
-    <cs:fillRef idx="0"/>
-    <cs:effectRef idx="0"/>
-    <cs:fontRef idx="minor">
-      <a:schemeClr val="tx1"/>
-    </cs:fontRef>
-    <cs:spPr>
-      <a:ln w="9525" cap="flat" cmpd="sng" algn="ctr">
-        <a:solidFill>
-          <a:schemeClr val="tx1">
-            <a:lumMod val="65000"/>
-            <a:lumOff val="35000"/>
-          </a:schemeClr>
-        </a:solidFill>
-        <a:round/>
-      </a:ln>
-    </cs:spPr>
-  </cs:errorBar>
-  <cs:floor>
-    <cs:lnRef idx="0"/>
-    <cs:fillRef idx="0"/>
-    <cs:effectRef idx="0"/>
-    <cs:fontRef idx="minor">
-      <a:schemeClr val="lt1"/>
-    </cs:fontRef>
-  </cs:floor>
-  <cs:gridlineMajor>
-    <cs:lnRef idx="0"/>
-    <cs:fillRef idx="0"/>
-    <cs:effectRef idx="0"/>
-    <cs:fontRef idx="minor">
-      <a:schemeClr val="tx1"/>
-    </cs:fontRef>
-    <cs:spPr>
-      <a:ln w="9525" cap="flat" cmpd="sng" algn="ctr">
-        <a:solidFill>
-          <a:schemeClr val="tx1">
-            <a:lumMod val="15000"/>
-            <a:lumOff val="85000"/>
-          </a:schemeClr>
-        </a:solidFill>
-        <a:round/>
-      </a:ln>
-    </cs:spPr>
-  </cs:gridlineMajor>
-  <cs:gridlineMinor>
-    <cs:lnRef idx="0"/>
-    <cs:fillRef idx="0"/>
-    <cs:effectRef idx="0"/>
-    <cs:fontRef idx="minor">
-      <a:schemeClr val="tx1"/>
-    </cs:fontRef>
-    <cs:spPr>
-      <a:ln w="9525" cap="flat" cmpd="sng" algn="ctr">
-        <a:solidFill>
-          <a:schemeClr val="tx1">
-            <a:lumMod val="5000"/>
-            <a:lumOff val="95000"/>
-          </a:schemeClr>
-        </a:solidFill>
-        <a:round/>
-      </a:ln>
-    </cs:spPr>
-  </cs:gridlineMinor>
-  <cs:hiLoLine>
-    <cs:lnRef idx="0"/>
-    <cs:fillRef idx="0"/>
-    <cs:effectRef idx="0"/>
-    <cs:fontRef idx="minor">
-      <a:schemeClr val="tx1"/>
-    </cs:fontRef>
-    <cs:spPr>
-      <a:ln w="9525" cap="flat" cmpd="sng" algn="ctr">
-        <a:solidFill>
-          <a:schemeClr val="tx1">
-            <a:lumMod val="75000"/>
-            <a:lumOff val="25000"/>
-          </a:schemeClr>
-        </a:solidFill>
-        <a:round/>
-      </a:ln>
-    </cs:spPr>
-  </cs:hiLoLine>
-  <cs:leaderLine>
-    <cs:lnRef idx="0"/>
-    <cs:fillRef idx="0"/>
-    <cs:effectRef idx="0"/>
-    <cs:fontRef idx="minor">
-      <a:schemeClr val="tx1"/>
-    </cs:fontRef>
-    <cs:spPr>
-      <a:ln w="9525" cap="flat" cmpd="sng" algn="ctr">
-        <a:solidFill>
-          <a:schemeClr val="tx1">
-            <a:lumMod val="35000"/>
-            <a:lumOff val="65000"/>
-          </a:schemeClr>
-        </a:solidFill>
-        <a:round/>
-      </a:ln>
-    </cs:spPr>
-  </cs:leaderLine>
-  <cs:legend>
-    <cs:lnRef idx="0"/>
-    <cs:fillRef idx="0"/>
-    <cs:effectRef idx="0"/>
-    <cs:fontRef idx="minor">
-      <a:schemeClr val="tx1">
-        <a:lumMod val="65000"/>
-        <a:lumOff val="35000"/>
-      </a:schemeClr>
-    </cs:fontRef>
-    <cs:defRPr sz="1197" kern="1200"/>
-  </cs:legend>
-  <cs:plotArea>
-    <cs:lnRef idx="0"/>
-    <cs:fillRef idx="0"/>
-    <cs:effectRef idx="0"/>
-    <cs:fontRef idx="minor">
-      <a:schemeClr val="lt1"/>
-    </cs:fontRef>
-  </cs:plotArea>
-  <cs:plotArea3D>
-    <cs:lnRef idx="0"/>
-    <cs:fillRef idx="0"/>
-    <cs:effectRef idx="0"/>
-    <cs:fontRef idx="minor">
-      <a:schemeClr val="lt1"/>
-    </cs:fontRef>
-  </cs:plotArea3D>
-  <cs:seriesAxis>
-    <cs:lnRef idx="0"/>
-    <cs:fillRef idx="0"/>
-    <cs:effectRef idx="0"/>
-    <cs:fontRef idx="minor">
-      <a:schemeClr val="tx1">
-        <a:lumMod val="65000"/>
-        <a:lumOff val="35000"/>
-      </a:schemeClr>
-    </cs:fontRef>
-    <cs:spPr>
-      <a:ln w="12700" cap="flat" cmpd="sng" algn="ctr">
-        <a:solidFill>
-          <a:schemeClr val="tx1">
-            <a:lumMod val="15000"/>
-            <a:lumOff val="85000"/>
-          </a:schemeClr>
-        </a:solidFill>
-        <a:round/>
-      </a:ln>
-    </cs:spPr>
-    <cs:defRPr sz="1197" kern="1200"/>
-  </cs:seriesAxis>
-  <cs:seriesLine>
-    <cs:lnRef idx="0"/>
-    <cs:fillRef idx="0"/>
-    <cs:effectRef idx="0"/>
-    <cs:fontRef idx="minor">
-      <a:schemeClr val="tx1"/>
-    </cs:fontRef>
-    <cs:spPr>
-      <a:ln w="9525" cap="flat" cmpd="sng" algn="ctr">
-        <a:solidFill>
-          <a:schemeClr val="tx1">
-            <a:lumMod val="35000"/>
-            <a:lumOff val="65000"/>
-          </a:schemeClr>
-        </a:solidFill>
-        <a:round/>
-      </a:ln>
-    </cs:spPr>
-  </cs:seriesLine>
-  <cs:title>
-    <cs:lnRef idx="0"/>
-    <cs:fillRef idx="0"/>
-    <cs:effectRef idx="0"/>
-    <cs:fontRef idx="minor">
-      <a:schemeClr val="tx1">
-        <a:lumMod val="65000"/>
-        <a:lumOff val="35000"/>
-      </a:schemeClr>
-    </cs:fontRef>
-    <cs:defRPr sz="2128" b="1" kern="1200" baseline="0"/>
-  </cs:title>
-  <cs:trendline>
-    <cs:lnRef idx="0">
-      <cs:styleClr val="auto"/>
-    </cs:lnRef>
-    <cs:fillRef idx="0"/>
-    <cs:effectRef idx="0"/>
-    <cs:fontRef idx="minor">
-      <a:schemeClr val="lt1"/>
-    </cs:fontRef>
-    <cs:spPr>
-      <a:ln w="19050" cap="rnd">
-        <a:solidFill>
-          <a:schemeClr val="phClr"/>
-        </a:solidFill>
-      </a:ln>
-    </cs:spPr>
-  </cs:trendline>
-  <cs:trendlineLabel>
-    <cs:lnRef idx="0"/>
-    <cs:fillRef idx="0"/>
-    <cs:effectRef idx="0"/>
-    <cs:fontRef idx="minor">
-      <a:schemeClr val="tx1">
-        <a:lumMod val="65000"/>
-        <a:lumOff val="35000"/>
-      </a:schemeClr>
-    </cs:fontRef>
-    <cs:defRPr sz="1197" kern="1200"/>
-  </cs:trendlineLabel>
-  <cs:upBar>
-    <cs:lnRef idx="0"/>
-    <cs:fillRef idx="0"/>
-    <cs:effectRef idx="0"/>
-    <cs:fontRef idx="minor">
-      <a:schemeClr val="dk1"/>
-    </cs:fontRef>
-    <cs:spPr>
-      <a:solidFill>
-        <a:schemeClr val="lt1"/>
-      </a:solidFill>
-      <a:ln w="9525">
-        <a:solidFill>
-          <a:schemeClr val="tx1">
-            <a:lumMod val="15000"/>
-            <a:lumOff val="85000"/>
-          </a:schemeClr>
-        </a:solidFill>
-      </a:ln>
-    </cs:spPr>
-  </cs:upBar>
-  <cs:valueAxis>
-    <cs:lnRef idx="0"/>
-    <cs:fillRef idx="0"/>
-    <cs:effectRef idx="0"/>
-    <cs:fontRef idx="minor">
-      <a:schemeClr val="tx1">
-        <a:lumMod val="65000"/>
-        <a:lumOff val="35000"/>
-      </a:schemeClr>
-    </cs:fontRef>
-    <cs:defRPr sz="1197" kern="1200"/>
-  </cs:valueAxis>
-  <cs:wall>
-    <cs:lnRef idx="0"/>
-    <cs:fillRef idx="0"/>
-    <cs:effectRef idx="0"/>
-    <cs:fontRef idx="minor">
-      <a:schemeClr val="lt1"/>
-    </cs:fontRef>
-  </cs:wall>
-</cs:chartStyle>
-</file>
-
 <file path=ppt/diagrams/colors1.xml><?xml version="1.0" encoding="utf-8"?>
 <dgm:colorsDef xmlns:dgm="http://schemas.openxmlformats.org/drawingml/2006/diagram" xmlns:a="http://schemas.openxmlformats.org/drawingml/2006/main" uniqueId="urn:microsoft.com/office/officeart/2005/8/colors/accent1_2">
   <dgm:title val=""/>
@@ -6404,21 +5569,21 @@
     </dgm:pt>
   </dgm:ptLst>
   <dgm:cxnLst>
+    <dgm:cxn modelId="{1FFE94F7-1A23-436C-BE75-E8E800979E17}" srcId="{C306C341-D599-4B1B-99D5-C33838902528}" destId="{2FDC2C24-CC4E-4D25-B09B-59FD6E82C3EE}" srcOrd="1" destOrd="0" parTransId="{E7F2584E-86F9-4ED7-9B8D-A99EC47827F9}" sibTransId="{81A6B66D-8321-4A73-A293-0D29707D523C}"/>
+    <dgm:cxn modelId="{74AB5348-BE90-4678-A34C-0914E1E30C30}" type="presOf" srcId="{D7A1B3F6-9A96-443D-918B-6A83D726860E}" destId="{6810232A-C069-4BBA-BBD2-7BC82D197AC8}" srcOrd="0" destOrd="0" presId="urn:microsoft.com/office/officeart/2005/8/layout/hProcess11"/>
+    <dgm:cxn modelId="{30F53C6F-EC07-427E-851F-3E97E605AFC9}" srcId="{C306C341-D599-4B1B-99D5-C33838902528}" destId="{454E9A41-EB5C-4D21-A500-1A0F7280DF0F}" srcOrd="6" destOrd="0" parTransId="{1E224352-DCA1-4654-B392-6D76C795B7BE}" sibTransId="{AA42D578-BCA4-460B-AE10-0875155B9415}"/>
+    <dgm:cxn modelId="{8B924237-C27F-443D-B948-7413A94D4D27}" type="presOf" srcId="{136AD6A2-B441-479A-860B-9C60598DF083}" destId="{DF520769-FC51-4284-84DC-D345C7025315}" srcOrd="0" destOrd="0" presId="urn:microsoft.com/office/officeart/2005/8/layout/hProcess11"/>
+    <dgm:cxn modelId="{A8E9508F-E201-4F3A-B45C-83967300D4A6}" type="presOf" srcId="{BB8E58C9-394E-4BB7-956B-15FD8F0F4DF6}" destId="{F622832A-050B-4EB9-99E6-8F1AAFA7A166}" srcOrd="0" destOrd="0" presId="urn:microsoft.com/office/officeart/2005/8/layout/hProcess11"/>
+    <dgm:cxn modelId="{FB5D8D0E-9186-481B-B91B-876243A2F8C3}" srcId="{C306C341-D599-4B1B-99D5-C33838902528}" destId="{9059B768-CD7D-43D2-80D2-6FDF0EAA0156}" srcOrd="2" destOrd="0" parTransId="{1EDF92A5-B373-4C08-A41F-FC4842BC317C}" sibTransId="{7F219E18-92F5-4220-8440-CDF23E2C86DD}"/>
+    <dgm:cxn modelId="{7DB08E90-EBF1-4B81-81C1-240E3FCE3996}" type="presOf" srcId="{C306C341-D599-4B1B-99D5-C33838902528}" destId="{6BAF5AC4-12C4-475D-890B-181061458B36}" srcOrd="0" destOrd="0" presId="urn:microsoft.com/office/officeart/2005/8/layout/hProcess11"/>
+    <dgm:cxn modelId="{2531456E-1B85-4C5E-8AF6-C60E58F43067}" srcId="{C306C341-D599-4B1B-99D5-C33838902528}" destId="{BB8E58C9-394E-4BB7-956B-15FD8F0F4DF6}" srcOrd="3" destOrd="0" parTransId="{A1E3FDCD-492B-4046-91FD-A19D4F38F245}" sibTransId="{1808AAF0-8272-4577-B8B5-78D78CC4E805}"/>
     <dgm:cxn modelId="{531B340F-8630-438B-9B38-8C2716FAD3B4}" type="presOf" srcId="{9059B768-CD7D-43D2-80D2-6FDF0EAA0156}" destId="{49B98997-A726-433D-94FF-467BFB2ADCAF}" srcOrd="0" destOrd="0" presId="urn:microsoft.com/office/officeart/2005/8/layout/hProcess11"/>
+    <dgm:cxn modelId="{B9E36F7A-BBBE-4C6F-BF41-35D339983B88}" type="presOf" srcId="{1A49080C-0DE7-47E8-922A-4D0B1B6C485A}" destId="{50085456-D334-4C9E-B8C2-A46683D1A093}" srcOrd="0" destOrd="0" presId="urn:microsoft.com/office/officeart/2005/8/layout/hProcess11"/>
     <dgm:cxn modelId="{48AC722D-ACE2-4875-8C63-0C6D0EFEC009}" srcId="{C306C341-D599-4B1B-99D5-C33838902528}" destId="{136AD6A2-B441-479A-860B-9C60598DF083}" srcOrd="5" destOrd="0" parTransId="{B3AAAF1D-C6F6-49CE-A21B-B1132F4E369E}" sibTransId="{B013FFB8-9869-4AB3-A2B5-FDAEE2CD0557}"/>
-    <dgm:cxn modelId="{2531456E-1B85-4C5E-8AF6-C60E58F43067}" srcId="{C306C341-D599-4B1B-99D5-C33838902528}" destId="{BB8E58C9-394E-4BB7-956B-15FD8F0F4DF6}" srcOrd="3" destOrd="0" parTransId="{A1E3FDCD-492B-4046-91FD-A19D4F38F245}" sibTransId="{1808AAF0-8272-4577-B8B5-78D78CC4E805}"/>
-    <dgm:cxn modelId="{B9E36F7A-BBBE-4C6F-BF41-35D339983B88}" type="presOf" srcId="{1A49080C-0DE7-47E8-922A-4D0B1B6C485A}" destId="{50085456-D334-4C9E-B8C2-A46683D1A093}" srcOrd="0" destOrd="0" presId="urn:microsoft.com/office/officeart/2005/8/layout/hProcess11"/>
-    <dgm:cxn modelId="{FB5D8D0E-9186-481B-B91B-876243A2F8C3}" srcId="{C306C341-D599-4B1B-99D5-C33838902528}" destId="{9059B768-CD7D-43D2-80D2-6FDF0EAA0156}" srcOrd="2" destOrd="0" parTransId="{1EDF92A5-B373-4C08-A41F-FC4842BC317C}" sibTransId="{7F219E18-92F5-4220-8440-CDF23E2C86DD}"/>
     <dgm:cxn modelId="{02A0FDDF-750D-4E70-AEEE-212E089D8451}" srcId="{C306C341-D599-4B1B-99D5-C33838902528}" destId="{D7A1B3F6-9A96-443D-918B-6A83D726860E}" srcOrd="0" destOrd="0" parTransId="{E621CA8E-4955-42BA-A043-EA33F0C1521B}" sibTransId="{39AA8962-6813-4284-95C5-BF4AE6D9DB14}"/>
+    <dgm:cxn modelId="{4EF651BC-29A7-4411-A2C1-5D5C76CDC2E0}" type="presOf" srcId="{454E9A41-EB5C-4D21-A500-1A0F7280DF0F}" destId="{03D8AACE-E855-4D1F-9736-1957EAD159E9}" srcOrd="0" destOrd="0" presId="urn:microsoft.com/office/officeart/2005/8/layout/hProcess11"/>
+    <dgm:cxn modelId="{5B4D9666-1585-4473-894E-27F0786F7A9C}" srcId="{C306C341-D599-4B1B-99D5-C33838902528}" destId="{1A49080C-0DE7-47E8-922A-4D0B1B6C485A}" srcOrd="4" destOrd="0" parTransId="{F7B8845B-EEB5-4952-882F-D415FAF8B60E}" sibTransId="{1A70AC7A-7F03-4D55-B5D0-E2003D1A4324}"/>
     <dgm:cxn modelId="{767A3C01-869E-45E9-9525-49AE88355A73}" type="presOf" srcId="{2FDC2C24-CC4E-4D25-B09B-59FD6E82C3EE}" destId="{D9A28F98-9710-4524-B177-E78A77379D8B}" srcOrd="0" destOrd="0" presId="urn:microsoft.com/office/officeart/2005/8/layout/hProcess11"/>
-    <dgm:cxn modelId="{74AB5348-BE90-4678-A34C-0914E1E30C30}" type="presOf" srcId="{D7A1B3F6-9A96-443D-918B-6A83D726860E}" destId="{6810232A-C069-4BBA-BBD2-7BC82D197AC8}" srcOrd="0" destOrd="0" presId="urn:microsoft.com/office/officeart/2005/8/layout/hProcess11"/>
-    <dgm:cxn modelId="{5B4D9666-1585-4473-894E-27F0786F7A9C}" srcId="{C306C341-D599-4B1B-99D5-C33838902528}" destId="{1A49080C-0DE7-47E8-922A-4D0B1B6C485A}" srcOrd="4" destOrd="0" parTransId="{F7B8845B-EEB5-4952-882F-D415FAF8B60E}" sibTransId="{1A70AC7A-7F03-4D55-B5D0-E2003D1A4324}"/>
-    <dgm:cxn modelId="{8B924237-C27F-443D-B948-7413A94D4D27}" type="presOf" srcId="{136AD6A2-B441-479A-860B-9C60598DF083}" destId="{DF520769-FC51-4284-84DC-D345C7025315}" srcOrd="0" destOrd="0" presId="urn:microsoft.com/office/officeart/2005/8/layout/hProcess11"/>
-    <dgm:cxn modelId="{30F53C6F-EC07-427E-851F-3E97E605AFC9}" srcId="{C306C341-D599-4B1B-99D5-C33838902528}" destId="{454E9A41-EB5C-4D21-A500-1A0F7280DF0F}" srcOrd="6" destOrd="0" parTransId="{1E224352-DCA1-4654-B392-6D76C795B7BE}" sibTransId="{AA42D578-BCA4-460B-AE10-0875155B9415}"/>
-    <dgm:cxn modelId="{4EF651BC-29A7-4411-A2C1-5D5C76CDC2E0}" type="presOf" srcId="{454E9A41-EB5C-4D21-A500-1A0F7280DF0F}" destId="{03D8AACE-E855-4D1F-9736-1957EAD159E9}" srcOrd="0" destOrd="0" presId="urn:microsoft.com/office/officeart/2005/8/layout/hProcess11"/>
-    <dgm:cxn modelId="{1FFE94F7-1A23-436C-BE75-E8E800979E17}" srcId="{C306C341-D599-4B1B-99D5-C33838902528}" destId="{2FDC2C24-CC4E-4D25-B09B-59FD6E82C3EE}" srcOrd="1" destOrd="0" parTransId="{E7F2584E-86F9-4ED7-9B8D-A99EC47827F9}" sibTransId="{81A6B66D-8321-4A73-A293-0D29707D523C}"/>
-    <dgm:cxn modelId="{A8E9508F-E201-4F3A-B45C-83967300D4A6}" type="presOf" srcId="{BB8E58C9-394E-4BB7-956B-15FD8F0F4DF6}" destId="{F622832A-050B-4EB9-99E6-8F1AAFA7A166}" srcOrd="0" destOrd="0" presId="urn:microsoft.com/office/officeart/2005/8/layout/hProcess11"/>
-    <dgm:cxn modelId="{7DB08E90-EBF1-4B81-81C1-240E3FCE3996}" type="presOf" srcId="{C306C341-D599-4B1B-99D5-C33838902528}" destId="{6BAF5AC4-12C4-475D-890B-181061458B36}" srcOrd="0" destOrd="0" presId="urn:microsoft.com/office/officeart/2005/8/layout/hProcess11"/>
     <dgm:cxn modelId="{B10D7C1E-A564-43B7-8CF6-53A3B45427EA}" type="presParOf" srcId="{6BAF5AC4-12C4-475D-890B-181061458B36}" destId="{60799F41-7989-4AA1-B9E8-4EF51F0FF333}" srcOrd="0" destOrd="0" presId="urn:microsoft.com/office/officeart/2005/8/layout/hProcess11"/>
     <dgm:cxn modelId="{3D4CF2F4-D5DA-4E6E-B60C-17291E4CBF35}" type="presParOf" srcId="{6BAF5AC4-12C4-475D-890B-181061458B36}" destId="{5CCD0D81-360B-4CC0-98C6-6C8129CE7187}" srcOrd="1" destOrd="0" presId="urn:microsoft.com/office/officeart/2005/8/layout/hProcess11"/>
     <dgm:cxn modelId="{CB43A1D7-7FEB-4CF0-8076-B30824FA5BA7}" type="presParOf" srcId="{5CCD0D81-360B-4CC0-98C6-6C8129CE7187}" destId="{1683355D-447B-4404-8E2E-EE43BAA2B137}" srcOrd="0" destOrd="0" presId="urn:microsoft.com/office/officeart/2005/8/layout/hProcess11"/>
@@ -6460,14 +5625,14 @@
   <dgm:whole/>
   <dgm:extLst>
     <a:ext uri="http://schemas.microsoft.com/office/drawing/2008/diagram">
-      <dsp:dataModelExt xmlns:dsp="http://schemas.microsoft.com/office/drawing/2008/diagram" xmlns="" relId="rId6" minVer="http://schemas.openxmlformats.org/drawingml/2006/diagram"/>
+      <dsp:dataModelExt xmlns:dsp="http://schemas.microsoft.com/office/drawing/2008/diagram" relId="rId6" minVer="http://schemas.openxmlformats.org/drawingml/2006/diagram"/>
     </a:ext>
   </dgm:extLst>
 </dgm:dataModel>
 </file>
 
 <file path=ppt/diagrams/drawing1.xml><?xml version="1.0" encoding="utf-8"?>
-<dsp:drawing xmlns:dgm="http://schemas.openxmlformats.org/drawingml/2006/diagram" xmlns:a="http://schemas.openxmlformats.org/drawingml/2006/main" xmlns:dsp="http://schemas.microsoft.com/office/drawing/2008/diagram">
+<dsp:drawing xmlns:dgm="http://schemas.openxmlformats.org/drawingml/2006/diagram" xmlns:dsp="http://schemas.microsoft.com/office/drawing/2008/diagram" xmlns:a="http://schemas.openxmlformats.org/drawingml/2006/main">
   <dsp:spTree>
     <dsp:nvGrpSpPr>
       <dsp:cNvPr id="0" name=""/>
@@ -8642,7 +7807,7 @@
             <a:fld id="{82948236-07A4-447C-AC43-06AAF24DC65B}" type="datetimeFigureOut">
               <a:rPr lang="pt-PT" smtClean="0"/>
               <a:pPr/>
-              <a:t>01-07-2013</a:t>
+              <a:t>02/07/2013</a:t>
             </a:fld>
             <a:endParaRPr lang="pt-PT"/>
           </a:p>
@@ -8802,7 +7967,7 @@
             <a:fld id="{0E4FF081-3A8B-4019-8856-6C60FECB4303}" type="slidenum">
               <a:rPr lang="pt-PT" smtClean="0"/>
               <a:pPr/>
-              <a:t>‹nº›</a:t>
+              <a:t>‹#›</a:t>
             </a:fld>
             <a:endParaRPr lang="pt-PT"/>
           </a:p>
@@ -8811,7 +7976,7 @@
     </p:spTree>
     <p:extLst>
       <p:ext uri="{BB962C8B-B14F-4D97-AF65-F5344CB8AC3E}">
-        <p14:creationId xmlns:p14="http://schemas.microsoft.com/office/powerpoint/2010/main" xmlns="" val="2332033991"/>
+        <p14:creationId xmlns:p14="http://schemas.microsoft.com/office/powerpoint/2010/main" val="2332033991"/>
       </p:ext>
     </p:extLst>
   </p:cSld>
@@ -9286,7 +8451,7 @@
     </p:spTree>
     <p:extLst>
       <p:ext uri="{BB962C8B-B14F-4D97-AF65-F5344CB8AC3E}">
-        <p14:creationId xmlns:p14="http://schemas.microsoft.com/office/powerpoint/2010/main" xmlns="" val="2905257727"/>
+        <p14:creationId xmlns:p14="http://schemas.microsoft.com/office/powerpoint/2010/main" val="2905257727"/>
       </p:ext>
     </p:extLst>
   </p:cSld>
@@ -9506,7 +8671,7 @@
     </p:spTree>
     <p:extLst>
       <p:ext uri="{BB962C8B-B14F-4D97-AF65-F5344CB8AC3E}">
-        <p14:creationId xmlns:p14="http://schemas.microsoft.com/office/powerpoint/2010/main" xmlns="" val="4251687254"/>
+        <p14:creationId xmlns:p14="http://schemas.microsoft.com/office/powerpoint/2010/main" val="4251687254"/>
       </p:ext>
     </p:extLst>
   </p:cSld>
@@ -9591,7 +8756,7 @@
     </p:spTree>
     <p:extLst>
       <p:ext uri="{BB962C8B-B14F-4D97-AF65-F5344CB8AC3E}">
-        <p14:creationId xmlns:p14="http://schemas.microsoft.com/office/powerpoint/2010/main" xmlns="" val="2118353209"/>
+        <p14:creationId xmlns:p14="http://schemas.microsoft.com/office/powerpoint/2010/main" val="2118353209"/>
       </p:ext>
     </p:extLst>
   </p:cSld>
@@ -9676,7 +8841,7 @@
     </p:spTree>
     <p:extLst>
       <p:ext uri="{BB962C8B-B14F-4D97-AF65-F5344CB8AC3E}">
-        <p14:creationId xmlns:p14="http://schemas.microsoft.com/office/powerpoint/2010/main" xmlns="" val="1216955315"/>
+        <p14:creationId xmlns:p14="http://schemas.microsoft.com/office/powerpoint/2010/main" val="1216955315"/>
       </p:ext>
     </p:extLst>
   </p:cSld>
@@ -9836,7 +9001,7 @@
     </p:spTree>
     <p:extLst>
       <p:ext uri="{BB962C8B-B14F-4D97-AF65-F5344CB8AC3E}">
-        <p14:creationId xmlns:p14="http://schemas.microsoft.com/office/powerpoint/2010/main" xmlns="" val="4072347644"/>
+        <p14:creationId xmlns:p14="http://schemas.microsoft.com/office/powerpoint/2010/main" val="4072347644"/>
       </p:ext>
     </p:extLst>
   </p:cSld>
@@ -9921,7 +9086,7 @@
     </p:spTree>
     <p:extLst>
       <p:ext uri="{BB962C8B-B14F-4D97-AF65-F5344CB8AC3E}">
-        <p14:creationId xmlns:p14="http://schemas.microsoft.com/office/powerpoint/2010/main" xmlns="" val="2598853279"/>
+        <p14:creationId xmlns:p14="http://schemas.microsoft.com/office/powerpoint/2010/main" val="2598853279"/>
       </p:ext>
     </p:extLst>
   </p:cSld>
@@ -10006,7 +9171,7 @@
     </p:spTree>
     <p:extLst>
       <p:ext uri="{BB962C8B-B14F-4D97-AF65-F5344CB8AC3E}">
-        <p14:creationId xmlns:p14="http://schemas.microsoft.com/office/powerpoint/2010/main" xmlns="" val="3001826006"/>
+        <p14:creationId xmlns:p14="http://schemas.microsoft.com/office/powerpoint/2010/main" val="3001826006"/>
       </p:ext>
     </p:extLst>
   </p:cSld>
@@ -10091,7 +9256,7 @@
     </p:spTree>
     <p:extLst>
       <p:ext uri="{BB962C8B-B14F-4D97-AF65-F5344CB8AC3E}">
-        <p14:creationId xmlns:p14="http://schemas.microsoft.com/office/powerpoint/2010/main" xmlns="" val="3337223467"/>
+        <p14:creationId xmlns:p14="http://schemas.microsoft.com/office/powerpoint/2010/main" val="3337223467"/>
       </p:ext>
     </p:extLst>
   </p:cSld>
@@ -10176,7 +9341,7 @@
     </p:spTree>
     <p:extLst>
       <p:ext uri="{BB962C8B-B14F-4D97-AF65-F5344CB8AC3E}">
-        <p14:creationId xmlns:p14="http://schemas.microsoft.com/office/powerpoint/2010/main" xmlns="" val="2724149497"/>
+        <p14:creationId xmlns:p14="http://schemas.microsoft.com/office/powerpoint/2010/main" val="2724149497"/>
       </p:ext>
     </p:extLst>
   </p:cSld>
@@ -10297,7 +9462,7 @@
     </p:spTree>
     <p:extLst>
       <p:ext uri="{BB962C8B-B14F-4D97-AF65-F5344CB8AC3E}">
-        <p14:creationId xmlns:p14="http://schemas.microsoft.com/office/powerpoint/2010/main" xmlns="" val="572649040"/>
+        <p14:creationId xmlns:p14="http://schemas.microsoft.com/office/powerpoint/2010/main" val="572649040"/>
       </p:ext>
     </p:extLst>
   </p:cSld>
@@ -10471,7 +9636,7 @@
     </p:spTree>
     <p:extLst>
       <p:ext uri="{BB962C8B-B14F-4D97-AF65-F5344CB8AC3E}">
-        <p14:creationId xmlns:p14="http://schemas.microsoft.com/office/powerpoint/2010/main" xmlns="" val="474988129"/>
+        <p14:creationId xmlns:p14="http://schemas.microsoft.com/office/powerpoint/2010/main" val="474988129"/>
       </p:ext>
     </p:extLst>
   </p:cSld>
@@ -10591,7 +9756,7 @@
     </p:spTree>
     <p:extLst>
       <p:ext uri="{BB962C8B-B14F-4D97-AF65-F5344CB8AC3E}">
-        <p14:creationId xmlns:p14="http://schemas.microsoft.com/office/powerpoint/2010/main" xmlns="" val="3919745491"/>
+        <p14:creationId xmlns:p14="http://schemas.microsoft.com/office/powerpoint/2010/main" val="3919745491"/>
       </p:ext>
     </p:extLst>
   </p:cSld>
@@ -10834,7 +9999,7 @@
     </p:spTree>
     <p:extLst>
       <p:ext uri="{BB962C8B-B14F-4D97-AF65-F5344CB8AC3E}">
-        <p14:creationId xmlns:p14="http://schemas.microsoft.com/office/powerpoint/2010/main" xmlns="" val="2006419056"/>
+        <p14:creationId xmlns:p14="http://schemas.microsoft.com/office/powerpoint/2010/main" val="2006419056"/>
       </p:ext>
     </p:extLst>
   </p:cSld>
@@ -10923,7 +10088,7 @@
     </p:spTree>
     <p:extLst>
       <p:ext uri="{BB962C8B-B14F-4D97-AF65-F5344CB8AC3E}">
-        <p14:creationId xmlns:p14="http://schemas.microsoft.com/office/powerpoint/2010/main" xmlns="" val="1979049812"/>
+        <p14:creationId xmlns:p14="http://schemas.microsoft.com/office/powerpoint/2010/main" val="1979049812"/>
       </p:ext>
     </p:extLst>
   </p:cSld>
@@ -11034,7 +10199,7 @@
     </p:spTree>
     <p:extLst>
       <p:ext uri="{BB962C8B-B14F-4D97-AF65-F5344CB8AC3E}">
-        <p14:creationId xmlns:p14="http://schemas.microsoft.com/office/powerpoint/2010/main" xmlns="" val="736461960"/>
+        <p14:creationId xmlns:p14="http://schemas.microsoft.com/office/powerpoint/2010/main" val="736461960"/>
       </p:ext>
     </p:extLst>
   </p:cSld>
@@ -11123,7 +10288,7 @@
     </p:spTree>
     <p:extLst>
       <p:ext uri="{BB962C8B-B14F-4D97-AF65-F5344CB8AC3E}">
-        <p14:creationId xmlns:p14="http://schemas.microsoft.com/office/powerpoint/2010/main" xmlns="" val="184239105"/>
+        <p14:creationId xmlns:p14="http://schemas.microsoft.com/office/powerpoint/2010/main" val="184239105"/>
       </p:ext>
     </p:extLst>
   </p:cSld>
@@ -11162,7 +10327,7 @@
           <a:blip r:embed="rId2" cstate="print">
             <a:extLst>
               <a:ext uri="{28A0092B-C50C-407E-A947-70E740481C1C}">
-                <a14:useLocalDpi xmlns:a14="http://schemas.microsoft.com/office/drawing/2010/main" xmlns="" val="0"/>
+                <a14:useLocalDpi xmlns:a14="http://schemas.microsoft.com/office/drawing/2010/main" val="0"/>
               </a:ext>
             </a:extLst>
           </a:blip>
@@ -11358,7 +10523,7 @@
             <a:fld id="{F71B3DB1-8543-40E0-A2D1-830196AD91DE}" type="datetimeFigureOut">
               <a:rPr lang="pt-PT" smtClean="0"/>
               <a:pPr/>
-              <a:t>01-07-2013</a:t>
+              <a:t>02/07/2013</a:t>
             </a:fld>
             <a:endParaRPr lang="pt-PT" dirty="0"/>
           </a:p>
@@ -11411,7 +10576,7 @@
             <a:fld id="{5D26EDD4-363A-4236-A170-49C0FA725754}" type="slidenum">
               <a:rPr lang="pt-PT" smtClean="0"/>
               <a:pPr/>
-              <a:t>‹nº›</a:t>
+              <a:t>‹#›</a:t>
             </a:fld>
             <a:endParaRPr lang="pt-PT" dirty="0"/>
           </a:p>
@@ -11458,7 +10623,7 @@
     </p:spTree>
     <p:extLst>
       <p:ext uri="{BB962C8B-B14F-4D97-AF65-F5344CB8AC3E}">
-        <p14:creationId xmlns:p14="http://schemas.microsoft.com/office/powerpoint/2010/main" xmlns="" val="4283900998"/>
+        <p14:creationId xmlns:p14="http://schemas.microsoft.com/office/powerpoint/2010/main" val="4283900998"/>
       </p:ext>
     </p:extLst>
   </p:cSld>
@@ -11692,7 +10857,7 @@
             <a:fld id="{F71B3DB1-8543-40E0-A2D1-830196AD91DE}" type="datetimeFigureOut">
               <a:rPr lang="pt-PT" smtClean="0"/>
               <a:pPr/>
-              <a:t>01-07-2013</a:t>
+              <a:t>02/07/2013</a:t>
             </a:fld>
             <a:endParaRPr lang="pt-PT" dirty="0"/>
           </a:p>
@@ -11735,7 +10900,7 @@
             <a:fld id="{5D26EDD4-363A-4236-A170-49C0FA725754}" type="slidenum">
               <a:rPr lang="pt-PT" smtClean="0"/>
               <a:pPr/>
-              <a:t>‹nº›</a:t>
+              <a:t>‹#›</a:t>
             </a:fld>
             <a:endParaRPr lang="pt-PT" dirty="0"/>
           </a:p>
@@ -11744,7 +10909,7 @@
     </p:spTree>
     <p:extLst>
       <p:ext uri="{BB962C8B-B14F-4D97-AF65-F5344CB8AC3E}">
-        <p14:creationId xmlns:p14="http://schemas.microsoft.com/office/powerpoint/2010/main" xmlns="" val="3834483316"/>
+        <p14:creationId xmlns:p14="http://schemas.microsoft.com/office/powerpoint/2010/main" val="3834483316"/>
       </p:ext>
     </p:extLst>
   </p:cSld>
@@ -11942,7 +11107,7 @@
             <a:fld id="{F71B3DB1-8543-40E0-A2D1-830196AD91DE}" type="datetimeFigureOut">
               <a:rPr lang="pt-PT" smtClean="0"/>
               <a:pPr/>
-              <a:t>01-07-2013</a:t>
+              <a:t>02/07/2013</a:t>
             </a:fld>
             <a:endParaRPr lang="pt-PT" dirty="0"/>
           </a:p>
@@ -11985,7 +11150,7 @@
             <a:fld id="{5D26EDD4-363A-4236-A170-49C0FA725754}" type="slidenum">
               <a:rPr lang="pt-PT" smtClean="0"/>
               <a:pPr/>
-              <a:t>‹nº›</a:t>
+              <a:t>‹#›</a:t>
             </a:fld>
             <a:endParaRPr lang="pt-PT" dirty="0"/>
           </a:p>
@@ -12032,7 +11197,7 @@
     </p:spTree>
     <p:extLst>
       <p:ext uri="{BB962C8B-B14F-4D97-AF65-F5344CB8AC3E}">
-        <p14:creationId xmlns:p14="http://schemas.microsoft.com/office/powerpoint/2010/main" xmlns="" val="3278742630"/>
+        <p14:creationId xmlns:p14="http://schemas.microsoft.com/office/powerpoint/2010/main" val="3278742630"/>
       </p:ext>
     </p:extLst>
   </p:cSld>
@@ -12290,7 +11455,7 @@
             <a:fld id="{F71B3DB1-8543-40E0-A2D1-830196AD91DE}" type="datetimeFigureOut">
               <a:rPr lang="pt-PT" smtClean="0"/>
               <a:pPr/>
-              <a:t>01-07-2013</a:t>
+              <a:t>02/07/2013</a:t>
             </a:fld>
             <a:endParaRPr lang="pt-PT" dirty="0"/>
           </a:p>
@@ -12333,7 +11498,7 @@
             <a:fld id="{5D26EDD4-363A-4236-A170-49C0FA725754}" type="slidenum">
               <a:rPr lang="pt-PT" smtClean="0"/>
               <a:pPr/>
-              <a:t>‹nº›</a:t>
+              <a:t>‹#›</a:t>
             </a:fld>
             <a:endParaRPr lang="pt-PT" dirty="0"/>
           </a:p>
@@ -12448,7 +11613,7 @@
     </p:spTree>
     <p:extLst>
       <p:ext uri="{BB962C8B-B14F-4D97-AF65-F5344CB8AC3E}">
-        <p14:creationId xmlns:p14="http://schemas.microsoft.com/office/powerpoint/2010/main" xmlns="" val="1960482330"/>
+        <p14:creationId xmlns:p14="http://schemas.microsoft.com/office/powerpoint/2010/main" val="1960482330"/>
       </p:ext>
     </p:extLst>
   </p:cSld>
@@ -12646,7 +11811,7 @@
             <a:fld id="{F71B3DB1-8543-40E0-A2D1-830196AD91DE}" type="datetimeFigureOut">
               <a:rPr lang="pt-PT" smtClean="0"/>
               <a:pPr/>
-              <a:t>01-07-2013</a:t>
+              <a:t>02/07/2013</a:t>
             </a:fld>
             <a:endParaRPr lang="pt-PT" dirty="0"/>
           </a:p>
@@ -12689,7 +11854,7 @@
             <a:fld id="{5D26EDD4-363A-4236-A170-49C0FA725754}" type="slidenum">
               <a:rPr lang="pt-PT" smtClean="0"/>
               <a:pPr/>
-              <a:t>‹nº›</a:t>
+              <a:t>‹#›</a:t>
             </a:fld>
             <a:endParaRPr lang="pt-PT" dirty="0"/>
           </a:p>
@@ -12698,7 +11863,7 @@
     </p:spTree>
     <p:extLst>
       <p:ext uri="{BB962C8B-B14F-4D97-AF65-F5344CB8AC3E}">
-        <p14:creationId xmlns:p14="http://schemas.microsoft.com/office/powerpoint/2010/main" xmlns="" val="1169910341"/>
+        <p14:creationId xmlns:p14="http://schemas.microsoft.com/office/powerpoint/2010/main" val="1169910341"/>
       </p:ext>
     </p:extLst>
   </p:cSld>
@@ -13022,7 +12187,7 @@
             <a:fld id="{F71B3DB1-8543-40E0-A2D1-830196AD91DE}" type="datetimeFigureOut">
               <a:rPr lang="pt-PT" smtClean="0"/>
               <a:pPr/>
-              <a:t>01-07-2013</a:t>
+              <a:t>02/07/2013</a:t>
             </a:fld>
             <a:endParaRPr lang="pt-PT" dirty="0"/>
           </a:p>
@@ -13065,7 +12230,7 @@
             <a:fld id="{5D26EDD4-363A-4236-A170-49C0FA725754}" type="slidenum">
               <a:rPr lang="pt-PT" smtClean="0"/>
               <a:pPr/>
-              <a:t>‹nº›</a:t>
+              <a:t>‹#›</a:t>
             </a:fld>
             <a:endParaRPr lang="pt-PT" dirty="0"/>
           </a:p>
@@ -13180,7 +12345,7 @@
     </p:spTree>
     <p:extLst>
       <p:ext uri="{BB962C8B-B14F-4D97-AF65-F5344CB8AC3E}">
-        <p14:creationId xmlns:p14="http://schemas.microsoft.com/office/powerpoint/2010/main" xmlns="" val="2244926200"/>
+        <p14:creationId xmlns:p14="http://schemas.microsoft.com/office/powerpoint/2010/main" val="2244926200"/>
       </p:ext>
     </p:extLst>
   </p:cSld>
@@ -13501,7 +12666,7 @@
             <a:fld id="{F71B3DB1-8543-40E0-A2D1-830196AD91DE}" type="datetimeFigureOut">
               <a:rPr lang="pt-PT" smtClean="0"/>
               <a:pPr/>
-              <a:t>01-07-2013</a:t>
+              <a:t>02/07/2013</a:t>
             </a:fld>
             <a:endParaRPr lang="pt-PT" dirty="0"/>
           </a:p>
@@ -13544,7 +12709,7 @@
             <a:fld id="{5D26EDD4-363A-4236-A170-49C0FA725754}" type="slidenum">
               <a:rPr lang="pt-PT" smtClean="0"/>
               <a:pPr/>
-              <a:t>‹nº›</a:t>
+              <a:t>‹#›</a:t>
             </a:fld>
             <a:endParaRPr lang="pt-PT" dirty="0"/>
           </a:p>
@@ -13591,7 +12756,7 @@
     </p:spTree>
     <p:extLst>
       <p:ext uri="{BB962C8B-B14F-4D97-AF65-F5344CB8AC3E}">
-        <p14:creationId xmlns:p14="http://schemas.microsoft.com/office/powerpoint/2010/main" xmlns="" val="3141152998"/>
+        <p14:creationId xmlns:p14="http://schemas.microsoft.com/office/powerpoint/2010/main" val="3141152998"/>
       </p:ext>
     </p:extLst>
   </p:cSld>
@@ -13715,7 +12880,7 @@
             <a:fld id="{F71B3DB1-8543-40E0-A2D1-830196AD91DE}" type="datetimeFigureOut">
               <a:rPr lang="pt-PT" smtClean="0"/>
               <a:pPr/>
-              <a:t>01-07-2013</a:t>
+              <a:t>02/07/2013</a:t>
             </a:fld>
             <a:endParaRPr lang="pt-PT" dirty="0"/>
           </a:p>
@@ -13758,7 +12923,7 @@
             <a:fld id="{5D26EDD4-363A-4236-A170-49C0FA725754}" type="slidenum">
               <a:rPr lang="pt-PT" smtClean="0"/>
               <a:pPr/>
-              <a:t>‹nº›</a:t>
+              <a:t>‹#›</a:t>
             </a:fld>
             <a:endParaRPr lang="pt-PT" dirty="0"/>
           </a:p>
@@ -13805,7 +12970,7 @@
     </p:spTree>
     <p:extLst>
       <p:ext uri="{BB962C8B-B14F-4D97-AF65-F5344CB8AC3E}">
-        <p14:creationId xmlns:p14="http://schemas.microsoft.com/office/powerpoint/2010/main" xmlns="" val="4127282010"/>
+        <p14:creationId xmlns:p14="http://schemas.microsoft.com/office/powerpoint/2010/main" val="4127282010"/>
       </p:ext>
     </p:extLst>
   </p:cSld>
@@ -13935,7 +13100,7 @@
             <a:fld id="{F71B3DB1-8543-40E0-A2D1-830196AD91DE}" type="datetimeFigureOut">
               <a:rPr lang="pt-PT" smtClean="0"/>
               <a:pPr/>
-              <a:t>01-07-2013</a:t>
+              <a:t>02/07/2013</a:t>
             </a:fld>
             <a:endParaRPr lang="pt-PT" dirty="0"/>
           </a:p>
@@ -13978,7 +13143,7 @@
             <a:fld id="{5D26EDD4-363A-4236-A170-49C0FA725754}" type="slidenum">
               <a:rPr lang="pt-PT" smtClean="0"/>
               <a:pPr/>
-              <a:t>‹nº›</a:t>
+              <a:t>‹#›</a:t>
             </a:fld>
             <a:endParaRPr lang="pt-PT" dirty="0"/>
           </a:p>
@@ -14025,7 +13190,7 @@
     </p:spTree>
     <p:extLst>
       <p:ext uri="{BB962C8B-B14F-4D97-AF65-F5344CB8AC3E}">
-        <p14:creationId xmlns:p14="http://schemas.microsoft.com/office/powerpoint/2010/main" xmlns="" val="1016382411"/>
+        <p14:creationId xmlns:p14="http://schemas.microsoft.com/office/powerpoint/2010/main" val="1016382411"/>
       </p:ext>
     </p:extLst>
   </p:cSld>
@@ -14183,7 +13348,7 @@
             <a:fld id="{F71B3DB1-8543-40E0-A2D1-830196AD91DE}" type="datetimeFigureOut">
               <a:rPr lang="pt-PT" smtClean="0"/>
               <a:pPr/>
-              <a:t>01-07-2013</a:t>
+              <a:t>02/07/2013</a:t>
             </a:fld>
             <a:endParaRPr lang="pt-PT" dirty="0"/>
           </a:p>
@@ -14226,7 +13391,7 @@
             <a:fld id="{5D26EDD4-363A-4236-A170-49C0FA725754}" type="slidenum">
               <a:rPr lang="pt-PT" smtClean="0"/>
               <a:pPr/>
-              <a:t>‹nº›</a:t>
+              <a:t>‹#›</a:t>
             </a:fld>
             <a:endParaRPr lang="pt-PT" dirty="0"/>
           </a:p>
@@ -14235,7 +13400,7 @@
     </p:spTree>
     <p:extLst>
       <p:ext uri="{BB962C8B-B14F-4D97-AF65-F5344CB8AC3E}">
-        <p14:creationId xmlns:p14="http://schemas.microsoft.com/office/powerpoint/2010/main" xmlns="" val="548973029"/>
+        <p14:creationId xmlns:p14="http://schemas.microsoft.com/office/powerpoint/2010/main" val="548973029"/>
       </p:ext>
     </p:extLst>
   </p:cSld>
@@ -14433,7 +13598,7 @@
             <a:fld id="{F71B3DB1-8543-40E0-A2D1-830196AD91DE}" type="datetimeFigureOut">
               <a:rPr lang="pt-PT" smtClean="0"/>
               <a:pPr/>
-              <a:t>01-07-2013</a:t>
+              <a:t>02/07/2013</a:t>
             </a:fld>
             <a:endParaRPr lang="pt-PT" dirty="0"/>
           </a:p>
@@ -14476,7 +13641,7 @@
             <a:fld id="{5D26EDD4-363A-4236-A170-49C0FA725754}" type="slidenum">
               <a:rPr lang="pt-PT" smtClean="0"/>
               <a:pPr/>
-              <a:t>‹nº›</a:t>
+              <a:t>‹#›</a:t>
             </a:fld>
             <a:endParaRPr lang="pt-PT" dirty="0"/>
           </a:p>
@@ -14523,7 +13688,7 @@
     </p:spTree>
     <p:extLst>
       <p:ext uri="{BB962C8B-B14F-4D97-AF65-F5344CB8AC3E}">
-        <p14:creationId xmlns:p14="http://schemas.microsoft.com/office/powerpoint/2010/main" xmlns="" val="963473943"/>
+        <p14:creationId xmlns:p14="http://schemas.microsoft.com/office/powerpoint/2010/main" val="963473943"/>
       </p:ext>
     </p:extLst>
   </p:cSld>
@@ -14747,7 +13912,7 @@
             <a:fld id="{F71B3DB1-8543-40E0-A2D1-830196AD91DE}" type="datetimeFigureOut">
               <a:rPr lang="pt-PT" smtClean="0"/>
               <a:pPr/>
-              <a:t>01-07-2013</a:t>
+              <a:t>02/07/2013</a:t>
             </a:fld>
             <a:endParaRPr lang="pt-PT" dirty="0"/>
           </a:p>
@@ -14790,7 +13955,7 @@
             <a:fld id="{5D26EDD4-363A-4236-A170-49C0FA725754}" type="slidenum">
               <a:rPr lang="pt-PT" smtClean="0"/>
               <a:pPr/>
-              <a:t>‹nº›</a:t>
+              <a:t>‹#›</a:t>
             </a:fld>
             <a:endParaRPr lang="pt-PT" dirty="0"/>
           </a:p>
@@ -14799,7 +13964,7 @@
     </p:spTree>
     <p:extLst>
       <p:ext uri="{BB962C8B-B14F-4D97-AF65-F5344CB8AC3E}">
-        <p14:creationId xmlns:p14="http://schemas.microsoft.com/office/powerpoint/2010/main" xmlns="" val="2490349985"/>
+        <p14:creationId xmlns:p14="http://schemas.microsoft.com/office/powerpoint/2010/main" val="2490349985"/>
       </p:ext>
     </p:extLst>
   </p:cSld>
@@ -15131,7 +14296,7 @@
             <a:fld id="{F71B3DB1-8543-40E0-A2D1-830196AD91DE}" type="datetimeFigureOut">
               <a:rPr lang="pt-PT" smtClean="0"/>
               <a:pPr/>
-              <a:t>01-07-2013</a:t>
+              <a:t>02/07/2013</a:t>
             </a:fld>
             <a:endParaRPr lang="pt-PT" dirty="0"/>
           </a:p>
@@ -15174,7 +14339,7 @@
             <a:fld id="{5D26EDD4-363A-4236-A170-49C0FA725754}" type="slidenum">
               <a:rPr lang="pt-PT" smtClean="0"/>
               <a:pPr/>
-              <a:t>‹nº›</a:t>
+              <a:t>‹#›</a:t>
             </a:fld>
             <a:endParaRPr lang="pt-PT" dirty="0"/>
           </a:p>
@@ -15221,7 +14386,7 @@
     </p:spTree>
     <p:extLst>
       <p:ext uri="{BB962C8B-B14F-4D97-AF65-F5344CB8AC3E}">
-        <p14:creationId xmlns:p14="http://schemas.microsoft.com/office/powerpoint/2010/main" xmlns="" val="1183446009"/>
+        <p14:creationId xmlns:p14="http://schemas.microsoft.com/office/powerpoint/2010/main" val="1183446009"/>
       </p:ext>
     </p:extLst>
   </p:cSld>
@@ -15289,7 +14454,7 @@
             <a:fld id="{F71B3DB1-8543-40E0-A2D1-830196AD91DE}" type="datetimeFigureOut">
               <a:rPr lang="pt-PT" smtClean="0"/>
               <a:pPr/>
-              <a:t>01-07-2013</a:t>
+              <a:t>02/07/2013</a:t>
             </a:fld>
             <a:endParaRPr lang="pt-PT" dirty="0"/>
           </a:p>
@@ -15332,7 +14497,7 @@
             <a:fld id="{5D26EDD4-363A-4236-A170-49C0FA725754}" type="slidenum">
               <a:rPr lang="pt-PT" smtClean="0"/>
               <a:pPr/>
-              <a:t>‹nº›</a:t>
+              <a:t>‹#›</a:t>
             </a:fld>
             <a:endParaRPr lang="pt-PT" dirty="0"/>
           </a:p>
@@ -15379,7 +14544,7 @@
     </p:spTree>
     <p:extLst>
       <p:ext uri="{BB962C8B-B14F-4D97-AF65-F5344CB8AC3E}">
-        <p14:creationId xmlns:p14="http://schemas.microsoft.com/office/powerpoint/2010/main" xmlns="" val="1349716058"/>
+        <p14:creationId xmlns:p14="http://schemas.microsoft.com/office/powerpoint/2010/main" val="1349716058"/>
       </p:ext>
     </p:extLst>
   </p:cSld>
@@ -15424,7 +14589,7 @@
             <a:fld id="{F71B3DB1-8543-40E0-A2D1-830196AD91DE}" type="datetimeFigureOut">
               <a:rPr lang="pt-PT" smtClean="0"/>
               <a:pPr/>
-              <a:t>01-07-2013</a:t>
+              <a:t>02/07/2013</a:t>
             </a:fld>
             <a:endParaRPr lang="pt-PT" dirty="0"/>
           </a:p>
@@ -15467,7 +14632,7 @@
             <a:fld id="{5D26EDD4-363A-4236-A170-49C0FA725754}" type="slidenum">
               <a:rPr lang="pt-PT" smtClean="0"/>
               <a:pPr/>
-              <a:t>‹nº›</a:t>
+              <a:t>‹#›</a:t>
             </a:fld>
             <a:endParaRPr lang="pt-PT" dirty="0"/>
           </a:p>
@@ -15476,7 +14641,7 @@
     </p:spTree>
     <p:extLst>
       <p:ext uri="{BB962C8B-B14F-4D97-AF65-F5344CB8AC3E}">
-        <p14:creationId xmlns:p14="http://schemas.microsoft.com/office/powerpoint/2010/main" xmlns="" val="1135282261"/>
+        <p14:creationId xmlns:p14="http://schemas.microsoft.com/office/powerpoint/2010/main" val="1135282261"/>
       </p:ext>
     </p:extLst>
   </p:cSld>
@@ -15681,7 +14846,7 @@
             <a:fld id="{F71B3DB1-8543-40E0-A2D1-830196AD91DE}" type="datetimeFigureOut">
               <a:rPr lang="pt-PT" smtClean="0"/>
               <a:pPr/>
-              <a:t>01-07-2013</a:t>
+              <a:t>02/07/2013</a:t>
             </a:fld>
             <a:endParaRPr lang="pt-PT" dirty="0"/>
           </a:p>
@@ -15724,7 +14889,7 @@
             <a:fld id="{5D26EDD4-363A-4236-A170-49C0FA725754}" type="slidenum">
               <a:rPr lang="pt-PT" smtClean="0"/>
               <a:pPr/>
-              <a:t>‹nº›</a:t>
+              <a:t>‹#›</a:t>
             </a:fld>
             <a:endParaRPr lang="pt-PT" dirty="0"/>
           </a:p>
@@ -15771,7 +14936,7 @@
     </p:spTree>
     <p:extLst>
       <p:ext uri="{BB962C8B-B14F-4D97-AF65-F5344CB8AC3E}">
-        <p14:creationId xmlns:p14="http://schemas.microsoft.com/office/powerpoint/2010/main" xmlns="" val="3016415161"/>
+        <p14:creationId xmlns:p14="http://schemas.microsoft.com/office/powerpoint/2010/main" val="3016415161"/>
       </p:ext>
     </p:extLst>
   </p:cSld>
@@ -16005,7 +15170,7 @@
             <a:fld id="{F71B3DB1-8543-40E0-A2D1-830196AD91DE}" type="datetimeFigureOut">
               <a:rPr lang="pt-PT" smtClean="0"/>
               <a:pPr/>
-              <a:t>01-07-2013</a:t>
+              <a:t>02/07/2013</a:t>
             </a:fld>
             <a:endParaRPr lang="pt-PT" dirty="0"/>
           </a:p>
@@ -16048,7 +15213,7 @@
             <a:fld id="{5D26EDD4-363A-4236-A170-49C0FA725754}" type="slidenum">
               <a:rPr lang="pt-PT" smtClean="0"/>
               <a:pPr/>
-              <a:t>‹nº›</a:t>
+              <a:t>‹#›</a:t>
             </a:fld>
             <a:endParaRPr lang="pt-PT" dirty="0"/>
           </a:p>
@@ -16057,7 +15222,7 @@
     </p:spTree>
     <p:extLst>
       <p:ext uri="{BB962C8B-B14F-4D97-AF65-F5344CB8AC3E}">
-        <p14:creationId xmlns:p14="http://schemas.microsoft.com/office/powerpoint/2010/main" xmlns="" val="2799130186"/>
+        <p14:creationId xmlns:p14="http://schemas.microsoft.com/office/powerpoint/2010/main" val="2799130186"/>
       </p:ext>
     </p:extLst>
   </p:cSld>
@@ -16101,7 +15266,7 @@
           <a:blip r:embed="rId19" cstate="print">
             <a:extLst>
               <a:ext uri="{28A0092B-C50C-407E-A947-70E740481C1C}">
-                <a14:useLocalDpi xmlns:a14="http://schemas.microsoft.com/office/drawing/2010/main" xmlns="" val="0"/>
+                <a14:useLocalDpi xmlns:a14="http://schemas.microsoft.com/office/drawing/2010/main" val="0"/>
               </a:ext>
             </a:extLst>
           </a:blip>
@@ -16251,7 +15416,7 @@
             <a:fld id="{F71B3DB1-8543-40E0-A2D1-830196AD91DE}" type="datetimeFigureOut">
               <a:rPr lang="pt-PT" smtClean="0"/>
               <a:pPr/>
-              <a:t>01-07-2013</a:t>
+              <a:t>02/07/2013</a:t>
             </a:fld>
             <a:endParaRPr lang="pt-PT" dirty="0"/>
           </a:p>
@@ -16330,7 +15495,7 @@
             <a:fld id="{5D26EDD4-363A-4236-A170-49C0FA725754}" type="slidenum">
               <a:rPr lang="pt-PT" smtClean="0"/>
               <a:pPr/>
-              <a:t>‹nº›</a:t>
+              <a:t>‹#›</a:t>
             </a:fld>
             <a:endParaRPr lang="pt-PT" dirty="0"/>
           </a:p>
@@ -16339,7 +15504,7 @@
     </p:spTree>
     <p:extLst>
       <p:ext uri="{BB962C8B-B14F-4D97-AF65-F5344CB8AC3E}">
-        <p14:creationId xmlns:p14="http://schemas.microsoft.com/office/powerpoint/2010/main" xmlns="" val="3664009446"/>
+        <p14:creationId xmlns:p14="http://schemas.microsoft.com/office/powerpoint/2010/main" val="3664009446"/>
       </p:ext>
     </p:extLst>
   </p:cSld>
@@ -16847,7 +16012,7 @@
     </p:spTree>
     <p:extLst>
       <p:ext uri="{BB962C8B-B14F-4D97-AF65-F5344CB8AC3E}">
-        <p14:creationId xmlns:p14="http://schemas.microsoft.com/office/powerpoint/2010/main" xmlns="" val="404200990"/>
+        <p14:creationId xmlns:p14="http://schemas.microsoft.com/office/powerpoint/2010/main" val="404200990"/>
       </p:ext>
     </p:extLst>
   </p:cSld>
@@ -16930,7 +16095,7 @@
     </p:spTree>
     <p:extLst>
       <p:ext uri="{BB962C8B-B14F-4D97-AF65-F5344CB8AC3E}">
-        <p14:creationId xmlns:p14="http://schemas.microsoft.com/office/powerpoint/2010/main" xmlns="" val="1280194573"/>
+        <p14:creationId xmlns:p14="http://schemas.microsoft.com/office/powerpoint/2010/main" val="1280194573"/>
       </p:ext>
     </p:extLst>
   </p:cSld>
@@ -17005,7 +16170,7 @@
     </p:spTree>
     <p:extLst>
       <p:ext uri="{BB962C8B-B14F-4D97-AF65-F5344CB8AC3E}">
-        <p14:creationId xmlns:p14="http://schemas.microsoft.com/office/powerpoint/2010/main" xmlns="" val="3292307339"/>
+        <p14:creationId xmlns:p14="http://schemas.microsoft.com/office/powerpoint/2010/main" val="3292307339"/>
       </p:ext>
     </p:extLst>
   </p:cSld>
@@ -17088,7 +16253,7 @@
     </p:spTree>
     <p:extLst>
       <p:ext uri="{BB962C8B-B14F-4D97-AF65-F5344CB8AC3E}">
-        <p14:creationId xmlns:p14="http://schemas.microsoft.com/office/powerpoint/2010/main" xmlns="" val="2525735037"/>
+        <p14:creationId xmlns:p14="http://schemas.microsoft.com/office/powerpoint/2010/main" val="2525735037"/>
       </p:ext>
     </p:extLst>
   </p:cSld>
@@ -17360,7 +16525,7 @@
     </p:spTree>
     <p:extLst>
       <p:ext uri="{BB962C8B-B14F-4D97-AF65-F5344CB8AC3E}">
-        <p14:creationId xmlns:p14="http://schemas.microsoft.com/office/powerpoint/2010/main" xmlns="" val="95242113"/>
+        <p14:creationId xmlns:p14="http://schemas.microsoft.com/office/powerpoint/2010/main" val="95242113"/>
       </p:ext>
     </p:extLst>
   </p:cSld>
@@ -18271,7 +17436,7 @@
     </p:spTree>
     <p:extLst>
       <p:ext uri="{BB962C8B-B14F-4D97-AF65-F5344CB8AC3E}">
-        <p14:creationId xmlns:p14="http://schemas.microsoft.com/office/powerpoint/2010/main" xmlns="" val="2652038306"/>
+        <p14:creationId xmlns:p14="http://schemas.microsoft.com/office/powerpoint/2010/main" val="2652038306"/>
       </p:ext>
     </p:extLst>
   </p:cSld>
@@ -18525,7 +17690,7 @@
     </p:spTree>
     <p:extLst>
       <p:ext uri="{BB962C8B-B14F-4D97-AF65-F5344CB8AC3E}">
-        <p14:creationId xmlns:p14="http://schemas.microsoft.com/office/powerpoint/2010/main" xmlns="" val="2278680210"/>
+        <p14:creationId xmlns:p14="http://schemas.microsoft.com/office/powerpoint/2010/main" val="2278680210"/>
       </p:ext>
     </p:extLst>
   </p:cSld>
@@ -18876,7 +18041,7 @@
     </p:spTree>
     <p:extLst>
       <p:ext uri="{BB962C8B-B14F-4D97-AF65-F5344CB8AC3E}">
-        <p14:creationId xmlns:p14="http://schemas.microsoft.com/office/powerpoint/2010/main" xmlns="" val="2466546361"/>
+        <p14:creationId xmlns:p14="http://schemas.microsoft.com/office/powerpoint/2010/main" val="2466546361"/>
       </p:ext>
     </p:extLst>
   </p:cSld>
@@ -18958,7 +18123,7 @@
           <p:nvPr>
             <p:extLst>
               <p:ext uri="{D42A27DB-BD31-4B8C-83A1-F6EECF244321}">
-                <p14:modId xmlns:p14="http://schemas.microsoft.com/office/powerpoint/2010/main" xmlns="" val="2639408096"/>
+                <p14:modId xmlns:p14="http://schemas.microsoft.com/office/powerpoint/2010/main" val="2639408096"/>
               </p:ext>
             </p:extLst>
           </p:nvPr>
@@ -18976,7 +18141,7 @@
     </p:spTree>
     <p:extLst>
       <p:ext uri="{BB962C8B-B14F-4D97-AF65-F5344CB8AC3E}">
-        <p14:creationId xmlns:p14="http://schemas.microsoft.com/office/powerpoint/2010/main" xmlns="" val="980046083"/>
+        <p14:creationId xmlns:p14="http://schemas.microsoft.com/office/powerpoint/2010/main" val="980046083"/>
       </p:ext>
     </p:extLst>
   </p:cSld>
@@ -19058,7 +18223,7 @@
           <p:nvPr>
             <p:extLst>
               <p:ext uri="{D42A27DB-BD31-4B8C-83A1-F6EECF244321}">
-                <p14:modId xmlns:p14="http://schemas.microsoft.com/office/powerpoint/2010/main" xmlns="" val="3968378676"/>
+                <p14:modId xmlns:p14="http://schemas.microsoft.com/office/powerpoint/2010/main" val="3968378676"/>
               </p:ext>
             </p:extLst>
           </p:nvPr>
@@ -19076,7 +18241,7 @@
     </p:spTree>
     <p:extLst>
       <p:ext uri="{BB962C8B-B14F-4D97-AF65-F5344CB8AC3E}">
-        <p14:creationId xmlns:p14="http://schemas.microsoft.com/office/powerpoint/2010/main" xmlns="" val="197448477"/>
+        <p14:creationId xmlns:p14="http://schemas.microsoft.com/office/powerpoint/2010/main" val="197448477"/>
       </p:ext>
     </p:extLst>
   </p:cSld>
@@ -19210,7 +18375,7 @@
           <p:nvPr>
             <p:extLst>
               <p:ext uri="{D42A27DB-BD31-4B8C-83A1-F6EECF244321}">
-                <p14:modId xmlns:p14="http://schemas.microsoft.com/office/powerpoint/2010/main" xmlns="" val="2079267717"/>
+                <p14:modId xmlns:p14="http://schemas.microsoft.com/office/powerpoint/2010/main" val="2079267717"/>
               </p:ext>
             </p:extLst>
           </p:nvPr>
@@ -19228,7 +18393,7 @@
     </p:spTree>
     <p:extLst>
       <p:ext uri="{BB962C8B-B14F-4D97-AF65-F5344CB8AC3E}">
-        <p14:creationId xmlns:p14="http://schemas.microsoft.com/office/powerpoint/2010/main" xmlns="" val="3967897178"/>
+        <p14:creationId xmlns:p14="http://schemas.microsoft.com/office/powerpoint/2010/main" val="3967897178"/>
       </p:ext>
     </p:extLst>
   </p:cSld>
@@ -19307,7 +18472,7 @@
     </p:spTree>
     <p:extLst>
       <p:ext uri="{BB962C8B-B14F-4D97-AF65-F5344CB8AC3E}">
-        <p14:creationId xmlns:p14="http://schemas.microsoft.com/office/powerpoint/2010/main" xmlns="" val="3708106417"/>
+        <p14:creationId xmlns:p14="http://schemas.microsoft.com/office/powerpoint/2010/main" val="3708106417"/>
       </p:ext>
     </p:extLst>
   </p:cSld>
@@ -20312,7 +19477,7 @@
     </p:spTree>
     <p:extLst>
       <p:ext uri="{BB962C8B-B14F-4D97-AF65-F5344CB8AC3E}">
-        <p14:creationId xmlns:p14="http://schemas.microsoft.com/office/powerpoint/2010/main" xmlns="" val="810377202"/>
+        <p14:creationId xmlns:p14="http://schemas.microsoft.com/office/powerpoint/2010/main" val="810377202"/>
       </p:ext>
     </p:extLst>
   </p:cSld>
@@ -20390,7 +19555,7 @@
           <p:nvPr>
             <p:extLst>
               <p:ext uri="{D42A27DB-BD31-4B8C-83A1-F6EECF244321}">
-                <p14:modId xmlns:p14="http://schemas.microsoft.com/office/powerpoint/2010/main" xmlns="" val="2002974256"/>
+                <p14:modId xmlns:p14="http://schemas.microsoft.com/office/powerpoint/2010/main" val="2002974256"/>
               </p:ext>
             </p:extLst>
           </p:nvPr>
@@ -20408,7 +19573,7 @@
     </p:spTree>
     <p:extLst>
       <p:ext uri="{BB962C8B-B14F-4D97-AF65-F5344CB8AC3E}">
-        <p14:creationId xmlns:p14="http://schemas.microsoft.com/office/powerpoint/2010/main" xmlns="" val="1637874217"/>
+        <p14:creationId xmlns:p14="http://schemas.microsoft.com/office/powerpoint/2010/main" val="1637874217"/>
       </p:ext>
     </p:extLst>
   </p:cSld>
@@ -20484,7 +19649,7 @@
           <p:nvPr>
             <p:extLst>
               <p:ext uri="{D42A27DB-BD31-4B8C-83A1-F6EECF244321}">
-                <p14:modId xmlns:p14="http://schemas.microsoft.com/office/powerpoint/2010/main" xmlns="" val="3456624213"/>
+                <p14:modId xmlns:p14="http://schemas.microsoft.com/office/powerpoint/2010/main" val="3456624213"/>
               </p:ext>
             </p:extLst>
           </p:nvPr>
@@ -20502,7 +19667,7 @@
     </p:spTree>
     <p:extLst>
       <p:ext uri="{BB962C8B-B14F-4D97-AF65-F5344CB8AC3E}">
-        <p14:creationId xmlns:p14="http://schemas.microsoft.com/office/powerpoint/2010/main" xmlns="" val="2330439383"/>
+        <p14:creationId xmlns:p14="http://schemas.microsoft.com/office/powerpoint/2010/main" val="2330439383"/>
       </p:ext>
     </p:extLst>
   </p:cSld>
@@ -20851,7 +20016,7 @@
     </p:spTree>
     <p:extLst>
       <p:ext uri="{BB962C8B-B14F-4D97-AF65-F5344CB8AC3E}">
-        <p14:creationId xmlns:p14="http://schemas.microsoft.com/office/powerpoint/2010/main" xmlns="" val="3651665137"/>
+        <p14:creationId xmlns:p14="http://schemas.microsoft.com/office/powerpoint/2010/main" val="3651665137"/>
       </p:ext>
     </p:extLst>
   </p:cSld>
@@ -21249,7 +20414,7 @@
     </p:spTree>
     <p:extLst>
       <p:ext uri="{BB962C8B-B14F-4D97-AF65-F5344CB8AC3E}">
-        <p14:creationId xmlns:p14="http://schemas.microsoft.com/office/powerpoint/2010/main" xmlns="" val="4024771090"/>
+        <p14:creationId xmlns:p14="http://schemas.microsoft.com/office/powerpoint/2010/main" val="4024771090"/>
       </p:ext>
     </p:extLst>
   </p:cSld>
@@ -21479,7 +20644,7 @@
     </p:spTree>
     <p:extLst>
       <p:ext uri="{BB962C8B-B14F-4D97-AF65-F5344CB8AC3E}">
-        <p14:creationId xmlns:p14="http://schemas.microsoft.com/office/powerpoint/2010/main" xmlns="" val="3337746042"/>
+        <p14:creationId xmlns:p14="http://schemas.microsoft.com/office/powerpoint/2010/main" val="3337746042"/>
       </p:ext>
     </p:extLst>
   </p:cSld>
@@ -21562,7 +20727,7 @@
     </p:spTree>
     <p:extLst>
       <p:ext uri="{BB962C8B-B14F-4D97-AF65-F5344CB8AC3E}">
-        <p14:creationId xmlns:p14="http://schemas.microsoft.com/office/powerpoint/2010/main" xmlns="" val="1036071785"/>
+        <p14:creationId xmlns:p14="http://schemas.microsoft.com/office/powerpoint/2010/main" val="1036071785"/>
       </p:ext>
     </p:extLst>
   </p:cSld>
@@ -21637,7 +20802,7 @@
     </p:spTree>
     <p:extLst>
       <p:ext uri="{BB962C8B-B14F-4D97-AF65-F5344CB8AC3E}">
-        <p14:creationId xmlns:p14="http://schemas.microsoft.com/office/powerpoint/2010/main" xmlns="" val="4029259654"/>
+        <p14:creationId xmlns:p14="http://schemas.microsoft.com/office/powerpoint/2010/main" val="4029259654"/>
       </p:ext>
     </p:extLst>
   </p:cSld>
@@ -22029,18 +21194,18 @@
     </p:spTree>
     <p:extLst>
       <p:ext uri="{BB962C8B-B14F-4D97-AF65-F5344CB8AC3E}">
-        <p14:creationId xmlns:p14="http://schemas.microsoft.com/office/powerpoint/2010/main" xmlns="" val="2323100813"/>
+        <p14:creationId xmlns:p14="http://schemas.microsoft.com/office/powerpoint/2010/main" val="2323100813"/>
       </p:ext>
     </p:extLst>
   </p:cSld>
   <p:clrMapOvr>
     <a:masterClrMapping/>
   </p:clrMapOvr>
-  <mc:AlternateContent xmlns:mc="http://schemas.openxmlformats.org/markup-compatibility/2006">
-    <mc:Choice xmlns:p14="http://schemas.microsoft.com/office/powerpoint/2010/main" xmlns="" Requires="p14">
+  <mc:AlternateContent xmlns:mc="http://schemas.openxmlformats.org/markup-compatibility/2006" xmlns:p14="http://schemas.microsoft.com/office/powerpoint/2010/main">
+    <mc:Choice Requires="p14">
       <p:transition p14:dur="0"/>
     </mc:Choice>
-    <mc:Fallback>
+    <mc:Fallback xmlns="">
       <p:transition/>
     </mc:Fallback>
   </mc:AlternateContent>
@@ -22305,7 +21470,7 @@
           <p:nvPr>
             <p:extLst>
               <p:ext uri="{D42A27DB-BD31-4B8C-83A1-F6EECF244321}">
-                <p14:modId xmlns:p14="http://schemas.microsoft.com/office/powerpoint/2010/main" xmlns="" val="963427250"/>
+                <p14:modId xmlns:p14="http://schemas.microsoft.com/office/powerpoint/2010/main" val="963427250"/>
               </p:ext>
             </p:extLst>
           </p:nvPr>
@@ -22839,7 +22004,7 @@
     </p:spTree>
     <p:extLst>
       <p:ext uri="{BB962C8B-B14F-4D97-AF65-F5344CB8AC3E}">
-        <p14:creationId xmlns:p14="http://schemas.microsoft.com/office/powerpoint/2010/main" xmlns="" val="2960815596"/>
+        <p14:creationId xmlns:p14="http://schemas.microsoft.com/office/powerpoint/2010/main" val="2960815596"/>
       </p:ext>
     </p:extLst>
   </p:cSld>
@@ -23077,7 +22242,7 @@
     </p:spTree>
     <p:extLst>
       <p:ext uri="{BB962C8B-B14F-4D97-AF65-F5344CB8AC3E}">
-        <p14:creationId xmlns:p14="http://schemas.microsoft.com/office/powerpoint/2010/main" xmlns="" val="1616575088"/>
+        <p14:creationId xmlns:p14="http://schemas.microsoft.com/office/powerpoint/2010/main" val="1616575088"/>
       </p:ext>
     </p:extLst>
   </p:cSld>
@@ -23274,7 +22439,7 @@
     </p:spTree>
     <p:extLst>
       <p:ext uri="{BB962C8B-B14F-4D97-AF65-F5344CB8AC3E}">
-        <p14:creationId xmlns:p14="http://schemas.microsoft.com/office/powerpoint/2010/main" xmlns="" val="1314162854"/>
+        <p14:creationId xmlns:p14="http://schemas.microsoft.com/office/powerpoint/2010/main" val="1314162854"/>
       </p:ext>
     </p:extLst>
   </p:cSld>
@@ -23361,7 +22526,7 @@
     </p:spTree>
     <p:extLst>
       <p:ext uri="{BB962C8B-B14F-4D97-AF65-F5344CB8AC3E}">
-        <p14:creationId xmlns:p14="http://schemas.microsoft.com/office/powerpoint/2010/main" xmlns="" val="1350559237"/>
+        <p14:creationId xmlns:p14="http://schemas.microsoft.com/office/powerpoint/2010/main" val="1350559237"/>
       </p:ext>
     </p:extLst>
   </p:cSld>
@@ -23436,7 +22601,7 @@
     </p:spTree>
     <p:extLst>
       <p:ext uri="{BB962C8B-B14F-4D97-AF65-F5344CB8AC3E}">
-        <p14:creationId xmlns:p14="http://schemas.microsoft.com/office/powerpoint/2010/main" xmlns="" val="3857988853"/>
+        <p14:creationId xmlns:p14="http://schemas.microsoft.com/office/powerpoint/2010/main" val="3857988853"/>
       </p:ext>
     </p:extLst>
   </p:cSld>
@@ -23646,7 +22811,7 @@
     </p:spTree>
     <p:extLst>
       <p:ext uri="{BB962C8B-B14F-4D97-AF65-F5344CB8AC3E}">
-        <p14:creationId xmlns:p14="http://schemas.microsoft.com/office/powerpoint/2010/main" xmlns="" val="3857988853"/>
+        <p14:creationId xmlns:p14="http://schemas.microsoft.com/office/powerpoint/2010/main" val="3857988853"/>
       </p:ext>
     </p:extLst>
   </p:cSld>
@@ -24438,7 +23603,7 @@
     </p:spTree>
     <p:extLst>
       <p:ext uri="{BB962C8B-B14F-4D97-AF65-F5344CB8AC3E}">
-        <p14:creationId xmlns:p14="http://schemas.microsoft.com/office/powerpoint/2010/main" xmlns="" val="755519461"/>
+        <p14:creationId xmlns:p14="http://schemas.microsoft.com/office/powerpoint/2010/main" val="755519461"/>
       </p:ext>
     </p:extLst>
   </p:cSld>
@@ -24737,7 +23902,7 @@
     </p:spTree>
     <p:extLst>
       <p:ext uri="{BB962C8B-B14F-4D97-AF65-F5344CB8AC3E}">
-        <p14:creationId xmlns:p14="http://schemas.microsoft.com/office/powerpoint/2010/main" xmlns="" val="1569197944"/>
+        <p14:creationId xmlns:p14="http://schemas.microsoft.com/office/powerpoint/2010/main" val="1569197944"/>
       </p:ext>
     </p:extLst>
   </p:cSld>
@@ -24776,7 +23941,7 @@
           <a:blip r:embed="rId2" cstate="print">
             <a:extLst>
               <a:ext uri="{28A0092B-C50C-407E-A947-70E740481C1C}">
-                <a14:useLocalDpi xmlns:a14="http://schemas.microsoft.com/office/drawing/2010/main" xmlns="" val="0"/>
+                <a14:useLocalDpi xmlns:a14="http://schemas.microsoft.com/office/drawing/2010/main" val="0"/>
               </a:ext>
             </a:extLst>
           </a:blip>
@@ -24896,7 +24061,7 @@
           <a:blip r:embed="rId3" cstate="print">
             <a:extLst>
               <a:ext uri="{28A0092B-C50C-407E-A947-70E740481C1C}">
-                <a14:useLocalDpi xmlns:a14="http://schemas.microsoft.com/office/drawing/2010/main" xmlns="" val="0"/>
+                <a14:useLocalDpi xmlns:a14="http://schemas.microsoft.com/office/drawing/2010/main" val="0"/>
               </a:ext>
             </a:extLst>
           </a:blip>
@@ -24926,7 +24091,7 @@
           <a:blip r:embed="rId4" cstate="print">
             <a:extLst>
               <a:ext uri="{28A0092B-C50C-407E-A947-70E740481C1C}">
-                <a14:useLocalDpi xmlns:a14="http://schemas.microsoft.com/office/drawing/2010/main" xmlns="" val="0"/>
+                <a14:useLocalDpi xmlns:a14="http://schemas.microsoft.com/office/drawing/2010/main" val="0"/>
               </a:ext>
             </a:extLst>
           </a:blip>
@@ -24974,7 +24139,7 @@
           <a:blip r:embed="rId5" cstate="print">
             <a:extLst>
               <a:ext uri="{28A0092B-C50C-407E-A947-70E740481C1C}">
-                <a14:useLocalDpi xmlns:a14="http://schemas.microsoft.com/office/drawing/2010/main" xmlns="" val="0"/>
+                <a14:useLocalDpi xmlns:a14="http://schemas.microsoft.com/office/drawing/2010/main" val="0"/>
               </a:ext>
             </a:extLst>
           </a:blip>
@@ -24995,7 +24160,7 @@
     </p:spTree>
     <p:extLst>
       <p:ext uri="{BB962C8B-B14F-4D97-AF65-F5344CB8AC3E}">
-        <p14:creationId xmlns:p14="http://schemas.microsoft.com/office/powerpoint/2010/main" xmlns="" val="3458532491"/>
+        <p14:creationId xmlns:p14="http://schemas.microsoft.com/office/powerpoint/2010/main" val="3458532491"/>
       </p:ext>
     </p:extLst>
   </p:cSld>
@@ -25140,7 +24305,7 @@
     </p:spTree>
     <p:extLst>
       <p:ext uri="{BB962C8B-B14F-4D97-AF65-F5344CB8AC3E}">
-        <p14:creationId xmlns:p14="http://schemas.microsoft.com/office/powerpoint/2010/main" xmlns="" val="3599542048"/>
+        <p14:creationId xmlns:p14="http://schemas.microsoft.com/office/powerpoint/2010/main" val="3599542048"/>
       </p:ext>
     </p:extLst>
   </p:cSld>
@@ -25572,7 +24737,7 @@
     </p:spTree>
     <p:extLst>
       <p:ext uri="{BB962C8B-B14F-4D97-AF65-F5344CB8AC3E}">
-        <p14:creationId xmlns:p14="http://schemas.microsoft.com/office/powerpoint/2010/main" xmlns="" val="1933947800"/>
+        <p14:creationId xmlns:p14="http://schemas.microsoft.com/office/powerpoint/2010/main" val="1933947800"/>
       </p:ext>
     </p:extLst>
   </p:cSld>
@@ -25658,7 +24823,7 @@
     </p:spTree>
     <p:extLst>
       <p:ext uri="{BB962C8B-B14F-4D97-AF65-F5344CB8AC3E}">
-        <p14:creationId xmlns:p14="http://schemas.microsoft.com/office/powerpoint/2010/main" xmlns="" val="256484290"/>
+        <p14:creationId xmlns:p14="http://schemas.microsoft.com/office/powerpoint/2010/main" val="256484290"/>
       </p:ext>
     </p:extLst>
   </p:cSld>
@@ -25777,7 +24942,7 @@
     </p:spTree>
     <p:extLst>
       <p:ext uri="{BB962C8B-B14F-4D97-AF65-F5344CB8AC3E}">
-        <p14:creationId xmlns:p14="http://schemas.microsoft.com/office/powerpoint/2010/main" xmlns="" val="286368229"/>
+        <p14:creationId xmlns:p14="http://schemas.microsoft.com/office/powerpoint/2010/main" val="286368229"/>
       </p:ext>
     </p:extLst>
   </p:cSld>
@@ -25853,7 +25018,7 @@
     </p:spTree>
     <p:extLst>
       <p:ext uri="{BB962C8B-B14F-4D97-AF65-F5344CB8AC3E}">
-        <p14:creationId xmlns:p14="http://schemas.microsoft.com/office/powerpoint/2010/main" xmlns="" val="745076154"/>
+        <p14:creationId xmlns:p14="http://schemas.microsoft.com/office/powerpoint/2010/main" val="745076154"/>
       </p:ext>
     </p:extLst>
   </p:cSld>
@@ -25977,7 +25142,7 @@
                   <p:nvPr>
                     <p:extLst>
                       <p:ext uri="{D42A27DB-BD31-4B8C-83A1-F6EECF244321}">
-                        <p14:modId xmlns:p14="http://schemas.microsoft.com/office/powerpoint/2010/main" xmlns="" val="568955525"/>
+                        <p14:modId xmlns:p14="http://schemas.microsoft.com/office/powerpoint/2010/main" val="568955525"/>
                       </p:ext>
                     </p:extLst>
                   </p:nvPr>
@@ -26909,7 +26074,7 @@
     </p:spTree>
     <p:extLst>
       <p:ext uri="{BB962C8B-B14F-4D97-AF65-F5344CB8AC3E}">
-        <p14:creationId xmlns:p14="http://schemas.microsoft.com/office/powerpoint/2010/main" xmlns="" val="3857988853"/>
+        <p14:creationId xmlns:p14="http://schemas.microsoft.com/office/powerpoint/2010/main" val="3857988853"/>
       </p:ext>
     </p:extLst>
   </p:cSld>
@@ -27003,7 +26168,7 @@
     </p:spTree>
     <p:extLst>
       <p:ext uri="{BB962C8B-B14F-4D97-AF65-F5344CB8AC3E}">
-        <p14:creationId xmlns:p14="http://schemas.microsoft.com/office/powerpoint/2010/main" xmlns="" val="1515372593"/>
+        <p14:creationId xmlns:p14="http://schemas.microsoft.com/office/powerpoint/2010/main" val="1515372593"/>
       </p:ext>
     </p:extLst>
   </p:cSld>
@@ -27194,7 +26359,7 @@
     </p:spTree>
     <p:extLst>
       <p:ext uri="{BB962C8B-B14F-4D97-AF65-F5344CB8AC3E}">
-        <p14:creationId xmlns:p14="http://schemas.microsoft.com/office/powerpoint/2010/main" xmlns="" val="576009203"/>
+        <p14:creationId xmlns:p14="http://schemas.microsoft.com/office/powerpoint/2010/main" val="576009203"/>
       </p:ext>
     </p:extLst>
   </p:cSld>
@@ -27343,7 +26508,7 @@
     </p:spTree>
     <p:extLst>
       <p:ext uri="{BB962C8B-B14F-4D97-AF65-F5344CB8AC3E}">
-        <p14:creationId xmlns:p14="http://schemas.microsoft.com/office/powerpoint/2010/main" xmlns="" val="2359148607"/>
+        <p14:creationId xmlns:p14="http://schemas.microsoft.com/office/powerpoint/2010/main" val="2359148607"/>
       </p:ext>
     </p:extLst>
   </p:cSld>
@@ -27703,11 +26868,7 @@
             <a:pPr lvl="1"/>
             <a:r>
               <a:rPr lang="en-US" dirty="0" smtClean="0"/>
-              <a:t>Enterprise Architect </a:t>
-            </a:r>
-            <a:r>
-              <a:rPr lang="en-US" dirty="0" smtClean="0"/>
-              <a:t>knowledge</a:t>
+              <a:t>Enterprise Architect knowledge</a:t>
             </a:r>
           </a:p>
           <a:p>
@@ -27716,7 +26877,6 @@
               <a:rPr lang="en-US" dirty="0" smtClean="0"/>
               <a:t>Testing</a:t>
             </a:r>
-            <a:endParaRPr lang="en-US" dirty="0" smtClean="0"/>
           </a:p>
           <a:p>
             <a:r>
@@ -27824,27 +26984,14 @@
             <a:pPr lvl="1"/>
             <a:r>
               <a:rPr lang="en-US" dirty="0" smtClean="0"/>
-              <a:t>Level of </a:t>
-            </a:r>
+              <a:t>Level of commitment and motivation</a:t>
+            </a:r>
+          </a:p>
+          <a:p>
+            <a:pPr lvl="2"/>
             <a:r>
               <a:rPr lang="en-US" dirty="0" smtClean="0"/>
-              <a:t>commitment and motivation</a:t>
-            </a:r>
-            <a:endParaRPr lang="en-US" dirty="0" smtClean="0"/>
-          </a:p>
-          <a:p>
-            <a:pPr lvl="2"/>
-            <a:r>
-              <a:rPr lang="en-US" dirty="0" smtClean="0"/>
-              <a:t> similar </a:t>
-            </a:r>
-            <a:r>
-              <a:rPr lang="en-US" dirty="0" smtClean="0"/>
-              <a:t>for </a:t>
-            </a:r>
-            <a:r>
-              <a:rPr lang="en-US" dirty="0" smtClean="0"/>
-              <a:t>all members </a:t>
+              <a:t> similar for all members </a:t>
             </a:r>
           </a:p>
           <a:p>
@@ -27858,11 +27005,7 @@
             <a:pPr lvl="1"/>
             <a:r>
               <a:rPr lang="en-US" dirty="0" smtClean="0"/>
-              <a:t>Working together and regular </a:t>
-            </a:r>
-            <a:r>
-              <a:rPr lang="en-US" dirty="0" smtClean="0"/>
-              <a:t>meetings</a:t>
+              <a:t>Working together and regular meetings</a:t>
             </a:r>
           </a:p>
           <a:p>
@@ -27871,7 +27014,6 @@
               <a:rPr lang="en-US" dirty="0" smtClean="0"/>
               <a:t>Take advantage of individual strengths and knowledge </a:t>
             </a:r>
-            <a:endParaRPr lang="en-US" dirty="0" smtClean="0"/>
           </a:p>
           <a:p>
             <a:endParaRPr lang="pt-PT" dirty="0"/>
@@ -28121,7 +27263,7 @@
     </p:spTree>
     <p:extLst>
       <p:ext uri="{BB962C8B-B14F-4D97-AF65-F5344CB8AC3E}">
-        <p14:creationId xmlns:p14="http://schemas.microsoft.com/office/powerpoint/2010/main" xmlns="" val="139459399"/>
+        <p14:creationId xmlns:p14="http://schemas.microsoft.com/office/powerpoint/2010/main" val="139459399"/>
       </p:ext>
     </p:extLst>
   </p:cSld>
@@ -28335,7 +27477,7 @@
     </p:spTree>
     <p:extLst>
       <p:ext uri="{BB962C8B-B14F-4D97-AF65-F5344CB8AC3E}">
-        <p14:creationId xmlns:p14="http://schemas.microsoft.com/office/powerpoint/2010/main" xmlns="" val="529958241"/>
+        <p14:creationId xmlns:p14="http://schemas.microsoft.com/office/powerpoint/2010/main" val="529958241"/>
       </p:ext>
     </p:extLst>
   </p:cSld>
@@ -28529,7 +27671,7 @@
     </p:spTree>
     <p:extLst>
       <p:ext uri="{BB962C8B-B14F-4D97-AF65-F5344CB8AC3E}">
-        <p14:creationId xmlns:p14="http://schemas.microsoft.com/office/powerpoint/2010/main" xmlns="" val="1756093289"/>
+        <p14:creationId xmlns:p14="http://schemas.microsoft.com/office/powerpoint/2010/main" val="1756093289"/>
       </p:ext>
     </p:extLst>
   </p:cSld>
@@ -29194,7 +28336,7 @@
     </p:spTree>
     <p:extLst>
       <p:ext uri="{BB962C8B-B14F-4D97-AF65-F5344CB8AC3E}">
-        <p14:creationId xmlns:p14="http://schemas.microsoft.com/office/powerpoint/2010/main" xmlns="" val="3608220894"/>
+        <p14:creationId xmlns:p14="http://schemas.microsoft.com/office/powerpoint/2010/main" val="3608220894"/>
       </p:ext>
     </p:extLst>
   </p:cSld>
@@ -29501,7 +28643,7 @@
     </p:spTree>
     <p:extLst>
       <p:ext uri="{BB962C8B-B14F-4D97-AF65-F5344CB8AC3E}">
-        <p14:creationId xmlns:p14="http://schemas.microsoft.com/office/powerpoint/2010/main" xmlns="" val="1960690833"/>
+        <p14:creationId xmlns:p14="http://schemas.microsoft.com/office/powerpoint/2010/main" val="1960690833"/>
       </p:ext>
     </p:extLst>
   </p:cSld>
@@ -29644,30 +28786,265 @@
         </p:nvSpPr>
         <p:spPr/>
         <p:txBody>
-          <a:bodyPr/>
+          <a:bodyPr>
+            <a:normAutofit/>
+          </a:bodyPr>
           <a:lstStyle/>
           <a:p>
             <a:r>
               <a:rPr lang="en-US" dirty="0" smtClean="0"/>
-              <a:t>Main Contributions</a:t>
-            </a:r>
-          </a:p>
-          <a:p>
+              <a:t>Main </a:t>
+            </a:r>
             <a:r>
               <a:rPr lang="en-US" dirty="0" smtClean="0"/>
-              <a:t>Participation in Team Results</a:t>
-            </a:r>
-          </a:p>
-          <a:p>
-            <a:r>
-              <a:rPr lang="en-US" smtClean="0"/>
-              <a:t>Lessons Learned</a:t>
-            </a:r>
+              <a:t>Contributions</a:t>
+            </a:r>
+          </a:p>
+          <a:p>
+            <a:pPr lvl="1"/>
+            <a:r>
+              <a:rPr lang="en-US" dirty="0"/>
+              <a:t>Software Main </a:t>
+            </a:r>
+            <a:r>
+              <a:rPr lang="en-US" dirty="0" smtClean="0"/>
+              <a:t>Idea</a:t>
+            </a:r>
+          </a:p>
+          <a:p>
+            <a:pPr lvl="1"/>
+            <a:r>
+              <a:rPr lang="en-US" dirty="0" smtClean="0"/>
+              <a:t>Technical </a:t>
+            </a:r>
+            <a:r>
+              <a:rPr lang="en-US" dirty="0"/>
+              <a:t>Knowledge and Helping the whole team in developing their </a:t>
+            </a:r>
+            <a:r>
+              <a:rPr lang="en-US" dirty="0" smtClean="0"/>
+              <a:t>assignments</a:t>
+            </a:r>
+          </a:p>
+          <a:p>
+            <a:pPr lvl="1"/>
+            <a:r>
+              <a:rPr lang="en-US" dirty="0"/>
+              <a:t>Software Base Architecture, </a:t>
+            </a:r>
+            <a:r>
+              <a:rPr lang="en-US" dirty="0" smtClean="0"/>
+              <a:t>Functionality </a:t>
+            </a:r>
+            <a:r>
+              <a:rPr lang="en-US" dirty="0"/>
+              <a:t>and UI </a:t>
+            </a:r>
+            <a:r>
+              <a:rPr lang="en-US" dirty="0" smtClean="0"/>
+              <a:t>Development</a:t>
+            </a:r>
+          </a:p>
+          <a:p>
+            <a:pPr lvl="1"/>
+            <a:r>
+              <a:rPr lang="en-US" dirty="0"/>
+              <a:t>Help In Requirement definitions when </a:t>
+            </a:r>
+            <a:r>
+              <a:rPr lang="en-US" dirty="0" smtClean="0"/>
+              <a:t>prompted</a:t>
+            </a:r>
+            <a:endParaRPr lang="en-US" dirty="0"/>
+          </a:p>
+          <a:p>
+            <a:pPr lvl="1"/>
+            <a:r>
+              <a:rPr lang="en-US" dirty="0" smtClean="0"/>
+              <a:t>Trying to help the team thinking about the future helping them get focused</a:t>
+            </a:r>
+          </a:p>
+          <a:p>
+            <a:pPr marL="457200" lvl="1" indent="0">
+              <a:buNone/>
+            </a:pPr>
             <a:endParaRPr lang="en-US" dirty="0"/>
           </a:p>
         </p:txBody>
       </p:sp>
     </p:spTree>
+  </p:cSld>
+  <p:clrMapOvr>
+    <a:masterClrMapping/>
+  </p:clrMapOvr>
+</p:sld>
+</file>
+
+<file path=ppt/slides/slide68.xml><?xml version="1.0" encoding="utf-8"?>
+<p:sld xmlns:a="http://schemas.openxmlformats.org/drawingml/2006/main" xmlns:r="http://schemas.openxmlformats.org/officeDocument/2006/relationships" xmlns:p="http://schemas.openxmlformats.org/presentationml/2006/main">
+  <p:cSld>
+    <p:spTree>
+      <p:nvGrpSpPr>
+        <p:cNvPr id="1" name=""/>
+        <p:cNvGrpSpPr/>
+        <p:nvPr/>
+      </p:nvGrpSpPr>
+      <p:grpSpPr>
+        <a:xfrm>
+          <a:off x="0" y="0"/>
+          <a:ext cx="0" cy="0"/>
+          <a:chOff x="0" y="0"/>
+          <a:chExt cx="0" cy="0"/>
+        </a:xfrm>
+      </p:grpSpPr>
+      <p:sp>
+        <p:nvSpPr>
+          <p:cNvPr id="2" name="Título 1"/>
+          <p:cNvSpPr>
+            <a:spLocks noGrp="1"/>
+          </p:cNvSpPr>
+          <p:nvPr>
+            <p:ph type="title"/>
+          </p:nvPr>
+        </p:nvSpPr>
+        <p:spPr/>
+        <p:txBody>
+          <a:bodyPr/>
+          <a:lstStyle/>
+          <a:p>
+            <a:r>
+              <a:rPr lang="pt-PT" dirty="0" smtClean="0"/>
+              <a:t>Rui Ganhoto</a:t>
+            </a:r>
+            <a:endParaRPr lang="pt-PT" dirty="0"/>
+          </a:p>
+        </p:txBody>
+      </p:sp>
+      <p:sp>
+        <p:nvSpPr>
+          <p:cNvPr id="3" name="Marcador de Posição de Conteúdo 2"/>
+          <p:cNvSpPr>
+            <a:spLocks noGrp="1"/>
+          </p:cNvSpPr>
+          <p:nvPr>
+            <p:ph idx="1"/>
+          </p:nvPr>
+        </p:nvSpPr>
+        <p:spPr/>
+        <p:txBody>
+          <a:bodyPr>
+            <a:normAutofit fontScale="92500" lnSpcReduction="10000"/>
+          </a:bodyPr>
+          <a:lstStyle/>
+          <a:p>
+            <a:r>
+              <a:rPr lang="en-US" dirty="0" smtClean="0"/>
+              <a:t>Participation </a:t>
+            </a:r>
+            <a:r>
+              <a:rPr lang="en-US" dirty="0" smtClean="0"/>
+              <a:t>in Team </a:t>
+            </a:r>
+            <a:r>
+              <a:rPr lang="en-US" dirty="0" smtClean="0"/>
+              <a:t>Results</a:t>
+            </a:r>
+          </a:p>
+          <a:p>
+            <a:pPr lvl="1"/>
+            <a:r>
+              <a:rPr lang="en-US" dirty="0"/>
+              <a:t>Active </a:t>
+            </a:r>
+            <a:r>
+              <a:rPr lang="en-US" dirty="0" smtClean="0"/>
+              <a:t>participation</a:t>
+            </a:r>
+          </a:p>
+          <a:p>
+            <a:pPr lvl="1"/>
+            <a:r>
+              <a:rPr lang="en-US" dirty="0"/>
+              <a:t>Always trying to help my coworkers when </a:t>
+            </a:r>
+            <a:r>
+              <a:rPr lang="en-US" dirty="0" smtClean="0"/>
+              <a:t>necessary</a:t>
+            </a:r>
+          </a:p>
+          <a:p>
+            <a:pPr lvl="1"/>
+            <a:r>
+              <a:rPr lang="en-US" dirty="0"/>
+              <a:t>Good commitment and positive </a:t>
+            </a:r>
+            <a:r>
+              <a:rPr lang="en-US" dirty="0" smtClean="0"/>
+              <a:t>participation </a:t>
+            </a:r>
+            <a:r>
+              <a:rPr lang="en-US" dirty="0"/>
+              <a:t>in the </a:t>
+            </a:r>
+            <a:r>
+              <a:rPr lang="en-US" dirty="0" smtClean="0"/>
+              <a:t>team</a:t>
+            </a:r>
+          </a:p>
+          <a:p>
+            <a:pPr lvl="1"/>
+            <a:r>
+              <a:rPr lang="en-US" dirty="0" smtClean="0"/>
+              <a:t>While developing, I tried to keep the team focused on the task</a:t>
+            </a:r>
+            <a:endParaRPr lang="en-US" dirty="0" smtClean="0"/>
+          </a:p>
+          <a:p>
+            <a:r>
+              <a:rPr lang="en-US" dirty="0" smtClean="0"/>
+              <a:t>Lessons </a:t>
+            </a:r>
+            <a:r>
+              <a:rPr lang="en-US" dirty="0" smtClean="0"/>
+              <a:t>Learned</a:t>
+            </a:r>
+          </a:p>
+          <a:p>
+            <a:pPr lvl="1"/>
+            <a:r>
+              <a:rPr lang="en-US" dirty="0"/>
+              <a:t>It's not easy to keep a big team to </a:t>
+            </a:r>
+            <a:r>
+              <a:rPr lang="en-US" dirty="0" smtClean="0"/>
+              <a:t>work in synchrony</a:t>
+            </a:r>
+          </a:p>
+          <a:p>
+            <a:pPr lvl="1"/>
+            <a:r>
+              <a:rPr lang="en-US" dirty="0"/>
+              <a:t>Rigid documents that doesn't predict exceptions, sometimes </a:t>
+            </a:r>
+            <a:r>
+              <a:rPr lang="en-US" dirty="0" smtClean="0"/>
+              <a:t>will not fit in reality.</a:t>
+            </a:r>
+          </a:p>
+          <a:p>
+            <a:pPr marL="457200" lvl="1" indent="0">
+              <a:buNone/>
+            </a:pPr>
+            <a:endParaRPr lang="en-US" dirty="0"/>
+          </a:p>
+        </p:txBody>
+      </p:sp>
+    </p:spTree>
+    <p:extLst>
+      <p:ext uri="{BB962C8B-B14F-4D97-AF65-F5344CB8AC3E}">
+        <p14:creationId xmlns:p14="http://schemas.microsoft.com/office/powerpoint/2010/main" val="1399430186"/>
+      </p:ext>
+    </p:extLst>
   </p:cSld>
   <p:clrMapOvr>
     <a:masterClrMapping/>
@@ -29776,7 +29153,7 @@
     </p:spTree>
     <p:extLst>
       <p:ext uri="{BB962C8B-B14F-4D97-AF65-F5344CB8AC3E}">
-        <p14:creationId xmlns:p14="http://schemas.microsoft.com/office/powerpoint/2010/main" xmlns="" val="1996551084"/>
+        <p14:creationId xmlns:p14="http://schemas.microsoft.com/office/powerpoint/2010/main" val="1996551084"/>
       </p:ext>
     </p:extLst>
   </p:cSld>
@@ -29863,7 +29240,7 @@
     </p:spTree>
     <p:extLst>
       <p:ext uri="{BB962C8B-B14F-4D97-AF65-F5344CB8AC3E}">
-        <p14:creationId xmlns:p14="http://schemas.microsoft.com/office/powerpoint/2010/main" xmlns="" val="4109416244"/>
+        <p14:creationId xmlns:p14="http://schemas.microsoft.com/office/powerpoint/2010/main" val="4109416244"/>
       </p:ext>
     </p:extLst>
   </p:cSld>
@@ -30101,7 +29478,7 @@
     </p:spTree>
     <p:extLst>
       <p:ext uri="{BB962C8B-B14F-4D97-AF65-F5344CB8AC3E}">
-        <p14:creationId xmlns:p14="http://schemas.microsoft.com/office/powerpoint/2010/main" xmlns="" val="3388566770"/>
+        <p14:creationId xmlns:p14="http://schemas.microsoft.com/office/powerpoint/2010/main" val="3388566770"/>
       </p:ext>
     </p:extLst>
   </p:cSld>
@@ -30345,7 +29722,7 @@
   <a:extraClrSchemeLst/>
   <a:extLst>
     <a:ext uri="{05A4C25C-085E-4340-85A3-A5531E510DB2}">
-      <thm15:themeFamily xmlns:thm15="http://schemas.microsoft.com/office/thememl/2012/main" xmlns="" name="Organic" id="{28CDC826-8792-45C0-861B-85EB3ADEDA33}" vid="{E4E49EB0-FB00-41F5-9359-4843D783A23D}"/>
+      <thm15:themeFamily xmlns:thm15="http://schemas.microsoft.com/office/thememl/2012/main" name="Organic" id="{28CDC826-8792-45C0-861B-85EB3ADEDA33}" vid="{E4E49EB0-FB00-41F5-9359-4843D783A23D}"/>
     </a:ext>
   </a:extLst>
 </a:theme>
@@ -30606,7 +29983,7 @@
   <a:extraClrSchemeLst/>
   <a:extLst>
     <a:ext uri="{05A4C25C-085E-4340-85A3-A5531E510DB2}">
-      <thm15:themeFamily xmlns:thm15="http://schemas.microsoft.com/office/thememl/2012/main" xmlns="" name="Office Theme" id="{62F939B6-93AF-4DB8-9C6B-D6C7DFDC589F}" vid="{4A3C46E8-61CC-4603-A589-7422A47A8E4A}"/>
+      <thm15:themeFamily xmlns:thm15="http://schemas.microsoft.com/office/thememl/2012/main" name="Office Theme" id="{62F939B6-93AF-4DB8-9C6B-D6C7DFDC589F}" vid="{4A3C46E8-61CC-4603-A589-7422A47A8E4A}"/>
     </a:ext>
   </a:extLst>
 </a:theme>

--- a/Final Presentation/Presentation.pptx
+++ b/Final Presentation/Presentation.pptx
@@ -5,7 +5,7 @@
     <p:sldMasterId id="2147484047" r:id="rId1"/>
   </p:sldMasterIdLst>
   <p:notesMasterIdLst>
-    <p:notesMasterId r:id="rId70"/>
+    <p:notesMasterId r:id="rId75"/>
   </p:notesMasterIdLst>
   <p:sldIdLst>
     <p:sldId id="256" r:id="rId2"/>
@@ -40,42 +40,47 @@
     <p:sldId id="305" r:id="rId31"/>
     <p:sldId id="273" r:id="rId32"/>
     <p:sldId id="274" r:id="rId33"/>
-    <p:sldId id="276" r:id="rId34"/>
-    <p:sldId id="280" r:id="rId35"/>
-    <p:sldId id="293" r:id="rId36"/>
-    <p:sldId id="294" r:id="rId37"/>
-    <p:sldId id="295" r:id="rId38"/>
-    <p:sldId id="296" r:id="rId39"/>
-    <p:sldId id="297" r:id="rId40"/>
-    <p:sldId id="298" r:id="rId41"/>
-    <p:sldId id="279" r:id="rId42"/>
-    <p:sldId id="330" r:id="rId43"/>
-    <p:sldId id="331" r:id="rId44"/>
-    <p:sldId id="332" r:id="rId45"/>
-    <p:sldId id="333" r:id="rId46"/>
-    <p:sldId id="334" r:id="rId47"/>
-    <p:sldId id="335" r:id="rId48"/>
-    <p:sldId id="301" r:id="rId49"/>
-    <p:sldId id="281" r:id="rId50"/>
-    <p:sldId id="299" r:id="rId51"/>
-    <p:sldId id="300" r:id="rId52"/>
-    <p:sldId id="284" r:id="rId53"/>
-    <p:sldId id="282" r:id="rId54"/>
-    <p:sldId id="285" r:id="rId55"/>
-    <p:sldId id="283" r:id="rId56"/>
-    <p:sldId id="286" r:id="rId57"/>
-    <p:sldId id="336" r:id="rId58"/>
-    <p:sldId id="287" r:id="rId59"/>
-    <p:sldId id="288" r:id="rId60"/>
-    <p:sldId id="327" r:id="rId61"/>
-    <p:sldId id="328" r:id="rId62"/>
-    <p:sldId id="329" r:id="rId63"/>
-    <p:sldId id="289" r:id="rId64"/>
-    <p:sldId id="290" r:id="rId65"/>
-    <p:sldId id="306" r:id="rId66"/>
-    <p:sldId id="291" r:id="rId67"/>
-    <p:sldId id="292" r:id="rId68"/>
-    <p:sldId id="337" r:id="rId69"/>
+    <p:sldId id="338" r:id="rId34"/>
+    <p:sldId id="339" r:id="rId35"/>
+    <p:sldId id="340" r:id="rId36"/>
+    <p:sldId id="341" r:id="rId37"/>
+    <p:sldId id="276" r:id="rId38"/>
+    <p:sldId id="280" r:id="rId39"/>
+    <p:sldId id="293" r:id="rId40"/>
+    <p:sldId id="294" r:id="rId41"/>
+    <p:sldId id="295" r:id="rId42"/>
+    <p:sldId id="296" r:id="rId43"/>
+    <p:sldId id="297" r:id="rId44"/>
+    <p:sldId id="298" r:id="rId45"/>
+    <p:sldId id="279" r:id="rId46"/>
+    <p:sldId id="330" r:id="rId47"/>
+    <p:sldId id="331" r:id="rId48"/>
+    <p:sldId id="332" r:id="rId49"/>
+    <p:sldId id="333" r:id="rId50"/>
+    <p:sldId id="334" r:id="rId51"/>
+    <p:sldId id="335" r:id="rId52"/>
+    <p:sldId id="301" r:id="rId53"/>
+    <p:sldId id="281" r:id="rId54"/>
+    <p:sldId id="299" r:id="rId55"/>
+    <p:sldId id="300" r:id="rId56"/>
+    <p:sldId id="284" r:id="rId57"/>
+    <p:sldId id="282" r:id="rId58"/>
+    <p:sldId id="285" r:id="rId59"/>
+    <p:sldId id="283" r:id="rId60"/>
+    <p:sldId id="286" r:id="rId61"/>
+    <p:sldId id="336" r:id="rId62"/>
+    <p:sldId id="287" r:id="rId63"/>
+    <p:sldId id="288" r:id="rId64"/>
+    <p:sldId id="327" r:id="rId65"/>
+    <p:sldId id="328" r:id="rId66"/>
+    <p:sldId id="329" r:id="rId67"/>
+    <p:sldId id="289" r:id="rId68"/>
+    <p:sldId id="290" r:id="rId69"/>
+    <p:sldId id="306" r:id="rId70"/>
+    <p:sldId id="291" r:id="rId71"/>
+    <p:sldId id="342" r:id="rId72"/>
+    <p:sldId id="292" r:id="rId73"/>
+    <p:sldId id="337" r:id="rId74"/>
   </p:sldIdLst>
   <p:sldSz cx="12192000" cy="6858000"/>
   <p:notesSz cx="6858000" cy="9144000"/>
@@ -196,7 +201,7 @@
 <file path=ppt/charts/chart1.xml><?xml version="1.0" encoding="utf-8"?>
 <c:chartSpace xmlns:c="http://schemas.openxmlformats.org/drawingml/2006/chart" xmlns:a="http://schemas.openxmlformats.org/drawingml/2006/main" xmlns:r="http://schemas.openxmlformats.org/officeDocument/2006/relationships">
   <c:date1904 val="0"/>
-  <c:lang val="en-US"/>
+  <c:lang val="pt-PT"/>
   <c:roundedCorners val="0"/>
   <mc:AlternateContent xmlns:mc="http://schemas.openxmlformats.org/markup-compatibility/2006">
     <mc:Choice xmlns:c14="http://schemas.microsoft.com/office/drawing/2007/8/2/chart" Requires="c14">
@@ -233,6 +238,7 @@
           </a:p>
         </c:rich>
       </c:tx>
+      <c:layout/>
       <c:overlay val="0"/>
       <c:spPr>
         <a:noFill/>
@@ -333,6 +339,7 @@
             <c:showLeaderLines val="0"/>
             <c:extLst>
               <c:ext xmlns:c15="http://schemas.microsoft.com/office/drawing/2012/chart" uri="{CE6537A1-D6FC-4f65-9D91-7224C49458BB}">
+                <c15:layout/>
                 <c15:showLeaderLines val="1"/>
                 <c15:leaderLines>
                   <c:spPr>
@@ -453,6 +460,7 @@
             <c:showLeaderLines val="0"/>
             <c:extLst>
               <c:ext xmlns:c15="http://schemas.microsoft.com/office/drawing/2012/chart" uri="{CE6537A1-D6FC-4f65-9D91-7224C49458BB}">
+                <c15:layout/>
                 <c15:showLeaderLines val="1"/>
                 <c15:leaderLines>
                   <c:spPr>
@@ -519,11 +527,11 @@
         </c:dLbls>
         <c:gapWidth val="444"/>
         <c:overlap val="-90"/>
-        <c:axId val="863674848"/>
-        <c:axId val="863676480"/>
+        <c:axId val="278899312"/>
+        <c:axId val="278899704"/>
       </c:barChart>
       <c:catAx>
-        <c:axId val="863674848"/>
+        <c:axId val="278899312"/>
         <c:scaling>
           <c:orientation val="minMax"/>
         </c:scaling>
@@ -580,7 +588,7 @@
             <a:endParaRPr lang="pt-PT"/>
           </a:p>
         </c:txPr>
-        <c:crossAx val="863676480"/>
+        <c:crossAx val="278899704"/>
         <c:crosses val="autoZero"/>
         <c:auto val="1"/>
         <c:lblAlgn val="ctr"/>
@@ -588,7 +596,7 @@
         <c:noMultiLvlLbl val="0"/>
       </c:catAx>
       <c:valAx>
-        <c:axId val="863676480"/>
+        <c:axId val="278899704"/>
         <c:scaling>
           <c:orientation val="minMax"/>
         </c:scaling>
@@ -598,7 +606,7 @@
         <c:majorTickMark val="none"/>
         <c:minorTickMark val="none"/>
         <c:tickLblPos val="none"/>
-        <c:crossAx val="863674848"/>
+        <c:crossAx val="278899312"/>
         <c:crosses val="autoZero"/>
         <c:crossBetween val="between"/>
       </c:valAx>
@@ -612,6 +620,7 @@
     </c:plotArea>
     <c:legend>
       <c:legendPos val="t"/>
+      <c:layout/>
       <c:overlay val="0"/>
       <c:spPr>
         <a:noFill/>
@@ -671,7 +680,7 @@
 <file path=ppt/charts/chart2.xml><?xml version="1.0" encoding="utf-8"?>
 <c:chartSpace xmlns:c="http://schemas.openxmlformats.org/drawingml/2006/chart" xmlns:a="http://schemas.openxmlformats.org/drawingml/2006/main" xmlns:r="http://schemas.openxmlformats.org/officeDocument/2006/relationships">
   <c:date1904 val="0"/>
-  <c:lang val="en-US"/>
+  <c:lang val="pt-PT"/>
   <c:roundedCorners val="0"/>
   <mc:AlternateContent xmlns:mc="http://schemas.openxmlformats.org/markup-compatibility/2006">
     <mc:Choice xmlns:c14="http://schemas.microsoft.com/office/drawing/2007/8/2/chart" Requires="c14">
@@ -816,6 +825,7 @@
             <c:showLeaderLines val="0"/>
             <c:extLst>
               <c:ext xmlns:c15="http://schemas.microsoft.com/office/drawing/2012/chart" uri="{CE6537A1-D6FC-4f65-9D91-7224C49458BB}">
+                <c15:layout/>
                 <c15:showLeaderLines val="1"/>
                 <c15:leaderLines>
                   <c:spPr>
@@ -939,6 +949,7 @@
             <c:showLeaderLines val="0"/>
             <c:extLst>
               <c:ext xmlns:c15="http://schemas.microsoft.com/office/drawing/2012/chart" uri="{CE6537A1-D6FC-4f65-9D91-7224C49458BB}">
+                <c15:layout/>
                 <c15:showLeaderLines val="1"/>
                 <c15:leaderLines>
                   <c:spPr>
@@ -1008,11 +1019,11 @@
         </c:dLbls>
         <c:gapWidth val="444"/>
         <c:overlap val="-90"/>
-        <c:axId val="700149408"/>
-        <c:axId val="700150496"/>
+        <c:axId val="278898920"/>
+        <c:axId val="278900488"/>
       </c:barChart>
       <c:catAx>
-        <c:axId val="700149408"/>
+        <c:axId val="278898920"/>
         <c:scaling>
           <c:orientation val="minMax"/>
         </c:scaling>
@@ -1069,7 +1080,7 @@
             <a:endParaRPr lang="pt-PT"/>
           </a:p>
         </c:txPr>
-        <c:crossAx val="700150496"/>
+        <c:crossAx val="278900488"/>
         <c:crosses val="autoZero"/>
         <c:auto val="1"/>
         <c:lblAlgn val="ctr"/>
@@ -1077,7 +1088,7 @@
         <c:noMultiLvlLbl val="0"/>
       </c:catAx>
       <c:valAx>
-        <c:axId val="700150496"/>
+        <c:axId val="278900488"/>
         <c:scaling>
           <c:orientation val="minMax"/>
         </c:scaling>
@@ -1087,7 +1098,7 @@
         <c:majorTickMark val="none"/>
         <c:minorTickMark val="none"/>
         <c:tickLblPos val="none"/>
-        <c:crossAx val="700149408"/>
+        <c:crossAx val="278898920"/>
         <c:crosses val="autoZero"/>
         <c:crossBetween val="between"/>
       </c:valAx>
@@ -1147,6 +1158,7 @@
           </a:p>
         </c:txPr>
       </c:legendEntry>
+      <c:layout/>
       <c:overlay val="0"/>
       <c:spPr>
         <a:noFill/>
@@ -1206,7 +1218,7 @@
 <file path=ppt/charts/chart3.xml><?xml version="1.0" encoding="utf-8"?>
 <c:chartSpace xmlns:c="http://schemas.openxmlformats.org/drawingml/2006/chart" xmlns:a="http://schemas.openxmlformats.org/drawingml/2006/main" xmlns:r="http://schemas.openxmlformats.org/officeDocument/2006/relationships">
   <c:date1904 val="0"/>
-  <c:lang val="en-US"/>
+  <c:lang val="pt-PT"/>
   <c:roundedCorners val="0"/>
   <mc:AlternateContent xmlns:mc="http://schemas.openxmlformats.org/markup-compatibility/2006">
     <mc:Choice xmlns:c14="http://schemas.microsoft.com/office/drawing/2007/8/2/chart" Requires="c14">
@@ -1243,6 +1255,7 @@
           </a:p>
         </c:rich>
       </c:tx>
+      <c:layout/>
       <c:overlay val="0"/>
       <c:spPr>
         <a:noFill/>
@@ -1332,6 +1345,7 @@
             <c:showLeaderLines val="0"/>
             <c:extLst>
               <c:ext xmlns:c15="http://schemas.microsoft.com/office/drawing/2012/chart" uri="{CE6537A1-D6FC-4f65-9D91-7224C49458BB}">
+                <c15:layout/>
                 <c15:showLeaderLines val="1"/>
                 <c15:leaderLines>
                   <c:spPr>
@@ -1407,11 +1421,11 @@
         </c:dLbls>
         <c:gapWidth val="444"/>
         <c:overlap val="-90"/>
-        <c:axId val="700153216"/>
-        <c:axId val="914617296"/>
+        <c:axId val="278897352"/>
+        <c:axId val="277252064"/>
       </c:barChart>
       <c:catAx>
-        <c:axId val="700153216"/>
+        <c:axId val="278897352"/>
         <c:scaling>
           <c:orientation val="minMax"/>
         </c:scaling>
@@ -1468,7 +1482,7 @@
             <a:endParaRPr lang="pt-PT"/>
           </a:p>
         </c:txPr>
-        <c:crossAx val="914617296"/>
+        <c:crossAx val="277252064"/>
         <c:crosses val="autoZero"/>
         <c:auto val="1"/>
         <c:lblAlgn val="ctr"/>
@@ -1476,7 +1490,7 @@
         <c:noMultiLvlLbl val="0"/>
       </c:catAx>
       <c:valAx>
-        <c:axId val="914617296"/>
+        <c:axId val="277252064"/>
         <c:scaling>
           <c:orientation val="minMax"/>
         </c:scaling>
@@ -1486,7 +1500,7 @@
         <c:majorTickMark val="none"/>
         <c:minorTickMark val="none"/>
         <c:tickLblPos val="none"/>
-        <c:crossAx val="700153216"/>
+        <c:crossAx val="278897352"/>
         <c:crosses val="autoZero"/>
         <c:crossBetween val="between"/>
       </c:valAx>
@@ -1528,7 +1542,7 @@
 <file path=ppt/charts/chart4.xml><?xml version="1.0" encoding="utf-8"?>
 <c:chartSpace xmlns:c="http://schemas.openxmlformats.org/drawingml/2006/chart" xmlns:a="http://schemas.openxmlformats.org/drawingml/2006/main" xmlns:r="http://schemas.openxmlformats.org/officeDocument/2006/relationships">
   <c:date1904 val="0"/>
-  <c:lang val="en-US"/>
+  <c:lang val="pt-PT"/>
   <c:roundedCorners val="0"/>
   <mc:AlternateContent xmlns:mc="http://schemas.openxmlformats.org/markup-compatibility/2006">
     <mc:Choice xmlns:c14="http://schemas.microsoft.com/office/drawing/2007/8/2/chart" Requires="c14">
@@ -1843,11 +1857,11 @@
         </c:dLbls>
         <c:gapWidth val="219"/>
         <c:overlap val="-27"/>
-        <c:axId val="914620560"/>
-        <c:axId val="914614032"/>
+        <c:axId val="277249712"/>
+        <c:axId val="273186744"/>
       </c:barChart>
       <c:catAx>
-        <c:axId val="914620560"/>
+        <c:axId val="277249712"/>
         <c:scaling>
           <c:orientation val="minMax"/>
         </c:scaling>
@@ -1890,7 +1904,7 @@
             <a:endParaRPr lang="pt-PT"/>
           </a:p>
         </c:txPr>
-        <c:crossAx val="914614032"/>
+        <c:crossAx val="273186744"/>
         <c:crosses val="autoZero"/>
         <c:auto val="1"/>
         <c:lblAlgn val="ctr"/>
@@ -1898,7 +1912,7 @@
         <c:noMultiLvlLbl val="0"/>
       </c:catAx>
       <c:valAx>
-        <c:axId val="914614032"/>
+        <c:axId val="273186744"/>
         <c:scaling>
           <c:orientation val="minMax"/>
         </c:scaling>
@@ -1949,7 +1963,7 @@
             <a:endParaRPr lang="pt-PT"/>
           </a:p>
         </c:txPr>
-        <c:crossAx val="914620560"/>
+        <c:crossAx val="277249712"/>
         <c:crosses val="autoZero"/>
         <c:crossBetween val="between"/>
       </c:valAx>
@@ -1963,6 +1977,7 @@
     </c:plotArea>
     <c:legend>
       <c:legendPos val="b"/>
+      <c:layout/>
       <c:overlay val="0"/>
       <c:spPr>
         <a:noFill/>
@@ -2022,7 +2037,7 @@
 <file path=ppt/charts/chart5.xml><?xml version="1.0" encoding="utf-8"?>
 <c:chartSpace xmlns:c="http://schemas.openxmlformats.org/drawingml/2006/chart" xmlns:a="http://schemas.openxmlformats.org/drawingml/2006/main" xmlns:r="http://schemas.openxmlformats.org/officeDocument/2006/relationships">
   <c:date1904 val="0"/>
-  <c:lang val="en-US"/>
+  <c:lang val="pt-PT"/>
   <c:roundedCorners val="0"/>
   <mc:AlternateContent xmlns:mc="http://schemas.openxmlformats.org/markup-compatibility/2006">
     <mc:Choice xmlns:c14="http://schemas.microsoft.com/office/drawing/2007/8/2/chart" Requires="c14">
@@ -2351,11 +2366,11 @@
             <a:effectLst/>
           </c:spPr>
         </c:hiLowLines>
-        <c:axId val="914614576"/>
-        <c:axId val="914615120"/>
+        <c:axId val="349742600"/>
+        <c:axId val="349741816"/>
       </c:stockChart>
       <c:catAx>
-        <c:axId val="914614576"/>
+        <c:axId val="349742600"/>
         <c:scaling>
           <c:orientation val="minMax"/>
         </c:scaling>
@@ -2398,7 +2413,7 @@
             <a:endParaRPr lang="pt-PT"/>
           </a:p>
         </c:txPr>
-        <c:crossAx val="914615120"/>
+        <c:crossAx val="349741816"/>
         <c:crosses val="autoZero"/>
         <c:auto val="1"/>
         <c:lblAlgn val="ctr"/>
@@ -2406,7 +2421,7 @@
         <c:noMultiLvlLbl val="0"/>
       </c:catAx>
       <c:valAx>
-        <c:axId val="914615120"/>
+        <c:axId val="349741816"/>
         <c:scaling>
           <c:orientation val="minMax"/>
         </c:scaling>
@@ -2457,7 +2472,7 @@
             <a:endParaRPr lang="pt-PT"/>
           </a:p>
         </c:txPr>
-        <c:crossAx val="914614576"/>
+        <c:crossAx val="349742600"/>
         <c:crosses val="autoZero"/>
         <c:crossBetween val="between"/>
         <c:majorUnit val="1"/>
@@ -2501,7 +2516,7 @@
 <file path=ppt/charts/chart6.xml><?xml version="1.0" encoding="utf-8"?>
 <c:chartSpace xmlns:c="http://schemas.openxmlformats.org/drawingml/2006/chart" xmlns:a="http://schemas.openxmlformats.org/drawingml/2006/main" xmlns:r="http://schemas.openxmlformats.org/officeDocument/2006/relationships">
   <c:date1904 val="0"/>
-  <c:lang val="en-US"/>
+  <c:lang val="pt-PT"/>
   <c:roundedCorners val="0"/>
   <mc:AlternateContent xmlns:mc="http://schemas.openxmlformats.org/markup-compatibility/2006">
     <mc:Choice xmlns:c14="http://schemas.microsoft.com/office/drawing/2007/8/2/chart" Requires="c14">
@@ -2528,6 +2543,7 @@
           </a:p>
         </c:rich>
       </c:tx>
+      <c:layout/>
       <c:overlay val="0"/>
     </c:title>
     <c:autoTitleDeleted val="0"/>
@@ -2577,7 +2593,9 @@
             <c:showBubbleSize val="0"/>
             <c:showLeaderLines val="1"/>
             <c:extLst>
-              <c:ext xmlns:c15="http://schemas.microsoft.com/office/drawing/2012/chart" uri="{CE6537A1-D6FC-4f65-9D91-7224C49458BB}"/>
+              <c:ext xmlns:c15="http://schemas.microsoft.com/office/drawing/2012/chart" uri="{CE6537A1-D6FC-4f65-9D91-7224C49458BB}">
+                <c15:layout/>
+              </c:ext>
             </c:extLst>
           </c:dLbls>
           <c:cat>
@@ -7967,7 +7985,7 @@
             <a:fld id="{0E4FF081-3A8B-4019-8856-6C60FECB4303}" type="slidenum">
               <a:rPr lang="pt-PT" smtClean="0"/>
               <a:pPr/>
-              <a:t>‹#›</a:t>
+              <a:t>‹nº›</a:t>
             </a:fld>
             <a:endParaRPr lang="pt-PT"/>
           </a:p>
@@ -9077,7 +9095,7 @@
             <a:fld id="{3969ECAC-4CC7-4FDF-8D22-C5AD85B730EC}" type="slidenum">
               <a:rPr lang="pt-PT" smtClean="0"/>
               <a:pPr/>
-              <a:t>60</a:t>
+              <a:t>64</a:t>
             </a:fld>
             <a:endParaRPr lang="pt-PT"/>
           </a:p>
@@ -9162,7 +9180,7 @@
             <a:fld id="{3969ECAC-4CC7-4FDF-8D22-C5AD85B730EC}" type="slidenum">
               <a:rPr lang="pt-PT" smtClean="0"/>
               <a:pPr/>
-              <a:t>61</a:t>
+              <a:t>65</a:t>
             </a:fld>
             <a:endParaRPr lang="pt-PT"/>
           </a:p>
@@ -9247,7 +9265,7 @@
             <a:fld id="{3969ECAC-4CC7-4FDF-8D22-C5AD85B730EC}" type="slidenum">
               <a:rPr lang="pt-PT" smtClean="0"/>
               <a:pPr/>
-              <a:t>62</a:t>
+              <a:t>66</a:t>
             </a:fld>
             <a:endParaRPr lang="pt-PT"/>
           </a:p>
@@ -10576,7 +10594,7 @@
             <a:fld id="{5D26EDD4-363A-4236-A170-49C0FA725754}" type="slidenum">
               <a:rPr lang="pt-PT" smtClean="0"/>
               <a:pPr/>
-              <a:t>‹#›</a:t>
+              <a:t>‹nº›</a:t>
             </a:fld>
             <a:endParaRPr lang="pt-PT" dirty="0"/>
           </a:p>
@@ -10900,7 +10918,7 @@
             <a:fld id="{5D26EDD4-363A-4236-A170-49C0FA725754}" type="slidenum">
               <a:rPr lang="pt-PT" smtClean="0"/>
               <a:pPr/>
-              <a:t>‹#›</a:t>
+              <a:t>‹nº›</a:t>
             </a:fld>
             <a:endParaRPr lang="pt-PT" dirty="0"/>
           </a:p>
@@ -11150,7 +11168,7 @@
             <a:fld id="{5D26EDD4-363A-4236-A170-49C0FA725754}" type="slidenum">
               <a:rPr lang="pt-PT" smtClean="0"/>
               <a:pPr/>
-              <a:t>‹#›</a:t>
+              <a:t>‹nº›</a:t>
             </a:fld>
             <a:endParaRPr lang="pt-PT" dirty="0"/>
           </a:p>
@@ -11498,7 +11516,7 @@
             <a:fld id="{5D26EDD4-363A-4236-A170-49C0FA725754}" type="slidenum">
               <a:rPr lang="pt-PT" smtClean="0"/>
               <a:pPr/>
-              <a:t>‹#›</a:t>
+              <a:t>‹nº›</a:t>
             </a:fld>
             <a:endParaRPr lang="pt-PT" dirty="0"/>
           </a:p>
@@ -11854,7 +11872,7 @@
             <a:fld id="{5D26EDD4-363A-4236-A170-49C0FA725754}" type="slidenum">
               <a:rPr lang="pt-PT" smtClean="0"/>
               <a:pPr/>
-              <a:t>‹#›</a:t>
+              <a:t>‹nº›</a:t>
             </a:fld>
             <a:endParaRPr lang="pt-PT" dirty="0"/>
           </a:p>
@@ -12230,7 +12248,7 @@
             <a:fld id="{5D26EDD4-363A-4236-A170-49C0FA725754}" type="slidenum">
               <a:rPr lang="pt-PT" smtClean="0"/>
               <a:pPr/>
-              <a:t>‹#›</a:t>
+              <a:t>‹nº›</a:t>
             </a:fld>
             <a:endParaRPr lang="pt-PT" dirty="0"/>
           </a:p>
@@ -12709,7 +12727,7 @@
             <a:fld id="{5D26EDD4-363A-4236-A170-49C0FA725754}" type="slidenum">
               <a:rPr lang="pt-PT" smtClean="0"/>
               <a:pPr/>
-              <a:t>‹#›</a:t>
+              <a:t>‹nº›</a:t>
             </a:fld>
             <a:endParaRPr lang="pt-PT" dirty="0"/>
           </a:p>
@@ -12923,7 +12941,7 @@
             <a:fld id="{5D26EDD4-363A-4236-A170-49C0FA725754}" type="slidenum">
               <a:rPr lang="pt-PT" smtClean="0"/>
               <a:pPr/>
-              <a:t>‹#›</a:t>
+              <a:t>‹nº›</a:t>
             </a:fld>
             <a:endParaRPr lang="pt-PT" dirty="0"/>
           </a:p>
@@ -13143,7 +13161,7 @@
             <a:fld id="{5D26EDD4-363A-4236-A170-49C0FA725754}" type="slidenum">
               <a:rPr lang="pt-PT" smtClean="0"/>
               <a:pPr/>
-              <a:t>‹#›</a:t>
+              <a:t>‹nº›</a:t>
             </a:fld>
             <a:endParaRPr lang="pt-PT" dirty="0"/>
           </a:p>
@@ -13391,7 +13409,7 @@
             <a:fld id="{5D26EDD4-363A-4236-A170-49C0FA725754}" type="slidenum">
               <a:rPr lang="pt-PT" smtClean="0"/>
               <a:pPr/>
-              <a:t>‹#›</a:t>
+              <a:t>‹nº›</a:t>
             </a:fld>
             <a:endParaRPr lang="pt-PT" dirty="0"/>
           </a:p>
@@ -13641,7 +13659,7 @@
             <a:fld id="{5D26EDD4-363A-4236-A170-49C0FA725754}" type="slidenum">
               <a:rPr lang="pt-PT" smtClean="0"/>
               <a:pPr/>
-              <a:t>‹#›</a:t>
+              <a:t>‹nº›</a:t>
             </a:fld>
             <a:endParaRPr lang="pt-PT" dirty="0"/>
           </a:p>
@@ -13955,7 +13973,7 @@
             <a:fld id="{5D26EDD4-363A-4236-A170-49C0FA725754}" type="slidenum">
               <a:rPr lang="pt-PT" smtClean="0"/>
               <a:pPr/>
-              <a:t>‹#›</a:t>
+              <a:t>‹nº›</a:t>
             </a:fld>
             <a:endParaRPr lang="pt-PT" dirty="0"/>
           </a:p>
@@ -14339,7 +14357,7 @@
             <a:fld id="{5D26EDD4-363A-4236-A170-49C0FA725754}" type="slidenum">
               <a:rPr lang="pt-PT" smtClean="0"/>
               <a:pPr/>
-              <a:t>‹#›</a:t>
+              <a:t>‹nº›</a:t>
             </a:fld>
             <a:endParaRPr lang="pt-PT" dirty="0"/>
           </a:p>
@@ -14497,7 +14515,7 @@
             <a:fld id="{5D26EDD4-363A-4236-A170-49C0FA725754}" type="slidenum">
               <a:rPr lang="pt-PT" smtClean="0"/>
               <a:pPr/>
-              <a:t>‹#›</a:t>
+              <a:t>‹nº›</a:t>
             </a:fld>
             <a:endParaRPr lang="pt-PT" dirty="0"/>
           </a:p>
@@ -14632,7 +14650,7 @@
             <a:fld id="{5D26EDD4-363A-4236-A170-49C0FA725754}" type="slidenum">
               <a:rPr lang="pt-PT" smtClean="0"/>
               <a:pPr/>
-              <a:t>‹#›</a:t>
+              <a:t>‹nº›</a:t>
             </a:fld>
             <a:endParaRPr lang="pt-PT" dirty="0"/>
           </a:p>
@@ -14889,7 +14907,7 @@
             <a:fld id="{5D26EDD4-363A-4236-A170-49C0FA725754}" type="slidenum">
               <a:rPr lang="pt-PT" smtClean="0"/>
               <a:pPr/>
-              <a:t>‹#›</a:t>
+              <a:t>‹nº›</a:t>
             </a:fld>
             <a:endParaRPr lang="pt-PT" dirty="0"/>
           </a:p>
@@ -15213,7 +15231,7 @@
             <a:fld id="{5D26EDD4-363A-4236-A170-49C0FA725754}" type="slidenum">
               <a:rPr lang="pt-PT" smtClean="0"/>
               <a:pPr/>
-              <a:t>‹#›</a:t>
+              <a:t>‹nº›</a:t>
             </a:fld>
             <a:endParaRPr lang="pt-PT" dirty="0"/>
           </a:p>
@@ -15495,7 +15513,7 @@
             <a:fld id="{5D26EDD4-363A-4236-A170-49C0FA725754}" type="slidenum">
               <a:rPr lang="pt-PT" smtClean="0"/>
               <a:pPr/>
-              <a:t>‹#›</a:t>
+              <a:t>‹nº›</a:t>
             </a:fld>
             <a:endParaRPr lang="pt-PT" dirty="0"/>
           </a:p>
@@ -22575,6 +22593,18 @@
           <a:bodyPr/>
           <a:lstStyle/>
           <a:p>
+            <a:r>
+              <a:rPr lang="pt-PT" dirty="0" err="1"/>
+              <a:t>Document</a:t>
+            </a:r>
+            <a:r>
+              <a:rPr lang="pt-PT" dirty="0"/>
+              <a:t> </a:t>
+            </a:r>
+            <a:r>
+              <a:rPr lang="pt-PT" dirty="0" err="1"/>
+              <a:t>repository</a:t>
+            </a:r>
             <a:endParaRPr lang="pt-PT" dirty="0"/>
           </a:p>
         </p:txBody>
@@ -22594,10 +22624,301 @@
           <a:bodyPr/>
           <a:lstStyle/>
           <a:p>
-            <a:endParaRPr lang="pt-PT"/>
+            <a:endParaRPr lang="pt-PT" dirty="0"/>
           </a:p>
         </p:txBody>
       </p:sp>
+      <p:pic>
+        <p:nvPicPr>
+          <p:cNvPr id="4" name="Marcador de Posição de Conteúdo 3"/>
+          <p:cNvPicPr>
+            <a:picLocks noChangeAspect="1"/>
+          </p:cNvPicPr>
+          <p:nvPr/>
+        </p:nvPicPr>
+        <p:blipFill>
+          <a:blip r:embed="rId2" cstate="print">
+            <a:extLst>
+              <a:ext uri="{28A0092B-C50C-407E-A947-70E740481C1C}">
+                <a14:useLocalDpi xmlns:a14="http://schemas.microsoft.com/office/drawing/2010/main" val="0"/>
+              </a:ext>
+            </a:extLst>
+          </a:blip>
+          <a:stretch>
+            <a:fillRect/>
+          </a:stretch>
+        </p:blipFill>
+        <p:spPr>
+          <a:xfrm>
+            <a:off x="5287503" y="2487239"/>
+            <a:ext cx="1300611" cy="582364"/>
+          </a:xfrm>
+          <a:prstGeom prst="rect">
+            <a:avLst/>
+          </a:prstGeom>
+        </p:spPr>
+      </p:pic>
+      <p:pic>
+        <p:nvPicPr>
+          <p:cNvPr id="5" name="Imagem 4"/>
+          <p:cNvPicPr>
+            <a:picLocks noChangeAspect="1"/>
+          </p:cNvPicPr>
+          <p:nvPr/>
+        </p:nvPicPr>
+        <p:blipFill>
+          <a:blip r:embed="rId3">
+            <a:extLst>
+              <a:ext uri="{28A0092B-C50C-407E-A947-70E740481C1C}">
+                <a14:useLocalDpi xmlns:a14="http://schemas.microsoft.com/office/drawing/2010/main" val="0"/>
+              </a:ext>
+            </a:extLst>
+          </a:blip>
+          <a:stretch>
+            <a:fillRect/>
+          </a:stretch>
+        </p:blipFill>
+        <p:spPr>
+          <a:xfrm>
+            <a:off x="1295401" y="4089920"/>
+            <a:ext cx="1355949" cy="831522"/>
+          </a:xfrm>
+          <a:prstGeom prst="rect">
+            <a:avLst/>
+          </a:prstGeom>
+        </p:spPr>
+      </p:pic>
+      <p:pic>
+        <p:nvPicPr>
+          <p:cNvPr id="6" name="Imagem 5"/>
+          <p:cNvPicPr>
+            <a:picLocks noChangeAspect="1"/>
+          </p:cNvPicPr>
+          <p:nvPr/>
+        </p:nvPicPr>
+        <p:blipFill>
+          <a:blip r:embed="rId4">
+            <a:extLst>
+              <a:ext uri="{28A0092B-C50C-407E-A947-70E740481C1C}">
+                <a14:useLocalDpi xmlns:a14="http://schemas.microsoft.com/office/drawing/2010/main" val="0"/>
+              </a:ext>
+            </a:extLst>
+          </a:blip>
+          <a:stretch>
+            <a:fillRect/>
+          </a:stretch>
+        </p:blipFill>
+        <p:spPr>
+          <a:xfrm>
+            <a:off x="5452100" y="3686436"/>
+            <a:ext cx="1089850" cy="1089850"/>
+          </a:xfrm>
+          <a:prstGeom prst="rect">
+            <a:avLst/>
+          </a:prstGeom>
+        </p:spPr>
+      </p:pic>
+      <p:pic>
+        <p:nvPicPr>
+          <p:cNvPr id="7" name="Imagem 6"/>
+          <p:cNvPicPr>
+            <a:picLocks noChangeAspect="1"/>
+          </p:cNvPicPr>
+          <p:nvPr/>
+        </p:nvPicPr>
+        <p:blipFill>
+          <a:blip r:embed="rId5">
+            <a:extLst>
+              <a:ext uri="{28A0092B-C50C-407E-A947-70E740481C1C}">
+                <a14:useLocalDpi xmlns:a14="http://schemas.microsoft.com/office/drawing/2010/main" val="0"/>
+              </a:ext>
+            </a:extLst>
+          </a:blip>
+          <a:stretch>
+            <a:fillRect/>
+          </a:stretch>
+        </p:blipFill>
+        <p:spPr>
+          <a:xfrm>
+            <a:off x="5615707" y="5393119"/>
+            <a:ext cx="926243" cy="875903"/>
+          </a:xfrm>
+          <a:prstGeom prst="rect">
+            <a:avLst/>
+          </a:prstGeom>
+        </p:spPr>
+      </p:pic>
+      <p:pic>
+        <p:nvPicPr>
+          <p:cNvPr id="8" name="Imagem 7"/>
+          <p:cNvPicPr>
+            <a:picLocks noChangeAspect="1"/>
+          </p:cNvPicPr>
+          <p:nvPr/>
+        </p:nvPicPr>
+        <p:blipFill>
+          <a:blip r:embed="rId6" cstate="print">
+            <a:extLst>
+              <a:ext uri="{28A0092B-C50C-407E-A947-70E740481C1C}">
+                <a14:useLocalDpi xmlns:a14="http://schemas.microsoft.com/office/drawing/2010/main" val="0"/>
+              </a:ext>
+            </a:extLst>
+          </a:blip>
+          <a:stretch>
+            <a:fillRect/>
+          </a:stretch>
+        </p:blipFill>
+        <p:spPr>
+          <a:xfrm>
+            <a:off x="9066153" y="4180858"/>
+            <a:ext cx="1686476" cy="456754"/>
+          </a:xfrm>
+          <a:prstGeom prst="rect">
+            <a:avLst/>
+          </a:prstGeom>
+        </p:spPr>
+      </p:pic>
+      <p:pic>
+        <p:nvPicPr>
+          <p:cNvPr id="9" name="Imagem 8"/>
+          <p:cNvPicPr>
+            <a:picLocks noChangeAspect="1"/>
+          </p:cNvPicPr>
+          <p:nvPr/>
+        </p:nvPicPr>
+        <p:blipFill>
+          <a:blip r:embed="rId7" cstate="print">
+            <a:extLst>
+              <a:ext uri="{28A0092B-C50C-407E-A947-70E740481C1C}">
+                <a14:useLocalDpi xmlns:a14="http://schemas.microsoft.com/office/drawing/2010/main" val="0"/>
+              </a:ext>
+            </a:extLst>
+          </a:blip>
+          <a:stretch>
+            <a:fillRect/>
+          </a:stretch>
+        </p:blipFill>
+        <p:spPr>
+          <a:xfrm>
+            <a:off x="2685370" y="2602124"/>
+            <a:ext cx="923749" cy="691920"/>
+          </a:xfrm>
+          <a:prstGeom prst="rect">
+            <a:avLst/>
+          </a:prstGeom>
+        </p:spPr>
+      </p:pic>
+      <p:cxnSp>
+        <p:nvCxnSpPr>
+          <p:cNvPr id="10" name="Conexão em ângulos retos 9"/>
+          <p:cNvCxnSpPr>
+            <a:stCxn id="4" idx="3"/>
+            <a:endCxn id="8" idx="0"/>
+          </p:cNvCxnSpPr>
+          <p:nvPr/>
+        </p:nvCxnSpPr>
+        <p:spPr>
+          <a:xfrm>
+            <a:off x="6588114" y="2778421"/>
+            <a:ext cx="3321277" cy="1402437"/>
+          </a:xfrm>
+          <a:prstGeom prst="bentConnector2">
+            <a:avLst/>
+          </a:prstGeom>
+          <a:ln>
+            <a:headEnd type="triangle"/>
+            <a:tailEnd type="triangle"/>
+          </a:ln>
+        </p:spPr>
+        <p:style>
+          <a:lnRef idx="1">
+            <a:schemeClr val="accent1"/>
+          </a:lnRef>
+          <a:fillRef idx="0">
+            <a:schemeClr val="accent1"/>
+          </a:fillRef>
+          <a:effectRef idx="0">
+            <a:schemeClr val="accent1"/>
+          </a:effectRef>
+          <a:fontRef idx="minor">
+            <a:schemeClr val="tx1"/>
+          </a:fontRef>
+        </p:style>
+      </p:cxnSp>
+      <p:cxnSp>
+        <p:nvCxnSpPr>
+          <p:cNvPr id="11" name="Conexão em ângulos retos 10"/>
+          <p:cNvCxnSpPr>
+            <a:stCxn id="7" idx="3"/>
+            <a:endCxn id="8" idx="2"/>
+          </p:cNvCxnSpPr>
+          <p:nvPr/>
+        </p:nvCxnSpPr>
+        <p:spPr>
+          <a:xfrm flipV="1">
+            <a:off x="6541950" y="4637612"/>
+            <a:ext cx="3367441" cy="1193459"/>
+          </a:xfrm>
+          <a:prstGeom prst="bentConnector2">
+            <a:avLst/>
+          </a:prstGeom>
+          <a:ln>
+            <a:headEnd type="triangle"/>
+            <a:tailEnd type="triangle"/>
+          </a:ln>
+        </p:spPr>
+        <p:style>
+          <a:lnRef idx="1">
+            <a:schemeClr val="accent1"/>
+          </a:lnRef>
+          <a:fillRef idx="0">
+            <a:schemeClr val="accent1"/>
+          </a:fillRef>
+          <a:effectRef idx="0">
+            <a:schemeClr val="accent1"/>
+          </a:effectRef>
+          <a:fontRef idx="minor">
+            <a:schemeClr val="tx1"/>
+          </a:fontRef>
+        </p:style>
+      </p:cxnSp>
+      <p:cxnSp>
+        <p:nvCxnSpPr>
+          <p:cNvPr id="12" name="Conexão curva 11"/>
+          <p:cNvCxnSpPr>
+            <a:stCxn id="4" idx="1"/>
+            <a:endCxn id="5" idx="0"/>
+          </p:cNvCxnSpPr>
+          <p:nvPr/>
+        </p:nvCxnSpPr>
+        <p:spPr>
+          <a:xfrm rot="10800000" flipV="1">
+            <a:off x="1973377" y="2778420"/>
+            <a:ext cx="3314127" cy="1311499"/>
+          </a:xfrm>
+          <a:prstGeom prst="curvedConnector2">
+            <a:avLst/>
+          </a:prstGeom>
+          <a:ln>
+            <a:headEnd type="triangle"/>
+            <a:tailEnd type="triangle"/>
+          </a:ln>
+        </p:spPr>
+        <p:style>
+          <a:lnRef idx="1">
+            <a:schemeClr val="accent1"/>
+          </a:lnRef>
+          <a:fillRef idx="0">
+            <a:schemeClr val="accent1"/>
+          </a:fillRef>
+          <a:effectRef idx="0">
+            <a:schemeClr val="accent1"/>
+          </a:effectRef>
+          <a:fontRef idx="minor">
+            <a:schemeClr val="tx1"/>
+          </a:fontRef>
+        </p:style>
+      </p:cxnSp>
     </p:spTree>
     <p:extLst>
       <p:ext uri="{BB962C8B-B14F-4D97-AF65-F5344CB8AC3E}">
@@ -22651,37 +22972,300 @@
           <a:lstStyle/>
           <a:p>
             <a:r>
-              <a:rPr lang="en-US" dirty="0" smtClean="0"/>
-              <a:t>Project Quality</a:t>
-            </a:r>
-            <a:endParaRPr lang="en-US" dirty="0"/>
+              <a:rPr lang="pt-PT" dirty="0" err="1"/>
+              <a:t>Document</a:t>
+            </a:r>
+            <a:r>
+              <a:rPr lang="pt-PT" dirty="0"/>
+              <a:t> </a:t>
+            </a:r>
+            <a:r>
+              <a:rPr lang="pt-PT" dirty="0" err="1"/>
+              <a:t>Repository</a:t>
+            </a:r>
+            <a:endParaRPr lang="pt-PT" dirty="0"/>
           </a:p>
         </p:txBody>
       </p:sp>
       <p:sp>
         <p:nvSpPr>
-          <p:cNvPr id="3" name="Marcador de Posição do Texto 2"/>
+          <p:cNvPr id="3" name="Marcador de Posição de Conteúdo 2"/>
           <p:cNvSpPr>
             <a:spLocks noGrp="1"/>
           </p:cNvSpPr>
           <p:nvPr>
-            <p:ph type="body" idx="1"/>
+            <p:ph idx="1"/>
           </p:nvPr>
         </p:nvSpPr>
-        <p:spPr/>
+        <p:spPr>
+          <a:xfrm>
+            <a:off x="1295401" y="2556932"/>
+            <a:ext cx="3645309" cy="3318936"/>
+          </a:xfrm>
+        </p:spPr>
         <p:txBody>
-          <a:bodyPr/>
+          <a:bodyPr>
+            <a:normAutofit/>
+          </a:bodyPr>
           <a:lstStyle/>
           <a:p>
             <a:r>
-              <a:rPr lang="pt-PT" dirty="0" smtClean="0"/>
-              <a:t>Carla Machado</a:t>
+              <a:rPr lang="pt-PT" dirty="0"/>
+              <a:t>Google </a:t>
+            </a:r>
+            <a:r>
+              <a:rPr lang="pt-PT" dirty="0" err="1"/>
+              <a:t>Code</a:t>
             </a:r>
             <a:endParaRPr lang="pt-PT" dirty="0"/>
+          </a:p>
+          <a:p>
+            <a:pPr lvl="1"/>
+            <a:r>
+              <a:rPr lang="pt-PT" dirty="0" err="1"/>
+              <a:t>Keep</a:t>
+            </a:r>
+            <a:r>
+              <a:rPr lang="pt-PT" dirty="0"/>
+              <a:t> </a:t>
+            </a:r>
+            <a:r>
+              <a:rPr lang="pt-PT" dirty="0" err="1"/>
+              <a:t>Your</a:t>
+            </a:r>
+            <a:r>
+              <a:rPr lang="pt-PT" dirty="0"/>
+              <a:t> Time Project</a:t>
+            </a:r>
+          </a:p>
+          <a:p>
+            <a:pPr lvl="1"/>
+            <a:r>
+              <a:rPr lang="pt-PT" dirty="0" err="1"/>
+              <a:t>Documentation</a:t>
+            </a:r>
+            <a:endParaRPr lang="pt-PT" dirty="0"/>
+          </a:p>
+          <a:p>
+            <a:pPr lvl="2"/>
+            <a:r>
+              <a:rPr lang="pt-PT" dirty="0"/>
+              <a:t>Meetings</a:t>
+            </a:r>
+          </a:p>
+          <a:p>
+            <a:pPr lvl="2"/>
+            <a:r>
+              <a:rPr lang="pt-PT" dirty="0"/>
+              <a:t>Processes</a:t>
+            </a:r>
+          </a:p>
+          <a:p>
+            <a:pPr lvl="2"/>
+            <a:r>
+              <a:rPr lang="pt-PT" dirty="0"/>
+              <a:t>Project Management</a:t>
+            </a:r>
+          </a:p>
+          <a:p>
+            <a:endParaRPr lang="pt-PT" dirty="0"/>
+          </a:p>
+        </p:txBody>
+      </p:sp>
+      <p:sp>
+        <p:nvSpPr>
+          <p:cNvPr id="4" name="CaixaDeTexto 3"/>
+          <p:cNvSpPr txBox="1"/>
+          <p:nvPr/>
+        </p:nvSpPr>
+        <p:spPr>
+          <a:xfrm>
+            <a:off x="4159045" y="3923071"/>
+            <a:ext cx="3126658" cy="1597360"/>
+          </a:xfrm>
+          <a:prstGeom prst="rect">
+            <a:avLst/>
+          </a:prstGeom>
+          <a:noFill/>
+        </p:spPr>
+        <p:txBody>
+          <a:bodyPr wrap="square" rtlCol="0">
+            <a:spAutoFit/>
+          </a:bodyPr>
+          <a:lstStyle/>
+          <a:p>
+            <a:pPr marL="1200150" lvl="2" indent="-285750" defTabSz="457200">
+              <a:spcBef>
+                <a:spcPct val="20000"/>
+              </a:spcBef>
+              <a:spcAft>
+                <a:spcPts val="600"/>
+              </a:spcAft>
+              <a:buClr>
+                <a:schemeClr val="accent1"/>
+              </a:buClr>
+              <a:buSzPct val="115000"/>
+              <a:buFont typeface="Arial"/>
+              <a:buChar char="•"/>
+            </a:pPr>
+            <a:r>
+              <a:rPr lang="pt-PT" dirty="0">
+                <a:solidFill>
+                  <a:schemeClr val="tx1">
+                    <a:lumMod val="85000"/>
+                    <a:lumOff val="15000"/>
+                  </a:schemeClr>
+                </a:solidFill>
+              </a:rPr>
+              <a:t>Templates</a:t>
+            </a:r>
+          </a:p>
+          <a:p>
+            <a:pPr marL="1200150" lvl="2" indent="-285750" defTabSz="457200">
+              <a:spcBef>
+                <a:spcPct val="20000"/>
+              </a:spcBef>
+              <a:spcAft>
+                <a:spcPts val="600"/>
+              </a:spcAft>
+              <a:buClr>
+                <a:schemeClr val="accent1"/>
+              </a:buClr>
+              <a:buSzPct val="115000"/>
+              <a:buFont typeface="Arial"/>
+              <a:buChar char="•"/>
+            </a:pPr>
+            <a:r>
+              <a:rPr lang="pt-PT" dirty="0" err="1">
+                <a:solidFill>
+                  <a:schemeClr val="tx1">
+                    <a:lumMod val="85000"/>
+                    <a:lumOff val="15000"/>
+                  </a:schemeClr>
+                </a:solidFill>
+              </a:rPr>
+              <a:t>Test</a:t>
+            </a:r>
+            <a:r>
+              <a:rPr lang="pt-PT" dirty="0">
+                <a:solidFill>
+                  <a:schemeClr val="tx1">
+                    <a:lumMod val="85000"/>
+                    <a:lumOff val="15000"/>
+                  </a:schemeClr>
+                </a:solidFill>
+              </a:rPr>
+              <a:t> </a:t>
+            </a:r>
+            <a:r>
+              <a:rPr lang="pt-PT" dirty="0" err="1">
+                <a:solidFill>
+                  <a:schemeClr val="tx1">
+                    <a:lumMod val="85000"/>
+                    <a:lumOff val="15000"/>
+                  </a:schemeClr>
+                </a:solidFill>
+              </a:rPr>
+              <a:t>Results</a:t>
+            </a:r>
+            <a:endParaRPr lang="pt-PT" dirty="0">
+              <a:solidFill>
+                <a:schemeClr val="tx1">
+                  <a:lumMod val="85000"/>
+                  <a:lumOff val="15000"/>
+                </a:schemeClr>
+              </a:solidFill>
+            </a:endParaRPr>
+          </a:p>
+          <a:p>
+            <a:pPr marL="1200150" lvl="2" indent="-285750" defTabSz="457200">
+              <a:spcBef>
+                <a:spcPct val="20000"/>
+              </a:spcBef>
+              <a:spcAft>
+                <a:spcPts val="600"/>
+              </a:spcAft>
+              <a:buClr>
+                <a:schemeClr val="accent1"/>
+              </a:buClr>
+              <a:buSzPct val="115000"/>
+              <a:buFont typeface="Arial"/>
+              <a:buChar char="•"/>
+            </a:pPr>
+            <a:r>
+              <a:rPr lang="pt-PT" dirty="0" err="1">
+                <a:solidFill>
+                  <a:schemeClr val="tx1">
+                    <a:lumMod val="85000"/>
+                    <a:lumOff val="15000"/>
+                  </a:schemeClr>
+                </a:solidFill>
+              </a:rPr>
+              <a:t>Weekly</a:t>
+            </a:r>
+            <a:r>
+              <a:rPr lang="pt-PT" dirty="0">
+                <a:solidFill>
+                  <a:schemeClr val="tx1">
+                    <a:lumMod val="85000"/>
+                    <a:lumOff val="15000"/>
+                  </a:schemeClr>
+                </a:solidFill>
+              </a:rPr>
+              <a:t> </a:t>
+            </a:r>
+            <a:r>
+              <a:rPr lang="pt-PT" dirty="0" err="1">
+                <a:solidFill>
+                  <a:schemeClr val="tx1">
+                    <a:lumMod val="85000"/>
+                    <a:lumOff val="15000"/>
+                  </a:schemeClr>
+                </a:solidFill>
+              </a:rPr>
+              <a:t>Reports</a:t>
+            </a:r>
+            <a:endParaRPr lang="pt-PT" dirty="0">
+              <a:solidFill>
+                <a:schemeClr val="tx1">
+                  <a:lumMod val="85000"/>
+                  <a:lumOff val="15000"/>
+                </a:schemeClr>
+              </a:solidFill>
+            </a:endParaRPr>
+          </a:p>
+          <a:p>
+            <a:pPr marL="1200150" lvl="2" indent="-285750" defTabSz="457200">
+              <a:spcBef>
+                <a:spcPct val="20000"/>
+              </a:spcBef>
+              <a:spcAft>
+                <a:spcPts val="600"/>
+              </a:spcAft>
+              <a:buClr>
+                <a:schemeClr val="accent1"/>
+              </a:buClr>
+              <a:buSzPct val="115000"/>
+              <a:buFont typeface="Arial"/>
+              <a:buChar char="•"/>
+            </a:pPr>
+            <a:endParaRPr lang="pt-PT" dirty="0">
+              <a:solidFill>
+                <a:schemeClr val="tx1">
+                  <a:lumMod val="85000"/>
+                  <a:lumOff val="15000"/>
+                </a:schemeClr>
+              </a:solidFill>
+            </a:endParaRPr>
           </a:p>
         </p:txBody>
       </p:sp>
     </p:spTree>
+    <p:extLst>
+      <p:ext uri="{BB962C8B-B14F-4D97-AF65-F5344CB8AC3E}">
+        <p14:creationId xmlns:p14="http://schemas.microsoft.com/office/powerpoint/2010/main" val="837742913"/>
+      </p:ext>
+    </p:extLst>
   </p:cSld>
   <p:clrMapOvr>
     <a:masterClrMapping/>
@@ -22715,7 +23299,7 @@
       </p:grpSpPr>
       <p:sp>
         <p:nvSpPr>
-          <p:cNvPr id="2" name="Title 1"/>
+          <p:cNvPr id="2" name="Título 1"/>
           <p:cNvSpPr>
             <a:spLocks noGrp="1"/>
           </p:cNvSpPr>
@@ -22729,8 +23313,16 @@
           <a:lstStyle/>
           <a:p>
             <a:r>
-              <a:rPr lang="en-US" dirty="0" smtClean="0"/>
-              <a:t>Processes and Process Analysis</a:t>
+              <a:rPr lang="pt-PT" dirty="0" err="1"/>
+              <a:t>Document</a:t>
+            </a:r>
+            <a:r>
+              <a:rPr lang="pt-PT" dirty="0"/>
+              <a:t> </a:t>
+            </a:r>
+            <a:r>
+              <a:rPr lang="pt-PT" dirty="0" err="1"/>
+              <a:t>Repository</a:t>
             </a:r>
             <a:endParaRPr lang="pt-PT" dirty="0"/>
           </a:p>
@@ -22738,7 +23330,7 @@
       </p:sp>
       <p:sp>
         <p:nvSpPr>
-          <p:cNvPr id="3" name="Content Placeholder 2"/>
+          <p:cNvPr id="3" name="Marcador de Posição de Conteúdo 2"/>
           <p:cNvSpPr>
             <a:spLocks noGrp="1"/>
           </p:cNvSpPr>
@@ -22748,70 +23340,92 @@
         </p:nvSpPr>
         <p:spPr/>
         <p:txBody>
-          <a:bodyPr>
-            <a:normAutofit fontScale="92500" lnSpcReduction="10000"/>
-          </a:bodyPr>
+          <a:bodyPr/>
           <a:lstStyle/>
           <a:p>
             <a:r>
-              <a:rPr lang="en-US" dirty="0" smtClean="0"/>
-              <a:t>Document Management Process</a:t>
-            </a:r>
+              <a:rPr lang="pt-PT" dirty="0"/>
+              <a:t>Google </a:t>
+            </a:r>
+            <a:r>
+              <a:rPr lang="pt-PT" dirty="0" err="1"/>
+              <a:t>Docs</a:t>
+            </a:r>
+            <a:endParaRPr lang="pt-PT" dirty="0"/>
           </a:p>
           <a:p>
             <a:pPr lvl="1"/>
             <a:r>
-              <a:rPr lang="en-US" dirty="0" smtClean="0"/>
-              <a:t>It was followed in the majority of documents although some unconformities were detected </a:t>
-            </a:r>
-          </a:p>
-          <a:p>
-            <a:pPr lvl="2"/>
-            <a:r>
-              <a:rPr lang="en-US" dirty="0" smtClean="0"/>
-              <a:t>Not following correctly the hierarchy for the different roles</a:t>
-            </a:r>
+              <a:rPr lang="pt-PT" dirty="0" err="1"/>
+              <a:t>Documents</a:t>
+            </a:r>
+            <a:r>
+              <a:rPr lang="pt-PT" dirty="0"/>
+              <a:t>, </a:t>
+            </a:r>
+            <a:r>
+              <a:rPr lang="pt-PT" dirty="0" err="1"/>
+              <a:t>Requirements</a:t>
+            </a:r>
+            <a:r>
+              <a:rPr lang="pt-PT" dirty="0"/>
+              <a:t>, </a:t>
+            </a:r>
+            <a:r>
+              <a:rPr lang="pt-PT" dirty="0" err="1"/>
+              <a:t>Tests</a:t>
+            </a:r>
+            <a:r>
+              <a:rPr lang="pt-PT" dirty="0"/>
+              <a:t> </a:t>
+            </a:r>
+            <a:r>
+              <a:rPr lang="pt-PT" dirty="0" err="1"/>
+              <a:t>and</a:t>
+            </a:r>
+            <a:r>
+              <a:rPr lang="pt-PT" dirty="0"/>
+              <a:t> </a:t>
+            </a:r>
+            <a:r>
+              <a:rPr lang="pt-PT" dirty="0" err="1"/>
+              <a:t>Review</a:t>
+            </a:r>
+            <a:r>
+              <a:rPr lang="pt-PT" dirty="0"/>
+              <a:t> </a:t>
+            </a:r>
+            <a:r>
+              <a:rPr lang="pt-PT" dirty="0" err="1"/>
+              <a:t>Measures</a:t>
+            </a:r>
+            <a:endParaRPr lang="pt-PT" dirty="0"/>
           </a:p>
           <a:p>
             <a:pPr lvl="1"/>
             <a:r>
-              <a:rPr lang="en-US" dirty="0" smtClean="0"/>
-              <a:t>The process lacked flexibility in choosing the persons for the different roles</a:t>
-            </a:r>
-          </a:p>
-          <a:p>
-            <a:r>
-              <a:rPr lang="en-US" dirty="0" smtClean="0"/>
-              <a:t>Project Assessment and Control Process</a:t>
-            </a:r>
+              <a:rPr lang="pt-PT" dirty="0" err="1"/>
+              <a:t>Dashboard</a:t>
+            </a:r>
+            <a:endParaRPr lang="pt-PT" dirty="0"/>
           </a:p>
           <a:p>
             <a:pPr lvl="1"/>
             <a:r>
-              <a:rPr lang="en-US" dirty="0" smtClean="0"/>
-              <a:t>Project and risk control weren’t very accurate</a:t>
-            </a:r>
-          </a:p>
-          <a:p>
-            <a:pPr lvl="2"/>
-            <a:r>
-              <a:rPr lang="en-US" dirty="0" smtClean="0"/>
-              <a:t>Process wasn’t always exactly followed</a:t>
-            </a:r>
-          </a:p>
-          <a:p>
-            <a:pPr lvl="2"/>
-            <a:r>
-              <a:rPr lang="en-US" dirty="0" smtClean="0"/>
-              <a:t>Problems with some of the used tools</a:t>
-            </a:r>
+              <a:rPr lang="pt-PT" dirty="0" err="1"/>
+              <a:t>Logs</a:t>
+            </a:r>
+            <a:endParaRPr lang="pt-PT" dirty="0"/>
+          </a:p>
+          <a:p>
+            <a:endParaRPr lang="pt-PT" dirty="0"/>
           </a:p>
         </p:txBody>
       </p:sp>
     </p:spTree>
     <p:extLst>
       <p:ext uri="{BB962C8B-B14F-4D97-AF65-F5344CB8AC3E}">
-        <p14:creationId xmlns:p14="http://schemas.microsoft.com/office/powerpoint/2010/main" val="3857988853"/>
+        <p14:creationId xmlns:p14="http://schemas.microsoft.com/office/powerpoint/2010/main" val="2325686505"/>
       </p:ext>
     </p:extLst>
   </p:cSld>
@@ -22861,8 +23475,16 @@
           <a:lstStyle/>
           <a:p>
             <a:r>
-              <a:rPr lang="en-US" dirty="0" smtClean="0"/>
-              <a:t>Processes and Process Analysis</a:t>
+              <a:rPr lang="pt-PT" dirty="0" err="1"/>
+              <a:t>Document</a:t>
+            </a:r>
+            <a:r>
+              <a:rPr lang="pt-PT" dirty="0"/>
+              <a:t> </a:t>
+            </a:r>
+            <a:r>
+              <a:rPr lang="pt-PT" dirty="0" err="1"/>
+              <a:t>Repository</a:t>
             </a:r>
             <a:endParaRPr lang="pt-PT" dirty="0"/>
           </a:p>
@@ -22878,7 +23500,12 @@
             <p:ph idx="1"/>
           </p:nvPr>
         </p:nvSpPr>
-        <p:spPr/>
+        <p:spPr>
+          <a:xfrm>
+            <a:off x="1295401" y="2556932"/>
+            <a:ext cx="3689554" cy="3318936"/>
+          </a:xfrm>
+        </p:spPr>
         <p:txBody>
           <a:bodyPr>
             <a:normAutofit/>
@@ -22886,51 +23513,485 @@
           <a:lstStyle/>
           <a:p>
             <a:r>
-              <a:rPr lang="en-US" dirty="0" smtClean="0"/>
-              <a:t>Project Planning Process</a:t>
+              <a:rPr lang="pt-PT" dirty="0"/>
+              <a:t>Google Sites</a:t>
             </a:r>
           </a:p>
           <a:p>
             <a:pPr lvl="1"/>
             <a:r>
-              <a:rPr lang="en-US" dirty="0" smtClean="0"/>
-              <a:t>Plan was updated</a:t>
-            </a:r>
-          </a:p>
-          <a:p>
-            <a:pPr lvl="2"/>
-            <a:r>
-              <a:rPr lang="en-US" dirty="0" smtClean="0"/>
-              <a:t>Redefinition of some concepts - milestones</a:t>
-            </a:r>
-          </a:p>
-          <a:p>
-            <a:r>
-              <a:rPr lang="en-US" dirty="0" smtClean="0"/>
-              <a:t>Requirements Analysis Process</a:t>
-            </a:r>
+              <a:rPr lang="pt-PT" dirty="0"/>
+              <a:t>Project </a:t>
+            </a:r>
+            <a:r>
+              <a:rPr lang="pt-PT" dirty="0" err="1"/>
+              <a:t>Information</a:t>
+            </a:r>
+            <a:endParaRPr lang="pt-PT" dirty="0"/>
           </a:p>
           <a:p>
             <a:pPr lvl="1"/>
             <a:r>
-              <a:rPr lang="en-US" dirty="0" smtClean="0"/>
-              <a:t>Major unconformity</a:t>
-            </a:r>
-          </a:p>
-          <a:p>
-            <a:pPr lvl="2"/>
-            <a:r>
-              <a:rPr lang="en-US" dirty="0" smtClean="0"/>
-              <a:t> changes were made that didn´t follow the change requirements process and documentation wasn’t updated </a:t>
-            </a:r>
+              <a:rPr lang="pt-PT" dirty="0" err="1" smtClean="0"/>
+              <a:t>Dashboard</a:t>
+            </a:r>
+            <a:endParaRPr lang="pt-PT" dirty="0" smtClean="0"/>
+          </a:p>
+        </p:txBody>
+      </p:sp>
+      <p:sp>
+        <p:nvSpPr>
+          <p:cNvPr id="6" name="CaixaDeTexto 5"/>
+          <p:cNvSpPr txBox="1"/>
+          <p:nvPr/>
+        </p:nvSpPr>
+        <p:spPr>
+          <a:xfrm>
+            <a:off x="1295401" y="4049303"/>
+            <a:ext cx="3790336" cy="2557623"/>
+          </a:xfrm>
+          <a:prstGeom prst="rect">
+            <a:avLst/>
+          </a:prstGeom>
+          <a:noFill/>
+        </p:spPr>
+        <p:txBody>
+          <a:bodyPr wrap="square" rtlCol="0">
+            <a:spAutoFit/>
+          </a:bodyPr>
+          <a:lstStyle/>
+          <a:p>
+            <a:pPr marL="742950" lvl="1" indent="-285750" defTabSz="457200">
+              <a:spcBef>
+                <a:spcPct val="20000"/>
+              </a:spcBef>
+              <a:spcAft>
+                <a:spcPts val="600"/>
+              </a:spcAft>
+              <a:buClr>
+                <a:schemeClr val="accent1"/>
+              </a:buClr>
+              <a:buSzPct val="115000"/>
+              <a:buFont typeface="Arial"/>
+              <a:buChar char="•"/>
+            </a:pPr>
+            <a:r>
+              <a:rPr lang="pt-PT" sz="2000" dirty="0" err="1">
+                <a:solidFill>
+                  <a:schemeClr val="tx1">
+                    <a:lumMod val="85000"/>
+                    <a:lumOff val="15000"/>
+                  </a:schemeClr>
+                </a:solidFill>
+              </a:rPr>
+              <a:t>Repository</a:t>
+            </a:r>
+            <a:endParaRPr lang="pt-PT" sz="2000" dirty="0">
+              <a:solidFill>
+                <a:schemeClr val="tx1">
+                  <a:lumMod val="85000"/>
+                  <a:lumOff val="15000"/>
+                </a:schemeClr>
+              </a:solidFill>
+            </a:endParaRPr>
+          </a:p>
+          <a:p>
+            <a:pPr lvl="3" indent="-285750" defTabSz="457200">
+              <a:spcBef>
+                <a:spcPct val="20000"/>
+              </a:spcBef>
+              <a:spcAft>
+                <a:spcPts val="600"/>
+              </a:spcAft>
+              <a:buClr>
+                <a:schemeClr val="accent1"/>
+              </a:buClr>
+              <a:buSzPct val="115000"/>
+              <a:buFont typeface="Arial"/>
+              <a:buChar char="•"/>
+            </a:pPr>
+            <a:r>
+              <a:rPr lang="pt-PT" dirty="0" err="1">
+                <a:solidFill>
+                  <a:schemeClr val="tx1">
+                    <a:lumMod val="85000"/>
+                    <a:lumOff val="15000"/>
+                  </a:schemeClr>
+                </a:solidFill>
+              </a:rPr>
+              <a:t>Logs</a:t>
+            </a:r>
+            <a:r>
+              <a:rPr lang="pt-PT" dirty="0">
+                <a:solidFill>
+                  <a:schemeClr val="tx1">
+                    <a:lumMod val="85000"/>
+                    <a:lumOff val="15000"/>
+                  </a:schemeClr>
+                </a:solidFill>
+              </a:rPr>
+              <a:t> (link)</a:t>
+            </a:r>
+          </a:p>
+          <a:p>
+            <a:pPr lvl="3" indent="-285750" defTabSz="457200">
+              <a:spcBef>
+                <a:spcPct val="20000"/>
+              </a:spcBef>
+              <a:spcAft>
+                <a:spcPts val="600"/>
+              </a:spcAft>
+              <a:buClr>
+                <a:schemeClr val="accent1"/>
+              </a:buClr>
+              <a:buSzPct val="115000"/>
+              <a:buFont typeface="Arial"/>
+              <a:buChar char="•"/>
+            </a:pPr>
+            <a:r>
+              <a:rPr lang="pt-PT" dirty="0">
+                <a:solidFill>
+                  <a:schemeClr val="tx1">
+                    <a:lumMod val="85000"/>
+                    <a:lumOff val="15000"/>
+                  </a:schemeClr>
+                </a:solidFill>
+              </a:rPr>
+              <a:t>Project </a:t>
+            </a:r>
+            <a:r>
+              <a:rPr lang="pt-PT" dirty="0" err="1">
+                <a:solidFill>
+                  <a:schemeClr val="tx1">
+                    <a:lumMod val="85000"/>
+                    <a:lumOff val="15000"/>
+                  </a:schemeClr>
+                </a:solidFill>
+              </a:rPr>
+              <a:t>Documentation</a:t>
+            </a:r>
+            <a:endParaRPr lang="pt-PT" dirty="0">
+              <a:solidFill>
+                <a:schemeClr val="tx1">
+                  <a:lumMod val="85000"/>
+                  <a:lumOff val="15000"/>
+                </a:schemeClr>
+              </a:solidFill>
+            </a:endParaRPr>
+          </a:p>
+          <a:p>
+            <a:pPr lvl="3" indent="-285750" defTabSz="457200">
+              <a:spcBef>
+                <a:spcPct val="20000"/>
+              </a:spcBef>
+              <a:spcAft>
+                <a:spcPts val="600"/>
+              </a:spcAft>
+              <a:buClr>
+                <a:schemeClr val="accent1"/>
+              </a:buClr>
+              <a:buSzPct val="115000"/>
+              <a:buFont typeface="Arial"/>
+              <a:buChar char="•"/>
+            </a:pPr>
+            <a:r>
+              <a:rPr lang="pt-PT" dirty="0" smtClean="0">
+                <a:solidFill>
+                  <a:schemeClr val="tx1">
+                    <a:lumMod val="85000"/>
+                    <a:lumOff val="15000"/>
+                  </a:schemeClr>
+                </a:solidFill>
+              </a:rPr>
+              <a:t>Templates</a:t>
+            </a:r>
+          </a:p>
+          <a:p>
+            <a:pPr lvl="3" indent="-285750" defTabSz="457200">
+              <a:spcBef>
+                <a:spcPct val="20000"/>
+              </a:spcBef>
+              <a:spcAft>
+                <a:spcPts val="600"/>
+              </a:spcAft>
+              <a:buClr>
+                <a:schemeClr val="accent1"/>
+              </a:buClr>
+              <a:buSzPct val="115000"/>
+              <a:buFont typeface="Arial"/>
+              <a:buChar char="•"/>
+            </a:pPr>
+            <a:r>
+              <a:rPr lang="pt-PT" dirty="0" smtClean="0">
+                <a:solidFill>
+                  <a:schemeClr val="tx1">
+                    <a:lumMod val="85000"/>
+                    <a:lumOff val="15000"/>
+                  </a:schemeClr>
+                </a:solidFill>
+              </a:rPr>
+              <a:t>Processes</a:t>
+            </a:r>
+            <a:endParaRPr lang="pt-PT" dirty="0">
+              <a:solidFill>
+                <a:schemeClr val="tx1">
+                  <a:lumMod val="85000"/>
+                  <a:lumOff val="15000"/>
+                </a:schemeClr>
+              </a:solidFill>
+            </a:endParaRPr>
+          </a:p>
+          <a:p>
+            <a:pPr indent="-285750" defTabSz="457200">
+              <a:spcBef>
+                <a:spcPct val="20000"/>
+              </a:spcBef>
+              <a:spcAft>
+                <a:spcPts val="600"/>
+              </a:spcAft>
+              <a:buClr>
+                <a:schemeClr val="accent1"/>
+              </a:buClr>
+              <a:buSzPct val="115000"/>
+              <a:buFont typeface="Arial"/>
+              <a:buChar char="•"/>
+            </a:pPr>
+            <a:endParaRPr lang="pt-PT" sz="2400" dirty="0">
+              <a:solidFill>
+                <a:schemeClr val="tx1">
+                  <a:lumMod val="85000"/>
+                  <a:lumOff val="15000"/>
+                </a:schemeClr>
+              </a:solidFill>
+            </a:endParaRPr>
+          </a:p>
+        </p:txBody>
+      </p:sp>
+      <p:sp>
+        <p:nvSpPr>
+          <p:cNvPr id="7" name="CaixaDeTexto 6"/>
+          <p:cNvSpPr txBox="1"/>
+          <p:nvPr/>
+        </p:nvSpPr>
+        <p:spPr>
+          <a:xfrm>
+            <a:off x="4306529" y="4442645"/>
+            <a:ext cx="4115768" cy="1951303"/>
+          </a:xfrm>
+          <a:prstGeom prst="rect">
+            <a:avLst/>
+          </a:prstGeom>
+          <a:noFill/>
+        </p:spPr>
+        <p:txBody>
+          <a:bodyPr wrap="square" rtlCol="0">
+            <a:spAutoFit/>
+          </a:bodyPr>
+          <a:lstStyle/>
+          <a:p>
+            <a:pPr lvl="3" indent="-285750" defTabSz="457200">
+              <a:spcBef>
+                <a:spcPct val="20000"/>
+              </a:spcBef>
+              <a:spcAft>
+                <a:spcPts val="600"/>
+              </a:spcAft>
+              <a:buClr>
+                <a:schemeClr val="accent1"/>
+              </a:buClr>
+              <a:buSzPct val="115000"/>
+              <a:buFont typeface="Arial"/>
+              <a:buChar char="•"/>
+            </a:pPr>
+            <a:r>
+              <a:rPr lang="pt-PT" dirty="0" err="1" smtClean="0">
+                <a:solidFill>
+                  <a:schemeClr val="tx1">
+                    <a:lumMod val="85000"/>
+                    <a:lumOff val="15000"/>
+                  </a:schemeClr>
+                </a:solidFill>
+              </a:rPr>
+              <a:t>Weekly</a:t>
+            </a:r>
+            <a:r>
+              <a:rPr lang="pt-PT" dirty="0" smtClean="0">
+                <a:solidFill>
+                  <a:schemeClr val="tx1">
+                    <a:lumMod val="85000"/>
+                    <a:lumOff val="15000"/>
+                  </a:schemeClr>
+                </a:solidFill>
+              </a:rPr>
+              <a:t> </a:t>
+            </a:r>
+            <a:r>
+              <a:rPr lang="pt-PT" dirty="0" err="1">
+                <a:solidFill>
+                  <a:schemeClr val="tx1">
+                    <a:lumMod val="85000"/>
+                    <a:lumOff val="15000"/>
+                  </a:schemeClr>
+                </a:solidFill>
+              </a:rPr>
+              <a:t>Report</a:t>
+            </a:r>
+            <a:endParaRPr lang="pt-PT" dirty="0">
+              <a:solidFill>
+                <a:schemeClr val="tx1">
+                  <a:lumMod val="85000"/>
+                  <a:lumOff val="15000"/>
+                </a:schemeClr>
+              </a:solidFill>
+            </a:endParaRPr>
+          </a:p>
+          <a:p>
+            <a:pPr lvl="3" indent="-285750" defTabSz="457200">
+              <a:spcBef>
+                <a:spcPct val="20000"/>
+              </a:spcBef>
+              <a:spcAft>
+                <a:spcPts val="600"/>
+              </a:spcAft>
+              <a:buClr>
+                <a:schemeClr val="accent1"/>
+              </a:buClr>
+              <a:buSzPct val="115000"/>
+              <a:buFont typeface="Arial"/>
+              <a:buChar char="•"/>
+            </a:pPr>
+            <a:r>
+              <a:rPr lang="pt-PT" dirty="0">
+                <a:solidFill>
+                  <a:schemeClr val="tx1">
+                    <a:lumMod val="85000"/>
+                    <a:lumOff val="15000"/>
+                  </a:schemeClr>
+                </a:solidFill>
+              </a:rPr>
+              <a:t>Meeting minutes</a:t>
+            </a:r>
+          </a:p>
+          <a:p>
+            <a:pPr lvl="3" indent="-285750" defTabSz="457200">
+              <a:spcBef>
+                <a:spcPct val="20000"/>
+              </a:spcBef>
+              <a:spcAft>
+                <a:spcPts val="600"/>
+              </a:spcAft>
+              <a:buClr>
+                <a:schemeClr val="accent1"/>
+              </a:buClr>
+              <a:buSzPct val="115000"/>
+              <a:buFont typeface="Arial"/>
+              <a:buChar char="•"/>
+            </a:pPr>
+            <a:r>
+              <a:rPr lang="pt-PT" dirty="0" err="1">
+                <a:solidFill>
+                  <a:schemeClr val="tx1">
+                    <a:lumMod val="85000"/>
+                    <a:lumOff val="15000"/>
+                  </a:schemeClr>
+                </a:solidFill>
+              </a:rPr>
+              <a:t>Kickoff</a:t>
+            </a:r>
+            <a:r>
+              <a:rPr lang="pt-PT" dirty="0">
+                <a:solidFill>
+                  <a:schemeClr val="tx1">
+                    <a:lumMod val="85000"/>
+                    <a:lumOff val="15000"/>
+                  </a:schemeClr>
+                </a:solidFill>
+              </a:rPr>
+              <a:t> Meeting</a:t>
+            </a:r>
+          </a:p>
+          <a:p>
+            <a:pPr lvl="3" indent="-285750" defTabSz="457200">
+              <a:spcBef>
+                <a:spcPct val="20000"/>
+              </a:spcBef>
+              <a:spcAft>
+                <a:spcPts val="600"/>
+              </a:spcAft>
+              <a:buClr>
+                <a:schemeClr val="accent1"/>
+              </a:buClr>
+              <a:buSzPct val="115000"/>
+              <a:buFont typeface="Arial"/>
+              <a:buChar char="•"/>
+            </a:pPr>
+            <a:r>
+              <a:rPr lang="pt-PT" dirty="0" err="1">
+                <a:solidFill>
+                  <a:schemeClr val="tx1">
+                    <a:lumMod val="85000"/>
+                    <a:lumOff val="15000"/>
+                  </a:schemeClr>
+                </a:solidFill>
+              </a:rPr>
+              <a:t>Code</a:t>
+            </a:r>
+            <a:r>
+              <a:rPr lang="pt-PT" dirty="0">
+                <a:solidFill>
+                  <a:schemeClr val="tx1">
+                    <a:lumMod val="85000"/>
+                    <a:lumOff val="15000"/>
+                  </a:schemeClr>
+                </a:solidFill>
+              </a:rPr>
+              <a:t> </a:t>
+            </a:r>
+            <a:r>
+              <a:rPr lang="pt-PT" dirty="0" err="1">
+                <a:solidFill>
+                  <a:schemeClr val="tx1">
+                    <a:lumMod val="85000"/>
+                    <a:lumOff val="15000"/>
+                  </a:schemeClr>
+                </a:solidFill>
+              </a:rPr>
+              <a:t>Repository</a:t>
+            </a:r>
+            <a:r>
+              <a:rPr lang="pt-PT" dirty="0">
+                <a:solidFill>
+                  <a:schemeClr val="tx1">
+                    <a:lumMod val="85000"/>
+                    <a:lumOff val="15000"/>
+                  </a:schemeClr>
+                </a:solidFill>
+              </a:rPr>
+              <a:t> (link)</a:t>
+            </a:r>
+          </a:p>
+          <a:p>
+            <a:endParaRPr lang="pt-PT" dirty="0"/>
           </a:p>
         </p:txBody>
       </p:sp>
     </p:spTree>
+    <p:extLst>
+      <p:ext uri="{BB962C8B-B14F-4D97-AF65-F5344CB8AC3E}">
+        <p14:creationId xmlns:p14="http://schemas.microsoft.com/office/powerpoint/2010/main" val="3104365819"/>
+      </p:ext>
+    </p:extLst>
   </p:cSld>
   <p:clrMapOvr>
     <a:masterClrMapping/>
   </p:clrMapOvr>
+  <p:timing>
+    <p:tnLst>
+      <p:par>
+        <p:cTn id="1" dur="indefinite" restart="never" nodeType="tmRoot"/>
+      </p:par>
+    </p:tnLst>
+  </p:timing>
 </p:sld>
 </file>
 
@@ -22967,8 +24028,16 @@
           <a:lstStyle/>
           <a:p>
             <a:r>
-              <a:rPr lang="en-US" dirty="0" smtClean="0"/>
-              <a:t>Processes and Process Analysis</a:t>
+              <a:rPr lang="pt-PT" dirty="0" err="1"/>
+              <a:t>Document</a:t>
+            </a:r>
+            <a:r>
+              <a:rPr lang="pt-PT" dirty="0"/>
+              <a:t> </a:t>
+            </a:r>
+            <a:r>
+              <a:rPr lang="pt-PT" dirty="0" err="1"/>
+              <a:t>Repository</a:t>
             </a:r>
             <a:endParaRPr lang="pt-PT" dirty="0"/>
           </a:p>
@@ -22987,70 +24056,160 @@
         <p:spPr/>
         <p:txBody>
           <a:bodyPr>
-            <a:normAutofit lnSpcReduction="10000"/>
+            <a:normAutofit fontScale="92500" lnSpcReduction="10000"/>
           </a:bodyPr>
           <a:lstStyle/>
           <a:p>
             <a:r>
-              <a:rPr lang="en-US" dirty="0" smtClean="0"/>
-              <a:t>Review Process</a:t>
-            </a:r>
+              <a:rPr lang="pt-PT" dirty="0" err="1"/>
+              <a:t>Documents</a:t>
+            </a:r>
+            <a:r>
+              <a:rPr lang="pt-PT" dirty="0"/>
+              <a:t> </a:t>
+            </a:r>
+            <a:r>
+              <a:rPr lang="pt-PT" dirty="0" err="1"/>
+              <a:t>state</a:t>
+            </a:r>
+            <a:endParaRPr lang="pt-PT" dirty="0"/>
           </a:p>
           <a:p>
             <a:pPr lvl="1"/>
             <a:r>
-              <a:rPr lang="en-US" dirty="0" smtClean="0"/>
-              <a:t>Major unconformity associated with the walkthrough </a:t>
-            </a:r>
-          </a:p>
-          <a:p>
-            <a:pPr lvl="2"/>
-            <a:r>
-              <a:rPr lang="en-US" dirty="0" smtClean="0"/>
-              <a:t>The process wasn´t followed and measures weren’t recorded</a:t>
-            </a:r>
-          </a:p>
-          <a:p>
-            <a:r>
-              <a:rPr lang="en-US" dirty="0" smtClean="0"/>
-              <a:t>Verification &amp; Validation Process </a:t>
+              <a:rPr lang="pt-PT" dirty="0" err="1"/>
+              <a:t>Draft</a:t>
+            </a:r>
+            <a:r>
+              <a:rPr lang="pt-PT" dirty="0"/>
+              <a:t>: 2</a:t>
             </a:r>
           </a:p>
           <a:p>
             <a:pPr lvl="1"/>
             <a:r>
-              <a:rPr lang="en-US" dirty="0" smtClean="0"/>
-              <a:t>Doesn’t mention ad-hoc testing</a:t>
-            </a:r>
-          </a:p>
-          <a:p>
-            <a:pPr lvl="2"/>
-            <a:r>
-              <a:rPr lang="en-US" dirty="0" smtClean="0"/>
-              <a:t>How to report defects not associated with tests</a:t>
+              <a:rPr lang="pt-PT" dirty="0" err="1"/>
+              <a:t>Ready</a:t>
+            </a:r>
+            <a:r>
+              <a:rPr lang="pt-PT" dirty="0"/>
+              <a:t> for </a:t>
+            </a:r>
+            <a:r>
+              <a:rPr lang="pt-PT" dirty="0" err="1"/>
+              <a:t>Revision</a:t>
+            </a:r>
+            <a:r>
+              <a:rPr lang="pt-PT" dirty="0"/>
+              <a:t>: 0</a:t>
             </a:r>
           </a:p>
           <a:p>
             <a:pPr lvl="1"/>
             <a:r>
-              <a:rPr lang="en-US" dirty="0" smtClean="0"/>
-              <a:t>What to do in cases of reopen</a:t>
+              <a:rPr lang="pt-PT" dirty="0" err="1"/>
+              <a:t>Ready</a:t>
+            </a:r>
+            <a:r>
+              <a:rPr lang="pt-PT" dirty="0"/>
+              <a:t> for </a:t>
+            </a:r>
+            <a:r>
+              <a:rPr lang="pt-PT" dirty="0" err="1"/>
+              <a:t>Approval</a:t>
+            </a:r>
+            <a:r>
+              <a:rPr lang="pt-PT" dirty="0"/>
+              <a:t>: 0</a:t>
             </a:r>
           </a:p>
           <a:p>
             <a:pPr lvl="1"/>
             <a:r>
-              <a:rPr lang="en-US" dirty="0" smtClean="0"/>
-              <a:t>Test plan wasn’t concluded</a:t>
-            </a:r>
+              <a:rPr lang="pt-PT" dirty="0" err="1"/>
+              <a:t>Baselined</a:t>
+            </a:r>
+            <a:r>
+              <a:rPr lang="pt-PT" dirty="0"/>
+              <a:t>: 29</a:t>
+            </a:r>
+          </a:p>
+          <a:p>
+            <a:pPr lvl="1"/>
+            <a:r>
+              <a:rPr lang="pt-PT" dirty="0" err="1"/>
+              <a:t>Deprecated</a:t>
+            </a:r>
+            <a:r>
+              <a:rPr lang="pt-PT" dirty="0"/>
+              <a:t>: 0</a:t>
+            </a:r>
+          </a:p>
+          <a:p>
+            <a:pPr lvl="1"/>
+            <a:endParaRPr lang="pt-PT" dirty="0"/>
+          </a:p>
+          <a:p>
+            <a:pPr lvl="1"/>
+            <a:r>
+              <a:rPr lang="pt-PT" dirty="0"/>
+              <a:t>Global </a:t>
+            </a:r>
+            <a:r>
+              <a:rPr lang="pt-PT" dirty="0" err="1"/>
+              <a:t>Change</a:t>
+            </a:r>
+            <a:r>
+              <a:rPr lang="pt-PT" dirty="0"/>
+              <a:t> Rate: 0,066</a:t>
+            </a:r>
+          </a:p>
+          <a:p>
+            <a:endParaRPr lang="pt-PT" dirty="0"/>
           </a:p>
         </p:txBody>
       </p:sp>
+      <p:pic>
+        <p:nvPicPr>
+          <p:cNvPr id="4" name="Imagem 3"/>
+          <p:cNvPicPr>
+            <a:picLocks noChangeAspect="1"/>
+          </p:cNvPicPr>
+          <p:nvPr/>
+        </p:nvPicPr>
+        <p:blipFill>
+          <a:blip r:embed="rId2"/>
+          <a:stretch>
+            <a:fillRect/>
+          </a:stretch>
+        </p:blipFill>
+        <p:spPr>
+          <a:xfrm>
+            <a:off x="5636337" y="2466751"/>
+            <a:ext cx="5544306" cy="3845559"/>
+          </a:xfrm>
+          <a:prstGeom prst="rect">
+            <a:avLst/>
+          </a:prstGeom>
+        </p:spPr>
+      </p:pic>
     </p:spTree>
+    <p:extLst>
+      <p:ext uri="{BB962C8B-B14F-4D97-AF65-F5344CB8AC3E}">
+        <p14:creationId xmlns:p14="http://schemas.microsoft.com/office/powerpoint/2010/main" val="996600230"/>
+      </p:ext>
+    </p:extLst>
   </p:cSld>
   <p:clrMapOvr>
     <a:masterClrMapping/>
   </p:clrMapOvr>
+  <p:timing>
+    <p:tnLst>
+      <p:par>
+        <p:cTn id="1" dur="indefinite" restart="never" nodeType="tmRoot"/>
+      </p:par>
+    </p:tnLst>
+  </p:timing>
 </p:sld>
 </file>
 
@@ -23088,15 +24247,93 @@
           <a:p>
             <a:r>
               <a:rPr lang="en-US" dirty="0" smtClean="0"/>
-              <a:t>Processes and Process Analysis</a:t>
-            </a:r>
-            <a:endParaRPr lang="pt-PT" dirty="0"/>
+              <a:t>Project Quality</a:t>
+            </a:r>
+            <a:endParaRPr lang="en-US" dirty="0"/>
           </a:p>
         </p:txBody>
       </p:sp>
       <p:sp>
         <p:nvSpPr>
-          <p:cNvPr id="3" name="Marcador de Posição de Conteúdo 2"/>
+          <p:cNvPr id="3" name="Marcador de Posição do Texto 2"/>
+          <p:cNvSpPr>
+            <a:spLocks noGrp="1"/>
+          </p:cNvSpPr>
+          <p:nvPr>
+            <p:ph type="body" idx="1"/>
+          </p:nvPr>
+        </p:nvSpPr>
+        <p:spPr/>
+        <p:txBody>
+          <a:bodyPr/>
+          <a:lstStyle/>
+          <a:p>
+            <a:r>
+              <a:rPr lang="pt-PT" dirty="0" smtClean="0"/>
+              <a:t>Carla Machado</a:t>
+            </a:r>
+            <a:endParaRPr lang="pt-PT" dirty="0"/>
+          </a:p>
+        </p:txBody>
+      </p:sp>
+    </p:spTree>
+  </p:cSld>
+  <p:clrMapOvr>
+    <a:masterClrMapping/>
+  </p:clrMapOvr>
+  <p:timing>
+    <p:tnLst>
+      <p:par>
+        <p:cTn id="1" dur="indefinite" restart="never" nodeType="tmRoot"/>
+      </p:par>
+    </p:tnLst>
+  </p:timing>
+</p:sld>
+</file>
+
+<file path=ppt/slides/slide38.xml><?xml version="1.0" encoding="utf-8"?>
+<p:sld xmlns:a="http://schemas.openxmlformats.org/drawingml/2006/main" xmlns:r="http://schemas.openxmlformats.org/officeDocument/2006/relationships" xmlns:p="http://schemas.openxmlformats.org/presentationml/2006/main">
+  <p:cSld>
+    <p:spTree>
+      <p:nvGrpSpPr>
+        <p:cNvPr id="1" name=""/>
+        <p:cNvGrpSpPr/>
+        <p:nvPr/>
+      </p:nvGrpSpPr>
+      <p:grpSpPr>
+        <a:xfrm>
+          <a:off x="0" y="0"/>
+          <a:ext cx="0" cy="0"/>
+          <a:chOff x="0" y="0"/>
+          <a:chExt cx="0" cy="0"/>
+        </a:xfrm>
+      </p:grpSpPr>
+      <p:sp>
+        <p:nvSpPr>
+          <p:cNvPr id="2" name="Title 1"/>
+          <p:cNvSpPr>
+            <a:spLocks noGrp="1"/>
+          </p:cNvSpPr>
+          <p:nvPr>
+            <p:ph type="title"/>
+          </p:nvPr>
+        </p:nvSpPr>
+        <p:spPr/>
+        <p:txBody>
+          <a:bodyPr/>
+          <a:lstStyle/>
+          <a:p>
+            <a:r>
+              <a:rPr lang="en-US" dirty="0" smtClean="0"/>
+              <a:t>Processes and Process Analysis</a:t>
+            </a:r>
+            <a:endParaRPr lang="pt-PT" dirty="0"/>
+          </a:p>
+        </p:txBody>
+      </p:sp>
+      <p:sp>
+        <p:nvSpPr>
+          <p:cNvPr id="3" name="Content Placeholder 2"/>
           <p:cNvSpPr>
             <a:spLocks noGrp="1"/>
           </p:cNvSpPr>
@@ -23106,49 +24343,87 @@
         </p:nvSpPr>
         <p:spPr/>
         <p:txBody>
-          <a:bodyPr/>
+          <a:bodyPr>
+            <a:normAutofit fontScale="92500" lnSpcReduction="10000"/>
+          </a:bodyPr>
           <a:lstStyle/>
           <a:p>
             <a:r>
               <a:rPr lang="en-US" dirty="0" smtClean="0"/>
-              <a:t>Common issues in following the processes</a:t>
+              <a:t>Document Management Process</a:t>
             </a:r>
           </a:p>
           <a:p>
             <a:pPr lvl="1"/>
             <a:r>
               <a:rPr lang="en-US" dirty="0" smtClean="0"/>
-              <a:t>Process measures weren’t always recorded or updated timely</a:t>
+              <a:t>It was followed in the majority of documents although some unconformities were detected </a:t>
+            </a:r>
+          </a:p>
+          <a:p>
+            <a:pPr lvl="2"/>
+            <a:r>
+              <a:rPr lang="en-US" dirty="0" smtClean="0"/>
+              <a:t>Not following correctly the hierarchy for the different roles</a:t>
             </a:r>
           </a:p>
           <a:p>
             <a:pPr lvl="1"/>
             <a:r>
               <a:rPr lang="en-US" dirty="0" smtClean="0"/>
-              <a:t>The processes weren’t always exactly followed as defined</a:t>
+              <a:t>The process lacked flexibility in choosing the persons for the different roles</a:t>
+            </a:r>
+          </a:p>
+          <a:p>
+            <a:r>
+              <a:rPr lang="en-US" dirty="0" smtClean="0"/>
+              <a:t>Project Assessment and Control Process</a:t>
             </a:r>
           </a:p>
           <a:p>
             <a:pPr lvl="1"/>
             <a:r>
               <a:rPr lang="en-US" dirty="0" smtClean="0"/>
-              <a:t>Some processes were overcomplicated for the team and project needs</a:t>
-            </a:r>
-          </a:p>
-          <a:p>
-            <a:endParaRPr lang="pt-PT" dirty="0"/>
+              <a:t>Project and risk control weren’t very accurate</a:t>
+            </a:r>
+          </a:p>
+          <a:p>
+            <a:pPr lvl="2"/>
+            <a:r>
+              <a:rPr lang="en-US" dirty="0" smtClean="0"/>
+              <a:t>Process wasn’t always exactly followed</a:t>
+            </a:r>
+          </a:p>
+          <a:p>
+            <a:pPr lvl="2"/>
+            <a:r>
+              <a:rPr lang="en-US" dirty="0" smtClean="0"/>
+              <a:t>Problems with some of the used tools</a:t>
+            </a:r>
           </a:p>
         </p:txBody>
       </p:sp>
     </p:spTree>
+    <p:extLst>
+      <p:ext uri="{BB962C8B-B14F-4D97-AF65-F5344CB8AC3E}">
+        <p14:creationId xmlns:p14="http://schemas.microsoft.com/office/powerpoint/2010/main" val="3857988853"/>
+      </p:ext>
+    </p:extLst>
   </p:cSld>
   <p:clrMapOvr>
     <a:masterClrMapping/>
   </p:clrMapOvr>
+  <p:timing>
+    <p:tnLst>
+      <p:par>
+        <p:cTn id="1" dur="indefinite" restart="never" nodeType="tmRoot"/>
+      </p:par>
+    </p:tnLst>
+  </p:timing>
 </p:sld>
 </file>
 
-<file path=ppt/slides/slide38.xml><?xml version="1.0" encoding="utf-8"?>
+<file path=ppt/slides/slide39.xml><?xml version="1.0" encoding="utf-8"?>
 <p:sld xmlns:a="http://schemas.openxmlformats.org/drawingml/2006/main" xmlns:r="http://schemas.openxmlformats.org/officeDocument/2006/relationships" xmlns:p="http://schemas.openxmlformats.org/presentationml/2006/main">
   <p:cSld>
     <p:spTree>
@@ -23182,6 +24457,409 @@
           <a:p>
             <a:r>
               <a:rPr lang="en-US" dirty="0" smtClean="0"/>
+              <a:t>Processes and Process Analysis</a:t>
+            </a:r>
+            <a:endParaRPr lang="pt-PT" dirty="0"/>
+          </a:p>
+        </p:txBody>
+      </p:sp>
+      <p:sp>
+        <p:nvSpPr>
+          <p:cNvPr id="3" name="Marcador de Posição de Conteúdo 2"/>
+          <p:cNvSpPr>
+            <a:spLocks noGrp="1"/>
+          </p:cNvSpPr>
+          <p:nvPr>
+            <p:ph idx="1"/>
+          </p:nvPr>
+        </p:nvSpPr>
+        <p:spPr/>
+        <p:txBody>
+          <a:bodyPr>
+            <a:normAutofit/>
+          </a:bodyPr>
+          <a:lstStyle/>
+          <a:p>
+            <a:r>
+              <a:rPr lang="en-US" dirty="0" smtClean="0"/>
+              <a:t>Project Planning Process</a:t>
+            </a:r>
+          </a:p>
+          <a:p>
+            <a:pPr lvl="1"/>
+            <a:r>
+              <a:rPr lang="en-US" dirty="0" smtClean="0"/>
+              <a:t>Plan was updated</a:t>
+            </a:r>
+          </a:p>
+          <a:p>
+            <a:pPr lvl="2"/>
+            <a:r>
+              <a:rPr lang="en-US" dirty="0" smtClean="0"/>
+              <a:t>Redefinition of some concepts - milestones</a:t>
+            </a:r>
+          </a:p>
+          <a:p>
+            <a:r>
+              <a:rPr lang="en-US" dirty="0" smtClean="0"/>
+              <a:t>Requirements Analysis Process</a:t>
+            </a:r>
+          </a:p>
+          <a:p>
+            <a:pPr lvl="1"/>
+            <a:r>
+              <a:rPr lang="en-US" dirty="0" smtClean="0"/>
+              <a:t>Major unconformity</a:t>
+            </a:r>
+          </a:p>
+          <a:p>
+            <a:pPr lvl="2"/>
+            <a:r>
+              <a:rPr lang="en-US" dirty="0" smtClean="0"/>
+              <a:t> changes were made that didn´t follow the change requirements process and documentation wasn’t updated </a:t>
+            </a:r>
+          </a:p>
+        </p:txBody>
+      </p:sp>
+    </p:spTree>
+  </p:cSld>
+  <p:clrMapOvr>
+    <a:masterClrMapping/>
+  </p:clrMapOvr>
+</p:sld>
+</file>
+
+<file path=ppt/slides/slide4.xml><?xml version="1.0" encoding="utf-8"?>
+<p:sld xmlns:a="http://schemas.openxmlformats.org/drawingml/2006/main" xmlns:r="http://schemas.openxmlformats.org/officeDocument/2006/relationships" xmlns:p="http://schemas.openxmlformats.org/presentationml/2006/main">
+  <p:cSld>
+    <p:spTree>
+      <p:nvGrpSpPr>
+        <p:cNvPr id="1" name=""/>
+        <p:cNvGrpSpPr/>
+        <p:nvPr/>
+      </p:nvGrpSpPr>
+      <p:grpSpPr>
+        <a:xfrm>
+          <a:off x="0" y="0"/>
+          <a:ext cx="0" cy="0"/>
+          <a:chOff x="0" y="0"/>
+          <a:chExt cx="0" cy="0"/>
+        </a:xfrm>
+      </p:grpSpPr>
+      <p:sp>
+        <p:nvSpPr>
+          <p:cNvPr id="4" name="Title 3"/>
+          <p:cNvSpPr>
+            <a:spLocks noGrp="1"/>
+          </p:cNvSpPr>
+          <p:nvPr>
+            <p:ph type="title"/>
+          </p:nvPr>
+        </p:nvSpPr>
+        <p:spPr/>
+        <p:txBody>
+          <a:bodyPr/>
+          <a:lstStyle/>
+          <a:p>
+            <a:r>
+              <a:rPr lang="en-US" dirty="0" smtClean="0"/>
+              <a:t>Product Overview</a:t>
+            </a:r>
+            <a:endParaRPr lang="en-US" dirty="0"/>
+          </a:p>
+        </p:txBody>
+      </p:sp>
+      <p:sp>
+        <p:nvSpPr>
+          <p:cNvPr id="5" name="Text Placeholder 4"/>
+          <p:cNvSpPr>
+            <a:spLocks noGrp="1"/>
+          </p:cNvSpPr>
+          <p:nvPr>
+            <p:ph type="body" idx="1"/>
+          </p:nvPr>
+        </p:nvSpPr>
+        <p:spPr/>
+        <p:txBody>
+          <a:bodyPr/>
+          <a:lstStyle/>
+          <a:p>
+            <a:r>
+              <a:rPr lang="pt-PT" dirty="0" smtClean="0"/>
+              <a:t>João Martins</a:t>
+            </a:r>
+            <a:endParaRPr lang="pt-PT" dirty="0"/>
+          </a:p>
+        </p:txBody>
+      </p:sp>
+    </p:spTree>
+    <p:extLst>
+      <p:ext uri="{BB962C8B-B14F-4D97-AF65-F5344CB8AC3E}">
+        <p14:creationId xmlns:p14="http://schemas.microsoft.com/office/powerpoint/2010/main" val="755519461"/>
+      </p:ext>
+    </p:extLst>
+  </p:cSld>
+  <p:clrMapOvr>
+    <a:masterClrMapping/>
+  </p:clrMapOvr>
+  <p:timing>
+    <p:tnLst>
+      <p:par>
+        <p:cTn id="1" dur="indefinite" restart="never" nodeType="tmRoot"/>
+      </p:par>
+    </p:tnLst>
+  </p:timing>
+</p:sld>
+</file>
+
+<file path=ppt/slides/slide40.xml><?xml version="1.0" encoding="utf-8"?>
+<p:sld xmlns:a="http://schemas.openxmlformats.org/drawingml/2006/main" xmlns:r="http://schemas.openxmlformats.org/officeDocument/2006/relationships" xmlns:p="http://schemas.openxmlformats.org/presentationml/2006/main">
+  <p:cSld>
+    <p:spTree>
+      <p:nvGrpSpPr>
+        <p:cNvPr id="1" name=""/>
+        <p:cNvGrpSpPr/>
+        <p:nvPr/>
+      </p:nvGrpSpPr>
+      <p:grpSpPr>
+        <a:xfrm>
+          <a:off x="0" y="0"/>
+          <a:ext cx="0" cy="0"/>
+          <a:chOff x="0" y="0"/>
+          <a:chExt cx="0" cy="0"/>
+        </a:xfrm>
+      </p:grpSpPr>
+      <p:sp>
+        <p:nvSpPr>
+          <p:cNvPr id="2" name="Título 1"/>
+          <p:cNvSpPr>
+            <a:spLocks noGrp="1"/>
+          </p:cNvSpPr>
+          <p:nvPr>
+            <p:ph type="title"/>
+          </p:nvPr>
+        </p:nvSpPr>
+        <p:spPr/>
+        <p:txBody>
+          <a:bodyPr/>
+          <a:lstStyle/>
+          <a:p>
+            <a:r>
+              <a:rPr lang="en-US" dirty="0" smtClean="0"/>
+              <a:t>Processes and Process Analysis</a:t>
+            </a:r>
+            <a:endParaRPr lang="pt-PT" dirty="0"/>
+          </a:p>
+        </p:txBody>
+      </p:sp>
+      <p:sp>
+        <p:nvSpPr>
+          <p:cNvPr id="3" name="Marcador de Posição de Conteúdo 2"/>
+          <p:cNvSpPr>
+            <a:spLocks noGrp="1"/>
+          </p:cNvSpPr>
+          <p:nvPr>
+            <p:ph idx="1"/>
+          </p:nvPr>
+        </p:nvSpPr>
+        <p:spPr/>
+        <p:txBody>
+          <a:bodyPr>
+            <a:normAutofit lnSpcReduction="10000"/>
+          </a:bodyPr>
+          <a:lstStyle/>
+          <a:p>
+            <a:r>
+              <a:rPr lang="en-US" dirty="0" smtClean="0"/>
+              <a:t>Review Process</a:t>
+            </a:r>
+          </a:p>
+          <a:p>
+            <a:pPr lvl="1"/>
+            <a:r>
+              <a:rPr lang="en-US" dirty="0" smtClean="0"/>
+              <a:t>Major unconformity associated with the walkthrough </a:t>
+            </a:r>
+          </a:p>
+          <a:p>
+            <a:pPr lvl="2"/>
+            <a:r>
+              <a:rPr lang="en-US" dirty="0" smtClean="0"/>
+              <a:t>The process wasn´t followed and measures weren’t recorded</a:t>
+            </a:r>
+          </a:p>
+          <a:p>
+            <a:r>
+              <a:rPr lang="en-US" dirty="0" smtClean="0"/>
+              <a:t>Verification &amp; Validation Process </a:t>
+            </a:r>
+          </a:p>
+          <a:p>
+            <a:pPr lvl="1"/>
+            <a:r>
+              <a:rPr lang="en-US" dirty="0" smtClean="0"/>
+              <a:t>Doesn’t mention ad-hoc testing</a:t>
+            </a:r>
+          </a:p>
+          <a:p>
+            <a:pPr lvl="2"/>
+            <a:r>
+              <a:rPr lang="en-US" dirty="0" smtClean="0"/>
+              <a:t>How to report defects not associated with tests</a:t>
+            </a:r>
+          </a:p>
+          <a:p>
+            <a:pPr lvl="1"/>
+            <a:r>
+              <a:rPr lang="en-US" dirty="0" smtClean="0"/>
+              <a:t>What to do in cases of reopen</a:t>
+            </a:r>
+          </a:p>
+          <a:p>
+            <a:pPr lvl="1"/>
+            <a:r>
+              <a:rPr lang="en-US" dirty="0" smtClean="0"/>
+              <a:t>Test plan wasn’t concluded</a:t>
+            </a:r>
+          </a:p>
+        </p:txBody>
+      </p:sp>
+    </p:spTree>
+  </p:cSld>
+  <p:clrMapOvr>
+    <a:masterClrMapping/>
+  </p:clrMapOvr>
+</p:sld>
+</file>
+
+<file path=ppt/slides/slide41.xml><?xml version="1.0" encoding="utf-8"?>
+<p:sld xmlns:a="http://schemas.openxmlformats.org/drawingml/2006/main" xmlns:r="http://schemas.openxmlformats.org/officeDocument/2006/relationships" xmlns:p="http://schemas.openxmlformats.org/presentationml/2006/main">
+  <p:cSld>
+    <p:spTree>
+      <p:nvGrpSpPr>
+        <p:cNvPr id="1" name=""/>
+        <p:cNvGrpSpPr/>
+        <p:nvPr/>
+      </p:nvGrpSpPr>
+      <p:grpSpPr>
+        <a:xfrm>
+          <a:off x="0" y="0"/>
+          <a:ext cx="0" cy="0"/>
+          <a:chOff x="0" y="0"/>
+          <a:chExt cx="0" cy="0"/>
+        </a:xfrm>
+      </p:grpSpPr>
+      <p:sp>
+        <p:nvSpPr>
+          <p:cNvPr id="2" name="Título 1"/>
+          <p:cNvSpPr>
+            <a:spLocks noGrp="1"/>
+          </p:cNvSpPr>
+          <p:nvPr>
+            <p:ph type="title"/>
+          </p:nvPr>
+        </p:nvSpPr>
+        <p:spPr/>
+        <p:txBody>
+          <a:bodyPr/>
+          <a:lstStyle/>
+          <a:p>
+            <a:r>
+              <a:rPr lang="en-US" dirty="0" smtClean="0"/>
+              <a:t>Processes and Process Analysis</a:t>
+            </a:r>
+            <a:endParaRPr lang="pt-PT" dirty="0"/>
+          </a:p>
+        </p:txBody>
+      </p:sp>
+      <p:sp>
+        <p:nvSpPr>
+          <p:cNvPr id="3" name="Marcador de Posição de Conteúdo 2"/>
+          <p:cNvSpPr>
+            <a:spLocks noGrp="1"/>
+          </p:cNvSpPr>
+          <p:nvPr>
+            <p:ph idx="1"/>
+          </p:nvPr>
+        </p:nvSpPr>
+        <p:spPr/>
+        <p:txBody>
+          <a:bodyPr/>
+          <a:lstStyle/>
+          <a:p>
+            <a:r>
+              <a:rPr lang="en-US" dirty="0" smtClean="0"/>
+              <a:t>Common issues in following the processes</a:t>
+            </a:r>
+          </a:p>
+          <a:p>
+            <a:pPr lvl="1"/>
+            <a:r>
+              <a:rPr lang="en-US" dirty="0" smtClean="0"/>
+              <a:t>Process measures weren’t always recorded or updated timely</a:t>
+            </a:r>
+          </a:p>
+          <a:p>
+            <a:pPr lvl="1"/>
+            <a:r>
+              <a:rPr lang="en-US" dirty="0" smtClean="0"/>
+              <a:t>The processes weren’t always exactly followed as defined</a:t>
+            </a:r>
+          </a:p>
+          <a:p>
+            <a:pPr lvl="1"/>
+            <a:r>
+              <a:rPr lang="en-US" dirty="0" smtClean="0"/>
+              <a:t>Some processes were overcomplicated for the team and project needs</a:t>
+            </a:r>
+          </a:p>
+          <a:p>
+            <a:endParaRPr lang="pt-PT" dirty="0"/>
+          </a:p>
+        </p:txBody>
+      </p:sp>
+    </p:spTree>
+  </p:cSld>
+  <p:clrMapOvr>
+    <a:masterClrMapping/>
+  </p:clrMapOvr>
+</p:sld>
+</file>
+
+<file path=ppt/slides/slide42.xml><?xml version="1.0" encoding="utf-8"?>
+<p:sld xmlns:a="http://schemas.openxmlformats.org/drawingml/2006/main" xmlns:r="http://schemas.openxmlformats.org/officeDocument/2006/relationships" xmlns:p="http://schemas.openxmlformats.org/presentationml/2006/main">
+  <p:cSld>
+    <p:spTree>
+      <p:nvGrpSpPr>
+        <p:cNvPr id="1" name=""/>
+        <p:cNvGrpSpPr/>
+        <p:nvPr/>
+      </p:nvGrpSpPr>
+      <p:grpSpPr>
+        <a:xfrm>
+          <a:off x="0" y="0"/>
+          <a:ext cx="0" cy="0"/>
+          <a:chOff x="0" y="0"/>
+          <a:chExt cx="0" cy="0"/>
+        </a:xfrm>
+      </p:grpSpPr>
+      <p:sp>
+        <p:nvSpPr>
+          <p:cNvPr id="2" name="Título 1"/>
+          <p:cNvSpPr>
+            <a:spLocks noGrp="1"/>
+          </p:cNvSpPr>
+          <p:nvPr>
+            <p:ph type="title"/>
+          </p:nvPr>
+        </p:nvSpPr>
+        <p:spPr/>
+        <p:txBody>
+          <a:bodyPr/>
+          <a:lstStyle/>
+          <a:p>
+            <a:r>
+              <a:rPr lang="en-US" dirty="0" smtClean="0"/>
               <a:t>Quality Activities</a:t>
             </a:r>
             <a:endParaRPr lang="pt-PT" dirty="0"/>
@@ -23274,7 +24952,7 @@
 </p:sld>
 </file>
 
-<file path=ppt/slides/slide39.xml><?xml version="1.0" encoding="utf-8"?>
+<file path=ppt/slides/slide43.xml><?xml version="1.0" encoding="utf-8"?>
 <p:sld xmlns:a="http://schemas.openxmlformats.org/drawingml/2006/main" xmlns:r="http://schemas.openxmlformats.org/officeDocument/2006/relationships" xmlns:p="http://schemas.openxmlformats.org/presentationml/2006/main">
   <p:cSld>
     <p:spTree>
@@ -23537,90 +25215,7 @@
 </p:sld>
 </file>
 
-<file path=ppt/slides/slide4.xml><?xml version="1.0" encoding="utf-8"?>
-<p:sld xmlns:a="http://schemas.openxmlformats.org/drawingml/2006/main" xmlns:r="http://schemas.openxmlformats.org/officeDocument/2006/relationships" xmlns:p="http://schemas.openxmlformats.org/presentationml/2006/main">
-  <p:cSld>
-    <p:spTree>
-      <p:nvGrpSpPr>
-        <p:cNvPr id="1" name=""/>
-        <p:cNvGrpSpPr/>
-        <p:nvPr/>
-      </p:nvGrpSpPr>
-      <p:grpSpPr>
-        <a:xfrm>
-          <a:off x="0" y="0"/>
-          <a:ext cx="0" cy="0"/>
-          <a:chOff x="0" y="0"/>
-          <a:chExt cx="0" cy="0"/>
-        </a:xfrm>
-      </p:grpSpPr>
-      <p:sp>
-        <p:nvSpPr>
-          <p:cNvPr id="4" name="Title 3"/>
-          <p:cNvSpPr>
-            <a:spLocks noGrp="1"/>
-          </p:cNvSpPr>
-          <p:nvPr>
-            <p:ph type="title"/>
-          </p:nvPr>
-        </p:nvSpPr>
-        <p:spPr/>
-        <p:txBody>
-          <a:bodyPr/>
-          <a:lstStyle/>
-          <a:p>
-            <a:r>
-              <a:rPr lang="en-US" dirty="0" smtClean="0"/>
-              <a:t>Product Overview</a:t>
-            </a:r>
-            <a:endParaRPr lang="en-US" dirty="0"/>
-          </a:p>
-        </p:txBody>
-      </p:sp>
-      <p:sp>
-        <p:nvSpPr>
-          <p:cNvPr id="5" name="Text Placeholder 4"/>
-          <p:cNvSpPr>
-            <a:spLocks noGrp="1"/>
-          </p:cNvSpPr>
-          <p:nvPr>
-            <p:ph type="body" idx="1"/>
-          </p:nvPr>
-        </p:nvSpPr>
-        <p:spPr/>
-        <p:txBody>
-          <a:bodyPr/>
-          <a:lstStyle/>
-          <a:p>
-            <a:r>
-              <a:rPr lang="pt-PT" dirty="0" smtClean="0"/>
-              <a:t>João Martins</a:t>
-            </a:r>
-            <a:endParaRPr lang="pt-PT" dirty="0"/>
-          </a:p>
-        </p:txBody>
-      </p:sp>
-    </p:spTree>
-    <p:extLst>
-      <p:ext uri="{BB962C8B-B14F-4D97-AF65-F5344CB8AC3E}">
-        <p14:creationId xmlns:p14="http://schemas.microsoft.com/office/powerpoint/2010/main" val="755519461"/>
-      </p:ext>
-    </p:extLst>
-  </p:cSld>
-  <p:clrMapOvr>
-    <a:masterClrMapping/>
-  </p:clrMapOvr>
-  <p:timing>
-    <p:tnLst>
-      <p:par>
-        <p:cTn id="1" dur="indefinite" restart="never" nodeType="tmRoot"/>
-      </p:par>
-    </p:tnLst>
-  </p:timing>
-</p:sld>
-</file>
-
-<file path=ppt/slides/slide40.xml><?xml version="1.0" encoding="utf-8"?>
+<file path=ppt/slides/slide44.xml><?xml version="1.0" encoding="utf-8"?>
 <p:sld xmlns:a="http://schemas.openxmlformats.org/drawingml/2006/main" xmlns:r="http://schemas.openxmlformats.org/officeDocument/2006/relationships" xmlns:p="http://schemas.openxmlformats.org/presentationml/2006/main">
   <p:cSld>
     <p:spTree>
@@ -23694,7 +25289,7 @@
 </p:sld>
 </file>
 
-<file path=ppt/slides/slide41.xml><?xml version="1.0" encoding="utf-8"?>
+<file path=ppt/slides/slide45.xml><?xml version="1.0" encoding="utf-8"?>
 <p:sld xmlns:a="http://schemas.openxmlformats.org/drawingml/2006/main" xmlns:r="http://schemas.openxmlformats.org/officeDocument/2006/relationships" xmlns:p="http://schemas.openxmlformats.org/presentationml/2006/main">
   <p:cSld>
     <p:spTree>
@@ -23772,7 +25367,7 @@
 </p:sld>
 </file>
 
-<file path=ppt/slides/slide42.xml><?xml version="1.0" encoding="utf-8"?>
+<file path=ppt/slides/slide46.xml><?xml version="1.0" encoding="utf-8"?>
 <p:sld xmlns:a="http://schemas.openxmlformats.org/drawingml/2006/main" xmlns:r="http://schemas.openxmlformats.org/officeDocument/2006/relationships" xmlns:p="http://schemas.openxmlformats.org/presentationml/2006/main">
   <p:cSld>
     <p:spTree>
@@ -23912,7 +25507,7 @@
 </p:sld>
 </file>
 
-<file path=ppt/slides/slide43.xml><?xml version="1.0" encoding="utf-8"?>
+<file path=ppt/slides/slide47.xml><?xml version="1.0" encoding="utf-8"?>
 <p:sld xmlns:a="http://schemas.openxmlformats.org/drawingml/2006/main" xmlns:r="http://schemas.openxmlformats.org/officeDocument/2006/relationships" xmlns:p="http://schemas.openxmlformats.org/presentationml/2006/main">
   <p:cSld>
     <p:spTree>
@@ -24177,7 +25772,7 @@
 </p:sld>
 </file>
 
-<file path=ppt/slides/slide44.xml><?xml version="1.0" encoding="utf-8"?>
+<file path=ppt/slides/slide48.xml><?xml version="1.0" encoding="utf-8"?>
 <p:sld xmlns:a="http://schemas.openxmlformats.org/drawingml/2006/main" xmlns:r="http://schemas.openxmlformats.org/officeDocument/2006/relationships" xmlns:p="http://schemas.openxmlformats.org/presentationml/2006/main">
   <p:cSld>
     <p:spTree>
@@ -24322,7 +25917,7 @@
 </p:sld>
 </file>
 
-<file path=ppt/slides/slide45.xml><?xml version="1.0" encoding="utf-8"?>
+<file path=ppt/slides/slide49.xml><?xml version="1.0" encoding="utf-8"?>
 <p:sld xmlns:a="http://schemas.openxmlformats.org/drawingml/2006/main" xmlns:r="http://schemas.openxmlformats.org/officeDocument/2006/relationships" xmlns:p="http://schemas.openxmlformats.org/presentationml/2006/main">
   <p:cSld>
     <p:spTree>
@@ -24754,7 +26349,101 @@
 </p:sld>
 </file>
 
-<file path=ppt/slides/slide46.xml><?xml version="1.0" encoding="utf-8"?>
+<file path=ppt/slides/slide5.xml><?xml version="1.0" encoding="utf-8"?>
+<p:sld xmlns:a="http://schemas.openxmlformats.org/drawingml/2006/main" xmlns:r="http://schemas.openxmlformats.org/officeDocument/2006/relationships" xmlns:p="http://schemas.openxmlformats.org/presentationml/2006/main">
+  <p:cSld>
+    <p:spTree>
+      <p:nvGrpSpPr>
+        <p:cNvPr id="1" name=""/>
+        <p:cNvGrpSpPr/>
+        <p:nvPr/>
+      </p:nvGrpSpPr>
+      <p:grpSpPr>
+        <a:xfrm>
+          <a:off x="0" y="0"/>
+          <a:ext cx="0" cy="0"/>
+          <a:chOff x="0" y="0"/>
+          <a:chExt cx="0" cy="0"/>
+        </a:xfrm>
+      </p:grpSpPr>
+      <p:sp>
+        <p:nvSpPr>
+          <p:cNvPr id="2" name="Title 1"/>
+          <p:cNvSpPr>
+            <a:spLocks noGrp="1"/>
+          </p:cNvSpPr>
+          <p:nvPr>
+            <p:ph type="title"/>
+          </p:nvPr>
+        </p:nvSpPr>
+        <p:spPr/>
+        <p:txBody>
+          <a:bodyPr/>
+          <a:lstStyle/>
+          <a:p>
+            <a:r>
+              <a:rPr lang="pt-PT" dirty="0" err="1" smtClean="0"/>
+              <a:t>Product</a:t>
+            </a:r>
+            <a:r>
+              <a:rPr lang="pt-PT" dirty="0" smtClean="0"/>
+              <a:t> </a:t>
+            </a:r>
+            <a:r>
+              <a:rPr lang="pt-PT" dirty="0" err="1" smtClean="0"/>
+              <a:t>Overview</a:t>
+            </a:r>
+            <a:endParaRPr lang="pt-PT" dirty="0"/>
+          </a:p>
+        </p:txBody>
+      </p:sp>
+      <p:pic>
+        <p:nvPicPr>
+          <p:cNvPr id="4" name="Content Placeholder 3"/>
+          <p:cNvPicPr>
+            <a:picLocks noGrp="1" noChangeAspect="1"/>
+          </p:cNvPicPr>
+          <p:nvPr>
+            <p:ph idx="1"/>
+          </p:nvPr>
+        </p:nvPicPr>
+        <p:blipFill>
+          <a:blip r:embed="rId2" cstate="print"/>
+          <a:stretch>
+            <a:fillRect/>
+          </a:stretch>
+        </p:blipFill>
+        <p:spPr>
+          <a:xfrm>
+            <a:off x="2941807" y="2557463"/>
+            <a:ext cx="6308386" cy="3317875"/>
+          </a:xfrm>
+          <a:prstGeom prst="rect">
+            <a:avLst/>
+          </a:prstGeom>
+        </p:spPr>
+      </p:pic>
+    </p:spTree>
+    <p:extLst>
+      <p:ext uri="{BB962C8B-B14F-4D97-AF65-F5344CB8AC3E}">
+        <p14:creationId xmlns:p14="http://schemas.microsoft.com/office/powerpoint/2010/main" val="1515372593"/>
+      </p:ext>
+    </p:extLst>
+  </p:cSld>
+  <p:clrMapOvr>
+    <a:masterClrMapping/>
+  </p:clrMapOvr>
+  <p:timing>
+    <p:tnLst>
+      <p:par>
+        <p:cTn id="1" dur="indefinite" restart="never" nodeType="tmRoot"/>
+      </p:par>
+    </p:tnLst>
+  </p:timing>
+</p:sld>
+</file>
+
+<file path=ppt/slides/slide50.xml><?xml version="1.0" encoding="utf-8"?>
 <p:sld xmlns:a="http://schemas.openxmlformats.org/drawingml/2006/main" xmlns:r="http://schemas.openxmlformats.org/officeDocument/2006/relationships" xmlns:p="http://schemas.openxmlformats.org/presentationml/2006/main">
   <p:cSld>
     <p:spTree>
@@ -24833,7 +26522,7 @@
 </p:sld>
 </file>
 
-<file path=ppt/slides/slide47.xml><?xml version="1.0" encoding="utf-8"?>
+<file path=ppt/slides/slide51.xml><?xml version="1.0" encoding="utf-8"?>
 <p:sld xmlns:a="http://schemas.openxmlformats.org/drawingml/2006/main" xmlns:r="http://schemas.openxmlformats.org/officeDocument/2006/relationships" xmlns:p="http://schemas.openxmlformats.org/presentationml/2006/main">
   <p:cSld>
     <p:spTree>
@@ -24952,7 +26641,7 @@
 </p:sld>
 </file>
 
-<file path=ppt/slides/slide48.xml><?xml version="1.0" encoding="utf-8"?>
+<file path=ppt/slides/slide52.xml><?xml version="1.0" encoding="utf-8"?>
 <p:sld xmlns:a="http://schemas.openxmlformats.org/drawingml/2006/main" xmlns:r="http://schemas.openxmlformats.org/officeDocument/2006/relationships" xmlns:p="http://schemas.openxmlformats.org/presentationml/2006/main">
   <p:cSld>
     <p:spTree>
@@ -25035,7 +26724,7 @@
 </p:sld>
 </file>
 
-<file path=ppt/slides/slide49.xml><?xml version="1.0" encoding="utf-8"?>
+<file path=ppt/slides/slide53.xml><?xml version="1.0" encoding="utf-8"?>
 <p:sld xmlns:a="http://schemas.openxmlformats.org/drawingml/2006/main" xmlns:r="http://schemas.openxmlformats.org/officeDocument/2006/relationships" xmlns:p="http://schemas.openxmlformats.org/presentationml/2006/main">
   <p:cSld>
     <p:spTree>
@@ -26091,574 +27780,6 @@
 </p:sld>
 </file>
 
-<file path=ppt/slides/slide5.xml><?xml version="1.0" encoding="utf-8"?>
-<p:sld xmlns:a="http://schemas.openxmlformats.org/drawingml/2006/main" xmlns:r="http://schemas.openxmlformats.org/officeDocument/2006/relationships" xmlns:p="http://schemas.openxmlformats.org/presentationml/2006/main">
-  <p:cSld>
-    <p:spTree>
-      <p:nvGrpSpPr>
-        <p:cNvPr id="1" name=""/>
-        <p:cNvGrpSpPr/>
-        <p:nvPr/>
-      </p:nvGrpSpPr>
-      <p:grpSpPr>
-        <a:xfrm>
-          <a:off x="0" y="0"/>
-          <a:ext cx="0" cy="0"/>
-          <a:chOff x="0" y="0"/>
-          <a:chExt cx="0" cy="0"/>
-        </a:xfrm>
-      </p:grpSpPr>
-      <p:sp>
-        <p:nvSpPr>
-          <p:cNvPr id="2" name="Title 1"/>
-          <p:cNvSpPr>
-            <a:spLocks noGrp="1"/>
-          </p:cNvSpPr>
-          <p:nvPr>
-            <p:ph type="title"/>
-          </p:nvPr>
-        </p:nvSpPr>
-        <p:spPr/>
-        <p:txBody>
-          <a:bodyPr/>
-          <a:lstStyle/>
-          <a:p>
-            <a:r>
-              <a:rPr lang="pt-PT" dirty="0" err="1" smtClean="0"/>
-              <a:t>Product</a:t>
-            </a:r>
-            <a:r>
-              <a:rPr lang="pt-PT" dirty="0" smtClean="0"/>
-              <a:t> </a:t>
-            </a:r>
-            <a:r>
-              <a:rPr lang="pt-PT" dirty="0" err="1" smtClean="0"/>
-              <a:t>Overview</a:t>
-            </a:r>
-            <a:endParaRPr lang="pt-PT" dirty="0"/>
-          </a:p>
-        </p:txBody>
-      </p:sp>
-      <p:pic>
-        <p:nvPicPr>
-          <p:cNvPr id="4" name="Content Placeholder 3"/>
-          <p:cNvPicPr>
-            <a:picLocks noGrp="1" noChangeAspect="1"/>
-          </p:cNvPicPr>
-          <p:nvPr>
-            <p:ph idx="1"/>
-          </p:nvPr>
-        </p:nvPicPr>
-        <p:blipFill>
-          <a:blip r:embed="rId2" cstate="print"/>
-          <a:stretch>
-            <a:fillRect/>
-          </a:stretch>
-        </p:blipFill>
-        <p:spPr>
-          <a:xfrm>
-            <a:off x="2941807" y="2557463"/>
-            <a:ext cx="6308386" cy="3317875"/>
-          </a:xfrm>
-          <a:prstGeom prst="rect">
-            <a:avLst/>
-          </a:prstGeom>
-        </p:spPr>
-      </p:pic>
-    </p:spTree>
-    <p:extLst>
-      <p:ext uri="{BB962C8B-B14F-4D97-AF65-F5344CB8AC3E}">
-        <p14:creationId xmlns:p14="http://schemas.microsoft.com/office/powerpoint/2010/main" val="1515372593"/>
-      </p:ext>
-    </p:extLst>
-  </p:cSld>
-  <p:clrMapOvr>
-    <a:masterClrMapping/>
-  </p:clrMapOvr>
-  <p:timing>
-    <p:tnLst>
-      <p:par>
-        <p:cTn id="1" dur="indefinite" restart="never" nodeType="tmRoot"/>
-      </p:par>
-    </p:tnLst>
-  </p:timing>
-</p:sld>
-</file>
-
-<file path=ppt/slides/slide50.xml><?xml version="1.0" encoding="utf-8"?>
-<p:sld xmlns:a="http://schemas.openxmlformats.org/drawingml/2006/main" xmlns:r="http://schemas.openxmlformats.org/officeDocument/2006/relationships" xmlns:p="http://schemas.openxmlformats.org/presentationml/2006/main">
-  <p:cSld>
-    <p:spTree>
-      <p:nvGrpSpPr>
-        <p:cNvPr id="1" name=""/>
-        <p:cNvGrpSpPr/>
-        <p:nvPr/>
-      </p:nvGrpSpPr>
-      <p:grpSpPr>
-        <a:xfrm>
-          <a:off x="0" y="0"/>
-          <a:ext cx="0" cy="0"/>
-          <a:chOff x="0" y="0"/>
-          <a:chExt cx="0" cy="0"/>
-        </a:xfrm>
-      </p:grpSpPr>
-      <p:sp>
-        <p:nvSpPr>
-          <p:cNvPr id="2" name="Título 1"/>
-          <p:cNvSpPr>
-            <a:spLocks noGrp="1"/>
-          </p:cNvSpPr>
-          <p:nvPr>
-            <p:ph type="title"/>
-          </p:nvPr>
-        </p:nvSpPr>
-        <p:spPr/>
-        <p:txBody>
-          <a:bodyPr/>
-          <a:lstStyle/>
-          <a:p>
-            <a:r>
-              <a:rPr lang="en-US" dirty="0"/>
-              <a:t>Risk Management</a:t>
-            </a:r>
-            <a:endParaRPr lang="en-GB" dirty="0"/>
-          </a:p>
-        </p:txBody>
-      </p:sp>
-      <p:sp>
-        <p:nvSpPr>
-          <p:cNvPr id="3" name="Marcador de Posição de Conteúdo 2"/>
-          <p:cNvSpPr>
-            <a:spLocks noGrp="1"/>
-          </p:cNvSpPr>
-          <p:nvPr>
-            <p:ph idx="1"/>
-          </p:nvPr>
-        </p:nvSpPr>
-        <p:spPr/>
-        <p:txBody>
-          <a:bodyPr>
-            <a:normAutofit fontScale="85000" lnSpcReduction="10000"/>
-          </a:bodyPr>
-          <a:lstStyle/>
-          <a:p>
-            <a:r>
-              <a:rPr lang="en-GB" b="1" dirty="0"/>
-              <a:t>1º</a:t>
-            </a:r>
-            <a:r>
-              <a:rPr lang="en-GB" dirty="0"/>
-              <a:t> - Lack of knowledge on technology</a:t>
-            </a:r>
-            <a:r>
-              <a:rPr lang="en-GB" b="1" dirty="0"/>
-              <a:t>:</a:t>
-            </a:r>
-          </a:p>
-          <a:p>
-            <a:pPr lvl="1"/>
-            <a:r>
-              <a:rPr lang="en-GB" b="1" dirty="0"/>
-              <a:t>Probability:</a:t>
-            </a:r>
-            <a:r>
-              <a:rPr lang="en-GB" dirty="0"/>
-              <a:t> 3</a:t>
-            </a:r>
-          </a:p>
-          <a:p>
-            <a:pPr lvl="1"/>
-            <a:r>
-              <a:rPr lang="en-GB" b="1" dirty="0"/>
-              <a:t>Impact:</a:t>
-            </a:r>
-            <a:r>
-              <a:rPr lang="en-GB" dirty="0"/>
-              <a:t> 3</a:t>
-            </a:r>
-          </a:p>
-          <a:p>
-            <a:pPr lvl="1"/>
-            <a:r>
-              <a:rPr lang="en-GB" b="1" dirty="0"/>
-              <a:t>Team Member:</a:t>
-            </a:r>
-            <a:r>
-              <a:rPr lang="en-GB" dirty="0"/>
-              <a:t> João Girão, Mário Oliveira, David Silva, João Martins, Carla Machado and Filipe </a:t>
-            </a:r>
-            <a:r>
-              <a:rPr lang="en-GB" dirty="0" err="1"/>
-              <a:t>Brandão</a:t>
-            </a:r>
-            <a:r>
-              <a:rPr lang="en-GB" dirty="0"/>
-              <a:t> </a:t>
-            </a:r>
-          </a:p>
-          <a:p>
-            <a:pPr lvl="1"/>
-            <a:r>
-              <a:rPr lang="en-GB" b="1" dirty="0"/>
-              <a:t>Avoidance:</a:t>
-            </a:r>
-            <a:r>
-              <a:rPr lang="en-GB" dirty="0"/>
-              <a:t> </a:t>
-            </a:r>
-            <a:r>
-              <a:rPr lang="en-US" dirty="0"/>
-              <a:t>To reduce probability all interfaces must be created and managed by Rui </a:t>
-            </a:r>
-            <a:r>
-              <a:rPr lang="en-US" dirty="0" err="1"/>
-              <a:t>Ganhoto</a:t>
-            </a:r>
-            <a:r>
-              <a:rPr lang="en-US" dirty="0"/>
-              <a:t>.</a:t>
-            </a:r>
-          </a:p>
-          <a:p>
-            <a:pPr lvl="1"/>
-            <a:r>
-              <a:rPr lang="en-US" b="1" dirty="0"/>
-              <a:t>Minimization:</a:t>
-            </a:r>
-            <a:r>
-              <a:rPr lang="en-US" dirty="0"/>
-              <a:t> To reduce Impact Rui </a:t>
-            </a:r>
-            <a:r>
-              <a:rPr lang="en-US" dirty="0" err="1"/>
-              <a:t>Ganhoto</a:t>
-            </a:r>
-            <a:r>
-              <a:rPr lang="en-US" dirty="0"/>
-              <a:t> must give some formation to every team members. </a:t>
-            </a:r>
-          </a:p>
-          <a:p>
-            <a:pPr lvl="1"/>
-            <a:r>
-              <a:rPr lang="en-US" b="1" dirty="0"/>
-              <a:t>Contingency: </a:t>
-            </a:r>
-            <a:r>
-              <a:rPr lang="en-US" dirty="0"/>
-              <a:t>Negotiate interface with the client and avoid WPF, windows forms would be an easier option for static content</a:t>
-            </a:r>
-            <a:r>
-              <a:rPr lang="en-US" dirty="0" smtClean="0"/>
-              <a:t>.</a:t>
-            </a:r>
-            <a:endParaRPr lang="en-GB" dirty="0"/>
-          </a:p>
-        </p:txBody>
-      </p:sp>
-    </p:spTree>
-    <p:extLst>
-      <p:ext uri="{BB962C8B-B14F-4D97-AF65-F5344CB8AC3E}">
-        <p14:creationId xmlns:p14="http://schemas.microsoft.com/office/powerpoint/2010/main" val="576009203"/>
-      </p:ext>
-    </p:extLst>
-  </p:cSld>
-  <p:clrMapOvr>
-    <a:masterClrMapping/>
-  </p:clrMapOvr>
-</p:sld>
-</file>
-
-<file path=ppt/slides/slide51.xml><?xml version="1.0" encoding="utf-8"?>
-<p:sld xmlns:a="http://schemas.openxmlformats.org/drawingml/2006/main" xmlns:r="http://schemas.openxmlformats.org/officeDocument/2006/relationships" xmlns:p="http://schemas.openxmlformats.org/presentationml/2006/main">
-  <p:cSld>
-    <p:spTree>
-      <p:nvGrpSpPr>
-        <p:cNvPr id="1" name=""/>
-        <p:cNvGrpSpPr/>
-        <p:nvPr/>
-      </p:nvGrpSpPr>
-      <p:grpSpPr>
-        <a:xfrm>
-          <a:off x="0" y="0"/>
-          <a:ext cx="0" cy="0"/>
-          <a:chOff x="0" y="0"/>
-          <a:chExt cx="0" cy="0"/>
-        </a:xfrm>
-      </p:grpSpPr>
-      <p:sp>
-        <p:nvSpPr>
-          <p:cNvPr id="2" name="Título 1"/>
-          <p:cNvSpPr>
-            <a:spLocks noGrp="1"/>
-          </p:cNvSpPr>
-          <p:nvPr>
-            <p:ph type="title"/>
-          </p:nvPr>
-        </p:nvSpPr>
-        <p:spPr/>
-        <p:txBody>
-          <a:bodyPr/>
-          <a:lstStyle/>
-          <a:p>
-            <a:r>
-              <a:rPr lang="en-US" dirty="0"/>
-              <a:t>Risk Management</a:t>
-            </a:r>
-            <a:endParaRPr lang="en-GB" dirty="0"/>
-          </a:p>
-        </p:txBody>
-      </p:sp>
-      <p:sp>
-        <p:nvSpPr>
-          <p:cNvPr id="3" name="Marcador de Posição de Conteúdo 2"/>
-          <p:cNvSpPr>
-            <a:spLocks noGrp="1"/>
-          </p:cNvSpPr>
-          <p:nvPr>
-            <p:ph idx="1"/>
-          </p:nvPr>
-        </p:nvSpPr>
-        <p:spPr/>
-        <p:txBody>
-          <a:bodyPr>
-            <a:normAutofit fontScale="92500" lnSpcReduction="10000"/>
-          </a:bodyPr>
-          <a:lstStyle/>
-          <a:p>
-            <a:r>
-              <a:rPr lang="en-GB" dirty="0"/>
-              <a:t>2º - Project Plan is over budget</a:t>
-            </a:r>
-          </a:p>
-          <a:p>
-            <a:pPr lvl="1"/>
-            <a:r>
-              <a:rPr lang="en-GB" b="1" dirty="0"/>
-              <a:t>Probability</a:t>
-            </a:r>
-            <a:r>
-              <a:rPr lang="en-GB" dirty="0"/>
-              <a:t>: 3</a:t>
-            </a:r>
-          </a:p>
-          <a:p>
-            <a:pPr lvl="1"/>
-            <a:r>
-              <a:rPr lang="en-GB" b="1" dirty="0"/>
-              <a:t>Impact</a:t>
-            </a:r>
-            <a:r>
-              <a:rPr lang="en-GB" dirty="0"/>
-              <a:t>: 2</a:t>
-            </a:r>
-          </a:p>
-          <a:p>
-            <a:pPr lvl="1"/>
-            <a:r>
-              <a:rPr lang="en-GB" b="1" dirty="0"/>
-              <a:t>Team Member</a:t>
-            </a:r>
-            <a:r>
-              <a:rPr lang="en-GB" dirty="0"/>
-              <a:t>: Everyone</a:t>
-            </a:r>
-          </a:p>
-          <a:p>
-            <a:pPr lvl="1"/>
-            <a:r>
-              <a:rPr lang="en-GB" dirty="0"/>
-              <a:t>Resolved with the </a:t>
-            </a:r>
-            <a:r>
-              <a:rPr lang="en-GB" dirty="0" err="1"/>
-              <a:t>Reestimation</a:t>
-            </a:r>
-            <a:endParaRPr lang="en-GB" dirty="0"/>
-          </a:p>
-          <a:p>
-            <a:pPr lvl="1"/>
-            <a:endParaRPr lang="en-GB" dirty="0"/>
-          </a:p>
-          <a:p>
-            <a:r>
-              <a:rPr lang="en-US" dirty="0"/>
-              <a:t>The project doesn’t end at the planned time (it’s a problem)</a:t>
-            </a:r>
-          </a:p>
-          <a:p>
-            <a:pPr lvl="1"/>
-            <a:r>
-              <a:rPr lang="en-US" b="1" dirty="0"/>
-              <a:t>Mitigation Plan</a:t>
-            </a:r>
-            <a:r>
-              <a:rPr lang="en-US" dirty="0"/>
-              <a:t>: redistribution the tasks</a:t>
-            </a:r>
-          </a:p>
-          <a:p>
-            <a:pPr marL="0" indent="0">
-              <a:buNone/>
-            </a:pPr>
-            <a:endParaRPr lang="en-GB" dirty="0"/>
-          </a:p>
-        </p:txBody>
-      </p:sp>
-    </p:spTree>
-    <p:extLst>
-      <p:ext uri="{BB962C8B-B14F-4D97-AF65-F5344CB8AC3E}">
-        <p14:creationId xmlns:p14="http://schemas.microsoft.com/office/powerpoint/2010/main" val="2359148607"/>
-      </p:ext>
-    </p:extLst>
-  </p:cSld>
-  <p:clrMapOvr>
-    <a:masterClrMapping/>
-  </p:clrMapOvr>
-</p:sld>
-</file>
-
-<file path=ppt/slides/slide52.xml><?xml version="1.0" encoding="utf-8"?>
-<p:sld xmlns:a="http://schemas.openxmlformats.org/drawingml/2006/main" xmlns:r="http://schemas.openxmlformats.org/officeDocument/2006/relationships" xmlns:p="http://schemas.openxmlformats.org/presentationml/2006/main">
-  <p:cSld>
-    <p:spTree>
-      <p:nvGrpSpPr>
-        <p:cNvPr id="1" name=""/>
-        <p:cNvGrpSpPr/>
-        <p:nvPr/>
-      </p:nvGrpSpPr>
-      <p:grpSpPr>
-        <a:xfrm>
-          <a:off x="0" y="0"/>
-          <a:ext cx="0" cy="0"/>
-          <a:chOff x="0" y="0"/>
-          <a:chExt cx="0" cy="0"/>
-        </a:xfrm>
-      </p:grpSpPr>
-      <p:sp>
-        <p:nvSpPr>
-          <p:cNvPr id="2" name="Título 1"/>
-          <p:cNvSpPr>
-            <a:spLocks noGrp="1"/>
-          </p:cNvSpPr>
-          <p:nvPr>
-            <p:ph type="title"/>
-          </p:nvPr>
-        </p:nvSpPr>
-        <p:spPr/>
-        <p:txBody>
-          <a:bodyPr/>
-          <a:lstStyle/>
-          <a:p>
-            <a:r>
-              <a:rPr lang="en-US" dirty="0" smtClean="0"/>
-              <a:t>Product Demonstration</a:t>
-            </a:r>
-            <a:endParaRPr lang="en-US" dirty="0"/>
-          </a:p>
-        </p:txBody>
-      </p:sp>
-      <p:sp>
-        <p:nvSpPr>
-          <p:cNvPr id="3" name="Marcador de Posição do Texto 2"/>
-          <p:cNvSpPr>
-            <a:spLocks noGrp="1"/>
-          </p:cNvSpPr>
-          <p:nvPr>
-            <p:ph type="body" idx="1"/>
-          </p:nvPr>
-        </p:nvSpPr>
-        <p:spPr/>
-        <p:txBody>
-          <a:bodyPr/>
-          <a:lstStyle/>
-          <a:p>
-            <a:r>
-              <a:rPr lang="pt-PT" dirty="0" smtClean="0"/>
-              <a:t>David João</a:t>
-            </a:r>
-            <a:endParaRPr lang="pt-PT" dirty="0"/>
-          </a:p>
-        </p:txBody>
-      </p:sp>
-    </p:spTree>
-  </p:cSld>
-  <p:clrMapOvr>
-    <a:masterClrMapping/>
-  </p:clrMapOvr>
-  <p:timing>
-    <p:tnLst>
-      <p:par>
-        <p:cTn id="1" dur="indefinite" restart="never" nodeType="tmRoot"/>
-      </p:par>
-    </p:tnLst>
-  </p:timing>
-</p:sld>
-</file>
-
-<file path=ppt/slides/slide53.xml><?xml version="1.0" encoding="utf-8"?>
-<p:sld xmlns:a="http://schemas.openxmlformats.org/drawingml/2006/main" xmlns:r="http://schemas.openxmlformats.org/officeDocument/2006/relationships" xmlns:p="http://schemas.openxmlformats.org/presentationml/2006/main">
-  <p:cSld>
-    <p:spTree>
-      <p:nvGrpSpPr>
-        <p:cNvPr id="1" name=""/>
-        <p:cNvGrpSpPr/>
-        <p:nvPr/>
-      </p:nvGrpSpPr>
-      <p:grpSpPr>
-        <a:xfrm>
-          <a:off x="0" y="0"/>
-          <a:ext cx="0" cy="0"/>
-          <a:chOff x="0" y="0"/>
-          <a:chExt cx="0" cy="0"/>
-        </a:xfrm>
-      </p:grpSpPr>
-      <p:sp>
-        <p:nvSpPr>
-          <p:cNvPr id="2" name="Título 1"/>
-          <p:cNvSpPr>
-            <a:spLocks noGrp="1"/>
-          </p:cNvSpPr>
-          <p:nvPr>
-            <p:ph type="title"/>
-          </p:nvPr>
-        </p:nvSpPr>
-        <p:spPr/>
-        <p:txBody>
-          <a:bodyPr/>
-          <a:lstStyle/>
-          <a:p>
-            <a:endParaRPr lang="pt-PT"/>
-          </a:p>
-        </p:txBody>
-      </p:sp>
-      <p:sp>
-        <p:nvSpPr>
-          <p:cNvPr id="3" name="Marcador de Posição de Conteúdo 2"/>
-          <p:cNvSpPr>
-            <a:spLocks noGrp="1"/>
-          </p:cNvSpPr>
-          <p:nvPr>
-            <p:ph idx="1"/>
-          </p:nvPr>
-        </p:nvSpPr>
-        <p:spPr/>
-        <p:txBody>
-          <a:bodyPr/>
-          <a:lstStyle/>
-          <a:p>
-            <a:endParaRPr lang="pt-PT"/>
-          </a:p>
-        </p:txBody>
-      </p:sp>
-    </p:spTree>
-  </p:cSld>
-  <p:clrMapOvr>
-    <a:masterClrMapping/>
-  </p:clrMapOvr>
-</p:sld>
-</file>
-
 <file path=ppt/slides/slide54.xml><?xml version="1.0" encoding="utf-8"?>
 <p:sld xmlns:a="http://schemas.openxmlformats.org/drawingml/2006/main" xmlns:r="http://schemas.openxmlformats.org/officeDocument/2006/relationships" xmlns:p="http://schemas.openxmlformats.org/presentationml/2006/main">
   <p:cSld>
@@ -26692,37 +27813,150 @@
           <a:lstStyle/>
           <a:p>
             <a:r>
-              <a:rPr lang="en-US" dirty="0" smtClean="0"/>
-              <a:t>Analysis and Conclusions</a:t>
-            </a:r>
-            <a:endParaRPr lang="en-US" dirty="0"/>
+              <a:rPr lang="en-US" dirty="0"/>
+              <a:t>Risk Management</a:t>
+            </a:r>
+            <a:endParaRPr lang="en-GB" dirty="0"/>
           </a:p>
         </p:txBody>
       </p:sp>
       <p:sp>
         <p:nvSpPr>
-          <p:cNvPr id="3" name="Marcador de Posição do Texto 2"/>
+          <p:cNvPr id="3" name="Marcador de Posição de Conteúdo 2"/>
           <p:cNvSpPr>
             <a:spLocks noGrp="1"/>
           </p:cNvSpPr>
           <p:nvPr>
-            <p:ph type="body" idx="1"/>
+            <p:ph idx="1"/>
           </p:nvPr>
         </p:nvSpPr>
         <p:spPr/>
         <p:txBody>
-          <a:bodyPr/>
+          <a:bodyPr>
+            <a:normAutofit fontScale="85000" lnSpcReduction="10000"/>
+          </a:bodyPr>
           <a:lstStyle/>
           <a:p>
             <a:r>
-              <a:rPr lang="pt-PT" dirty="0" smtClean="0"/>
-              <a:t>Team</a:t>
-            </a:r>
-            <a:endParaRPr lang="pt-PT" dirty="0"/>
+              <a:rPr lang="en-GB" b="1" dirty="0"/>
+              <a:t>1º</a:t>
+            </a:r>
+            <a:r>
+              <a:rPr lang="en-GB" dirty="0"/>
+              <a:t> - Lack of knowledge on technology</a:t>
+            </a:r>
+            <a:r>
+              <a:rPr lang="en-GB" b="1" dirty="0"/>
+              <a:t>:</a:t>
+            </a:r>
+          </a:p>
+          <a:p>
+            <a:pPr lvl="1"/>
+            <a:r>
+              <a:rPr lang="en-GB" b="1" dirty="0"/>
+              <a:t>Probability:</a:t>
+            </a:r>
+            <a:r>
+              <a:rPr lang="en-GB" dirty="0"/>
+              <a:t> 3</a:t>
+            </a:r>
+          </a:p>
+          <a:p>
+            <a:pPr lvl="1"/>
+            <a:r>
+              <a:rPr lang="en-GB" b="1" dirty="0"/>
+              <a:t>Impact:</a:t>
+            </a:r>
+            <a:r>
+              <a:rPr lang="en-GB" dirty="0"/>
+              <a:t> 3</a:t>
+            </a:r>
+          </a:p>
+          <a:p>
+            <a:pPr lvl="1"/>
+            <a:r>
+              <a:rPr lang="en-GB" b="1" dirty="0"/>
+              <a:t>Team Member:</a:t>
+            </a:r>
+            <a:r>
+              <a:rPr lang="en-GB" dirty="0"/>
+              <a:t> João Girão, Mário Oliveira, David Silva, João Martins, Carla Machado and Filipe </a:t>
+            </a:r>
+            <a:r>
+              <a:rPr lang="en-GB" dirty="0" err="1"/>
+              <a:t>Brandão</a:t>
+            </a:r>
+            <a:r>
+              <a:rPr lang="en-GB" dirty="0"/>
+              <a:t> </a:t>
+            </a:r>
+          </a:p>
+          <a:p>
+            <a:pPr lvl="1"/>
+            <a:r>
+              <a:rPr lang="en-GB" b="1" dirty="0"/>
+              <a:t>Avoidance:</a:t>
+            </a:r>
+            <a:r>
+              <a:rPr lang="en-GB" dirty="0"/>
+              <a:t> </a:t>
+            </a:r>
+            <a:r>
+              <a:rPr lang="en-US" dirty="0"/>
+              <a:t>To reduce probability all interfaces must be created and managed by Rui </a:t>
+            </a:r>
+            <a:r>
+              <a:rPr lang="en-US" dirty="0" err="1"/>
+              <a:t>Ganhoto</a:t>
+            </a:r>
+            <a:r>
+              <a:rPr lang="en-US" dirty="0"/>
+              <a:t>.</a:t>
+            </a:r>
+          </a:p>
+          <a:p>
+            <a:pPr lvl="1"/>
+            <a:r>
+              <a:rPr lang="en-US" b="1" dirty="0"/>
+              <a:t>Minimization:</a:t>
+            </a:r>
+            <a:r>
+              <a:rPr lang="en-US" dirty="0"/>
+              <a:t> To reduce Impact Rui </a:t>
+            </a:r>
+            <a:r>
+              <a:rPr lang="en-US" dirty="0" err="1"/>
+              <a:t>Ganhoto</a:t>
+            </a:r>
+            <a:r>
+              <a:rPr lang="en-US" dirty="0"/>
+              <a:t> must give some formation to every team members. </a:t>
+            </a:r>
+          </a:p>
+          <a:p>
+            <a:pPr lvl="1"/>
+            <a:r>
+              <a:rPr lang="en-US" b="1" dirty="0"/>
+              <a:t>Contingency: </a:t>
+            </a:r>
+            <a:r>
+              <a:rPr lang="en-US" dirty="0"/>
+              <a:t>Negotiate interface with the client and avoid WPF, windows forms would be an easier option for static content</a:t>
+            </a:r>
+            <a:r>
+              <a:rPr lang="en-US" dirty="0" smtClean="0"/>
+              <a:t>.</a:t>
+            </a:r>
+            <a:endParaRPr lang="en-GB" dirty="0"/>
           </a:p>
         </p:txBody>
       </p:sp>
     </p:spTree>
+    <p:extLst>
+      <p:ext uri="{BB962C8B-B14F-4D97-AF65-F5344CB8AC3E}">
+        <p14:creationId xmlns:p14="http://schemas.microsoft.com/office/powerpoint/2010/main" val="576009203"/>
+      </p:ext>
+    </p:extLst>
   </p:cSld>
   <p:clrMapOvr>
     <a:masterClrMapping/>
@@ -26763,10 +27997,10 @@
           <a:lstStyle/>
           <a:p>
             <a:r>
-              <a:rPr lang="pt-PT" dirty="0" smtClean="0"/>
-              <a:t>Global</a:t>
-            </a:r>
-            <a:endParaRPr lang="pt-PT" dirty="0"/>
+              <a:rPr lang="en-US" dirty="0"/>
+              <a:t>Risk Management</a:t>
+            </a:r>
+            <a:endParaRPr lang="en-GB" dirty="0"/>
           </a:p>
         </p:txBody>
       </p:sp>
@@ -26782,14 +28016,96 @@
         </p:nvSpPr>
         <p:spPr/>
         <p:txBody>
-          <a:bodyPr/>
+          <a:bodyPr>
+            <a:normAutofit fontScale="92500" lnSpcReduction="10000"/>
+          </a:bodyPr>
           <a:lstStyle/>
           <a:p>
-            <a:endParaRPr lang="pt-PT"/>
+            <a:r>
+              <a:rPr lang="en-GB" dirty="0"/>
+              <a:t>2º - Project Plan is over budget</a:t>
+            </a:r>
+          </a:p>
+          <a:p>
+            <a:pPr lvl="1"/>
+            <a:r>
+              <a:rPr lang="en-GB" b="1" dirty="0"/>
+              <a:t>Probability</a:t>
+            </a:r>
+            <a:r>
+              <a:rPr lang="en-GB" dirty="0"/>
+              <a:t>: 3</a:t>
+            </a:r>
+          </a:p>
+          <a:p>
+            <a:pPr lvl="1"/>
+            <a:r>
+              <a:rPr lang="en-GB" b="1" dirty="0"/>
+              <a:t>Impact</a:t>
+            </a:r>
+            <a:r>
+              <a:rPr lang="en-GB" dirty="0"/>
+              <a:t>: 2</a:t>
+            </a:r>
+          </a:p>
+          <a:p>
+            <a:pPr lvl="1"/>
+            <a:r>
+              <a:rPr lang="en-GB" b="1" dirty="0"/>
+              <a:t>Team Member</a:t>
+            </a:r>
+            <a:r>
+              <a:rPr lang="en-GB" dirty="0"/>
+              <a:t>: Everyone</a:t>
+            </a:r>
+          </a:p>
+          <a:p>
+            <a:pPr lvl="1"/>
+            <a:r>
+              <a:rPr lang="en-GB" dirty="0"/>
+              <a:t>Resolved with the </a:t>
+            </a:r>
+            <a:r>
+              <a:rPr lang="en-GB" dirty="0" err="1"/>
+              <a:t>Reestimation</a:t>
+            </a:r>
+            <a:endParaRPr lang="en-GB" dirty="0"/>
+          </a:p>
+          <a:p>
+            <a:pPr lvl="1"/>
+            <a:endParaRPr lang="en-GB" dirty="0"/>
+          </a:p>
+          <a:p>
+            <a:r>
+              <a:rPr lang="en-US" dirty="0"/>
+              <a:t>The project doesn’t end at the planned time (it’s a problem)</a:t>
+            </a:r>
+          </a:p>
+          <a:p>
+            <a:pPr lvl="1"/>
+            <a:r>
+              <a:rPr lang="en-US" b="1" dirty="0"/>
+              <a:t>Mitigation Plan</a:t>
+            </a:r>
+            <a:r>
+              <a:rPr lang="en-US" dirty="0"/>
+              <a:t>: redistribution the tasks</a:t>
+            </a:r>
+          </a:p>
+          <a:p>
+            <a:pPr marL="0" indent="0">
+              <a:buNone/>
+            </a:pPr>
+            <a:endParaRPr lang="en-GB" dirty="0"/>
           </a:p>
         </p:txBody>
       </p:sp>
     </p:spTree>
+    <p:extLst>
+      <p:ext uri="{BB962C8B-B14F-4D97-AF65-F5344CB8AC3E}">
+        <p14:creationId xmlns:p14="http://schemas.microsoft.com/office/powerpoint/2010/main" val="2359148607"/>
+      </p:ext>
+    </p:extLst>
   </p:cSld>
   <p:clrMapOvr>
     <a:masterClrMapping/>
@@ -26830,21 +28146,21 @@
           <a:lstStyle/>
           <a:p>
             <a:r>
-              <a:rPr lang="pt-PT" dirty="0" smtClean="0"/>
-              <a:t>Carla Machado</a:t>
-            </a:r>
-            <a:endParaRPr lang="pt-PT" dirty="0"/>
+              <a:rPr lang="en-US" dirty="0" smtClean="0"/>
+              <a:t>Product Demonstration</a:t>
+            </a:r>
+            <a:endParaRPr lang="en-US" dirty="0"/>
           </a:p>
         </p:txBody>
       </p:sp>
       <p:sp>
         <p:nvSpPr>
-          <p:cNvPr id="3" name="Marcador de Posição de Conteúdo 2"/>
+          <p:cNvPr id="3" name="Marcador de Posição do Texto 2"/>
           <p:cNvSpPr>
             <a:spLocks noGrp="1"/>
           </p:cNvSpPr>
           <p:nvPr>
-            <p:ph idx="1"/>
+            <p:ph type="body" idx="1"/>
           </p:nvPr>
         </p:nvSpPr>
         <p:spPr/>
@@ -26853,52 +28169,9 @@
           <a:lstStyle/>
           <a:p>
             <a:r>
-              <a:rPr lang="en-US" dirty="0" smtClean="0"/>
-              <a:t>Main contributions</a:t>
-            </a:r>
-          </a:p>
-          <a:p>
-            <a:pPr lvl="1"/>
-            <a:r>
-              <a:rPr lang="en-US" dirty="0" smtClean="0"/>
-              <a:t>English revisions</a:t>
-            </a:r>
-          </a:p>
-          <a:p>
-            <a:pPr lvl="1"/>
-            <a:r>
-              <a:rPr lang="en-US" dirty="0" smtClean="0"/>
-              <a:t>Enterprise Architect knowledge</a:t>
-            </a:r>
-          </a:p>
-          <a:p>
-            <a:pPr lvl="1"/>
-            <a:r>
-              <a:rPr lang="en-US" dirty="0" smtClean="0"/>
-              <a:t>Testing</a:t>
-            </a:r>
-          </a:p>
-          <a:p>
-            <a:r>
-              <a:rPr lang="en-US" dirty="0" smtClean="0"/>
-              <a:t>Participation analysis</a:t>
-            </a:r>
-          </a:p>
-          <a:p>
-            <a:pPr lvl="1"/>
-            <a:r>
-              <a:rPr lang="en-US" dirty="0" smtClean="0"/>
-              <a:t>Positive</a:t>
-            </a:r>
-          </a:p>
-          <a:p>
-            <a:pPr lvl="1"/>
-            <a:r>
-              <a:rPr lang="en-US" dirty="0" smtClean="0"/>
-              <a:t>Work done, availability to help and overwork when required</a:t>
-            </a:r>
-          </a:p>
-          <a:p>
+              <a:rPr lang="pt-PT" dirty="0" smtClean="0"/>
+              <a:t>David João</a:t>
+            </a:r>
             <a:endParaRPr lang="pt-PT" dirty="0"/>
           </a:p>
         </p:txBody>
@@ -26908,6 +28181,13 @@
   <p:clrMapOvr>
     <a:masterClrMapping/>
   </p:clrMapOvr>
+  <p:timing>
+    <p:tnLst>
+      <p:par>
+        <p:cTn id="1" dur="indefinite" restart="never" nodeType="tmRoot"/>
+      </p:par>
+    </p:tnLst>
+  </p:timing>
 </p:sld>
 </file>
 
@@ -26943,11 +28223,7 @@
           <a:bodyPr/>
           <a:lstStyle/>
           <a:p>
-            <a:r>
-              <a:rPr lang="pt-PT" dirty="0" smtClean="0"/>
-              <a:t>Carla Machado</a:t>
-            </a:r>
-            <a:endParaRPr lang="pt-PT" dirty="0"/>
+            <a:endParaRPr lang="pt-PT"/>
           </a:p>
         </p:txBody>
       </p:sp>
@@ -26963,60 +28239,10 @@
         </p:nvSpPr>
         <p:spPr/>
         <p:txBody>
-          <a:bodyPr>
-            <a:normAutofit/>
-          </a:bodyPr>
+          <a:bodyPr/>
           <a:lstStyle/>
           <a:p>
-            <a:r>
-              <a:rPr lang="en-US" dirty="0" smtClean="0"/>
-              <a:t>Lessons Learned</a:t>
-            </a:r>
-          </a:p>
-          <a:p>
-            <a:pPr lvl="1"/>
-            <a:r>
-              <a:rPr lang="en-US" dirty="0" smtClean="0"/>
-              <a:t>Organization</a:t>
-            </a:r>
-          </a:p>
-          <a:p>
-            <a:pPr lvl="1"/>
-            <a:r>
-              <a:rPr lang="en-US" dirty="0" smtClean="0"/>
-              <a:t>Level of commitment and motivation</a:t>
-            </a:r>
-          </a:p>
-          <a:p>
-            <a:pPr lvl="2"/>
-            <a:r>
-              <a:rPr lang="en-US" dirty="0" smtClean="0"/>
-              <a:t> similar for all members </a:t>
-            </a:r>
-          </a:p>
-          <a:p>
-            <a:pPr lvl="2"/>
-            <a:r>
-              <a:rPr lang="en-US" dirty="0" smtClean="0"/>
-              <a:t>Maintain it throughout the project</a:t>
-            </a:r>
-          </a:p>
-          <a:p>
-            <a:pPr lvl="1"/>
-            <a:r>
-              <a:rPr lang="en-US" dirty="0" smtClean="0"/>
-              <a:t>Working together and regular meetings</a:t>
-            </a:r>
-          </a:p>
-          <a:p>
-            <a:pPr lvl="1"/>
-            <a:r>
-              <a:rPr lang="en-US" dirty="0" smtClean="0"/>
-              <a:t>Take advantage of individual strengths and knowledge </a:t>
-            </a:r>
-          </a:p>
-          <a:p>
-            <a:endParaRPr lang="pt-PT" dirty="0"/>
+            <a:endParaRPr lang="pt-PT"/>
           </a:p>
         </p:txBody>
       </p:sp>
@@ -27061,21 +28287,21 @@
           <a:lstStyle/>
           <a:p>
             <a:r>
-              <a:rPr lang="pt-PT" dirty="0" smtClean="0"/>
-              <a:t>David João</a:t>
-            </a:r>
-            <a:endParaRPr lang="pt-PT" dirty="0"/>
+              <a:rPr lang="en-US" dirty="0" smtClean="0"/>
+              <a:t>Analysis and Conclusions</a:t>
+            </a:r>
+            <a:endParaRPr lang="en-US" dirty="0"/>
           </a:p>
         </p:txBody>
       </p:sp>
       <p:sp>
         <p:nvSpPr>
-          <p:cNvPr id="3" name="Marcador de Posição de Conteúdo 2"/>
+          <p:cNvPr id="3" name="Marcador de Posição do Texto 2"/>
           <p:cNvSpPr>
             <a:spLocks noGrp="1"/>
           </p:cNvSpPr>
           <p:nvPr>
-            <p:ph idx="1"/>
+            <p:ph type="body" idx="1"/>
           </p:nvPr>
         </p:nvSpPr>
         <p:spPr/>
@@ -27083,7 +28309,11 @@
           <a:bodyPr/>
           <a:lstStyle/>
           <a:p>
-            <a:endParaRPr lang="pt-PT"/>
+            <a:r>
+              <a:rPr lang="pt-PT" dirty="0" smtClean="0"/>
+              <a:t>Team</a:t>
+            </a:r>
+            <a:endParaRPr lang="pt-PT" dirty="0"/>
           </a:p>
         </p:txBody>
       </p:sp>
@@ -27129,7 +28359,7 @@
           <a:p>
             <a:r>
               <a:rPr lang="pt-PT" dirty="0" smtClean="0"/>
-              <a:t>Filipe Brandão</a:t>
+              <a:t>Global</a:t>
             </a:r>
             <a:endParaRPr lang="pt-PT" dirty="0"/>
           </a:p>
@@ -27313,18 +28543,10 @@
           <a:lstStyle/>
           <a:p>
             <a:r>
-              <a:rPr lang="pt-PT" dirty="0"/>
-              <a:t>Filipe </a:t>
-            </a:r>
-            <a:r>
               <a:rPr lang="pt-PT" dirty="0" smtClean="0"/>
-              <a:t>Brandão - </a:t>
-            </a:r>
-            <a:r>
-              <a:rPr lang="pt-PT" b="1" dirty="0" err="1" smtClean="0"/>
-              <a:t>Contributions</a:t>
-            </a:r>
-            <a:endParaRPr lang="pt-PT" b="1" dirty="0"/>
+              <a:t>Carla Machado</a:t>
+            </a:r>
+            <a:endParaRPr lang="pt-PT" dirty="0"/>
           </a:p>
         </p:txBody>
       </p:sp>
@@ -27343,131 +28565,51 @@
           <a:bodyPr/>
           <a:lstStyle/>
           <a:p>
+            <a:r>
+              <a:rPr lang="en-US" dirty="0" smtClean="0"/>
+              <a:t>Main contributions</a:t>
+            </a:r>
+          </a:p>
+          <a:p>
             <a:pPr lvl="1"/>
             <a:r>
-              <a:rPr lang="pt-PT" dirty="0" err="1" smtClean="0"/>
-              <a:t>Previous</a:t>
-            </a:r>
-            <a:r>
-              <a:rPr lang="pt-PT" dirty="0" smtClean="0"/>
-              <a:t> </a:t>
-            </a:r>
-            <a:r>
-              <a:rPr lang="pt-PT" dirty="0" err="1" smtClean="0"/>
-              <a:t>experience</a:t>
-            </a:r>
-            <a:r>
-              <a:rPr lang="pt-PT" dirty="0" smtClean="0"/>
-              <a:t> :</a:t>
-            </a:r>
-          </a:p>
-          <a:p>
-            <a:pPr lvl="2"/>
-            <a:r>
-              <a:rPr lang="pt-PT" dirty="0" err="1" smtClean="0"/>
-              <a:t>allowed</a:t>
-            </a:r>
-            <a:r>
-              <a:rPr lang="pt-PT" dirty="0" smtClean="0"/>
-              <a:t> a more </a:t>
-            </a:r>
-            <a:r>
-              <a:rPr lang="pt-PT" dirty="0" err="1" smtClean="0"/>
-              <a:t>direct</a:t>
-            </a:r>
-            <a:r>
-              <a:rPr lang="pt-PT" dirty="0" smtClean="0"/>
-              <a:t> </a:t>
-            </a:r>
-            <a:r>
-              <a:rPr lang="pt-PT" dirty="0" err="1" smtClean="0"/>
-              <a:t>approach</a:t>
-            </a:r>
-            <a:r>
-              <a:rPr lang="pt-PT" dirty="0" smtClean="0"/>
-              <a:t> to </a:t>
-            </a:r>
-            <a:r>
-              <a:rPr lang="pt-PT" dirty="0" err="1" smtClean="0"/>
-              <a:t>the</a:t>
-            </a:r>
-            <a:r>
-              <a:rPr lang="pt-PT" dirty="0" smtClean="0"/>
-              <a:t> </a:t>
-            </a:r>
-            <a:r>
-              <a:rPr lang="pt-PT" dirty="0" err="1" smtClean="0"/>
-              <a:t>problems</a:t>
-            </a:r>
-            <a:r>
-              <a:rPr lang="pt-PT" dirty="0"/>
-              <a:t> </a:t>
-            </a:r>
-            <a:r>
-              <a:rPr lang="pt-PT" dirty="0" err="1" smtClean="0"/>
-              <a:t>presented</a:t>
-            </a:r>
-            <a:endParaRPr lang="pt-PT" dirty="0"/>
-          </a:p>
-          <a:p>
-            <a:pPr lvl="2"/>
-            <a:r>
-              <a:rPr lang="pt-PT" dirty="0" err="1" smtClean="0"/>
-              <a:t>allowed</a:t>
-            </a:r>
-            <a:r>
-              <a:rPr lang="pt-PT" dirty="0" smtClean="0"/>
-              <a:t> me to </a:t>
-            </a:r>
-            <a:r>
-              <a:rPr lang="pt-PT" dirty="0" err="1" smtClean="0"/>
-              <a:t>help</a:t>
-            </a:r>
-            <a:r>
-              <a:rPr lang="pt-PT" dirty="0" smtClean="0"/>
-              <a:t> </a:t>
-            </a:r>
-            <a:r>
-              <a:rPr lang="pt-PT" dirty="0" err="1" smtClean="0"/>
-              <a:t>other</a:t>
-            </a:r>
-            <a:r>
-              <a:rPr lang="pt-PT" dirty="0" smtClean="0"/>
-              <a:t> </a:t>
-            </a:r>
-            <a:r>
-              <a:rPr lang="pt-PT" dirty="0" err="1" smtClean="0"/>
-              <a:t>members</a:t>
-            </a:r>
-            <a:r>
-              <a:rPr lang="pt-PT" dirty="0" smtClean="0"/>
-              <a:t> </a:t>
-            </a:r>
-            <a:r>
-              <a:rPr lang="pt-PT" dirty="0" err="1" smtClean="0"/>
-              <a:t>providing</a:t>
-            </a:r>
-            <a:r>
-              <a:rPr lang="pt-PT" dirty="0" smtClean="0"/>
-              <a:t> </a:t>
-            </a:r>
-            <a:r>
-              <a:rPr lang="pt-PT" dirty="0" err="1" smtClean="0"/>
-              <a:t>guidance</a:t>
-            </a:r>
-            <a:endParaRPr lang="pt-PT" dirty="0" smtClean="0"/>
+              <a:rPr lang="en-US" dirty="0" smtClean="0"/>
+              <a:t>English revisions</a:t>
+            </a:r>
           </a:p>
           <a:p>
             <a:pPr lvl="1"/>
-            <a:endParaRPr lang="pt-PT" dirty="0" smtClean="0"/>
+            <a:r>
+              <a:rPr lang="en-US" dirty="0" smtClean="0"/>
+              <a:t>Enterprise Architect knowledge</a:t>
+            </a:r>
           </a:p>
           <a:p>
             <a:pPr lvl="1"/>
-            <a:endParaRPr lang="pt-PT" dirty="0" smtClean="0"/>
+            <a:r>
+              <a:rPr lang="en-US" dirty="0" smtClean="0"/>
+              <a:t>Testing</a:t>
+            </a:r>
+          </a:p>
+          <a:p>
+            <a:r>
+              <a:rPr lang="en-US" dirty="0" smtClean="0"/>
+              <a:t>Participation analysis</a:t>
+            </a:r>
           </a:p>
           <a:p>
             <a:pPr lvl="1"/>
-            <a:endParaRPr lang="pt-PT" dirty="0"/>
+            <a:r>
+              <a:rPr lang="en-US" dirty="0" smtClean="0"/>
+              <a:t>Positive</a:t>
+            </a:r>
+          </a:p>
+          <a:p>
+            <a:pPr lvl="1"/>
+            <a:r>
+              <a:rPr lang="en-US" dirty="0" smtClean="0"/>
+              <a:t>Work done, availability to help and overwork when required</a:t>
+            </a:r>
           </a:p>
           <a:p>
             <a:endParaRPr lang="pt-PT" dirty="0"/>
@@ -27475,22 +28617,10 @@
         </p:txBody>
       </p:sp>
     </p:spTree>
-    <p:extLst>
-      <p:ext uri="{BB962C8B-B14F-4D97-AF65-F5344CB8AC3E}">
-        <p14:creationId xmlns:p14="http://schemas.microsoft.com/office/powerpoint/2010/main" val="529958241"/>
-      </p:ext>
-    </p:extLst>
   </p:cSld>
   <p:clrMapOvr>
     <a:masterClrMapping/>
   </p:clrMapOvr>
-  <p:timing>
-    <p:tnLst>
-      <p:par>
-        <p:cTn id="1" dur="indefinite" restart="never" nodeType="tmRoot"/>
-      </p:par>
-    </p:tnLst>
-  </p:timing>
 </p:sld>
 </file>
 
@@ -27527,26 +28657,10 @@
           <a:lstStyle/>
           <a:p>
             <a:r>
-              <a:rPr lang="pt-PT" dirty="0"/>
-              <a:t>Filipe </a:t>
-            </a:r>
-            <a:r>
               <a:rPr lang="pt-PT" dirty="0" smtClean="0"/>
-              <a:t>Brandão - </a:t>
-            </a:r>
-            <a:r>
-              <a:rPr lang="pt-PT" b="1" dirty="0" err="1" smtClean="0"/>
-              <a:t>Lessons</a:t>
-            </a:r>
-            <a:r>
-              <a:rPr lang="pt-PT" b="1" dirty="0" smtClean="0"/>
-              <a:t> </a:t>
-            </a:r>
-            <a:r>
-              <a:rPr lang="pt-PT" b="1" dirty="0" err="1" smtClean="0"/>
-              <a:t>Learned</a:t>
-            </a:r>
-            <a:endParaRPr lang="pt-PT" b="1" dirty="0"/>
+              <a:t>Carla Machado</a:t>
+            </a:r>
+            <a:endParaRPr lang="pt-PT" dirty="0"/>
           </a:p>
         </p:txBody>
       </p:sp>
@@ -27563,128 +28677,67 @@
         <p:spPr/>
         <p:txBody>
           <a:bodyPr>
-            <a:normAutofit fontScale="85000" lnSpcReduction="20000"/>
+            <a:normAutofit/>
           </a:bodyPr>
           <a:lstStyle/>
           <a:p>
             <a:r>
               <a:rPr lang="en-US" dirty="0" smtClean="0"/>
-              <a:t>Project Management is a lot about experience, learning lessons and adapting based on all the previous information.</a:t>
-            </a:r>
-          </a:p>
-          <a:p>
-            <a:r>
-              <a:rPr lang="pt-PT" dirty="0" smtClean="0"/>
-              <a:t>Soft </a:t>
-            </a:r>
+              <a:t>Lessons Learned</a:t>
+            </a:r>
+          </a:p>
+          <a:p>
+            <a:pPr lvl="1"/>
             <a:r>
               <a:rPr lang="en-US" dirty="0" smtClean="0"/>
-              <a:t>skills</a:t>
-            </a:r>
-            <a:r>
-              <a:rPr lang="pt-PT" dirty="0" smtClean="0"/>
-              <a:t> are </a:t>
-            </a:r>
+              <a:t>Organization</a:t>
+            </a:r>
+          </a:p>
+          <a:p>
+            <a:pPr lvl="1"/>
             <a:r>
               <a:rPr lang="en-US" dirty="0" smtClean="0"/>
-              <a:t>necessary</a:t>
-            </a:r>
-            <a:r>
-              <a:rPr lang="pt-PT" dirty="0" smtClean="0"/>
-              <a:t>: </a:t>
-            </a:r>
+              <a:t>Level of commitment and motivation</a:t>
+            </a:r>
+          </a:p>
+          <a:p>
+            <a:pPr lvl="2"/>
             <a:r>
               <a:rPr lang="en-US" dirty="0" smtClean="0"/>
-              <a:t>communication</a:t>
-            </a:r>
-            <a:r>
-              <a:rPr lang="pt-PT" dirty="0" smtClean="0"/>
-              <a:t>, </a:t>
-            </a:r>
+              <a:t> similar for all members </a:t>
+            </a:r>
+          </a:p>
+          <a:p>
+            <a:pPr lvl="2"/>
             <a:r>
               <a:rPr lang="en-US" dirty="0" smtClean="0"/>
-              <a:t>leadership</a:t>
-            </a:r>
-            <a:r>
-              <a:rPr lang="pt-PT" dirty="0" smtClean="0"/>
-              <a:t>, handling </a:t>
-            </a:r>
+              <a:t>Maintain it throughout the project</a:t>
+            </a:r>
+          </a:p>
+          <a:p>
+            <a:pPr lvl="1"/>
             <a:r>
               <a:rPr lang="en-US" dirty="0" smtClean="0"/>
-              <a:t>different</a:t>
-            </a:r>
-            <a:r>
-              <a:rPr lang="pt-PT" dirty="0" smtClean="0"/>
-              <a:t> </a:t>
-            </a:r>
+              <a:t>Working together and regular meetings</a:t>
+            </a:r>
+          </a:p>
+          <a:p>
+            <a:pPr lvl="1"/>
             <a:r>
               <a:rPr lang="en-US" dirty="0" smtClean="0"/>
-              <a:t>personalities</a:t>
-            </a:r>
-            <a:r>
-              <a:rPr lang="pt-PT" dirty="0" smtClean="0"/>
-              <a:t>, etc.</a:t>
-            </a:r>
-          </a:p>
-          <a:p>
-            <a:r>
-              <a:rPr lang="en-US" dirty="0" smtClean="0"/>
-              <a:t>A tool, doesn’t matter how many value it can add to our work, is worth nothing if not correctly used.</a:t>
-            </a:r>
-          </a:p>
-          <a:p>
-            <a:r>
-              <a:rPr lang="en-US" dirty="0" smtClean="0"/>
-              <a:t>Regular meetings are essential. Working together is beneficial.</a:t>
-            </a:r>
-          </a:p>
-          <a:p>
-            <a:r>
-              <a:rPr lang="en-US" dirty="0" smtClean="0"/>
-              <a:t>Project control implies different aspects depending on the project state.</a:t>
-            </a:r>
-          </a:p>
-          <a:p>
-            <a:r>
-              <a:rPr lang="en-US" dirty="0" smtClean="0"/>
-              <a:t>Transparency during the whole project is essential. </a:t>
-            </a:r>
-          </a:p>
-          <a:p>
-            <a:r>
-              <a:rPr lang="en-US" dirty="0" smtClean="0"/>
-              <a:t>Motivation is key.</a:t>
-            </a:r>
-          </a:p>
-          <a:p>
-            <a:endParaRPr lang="pt-PT" dirty="0"/>
-          </a:p>
-          <a:p>
-            <a:endParaRPr lang="pt-PT" dirty="0" smtClean="0"/>
-          </a:p>
-          <a:p>
-            <a:pPr lvl="1"/>
+              <a:t>Take advantage of individual strengths and knowledge </a:t>
+            </a:r>
+          </a:p>
+          <a:p>
             <a:endParaRPr lang="pt-PT" dirty="0"/>
           </a:p>
         </p:txBody>
       </p:sp>
     </p:spTree>
-    <p:extLst>
-      <p:ext uri="{BB962C8B-B14F-4D97-AF65-F5344CB8AC3E}">
-        <p14:creationId xmlns:p14="http://schemas.microsoft.com/office/powerpoint/2010/main" val="1756093289"/>
-      </p:ext>
-    </p:extLst>
   </p:cSld>
   <p:clrMapOvr>
     <a:masterClrMapping/>
   </p:clrMapOvr>
-  <p:timing>
-    <p:tnLst>
-      <p:par>
-        <p:cTn id="1" dur="indefinite" restart="never" nodeType="tmRoot"/>
-      </p:par>
-    </p:tnLst>
-  </p:timing>
 </p:sld>
 </file>
 
@@ -27721,26 +28774,10 @@
           <a:lstStyle/>
           <a:p>
             <a:r>
-              <a:rPr lang="pt-PT" dirty="0"/>
-              <a:t>Filipe </a:t>
-            </a:r>
-            <a:r>
               <a:rPr lang="pt-PT" dirty="0" smtClean="0"/>
-              <a:t>Brandão - </a:t>
-            </a:r>
-            <a:r>
-              <a:rPr lang="pt-PT" b="1" dirty="0" err="1" smtClean="0"/>
-              <a:t>Lessons</a:t>
-            </a:r>
-            <a:r>
-              <a:rPr lang="pt-PT" b="1" dirty="0" smtClean="0"/>
-              <a:t> </a:t>
-            </a:r>
-            <a:r>
-              <a:rPr lang="pt-PT" b="1" dirty="0" err="1" smtClean="0"/>
-              <a:t>Learned</a:t>
-            </a:r>
-            <a:endParaRPr lang="pt-PT" b="1" dirty="0"/>
+              <a:t>David João</a:t>
+            </a:r>
+            <a:endParaRPr lang="pt-PT" dirty="0"/>
           </a:p>
         </p:txBody>
       </p:sp>
@@ -27756,600 +28793,18 @@
         </p:nvSpPr>
         <p:spPr/>
         <p:txBody>
-          <a:bodyPr>
-            <a:normAutofit/>
-          </a:bodyPr>
+          <a:bodyPr/>
           <a:lstStyle/>
           <a:p>
-            <a:r>
-              <a:rPr lang="pt-PT" dirty="0"/>
-              <a:t>A </a:t>
-            </a:r>
-            <a:r>
-              <a:rPr lang="pt-PT" dirty="0" err="1"/>
-              <a:t>good</a:t>
-            </a:r>
-            <a:r>
-              <a:rPr lang="pt-PT" dirty="0"/>
-              <a:t> </a:t>
-            </a:r>
-            <a:r>
-              <a:rPr lang="pt-PT" dirty="0" err="1"/>
-              <a:t>Work</a:t>
-            </a:r>
-            <a:r>
-              <a:rPr lang="pt-PT" dirty="0"/>
-              <a:t> </a:t>
-            </a:r>
-            <a:r>
-              <a:rPr lang="pt-PT" dirty="0" err="1"/>
-              <a:t>Breakdown</a:t>
-            </a:r>
-            <a:r>
-              <a:rPr lang="pt-PT" dirty="0"/>
-              <a:t> </a:t>
-            </a:r>
-            <a:r>
-              <a:rPr lang="pt-PT" dirty="0" err="1"/>
-              <a:t>Chart</a:t>
-            </a:r>
-            <a:r>
-              <a:rPr lang="pt-PT" dirty="0"/>
-              <a:t> </a:t>
-            </a:r>
-            <a:r>
-              <a:rPr lang="pt-PT" dirty="0" err="1"/>
-              <a:t>is</a:t>
-            </a:r>
-            <a:r>
-              <a:rPr lang="pt-PT" dirty="0"/>
-              <a:t> a </a:t>
-            </a:r>
-            <a:r>
-              <a:rPr lang="pt-PT" dirty="0" err="1"/>
-              <a:t>good</a:t>
-            </a:r>
-            <a:r>
-              <a:rPr lang="pt-PT" dirty="0"/>
-              <a:t> </a:t>
-            </a:r>
-            <a:r>
-              <a:rPr lang="pt-PT" dirty="0" err="1"/>
-              <a:t>foundation</a:t>
-            </a:r>
-            <a:r>
-              <a:rPr lang="pt-PT" dirty="0"/>
-              <a:t> for </a:t>
-            </a:r>
-            <a:r>
-              <a:rPr lang="pt-PT" dirty="0" err="1"/>
-              <a:t>the</a:t>
-            </a:r>
-            <a:r>
-              <a:rPr lang="pt-PT" dirty="0"/>
-              <a:t> </a:t>
-            </a:r>
-            <a:r>
-              <a:rPr lang="pt-PT" dirty="0" err="1"/>
-              <a:t>project</a:t>
-            </a:r>
-            <a:r>
-              <a:rPr lang="pt-PT" dirty="0"/>
-              <a:t> </a:t>
-            </a:r>
-            <a:r>
-              <a:rPr lang="pt-PT" dirty="0" err="1"/>
-              <a:t>plan</a:t>
-            </a:r>
-            <a:r>
-              <a:rPr lang="pt-PT" dirty="0" smtClean="0"/>
-              <a:t>.</a:t>
-            </a:r>
-          </a:p>
-          <a:p>
-            <a:r>
-              <a:rPr lang="pt-PT" dirty="0" err="1" smtClean="0"/>
-              <a:t>Earned</a:t>
-            </a:r>
-            <a:r>
-              <a:rPr lang="pt-PT" dirty="0" smtClean="0"/>
-              <a:t> </a:t>
-            </a:r>
-            <a:r>
-              <a:rPr lang="pt-PT" dirty="0" err="1" smtClean="0"/>
-              <a:t>Value</a:t>
-            </a:r>
-            <a:r>
-              <a:rPr lang="pt-PT" dirty="0" smtClean="0"/>
-              <a:t> </a:t>
-            </a:r>
-            <a:r>
-              <a:rPr lang="pt-PT" dirty="0" err="1" smtClean="0"/>
-              <a:t>Graph</a:t>
-            </a:r>
-            <a:r>
-              <a:rPr lang="pt-PT" dirty="0" smtClean="0"/>
-              <a:t> </a:t>
-            </a:r>
-            <a:r>
-              <a:rPr lang="pt-PT" dirty="0" err="1" smtClean="0"/>
-              <a:t>tasks</a:t>
-            </a:r>
-            <a:r>
-              <a:rPr lang="pt-PT" dirty="0" smtClean="0"/>
-              <a:t> </a:t>
-            </a:r>
-            <a:r>
-              <a:rPr lang="pt-PT" dirty="0" err="1" smtClean="0"/>
-              <a:t>should</a:t>
-            </a:r>
-            <a:r>
-              <a:rPr lang="pt-PT" dirty="0" smtClean="0"/>
-              <a:t> </a:t>
-            </a:r>
-            <a:r>
-              <a:rPr lang="pt-PT" dirty="0" err="1" smtClean="0"/>
-              <a:t>be</a:t>
-            </a:r>
-            <a:r>
-              <a:rPr lang="pt-PT" dirty="0" smtClean="0"/>
-              <a:t> </a:t>
-            </a:r>
-            <a:r>
-              <a:rPr lang="pt-PT" dirty="0" err="1" smtClean="0"/>
-              <a:t>related</a:t>
-            </a:r>
-            <a:r>
-              <a:rPr lang="pt-PT" dirty="0" smtClean="0"/>
-              <a:t> to </a:t>
-            </a:r>
-            <a:r>
-              <a:rPr lang="pt-PT" dirty="0" err="1" smtClean="0"/>
-              <a:t>one</a:t>
-            </a:r>
-            <a:r>
-              <a:rPr lang="pt-PT" dirty="0" smtClean="0"/>
-              <a:t> </a:t>
-            </a:r>
-            <a:r>
-              <a:rPr lang="pt-PT" dirty="0" err="1" smtClean="0"/>
-              <a:t>member</a:t>
-            </a:r>
-            <a:r>
-              <a:rPr lang="pt-PT" dirty="0" smtClean="0"/>
-              <a:t>. </a:t>
-            </a:r>
-            <a:r>
-              <a:rPr lang="pt-PT" dirty="0" err="1" smtClean="0"/>
-              <a:t>If</a:t>
-            </a:r>
-            <a:r>
-              <a:rPr lang="pt-PT" dirty="0" smtClean="0"/>
-              <a:t> more </a:t>
-            </a:r>
-            <a:r>
-              <a:rPr lang="pt-PT" dirty="0" err="1" smtClean="0"/>
-              <a:t>members</a:t>
-            </a:r>
-            <a:r>
-              <a:rPr lang="pt-PT" dirty="0" smtClean="0"/>
-              <a:t> are </a:t>
-            </a:r>
-            <a:r>
-              <a:rPr lang="pt-PT" dirty="0" err="1" smtClean="0"/>
-              <a:t>allocated</a:t>
-            </a:r>
-            <a:r>
-              <a:rPr lang="pt-PT" dirty="0" smtClean="0"/>
-              <a:t> to </a:t>
-            </a:r>
-            <a:r>
-              <a:rPr lang="pt-PT" dirty="0" err="1" smtClean="0"/>
-              <a:t>that</a:t>
-            </a:r>
-            <a:r>
-              <a:rPr lang="pt-PT" dirty="0" smtClean="0"/>
-              <a:t> </a:t>
-            </a:r>
-            <a:r>
-              <a:rPr lang="pt-PT" dirty="0" err="1" smtClean="0"/>
-              <a:t>task</a:t>
-            </a:r>
-            <a:r>
-              <a:rPr lang="pt-PT" dirty="0" smtClean="0"/>
-              <a:t>, </a:t>
-            </a:r>
-            <a:r>
-              <a:rPr lang="pt-PT" dirty="0" err="1" smtClean="0"/>
-              <a:t>repeat</a:t>
-            </a:r>
-            <a:r>
-              <a:rPr lang="pt-PT" dirty="0" smtClean="0"/>
-              <a:t> </a:t>
-            </a:r>
-            <a:r>
-              <a:rPr lang="pt-PT" dirty="0" err="1" smtClean="0"/>
-              <a:t>it</a:t>
-            </a:r>
-            <a:r>
-              <a:rPr lang="pt-PT" dirty="0" smtClean="0"/>
-              <a:t>.</a:t>
-            </a:r>
-          </a:p>
-          <a:p>
-            <a:r>
-              <a:rPr lang="pt-PT" dirty="0">
-                <a:sym typeface="Wingdings" panose="05000000000000000000" pitchFamily="2" charset="2"/>
-              </a:rPr>
-              <a:t>Project </a:t>
-            </a:r>
-            <a:r>
-              <a:rPr lang="pt-PT" dirty="0" err="1">
-                <a:sym typeface="Wingdings" panose="05000000000000000000" pitchFamily="2" charset="2"/>
-              </a:rPr>
-              <a:t>Planning</a:t>
-            </a:r>
-            <a:r>
-              <a:rPr lang="pt-PT" dirty="0">
-                <a:sym typeface="Wingdings" panose="05000000000000000000" pitchFamily="2" charset="2"/>
-              </a:rPr>
-              <a:t> </a:t>
-            </a:r>
-            <a:r>
-              <a:rPr lang="pt-PT" dirty="0" err="1">
-                <a:sym typeface="Wingdings" panose="05000000000000000000" pitchFamily="2" charset="2"/>
-              </a:rPr>
-              <a:t>Process</a:t>
-            </a:r>
-            <a:r>
-              <a:rPr lang="pt-PT" dirty="0">
-                <a:sym typeface="Wingdings" panose="05000000000000000000" pitchFamily="2" charset="2"/>
-              </a:rPr>
-              <a:t> </a:t>
-            </a:r>
-            <a:r>
-              <a:rPr lang="pt-PT" dirty="0" err="1">
-                <a:sym typeface="Wingdings" panose="05000000000000000000" pitchFamily="2" charset="2"/>
-              </a:rPr>
-              <a:t>seemed</a:t>
-            </a:r>
-            <a:r>
-              <a:rPr lang="pt-PT" dirty="0">
-                <a:sym typeface="Wingdings" panose="05000000000000000000" pitchFamily="2" charset="2"/>
-              </a:rPr>
-              <a:t> OK for </a:t>
-            </a:r>
-            <a:r>
-              <a:rPr lang="pt-PT" dirty="0" err="1">
-                <a:sym typeface="Wingdings" panose="05000000000000000000" pitchFamily="2" charset="2"/>
-              </a:rPr>
-              <a:t>this</a:t>
-            </a:r>
-            <a:r>
-              <a:rPr lang="pt-PT" dirty="0">
-                <a:sym typeface="Wingdings" panose="05000000000000000000" pitchFamily="2" charset="2"/>
-              </a:rPr>
-              <a:t> </a:t>
-            </a:r>
-            <a:r>
-              <a:rPr lang="pt-PT" dirty="0" err="1">
-                <a:sym typeface="Wingdings" panose="05000000000000000000" pitchFamily="2" charset="2"/>
-              </a:rPr>
-              <a:t>project</a:t>
-            </a:r>
-            <a:r>
-              <a:rPr lang="pt-PT" dirty="0">
-                <a:sym typeface="Wingdings" panose="05000000000000000000" pitchFamily="2" charset="2"/>
-              </a:rPr>
-              <a:t> </a:t>
-            </a:r>
-            <a:r>
-              <a:rPr lang="pt-PT" dirty="0" err="1">
-                <a:sym typeface="Wingdings" panose="05000000000000000000" pitchFamily="2" charset="2"/>
-              </a:rPr>
-              <a:t>but</a:t>
-            </a:r>
-            <a:r>
-              <a:rPr lang="pt-PT" dirty="0">
-                <a:sym typeface="Wingdings" panose="05000000000000000000" pitchFamily="2" charset="2"/>
-              </a:rPr>
-              <a:t> </a:t>
-            </a:r>
-            <a:r>
-              <a:rPr lang="pt-PT" dirty="0" err="1">
-                <a:sym typeface="Wingdings" panose="05000000000000000000" pitchFamily="2" charset="2"/>
-              </a:rPr>
-              <a:t>should</a:t>
-            </a:r>
-            <a:r>
-              <a:rPr lang="pt-PT" dirty="0">
-                <a:sym typeface="Wingdings" panose="05000000000000000000" pitchFamily="2" charset="2"/>
-              </a:rPr>
-              <a:t> </a:t>
-            </a:r>
-            <a:r>
-              <a:rPr lang="pt-PT" dirty="0" err="1">
-                <a:sym typeface="Wingdings" panose="05000000000000000000" pitchFamily="2" charset="2"/>
-              </a:rPr>
-              <a:t>be</a:t>
-            </a:r>
-            <a:r>
-              <a:rPr lang="pt-PT" dirty="0">
-                <a:sym typeface="Wingdings" panose="05000000000000000000" pitchFamily="2" charset="2"/>
-              </a:rPr>
-              <a:t> </a:t>
-            </a:r>
-            <a:r>
-              <a:rPr lang="pt-PT" dirty="0" err="1">
-                <a:sym typeface="Wingdings" panose="05000000000000000000" pitchFamily="2" charset="2"/>
-              </a:rPr>
-              <a:t>added</a:t>
-            </a:r>
-            <a:r>
-              <a:rPr lang="pt-PT" dirty="0">
-                <a:sym typeface="Wingdings" panose="05000000000000000000" pitchFamily="2" charset="2"/>
-              </a:rPr>
-              <a:t> </a:t>
-            </a:r>
-            <a:r>
-              <a:rPr lang="pt-PT" dirty="0" err="1">
-                <a:sym typeface="Wingdings" panose="05000000000000000000" pitchFamily="2" charset="2"/>
-              </a:rPr>
-              <a:t>hints</a:t>
-            </a:r>
-            <a:r>
-              <a:rPr lang="pt-PT" dirty="0">
-                <a:sym typeface="Wingdings" panose="05000000000000000000" pitchFamily="2" charset="2"/>
-              </a:rPr>
-              <a:t> </a:t>
-            </a:r>
-            <a:r>
-              <a:rPr lang="pt-PT" dirty="0" err="1">
-                <a:sym typeface="Wingdings" panose="05000000000000000000" pitchFamily="2" charset="2"/>
-              </a:rPr>
-              <a:t>on</a:t>
-            </a:r>
-            <a:r>
-              <a:rPr lang="pt-PT" dirty="0">
-                <a:sym typeface="Wingdings" panose="05000000000000000000" pitchFamily="2" charset="2"/>
-              </a:rPr>
-              <a:t> </a:t>
-            </a:r>
-            <a:r>
-              <a:rPr lang="pt-PT" dirty="0" err="1">
-                <a:sym typeface="Wingdings" panose="05000000000000000000" pitchFamily="2" charset="2"/>
-              </a:rPr>
-              <a:t>how</a:t>
-            </a:r>
-            <a:r>
-              <a:rPr lang="pt-PT" dirty="0">
-                <a:sym typeface="Wingdings" panose="05000000000000000000" pitchFamily="2" charset="2"/>
-              </a:rPr>
-              <a:t> to </a:t>
-            </a:r>
-            <a:r>
-              <a:rPr lang="pt-PT" dirty="0" err="1">
-                <a:sym typeface="Wingdings" panose="05000000000000000000" pitchFamily="2" charset="2"/>
-              </a:rPr>
-              <a:t>develop</a:t>
-            </a:r>
-            <a:r>
-              <a:rPr lang="pt-PT" dirty="0">
-                <a:sym typeface="Wingdings" panose="05000000000000000000" pitchFamily="2" charset="2"/>
-              </a:rPr>
-              <a:t> a </a:t>
-            </a:r>
-            <a:r>
-              <a:rPr lang="pt-PT" dirty="0" err="1">
-                <a:sym typeface="Wingdings" panose="05000000000000000000" pitchFamily="2" charset="2"/>
-              </a:rPr>
-              <a:t>good</a:t>
-            </a:r>
-            <a:r>
-              <a:rPr lang="pt-PT" dirty="0">
-                <a:sym typeface="Wingdings" panose="05000000000000000000" pitchFamily="2" charset="2"/>
-              </a:rPr>
-              <a:t> </a:t>
-            </a:r>
-            <a:r>
-              <a:rPr lang="pt-PT" dirty="0" smtClean="0">
-                <a:sym typeface="Wingdings" panose="05000000000000000000" pitchFamily="2" charset="2"/>
-              </a:rPr>
-              <a:t>WBS.</a:t>
-            </a:r>
-          </a:p>
-          <a:p>
-            <a:r>
-              <a:rPr lang="pt-PT" dirty="0" err="1" smtClean="0">
-                <a:sym typeface="Wingdings" panose="05000000000000000000" pitchFamily="2" charset="2"/>
-              </a:rPr>
-              <a:t>Regarding</a:t>
-            </a:r>
-            <a:r>
-              <a:rPr lang="pt-PT" dirty="0" smtClean="0">
-                <a:sym typeface="Wingdings" panose="05000000000000000000" pitchFamily="2" charset="2"/>
-              </a:rPr>
-              <a:t> </a:t>
-            </a:r>
-            <a:r>
-              <a:rPr lang="pt-PT" dirty="0" err="1" smtClean="0">
-                <a:sym typeface="Wingdings" panose="05000000000000000000" pitchFamily="2" charset="2"/>
-              </a:rPr>
-              <a:t>tools</a:t>
-            </a:r>
-            <a:r>
-              <a:rPr lang="pt-PT" dirty="0" smtClean="0">
-                <a:sym typeface="Wingdings" panose="05000000000000000000" pitchFamily="2" charset="2"/>
-              </a:rPr>
-              <a:t>, SVN </a:t>
-            </a:r>
-            <a:r>
-              <a:rPr lang="pt-PT" dirty="0" err="1" smtClean="0">
-                <a:sym typeface="Wingdings" panose="05000000000000000000" pitchFamily="2" charset="2"/>
-              </a:rPr>
-              <a:t>is</a:t>
-            </a:r>
-            <a:r>
-              <a:rPr lang="pt-PT" dirty="0" smtClean="0">
-                <a:sym typeface="Wingdings" panose="05000000000000000000" pitchFamily="2" charset="2"/>
-              </a:rPr>
-              <a:t> to </a:t>
-            </a:r>
-            <a:r>
-              <a:rPr lang="pt-PT" dirty="0" err="1" smtClean="0">
-                <a:sym typeface="Wingdings" panose="05000000000000000000" pitchFamily="2" charset="2"/>
-              </a:rPr>
-              <a:t>keeper</a:t>
-            </a:r>
-            <a:r>
-              <a:rPr lang="pt-PT" dirty="0" smtClean="0">
-                <a:sym typeface="Wingdings" panose="05000000000000000000" pitchFamily="2" charset="2"/>
-              </a:rPr>
-              <a:t>. </a:t>
-            </a:r>
-            <a:r>
-              <a:rPr lang="pt-PT" dirty="0" err="1" smtClean="0">
-                <a:sym typeface="Wingdings" panose="05000000000000000000" pitchFamily="2" charset="2"/>
-              </a:rPr>
-              <a:t>Facebook</a:t>
-            </a:r>
-            <a:r>
-              <a:rPr lang="pt-PT" dirty="0" smtClean="0">
-                <a:sym typeface="Wingdings" panose="05000000000000000000" pitchFamily="2" charset="2"/>
-              </a:rPr>
-              <a:t> </a:t>
-            </a:r>
-            <a:r>
-              <a:rPr lang="pt-PT" dirty="0" err="1" smtClean="0">
-                <a:sym typeface="Wingdings" panose="05000000000000000000" pitchFamily="2" charset="2"/>
-              </a:rPr>
-              <a:t>is</a:t>
-            </a:r>
-            <a:r>
-              <a:rPr lang="pt-PT" dirty="0" smtClean="0">
-                <a:sym typeface="Wingdings" panose="05000000000000000000" pitchFamily="2" charset="2"/>
-              </a:rPr>
-              <a:t> </a:t>
-            </a:r>
-            <a:r>
-              <a:rPr lang="pt-PT" dirty="0" err="1" smtClean="0">
-                <a:sym typeface="Wingdings" panose="05000000000000000000" pitchFamily="2" charset="2"/>
-              </a:rPr>
-              <a:t>good</a:t>
-            </a:r>
-            <a:r>
-              <a:rPr lang="pt-PT" dirty="0" smtClean="0">
-                <a:sym typeface="Wingdings" panose="05000000000000000000" pitchFamily="2" charset="2"/>
-              </a:rPr>
-              <a:t> for </a:t>
-            </a:r>
-            <a:r>
-              <a:rPr lang="pt-PT" dirty="0" err="1" smtClean="0">
-                <a:sym typeface="Wingdings" panose="05000000000000000000" pitchFamily="2" charset="2"/>
-              </a:rPr>
-              <a:t>communication</a:t>
-            </a:r>
-            <a:r>
-              <a:rPr lang="pt-PT" dirty="0" smtClean="0">
-                <a:sym typeface="Wingdings" panose="05000000000000000000" pitchFamily="2" charset="2"/>
-              </a:rPr>
-              <a:t> </a:t>
-            </a:r>
-            <a:r>
-              <a:rPr lang="pt-PT" dirty="0" err="1" smtClean="0">
-                <a:sym typeface="Wingdings" panose="05000000000000000000" pitchFamily="2" charset="2"/>
-              </a:rPr>
-              <a:t>but</a:t>
-            </a:r>
-            <a:r>
-              <a:rPr lang="pt-PT" dirty="0" smtClean="0">
-                <a:sym typeface="Wingdings" panose="05000000000000000000" pitchFamily="2" charset="2"/>
-              </a:rPr>
-              <a:t> </a:t>
-            </a:r>
-            <a:r>
-              <a:rPr lang="pt-PT" dirty="0" err="1" smtClean="0">
-                <a:sym typeface="Wingdings" panose="05000000000000000000" pitchFamily="2" charset="2"/>
-              </a:rPr>
-              <a:t>it</a:t>
-            </a:r>
-            <a:r>
-              <a:rPr lang="pt-PT" dirty="0" smtClean="0">
-                <a:sym typeface="Wingdings" panose="05000000000000000000" pitchFamily="2" charset="2"/>
-              </a:rPr>
-              <a:t> </a:t>
-            </a:r>
-            <a:r>
-              <a:rPr lang="pt-PT" dirty="0" err="1" smtClean="0">
-                <a:sym typeface="Wingdings" panose="05000000000000000000" pitchFamily="2" charset="2"/>
-              </a:rPr>
-              <a:t>doesn’t</a:t>
-            </a:r>
-            <a:r>
-              <a:rPr lang="pt-PT" dirty="0" smtClean="0">
-                <a:sym typeface="Wingdings" panose="05000000000000000000" pitchFamily="2" charset="2"/>
-              </a:rPr>
-              <a:t> </a:t>
-            </a:r>
-            <a:r>
-              <a:rPr lang="pt-PT" dirty="0" err="1" smtClean="0">
-                <a:sym typeface="Wingdings" panose="05000000000000000000" pitchFamily="2" charset="2"/>
-              </a:rPr>
-              <a:t>have</a:t>
-            </a:r>
-            <a:r>
-              <a:rPr lang="pt-PT" dirty="0" smtClean="0">
-                <a:sym typeface="Wingdings" panose="05000000000000000000" pitchFamily="2" charset="2"/>
-              </a:rPr>
-              <a:t> </a:t>
-            </a:r>
-            <a:r>
-              <a:rPr lang="pt-PT" dirty="0" err="1" smtClean="0">
-                <a:sym typeface="Wingdings" panose="05000000000000000000" pitchFamily="2" charset="2"/>
-              </a:rPr>
-              <a:t>search</a:t>
-            </a:r>
-            <a:r>
-              <a:rPr lang="pt-PT" dirty="0" smtClean="0">
-                <a:sym typeface="Wingdings" panose="05000000000000000000" pitchFamily="2" charset="2"/>
-              </a:rPr>
-              <a:t> </a:t>
-            </a:r>
-            <a:r>
-              <a:rPr lang="pt-PT" dirty="0" err="1" smtClean="0">
-                <a:sym typeface="Wingdings" panose="05000000000000000000" pitchFamily="2" charset="2"/>
-              </a:rPr>
-              <a:t>functionality</a:t>
-            </a:r>
-            <a:r>
-              <a:rPr lang="pt-PT" dirty="0" smtClean="0">
-                <a:sym typeface="Wingdings" panose="05000000000000000000" pitchFamily="2" charset="2"/>
-              </a:rPr>
-              <a:t>.</a:t>
-            </a:r>
-            <a:endParaRPr lang="pt-PT" dirty="0">
-              <a:sym typeface="Wingdings" panose="05000000000000000000" pitchFamily="2" charset="2"/>
-            </a:endParaRPr>
+            <a:endParaRPr lang="pt-PT"/>
           </a:p>
         </p:txBody>
       </p:sp>
     </p:spTree>
-    <p:extLst>
-      <p:ext uri="{BB962C8B-B14F-4D97-AF65-F5344CB8AC3E}">
-        <p14:creationId xmlns:p14="http://schemas.microsoft.com/office/powerpoint/2010/main" val="3608220894"/>
-      </p:ext>
-    </p:extLst>
   </p:cSld>
   <p:clrMapOvr>
     <a:masterClrMapping/>
   </p:clrMapOvr>
-  <p:timing>
-    <p:tnLst>
-      <p:par>
-        <p:cTn id="1" dur="indefinite" restart="never" nodeType="tmRoot"/>
-      </p:par>
-    </p:tnLst>
-  </p:timing>
 </p:sld>
 </file>
 
@@ -28387,7 +28842,7 @@
           <a:p>
             <a:r>
               <a:rPr lang="pt-PT" dirty="0" smtClean="0"/>
-              <a:t>João Girão</a:t>
+              <a:t>Filipe Brandão</a:t>
             </a:r>
             <a:endParaRPr lang="pt-PT" dirty="0"/>
           </a:p>
@@ -28453,10 +28908,18 @@
           <a:lstStyle/>
           <a:p>
             <a:r>
+              <a:rPr lang="pt-PT" dirty="0"/>
+              <a:t>Filipe </a:t>
+            </a:r>
+            <a:r>
               <a:rPr lang="pt-PT" dirty="0" smtClean="0"/>
-              <a:t>João Martins</a:t>
-            </a:r>
-            <a:endParaRPr lang="pt-PT" dirty="0"/>
+              <a:t>Brandão - </a:t>
+            </a:r>
+            <a:r>
+              <a:rPr lang="pt-PT" b="1" dirty="0" err="1" smtClean="0"/>
+              <a:t>Contributions</a:t>
+            </a:r>
+            <a:endParaRPr lang="pt-PT" b="1" dirty="0"/>
           </a:p>
         </p:txBody>
       </p:sp>
@@ -28475,55 +28938,143 @@
           <a:bodyPr/>
           <a:lstStyle/>
           <a:p>
-            <a:r>
-              <a:rPr lang="en-US" dirty="0" smtClean="0"/>
-              <a:t>Main Contributions:</a:t>
-            </a:r>
-          </a:p>
-          <a:p>
             <a:pPr lvl="1"/>
             <a:r>
-              <a:rPr lang="en-US" dirty="0" smtClean="0"/>
-              <a:t>Project plan process definition</a:t>
-            </a:r>
+              <a:rPr lang="pt-PT" dirty="0" err="1" smtClean="0"/>
+              <a:t>Previous</a:t>
+            </a:r>
+            <a:r>
+              <a:rPr lang="pt-PT" dirty="0" smtClean="0"/>
+              <a:t> </a:t>
+            </a:r>
+            <a:r>
+              <a:rPr lang="pt-PT" dirty="0" err="1" smtClean="0"/>
+              <a:t>experience</a:t>
+            </a:r>
+            <a:r>
+              <a:rPr lang="pt-PT" dirty="0" smtClean="0"/>
+              <a:t> :</a:t>
+            </a:r>
+          </a:p>
+          <a:p>
+            <a:pPr lvl="2"/>
+            <a:r>
+              <a:rPr lang="pt-PT" dirty="0" err="1" smtClean="0"/>
+              <a:t>allowed</a:t>
+            </a:r>
+            <a:r>
+              <a:rPr lang="pt-PT" dirty="0" smtClean="0"/>
+              <a:t> a more </a:t>
+            </a:r>
+            <a:r>
+              <a:rPr lang="pt-PT" dirty="0" err="1" smtClean="0"/>
+              <a:t>direct</a:t>
+            </a:r>
+            <a:r>
+              <a:rPr lang="pt-PT" dirty="0" smtClean="0"/>
+              <a:t> </a:t>
+            </a:r>
+            <a:r>
+              <a:rPr lang="pt-PT" dirty="0" err="1" smtClean="0"/>
+              <a:t>approach</a:t>
+            </a:r>
+            <a:r>
+              <a:rPr lang="pt-PT" dirty="0" smtClean="0"/>
+              <a:t> to </a:t>
+            </a:r>
+            <a:r>
+              <a:rPr lang="pt-PT" dirty="0" err="1" smtClean="0"/>
+              <a:t>the</a:t>
+            </a:r>
+            <a:r>
+              <a:rPr lang="pt-PT" dirty="0" smtClean="0"/>
+              <a:t> </a:t>
+            </a:r>
+            <a:r>
+              <a:rPr lang="pt-PT" dirty="0" err="1" smtClean="0"/>
+              <a:t>problems</a:t>
+            </a:r>
+            <a:r>
+              <a:rPr lang="pt-PT" dirty="0"/>
+              <a:t> </a:t>
+            </a:r>
+            <a:r>
+              <a:rPr lang="pt-PT" dirty="0" err="1" smtClean="0"/>
+              <a:t>presented</a:t>
+            </a:r>
+            <a:endParaRPr lang="pt-PT" dirty="0"/>
+          </a:p>
+          <a:p>
+            <a:pPr lvl="2"/>
+            <a:r>
+              <a:rPr lang="pt-PT" dirty="0" err="1" smtClean="0"/>
+              <a:t>allowed</a:t>
+            </a:r>
+            <a:r>
+              <a:rPr lang="pt-PT" dirty="0" smtClean="0"/>
+              <a:t> me to </a:t>
+            </a:r>
+            <a:r>
+              <a:rPr lang="pt-PT" dirty="0" err="1" smtClean="0"/>
+              <a:t>help</a:t>
+            </a:r>
+            <a:r>
+              <a:rPr lang="pt-PT" dirty="0" smtClean="0"/>
+              <a:t> </a:t>
+            </a:r>
+            <a:r>
+              <a:rPr lang="pt-PT" dirty="0" err="1" smtClean="0"/>
+              <a:t>other</a:t>
+            </a:r>
+            <a:r>
+              <a:rPr lang="pt-PT" dirty="0" smtClean="0"/>
+              <a:t> </a:t>
+            </a:r>
+            <a:r>
+              <a:rPr lang="pt-PT" dirty="0" err="1" smtClean="0"/>
+              <a:t>members</a:t>
+            </a:r>
+            <a:r>
+              <a:rPr lang="pt-PT" dirty="0" smtClean="0"/>
+              <a:t> </a:t>
+            </a:r>
+            <a:r>
+              <a:rPr lang="pt-PT" dirty="0" err="1" smtClean="0"/>
+              <a:t>providing</a:t>
+            </a:r>
+            <a:r>
+              <a:rPr lang="pt-PT" dirty="0" smtClean="0"/>
+              <a:t> </a:t>
+            </a:r>
+            <a:r>
+              <a:rPr lang="pt-PT" dirty="0" err="1" smtClean="0"/>
+              <a:t>guidance</a:t>
+            </a:r>
+            <a:endParaRPr lang="pt-PT" dirty="0" smtClean="0"/>
           </a:p>
           <a:p>
             <a:pPr lvl="1"/>
-            <a:r>
-              <a:rPr lang="en-US" dirty="0" smtClean="0"/>
-              <a:t>Verification and Validation process</a:t>
-            </a:r>
+            <a:endParaRPr lang="pt-PT" dirty="0" smtClean="0"/>
           </a:p>
           <a:p>
             <a:pPr lvl="1"/>
-            <a:r>
-              <a:rPr lang="en-US" dirty="0" smtClean="0"/>
-              <a:t>Test plan</a:t>
-            </a:r>
-          </a:p>
-          <a:p>
-            <a:r>
-              <a:rPr lang="en-US" dirty="0" smtClean="0"/>
-              <a:t>Lessons Learned:</a:t>
-            </a:r>
+            <a:endParaRPr lang="pt-PT" dirty="0" smtClean="0"/>
           </a:p>
           <a:p>
             <a:pPr lvl="1"/>
-            <a:r>
-              <a:rPr lang="en-US" dirty="0" smtClean="0"/>
-              <a:t>Teamwork is important</a:t>
-            </a:r>
-          </a:p>
-          <a:p>
-            <a:pPr lvl="1"/>
-            <a:r>
-              <a:rPr lang="en-US" dirty="0" smtClean="0"/>
-              <a:t>Communication is a must!</a:t>
-            </a:r>
+            <a:endParaRPr lang="pt-PT" dirty="0"/>
+          </a:p>
+          <a:p>
+            <a:endParaRPr lang="pt-PT" dirty="0"/>
           </a:p>
         </p:txBody>
       </p:sp>
     </p:spTree>
+    <p:extLst>
+      <p:ext uri="{BB962C8B-B14F-4D97-AF65-F5344CB8AC3E}">
+        <p14:creationId xmlns:p14="http://schemas.microsoft.com/office/powerpoint/2010/main" val="529958241"/>
+      </p:ext>
+    </p:extLst>
   </p:cSld>
   <p:clrMapOvr>
     <a:masterClrMapping/>
@@ -28571,10 +29122,26 @@
           <a:lstStyle/>
           <a:p>
             <a:r>
+              <a:rPr lang="pt-PT" dirty="0"/>
+              <a:t>Filipe </a:t>
+            </a:r>
+            <a:r>
               <a:rPr lang="pt-PT" dirty="0" smtClean="0"/>
-              <a:t>João Martins</a:t>
-            </a:r>
-            <a:endParaRPr lang="pt-PT" dirty="0"/>
+              <a:t>Brandão - </a:t>
+            </a:r>
+            <a:r>
+              <a:rPr lang="pt-PT" b="1" dirty="0" err="1" smtClean="0"/>
+              <a:t>Lessons</a:t>
+            </a:r>
+            <a:r>
+              <a:rPr lang="pt-PT" b="1" dirty="0" smtClean="0"/>
+              <a:t> </a:t>
+            </a:r>
+            <a:r>
+              <a:rPr lang="pt-PT" b="1" dirty="0" err="1" smtClean="0"/>
+              <a:t>Learned</a:t>
+            </a:r>
+            <a:endParaRPr lang="pt-PT" b="1" dirty="0"/>
           </a:p>
         </p:txBody>
       </p:sp>
@@ -28590,60 +29157,116 @@
         </p:nvSpPr>
         <p:spPr/>
         <p:txBody>
-          <a:bodyPr/>
+          <a:bodyPr>
+            <a:normAutofit fontScale="85000" lnSpcReduction="20000"/>
+          </a:bodyPr>
           <a:lstStyle/>
           <a:p>
             <a:r>
               <a:rPr lang="en-US" dirty="0" smtClean="0"/>
-              <a:t>Lessons Learned:</a:t>
-            </a:r>
+              <a:t>Project Management is a lot about experience, learning lessons and adapting based on all the previous information.</a:t>
+            </a:r>
+          </a:p>
+          <a:p>
+            <a:r>
+              <a:rPr lang="pt-PT" dirty="0" smtClean="0"/>
+              <a:t>Soft </a:t>
+            </a:r>
+            <a:r>
+              <a:rPr lang="en-US" dirty="0" smtClean="0"/>
+              <a:t>skills</a:t>
+            </a:r>
+            <a:r>
+              <a:rPr lang="pt-PT" dirty="0" smtClean="0"/>
+              <a:t> are </a:t>
+            </a:r>
+            <a:r>
+              <a:rPr lang="en-US" dirty="0" smtClean="0"/>
+              <a:t>necessary</a:t>
+            </a:r>
+            <a:r>
+              <a:rPr lang="pt-PT" dirty="0" smtClean="0"/>
+              <a:t>: </a:t>
+            </a:r>
+            <a:r>
+              <a:rPr lang="en-US" dirty="0" smtClean="0"/>
+              <a:t>communication</a:t>
+            </a:r>
+            <a:r>
+              <a:rPr lang="pt-PT" dirty="0" smtClean="0"/>
+              <a:t>, </a:t>
+            </a:r>
+            <a:r>
+              <a:rPr lang="en-US" dirty="0" smtClean="0"/>
+              <a:t>leadership</a:t>
+            </a:r>
+            <a:r>
+              <a:rPr lang="pt-PT" dirty="0" smtClean="0"/>
+              <a:t>, handling </a:t>
+            </a:r>
+            <a:r>
+              <a:rPr lang="en-US" dirty="0" smtClean="0"/>
+              <a:t>different</a:t>
+            </a:r>
+            <a:r>
+              <a:rPr lang="pt-PT" dirty="0" smtClean="0"/>
+              <a:t> </a:t>
+            </a:r>
+            <a:r>
+              <a:rPr lang="en-US" dirty="0" smtClean="0"/>
+              <a:t>personalities</a:t>
+            </a:r>
+            <a:r>
+              <a:rPr lang="pt-PT" dirty="0" smtClean="0"/>
+              <a:t>, etc.</a:t>
+            </a:r>
+          </a:p>
+          <a:p>
+            <a:r>
+              <a:rPr lang="en-US" dirty="0" smtClean="0"/>
+              <a:t>A tool, doesn’t matter how many value it can add to our work, is worth nothing if not correctly used.</a:t>
+            </a:r>
+          </a:p>
+          <a:p>
+            <a:r>
+              <a:rPr lang="en-US" dirty="0" smtClean="0"/>
+              <a:t>Regular meetings are essential. Working together is beneficial.</a:t>
+            </a:r>
+          </a:p>
+          <a:p>
+            <a:r>
+              <a:rPr lang="en-US" dirty="0" smtClean="0"/>
+              <a:t>Project control implies different aspects depending on the project state.</a:t>
+            </a:r>
+          </a:p>
+          <a:p>
+            <a:r>
+              <a:rPr lang="en-US" dirty="0" smtClean="0"/>
+              <a:t>Transparency during the whole project is essential. </a:t>
+            </a:r>
+          </a:p>
+          <a:p>
+            <a:r>
+              <a:rPr lang="en-US" dirty="0" smtClean="0"/>
+              <a:t>Motivation is key.</a:t>
+            </a:r>
+          </a:p>
+          <a:p>
+            <a:endParaRPr lang="pt-PT" dirty="0"/>
+          </a:p>
+          <a:p>
+            <a:endParaRPr lang="pt-PT" dirty="0" smtClean="0"/>
           </a:p>
           <a:p>
             <a:pPr lvl="1"/>
-            <a:r>
-              <a:rPr lang="en-US" dirty="0" smtClean="0"/>
-              <a:t>Test plan is not easy to make</a:t>
-            </a:r>
-          </a:p>
-          <a:p>
-            <a:pPr lvl="1"/>
-            <a:r>
-              <a:rPr lang="en-US" dirty="0"/>
-              <a:t>W</a:t>
-            </a:r>
-            <a:r>
-              <a:rPr lang="en-US" dirty="0" smtClean="0"/>
-              <a:t>hen anything can go wrong, it will go wrong.</a:t>
-            </a:r>
-            <a:endParaRPr lang="en-US" dirty="0"/>
-          </a:p>
-          <a:p>
-            <a:pPr marL="285750" lvl="1"/>
-            <a:r>
-              <a:rPr lang="en-US" dirty="0"/>
-              <a:t>Participation in Team Results:</a:t>
-            </a:r>
-          </a:p>
-          <a:p>
-            <a:pPr lvl="1"/>
-            <a:r>
-              <a:rPr lang="en-US" dirty="0" smtClean="0"/>
-              <a:t>Application Quality (Test plan)</a:t>
-            </a:r>
-          </a:p>
-          <a:p>
-            <a:pPr lvl="1"/>
-            <a:r>
-              <a:rPr lang="en-US" dirty="0" smtClean="0"/>
-              <a:t>Do everything that it’s needed.</a:t>
-            </a:r>
+            <a:endParaRPr lang="pt-PT" dirty="0"/>
           </a:p>
         </p:txBody>
       </p:sp>
     </p:spTree>
     <p:extLst>
       <p:ext uri="{BB962C8B-B14F-4D97-AF65-F5344CB8AC3E}">
-        <p14:creationId xmlns:p14="http://schemas.microsoft.com/office/powerpoint/2010/main" val="1960690833"/>
+        <p14:creationId xmlns:p14="http://schemas.microsoft.com/office/powerpoint/2010/main" val="1756093289"/>
       </p:ext>
     </p:extLst>
   </p:cSld>
@@ -28693,10 +29316,26 @@
           <a:lstStyle/>
           <a:p>
             <a:r>
+              <a:rPr lang="pt-PT" dirty="0"/>
+              <a:t>Filipe </a:t>
+            </a:r>
+            <a:r>
               <a:rPr lang="pt-PT" dirty="0" smtClean="0"/>
-              <a:t>Mário Oliveira</a:t>
-            </a:r>
-            <a:endParaRPr lang="pt-PT" dirty="0"/>
+              <a:t>Brandão - </a:t>
+            </a:r>
+            <a:r>
+              <a:rPr lang="pt-PT" b="1" dirty="0" err="1" smtClean="0"/>
+              <a:t>Lessons</a:t>
+            </a:r>
+            <a:r>
+              <a:rPr lang="pt-PT" b="1" dirty="0" smtClean="0"/>
+              <a:t> </a:t>
+            </a:r>
+            <a:r>
+              <a:rPr lang="pt-PT" b="1" dirty="0" err="1" smtClean="0"/>
+              <a:t>Learned</a:t>
+            </a:r>
+            <a:endParaRPr lang="pt-PT" b="1" dirty="0"/>
           </a:p>
         </p:txBody>
       </p:sp>
@@ -28712,14 +29351,589 @@
         </p:nvSpPr>
         <p:spPr/>
         <p:txBody>
-          <a:bodyPr/>
+          <a:bodyPr>
+            <a:normAutofit/>
+          </a:bodyPr>
           <a:lstStyle/>
           <a:p>
-            <a:endParaRPr lang="pt-PT" dirty="0"/>
+            <a:r>
+              <a:rPr lang="pt-PT" dirty="0"/>
+              <a:t>A </a:t>
+            </a:r>
+            <a:r>
+              <a:rPr lang="pt-PT" dirty="0" err="1"/>
+              <a:t>good</a:t>
+            </a:r>
+            <a:r>
+              <a:rPr lang="pt-PT" dirty="0"/>
+              <a:t> </a:t>
+            </a:r>
+            <a:r>
+              <a:rPr lang="pt-PT" dirty="0" err="1"/>
+              <a:t>Work</a:t>
+            </a:r>
+            <a:r>
+              <a:rPr lang="pt-PT" dirty="0"/>
+              <a:t> </a:t>
+            </a:r>
+            <a:r>
+              <a:rPr lang="pt-PT" dirty="0" err="1"/>
+              <a:t>Breakdown</a:t>
+            </a:r>
+            <a:r>
+              <a:rPr lang="pt-PT" dirty="0"/>
+              <a:t> </a:t>
+            </a:r>
+            <a:r>
+              <a:rPr lang="pt-PT" dirty="0" err="1"/>
+              <a:t>Chart</a:t>
+            </a:r>
+            <a:r>
+              <a:rPr lang="pt-PT" dirty="0"/>
+              <a:t> </a:t>
+            </a:r>
+            <a:r>
+              <a:rPr lang="pt-PT" dirty="0" err="1"/>
+              <a:t>is</a:t>
+            </a:r>
+            <a:r>
+              <a:rPr lang="pt-PT" dirty="0"/>
+              <a:t> a </a:t>
+            </a:r>
+            <a:r>
+              <a:rPr lang="pt-PT" dirty="0" err="1"/>
+              <a:t>good</a:t>
+            </a:r>
+            <a:r>
+              <a:rPr lang="pt-PT" dirty="0"/>
+              <a:t> </a:t>
+            </a:r>
+            <a:r>
+              <a:rPr lang="pt-PT" dirty="0" err="1"/>
+              <a:t>foundation</a:t>
+            </a:r>
+            <a:r>
+              <a:rPr lang="pt-PT" dirty="0"/>
+              <a:t> for </a:t>
+            </a:r>
+            <a:r>
+              <a:rPr lang="pt-PT" dirty="0" err="1"/>
+              <a:t>the</a:t>
+            </a:r>
+            <a:r>
+              <a:rPr lang="pt-PT" dirty="0"/>
+              <a:t> </a:t>
+            </a:r>
+            <a:r>
+              <a:rPr lang="pt-PT" dirty="0" err="1"/>
+              <a:t>project</a:t>
+            </a:r>
+            <a:r>
+              <a:rPr lang="pt-PT" dirty="0"/>
+              <a:t> </a:t>
+            </a:r>
+            <a:r>
+              <a:rPr lang="pt-PT" dirty="0" err="1"/>
+              <a:t>plan</a:t>
+            </a:r>
+            <a:r>
+              <a:rPr lang="pt-PT" dirty="0" smtClean="0"/>
+              <a:t>.</a:t>
+            </a:r>
+          </a:p>
+          <a:p>
+            <a:r>
+              <a:rPr lang="pt-PT" dirty="0" err="1" smtClean="0"/>
+              <a:t>Earned</a:t>
+            </a:r>
+            <a:r>
+              <a:rPr lang="pt-PT" dirty="0" smtClean="0"/>
+              <a:t> </a:t>
+            </a:r>
+            <a:r>
+              <a:rPr lang="pt-PT" dirty="0" err="1" smtClean="0"/>
+              <a:t>Value</a:t>
+            </a:r>
+            <a:r>
+              <a:rPr lang="pt-PT" dirty="0" smtClean="0"/>
+              <a:t> </a:t>
+            </a:r>
+            <a:r>
+              <a:rPr lang="pt-PT" dirty="0" err="1" smtClean="0"/>
+              <a:t>Graph</a:t>
+            </a:r>
+            <a:r>
+              <a:rPr lang="pt-PT" dirty="0" smtClean="0"/>
+              <a:t> </a:t>
+            </a:r>
+            <a:r>
+              <a:rPr lang="pt-PT" dirty="0" err="1" smtClean="0"/>
+              <a:t>tasks</a:t>
+            </a:r>
+            <a:r>
+              <a:rPr lang="pt-PT" dirty="0" smtClean="0"/>
+              <a:t> </a:t>
+            </a:r>
+            <a:r>
+              <a:rPr lang="pt-PT" dirty="0" err="1" smtClean="0"/>
+              <a:t>should</a:t>
+            </a:r>
+            <a:r>
+              <a:rPr lang="pt-PT" dirty="0" smtClean="0"/>
+              <a:t> </a:t>
+            </a:r>
+            <a:r>
+              <a:rPr lang="pt-PT" dirty="0" err="1" smtClean="0"/>
+              <a:t>be</a:t>
+            </a:r>
+            <a:r>
+              <a:rPr lang="pt-PT" dirty="0" smtClean="0"/>
+              <a:t> </a:t>
+            </a:r>
+            <a:r>
+              <a:rPr lang="pt-PT" dirty="0" err="1" smtClean="0"/>
+              <a:t>related</a:t>
+            </a:r>
+            <a:r>
+              <a:rPr lang="pt-PT" dirty="0" smtClean="0"/>
+              <a:t> to </a:t>
+            </a:r>
+            <a:r>
+              <a:rPr lang="pt-PT" dirty="0" err="1" smtClean="0"/>
+              <a:t>one</a:t>
+            </a:r>
+            <a:r>
+              <a:rPr lang="pt-PT" dirty="0" smtClean="0"/>
+              <a:t> </a:t>
+            </a:r>
+            <a:r>
+              <a:rPr lang="pt-PT" dirty="0" err="1" smtClean="0"/>
+              <a:t>member</a:t>
+            </a:r>
+            <a:r>
+              <a:rPr lang="pt-PT" dirty="0" smtClean="0"/>
+              <a:t>. </a:t>
+            </a:r>
+            <a:r>
+              <a:rPr lang="pt-PT" dirty="0" err="1" smtClean="0"/>
+              <a:t>If</a:t>
+            </a:r>
+            <a:r>
+              <a:rPr lang="pt-PT" dirty="0" smtClean="0"/>
+              <a:t> more </a:t>
+            </a:r>
+            <a:r>
+              <a:rPr lang="pt-PT" dirty="0" err="1" smtClean="0"/>
+              <a:t>members</a:t>
+            </a:r>
+            <a:r>
+              <a:rPr lang="pt-PT" dirty="0" smtClean="0"/>
+              <a:t> are </a:t>
+            </a:r>
+            <a:r>
+              <a:rPr lang="pt-PT" dirty="0" err="1" smtClean="0"/>
+              <a:t>allocated</a:t>
+            </a:r>
+            <a:r>
+              <a:rPr lang="pt-PT" dirty="0" smtClean="0"/>
+              <a:t> to </a:t>
+            </a:r>
+            <a:r>
+              <a:rPr lang="pt-PT" dirty="0" err="1" smtClean="0"/>
+              <a:t>that</a:t>
+            </a:r>
+            <a:r>
+              <a:rPr lang="pt-PT" dirty="0" smtClean="0"/>
+              <a:t> </a:t>
+            </a:r>
+            <a:r>
+              <a:rPr lang="pt-PT" dirty="0" err="1" smtClean="0"/>
+              <a:t>task</a:t>
+            </a:r>
+            <a:r>
+              <a:rPr lang="pt-PT" dirty="0" smtClean="0"/>
+              <a:t>, </a:t>
+            </a:r>
+            <a:r>
+              <a:rPr lang="pt-PT" dirty="0" err="1" smtClean="0"/>
+              <a:t>repeat</a:t>
+            </a:r>
+            <a:r>
+              <a:rPr lang="pt-PT" dirty="0" smtClean="0"/>
+              <a:t> </a:t>
+            </a:r>
+            <a:r>
+              <a:rPr lang="pt-PT" dirty="0" err="1" smtClean="0"/>
+              <a:t>it</a:t>
+            </a:r>
+            <a:r>
+              <a:rPr lang="pt-PT" dirty="0" smtClean="0"/>
+              <a:t>.</a:t>
+            </a:r>
+          </a:p>
+          <a:p>
+            <a:r>
+              <a:rPr lang="pt-PT" dirty="0">
+                <a:sym typeface="Wingdings" panose="05000000000000000000" pitchFamily="2" charset="2"/>
+              </a:rPr>
+              <a:t>Project </a:t>
+            </a:r>
+            <a:r>
+              <a:rPr lang="pt-PT" dirty="0" err="1">
+                <a:sym typeface="Wingdings" panose="05000000000000000000" pitchFamily="2" charset="2"/>
+              </a:rPr>
+              <a:t>Planning</a:t>
+            </a:r>
+            <a:r>
+              <a:rPr lang="pt-PT" dirty="0">
+                <a:sym typeface="Wingdings" panose="05000000000000000000" pitchFamily="2" charset="2"/>
+              </a:rPr>
+              <a:t> </a:t>
+            </a:r>
+            <a:r>
+              <a:rPr lang="pt-PT" dirty="0" err="1">
+                <a:sym typeface="Wingdings" panose="05000000000000000000" pitchFamily="2" charset="2"/>
+              </a:rPr>
+              <a:t>Process</a:t>
+            </a:r>
+            <a:r>
+              <a:rPr lang="pt-PT" dirty="0">
+                <a:sym typeface="Wingdings" panose="05000000000000000000" pitchFamily="2" charset="2"/>
+              </a:rPr>
+              <a:t> </a:t>
+            </a:r>
+            <a:r>
+              <a:rPr lang="pt-PT" dirty="0" err="1">
+                <a:sym typeface="Wingdings" panose="05000000000000000000" pitchFamily="2" charset="2"/>
+              </a:rPr>
+              <a:t>seemed</a:t>
+            </a:r>
+            <a:r>
+              <a:rPr lang="pt-PT" dirty="0">
+                <a:sym typeface="Wingdings" panose="05000000000000000000" pitchFamily="2" charset="2"/>
+              </a:rPr>
+              <a:t> OK for </a:t>
+            </a:r>
+            <a:r>
+              <a:rPr lang="pt-PT" dirty="0" err="1">
+                <a:sym typeface="Wingdings" panose="05000000000000000000" pitchFamily="2" charset="2"/>
+              </a:rPr>
+              <a:t>this</a:t>
+            </a:r>
+            <a:r>
+              <a:rPr lang="pt-PT" dirty="0">
+                <a:sym typeface="Wingdings" panose="05000000000000000000" pitchFamily="2" charset="2"/>
+              </a:rPr>
+              <a:t> </a:t>
+            </a:r>
+            <a:r>
+              <a:rPr lang="pt-PT" dirty="0" err="1">
+                <a:sym typeface="Wingdings" panose="05000000000000000000" pitchFamily="2" charset="2"/>
+              </a:rPr>
+              <a:t>project</a:t>
+            </a:r>
+            <a:r>
+              <a:rPr lang="pt-PT" dirty="0">
+                <a:sym typeface="Wingdings" panose="05000000000000000000" pitchFamily="2" charset="2"/>
+              </a:rPr>
+              <a:t> </a:t>
+            </a:r>
+            <a:r>
+              <a:rPr lang="pt-PT" dirty="0" err="1">
+                <a:sym typeface="Wingdings" panose="05000000000000000000" pitchFamily="2" charset="2"/>
+              </a:rPr>
+              <a:t>but</a:t>
+            </a:r>
+            <a:r>
+              <a:rPr lang="pt-PT" dirty="0">
+                <a:sym typeface="Wingdings" panose="05000000000000000000" pitchFamily="2" charset="2"/>
+              </a:rPr>
+              <a:t> </a:t>
+            </a:r>
+            <a:r>
+              <a:rPr lang="pt-PT" dirty="0" err="1">
+                <a:sym typeface="Wingdings" panose="05000000000000000000" pitchFamily="2" charset="2"/>
+              </a:rPr>
+              <a:t>should</a:t>
+            </a:r>
+            <a:r>
+              <a:rPr lang="pt-PT" dirty="0">
+                <a:sym typeface="Wingdings" panose="05000000000000000000" pitchFamily="2" charset="2"/>
+              </a:rPr>
+              <a:t> </a:t>
+            </a:r>
+            <a:r>
+              <a:rPr lang="pt-PT" dirty="0" err="1">
+                <a:sym typeface="Wingdings" panose="05000000000000000000" pitchFamily="2" charset="2"/>
+              </a:rPr>
+              <a:t>be</a:t>
+            </a:r>
+            <a:r>
+              <a:rPr lang="pt-PT" dirty="0">
+                <a:sym typeface="Wingdings" panose="05000000000000000000" pitchFamily="2" charset="2"/>
+              </a:rPr>
+              <a:t> </a:t>
+            </a:r>
+            <a:r>
+              <a:rPr lang="pt-PT" dirty="0" err="1">
+                <a:sym typeface="Wingdings" panose="05000000000000000000" pitchFamily="2" charset="2"/>
+              </a:rPr>
+              <a:t>added</a:t>
+            </a:r>
+            <a:r>
+              <a:rPr lang="pt-PT" dirty="0">
+                <a:sym typeface="Wingdings" panose="05000000000000000000" pitchFamily="2" charset="2"/>
+              </a:rPr>
+              <a:t> </a:t>
+            </a:r>
+            <a:r>
+              <a:rPr lang="pt-PT" dirty="0" err="1">
+                <a:sym typeface="Wingdings" panose="05000000000000000000" pitchFamily="2" charset="2"/>
+              </a:rPr>
+              <a:t>hints</a:t>
+            </a:r>
+            <a:r>
+              <a:rPr lang="pt-PT" dirty="0">
+                <a:sym typeface="Wingdings" panose="05000000000000000000" pitchFamily="2" charset="2"/>
+              </a:rPr>
+              <a:t> </a:t>
+            </a:r>
+            <a:r>
+              <a:rPr lang="pt-PT" dirty="0" err="1">
+                <a:sym typeface="Wingdings" panose="05000000000000000000" pitchFamily="2" charset="2"/>
+              </a:rPr>
+              <a:t>on</a:t>
+            </a:r>
+            <a:r>
+              <a:rPr lang="pt-PT" dirty="0">
+                <a:sym typeface="Wingdings" panose="05000000000000000000" pitchFamily="2" charset="2"/>
+              </a:rPr>
+              <a:t> </a:t>
+            </a:r>
+            <a:r>
+              <a:rPr lang="pt-PT" dirty="0" err="1">
+                <a:sym typeface="Wingdings" panose="05000000000000000000" pitchFamily="2" charset="2"/>
+              </a:rPr>
+              <a:t>how</a:t>
+            </a:r>
+            <a:r>
+              <a:rPr lang="pt-PT" dirty="0">
+                <a:sym typeface="Wingdings" panose="05000000000000000000" pitchFamily="2" charset="2"/>
+              </a:rPr>
+              <a:t> to </a:t>
+            </a:r>
+            <a:r>
+              <a:rPr lang="pt-PT" dirty="0" err="1">
+                <a:sym typeface="Wingdings" panose="05000000000000000000" pitchFamily="2" charset="2"/>
+              </a:rPr>
+              <a:t>develop</a:t>
+            </a:r>
+            <a:r>
+              <a:rPr lang="pt-PT" dirty="0">
+                <a:sym typeface="Wingdings" panose="05000000000000000000" pitchFamily="2" charset="2"/>
+              </a:rPr>
+              <a:t> a </a:t>
+            </a:r>
+            <a:r>
+              <a:rPr lang="pt-PT" dirty="0" err="1">
+                <a:sym typeface="Wingdings" panose="05000000000000000000" pitchFamily="2" charset="2"/>
+              </a:rPr>
+              <a:t>good</a:t>
+            </a:r>
+            <a:r>
+              <a:rPr lang="pt-PT" dirty="0">
+                <a:sym typeface="Wingdings" panose="05000000000000000000" pitchFamily="2" charset="2"/>
+              </a:rPr>
+              <a:t> </a:t>
+            </a:r>
+            <a:r>
+              <a:rPr lang="pt-PT" dirty="0" smtClean="0">
+                <a:sym typeface="Wingdings" panose="05000000000000000000" pitchFamily="2" charset="2"/>
+              </a:rPr>
+              <a:t>WBS.</a:t>
+            </a:r>
+          </a:p>
+          <a:p>
+            <a:r>
+              <a:rPr lang="pt-PT" dirty="0" err="1" smtClean="0">
+                <a:sym typeface="Wingdings" panose="05000000000000000000" pitchFamily="2" charset="2"/>
+              </a:rPr>
+              <a:t>Regarding</a:t>
+            </a:r>
+            <a:r>
+              <a:rPr lang="pt-PT" dirty="0" smtClean="0">
+                <a:sym typeface="Wingdings" panose="05000000000000000000" pitchFamily="2" charset="2"/>
+              </a:rPr>
+              <a:t> </a:t>
+            </a:r>
+            <a:r>
+              <a:rPr lang="pt-PT" dirty="0" err="1" smtClean="0">
+                <a:sym typeface="Wingdings" panose="05000000000000000000" pitchFamily="2" charset="2"/>
+              </a:rPr>
+              <a:t>tools</a:t>
+            </a:r>
+            <a:r>
+              <a:rPr lang="pt-PT" dirty="0" smtClean="0">
+                <a:sym typeface="Wingdings" panose="05000000000000000000" pitchFamily="2" charset="2"/>
+              </a:rPr>
+              <a:t>, SVN </a:t>
+            </a:r>
+            <a:r>
+              <a:rPr lang="pt-PT" dirty="0" err="1" smtClean="0">
+                <a:sym typeface="Wingdings" panose="05000000000000000000" pitchFamily="2" charset="2"/>
+              </a:rPr>
+              <a:t>is</a:t>
+            </a:r>
+            <a:r>
+              <a:rPr lang="pt-PT" dirty="0" smtClean="0">
+                <a:sym typeface="Wingdings" panose="05000000000000000000" pitchFamily="2" charset="2"/>
+              </a:rPr>
+              <a:t> to </a:t>
+            </a:r>
+            <a:r>
+              <a:rPr lang="pt-PT" dirty="0" err="1" smtClean="0">
+                <a:sym typeface="Wingdings" panose="05000000000000000000" pitchFamily="2" charset="2"/>
+              </a:rPr>
+              <a:t>keeper</a:t>
+            </a:r>
+            <a:r>
+              <a:rPr lang="pt-PT" dirty="0" smtClean="0">
+                <a:sym typeface="Wingdings" panose="05000000000000000000" pitchFamily="2" charset="2"/>
+              </a:rPr>
+              <a:t>. </a:t>
+            </a:r>
+            <a:r>
+              <a:rPr lang="pt-PT" dirty="0" err="1" smtClean="0">
+                <a:sym typeface="Wingdings" panose="05000000000000000000" pitchFamily="2" charset="2"/>
+              </a:rPr>
+              <a:t>Facebook</a:t>
+            </a:r>
+            <a:r>
+              <a:rPr lang="pt-PT" dirty="0" smtClean="0">
+                <a:sym typeface="Wingdings" panose="05000000000000000000" pitchFamily="2" charset="2"/>
+              </a:rPr>
+              <a:t> </a:t>
+            </a:r>
+            <a:r>
+              <a:rPr lang="pt-PT" dirty="0" err="1" smtClean="0">
+                <a:sym typeface="Wingdings" panose="05000000000000000000" pitchFamily="2" charset="2"/>
+              </a:rPr>
+              <a:t>is</a:t>
+            </a:r>
+            <a:r>
+              <a:rPr lang="pt-PT" dirty="0" smtClean="0">
+                <a:sym typeface="Wingdings" panose="05000000000000000000" pitchFamily="2" charset="2"/>
+              </a:rPr>
+              <a:t> </a:t>
+            </a:r>
+            <a:r>
+              <a:rPr lang="pt-PT" dirty="0" err="1" smtClean="0">
+                <a:sym typeface="Wingdings" panose="05000000000000000000" pitchFamily="2" charset="2"/>
+              </a:rPr>
+              <a:t>good</a:t>
+            </a:r>
+            <a:r>
+              <a:rPr lang="pt-PT" dirty="0" smtClean="0">
+                <a:sym typeface="Wingdings" panose="05000000000000000000" pitchFamily="2" charset="2"/>
+              </a:rPr>
+              <a:t> for </a:t>
+            </a:r>
+            <a:r>
+              <a:rPr lang="pt-PT" dirty="0" err="1" smtClean="0">
+                <a:sym typeface="Wingdings" panose="05000000000000000000" pitchFamily="2" charset="2"/>
+              </a:rPr>
+              <a:t>communication</a:t>
+            </a:r>
+            <a:r>
+              <a:rPr lang="pt-PT" dirty="0" smtClean="0">
+                <a:sym typeface="Wingdings" panose="05000000000000000000" pitchFamily="2" charset="2"/>
+              </a:rPr>
+              <a:t> </a:t>
+            </a:r>
+            <a:r>
+              <a:rPr lang="pt-PT" dirty="0" err="1" smtClean="0">
+                <a:sym typeface="Wingdings" panose="05000000000000000000" pitchFamily="2" charset="2"/>
+              </a:rPr>
+              <a:t>but</a:t>
+            </a:r>
+            <a:r>
+              <a:rPr lang="pt-PT" dirty="0" smtClean="0">
+                <a:sym typeface="Wingdings" panose="05000000000000000000" pitchFamily="2" charset="2"/>
+              </a:rPr>
+              <a:t> </a:t>
+            </a:r>
+            <a:r>
+              <a:rPr lang="pt-PT" dirty="0" err="1" smtClean="0">
+                <a:sym typeface="Wingdings" panose="05000000000000000000" pitchFamily="2" charset="2"/>
+              </a:rPr>
+              <a:t>it</a:t>
+            </a:r>
+            <a:r>
+              <a:rPr lang="pt-PT" dirty="0" smtClean="0">
+                <a:sym typeface="Wingdings" panose="05000000000000000000" pitchFamily="2" charset="2"/>
+              </a:rPr>
+              <a:t> </a:t>
+            </a:r>
+            <a:r>
+              <a:rPr lang="pt-PT" dirty="0" err="1" smtClean="0">
+                <a:sym typeface="Wingdings" panose="05000000000000000000" pitchFamily="2" charset="2"/>
+              </a:rPr>
+              <a:t>doesn’t</a:t>
+            </a:r>
+            <a:r>
+              <a:rPr lang="pt-PT" dirty="0" smtClean="0">
+                <a:sym typeface="Wingdings" panose="05000000000000000000" pitchFamily="2" charset="2"/>
+              </a:rPr>
+              <a:t> </a:t>
+            </a:r>
+            <a:r>
+              <a:rPr lang="pt-PT" dirty="0" err="1" smtClean="0">
+                <a:sym typeface="Wingdings" panose="05000000000000000000" pitchFamily="2" charset="2"/>
+              </a:rPr>
+              <a:t>have</a:t>
+            </a:r>
+            <a:r>
+              <a:rPr lang="pt-PT" dirty="0" smtClean="0">
+                <a:sym typeface="Wingdings" panose="05000000000000000000" pitchFamily="2" charset="2"/>
+              </a:rPr>
+              <a:t> </a:t>
+            </a:r>
+            <a:r>
+              <a:rPr lang="pt-PT" dirty="0" err="1" smtClean="0">
+                <a:sym typeface="Wingdings" panose="05000000000000000000" pitchFamily="2" charset="2"/>
+              </a:rPr>
+              <a:t>search</a:t>
+            </a:r>
+            <a:r>
+              <a:rPr lang="pt-PT" dirty="0" smtClean="0">
+                <a:sym typeface="Wingdings" panose="05000000000000000000" pitchFamily="2" charset="2"/>
+              </a:rPr>
+              <a:t> </a:t>
+            </a:r>
+            <a:r>
+              <a:rPr lang="pt-PT" dirty="0" err="1" smtClean="0">
+                <a:sym typeface="Wingdings" panose="05000000000000000000" pitchFamily="2" charset="2"/>
+              </a:rPr>
+              <a:t>functionality</a:t>
+            </a:r>
+            <a:r>
+              <a:rPr lang="pt-PT" dirty="0" smtClean="0">
+                <a:sym typeface="Wingdings" panose="05000000000000000000" pitchFamily="2" charset="2"/>
+              </a:rPr>
+              <a:t>.</a:t>
+            </a:r>
+            <a:endParaRPr lang="pt-PT" dirty="0">
+              <a:sym typeface="Wingdings" panose="05000000000000000000" pitchFamily="2" charset="2"/>
+            </a:endParaRPr>
           </a:p>
         </p:txBody>
       </p:sp>
     </p:spTree>
+    <p:extLst>
+      <p:ext uri="{BB962C8B-B14F-4D97-AF65-F5344CB8AC3E}">
+        <p14:creationId xmlns:p14="http://schemas.microsoft.com/office/powerpoint/2010/main" val="3608220894"/>
+      </p:ext>
+    </p:extLst>
   </p:cSld>
   <p:clrMapOvr>
     <a:masterClrMapping/>
@@ -28768,7 +29982,7 @@
           <a:p>
             <a:r>
               <a:rPr lang="pt-PT" dirty="0" smtClean="0"/>
-              <a:t>Rui Ganhoto</a:t>
+              <a:t>João Girão</a:t>
             </a:r>
             <a:endParaRPr lang="pt-PT" dirty="0"/>
           </a:p>
@@ -28786,89 +30000,10 @@
         </p:nvSpPr>
         <p:spPr/>
         <p:txBody>
-          <a:bodyPr>
-            <a:normAutofit/>
-          </a:bodyPr>
+          <a:bodyPr/>
           <a:lstStyle/>
           <a:p>
-            <a:r>
-              <a:rPr lang="en-US" dirty="0" smtClean="0"/>
-              <a:t>Main </a:t>
-            </a:r>
-            <a:r>
-              <a:rPr lang="en-US" dirty="0" smtClean="0"/>
-              <a:t>Contributions</a:t>
-            </a:r>
-          </a:p>
-          <a:p>
-            <a:pPr lvl="1"/>
-            <a:r>
-              <a:rPr lang="en-US" dirty="0"/>
-              <a:t>Software Main </a:t>
-            </a:r>
-            <a:r>
-              <a:rPr lang="en-US" dirty="0" smtClean="0"/>
-              <a:t>Idea</a:t>
-            </a:r>
-          </a:p>
-          <a:p>
-            <a:pPr lvl="1"/>
-            <a:r>
-              <a:rPr lang="en-US" dirty="0" smtClean="0"/>
-              <a:t>Technical </a:t>
-            </a:r>
-            <a:r>
-              <a:rPr lang="en-US" dirty="0"/>
-              <a:t>Knowledge and Helping the whole team in developing their </a:t>
-            </a:r>
-            <a:r>
-              <a:rPr lang="en-US" dirty="0" smtClean="0"/>
-              <a:t>assignments</a:t>
-            </a:r>
-          </a:p>
-          <a:p>
-            <a:pPr lvl="1"/>
-            <a:r>
-              <a:rPr lang="en-US" dirty="0"/>
-              <a:t>Software Base Architecture, </a:t>
-            </a:r>
-            <a:r>
-              <a:rPr lang="en-US" dirty="0" smtClean="0"/>
-              <a:t>Functionality </a:t>
-            </a:r>
-            <a:r>
-              <a:rPr lang="en-US" dirty="0"/>
-              <a:t>and UI </a:t>
-            </a:r>
-            <a:r>
-              <a:rPr lang="en-US" dirty="0" smtClean="0"/>
-              <a:t>Development</a:t>
-            </a:r>
-          </a:p>
-          <a:p>
-            <a:pPr lvl="1"/>
-            <a:r>
-              <a:rPr lang="en-US" dirty="0"/>
-              <a:t>Help In Requirement definitions when </a:t>
-            </a:r>
-            <a:r>
-              <a:rPr lang="en-US" dirty="0" smtClean="0"/>
-              <a:t>prompted</a:t>
-            </a:r>
-            <a:endParaRPr lang="en-US" dirty="0"/>
-          </a:p>
-          <a:p>
-            <a:pPr lvl="1"/>
-            <a:r>
-              <a:rPr lang="en-US" dirty="0" smtClean="0"/>
-              <a:t>Trying to help the team thinking about the future helping them get focused</a:t>
-            </a:r>
-          </a:p>
-          <a:p>
-            <a:pPr marL="457200" lvl="1" indent="0">
-              <a:buNone/>
-            </a:pPr>
-            <a:endParaRPr lang="en-US" dirty="0"/>
+            <a:endParaRPr lang="pt-PT"/>
           </a:p>
         </p:txBody>
       </p:sp>
@@ -28914,7 +30049,7 @@
           <a:p>
             <a:r>
               <a:rPr lang="pt-PT" dirty="0" smtClean="0"/>
-              <a:t>Rui Ganhoto</a:t>
+              <a:t>João Martins</a:t>
             </a:r>
             <a:endParaRPr lang="pt-PT" dirty="0"/>
           </a:p>
@@ -28932,123 +30067,191 @@
         </p:nvSpPr>
         <p:spPr/>
         <p:txBody>
-          <a:bodyPr>
-            <a:normAutofit fontScale="92500" lnSpcReduction="10000"/>
-          </a:bodyPr>
+          <a:bodyPr/>
           <a:lstStyle/>
           <a:p>
             <a:r>
               <a:rPr lang="en-US" dirty="0" smtClean="0"/>
-              <a:t>Participation </a:t>
-            </a:r>
+              <a:t>Main Contributions:</a:t>
+            </a:r>
+          </a:p>
+          <a:p>
+            <a:pPr lvl="1"/>
             <a:r>
               <a:rPr lang="en-US" dirty="0" smtClean="0"/>
-              <a:t>in Team </a:t>
-            </a:r>
+              <a:t>Project plan process definition</a:t>
+            </a:r>
+          </a:p>
+          <a:p>
+            <a:pPr lvl="1"/>
             <a:r>
               <a:rPr lang="en-US" dirty="0" smtClean="0"/>
-              <a:t>Results</a:t>
+              <a:t>Verification and Validation process</a:t>
             </a:r>
           </a:p>
           <a:p>
             <a:pPr lvl="1"/>
             <a:r>
+              <a:rPr lang="en-US" dirty="0" smtClean="0"/>
+              <a:t>Test plan</a:t>
+            </a:r>
+          </a:p>
+          <a:p>
+            <a:r>
+              <a:rPr lang="en-US" dirty="0" smtClean="0"/>
+              <a:t>Lessons Learned:</a:t>
+            </a:r>
+          </a:p>
+          <a:p>
+            <a:pPr lvl="1"/>
+            <a:r>
+              <a:rPr lang="en-US" dirty="0" smtClean="0"/>
+              <a:t>Teamwork is important</a:t>
+            </a:r>
+          </a:p>
+          <a:p>
+            <a:pPr lvl="1"/>
+            <a:r>
+              <a:rPr lang="en-US" dirty="0" smtClean="0"/>
+              <a:t>Communication is a must!</a:t>
+            </a:r>
+          </a:p>
+        </p:txBody>
+      </p:sp>
+    </p:spTree>
+  </p:cSld>
+  <p:clrMapOvr>
+    <a:masterClrMapping/>
+  </p:clrMapOvr>
+  <p:timing>
+    <p:tnLst>
+      <p:par>
+        <p:cTn id="1" dur="indefinite" restart="never" nodeType="tmRoot"/>
+      </p:par>
+    </p:tnLst>
+  </p:timing>
+</p:sld>
+</file>
+
+<file path=ppt/slides/slide69.xml><?xml version="1.0" encoding="utf-8"?>
+<p:sld xmlns:a="http://schemas.openxmlformats.org/drawingml/2006/main" xmlns:r="http://schemas.openxmlformats.org/officeDocument/2006/relationships" xmlns:p="http://schemas.openxmlformats.org/presentationml/2006/main">
+  <p:cSld>
+    <p:spTree>
+      <p:nvGrpSpPr>
+        <p:cNvPr id="1" name=""/>
+        <p:cNvGrpSpPr/>
+        <p:nvPr/>
+      </p:nvGrpSpPr>
+      <p:grpSpPr>
+        <a:xfrm>
+          <a:off x="0" y="0"/>
+          <a:ext cx="0" cy="0"/>
+          <a:chOff x="0" y="0"/>
+          <a:chExt cx="0" cy="0"/>
+        </a:xfrm>
+      </p:grpSpPr>
+      <p:sp>
+        <p:nvSpPr>
+          <p:cNvPr id="2" name="Título 1"/>
+          <p:cNvSpPr>
+            <a:spLocks noGrp="1"/>
+          </p:cNvSpPr>
+          <p:nvPr>
+            <p:ph type="title"/>
+          </p:nvPr>
+        </p:nvSpPr>
+        <p:spPr/>
+        <p:txBody>
+          <a:bodyPr/>
+          <a:lstStyle/>
+          <a:p>
+            <a:r>
+              <a:rPr lang="pt-PT" dirty="0" smtClean="0"/>
+              <a:t>João Martins</a:t>
+            </a:r>
+            <a:endParaRPr lang="pt-PT" dirty="0"/>
+          </a:p>
+        </p:txBody>
+      </p:sp>
+      <p:sp>
+        <p:nvSpPr>
+          <p:cNvPr id="3" name="Marcador de Posição de Conteúdo 2"/>
+          <p:cNvSpPr>
+            <a:spLocks noGrp="1"/>
+          </p:cNvSpPr>
+          <p:nvPr>
+            <p:ph idx="1"/>
+          </p:nvPr>
+        </p:nvSpPr>
+        <p:spPr/>
+        <p:txBody>
+          <a:bodyPr/>
+          <a:lstStyle/>
+          <a:p>
+            <a:r>
+              <a:rPr lang="en-US" dirty="0" smtClean="0"/>
+              <a:t>Lessons Learned:</a:t>
+            </a:r>
+          </a:p>
+          <a:p>
+            <a:pPr lvl="1"/>
+            <a:r>
+              <a:rPr lang="en-US" dirty="0" smtClean="0"/>
+              <a:t>Test plan is not easy to make</a:t>
+            </a:r>
+          </a:p>
+          <a:p>
+            <a:pPr lvl="1"/>
+            <a:r>
               <a:rPr lang="en-US" dirty="0"/>
-              <a:t>Active </a:t>
+              <a:t>W</a:t>
             </a:r>
             <a:r>
               <a:rPr lang="en-US" dirty="0" smtClean="0"/>
-              <a:t>participation</a:t>
+              <a:t>hen anything can go wrong, it will go wrong.</a:t>
+            </a:r>
+            <a:endParaRPr lang="en-US" dirty="0"/>
+          </a:p>
+          <a:p>
+            <a:pPr marL="285750" lvl="1"/>
+            <a:r>
+              <a:rPr lang="en-US" dirty="0"/>
+              <a:t>Participation in Team Results:</a:t>
             </a:r>
           </a:p>
           <a:p>
             <a:pPr lvl="1"/>
             <a:r>
-              <a:rPr lang="en-US" dirty="0"/>
-              <a:t>Always trying to help my coworkers when </a:t>
-            </a:r>
-            <a:r>
               <a:rPr lang="en-US" dirty="0" smtClean="0"/>
-              <a:t>necessary</a:t>
+              <a:t>Application Quality (Test plan)</a:t>
             </a:r>
           </a:p>
           <a:p>
             <a:pPr lvl="1"/>
             <a:r>
-              <a:rPr lang="en-US" dirty="0"/>
-              <a:t>Good commitment and positive </a:t>
-            </a:r>
-            <a:r>
               <a:rPr lang="en-US" dirty="0" smtClean="0"/>
-              <a:t>participation </a:t>
-            </a:r>
-            <a:r>
-              <a:rPr lang="en-US" dirty="0"/>
-              <a:t>in the </a:t>
-            </a:r>
-            <a:r>
-              <a:rPr lang="en-US" dirty="0" smtClean="0"/>
-              <a:t>team</a:t>
-            </a:r>
-          </a:p>
-          <a:p>
-            <a:pPr lvl="1"/>
-            <a:r>
-              <a:rPr lang="en-US" dirty="0" smtClean="0"/>
-              <a:t>While developing, I tried to keep the team focused on the task</a:t>
-            </a:r>
-            <a:endParaRPr lang="en-US" dirty="0" smtClean="0"/>
-          </a:p>
-          <a:p>
-            <a:r>
-              <a:rPr lang="en-US" dirty="0" smtClean="0"/>
-              <a:t>Lessons </a:t>
-            </a:r>
-            <a:r>
-              <a:rPr lang="en-US" dirty="0" smtClean="0"/>
-              <a:t>Learned</a:t>
-            </a:r>
-          </a:p>
-          <a:p>
-            <a:pPr lvl="1"/>
-            <a:r>
-              <a:rPr lang="en-US" dirty="0"/>
-              <a:t>It's not easy to keep a big team to </a:t>
-            </a:r>
-            <a:r>
-              <a:rPr lang="en-US" dirty="0" smtClean="0"/>
-              <a:t>work in synchrony</a:t>
-            </a:r>
-          </a:p>
-          <a:p>
-            <a:pPr lvl="1"/>
-            <a:r>
-              <a:rPr lang="en-US" dirty="0"/>
-              <a:t>Rigid documents that doesn't predict exceptions, sometimes </a:t>
-            </a:r>
-            <a:r>
-              <a:rPr lang="en-US" dirty="0" smtClean="0"/>
-              <a:t>will not fit in reality.</a:t>
-            </a:r>
-          </a:p>
-          <a:p>
-            <a:pPr marL="457200" lvl="1" indent="0">
-              <a:buNone/>
-            </a:pPr>
-            <a:endParaRPr lang="en-US" dirty="0"/>
+              <a:t>Do everything that it’s needed.</a:t>
+            </a:r>
           </a:p>
         </p:txBody>
       </p:sp>
     </p:spTree>
     <p:extLst>
       <p:ext uri="{BB962C8B-B14F-4D97-AF65-F5344CB8AC3E}">
-        <p14:creationId xmlns:p14="http://schemas.microsoft.com/office/powerpoint/2010/main" val="1399430186"/>
+        <p14:creationId xmlns:p14="http://schemas.microsoft.com/office/powerpoint/2010/main" val="1960690833"/>
       </p:ext>
     </p:extLst>
   </p:cSld>
   <p:clrMapOvr>
     <a:masterClrMapping/>
   </p:clrMapOvr>
+  <p:timing>
+    <p:tnLst>
+      <p:par>
+        <p:cTn id="1" dur="indefinite" restart="never" nodeType="tmRoot"/>
+      </p:par>
+    </p:tnLst>
+  </p:timing>
 </p:sld>
 </file>
 
@@ -29167,6 +30370,1082 @@
       </p:par>
     </p:tnLst>
   </p:timing>
+</p:sld>
+</file>
+
+<file path=ppt/slides/slide70.xml><?xml version="1.0" encoding="utf-8"?>
+<p:sld xmlns:a="http://schemas.openxmlformats.org/drawingml/2006/main" xmlns:r="http://schemas.openxmlformats.org/officeDocument/2006/relationships" xmlns:p="http://schemas.openxmlformats.org/presentationml/2006/main">
+  <p:cSld>
+    <p:spTree>
+      <p:nvGrpSpPr>
+        <p:cNvPr id="1" name=""/>
+        <p:cNvGrpSpPr/>
+        <p:nvPr/>
+      </p:nvGrpSpPr>
+      <p:grpSpPr>
+        <a:xfrm>
+          <a:off x="0" y="0"/>
+          <a:ext cx="0" cy="0"/>
+          <a:chOff x="0" y="0"/>
+          <a:chExt cx="0" cy="0"/>
+        </a:xfrm>
+      </p:grpSpPr>
+      <p:sp>
+        <p:nvSpPr>
+          <p:cNvPr id="2" name="Título 1"/>
+          <p:cNvSpPr>
+            <a:spLocks noGrp="1"/>
+          </p:cNvSpPr>
+          <p:nvPr>
+            <p:ph type="title"/>
+          </p:nvPr>
+        </p:nvSpPr>
+        <p:spPr/>
+        <p:txBody>
+          <a:bodyPr/>
+          <a:lstStyle/>
+          <a:p>
+            <a:r>
+              <a:rPr lang="pt-PT" dirty="0" smtClean="0"/>
+              <a:t>Mário Oliveira</a:t>
+            </a:r>
+            <a:endParaRPr lang="pt-PT" dirty="0"/>
+          </a:p>
+        </p:txBody>
+      </p:sp>
+      <p:sp>
+        <p:nvSpPr>
+          <p:cNvPr id="3" name="Marcador de Posição de Conteúdo 2"/>
+          <p:cNvSpPr>
+            <a:spLocks noGrp="1"/>
+          </p:cNvSpPr>
+          <p:nvPr>
+            <p:ph idx="1"/>
+          </p:nvPr>
+        </p:nvSpPr>
+        <p:spPr>
+          <a:xfrm>
+            <a:off x="1295401" y="2556932"/>
+            <a:ext cx="5223386" cy="3318936"/>
+          </a:xfrm>
+        </p:spPr>
+        <p:txBody>
+          <a:bodyPr/>
+          <a:lstStyle/>
+          <a:p>
+            <a:r>
+              <a:rPr lang="en-US" dirty="0"/>
+              <a:t>Main </a:t>
+            </a:r>
+            <a:r>
+              <a:rPr lang="en-US" dirty="0" smtClean="0"/>
+              <a:t>contributions</a:t>
+            </a:r>
+            <a:endParaRPr lang="pt-PT" dirty="0"/>
+          </a:p>
+          <a:p>
+            <a:pPr lvl="1"/>
+            <a:r>
+              <a:rPr lang="pt-PT" dirty="0" err="1"/>
+              <a:t>Update</a:t>
+            </a:r>
+            <a:r>
+              <a:rPr lang="pt-PT" dirty="0"/>
+              <a:t> </a:t>
+            </a:r>
+            <a:r>
+              <a:rPr lang="pt-PT" dirty="0" err="1"/>
+              <a:t>the</a:t>
+            </a:r>
+            <a:r>
+              <a:rPr lang="pt-PT" dirty="0"/>
+              <a:t> </a:t>
+            </a:r>
+            <a:r>
+              <a:rPr lang="pt-PT" dirty="0" err="1"/>
+              <a:t>repository</a:t>
+            </a:r>
+            <a:endParaRPr lang="pt-PT" dirty="0"/>
+          </a:p>
+          <a:p>
+            <a:pPr lvl="1"/>
+            <a:r>
+              <a:rPr lang="pt-PT" dirty="0" err="1"/>
+              <a:t>Writing</a:t>
+            </a:r>
+            <a:r>
+              <a:rPr lang="pt-PT" dirty="0"/>
+              <a:t> some processes</a:t>
+            </a:r>
+          </a:p>
+          <a:p>
+            <a:pPr lvl="1"/>
+            <a:r>
+              <a:rPr lang="pt-PT" dirty="0"/>
+              <a:t>SRS </a:t>
+            </a:r>
+            <a:r>
+              <a:rPr lang="pt-PT" dirty="0" err="1"/>
+              <a:t>and</a:t>
+            </a:r>
+            <a:r>
+              <a:rPr lang="pt-PT" dirty="0"/>
+              <a:t> </a:t>
+            </a:r>
+            <a:r>
+              <a:rPr lang="pt-PT" dirty="0" err="1"/>
+              <a:t>Requirements</a:t>
+            </a:r>
+            <a:r>
+              <a:rPr lang="pt-PT" dirty="0"/>
+              <a:t> </a:t>
+            </a:r>
+            <a:r>
+              <a:rPr lang="pt-PT" dirty="0" err="1"/>
+              <a:t>Definition</a:t>
+            </a:r>
+            <a:endParaRPr lang="pt-PT" dirty="0"/>
+          </a:p>
+          <a:p>
+            <a:pPr lvl="1"/>
+            <a:r>
+              <a:rPr lang="pt-PT" dirty="0" err="1"/>
+              <a:t>Review</a:t>
+            </a:r>
+            <a:r>
+              <a:rPr lang="pt-PT" dirty="0"/>
+              <a:t> </a:t>
+            </a:r>
+            <a:r>
+              <a:rPr lang="pt-PT" dirty="0" err="1"/>
+              <a:t>and</a:t>
+            </a:r>
+            <a:r>
+              <a:rPr lang="pt-PT" dirty="0"/>
+              <a:t> </a:t>
+            </a:r>
+            <a:r>
+              <a:rPr lang="pt-PT" dirty="0" err="1"/>
+              <a:t>approval</a:t>
+            </a:r>
+            <a:r>
+              <a:rPr lang="pt-PT" dirty="0"/>
+              <a:t> </a:t>
+            </a:r>
+            <a:r>
+              <a:rPr lang="pt-PT" dirty="0" err="1"/>
+              <a:t>of</a:t>
+            </a:r>
+            <a:r>
+              <a:rPr lang="pt-PT" dirty="0"/>
+              <a:t> some </a:t>
+            </a:r>
+            <a:r>
+              <a:rPr lang="pt-PT" dirty="0" err="1"/>
+              <a:t>documents</a:t>
+            </a:r>
+            <a:endParaRPr lang="pt-PT" dirty="0"/>
+          </a:p>
+          <a:p>
+            <a:pPr lvl="1"/>
+            <a:r>
+              <a:rPr lang="pt-PT" dirty="0" err="1"/>
+              <a:t>Coding</a:t>
+            </a:r>
+            <a:r>
+              <a:rPr lang="pt-PT" dirty="0"/>
+              <a:t> some </a:t>
+            </a:r>
+            <a:r>
+              <a:rPr lang="pt-PT" dirty="0" err="1"/>
+              <a:t>features</a:t>
+            </a:r>
+            <a:endParaRPr lang="pt-PT" dirty="0"/>
+          </a:p>
+          <a:p>
+            <a:endParaRPr lang="pt-PT" dirty="0"/>
+          </a:p>
+        </p:txBody>
+      </p:sp>
+      <p:sp>
+        <p:nvSpPr>
+          <p:cNvPr id="4" name="CaixaDeTexto 3"/>
+          <p:cNvSpPr txBox="1"/>
+          <p:nvPr/>
+        </p:nvSpPr>
+        <p:spPr>
+          <a:xfrm>
+            <a:off x="6518787" y="2556932"/>
+            <a:ext cx="4377811" cy="2376035"/>
+          </a:xfrm>
+          <a:prstGeom prst="rect">
+            <a:avLst/>
+          </a:prstGeom>
+          <a:noFill/>
+        </p:spPr>
+        <p:txBody>
+          <a:bodyPr wrap="square" rtlCol="0">
+            <a:spAutoFit/>
+          </a:bodyPr>
+          <a:lstStyle/>
+          <a:p>
+            <a:pPr marL="285750" indent="-285750" defTabSz="457200">
+              <a:spcBef>
+                <a:spcPct val="20000"/>
+              </a:spcBef>
+              <a:spcAft>
+                <a:spcPts val="600"/>
+              </a:spcAft>
+              <a:buClr>
+                <a:schemeClr val="accent1"/>
+              </a:buClr>
+              <a:buSzPct val="115000"/>
+              <a:buFont typeface="Arial"/>
+              <a:buChar char="•"/>
+            </a:pPr>
+            <a:r>
+              <a:rPr lang="en-US" sz="2400" dirty="0"/>
+              <a:t>Participation </a:t>
+            </a:r>
+            <a:r>
+              <a:rPr lang="en-US" sz="2400" dirty="0" smtClean="0"/>
+              <a:t>analysis</a:t>
+            </a:r>
+            <a:endParaRPr lang="pt-PT" sz="2400" dirty="0" smtClean="0">
+              <a:solidFill>
+                <a:schemeClr val="tx1">
+                  <a:lumMod val="85000"/>
+                  <a:lumOff val="15000"/>
+                </a:schemeClr>
+              </a:solidFill>
+            </a:endParaRPr>
+          </a:p>
+          <a:p>
+            <a:pPr marL="742950" lvl="1" indent="-285750" defTabSz="457200">
+              <a:spcBef>
+                <a:spcPct val="20000"/>
+              </a:spcBef>
+              <a:spcAft>
+                <a:spcPts val="600"/>
+              </a:spcAft>
+              <a:buClr>
+                <a:schemeClr val="accent1"/>
+              </a:buClr>
+              <a:buSzPct val="115000"/>
+              <a:buFont typeface="Arial"/>
+              <a:buChar char="•"/>
+            </a:pPr>
+            <a:r>
+              <a:rPr lang="pt-PT" sz="2400" dirty="0" err="1" smtClean="0">
+                <a:solidFill>
+                  <a:schemeClr val="tx1">
+                    <a:lumMod val="85000"/>
+                    <a:lumOff val="15000"/>
+                  </a:schemeClr>
+                </a:solidFill>
+              </a:rPr>
+              <a:t>Help</a:t>
+            </a:r>
+            <a:r>
+              <a:rPr lang="pt-PT" sz="2400" dirty="0" smtClean="0">
+                <a:solidFill>
+                  <a:schemeClr val="tx1">
+                    <a:lumMod val="85000"/>
+                    <a:lumOff val="15000"/>
+                  </a:schemeClr>
+                </a:solidFill>
+              </a:rPr>
+              <a:t> </a:t>
+            </a:r>
+            <a:r>
+              <a:rPr lang="pt-PT" sz="2400" dirty="0" err="1">
+                <a:solidFill>
+                  <a:schemeClr val="tx1">
+                    <a:lumMod val="85000"/>
+                    <a:lumOff val="15000"/>
+                  </a:schemeClr>
+                </a:solidFill>
+              </a:rPr>
+              <a:t>when</a:t>
+            </a:r>
+            <a:r>
+              <a:rPr lang="pt-PT" sz="2400" dirty="0">
+                <a:solidFill>
+                  <a:schemeClr val="tx1">
+                    <a:lumMod val="85000"/>
+                    <a:lumOff val="15000"/>
+                  </a:schemeClr>
+                </a:solidFill>
+              </a:rPr>
+              <a:t> </a:t>
+            </a:r>
+            <a:r>
+              <a:rPr lang="pt-PT" sz="2400" dirty="0" err="1">
+                <a:solidFill>
+                  <a:schemeClr val="tx1">
+                    <a:lumMod val="85000"/>
+                    <a:lumOff val="15000"/>
+                  </a:schemeClr>
+                </a:solidFill>
+              </a:rPr>
+              <a:t>it</a:t>
+            </a:r>
+            <a:r>
+              <a:rPr lang="pt-PT" sz="2400" dirty="0">
+                <a:solidFill>
+                  <a:schemeClr val="tx1">
+                    <a:lumMod val="85000"/>
+                    <a:lumOff val="15000"/>
+                  </a:schemeClr>
+                </a:solidFill>
+              </a:rPr>
+              <a:t> </a:t>
+            </a:r>
+            <a:r>
+              <a:rPr lang="pt-PT" sz="2400" dirty="0" err="1">
+                <a:solidFill>
+                  <a:schemeClr val="tx1">
+                    <a:lumMod val="85000"/>
+                    <a:lumOff val="15000"/>
+                  </a:schemeClr>
+                </a:solidFill>
+              </a:rPr>
+              <a:t>was</a:t>
+            </a:r>
+            <a:r>
+              <a:rPr lang="pt-PT" sz="2400" dirty="0">
+                <a:solidFill>
+                  <a:schemeClr val="tx1">
+                    <a:lumMod val="85000"/>
+                    <a:lumOff val="15000"/>
+                  </a:schemeClr>
+                </a:solidFill>
+              </a:rPr>
+              <a:t> </a:t>
+            </a:r>
+            <a:r>
+              <a:rPr lang="pt-PT" sz="2400" dirty="0" err="1">
+                <a:solidFill>
+                  <a:schemeClr val="tx1">
+                    <a:lumMod val="85000"/>
+                    <a:lumOff val="15000"/>
+                  </a:schemeClr>
+                </a:solidFill>
+              </a:rPr>
+              <a:t>needed</a:t>
+            </a:r>
+            <a:endParaRPr lang="pt-PT" sz="2400" dirty="0">
+              <a:solidFill>
+                <a:schemeClr val="tx1">
+                  <a:lumMod val="85000"/>
+                  <a:lumOff val="15000"/>
+                </a:schemeClr>
+              </a:solidFill>
+            </a:endParaRPr>
+          </a:p>
+          <a:p>
+            <a:pPr marL="742950" lvl="1" indent="-285750" defTabSz="457200">
+              <a:spcBef>
+                <a:spcPct val="20000"/>
+              </a:spcBef>
+              <a:spcAft>
+                <a:spcPts val="600"/>
+              </a:spcAft>
+              <a:buClr>
+                <a:schemeClr val="accent1"/>
+              </a:buClr>
+              <a:buSzPct val="115000"/>
+              <a:buFont typeface="Arial"/>
+              <a:buChar char="•"/>
+            </a:pPr>
+            <a:r>
+              <a:rPr lang="pt-PT" sz="2400" dirty="0" err="1">
+                <a:solidFill>
+                  <a:schemeClr val="tx1">
+                    <a:lumMod val="85000"/>
+                    <a:lumOff val="15000"/>
+                  </a:schemeClr>
+                </a:solidFill>
+              </a:rPr>
+              <a:t>Did</a:t>
+            </a:r>
+            <a:r>
+              <a:rPr lang="pt-PT" sz="2400" dirty="0">
+                <a:solidFill>
+                  <a:schemeClr val="tx1">
+                    <a:lumMod val="85000"/>
+                    <a:lumOff val="15000"/>
+                  </a:schemeClr>
+                </a:solidFill>
+              </a:rPr>
+              <a:t> </a:t>
+            </a:r>
+            <a:r>
+              <a:rPr lang="pt-PT" sz="2400" dirty="0" err="1">
+                <a:solidFill>
+                  <a:schemeClr val="tx1">
+                    <a:lumMod val="85000"/>
+                    <a:lumOff val="15000"/>
+                  </a:schemeClr>
+                </a:solidFill>
+              </a:rPr>
+              <a:t>the</a:t>
+            </a:r>
+            <a:r>
+              <a:rPr lang="pt-PT" sz="2400" dirty="0">
+                <a:solidFill>
+                  <a:schemeClr val="tx1">
+                    <a:lumMod val="85000"/>
+                    <a:lumOff val="15000"/>
+                  </a:schemeClr>
+                </a:solidFill>
+              </a:rPr>
+              <a:t> </a:t>
+            </a:r>
+            <a:r>
+              <a:rPr lang="pt-PT" sz="2400" dirty="0" err="1">
+                <a:solidFill>
+                  <a:schemeClr val="tx1">
+                    <a:lumMod val="85000"/>
+                    <a:lumOff val="15000"/>
+                  </a:schemeClr>
+                </a:solidFill>
+              </a:rPr>
+              <a:t>tasks</a:t>
+            </a:r>
+            <a:r>
+              <a:rPr lang="pt-PT" sz="2400" dirty="0">
+                <a:solidFill>
+                  <a:schemeClr val="tx1">
+                    <a:lumMod val="85000"/>
+                    <a:lumOff val="15000"/>
+                  </a:schemeClr>
+                </a:solidFill>
+              </a:rPr>
+              <a:t> </a:t>
+            </a:r>
+            <a:r>
+              <a:rPr lang="pt-PT" sz="2400" dirty="0" err="1">
+                <a:solidFill>
+                  <a:schemeClr val="tx1">
+                    <a:lumMod val="85000"/>
+                    <a:lumOff val="15000"/>
+                  </a:schemeClr>
+                </a:solidFill>
+              </a:rPr>
+              <a:t>given</a:t>
+            </a:r>
+            <a:endParaRPr lang="pt-PT" sz="2400" dirty="0">
+              <a:solidFill>
+                <a:schemeClr val="tx1">
+                  <a:lumMod val="85000"/>
+                  <a:lumOff val="15000"/>
+                </a:schemeClr>
+              </a:solidFill>
+            </a:endParaRPr>
+          </a:p>
+          <a:p>
+            <a:pPr marL="742950" lvl="1" indent="-285750" defTabSz="457200">
+              <a:spcBef>
+                <a:spcPct val="20000"/>
+              </a:spcBef>
+              <a:spcAft>
+                <a:spcPts val="600"/>
+              </a:spcAft>
+              <a:buClr>
+                <a:schemeClr val="accent1"/>
+              </a:buClr>
+              <a:buSzPct val="115000"/>
+              <a:buFont typeface="Arial"/>
+              <a:buChar char="•"/>
+            </a:pPr>
+            <a:r>
+              <a:rPr lang="pt-PT" sz="2400" dirty="0" err="1" smtClean="0">
+                <a:solidFill>
+                  <a:schemeClr val="tx1">
+                    <a:lumMod val="85000"/>
+                    <a:lumOff val="15000"/>
+                  </a:schemeClr>
+                </a:solidFill>
+              </a:rPr>
+              <a:t>Interest</a:t>
+            </a:r>
+            <a:r>
+              <a:rPr lang="pt-PT" sz="2400" dirty="0" smtClean="0">
+                <a:solidFill>
+                  <a:schemeClr val="tx1">
+                    <a:lumMod val="85000"/>
+                    <a:lumOff val="15000"/>
+                  </a:schemeClr>
+                </a:solidFill>
+              </a:rPr>
+              <a:t> </a:t>
+            </a:r>
+            <a:r>
+              <a:rPr lang="pt-PT" sz="2400" dirty="0">
+                <a:solidFill>
+                  <a:schemeClr val="tx1">
+                    <a:lumMod val="85000"/>
+                    <a:lumOff val="15000"/>
+                  </a:schemeClr>
+                </a:solidFill>
+              </a:rPr>
+              <a:t>in </a:t>
+            </a:r>
+            <a:r>
+              <a:rPr lang="pt-PT" sz="2400" dirty="0" err="1">
+                <a:solidFill>
+                  <a:schemeClr val="tx1">
+                    <a:lumMod val="85000"/>
+                    <a:lumOff val="15000"/>
+                  </a:schemeClr>
+                </a:solidFill>
+              </a:rPr>
+              <a:t>the</a:t>
+            </a:r>
+            <a:r>
+              <a:rPr lang="pt-PT" sz="2400" dirty="0">
+                <a:solidFill>
+                  <a:schemeClr val="tx1">
+                    <a:lumMod val="85000"/>
+                    <a:lumOff val="15000"/>
+                  </a:schemeClr>
+                </a:solidFill>
+              </a:rPr>
+              <a:t> </a:t>
+            </a:r>
+            <a:r>
+              <a:rPr lang="pt-PT" sz="2400" dirty="0" err="1">
+                <a:solidFill>
+                  <a:schemeClr val="tx1">
+                    <a:lumMod val="85000"/>
+                    <a:lumOff val="15000"/>
+                  </a:schemeClr>
+                </a:solidFill>
+              </a:rPr>
+              <a:t>project</a:t>
+            </a:r>
+            <a:endParaRPr lang="pt-PT" sz="2400" dirty="0">
+              <a:solidFill>
+                <a:schemeClr val="tx1">
+                  <a:lumMod val="85000"/>
+                  <a:lumOff val="15000"/>
+                </a:schemeClr>
+              </a:solidFill>
+            </a:endParaRPr>
+          </a:p>
+          <a:p>
+            <a:endParaRPr lang="pt-PT" dirty="0"/>
+          </a:p>
+        </p:txBody>
+      </p:sp>
+    </p:spTree>
+  </p:cSld>
+  <p:clrMapOvr>
+    <a:masterClrMapping/>
+  </p:clrMapOvr>
+  <p:timing>
+    <p:tnLst>
+      <p:par>
+        <p:cTn id="1" dur="indefinite" restart="never" nodeType="tmRoot"/>
+      </p:par>
+    </p:tnLst>
+  </p:timing>
+</p:sld>
+</file>
+
+<file path=ppt/slides/slide71.xml><?xml version="1.0" encoding="utf-8"?>
+<p:sld xmlns:a="http://schemas.openxmlformats.org/drawingml/2006/main" xmlns:r="http://schemas.openxmlformats.org/officeDocument/2006/relationships" xmlns:p="http://schemas.openxmlformats.org/presentationml/2006/main">
+  <p:cSld>
+    <p:spTree>
+      <p:nvGrpSpPr>
+        <p:cNvPr id="1" name=""/>
+        <p:cNvGrpSpPr/>
+        <p:nvPr/>
+      </p:nvGrpSpPr>
+      <p:grpSpPr>
+        <a:xfrm>
+          <a:off x="0" y="0"/>
+          <a:ext cx="0" cy="0"/>
+          <a:chOff x="0" y="0"/>
+          <a:chExt cx="0" cy="0"/>
+        </a:xfrm>
+      </p:grpSpPr>
+      <p:sp>
+        <p:nvSpPr>
+          <p:cNvPr id="2" name="Título 1"/>
+          <p:cNvSpPr>
+            <a:spLocks noGrp="1"/>
+          </p:cNvSpPr>
+          <p:nvPr>
+            <p:ph type="title"/>
+          </p:nvPr>
+        </p:nvSpPr>
+        <p:spPr/>
+        <p:txBody>
+          <a:bodyPr/>
+          <a:lstStyle/>
+          <a:p>
+            <a:r>
+              <a:rPr lang="pt-PT" dirty="0"/>
+              <a:t>Mário Oliveira</a:t>
+            </a:r>
+          </a:p>
+        </p:txBody>
+      </p:sp>
+      <p:sp>
+        <p:nvSpPr>
+          <p:cNvPr id="3" name="Marcador de Posição de Conteúdo 2"/>
+          <p:cNvSpPr>
+            <a:spLocks noGrp="1"/>
+          </p:cNvSpPr>
+          <p:nvPr>
+            <p:ph idx="1"/>
+          </p:nvPr>
+        </p:nvSpPr>
+        <p:spPr/>
+        <p:txBody>
+          <a:bodyPr/>
+          <a:lstStyle/>
+          <a:p>
+            <a:r>
+              <a:rPr lang="en-US" dirty="0"/>
+              <a:t>Lessons </a:t>
+            </a:r>
+            <a:r>
+              <a:rPr lang="en-US" dirty="0" smtClean="0"/>
+              <a:t>Learned</a:t>
+            </a:r>
+            <a:endParaRPr lang="en-US" dirty="0"/>
+          </a:p>
+          <a:p>
+            <a:pPr lvl="1"/>
+            <a:r>
+              <a:rPr lang="pt-PT" dirty="0" err="1" smtClean="0"/>
+              <a:t>Teamwork</a:t>
+            </a:r>
+            <a:r>
+              <a:rPr lang="pt-PT" dirty="0" smtClean="0"/>
+              <a:t> </a:t>
+            </a:r>
+            <a:r>
+              <a:rPr lang="pt-PT" dirty="0" err="1"/>
+              <a:t>is</a:t>
+            </a:r>
+            <a:r>
+              <a:rPr lang="pt-PT" dirty="0"/>
+              <a:t> </a:t>
+            </a:r>
+            <a:r>
+              <a:rPr lang="pt-PT" dirty="0" err="1"/>
+              <a:t>the</a:t>
+            </a:r>
+            <a:r>
+              <a:rPr lang="pt-PT" dirty="0"/>
+              <a:t> </a:t>
+            </a:r>
+            <a:r>
+              <a:rPr lang="pt-PT" dirty="0" err="1"/>
+              <a:t>key</a:t>
+            </a:r>
+            <a:r>
+              <a:rPr lang="pt-PT" dirty="0"/>
+              <a:t> to </a:t>
+            </a:r>
+            <a:r>
+              <a:rPr lang="pt-PT" dirty="0" err="1"/>
+              <a:t>sucess</a:t>
+            </a:r>
+            <a:endParaRPr lang="pt-PT" dirty="0"/>
+          </a:p>
+          <a:p>
+            <a:pPr lvl="1"/>
+            <a:r>
+              <a:rPr lang="pt-PT" dirty="0" err="1"/>
+              <a:t>The</a:t>
+            </a:r>
+            <a:r>
+              <a:rPr lang="pt-PT" dirty="0"/>
+              <a:t> </a:t>
+            </a:r>
+            <a:r>
+              <a:rPr lang="pt-PT" dirty="0" err="1"/>
+              <a:t>structure</a:t>
+            </a:r>
+            <a:r>
+              <a:rPr lang="pt-PT" dirty="0"/>
+              <a:t> </a:t>
+            </a:r>
+            <a:r>
+              <a:rPr lang="pt-PT" dirty="0" err="1"/>
+              <a:t>of</a:t>
+            </a:r>
+            <a:r>
+              <a:rPr lang="pt-PT" dirty="0"/>
+              <a:t> </a:t>
+            </a:r>
+            <a:r>
+              <a:rPr lang="pt-PT" dirty="0" err="1"/>
+              <a:t>the</a:t>
+            </a:r>
+            <a:r>
+              <a:rPr lang="pt-PT" dirty="0"/>
+              <a:t> </a:t>
+            </a:r>
+            <a:r>
+              <a:rPr lang="pt-PT" dirty="0" err="1"/>
+              <a:t>application</a:t>
+            </a:r>
+            <a:r>
+              <a:rPr lang="pt-PT" dirty="0"/>
+              <a:t> </a:t>
+            </a:r>
+            <a:r>
+              <a:rPr lang="pt-PT" dirty="0" err="1"/>
+              <a:t>should</a:t>
+            </a:r>
+            <a:r>
+              <a:rPr lang="pt-PT" dirty="0"/>
+              <a:t> </a:t>
+            </a:r>
+            <a:r>
+              <a:rPr lang="pt-PT" dirty="0" err="1"/>
+              <a:t>be</a:t>
+            </a:r>
+            <a:r>
+              <a:rPr lang="pt-PT" dirty="0"/>
+              <a:t> </a:t>
+            </a:r>
+            <a:r>
+              <a:rPr lang="pt-PT" dirty="0" err="1"/>
+              <a:t>well</a:t>
+            </a:r>
+            <a:r>
+              <a:rPr lang="pt-PT" dirty="0"/>
+              <a:t> </a:t>
+            </a:r>
+            <a:r>
+              <a:rPr lang="pt-PT" dirty="0" err="1"/>
+              <a:t>planned</a:t>
+            </a:r>
+            <a:endParaRPr lang="pt-PT" dirty="0"/>
+          </a:p>
+          <a:p>
+            <a:endParaRPr lang="pt-PT" dirty="0"/>
+          </a:p>
+        </p:txBody>
+      </p:sp>
+    </p:spTree>
+    <p:extLst>
+      <p:ext uri="{BB962C8B-B14F-4D97-AF65-F5344CB8AC3E}">
+        <p14:creationId xmlns:p14="http://schemas.microsoft.com/office/powerpoint/2010/main" val="323619009"/>
+      </p:ext>
+    </p:extLst>
+  </p:cSld>
+  <p:clrMapOvr>
+    <a:masterClrMapping/>
+  </p:clrMapOvr>
+</p:sld>
+</file>
+
+<file path=ppt/slides/slide72.xml><?xml version="1.0" encoding="utf-8"?>
+<p:sld xmlns:a="http://schemas.openxmlformats.org/drawingml/2006/main" xmlns:r="http://schemas.openxmlformats.org/officeDocument/2006/relationships" xmlns:p="http://schemas.openxmlformats.org/presentationml/2006/main">
+  <p:cSld>
+    <p:spTree>
+      <p:nvGrpSpPr>
+        <p:cNvPr id="1" name=""/>
+        <p:cNvGrpSpPr/>
+        <p:nvPr/>
+      </p:nvGrpSpPr>
+      <p:grpSpPr>
+        <a:xfrm>
+          <a:off x="0" y="0"/>
+          <a:ext cx="0" cy="0"/>
+          <a:chOff x="0" y="0"/>
+          <a:chExt cx="0" cy="0"/>
+        </a:xfrm>
+      </p:grpSpPr>
+      <p:sp>
+        <p:nvSpPr>
+          <p:cNvPr id="2" name="Título 1"/>
+          <p:cNvSpPr>
+            <a:spLocks noGrp="1"/>
+          </p:cNvSpPr>
+          <p:nvPr>
+            <p:ph type="title"/>
+          </p:nvPr>
+        </p:nvSpPr>
+        <p:spPr/>
+        <p:txBody>
+          <a:bodyPr/>
+          <a:lstStyle/>
+          <a:p>
+            <a:r>
+              <a:rPr lang="pt-PT" dirty="0" smtClean="0"/>
+              <a:t>Rui Ganhoto</a:t>
+            </a:r>
+            <a:endParaRPr lang="pt-PT" dirty="0"/>
+          </a:p>
+        </p:txBody>
+      </p:sp>
+      <p:sp>
+        <p:nvSpPr>
+          <p:cNvPr id="3" name="Marcador de Posição de Conteúdo 2"/>
+          <p:cNvSpPr>
+            <a:spLocks noGrp="1"/>
+          </p:cNvSpPr>
+          <p:nvPr>
+            <p:ph idx="1"/>
+          </p:nvPr>
+        </p:nvSpPr>
+        <p:spPr/>
+        <p:txBody>
+          <a:bodyPr>
+            <a:normAutofit/>
+          </a:bodyPr>
+          <a:lstStyle/>
+          <a:p>
+            <a:r>
+              <a:rPr lang="en-US" dirty="0" smtClean="0"/>
+              <a:t>Main Contributions</a:t>
+            </a:r>
+          </a:p>
+          <a:p>
+            <a:pPr lvl="1"/>
+            <a:r>
+              <a:rPr lang="en-US" dirty="0"/>
+              <a:t>Software Main </a:t>
+            </a:r>
+            <a:r>
+              <a:rPr lang="en-US" dirty="0" smtClean="0"/>
+              <a:t>Idea</a:t>
+            </a:r>
+          </a:p>
+          <a:p>
+            <a:pPr lvl="1"/>
+            <a:r>
+              <a:rPr lang="en-US" dirty="0" smtClean="0"/>
+              <a:t>Technical </a:t>
+            </a:r>
+            <a:r>
+              <a:rPr lang="en-US" dirty="0"/>
+              <a:t>Knowledge and Helping the whole team in developing their </a:t>
+            </a:r>
+            <a:r>
+              <a:rPr lang="en-US" dirty="0" smtClean="0"/>
+              <a:t>assignments</a:t>
+            </a:r>
+          </a:p>
+          <a:p>
+            <a:pPr lvl="1"/>
+            <a:r>
+              <a:rPr lang="en-US" dirty="0"/>
+              <a:t>Software Base Architecture, </a:t>
+            </a:r>
+            <a:r>
+              <a:rPr lang="en-US" dirty="0" smtClean="0"/>
+              <a:t>Functionality </a:t>
+            </a:r>
+            <a:r>
+              <a:rPr lang="en-US" dirty="0"/>
+              <a:t>and UI </a:t>
+            </a:r>
+            <a:r>
+              <a:rPr lang="en-US" dirty="0" smtClean="0"/>
+              <a:t>Development</a:t>
+            </a:r>
+          </a:p>
+          <a:p>
+            <a:pPr lvl="1"/>
+            <a:r>
+              <a:rPr lang="en-US" dirty="0"/>
+              <a:t>Help In Requirement definitions when </a:t>
+            </a:r>
+            <a:r>
+              <a:rPr lang="en-US" dirty="0" smtClean="0"/>
+              <a:t>prompted</a:t>
+            </a:r>
+            <a:endParaRPr lang="en-US" dirty="0"/>
+          </a:p>
+          <a:p>
+            <a:pPr lvl="1"/>
+            <a:r>
+              <a:rPr lang="en-US" dirty="0" smtClean="0"/>
+              <a:t>Trying to help the team thinking about the future helping them get focused</a:t>
+            </a:r>
+          </a:p>
+          <a:p>
+            <a:pPr marL="457200" lvl="1" indent="0">
+              <a:buNone/>
+            </a:pPr>
+            <a:endParaRPr lang="en-US" dirty="0"/>
+          </a:p>
+        </p:txBody>
+      </p:sp>
+    </p:spTree>
+  </p:cSld>
+  <p:clrMapOvr>
+    <a:masterClrMapping/>
+  </p:clrMapOvr>
+</p:sld>
+</file>
+
+<file path=ppt/slides/slide73.xml><?xml version="1.0" encoding="utf-8"?>
+<p:sld xmlns:a="http://schemas.openxmlformats.org/drawingml/2006/main" xmlns:r="http://schemas.openxmlformats.org/officeDocument/2006/relationships" xmlns:p="http://schemas.openxmlformats.org/presentationml/2006/main">
+  <p:cSld>
+    <p:spTree>
+      <p:nvGrpSpPr>
+        <p:cNvPr id="1" name=""/>
+        <p:cNvGrpSpPr/>
+        <p:nvPr/>
+      </p:nvGrpSpPr>
+      <p:grpSpPr>
+        <a:xfrm>
+          <a:off x="0" y="0"/>
+          <a:ext cx="0" cy="0"/>
+          <a:chOff x="0" y="0"/>
+          <a:chExt cx="0" cy="0"/>
+        </a:xfrm>
+      </p:grpSpPr>
+      <p:sp>
+        <p:nvSpPr>
+          <p:cNvPr id="2" name="Título 1"/>
+          <p:cNvSpPr>
+            <a:spLocks noGrp="1"/>
+          </p:cNvSpPr>
+          <p:nvPr>
+            <p:ph type="title"/>
+          </p:nvPr>
+        </p:nvSpPr>
+        <p:spPr/>
+        <p:txBody>
+          <a:bodyPr/>
+          <a:lstStyle/>
+          <a:p>
+            <a:r>
+              <a:rPr lang="pt-PT" dirty="0" smtClean="0"/>
+              <a:t>Rui Ganhoto</a:t>
+            </a:r>
+            <a:endParaRPr lang="pt-PT" dirty="0"/>
+          </a:p>
+        </p:txBody>
+      </p:sp>
+      <p:sp>
+        <p:nvSpPr>
+          <p:cNvPr id="3" name="Marcador de Posição de Conteúdo 2"/>
+          <p:cNvSpPr>
+            <a:spLocks noGrp="1"/>
+          </p:cNvSpPr>
+          <p:nvPr>
+            <p:ph idx="1"/>
+          </p:nvPr>
+        </p:nvSpPr>
+        <p:spPr/>
+        <p:txBody>
+          <a:bodyPr>
+            <a:normAutofit fontScale="92500" lnSpcReduction="10000"/>
+          </a:bodyPr>
+          <a:lstStyle/>
+          <a:p>
+            <a:r>
+              <a:rPr lang="en-US" dirty="0" smtClean="0"/>
+              <a:t>Participation in Team Results</a:t>
+            </a:r>
+          </a:p>
+          <a:p>
+            <a:pPr lvl="1"/>
+            <a:r>
+              <a:rPr lang="en-US" dirty="0"/>
+              <a:t>Active </a:t>
+            </a:r>
+            <a:r>
+              <a:rPr lang="en-US" dirty="0" smtClean="0"/>
+              <a:t>participation</a:t>
+            </a:r>
+          </a:p>
+          <a:p>
+            <a:pPr lvl="1"/>
+            <a:r>
+              <a:rPr lang="en-US" dirty="0"/>
+              <a:t>Always trying to help my coworkers when </a:t>
+            </a:r>
+            <a:r>
+              <a:rPr lang="en-US" dirty="0" smtClean="0"/>
+              <a:t>necessary</a:t>
+            </a:r>
+          </a:p>
+          <a:p>
+            <a:pPr lvl="1"/>
+            <a:r>
+              <a:rPr lang="en-US" dirty="0"/>
+              <a:t>Good commitment and positive </a:t>
+            </a:r>
+            <a:r>
+              <a:rPr lang="en-US" dirty="0" smtClean="0"/>
+              <a:t>participation </a:t>
+            </a:r>
+            <a:r>
+              <a:rPr lang="en-US" dirty="0"/>
+              <a:t>in the </a:t>
+            </a:r>
+            <a:r>
+              <a:rPr lang="en-US" dirty="0" smtClean="0"/>
+              <a:t>team</a:t>
+            </a:r>
+          </a:p>
+          <a:p>
+            <a:pPr lvl="1"/>
+            <a:r>
+              <a:rPr lang="en-US" dirty="0" smtClean="0"/>
+              <a:t>While developing, I tried to keep the team focused on the task</a:t>
+            </a:r>
+          </a:p>
+          <a:p>
+            <a:r>
+              <a:rPr lang="en-US" dirty="0" smtClean="0"/>
+              <a:t>Lessons Learned</a:t>
+            </a:r>
+          </a:p>
+          <a:p>
+            <a:pPr lvl="1"/>
+            <a:r>
+              <a:rPr lang="en-US" dirty="0"/>
+              <a:t>It's not easy to keep a big team to </a:t>
+            </a:r>
+            <a:r>
+              <a:rPr lang="en-US" dirty="0" smtClean="0"/>
+              <a:t>work in synchrony</a:t>
+            </a:r>
+          </a:p>
+          <a:p>
+            <a:pPr lvl="1"/>
+            <a:r>
+              <a:rPr lang="en-US" dirty="0"/>
+              <a:t>Rigid documents that doesn't predict exceptions, sometimes </a:t>
+            </a:r>
+            <a:r>
+              <a:rPr lang="en-US" dirty="0" smtClean="0"/>
+              <a:t>will not fit in reality.</a:t>
+            </a:r>
+          </a:p>
+          <a:p>
+            <a:pPr marL="457200" lvl="1" indent="0">
+              <a:buNone/>
+            </a:pPr>
+            <a:endParaRPr lang="en-US" dirty="0"/>
+          </a:p>
+        </p:txBody>
+      </p:sp>
+    </p:spTree>
+    <p:extLst>
+      <p:ext uri="{BB962C8B-B14F-4D97-AF65-F5344CB8AC3E}">
+        <p14:creationId xmlns:p14="http://schemas.microsoft.com/office/powerpoint/2010/main" val="1399430186"/>
+      </p:ext>
+    </p:extLst>
+  </p:cSld>
+  <p:clrMapOvr>
+    <a:masterClrMapping/>
+  </p:clrMapOvr>
 </p:sld>
 </file>
 

--- a/Final Presentation/Presentation.pptx
+++ b/Final Presentation/Presentation.pptx
@@ -181,7 +181,7 @@
   </p:defaultTextStyle>
   <p:extLst>
     <p:ext uri="{EFAFB233-063F-42B5-8137-9DF3F51BA10A}">
-      <p15:sldGuideLst xmlns:p15="http://schemas.microsoft.com/office/powerpoint/2012/main">
+      <p15:sldGuideLst xmlns:p15="http://schemas.microsoft.com/office/powerpoint/2012/main" xmlns="">
         <p15:guide id="1" orient="horz" pos="2160">
           <p15:clr>
             <a:srgbClr val="A4A3A4"/>
@@ -200,17 +200,7 @@
 
 <file path=ppt/charts/chart1.xml><?xml version="1.0" encoding="utf-8"?>
 <c:chartSpace xmlns:c="http://schemas.openxmlformats.org/drawingml/2006/chart" xmlns:a="http://schemas.openxmlformats.org/drawingml/2006/main" xmlns:r="http://schemas.openxmlformats.org/officeDocument/2006/relationships">
-  <c:date1904 val="0"/>
   <c:lang val="pt-PT"/>
-  <c:roundedCorners val="0"/>
-  <mc:AlternateContent xmlns:mc="http://schemas.openxmlformats.org/markup-compatibility/2006">
-    <mc:Choice xmlns:c14="http://schemas.microsoft.com/office/drawing/2007/8/2/chart" Requires="c14">
-      <c14:style val="102"/>
-    </mc:Choice>
-    <mc:Fallback>
-      <c:style val="2"/>
-    </mc:Fallback>
-  </mc:AlternateContent>
   <c:chart>
     <c:title>
       <c:tx>
@@ -239,7 +229,6 @@
         </c:rich>
       </c:tx>
       <c:layout/>
-      <c:overlay val="0"/>
       <c:spPr>
         <a:noFill/>
         <a:ln>
@@ -247,34 +236,12 @@
         </a:ln>
         <a:effectLst/>
       </c:spPr>
-      <c:txPr>
-        <a:bodyPr rot="0" spcFirstLastPara="1" vertOverflow="ellipsis" vert="horz" wrap="square" anchor="ctr" anchorCtr="1"/>
-        <a:lstStyle/>
-        <a:p>
-          <a:pPr>
-            <a:defRPr sz="2128" b="1" i="0" u="none" strike="noStrike" kern="1200" cap="all" spc="120" normalizeH="0" baseline="0">
-              <a:solidFill>
-                <a:schemeClr val="tx1">
-                  <a:lumMod val="65000"/>
-                  <a:lumOff val="35000"/>
-                </a:schemeClr>
-              </a:solidFill>
-              <a:latin typeface="+mn-lt"/>
-              <a:ea typeface="+mn-ea"/>
-              <a:cs typeface="+mn-cs"/>
-            </a:defRPr>
-          </a:pPr>
-          <a:endParaRPr lang="pt-PT"/>
-        </a:p>
-      </c:txPr>
     </c:title>
-    <c:autoTitleDeleted val="0"/>
     <c:plotArea>
       <c:layout/>
       <c:barChart>
         <c:barDir val="col"/>
         <c:grouping val="clustered"/>
-        <c:varyColors val="0"/>
         <c:ser>
           <c:idx val="0"/>
           <c:order val="0"/>
@@ -298,7 +265,6 @@
             </a:ln>
             <a:effectLst/>
           </c:spPr>
-          <c:invertIfNegative val="0"/>
           <c:dLbls>
             <c:spPr>
               <a:noFill/>
@@ -330,13 +296,7 @@
               </a:p>
             </c:txPr>
             <c:dLblPos val="outEnd"/>
-            <c:showLegendKey val="0"/>
             <c:showVal val="1"/>
-            <c:showCatName val="0"/>
-            <c:showSerName val="0"/>
-            <c:showPercent val="0"/>
-            <c:showBubbleSize val="0"/>
-            <c:showLeaderLines val="0"/>
             <c:extLst>
               <c:ext xmlns:c15="http://schemas.microsoft.com/office/drawing/2012/chart" uri="{CE6537A1-D6FC-4f65-9D91-7224C49458BB}">
                 <c15:layout/>
@@ -381,7 +341,7 @@
             <c:numRef>
               <c:f>Folha1!$O$44:$R$44</c:f>
               <c:numCache>
-                <c:formatCode>General</c:formatCode>
+                <c:formatCode>Estandar</c:formatCode>
                 <c:ptCount val="4"/>
                 <c:pt idx="0">
                   <c:v>100</c:v>
@@ -419,7 +379,6 @@
             </a:ln>
             <a:effectLst/>
           </c:spPr>
-          <c:invertIfNegative val="0"/>
           <c:dLbls>
             <c:spPr>
               <a:noFill/>
@@ -451,13 +410,7 @@
               </a:p>
             </c:txPr>
             <c:dLblPos val="outEnd"/>
-            <c:showLegendKey val="0"/>
             <c:showVal val="1"/>
-            <c:showCatName val="0"/>
-            <c:showSerName val="0"/>
-            <c:showPercent val="0"/>
-            <c:showBubbleSize val="0"/>
-            <c:showLeaderLines val="0"/>
             <c:extLst>
               <c:ext xmlns:c15="http://schemas.microsoft.com/office/drawing/2012/chart" uri="{CE6537A1-D6FC-4f65-9D91-7224C49458BB}">
                 <c15:layout/>
@@ -502,7 +455,7 @@
             <c:numRef>
               <c:f>Folha1!$O$45:$R$45</c:f>
               <c:numCache>
-                <c:formatCode>General</c:formatCode>
+                <c:formatCode>Estandar</c:formatCode>
                 <c:ptCount val="4"/>
                 <c:pt idx="1">
                   <c:v>93</c:v>
@@ -518,24 +471,18 @@
           </c:val>
         </c:ser>
         <c:dLbls>
-          <c:showLegendKey val="0"/>
           <c:showVal val="1"/>
-          <c:showCatName val="0"/>
-          <c:showSerName val="0"/>
-          <c:showPercent val="0"/>
-          <c:showBubbleSize val="0"/>
         </c:dLbls>
         <c:gapWidth val="444"/>
         <c:overlap val="-90"/>
-        <c:axId val="278899312"/>
-        <c:axId val="278899704"/>
+        <c:axId val="73685632"/>
+        <c:axId val="73695616"/>
       </c:barChart>
       <c:catAx>
-        <c:axId val="278899312"/>
+        <c:axId val="73685632"/>
         <c:scaling>
           <c:orientation val="minMax"/>
         </c:scaling>
-        <c:delete val="0"/>
         <c:axPos val="b"/>
         <c:majorGridlines>
           <c:spPr>
@@ -551,9 +498,8 @@
             <a:effectLst/>
           </c:spPr>
         </c:majorGridlines>
-        <c:numFmt formatCode="General" sourceLinked="1"/>
+        <c:numFmt formatCode="Estandar" sourceLinked="1"/>
         <c:majorTickMark val="none"/>
-        <c:minorTickMark val="none"/>
         <c:tickLblPos val="nextTo"/>
         <c:spPr>
           <a:noFill/>
@@ -588,25 +534,23 @@
             <a:endParaRPr lang="pt-PT"/>
           </a:p>
         </c:txPr>
-        <c:crossAx val="278899704"/>
+        <c:crossAx val="73695616"/>
         <c:crosses val="autoZero"/>
         <c:auto val="1"/>
         <c:lblAlgn val="ctr"/>
         <c:lblOffset val="100"/>
-        <c:noMultiLvlLbl val="0"/>
       </c:catAx>
       <c:valAx>
-        <c:axId val="278899704"/>
+        <c:axId val="73695616"/>
         <c:scaling>
           <c:orientation val="minMax"/>
         </c:scaling>
         <c:delete val="1"/>
         <c:axPos val="l"/>
-        <c:numFmt formatCode="General" sourceLinked="1"/>
+        <c:numFmt formatCode="Estandar" sourceLinked="1"/>
         <c:majorTickMark val="none"/>
-        <c:minorTickMark val="none"/>
         <c:tickLblPos val="none"/>
-        <c:crossAx val="278899312"/>
+        <c:crossAx val="73685632"/>
         <c:crosses val="autoZero"/>
         <c:crossBetween val="between"/>
       </c:valAx>
@@ -621,7 +565,6 @@
     <c:legend>
       <c:legendPos val="t"/>
       <c:layout/>
-      <c:overlay val="0"/>
       <c:spPr>
         <a:noFill/>
         <a:ln>
@@ -652,7 +595,6 @@
     </c:legend>
     <c:plotVisOnly val="1"/>
     <c:dispBlanksAs val="gap"/>
-    <c:showDLblsOverMax val="0"/>
   </c:chart>
   <c:spPr>
     <a:noFill/>
@@ -671,25 +613,13 @@
       <a:endParaRPr lang="pt-PT"/>
     </a:p>
   </c:txPr>
-  <c:externalData r:id="rId3">
-    <c:autoUpdate val="0"/>
-  </c:externalData>
+  <c:externalData r:id="rId1"/>
 </c:chartSpace>
 </file>
 
 <file path=ppt/charts/chart2.xml><?xml version="1.0" encoding="utf-8"?>
 <c:chartSpace xmlns:c="http://schemas.openxmlformats.org/drawingml/2006/chart" xmlns:a="http://schemas.openxmlformats.org/drawingml/2006/main" xmlns:r="http://schemas.openxmlformats.org/officeDocument/2006/relationships">
-  <c:date1904 val="0"/>
   <c:lang val="pt-PT"/>
-  <c:roundedCorners val="0"/>
-  <mc:AlternateContent xmlns:mc="http://schemas.openxmlformats.org/markup-compatibility/2006">
-    <mc:Choice xmlns:c14="http://schemas.microsoft.com/office/drawing/2007/8/2/chart" Requires="c14">
-      <c14:style val="102"/>
-    </mc:Choice>
-    <mc:Fallback>
-      <c:style val="2"/>
-    </mc:Fallback>
-  </mc:AlternateContent>
   <c:chart>
     <c:title>
       <c:tx>
@@ -721,11 +651,10 @@
         <c:manualLayout>
           <c:xMode val="edge"/>
           <c:yMode val="edge"/>
-          <c:x val="0.2929240128231686"/>
-          <c:y val="2.4482108622810719E-2"/>
+          <c:x val="0.29292401282316866"/>
+          <c:y val="2.4482108622810726E-2"/>
         </c:manualLayout>
       </c:layout>
-      <c:overlay val="0"/>
       <c:spPr>
         <a:noFill/>
         <a:ln>
@@ -733,34 +662,12 @@
         </a:ln>
         <a:effectLst/>
       </c:spPr>
-      <c:txPr>
-        <a:bodyPr rot="0" spcFirstLastPara="1" vertOverflow="ellipsis" vert="horz" wrap="square" anchor="ctr" anchorCtr="1"/>
-        <a:lstStyle/>
-        <a:p>
-          <a:pPr>
-            <a:defRPr sz="2128" b="1" i="0" u="none" strike="noStrike" kern="1200" cap="all" spc="120" normalizeH="0" baseline="0">
-              <a:solidFill>
-                <a:schemeClr val="tx1">
-                  <a:lumMod val="65000"/>
-                  <a:lumOff val="35000"/>
-                </a:schemeClr>
-              </a:solidFill>
-              <a:latin typeface="+mn-lt"/>
-              <a:ea typeface="+mn-ea"/>
-              <a:cs typeface="+mn-cs"/>
-            </a:defRPr>
-          </a:pPr>
-          <a:endParaRPr lang="pt-PT"/>
-        </a:p>
-      </c:txPr>
     </c:title>
-    <c:autoTitleDeleted val="0"/>
     <c:plotArea>
       <c:layout/>
       <c:barChart>
         <c:barDir val="col"/>
         <c:grouping val="clustered"/>
-        <c:varyColors val="0"/>
         <c:ser>
           <c:idx val="0"/>
           <c:order val="0"/>
@@ -784,7 +691,6 @@
             </a:ln>
             <a:effectLst/>
           </c:spPr>
-          <c:invertIfNegative val="0"/>
           <c:dLbls>
             <c:spPr>
               <a:noFill/>
@@ -816,13 +722,7 @@
               </a:p>
             </c:txPr>
             <c:dLblPos val="outEnd"/>
-            <c:showLegendKey val="0"/>
             <c:showVal val="1"/>
-            <c:showCatName val="0"/>
-            <c:showSerName val="0"/>
-            <c:showPercent val="0"/>
-            <c:showBubbleSize val="0"/>
-            <c:showLeaderLines val="0"/>
             <c:extLst>
               <c:ext xmlns:c15="http://schemas.microsoft.com/office/drawing/2012/chart" uri="{CE6537A1-D6FC-4f65-9D91-7224C49458BB}">
                 <c15:layout/>
@@ -867,7 +767,7 @@
             <c:numRef>
               <c:f>Folha1!$L$69:$O$69</c:f>
               <c:numCache>
-                <c:formatCode>General</c:formatCode>
+                <c:formatCode>Estandar</c:formatCode>
                 <c:ptCount val="4"/>
                 <c:pt idx="0">
                   <c:v>100</c:v>
@@ -908,7 +808,6 @@
             </a:ln>
             <a:effectLst/>
           </c:spPr>
-          <c:invertIfNegative val="0"/>
           <c:dLbls>
             <c:spPr>
               <a:noFill/>
@@ -940,13 +839,7 @@
               </a:p>
             </c:txPr>
             <c:dLblPos val="outEnd"/>
-            <c:showLegendKey val="0"/>
             <c:showVal val="1"/>
-            <c:showCatName val="0"/>
-            <c:showSerName val="0"/>
-            <c:showPercent val="0"/>
-            <c:showBubbleSize val="0"/>
-            <c:showLeaderLines val="0"/>
             <c:extLst>
               <c:ext xmlns:c15="http://schemas.microsoft.com/office/drawing/2012/chart" uri="{CE6537A1-D6FC-4f65-9D91-7224C49458BB}">
                 <c15:layout/>
@@ -991,7 +884,7 @@
             <c:numRef>
               <c:f>Folha1!$L$70:$O$70</c:f>
               <c:numCache>
-                <c:formatCode>General</c:formatCode>
+                <c:formatCode>Estandar</c:formatCode>
                 <c:ptCount val="4"/>
                 <c:pt idx="0">
                   <c:v>107.75</c:v>
@@ -1010,24 +903,18 @@
           </c:val>
         </c:ser>
         <c:dLbls>
-          <c:showLegendKey val="0"/>
           <c:showVal val="1"/>
-          <c:showCatName val="0"/>
-          <c:showSerName val="0"/>
-          <c:showPercent val="0"/>
-          <c:showBubbleSize val="0"/>
         </c:dLbls>
         <c:gapWidth val="444"/>
         <c:overlap val="-90"/>
-        <c:axId val="278898920"/>
-        <c:axId val="278900488"/>
+        <c:axId val="76577408"/>
+        <c:axId val="76587392"/>
       </c:barChart>
       <c:catAx>
-        <c:axId val="278898920"/>
+        <c:axId val="76577408"/>
         <c:scaling>
           <c:orientation val="minMax"/>
         </c:scaling>
-        <c:delete val="0"/>
         <c:axPos val="b"/>
         <c:majorGridlines>
           <c:spPr>
@@ -1043,9 +930,8 @@
             <a:effectLst/>
           </c:spPr>
         </c:majorGridlines>
-        <c:numFmt formatCode="General" sourceLinked="1"/>
+        <c:numFmt formatCode="Estandar" sourceLinked="1"/>
         <c:majorTickMark val="none"/>
-        <c:minorTickMark val="none"/>
         <c:tickLblPos val="nextTo"/>
         <c:spPr>
           <a:noFill/>
@@ -1080,25 +966,23 @@
             <a:endParaRPr lang="pt-PT"/>
           </a:p>
         </c:txPr>
-        <c:crossAx val="278900488"/>
+        <c:crossAx val="76587392"/>
         <c:crosses val="autoZero"/>
         <c:auto val="1"/>
         <c:lblAlgn val="ctr"/>
         <c:lblOffset val="100"/>
-        <c:noMultiLvlLbl val="0"/>
       </c:catAx>
       <c:valAx>
-        <c:axId val="278900488"/>
+        <c:axId val="76587392"/>
         <c:scaling>
           <c:orientation val="minMax"/>
         </c:scaling>
         <c:delete val="1"/>
         <c:axPos val="l"/>
-        <c:numFmt formatCode="General" sourceLinked="1"/>
+        <c:numFmt formatCode="Estandar" sourceLinked="1"/>
         <c:majorTickMark val="none"/>
-        <c:minorTickMark val="none"/>
         <c:tickLblPos val="none"/>
-        <c:crossAx val="278898920"/>
+        <c:crossAx val="76577408"/>
         <c:crosses val="autoZero"/>
         <c:crossBetween val="between"/>
       </c:valAx>
@@ -1159,7 +1043,6 @@
         </c:txPr>
       </c:legendEntry>
       <c:layout/>
-      <c:overlay val="0"/>
       <c:spPr>
         <a:noFill/>
         <a:ln>
@@ -1190,7 +1073,6 @@
     </c:legend>
     <c:plotVisOnly val="1"/>
     <c:dispBlanksAs val="gap"/>
-    <c:showDLblsOverMax val="0"/>
   </c:chart>
   <c:spPr>
     <a:noFill/>
@@ -1209,25 +1091,13 @@
       <a:endParaRPr lang="pt-PT"/>
     </a:p>
   </c:txPr>
-  <c:externalData r:id="rId3">
-    <c:autoUpdate val="0"/>
-  </c:externalData>
+  <c:externalData r:id="rId1"/>
 </c:chartSpace>
 </file>
 
 <file path=ppt/charts/chart3.xml><?xml version="1.0" encoding="utf-8"?>
 <c:chartSpace xmlns:c="http://schemas.openxmlformats.org/drawingml/2006/chart" xmlns:a="http://schemas.openxmlformats.org/drawingml/2006/main" xmlns:r="http://schemas.openxmlformats.org/officeDocument/2006/relationships">
-  <c:date1904 val="0"/>
   <c:lang val="pt-PT"/>
-  <c:roundedCorners val="0"/>
-  <mc:AlternateContent xmlns:mc="http://schemas.openxmlformats.org/markup-compatibility/2006">
-    <mc:Choice xmlns:c14="http://schemas.microsoft.com/office/drawing/2007/8/2/chart" Requires="c14">
-      <c14:style val="102"/>
-    </mc:Choice>
-    <mc:Fallback>
-      <c:style val="2"/>
-    </mc:Fallback>
-  </mc:AlternateContent>
   <c:chart>
     <c:title>
       <c:tx>
@@ -1256,7 +1126,6 @@
         </c:rich>
       </c:tx>
       <c:layout/>
-      <c:overlay val="0"/>
       <c:spPr>
         <a:noFill/>
         <a:ln>
@@ -1264,34 +1133,12 @@
         </a:ln>
         <a:effectLst/>
       </c:spPr>
-      <c:txPr>
-        <a:bodyPr rot="0" spcFirstLastPara="1" vertOverflow="ellipsis" vert="horz" wrap="square" anchor="ctr" anchorCtr="1"/>
-        <a:lstStyle/>
-        <a:p>
-          <a:pPr>
-            <a:defRPr sz="2128" b="1" i="0" u="none" strike="noStrike" kern="1200" cap="all" spc="120" normalizeH="0" baseline="0">
-              <a:solidFill>
-                <a:schemeClr val="tx1">
-                  <a:lumMod val="65000"/>
-                  <a:lumOff val="35000"/>
-                </a:schemeClr>
-              </a:solidFill>
-              <a:latin typeface="+mn-lt"/>
-              <a:ea typeface="+mn-ea"/>
-              <a:cs typeface="+mn-cs"/>
-            </a:defRPr>
-          </a:pPr>
-          <a:endParaRPr lang="pt-PT"/>
-        </a:p>
-      </c:txPr>
     </c:title>
-    <c:autoTitleDeleted val="0"/>
     <c:plotArea>
       <c:layout/>
       <c:barChart>
         <c:barDir val="col"/>
         <c:grouping val="clustered"/>
-        <c:varyColors val="0"/>
         <c:ser>
           <c:idx val="0"/>
           <c:order val="0"/>
@@ -1304,7 +1151,6 @@
             </a:ln>
             <a:effectLst/>
           </c:spPr>
-          <c:invertIfNegative val="0"/>
           <c:dLbls>
             <c:spPr>
               <a:noFill/>
@@ -1336,13 +1182,7 @@
               </a:p>
             </c:txPr>
             <c:dLblPos val="outEnd"/>
-            <c:showLegendKey val="0"/>
             <c:showVal val="1"/>
-            <c:showCatName val="0"/>
-            <c:showSerName val="0"/>
-            <c:showPercent val="0"/>
-            <c:showBubbleSize val="0"/>
-            <c:showLeaderLines val="0"/>
             <c:extLst>
               <c:ext xmlns:c15="http://schemas.microsoft.com/office/drawing/2012/chart" uri="{CE6537A1-D6FC-4f65-9D91-7224C49458BB}">
                 <c15:layout/>
@@ -1390,7 +1230,7 @@
             <c:numRef>
               <c:f>'Team Log'!$G$2:$G$6</c:f>
               <c:numCache>
-                <c:formatCode>General</c:formatCode>
+                <c:formatCode>Estandar</c:formatCode>
                 <c:ptCount val="5"/>
                 <c:pt idx="0">
                   <c:v>262</c:v>
@@ -1412,24 +1252,18 @@
           </c:val>
         </c:ser>
         <c:dLbls>
-          <c:showLegendKey val="0"/>
           <c:showVal val="1"/>
-          <c:showCatName val="0"/>
-          <c:showSerName val="0"/>
-          <c:showPercent val="0"/>
-          <c:showBubbleSize val="0"/>
         </c:dLbls>
         <c:gapWidth val="444"/>
         <c:overlap val="-90"/>
-        <c:axId val="278897352"/>
-        <c:axId val="277252064"/>
+        <c:axId val="73750784"/>
+        <c:axId val="73756672"/>
       </c:barChart>
       <c:catAx>
-        <c:axId val="278897352"/>
+        <c:axId val="73750784"/>
         <c:scaling>
           <c:orientation val="minMax"/>
         </c:scaling>
-        <c:delete val="0"/>
         <c:axPos val="b"/>
         <c:majorGridlines>
           <c:spPr>
@@ -1445,9 +1279,8 @@
             <a:effectLst/>
           </c:spPr>
         </c:majorGridlines>
-        <c:numFmt formatCode="General" sourceLinked="1"/>
+        <c:numFmt formatCode="Estandar" sourceLinked="1"/>
         <c:majorTickMark val="none"/>
-        <c:minorTickMark val="none"/>
         <c:tickLblPos val="nextTo"/>
         <c:spPr>
           <a:noFill/>
@@ -1482,25 +1315,23 @@
             <a:endParaRPr lang="pt-PT"/>
           </a:p>
         </c:txPr>
-        <c:crossAx val="277252064"/>
+        <c:crossAx val="73756672"/>
         <c:crosses val="autoZero"/>
         <c:auto val="1"/>
         <c:lblAlgn val="ctr"/>
         <c:lblOffset val="100"/>
-        <c:noMultiLvlLbl val="0"/>
       </c:catAx>
       <c:valAx>
-        <c:axId val="277252064"/>
+        <c:axId val="73756672"/>
         <c:scaling>
           <c:orientation val="minMax"/>
         </c:scaling>
         <c:delete val="1"/>
         <c:axPos val="l"/>
-        <c:numFmt formatCode="General" sourceLinked="1"/>
+        <c:numFmt formatCode="Estandar" sourceLinked="1"/>
         <c:majorTickMark val="none"/>
-        <c:minorTickMark val="none"/>
         <c:tickLblPos val="none"/>
-        <c:crossAx val="278897352"/>
+        <c:crossAx val="73750784"/>
         <c:crosses val="autoZero"/>
         <c:crossBetween val="between"/>
       </c:valAx>
@@ -1514,7 +1345,6 @@
     </c:plotArea>
     <c:plotVisOnly val="1"/>
     <c:dispBlanksAs val="gap"/>
-    <c:showDLblsOverMax val="0"/>
   </c:chart>
   <c:spPr>
     <a:noFill/>
@@ -1533,25 +1363,13 @@
       <a:endParaRPr lang="pt-PT"/>
     </a:p>
   </c:txPr>
-  <c:externalData r:id="rId3">
-    <c:autoUpdate val="0"/>
-  </c:externalData>
+  <c:externalData r:id="rId1"/>
 </c:chartSpace>
 </file>
 
 <file path=ppt/charts/chart4.xml><?xml version="1.0" encoding="utf-8"?>
 <c:chartSpace xmlns:c="http://schemas.openxmlformats.org/drawingml/2006/chart" xmlns:a="http://schemas.openxmlformats.org/drawingml/2006/main" xmlns:r="http://schemas.openxmlformats.org/officeDocument/2006/relationships">
-  <c:date1904 val="0"/>
   <c:lang val="pt-PT"/>
-  <c:roundedCorners val="0"/>
-  <mc:AlternateContent xmlns:mc="http://schemas.openxmlformats.org/markup-compatibility/2006">
-    <mc:Choice xmlns:c14="http://schemas.microsoft.com/office/drawing/2007/8/2/chart" Requires="c14">
-      <c14:style val="102"/>
-    </mc:Choice>
-    <mc:Fallback>
-      <c:style val="2"/>
-    </mc:Fallback>
-  </mc:AlternateContent>
   <c:chart>
     <c:autoTitleDeleted val="1"/>
     <c:plotArea>
@@ -1559,7 +1377,6 @@
       <c:barChart>
         <c:barDir val="col"/>
         <c:grouping val="clustered"/>
-        <c:varyColors val="0"/>
         <c:ser>
           <c:idx val="0"/>
           <c:order val="0"/>
@@ -1583,11 +1400,8 @@
             </a:ln>
             <a:effectLst/>
           </c:spPr>
-          <c:invertIfNegative val="0"/>
           <c:dPt>
             <c:idx val="7"/>
-            <c:invertIfNegative val="0"/>
-            <c:bubble3D val="0"/>
             <c:spPr>
               <a:solidFill>
                 <a:schemeClr val="accent1">
@@ -1636,7 +1450,7 @@
             <c:numRef>
               <c:f>'Team Log'!$F$23:$F$30</c:f>
               <c:numCache>
-                <c:formatCode>General</c:formatCode>
+                <c:formatCode>Estandar</c:formatCode>
                 <c:ptCount val="8"/>
                 <c:pt idx="0">
                   <c:v>40.5</c:v>
@@ -1689,11 +1503,8 @@
             </a:ln>
             <a:effectLst/>
           </c:spPr>
-          <c:invertIfNegative val="0"/>
           <c:dPt>
             <c:idx val="7"/>
-            <c:invertIfNegative val="0"/>
-            <c:bubble3D val="0"/>
             <c:spPr>
               <a:solidFill>
                 <a:schemeClr val="bg2">
@@ -1742,7 +1553,7 @@
             <c:numRef>
               <c:f>'Team Log'!$G$23:$G$30</c:f>
               <c:numCache>
-                <c:formatCode>General</c:formatCode>
+                <c:formatCode>Estandar</c:formatCode>
                 <c:ptCount val="8"/>
                 <c:pt idx="0">
                   <c:v>45.5</c:v>
@@ -1795,7 +1606,6 @@
             </a:ln>
             <a:effectLst/>
           </c:spPr>
-          <c:invertIfNegative val="0"/>
           <c:cat>
             <c:strRef>
               <c:f>'Team Log'!$E$23:$E$30</c:f>
@@ -1832,7 +1642,7 @@
             <c:numRef>
               <c:f>'Team Log'!$H$23:$H$30</c:f>
               <c:numCache>
-                <c:formatCode>General</c:formatCode>
+                <c:formatCode>Estandar</c:formatCode>
                 <c:ptCount val="8"/>
                 <c:pt idx="0">
                   <c:v>3</c:v>
@@ -1847,29 +1657,20 @@
             </c:numRef>
           </c:val>
         </c:ser>
-        <c:dLbls>
-          <c:showLegendKey val="0"/>
-          <c:showVal val="0"/>
-          <c:showCatName val="0"/>
-          <c:showSerName val="0"/>
-          <c:showPercent val="0"/>
-          <c:showBubbleSize val="0"/>
-        </c:dLbls>
+        <c:dLbls/>
         <c:gapWidth val="219"/>
         <c:overlap val="-27"/>
-        <c:axId val="277249712"/>
-        <c:axId val="273186744"/>
+        <c:axId val="77359744"/>
+        <c:axId val="77369728"/>
       </c:barChart>
       <c:catAx>
-        <c:axId val="277249712"/>
+        <c:axId val="77359744"/>
         <c:scaling>
           <c:orientation val="minMax"/>
         </c:scaling>
-        <c:delete val="0"/>
         <c:axPos val="b"/>
-        <c:numFmt formatCode="General" sourceLinked="1"/>
+        <c:numFmt formatCode="Estandar" sourceLinked="1"/>
         <c:majorTickMark val="none"/>
-        <c:minorTickMark val="none"/>
         <c:tickLblPos val="nextTo"/>
         <c:spPr>
           <a:noFill/>
@@ -1904,19 +1705,17 @@
             <a:endParaRPr lang="pt-PT"/>
           </a:p>
         </c:txPr>
-        <c:crossAx val="273186744"/>
+        <c:crossAx val="77369728"/>
         <c:crosses val="autoZero"/>
         <c:auto val="1"/>
         <c:lblAlgn val="ctr"/>
         <c:lblOffset val="100"/>
-        <c:noMultiLvlLbl val="0"/>
       </c:catAx>
       <c:valAx>
-        <c:axId val="273186744"/>
+        <c:axId val="77369728"/>
         <c:scaling>
           <c:orientation val="minMax"/>
         </c:scaling>
-        <c:delete val="0"/>
         <c:axPos val="l"/>
         <c:majorGridlines>
           <c:spPr>
@@ -1932,9 +1731,8 @@
             <a:effectLst/>
           </c:spPr>
         </c:majorGridlines>
-        <c:numFmt formatCode="General" sourceLinked="1"/>
+        <c:numFmt formatCode="Estandar" sourceLinked="1"/>
         <c:majorTickMark val="none"/>
-        <c:minorTickMark val="none"/>
         <c:tickLblPos val="nextTo"/>
         <c:spPr>
           <a:noFill/>
@@ -1963,7 +1761,7 @@
             <a:endParaRPr lang="pt-PT"/>
           </a:p>
         </c:txPr>
-        <c:crossAx val="277249712"/>
+        <c:crossAx val="77359744"/>
         <c:crosses val="autoZero"/>
         <c:crossBetween val="between"/>
       </c:valAx>
@@ -1978,7 +1776,6 @@
     <c:legend>
       <c:legendPos val="b"/>
       <c:layout/>
-      <c:overlay val="0"/>
       <c:spPr>
         <a:noFill/>
         <a:ln>
@@ -2009,7 +1806,6 @@
     </c:legend>
     <c:plotVisOnly val="1"/>
     <c:dispBlanksAs val="gap"/>
-    <c:showDLblsOverMax val="0"/>
   </c:chart>
   <c:spPr>
     <a:noFill/>
@@ -2028,25 +1824,13 @@
       <a:endParaRPr lang="pt-PT"/>
     </a:p>
   </c:txPr>
-  <c:externalData r:id="rId1">
-    <c:autoUpdate val="0"/>
-  </c:externalData>
+  <c:externalData r:id="rId1"/>
 </c:chartSpace>
 </file>
 
 <file path=ppt/charts/chart5.xml><?xml version="1.0" encoding="utf-8"?>
 <c:chartSpace xmlns:c="http://schemas.openxmlformats.org/drawingml/2006/chart" xmlns:a="http://schemas.openxmlformats.org/drawingml/2006/main" xmlns:r="http://schemas.openxmlformats.org/officeDocument/2006/relationships">
-  <c:date1904 val="0"/>
   <c:lang val="pt-PT"/>
-  <c:roundedCorners val="0"/>
-  <mc:AlternateContent xmlns:mc="http://schemas.openxmlformats.org/markup-compatibility/2006">
-    <mc:Choice xmlns:c14="http://schemas.microsoft.com/office/drawing/2007/8/2/chart" Requires="c14">
-      <c14:style val="102"/>
-    </mc:Choice>
-    <mc:Fallback>
-      <c:style val="2"/>
-    </mc:Fallback>
-  </mc:AlternateContent>
   <c:chart>
     <c:autoTitleDeleted val="1"/>
     <c:plotArea>
@@ -2115,7 +1899,7 @@
             <c:numRef>
               <c:f>Folha1!$C$2:$C$8</c:f>
               <c:numCache>
-                <c:formatCode>General</c:formatCode>
+                <c:formatCode>Estandar</c:formatCode>
                 <c:ptCount val="7"/>
                 <c:pt idx="0">
                   <c:v>5.5</c:v>
@@ -2141,7 +1925,6 @@
               </c:numCache>
             </c:numRef>
           </c:val>
-          <c:smooth val="0"/>
         </c:ser>
         <c:ser>
           <c:idx val="2"/>
@@ -2206,7 +1989,7 @@
             <c:numRef>
               <c:f>Folha1!$D$2:$D$8</c:f>
               <c:numCache>
-                <c:formatCode>General</c:formatCode>
+                <c:formatCode>Estandar</c:formatCode>
                 <c:ptCount val="7"/>
                 <c:pt idx="0">
                   <c:v>8.5</c:v>
@@ -2232,7 +2015,6 @@
               </c:numCache>
             </c:numRef>
           </c:val>
-          <c:smooth val="0"/>
         </c:ser>
         <c:ser>
           <c:idx val="3"/>
@@ -2316,7 +2098,7 @@
             <c:numRef>
               <c:f>Folha1!$E$2:$E$8</c:f>
               <c:numCache>
-                <c:formatCode>General</c:formatCode>
+                <c:formatCode>Estandar</c:formatCode>
                 <c:ptCount val="7"/>
                 <c:pt idx="0">
                   <c:v>6.615384615384615</c:v>
@@ -2328,13 +2110,13 @@
                   <c:v>6.1538461538461542</c:v>
                 </c:pt>
                 <c:pt idx="3">
-                  <c:v>5.7307692307692317</c:v>
+                  <c:v>5.7307692307692326</c:v>
                 </c:pt>
                 <c:pt idx="4">
                   <c:v>5.8461538461538458</c:v>
                 </c:pt>
                 <c:pt idx="5">
-                  <c:v>6.4038461538461551</c:v>
+                  <c:v>6.403846153846156</c:v>
                 </c:pt>
                 <c:pt idx="6">
                   <c:v>6.0576923076923084</c:v>
@@ -2342,16 +2124,8 @@
               </c:numCache>
             </c:numRef>
           </c:val>
-          <c:smooth val="0"/>
         </c:ser>
-        <c:dLbls>
-          <c:showLegendKey val="0"/>
-          <c:showVal val="0"/>
-          <c:showCatName val="0"/>
-          <c:showSerName val="0"/>
-          <c:showPercent val="0"/>
-          <c:showBubbleSize val="0"/>
-        </c:dLbls>
+        <c:dLbls/>
         <c:hiLowLines>
           <c:spPr>
             <a:ln w="9525" cap="flat" cmpd="sng" algn="ctr">
@@ -2366,19 +2140,17 @@
             <a:effectLst/>
           </c:spPr>
         </c:hiLowLines>
-        <c:axId val="349742600"/>
-        <c:axId val="349741816"/>
+        <c:axId val="82594816"/>
+        <c:axId val="82621184"/>
       </c:stockChart>
       <c:catAx>
-        <c:axId val="349742600"/>
+        <c:axId val="82594816"/>
         <c:scaling>
           <c:orientation val="minMax"/>
         </c:scaling>
-        <c:delete val="0"/>
         <c:axPos val="b"/>
-        <c:numFmt formatCode="General" sourceLinked="1"/>
+        <c:numFmt formatCode="Estandar" sourceLinked="1"/>
         <c:majorTickMark val="none"/>
-        <c:minorTickMark val="none"/>
         <c:tickLblPos val="nextTo"/>
         <c:spPr>
           <a:noFill/>
@@ -2413,19 +2185,17 @@
             <a:endParaRPr lang="pt-PT"/>
           </a:p>
         </c:txPr>
-        <c:crossAx val="349741816"/>
+        <c:crossAx val="82621184"/>
         <c:crosses val="autoZero"/>
         <c:auto val="1"/>
         <c:lblAlgn val="ctr"/>
         <c:lblOffset val="100"/>
-        <c:noMultiLvlLbl val="0"/>
       </c:catAx>
       <c:valAx>
-        <c:axId val="349741816"/>
+        <c:axId val="82621184"/>
         <c:scaling>
           <c:orientation val="minMax"/>
         </c:scaling>
-        <c:delete val="0"/>
         <c:axPos val="l"/>
         <c:majorGridlines>
           <c:spPr>
@@ -2441,9 +2211,8 @@
             <a:effectLst/>
           </c:spPr>
         </c:majorGridlines>
-        <c:numFmt formatCode="General" sourceLinked="1"/>
+        <c:numFmt formatCode="Estandar" sourceLinked="1"/>
         <c:majorTickMark val="none"/>
-        <c:minorTickMark val="none"/>
         <c:tickLblPos val="nextTo"/>
         <c:spPr>
           <a:noFill/>
@@ -2472,7 +2241,7 @@
             <a:endParaRPr lang="pt-PT"/>
           </a:p>
         </c:txPr>
-        <c:crossAx val="349742600"/>
+        <c:crossAx val="82594816"/>
         <c:crosses val="autoZero"/>
         <c:crossBetween val="between"/>
         <c:majorUnit val="1"/>
@@ -2488,7 +2257,6 @@
     </c:plotArea>
     <c:plotVisOnly val="1"/>
     <c:dispBlanksAs val="gap"/>
-    <c:showDLblsOverMax val="0"/>
   </c:chart>
   <c:spPr>
     <a:noFill/>
@@ -2507,25 +2275,14 @@
       <a:endParaRPr lang="pt-PT"/>
     </a:p>
   </c:txPr>
-  <c:externalData r:id="rId1">
-    <c:autoUpdate val="0"/>
-  </c:externalData>
+  <c:externalData r:id="rId1"/>
 </c:chartSpace>
 </file>
 
 <file path=ppt/charts/chart6.xml><?xml version="1.0" encoding="utf-8"?>
 <c:chartSpace xmlns:c="http://schemas.openxmlformats.org/drawingml/2006/chart" xmlns:a="http://schemas.openxmlformats.org/drawingml/2006/main" xmlns:r="http://schemas.openxmlformats.org/officeDocument/2006/relationships">
-  <c:date1904 val="0"/>
   <c:lang val="pt-PT"/>
-  <c:roundedCorners val="0"/>
-  <mc:AlternateContent xmlns:mc="http://schemas.openxmlformats.org/markup-compatibility/2006">
-    <mc:Choice xmlns:c14="http://schemas.microsoft.com/office/drawing/2007/8/2/chart" Requires="c14">
-      <c14:style val="134"/>
-    </mc:Choice>
-    <mc:Fallback>
-      <c:style val="34"/>
-    </mc:Fallback>
-  </mc:AlternateContent>
+  <c:style val="34"/>
   <c:chart>
     <c:title>
       <c:tx>
@@ -2544,9 +2301,7 @@
         </c:rich>
       </c:tx>
       <c:layout/>
-      <c:overlay val="0"/>
     </c:title>
-    <c:autoTitleDeleted val="0"/>
     <c:plotArea>
       <c:layout>
         <c:manualLayout>
@@ -2556,7 +2311,7 @@
           <c:x val="1.837493717540626E-2"/>
           <c:y val="0.11685429321334835"/>
           <c:w val="0.9687301563126659"/>
-          <c:h val="0.74789651293588388"/>
+          <c:h val="0.74789651293588411"/>
         </c:manualLayout>
       </c:layout>
       <c:ofPieChart>
@@ -2585,12 +2340,7 @@
               <a:effectLst/>
             </c:spPr>
             <c:dLblPos val="bestFit"/>
-            <c:showLegendKey val="0"/>
-            <c:showVal val="0"/>
-            <c:showCatName val="0"/>
-            <c:showSerName val="0"/>
             <c:showPercent val="1"/>
-            <c:showBubbleSize val="0"/>
             <c:showLeaderLines val="1"/>
             <c:extLst>
               <c:ext xmlns:c15="http://schemas.microsoft.com/office/drawing/2012/chart" uri="{CE6537A1-D6FC-4f65-9D91-7224C49458BB}">
@@ -2622,7 +2372,7 @@
             <c:numRef>
               <c:f>Folha1!$B$2:$B$5</c:f>
               <c:numCache>
-                <c:formatCode>General</c:formatCode>
+                <c:formatCode>Estandar</c:formatCode>
                 <c:ptCount val="4"/>
                 <c:pt idx="0">
                   <c:v>46</c:v>
@@ -2641,13 +2391,7 @@
           </c:val>
         </c:ser>
         <c:dLbls>
-          <c:showLegendKey val="0"/>
-          <c:showVal val="0"/>
-          <c:showCatName val="0"/>
-          <c:showSerName val="0"/>
           <c:showPercent val="1"/>
-          <c:showBubbleSize val="0"/>
-          <c:showLeaderLines val="1"/>
         </c:dLbls>
         <c:gapWidth val="150"/>
         <c:secondPieSize val="75"/>
@@ -2660,21 +2404,17 @@
         <c:manualLayout>
           <c:xMode val="edge"/>
           <c:yMode val="edge"/>
-          <c:x val="0.1043707640993618"/>
+          <c:x val="0.10437076409936179"/>
           <c:y val="0.89422182227221614"/>
           <c:w val="0.84181970483863588"/>
           <c:h val="6.8887289088863907E-2"/>
         </c:manualLayout>
       </c:layout>
-      <c:overlay val="0"/>
     </c:legend>
     <c:plotVisOnly val="1"/>
     <c:dispBlanksAs val="zero"/>
-    <c:showDLblsOverMax val="0"/>
   </c:chart>
-  <c:externalData r:id="rId1">
-    <c:autoUpdate val="0"/>
-  </c:externalData>
+  <c:externalData r:id="rId1"/>
 </c:chartSpace>
 </file>
 
@@ -5587,21 +5327,21 @@
     </dgm:pt>
   </dgm:ptLst>
   <dgm:cxnLst>
+    <dgm:cxn modelId="{531B340F-8630-438B-9B38-8C2716FAD3B4}" type="presOf" srcId="{9059B768-CD7D-43D2-80D2-6FDF0EAA0156}" destId="{49B98997-A726-433D-94FF-467BFB2ADCAF}" srcOrd="0" destOrd="0" presId="urn:microsoft.com/office/officeart/2005/8/layout/hProcess11"/>
+    <dgm:cxn modelId="{48AC722D-ACE2-4875-8C63-0C6D0EFEC009}" srcId="{C306C341-D599-4B1B-99D5-C33838902528}" destId="{136AD6A2-B441-479A-860B-9C60598DF083}" srcOrd="5" destOrd="0" parTransId="{B3AAAF1D-C6F6-49CE-A21B-B1132F4E369E}" sibTransId="{B013FFB8-9869-4AB3-A2B5-FDAEE2CD0557}"/>
+    <dgm:cxn modelId="{2531456E-1B85-4C5E-8AF6-C60E58F43067}" srcId="{C306C341-D599-4B1B-99D5-C33838902528}" destId="{BB8E58C9-394E-4BB7-956B-15FD8F0F4DF6}" srcOrd="3" destOrd="0" parTransId="{A1E3FDCD-492B-4046-91FD-A19D4F38F245}" sibTransId="{1808AAF0-8272-4577-B8B5-78D78CC4E805}"/>
+    <dgm:cxn modelId="{B9E36F7A-BBBE-4C6F-BF41-35D339983B88}" type="presOf" srcId="{1A49080C-0DE7-47E8-922A-4D0B1B6C485A}" destId="{50085456-D334-4C9E-B8C2-A46683D1A093}" srcOrd="0" destOrd="0" presId="urn:microsoft.com/office/officeart/2005/8/layout/hProcess11"/>
+    <dgm:cxn modelId="{FB5D8D0E-9186-481B-B91B-876243A2F8C3}" srcId="{C306C341-D599-4B1B-99D5-C33838902528}" destId="{9059B768-CD7D-43D2-80D2-6FDF0EAA0156}" srcOrd="2" destOrd="0" parTransId="{1EDF92A5-B373-4C08-A41F-FC4842BC317C}" sibTransId="{7F219E18-92F5-4220-8440-CDF23E2C86DD}"/>
+    <dgm:cxn modelId="{02A0FDDF-750D-4E70-AEEE-212E089D8451}" srcId="{C306C341-D599-4B1B-99D5-C33838902528}" destId="{D7A1B3F6-9A96-443D-918B-6A83D726860E}" srcOrd="0" destOrd="0" parTransId="{E621CA8E-4955-42BA-A043-EA33F0C1521B}" sibTransId="{39AA8962-6813-4284-95C5-BF4AE6D9DB14}"/>
+    <dgm:cxn modelId="{767A3C01-869E-45E9-9525-49AE88355A73}" type="presOf" srcId="{2FDC2C24-CC4E-4D25-B09B-59FD6E82C3EE}" destId="{D9A28F98-9710-4524-B177-E78A77379D8B}" srcOrd="0" destOrd="0" presId="urn:microsoft.com/office/officeart/2005/8/layout/hProcess11"/>
+    <dgm:cxn modelId="{74AB5348-BE90-4678-A34C-0914E1E30C30}" type="presOf" srcId="{D7A1B3F6-9A96-443D-918B-6A83D726860E}" destId="{6810232A-C069-4BBA-BBD2-7BC82D197AC8}" srcOrd="0" destOrd="0" presId="urn:microsoft.com/office/officeart/2005/8/layout/hProcess11"/>
+    <dgm:cxn modelId="{5B4D9666-1585-4473-894E-27F0786F7A9C}" srcId="{C306C341-D599-4B1B-99D5-C33838902528}" destId="{1A49080C-0DE7-47E8-922A-4D0B1B6C485A}" srcOrd="4" destOrd="0" parTransId="{F7B8845B-EEB5-4952-882F-D415FAF8B60E}" sibTransId="{1A70AC7A-7F03-4D55-B5D0-E2003D1A4324}"/>
+    <dgm:cxn modelId="{8B924237-C27F-443D-B948-7413A94D4D27}" type="presOf" srcId="{136AD6A2-B441-479A-860B-9C60598DF083}" destId="{DF520769-FC51-4284-84DC-D345C7025315}" srcOrd="0" destOrd="0" presId="urn:microsoft.com/office/officeart/2005/8/layout/hProcess11"/>
+    <dgm:cxn modelId="{30F53C6F-EC07-427E-851F-3E97E605AFC9}" srcId="{C306C341-D599-4B1B-99D5-C33838902528}" destId="{454E9A41-EB5C-4D21-A500-1A0F7280DF0F}" srcOrd="6" destOrd="0" parTransId="{1E224352-DCA1-4654-B392-6D76C795B7BE}" sibTransId="{AA42D578-BCA4-460B-AE10-0875155B9415}"/>
+    <dgm:cxn modelId="{4EF651BC-29A7-4411-A2C1-5D5C76CDC2E0}" type="presOf" srcId="{454E9A41-EB5C-4D21-A500-1A0F7280DF0F}" destId="{03D8AACE-E855-4D1F-9736-1957EAD159E9}" srcOrd="0" destOrd="0" presId="urn:microsoft.com/office/officeart/2005/8/layout/hProcess11"/>
     <dgm:cxn modelId="{1FFE94F7-1A23-436C-BE75-E8E800979E17}" srcId="{C306C341-D599-4B1B-99D5-C33838902528}" destId="{2FDC2C24-CC4E-4D25-B09B-59FD6E82C3EE}" srcOrd="1" destOrd="0" parTransId="{E7F2584E-86F9-4ED7-9B8D-A99EC47827F9}" sibTransId="{81A6B66D-8321-4A73-A293-0D29707D523C}"/>
-    <dgm:cxn modelId="{74AB5348-BE90-4678-A34C-0914E1E30C30}" type="presOf" srcId="{D7A1B3F6-9A96-443D-918B-6A83D726860E}" destId="{6810232A-C069-4BBA-BBD2-7BC82D197AC8}" srcOrd="0" destOrd="0" presId="urn:microsoft.com/office/officeart/2005/8/layout/hProcess11"/>
-    <dgm:cxn modelId="{30F53C6F-EC07-427E-851F-3E97E605AFC9}" srcId="{C306C341-D599-4B1B-99D5-C33838902528}" destId="{454E9A41-EB5C-4D21-A500-1A0F7280DF0F}" srcOrd="6" destOrd="0" parTransId="{1E224352-DCA1-4654-B392-6D76C795B7BE}" sibTransId="{AA42D578-BCA4-460B-AE10-0875155B9415}"/>
-    <dgm:cxn modelId="{8B924237-C27F-443D-B948-7413A94D4D27}" type="presOf" srcId="{136AD6A2-B441-479A-860B-9C60598DF083}" destId="{DF520769-FC51-4284-84DC-D345C7025315}" srcOrd="0" destOrd="0" presId="urn:microsoft.com/office/officeart/2005/8/layout/hProcess11"/>
     <dgm:cxn modelId="{A8E9508F-E201-4F3A-B45C-83967300D4A6}" type="presOf" srcId="{BB8E58C9-394E-4BB7-956B-15FD8F0F4DF6}" destId="{F622832A-050B-4EB9-99E6-8F1AAFA7A166}" srcOrd="0" destOrd="0" presId="urn:microsoft.com/office/officeart/2005/8/layout/hProcess11"/>
-    <dgm:cxn modelId="{FB5D8D0E-9186-481B-B91B-876243A2F8C3}" srcId="{C306C341-D599-4B1B-99D5-C33838902528}" destId="{9059B768-CD7D-43D2-80D2-6FDF0EAA0156}" srcOrd="2" destOrd="0" parTransId="{1EDF92A5-B373-4C08-A41F-FC4842BC317C}" sibTransId="{7F219E18-92F5-4220-8440-CDF23E2C86DD}"/>
     <dgm:cxn modelId="{7DB08E90-EBF1-4B81-81C1-240E3FCE3996}" type="presOf" srcId="{C306C341-D599-4B1B-99D5-C33838902528}" destId="{6BAF5AC4-12C4-475D-890B-181061458B36}" srcOrd="0" destOrd="0" presId="urn:microsoft.com/office/officeart/2005/8/layout/hProcess11"/>
-    <dgm:cxn modelId="{2531456E-1B85-4C5E-8AF6-C60E58F43067}" srcId="{C306C341-D599-4B1B-99D5-C33838902528}" destId="{BB8E58C9-394E-4BB7-956B-15FD8F0F4DF6}" srcOrd="3" destOrd="0" parTransId="{A1E3FDCD-492B-4046-91FD-A19D4F38F245}" sibTransId="{1808AAF0-8272-4577-B8B5-78D78CC4E805}"/>
-    <dgm:cxn modelId="{531B340F-8630-438B-9B38-8C2716FAD3B4}" type="presOf" srcId="{9059B768-CD7D-43D2-80D2-6FDF0EAA0156}" destId="{49B98997-A726-433D-94FF-467BFB2ADCAF}" srcOrd="0" destOrd="0" presId="urn:microsoft.com/office/officeart/2005/8/layout/hProcess11"/>
-    <dgm:cxn modelId="{B9E36F7A-BBBE-4C6F-BF41-35D339983B88}" type="presOf" srcId="{1A49080C-0DE7-47E8-922A-4D0B1B6C485A}" destId="{50085456-D334-4C9E-B8C2-A46683D1A093}" srcOrd="0" destOrd="0" presId="urn:microsoft.com/office/officeart/2005/8/layout/hProcess11"/>
-    <dgm:cxn modelId="{48AC722D-ACE2-4875-8C63-0C6D0EFEC009}" srcId="{C306C341-D599-4B1B-99D5-C33838902528}" destId="{136AD6A2-B441-479A-860B-9C60598DF083}" srcOrd="5" destOrd="0" parTransId="{B3AAAF1D-C6F6-49CE-A21B-B1132F4E369E}" sibTransId="{B013FFB8-9869-4AB3-A2B5-FDAEE2CD0557}"/>
-    <dgm:cxn modelId="{02A0FDDF-750D-4E70-AEEE-212E089D8451}" srcId="{C306C341-D599-4B1B-99D5-C33838902528}" destId="{D7A1B3F6-9A96-443D-918B-6A83D726860E}" srcOrd="0" destOrd="0" parTransId="{E621CA8E-4955-42BA-A043-EA33F0C1521B}" sibTransId="{39AA8962-6813-4284-95C5-BF4AE6D9DB14}"/>
-    <dgm:cxn modelId="{4EF651BC-29A7-4411-A2C1-5D5C76CDC2E0}" type="presOf" srcId="{454E9A41-EB5C-4D21-A500-1A0F7280DF0F}" destId="{03D8AACE-E855-4D1F-9736-1957EAD159E9}" srcOrd="0" destOrd="0" presId="urn:microsoft.com/office/officeart/2005/8/layout/hProcess11"/>
-    <dgm:cxn modelId="{5B4D9666-1585-4473-894E-27F0786F7A9C}" srcId="{C306C341-D599-4B1B-99D5-C33838902528}" destId="{1A49080C-0DE7-47E8-922A-4D0B1B6C485A}" srcOrd="4" destOrd="0" parTransId="{F7B8845B-EEB5-4952-882F-D415FAF8B60E}" sibTransId="{1A70AC7A-7F03-4D55-B5D0-E2003D1A4324}"/>
-    <dgm:cxn modelId="{767A3C01-869E-45E9-9525-49AE88355A73}" type="presOf" srcId="{2FDC2C24-CC4E-4D25-B09B-59FD6E82C3EE}" destId="{D9A28F98-9710-4524-B177-E78A77379D8B}" srcOrd="0" destOrd="0" presId="urn:microsoft.com/office/officeart/2005/8/layout/hProcess11"/>
     <dgm:cxn modelId="{B10D7C1E-A564-43B7-8CF6-53A3B45427EA}" type="presParOf" srcId="{6BAF5AC4-12C4-475D-890B-181061458B36}" destId="{60799F41-7989-4AA1-B9E8-4EF51F0FF333}" srcOrd="0" destOrd="0" presId="urn:microsoft.com/office/officeart/2005/8/layout/hProcess11"/>
     <dgm:cxn modelId="{3D4CF2F4-D5DA-4E6E-B60C-17291E4CBF35}" type="presParOf" srcId="{6BAF5AC4-12C4-475D-890B-181061458B36}" destId="{5CCD0D81-360B-4CC0-98C6-6C8129CE7187}" srcOrd="1" destOrd="0" presId="urn:microsoft.com/office/officeart/2005/8/layout/hProcess11"/>
     <dgm:cxn modelId="{CB43A1D7-7FEB-4CF0-8076-B30824FA5BA7}" type="presParOf" srcId="{5CCD0D81-360B-4CC0-98C6-6C8129CE7187}" destId="{1683355D-447B-4404-8E2E-EE43BAA2B137}" srcOrd="0" destOrd="0" presId="urn:microsoft.com/office/officeart/2005/8/layout/hProcess11"/>
@@ -5643,14 +5383,14 @@
   <dgm:whole/>
   <dgm:extLst>
     <a:ext uri="http://schemas.microsoft.com/office/drawing/2008/diagram">
-      <dsp:dataModelExt xmlns:dsp="http://schemas.microsoft.com/office/drawing/2008/diagram" relId="rId6" minVer="http://schemas.openxmlformats.org/drawingml/2006/diagram"/>
+      <dsp:dataModelExt xmlns:dsp="http://schemas.microsoft.com/office/drawing/2008/diagram" xmlns="" relId="rId6" minVer="http://schemas.openxmlformats.org/drawingml/2006/diagram"/>
     </a:ext>
   </dgm:extLst>
 </dgm:dataModel>
 </file>
 
 <file path=ppt/diagrams/drawing1.xml><?xml version="1.0" encoding="utf-8"?>
-<dsp:drawing xmlns:dgm="http://schemas.openxmlformats.org/drawingml/2006/diagram" xmlns:dsp="http://schemas.microsoft.com/office/drawing/2008/diagram" xmlns:a="http://schemas.openxmlformats.org/drawingml/2006/main">
+<dsp:drawing xmlns:dgm="http://schemas.openxmlformats.org/drawingml/2006/diagram" xmlns:a="http://schemas.openxmlformats.org/drawingml/2006/main" xmlns:dsp="http://schemas.microsoft.com/office/drawing/2008/diagram">
   <dsp:spTree>
     <dsp:nvGrpSpPr>
       <dsp:cNvPr id="0" name=""/>
@@ -7825,7 +7565,7 @@
             <a:fld id="{82948236-07A4-447C-AC43-06AAF24DC65B}" type="datetimeFigureOut">
               <a:rPr lang="pt-PT" smtClean="0"/>
               <a:pPr/>
-              <a:t>02/07/2013</a:t>
+              <a:t>02-07-2013</a:t>
             </a:fld>
             <a:endParaRPr lang="pt-PT"/>
           </a:p>
@@ -7994,7 +7734,7 @@
     </p:spTree>
     <p:extLst>
       <p:ext uri="{BB962C8B-B14F-4D97-AF65-F5344CB8AC3E}">
-        <p14:creationId xmlns:p14="http://schemas.microsoft.com/office/powerpoint/2010/main" val="2332033991"/>
+        <p14:creationId xmlns:p14="http://schemas.microsoft.com/office/powerpoint/2010/main" xmlns="" val="2332033991"/>
       </p:ext>
     </p:extLst>
   </p:cSld>
@@ -8469,7 +8209,7 @@
     </p:spTree>
     <p:extLst>
       <p:ext uri="{BB962C8B-B14F-4D97-AF65-F5344CB8AC3E}">
-        <p14:creationId xmlns:p14="http://schemas.microsoft.com/office/powerpoint/2010/main" val="2905257727"/>
+        <p14:creationId xmlns:p14="http://schemas.microsoft.com/office/powerpoint/2010/main" xmlns="" val="2905257727"/>
       </p:ext>
     </p:extLst>
   </p:cSld>
@@ -8689,7 +8429,7 @@
     </p:spTree>
     <p:extLst>
       <p:ext uri="{BB962C8B-B14F-4D97-AF65-F5344CB8AC3E}">
-        <p14:creationId xmlns:p14="http://schemas.microsoft.com/office/powerpoint/2010/main" val="4251687254"/>
+        <p14:creationId xmlns:p14="http://schemas.microsoft.com/office/powerpoint/2010/main" xmlns="" val="4251687254"/>
       </p:ext>
     </p:extLst>
   </p:cSld>
@@ -8774,7 +8514,7 @@
     </p:spTree>
     <p:extLst>
       <p:ext uri="{BB962C8B-B14F-4D97-AF65-F5344CB8AC3E}">
-        <p14:creationId xmlns:p14="http://schemas.microsoft.com/office/powerpoint/2010/main" val="2118353209"/>
+        <p14:creationId xmlns:p14="http://schemas.microsoft.com/office/powerpoint/2010/main" xmlns="" val="2118353209"/>
       </p:ext>
     </p:extLst>
   </p:cSld>
@@ -8859,7 +8599,7 @@
     </p:spTree>
     <p:extLst>
       <p:ext uri="{BB962C8B-B14F-4D97-AF65-F5344CB8AC3E}">
-        <p14:creationId xmlns:p14="http://schemas.microsoft.com/office/powerpoint/2010/main" val="1216955315"/>
+        <p14:creationId xmlns:p14="http://schemas.microsoft.com/office/powerpoint/2010/main" xmlns="" val="1216955315"/>
       </p:ext>
     </p:extLst>
   </p:cSld>
@@ -9019,7 +8759,7 @@
     </p:spTree>
     <p:extLst>
       <p:ext uri="{BB962C8B-B14F-4D97-AF65-F5344CB8AC3E}">
-        <p14:creationId xmlns:p14="http://schemas.microsoft.com/office/powerpoint/2010/main" val="4072347644"/>
+        <p14:creationId xmlns:p14="http://schemas.microsoft.com/office/powerpoint/2010/main" xmlns="" val="4072347644"/>
       </p:ext>
     </p:extLst>
   </p:cSld>
@@ -9104,7 +8844,7 @@
     </p:spTree>
     <p:extLst>
       <p:ext uri="{BB962C8B-B14F-4D97-AF65-F5344CB8AC3E}">
-        <p14:creationId xmlns:p14="http://schemas.microsoft.com/office/powerpoint/2010/main" val="2598853279"/>
+        <p14:creationId xmlns:p14="http://schemas.microsoft.com/office/powerpoint/2010/main" xmlns="" val="2598853279"/>
       </p:ext>
     </p:extLst>
   </p:cSld>
@@ -9189,7 +8929,7 @@
     </p:spTree>
     <p:extLst>
       <p:ext uri="{BB962C8B-B14F-4D97-AF65-F5344CB8AC3E}">
-        <p14:creationId xmlns:p14="http://schemas.microsoft.com/office/powerpoint/2010/main" val="3001826006"/>
+        <p14:creationId xmlns:p14="http://schemas.microsoft.com/office/powerpoint/2010/main" xmlns="" val="3001826006"/>
       </p:ext>
     </p:extLst>
   </p:cSld>
@@ -9274,7 +9014,7 @@
     </p:spTree>
     <p:extLst>
       <p:ext uri="{BB962C8B-B14F-4D97-AF65-F5344CB8AC3E}">
-        <p14:creationId xmlns:p14="http://schemas.microsoft.com/office/powerpoint/2010/main" val="3337223467"/>
+        <p14:creationId xmlns:p14="http://schemas.microsoft.com/office/powerpoint/2010/main" xmlns="" val="3337223467"/>
       </p:ext>
     </p:extLst>
   </p:cSld>
@@ -9359,7 +9099,7 @@
     </p:spTree>
     <p:extLst>
       <p:ext uri="{BB962C8B-B14F-4D97-AF65-F5344CB8AC3E}">
-        <p14:creationId xmlns:p14="http://schemas.microsoft.com/office/powerpoint/2010/main" val="2724149497"/>
+        <p14:creationId xmlns:p14="http://schemas.microsoft.com/office/powerpoint/2010/main" xmlns="" val="2724149497"/>
       </p:ext>
     </p:extLst>
   </p:cSld>
@@ -9480,7 +9220,7 @@
     </p:spTree>
     <p:extLst>
       <p:ext uri="{BB962C8B-B14F-4D97-AF65-F5344CB8AC3E}">
-        <p14:creationId xmlns:p14="http://schemas.microsoft.com/office/powerpoint/2010/main" val="572649040"/>
+        <p14:creationId xmlns:p14="http://schemas.microsoft.com/office/powerpoint/2010/main" xmlns="" val="572649040"/>
       </p:ext>
     </p:extLst>
   </p:cSld>
@@ -9654,7 +9394,7 @@
     </p:spTree>
     <p:extLst>
       <p:ext uri="{BB962C8B-B14F-4D97-AF65-F5344CB8AC3E}">
-        <p14:creationId xmlns:p14="http://schemas.microsoft.com/office/powerpoint/2010/main" val="474988129"/>
+        <p14:creationId xmlns:p14="http://schemas.microsoft.com/office/powerpoint/2010/main" xmlns="" val="474988129"/>
       </p:ext>
     </p:extLst>
   </p:cSld>
@@ -9774,7 +9514,7 @@
     </p:spTree>
     <p:extLst>
       <p:ext uri="{BB962C8B-B14F-4D97-AF65-F5344CB8AC3E}">
-        <p14:creationId xmlns:p14="http://schemas.microsoft.com/office/powerpoint/2010/main" val="3919745491"/>
+        <p14:creationId xmlns:p14="http://schemas.microsoft.com/office/powerpoint/2010/main" xmlns="" val="3919745491"/>
       </p:ext>
     </p:extLst>
   </p:cSld>
@@ -10017,7 +9757,7 @@
     </p:spTree>
     <p:extLst>
       <p:ext uri="{BB962C8B-B14F-4D97-AF65-F5344CB8AC3E}">
-        <p14:creationId xmlns:p14="http://schemas.microsoft.com/office/powerpoint/2010/main" val="2006419056"/>
+        <p14:creationId xmlns:p14="http://schemas.microsoft.com/office/powerpoint/2010/main" xmlns="" val="2006419056"/>
       </p:ext>
     </p:extLst>
   </p:cSld>
@@ -10106,7 +9846,7 @@
     </p:spTree>
     <p:extLst>
       <p:ext uri="{BB962C8B-B14F-4D97-AF65-F5344CB8AC3E}">
-        <p14:creationId xmlns:p14="http://schemas.microsoft.com/office/powerpoint/2010/main" val="1979049812"/>
+        <p14:creationId xmlns:p14="http://schemas.microsoft.com/office/powerpoint/2010/main" xmlns="" val="1979049812"/>
       </p:ext>
     </p:extLst>
   </p:cSld>
@@ -10217,7 +9957,7 @@
     </p:spTree>
     <p:extLst>
       <p:ext uri="{BB962C8B-B14F-4D97-AF65-F5344CB8AC3E}">
-        <p14:creationId xmlns:p14="http://schemas.microsoft.com/office/powerpoint/2010/main" val="736461960"/>
+        <p14:creationId xmlns:p14="http://schemas.microsoft.com/office/powerpoint/2010/main" xmlns="" val="736461960"/>
       </p:ext>
     </p:extLst>
   </p:cSld>
@@ -10306,7 +10046,7 @@
     </p:spTree>
     <p:extLst>
       <p:ext uri="{BB962C8B-B14F-4D97-AF65-F5344CB8AC3E}">
-        <p14:creationId xmlns:p14="http://schemas.microsoft.com/office/powerpoint/2010/main" val="184239105"/>
+        <p14:creationId xmlns:p14="http://schemas.microsoft.com/office/powerpoint/2010/main" xmlns="" val="184239105"/>
       </p:ext>
     </p:extLst>
   </p:cSld>
@@ -10345,7 +10085,7 @@
           <a:blip r:embed="rId2" cstate="print">
             <a:extLst>
               <a:ext uri="{28A0092B-C50C-407E-A947-70E740481C1C}">
-                <a14:useLocalDpi xmlns:a14="http://schemas.microsoft.com/office/drawing/2010/main" val="0"/>
+                <a14:useLocalDpi xmlns:a14="http://schemas.microsoft.com/office/drawing/2010/main" xmlns="" val="0"/>
               </a:ext>
             </a:extLst>
           </a:blip>
@@ -10541,7 +10281,7 @@
             <a:fld id="{F71B3DB1-8543-40E0-A2D1-830196AD91DE}" type="datetimeFigureOut">
               <a:rPr lang="pt-PT" smtClean="0"/>
               <a:pPr/>
-              <a:t>02/07/2013</a:t>
+              <a:t>02-07-2013</a:t>
             </a:fld>
             <a:endParaRPr lang="pt-PT" dirty="0"/>
           </a:p>
@@ -10641,7 +10381,7 @@
     </p:spTree>
     <p:extLst>
       <p:ext uri="{BB962C8B-B14F-4D97-AF65-F5344CB8AC3E}">
-        <p14:creationId xmlns:p14="http://schemas.microsoft.com/office/powerpoint/2010/main" val="4283900998"/>
+        <p14:creationId xmlns:p14="http://schemas.microsoft.com/office/powerpoint/2010/main" xmlns="" val="4283900998"/>
       </p:ext>
     </p:extLst>
   </p:cSld>
@@ -10875,7 +10615,7 @@
             <a:fld id="{F71B3DB1-8543-40E0-A2D1-830196AD91DE}" type="datetimeFigureOut">
               <a:rPr lang="pt-PT" smtClean="0"/>
               <a:pPr/>
-              <a:t>02/07/2013</a:t>
+              <a:t>02-07-2013</a:t>
             </a:fld>
             <a:endParaRPr lang="pt-PT" dirty="0"/>
           </a:p>
@@ -10927,7 +10667,7 @@
     </p:spTree>
     <p:extLst>
       <p:ext uri="{BB962C8B-B14F-4D97-AF65-F5344CB8AC3E}">
-        <p14:creationId xmlns:p14="http://schemas.microsoft.com/office/powerpoint/2010/main" val="3834483316"/>
+        <p14:creationId xmlns:p14="http://schemas.microsoft.com/office/powerpoint/2010/main" xmlns="" val="3834483316"/>
       </p:ext>
     </p:extLst>
   </p:cSld>
@@ -11125,7 +10865,7 @@
             <a:fld id="{F71B3DB1-8543-40E0-A2D1-830196AD91DE}" type="datetimeFigureOut">
               <a:rPr lang="pt-PT" smtClean="0"/>
               <a:pPr/>
-              <a:t>02/07/2013</a:t>
+              <a:t>02-07-2013</a:t>
             </a:fld>
             <a:endParaRPr lang="pt-PT" dirty="0"/>
           </a:p>
@@ -11215,7 +10955,7 @@
     </p:spTree>
     <p:extLst>
       <p:ext uri="{BB962C8B-B14F-4D97-AF65-F5344CB8AC3E}">
-        <p14:creationId xmlns:p14="http://schemas.microsoft.com/office/powerpoint/2010/main" val="3278742630"/>
+        <p14:creationId xmlns:p14="http://schemas.microsoft.com/office/powerpoint/2010/main" xmlns="" val="3278742630"/>
       </p:ext>
     </p:extLst>
   </p:cSld>
@@ -11473,7 +11213,7 @@
             <a:fld id="{F71B3DB1-8543-40E0-A2D1-830196AD91DE}" type="datetimeFigureOut">
               <a:rPr lang="pt-PT" smtClean="0"/>
               <a:pPr/>
-              <a:t>02/07/2013</a:t>
+              <a:t>02-07-2013</a:t>
             </a:fld>
             <a:endParaRPr lang="pt-PT" dirty="0"/>
           </a:p>
@@ -11631,7 +11371,7 @@
     </p:spTree>
     <p:extLst>
       <p:ext uri="{BB962C8B-B14F-4D97-AF65-F5344CB8AC3E}">
-        <p14:creationId xmlns:p14="http://schemas.microsoft.com/office/powerpoint/2010/main" val="1960482330"/>
+        <p14:creationId xmlns:p14="http://schemas.microsoft.com/office/powerpoint/2010/main" xmlns="" val="1960482330"/>
       </p:ext>
     </p:extLst>
   </p:cSld>
@@ -11829,7 +11569,7 @@
             <a:fld id="{F71B3DB1-8543-40E0-A2D1-830196AD91DE}" type="datetimeFigureOut">
               <a:rPr lang="pt-PT" smtClean="0"/>
               <a:pPr/>
-              <a:t>02/07/2013</a:t>
+              <a:t>02-07-2013</a:t>
             </a:fld>
             <a:endParaRPr lang="pt-PT" dirty="0"/>
           </a:p>
@@ -11881,7 +11621,7 @@
     </p:spTree>
     <p:extLst>
       <p:ext uri="{BB962C8B-B14F-4D97-AF65-F5344CB8AC3E}">
-        <p14:creationId xmlns:p14="http://schemas.microsoft.com/office/powerpoint/2010/main" val="1169910341"/>
+        <p14:creationId xmlns:p14="http://schemas.microsoft.com/office/powerpoint/2010/main" xmlns="" val="1169910341"/>
       </p:ext>
     </p:extLst>
   </p:cSld>
@@ -12205,7 +11945,7 @@
             <a:fld id="{F71B3DB1-8543-40E0-A2D1-830196AD91DE}" type="datetimeFigureOut">
               <a:rPr lang="pt-PT" smtClean="0"/>
               <a:pPr/>
-              <a:t>02/07/2013</a:t>
+              <a:t>02-07-2013</a:t>
             </a:fld>
             <a:endParaRPr lang="pt-PT" dirty="0"/>
           </a:p>
@@ -12363,7 +12103,7 @@
     </p:spTree>
     <p:extLst>
       <p:ext uri="{BB962C8B-B14F-4D97-AF65-F5344CB8AC3E}">
-        <p14:creationId xmlns:p14="http://schemas.microsoft.com/office/powerpoint/2010/main" val="2244926200"/>
+        <p14:creationId xmlns:p14="http://schemas.microsoft.com/office/powerpoint/2010/main" xmlns="" val="2244926200"/>
       </p:ext>
     </p:extLst>
   </p:cSld>
@@ -12684,7 +12424,7 @@
             <a:fld id="{F71B3DB1-8543-40E0-A2D1-830196AD91DE}" type="datetimeFigureOut">
               <a:rPr lang="pt-PT" smtClean="0"/>
               <a:pPr/>
-              <a:t>02/07/2013</a:t>
+              <a:t>02-07-2013</a:t>
             </a:fld>
             <a:endParaRPr lang="pt-PT" dirty="0"/>
           </a:p>
@@ -12774,7 +12514,7 @@
     </p:spTree>
     <p:extLst>
       <p:ext uri="{BB962C8B-B14F-4D97-AF65-F5344CB8AC3E}">
-        <p14:creationId xmlns:p14="http://schemas.microsoft.com/office/powerpoint/2010/main" val="3141152998"/>
+        <p14:creationId xmlns:p14="http://schemas.microsoft.com/office/powerpoint/2010/main" xmlns="" val="3141152998"/>
       </p:ext>
     </p:extLst>
   </p:cSld>
@@ -12898,7 +12638,7 @@
             <a:fld id="{F71B3DB1-8543-40E0-A2D1-830196AD91DE}" type="datetimeFigureOut">
               <a:rPr lang="pt-PT" smtClean="0"/>
               <a:pPr/>
-              <a:t>02/07/2013</a:t>
+              <a:t>02-07-2013</a:t>
             </a:fld>
             <a:endParaRPr lang="pt-PT" dirty="0"/>
           </a:p>
@@ -12988,7 +12728,7 @@
     </p:spTree>
     <p:extLst>
       <p:ext uri="{BB962C8B-B14F-4D97-AF65-F5344CB8AC3E}">
-        <p14:creationId xmlns:p14="http://schemas.microsoft.com/office/powerpoint/2010/main" val="4127282010"/>
+        <p14:creationId xmlns:p14="http://schemas.microsoft.com/office/powerpoint/2010/main" xmlns="" val="4127282010"/>
       </p:ext>
     </p:extLst>
   </p:cSld>
@@ -13118,7 +12858,7 @@
             <a:fld id="{F71B3DB1-8543-40E0-A2D1-830196AD91DE}" type="datetimeFigureOut">
               <a:rPr lang="pt-PT" smtClean="0"/>
               <a:pPr/>
-              <a:t>02/07/2013</a:t>
+              <a:t>02-07-2013</a:t>
             </a:fld>
             <a:endParaRPr lang="pt-PT" dirty="0"/>
           </a:p>
@@ -13208,7 +12948,7 @@
     </p:spTree>
     <p:extLst>
       <p:ext uri="{BB962C8B-B14F-4D97-AF65-F5344CB8AC3E}">
-        <p14:creationId xmlns:p14="http://schemas.microsoft.com/office/powerpoint/2010/main" val="1016382411"/>
+        <p14:creationId xmlns:p14="http://schemas.microsoft.com/office/powerpoint/2010/main" xmlns="" val="1016382411"/>
       </p:ext>
     </p:extLst>
   </p:cSld>
@@ -13366,7 +13106,7 @@
             <a:fld id="{F71B3DB1-8543-40E0-A2D1-830196AD91DE}" type="datetimeFigureOut">
               <a:rPr lang="pt-PT" smtClean="0"/>
               <a:pPr/>
-              <a:t>02/07/2013</a:t>
+              <a:t>02-07-2013</a:t>
             </a:fld>
             <a:endParaRPr lang="pt-PT" dirty="0"/>
           </a:p>
@@ -13418,7 +13158,7 @@
     </p:spTree>
     <p:extLst>
       <p:ext uri="{BB962C8B-B14F-4D97-AF65-F5344CB8AC3E}">
-        <p14:creationId xmlns:p14="http://schemas.microsoft.com/office/powerpoint/2010/main" val="548973029"/>
+        <p14:creationId xmlns:p14="http://schemas.microsoft.com/office/powerpoint/2010/main" xmlns="" val="548973029"/>
       </p:ext>
     </p:extLst>
   </p:cSld>
@@ -13616,7 +13356,7 @@
             <a:fld id="{F71B3DB1-8543-40E0-A2D1-830196AD91DE}" type="datetimeFigureOut">
               <a:rPr lang="pt-PT" smtClean="0"/>
               <a:pPr/>
-              <a:t>02/07/2013</a:t>
+              <a:t>02-07-2013</a:t>
             </a:fld>
             <a:endParaRPr lang="pt-PT" dirty="0"/>
           </a:p>
@@ -13706,7 +13446,7 @@
     </p:spTree>
     <p:extLst>
       <p:ext uri="{BB962C8B-B14F-4D97-AF65-F5344CB8AC3E}">
-        <p14:creationId xmlns:p14="http://schemas.microsoft.com/office/powerpoint/2010/main" val="963473943"/>
+        <p14:creationId xmlns:p14="http://schemas.microsoft.com/office/powerpoint/2010/main" xmlns="" val="963473943"/>
       </p:ext>
     </p:extLst>
   </p:cSld>
@@ -13930,7 +13670,7 @@
             <a:fld id="{F71B3DB1-8543-40E0-A2D1-830196AD91DE}" type="datetimeFigureOut">
               <a:rPr lang="pt-PT" smtClean="0"/>
               <a:pPr/>
-              <a:t>02/07/2013</a:t>
+              <a:t>02-07-2013</a:t>
             </a:fld>
             <a:endParaRPr lang="pt-PT" dirty="0"/>
           </a:p>
@@ -13982,7 +13722,7 @@
     </p:spTree>
     <p:extLst>
       <p:ext uri="{BB962C8B-B14F-4D97-AF65-F5344CB8AC3E}">
-        <p14:creationId xmlns:p14="http://schemas.microsoft.com/office/powerpoint/2010/main" val="2490349985"/>
+        <p14:creationId xmlns:p14="http://schemas.microsoft.com/office/powerpoint/2010/main" xmlns="" val="2490349985"/>
       </p:ext>
     </p:extLst>
   </p:cSld>
@@ -14314,7 +14054,7 @@
             <a:fld id="{F71B3DB1-8543-40E0-A2D1-830196AD91DE}" type="datetimeFigureOut">
               <a:rPr lang="pt-PT" smtClean="0"/>
               <a:pPr/>
-              <a:t>02/07/2013</a:t>
+              <a:t>02-07-2013</a:t>
             </a:fld>
             <a:endParaRPr lang="pt-PT" dirty="0"/>
           </a:p>
@@ -14404,7 +14144,7 @@
     </p:spTree>
     <p:extLst>
       <p:ext uri="{BB962C8B-B14F-4D97-AF65-F5344CB8AC3E}">
-        <p14:creationId xmlns:p14="http://schemas.microsoft.com/office/powerpoint/2010/main" val="1183446009"/>
+        <p14:creationId xmlns:p14="http://schemas.microsoft.com/office/powerpoint/2010/main" xmlns="" val="1183446009"/>
       </p:ext>
     </p:extLst>
   </p:cSld>
@@ -14472,7 +14212,7 @@
             <a:fld id="{F71B3DB1-8543-40E0-A2D1-830196AD91DE}" type="datetimeFigureOut">
               <a:rPr lang="pt-PT" smtClean="0"/>
               <a:pPr/>
-              <a:t>02/07/2013</a:t>
+              <a:t>02-07-2013</a:t>
             </a:fld>
             <a:endParaRPr lang="pt-PT" dirty="0"/>
           </a:p>
@@ -14562,7 +14302,7 @@
     </p:spTree>
     <p:extLst>
       <p:ext uri="{BB962C8B-B14F-4D97-AF65-F5344CB8AC3E}">
-        <p14:creationId xmlns:p14="http://schemas.microsoft.com/office/powerpoint/2010/main" val="1349716058"/>
+        <p14:creationId xmlns:p14="http://schemas.microsoft.com/office/powerpoint/2010/main" xmlns="" val="1349716058"/>
       </p:ext>
     </p:extLst>
   </p:cSld>
@@ -14607,7 +14347,7 @@
             <a:fld id="{F71B3DB1-8543-40E0-A2D1-830196AD91DE}" type="datetimeFigureOut">
               <a:rPr lang="pt-PT" smtClean="0"/>
               <a:pPr/>
-              <a:t>02/07/2013</a:t>
+              <a:t>02-07-2013</a:t>
             </a:fld>
             <a:endParaRPr lang="pt-PT" dirty="0"/>
           </a:p>
@@ -14659,7 +14399,7 @@
     </p:spTree>
     <p:extLst>
       <p:ext uri="{BB962C8B-B14F-4D97-AF65-F5344CB8AC3E}">
-        <p14:creationId xmlns:p14="http://schemas.microsoft.com/office/powerpoint/2010/main" val="1135282261"/>
+        <p14:creationId xmlns:p14="http://schemas.microsoft.com/office/powerpoint/2010/main" xmlns="" val="1135282261"/>
       </p:ext>
     </p:extLst>
   </p:cSld>
@@ -14864,7 +14604,7 @@
             <a:fld id="{F71B3DB1-8543-40E0-A2D1-830196AD91DE}" type="datetimeFigureOut">
               <a:rPr lang="pt-PT" smtClean="0"/>
               <a:pPr/>
-              <a:t>02/07/2013</a:t>
+              <a:t>02-07-2013</a:t>
             </a:fld>
             <a:endParaRPr lang="pt-PT" dirty="0"/>
           </a:p>
@@ -14954,7 +14694,7 @@
     </p:spTree>
     <p:extLst>
       <p:ext uri="{BB962C8B-B14F-4D97-AF65-F5344CB8AC3E}">
-        <p14:creationId xmlns:p14="http://schemas.microsoft.com/office/powerpoint/2010/main" val="3016415161"/>
+        <p14:creationId xmlns:p14="http://schemas.microsoft.com/office/powerpoint/2010/main" xmlns="" val="3016415161"/>
       </p:ext>
     </p:extLst>
   </p:cSld>
@@ -15188,7 +14928,7 @@
             <a:fld id="{F71B3DB1-8543-40E0-A2D1-830196AD91DE}" type="datetimeFigureOut">
               <a:rPr lang="pt-PT" smtClean="0"/>
               <a:pPr/>
-              <a:t>02/07/2013</a:t>
+              <a:t>02-07-2013</a:t>
             </a:fld>
             <a:endParaRPr lang="pt-PT" dirty="0"/>
           </a:p>
@@ -15240,7 +14980,7 @@
     </p:spTree>
     <p:extLst>
       <p:ext uri="{BB962C8B-B14F-4D97-AF65-F5344CB8AC3E}">
-        <p14:creationId xmlns:p14="http://schemas.microsoft.com/office/powerpoint/2010/main" val="2799130186"/>
+        <p14:creationId xmlns:p14="http://schemas.microsoft.com/office/powerpoint/2010/main" xmlns="" val="2799130186"/>
       </p:ext>
     </p:extLst>
   </p:cSld>
@@ -15284,7 +15024,7 @@
           <a:blip r:embed="rId19" cstate="print">
             <a:extLst>
               <a:ext uri="{28A0092B-C50C-407E-A947-70E740481C1C}">
-                <a14:useLocalDpi xmlns:a14="http://schemas.microsoft.com/office/drawing/2010/main" val="0"/>
+                <a14:useLocalDpi xmlns:a14="http://schemas.microsoft.com/office/drawing/2010/main" xmlns="" val="0"/>
               </a:ext>
             </a:extLst>
           </a:blip>
@@ -15434,7 +15174,7 @@
             <a:fld id="{F71B3DB1-8543-40E0-A2D1-830196AD91DE}" type="datetimeFigureOut">
               <a:rPr lang="pt-PT" smtClean="0"/>
               <a:pPr/>
-              <a:t>02/07/2013</a:t>
+              <a:t>02-07-2013</a:t>
             </a:fld>
             <a:endParaRPr lang="pt-PT" dirty="0"/>
           </a:p>
@@ -15522,7 +15262,7 @@
     </p:spTree>
     <p:extLst>
       <p:ext uri="{BB962C8B-B14F-4D97-AF65-F5344CB8AC3E}">
-        <p14:creationId xmlns:p14="http://schemas.microsoft.com/office/powerpoint/2010/main" val="3664009446"/>
+        <p14:creationId xmlns:p14="http://schemas.microsoft.com/office/powerpoint/2010/main" xmlns="" val="3664009446"/>
       </p:ext>
     </p:extLst>
   </p:cSld>
@@ -16030,7 +15770,7 @@
     </p:spTree>
     <p:extLst>
       <p:ext uri="{BB962C8B-B14F-4D97-AF65-F5344CB8AC3E}">
-        <p14:creationId xmlns:p14="http://schemas.microsoft.com/office/powerpoint/2010/main" val="404200990"/>
+        <p14:creationId xmlns:p14="http://schemas.microsoft.com/office/powerpoint/2010/main" xmlns="" val="404200990"/>
       </p:ext>
     </p:extLst>
   </p:cSld>
@@ -16113,7 +15853,7 @@
     </p:spTree>
     <p:extLst>
       <p:ext uri="{BB962C8B-B14F-4D97-AF65-F5344CB8AC3E}">
-        <p14:creationId xmlns:p14="http://schemas.microsoft.com/office/powerpoint/2010/main" val="1280194573"/>
+        <p14:creationId xmlns:p14="http://schemas.microsoft.com/office/powerpoint/2010/main" xmlns="" val="1280194573"/>
       </p:ext>
     </p:extLst>
   </p:cSld>
@@ -16188,7 +15928,7 @@
     </p:spTree>
     <p:extLst>
       <p:ext uri="{BB962C8B-B14F-4D97-AF65-F5344CB8AC3E}">
-        <p14:creationId xmlns:p14="http://schemas.microsoft.com/office/powerpoint/2010/main" val="3292307339"/>
+        <p14:creationId xmlns:p14="http://schemas.microsoft.com/office/powerpoint/2010/main" xmlns="" val="3292307339"/>
       </p:ext>
     </p:extLst>
   </p:cSld>
@@ -16271,7 +16011,7 @@
     </p:spTree>
     <p:extLst>
       <p:ext uri="{BB962C8B-B14F-4D97-AF65-F5344CB8AC3E}">
-        <p14:creationId xmlns:p14="http://schemas.microsoft.com/office/powerpoint/2010/main" val="2525735037"/>
+        <p14:creationId xmlns:p14="http://schemas.microsoft.com/office/powerpoint/2010/main" xmlns="" val="2525735037"/>
       </p:ext>
     </p:extLst>
   </p:cSld>
@@ -16543,7 +16283,7 @@
     </p:spTree>
     <p:extLst>
       <p:ext uri="{BB962C8B-B14F-4D97-AF65-F5344CB8AC3E}">
-        <p14:creationId xmlns:p14="http://schemas.microsoft.com/office/powerpoint/2010/main" val="95242113"/>
+        <p14:creationId xmlns:p14="http://schemas.microsoft.com/office/powerpoint/2010/main" xmlns="" val="95242113"/>
       </p:ext>
     </p:extLst>
   </p:cSld>
@@ -17454,7 +17194,7 @@
     </p:spTree>
     <p:extLst>
       <p:ext uri="{BB962C8B-B14F-4D97-AF65-F5344CB8AC3E}">
-        <p14:creationId xmlns:p14="http://schemas.microsoft.com/office/powerpoint/2010/main" val="2652038306"/>
+        <p14:creationId xmlns:p14="http://schemas.microsoft.com/office/powerpoint/2010/main" xmlns="" val="2652038306"/>
       </p:ext>
     </p:extLst>
   </p:cSld>
@@ -17708,7 +17448,7 @@
     </p:spTree>
     <p:extLst>
       <p:ext uri="{BB962C8B-B14F-4D97-AF65-F5344CB8AC3E}">
-        <p14:creationId xmlns:p14="http://schemas.microsoft.com/office/powerpoint/2010/main" val="2278680210"/>
+        <p14:creationId xmlns:p14="http://schemas.microsoft.com/office/powerpoint/2010/main" xmlns="" val="2278680210"/>
       </p:ext>
     </p:extLst>
   </p:cSld>
@@ -18059,7 +17799,7 @@
     </p:spTree>
     <p:extLst>
       <p:ext uri="{BB962C8B-B14F-4D97-AF65-F5344CB8AC3E}">
-        <p14:creationId xmlns:p14="http://schemas.microsoft.com/office/powerpoint/2010/main" val="2466546361"/>
+        <p14:creationId xmlns:p14="http://schemas.microsoft.com/office/powerpoint/2010/main" xmlns="" val="2466546361"/>
       </p:ext>
     </p:extLst>
   </p:cSld>
@@ -18141,7 +17881,7 @@
           <p:nvPr>
             <p:extLst>
               <p:ext uri="{D42A27DB-BD31-4B8C-83A1-F6EECF244321}">
-                <p14:modId xmlns:p14="http://schemas.microsoft.com/office/powerpoint/2010/main" val="2639408096"/>
+                <p14:modId xmlns:p14="http://schemas.microsoft.com/office/powerpoint/2010/main" xmlns="" val="2639408096"/>
               </p:ext>
             </p:extLst>
           </p:nvPr>
@@ -18159,7 +17899,7 @@
     </p:spTree>
     <p:extLst>
       <p:ext uri="{BB962C8B-B14F-4D97-AF65-F5344CB8AC3E}">
-        <p14:creationId xmlns:p14="http://schemas.microsoft.com/office/powerpoint/2010/main" val="980046083"/>
+        <p14:creationId xmlns:p14="http://schemas.microsoft.com/office/powerpoint/2010/main" xmlns="" val="980046083"/>
       </p:ext>
     </p:extLst>
   </p:cSld>
@@ -18241,7 +17981,7 @@
           <p:nvPr>
             <p:extLst>
               <p:ext uri="{D42A27DB-BD31-4B8C-83A1-F6EECF244321}">
-                <p14:modId xmlns:p14="http://schemas.microsoft.com/office/powerpoint/2010/main" val="3968378676"/>
+                <p14:modId xmlns:p14="http://schemas.microsoft.com/office/powerpoint/2010/main" xmlns="" val="3968378676"/>
               </p:ext>
             </p:extLst>
           </p:nvPr>
@@ -18259,7 +17999,7 @@
     </p:spTree>
     <p:extLst>
       <p:ext uri="{BB962C8B-B14F-4D97-AF65-F5344CB8AC3E}">
-        <p14:creationId xmlns:p14="http://schemas.microsoft.com/office/powerpoint/2010/main" val="197448477"/>
+        <p14:creationId xmlns:p14="http://schemas.microsoft.com/office/powerpoint/2010/main" xmlns="" val="197448477"/>
       </p:ext>
     </p:extLst>
   </p:cSld>
@@ -18393,7 +18133,7 @@
           <p:nvPr>
             <p:extLst>
               <p:ext uri="{D42A27DB-BD31-4B8C-83A1-F6EECF244321}">
-                <p14:modId xmlns:p14="http://schemas.microsoft.com/office/powerpoint/2010/main" val="2079267717"/>
+                <p14:modId xmlns:p14="http://schemas.microsoft.com/office/powerpoint/2010/main" xmlns="" val="2079267717"/>
               </p:ext>
             </p:extLst>
           </p:nvPr>
@@ -18411,7 +18151,7 @@
     </p:spTree>
     <p:extLst>
       <p:ext uri="{BB962C8B-B14F-4D97-AF65-F5344CB8AC3E}">
-        <p14:creationId xmlns:p14="http://schemas.microsoft.com/office/powerpoint/2010/main" val="3967897178"/>
+        <p14:creationId xmlns:p14="http://schemas.microsoft.com/office/powerpoint/2010/main" xmlns="" val="3967897178"/>
       </p:ext>
     </p:extLst>
   </p:cSld>
@@ -18490,7 +18230,7 @@
     </p:spTree>
     <p:extLst>
       <p:ext uri="{BB962C8B-B14F-4D97-AF65-F5344CB8AC3E}">
-        <p14:creationId xmlns:p14="http://schemas.microsoft.com/office/powerpoint/2010/main" val="3708106417"/>
+        <p14:creationId xmlns:p14="http://schemas.microsoft.com/office/powerpoint/2010/main" xmlns="" val="3708106417"/>
       </p:ext>
     </p:extLst>
   </p:cSld>
@@ -19495,7 +19235,7 @@
     </p:spTree>
     <p:extLst>
       <p:ext uri="{BB962C8B-B14F-4D97-AF65-F5344CB8AC3E}">
-        <p14:creationId xmlns:p14="http://schemas.microsoft.com/office/powerpoint/2010/main" val="810377202"/>
+        <p14:creationId xmlns:p14="http://schemas.microsoft.com/office/powerpoint/2010/main" xmlns="" val="810377202"/>
       </p:ext>
     </p:extLst>
   </p:cSld>
@@ -19573,7 +19313,7 @@
           <p:nvPr>
             <p:extLst>
               <p:ext uri="{D42A27DB-BD31-4B8C-83A1-F6EECF244321}">
-                <p14:modId xmlns:p14="http://schemas.microsoft.com/office/powerpoint/2010/main" val="2002974256"/>
+                <p14:modId xmlns:p14="http://schemas.microsoft.com/office/powerpoint/2010/main" xmlns="" val="2002974256"/>
               </p:ext>
             </p:extLst>
           </p:nvPr>
@@ -19591,7 +19331,7 @@
     </p:spTree>
     <p:extLst>
       <p:ext uri="{BB962C8B-B14F-4D97-AF65-F5344CB8AC3E}">
-        <p14:creationId xmlns:p14="http://schemas.microsoft.com/office/powerpoint/2010/main" val="1637874217"/>
+        <p14:creationId xmlns:p14="http://schemas.microsoft.com/office/powerpoint/2010/main" xmlns="" val="1637874217"/>
       </p:ext>
     </p:extLst>
   </p:cSld>
@@ -19667,7 +19407,7 @@
           <p:nvPr>
             <p:extLst>
               <p:ext uri="{D42A27DB-BD31-4B8C-83A1-F6EECF244321}">
-                <p14:modId xmlns:p14="http://schemas.microsoft.com/office/powerpoint/2010/main" val="3456624213"/>
+                <p14:modId xmlns:p14="http://schemas.microsoft.com/office/powerpoint/2010/main" xmlns="" val="3456624213"/>
               </p:ext>
             </p:extLst>
           </p:nvPr>
@@ -19685,7 +19425,7 @@
     </p:spTree>
     <p:extLst>
       <p:ext uri="{BB962C8B-B14F-4D97-AF65-F5344CB8AC3E}">
-        <p14:creationId xmlns:p14="http://schemas.microsoft.com/office/powerpoint/2010/main" val="2330439383"/>
+        <p14:creationId xmlns:p14="http://schemas.microsoft.com/office/powerpoint/2010/main" xmlns="" val="2330439383"/>
       </p:ext>
     </p:extLst>
   </p:cSld>
@@ -20034,7 +19774,7 @@
     </p:spTree>
     <p:extLst>
       <p:ext uri="{BB962C8B-B14F-4D97-AF65-F5344CB8AC3E}">
-        <p14:creationId xmlns:p14="http://schemas.microsoft.com/office/powerpoint/2010/main" val="3651665137"/>
+        <p14:creationId xmlns:p14="http://schemas.microsoft.com/office/powerpoint/2010/main" xmlns="" val="3651665137"/>
       </p:ext>
     </p:extLst>
   </p:cSld>
@@ -20432,7 +20172,7 @@
     </p:spTree>
     <p:extLst>
       <p:ext uri="{BB962C8B-B14F-4D97-AF65-F5344CB8AC3E}">
-        <p14:creationId xmlns:p14="http://schemas.microsoft.com/office/powerpoint/2010/main" val="4024771090"/>
+        <p14:creationId xmlns:p14="http://schemas.microsoft.com/office/powerpoint/2010/main" xmlns="" val="4024771090"/>
       </p:ext>
     </p:extLst>
   </p:cSld>
@@ -20662,7 +20402,7 @@
     </p:spTree>
     <p:extLst>
       <p:ext uri="{BB962C8B-B14F-4D97-AF65-F5344CB8AC3E}">
-        <p14:creationId xmlns:p14="http://schemas.microsoft.com/office/powerpoint/2010/main" val="3337746042"/>
+        <p14:creationId xmlns:p14="http://schemas.microsoft.com/office/powerpoint/2010/main" xmlns="" val="3337746042"/>
       </p:ext>
     </p:extLst>
   </p:cSld>
@@ -20745,7 +20485,7 @@
     </p:spTree>
     <p:extLst>
       <p:ext uri="{BB962C8B-B14F-4D97-AF65-F5344CB8AC3E}">
-        <p14:creationId xmlns:p14="http://schemas.microsoft.com/office/powerpoint/2010/main" val="1036071785"/>
+        <p14:creationId xmlns:p14="http://schemas.microsoft.com/office/powerpoint/2010/main" xmlns="" val="1036071785"/>
       </p:ext>
     </p:extLst>
   </p:cSld>
@@ -20820,7 +20560,7 @@
     </p:spTree>
     <p:extLst>
       <p:ext uri="{BB962C8B-B14F-4D97-AF65-F5344CB8AC3E}">
-        <p14:creationId xmlns:p14="http://schemas.microsoft.com/office/powerpoint/2010/main" val="4029259654"/>
+        <p14:creationId xmlns:p14="http://schemas.microsoft.com/office/powerpoint/2010/main" xmlns="" val="4029259654"/>
       </p:ext>
     </p:extLst>
   </p:cSld>
@@ -21212,18 +20952,18 @@
     </p:spTree>
     <p:extLst>
       <p:ext uri="{BB962C8B-B14F-4D97-AF65-F5344CB8AC3E}">
-        <p14:creationId xmlns:p14="http://schemas.microsoft.com/office/powerpoint/2010/main" val="2323100813"/>
+        <p14:creationId xmlns:p14="http://schemas.microsoft.com/office/powerpoint/2010/main" xmlns="" val="2323100813"/>
       </p:ext>
     </p:extLst>
   </p:cSld>
   <p:clrMapOvr>
     <a:masterClrMapping/>
   </p:clrMapOvr>
-  <mc:AlternateContent xmlns:mc="http://schemas.openxmlformats.org/markup-compatibility/2006" xmlns:p14="http://schemas.microsoft.com/office/powerpoint/2010/main">
-    <mc:Choice Requires="p14">
+  <mc:AlternateContent xmlns:mc="http://schemas.openxmlformats.org/markup-compatibility/2006">
+    <mc:Choice xmlns:p14="http://schemas.microsoft.com/office/powerpoint/2010/main" xmlns="" Requires="p14">
       <p:transition p14:dur="0"/>
     </mc:Choice>
-    <mc:Fallback xmlns="">
+    <mc:Fallback>
       <p:transition/>
     </mc:Fallback>
   </mc:AlternateContent>
@@ -21488,7 +21228,7 @@
           <p:nvPr>
             <p:extLst>
               <p:ext uri="{D42A27DB-BD31-4B8C-83A1-F6EECF244321}">
-                <p14:modId xmlns:p14="http://schemas.microsoft.com/office/powerpoint/2010/main" val="963427250"/>
+                <p14:modId xmlns:p14="http://schemas.microsoft.com/office/powerpoint/2010/main" xmlns="" val="963427250"/>
               </p:ext>
             </p:extLst>
           </p:nvPr>
@@ -22022,7 +21762,7 @@
     </p:spTree>
     <p:extLst>
       <p:ext uri="{BB962C8B-B14F-4D97-AF65-F5344CB8AC3E}">
-        <p14:creationId xmlns:p14="http://schemas.microsoft.com/office/powerpoint/2010/main" val="2960815596"/>
+        <p14:creationId xmlns:p14="http://schemas.microsoft.com/office/powerpoint/2010/main" xmlns="" val="2960815596"/>
       </p:ext>
     </p:extLst>
   </p:cSld>
@@ -22260,7 +22000,7 @@
     </p:spTree>
     <p:extLst>
       <p:ext uri="{BB962C8B-B14F-4D97-AF65-F5344CB8AC3E}">
-        <p14:creationId xmlns:p14="http://schemas.microsoft.com/office/powerpoint/2010/main" val="1616575088"/>
+        <p14:creationId xmlns:p14="http://schemas.microsoft.com/office/powerpoint/2010/main" xmlns="" val="1616575088"/>
       </p:ext>
     </p:extLst>
   </p:cSld>
@@ -22457,7 +22197,7 @@
     </p:spTree>
     <p:extLst>
       <p:ext uri="{BB962C8B-B14F-4D97-AF65-F5344CB8AC3E}">
-        <p14:creationId xmlns:p14="http://schemas.microsoft.com/office/powerpoint/2010/main" val="1314162854"/>
+        <p14:creationId xmlns:p14="http://schemas.microsoft.com/office/powerpoint/2010/main" xmlns="" val="1314162854"/>
       </p:ext>
     </p:extLst>
   </p:cSld>
@@ -22544,7 +22284,7 @@
     </p:spTree>
     <p:extLst>
       <p:ext uri="{BB962C8B-B14F-4D97-AF65-F5344CB8AC3E}">
-        <p14:creationId xmlns:p14="http://schemas.microsoft.com/office/powerpoint/2010/main" val="1350559237"/>
+        <p14:creationId xmlns:p14="http://schemas.microsoft.com/office/powerpoint/2010/main" xmlns="" val="1350559237"/>
       </p:ext>
     </p:extLst>
   </p:cSld>
@@ -22640,7 +22380,7 @@
           <a:blip r:embed="rId2" cstate="print">
             <a:extLst>
               <a:ext uri="{28A0092B-C50C-407E-A947-70E740481C1C}">
-                <a14:useLocalDpi xmlns:a14="http://schemas.microsoft.com/office/drawing/2010/main" val="0"/>
+                <a14:useLocalDpi xmlns:a14="http://schemas.microsoft.com/office/drawing/2010/main" xmlns="" val="0"/>
               </a:ext>
             </a:extLst>
           </a:blip>
@@ -22667,10 +22407,10 @@
           <p:nvPr/>
         </p:nvPicPr>
         <p:blipFill>
-          <a:blip r:embed="rId3">
+          <a:blip r:embed="rId3" cstate="print">
             <a:extLst>
               <a:ext uri="{28A0092B-C50C-407E-A947-70E740481C1C}">
-                <a14:useLocalDpi xmlns:a14="http://schemas.microsoft.com/office/drawing/2010/main" val="0"/>
+                <a14:useLocalDpi xmlns:a14="http://schemas.microsoft.com/office/drawing/2010/main" xmlns="" val="0"/>
               </a:ext>
             </a:extLst>
           </a:blip>
@@ -22697,10 +22437,10 @@
           <p:nvPr/>
         </p:nvPicPr>
         <p:blipFill>
-          <a:blip r:embed="rId4">
+          <a:blip r:embed="rId4" cstate="print">
             <a:extLst>
               <a:ext uri="{28A0092B-C50C-407E-A947-70E740481C1C}">
-                <a14:useLocalDpi xmlns:a14="http://schemas.microsoft.com/office/drawing/2010/main" val="0"/>
+                <a14:useLocalDpi xmlns:a14="http://schemas.microsoft.com/office/drawing/2010/main" xmlns="" val="0"/>
               </a:ext>
             </a:extLst>
           </a:blip>
@@ -22727,10 +22467,10 @@
           <p:nvPr/>
         </p:nvPicPr>
         <p:blipFill>
-          <a:blip r:embed="rId5">
+          <a:blip r:embed="rId5" cstate="print">
             <a:extLst>
               <a:ext uri="{28A0092B-C50C-407E-A947-70E740481C1C}">
-                <a14:useLocalDpi xmlns:a14="http://schemas.microsoft.com/office/drawing/2010/main" val="0"/>
+                <a14:useLocalDpi xmlns:a14="http://schemas.microsoft.com/office/drawing/2010/main" xmlns="" val="0"/>
               </a:ext>
             </a:extLst>
           </a:blip>
@@ -22760,7 +22500,7 @@
           <a:blip r:embed="rId6" cstate="print">
             <a:extLst>
               <a:ext uri="{28A0092B-C50C-407E-A947-70E740481C1C}">
-                <a14:useLocalDpi xmlns:a14="http://schemas.microsoft.com/office/drawing/2010/main" val="0"/>
+                <a14:useLocalDpi xmlns:a14="http://schemas.microsoft.com/office/drawing/2010/main" xmlns="" val="0"/>
               </a:ext>
             </a:extLst>
           </a:blip>
@@ -22790,7 +22530,7 @@
           <a:blip r:embed="rId7" cstate="print">
             <a:extLst>
               <a:ext uri="{28A0092B-C50C-407E-A947-70E740481C1C}">
-                <a14:useLocalDpi xmlns:a14="http://schemas.microsoft.com/office/drawing/2010/main" val="0"/>
+                <a14:useLocalDpi xmlns:a14="http://schemas.microsoft.com/office/drawing/2010/main" xmlns="" val="0"/>
               </a:ext>
             </a:extLst>
           </a:blip>
@@ -22922,7 +22662,7 @@
     </p:spTree>
     <p:extLst>
       <p:ext uri="{BB962C8B-B14F-4D97-AF65-F5344CB8AC3E}">
-        <p14:creationId xmlns:p14="http://schemas.microsoft.com/office/powerpoint/2010/main" val="3857988853"/>
+        <p14:creationId xmlns:p14="http://schemas.microsoft.com/office/powerpoint/2010/main" xmlns="" val="3857988853"/>
       </p:ext>
     </p:extLst>
   </p:cSld>
@@ -23263,7 +23003,7 @@
     </p:spTree>
     <p:extLst>
       <p:ext uri="{BB962C8B-B14F-4D97-AF65-F5344CB8AC3E}">
-        <p14:creationId xmlns:p14="http://schemas.microsoft.com/office/powerpoint/2010/main" val="837742913"/>
+        <p14:creationId xmlns:p14="http://schemas.microsoft.com/office/powerpoint/2010/main" xmlns="" val="837742913"/>
       </p:ext>
     </p:extLst>
   </p:cSld>
@@ -23425,7 +23165,7 @@
     </p:spTree>
     <p:extLst>
       <p:ext uri="{BB962C8B-B14F-4D97-AF65-F5344CB8AC3E}">
-        <p14:creationId xmlns:p14="http://schemas.microsoft.com/office/powerpoint/2010/main" val="2325686505"/>
+        <p14:creationId xmlns:p14="http://schemas.microsoft.com/office/powerpoint/2010/main" xmlns="" val="2325686505"/>
       </p:ext>
     </p:extLst>
   </p:cSld>
@@ -23978,7 +23718,7 @@
     </p:spTree>
     <p:extLst>
       <p:ext uri="{BB962C8B-B14F-4D97-AF65-F5344CB8AC3E}">
-        <p14:creationId xmlns:p14="http://schemas.microsoft.com/office/powerpoint/2010/main" val="3104365819"/>
+        <p14:creationId xmlns:p14="http://schemas.microsoft.com/office/powerpoint/2010/main" xmlns="" val="3104365819"/>
       </p:ext>
     </p:extLst>
   </p:cSld>
@@ -24178,7 +23918,7 @@
           <p:nvPr/>
         </p:nvPicPr>
         <p:blipFill>
-          <a:blip r:embed="rId2"/>
+          <a:blip r:embed="rId2" cstate="print"/>
           <a:stretch>
             <a:fillRect/>
           </a:stretch>
@@ -24196,7 +23936,7 @@
     </p:spTree>
     <p:extLst>
       <p:ext uri="{BB962C8B-B14F-4D97-AF65-F5344CB8AC3E}">
-        <p14:creationId xmlns:p14="http://schemas.microsoft.com/office/powerpoint/2010/main" val="996600230"/>
+        <p14:creationId xmlns:p14="http://schemas.microsoft.com/office/powerpoint/2010/main" xmlns="" val="996600230"/>
       </p:ext>
     </p:extLst>
   </p:cSld>
@@ -24406,7 +24146,7 @@
     </p:spTree>
     <p:extLst>
       <p:ext uri="{BB962C8B-B14F-4D97-AF65-F5344CB8AC3E}">
-        <p14:creationId xmlns:p14="http://schemas.microsoft.com/office/powerpoint/2010/main" val="3857988853"/>
+        <p14:creationId xmlns:p14="http://schemas.microsoft.com/office/powerpoint/2010/main" xmlns="" val="3857988853"/>
       </p:ext>
     </p:extLst>
   </p:cSld>
@@ -24595,7 +24335,7 @@
     </p:spTree>
     <p:extLst>
       <p:ext uri="{BB962C8B-B14F-4D97-AF65-F5344CB8AC3E}">
-        <p14:creationId xmlns:p14="http://schemas.microsoft.com/office/powerpoint/2010/main" val="755519461"/>
+        <p14:creationId xmlns:p14="http://schemas.microsoft.com/office/powerpoint/2010/main" xmlns="" val="755519461"/>
       </p:ext>
     </p:extLst>
   </p:cSld>
@@ -25497,7 +25237,7 @@
     </p:spTree>
     <p:extLst>
       <p:ext uri="{BB962C8B-B14F-4D97-AF65-F5344CB8AC3E}">
-        <p14:creationId xmlns:p14="http://schemas.microsoft.com/office/powerpoint/2010/main" val="1569197944"/>
+        <p14:creationId xmlns:p14="http://schemas.microsoft.com/office/powerpoint/2010/main" xmlns="" val="1569197944"/>
       </p:ext>
     </p:extLst>
   </p:cSld>
@@ -25536,7 +25276,7 @@
           <a:blip r:embed="rId2" cstate="print">
             <a:extLst>
               <a:ext uri="{28A0092B-C50C-407E-A947-70E740481C1C}">
-                <a14:useLocalDpi xmlns:a14="http://schemas.microsoft.com/office/drawing/2010/main" val="0"/>
+                <a14:useLocalDpi xmlns:a14="http://schemas.microsoft.com/office/drawing/2010/main" xmlns="" val="0"/>
               </a:ext>
             </a:extLst>
           </a:blip>
@@ -25656,7 +25396,7 @@
           <a:blip r:embed="rId3" cstate="print">
             <a:extLst>
               <a:ext uri="{28A0092B-C50C-407E-A947-70E740481C1C}">
-                <a14:useLocalDpi xmlns:a14="http://schemas.microsoft.com/office/drawing/2010/main" val="0"/>
+                <a14:useLocalDpi xmlns:a14="http://schemas.microsoft.com/office/drawing/2010/main" xmlns="" val="0"/>
               </a:ext>
             </a:extLst>
           </a:blip>
@@ -25686,7 +25426,7 @@
           <a:blip r:embed="rId4" cstate="print">
             <a:extLst>
               <a:ext uri="{28A0092B-C50C-407E-A947-70E740481C1C}">
-                <a14:useLocalDpi xmlns:a14="http://schemas.microsoft.com/office/drawing/2010/main" val="0"/>
+                <a14:useLocalDpi xmlns:a14="http://schemas.microsoft.com/office/drawing/2010/main" xmlns="" val="0"/>
               </a:ext>
             </a:extLst>
           </a:blip>
@@ -25734,7 +25474,7 @@
           <a:blip r:embed="rId5" cstate="print">
             <a:extLst>
               <a:ext uri="{28A0092B-C50C-407E-A947-70E740481C1C}">
-                <a14:useLocalDpi xmlns:a14="http://schemas.microsoft.com/office/drawing/2010/main" val="0"/>
+                <a14:useLocalDpi xmlns:a14="http://schemas.microsoft.com/office/drawing/2010/main" xmlns="" val="0"/>
               </a:ext>
             </a:extLst>
           </a:blip>
@@ -25755,7 +25495,7 @@
     </p:spTree>
     <p:extLst>
       <p:ext uri="{BB962C8B-B14F-4D97-AF65-F5344CB8AC3E}">
-        <p14:creationId xmlns:p14="http://schemas.microsoft.com/office/powerpoint/2010/main" val="3458532491"/>
+        <p14:creationId xmlns:p14="http://schemas.microsoft.com/office/powerpoint/2010/main" xmlns="" val="3458532491"/>
       </p:ext>
     </p:extLst>
   </p:cSld>
@@ -25900,7 +25640,7 @@
     </p:spTree>
     <p:extLst>
       <p:ext uri="{BB962C8B-B14F-4D97-AF65-F5344CB8AC3E}">
-        <p14:creationId xmlns:p14="http://schemas.microsoft.com/office/powerpoint/2010/main" val="3599542048"/>
+        <p14:creationId xmlns:p14="http://schemas.microsoft.com/office/powerpoint/2010/main" xmlns="" val="3599542048"/>
       </p:ext>
     </p:extLst>
   </p:cSld>
@@ -26332,7 +26072,7 @@
     </p:spTree>
     <p:extLst>
       <p:ext uri="{BB962C8B-B14F-4D97-AF65-F5344CB8AC3E}">
-        <p14:creationId xmlns:p14="http://schemas.microsoft.com/office/powerpoint/2010/main" val="1933947800"/>
+        <p14:creationId xmlns:p14="http://schemas.microsoft.com/office/powerpoint/2010/main" xmlns="" val="1933947800"/>
       </p:ext>
     </p:extLst>
   </p:cSld>
@@ -26426,7 +26166,7 @@
     </p:spTree>
     <p:extLst>
       <p:ext uri="{BB962C8B-B14F-4D97-AF65-F5344CB8AC3E}">
-        <p14:creationId xmlns:p14="http://schemas.microsoft.com/office/powerpoint/2010/main" val="1515372593"/>
+        <p14:creationId xmlns:p14="http://schemas.microsoft.com/office/powerpoint/2010/main" xmlns="" val="1515372593"/>
       </p:ext>
     </p:extLst>
   </p:cSld>
@@ -26512,7 +26252,7 @@
     </p:spTree>
     <p:extLst>
       <p:ext uri="{BB962C8B-B14F-4D97-AF65-F5344CB8AC3E}">
-        <p14:creationId xmlns:p14="http://schemas.microsoft.com/office/powerpoint/2010/main" val="256484290"/>
+        <p14:creationId xmlns:p14="http://schemas.microsoft.com/office/powerpoint/2010/main" xmlns="" val="256484290"/>
       </p:ext>
     </p:extLst>
   </p:cSld>
@@ -26631,7 +26371,7 @@
     </p:spTree>
     <p:extLst>
       <p:ext uri="{BB962C8B-B14F-4D97-AF65-F5344CB8AC3E}">
-        <p14:creationId xmlns:p14="http://schemas.microsoft.com/office/powerpoint/2010/main" val="286368229"/>
+        <p14:creationId xmlns:p14="http://schemas.microsoft.com/office/powerpoint/2010/main" xmlns="" val="286368229"/>
       </p:ext>
     </p:extLst>
   </p:cSld>
@@ -26707,7 +26447,7 @@
     </p:spTree>
     <p:extLst>
       <p:ext uri="{BB962C8B-B14F-4D97-AF65-F5344CB8AC3E}">
-        <p14:creationId xmlns:p14="http://schemas.microsoft.com/office/powerpoint/2010/main" val="745076154"/>
+        <p14:creationId xmlns:p14="http://schemas.microsoft.com/office/powerpoint/2010/main" xmlns="" val="745076154"/>
       </p:ext>
     </p:extLst>
   </p:cSld>
@@ -26831,7 +26571,7 @@
                   <p:nvPr>
                     <p:extLst>
                       <p:ext uri="{D42A27DB-BD31-4B8C-83A1-F6EECF244321}">
-                        <p14:modId xmlns:p14="http://schemas.microsoft.com/office/powerpoint/2010/main" val="568955525"/>
+                        <p14:modId xmlns:p14="http://schemas.microsoft.com/office/powerpoint/2010/main" xmlns="" val="568955525"/>
                       </p:ext>
                     </p:extLst>
                   </p:nvPr>
@@ -27763,7 +27503,7 @@
     </p:spTree>
     <p:extLst>
       <p:ext uri="{BB962C8B-B14F-4D97-AF65-F5344CB8AC3E}">
-        <p14:creationId xmlns:p14="http://schemas.microsoft.com/office/powerpoint/2010/main" val="3857988853"/>
+        <p14:creationId xmlns:p14="http://schemas.microsoft.com/office/powerpoint/2010/main" xmlns="" val="3857988853"/>
       </p:ext>
     </p:extLst>
   </p:cSld>
@@ -27954,7 +27694,7 @@
     </p:spTree>
     <p:extLst>
       <p:ext uri="{BB962C8B-B14F-4D97-AF65-F5344CB8AC3E}">
-        <p14:creationId xmlns:p14="http://schemas.microsoft.com/office/powerpoint/2010/main" val="576009203"/>
+        <p14:creationId xmlns:p14="http://schemas.microsoft.com/office/powerpoint/2010/main" xmlns="" val="576009203"/>
       </p:ext>
     </p:extLst>
   </p:cSld>
@@ -28103,7 +27843,7 @@
     </p:spTree>
     <p:extLst>
       <p:ext uri="{BB962C8B-B14F-4D97-AF65-F5344CB8AC3E}">
-        <p14:creationId xmlns:p14="http://schemas.microsoft.com/office/powerpoint/2010/main" val="2359148607"/>
+        <p14:creationId xmlns:p14="http://schemas.microsoft.com/office/powerpoint/2010/main" xmlns="" val="2359148607"/>
       </p:ext>
     </p:extLst>
   </p:cSld>
@@ -28493,7 +28233,7 @@
     </p:spTree>
     <p:extLst>
       <p:ext uri="{BB962C8B-B14F-4D97-AF65-F5344CB8AC3E}">
-        <p14:creationId xmlns:p14="http://schemas.microsoft.com/office/powerpoint/2010/main" val="139459399"/>
+        <p14:creationId xmlns:p14="http://schemas.microsoft.com/office/powerpoint/2010/main" xmlns="" val="139459399"/>
       </p:ext>
     </p:extLst>
   </p:cSld>
@@ -29072,7 +28812,7 @@
     </p:spTree>
     <p:extLst>
       <p:ext uri="{BB962C8B-B14F-4D97-AF65-F5344CB8AC3E}">
-        <p14:creationId xmlns:p14="http://schemas.microsoft.com/office/powerpoint/2010/main" val="529958241"/>
+        <p14:creationId xmlns:p14="http://schemas.microsoft.com/office/powerpoint/2010/main" xmlns="" val="529958241"/>
       </p:ext>
     </p:extLst>
   </p:cSld>
@@ -29266,7 +29006,7 @@
     </p:spTree>
     <p:extLst>
       <p:ext uri="{BB962C8B-B14F-4D97-AF65-F5344CB8AC3E}">
-        <p14:creationId xmlns:p14="http://schemas.microsoft.com/office/powerpoint/2010/main" val="1756093289"/>
+        <p14:creationId xmlns:p14="http://schemas.microsoft.com/office/powerpoint/2010/main" xmlns="" val="1756093289"/>
       </p:ext>
     </p:extLst>
   </p:cSld>
@@ -29931,7 +29671,7 @@
     </p:spTree>
     <p:extLst>
       <p:ext uri="{BB962C8B-B14F-4D97-AF65-F5344CB8AC3E}">
-        <p14:creationId xmlns:p14="http://schemas.microsoft.com/office/powerpoint/2010/main" val="3608220894"/>
+        <p14:creationId xmlns:p14="http://schemas.microsoft.com/office/powerpoint/2010/main" xmlns="" val="3608220894"/>
       </p:ext>
     </p:extLst>
   </p:cSld>
@@ -30238,7 +29978,7 @@
     </p:spTree>
     <p:extLst>
       <p:ext uri="{BB962C8B-B14F-4D97-AF65-F5344CB8AC3E}">
-        <p14:creationId xmlns:p14="http://schemas.microsoft.com/office/powerpoint/2010/main" val="1960690833"/>
+        <p14:creationId xmlns:p14="http://schemas.microsoft.com/office/powerpoint/2010/main" xmlns="" val="1960690833"/>
       </p:ext>
     </p:extLst>
   </p:cSld>
@@ -30356,7 +30096,7 @@
     </p:spTree>
     <p:extLst>
       <p:ext uri="{BB962C8B-B14F-4D97-AF65-F5344CB8AC3E}">
-        <p14:creationId xmlns:p14="http://schemas.microsoft.com/office/powerpoint/2010/main" val="1996551084"/>
+        <p14:creationId xmlns:p14="http://schemas.microsoft.com/office/powerpoint/2010/main" xmlns="" val="1996551084"/>
       </p:ext>
     </p:extLst>
   </p:cSld>
@@ -30446,121 +30186,37 @@
           <a:p>
             <a:pPr lvl="1"/>
             <a:r>
-              <a:rPr lang="pt-PT" dirty="0" err="1"/>
-              <a:t>Update</a:t>
-            </a:r>
-            <a:r>
-              <a:rPr lang="pt-PT" dirty="0"/>
-              <a:t> </a:t>
-            </a:r>
-            <a:r>
-              <a:rPr lang="pt-PT" dirty="0" err="1"/>
-              <a:t>the</a:t>
-            </a:r>
-            <a:r>
-              <a:rPr lang="pt-PT" dirty="0"/>
-              <a:t> </a:t>
-            </a:r>
-            <a:r>
-              <a:rPr lang="pt-PT" dirty="0" err="1"/>
-              <a:t>repository</a:t>
-            </a:r>
-            <a:endParaRPr lang="pt-PT" dirty="0"/>
+              <a:rPr lang="en-US" dirty="0" smtClean="0"/>
+              <a:t>Updating the repository</a:t>
+            </a:r>
           </a:p>
           <a:p>
             <a:pPr lvl="1"/>
             <a:r>
-              <a:rPr lang="pt-PT" dirty="0" err="1"/>
-              <a:t>Writing</a:t>
-            </a:r>
-            <a:r>
-              <a:rPr lang="pt-PT" dirty="0"/>
-              <a:t> some processes</a:t>
+              <a:rPr lang="en-US" dirty="0" smtClean="0"/>
+              <a:t>Writing some processes</a:t>
             </a:r>
           </a:p>
           <a:p>
             <a:pPr lvl="1"/>
             <a:r>
-              <a:rPr lang="pt-PT" dirty="0"/>
-              <a:t>SRS </a:t>
-            </a:r>
-            <a:r>
-              <a:rPr lang="pt-PT" dirty="0" err="1"/>
-              <a:t>and</a:t>
-            </a:r>
-            <a:r>
-              <a:rPr lang="pt-PT" dirty="0"/>
-              <a:t> </a:t>
-            </a:r>
-            <a:r>
-              <a:rPr lang="pt-PT" dirty="0" err="1"/>
-              <a:t>Requirements</a:t>
-            </a:r>
-            <a:r>
-              <a:rPr lang="pt-PT" dirty="0"/>
-              <a:t> </a:t>
-            </a:r>
-            <a:r>
-              <a:rPr lang="pt-PT" dirty="0" err="1"/>
-              <a:t>Definition</a:t>
-            </a:r>
-            <a:endParaRPr lang="pt-PT" dirty="0"/>
+              <a:rPr lang="en-US" dirty="0" smtClean="0"/>
+              <a:t>SRS and Requirements Definition</a:t>
+            </a:r>
           </a:p>
           <a:p>
             <a:pPr lvl="1"/>
             <a:r>
-              <a:rPr lang="pt-PT" dirty="0" err="1"/>
-              <a:t>Review</a:t>
-            </a:r>
-            <a:r>
-              <a:rPr lang="pt-PT" dirty="0"/>
-              <a:t> </a:t>
-            </a:r>
-            <a:r>
-              <a:rPr lang="pt-PT" dirty="0" err="1"/>
-              <a:t>and</a:t>
-            </a:r>
-            <a:r>
-              <a:rPr lang="pt-PT" dirty="0"/>
-              <a:t> </a:t>
-            </a:r>
-            <a:r>
-              <a:rPr lang="pt-PT" dirty="0" err="1"/>
-              <a:t>approval</a:t>
-            </a:r>
-            <a:r>
-              <a:rPr lang="pt-PT" dirty="0"/>
-              <a:t> </a:t>
-            </a:r>
-            <a:r>
-              <a:rPr lang="pt-PT" dirty="0" err="1"/>
-              <a:t>of</a:t>
-            </a:r>
-            <a:r>
-              <a:rPr lang="pt-PT" dirty="0"/>
-              <a:t> some </a:t>
-            </a:r>
-            <a:r>
-              <a:rPr lang="pt-PT" dirty="0" err="1"/>
-              <a:t>documents</a:t>
-            </a:r>
-            <a:endParaRPr lang="pt-PT" dirty="0"/>
+              <a:rPr lang="en-US" dirty="0" smtClean="0"/>
+              <a:t>Review and approval of some documents</a:t>
+            </a:r>
           </a:p>
           <a:p>
             <a:pPr lvl="1"/>
             <a:r>
-              <a:rPr lang="pt-PT" dirty="0" err="1"/>
-              <a:t>Coding</a:t>
-            </a:r>
-            <a:r>
-              <a:rPr lang="pt-PT" dirty="0"/>
-              <a:t> some </a:t>
-            </a:r>
-            <a:r>
-              <a:rPr lang="pt-PT" dirty="0" err="1"/>
-              <a:t>features</a:t>
-            </a:r>
-            <a:endParaRPr lang="pt-PT" dirty="0"/>
+              <a:rPr lang="en-US" dirty="0" smtClean="0"/>
+              <a:t>Coding some features</a:t>
+            </a:r>
           </a:p>
           <a:p>
             <a:endParaRPr lang="pt-PT" dirty="0"/>
@@ -30636,7 +30292,7 @@
               <a:buChar char="•"/>
             </a:pPr>
             <a:r>
-              <a:rPr lang="pt-PT" sz="2400" dirty="0" err="1" smtClean="0">
+              <a:rPr lang="en-US" sz="2400" dirty="0" smtClean="0">
                 <a:solidFill>
                   <a:schemeClr val="tx1">
                     <a:lumMod val="85000"/>
@@ -30644,104 +30300,8 @@
                   </a:schemeClr>
                 </a:solidFill>
               </a:rPr>
-              <a:t>Help</a:t>
-            </a:r>
-            <a:r>
-              <a:rPr lang="pt-PT" sz="2400" dirty="0" smtClean="0">
-                <a:solidFill>
-                  <a:schemeClr val="tx1">
-                    <a:lumMod val="85000"/>
-                    <a:lumOff val="15000"/>
-                  </a:schemeClr>
-                </a:solidFill>
-              </a:rPr>
-              <a:t> </a:t>
-            </a:r>
-            <a:r>
-              <a:rPr lang="pt-PT" sz="2400" dirty="0" err="1">
-                <a:solidFill>
-                  <a:schemeClr val="tx1">
-                    <a:lumMod val="85000"/>
-                    <a:lumOff val="15000"/>
-                  </a:schemeClr>
-                </a:solidFill>
-              </a:rPr>
-              <a:t>when</a:t>
-            </a:r>
-            <a:r>
-              <a:rPr lang="pt-PT" sz="2400" dirty="0">
-                <a:solidFill>
-                  <a:schemeClr val="tx1">
-                    <a:lumMod val="85000"/>
-                    <a:lumOff val="15000"/>
-                  </a:schemeClr>
-                </a:solidFill>
-              </a:rPr>
-              <a:t> </a:t>
-            </a:r>
-            <a:r>
-              <a:rPr lang="pt-PT" sz="2400" dirty="0" err="1">
-                <a:solidFill>
-                  <a:schemeClr val="tx1">
-                    <a:lumMod val="85000"/>
-                    <a:lumOff val="15000"/>
-                  </a:schemeClr>
-                </a:solidFill>
-              </a:rPr>
-              <a:t>it</a:t>
-            </a:r>
-            <a:r>
-              <a:rPr lang="pt-PT" sz="2400" dirty="0">
-                <a:solidFill>
-                  <a:schemeClr val="tx1">
-                    <a:lumMod val="85000"/>
-                    <a:lumOff val="15000"/>
-                  </a:schemeClr>
-                </a:solidFill>
-              </a:rPr>
-              <a:t> </a:t>
-            </a:r>
-            <a:r>
-              <a:rPr lang="pt-PT" sz="2400" dirty="0" err="1">
-                <a:solidFill>
-                  <a:schemeClr val="tx1">
-                    <a:lumMod val="85000"/>
-                    <a:lumOff val="15000"/>
-                  </a:schemeClr>
-                </a:solidFill>
-              </a:rPr>
-              <a:t>was</a:t>
-            </a:r>
-            <a:r>
-              <a:rPr lang="pt-PT" sz="2400" dirty="0">
-                <a:solidFill>
-                  <a:schemeClr val="tx1">
-                    <a:lumMod val="85000"/>
-                    <a:lumOff val="15000"/>
-                  </a:schemeClr>
-                </a:solidFill>
-              </a:rPr>
-              <a:t> </a:t>
-            </a:r>
-            <a:r>
-              <a:rPr lang="pt-PT" sz="2400" dirty="0" err="1">
-                <a:solidFill>
-                  <a:schemeClr val="tx1">
-                    <a:lumMod val="85000"/>
-                    <a:lumOff val="15000"/>
-                  </a:schemeClr>
-                </a:solidFill>
-              </a:rPr>
-              <a:t>needed</a:t>
-            </a:r>
-            <a:endParaRPr lang="pt-PT" sz="2400" dirty="0">
-              <a:solidFill>
-                <a:schemeClr val="tx1">
-                  <a:lumMod val="85000"/>
-                  <a:lumOff val="15000"/>
-                </a:schemeClr>
-              </a:solidFill>
-            </a:endParaRPr>
+              <a:t>Helped when required </a:t>
+            </a:r>
           </a:p>
           <a:p>
             <a:pPr marL="742950" lvl="1" indent="-285750" defTabSz="457200">
@@ -30759,7 +30319,7 @@
               <a:buChar char="•"/>
             </a:pPr>
             <a:r>
-              <a:rPr lang="pt-PT" sz="2400" dirty="0" err="1">
+              <a:rPr lang="en-US" sz="2400" dirty="0" smtClean="0">
                 <a:solidFill>
                   <a:schemeClr val="tx1">
                     <a:lumMod val="85000"/>
@@ -30767,82 +30327,8 @@
                   </a:schemeClr>
                 </a:solidFill>
               </a:rPr>
-              <a:t>Did</a:t>
-            </a:r>
-            <a:r>
-              <a:rPr lang="pt-PT" sz="2400" dirty="0">
-                <a:solidFill>
-                  <a:schemeClr val="tx1">
-                    <a:lumMod val="85000"/>
-                    <a:lumOff val="15000"/>
-                  </a:schemeClr>
-                </a:solidFill>
-              </a:rPr>
-              <a:t> </a:t>
-            </a:r>
-            <a:r>
-              <a:rPr lang="pt-PT" sz="2400" dirty="0" err="1">
-                <a:solidFill>
-                  <a:schemeClr val="tx1">
-                    <a:lumMod val="85000"/>
-                    <a:lumOff val="15000"/>
-                  </a:schemeClr>
-                </a:solidFill>
-              </a:rPr>
-              <a:t>the</a:t>
-            </a:r>
-            <a:r>
-              <a:rPr lang="pt-PT" sz="2400" dirty="0">
-                <a:solidFill>
-                  <a:schemeClr val="tx1">
-                    <a:lumMod val="85000"/>
-                    <a:lumOff val="15000"/>
-                  </a:schemeClr>
-                </a:solidFill>
-              </a:rPr>
-              <a:t> </a:t>
-            </a:r>
-            <a:r>
-              <a:rPr lang="pt-PT" sz="2400" dirty="0" err="1">
-                <a:solidFill>
-                  <a:schemeClr val="tx1">
-                    <a:lumMod val="85000"/>
-                    <a:lumOff val="15000"/>
-                  </a:schemeClr>
-                </a:solidFill>
-              </a:rPr>
-              <a:t>tasks</a:t>
-            </a:r>
-            <a:r>
-              <a:rPr lang="pt-PT" sz="2400" dirty="0">
-                <a:solidFill>
-                  <a:schemeClr val="tx1">
-                    <a:lumMod val="85000"/>
-                    <a:lumOff val="15000"/>
-                  </a:schemeClr>
-                </a:solidFill>
-              </a:rPr>
-              <a:t> </a:t>
-            </a:r>
-            <a:r>
-              <a:rPr lang="pt-PT" sz="2400" dirty="0" err="1">
-                <a:solidFill>
-                  <a:schemeClr val="tx1">
-                    <a:lumMod val="85000"/>
-                    <a:lumOff val="15000"/>
-                  </a:schemeClr>
-                </a:solidFill>
-              </a:rPr>
-              <a:t>given</a:t>
-            </a:r>
-            <a:endParaRPr lang="pt-PT" sz="2400" dirty="0">
-              <a:solidFill>
-                <a:schemeClr val="tx1">
-                  <a:lumMod val="85000"/>
-                  <a:lumOff val="15000"/>
-                </a:schemeClr>
-              </a:solidFill>
-            </a:endParaRPr>
+              <a:t>Did the assigned tasks</a:t>
+            </a:r>
           </a:p>
           <a:p>
             <a:pPr marL="742950" lvl="1" indent="-285750" defTabSz="457200">
@@ -30860,7 +30346,7 @@
               <a:buChar char="•"/>
             </a:pPr>
             <a:r>
-              <a:rPr lang="pt-PT" sz="2400" dirty="0" err="1" smtClean="0">
+              <a:rPr lang="en-US" sz="2400" dirty="0" smtClean="0">
                 <a:solidFill>
                   <a:schemeClr val="tx1">
                     <a:lumMod val="85000"/>
@@ -30868,71 +30354,8 @@
                   </a:schemeClr>
                 </a:solidFill>
               </a:rPr>
-              <a:t>Interest</a:t>
-            </a:r>
-            <a:r>
-              <a:rPr lang="pt-PT" sz="2400" dirty="0" smtClean="0">
-                <a:solidFill>
-                  <a:schemeClr val="tx1">
-                    <a:lumMod val="85000"/>
-                    <a:lumOff val="15000"/>
-                  </a:schemeClr>
-                </a:solidFill>
-              </a:rPr>
-              <a:t> </a:t>
-            </a:r>
-            <a:r>
-              <a:rPr lang="pt-PT" sz="2400" dirty="0">
-                <a:solidFill>
-                  <a:schemeClr val="tx1">
-                    <a:lumMod val="85000"/>
-                    <a:lumOff val="15000"/>
-                  </a:schemeClr>
-                </a:solidFill>
-              </a:rPr>
-              <a:t>in </a:t>
-            </a:r>
-            <a:r>
-              <a:rPr lang="pt-PT" sz="2400" dirty="0" err="1">
-                <a:solidFill>
-                  <a:schemeClr val="tx1">
-                    <a:lumMod val="85000"/>
-                    <a:lumOff val="15000"/>
-                  </a:schemeClr>
-                </a:solidFill>
-              </a:rPr>
-              <a:t>the</a:t>
-            </a:r>
-            <a:r>
-              <a:rPr lang="pt-PT" sz="2400" dirty="0">
-                <a:solidFill>
-                  <a:schemeClr val="tx1">
-                    <a:lumMod val="85000"/>
-                    <a:lumOff val="15000"/>
-                  </a:schemeClr>
-                </a:solidFill>
-              </a:rPr>
-              <a:t> </a:t>
-            </a:r>
-            <a:r>
-              <a:rPr lang="pt-PT" sz="2400" dirty="0" err="1">
-                <a:solidFill>
-                  <a:schemeClr val="tx1">
-                    <a:lumMod val="85000"/>
-                    <a:lumOff val="15000"/>
-                  </a:schemeClr>
-                </a:solidFill>
-              </a:rPr>
-              <a:t>project</a:t>
-            </a:r>
-            <a:endParaRPr lang="pt-PT" sz="2400" dirty="0">
-              <a:solidFill>
-                <a:schemeClr val="tx1">
-                  <a:lumMod val="85000"/>
-                  <a:lumOff val="15000"/>
-                </a:schemeClr>
-              </a:solidFill>
-            </a:endParaRPr>
+              <a:t>Interest in the project</a:t>
+            </a:r>
           </a:p>
           <a:p>
             <a:endParaRPr lang="pt-PT" dirty="0"/>
@@ -31021,124 +30444,36 @@
           <a:p>
             <a:pPr lvl="1"/>
             <a:r>
-              <a:rPr lang="pt-PT" dirty="0" err="1" smtClean="0"/>
-              <a:t>Teamwork</a:t>
-            </a:r>
-            <a:r>
-              <a:rPr lang="pt-PT" dirty="0" smtClean="0"/>
-              <a:t> </a:t>
-            </a:r>
-            <a:r>
-              <a:rPr lang="pt-PT" dirty="0" err="1"/>
-              <a:t>is</a:t>
-            </a:r>
-            <a:r>
-              <a:rPr lang="pt-PT" dirty="0"/>
-              <a:t> </a:t>
-            </a:r>
-            <a:r>
-              <a:rPr lang="pt-PT" dirty="0" err="1"/>
-              <a:t>the</a:t>
-            </a:r>
-            <a:r>
-              <a:rPr lang="pt-PT" dirty="0"/>
-              <a:t> </a:t>
-            </a:r>
-            <a:r>
-              <a:rPr lang="pt-PT" dirty="0" err="1"/>
-              <a:t>key</a:t>
-            </a:r>
-            <a:r>
-              <a:rPr lang="pt-PT" dirty="0"/>
-              <a:t> to </a:t>
-            </a:r>
-            <a:r>
-              <a:rPr lang="pt-PT" dirty="0" err="1"/>
+              <a:rPr lang="en-US" dirty="0" smtClean="0"/>
+              <a:t>Teamwork is the key to </a:t>
+            </a:r>
+            <a:r>
+              <a:rPr lang="en-US" dirty="0" err="1" smtClean="0"/>
               <a:t>sucess</a:t>
             </a:r>
-            <a:endParaRPr lang="pt-PT" dirty="0"/>
+            <a:endParaRPr lang="en-US" dirty="0" smtClean="0"/>
           </a:p>
           <a:p>
             <a:pPr lvl="1"/>
             <a:r>
-              <a:rPr lang="pt-PT" dirty="0" err="1"/>
-              <a:t>The</a:t>
-            </a:r>
-            <a:r>
-              <a:rPr lang="pt-PT" dirty="0"/>
-              <a:t> </a:t>
-            </a:r>
-            <a:r>
-              <a:rPr lang="pt-PT" dirty="0" err="1"/>
-              <a:t>structure</a:t>
-            </a:r>
-            <a:r>
-              <a:rPr lang="pt-PT" dirty="0"/>
-              <a:t> </a:t>
-            </a:r>
-            <a:r>
-              <a:rPr lang="pt-PT" dirty="0" err="1"/>
-              <a:t>of</a:t>
-            </a:r>
-            <a:r>
-              <a:rPr lang="pt-PT" dirty="0"/>
-              <a:t> </a:t>
-            </a:r>
-            <a:r>
-              <a:rPr lang="pt-PT" dirty="0" err="1"/>
-              <a:t>the</a:t>
-            </a:r>
-            <a:r>
-              <a:rPr lang="pt-PT" dirty="0"/>
-              <a:t> </a:t>
-            </a:r>
-            <a:r>
-              <a:rPr lang="pt-PT" dirty="0" err="1"/>
-              <a:t>application</a:t>
-            </a:r>
-            <a:r>
-              <a:rPr lang="pt-PT" dirty="0"/>
-              <a:t> </a:t>
-            </a:r>
-            <a:r>
-              <a:rPr lang="pt-PT" dirty="0" err="1"/>
-              <a:t>should</a:t>
-            </a:r>
-            <a:r>
-              <a:rPr lang="pt-PT" dirty="0"/>
-              <a:t> </a:t>
-            </a:r>
-            <a:r>
-              <a:rPr lang="pt-PT" dirty="0" err="1"/>
-              <a:t>be</a:t>
-            </a:r>
-            <a:r>
-              <a:rPr lang="pt-PT" dirty="0"/>
-              <a:t> </a:t>
-            </a:r>
-            <a:r>
-              <a:rPr lang="pt-PT" dirty="0" err="1"/>
-              <a:t>well</a:t>
-            </a:r>
-            <a:r>
-              <a:rPr lang="pt-PT" dirty="0"/>
-              <a:t> </a:t>
-            </a:r>
-            <a:r>
-              <a:rPr lang="pt-PT" dirty="0" err="1"/>
+              <a:rPr lang="en-US" smtClean="0"/>
+              <a:t>The structure of the application should be well </a:t>
+            </a:r>
+            <a:r>
+              <a:rPr lang="en-US" smtClean="0"/>
               <a:t>planned</a:t>
             </a:r>
-            <a:endParaRPr lang="pt-PT" dirty="0"/>
-          </a:p>
-          <a:p>
-            <a:endParaRPr lang="pt-PT" dirty="0"/>
+            <a:endParaRPr lang="en-US" smtClean="0"/>
+          </a:p>
+          <a:p>
+            <a:endParaRPr lang="en-US"/>
           </a:p>
         </p:txBody>
       </p:sp>
     </p:spTree>
     <p:extLst>
       <p:ext uri="{BB962C8B-B14F-4D97-AF65-F5344CB8AC3E}">
-        <p14:creationId xmlns:p14="http://schemas.microsoft.com/office/powerpoint/2010/main" val="323619009"/>
+        <p14:creationId xmlns:p14="http://schemas.microsoft.com/office/powerpoint/2010/main" xmlns="" val="323619009"/>
       </p:ext>
     </p:extLst>
   </p:cSld>
@@ -31439,7 +30774,7 @@
     </p:spTree>
     <p:extLst>
       <p:ext uri="{BB962C8B-B14F-4D97-AF65-F5344CB8AC3E}">
-        <p14:creationId xmlns:p14="http://schemas.microsoft.com/office/powerpoint/2010/main" val="1399430186"/>
+        <p14:creationId xmlns:p14="http://schemas.microsoft.com/office/powerpoint/2010/main" xmlns="" val="1399430186"/>
       </p:ext>
     </p:extLst>
   </p:cSld>
@@ -31519,7 +30854,7 @@
     </p:spTree>
     <p:extLst>
       <p:ext uri="{BB962C8B-B14F-4D97-AF65-F5344CB8AC3E}">
-        <p14:creationId xmlns:p14="http://schemas.microsoft.com/office/powerpoint/2010/main" val="4109416244"/>
+        <p14:creationId xmlns:p14="http://schemas.microsoft.com/office/powerpoint/2010/main" xmlns="" val="4109416244"/>
       </p:ext>
     </p:extLst>
   </p:cSld>
@@ -31757,7 +31092,7 @@
     </p:spTree>
     <p:extLst>
       <p:ext uri="{BB962C8B-B14F-4D97-AF65-F5344CB8AC3E}">
-        <p14:creationId xmlns:p14="http://schemas.microsoft.com/office/powerpoint/2010/main" val="3388566770"/>
+        <p14:creationId xmlns:p14="http://schemas.microsoft.com/office/powerpoint/2010/main" xmlns="" val="3388566770"/>
       </p:ext>
     </p:extLst>
   </p:cSld>
@@ -32001,7 +31336,7 @@
   <a:extraClrSchemeLst/>
   <a:extLst>
     <a:ext uri="{05A4C25C-085E-4340-85A3-A5531E510DB2}">
-      <thm15:themeFamily xmlns:thm15="http://schemas.microsoft.com/office/thememl/2012/main" name="Organic" id="{28CDC826-8792-45C0-861B-85EB3ADEDA33}" vid="{E4E49EB0-FB00-41F5-9359-4843D783A23D}"/>
+      <thm15:themeFamily xmlns:thm15="http://schemas.microsoft.com/office/thememl/2012/main" xmlns="" name="Organic" id="{28CDC826-8792-45C0-861B-85EB3ADEDA33}" vid="{E4E49EB0-FB00-41F5-9359-4843D783A23D}"/>
     </a:ext>
   </a:extLst>
 </a:theme>
@@ -32262,7 +31597,7 @@
   <a:extraClrSchemeLst/>
   <a:extLst>
     <a:ext uri="{05A4C25C-085E-4340-85A3-A5531E510DB2}">
-      <thm15:themeFamily xmlns:thm15="http://schemas.microsoft.com/office/thememl/2012/main" name="Office Theme" id="{62F939B6-93AF-4DB8-9C6B-D6C7DFDC589F}" vid="{4A3C46E8-61CC-4603-A589-7422A47A8E4A}"/>
+      <thm15:themeFamily xmlns:thm15="http://schemas.microsoft.com/office/thememl/2012/main" xmlns="" name="Office Theme" id="{62F939B6-93AF-4DB8-9C6B-D6C7DFDC589F}" vid="{4A3C46E8-61CC-4603-A589-7422A47A8E4A}"/>
     </a:ext>
   </a:extLst>
 </a:theme>

--- a/Final Presentation/Presentation.pptx
+++ b/Final Presentation/Presentation.pptx
@@ -181,7 +181,7 @@
   </p:defaultTextStyle>
   <p:extLst>
     <p:ext uri="{EFAFB233-063F-42B5-8137-9DF3F51BA10A}">
-      <p15:sldGuideLst xmlns:p15="http://schemas.microsoft.com/office/powerpoint/2012/main" xmlns="">
+      <p15:sldGuideLst xmlns:p15="http://schemas.microsoft.com/office/powerpoint/2012/main">
         <p15:guide id="1" orient="horz" pos="2160">
           <p15:clr>
             <a:srgbClr val="A4A3A4"/>
@@ -200,7 +200,17 @@
 
 <file path=ppt/charts/chart1.xml><?xml version="1.0" encoding="utf-8"?>
 <c:chartSpace xmlns:c="http://schemas.openxmlformats.org/drawingml/2006/chart" xmlns:a="http://schemas.openxmlformats.org/drawingml/2006/main" xmlns:r="http://schemas.openxmlformats.org/officeDocument/2006/relationships">
-  <c:lang val="pt-PT"/>
+  <c:date1904 val="0"/>
+  <c:lang val="en-US"/>
+  <c:roundedCorners val="0"/>
+  <mc:AlternateContent xmlns:mc="http://schemas.openxmlformats.org/markup-compatibility/2006">
+    <mc:Choice xmlns:c14="http://schemas.microsoft.com/office/drawing/2007/8/2/chart" Requires="c14">
+      <c14:style val="102"/>
+    </mc:Choice>
+    <mc:Fallback>
+      <c:style val="2"/>
+    </mc:Fallback>
+  </mc:AlternateContent>
   <c:chart>
     <c:title>
       <c:tx>
@@ -228,7 +238,7 @@
           </a:p>
         </c:rich>
       </c:tx>
-      <c:layout/>
+      <c:overlay val="0"/>
       <c:spPr>
         <a:noFill/>
         <a:ln>
@@ -236,12 +246,34 @@
         </a:ln>
         <a:effectLst/>
       </c:spPr>
+      <c:txPr>
+        <a:bodyPr rot="0" spcFirstLastPara="1" vertOverflow="ellipsis" vert="horz" wrap="square" anchor="ctr" anchorCtr="1"/>
+        <a:lstStyle/>
+        <a:p>
+          <a:pPr>
+            <a:defRPr sz="2128" b="1" i="0" u="none" strike="noStrike" kern="1200" cap="all" spc="120" normalizeH="0" baseline="0">
+              <a:solidFill>
+                <a:schemeClr val="tx1">
+                  <a:lumMod val="65000"/>
+                  <a:lumOff val="35000"/>
+                </a:schemeClr>
+              </a:solidFill>
+              <a:latin typeface="+mn-lt"/>
+              <a:ea typeface="+mn-ea"/>
+              <a:cs typeface="+mn-cs"/>
+            </a:defRPr>
+          </a:pPr>
+          <a:endParaRPr lang="pt-PT"/>
+        </a:p>
+      </c:txPr>
     </c:title>
+    <c:autoTitleDeleted val="0"/>
     <c:plotArea>
       <c:layout/>
       <c:barChart>
         <c:barDir val="col"/>
         <c:grouping val="clustered"/>
+        <c:varyColors val="0"/>
         <c:ser>
           <c:idx val="0"/>
           <c:order val="0"/>
@@ -265,6 +297,7 @@
             </a:ln>
             <a:effectLst/>
           </c:spPr>
+          <c:invertIfNegative val="0"/>
           <c:dLbls>
             <c:spPr>
               <a:noFill/>
@@ -296,10 +329,15 @@
               </a:p>
             </c:txPr>
             <c:dLblPos val="outEnd"/>
+            <c:showLegendKey val="0"/>
             <c:showVal val="1"/>
+            <c:showCatName val="0"/>
+            <c:showSerName val="0"/>
+            <c:showPercent val="0"/>
+            <c:showBubbleSize val="0"/>
+            <c:showLeaderLines val="0"/>
             <c:extLst>
               <c:ext xmlns:c15="http://schemas.microsoft.com/office/drawing/2012/chart" uri="{CE6537A1-D6FC-4f65-9D91-7224C49458BB}">
-                <c15:layout/>
                 <c15:showLeaderLines val="1"/>
                 <c15:leaderLines>
                   <c:spPr>
@@ -341,7 +379,7 @@
             <c:numRef>
               <c:f>Folha1!$O$44:$R$44</c:f>
               <c:numCache>
-                <c:formatCode>Estandar</c:formatCode>
+                <c:formatCode>General</c:formatCode>
                 <c:ptCount val="4"/>
                 <c:pt idx="0">
                   <c:v>100</c:v>
@@ -379,6 +417,7 @@
             </a:ln>
             <a:effectLst/>
           </c:spPr>
+          <c:invertIfNegative val="0"/>
           <c:dLbls>
             <c:spPr>
               <a:noFill/>
@@ -410,10 +449,15 @@
               </a:p>
             </c:txPr>
             <c:dLblPos val="outEnd"/>
+            <c:showLegendKey val="0"/>
             <c:showVal val="1"/>
+            <c:showCatName val="0"/>
+            <c:showSerName val="0"/>
+            <c:showPercent val="0"/>
+            <c:showBubbleSize val="0"/>
+            <c:showLeaderLines val="0"/>
             <c:extLst>
               <c:ext xmlns:c15="http://schemas.microsoft.com/office/drawing/2012/chart" uri="{CE6537A1-D6FC-4f65-9D91-7224C49458BB}">
-                <c15:layout/>
                 <c15:showLeaderLines val="1"/>
                 <c15:leaderLines>
                   <c:spPr>
@@ -455,7 +499,7 @@
             <c:numRef>
               <c:f>Folha1!$O$45:$R$45</c:f>
               <c:numCache>
-                <c:formatCode>Estandar</c:formatCode>
+                <c:formatCode>General</c:formatCode>
                 <c:ptCount val="4"/>
                 <c:pt idx="1">
                   <c:v>93</c:v>
@@ -471,18 +515,24 @@
           </c:val>
         </c:ser>
         <c:dLbls>
+          <c:showLegendKey val="0"/>
           <c:showVal val="1"/>
+          <c:showCatName val="0"/>
+          <c:showSerName val="0"/>
+          <c:showPercent val="0"/>
+          <c:showBubbleSize val="0"/>
         </c:dLbls>
         <c:gapWidth val="444"/>
         <c:overlap val="-90"/>
-        <c:axId val="73685632"/>
-        <c:axId val="73695616"/>
+        <c:axId val="-531472784"/>
+        <c:axId val="-531477136"/>
       </c:barChart>
       <c:catAx>
-        <c:axId val="73685632"/>
+        <c:axId val="-531472784"/>
         <c:scaling>
           <c:orientation val="minMax"/>
         </c:scaling>
+        <c:delete val="0"/>
         <c:axPos val="b"/>
         <c:majorGridlines>
           <c:spPr>
@@ -498,8 +548,9 @@
             <a:effectLst/>
           </c:spPr>
         </c:majorGridlines>
-        <c:numFmt formatCode="Estandar" sourceLinked="1"/>
+        <c:numFmt formatCode="General" sourceLinked="1"/>
         <c:majorTickMark val="none"/>
+        <c:minorTickMark val="none"/>
         <c:tickLblPos val="nextTo"/>
         <c:spPr>
           <a:noFill/>
@@ -534,23 +585,25 @@
             <a:endParaRPr lang="pt-PT"/>
           </a:p>
         </c:txPr>
-        <c:crossAx val="73695616"/>
+        <c:crossAx val="-531477136"/>
         <c:crosses val="autoZero"/>
         <c:auto val="1"/>
         <c:lblAlgn val="ctr"/>
         <c:lblOffset val="100"/>
+        <c:noMultiLvlLbl val="0"/>
       </c:catAx>
       <c:valAx>
-        <c:axId val="73695616"/>
+        <c:axId val="-531477136"/>
         <c:scaling>
           <c:orientation val="minMax"/>
         </c:scaling>
         <c:delete val="1"/>
         <c:axPos val="l"/>
-        <c:numFmt formatCode="Estandar" sourceLinked="1"/>
+        <c:numFmt formatCode="General" sourceLinked="1"/>
         <c:majorTickMark val="none"/>
+        <c:minorTickMark val="none"/>
         <c:tickLblPos val="none"/>
-        <c:crossAx val="73685632"/>
+        <c:crossAx val="-531472784"/>
         <c:crosses val="autoZero"/>
         <c:crossBetween val="between"/>
       </c:valAx>
@@ -564,7 +617,7 @@
     </c:plotArea>
     <c:legend>
       <c:legendPos val="t"/>
-      <c:layout/>
+      <c:overlay val="0"/>
       <c:spPr>
         <a:noFill/>
         <a:ln>
@@ -595,6 +648,7 @@
     </c:legend>
     <c:plotVisOnly val="1"/>
     <c:dispBlanksAs val="gap"/>
+    <c:showDLblsOverMax val="0"/>
   </c:chart>
   <c:spPr>
     <a:noFill/>
@@ -613,13 +667,25 @@
       <a:endParaRPr lang="pt-PT"/>
     </a:p>
   </c:txPr>
-  <c:externalData r:id="rId1"/>
+  <c:externalData r:id="rId3">
+    <c:autoUpdate val="0"/>
+  </c:externalData>
 </c:chartSpace>
 </file>
 
 <file path=ppt/charts/chart2.xml><?xml version="1.0" encoding="utf-8"?>
 <c:chartSpace xmlns:c="http://schemas.openxmlformats.org/drawingml/2006/chart" xmlns:a="http://schemas.openxmlformats.org/drawingml/2006/main" xmlns:r="http://schemas.openxmlformats.org/officeDocument/2006/relationships">
-  <c:lang val="pt-PT"/>
+  <c:date1904 val="0"/>
+  <c:lang val="en-US"/>
+  <c:roundedCorners val="0"/>
+  <mc:AlternateContent xmlns:mc="http://schemas.openxmlformats.org/markup-compatibility/2006">
+    <mc:Choice xmlns:c14="http://schemas.microsoft.com/office/drawing/2007/8/2/chart" Requires="c14">
+      <c14:style val="102"/>
+    </mc:Choice>
+    <mc:Fallback>
+      <c:style val="2"/>
+    </mc:Fallback>
+  </mc:AlternateContent>
   <c:chart>
     <c:title>
       <c:tx>
@@ -655,6 +721,7 @@
           <c:y val="2.4482108622810726E-2"/>
         </c:manualLayout>
       </c:layout>
+      <c:overlay val="0"/>
       <c:spPr>
         <a:noFill/>
         <a:ln>
@@ -662,12 +729,34 @@
         </a:ln>
         <a:effectLst/>
       </c:spPr>
+      <c:txPr>
+        <a:bodyPr rot="0" spcFirstLastPara="1" vertOverflow="ellipsis" vert="horz" wrap="square" anchor="ctr" anchorCtr="1"/>
+        <a:lstStyle/>
+        <a:p>
+          <a:pPr>
+            <a:defRPr sz="2128" b="1" i="0" u="none" strike="noStrike" kern="1200" cap="all" spc="120" normalizeH="0" baseline="0">
+              <a:solidFill>
+                <a:schemeClr val="tx1">
+                  <a:lumMod val="65000"/>
+                  <a:lumOff val="35000"/>
+                </a:schemeClr>
+              </a:solidFill>
+              <a:latin typeface="+mn-lt"/>
+              <a:ea typeface="+mn-ea"/>
+              <a:cs typeface="+mn-cs"/>
+            </a:defRPr>
+          </a:pPr>
+          <a:endParaRPr lang="pt-PT"/>
+        </a:p>
+      </c:txPr>
     </c:title>
+    <c:autoTitleDeleted val="0"/>
     <c:plotArea>
       <c:layout/>
       <c:barChart>
         <c:barDir val="col"/>
         <c:grouping val="clustered"/>
+        <c:varyColors val="0"/>
         <c:ser>
           <c:idx val="0"/>
           <c:order val="0"/>
@@ -691,6 +780,7 @@
             </a:ln>
             <a:effectLst/>
           </c:spPr>
+          <c:invertIfNegative val="0"/>
           <c:dLbls>
             <c:spPr>
               <a:noFill/>
@@ -722,10 +812,15 @@
               </a:p>
             </c:txPr>
             <c:dLblPos val="outEnd"/>
+            <c:showLegendKey val="0"/>
             <c:showVal val="1"/>
+            <c:showCatName val="0"/>
+            <c:showSerName val="0"/>
+            <c:showPercent val="0"/>
+            <c:showBubbleSize val="0"/>
+            <c:showLeaderLines val="0"/>
             <c:extLst>
               <c:ext xmlns:c15="http://schemas.microsoft.com/office/drawing/2012/chart" uri="{CE6537A1-D6FC-4f65-9D91-7224C49458BB}">
-                <c15:layout/>
                 <c15:showLeaderLines val="1"/>
                 <c15:leaderLines>
                   <c:spPr>
@@ -767,7 +862,7 @@
             <c:numRef>
               <c:f>Folha1!$L$69:$O$69</c:f>
               <c:numCache>
-                <c:formatCode>Estandar</c:formatCode>
+                <c:formatCode>General</c:formatCode>
                 <c:ptCount val="4"/>
                 <c:pt idx="0">
                   <c:v>100</c:v>
@@ -808,6 +903,7 @@
             </a:ln>
             <a:effectLst/>
           </c:spPr>
+          <c:invertIfNegative val="0"/>
           <c:dLbls>
             <c:spPr>
               <a:noFill/>
@@ -839,10 +935,15 @@
               </a:p>
             </c:txPr>
             <c:dLblPos val="outEnd"/>
+            <c:showLegendKey val="0"/>
             <c:showVal val="1"/>
+            <c:showCatName val="0"/>
+            <c:showSerName val="0"/>
+            <c:showPercent val="0"/>
+            <c:showBubbleSize val="0"/>
+            <c:showLeaderLines val="0"/>
             <c:extLst>
               <c:ext xmlns:c15="http://schemas.microsoft.com/office/drawing/2012/chart" uri="{CE6537A1-D6FC-4f65-9D91-7224C49458BB}">
-                <c15:layout/>
                 <c15:showLeaderLines val="1"/>
                 <c15:leaderLines>
                   <c:spPr>
@@ -884,7 +985,7 @@
             <c:numRef>
               <c:f>Folha1!$L$70:$O$70</c:f>
               <c:numCache>
-                <c:formatCode>Estandar</c:formatCode>
+                <c:formatCode>General</c:formatCode>
                 <c:ptCount val="4"/>
                 <c:pt idx="0">
                   <c:v>107.75</c:v>
@@ -903,18 +1004,24 @@
           </c:val>
         </c:ser>
         <c:dLbls>
+          <c:showLegendKey val="0"/>
           <c:showVal val="1"/>
+          <c:showCatName val="0"/>
+          <c:showSerName val="0"/>
+          <c:showPercent val="0"/>
+          <c:showBubbleSize val="0"/>
         </c:dLbls>
         <c:gapWidth val="444"/>
         <c:overlap val="-90"/>
-        <c:axId val="76577408"/>
-        <c:axId val="76587392"/>
+        <c:axId val="-368772832"/>
+        <c:axId val="-368771744"/>
       </c:barChart>
       <c:catAx>
-        <c:axId val="76577408"/>
+        <c:axId val="-368772832"/>
         <c:scaling>
           <c:orientation val="minMax"/>
         </c:scaling>
+        <c:delete val="0"/>
         <c:axPos val="b"/>
         <c:majorGridlines>
           <c:spPr>
@@ -930,8 +1037,9 @@
             <a:effectLst/>
           </c:spPr>
         </c:majorGridlines>
-        <c:numFmt formatCode="Estandar" sourceLinked="1"/>
+        <c:numFmt formatCode="General" sourceLinked="1"/>
         <c:majorTickMark val="none"/>
+        <c:minorTickMark val="none"/>
         <c:tickLblPos val="nextTo"/>
         <c:spPr>
           <a:noFill/>
@@ -966,23 +1074,25 @@
             <a:endParaRPr lang="pt-PT"/>
           </a:p>
         </c:txPr>
-        <c:crossAx val="76587392"/>
+        <c:crossAx val="-368771744"/>
         <c:crosses val="autoZero"/>
         <c:auto val="1"/>
         <c:lblAlgn val="ctr"/>
         <c:lblOffset val="100"/>
+        <c:noMultiLvlLbl val="0"/>
       </c:catAx>
       <c:valAx>
-        <c:axId val="76587392"/>
+        <c:axId val="-368771744"/>
         <c:scaling>
           <c:orientation val="minMax"/>
         </c:scaling>
         <c:delete val="1"/>
         <c:axPos val="l"/>
-        <c:numFmt formatCode="Estandar" sourceLinked="1"/>
+        <c:numFmt formatCode="General" sourceLinked="1"/>
         <c:majorTickMark val="none"/>
+        <c:minorTickMark val="none"/>
         <c:tickLblPos val="none"/>
-        <c:crossAx val="76577408"/>
+        <c:crossAx val="-368772832"/>
         <c:crosses val="autoZero"/>
         <c:crossBetween val="between"/>
       </c:valAx>
@@ -1042,7 +1152,7 @@
           </a:p>
         </c:txPr>
       </c:legendEntry>
-      <c:layout/>
+      <c:overlay val="0"/>
       <c:spPr>
         <a:noFill/>
         <a:ln>
@@ -1073,6 +1183,7 @@
     </c:legend>
     <c:plotVisOnly val="1"/>
     <c:dispBlanksAs val="gap"/>
+    <c:showDLblsOverMax val="0"/>
   </c:chart>
   <c:spPr>
     <a:noFill/>
@@ -1091,13 +1202,25 @@
       <a:endParaRPr lang="pt-PT"/>
     </a:p>
   </c:txPr>
-  <c:externalData r:id="rId1"/>
+  <c:externalData r:id="rId3">
+    <c:autoUpdate val="0"/>
+  </c:externalData>
 </c:chartSpace>
 </file>
 
 <file path=ppt/charts/chart3.xml><?xml version="1.0" encoding="utf-8"?>
 <c:chartSpace xmlns:c="http://schemas.openxmlformats.org/drawingml/2006/chart" xmlns:a="http://schemas.openxmlformats.org/drawingml/2006/main" xmlns:r="http://schemas.openxmlformats.org/officeDocument/2006/relationships">
-  <c:lang val="pt-PT"/>
+  <c:date1904 val="0"/>
+  <c:lang val="en-US"/>
+  <c:roundedCorners val="0"/>
+  <mc:AlternateContent xmlns:mc="http://schemas.openxmlformats.org/markup-compatibility/2006">
+    <mc:Choice xmlns:c14="http://schemas.microsoft.com/office/drawing/2007/8/2/chart" Requires="c14">
+      <c14:style val="102"/>
+    </mc:Choice>
+    <mc:Fallback>
+      <c:style val="2"/>
+    </mc:Fallback>
+  </mc:AlternateContent>
   <c:chart>
     <c:title>
       <c:tx>
@@ -1125,7 +1248,7 @@
           </a:p>
         </c:rich>
       </c:tx>
-      <c:layout/>
+      <c:overlay val="0"/>
       <c:spPr>
         <a:noFill/>
         <a:ln>
@@ -1133,12 +1256,34 @@
         </a:ln>
         <a:effectLst/>
       </c:spPr>
+      <c:txPr>
+        <a:bodyPr rot="0" spcFirstLastPara="1" vertOverflow="ellipsis" vert="horz" wrap="square" anchor="ctr" anchorCtr="1"/>
+        <a:lstStyle/>
+        <a:p>
+          <a:pPr>
+            <a:defRPr sz="2128" b="1" i="0" u="none" strike="noStrike" kern="1200" cap="all" spc="120" normalizeH="0" baseline="0">
+              <a:solidFill>
+                <a:schemeClr val="tx1">
+                  <a:lumMod val="65000"/>
+                  <a:lumOff val="35000"/>
+                </a:schemeClr>
+              </a:solidFill>
+              <a:latin typeface="+mn-lt"/>
+              <a:ea typeface="+mn-ea"/>
+              <a:cs typeface="+mn-cs"/>
+            </a:defRPr>
+          </a:pPr>
+          <a:endParaRPr lang="pt-PT"/>
+        </a:p>
+      </c:txPr>
     </c:title>
+    <c:autoTitleDeleted val="0"/>
     <c:plotArea>
       <c:layout/>
       <c:barChart>
         <c:barDir val="col"/>
         <c:grouping val="clustered"/>
+        <c:varyColors val="0"/>
         <c:ser>
           <c:idx val="0"/>
           <c:order val="0"/>
@@ -1151,6 +1296,7 @@
             </a:ln>
             <a:effectLst/>
           </c:spPr>
+          <c:invertIfNegative val="0"/>
           <c:dLbls>
             <c:spPr>
               <a:noFill/>
@@ -1182,10 +1328,15 @@
               </a:p>
             </c:txPr>
             <c:dLblPos val="outEnd"/>
+            <c:showLegendKey val="0"/>
             <c:showVal val="1"/>
+            <c:showCatName val="0"/>
+            <c:showSerName val="0"/>
+            <c:showPercent val="0"/>
+            <c:showBubbleSize val="0"/>
+            <c:showLeaderLines val="0"/>
             <c:extLst>
               <c:ext xmlns:c15="http://schemas.microsoft.com/office/drawing/2012/chart" uri="{CE6537A1-D6FC-4f65-9D91-7224C49458BB}">
-                <c15:layout/>
                 <c15:showLeaderLines val="1"/>
                 <c15:leaderLines>
                   <c:spPr>
@@ -1230,7 +1381,7 @@
             <c:numRef>
               <c:f>'Team Log'!$G$2:$G$6</c:f>
               <c:numCache>
-                <c:formatCode>Estandar</c:formatCode>
+                <c:formatCode>General</c:formatCode>
                 <c:ptCount val="5"/>
                 <c:pt idx="0">
                   <c:v>262</c:v>
@@ -1252,18 +1403,24 @@
           </c:val>
         </c:ser>
         <c:dLbls>
+          <c:showLegendKey val="0"/>
           <c:showVal val="1"/>
+          <c:showCatName val="0"/>
+          <c:showSerName val="0"/>
+          <c:showPercent val="0"/>
+          <c:showBubbleSize val="0"/>
         </c:dLbls>
         <c:gapWidth val="444"/>
         <c:overlap val="-90"/>
-        <c:axId val="73750784"/>
-        <c:axId val="73756672"/>
+        <c:axId val="-368774464"/>
+        <c:axId val="-368769024"/>
       </c:barChart>
       <c:catAx>
-        <c:axId val="73750784"/>
+        <c:axId val="-368774464"/>
         <c:scaling>
           <c:orientation val="minMax"/>
         </c:scaling>
+        <c:delete val="0"/>
         <c:axPos val="b"/>
         <c:majorGridlines>
           <c:spPr>
@@ -1279,8 +1436,9 @@
             <a:effectLst/>
           </c:spPr>
         </c:majorGridlines>
-        <c:numFmt formatCode="Estandar" sourceLinked="1"/>
+        <c:numFmt formatCode="General" sourceLinked="1"/>
         <c:majorTickMark val="none"/>
+        <c:minorTickMark val="none"/>
         <c:tickLblPos val="nextTo"/>
         <c:spPr>
           <a:noFill/>
@@ -1315,23 +1473,25 @@
             <a:endParaRPr lang="pt-PT"/>
           </a:p>
         </c:txPr>
-        <c:crossAx val="73756672"/>
+        <c:crossAx val="-368769024"/>
         <c:crosses val="autoZero"/>
         <c:auto val="1"/>
         <c:lblAlgn val="ctr"/>
         <c:lblOffset val="100"/>
+        <c:noMultiLvlLbl val="0"/>
       </c:catAx>
       <c:valAx>
-        <c:axId val="73756672"/>
+        <c:axId val="-368769024"/>
         <c:scaling>
           <c:orientation val="minMax"/>
         </c:scaling>
         <c:delete val="1"/>
         <c:axPos val="l"/>
-        <c:numFmt formatCode="Estandar" sourceLinked="1"/>
+        <c:numFmt formatCode="General" sourceLinked="1"/>
         <c:majorTickMark val="none"/>
+        <c:minorTickMark val="none"/>
         <c:tickLblPos val="none"/>
-        <c:crossAx val="73750784"/>
+        <c:crossAx val="-368774464"/>
         <c:crosses val="autoZero"/>
         <c:crossBetween val="between"/>
       </c:valAx>
@@ -1345,6 +1505,7 @@
     </c:plotArea>
     <c:plotVisOnly val="1"/>
     <c:dispBlanksAs val="gap"/>
+    <c:showDLblsOverMax val="0"/>
   </c:chart>
   <c:spPr>
     <a:noFill/>
@@ -1363,13 +1524,25 @@
       <a:endParaRPr lang="pt-PT"/>
     </a:p>
   </c:txPr>
-  <c:externalData r:id="rId1"/>
+  <c:externalData r:id="rId3">
+    <c:autoUpdate val="0"/>
+  </c:externalData>
 </c:chartSpace>
 </file>
 
 <file path=ppt/charts/chart4.xml><?xml version="1.0" encoding="utf-8"?>
 <c:chartSpace xmlns:c="http://schemas.openxmlformats.org/drawingml/2006/chart" xmlns:a="http://schemas.openxmlformats.org/drawingml/2006/main" xmlns:r="http://schemas.openxmlformats.org/officeDocument/2006/relationships">
-  <c:lang val="pt-PT"/>
+  <c:date1904 val="0"/>
+  <c:lang val="en-US"/>
+  <c:roundedCorners val="0"/>
+  <mc:AlternateContent xmlns:mc="http://schemas.openxmlformats.org/markup-compatibility/2006">
+    <mc:Choice xmlns:c14="http://schemas.microsoft.com/office/drawing/2007/8/2/chart" Requires="c14">
+      <c14:style val="102"/>
+    </mc:Choice>
+    <mc:Fallback>
+      <c:style val="2"/>
+    </mc:Fallback>
+  </mc:AlternateContent>
   <c:chart>
     <c:autoTitleDeleted val="1"/>
     <c:plotArea>
@@ -1377,6 +1550,7 @@
       <c:barChart>
         <c:barDir val="col"/>
         <c:grouping val="clustered"/>
+        <c:varyColors val="0"/>
         <c:ser>
           <c:idx val="0"/>
           <c:order val="0"/>
@@ -1400,8 +1574,11 @@
             </a:ln>
             <a:effectLst/>
           </c:spPr>
+          <c:invertIfNegative val="0"/>
           <c:dPt>
             <c:idx val="7"/>
+            <c:invertIfNegative val="0"/>
+            <c:bubble3D val="0"/>
             <c:spPr>
               <a:solidFill>
                 <a:schemeClr val="accent1">
@@ -1450,7 +1627,7 @@
             <c:numRef>
               <c:f>'Team Log'!$F$23:$F$30</c:f>
               <c:numCache>
-                <c:formatCode>Estandar</c:formatCode>
+                <c:formatCode>General</c:formatCode>
                 <c:ptCount val="8"/>
                 <c:pt idx="0">
                   <c:v>40.5</c:v>
@@ -1503,8 +1680,11 @@
             </a:ln>
             <a:effectLst/>
           </c:spPr>
+          <c:invertIfNegative val="0"/>
           <c:dPt>
             <c:idx val="7"/>
+            <c:invertIfNegative val="0"/>
+            <c:bubble3D val="0"/>
             <c:spPr>
               <a:solidFill>
                 <a:schemeClr val="bg2">
@@ -1553,7 +1733,7 @@
             <c:numRef>
               <c:f>'Team Log'!$G$23:$G$30</c:f>
               <c:numCache>
-                <c:formatCode>Estandar</c:formatCode>
+                <c:formatCode>General</c:formatCode>
                 <c:ptCount val="8"/>
                 <c:pt idx="0">
                   <c:v>45.5</c:v>
@@ -1606,6 +1786,7 @@
             </a:ln>
             <a:effectLst/>
           </c:spPr>
+          <c:invertIfNegative val="0"/>
           <c:cat>
             <c:strRef>
               <c:f>'Team Log'!$E$23:$E$30</c:f>
@@ -1642,7 +1823,7 @@
             <c:numRef>
               <c:f>'Team Log'!$H$23:$H$30</c:f>
               <c:numCache>
-                <c:formatCode>Estandar</c:formatCode>
+                <c:formatCode>General</c:formatCode>
                 <c:ptCount val="8"/>
                 <c:pt idx="0">
                   <c:v>3</c:v>
@@ -1657,20 +1838,29 @@
             </c:numRef>
           </c:val>
         </c:ser>
-        <c:dLbls/>
+        <c:dLbls>
+          <c:showLegendKey val="0"/>
+          <c:showVal val="0"/>
+          <c:showCatName val="0"/>
+          <c:showSerName val="0"/>
+          <c:showPercent val="0"/>
+          <c:showBubbleSize val="0"/>
+        </c:dLbls>
         <c:gapWidth val="219"/>
         <c:overlap val="-27"/>
-        <c:axId val="77359744"/>
-        <c:axId val="77369728"/>
+        <c:axId val="-368771200"/>
+        <c:axId val="-368763040"/>
       </c:barChart>
       <c:catAx>
-        <c:axId val="77359744"/>
+        <c:axId val="-368771200"/>
         <c:scaling>
           <c:orientation val="minMax"/>
         </c:scaling>
+        <c:delete val="0"/>
         <c:axPos val="b"/>
-        <c:numFmt formatCode="Estandar" sourceLinked="1"/>
+        <c:numFmt formatCode="General" sourceLinked="1"/>
         <c:majorTickMark val="none"/>
+        <c:minorTickMark val="none"/>
         <c:tickLblPos val="nextTo"/>
         <c:spPr>
           <a:noFill/>
@@ -1705,17 +1895,19 @@
             <a:endParaRPr lang="pt-PT"/>
           </a:p>
         </c:txPr>
-        <c:crossAx val="77369728"/>
+        <c:crossAx val="-368763040"/>
         <c:crosses val="autoZero"/>
         <c:auto val="1"/>
         <c:lblAlgn val="ctr"/>
         <c:lblOffset val="100"/>
+        <c:noMultiLvlLbl val="0"/>
       </c:catAx>
       <c:valAx>
-        <c:axId val="77369728"/>
+        <c:axId val="-368763040"/>
         <c:scaling>
           <c:orientation val="minMax"/>
         </c:scaling>
+        <c:delete val="0"/>
         <c:axPos val="l"/>
         <c:majorGridlines>
           <c:spPr>
@@ -1731,8 +1923,9 @@
             <a:effectLst/>
           </c:spPr>
         </c:majorGridlines>
-        <c:numFmt formatCode="Estandar" sourceLinked="1"/>
+        <c:numFmt formatCode="General" sourceLinked="1"/>
         <c:majorTickMark val="none"/>
+        <c:minorTickMark val="none"/>
         <c:tickLblPos val="nextTo"/>
         <c:spPr>
           <a:noFill/>
@@ -1761,7 +1954,7 @@
             <a:endParaRPr lang="pt-PT"/>
           </a:p>
         </c:txPr>
-        <c:crossAx val="77359744"/>
+        <c:crossAx val="-368771200"/>
         <c:crosses val="autoZero"/>
         <c:crossBetween val="between"/>
       </c:valAx>
@@ -1775,7 +1968,7 @@
     </c:plotArea>
     <c:legend>
       <c:legendPos val="b"/>
-      <c:layout/>
+      <c:overlay val="0"/>
       <c:spPr>
         <a:noFill/>
         <a:ln>
@@ -1806,6 +1999,7 @@
     </c:legend>
     <c:plotVisOnly val="1"/>
     <c:dispBlanksAs val="gap"/>
+    <c:showDLblsOverMax val="0"/>
   </c:chart>
   <c:spPr>
     <a:noFill/>
@@ -1824,13 +2018,25 @@
       <a:endParaRPr lang="pt-PT"/>
     </a:p>
   </c:txPr>
-  <c:externalData r:id="rId1"/>
+  <c:externalData r:id="rId1">
+    <c:autoUpdate val="0"/>
+  </c:externalData>
 </c:chartSpace>
 </file>
 
 <file path=ppt/charts/chart5.xml><?xml version="1.0" encoding="utf-8"?>
 <c:chartSpace xmlns:c="http://schemas.openxmlformats.org/drawingml/2006/chart" xmlns:a="http://schemas.openxmlformats.org/drawingml/2006/main" xmlns:r="http://schemas.openxmlformats.org/officeDocument/2006/relationships">
-  <c:lang val="pt-PT"/>
+  <c:date1904 val="0"/>
+  <c:lang val="en-US"/>
+  <c:roundedCorners val="0"/>
+  <mc:AlternateContent xmlns:mc="http://schemas.openxmlformats.org/markup-compatibility/2006">
+    <mc:Choice xmlns:c14="http://schemas.microsoft.com/office/drawing/2007/8/2/chart" Requires="c14">
+      <c14:style val="102"/>
+    </mc:Choice>
+    <mc:Fallback>
+      <c:style val="2"/>
+    </mc:Fallback>
+  </mc:AlternateContent>
   <c:chart>
     <c:autoTitleDeleted val="1"/>
     <c:plotArea>
@@ -1899,7 +2105,7 @@
             <c:numRef>
               <c:f>Folha1!$C$2:$C$8</c:f>
               <c:numCache>
-                <c:formatCode>Estandar</c:formatCode>
+                <c:formatCode>General</c:formatCode>
                 <c:ptCount val="7"/>
                 <c:pt idx="0">
                   <c:v>5.5</c:v>
@@ -1925,6 +2131,7 @@
               </c:numCache>
             </c:numRef>
           </c:val>
+          <c:smooth val="0"/>
         </c:ser>
         <c:ser>
           <c:idx val="2"/>
@@ -1989,7 +2196,7 @@
             <c:numRef>
               <c:f>Folha1!$D$2:$D$8</c:f>
               <c:numCache>
-                <c:formatCode>Estandar</c:formatCode>
+                <c:formatCode>General</c:formatCode>
                 <c:ptCount val="7"/>
                 <c:pt idx="0">
                   <c:v>8.5</c:v>
@@ -2015,6 +2222,7 @@
               </c:numCache>
             </c:numRef>
           </c:val>
+          <c:smooth val="0"/>
         </c:ser>
         <c:ser>
           <c:idx val="3"/>
@@ -2098,7 +2306,7 @@
             <c:numRef>
               <c:f>Folha1!$E$2:$E$8</c:f>
               <c:numCache>
-                <c:formatCode>Estandar</c:formatCode>
+                <c:formatCode>General</c:formatCode>
                 <c:ptCount val="7"/>
                 <c:pt idx="0">
                   <c:v>6.615384615384615</c:v>
@@ -2124,8 +2332,16 @@
               </c:numCache>
             </c:numRef>
           </c:val>
+          <c:smooth val="0"/>
         </c:ser>
-        <c:dLbls/>
+        <c:dLbls>
+          <c:showLegendKey val="0"/>
+          <c:showVal val="0"/>
+          <c:showCatName val="0"/>
+          <c:showSerName val="0"/>
+          <c:showPercent val="0"/>
+          <c:showBubbleSize val="0"/>
+        </c:dLbls>
         <c:hiLowLines>
           <c:spPr>
             <a:ln w="9525" cap="flat" cmpd="sng" algn="ctr">
@@ -2140,17 +2356,19 @@
             <a:effectLst/>
           </c:spPr>
         </c:hiLowLines>
-        <c:axId val="82594816"/>
-        <c:axId val="82621184"/>
+        <c:axId val="-368761952"/>
+        <c:axId val="-368765216"/>
       </c:stockChart>
       <c:catAx>
-        <c:axId val="82594816"/>
+        <c:axId val="-368761952"/>
         <c:scaling>
           <c:orientation val="minMax"/>
         </c:scaling>
+        <c:delete val="0"/>
         <c:axPos val="b"/>
-        <c:numFmt formatCode="Estandar" sourceLinked="1"/>
+        <c:numFmt formatCode="General" sourceLinked="1"/>
         <c:majorTickMark val="none"/>
+        <c:minorTickMark val="none"/>
         <c:tickLblPos val="nextTo"/>
         <c:spPr>
           <a:noFill/>
@@ -2185,17 +2403,19 @@
             <a:endParaRPr lang="pt-PT"/>
           </a:p>
         </c:txPr>
-        <c:crossAx val="82621184"/>
+        <c:crossAx val="-368765216"/>
         <c:crosses val="autoZero"/>
         <c:auto val="1"/>
         <c:lblAlgn val="ctr"/>
         <c:lblOffset val="100"/>
+        <c:noMultiLvlLbl val="0"/>
       </c:catAx>
       <c:valAx>
-        <c:axId val="82621184"/>
+        <c:axId val="-368765216"/>
         <c:scaling>
           <c:orientation val="minMax"/>
         </c:scaling>
+        <c:delete val="0"/>
         <c:axPos val="l"/>
         <c:majorGridlines>
           <c:spPr>
@@ -2211,8 +2431,9 @@
             <a:effectLst/>
           </c:spPr>
         </c:majorGridlines>
-        <c:numFmt formatCode="Estandar" sourceLinked="1"/>
+        <c:numFmt formatCode="General" sourceLinked="1"/>
         <c:majorTickMark val="none"/>
+        <c:minorTickMark val="none"/>
         <c:tickLblPos val="nextTo"/>
         <c:spPr>
           <a:noFill/>
@@ -2241,7 +2462,7 @@
             <a:endParaRPr lang="pt-PT"/>
           </a:p>
         </c:txPr>
-        <c:crossAx val="82594816"/>
+        <c:crossAx val="-368761952"/>
         <c:crosses val="autoZero"/>
         <c:crossBetween val="between"/>
         <c:majorUnit val="1"/>
@@ -2257,6 +2478,7 @@
     </c:plotArea>
     <c:plotVisOnly val="1"/>
     <c:dispBlanksAs val="gap"/>
+    <c:showDLblsOverMax val="0"/>
   </c:chart>
   <c:spPr>
     <a:noFill/>
@@ -2275,14 +2497,25 @@
       <a:endParaRPr lang="pt-PT"/>
     </a:p>
   </c:txPr>
-  <c:externalData r:id="rId1"/>
+  <c:externalData r:id="rId1">
+    <c:autoUpdate val="0"/>
+  </c:externalData>
 </c:chartSpace>
 </file>
 
 <file path=ppt/charts/chart6.xml><?xml version="1.0" encoding="utf-8"?>
 <c:chartSpace xmlns:c="http://schemas.openxmlformats.org/drawingml/2006/chart" xmlns:a="http://schemas.openxmlformats.org/drawingml/2006/main" xmlns:r="http://schemas.openxmlformats.org/officeDocument/2006/relationships">
-  <c:lang val="pt-PT"/>
-  <c:style val="34"/>
+  <c:date1904 val="0"/>
+  <c:lang val="en-US"/>
+  <c:roundedCorners val="0"/>
+  <mc:AlternateContent xmlns:mc="http://schemas.openxmlformats.org/markup-compatibility/2006">
+    <mc:Choice xmlns:c14="http://schemas.microsoft.com/office/drawing/2007/8/2/chart" Requires="c14">
+      <c14:style val="134"/>
+    </mc:Choice>
+    <mc:Fallback>
+      <c:style val="34"/>
+    </mc:Fallback>
+  </mc:AlternateContent>
   <c:chart>
     <c:title>
       <c:tx>
@@ -2300,8 +2533,9 @@
           </a:p>
         </c:rich>
       </c:tx>
-      <c:layout/>
+      <c:overlay val="0"/>
     </c:title>
+    <c:autoTitleDeleted val="0"/>
     <c:plotArea>
       <c:layout>
         <c:manualLayout>
@@ -2340,12 +2574,15 @@
               <a:effectLst/>
             </c:spPr>
             <c:dLblPos val="bestFit"/>
+            <c:showLegendKey val="0"/>
+            <c:showVal val="0"/>
+            <c:showCatName val="0"/>
+            <c:showSerName val="0"/>
             <c:showPercent val="1"/>
+            <c:showBubbleSize val="0"/>
             <c:showLeaderLines val="1"/>
             <c:extLst>
-              <c:ext xmlns:c15="http://schemas.microsoft.com/office/drawing/2012/chart" uri="{CE6537A1-D6FC-4f65-9D91-7224C49458BB}">
-                <c15:layout/>
-              </c:ext>
+              <c:ext xmlns:c15="http://schemas.microsoft.com/office/drawing/2012/chart" uri="{CE6537A1-D6FC-4f65-9D91-7224C49458BB}"/>
             </c:extLst>
           </c:dLbls>
           <c:cat>
@@ -2372,7 +2609,7 @@
             <c:numRef>
               <c:f>Folha1!$B$2:$B$5</c:f>
               <c:numCache>
-                <c:formatCode>Estandar</c:formatCode>
+                <c:formatCode>General</c:formatCode>
                 <c:ptCount val="4"/>
                 <c:pt idx="0">
                   <c:v>46</c:v>
@@ -2391,7 +2628,13 @@
           </c:val>
         </c:ser>
         <c:dLbls>
+          <c:showLegendKey val="0"/>
+          <c:showVal val="0"/>
+          <c:showCatName val="0"/>
+          <c:showSerName val="0"/>
           <c:showPercent val="1"/>
+          <c:showBubbleSize val="0"/>
+          <c:showLeaderLines val="1"/>
         </c:dLbls>
         <c:gapWidth val="150"/>
         <c:secondPieSize val="75"/>
@@ -2410,11 +2653,15 @@
           <c:h val="6.8887289088863907E-2"/>
         </c:manualLayout>
       </c:layout>
+      <c:overlay val="0"/>
     </c:legend>
     <c:plotVisOnly val="1"/>
     <c:dispBlanksAs val="zero"/>
+    <c:showDLblsOverMax val="0"/>
   </c:chart>
-  <c:externalData r:id="rId1"/>
+  <c:externalData r:id="rId1">
+    <c:autoUpdate val="0"/>
+  </c:externalData>
 </c:chartSpace>
 </file>
 
@@ -5327,21 +5574,21 @@
     </dgm:pt>
   </dgm:ptLst>
   <dgm:cxnLst>
+    <dgm:cxn modelId="{1FFE94F7-1A23-436C-BE75-E8E800979E17}" srcId="{C306C341-D599-4B1B-99D5-C33838902528}" destId="{2FDC2C24-CC4E-4D25-B09B-59FD6E82C3EE}" srcOrd="1" destOrd="0" parTransId="{E7F2584E-86F9-4ED7-9B8D-A99EC47827F9}" sibTransId="{81A6B66D-8321-4A73-A293-0D29707D523C}"/>
+    <dgm:cxn modelId="{74AB5348-BE90-4678-A34C-0914E1E30C30}" type="presOf" srcId="{D7A1B3F6-9A96-443D-918B-6A83D726860E}" destId="{6810232A-C069-4BBA-BBD2-7BC82D197AC8}" srcOrd="0" destOrd="0" presId="urn:microsoft.com/office/officeart/2005/8/layout/hProcess11"/>
+    <dgm:cxn modelId="{30F53C6F-EC07-427E-851F-3E97E605AFC9}" srcId="{C306C341-D599-4B1B-99D5-C33838902528}" destId="{454E9A41-EB5C-4D21-A500-1A0F7280DF0F}" srcOrd="6" destOrd="0" parTransId="{1E224352-DCA1-4654-B392-6D76C795B7BE}" sibTransId="{AA42D578-BCA4-460B-AE10-0875155B9415}"/>
+    <dgm:cxn modelId="{8B924237-C27F-443D-B948-7413A94D4D27}" type="presOf" srcId="{136AD6A2-B441-479A-860B-9C60598DF083}" destId="{DF520769-FC51-4284-84DC-D345C7025315}" srcOrd="0" destOrd="0" presId="urn:microsoft.com/office/officeart/2005/8/layout/hProcess11"/>
+    <dgm:cxn modelId="{A8E9508F-E201-4F3A-B45C-83967300D4A6}" type="presOf" srcId="{BB8E58C9-394E-4BB7-956B-15FD8F0F4DF6}" destId="{F622832A-050B-4EB9-99E6-8F1AAFA7A166}" srcOrd="0" destOrd="0" presId="urn:microsoft.com/office/officeart/2005/8/layout/hProcess11"/>
+    <dgm:cxn modelId="{FB5D8D0E-9186-481B-B91B-876243A2F8C3}" srcId="{C306C341-D599-4B1B-99D5-C33838902528}" destId="{9059B768-CD7D-43D2-80D2-6FDF0EAA0156}" srcOrd="2" destOrd="0" parTransId="{1EDF92A5-B373-4C08-A41F-FC4842BC317C}" sibTransId="{7F219E18-92F5-4220-8440-CDF23E2C86DD}"/>
+    <dgm:cxn modelId="{7DB08E90-EBF1-4B81-81C1-240E3FCE3996}" type="presOf" srcId="{C306C341-D599-4B1B-99D5-C33838902528}" destId="{6BAF5AC4-12C4-475D-890B-181061458B36}" srcOrd="0" destOrd="0" presId="urn:microsoft.com/office/officeart/2005/8/layout/hProcess11"/>
+    <dgm:cxn modelId="{2531456E-1B85-4C5E-8AF6-C60E58F43067}" srcId="{C306C341-D599-4B1B-99D5-C33838902528}" destId="{BB8E58C9-394E-4BB7-956B-15FD8F0F4DF6}" srcOrd="3" destOrd="0" parTransId="{A1E3FDCD-492B-4046-91FD-A19D4F38F245}" sibTransId="{1808AAF0-8272-4577-B8B5-78D78CC4E805}"/>
     <dgm:cxn modelId="{531B340F-8630-438B-9B38-8C2716FAD3B4}" type="presOf" srcId="{9059B768-CD7D-43D2-80D2-6FDF0EAA0156}" destId="{49B98997-A726-433D-94FF-467BFB2ADCAF}" srcOrd="0" destOrd="0" presId="urn:microsoft.com/office/officeart/2005/8/layout/hProcess11"/>
+    <dgm:cxn modelId="{B9E36F7A-BBBE-4C6F-BF41-35D339983B88}" type="presOf" srcId="{1A49080C-0DE7-47E8-922A-4D0B1B6C485A}" destId="{50085456-D334-4C9E-B8C2-A46683D1A093}" srcOrd="0" destOrd="0" presId="urn:microsoft.com/office/officeart/2005/8/layout/hProcess11"/>
     <dgm:cxn modelId="{48AC722D-ACE2-4875-8C63-0C6D0EFEC009}" srcId="{C306C341-D599-4B1B-99D5-C33838902528}" destId="{136AD6A2-B441-479A-860B-9C60598DF083}" srcOrd="5" destOrd="0" parTransId="{B3AAAF1D-C6F6-49CE-A21B-B1132F4E369E}" sibTransId="{B013FFB8-9869-4AB3-A2B5-FDAEE2CD0557}"/>
-    <dgm:cxn modelId="{2531456E-1B85-4C5E-8AF6-C60E58F43067}" srcId="{C306C341-D599-4B1B-99D5-C33838902528}" destId="{BB8E58C9-394E-4BB7-956B-15FD8F0F4DF6}" srcOrd="3" destOrd="0" parTransId="{A1E3FDCD-492B-4046-91FD-A19D4F38F245}" sibTransId="{1808AAF0-8272-4577-B8B5-78D78CC4E805}"/>
-    <dgm:cxn modelId="{B9E36F7A-BBBE-4C6F-BF41-35D339983B88}" type="presOf" srcId="{1A49080C-0DE7-47E8-922A-4D0B1B6C485A}" destId="{50085456-D334-4C9E-B8C2-A46683D1A093}" srcOrd="0" destOrd="0" presId="urn:microsoft.com/office/officeart/2005/8/layout/hProcess11"/>
-    <dgm:cxn modelId="{FB5D8D0E-9186-481B-B91B-876243A2F8C3}" srcId="{C306C341-D599-4B1B-99D5-C33838902528}" destId="{9059B768-CD7D-43D2-80D2-6FDF0EAA0156}" srcOrd="2" destOrd="0" parTransId="{1EDF92A5-B373-4C08-A41F-FC4842BC317C}" sibTransId="{7F219E18-92F5-4220-8440-CDF23E2C86DD}"/>
     <dgm:cxn modelId="{02A0FDDF-750D-4E70-AEEE-212E089D8451}" srcId="{C306C341-D599-4B1B-99D5-C33838902528}" destId="{D7A1B3F6-9A96-443D-918B-6A83D726860E}" srcOrd="0" destOrd="0" parTransId="{E621CA8E-4955-42BA-A043-EA33F0C1521B}" sibTransId="{39AA8962-6813-4284-95C5-BF4AE6D9DB14}"/>
+    <dgm:cxn modelId="{4EF651BC-29A7-4411-A2C1-5D5C76CDC2E0}" type="presOf" srcId="{454E9A41-EB5C-4D21-A500-1A0F7280DF0F}" destId="{03D8AACE-E855-4D1F-9736-1957EAD159E9}" srcOrd="0" destOrd="0" presId="urn:microsoft.com/office/officeart/2005/8/layout/hProcess11"/>
+    <dgm:cxn modelId="{5B4D9666-1585-4473-894E-27F0786F7A9C}" srcId="{C306C341-D599-4B1B-99D5-C33838902528}" destId="{1A49080C-0DE7-47E8-922A-4D0B1B6C485A}" srcOrd="4" destOrd="0" parTransId="{F7B8845B-EEB5-4952-882F-D415FAF8B60E}" sibTransId="{1A70AC7A-7F03-4D55-B5D0-E2003D1A4324}"/>
     <dgm:cxn modelId="{767A3C01-869E-45E9-9525-49AE88355A73}" type="presOf" srcId="{2FDC2C24-CC4E-4D25-B09B-59FD6E82C3EE}" destId="{D9A28F98-9710-4524-B177-E78A77379D8B}" srcOrd="0" destOrd="0" presId="urn:microsoft.com/office/officeart/2005/8/layout/hProcess11"/>
-    <dgm:cxn modelId="{74AB5348-BE90-4678-A34C-0914E1E30C30}" type="presOf" srcId="{D7A1B3F6-9A96-443D-918B-6A83D726860E}" destId="{6810232A-C069-4BBA-BBD2-7BC82D197AC8}" srcOrd="0" destOrd="0" presId="urn:microsoft.com/office/officeart/2005/8/layout/hProcess11"/>
-    <dgm:cxn modelId="{5B4D9666-1585-4473-894E-27F0786F7A9C}" srcId="{C306C341-D599-4B1B-99D5-C33838902528}" destId="{1A49080C-0DE7-47E8-922A-4D0B1B6C485A}" srcOrd="4" destOrd="0" parTransId="{F7B8845B-EEB5-4952-882F-D415FAF8B60E}" sibTransId="{1A70AC7A-7F03-4D55-B5D0-E2003D1A4324}"/>
-    <dgm:cxn modelId="{8B924237-C27F-443D-B948-7413A94D4D27}" type="presOf" srcId="{136AD6A2-B441-479A-860B-9C60598DF083}" destId="{DF520769-FC51-4284-84DC-D345C7025315}" srcOrd="0" destOrd="0" presId="urn:microsoft.com/office/officeart/2005/8/layout/hProcess11"/>
-    <dgm:cxn modelId="{30F53C6F-EC07-427E-851F-3E97E605AFC9}" srcId="{C306C341-D599-4B1B-99D5-C33838902528}" destId="{454E9A41-EB5C-4D21-A500-1A0F7280DF0F}" srcOrd="6" destOrd="0" parTransId="{1E224352-DCA1-4654-B392-6D76C795B7BE}" sibTransId="{AA42D578-BCA4-460B-AE10-0875155B9415}"/>
-    <dgm:cxn modelId="{4EF651BC-29A7-4411-A2C1-5D5C76CDC2E0}" type="presOf" srcId="{454E9A41-EB5C-4D21-A500-1A0F7280DF0F}" destId="{03D8AACE-E855-4D1F-9736-1957EAD159E9}" srcOrd="0" destOrd="0" presId="urn:microsoft.com/office/officeart/2005/8/layout/hProcess11"/>
-    <dgm:cxn modelId="{1FFE94F7-1A23-436C-BE75-E8E800979E17}" srcId="{C306C341-D599-4B1B-99D5-C33838902528}" destId="{2FDC2C24-CC4E-4D25-B09B-59FD6E82C3EE}" srcOrd="1" destOrd="0" parTransId="{E7F2584E-86F9-4ED7-9B8D-A99EC47827F9}" sibTransId="{81A6B66D-8321-4A73-A293-0D29707D523C}"/>
-    <dgm:cxn modelId="{A8E9508F-E201-4F3A-B45C-83967300D4A6}" type="presOf" srcId="{BB8E58C9-394E-4BB7-956B-15FD8F0F4DF6}" destId="{F622832A-050B-4EB9-99E6-8F1AAFA7A166}" srcOrd="0" destOrd="0" presId="urn:microsoft.com/office/officeart/2005/8/layout/hProcess11"/>
-    <dgm:cxn modelId="{7DB08E90-EBF1-4B81-81C1-240E3FCE3996}" type="presOf" srcId="{C306C341-D599-4B1B-99D5-C33838902528}" destId="{6BAF5AC4-12C4-475D-890B-181061458B36}" srcOrd="0" destOrd="0" presId="urn:microsoft.com/office/officeart/2005/8/layout/hProcess11"/>
     <dgm:cxn modelId="{B10D7C1E-A564-43B7-8CF6-53A3B45427EA}" type="presParOf" srcId="{6BAF5AC4-12C4-475D-890B-181061458B36}" destId="{60799F41-7989-4AA1-B9E8-4EF51F0FF333}" srcOrd="0" destOrd="0" presId="urn:microsoft.com/office/officeart/2005/8/layout/hProcess11"/>
     <dgm:cxn modelId="{3D4CF2F4-D5DA-4E6E-B60C-17291E4CBF35}" type="presParOf" srcId="{6BAF5AC4-12C4-475D-890B-181061458B36}" destId="{5CCD0D81-360B-4CC0-98C6-6C8129CE7187}" srcOrd="1" destOrd="0" presId="urn:microsoft.com/office/officeart/2005/8/layout/hProcess11"/>
     <dgm:cxn modelId="{CB43A1D7-7FEB-4CF0-8076-B30824FA5BA7}" type="presParOf" srcId="{5CCD0D81-360B-4CC0-98C6-6C8129CE7187}" destId="{1683355D-447B-4404-8E2E-EE43BAA2B137}" srcOrd="0" destOrd="0" presId="urn:microsoft.com/office/officeart/2005/8/layout/hProcess11"/>
@@ -5383,14 +5630,14 @@
   <dgm:whole/>
   <dgm:extLst>
     <a:ext uri="http://schemas.microsoft.com/office/drawing/2008/diagram">
-      <dsp:dataModelExt xmlns:dsp="http://schemas.microsoft.com/office/drawing/2008/diagram" xmlns="" relId="rId6" minVer="http://schemas.openxmlformats.org/drawingml/2006/diagram"/>
+      <dsp:dataModelExt xmlns:dsp="http://schemas.microsoft.com/office/drawing/2008/diagram" relId="rId6" minVer="http://schemas.openxmlformats.org/drawingml/2006/diagram"/>
     </a:ext>
   </dgm:extLst>
 </dgm:dataModel>
 </file>
 
 <file path=ppt/diagrams/drawing1.xml><?xml version="1.0" encoding="utf-8"?>
-<dsp:drawing xmlns:dgm="http://schemas.openxmlformats.org/drawingml/2006/diagram" xmlns:a="http://schemas.openxmlformats.org/drawingml/2006/main" xmlns:dsp="http://schemas.microsoft.com/office/drawing/2008/diagram">
+<dsp:drawing xmlns:dgm="http://schemas.openxmlformats.org/drawingml/2006/diagram" xmlns:dsp="http://schemas.microsoft.com/office/drawing/2008/diagram" xmlns:a="http://schemas.openxmlformats.org/drawingml/2006/main">
   <dsp:spTree>
     <dsp:nvGrpSpPr>
       <dsp:cNvPr id="0" name=""/>
@@ -7565,7 +7812,7 @@
             <a:fld id="{82948236-07A4-447C-AC43-06AAF24DC65B}" type="datetimeFigureOut">
               <a:rPr lang="pt-PT" smtClean="0"/>
               <a:pPr/>
-              <a:t>02-07-2013</a:t>
+              <a:t>02/07/2013</a:t>
             </a:fld>
             <a:endParaRPr lang="pt-PT"/>
           </a:p>
@@ -7725,7 +7972,7 @@
             <a:fld id="{0E4FF081-3A8B-4019-8856-6C60FECB4303}" type="slidenum">
               <a:rPr lang="pt-PT" smtClean="0"/>
               <a:pPr/>
-              <a:t>‹nº›</a:t>
+              <a:t>‹#›</a:t>
             </a:fld>
             <a:endParaRPr lang="pt-PT"/>
           </a:p>
@@ -7734,7 +7981,7 @@
     </p:spTree>
     <p:extLst>
       <p:ext uri="{BB962C8B-B14F-4D97-AF65-F5344CB8AC3E}">
-        <p14:creationId xmlns:p14="http://schemas.microsoft.com/office/powerpoint/2010/main" xmlns="" val="2332033991"/>
+        <p14:creationId xmlns:p14="http://schemas.microsoft.com/office/powerpoint/2010/main" val="2332033991"/>
       </p:ext>
     </p:extLst>
   </p:cSld>
@@ -8209,7 +8456,7 @@
     </p:spTree>
     <p:extLst>
       <p:ext uri="{BB962C8B-B14F-4D97-AF65-F5344CB8AC3E}">
-        <p14:creationId xmlns:p14="http://schemas.microsoft.com/office/powerpoint/2010/main" xmlns="" val="2905257727"/>
+        <p14:creationId xmlns:p14="http://schemas.microsoft.com/office/powerpoint/2010/main" val="2905257727"/>
       </p:ext>
     </p:extLst>
   </p:cSld>
@@ -8429,7 +8676,7 @@
     </p:spTree>
     <p:extLst>
       <p:ext uri="{BB962C8B-B14F-4D97-AF65-F5344CB8AC3E}">
-        <p14:creationId xmlns:p14="http://schemas.microsoft.com/office/powerpoint/2010/main" xmlns="" val="4251687254"/>
+        <p14:creationId xmlns:p14="http://schemas.microsoft.com/office/powerpoint/2010/main" val="4251687254"/>
       </p:ext>
     </p:extLst>
   </p:cSld>
@@ -8514,7 +8761,7 @@
     </p:spTree>
     <p:extLst>
       <p:ext uri="{BB962C8B-B14F-4D97-AF65-F5344CB8AC3E}">
-        <p14:creationId xmlns:p14="http://schemas.microsoft.com/office/powerpoint/2010/main" xmlns="" val="2118353209"/>
+        <p14:creationId xmlns:p14="http://schemas.microsoft.com/office/powerpoint/2010/main" val="2118353209"/>
       </p:ext>
     </p:extLst>
   </p:cSld>
@@ -8599,7 +8846,7 @@
     </p:spTree>
     <p:extLst>
       <p:ext uri="{BB962C8B-B14F-4D97-AF65-F5344CB8AC3E}">
-        <p14:creationId xmlns:p14="http://schemas.microsoft.com/office/powerpoint/2010/main" xmlns="" val="1216955315"/>
+        <p14:creationId xmlns:p14="http://schemas.microsoft.com/office/powerpoint/2010/main" val="1216955315"/>
       </p:ext>
     </p:extLst>
   </p:cSld>
@@ -8759,7 +9006,7 @@
     </p:spTree>
     <p:extLst>
       <p:ext uri="{BB962C8B-B14F-4D97-AF65-F5344CB8AC3E}">
-        <p14:creationId xmlns:p14="http://schemas.microsoft.com/office/powerpoint/2010/main" xmlns="" val="4072347644"/>
+        <p14:creationId xmlns:p14="http://schemas.microsoft.com/office/powerpoint/2010/main" val="4072347644"/>
       </p:ext>
     </p:extLst>
   </p:cSld>
@@ -8844,7 +9091,7 @@
     </p:spTree>
     <p:extLst>
       <p:ext uri="{BB962C8B-B14F-4D97-AF65-F5344CB8AC3E}">
-        <p14:creationId xmlns:p14="http://schemas.microsoft.com/office/powerpoint/2010/main" xmlns="" val="2598853279"/>
+        <p14:creationId xmlns:p14="http://schemas.microsoft.com/office/powerpoint/2010/main" val="2598853279"/>
       </p:ext>
     </p:extLst>
   </p:cSld>
@@ -8929,7 +9176,7 @@
     </p:spTree>
     <p:extLst>
       <p:ext uri="{BB962C8B-B14F-4D97-AF65-F5344CB8AC3E}">
-        <p14:creationId xmlns:p14="http://schemas.microsoft.com/office/powerpoint/2010/main" xmlns="" val="3001826006"/>
+        <p14:creationId xmlns:p14="http://schemas.microsoft.com/office/powerpoint/2010/main" val="3001826006"/>
       </p:ext>
     </p:extLst>
   </p:cSld>
@@ -9014,7 +9261,7 @@
     </p:spTree>
     <p:extLst>
       <p:ext uri="{BB962C8B-B14F-4D97-AF65-F5344CB8AC3E}">
-        <p14:creationId xmlns:p14="http://schemas.microsoft.com/office/powerpoint/2010/main" xmlns="" val="3337223467"/>
+        <p14:creationId xmlns:p14="http://schemas.microsoft.com/office/powerpoint/2010/main" val="3337223467"/>
       </p:ext>
     </p:extLst>
   </p:cSld>
@@ -9099,7 +9346,7 @@
     </p:spTree>
     <p:extLst>
       <p:ext uri="{BB962C8B-B14F-4D97-AF65-F5344CB8AC3E}">
-        <p14:creationId xmlns:p14="http://schemas.microsoft.com/office/powerpoint/2010/main" xmlns="" val="2724149497"/>
+        <p14:creationId xmlns:p14="http://schemas.microsoft.com/office/powerpoint/2010/main" val="2724149497"/>
       </p:ext>
     </p:extLst>
   </p:cSld>
@@ -9220,7 +9467,7 @@
     </p:spTree>
     <p:extLst>
       <p:ext uri="{BB962C8B-B14F-4D97-AF65-F5344CB8AC3E}">
-        <p14:creationId xmlns:p14="http://schemas.microsoft.com/office/powerpoint/2010/main" xmlns="" val="572649040"/>
+        <p14:creationId xmlns:p14="http://schemas.microsoft.com/office/powerpoint/2010/main" val="572649040"/>
       </p:ext>
     </p:extLst>
   </p:cSld>
@@ -9394,7 +9641,7 @@
     </p:spTree>
     <p:extLst>
       <p:ext uri="{BB962C8B-B14F-4D97-AF65-F5344CB8AC3E}">
-        <p14:creationId xmlns:p14="http://schemas.microsoft.com/office/powerpoint/2010/main" xmlns="" val="474988129"/>
+        <p14:creationId xmlns:p14="http://schemas.microsoft.com/office/powerpoint/2010/main" val="474988129"/>
       </p:ext>
     </p:extLst>
   </p:cSld>
@@ -9514,7 +9761,7 @@
     </p:spTree>
     <p:extLst>
       <p:ext uri="{BB962C8B-B14F-4D97-AF65-F5344CB8AC3E}">
-        <p14:creationId xmlns:p14="http://schemas.microsoft.com/office/powerpoint/2010/main" xmlns="" val="3919745491"/>
+        <p14:creationId xmlns:p14="http://schemas.microsoft.com/office/powerpoint/2010/main" val="3919745491"/>
       </p:ext>
     </p:extLst>
   </p:cSld>
@@ -9757,7 +10004,7 @@
     </p:spTree>
     <p:extLst>
       <p:ext uri="{BB962C8B-B14F-4D97-AF65-F5344CB8AC3E}">
-        <p14:creationId xmlns:p14="http://schemas.microsoft.com/office/powerpoint/2010/main" xmlns="" val="2006419056"/>
+        <p14:creationId xmlns:p14="http://schemas.microsoft.com/office/powerpoint/2010/main" val="2006419056"/>
       </p:ext>
     </p:extLst>
   </p:cSld>
@@ -9846,7 +10093,7 @@
     </p:spTree>
     <p:extLst>
       <p:ext uri="{BB962C8B-B14F-4D97-AF65-F5344CB8AC3E}">
-        <p14:creationId xmlns:p14="http://schemas.microsoft.com/office/powerpoint/2010/main" xmlns="" val="1979049812"/>
+        <p14:creationId xmlns:p14="http://schemas.microsoft.com/office/powerpoint/2010/main" val="1979049812"/>
       </p:ext>
     </p:extLst>
   </p:cSld>
@@ -9957,7 +10204,7 @@
     </p:spTree>
     <p:extLst>
       <p:ext uri="{BB962C8B-B14F-4D97-AF65-F5344CB8AC3E}">
-        <p14:creationId xmlns:p14="http://schemas.microsoft.com/office/powerpoint/2010/main" xmlns="" val="736461960"/>
+        <p14:creationId xmlns:p14="http://schemas.microsoft.com/office/powerpoint/2010/main" val="736461960"/>
       </p:ext>
     </p:extLst>
   </p:cSld>
@@ -10046,7 +10293,7 @@
     </p:spTree>
     <p:extLst>
       <p:ext uri="{BB962C8B-B14F-4D97-AF65-F5344CB8AC3E}">
-        <p14:creationId xmlns:p14="http://schemas.microsoft.com/office/powerpoint/2010/main" xmlns="" val="184239105"/>
+        <p14:creationId xmlns:p14="http://schemas.microsoft.com/office/powerpoint/2010/main" val="184239105"/>
       </p:ext>
     </p:extLst>
   </p:cSld>
@@ -10085,7 +10332,7 @@
           <a:blip r:embed="rId2" cstate="print">
             <a:extLst>
               <a:ext uri="{28A0092B-C50C-407E-A947-70E740481C1C}">
-                <a14:useLocalDpi xmlns:a14="http://schemas.microsoft.com/office/drawing/2010/main" xmlns="" val="0"/>
+                <a14:useLocalDpi xmlns:a14="http://schemas.microsoft.com/office/drawing/2010/main" val="0"/>
               </a:ext>
             </a:extLst>
           </a:blip>
@@ -10281,7 +10528,7 @@
             <a:fld id="{F71B3DB1-8543-40E0-A2D1-830196AD91DE}" type="datetimeFigureOut">
               <a:rPr lang="pt-PT" smtClean="0"/>
               <a:pPr/>
-              <a:t>02-07-2013</a:t>
+              <a:t>02/07/2013</a:t>
             </a:fld>
             <a:endParaRPr lang="pt-PT" dirty="0"/>
           </a:p>
@@ -10334,7 +10581,7 @@
             <a:fld id="{5D26EDD4-363A-4236-A170-49C0FA725754}" type="slidenum">
               <a:rPr lang="pt-PT" smtClean="0"/>
               <a:pPr/>
-              <a:t>‹nº›</a:t>
+              <a:t>‹#›</a:t>
             </a:fld>
             <a:endParaRPr lang="pt-PT" dirty="0"/>
           </a:p>
@@ -10381,7 +10628,7 @@
     </p:spTree>
     <p:extLst>
       <p:ext uri="{BB962C8B-B14F-4D97-AF65-F5344CB8AC3E}">
-        <p14:creationId xmlns:p14="http://schemas.microsoft.com/office/powerpoint/2010/main" xmlns="" val="4283900998"/>
+        <p14:creationId xmlns:p14="http://schemas.microsoft.com/office/powerpoint/2010/main" val="4283900998"/>
       </p:ext>
     </p:extLst>
   </p:cSld>
@@ -10615,7 +10862,7 @@
             <a:fld id="{F71B3DB1-8543-40E0-A2D1-830196AD91DE}" type="datetimeFigureOut">
               <a:rPr lang="pt-PT" smtClean="0"/>
               <a:pPr/>
-              <a:t>02-07-2013</a:t>
+              <a:t>02/07/2013</a:t>
             </a:fld>
             <a:endParaRPr lang="pt-PT" dirty="0"/>
           </a:p>
@@ -10658,7 +10905,7 @@
             <a:fld id="{5D26EDD4-363A-4236-A170-49C0FA725754}" type="slidenum">
               <a:rPr lang="pt-PT" smtClean="0"/>
               <a:pPr/>
-              <a:t>‹nº›</a:t>
+              <a:t>‹#›</a:t>
             </a:fld>
             <a:endParaRPr lang="pt-PT" dirty="0"/>
           </a:p>
@@ -10667,7 +10914,7 @@
     </p:spTree>
     <p:extLst>
       <p:ext uri="{BB962C8B-B14F-4D97-AF65-F5344CB8AC3E}">
-        <p14:creationId xmlns:p14="http://schemas.microsoft.com/office/powerpoint/2010/main" xmlns="" val="3834483316"/>
+        <p14:creationId xmlns:p14="http://schemas.microsoft.com/office/powerpoint/2010/main" val="3834483316"/>
       </p:ext>
     </p:extLst>
   </p:cSld>
@@ -10865,7 +11112,7 @@
             <a:fld id="{F71B3DB1-8543-40E0-A2D1-830196AD91DE}" type="datetimeFigureOut">
               <a:rPr lang="pt-PT" smtClean="0"/>
               <a:pPr/>
-              <a:t>02-07-2013</a:t>
+              <a:t>02/07/2013</a:t>
             </a:fld>
             <a:endParaRPr lang="pt-PT" dirty="0"/>
           </a:p>
@@ -10908,7 +11155,7 @@
             <a:fld id="{5D26EDD4-363A-4236-A170-49C0FA725754}" type="slidenum">
               <a:rPr lang="pt-PT" smtClean="0"/>
               <a:pPr/>
-              <a:t>‹nº›</a:t>
+              <a:t>‹#›</a:t>
             </a:fld>
             <a:endParaRPr lang="pt-PT" dirty="0"/>
           </a:p>
@@ -10955,7 +11202,7 @@
     </p:spTree>
     <p:extLst>
       <p:ext uri="{BB962C8B-B14F-4D97-AF65-F5344CB8AC3E}">
-        <p14:creationId xmlns:p14="http://schemas.microsoft.com/office/powerpoint/2010/main" xmlns="" val="3278742630"/>
+        <p14:creationId xmlns:p14="http://schemas.microsoft.com/office/powerpoint/2010/main" val="3278742630"/>
       </p:ext>
     </p:extLst>
   </p:cSld>
@@ -11213,7 +11460,7 @@
             <a:fld id="{F71B3DB1-8543-40E0-A2D1-830196AD91DE}" type="datetimeFigureOut">
               <a:rPr lang="pt-PT" smtClean="0"/>
               <a:pPr/>
-              <a:t>02-07-2013</a:t>
+              <a:t>02/07/2013</a:t>
             </a:fld>
             <a:endParaRPr lang="pt-PT" dirty="0"/>
           </a:p>
@@ -11256,7 +11503,7 @@
             <a:fld id="{5D26EDD4-363A-4236-A170-49C0FA725754}" type="slidenum">
               <a:rPr lang="pt-PT" smtClean="0"/>
               <a:pPr/>
-              <a:t>‹nº›</a:t>
+              <a:t>‹#›</a:t>
             </a:fld>
             <a:endParaRPr lang="pt-PT" dirty="0"/>
           </a:p>
@@ -11371,7 +11618,7 @@
     </p:spTree>
     <p:extLst>
       <p:ext uri="{BB962C8B-B14F-4D97-AF65-F5344CB8AC3E}">
-        <p14:creationId xmlns:p14="http://schemas.microsoft.com/office/powerpoint/2010/main" xmlns="" val="1960482330"/>
+        <p14:creationId xmlns:p14="http://schemas.microsoft.com/office/powerpoint/2010/main" val="1960482330"/>
       </p:ext>
     </p:extLst>
   </p:cSld>
@@ -11569,7 +11816,7 @@
             <a:fld id="{F71B3DB1-8543-40E0-A2D1-830196AD91DE}" type="datetimeFigureOut">
               <a:rPr lang="pt-PT" smtClean="0"/>
               <a:pPr/>
-              <a:t>02-07-2013</a:t>
+              <a:t>02/07/2013</a:t>
             </a:fld>
             <a:endParaRPr lang="pt-PT" dirty="0"/>
           </a:p>
@@ -11612,7 +11859,7 @@
             <a:fld id="{5D26EDD4-363A-4236-A170-49C0FA725754}" type="slidenum">
               <a:rPr lang="pt-PT" smtClean="0"/>
               <a:pPr/>
-              <a:t>‹nº›</a:t>
+              <a:t>‹#›</a:t>
             </a:fld>
             <a:endParaRPr lang="pt-PT" dirty="0"/>
           </a:p>
@@ -11621,7 +11868,7 @@
     </p:spTree>
     <p:extLst>
       <p:ext uri="{BB962C8B-B14F-4D97-AF65-F5344CB8AC3E}">
-        <p14:creationId xmlns:p14="http://schemas.microsoft.com/office/powerpoint/2010/main" xmlns="" val="1169910341"/>
+        <p14:creationId xmlns:p14="http://schemas.microsoft.com/office/powerpoint/2010/main" val="1169910341"/>
       </p:ext>
     </p:extLst>
   </p:cSld>
@@ -11945,7 +12192,7 @@
             <a:fld id="{F71B3DB1-8543-40E0-A2D1-830196AD91DE}" type="datetimeFigureOut">
               <a:rPr lang="pt-PT" smtClean="0"/>
               <a:pPr/>
-              <a:t>02-07-2013</a:t>
+              <a:t>02/07/2013</a:t>
             </a:fld>
             <a:endParaRPr lang="pt-PT" dirty="0"/>
           </a:p>
@@ -11988,7 +12235,7 @@
             <a:fld id="{5D26EDD4-363A-4236-A170-49C0FA725754}" type="slidenum">
               <a:rPr lang="pt-PT" smtClean="0"/>
               <a:pPr/>
-              <a:t>‹nº›</a:t>
+              <a:t>‹#›</a:t>
             </a:fld>
             <a:endParaRPr lang="pt-PT" dirty="0"/>
           </a:p>
@@ -12103,7 +12350,7 @@
     </p:spTree>
     <p:extLst>
       <p:ext uri="{BB962C8B-B14F-4D97-AF65-F5344CB8AC3E}">
-        <p14:creationId xmlns:p14="http://schemas.microsoft.com/office/powerpoint/2010/main" xmlns="" val="2244926200"/>
+        <p14:creationId xmlns:p14="http://schemas.microsoft.com/office/powerpoint/2010/main" val="2244926200"/>
       </p:ext>
     </p:extLst>
   </p:cSld>
@@ -12424,7 +12671,7 @@
             <a:fld id="{F71B3DB1-8543-40E0-A2D1-830196AD91DE}" type="datetimeFigureOut">
               <a:rPr lang="pt-PT" smtClean="0"/>
               <a:pPr/>
-              <a:t>02-07-2013</a:t>
+              <a:t>02/07/2013</a:t>
             </a:fld>
             <a:endParaRPr lang="pt-PT" dirty="0"/>
           </a:p>
@@ -12467,7 +12714,7 @@
             <a:fld id="{5D26EDD4-363A-4236-A170-49C0FA725754}" type="slidenum">
               <a:rPr lang="pt-PT" smtClean="0"/>
               <a:pPr/>
-              <a:t>‹nº›</a:t>
+              <a:t>‹#›</a:t>
             </a:fld>
             <a:endParaRPr lang="pt-PT" dirty="0"/>
           </a:p>
@@ -12514,7 +12761,7 @@
     </p:spTree>
     <p:extLst>
       <p:ext uri="{BB962C8B-B14F-4D97-AF65-F5344CB8AC3E}">
-        <p14:creationId xmlns:p14="http://schemas.microsoft.com/office/powerpoint/2010/main" xmlns="" val="3141152998"/>
+        <p14:creationId xmlns:p14="http://schemas.microsoft.com/office/powerpoint/2010/main" val="3141152998"/>
       </p:ext>
     </p:extLst>
   </p:cSld>
@@ -12638,7 +12885,7 @@
             <a:fld id="{F71B3DB1-8543-40E0-A2D1-830196AD91DE}" type="datetimeFigureOut">
               <a:rPr lang="pt-PT" smtClean="0"/>
               <a:pPr/>
-              <a:t>02-07-2013</a:t>
+              <a:t>02/07/2013</a:t>
             </a:fld>
             <a:endParaRPr lang="pt-PT" dirty="0"/>
           </a:p>
@@ -12681,7 +12928,7 @@
             <a:fld id="{5D26EDD4-363A-4236-A170-49C0FA725754}" type="slidenum">
               <a:rPr lang="pt-PT" smtClean="0"/>
               <a:pPr/>
-              <a:t>‹nº›</a:t>
+              <a:t>‹#›</a:t>
             </a:fld>
             <a:endParaRPr lang="pt-PT" dirty="0"/>
           </a:p>
@@ -12728,7 +12975,7 @@
     </p:spTree>
     <p:extLst>
       <p:ext uri="{BB962C8B-B14F-4D97-AF65-F5344CB8AC3E}">
-        <p14:creationId xmlns:p14="http://schemas.microsoft.com/office/powerpoint/2010/main" xmlns="" val="4127282010"/>
+        <p14:creationId xmlns:p14="http://schemas.microsoft.com/office/powerpoint/2010/main" val="4127282010"/>
       </p:ext>
     </p:extLst>
   </p:cSld>
@@ -12858,7 +13105,7 @@
             <a:fld id="{F71B3DB1-8543-40E0-A2D1-830196AD91DE}" type="datetimeFigureOut">
               <a:rPr lang="pt-PT" smtClean="0"/>
               <a:pPr/>
-              <a:t>02-07-2013</a:t>
+              <a:t>02/07/2013</a:t>
             </a:fld>
             <a:endParaRPr lang="pt-PT" dirty="0"/>
           </a:p>
@@ -12901,7 +13148,7 @@
             <a:fld id="{5D26EDD4-363A-4236-A170-49C0FA725754}" type="slidenum">
               <a:rPr lang="pt-PT" smtClean="0"/>
               <a:pPr/>
-              <a:t>‹nº›</a:t>
+              <a:t>‹#›</a:t>
             </a:fld>
             <a:endParaRPr lang="pt-PT" dirty="0"/>
           </a:p>
@@ -12948,7 +13195,7 @@
     </p:spTree>
     <p:extLst>
       <p:ext uri="{BB962C8B-B14F-4D97-AF65-F5344CB8AC3E}">
-        <p14:creationId xmlns:p14="http://schemas.microsoft.com/office/powerpoint/2010/main" xmlns="" val="1016382411"/>
+        <p14:creationId xmlns:p14="http://schemas.microsoft.com/office/powerpoint/2010/main" val="1016382411"/>
       </p:ext>
     </p:extLst>
   </p:cSld>
@@ -13106,7 +13353,7 @@
             <a:fld id="{F71B3DB1-8543-40E0-A2D1-830196AD91DE}" type="datetimeFigureOut">
               <a:rPr lang="pt-PT" smtClean="0"/>
               <a:pPr/>
-              <a:t>02-07-2013</a:t>
+              <a:t>02/07/2013</a:t>
             </a:fld>
             <a:endParaRPr lang="pt-PT" dirty="0"/>
           </a:p>
@@ -13149,7 +13396,7 @@
             <a:fld id="{5D26EDD4-363A-4236-A170-49C0FA725754}" type="slidenum">
               <a:rPr lang="pt-PT" smtClean="0"/>
               <a:pPr/>
-              <a:t>‹nº›</a:t>
+              <a:t>‹#›</a:t>
             </a:fld>
             <a:endParaRPr lang="pt-PT" dirty="0"/>
           </a:p>
@@ -13158,7 +13405,7 @@
     </p:spTree>
     <p:extLst>
       <p:ext uri="{BB962C8B-B14F-4D97-AF65-F5344CB8AC3E}">
-        <p14:creationId xmlns:p14="http://schemas.microsoft.com/office/powerpoint/2010/main" xmlns="" val="548973029"/>
+        <p14:creationId xmlns:p14="http://schemas.microsoft.com/office/powerpoint/2010/main" val="548973029"/>
       </p:ext>
     </p:extLst>
   </p:cSld>
@@ -13356,7 +13603,7 @@
             <a:fld id="{F71B3DB1-8543-40E0-A2D1-830196AD91DE}" type="datetimeFigureOut">
               <a:rPr lang="pt-PT" smtClean="0"/>
               <a:pPr/>
-              <a:t>02-07-2013</a:t>
+              <a:t>02/07/2013</a:t>
             </a:fld>
             <a:endParaRPr lang="pt-PT" dirty="0"/>
           </a:p>
@@ -13399,7 +13646,7 @@
             <a:fld id="{5D26EDD4-363A-4236-A170-49C0FA725754}" type="slidenum">
               <a:rPr lang="pt-PT" smtClean="0"/>
               <a:pPr/>
-              <a:t>‹nº›</a:t>
+              <a:t>‹#›</a:t>
             </a:fld>
             <a:endParaRPr lang="pt-PT" dirty="0"/>
           </a:p>
@@ -13446,7 +13693,7 @@
     </p:spTree>
     <p:extLst>
       <p:ext uri="{BB962C8B-B14F-4D97-AF65-F5344CB8AC3E}">
-        <p14:creationId xmlns:p14="http://schemas.microsoft.com/office/powerpoint/2010/main" xmlns="" val="963473943"/>
+        <p14:creationId xmlns:p14="http://schemas.microsoft.com/office/powerpoint/2010/main" val="963473943"/>
       </p:ext>
     </p:extLst>
   </p:cSld>
@@ -13670,7 +13917,7 @@
             <a:fld id="{F71B3DB1-8543-40E0-A2D1-830196AD91DE}" type="datetimeFigureOut">
               <a:rPr lang="pt-PT" smtClean="0"/>
               <a:pPr/>
-              <a:t>02-07-2013</a:t>
+              <a:t>02/07/2013</a:t>
             </a:fld>
             <a:endParaRPr lang="pt-PT" dirty="0"/>
           </a:p>
@@ -13713,7 +13960,7 @@
             <a:fld id="{5D26EDD4-363A-4236-A170-49C0FA725754}" type="slidenum">
               <a:rPr lang="pt-PT" smtClean="0"/>
               <a:pPr/>
-              <a:t>‹nº›</a:t>
+              <a:t>‹#›</a:t>
             </a:fld>
             <a:endParaRPr lang="pt-PT" dirty="0"/>
           </a:p>
@@ -13722,7 +13969,7 @@
     </p:spTree>
     <p:extLst>
       <p:ext uri="{BB962C8B-B14F-4D97-AF65-F5344CB8AC3E}">
-        <p14:creationId xmlns:p14="http://schemas.microsoft.com/office/powerpoint/2010/main" xmlns="" val="2490349985"/>
+        <p14:creationId xmlns:p14="http://schemas.microsoft.com/office/powerpoint/2010/main" val="2490349985"/>
       </p:ext>
     </p:extLst>
   </p:cSld>
@@ -14054,7 +14301,7 @@
             <a:fld id="{F71B3DB1-8543-40E0-A2D1-830196AD91DE}" type="datetimeFigureOut">
               <a:rPr lang="pt-PT" smtClean="0"/>
               <a:pPr/>
-              <a:t>02-07-2013</a:t>
+              <a:t>02/07/2013</a:t>
             </a:fld>
             <a:endParaRPr lang="pt-PT" dirty="0"/>
           </a:p>
@@ -14097,7 +14344,7 @@
             <a:fld id="{5D26EDD4-363A-4236-A170-49C0FA725754}" type="slidenum">
               <a:rPr lang="pt-PT" smtClean="0"/>
               <a:pPr/>
-              <a:t>‹nº›</a:t>
+              <a:t>‹#›</a:t>
             </a:fld>
             <a:endParaRPr lang="pt-PT" dirty="0"/>
           </a:p>
@@ -14144,7 +14391,7 @@
     </p:spTree>
     <p:extLst>
       <p:ext uri="{BB962C8B-B14F-4D97-AF65-F5344CB8AC3E}">
-        <p14:creationId xmlns:p14="http://schemas.microsoft.com/office/powerpoint/2010/main" xmlns="" val="1183446009"/>
+        <p14:creationId xmlns:p14="http://schemas.microsoft.com/office/powerpoint/2010/main" val="1183446009"/>
       </p:ext>
     </p:extLst>
   </p:cSld>
@@ -14212,7 +14459,7 @@
             <a:fld id="{F71B3DB1-8543-40E0-A2D1-830196AD91DE}" type="datetimeFigureOut">
               <a:rPr lang="pt-PT" smtClean="0"/>
               <a:pPr/>
-              <a:t>02-07-2013</a:t>
+              <a:t>02/07/2013</a:t>
             </a:fld>
             <a:endParaRPr lang="pt-PT" dirty="0"/>
           </a:p>
@@ -14255,7 +14502,7 @@
             <a:fld id="{5D26EDD4-363A-4236-A170-49C0FA725754}" type="slidenum">
               <a:rPr lang="pt-PT" smtClean="0"/>
               <a:pPr/>
-              <a:t>‹nº›</a:t>
+              <a:t>‹#›</a:t>
             </a:fld>
             <a:endParaRPr lang="pt-PT" dirty="0"/>
           </a:p>
@@ -14302,7 +14549,7 @@
     </p:spTree>
     <p:extLst>
       <p:ext uri="{BB962C8B-B14F-4D97-AF65-F5344CB8AC3E}">
-        <p14:creationId xmlns:p14="http://schemas.microsoft.com/office/powerpoint/2010/main" xmlns="" val="1349716058"/>
+        <p14:creationId xmlns:p14="http://schemas.microsoft.com/office/powerpoint/2010/main" val="1349716058"/>
       </p:ext>
     </p:extLst>
   </p:cSld>
@@ -14347,7 +14594,7 @@
             <a:fld id="{F71B3DB1-8543-40E0-A2D1-830196AD91DE}" type="datetimeFigureOut">
               <a:rPr lang="pt-PT" smtClean="0"/>
               <a:pPr/>
-              <a:t>02-07-2013</a:t>
+              <a:t>02/07/2013</a:t>
             </a:fld>
             <a:endParaRPr lang="pt-PT" dirty="0"/>
           </a:p>
@@ -14390,7 +14637,7 @@
             <a:fld id="{5D26EDD4-363A-4236-A170-49C0FA725754}" type="slidenum">
               <a:rPr lang="pt-PT" smtClean="0"/>
               <a:pPr/>
-              <a:t>‹nº›</a:t>
+              <a:t>‹#›</a:t>
             </a:fld>
             <a:endParaRPr lang="pt-PT" dirty="0"/>
           </a:p>
@@ -14399,7 +14646,7 @@
     </p:spTree>
     <p:extLst>
       <p:ext uri="{BB962C8B-B14F-4D97-AF65-F5344CB8AC3E}">
-        <p14:creationId xmlns:p14="http://schemas.microsoft.com/office/powerpoint/2010/main" xmlns="" val="1135282261"/>
+        <p14:creationId xmlns:p14="http://schemas.microsoft.com/office/powerpoint/2010/main" val="1135282261"/>
       </p:ext>
     </p:extLst>
   </p:cSld>
@@ -14604,7 +14851,7 @@
             <a:fld id="{F71B3DB1-8543-40E0-A2D1-830196AD91DE}" type="datetimeFigureOut">
               <a:rPr lang="pt-PT" smtClean="0"/>
               <a:pPr/>
-              <a:t>02-07-2013</a:t>
+              <a:t>02/07/2013</a:t>
             </a:fld>
             <a:endParaRPr lang="pt-PT" dirty="0"/>
           </a:p>
@@ -14647,7 +14894,7 @@
             <a:fld id="{5D26EDD4-363A-4236-A170-49C0FA725754}" type="slidenum">
               <a:rPr lang="pt-PT" smtClean="0"/>
               <a:pPr/>
-              <a:t>‹nº›</a:t>
+              <a:t>‹#›</a:t>
             </a:fld>
             <a:endParaRPr lang="pt-PT" dirty="0"/>
           </a:p>
@@ -14694,7 +14941,7 @@
     </p:spTree>
     <p:extLst>
       <p:ext uri="{BB962C8B-B14F-4D97-AF65-F5344CB8AC3E}">
-        <p14:creationId xmlns:p14="http://schemas.microsoft.com/office/powerpoint/2010/main" xmlns="" val="3016415161"/>
+        <p14:creationId xmlns:p14="http://schemas.microsoft.com/office/powerpoint/2010/main" val="3016415161"/>
       </p:ext>
     </p:extLst>
   </p:cSld>
@@ -14928,7 +15175,7 @@
             <a:fld id="{F71B3DB1-8543-40E0-A2D1-830196AD91DE}" type="datetimeFigureOut">
               <a:rPr lang="pt-PT" smtClean="0"/>
               <a:pPr/>
-              <a:t>02-07-2013</a:t>
+              <a:t>02/07/2013</a:t>
             </a:fld>
             <a:endParaRPr lang="pt-PT" dirty="0"/>
           </a:p>
@@ -14971,7 +15218,7 @@
             <a:fld id="{5D26EDD4-363A-4236-A170-49C0FA725754}" type="slidenum">
               <a:rPr lang="pt-PT" smtClean="0"/>
               <a:pPr/>
-              <a:t>‹nº›</a:t>
+              <a:t>‹#›</a:t>
             </a:fld>
             <a:endParaRPr lang="pt-PT" dirty="0"/>
           </a:p>
@@ -14980,7 +15227,7 @@
     </p:spTree>
     <p:extLst>
       <p:ext uri="{BB962C8B-B14F-4D97-AF65-F5344CB8AC3E}">
-        <p14:creationId xmlns:p14="http://schemas.microsoft.com/office/powerpoint/2010/main" xmlns="" val="2799130186"/>
+        <p14:creationId xmlns:p14="http://schemas.microsoft.com/office/powerpoint/2010/main" val="2799130186"/>
       </p:ext>
     </p:extLst>
   </p:cSld>
@@ -15024,7 +15271,7 @@
           <a:blip r:embed="rId19" cstate="print">
             <a:extLst>
               <a:ext uri="{28A0092B-C50C-407E-A947-70E740481C1C}">
-                <a14:useLocalDpi xmlns:a14="http://schemas.microsoft.com/office/drawing/2010/main" xmlns="" val="0"/>
+                <a14:useLocalDpi xmlns:a14="http://schemas.microsoft.com/office/drawing/2010/main" val="0"/>
               </a:ext>
             </a:extLst>
           </a:blip>
@@ -15174,7 +15421,7 @@
             <a:fld id="{F71B3DB1-8543-40E0-A2D1-830196AD91DE}" type="datetimeFigureOut">
               <a:rPr lang="pt-PT" smtClean="0"/>
               <a:pPr/>
-              <a:t>02-07-2013</a:t>
+              <a:t>02/07/2013</a:t>
             </a:fld>
             <a:endParaRPr lang="pt-PT" dirty="0"/>
           </a:p>
@@ -15253,7 +15500,7 @@
             <a:fld id="{5D26EDD4-363A-4236-A170-49C0FA725754}" type="slidenum">
               <a:rPr lang="pt-PT" smtClean="0"/>
               <a:pPr/>
-              <a:t>‹nº›</a:t>
+              <a:t>‹#›</a:t>
             </a:fld>
             <a:endParaRPr lang="pt-PT" dirty="0"/>
           </a:p>
@@ -15262,7 +15509,7 @@
     </p:spTree>
     <p:extLst>
       <p:ext uri="{BB962C8B-B14F-4D97-AF65-F5344CB8AC3E}">
-        <p14:creationId xmlns:p14="http://schemas.microsoft.com/office/powerpoint/2010/main" xmlns="" val="3664009446"/>
+        <p14:creationId xmlns:p14="http://schemas.microsoft.com/office/powerpoint/2010/main" val="3664009446"/>
       </p:ext>
     </p:extLst>
   </p:cSld>
@@ -15770,7 +16017,7 @@
     </p:spTree>
     <p:extLst>
       <p:ext uri="{BB962C8B-B14F-4D97-AF65-F5344CB8AC3E}">
-        <p14:creationId xmlns:p14="http://schemas.microsoft.com/office/powerpoint/2010/main" xmlns="" val="404200990"/>
+        <p14:creationId xmlns:p14="http://schemas.microsoft.com/office/powerpoint/2010/main" val="404200990"/>
       </p:ext>
     </p:extLst>
   </p:cSld>
@@ -15853,7 +16100,7 @@
     </p:spTree>
     <p:extLst>
       <p:ext uri="{BB962C8B-B14F-4D97-AF65-F5344CB8AC3E}">
-        <p14:creationId xmlns:p14="http://schemas.microsoft.com/office/powerpoint/2010/main" xmlns="" val="1280194573"/>
+        <p14:creationId xmlns:p14="http://schemas.microsoft.com/office/powerpoint/2010/main" val="1280194573"/>
       </p:ext>
     </p:extLst>
   </p:cSld>
@@ -15928,7 +16175,7 @@
     </p:spTree>
     <p:extLst>
       <p:ext uri="{BB962C8B-B14F-4D97-AF65-F5344CB8AC3E}">
-        <p14:creationId xmlns:p14="http://schemas.microsoft.com/office/powerpoint/2010/main" xmlns="" val="3292307339"/>
+        <p14:creationId xmlns:p14="http://schemas.microsoft.com/office/powerpoint/2010/main" val="3292307339"/>
       </p:ext>
     </p:extLst>
   </p:cSld>
@@ -16011,7 +16258,7 @@
     </p:spTree>
     <p:extLst>
       <p:ext uri="{BB962C8B-B14F-4D97-AF65-F5344CB8AC3E}">
-        <p14:creationId xmlns:p14="http://schemas.microsoft.com/office/powerpoint/2010/main" xmlns="" val="2525735037"/>
+        <p14:creationId xmlns:p14="http://schemas.microsoft.com/office/powerpoint/2010/main" val="2525735037"/>
       </p:ext>
     </p:extLst>
   </p:cSld>
@@ -16283,7 +16530,7 @@
     </p:spTree>
     <p:extLst>
       <p:ext uri="{BB962C8B-B14F-4D97-AF65-F5344CB8AC3E}">
-        <p14:creationId xmlns:p14="http://schemas.microsoft.com/office/powerpoint/2010/main" xmlns="" val="95242113"/>
+        <p14:creationId xmlns:p14="http://schemas.microsoft.com/office/powerpoint/2010/main" val="95242113"/>
       </p:ext>
     </p:extLst>
   </p:cSld>
@@ -17194,7 +17441,7 @@
     </p:spTree>
     <p:extLst>
       <p:ext uri="{BB962C8B-B14F-4D97-AF65-F5344CB8AC3E}">
-        <p14:creationId xmlns:p14="http://schemas.microsoft.com/office/powerpoint/2010/main" xmlns="" val="2652038306"/>
+        <p14:creationId xmlns:p14="http://schemas.microsoft.com/office/powerpoint/2010/main" val="2652038306"/>
       </p:ext>
     </p:extLst>
   </p:cSld>
@@ -17448,7 +17695,7 @@
     </p:spTree>
     <p:extLst>
       <p:ext uri="{BB962C8B-B14F-4D97-AF65-F5344CB8AC3E}">
-        <p14:creationId xmlns:p14="http://schemas.microsoft.com/office/powerpoint/2010/main" xmlns="" val="2278680210"/>
+        <p14:creationId xmlns:p14="http://schemas.microsoft.com/office/powerpoint/2010/main" val="2278680210"/>
       </p:ext>
     </p:extLst>
   </p:cSld>
@@ -17799,7 +18046,7 @@
     </p:spTree>
     <p:extLst>
       <p:ext uri="{BB962C8B-B14F-4D97-AF65-F5344CB8AC3E}">
-        <p14:creationId xmlns:p14="http://schemas.microsoft.com/office/powerpoint/2010/main" xmlns="" val="2466546361"/>
+        <p14:creationId xmlns:p14="http://schemas.microsoft.com/office/powerpoint/2010/main" val="2466546361"/>
       </p:ext>
     </p:extLst>
   </p:cSld>
@@ -17881,7 +18128,7 @@
           <p:nvPr>
             <p:extLst>
               <p:ext uri="{D42A27DB-BD31-4B8C-83A1-F6EECF244321}">
-                <p14:modId xmlns:p14="http://schemas.microsoft.com/office/powerpoint/2010/main" xmlns="" val="2639408096"/>
+                <p14:modId xmlns:p14="http://schemas.microsoft.com/office/powerpoint/2010/main" val="2639408096"/>
               </p:ext>
             </p:extLst>
           </p:nvPr>
@@ -17899,7 +18146,7 @@
     </p:spTree>
     <p:extLst>
       <p:ext uri="{BB962C8B-B14F-4D97-AF65-F5344CB8AC3E}">
-        <p14:creationId xmlns:p14="http://schemas.microsoft.com/office/powerpoint/2010/main" xmlns="" val="980046083"/>
+        <p14:creationId xmlns:p14="http://schemas.microsoft.com/office/powerpoint/2010/main" val="980046083"/>
       </p:ext>
     </p:extLst>
   </p:cSld>
@@ -17981,7 +18228,7 @@
           <p:nvPr>
             <p:extLst>
               <p:ext uri="{D42A27DB-BD31-4B8C-83A1-F6EECF244321}">
-                <p14:modId xmlns:p14="http://schemas.microsoft.com/office/powerpoint/2010/main" xmlns="" val="3968378676"/>
+                <p14:modId xmlns:p14="http://schemas.microsoft.com/office/powerpoint/2010/main" val="3968378676"/>
               </p:ext>
             </p:extLst>
           </p:nvPr>
@@ -17999,7 +18246,7 @@
     </p:spTree>
     <p:extLst>
       <p:ext uri="{BB962C8B-B14F-4D97-AF65-F5344CB8AC3E}">
-        <p14:creationId xmlns:p14="http://schemas.microsoft.com/office/powerpoint/2010/main" xmlns="" val="197448477"/>
+        <p14:creationId xmlns:p14="http://schemas.microsoft.com/office/powerpoint/2010/main" val="197448477"/>
       </p:ext>
     </p:extLst>
   </p:cSld>
@@ -18133,7 +18380,7 @@
           <p:nvPr>
             <p:extLst>
               <p:ext uri="{D42A27DB-BD31-4B8C-83A1-F6EECF244321}">
-                <p14:modId xmlns:p14="http://schemas.microsoft.com/office/powerpoint/2010/main" xmlns="" val="2079267717"/>
+                <p14:modId xmlns:p14="http://schemas.microsoft.com/office/powerpoint/2010/main" val="2079267717"/>
               </p:ext>
             </p:extLst>
           </p:nvPr>
@@ -18151,7 +18398,7 @@
     </p:spTree>
     <p:extLst>
       <p:ext uri="{BB962C8B-B14F-4D97-AF65-F5344CB8AC3E}">
-        <p14:creationId xmlns:p14="http://schemas.microsoft.com/office/powerpoint/2010/main" xmlns="" val="3967897178"/>
+        <p14:creationId xmlns:p14="http://schemas.microsoft.com/office/powerpoint/2010/main" val="3967897178"/>
       </p:ext>
     </p:extLst>
   </p:cSld>
@@ -18230,7 +18477,7 @@
     </p:spTree>
     <p:extLst>
       <p:ext uri="{BB962C8B-B14F-4D97-AF65-F5344CB8AC3E}">
-        <p14:creationId xmlns:p14="http://schemas.microsoft.com/office/powerpoint/2010/main" xmlns="" val="3708106417"/>
+        <p14:creationId xmlns:p14="http://schemas.microsoft.com/office/powerpoint/2010/main" val="3708106417"/>
       </p:ext>
     </p:extLst>
   </p:cSld>
@@ -19235,7 +19482,7 @@
     </p:spTree>
     <p:extLst>
       <p:ext uri="{BB962C8B-B14F-4D97-AF65-F5344CB8AC3E}">
-        <p14:creationId xmlns:p14="http://schemas.microsoft.com/office/powerpoint/2010/main" xmlns="" val="810377202"/>
+        <p14:creationId xmlns:p14="http://schemas.microsoft.com/office/powerpoint/2010/main" val="810377202"/>
       </p:ext>
     </p:extLst>
   </p:cSld>
@@ -19313,7 +19560,7 @@
           <p:nvPr>
             <p:extLst>
               <p:ext uri="{D42A27DB-BD31-4B8C-83A1-F6EECF244321}">
-                <p14:modId xmlns:p14="http://schemas.microsoft.com/office/powerpoint/2010/main" xmlns="" val="2002974256"/>
+                <p14:modId xmlns:p14="http://schemas.microsoft.com/office/powerpoint/2010/main" val="2002974256"/>
               </p:ext>
             </p:extLst>
           </p:nvPr>
@@ -19331,7 +19578,7 @@
     </p:spTree>
     <p:extLst>
       <p:ext uri="{BB962C8B-B14F-4D97-AF65-F5344CB8AC3E}">
-        <p14:creationId xmlns:p14="http://schemas.microsoft.com/office/powerpoint/2010/main" xmlns="" val="1637874217"/>
+        <p14:creationId xmlns:p14="http://schemas.microsoft.com/office/powerpoint/2010/main" val="1637874217"/>
       </p:ext>
     </p:extLst>
   </p:cSld>
@@ -19407,7 +19654,7 @@
           <p:nvPr>
             <p:extLst>
               <p:ext uri="{D42A27DB-BD31-4B8C-83A1-F6EECF244321}">
-                <p14:modId xmlns:p14="http://schemas.microsoft.com/office/powerpoint/2010/main" xmlns="" val="3456624213"/>
+                <p14:modId xmlns:p14="http://schemas.microsoft.com/office/powerpoint/2010/main" val="3456624213"/>
               </p:ext>
             </p:extLst>
           </p:nvPr>
@@ -19425,7 +19672,7 @@
     </p:spTree>
     <p:extLst>
       <p:ext uri="{BB962C8B-B14F-4D97-AF65-F5344CB8AC3E}">
-        <p14:creationId xmlns:p14="http://schemas.microsoft.com/office/powerpoint/2010/main" xmlns="" val="2330439383"/>
+        <p14:creationId xmlns:p14="http://schemas.microsoft.com/office/powerpoint/2010/main" val="2330439383"/>
       </p:ext>
     </p:extLst>
   </p:cSld>
@@ -19774,7 +20021,7 @@
     </p:spTree>
     <p:extLst>
       <p:ext uri="{BB962C8B-B14F-4D97-AF65-F5344CB8AC3E}">
-        <p14:creationId xmlns:p14="http://schemas.microsoft.com/office/powerpoint/2010/main" xmlns="" val="3651665137"/>
+        <p14:creationId xmlns:p14="http://schemas.microsoft.com/office/powerpoint/2010/main" val="3651665137"/>
       </p:ext>
     </p:extLst>
   </p:cSld>
@@ -20172,7 +20419,7 @@
     </p:spTree>
     <p:extLst>
       <p:ext uri="{BB962C8B-B14F-4D97-AF65-F5344CB8AC3E}">
-        <p14:creationId xmlns:p14="http://schemas.microsoft.com/office/powerpoint/2010/main" xmlns="" val="4024771090"/>
+        <p14:creationId xmlns:p14="http://schemas.microsoft.com/office/powerpoint/2010/main" val="4024771090"/>
       </p:ext>
     </p:extLst>
   </p:cSld>
@@ -20402,7 +20649,7 @@
     </p:spTree>
     <p:extLst>
       <p:ext uri="{BB962C8B-B14F-4D97-AF65-F5344CB8AC3E}">
-        <p14:creationId xmlns:p14="http://schemas.microsoft.com/office/powerpoint/2010/main" xmlns="" val="3337746042"/>
+        <p14:creationId xmlns:p14="http://schemas.microsoft.com/office/powerpoint/2010/main" val="3337746042"/>
       </p:ext>
     </p:extLst>
   </p:cSld>
@@ -20485,7 +20732,7 @@
     </p:spTree>
     <p:extLst>
       <p:ext uri="{BB962C8B-B14F-4D97-AF65-F5344CB8AC3E}">
-        <p14:creationId xmlns:p14="http://schemas.microsoft.com/office/powerpoint/2010/main" xmlns="" val="1036071785"/>
+        <p14:creationId xmlns:p14="http://schemas.microsoft.com/office/powerpoint/2010/main" val="1036071785"/>
       </p:ext>
     </p:extLst>
   </p:cSld>
@@ -20560,7 +20807,7 @@
     </p:spTree>
     <p:extLst>
       <p:ext uri="{BB962C8B-B14F-4D97-AF65-F5344CB8AC3E}">
-        <p14:creationId xmlns:p14="http://schemas.microsoft.com/office/powerpoint/2010/main" xmlns="" val="4029259654"/>
+        <p14:creationId xmlns:p14="http://schemas.microsoft.com/office/powerpoint/2010/main" val="4029259654"/>
       </p:ext>
     </p:extLst>
   </p:cSld>
@@ -20952,18 +21199,18 @@
     </p:spTree>
     <p:extLst>
       <p:ext uri="{BB962C8B-B14F-4D97-AF65-F5344CB8AC3E}">
-        <p14:creationId xmlns:p14="http://schemas.microsoft.com/office/powerpoint/2010/main" xmlns="" val="2323100813"/>
+        <p14:creationId xmlns:p14="http://schemas.microsoft.com/office/powerpoint/2010/main" val="2323100813"/>
       </p:ext>
     </p:extLst>
   </p:cSld>
   <p:clrMapOvr>
     <a:masterClrMapping/>
   </p:clrMapOvr>
-  <mc:AlternateContent xmlns:mc="http://schemas.openxmlformats.org/markup-compatibility/2006">
-    <mc:Choice xmlns:p14="http://schemas.microsoft.com/office/powerpoint/2010/main" xmlns="" Requires="p14">
+  <mc:AlternateContent xmlns:mc="http://schemas.openxmlformats.org/markup-compatibility/2006" xmlns:p14="http://schemas.microsoft.com/office/powerpoint/2010/main">
+    <mc:Choice Requires="p14">
       <p:transition p14:dur="0"/>
     </mc:Choice>
-    <mc:Fallback>
+    <mc:Fallback xmlns="">
       <p:transition/>
     </mc:Fallback>
   </mc:AlternateContent>
@@ -21228,7 +21475,7 @@
           <p:nvPr>
             <p:extLst>
               <p:ext uri="{D42A27DB-BD31-4B8C-83A1-F6EECF244321}">
-                <p14:modId xmlns:p14="http://schemas.microsoft.com/office/powerpoint/2010/main" xmlns="" val="963427250"/>
+                <p14:modId xmlns:p14="http://schemas.microsoft.com/office/powerpoint/2010/main" val="963427250"/>
               </p:ext>
             </p:extLst>
           </p:nvPr>
@@ -21762,7 +22009,7 @@
     </p:spTree>
     <p:extLst>
       <p:ext uri="{BB962C8B-B14F-4D97-AF65-F5344CB8AC3E}">
-        <p14:creationId xmlns:p14="http://schemas.microsoft.com/office/powerpoint/2010/main" xmlns="" val="2960815596"/>
+        <p14:creationId xmlns:p14="http://schemas.microsoft.com/office/powerpoint/2010/main" val="2960815596"/>
       </p:ext>
     </p:extLst>
   </p:cSld>
@@ -21837,12 +22084,12 @@
           <a:lstStyle/>
           <a:p>
             <a:r>
-              <a:rPr lang="pt-PT" dirty="0"/>
-              <a:t> </a:t>
+              <a:rPr lang="pt-PT" b="1" smtClean="0"/>
+              <a:t>Carla </a:t>
             </a:r>
             <a:r>
               <a:rPr lang="pt-PT" b="1" dirty="0"/>
-              <a:t>Carla Machado </a:t>
+              <a:t>Machado </a:t>
             </a:r>
             <a:r>
               <a:rPr lang="pt-PT" dirty="0"/>
@@ -22000,7 +22247,7 @@
     </p:spTree>
     <p:extLst>
       <p:ext uri="{BB962C8B-B14F-4D97-AF65-F5344CB8AC3E}">
-        <p14:creationId xmlns:p14="http://schemas.microsoft.com/office/powerpoint/2010/main" xmlns="" val="1616575088"/>
+        <p14:creationId xmlns:p14="http://schemas.microsoft.com/office/powerpoint/2010/main" val="1616575088"/>
       </p:ext>
     </p:extLst>
   </p:cSld>
@@ -22197,7 +22444,7 @@
     </p:spTree>
     <p:extLst>
       <p:ext uri="{BB962C8B-B14F-4D97-AF65-F5344CB8AC3E}">
-        <p14:creationId xmlns:p14="http://schemas.microsoft.com/office/powerpoint/2010/main" xmlns="" val="1314162854"/>
+        <p14:creationId xmlns:p14="http://schemas.microsoft.com/office/powerpoint/2010/main" val="1314162854"/>
       </p:ext>
     </p:extLst>
   </p:cSld>
@@ -22284,7 +22531,7 @@
     </p:spTree>
     <p:extLst>
       <p:ext uri="{BB962C8B-B14F-4D97-AF65-F5344CB8AC3E}">
-        <p14:creationId xmlns:p14="http://schemas.microsoft.com/office/powerpoint/2010/main" xmlns="" val="1350559237"/>
+        <p14:creationId xmlns:p14="http://schemas.microsoft.com/office/powerpoint/2010/main" val="1350559237"/>
       </p:ext>
     </p:extLst>
   </p:cSld>
@@ -22380,7 +22627,7 @@
           <a:blip r:embed="rId2" cstate="print">
             <a:extLst>
               <a:ext uri="{28A0092B-C50C-407E-A947-70E740481C1C}">
-                <a14:useLocalDpi xmlns:a14="http://schemas.microsoft.com/office/drawing/2010/main" xmlns="" val="0"/>
+                <a14:useLocalDpi xmlns:a14="http://schemas.microsoft.com/office/drawing/2010/main" val="0"/>
               </a:ext>
             </a:extLst>
           </a:blip>
@@ -22410,7 +22657,7 @@
           <a:blip r:embed="rId3" cstate="print">
             <a:extLst>
               <a:ext uri="{28A0092B-C50C-407E-A947-70E740481C1C}">
-                <a14:useLocalDpi xmlns:a14="http://schemas.microsoft.com/office/drawing/2010/main" xmlns="" val="0"/>
+                <a14:useLocalDpi xmlns:a14="http://schemas.microsoft.com/office/drawing/2010/main" val="0"/>
               </a:ext>
             </a:extLst>
           </a:blip>
@@ -22440,7 +22687,7 @@
           <a:blip r:embed="rId4" cstate="print">
             <a:extLst>
               <a:ext uri="{28A0092B-C50C-407E-A947-70E740481C1C}">
-                <a14:useLocalDpi xmlns:a14="http://schemas.microsoft.com/office/drawing/2010/main" xmlns="" val="0"/>
+                <a14:useLocalDpi xmlns:a14="http://schemas.microsoft.com/office/drawing/2010/main" val="0"/>
               </a:ext>
             </a:extLst>
           </a:blip>
@@ -22470,7 +22717,7 @@
           <a:blip r:embed="rId5" cstate="print">
             <a:extLst>
               <a:ext uri="{28A0092B-C50C-407E-A947-70E740481C1C}">
-                <a14:useLocalDpi xmlns:a14="http://schemas.microsoft.com/office/drawing/2010/main" xmlns="" val="0"/>
+                <a14:useLocalDpi xmlns:a14="http://schemas.microsoft.com/office/drawing/2010/main" val="0"/>
               </a:ext>
             </a:extLst>
           </a:blip>
@@ -22500,7 +22747,7 @@
           <a:blip r:embed="rId6" cstate="print">
             <a:extLst>
               <a:ext uri="{28A0092B-C50C-407E-A947-70E740481C1C}">
-                <a14:useLocalDpi xmlns:a14="http://schemas.microsoft.com/office/drawing/2010/main" xmlns="" val="0"/>
+                <a14:useLocalDpi xmlns:a14="http://schemas.microsoft.com/office/drawing/2010/main" val="0"/>
               </a:ext>
             </a:extLst>
           </a:blip>
@@ -22530,7 +22777,7 @@
           <a:blip r:embed="rId7" cstate="print">
             <a:extLst>
               <a:ext uri="{28A0092B-C50C-407E-A947-70E740481C1C}">
-                <a14:useLocalDpi xmlns:a14="http://schemas.microsoft.com/office/drawing/2010/main" xmlns="" val="0"/>
+                <a14:useLocalDpi xmlns:a14="http://schemas.microsoft.com/office/drawing/2010/main" val="0"/>
               </a:ext>
             </a:extLst>
           </a:blip>
@@ -22662,7 +22909,7 @@
     </p:spTree>
     <p:extLst>
       <p:ext uri="{BB962C8B-B14F-4D97-AF65-F5344CB8AC3E}">
-        <p14:creationId xmlns:p14="http://schemas.microsoft.com/office/powerpoint/2010/main" xmlns="" val="3857988853"/>
+        <p14:creationId xmlns:p14="http://schemas.microsoft.com/office/powerpoint/2010/main" val="3857988853"/>
       </p:ext>
     </p:extLst>
   </p:cSld>
@@ -23003,7 +23250,7 @@
     </p:spTree>
     <p:extLst>
       <p:ext uri="{BB962C8B-B14F-4D97-AF65-F5344CB8AC3E}">
-        <p14:creationId xmlns:p14="http://schemas.microsoft.com/office/powerpoint/2010/main" xmlns="" val="837742913"/>
+        <p14:creationId xmlns:p14="http://schemas.microsoft.com/office/powerpoint/2010/main" val="837742913"/>
       </p:ext>
     </p:extLst>
   </p:cSld>
@@ -23165,7 +23412,7 @@
     </p:spTree>
     <p:extLst>
       <p:ext uri="{BB962C8B-B14F-4D97-AF65-F5344CB8AC3E}">
-        <p14:creationId xmlns:p14="http://schemas.microsoft.com/office/powerpoint/2010/main" xmlns="" val="2325686505"/>
+        <p14:creationId xmlns:p14="http://schemas.microsoft.com/office/powerpoint/2010/main" val="2325686505"/>
       </p:ext>
     </p:extLst>
   </p:cSld>
@@ -23718,7 +23965,7 @@
     </p:spTree>
     <p:extLst>
       <p:ext uri="{BB962C8B-B14F-4D97-AF65-F5344CB8AC3E}">
-        <p14:creationId xmlns:p14="http://schemas.microsoft.com/office/powerpoint/2010/main" xmlns="" val="3104365819"/>
+        <p14:creationId xmlns:p14="http://schemas.microsoft.com/office/powerpoint/2010/main" val="3104365819"/>
       </p:ext>
     </p:extLst>
   </p:cSld>
@@ -23936,7 +24183,7 @@
     </p:spTree>
     <p:extLst>
       <p:ext uri="{BB962C8B-B14F-4D97-AF65-F5344CB8AC3E}">
-        <p14:creationId xmlns:p14="http://schemas.microsoft.com/office/powerpoint/2010/main" xmlns="" val="996600230"/>
+        <p14:creationId xmlns:p14="http://schemas.microsoft.com/office/powerpoint/2010/main" val="996600230"/>
       </p:ext>
     </p:extLst>
   </p:cSld>
@@ -24146,7 +24393,7 @@
     </p:spTree>
     <p:extLst>
       <p:ext uri="{BB962C8B-B14F-4D97-AF65-F5344CB8AC3E}">
-        <p14:creationId xmlns:p14="http://schemas.microsoft.com/office/powerpoint/2010/main" xmlns="" val="3857988853"/>
+        <p14:creationId xmlns:p14="http://schemas.microsoft.com/office/powerpoint/2010/main" val="3857988853"/>
       </p:ext>
     </p:extLst>
   </p:cSld>
@@ -24335,7 +24582,7 @@
     </p:spTree>
     <p:extLst>
       <p:ext uri="{BB962C8B-B14F-4D97-AF65-F5344CB8AC3E}">
-        <p14:creationId xmlns:p14="http://schemas.microsoft.com/office/powerpoint/2010/main" xmlns="" val="755519461"/>
+        <p14:creationId xmlns:p14="http://schemas.microsoft.com/office/powerpoint/2010/main" val="755519461"/>
       </p:ext>
     </p:extLst>
   </p:cSld>
@@ -25237,7 +25484,7 @@
     </p:spTree>
     <p:extLst>
       <p:ext uri="{BB962C8B-B14F-4D97-AF65-F5344CB8AC3E}">
-        <p14:creationId xmlns:p14="http://schemas.microsoft.com/office/powerpoint/2010/main" xmlns="" val="1569197944"/>
+        <p14:creationId xmlns:p14="http://schemas.microsoft.com/office/powerpoint/2010/main" val="1569197944"/>
       </p:ext>
     </p:extLst>
   </p:cSld>
@@ -25276,7 +25523,7 @@
           <a:blip r:embed="rId2" cstate="print">
             <a:extLst>
               <a:ext uri="{28A0092B-C50C-407E-A947-70E740481C1C}">
-                <a14:useLocalDpi xmlns:a14="http://schemas.microsoft.com/office/drawing/2010/main" xmlns="" val="0"/>
+                <a14:useLocalDpi xmlns:a14="http://schemas.microsoft.com/office/drawing/2010/main" val="0"/>
               </a:ext>
             </a:extLst>
           </a:blip>
@@ -25396,7 +25643,7 @@
           <a:blip r:embed="rId3" cstate="print">
             <a:extLst>
               <a:ext uri="{28A0092B-C50C-407E-A947-70E740481C1C}">
-                <a14:useLocalDpi xmlns:a14="http://schemas.microsoft.com/office/drawing/2010/main" xmlns="" val="0"/>
+                <a14:useLocalDpi xmlns:a14="http://schemas.microsoft.com/office/drawing/2010/main" val="0"/>
               </a:ext>
             </a:extLst>
           </a:blip>
@@ -25426,7 +25673,7 @@
           <a:blip r:embed="rId4" cstate="print">
             <a:extLst>
               <a:ext uri="{28A0092B-C50C-407E-A947-70E740481C1C}">
-                <a14:useLocalDpi xmlns:a14="http://schemas.microsoft.com/office/drawing/2010/main" xmlns="" val="0"/>
+                <a14:useLocalDpi xmlns:a14="http://schemas.microsoft.com/office/drawing/2010/main" val="0"/>
               </a:ext>
             </a:extLst>
           </a:blip>
@@ -25474,7 +25721,7 @@
           <a:blip r:embed="rId5" cstate="print">
             <a:extLst>
               <a:ext uri="{28A0092B-C50C-407E-A947-70E740481C1C}">
-                <a14:useLocalDpi xmlns:a14="http://schemas.microsoft.com/office/drawing/2010/main" xmlns="" val="0"/>
+                <a14:useLocalDpi xmlns:a14="http://schemas.microsoft.com/office/drawing/2010/main" val="0"/>
               </a:ext>
             </a:extLst>
           </a:blip>
@@ -25495,7 +25742,7 @@
     </p:spTree>
     <p:extLst>
       <p:ext uri="{BB962C8B-B14F-4D97-AF65-F5344CB8AC3E}">
-        <p14:creationId xmlns:p14="http://schemas.microsoft.com/office/powerpoint/2010/main" xmlns="" val="3458532491"/>
+        <p14:creationId xmlns:p14="http://schemas.microsoft.com/office/powerpoint/2010/main" val="3458532491"/>
       </p:ext>
     </p:extLst>
   </p:cSld>
@@ -25640,7 +25887,7 @@
     </p:spTree>
     <p:extLst>
       <p:ext uri="{BB962C8B-B14F-4D97-AF65-F5344CB8AC3E}">
-        <p14:creationId xmlns:p14="http://schemas.microsoft.com/office/powerpoint/2010/main" xmlns="" val="3599542048"/>
+        <p14:creationId xmlns:p14="http://schemas.microsoft.com/office/powerpoint/2010/main" val="3599542048"/>
       </p:ext>
     </p:extLst>
   </p:cSld>
@@ -26072,7 +26319,7 @@
     </p:spTree>
     <p:extLst>
       <p:ext uri="{BB962C8B-B14F-4D97-AF65-F5344CB8AC3E}">
-        <p14:creationId xmlns:p14="http://schemas.microsoft.com/office/powerpoint/2010/main" xmlns="" val="1933947800"/>
+        <p14:creationId xmlns:p14="http://schemas.microsoft.com/office/powerpoint/2010/main" val="1933947800"/>
       </p:ext>
     </p:extLst>
   </p:cSld>
@@ -26166,7 +26413,7 @@
     </p:spTree>
     <p:extLst>
       <p:ext uri="{BB962C8B-B14F-4D97-AF65-F5344CB8AC3E}">
-        <p14:creationId xmlns:p14="http://schemas.microsoft.com/office/powerpoint/2010/main" xmlns="" val="1515372593"/>
+        <p14:creationId xmlns:p14="http://schemas.microsoft.com/office/powerpoint/2010/main" val="1515372593"/>
       </p:ext>
     </p:extLst>
   </p:cSld>
@@ -26252,7 +26499,7 @@
     </p:spTree>
     <p:extLst>
       <p:ext uri="{BB962C8B-B14F-4D97-AF65-F5344CB8AC3E}">
-        <p14:creationId xmlns:p14="http://schemas.microsoft.com/office/powerpoint/2010/main" xmlns="" val="256484290"/>
+        <p14:creationId xmlns:p14="http://schemas.microsoft.com/office/powerpoint/2010/main" val="256484290"/>
       </p:ext>
     </p:extLst>
   </p:cSld>
@@ -26371,7 +26618,7 @@
     </p:spTree>
     <p:extLst>
       <p:ext uri="{BB962C8B-B14F-4D97-AF65-F5344CB8AC3E}">
-        <p14:creationId xmlns:p14="http://schemas.microsoft.com/office/powerpoint/2010/main" xmlns="" val="286368229"/>
+        <p14:creationId xmlns:p14="http://schemas.microsoft.com/office/powerpoint/2010/main" val="286368229"/>
       </p:ext>
     </p:extLst>
   </p:cSld>
@@ -26447,7 +26694,7 @@
     </p:spTree>
     <p:extLst>
       <p:ext uri="{BB962C8B-B14F-4D97-AF65-F5344CB8AC3E}">
-        <p14:creationId xmlns:p14="http://schemas.microsoft.com/office/powerpoint/2010/main" xmlns="" val="745076154"/>
+        <p14:creationId xmlns:p14="http://schemas.microsoft.com/office/powerpoint/2010/main" val="745076154"/>
       </p:ext>
     </p:extLst>
   </p:cSld>
@@ -26571,7 +26818,7 @@
                   <p:nvPr>
                     <p:extLst>
                       <p:ext uri="{D42A27DB-BD31-4B8C-83A1-F6EECF244321}">
-                        <p14:modId xmlns:p14="http://schemas.microsoft.com/office/powerpoint/2010/main" xmlns="" val="568955525"/>
+                        <p14:modId xmlns:p14="http://schemas.microsoft.com/office/powerpoint/2010/main" val="568955525"/>
                       </p:ext>
                     </p:extLst>
                   </p:nvPr>
@@ -27503,7 +27750,7 @@
     </p:spTree>
     <p:extLst>
       <p:ext uri="{BB962C8B-B14F-4D97-AF65-F5344CB8AC3E}">
-        <p14:creationId xmlns:p14="http://schemas.microsoft.com/office/powerpoint/2010/main" xmlns="" val="3857988853"/>
+        <p14:creationId xmlns:p14="http://schemas.microsoft.com/office/powerpoint/2010/main" val="3857988853"/>
       </p:ext>
     </p:extLst>
   </p:cSld>
@@ -27694,7 +27941,7 @@
     </p:spTree>
     <p:extLst>
       <p:ext uri="{BB962C8B-B14F-4D97-AF65-F5344CB8AC3E}">
-        <p14:creationId xmlns:p14="http://schemas.microsoft.com/office/powerpoint/2010/main" xmlns="" val="576009203"/>
+        <p14:creationId xmlns:p14="http://schemas.microsoft.com/office/powerpoint/2010/main" val="576009203"/>
       </p:ext>
     </p:extLst>
   </p:cSld>
@@ -27843,7 +28090,7 @@
     </p:spTree>
     <p:extLst>
       <p:ext uri="{BB962C8B-B14F-4D97-AF65-F5344CB8AC3E}">
-        <p14:creationId xmlns:p14="http://schemas.microsoft.com/office/powerpoint/2010/main" xmlns="" val="2359148607"/>
+        <p14:creationId xmlns:p14="http://schemas.microsoft.com/office/powerpoint/2010/main" val="2359148607"/>
       </p:ext>
     </p:extLst>
   </p:cSld>
@@ -28233,7 +28480,7 @@
     </p:spTree>
     <p:extLst>
       <p:ext uri="{BB962C8B-B14F-4D97-AF65-F5344CB8AC3E}">
-        <p14:creationId xmlns:p14="http://schemas.microsoft.com/office/powerpoint/2010/main" xmlns="" val="139459399"/>
+        <p14:creationId xmlns:p14="http://schemas.microsoft.com/office/powerpoint/2010/main" val="139459399"/>
       </p:ext>
     </p:extLst>
   </p:cSld>
@@ -28812,7 +29059,7 @@
     </p:spTree>
     <p:extLst>
       <p:ext uri="{BB962C8B-B14F-4D97-AF65-F5344CB8AC3E}">
-        <p14:creationId xmlns:p14="http://schemas.microsoft.com/office/powerpoint/2010/main" xmlns="" val="529958241"/>
+        <p14:creationId xmlns:p14="http://schemas.microsoft.com/office/powerpoint/2010/main" val="529958241"/>
       </p:ext>
     </p:extLst>
   </p:cSld>
@@ -29006,7 +29253,7 @@
     </p:spTree>
     <p:extLst>
       <p:ext uri="{BB962C8B-B14F-4D97-AF65-F5344CB8AC3E}">
-        <p14:creationId xmlns:p14="http://schemas.microsoft.com/office/powerpoint/2010/main" xmlns="" val="1756093289"/>
+        <p14:creationId xmlns:p14="http://schemas.microsoft.com/office/powerpoint/2010/main" val="1756093289"/>
       </p:ext>
     </p:extLst>
   </p:cSld>
@@ -29671,7 +29918,7 @@
     </p:spTree>
     <p:extLst>
       <p:ext uri="{BB962C8B-B14F-4D97-AF65-F5344CB8AC3E}">
-        <p14:creationId xmlns:p14="http://schemas.microsoft.com/office/powerpoint/2010/main" xmlns="" val="3608220894"/>
+        <p14:creationId xmlns:p14="http://schemas.microsoft.com/office/powerpoint/2010/main" val="3608220894"/>
       </p:ext>
     </p:extLst>
   </p:cSld>
@@ -29978,7 +30225,7 @@
     </p:spTree>
     <p:extLst>
       <p:ext uri="{BB962C8B-B14F-4D97-AF65-F5344CB8AC3E}">
-        <p14:creationId xmlns:p14="http://schemas.microsoft.com/office/powerpoint/2010/main" xmlns="" val="1960690833"/>
+        <p14:creationId xmlns:p14="http://schemas.microsoft.com/office/powerpoint/2010/main" val="1960690833"/>
       </p:ext>
     </p:extLst>
   </p:cSld>
@@ -30096,7 +30343,7 @@
     </p:spTree>
     <p:extLst>
       <p:ext uri="{BB962C8B-B14F-4D97-AF65-F5344CB8AC3E}">
-        <p14:creationId xmlns:p14="http://schemas.microsoft.com/office/powerpoint/2010/main" xmlns="" val="1996551084"/>
+        <p14:creationId xmlns:p14="http://schemas.microsoft.com/office/powerpoint/2010/main" val="1996551084"/>
       </p:ext>
     </p:extLst>
   </p:cSld>
@@ -30457,13 +30704,8 @@
             <a:pPr lvl="1"/>
             <a:r>
               <a:rPr lang="en-US" smtClean="0"/>
-              <a:t>The structure of the application should be well </a:t>
-            </a:r>
-            <a:r>
-              <a:rPr lang="en-US" smtClean="0"/>
-              <a:t>planned</a:t>
-            </a:r>
-            <a:endParaRPr lang="en-US" smtClean="0"/>
+              <a:t>The structure of the application should be well planned</a:t>
+            </a:r>
           </a:p>
           <a:p>
             <a:endParaRPr lang="en-US"/>
@@ -30473,7 +30715,7 @@
     </p:spTree>
     <p:extLst>
       <p:ext uri="{BB962C8B-B14F-4D97-AF65-F5344CB8AC3E}">
-        <p14:creationId xmlns:p14="http://schemas.microsoft.com/office/powerpoint/2010/main" xmlns="" val="323619009"/>
+        <p14:creationId xmlns:p14="http://schemas.microsoft.com/office/powerpoint/2010/main" val="323619009"/>
       </p:ext>
     </p:extLst>
   </p:cSld>
@@ -30774,7 +31016,7 @@
     </p:spTree>
     <p:extLst>
       <p:ext uri="{BB962C8B-B14F-4D97-AF65-F5344CB8AC3E}">
-        <p14:creationId xmlns:p14="http://schemas.microsoft.com/office/powerpoint/2010/main" xmlns="" val="1399430186"/>
+        <p14:creationId xmlns:p14="http://schemas.microsoft.com/office/powerpoint/2010/main" val="1399430186"/>
       </p:ext>
     </p:extLst>
   </p:cSld>
@@ -30854,7 +31096,7 @@
     </p:spTree>
     <p:extLst>
       <p:ext uri="{BB962C8B-B14F-4D97-AF65-F5344CB8AC3E}">
-        <p14:creationId xmlns:p14="http://schemas.microsoft.com/office/powerpoint/2010/main" xmlns="" val="4109416244"/>
+        <p14:creationId xmlns:p14="http://schemas.microsoft.com/office/powerpoint/2010/main" val="4109416244"/>
       </p:ext>
     </p:extLst>
   </p:cSld>
@@ -31092,7 +31334,7 @@
     </p:spTree>
     <p:extLst>
       <p:ext uri="{BB962C8B-B14F-4D97-AF65-F5344CB8AC3E}">
-        <p14:creationId xmlns:p14="http://schemas.microsoft.com/office/powerpoint/2010/main" xmlns="" val="3388566770"/>
+        <p14:creationId xmlns:p14="http://schemas.microsoft.com/office/powerpoint/2010/main" val="3388566770"/>
       </p:ext>
     </p:extLst>
   </p:cSld>
@@ -31336,7 +31578,7 @@
   <a:extraClrSchemeLst/>
   <a:extLst>
     <a:ext uri="{05A4C25C-085E-4340-85A3-A5531E510DB2}">
-      <thm15:themeFamily xmlns:thm15="http://schemas.microsoft.com/office/thememl/2012/main" xmlns="" name="Organic" id="{28CDC826-8792-45C0-861B-85EB3ADEDA33}" vid="{E4E49EB0-FB00-41F5-9359-4843D783A23D}"/>
+      <thm15:themeFamily xmlns:thm15="http://schemas.microsoft.com/office/thememl/2012/main" name="Organic" id="{28CDC826-8792-45C0-861B-85EB3ADEDA33}" vid="{E4E49EB0-FB00-41F5-9359-4843D783A23D}"/>
     </a:ext>
   </a:extLst>
 </a:theme>
@@ -31597,7 +31839,7 @@
   <a:extraClrSchemeLst/>
   <a:extLst>
     <a:ext uri="{05A4C25C-085E-4340-85A3-A5531E510DB2}">
-      <thm15:themeFamily xmlns:thm15="http://schemas.microsoft.com/office/thememl/2012/main" xmlns="" name="Office Theme" id="{62F939B6-93AF-4DB8-9C6B-D6C7DFDC589F}" vid="{4A3C46E8-61CC-4603-A589-7422A47A8E4A}"/>
+      <thm15:themeFamily xmlns:thm15="http://schemas.microsoft.com/office/thememl/2012/main" name="Office Theme" id="{62F939B6-93AF-4DB8-9C6B-D6C7DFDC589F}" vid="{4A3C46E8-61CC-4603-A589-7422A47A8E4A}"/>
     </a:ext>
   </a:extLst>
 </a:theme>

--- a/Final Presentation/Presentation.pptx
+++ b/Final Presentation/Presentation.pptx
@@ -181,7 +181,7 @@
   </p:defaultTextStyle>
   <p:extLst>
     <p:ext uri="{EFAFB233-063F-42B5-8137-9DF3F51BA10A}">
-      <p15:sldGuideLst xmlns:p15="http://schemas.microsoft.com/office/powerpoint/2012/main">
+      <p15:sldGuideLst xmlns:p15="http://schemas.microsoft.com/office/powerpoint/2012/main" xmlns="">
         <p15:guide id="1" orient="horz" pos="2160">
           <p15:clr>
             <a:srgbClr val="A4A3A4"/>
@@ -200,17 +200,7 @@
 
 <file path=ppt/charts/chart1.xml><?xml version="1.0" encoding="utf-8"?>
 <c:chartSpace xmlns:c="http://schemas.openxmlformats.org/drawingml/2006/chart" xmlns:a="http://schemas.openxmlformats.org/drawingml/2006/main" xmlns:r="http://schemas.openxmlformats.org/officeDocument/2006/relationships">
-  <c:date1904 val="0"/>
-  <c:lang val="en-US"/>
-  <c:roundedCorners val="0"/>
-  <mc:AlternateContent xmlns:mc="http://schemas.openxmlformats.org/markup-compatibility/2006">
-    <mc:Choice xmlns:c14="http://schemas.microsoft.com/office/drawing/2007/8/2/chart" Requires="c14">
-      <c14:style val="102"/>
-    </mc:Choice>
-    <mc:Fallback>
-      <c:style val="2"/>
-    </mc:Fallback>
-  </mc:AlternateContent>
+  <c:lang val="pt-PT"/>
   <c:chart>
     <c:title>
       <c:tx>
@@ -238,7 +228,7 @@
           </a:p>
         </c:rich>
       </c:tx>
-      <c:overlay val="0"/>
+      <c:layout/>
       <c:spPr>
         <a:noFill/>
         <a:ln>
@@ -246,34 +236,12 @@
         </a:ln>
         <a:effectLst/>
       </c:spPr>
-      <c:txPr>
-        <a:bodyPr rot="0" spcFirstLastPara="1" vertOverflow="ellipsis" vert="horz" wrap="square" anchor="ctr" anchorCtr="1"/>
-        <a:lstStyle/>
-        <a:p>
-          <a:pPr>
-            <a:defRPr sz="2128" b="1" i="0" u="none" strike="noStrike" kern="1200" cap="all" spc="120" normalizeH="0" baseline="0">
-              <a:solidFill>
-                <a:schemeClr val="tx1">
-                  <a:lumMod val="65000"/>
-                  <a:lumOff val="35000"/>
-                </a:schemeClr>
-              </a:solidFill>
-              <a:latin typeface="+mn-lt"/>
-              <a:ea typeface="+mn-ea"/>
-              <a:cs typeface="+mn-cs"/>
-            </a:defRPr>
-          </a:pPr>
-          <a:endParaRPr lang="pt-PT"/>
-        </a:p>
-      </c:txPr>
     </c:title>
-    <c:autoTitleDeleted val="0"/>
     <c:plotArea>
       <c:layout/>
       <c:barChart>
         <c:barDir val="col"/>
         <c:grouping val="clustered"/>
-        <c:varyColors val="0"/>
         <c:ser>
           <c:idx val="0"/>
           <c:order val="0"/>
@@ -297,7 +265,6 @@
             </a:ln>
             <a:effectLst/>
           </c:spPr>
-          <c:invertIfNegative val="0"/>
           <c:dLbls>
             <c:spPr>
               <a:noFill/>
@@ -329,13 +296,7 @@
               </a:p>
             </c:txPr>
             <c:dLblPos val="outEnd"/>
-            <c:showLegendKey val="0"/>
             <c:showVal val="1"/>
-            <c:showCatName val="0"/>
-            <c:showSerName val="0"/>
-            <c:showPercent val="0"/>
-            <c:showBubbleSize val="0"/>
-            <c:showLeaderLines val="0"/>
             <c:extLst>
               <c:ext xmlns:c15="http://schemas.microsoft.com/office/drawing/2012/chart" uri="{CE6537A1-D6FC-4f65-9D91-7224C49458BB}">
                 <c15:showLeaderLines val="1"/>
@@ -379,7 +340,7 @@
             <c:numRef>
               <c:f>Folha1!$O$44:$R$44</c:f>
               <c:numCache>
-                <c:formatCode>General</c:formatCode>
+                <c:formatCode>Estandar</c:formatCode>
                 <c:ptCount val="4"/>
                 <c:pt idx="0">
                   <c:v>100</c:v>
@@ -417,7 +378,6 @@
             </a:ln>
             <a:effectLst/>
           </c:spPr>
-          <c:invertIfNegative val="0"/>
           <c:dLbls>
             <c:spPr>
               <a:noFill/>
@@ -449,13 +409,7 @@
               </a:p>
             </c:txPr>
             <c:dLblPos val="outEnd"/>
-            <c:showLegendKey val="0"/>
             <c:showVal val="1"/>
-            <c:showCatName val="0"/>
-            <c:showSerName val="0"/>
-            <c:showPercent val="0"/>
-            <c:showBubbleSize val="0"/>
-            <c:showLeaderLines val="0"/>
             <c:extLst>
               <c:ext xmlns:c15="http://schemas.microsoft.com/office/drawing/2012/chart" uri="{CE6537A1-D6FC-4f65-9D91-7224C49458BB}">
                 <c15:showLeaderLines val="1"/>
@@ -499,7 +453,7 @@
             <c:numRef>
               <c:f>Folha1!$O$45:$R$45</c:f>
               <c:numCache>
-                <c:formatCode>General</c:formatCode>
+                <c:formatCode>Estandar</c:formatCode>
                 <c:ptCount val="4"/>
                 <c:pt idx="1">
                   <c:v>93</c:v>
@@ -515,24 +469,18 @@
           </c:val>
         </c:ser>
         <c:dLbls>
-          <c:showLegendKey val="0"/>
           <c:showVal val="1"/>
-          <c:showCatName val="0"/>
-          <c:showSerName val="0"/>
-          <c:showPercent val="0"/>
-          <c:showBubbleSize val="0"/>
         </c:dLbls>
         <c:gapWidth val="444"/>
         <c:overlap val="-90"/>
-        <c:axId val="-531472784"/>
-        <c:axId val="-531477136"/>
+        <c:axId val="67615360"/>
+        <c:axId val="67625344"/>
       </c:barChart>
       <c:catAx>
-        <c:axId val="-531472784"/>
+        <c:axId val="67615360"/>
         <c:scaling>
           <c:orientation val="minMax"/>
         </c:scaling>
-        <c:delete val="0"/>
         <c:axPos val="b"/>
         <c:majorGridlines>
           <c:spPr>
@@ -548,9 +496,8 @@
             <a:effectLst/>
           </c:spPr>
         </c:majorGridlines>
-        <c:numFmt formatCode="General" sourceLinked="1"/>
+        <c:numFmt formatCode="Estandar" sourceLinked="1"/>
         <c:majorTickMark val="none"/>
-        <c:minorTickMark val="none"/>
         <c:tickLblPos val="nextTo"/>
         <c:spPr>
           <a:noFill/>
@@ -585,25 +532,23 @@
             <a:endParaRPr lang="pt-PT"/>
           </a:p>
         </c:txPr>
-        <c:crossAx val="-531477136"/>
+        <c:crossAx val="67625344"/>
         <c:crosses val="autoZero"/>
         <c:auto val="1"/>
         <c:lblAlgn val="ctr"/>
         <c:lblOffset val="100"/>
-        <c:noMultiLvlLbl val="0"/>
       </c:catAx>
       <c:valAx>
-        <c:axId val="-531477136"/>
+        <c:axId val="67625344"/>
         <c:scaling>
           <c:orientation val="minMax"/>
         </c:scaling>
         <c:delete val="1"/>
         <c:axPos val="l"/>
-        <c:numFmt formatCode="General" sourceLinked="1"/>
+        <c:numFmt formatCode="Estandar" sourceLinked="1"/>
         <c:majorTickMark val="none"/>
-        <c:minorTickMark val="none"/>
         <c:tickLblPos val="none"/>
-        <c:crossAx val="-531472784"/>
+        <c:crossAx val="67615360"/>
         <c:crosses val="autoZero"/>
         <c:crossBetween val="between"/>
       </c:valAx>
@@ -617,7 +562,7 @@
     </c:plotArea>
     <c:legend>
       <c:legendPos val="t"/>
-      <c:overlay val="0"/>
+      <c:layout/>
       <c:spPr>
         <a:noFill/>
         <a:ln>
@@ -648,7 +593,6 @@
     </c:legend>
     <c:plotVisOnly val="1"/>
     <c:dispBlanksAs val="gap"/>
-    <c:showDLblsOverMax val="0"/>
   </c:chart>
   <c:spPr>
     <a:noFill/>
@@ -667,25 +611,13 @@
       <a:endParaRPr lang="pt-PT"/>
     </a:p>
   </c:txPr>
-  <c:externalData r:id="rId3">
-    <c:autoUpdate val="0"/>
-  </c:externalData>
+  <c:externalData r:id="rId1"/>
 </c:chartSpace>
 </file>
 
 <file path=ppt/charts/chart2.xml><?xml version="1.0" encoding="utf-8"?>
 <c:chartSpace xmlns:c="http://schemas.openxmlformats.org/drawingml/2006/chart" xmlns:a="http://schemas.openxmlformats.org/drawingml/2006/main" xmlns:r="http://schemas.openxmlformats.org/officeDocument/2006/relationships">
-  <c:date1904 val="0"/>
-  <c:lang val="en-US"/>
-  <c:roundedCorners val="0"/>
-  <mc:AlternateContent xmlns:mc="http://schemas.openxmlformats.org/markup-compatibility/2006">
-    <mc:Choice xmlns:c14="http://schemas.microsoft.com/office/drawing/2007/8/2/chart" Requires="c14">
-      <c14:style val="102"/>
-    </mc:Choice>
-    <mc:Fallback>
-      <c:style val="2"/>
-    </mc:Fallback>
-  </mc:AlternateContent>
+  <c:lang val="pt-PT"/>
   <c:chart>
     <c:title>
       <c:tx>
@@ -717,11 +649,10 @@
         <c:manualLayout>
           <c:xMode val="edge"/>
           <c:yMode val="edge"/>
-          <c:x val="0.29292401282316866"/>
-          <c:y val="2.4482108622810726E-2"/>
+          <c:x val="0.29292401282316871"/>
+          <c:y val="2.4482108622810736E-2"/>
         </c:manualLayout>
       </c:layout>
-      <c:overlay val="0"/>
       <c:spPr>
         <a:noFill/>
         <a:ln>
@@ -729,34 +660,12 @@
         </a:ln>
         <a:effectLst/>
       </c:spPr>
-      <c:txPr>
-        <a:bodyPr rot="0" spcFirstLastPara="1" vertOverflow="ellipsis" vert="horz" wrap="square" anchor="ctr" anchorCtr="1"/>
-        <a:lstStyle/>
-        <a:p>
-          <a:pPr>
-            <a:defRPr sz="2128" b="1" i="0" u="none" strike="noStrike" kern="1200" cap="all" spc="120" normalizeH="0" baseline="0">
-              <a:solidFill>
-                <a:schemeClr val="tx1">
-                  <a:lumMod val="65000"/>
-                  <a:lumOff val="35000"/>
-                </a:schemeClr>
-              </a:solidFill>
-              <a:latin typeface="+mn-lt"/>
-              <a:ea typeface="+mn-ea"/>
-              <a:cs typeface="+mn-cs"/>
-            </a:defRPr>
-          </a:pPr>
-          <a:endParaRPr lang="pt-PT"/>
-        </a:p>
-      </c:txPr>
     </c:title>
-    <c:autoTitleDeleted val="0"/>
     <c:plotArea>
       <c:layout/>
       <c:barChart>
         <c:barDir val="col"/>
         <c:grouping val="clustered"/>
-        <c:varyColors val="0"/>
         <c:ser>
           <c:idx val="0"/>
           <c:order val="0"/>
@@ -780,7 +689,6 @@
             </a:ln>
             <a:effectLst/>
           </c:spPr>
-          <c:invertIfNegative val="0"/>
           <c:dLbls>
             <c:spPr>
               <a:noFill/>
@@ -812,13 +720,7 @@
               </a:p>
             </c:txPr>
             <c:dLblPos val="outEnd"/>
-            <c:showLegendKey val="0"/>
             <c:showVal val="1"/>
-            <c:showCatName val="0"/>
-            <c:showSerName val="0"/>
-            <c:showPercent val="0"/>
-            <c:showBubbleSize val="0"/>
-            <c:showLeaderLines val="0"/>
             <c:extLst>
               <c:ext xmlns:c15="http://schemas.microsoft.com/office/drawing/2012/chart" uri="{CE6537A1-D6FC-4f65-9D91-7224C49458BB}">
                 <c15:showLeaderLines val="1"/>
@@ -862,7 +764,7 @@
             <c:numRef>
               <c:f>Folha1!$L$69:$O$69</c:f>
               <c:numCache>
-                <c:formatCode>General</c:formatCode>
+                <c:formatCode>Estandar</c:formatCode>
                 <c:ptCount val="4"/>
                 <c:pt idx="0">
                   <c:v>100</c:v>
@@ -903,7 +805,6 @@
             </a:ln>
             <a:effectLst/>
           </c:spPr>
-          <c:invertIfNegative val="0"/>
           <c:dLbls>
             <c:spPr>
               <a:noFill/>
@@ -935,13 +836,7 @@
               </a:p>
             </c:txPr>
             <c:dLblPos val="outEnd"/>
-            <c:showLegendKey val="0"/>
             <c:showVal val="1"/>
-            <c:showCatName val="0"/>
-            <c:showSerName val="0"/>
-            <c:showPercent val="0"/>
-            <c:showBubbleSize val="0"/>
-            <c:showLeaderLines val="0"/>
             <c:extLst>
               <c:ext xmlns:c15="http://schemas.microsoft.com/office/drawing/2012/chart" uri="{CE6537A1-D6FC-4f65-9D91-7224C49458BB}">
                 <c15:showLeaderLines val="1"/>
@@ -985,7 +880,7 @@
             <c:numRef>
               <c:f>Folha1!$L$70:$O$70</c:f>
               <c:numCache>
-                <c:formatCode>General</c:formatCode>
+                <c:formatCode>Estandar</c:formatCode>
                 <c:ptCount val="4"/>
                 <c:pt idx="0">
                   <c:v>107.75</c:v>
@@ -1004,24 +899,18 @@
           </c:val>
         </c:ser>
         <c:dLbls>
-          <c:showLegendKey val="0"/>
           <c:showVal val="1"/>
-          <c:showCatName val="0"/>
-          <c:showSerName val="0"/>
-          <c:showPercent val="0"/>
-          <c:showBubbleSize val="0"/>
         </c:dLbls>
         <c:gapWidth val="444"/>
         <c:overlap val="-90"/>
-        <c:axId val="-368772832"/>
-        <c:axId val="-368771744"/>
+        <c:axId val="75348608"/>
+        <c:axId val="75358592"/>
       </c:barChart>
       <c:catAx>
-        <c:axId val="-368772832"/>
+        <c:axId val="75348608"/>
         <c:scaling>
           <c:orientation val="minMax"/>
         </c:scaling>
-        <c:delete val="0"/>
         <c:axPos val="b"/>
         <c:majorGridlines>
           <c:spPr>
@@ -1037,9 +926,8 @@
             <a:effectLst/>
           </c:spPr>
         </c:majorGridlines>
-        <c:numFmt formatCode="General" sourceLinked="1"/>
+        <c:numFmt formatCode="Estandar" sourceLinked="1"/>
         <c:majorTickMark val="none"/>
-        <c:minorTickMark val="none"/>
         <c:tickLblPos val="nextTo"/>
         <c:spPr>
           <a:noFill/>
@@ -1074,25 +962,23 @@
             <a:endParaRPr lang="pt-PT"/>
           </a:p>
         </c:txPr>
-        <c:crossAx val="-368771744"/>
+        <c:crossAx val="75358592"/>
         <c:crosses val="autoZero"/>
         <c:auto val="1"/>
         <c:lblAlgn val="ctr"/>
         <c:lblOffset val="100"/>
-        <c:noMultiLvlLbl val="0"/>
       </c:catAx>
       <c:valAx>
-        <c:axId val="-368771744"/>
+        <c:axId val="75358592"/>
         <c:scaling>
           <c:orientation val="minMax"/>
         </c:scaling>
         <c:delete val="1"/>
         <c:axPos val="l"/>
-        <c:numFmt formatCode="General" sourceLinked="1"/>
+        <c:numFmt formatCode="Estandar" sourceLinked="1"/>
         <c:majorTickMark val="none"/>
-        <c:minorTickMark val="none"/>
         <c:tickLblPos val="none"/>
-        <c:crossAx val="-368772832"/>
+        <c:crossAx val="75348608"/>
         <c:crosses val="autoZero"/>
         <c:crossBetween val="between"/>
       </c:valAx>
@@ -1152,7 +1038,7 @@
           </a:p>
         </c:txPr>
       </c:legendEntry>
-      <c:overlay val="0"/>
+      <c:layout/>
       <c:spPr>
         <a:noFill/>
         <a:ln>
@@ -1183,7 +1069,6 @@
     </c:legend>
     <c:plotVisOnly val="1"/>
     <c:dispBlanksAs val="gap"/>
-    <c:showDLblsOverMax val="0"/>
   </c:chart>
   <c:spPr>
     <a:noFill/>
@@ -1202,25 +1087,13 @@
       <a:endParaRPr lang="pt-PT"/>
     </a:p>
   </c:txPr>
-  <c:externalData r:id="rId3">
-    <c:autoUpdate val="0"/>
-  </c:externalData>
+  <c:externalData r:id="rId1"/>
 </c:chartSpace>
 </file>
 
 <file path=ppt/charts/chart3.xml><?xml version="1.0" encoding="utf-8"?>
 <c:chartSpace xmlns:c="http://schemas.openxmlformats.org/drawingml/2006/chart" xmlns:a="http://schemas.openxmlformats.org/drawingml/2006/main" xmlns:r="http://schemas.openxmlformats.org/officeDocument/2006/relationships">
-  <c:date1904 val="0"/>
-  <c:lang val="en-US"/>
-  <c:roundedCorners val="0"/>
-  <mc:AlternateContent xmlns:mc="http://schemas.openxmlformats.org/markup-compatibility/2006">
-    <mc:Choice xmlns:c14="http://schemas.microsoft.com/office/drawing/2007/8/2/chart" Requires="c14">
-      <c14:style val="102"/>
-    </mc:Choice>
-    <mc:Fallback>
-      <c:style val="2"/>
-    </mc:Fallback>
-  </mc:AlternateContent>
+  <c:lang val="pt-PT"/>
   <c:chart>
     <c:title>
       <c:tx>
@@ -1248,7 +1121,7 @@
           </a:p>
         </c:rich>
       </c:tx>
-      <c:overlay val="0"/>
+      <c:layout/>
       <c:spPr>
         <a:noFill/>
         <a:ln>
@@ -1256,34 +1129,12 @@
         </a:ln>
         <a:effectLst/>
       </c:spPr>
-      <c:txPr>
-        <a:bodyPr rot="0" spcFirstLastPara="1" vertOverflow="ellipsis" vert="horz" wrap="square" anchor="ctr" anchorCtr="1"/>
-        <a:lstStyle/>
-        <a:p>
-          <a:pPr>
-            <a:defRPr sz="2128" b="1" i="0" u="none" strike="noStrike" kern="1200" cap="all" spc="120" normalizeH="0" baseline="0">
-              <a:solidFill>
-                <a:schemeClr val="tx1">
-                  <a:lumMod val="65000"/>
-                  <a:lumOff val="35000"/>
-                </a:schemeClr>
-              </a:solidFill>
-              <a:latin typeface="+mn-lt"/>
-              <a:ea typeface="+mn-ea"/>
-              <a:cs typeface="+mn-cs"/>
-            </a:defRPr>
-          </a:pPr>
-          <a:endParaRPr lang="pt-PT"/>
-        </a:p>
-      </c:txPr>
     </c:title>
-    <c:autoTitleDeleted val="0"/>
     <c:plotArea>
       <c:layout/>
       <c:barChart>
         <c:barDir val="col"/>
         <c:grouping val="clustered"/>
-        <c:varyColors val="0"/>
         <c:ser>
           <c:idx val="0"/>
           <c:order val="0"/>
@@ -1296,7 +1147,6 @@
             </a:ln>
             <a:effectLst/>
           </c:spPr>
-          <c:invertIfNegative val="0"/>
           <c:dLbls>
             <c:spPr>
               <a:noFill/>
@@ -1328,13 +1178,7 @@
               </a:p>
             </c:txPr>
             <c:dLblPos val="outEnd"/>
-            <c:showLegendKey val="0"/>
             <c:showVal val="1"/>
-            <c:showCatName val="0"/>
-            <c:showSerName val="0"/>
-            <c:showPercent val="0"/>
-            <c:showBubbleSize val="0"/>
-            <c:showLeaderLines val="0"/>
             <c:extLst>
               <c:ext xmlns:c15="http://schemas.microsoft.com/office/drawing/2012/chart" uri="{CE6537A1-D6FC-4f65-9D91-7224C49458BB}">
                 <c15:showLeaderLines val="1"/>
@@ -1381,7 +1225,7 @@
             <c:numRef>
               <c:f>'Team Log'!$G$2:$G$6</c:f>
               <c:numCache>
-                <c:formatCode>General</c:formatCode>
+                <c:formatCode>Estandar</c:formatCode>
                 <c:ptCount val="5"/>
                 <c:pt idx="0">
                   <c:v>262</c:v>
@@ -1403,24 +1247,18 @@
           </c:val>
         </c:ser>
         <c:dLbls>
-          <c:showLegendKey val="0"/>
           <c:showVal val="1"/>
-          <c:showCatName val="0"/>
-          <c:showSerName val="0"/>
-          <c:showPercent val="0"/>
-          <c:showBubbleSize val="0"/>
         </c:dLbls>
         <c:gapWidth val="444"/>
         <c:overlap val="-90"/>
-        <c:axId val="-368774464"/>
-        <c:axId val="-368769024"/>
+        <c:axId val="75671808"/>
+        <c:axId val="75677696"/>
       </c:barChart>
       <c:catAx>
-        <c:axId val="-368774464"/>
+        <c:axId val="75671808"/>
         <c:scaling>
           <c:orientation val="minMax"/>
         </c:scaling>
-        <c:delete val="0"/>
         <c:axPos val="b"/>
         <c:majorGridlines>
           <c:spPr>
@@ -1436,9 +1274,8 @@
             <a:effectLst/>
           </c:spPr>
         </c:majorGridlines>
-        <c:numFmt formatCode="General" sourceLinked="1"/>
+        <c:numFmt formatCode="Estandar" sourceLinked="1"/>
         <c:majorTickMark val="none"/>
-        <c:minorTickMark val="none"/>
         <c:tickLblPos val="nextTo"/>
         <c:spPr>
           <a:noFill/>
@@ -1473,25 +1310,23 @@
             <a:endParaRPr lang="pt-PT"/>
           </a:p>
         </c:txPr>
-        <c:crossAx val="-368769024"/>
+        <c:crossAx val="75677696"/>
         <c:crosses val="autoZero"/>
         <c:auto val="1"/>
         <c:lblAlgn val="ctr"/>
         <c:lblOffset val="100"/>
-        <c:noMultiLvlLbl val="0"/>
       </c:catAx>
       <c:valAx>
-        <c:axId val="-368769024"/>
+        <c:axId val="75677696"/>
         <c:scaling>
           <c:orientation val="minMax"/>
         </c:scaling>
         <c:delete val="1"/>
         <c:axPos val="l"/>
-        <c:numFmt formatCode="General" sourceLinked="1"/>
+        <c:numFmt formatCode="Estandar" sourceLinked="1"/>
         <c:majorTickMark val="none"/>
-        <c:minorTickMark val="none"/>
         <c:tickLblPos val="none"/>
-        <c:crossAx val="-368774464"/>
+        <c:crossAx val="75671808"/>
         <c:crosses val="autoZero"/>
         <c:crossBetween val="between"/>
       </c:valAx>
@@ -1505,7 +1340,6 @@
     </c:plotArea>
     <c:plotVisOnly val="1"/>
     <c:dispBlanksAs val="gap"/>
-    <c:showDLblsOverMax val="0"/>
   </c:chart>
   <c:spPr>
     <a:noFill/>
@@ -1524,25 +1358,13 @@
       <a:endParaRPr lang="pt-PT"/>
     </a:p>
   </c:txPr>
-  <c:externalData r:id="rId3">
-    <c:autoUpdate val="0"/>
-  </c:externalData>
+  <c:externalData r:id="rId1"/>
 </c:chartSpace>
 </file>
 
 <file path=ppt/charts/chart4.xml><?xml version="1.0" encoding="utf-8"?>
 <c:chartSpace xmlns:c="http://schemas.openxmlformats.org/drawingml/2006/chart" xmlns:a="http://schemas.openxmlformats.org/drawingml/2006/main" xmlns:r="http://schemas.openxmlformats.org/officeDocument/2006/relationships">
-  <c:date1904 val="0"/>
-  <c:lang val="en-US"/>
-  <c:roundedCorners val="0"/>
-  <mc:AlternateContent xmlns:mc="http://schemas.openxmlformats.org/markup-compatibility/2006">
-    <mc:Choice xmlns:c14="http://schemas.microsoft.com/office/drawing/2007/8/2/chart" Requires="c14">
-      <c14:style val="102"/>
-    </mc:Choice>
-    <mc:Fallback>
-      <c:style val="2"/>
-    </mc:Fallback>
-  </mc:AlternateContent>
+  <c:lang val="pt-PT"/>
   <c:chart>
     <c:autoTitleDeleted val="1"/>
     <c:plotArea>
@@ -1550,7 +1372,6 @@
       <c:barChart>
         <c:barDir val="col"/>
         <c:grouping val="clustered"/>
-        <c:varyColors val="0"/>
         <c:ser>
           <c:idx val="0"/>
           <c:order val="0"/>
@@ -1574,11 +1395,8 @@
             </a:ln>
             <a:effectLst/>
           </c:spPr>
-          <c:invertIfNegative val="0"/>
           <c:dPt>
             <c:idx val="7"/>
-            <c:invertIfNegative val="0"/>
-            <c:bubble3D val="0"/>
             <c:spPr>
               <a:solidFill>
                 <a:schemeClr val="accent1">
@@ -1627,7 +1445,7 @@
             <c:numRef>
               <c:f>'Team Log'!$F$23:$F$30</c:f>
               <c:numCache>
-                <c:formatCode>General</c:formatCode>
+                <c:formatCode>Estandar</c:formatCode>
                 <c:ptCount val="8"/>
                 <c:pt idx="0">
                   <c:v>40.5</c:v>
@@ -1680,11 +1498,8 @@
             </a:ln>
             <a:effectLst/>
           </c:spPr>
-          <c:invertIfNegative val="0"/>
           <c:dPt>
             <c:idx val="7"/>
-            <c:invertIfNegative val="0"/>
-            <c:bubble3D val="0"/>
             <c:spPr>
               <a:solidFill>
                 <a:schemeClr val="bg2">
@@ -1733,7 +1548,7 @@
             <c:numRef>
               <c:f>'Team Log'!$G$23:$G$30</c:f>
               <c:numCache>
-                <c:formatCode>General</c:formatCode>
+                <c:formatCode>Estandar</c:formatCode>
                 <c:ptCount val="8"/>
                 <c:pt idx="0">
                   <c:v>45.5</c:v>
@@ -1786,7 +1601,6 @@
             </a:ln>
             <a:effectLst/>
           </c:spPr>
-          <c:invertIfNegative val="0"/>
           <c:cat>
             <c:strRef>
               <c:f>'Team Log'!$E$23:$E$30</c:f>
@@ -1823,7 +1637,7 @@
             <c:numRef>
               <c:f>'Team Log'!$H$23:$H$30</c:f>
               <c:numCache>
-                <c:formatCode>General</c:formatCode>
+                <c:formatCode>Estandar</c:formatCode>
                 <c:ptCount val="8"/>
                 <c:pt idx="0">
                   <c:v>3</c:v>
@@ -1838,29 +1652,20 @@
             </c:numRef>
           </c:val>
         </c:ser>
-        <c:dLbls>
-          <c:showLegendKey val="0"/>
-          <c:showVal val="0"/>
-          <c:showCatName val="0"/>
-          <c:showSerName val="0"/>
-          <c:showPercent val="0"/>
-          <c:showBubbleSize val="0"/>
-        </c:dLbls>
+        <c:dLbls/>
         <c:gapWidth val="219"/>
         <c:overlap val="-27"/>
-        <c:axId val="-368771200"/>
-        <c:axId val="-368763040"/>
+        <c:axId val="67680896"/>
+        <c:axId val="67690880"/>
       </c:barChart>
       <c:catAx>
-        <c:axId val="-368771200"/>
+        <c:axId val="67680896"/>
         <c:scaling>
           <c:orientation val="minMax"/>
         </c:scaling>
-        <c:delete val="0"/>
         <c:axPos val="b"/>
-        <c:numFmt formatCode="General" sourceLinked="1"/>
+        <c:numFmt formatCode="Estandar" sourceLinked="1"/>
         <c:majorTickMark val="none"/>
-        <c:minorTickMark val="none"/>
         <c:tickLblPos val="nextTo"/>
         <c:spPr>
           <a:noFill/>
@@ -1895,19 +1700,17 @@
             <a:endParaRPr lang="pt-PT"/>
           </a:p>
         </c:txPr>
-        <c:crossAx val="-368763040"/>
+        <c:crossAx val="67690880"/>
         <c:crosses val="autoZero"/>
         <c:auto val="1"/>
         <c:lblAlgn val="ctr"/>
         <c:lblOffset val="100"/>
-        <c:noMultiLvlLbl val="0"/>
       </c:catAx>
       <c:valAx>
-        <c:axId val="-368763040"/>
+        <c:axId val="67690880"/>
         <c:scaling>
           <c:orientation val="minMax"/>
         </c:scaling>
-        <c:delete val="0"/>
         <c:axPos val="l"/>
         <c:majorGridlines>
           <c:spPr>
@@ -1923,9 +1726,8 @@
             <a:effectLst/>
           </c:spPr>
         </c:majorGridlines>
-        <c:numFmt formatCode="General" sourceLinked="1"/>
+        <c:numFmt formatCode="Estandar" sourceLinked="1"/>
         <c:majorTickMark val="none"/>
-        <c:minorTickMark val="none"/>
         <c:tickLblPos val="nextTo"/>
         <c:spPr>
           <a:noFill/>
@@ -1954,7 +1756,7 @@
             <a:endParaRPr lang="pt-PT"/>
           </a:p>
         </c:txPr>
-        <c:crossAx val="-368771200"/>
+        <c:crossAx val="67680896"/>
         <c:crosses val="autoZero"/>
         <c:crossBetween val="between"/>
       </c:valAx>
@@ -1968,7 +1770,7 @@
     </c:plotArea>
     <c:legend>
       <c:legendPos val="b"/>
-      <c:overlay val="0"/>
+      <c:layout/>
       <c:spPr>
         <a:noFill/>
         <a:ln>
@@ -1999,7 +1801,6 @@
     </c:legend>
     <c:plotVisOnly val="1"/>
     <c:dispBlanksAs val="gap"/>
-    <c:showDLblsOverMax val="0"/>
   </c:chart>
   <c:spPr>
     <a:noFill/>
@@ -2018,25 +1819,13 @@
       <a:endParaRPr lang="pt-PT"/>
     </a:p>
   </c:txPr>
-  <c:externalData r:id="rId1">
-    <c:autoUpdate val="0"/>
-  </c:externalData>
+  <c:externalData r:id="rId1"/>
 </c:chartSpace>
 </file>
 
 <file path=ppt/charts/chart5.xml><?xml version="1.0" encoding="utf-8"?>
 <c:chartSpace xmlns:c="http://schemas.openxmlformats.org/drawingml/2006/chart" xmlns:a="http://schemas.openxmlformats.org/drawingml/2006/main" xmlns:r="http://schemas.openxmlformats.org/officeDocument/2006/relationships">
-  <c:date1904 val="0"/>
-  <c:lang val="en-US"/>
-  <c:roundedCorners val="0"/>
-  <mc:AlternateContent xmlns:mc="http://schemas.openxmlformats.org/markup-compatibility/2006">
-    <mc:Choice xmlns:c14="http://schemas.microsoft.com/office/drawing/2007/8/2/chart" Requires="c14">
-      <c14:style val="102"/>
-    </mc:Choice>
-    <mc:Fallback>
-      <c:style val="2"/>
-    </mc:Fallback>
-  </mc:AlternateContent>
+  <c:lang val="pt-PT"/>
   <c:chart>
     <c:autoTitleDeleted val="1"/>
     <c:plotArea>
@@ -2105,7 +1894,7 @@
             <c:numRef>
               <c:f>Folha1!$C$2:$C$8</c:f>
               <c:numCache>
-                <c:formatCode>General</c:formatCode>
+                <c:formatCode>Estandar</c:formatCode>
                 <c:ptCount val="7"/>
                 <c:pt idx="0">
                   <c:v>5.5</c:v>
@@ -2131,7 +1920,6 @@
               </c:numCache>
             </c:numRef>
           </c:val>
-          <c:smooth val="0"/>
         </c:ser>
         <c:ser>
           <c:idx val="2"/>
@@ -2196,7 +1984,7 @@
             <c:numRef>
               <c:f>Folha1!$D$2:$D$8</c:f>
               <c:numCache>
-                <c:formatCode>General</c:formatCode>
+                <c:formatCode>Estandar</c:formatCode>
                 <c:ptCount val="7"/>
                 <c:pt idx="0">
                   <c:v>8.5</c:v>
@@ -2222,7 +2010,6 @@
               </c:numCache>
             </c:numRef>
           </c:val>
-          <c:smooth val="0"/>
         </c:ser>
         <c:ser>
           <c:idx val="3"/>
@@ -2306,7 +2093,7 @@
             <c:numRef>
               <c:f>Folha1!$E$2:$E$8</c:f>
               <c:numCache>
-                <c:formatCode>General</c:formatCode>
+                <c:formatCode>Estandar</c:formatCode>
                 <c:ptCount val="7"/>
                 <c:pt idx="0">
                   <c:v>6.615384615384615</c:v>
@@ -2318,13 +2105,13 @@
                   <c:v>6.1538461538461542</c:v>
                 </c:pt>
                 <c:pt idx="3">
-                  <c:v>5.7307692307692326</c:v>
+                  <c:v>5.7307692307692335</c:v>
                 </c:pt>
                 <c:pt idx="4">
                   <c:v>5.8461538461538458</c:v>
                 </c:pt>
                 <c:pt idx="5">
-                  <c:v>6.403846153846156</c:v>
+                  <c:v>6.4038461538461569</c:v>
                 </c:pt>
                 <c:pt idx="6">
                   <c:v>6.0576923076923084</c:v>
@@ -2332,16 +2119,8 @@
               </c:numCache>
             </c:numRef>
           </c:val>
-          <c:smooth val="0"/>
         </c:ser>
-        <c:dLbls>
-          <c:showLegendKey val="0"/>
-          <c:showVal val="0"/>
-          <c:showCatName val="0"/>
-          <c:showSerName val="0"/>
-          <c:showPercent val="0"/>
-          <c:showBubbleSize val="0"/>
-        </c:dLbls>
+        <c:dLbls/>
         <c:hiLowLines>
           <c:spPr>
             <a:ln w="9525" cap="flat" cmpd="sng" algn="ctr">
@@ -2356,19 +2135,17 @@
             <a:effectLst/>
           </c:spPr>
         </c:hiLowLines>
-        <c:axId val="-368761952"/>
-        <c:axId val="-368765216"/>
+        <c:axId val="76196864"/>
+        <c:axId val="77333248"/>
       </c:stockChart>
       <c:catAx>
-        <c:axId val="-368761952"/>
+        <c:axId val="76196864"/>
         <c:scaling>
           <c:orientation val="minMax"/>
         </c:scaling>
-        <c:delete val="0"/>
         <c:axPos val="b"/>
-        <c:numFmt formatCode="General" sourceLinked="1"/>
+        <c:numFmt formatCode="Estandar" sourceLinked="1"/>
         <c:majorTickMark val="none"/>
-        <c:minorTickMark val="none"/>
         <c:tickLblPos val="nextTo"/>
         <c:spPr>
           <a:noFill/>
@@ -2403,19 +2180,17 @@
             <a:endParaRPr lang="pt-PT"/>
           </a:p>
         </c:txPr>
-        <c:crossAx val="-368765216"/>
+        <c:crossAx val="77333248"/>
         <c:crosses val="autoZero"/>
         <c:auto val="1"/>
         <c:lblAlgn val="ctr"/>
         <c:lblOffset val="100"/>
-        <c:noMultiLvlLbl val="0"/>
       </c:catAx>
       <c:valAx>
-        <c:axId val="-368765216"/>
+        <c:axId val="77333248"/>
         <c:scaling>
           <c:orientation val="minMax"/>
         </c:scaling>
-        <c:delete val="0"/>
         <c:axPos val="l"/>
         <c:majorGridlines>
           <c:spPr>
@@ -2431,9 +2206,8 @@
             <a:effectLst/>
           </c:spPr>
         </c:majorGridlines>
-        <c:numFmt formatCode="General" sourceLinked="1"/>
+        <c:numFmt formatCode="Estandar" sourceLinked="1"/>
         <c:majorTickMark val="none"/>
-        <c:minorTickMark val="none"/>
         <c:tickLblPos val="nextTo"/>
         <c:spPr>
           <a:noFill/>
@@ -2462,7 +2236,7 @@
             <a:endParaRPr lang="pt-PT"/>
           </a:p>
         </c:txPr>
-        <c:crossAx val="-368761952"/>
+        <c:crossAx val="76196864"/>
         <c:crosses val="autoZero"/>
         <c:crossBetween val="between"/>
         <c:majorUnit val="1"/>
@@ -2478,7 +2252,6 @@
     </c:plotArea>
     <c:plotVisOnly val="1"/>
     <c:dispBlanksAs val="gap"/>
-    <c:showDLblsOverMax val="0"/>
   </c:chart>
   <c:spPr>
     <a:noFill/>
@@ -2497,25 +2270,14 @@
       <a:endParaRPr lang="pt-PT"/>
     </a:p>
   </c:txPr>
-  <c:externalData r:id="rId1">
-    <c:autoUpdate val="0"/>
-  </c:externalData>
+  <c:externalData r:id="rId1"/>
 </c:chartSpace>
 </file>
 
 <file path=ppt/charts/chart6.xml><?xml version="1.0" encoding="utf-8"?>
 <c:chartSpace xmlns:c="http://schemas.openxmlformats.org/drawingml/2006/chart" xmlns:a="http://schemas.openxmlformats.org/drawingml/2006/main" xmlns:r="http://schemas.openxmlformats.org/officeDocument/2006/relationships">
-  <c:date1904 val="0"/>
-  <c:lang val="en-US"/>
-  <c:roundedCorners val="0"/>
-  <mc:AlternateContent xmlns:mc="http://schemas.openxmlformats.org/markup-compatibility/2006">
-    <mc:Choice xmlns:c14="http://schemas.microsoft.com/office/drawing/2007/8/2/chart" Requires="c14">
-      <c14:style val="134"/>
-    </mc:Choice>
-    <mc:Fallback>
-      <c:style val="34"/>
-    </mc:Fallback>
-  </mc:AlternateContent>
+  <c:lang val="pt-PT"/>
+  <c:style val="34"/>
   <c:chart>
     <c:title>
       <c:tx>
@@ -2533,9 +2295,8 @@
           </a:p>
         </c:rich>
       </c:tx>
-      <c:overlay val="0"/>
+      <c:layout/>
     </c:title>
-    <c:autoTitleDeleted val="0"/>
     <c:plotArea>
       <c:layout>
         <c:manualLayout>
@@ -2545,7 +2306,7 @@
           <c:x val="1.837493717540626E-2"/>
           <c:y val="0.11685429321334835"/>
           <c:w val="0.9687301563126659"/>
-          <c:h val="0.74789651293588411"/>
+          <c:h val="0.74789651293588433"/>
         </c:manualLayout>
       </c:layout>
       <c:ofPieChart>
@@ -2574,12 +2335,7 @@
               <a:effectLst/>
             </c:spPr>
             <c:dLblPos val="bestFit"/>
-            <c:showLegendKey val="0"/>
-            <c:showVal val="0"/>
-            <c:showCatName val="0"/>
-            <c:showSerName val="0"/>
             <c:showPercent val="1"/>
-            <c:showBubbleSize val="0"/>
             <c:showLeaderLines val="1"/>
             <c:extLst>
               <c:ext xmlns:c15="http://schemas.microsoft.com/office/drawing/2012/chart" uri="{CE6537A1-D6FC-4f65-9D91-7224C49458BB}"/>
@@ -2609,7 +2365,7 @@
             <c:numRef>
               <c:f>Folha1!$B$2:$B$5</c:f>
               <c:numCache>
-                <c:formatCode>General</c:formatCode>
+                <c:formatCode>Estandar</c:formatCode>
                 <c:ptCount val="4"/>
                 <c:pt idx="0">
                   <c:v>46</c:v>
@@ -2628,13 +2384,7 @@
           </c:val>
         </c:ser>
         <c:dLbls>
-          <c:showLegendKey val="0"/>
-          <c:showVal val="0"/>
-          <c:showCatName val="0"/>
-          <c:showSerName val="0"/>
           <c:showPercent val="1"/>
-          <c:showBubbleSize val="0"/>
-          <c:showLeaderLines val="1"/>
         </c:dLbls>
         <c:gapWidth val="150"/>
         <c:secondPieSize val="75"/>
@@ -2647,21 +2397,17 @@
         <c:manualLayout>
           <c:xMode val="edge"/>
           <c:yMode val="edge"/>
-          <c:x val="0.10437076409936179"/>
+          <c:x val="0.10437076409936176"/>
           <c:y val="0.89422182227221614"/>
           <c:w val="0.84181970483863588"/>
           <c:h val="6.8887289088863907E-2"/>
         </c:manualLayout>
       </c:layout>
-      <c:overlay val="0"/>
     </c:legend>
     <c:plotVisOnly val="1"/>
     <c:dispBlanksAs val="zero"/>
-    <c:showDLblsOverMax val="0"/>
   </c:chart>
-  <c:externalData r:id="rId1">
-    <c:autoUpdate val="0"/>
-  </c:externalData>
+  <c:externalData r:id="rId1"/>
 </c:chartSpace>
 </file>
 
@@ -5574,21 +5320,21 @@
     </dgm:pt>
   </dgm:ptLst>
   <dgm:cxnLst>
+    <dgm:cxn modelId="{531B340F-8630-438B-9B38-8C2716FAD3B4}" type="presOf" srcId="{9059B768-CD7D-43D2-80D2-6FDF0EAA0156}" destId="{49B98997-A726-433D-94FF-467BFB2ADCAF}" srcOrd="0" destOrd="0" presId="urn:microsoft.com/office/officeart/2005/8/layout/hProcess11"/>
+    <dgm:cxn modelId="{48AC722D-ACE2-4875-8C63-0C6D0EFEC009}" srcId="{C306C341-D599-4B1B-99D5-C33838902528}" destId="{136AD6A2-B441-479A-860B-9C60598DF083}" srcOrd="5" destOrd="0" parTransId="{B3AAAF1D-C6F6-49CE-A21B-B1132F4E369E}" sibTransId="{B013FFB8-9869-4AB3-A2B5-FDAEE2CD0557}"/>
+    <dgm:cxn modelId="{2531456E-1B85-4C5E-8AF6-C60E58F43067}" srcId="{C306C341-D599-4B1B-99D5-C33838902528}" destId="{BB8E58C9-394E-4BB7-956B-15FD8F0F4DF6}" srcOrd="3" destOrd="0" parTransId="{A1E3FDCD-492B-4046-91FD-A19D4F38F245}" sibTransId="{1808AAF0-8272-4577-B8B5-78D78CC4E805}"/>
+    <dgm:cxn modelId="{B9E36F7A-BBBE-4C6F-BF41-35D339983B88}" type="presOf" srcId="{1A49080C-0DE7-47E8-922A-4D0B1B6C485A}" destId="{50085456-D334-4C9E-B8C2-A46683D1A093}" srcOrd="0" destOrd="0" presId="urn:microsoft.com/office/officeart/2005/8/layout/hProcess11"/>
+    <dgm:cxn modelId="{FB5D8D0E-9186-481B-B91B-876243A2F8C3}" srcId="{C306C341-D599-4B1B-99D5-C33838902528}" destId="{9059B768-CD7D-43D2-80D2-6FDF0EAA0156}" srcOrd="2" destOrd="0" parTransId="{1EDF92A5-B373-4C08-A41F-FC4842BC317C}" sibTransId="{7F219E18-92F5-4220-8440-CDF23E2C86DD}"/>
+    <dgm:cxn modelId="{02A0FDDF-750D-4E70-AEEE-212E089D8451}" srcId="{C306C341-D599-4B1B-99D5-C33838902528}" destId="{D7A1B3F6-9A96-443D-918B-6A83D726860E}" srcOrd="0" destOrd="0" parTransId="{E621CA8E-4955-42BA-A043-EA33F0C1521B}" sibTransId="{39AA8962-6813-4284-95C5-BF4AE6D9DB14}"/>
+    <dgm:cxn modelId="{767A3C01-869E-45E9-9525-49AE88355A73}" type="presOf" srcId="{2FDC2C24-CC4E-4D25-B09B-59FD6E82C3EE}" destId="{D9A28F98-9710-4524-B177-E78A77379D8B}" srcOrd="0" destOrd="0" presId="urn:microsoft.com/office/officeart/2005/8/layout/hProcess11"/>
+    <dgm:cxn modelId="{74AB5348-BE90-4678-A34C-0914E1E30C30}" type="presOf" srcId="{D7A1B3F6-9A96-443D-918B-6A83D726860E}" destId="{6810232A-C069-4BBA-BBD2-7BC82D197AC8}" srcOrd="0" destOrd="0" presId="urn:microsoft.com/office/officeart/2005/8/layout/hProcess11"/>
+    <dgm:cxn modelId="{5B4D9666-1585-4473-894E-27F0786F7A9C}" srcId="{C306C341-D599-4B1B-99D5-C33838902528}" destId="{1A49080C-0DE7-47E8-922A-4D0B1B6C485A}" srcOrd="4" destOrd="0" parTransId="{F7B8845B-EEB5-4952-882F-D415FAF8B60E}" sibTransId="{1A70AC7A-7F03-4D55-B5D0-E2003D1A4324}"/>
+    <dgm:cxn modelId="{8B924237-C27F-443D-B948-7413A94D4D27}" type="presOf" srcId="{136AD6A2-B441-479A-860B-9C60598DF083}" destId="{DF520769-FC51-4284-84DC-D345C7025315}" srcOrd="0" destOrd="0" presId="urn:microsoft.com/office/officeart/2005/8/layout/hProcess11"/>
+    <dgm:cxn modelId="{30F53C6F-EC07-427E-851F-3E97E605AFC9}" srcId="{C306C341-D599-4B1B-99D5-C33838902528}" destId="{454E9A41-EB5C-4D21-A500-1A0F7280DF0F}" srcOrd="6" destOrd="0" parTransId="{1E224352-DCA1-4654-B392-6D76C795B7BE}" sibTransId="{AA42D578-BCA4-460B-AE10-0875155B9415}"/>
+    <dgm:cxn modelId="{4EF651BC-29A7-4411-A2C1-5D5C76CDC2E0}" type="presOf" srcId="{454E9A41-EB5C-4D21-A500-1A0F7280DF0F}" destId="{03D8AACE-E855-4D1F-9736-1957EAD159E9}" srcOrd="0" destOrd="0" presId="urn:microsoft.com/office/officeart/2005/8/layout/hProcess11"/>
     <dgm:cxn modelId="{1FFE94F7-1A23-436C-BE75-E8E800979E17}" srcId="{C306C341-D599-4B1B-99D5-C33838902528}" destId="{2FDC2C24-CC4E-4D25-B09B-59FD6E82C3EE}" srcOrd="1" destOrd="0" parTransId="{E7F2584E-86F9-4ED7-9B8D-A99EC47827F9}" sibTransId="{81A6B66D-8321-4A73-A293-0D29707D523C}"/>
-    <dgm:cxn modelId="{74AB5348-BE90-4678-A34C-0914E1E30C30}" type="presOf" srcId="{D7A1B3F6-9A96-443D-918B-6A83D726860E}" destId="{6810232A-C069-4BBA-BBD2-7BC82D197AC8}" srcOrd="0" destOrd="0" presId="urn:microsoft.com/office/officeart/2005/8/layout/hProcess11"/>
-    <dgm:cxn modelId="{30F53C6F-EC07-427E-851F-3E97E605AFC9}" srcId="{C306C341-D599-4B1B-99D5-C33838902528}" destId="{454E9A41-EB5C-4D21-A500-1A0F7280DF0F}" srcOrd="6" destOrd="0" parTransId="{1E224352-DCA1-4654-B392-6D76C795B7BE}" sibTransId="{AA42D578-BCA4-460B-AE10-0875155B9415}"/>
-    <dgm:cxn modelId="{8B924237-C27F-443D-B948-7413A94D4D27}" type="presOf" srcId="{136AD6A2-B441-479A-860B-9C60598DF083}" destId="{DF520769-FC51-4284-84DC-D345C7025315}" srcOrd="0" destOrd="0" presId="urn:microsoft.com/office/officeart/2005/8/layout/hProcess11"/>
     <dgm:cxn modelId="{A8E9508F-E201-4F3A-B45C-83967300D4A6}" type="presOf" srcId="{BB8E58C9-394E-4BB7-956B-15FD8F0F4DF6}" destId="{F622832A-050B-4EB9-99E6-8F1AAFA7A166}" srcOrd="0" destOrd="0" presId="urn:microsoft.com/office/officeart/2005/8/layout/hProcess11"/>
-    <dgm:cxn modelId="{FB5D8D0E-9186-481B-B91B-876243A2F8C3}" srcId="{C306C341-D599-4B1B-99D5-C33838902528}" destId="{9059B768-CD7D-43D2-80D2-6FDF0EAA0156}" srcOrd="2" destOrd="0" parTransId="{1EDF92A5-B373-4C08-A41F-FC4842BC317C}" sibTransId="{7F219E18-92F5-4220-8440-CDF23E2C86DD}"/>
     <dgm:cxn modelId="{7DB08E90-EBF1-4B81-81C1-240E3FCE3996}" type="presOf" srcId="{C306C341-D599-4B1B-99D5-C33838902528}" destId="{6BAF5AC4-12C4-475D-890B-181061458B36}" srcOrd="0" destOrd="0" presId="urn:microsoft.com/office/officeart/2005/8/layout/hProcess11"/>
-    <dgm:cxn modelId="{2531456E-1B85-4C5E-8AF6-C60E58F43067}" srcId="{C306C341-D599-4B1B-99D5-C33838902528}" destId="{BB8E58C9-394E-4BB7-956B-15FD8F0F4DF6}" srcOrd="3" destOrd="0" parTransId="{A1E3FDCD-492B-4046-91FD-A19D4F38F245}" sibTransId="{1808AAF0-8272-4577-B8B5-78D78CC4E805}"/>
-    <dgm:cxn modelId="{531B340F-8630-438B-9B38-8C2716FAD3B4}" type="presOf" srcId="{9059B768-CD7D-43D2-80D2-6FDF0EAA0156}" destId="{49B98997-A726-433D-94FF-467BFB2ADCAF}" srcOrd="0" destOrd="0" presId="urn:microsoft.com/office/officeart/2005/8/layout/hProcess11"/>
-    <dgm:cxn modelId="{B9E36F7A-BBBE-4C6F-BF41-35D339983B88}" type="presOf" srcId="{1A49080C-0DE7-47E8-922A-4D0B1B6C485A}" destId="{50085456-D334-4C9E-B8C2-A46683D1A093}" srcOrd="0" destOrd="0" presId="urn:microsoft.com/office/officeart/2005/8/layout/hProcess11"/>
-    <dgm:cxn modelId="{48AC722D-ACE2-4875-8C63-0C6D0EFEC009}" srcId="{C306C341-D599-4B1B-99D5-C33838902528}" destId="{136AD6A2-B441-479A-860B-9C60598DF083}" srcOrd="5" destOrd="0" parTransId="{B3AAAF1D-C6F6-49CE-A21B-B1132F4E369E}" sibTransId="{B013FFB8-9869-4AB3-A2B5-FDAEE2CD0557}"/>
-    <dgm:cxn modelId="{02A0FDDF-750D-4E70-AEEE-212E089D8451}" srcId="{C306C341-D599-4B1B-99D5-C33838902528}" destId="{D7A1B3F6-9A96-443D-918B-6A83D726860E}" srcOrd="0" destOrd="0" parTransId="{E621CA8E-4955-42BA-A043-EA33F0C1521B}" sibTransId="{39AA8962-6813-4284-95C5-BF4AE6D9DB14}"/>
-    <dgm:cxn modelId="{4EF651BC-29A7-4411-A2C1-5D5C76CDC2E0}" type="presOf" srcId="{454E9A41-EB5C-4D21-A500-1A0F7280DF0F}" destId="{03D8AACE-E855-4D1F-9736-1957EAD159E9}" srcOrd="0" destOrd="0" presId="urn:microsoft.com/office/officeart/2005/8/layout/hProcess11"/>
-    <dgm:cxn modelId="{5B4D9666-1585-4473-894E-27F0786F7A9C}" srcId="{C306C341-D599-4B1B-99D5-C33838902528}" destId="{1A49080C-0DE7-47E8-922A-4D0B1B6C485A}" srcOrd="4" destOrd="0" parTransId="{F7B8845B-EEB5-4952-882F-D415FAF8B60E}" sibTransId="{1A70AC7A-7F03-4D55-B5D0-E2003D1A4324}"/>
-    <dgm:cxn modelId="{767A3C01-869E-45E9-9525-49AE88355A73}" type="presOf" srcId="{2FDC2C24-CC4E-4D25-B09B-59FD6E82C3EE}" destId="{D9A28F98-9710-4524-B177-E78A77379D8B}" srcOrd="0" destOrd="0" presId="urn:microsoft.com/office/officeart/2005/8/layout/hProcess11"/>
     <dgm:cxn modelId="{B10D7C1E-A564-43B7-8CF6-53A3B45427EA}" type="presParOf" srcId="{6BAF5AC4-12C4-475D-890B-181061458B36}" destId="{60799F41-7989-4AA1-B9E8-4EF51F0FF333}" srcOrd="0" destOrd="0" presId="urn:microsoft.com/office/officeart/2005/8/layout/hProcess11"/>
     <dgm:cxn modelId="{3D4CF2F4-D5DA-4E6E-B60C-17291E4CBF35}" type="presParOf" srcId="{6BAF5AC4-12C4-475D-890B-181061458B36}" destId="{5CCD0D81-360B-4CC0-98C6-6C8129CE7187}" srcOrd="1" destOrd="0" presId="urn:microsoft.com/office/officeart/2005/8/layout/hProcess11"/>
     <dgm:cxn modelId="{CB43A1D7-7FEB-4CF0-8076-B30824FA5BA7}" type="presParOf" srcId="{5CCD0D81-360B-4CC0-98C6-6C8129CE7187}" destId="{1683355D-447B-4404-8E2E-EE43BAA2B137}" srcOrd="0" destOrd="0" presId="urn:microsoft.com/office/officeart/2005/8/layout/hProcess11"/>
@@ -5630,14 +5376,14 @@
   <dgm:whole/>
   <dgm:extLst>
     <a:ext uri="http://schemas.microsoft.com/office/drawing/2008/diagram">
-      <dsp:dataModelExt xmlns:dsp="http://schemas.microsoft.com/office/drawing/2008/diagram" relId="rId6" minVer="http://schemas.openxmlformats.org/drawingml/2006/diagram"/>
+      <dsp:dataModelExt xmlns:dsp="http://schemas.microsoft.com/office/drawing/2008/diagram" xmlns="" relId="rId6" minVer="http://schemas.openxmlformats.org/drawingml/2006/diagram"/>
     </a:ext>
   </dgm:extLst>
 </dgm:dataModel>
 </file>
 
 <file path=ppt/diagrams/drawing1.xml><?xml version="1.0" encoding="utf-8"?>
-<dsp:drawing xmlns:dgm="http://schemas.openxmlformats.org/drawingml/2006/diagram" xmlns:dsp="http://schemas.microsoft.com/office/drawing/2008/diagram" xmlns:a="http://schemas.openxmlformats.org/drawingml/2006/main">
+<dsp:drawing xmlns:dgm="http://schemas.openxmlformats.org/drawingml/2006/diagram" xmlns:a="http://schemas.openxmlformats.org/drawingml/2006/main" xmlns:dsp="http://schemas.microsoft.com/office/drawing/2008/diagram">
   <dsp:spTree>
     <dsp:nvGrpSpPr>
       <dsp:cNvPr id="0" name=""/>
@@ -7812,7 +7558,7 @@
             <a:fld id="{82948236-07A4-447C-AC43-06AAF24DC65B}" type="datetimeFigureOut">
               <a:rPr lang="pt-PT" smtClean="0"/>
               <a:pPr/>
-              <a:t>02/07/2013</a:t>
+              <a:t>02-07-2013</a:t>
             </a:fld>
             <a:endParaRPr lang="pt-PT"/>
           </a:p>
@@ -7972,7 +7718,7 @@
             <a:fld id="{0E4FF081-3A8B-4019-8856-6C60FECB4303}" type="slidenum">
               <a:rPr lang="pt-PT" smtClean="0"/>
               <a:pPr/>
-              <a:t>‹#›</a:t>
+              <a:t>‹nº›</a:t>
             </a:fld>
             <a:endParaRPr lang="pt-PT"/>
           </a:p>
@@ -7981,7 +7727,7 @@
     </p:spTree>
     <p:extLst>
       <p:ext uri="{BB962C8B-B14F-4D97-AF65-F5344CB8AC3E}">
-        <p14:creationId xmlns:p14="http://schemas.microsoft.com/office/powerpoint/2010/main" val="2332033991"/>
+        <p14:creationId xmlns:p14="http://schemas.microsoft.com/office/powerpoint/2010/main" xmlns="" val="2332033991"/>
       </p:ext>
     </p:extLst>
   </p:cSld>
@@ -8456,7 +8202,7 @@
     </p:spTree>
     <p:extLst>
       <p:ext uri="{BB962C8B-B14F-4D97-AF65-F5344CB8AC3E}">
-        <p14:creationId xmlns:p14="http://schemas.microsoft.com/office/powerpoint/2010/main" val="2905257727"/>
+        <p14:creationId xmlns:p14="http://schemas.microsoft.com/office/powerpoint/2010/main" xmlns="" val="2905257727"/>
       </p:ext>
     </p:extLst>
   </p:cSld>
@@ -8676,7 +8422,7 @@
     </p:spTree>
     <p:extLst>
       <p:ext uri="{BB962C8B-B14F-4D97-AF65-F5344CB8AC3E}">
-        <p14:creationId xmlns:p14="http://schemas.microsoft.com/office/powerpoint/2010/main" val="4251687254"/>
+        <p14:creationId xmlns:p14="http://schemas.microsoft.com/office/powerpoint/2010/main" xmlns="" val="4251687254"/>
       </p:ext>
     </p:extLst>
   </p:cSld>
@@ -8761,7 +8507,7 @@
     </p:spTree>
     <p:extLst>
       <p:ext uri="{BB962C8B-B14F-4D97-AF65-F5344CB8AC3E}">
-        <p14:creationId xmlns:p14="http://schemas.microsoft.com/office/powerpoint/2010/main" val="2118353209"/>
+        <p14:creationId xmlns:p14="http://schemas.microsoft.com/office/powerpoint/2010/main" xmlns="" val="2118353209"/>
       </p:ext>
     </p:extLst>
   </p:cSld>
@@ -8846,7 +8592,7 @@
     </p:spTree>
     <p:extLst>
       <p:ext uri="{BB962C8B-B14F-4D97-AF65-F5344CB8AC3E}">
-        <p14:creationId xmlns:p14="http://schemas.microsoft.com/office/powerpoint/2010/main" val="1216955315"/>
+        <p14:creationId xmlns:p14="http://schemas.microsoft.com/office/powerpoint/2010/main" xmlns="" val="1216955315"/>
       </p:ext>
     </p:extLst>
   </p:cSld>
@@ -9006,7 +8752,7 @@
     </p:spTree>
     <p:extLst>
       <p:ext uri="{BB962C8B-B14F-4D97-AF65-F5344CB8AC3E}">
-        <p14:creationId xmlns:p14="http://schemas.microsoft.com/office/powerpoint/2010/main" val="4072347644"/>
+        <p14:creationId xmlns:p14="http://schemas.microsoft.com/office/powerpoint/2010/main" xmlns="" val="4072347644"/>
       </p:ext>
     </p:extLst>
   </p:cSld>
@@ -9091,7 +8837,7 @@
     </p:spTree>
     <p:extLst>
       <p:ext uri="{BB962C8B-B14F-4D97-AF65-F5344CB8AC3E}">
-        <p14:creationId xmlns:p14="http://schemas.microsoft.com/office/powerpoint/2010/main" val="2598853279"/>
+        <p14:creationId xmlns:p14="http://schemas.microsoft.com/office/powerpoint/2010/main" xmlns="" val="2598853279"/>
       </p:ext>
     </p:extLst>
   </p:cSld>
@@ -9176,7 +8922,7 @@
     </p:spTree>
     <p:extLst>
       <p:ext uri="{BB962C8B-B14F-4D97-AF65-F5344CB8AC3E}">
-        <p14:creationId xmlns:p14="http://schemas.microsoft.com/office/powerpoint/2010/main" val="3001826006"/>
+        <p14:creationId xmlns:p14="http://schemas.microsoft.com/office/powerpoint/2010/main" xmlns="" val="3001826006"/>
       </p:ext>
     </p:extLst>
   </p:cSld>
@@ -9261,7 +9007,7 @@
     </p:spTree>
     <p:extLst>
       <p:ext uri="{BB962C8B-B14F-4D97-AF65-F5344CB8AC3E}">
-        <p14:creationId xmlns:p14="http://schemas.microsoft.com/office/powerpoint/2010/main" val="3337223467"/>
+        <p14:creationId xmlns:p14="http://schemas.microsoft.com/office/powerpoint/2010/main" xmlns="" val="3337223467"/>
       </p:ext>
     </p:extLst>
   </p:cSld>
@@ -9346,7 +9092,7 @@
     </p:spTree>
     <p:extLst>
       <p:ext uri="{BB962C8B-B14F-4D97-AF65-F5344CB8AC3E}">
-        <p14:creationId xmlns:p14="http://schemas.microsoft.com/office/powerpoint/2010/main" val="2724149497"/>
+        <p14:creationId xmlns:p14="http://schemas.microsoft.com/office/powerpoint/2010/main" xmlns="" val="2724149497"/>
       </p:ext>
     </p:extLst>
   </p:cSld>
@@ -9467,7 +9213,7 @@
     </p:spTree>
     <p:extLst>
       <p:ext uri="{BB962C8B-B14F-4D97-AF65-F5344CB8AC3E}">
-        <p14:creationId xmlns:p14="http://schemas.microsoft.com/office/powerpoint/2010/main" val="572649040"/>
+        <p14:creationId xmlns:p14="http://schemas.microsoft.com/office/powerpoint/2010/main" xmlns="" val="572649040"/>
       </p:ext>
     </p:extLst>
   </p:cSld>
@@ -9641,7 +9387,7 @@
     </p:spTree>
     <p:extLst>
       <p:ext uri="{BB962C8B-B14F-4D97-AF65-F5344CB8AC3E}">
-        <p14:creationId xmlns:p14="http://schemas.microsoft.com/office/powerpoint/2010/main" val="474988129"/>
+        <p14:creationId xmlns:p14="http://schemas.microsoft.com/office/powerpoint/2010/main" xmlns="" val="474988129"/>
       </p:ext>
     </p:extLst>
   </p:cSld>
@@ -9761,7 +9507,7 @@
     </p:spTree>
     <p:extLst>
       <p:ext uri="{BB962C8B-B14F-4D97-AF65-F5344CB8AC3E}">
-        <p14:creationId xmlns:p14="http://schemas.microsoft.com/office/powerpoint/2010/main" val="3919745491"/>
+        <p14:creationId xmlns:p14="http://schemas.microsoft.com/office/powerpoint/2010/main" xmlns="" val="3919745491"/>
       </p:ext>
     </p:extLst>
   </p:cSld>
@@ -10004,7 +9750,7 @@
     </p:spTree>
     <p:extLst>
       <p:ext uri="{BB962C8B-B14F-4D97-AF65-F5344CB8AC3E}">
-        <p14:creationId xmlns:p14="http://schemas.microsoft.com/office/powerpoint/2010/main" val="2006419056"/>
+        <p14:creationId xmlns:p14="http://schemas.microsoft.com/office/powerpoint/2010/main" xmlns="" val="2006419056"/>
       </p:ext>
     </p:extLst>
   </p:cSld>
@@ -10093,7 +9839,7 @@
     </p:spTree>
     <p:extLst>
       <p:ext uri="{BB962C8B-B14F-4D97-AF65-F5344CB8AC3E}">
-        <p14:creationId xmlns:p14="http://schemas.microsoft.com/office/powerpoint/2010/main" val="1979049812"/>
+        <p14:creationId xmlns:p14="http://schemas.microsoft.com/office/powerpoint/2010/main" xmlns="" val="1979049812"/>
       </p:ext>
     </p:extLst>
   </p:cSld>
@@ -10204,7 +9950,7 @@
     </p:spTree>
     <p:extLst>
       <p:ext uri="{BB962C8B-B14F-4D97-AF65-F5344CB8AC3E}">
-        <p14:creationId xmlns:p14="http://schemas.microsoft.com/office/powerpoint/2010/main" val="736461960"/>
+        <p14:creationId xmlns:p14="http://schemas.microsoft.com/office/powerpoint/2010/main" xmlns="" val="736461960"/>
       </p:ext>
     </p:extLst>
   </p:cSld>
@@ -10293,7 +10039,7 @@
     </p:spTree>
     <p:extLst>
       <p:ext uri="{BB962C8B-B14F-4D97-AF65-F5344CB8AC3E}">
-        <p14:creationId xmlns:p14="http://schemas.microsoft.com/office/powerpoint/2010/main" val="184239105"/>
+        <p14:creationId xmlns:p14="http://schemas.microsoft.com/office/powerpoint/2010/main" xmlns="" val="184239105"/>
       </p:ext>
     </p:extLst>
   </p:cSld>
@@ -10332,7 +10078,7 @@
           <a:blip r:embed="rId2" cstate="print">
             <a:extLst>
               <a:ext uri="{28A0092B-C50C-407E-A947-70E740481C1C}">
-                <a14:useLocalDpi xmlns:a14="http://schemas.microsoft.com/office/drawing/2010/main" val="0"/>
+                <a14:useLocalDpi xmlns:a14="http://schemas.microsoft.com/office/drawing/2010/main" xmlns="" val="0"/>
               </a:ext>
             </a:extLst>
           </a:blip>
@@ -10528,7 +10274,7 @@
             <a:fld id="{F71B3DB1-8543-40E0-A2D1-830196AD91DE}" type="datetimeFigureOut">
               <a:rPr lang="pt-PT" smtClean="0"/>
               <a:pPr/>
-              <a:t>02/07/2013</a:t>
+              <a:t>02-07-2013</a:t>
             </a:fld>
             <a:endParaRPr lang="pt-PT" dirty="0"/>
           </a:p>
@@ -10581,7 +10327,7 @@
             <a:fld id="{5D26EDD4-363A-4236-A170-49C0FA725754}" type="slidenum">
               <a:rPr lang="pt-PT" smtClean="0"/>
               <a:pPr/>
-              <a:t>‹#›</a:t>
+              <a:t>‹nº›</a:t>
             </a:fld>
             <a:endParaRPr lang="pt-PT" dirty="0"/>
           </a:p>
@@ -10628,7 +10374,7 @@
     </p:spTree>
     <p:extLst>
       <p:ext uri="{BB962C8B-B14F-4D97-AF65-F5344CB8AC3E}">
-        <p14:creationId xmlns:p14="http://schemas.microsoft.com/office/powerpoint/2010/main" val="4283900998"/>
+        <p14:creationId xmlns:p14="http://schemas.microsoft.com/office/powerpoint/2010/main" xmlns="" val="4283900998"/>
       </p:ext>
     </p:extLst>
   </p:cSld>
@@ -10862,7 +10608,7 @@
             <a:fld id="{F71B3DB1-8543-40E0-A2D1-830196AD91DE}" type="datetimeFigureOut">
               <a:rPr lang="pt-PT" smtClean="0"/>
               <a:pPr/>
-              <a:t>02/07/2013</a:t>
+              <a:t>02-07-2013</a:t>
             </a:fld>
             <a:endParaRPr lang="pt-PT" dirty="0"/>
           </a:p>
@@ -10905,7 +10651,7 @@
             <a:fld id="{5D26EDD4-363A-4236-A170-49C0FA725754}" type="slidenum">
               <a:rPr lang="pt-PT" smtClean="0"/>
               <a:pPr/>
-              <a:t>‹#›</a:t>
+              <a:t>‹nº›</a:t>
             </a:fld>
             <a:endParaRPr lang="pt-PT" dirty="0"/>
           </a:p>
@@ -10914,7 +10660,7 @@
     </p:spTree>
     <p:extLst>
       <p:ext uri="{BB962C8B-B14F-4D97-AF65-F5344CB8AC3E}">
-        <p14:creationId xmlns:p14="http://schemas.microsoft.com/office/powerpoint/2010/main" val="3834483316"/>
+        <p14:creationId xmlns:p14="http://schemas.microsoft.com/office/powerpoint/2010/main" xmlns="" val="3834483316"/>
       </p:ext>
     </p:extLst>
   </p:cSld>
@@ -11112,7 +10858,7 @@
             <a:fld id="{F71B3DB1-8543-40E0-A2D1-830196AD91DE}" type="datetimeFigureOut">
               <a:rPr lang="pt-PT" smtClean="0"/>
               <a:pPr/>
-              <a:t>02/07/2013</a:t>
+              <a:t>02-07-2013</a:t>
             </a:fld>
             <a:endParaRPr lang="pt-PT" dirty="0"/>
           </a:p>
@@ -11155,7 +10901,7 @@
             <a:fld id="{5D26EDD4-363A-4236-A170-49C0FA725754}" type="slidenum">
               <a:rPr lang="pt-PT" smtClean="0"/>
               <a:pPr/>
-              <a:t>‹#›</a:t>
+              <a:t>‹nº›</a:t>
             </a:fld>
             <a:endParaRPr lang="pt-PT" dirty="0"/>
           </a:p>
@@ -11202,7 +10948,7 @@
     </p:spTree>
     <p:extLst>
       <p:ext uri="{BB962C8B-B14F-4D97-AF65-F5344CB8AC3E}">
-        <p14:creationId xmlns:p14="http://schemas.microsoft.com/office/powerpoint/2010/main" val="3278742630"/>
+        <p14:creationId xmlns:p14="http://schemas.microsoft.com/office/powerpoint/2010/main" xmlns="" val="3278742630"/>
       </p:ext>
     </p:extLst>
   </p:cSld>
@@ -11460,7 +11206,7 @@
             <a:fld id="{F71B3DB1-8543-40E0-A2D1-830196AD91DE}" type="datetimeFigureOut">
               <a:rPr lang="pt-PT" smtClean="0"/>
               <a:pPr/>
-              <a:t>02/07/2013</a:t>
+              <a:t>02-07-2013</a:t>
             </a:fld>
             <a:endParaRPr lang="pt-PT" dirty="0"/>
           </a:p>
@@ -11503,7 +11249,7 @@
             <a:fld id="{5D26EDD4-363A-4236-A170-49C0FA725754}" type="slidenum">
               <a:rPr lang="pt-PT" smtClean="0"/>
               <a:pPr/>
-              <a:t>‹#›</a:t>
+              <a:t>‹nº›</a:t>
             </a:fld>
             <a:endParaRPr lang="pt-PT" dirty="0"/>
           </a:p>
@@ -11618,7 +11364,7 @@
     </p:spTree>
     <p:extLst>
       <p:ext uri="{BB962C8B-B14F-4D97-AF65-F5344CB8AC3E}">
-        <p14:creationId xmlns:p14="http://schemas.microsoft.com/office/powerpoint/2010/main" val="1960482330"/>
+        <p14:creationId xmlns:p14="http://schemas.microsoft.com/office/powerpoint/2010/main" xmlns="" val="1960482330"/>
       </p:ext>
     </p:extLst>
   </p:cSld>
@@ -11816,7 +11562,7 @@
             <a:fld id="{F71B3DB1-8543-40E0-A2D1-830196AD91DE}" type="datetimeFigureOut">
               <a:rPr lang="pt-PT" smtClean="0"/>
               <a:pPr/>
-              <a:t>02/07/2013</a:t>
+              <a:t>02-07-2013</a:t>
             </a:fld>
             <a:endParaRPr lang="pt-PT" dirty="0"/>
           </a:p>
@@ -11859,7 +11605,7 @@
             <a:fld id="{5D26EDD4-363A-4236-A170-49C0FA725754}" type="slidenum">
               <a:rPr lang="pt-PT" smtClean="0"/>
               <a:pPr/>
-              <a:t>‹#›</a:t>
+              <a:t>‹nº›</a:t>
             </a:fld>
             <a:endParaRPr lang="pt-PT" dirty="0"/>
           </a:p>
@@ -11868,7 +11614,7 @@
     </p:spTree>
     <p:extLst>
       <p:ext uri="{BB962C8B-B14F-4D97-AF65-F5344CB8AC3E}">
-        <p14:creationId xmlns:p14="http://schemas.microsoft.com/office/powerpoint/2010/main" val="1169910341"/>
+        <p14:creationId xmlns:p14="http://schemas.microsoft.com/office/powerpoint/2010/main" xmlns="" val="1169910341"/>
       </p:ext>
     </p:extLst>
   </p:cSld>
@@ -12192,7 +11938,7 @@
             <a:fld id="{F71B3DB1-8543-40E0-A2D1-830196AD91DE}" type="datetimeFigureOut">
               <a:rPr lang="pt-PT" smtClean="0"/>
               <a:pPr/>
-              <a:t>02/07/2013</a:t>
+              <a:t>02-07-2013</a:t>
             </a:fld>
             <a:endParaRPr lang="pt-PT" dirty="0"/>
           </a:p>
@@ -12235,7 +11981,7 @@
             <a:fld id="{5D26EDD4-363A-4236-A170-49C0FA725754}" type="slidenum">
               <a:rPr lang="pt-PT" smtClean="0"/>
               <a:pPr/>
-              <a:t>‹#›</a:t>
+              <a:t>‹nº›</a:t>
             </a:fld>
             <a:endParaRPr lang="pt-PT" dirty="0"/>
           </a:p>
@@ -12350,7 +12096,7 @@
     </p:spTree>
     <p:extLst>
       <p:ext uri="{BB962C8B-B14F-4D97-AF65-F5344CB8AC3E}">
-        <p14:creationId xmlns:p14="http://schemas.microsoft.com/office/powerpoint/2010/main" val="2244926200"/>
+        <p14:creationId xmlns:p14="http://schemas.microsoft.com/office/powerpoint/2010/main" xmlns="" val="2244926200"/>
       </p:ext>
     </p:extLst>
   </p:cSld>
@@ -12671,7 +12417,7 @@
             <a:fld id="{F71B3DB1-8543-40E0-A2D1-830196AD91DE}" type="datetimeFigureOut">
               <a:rPr lang="pt-PT" smtClean="0"/>
               <a:pPr/>
-              <a:t>02/07/2013</a:t>
+              <a:t>02-07-2013</a:t>
             </a:fld>
             <a:endParaRPr lang="pt-PT" dirty="0"/>
           </a:p>
@@ -12714,7 +12460,7 @@
             <a:fld id="{5D26EDD4-363A-4236-A170-49C0FA725754}" type="slidenum">
               <a:rPr lang="pt-PT" smtClean="0"/>
               <a:pPr/>
-              <a:t>‹#›</a:t>
+              <a:t>‹nº›</a:t>
             </a:fld>
             <a:endParaRPr lang="pt-PT" dirty="0"/>
           </a:p>
@@ -12761,7 +12507,7 @@
     </p:spTree>
     <p:extLst>
       <p:ext uri="{BB962C8B-B14F-4D97-AF65-F5344CB8AC3E}">
-        <p14:creationId xmlns:p14="http://schemas.microsoft.com/office/powerpoint/2010/main" val="3141152998"/>
+        <p14:creationId xmlns:p14="http://schemas.microsoft.com/office/powerpoint/2010/main" xmlns="" val="3141152998"/>
       </p:ext>
     </p:extLst>
   </p:cSld>
@@ -12885,7 +12631,7 @@
             <a:fld id="{F71B3DB1-8543-40E0-A2D1-830196AD91DE}" type="datetimeFigureOut">
               <a:rPr lang="pt-PT" smtClean="0"/>
               <a:pPr/>
-              <a:t>02/07/2013</a:t>
+              <a:t>02-07-2013</a:t>
             </a:fld>
             <a:endParaRPr lang="pt-PT" dirty="0"/>
           </a:p>
@@ -12928,7 +12674,7 @@
             <a:fld id="{5D26EDD4-363A-4236-A170-49C0FA725754}" type="slidenum">
               <a:rPr lang="pt-PT" smtClean="0"/>
               <a:pPr/>
-              <a:t>‹#›</a:t>
+              <a:t>‹nº›</a:t>
             </a:fld>
             <a:endParaRPr lang="pt-PT" dirty="0"/>
           </a:p>
@@ -12975,7 +12721,7 @@
     </p:spTree>
     <p:extLst>
       <p:ext uri="{BB962C8B-B14F-4D97-AF65-F5344CB8AC3E}">
-        <p14:creationId xmlns:p14="http://schemas.microsoft.com/office/powerpoint/2010/main" val="4127282010"/>
+        <p14:creationId xmlns:p14="http://schemas.microsoft.com/office/powerpoint/2010/main" xmlns="" val="4127282010"/>
       </p:ext>
     </p:extLst>
   </p:cSld>
@@ -13105,7 +12851,7 @@
             <a:fld id="{F71B3DB1-8543-40E0-A2D1-830196AD91DE}" type="datetimeFigureOut">
               <a:rPr lang="pt-PT" smtClean="0"/>
               <a:pPr/>
-              <a:t>02/07/2013</a:t>
+              <a:t>02-07-2013</a:t>
             </a:fld>
             <a:endParaRPr lang="pt-PT" dirty="0"/>
           </a:p>
@@ -13148,7 +12894,7 @@
             <a:fld id="{5D26EDD4-363A-4236-A170-49C0FA725754}" type="slidenum">
               <a:rPr lang="pt-PT" smtClean="0"/>
               <a:pPr/>
-              <a:t>‹#›</a:t>
+              <a:t>‹nº›</a:t>
             </a:fld>
             <a:endParaRPr lang="pt-PT" dirty="0"/>
           </a:p>
@@ -13195,7 +12941,7 @@
     </p:spTree>
     <p:extLst>
       <p:ext uri="{BB962C8B-B14F-4D97-AF65-F5344CB8AC3E}">
-        <p14:creationId xmlns:p14="http://schemas.microsoft.com/office/powerpoint/2010/main" val="1016382411"/>
+        <p14:creationId xmlns:p14="http://schemas.microsoft.com/office/powerpoint/2010/main" xmlns="" val="1016382411"/>
       </p:ext>
     </p:extLst>
   </p:cSld>
@@ -13353,7 +13099,7 @@
             <a:fld id="{F71B3DB1-8543-40E0-A2D1-830196AD91DE}" type="datetimeFigureOut">
               <a:rPr lang="pt-PT" smtClean="0"/>
               <a:pPr/>
-              <a:t>02/07/2013</a:t>
+              <a:t>02-07-2013</a:t>
             </a:fld>
             <a:endParaRPr lang="pt-PT" dirty="0"/>
           </a:p>
@@ -13396,7 +13142,7 @@
             <a:fld id="{5D26EDD4-363A-4236-A170-49C0FA725754}" type="slidenum">
               <a:rPr lang="pt-PT" smtClean="0"/>
               <a:pPr/>
-              <a:t>‹#›</a:t>
+              <a:t>‹nº›</a:t>
             </a:fld>
             <a:endParaRPr lang="pt-PT" dirty="0"/>
           </a:p>
@@ -13405,7 +13151,7 @@
     </p:spTree>
     <p:extLst>
       <p:ext uri="{BB962C8B-B14F-4D97-AF65-F5344CB8AC3E}">
-        <p14:creationId xmlns:p14="http://schemas.microsoft.com/office/powerpoint/2010/main" val="548973029"/>
+        <p14:creationId xmlns:p14="http://schemas.microsoft.com/office/powerpoint/2010/main" xmlns="" val="548973029"/>
       </p:ext>
     </p:extLst>
   </p:cSld>
@@ -13603,7 +13349,7 @@
             <a:fld id="{F71B3DB1-8543-40E0-A2D1-830196AD91DE}" type="datetimeFigureOut">
               <a:rPr lang="pt-PT" smtClean="0"/>
               <a:pPr/>
-              <a:t>02/07/2013</a:t>
+              <a:t>02-07-2013</a:t>
             </a:fld>
             <a:endParaRPr lang="pt-PT" dirty="0"/>
           </a:p>
@@ -13646,7 +13392,7 @@
             <a:fld id="{5D26EDD4-363A-4236-A170-49C0FA725754}" type="slidenum">
               <a:rPr lang="pt-PT" smtClean="0"/>
               <a:pPr/>
-              <a:t>‹#›</a:t>
+              <a:t>‹nº›</a:t>
             </a:fld>
             <a:endParaRPr lang="pt-PT" dirty="0"/>
           </a:p>
@@ -13693,7 +13439,7 @@
     </p:spTree>
     <p:extLst>
       <p:ext uri="{BB962C8B-B14F-4D97-AF65-F5344CB8AC3E}">
-        <p14:creationId xmlns:p14="http://schemas.microsoft.com/office/powerpoint/2010/main" val="963473943"/>
+        <p14:creationId xmlns:p14="http://schemas.microsoft.com/office/powerpoint/2010/main" xmlns="" val="963473943"/>
       </p:ext>
     </p:extLst>
   </p:cSld>
@@ -13917,7 +13663,7 @@
             <a:fld id="{F71B3DB1-8543-40E0-A2D1-830196AD91DE}" type="datetimeFigureOut">
               <a:rPr lang="pt-PT" smtClean="0"/>
               <a:pPr/>
-              <a:t>02/07/2013</a:t>
+              <a:t>02-07-2013</a:t>
             </a:fld>
             <a:endParaRPr lang="pt-PT" dirty="0"/>
           </a:p>
@@ -13960,7 +13706,7 @@
             <a:fld id="{5D26EDD4-363A-4236-A170-49C0FA725754}" type="slidenum">
               <a:rPr lang="pt-PT" smtClean="0"/>
               <a:pPr/>
-              <a:t>‹#›</a:t>
+              <a:t>‹nº›</a:t>
             </a:fld>
             <a:endParaRPr lang="pt-PT" dirty="0"/>
           </a:p>
@@ -13969,7 +13715,7 @@
     </p:spTree>
     <p:extLst>
       <p:ext uri="{BB962C8B-B14F-4D97-AF65-F5344CB8AC3E}">
-        <p14:creationId xmlns:p14="http://schemas.microsoft.com/office/powerpoint/2010/main" val="2490349985"/>
+        <p14:creationId xmlns:p14="http://schemas.microsoft.com/office/powerpoint/2010/main" xmlns="" val="2490349985"/>
       </p:ext>
     </p:extLst>
   </p:cSld>
@@ -14301,7 +14047,7 @@
             <a:fld id="{F71B3DB1-8543-40E0-A2D1-830196AD91DE}" type="datetimeFigureOut">
               <a:rPr lang="pt-PT" smtClean="0"/>
               <a:pPr/>
-              <a:t>02/07/2013</a:t>
+              <a:t>02-07-2013</a:t>
             </a:fld>
             <a:endParaRPr lang="pt-PT" dirty="0"/>
           </a:p>
@@ -14344,7 +14090,7 @@
             <a:fld id="{5D26EDD4-363A-4236-A170-49C0FA725754}" type="slidenum">
               <a:rPr lang="pt-PT" smtClean="0"/>
               <a:pPr/>
-              <a:t>‹#›</a:t>
+              <a:t>‹nº›</a:t>
             </a:fld>
             <a:endParaRPr lang="pt-PT" dirty="0"/>
           </a:p>
@@ -14391,7 +14137,7 @@
     </p:spTree>
     <p:extLst>
       <p:ext uri="{BB962C8B-B14F-4D97-AF65-F5344CB8AC3E}">
-        <p14:creationId xmlns:p14="http://schemas.microsoft.com/office/powerpoint/2010/main" val="1183446009"/>
+        <p14:creationId xmlns:p14="http://schemas.microsoft.com/office/powerpoint/2010/main" xmlns="" val="1183446009"/>
       </p:ext>
     </p:extLst>
   </p:cSld>
@@ -14459,7 +14205,7 @@
             <a:fld id="{F71B3DB1-8543-40E0-A2D1-830196AD91DE}" type="datetimeFigureOut">
               <a:rPr lang="pt-PT" smtClean="0"/>
               <a:pPr/>
-              <a:t>02/07/2013</a:t>
+              <a:t>02-07-2013</a:t>
             </a:fld>
             <a:endParaRPr lang="pt-PT" dirty="0"/>
           </a:p>
@@ -14502,7 +14248,7 @@
             <a:fld id="{5D26EDD4-363A-4236-A170-49C0FA725754}" type="slidenum">
               <a:rPr lang="pt-PT" smtClean="0"/>
               <a:pPr/>
-              <a:t>‹#›</a:t>
+              <a:t>‹nº›</a:t>
             </a:fld>
             <a:endParaRPr lang="pt-PT" dirty="0"/>
           </a:p>
@@ -14549,7 +14295,7 @@
     </p:spTree>
     <p:extLst>
       <p:ext uri="{BB962C8B-B14F-4D97-AF65-F5344CB8AC3E}">
-        <p14:creationId xmlns:p14="http://schemas.microsoft.com/office/powerpoint/2010/main" val="1349716058"/>
+        <p14:creationId xmlns:p14="http://schemas.microsoft.com/office/powerpoint/2010/main" xmlns="" val="1349716058"/>
       </p:ext>
     </p:extLst>
   </p:cSld>
@@ -14594,7 +14340,7 @@
             <a:fld id="{F71B3DB1-8543-40E0-A2D1-830196AD91DE}" type="datetimeFigureOut">
               <a:rPr lang="pt-PT" smtClean="0"/>
               <a:pPr/>
-              <a:t>02/07/2013</a:t>
+              <a:t>02-07-2013</a:t>
             </a:fld>
             <a:endParaRPr lang="pt-PT" dirty="0"/>
           </a:p>
@@ -14637,7 +14383,7 @@
             <a:fld id="{5D26EDD4-363A-4236-A170-49C0FA725754}" type="slidenum">
               <a:rPr lang="pt-PT" smtClean="0"/>
               <a:pPr/>
-              <a:t>‹#›</a:t>
+              <a:t>‹nº›</a:t>
             </a:fld>
             <a:endParaRPr lang="pt-PT" dirty="0"/>
           </a:p>
@@ -14646,7 +14392,7 @@
     </p:spTree>
     <p:extLst>
       <p:ext uri="{BB962C8B-B14F-4D97-AF65-F5344CB8AC3E}">
-        <p14:creationId xmlns:p14="http://schemas.microsoft.com/office/powerpoint/2010/main" val="1135282261"/>
+        <p14:creationId xmlns:p14="http://schemas.microsoft.com/office/powerpoint/2010/main" xmlns="" val="1135282261"/>
       </p:ext>
     </p:extLst>
   </p:cSld>
@@ -14851,7 +14597,7 @@
             <a:fld id="{F71B3DB1-8543-40E0-A2D1-830196AD91DE}" type="datetimeFigureOut">
               <a:rPr lang="pt-PT" smtClean="0"/>
               <a:pPr/>
-              <a:t>02/07/2013</a:t>
+              <a:t>02-07-2013</a:t>
             </a:fld>
             <a:endParaRPr lang="pt-PT" dirty="0"/>
           </a:p>
@@ -14894,7 +14640,7 @@
             <a:fld id="{5D26EDD4-363A-4236-A170-49C0FA725754}" type="slidenum">
               <a:rPr lang="pt-PT" smtClean="0"/>
               <a:pPr/>
-              <a:t>‹#›</a:t>
+              <a:t>‹nº›</a:t>
             </a:fld>
             <a:endParaRPr lang="pt-PT" dirty="0"/>
           </a:p>
@@ -14941,7 +14687,7 @@
     </p:spTree>
     <p:extLst>
       <p:ext uri="{BB962C8B-B14F-4D97-AF65-F5344CB8AC3E}">
-        <p14:creationId xmlns:p14="http://schemas.microsoft.com/office/powerpoint/2010/main" val="3016415161"/>
+        <p14:creationId xmlns:p14="http://schemas.microsoft.com/office/powerpoint/2010/main" xmlns="" val="3016415161"/>
       </p:ext>
     </p:extLst>
   </p:cSld>
@@ -15175,7 +14921,7 @@
             <a:fld id="{F71B3DB1-8543-40E0-A2D1-830196AD91DE}" type="datetimeFigureOut">
               <a:rPr lang="pt-PT" smtClean="0"/>
               <a:pPr/>
-              <a:t>02/07/2013</a:t>
+              <a:t>02-07-2013</a:t>
             </a:fld>
             <a:endParaRPr lang="pt-PT" dirty="0"/>
           </a:p>
@@ -15218,7 +14964,7 @@
             <a:fld id="{5D26EDD4-363A-4236-A170-49C0FA725754}" type="slidenum">
               <a:rPr lang="pt-PT" smtClean="0"/>
               <a:pPr/>
-              <a:t>‹#›</a:t>
+              <a:t>‹nº›</a:t>
             </a:fld>
             <a:endParaRPr lang="pt-PT" dirty="0"/>
           </a:p>
@@ -15227,7 +14973,7 @@
     </p:spTree>
     <p:extLst>
       <p:ext uri="{BB962C8B-B14F-4D97-AF65-F5344CB8AC3E}">
-        <p14:creationId xmlns:p14="http://schemas.microsoft.com/office/powerpoint/2010/main" val="2799130186"/>
+        <p14:creationId xmlns:p14="http://schemas.microsoft.com/office/powerpoint/2010/main" xmlns="" val="2799130186"/>
       </p:ext>
     </p:extLst>
   </p:cSld>
@@ -15271,7 +15017,7 @@
           <a:blip r:embed="rId19" cstate="print">
             <a:extLst>
               <a:ext uri="{28A0092B-C50C-407E-A947-70E740481C1C}">
-                <a14:useLocalDpi xmlns:a14="http://schemas.microsoft.com/office/drawing/2010/main" val="0"/>
+                <a14:useLocalDpi xmlns:a14="http://schemas.microsoft.com/office/drawing/2010/main" xmlns="" val="0"/>
               </a:ext>
             </a:extLst>
           </a:blip>
@@ -15421,7 +15167,7 @@
             <a:fld id="{F71B3DB1-8543-40E0-A2D1-830196AD91DE}" type="datetimeFigureOut">
               <a:rPr lang="pt-PT" smtClean="0"/>
               <a:pPr/>
-              <a:t>02/07/2013</a:t>
+              <a:t>02-07-2013</a:t>
             </a:fld>
             <a:endParaRPr lang="pt-PT" dirty="0"/>
           </a:p>
@@ -15500,7 +15246,7 @@
             <a:fld id="{5D26EDD4-363A-4236-A170-49C0FA725754}" type="slidenum">
               <a:rPr lang="pt-PT" smtClean="0"/>
               <a:pPr/>
-              <a:t>‹#›</a:t>
+              <a:t>‹nº›</a:t>
             </a:fld>
             <a:endParaRPr lang="pt-PT" dirty="0"/>
           </a:p>
@@ -15509,7 +15255,7 @@
     </p:spTree>
     <p:extLst>
       <p:ext uri="{BB962C8B-B14F-4D97-AF65-F5344CB8AC3E}">
-        <p14:creationId xmlns:p14="http://schemas.microsoft.com/office/powerpoint/2010/main" val="3664009446"/>
+        <p14:creationId xmlns:p14="http://schemas.microsoft.com/office/powerpoint/2010/main" xmlns="" val="3664009446"/>
       </p:ext>
     </p:extLst>
   </p:cSld>
@@ -16017,7 +15763,7 @@
     </p:spTree>
     <p:extLst>
       <p:ext uri="{BB962C8B-B14F-4D97-AF65-F5344CB8AC3E}">
-        <p14:creationId xmlns:p14="http://schemas.microsoft.com/office/powerpoint/2010/main" val="404200990"/>
+        <p14:creationId xmlns:p14="http://schemas.microsoft.com/office/powerpoint/2010/main" xmlns="" val="404200990"/>
       </p:ext>
     </p:extLst>
   </p:cSld>
@@ -16100,7 +15846,7 @@
     </p:spTree>
     <p:extLst>
       <p:ext uri="{BB962C8B-B14F-4D97-AF65-F5344CB8AC3E}">
-        <p14:creationId xmlns:p14="http://schemas.microsoft.com/office/powerpoint/2010/main" val="1280194573"/>
+        <p14:creationId xmlns:p14="http://schemas.microsoft.com/office/powerpoint/2010/main" xmlns="" val="1280194573"/>
       </p:ext>
     </p:extLst>
   </p:cSld>
@@ -16175,7 +15921,7 @@
     </p:spTree>
     <p:extLst>
       <p:ext uri="{BB962C8B-B14F-4D97-AF65-F5344CB8AC3E}">
-        <p14:creationId xmlns:p14="http://schemas.microsoft.com/office/powerpoint/2010/main" val="3292307339"/>
+        <p14:creationId xmlns:p14="http://schemas.microsoft.com/office/powerpoint/2010/main" xmlns="" val="3292307339"/>
       </p:ext>
     </p:extLst>
   </p:cSld>
@@ -16258,7 +16004,7 @@
     </p:spTree>
     <p:extLst>
       <p:ext uri="{BB962C8B-B14F-4D97-AF65-F5344CB8AC3E}">
-        <p14:creationId xmlns:p14="http://schemas.microsoft.com/office/powerpoint/2010/main" val="2525735037"/>
+        <p14:creationId xmlns:p14="http://schemas.microsoft.com/office/powerpoint/2010/main" xmlns="" val="2525735037"/>
       </p:ext>
     </p:extLst>
   </p:cSld>
@@ -16530,7 +16276,7 @@
     </p:spTree>
     <p:extLst>
       <p:ext uri="{BB962C8B-B14F-4D97-AF65-F5344CB8AC3E}">
-        <p14:creationId xmlns:p14="http://schemas.microsoft.com/office/powerpoint/2010/main" val="95242113"/>
+        <p14:creationId xmlns:p14="http://schemas.microsoft.com/office/powerpoint/2010/main" xmlns="" val="95242113"/>
       </p:ext>
     </p:extLst>
   </p:cSld>
@@ -17441,7 +17187,7 @@
     </p:spTree>
     <p:extLst>
       <p:ext uri="{BB962C8B-B14F-4D97-AF65-F5344CB8AC3E}">
-        <p14:creationId xmlns:p14="http://schemas.microsoft.com/office/powerpoint/2010/main" val="2652038306"/>
+        <p14:creationId xmlns:p14="http://schemas.microsoft.com/office/powerpoint/2010/main" xmlns="" val="2652038306"/>
       </p:ext>
     </p:extLst>
   </p:cSld>
@@ -17695,7 +17441,7 @@
     </p:spTree>
     <p:extLst>
       <p:ext uri="{BB962C8B-B14F-4D97-AF65-F5344CB8AC3E}">
-        <p14:creationId xmlns:p14="http://schemas.microsoft.com/office/powerpoint/2010/main" val="2278680210"/>
+        <p14:creationId xmlns:p14="http://schemas.microsoft.com/office/powerpoint/2010/main" xmlns="" val="2278680210"/>
       </p:ext>
     </p:extLst>
   </p:cSld>
@@ -18046,7 +17792,7 @@
     </p:spTree>
     <p:extLst>
       <p:ext uri="{BB962C8B-B14F-4D97-AF65-F5344CB8AC3E}">
-        <p14:creationId xmlns:p14="http://schemas.microsoft.com/office/powerpoint/2010/main" val="2466546361"/>
+        <p14:creationId xmlns:p14="http://schemas.microsoft.com/office/powerpoint/2010/main" xmlns="" val="2466546361"/>
       </p:ext>
     </p:extLst>
   </p:cSld>
@@ -18128,7 +17874,7 @@
           <p:nvPr>
             <p:extLst>
               <p:ext uri="{D42A27DB-BD31-4B8C-83A1-F6EECF244321}">
-                <p14:modId xmlns:p14="http://schemas.microsoft.com/office/powerpoint/2010/main" val="2639408096"/>
+                <p14:modId xmlns:p14="http://schemas.microsoft.com/office/powerpoint/2010/main" xmlns="" val="2639408096"/>
               </p:ext>
             </p:extLst>
           </p:nvPr>
@@ -18146,7 +17892,7 @@
     </p:spTree>
     <p:extLst>
       <p:ext uri="{BB962C8B-B14F-4D97-AF65-F5344CB8AC3E}">
-        <p14:creationId xmlns:p14="http://schemas.microsoft.com/office/powerpoint/2010/main" val="980046083"/>
+        <p14:creationId xmlns:p14="http://schemas.microsoft.com/office/powerpoint/2010/main" xmlns="" val="980046083"/>
       </p:ext>
     </p:extLst>
   </p:cSld>
@@ -18228,7 +17974,7 @@
           <p:nvPr>
             <p:extLst>
               <p:ext uri="{D42A27DB-BD31-4B8C-83A1-F6EECF244321}">
-                <p14:modId xmlns:p14="http://schemas.microsoft.com/office/powerpoint/2010/main" val="3968378676"/>
+                <p14:modId xmlns:p14="http://schemas.microsoft.com/office/powerpoint/2010/main" xmlns="" val="3968378676"/>
               </p:ext>
             </p:extLst>
           </p:nvPr>
@@ -18246,7 +17992,7 @@
     </p:spTree>
     <p:extLst>
       <p:ext uri="{BB962C8B-B14F-4D97-AF65-F5344CB8AC3E}">
-        <p14:creationId xmlns:p14="http://schemas.microsoft.com/office/powerpoint/2010/main" val="197448477"/>
+        <p14:creationId xmlns:p14="http://schemas.microsoft.com/office/powerpoint/2010/main" xmlns="" val="197448477"/>
       </p:ext>
     </p:extLst>
   </p:cSld>
@@ -18380,7 +18126,7 @@
           <p:nvPr>
             <p:extLst>
               <p:ext uri="{D42A27DB-BD31-4B8C-83A1-F6EECF244321}">
-                <p14:modId xmlns:p14="http://schemas.microsoft.com/office/powerpoint/2010/main" val="2079267717"/>
+                <p14:modId xmlns:p14="http://schemas.microsoft.com/office/powerpoint/2010/main" xmlns="" val="2079267717"/>
               </p:ext>
             </p:extLst>
           </p:nvPr>
@@ -18398,7 +18144,7 @@
     </p:spTree>
     <p:extLst>
       <p:ext uri="{BB962C8B-B14F-4D97-AF65-F5344CB8AC3E}">
-        <p14:creationId xmlns:p14="http://schemas.microsoft.com/office/powerpoint/2010/main" val="3967897178"/>
+        <p14:creationId xmlns:p14="http://schemas.microsoft.com/office/powerpoint/2010/main" xmlns="" val="3967897178"/>
       </p:ext>
     </p:extLst>
   </p:cSld>
@@ -18477,7 +18223,7 @@
     </p:spTree>
     <p:extLst>
       <p:ext uri="{BB962C8B-B14F-4D97-AF65-F5344CB8AC3E}">
-        <p14:creationId xmlns:p14="http://schemas.microsoft.com/office/powerpoint/2010/main" val="3708106417"/>
+        <p14:creationId xmlns:p14="http://schemas.microsoft.com/office/powerpoint/2010/main" xmlns="" val="3708106417"/>
       </p:ext>
     </p:extLst>
   </p:cSld>
@@ -19482,7 +19228,7 @@
     </p:spTree>
     <p:extLst>
       <p:ext uri="{BB962C8B-B14F-4D97-AF65-F5344CB8AC3E}">
-        <p14:creationId xmlns:p14="http://schemas.microsoft.com/office/powerpoint/2010/main" val="810377202"/>
+        <p14:creationId xmlns:p14="http://schemas.microsoft.com/office/powerpoint/2010/main" xmlns="" val="810377202"/>
       </p:ext>
     </p:extLst>
   </p:cSld>
@@ -19560,7 +19306,7 @@
           <p:nvPr>
             <p:extLst>
               <p:ext uri="{D42A27DB-BD31-4B8C-83A1-F6EECF244321}">
-                <p14:modId xmlns:p14="http://schemas.microsoft.com/office/powerpoint/2010/main" val="2002974256"/>
+                <p14:modId xmlns:p14="http://schemas.microsoft.com/office/powerpoint/2010/main" xmlns="" val="2002974256"/>
               </p:ext>
             </p:extLst>
           </p:nvPr>
@@ -19578,7 +19324,7 @@
     </p:spTree>
     <p:extLst>
       <p:ext uri="{BB962C8B-B14F-4D97-AF65-F5344CB8AC3E}">
-        <p14:creationId xmlns:p14="http://schemas.microsoft.com/office/powerpoint/2010/main" val="1637874217"/>
+        <p14:creationId xmlns:p14="http://schemas.microsoft.com/office/powerpoint/2010/main" xmlns="" val="1637874217"/>
       </p:ext>
     </p:extLst>
   </p:cSld>
@@ -19654,7 +19400,7 @@
           <p:nvPr>
             <p:extLst>
               <p:ext uri="{D42A27DB-BD31-4B8C-83A1-F6EECF244321}">
-                <p14:modId xmlns:p14="http://schemas.microsoft.com/office/powerpoint/2010/main" val="3456624213"/>
+                <p14:modId xmlns:p14="http://schemas.microsoft.com/office/powerpoint/2010/main" xmlns="" val="3456624213"/>
               </p:ext>
             </p:extLst>
           </p:nvPr>
@@ -19672,7 +19418,7 @@
     </p:spTree>
     <p:extLst>
       <p:ext uri="{BB962C8B-B14F-4D97-AF65-F5344CB8AC3E}">
-        <p14:creationId xmlns:p14="http://schemas.microsoft.com/office/powerpoint/2010/main" val="2330439383"/>
+        <p14:creationId xmlns:p14="http://schemas.microsoft.com/office/powerpoint/2010/main" xmlns="" val="2330439383"/>
       </p:ext>
     </p:extLst>
   </p:cSld>
@@ -20021,7 +19767,7 @@
     </p:spTree>
     <p:extLst>
       <p:ext uri="{BB962C8B-B14F-4D97-AF65-F5344CB8AC3E}">
-        <p14:creationId xmlns:p14="http://schemas.microsoft.com/office/powerpoint/2010/main" val="3651665137"/>
+        <p14:creationId xmlns:p14="http://schemas.microsoft.com/office/powerpoint/2010/main" xmlns="" val="3651665137"/>
       </p:ext>
     </p:extLst>
   </p:cSld>
@@ -20419,7 +20165,7 @@
     </p:spTree>
     <p:extLst>
       <p:ext uri="{BB962C8B-B14F-4D97-AF65-F5344CB8AC3E}">
-        <p14:creationId xmlns:p14="http://schemas.microsoft.com/office/powerpoint/2010/main" val="4024771090"/>
+        <p14:creationId xmlns:p14="http://schemas.microsoft.com/office/powerpoint/2010/main" xmlns="" val="4024771090"/>
       </p:ext>
     </p:extLst>
   </p:cSld>
@@ -20649,7 +20395,7 @@
     </p:spTree>
     <p:extLst>
       <p:ext uri="{BB962C8B-B14F-4D97-AF65-F5344CB8AC3E}">
-        <p14:creationId xmlns:p14="http://schemas.microsoft.com/office/powerpoint/2010/main" val="3337746042"/>
+        <p14:creationId xmlns:p14="http://schemas.microsoft.com/office/powerpoint/2010/main" xmlns="" val="3337746042"/>
       </p:ext>
     </p:extLst>
   </p:cSld>
@@ -20732,7 +20478,7 @@
     </p:spTree>
     <p:extLst>
       <p:ext uri="{BB962C8B-B14F-4D97-AF65-F5344CB8AC3E}">
-        <p14:creationId xmlns:p14="http://schemas.microsoft.com/office/powerpoint/2010/main" val="1036071785"/>
+        <p14:creationId xmlns:p14="http://schemas.microsoft.com/office/powerpoint/2010/main" xmlns="" val="1036071785"/>
       </p:ext>
     </p:extLst>
   </p:cSld>
@@ -20807,7 +20553,7 @@
     </p:spTree>
     <p:extLst>
       <p:ext uri="{BB962C8B-B14F-4D97-AF65-F5344CB8AC3E}">
-        <p14:creationId xmlns:p14="http://schemas.microsoft.com/office/powerpoint/2010/main" val="4029259654"/>
+        <p14:creationId xmlns:p14="http://schemas.microsoft.com/office/powerpoint/2010/main" xmlns="" val="4029259654"/>
       </p:ext>
     </p:extLst>
   </p:cSld>
@@ -21199,18 +20945,18 @@
     </p:spTree>
     <p:extLst>
       <p:ext uri="{BB962C8B-B14F-4D97-AF65-F5344CB8AC3E}">
-        <p14:creationId xmlns:p14="http://schemas.microsoft.com/office/powerpoint/2010/main" val="2323100813"/>
+        <p14:creationId xmlns:p14="http://schemas.microsoft.com/office/powerpoint/2010/main" xmlns="" val="2323100813"/>
       </p:ext>
     </p:extLst>
   </p:cSld>
   <p:clrMapOvr>
     <a:masterClrMapping/>
   </p:clrMapOvr>
-  <mc:AlternateContent xmlns:mc="http://schemas.openxmlformats.org/markup-compatibility/2006" xmlns:p14="http://schemas.microsoft.com/office/powerpoint/2010/main">
-    <mc:Choice Requires="p14">
+  <mc:AlternateContent xmlns:mc="http://schemas.openxmlformats.org/markup-compatibility/2006">
+    <mc:Choice xmlns:p14="http://schemas.microsoft.com/office/powerpoint/2010/main" xmlns="" Requires="p14">
       <p:transition p14:dur="0"/>
     </mc:Choice>
-    <mc:Fallback xmlns="">
+    <mc:Fallback>
       <p:transition/>
     </mc:Fallback>
   </mc:AlternateContent>
@@ -21475,7 +21221,7 @@
           <p:nvPr>
             <p:extLst>
               <p:ext uri="{D42A27DB-BD31-4B8C-83A1-F6EECF244321}">
-                <p14:modId xmlns:p14="http://schemas.microsoft.com/office/powerpoint/2010/main" val="963427250"/>
+                <p14:modId xmlns:p14="http://schemas.microsoft.com/office/powerpoint/2010/main" xmlns="" val="963427250"/>
               </p:ext>
             </p:extLst>
           </p:nvPr>
@@ -22009,7 +21755,7 @@
     </p:spTree>
     <p:extLst>
       <p:ext uri="{BB962C8B-B14F-4D97-AF65-F5344CB8AC3E}">
-        <p14:creationId xmlns:p14="http://schemas.microsoft.com/office/powerpoint/2010/main" val="2960815596"/>
+        <p14:creationId xmlns:p14="http://schemas.microsoft.com/office/powerpoint/2010/main" xmlns="" val="2960815596"/>
       </p:ext>
     </p:extLst>
   </p:cSld>
@@ -22247,7 +21993,7 @@
     </p:spTree>
     <p:extLst>
       <p:ext uri="{BB962C8B-B14F-4D97-AF65-F5344CB8AC3E}">
-        <p14:creationId xmlns:p14="http://schemas.microsoft.com/office/powerpoint/2010/main" val="1616575088"/>
+        <p14:creationId xmlns:p14="http://schemas.microsoft.com/office/powerpoint/2010/main" xmlns="" val="1616575088"/>
       </p:ext>
     </p:extLst>
   </p:cSld>
@@ -22444,7 +22190,7 @@
     </p:spTree>
     <p:extLst>
       <p:ext uri="{BB962C8B-B14F-4D97-AF65-F5344CB8AC3E}">
-        <p14:creationId xmlns:p14="http://schemas.microsoft.com/office/powerpoint/2010/main" val="1314162854"/>
+        <p14:creationId xmlns:p14="http://schemas.microsoft.com/office/powerpoint/2010/main" xmlns="" val="1314162854"/>
       </p:ext>
     </p:extLst>
   </p:cSld>
@@ -22531,7 +22277,7 @@
     </p:spTree>
     <p:extLst>
       <p:ext uri="{BB962C8B-B14F-4D97-AF65-F5344CB8AC3E}">
-        <p14:creationId xmlns:p14="http://schemas.microsoft.com/office/powerpoint/2010/main" val="1350559237"/>
+        <p14:creationId xmlns:p14="http://schemas.microsoft.com/office/powerpoint/2010/main" xmlns="" val="1350559237"/>
       </p:ext>
     </p:extLst>
   </p:cSld>
@@ -22627,7 +22373,7 @@
           <a:blip r:embed="rId2" cstate="print">
             <a:extLst>
               <a:ext uri="{28A0092B-C50C-407E-A947-70E740481C1C}">
-                <a14:useLocalDpi xmlns:a14="http://schemas.microsoft.com/office/drawing/2010/main" val="0"/>
+                <a14:useLocalDpi xmlns:a14="http://schemas.microsoft.com/office/drawing/2010/main" xmlns="" val="0"/>
               </a:ext>
             </a:extLst>
           </a:blip>
@@ -22657,7 +22403,7 @@
           <a:blip r:embed="rId3" cstate="print">
             <a:extLst>
               <a:ext uri="{28A0092B-C50C-407E-A947-70E740481C1C}">
-                <a14:useLocalDpi xmlns:a14="http://schemas.microsoft.com/office/drawing/2010/main" val="0"/>
+                <a14:useLocalDpi xmlns:a14="http://schemas.microsoft.com/office/drawing/2010/main" xmlns="" val="0"/>
               </a:ext>
             </a:extLst>
           </a:blip>
@@ -22687,7 +22433,7 @@
           <a:blip r:embed="rId4" cstate="print">
             <a:extLst>
               <a:ext uri="{28A0092B-C50C-407E-A947-70E740481C1C}">
-                <a14:useLocalDpi xmlns:a14="http://schemas.microsoft.com/office/drawing/2010/main" val="0"/>
+                <a14:useLocalDpi xmlns:a14="http://schemas.microsoft.com/office/drawing/2010/main" xmlns="" val="0"/>
               </a:ext>
             </a:extLst>
           </a:blip>
@@ -22717,7 +22463,7 @@
           <a:blip r:embed="rId5" cstate="print">
             <a:extLst>
               <a:ext uri="{28A0092B-C50C-407E-A947-70E740481C1C}">
-                <a14:useLocalDpi xmlns:a14="http://schemas.microsoft.com/office/drawing/2010/main" val="0"/>
+                <a14:useLocalDpi xmlns:a14="http://schemas.microsoft.com/office/drawing/2010/main" xmlns="" val="0"/>
               </a:ext>
             </a:extLst>
           </a:blip>
@@ -22747,7 +22493,7 @@
           <a:blip r:embed="rId6" cstate="print">
             <a:extLst>
               <a:ext uri="{28A0092B-C50C-407E-A947-70E740481C1C}">
-                <a14:useLocalDpi xmlns:a14="http://schemas.microsoft.com/office/drawing/2010/main" val="0"/>
+                <a14:useLocalDpi xmlns:a14="http://schemas.microsoft.com/office/drawing/2010/main" xmlns="" val="0"/>
               </a:ext>
             </a:extLst>
           </a:blip>
@@ -22777,7 +22523,7 @@
           <a:blip r:embed="rId7" cstate="print">
             <a:extLst>
               <a:ext uri="{28A0092B-C50C-407E-A947-70E740481C1C}">
-                <a14:useLocalDpi xmlns:a14="http://schemas.microsoft.com/office/drawing/2010/main" val="0"/>
+                <a14:useLocalDpi xmlns:a14="http://schemas.microsoft.com/office/drawing/2010/main" xmlns="" val="0"/>
               </a:ext>
             </a:extLst>
           </a:blip>
@@ -22909,7 +22655,7 @@
     </p:spTree>
     <p:extLst>
       <p:ext uri="{BB962C8B-B14F-4D97-AF65-F5344CB8AC3E}">
-        <p14:creationId xmlns:p14="http://schemas.microsoft.com/office/powerpoint/2010/main" val="3857988853"/>
+        <p14:creationId xmlns:p14="http://schemas.microsoft.com/office/powerpoint/2010/main" xmlns="" val="3857988853"/>
       </p:ext>
     </p:extLst>
   </p:cSld>
@@ -23250,7 +22996,7 @@
     </p:spTree>
     <p:extLst>
       <p:ext uri="{BB962C8B-B14F-4D97-AF65-F5344CB8AC3E}">
-        <p14:creationId xmlns:p14="http://schemas.microsoft.com/office/powerpoint/2010/main" val="837742913"/>
+        <p14:creationId xmlns:p14="http://schemas.microsoft.com/office/powerpoint/2010/main" xmlns="" val="837742913"/>
       </p:ext>
     </p:extLst>
   </p:cSld>
@@ -23412,7 +23158,7 @@
     </p:spTree>
     <p:extLst>
       <p:ext uri="{BB962C8B-B14F-4D97-AF65-F5344CB8AC3E}">
-        <p14:creationId xmlns:p14="http://schemas.microsoft.com/office/powerpoint/2010/main" val="2325686505"/>
+        <p14:creationId xmlns:p14="http://schemas.microsoft.com/office/powerpoint/2010/main" xmlns="" val="2325686505"/>
       </p:ext>
     </p:extLst>
   </p:cSld>
@@ -23965,7 +23711,7 @@
     </p:spTree>
     <p:extLst>
       <p:ext uri="{BB962C8B-B14F-4D97-AF65-F5344CB8AC3E}">
-        <p14:creationId xmlns:p14="http://schemas.microsoft.com/office/powerpoint/2010/main" val="3104365819"/>
+        <p14:creationId xmlns:p14="http://schemas.microsoft.com/office/powerpoint/2010/main" xmlns="" val="3104365819"/>
       </p:ext>
     </p:extLst>
   </p:cSld>
@@ -24183,7 +23929,7 @@
     </p:spTree>
     <p:extLst>
       <p:ext uri="{BB962C8B-B14F-4D97-AF65-F5344CB8AC3E}">
-        <p14:creationId xmlns:p14="http://schemas.microsoft.com/office/powerpoint/2010/main" val="996600230"/>
+        <p14:creationId xmlns:p14="http://schemas.microsoft.com/office/powerpoint/2010/main" xmlns="" val="996600230"/>
       </p:ext>
     </p:extLst>
   </p:cSld>
@@ -24393,7 +24139,7 @@
     </p:spTree>
     <p:extLst>
       <p:ext uri="{BB962C8B-B14F-4D97-AF65-F5344CB8AC3E}">
-        <p14:creationId xmlns:p14="http://schemas.microsoft.com/office/powerpoint/2010/main" val="3857988853"/>
+        <p14:creationId xmlns:p14="http://schemas.microsoft.com/office/powerpoint/2010/main" xmlns="" val="3857988853"/>
       </p:ext>
     </p:extLst>
   </p:cSld>
@@ -24582,7 +24328,7 @@
     </p:spTree>
     <p:extLst>
       <p:ext uri="{BB962C8B-B14F-4D97-AF65-F5344CB8AC3E}">
-        <p14:creationId xmlns:p14="http://schemas.microsoft.com/office/powerpoint/2010/main" val="755519461"/>
+        <p14:creationId xmlns:p14="http://schemas.microsoft.com/office/powerpoint/2010/main" xmlns="" val="755519461"/>
       </p:ext>
     </p:extLst>
   </p:cSld>
@@ -25254,10 +25000,62 @@
         </p:nvSpPr>
         <p:spPr/>
         <p:txBody>
-          <a:bodyPr/>
+          <a:bodyPr>
+            <a:normAutofit lnSpcReduction="10000"/>
+          </a:bodyPr>
           <a:lstStyle/>
           <a:p>
-            <a:endParaRPr lang="pt-PT"/>
+            <a:r>
+              <a:rPr lang="en-US" dirty="0" smtClean="0"/>
+              <a:t>Processes weren’t always exactly </a:t>
+            </a:r>
+            <a:r>
+              <a:rPr lang="en-US" dirty="0" smtClean="0"/>
+              <a:t>followed</a:t>
+            </a:r>
+          </a:p>
+          <a:p>
+            <a:pPr lvl="1"/>
+            <a:r>
+              <a:rPr lang="en-US" dirty="0" smtClean="0"/>
+              <a:t>Some situations were overlooked</a:t>
+            </a:r>
+            <a:endParaRPr lang="en-US" dirty="0" smtClean="0"/>
+          </a:p>
+          <a:p>
+            <a:r>
+              <a:rPr lang="en-US" dirty="0" smtClean="0"/>
+              <a:t>Test Plan</a:t>
+            </a:r>
+          </a:p>
+          <a:p>
+            <a:r>
+              <a:rPr lang="en-US" dirty="0" smtClean="0"/>
+              <a:t>Times spent testing</a:t>
+            </a:r>
+          </a:p>
+          <a:p>
+            <a:endParaRPr lang="en-US" dirty="0" smtClean="0"/>
+          </a:p>
+          <a:p>
+            <a:r>
+              <a:rPr lang="en-US" dirty="0" smtClean="0"/>
+              <a:t>Application is functional </a:t>
+            </a:r>
+          </a:p>
+          <a:p>
+            <a:pPr lvl="1"/>
+            <a:r>
+              <a:rPr lang="en-US" dirty="0" smtClean="0"/>
+              <a:t>Level of confidence – 70% a 80</a:t>
+            </a:r>
+            <a:r>
+              <a:rPr lang="en-US" dirty="0" smtClean="0"/>
+              <a:t>%</a:t>
+            </a:r>
+          </a:p>
+          <a:p>
+            <a:endParaRPr lang="pt-PT" dirty="0"/>
           </a:p>
         </p:txBody>
       </p:sp>
@@ -25484,7 +25282,7 @@
     </p:spTree>
     <p:extLst>
       <p:ext uri="{BB962C8B-B14F-4D97-AF65-F5344CB8AC3E}">
-        <p14:creationId xmlns:p14="http://schemas.microsoft.com/office/powerpoint/2010/main" val="1569197944"/>
+        <p14:creationId xmlns:p14="http://schemas.microsoft.com/office/powerpoint/2010/main" xmlns="" val="1569197944"/>
       </p:ext>
     </p:extLst>
   </p:cSld>
@@ -25523,7 +25321,7 @@
           <a:blip r:embed="rId2" cstate="print">
             <a:extLst>
               <a:ext uri="{28A0092B-C50C-407E-A947-70E740481C1C}">
-                <a14:useLocalDpi xmlns:a14="http://schemas.microsoft.com/office/drawing/2010/main" val="0"/>
+                <a14:useLocalDpi xmlns:a14="http://schemas.microsoft.com/office/drawing/2010/main" xmlns="" val="0"/>
               </a:ext>
             </a:extLst>
           </a:blip>
@@ -25643,7 +25441,7 @@
           <a:blip r:embed="rId3" cstate="print">
             <a:extLst>
               <a:ext uri="{28A0092B-C50C-407E-A947-70E740481C1C}">
-                <a14:useLocalDpi xmlns:a14="http://schemas.microsoft.com/office/drawing/2010/main" val="0"/>
+                <a14:useLocalDpi xmlns:a14="http://schemas.microsoft.com/office/drawing/2010/main" xmlns="" val="0"/>
               </a:ext>
             </a:extLst>
           </a:blip>
@@ -25673,7 +25471,7 @@
           <a:blip r:embed="rId4" cstate="print">
             <a:extLst>
               <a:ext uri="{28A0092B-C50C-407E-A947-70E740481C1C}">
-                <a14:useLocalDpi xmlns:a14="http://schemas.microsoft.com/office/drawing/2010/main" val="0"/>
+                <a14:useLocalDpi xmlns:a14="http://schemas.microsoft.com/office/drawing/2010/main" xmlns="" val="0"/>
               </a:ext>
             </a:extLst>
           </a:blip>
@@ -25721,7 +25519,7 @@
           <a:blip r:embed="rId5" cstate="print">
             <a:extLst>
               <a:ext uri="{28A0092B-C50C-407E-A947-70E740481C1C}">
-                <a14:useLocalDpi xmlns:a14="http://schemas.microsoft.com/office/drawing/2010/main" val="0"/>
+                <a14:useLocalDpi xmlns:a14="http://schemas.microsoft.com/office/drawing/2010/main" xmlns="" val="0"/>
               </a:ext>
             </a:extLst>
           </a:blip>
@@ -25742,7 +25540,7 @@
     </p:spTree>
     <p:extLst>
       <p:ext uri="{BB962C8B-B14F-4D97-AF65-F5344CB8AC3E}">
-        <p14:creationId xmlns:p14="http://schemas.microsoft.com/office/powerpoint/2010/main" val="3458532491"/>
+        <p14:creationId xmlns:p14="http://schemas.microsoft.com/office/powerpoint/2010/main" xmlns="" val="3458532491"/>
       </p:ext>
     </p:extLst>
   </p:cSld>
@@ -25887,7 +25685,7 @@
     </p:spTree>
     <p:extLst>
       <p:ext uri="{BB962C8B-B14F-4D97-AF65-F5344CB8AC3E}">
-        <p14:creationId xmlns:p14="http://schemas.microsoft.com/office/powerpoint/2010/main" val="3599542048"/>
+        <p14:creationId xmlns:p14="http://schemas.microsoft.com/office/powerpoint/2010/main" xmlns="" val="3599542048"/>
       </p:ext>
     </p:extLst>
   </p:cSld>
@@ -26319,7 +26117,7 @@
     </p:spTree>
     <p:extLst>
       <p:ext uri="{BB962C8B-B14F-4D97-AF65-F5344CB8AC3E}">
-        <p14:creationId xmlns:p14="http://schemas.microsoft.com/office/powerpoint/2010/main" val="1933947800"/>
+        <p14:creationId xmlns:p14="http://schemas.microsoft.com/office/powerpoint/2010/main" xmlns="" val="1933947800"/>
       </p:ext>
     </p:extLst>
   </p:cSld>
@@ -26413,7 +26211,7 @@
     </p:spTree>
     <p:extLst>
       <p:ext uri="{BB962C8B-B14F-4D97-AF65-F5344CB8AC3E}">
-        <p14:creationId xmlns:p14="http://schemas.microsoft.com/office/powerpoint/2010/main" val="1515372593"/>
+        <p14:creationId xmlns:p14="http://schemas.microsoft.com/office/powerpoint/2010/main" xmlns="" val="1515372593"/>
       </p:ext>
     </p:extLst>
   </p:cSld>
@@ -26499,7 +26297,7 @@
     </p:spTree>
     <p:extLst>
       <p:ext uri="{BB962C8B-B14F-4D97-AF65-F5344CB8AC3E}">
-        <p14:creationId xmlns:p14="http://schemas.microsoft.com/office/powerpoint/2010/main" val="256484290"/>
+        <p14:creationId xmlns:p14="http://schemas.microsoft.com/office/powerpoint/2010/main" xmlns="" val="256484290"/>
       </p:ext>
     </p:extLst>
   </p:cSld>
@@ -26618,7 +26416,7 @@
     </p:spTree>
     <p:extLst>
       <p:ext uri="{BB962C8B-B14F-4D97-AF65-F5344CB8AC3E}">
-        <p14:creationId xmlns:p14="http://schemas.microsoft.com/office/powerpoint/2010/main" val="286368229"/>
+        <p14:creationId xmlns:p14="http://schemas.microsoft.com/office/powerpoint/2010/main" xmlns="" val="286368229"/>
       </p:ext>
     </p:extLst>
   </p:cSld>
@@ -26694,7 +26492,7 @@
     </p:spTree>
     <p:extLst>
       <p:ext uri="{BB962C8B-B14F-4D97-AF65-F5344CB8AC3E}">
-        <p14:creationId xmlns:p14="http://schemas.microsoft.com/office/powerpoint/2010/main" val="745076154"/>
+        <p14:creationId xmlns:p14="http://schemas.microsoft.com/office/powerpoint/2010/main" xmlns="" val="745076154"/>
       </p:ext>
     </p:extLst>
   </p:cSld>
@@ -26818,7 +26616,7 @@
                   <p:nvPr>
                     <p:extLst>
                       <p:ext uri="{D42A27DB-BD31-4B8C-83A1-F6EECF244321}">
-                        <p14:modId xmlns:p14="http://schemas.microsoft.com/office/powerpoint/2010/main" val="568955525"/>
+                        <p14:modId xmlns:p14="http://schemas.microsoft.com/office/powerpoint/2010/main" xmlns="" val="568955525"/>
                       </p:ext>
                     </p:extLst>
                   </p:nvPr>
@@ -27750,7 +27548,7 @@
     </p:spTree>
     <p:extLst>
       <p:ext uri="{BB962C8B-B14F-4D97-AF65-F5344CB8AC3E}">
-        <p14:creationId xmlns:p14="http://schemas.microsoft.com/office/powerpoint/2010/main" val="3857988853"/>
+        <p14:creationId xmlns:p14="http://schemas.microsoft.com/office/powerpoint/2010/main" xmlns="" val="3857988853"/>
       </p:ext>
     </p:extLst>
   </p:cSld>
@@ -27941,7 +27739,7 @@
     </p:spTree>
     <p:extLst>
       <p:ext uri="{BB962C8B-B14F-4D97-AF65-F5344CB8AC3E}">
-        <p14:creationId xmlns:p14="http://schemas.microsoft.com/office/powerpoint/2010/main" val="576009203"/>
+        <p14:creationId xmlns:p14="http://schemas.microsoft.com/office/powerpoint/2010/main" xmlns="" val="576009203"/>
       </p:ext>
     </p:extLst>
   </p:cSld>
@@ -28090,7 +27888,7 @@
     </p:spTree>
     <p:extLst>
       <p:ext uri="{BB962C8B-B14F-4D97-AF65-F5344CB8AC3E}">
-        <p14:creationId xmlns:p14="http://schemas.microsoft.com/office/powerpoint/2010/main" val="2359148607"/>
+        <p14:creationId xmlns:p14="http://schemas.microsoft.com/office/powerpoint/2010/main" xmlns="" val="2359148607"/>
       </p:ext>
     </p:extLst>
   </p:cSld>
@@ -28480,7 +28278,7 @@
     </p:spTree>
     <p:extLst>
       <p:ext uri="{BB962C8B-B14F-4D97-AF65-F5344CB8AC3E}">
-        <p14:creationId xmlns:p14="http://schemas.microsoft.com/office/powerpoint/2010/main" val="139459399"/>
+        <p14:creationId xmlns:p14="http://schemas.microsoft.com/office/powerpoint/2010/main" xmlns="" val="139459399"/>
       </p:ext>
     </p:extLst>
   </p:cSld>
@@ -29059,7 +28857,7 @@
     </p:spTree>
     <p:extLst>
       <p:ext uri="{BB962C8B-B14F-4D97-AF65-F5344CB8AC3E}">
-        <p14:creationId xmlns:p14="http://schemas.microsoft.com/office/powerpoint/2010/main" val="529958241"/>
+        <p14:creationId xmlns:p14="http://schemas.microsoft.com/office/powerpoint/2010/main" xmlns="" val="529958241"/>
       </p:ext>
     </p:extLst>
   </p:cSld>
@@ -29253,7 +29051,7 @@
     </p:spTree>
     <p:extLst>
       <p:ext uri="{BB962C8B-B14F-4D97-AF65-F5344CB8AC3E}">
-        <p14:creationId xmlns:p14="http://schemas.microsoft.com/office/powerpoint/2010/main" val="1756093289"/>
+        <p14:creationId xmlns:p14="http://schemas.microsoft.com/office/powerpoint/2010/main" xmlns="" val="1756093289"/>
       </p:ext>
     </p:extLst>
   </p:cSld>
@@ -29918,7 +29716,7 @@
     </p:spTree>
     <p:extLst>
       <p:ext uri="{BB962C8B-B14F-4D97-AF65-F5344CB8AC3E}">
-        <p14:creationId xmlns:p14="http://schemas.microsoft.com/office/powerpoint/2010/main" val="3608220894"/>
+        <p14:creationId xmlns:p14="http://schemas.microsoft.com/office/powerpoint/2010/main" xmlns="" val="3608220894"/>
       </p:ext>
     </p:extLst>
   </p:cSld>
@@ -30225,7 +30023,7 @@
     </p:spTree>
     <p:extLst>
       <p:ext uri="{BB962C8B-B14F-4D97-AF65-F5344CB8AC3E}">
-        <p14:creationId xmlns:p14="http://schemas.microsoft.com/office/powerpoint/2010/main" val="1960690833"/>
+        <p14:creationId xmlns:p14="http://schemas.microsoft.com/office/powerpoint/2010/main" xmlns="" val="1960690833"/>
       </p:ext>
     </p:extLst>
   </p:cSld>
@@ -30343,7 +30141,7 @@
     </p:spTree>
     <p:extLst>
       <p:ext uri="{BB962C8B-B14F-4D97-AF65-F5344CB8AC3E}">
-        <p14:creationId xmlns:p14="http://schemas.microsoft.com/office/powerpoint/2010/main" val="1996551084"/>
+        <p14:creationId xmlns:p14="http://schemas.microsoft.com/office/powerpoint/2010/main" xmlns="" val="1996551084"/>
       </p:ext>
     </p:extLst>
   </p:cSld>
@@ -30715,7 +30513,7 @@
     </p:spTree>
     <p:extLst>
       <p:ext uri="{BB962C8B-B14F-4D97-AF65-F5344CB8AC3E}">
-        <p14:creationId xmlns:p14="http://schemas.microsoft.com/office/powerpoint/2010/main" val="323619009"/>
+        <p14:creationId xmlns:p14="http://schemas.microsoft.com/office/powerpoint/2010/main" xmlns="" val="323619009"/>
       </p:ext>
     </p:extLst>
   </p:cSld>
@@ -31016,7 +30814,7 @@
     </p:spTree>
     <p:extLst>
       <p:ext uri="{BB962C8B-B14F-4D97-AF65-F5344CB8AC3E}">
-        <p14:creationId xmlns:p14="http://schemas.microsoft.com/office/powerpoint/2010/main" val="1399430186"/>
+        <p14:creationId xmlns:p14="http://schemas.microsoft.com/office/powerpoint/2010/main" xmlns="" val="1399430186"/>
       </p:ext>
     </p:extLst>
   </p:cSld>
@@ -31096,7 +30894,7 @@
     </p:spTree>
     <p:extLst>
       <p:ext uri="{BB962C8B-B14F-4D97-AF65-F5344CB8AC3E}">
-        <p14:creationId xmlns:p14="http://schemas.microsoft.com/office/powerpoint/2010/main" val="4109416244"/>
+        <p14:creationId xmlns:p14="http://schemas.microsoft.com/office/powerpoint/2010/main" xmlns="" val="4109416244"/>
       </p:ext>
     </p:extLst>
   </p:cSld>
@@ -31334,7 +31132,7 @@
     </p:spTree>
     <p:extLst>
       <p:ext uri="{BB962C8B-B14F-4D97-AF65-F5344CB8AC3E}">
-        <p14:creationId xmlns:p14="http://schemas.microsoft.com/office/powerpoint/2010/main" val="3388566770"/>
+        <p14:creationId xmlns:p14="http://schemas.microsoft.com/office/powerpoint/2010/main" xmlns="" val="3388566770"/>
       </p:ext>
     </p:extLst>
   </p:cSld>
@@ -31578,7 +31376,7 @@
   <a:extraClrSchemeLst/>
   <a:extLst>
     <a:ext uri="{05A4C25C-085E-4340-85A3-A5531E510DB2}">
-      <thm15:themeFamily xmlns:thm15="http://schemas.microsoft.com/office/thememl/2012/main" name="Organic" id="{28CDC826-8792-45C0-861B-85EB3ADEDA33}" vid="{E4E49EB0-FB00-41F5-9359-4843D783A23D}"/>
+      <thm15:themeFamily xmlns:thm15="http://schemas.microsoft.com/office/thememl/2012/main" xmlns="" name="Organic" id="{28CDC826-8792-45C0-861B-85EB3ADEDA33}" vid="{E4E49EB0-FB00-41F5-9359-4843D783A23D}"/>
     </a:ext>
   </a:extLst>
 </a:theme>
@@ -31839,7 +31637,7 @@
   <a:extraClrSchemeLst/>
   <a:extLst>
     <a:ext uri="{05A4C25C-085E-4340-85A3-A5531E510DB2}">
-      <thm15:themeFamily xmlns:thm15="http://schemas.microsoft.com/office/thememl/2012/main" name="Office Theme" id="{62F939B6-93AF-4DB8-9C6B-D6C7DFDC589F}" vid="{4A3C46E8-61CC-4603-A589-7422A47A8E4A}"/>
+      <thm15:themeFamily xmlns:thm15="http://schemas.microsoft.com/office/thememl/2012/main" xmlns="" name="Office Theme" id="{62F939B6-93AF-4DB8-9C6B-D6C7DFDC589F}" vid="{4A3C46E8-61CC-4603-A589-7422A47A8E4A}"/>
     </a:ext>
   </a:extLst>
 </a:theme>

--- a/Final Presentation/Presentation.pptx
+++ b/Final Presentation/Presentation.pptx
@@ -519,11 +519,11 @@
         </c:dLbls>
         <c:gapWidth val="444"/>
         <c:overlap val="-90"/>
-        <c:axId val="127257496"/>
-        <c:axId val="127255928"/>
+        <c:axId val="222106024"/>
+        <c:axId val="222109552"/>
       </c:barChart>
       <c:catAx>
-        <c:axId val="127257496"/>
+        <c:axId val="222106024"/>
         <c:scaling>
           <c:orientation val="minMax"/>
         </c:scaling>
@@ -580,7 +580,7 @@
             <a:endParaRPr lang="pt-PT"/>
           </a:p>
         </c:txPr>
-        <c:crossAx val="127255928"/>
+        <c:crossAx val="222109552"/>
         <c:crosses val="autoZero"/>
         <c:auto val="1"/>
         <c:lblAlgn val="ctr"/>
@@ -588,7 +588,7 @@
         <c:noMultiLvlLbl val="0"/>
       </c:catAx>
       <c:valAx>
-        <c:axId val="127255928"/>
+        <c:axId val="222109552"/>
         <c:scaling>
           <c:orientation val="minMax"/>
         </c:scaling>
@@ -598,7 +598,7 @@
         <c:majorTickMark val="none"/>
         <c:minorTickMark val="none"/>
         <c:tickLblPos val="none"/>
-        <c:crossAx val="127257496"/>
+        <c:crossAx val="222106024"/>
         <c:crosses val="autoZero"/>
         <c:crossBetween val="between"/>
       </c:valAx>
@@ -1008,11 +1008,11 @@
         </c:dLbls>
         <c:gapWidth val="444"/>
         <c:overlap val="-90"/>
-        <c:axId val="127259848"/>
-        <c:axId val="127256320"/>
+        <c:axId val="222110336"/>
+        <c:axId val="222105632"/>
       </c:barChart>
       <c:catAx>
-        <c:axId val="127259848"/>
+        <c:axId val="222110336"/>
         <c:scaling>
           <c:orientation val="minMax"/>
         </c:scaling>
@@ -1069,7 +1069,7 @@
             <a:endParaRPr lang="pt-PT"/>
           </a:p>
         </c:txPr>
-        <c:crossAx val="127256320"/>
+        <c:crossAx val="222105632"/>
         <c:crosses val="autoZero"/>
         <c:auto val="1"/>
         <c:lblAlgn val="ctr"/>
@@ -1077,7 +1077,7 @@
         <c:noMultiLvlLbl val="0"/>
       </c:catAx>
       <c:valAx>
-        <c:axId val="127256320"/>
+        <c:axId val="222105632"/>
         <c:scaling>
           <c:orientation val="minMax"/>
         </c:scaling>
@@ -1087,7 +1087,7 @@
         <c:majorTickMark val="none"/>
         <c:minorTickMark val="none"/>
         <c:tickLblPos val="none"/>
-        <c:crossAx val="127259848"/>
+        <c:crossAx val="222110336"/>
         <c:crosses val="autoZero"/>
         <c:crossBetween val="between"/>
       </c:valAx>
@@ -1407,11 +1407,11 @@
         </c:dLbls>
         <c:gapWidth val="444"/>
         <c:overlap val="-90"/>
-        <c:axId val="127259064"/>
-        <c:axId val="127254752"/>
+        <c:axId val="222105240"/>
+        <c:axId val="222109160"/>
       </c:barChart>
       <c:catAx>
-        <c:axId val="127259064"/>
+        <c:axId val="222105240"/>
         <c:scaling>
           <c:orientation val="minMax"/>
         </c:scaling>
@@ -1468,7 +1468,7 @@
             <a:endParaRPr lang="pt-PT"/>
           </a:p>
         </c:txPr>
-        <c:crossAx val="127254752"/>
+        <c:crossAx val="222109160"/>
         <c:crosses val="autoZero"/>
         <c:auto val="1"/>
         <c:lblAlgn val="ctr"/>
@@ -1476,7 +1476,7 @@
         <c:noMultiLvlLbl val="0"/>
       </c:catAx>
       <c:valAx>
-        <c:axId val="127254752"/>
+        <c:axId val="222109160"/>
         <c:scaling>
           <c:orientation val="minMax"/>
         </c:scaling>
@@ -1486,7 +1486,7 @@
         <c:majorTickMark val="none"/>
         <c:minorTickMark val="none"/>
         <c:tickLblPos val="none"/>
-        <c:crossAx val="127259064"/>
+        <c:crossAx val="222105240"/>
         <c:crosses val="autoZero"/>
         <c:crossBetween val="between"/>
       </c:valAx>
@@ -1843,11 +1843,11 @@
         </c:dLbls>
         <c:gapWidth val="219"/>
         <c:overlap val="-27"/>
-        <c:axId val="127255144"/>
-        <c:axId val="127255536"/>
+        <c:axId val="222106416"/>
+        <c:axId val="222107592"/>
       </c:barChart>
       <c:catAx>
-        <c:axId val="127255144"/>
+        <c:axId val="222106416"/>
         <c:scaling>
           <c:orientation val="minMax"/>
         </c:scaling>
@@ -1890,7 +1890,7 @@
             <a:endParaRPr lang="pt-PT"/>
           </a:p>
         </c:txPr>
-        <c:crossAx val="127255536"/>
+        <c:crossAx val="222107592"/>
         <c:crosses val="autoZero"/>
         <c:auto val="1"/>
         <c:lblAlgn val="ctr"/>
@@ -1898,7 +1898,7 @@
         <c:noMultiLvlLbl val="0"/>
       </c:catAx>
       <c:valAx>
-        <c:axId val="127255536"/>
+        <c:axId val="222107592"/>
         <c:scaling>
           <c:orientation val="minMax"/>
         </c:scaling>
@@ -1949,7 +1949,7 @@
             <a:endParaRPr lang="pt-PT"/>
           </a:p>
         </c:txPr>
-        <c:crossAx val="127255144"/>
+        <c:crossAx val="222106416"/>
         <c:crosses val="autoZero"/>
         <c:crossBetween val="between"/>
       </c:valAx>
@@ -2351,11 +2351,11 @@
             <a:effectLst/>
           </c:spPr>
         </c:hiLowLines>
-        <c:axId val="217494128"/>
-        <c:axId val="217492560"/>
+        <c:axId val="222107200"/>
+        <c:axId val="222110728"/>
       </c:stockChart>
       <c:catAx>
-        <c:axId val="217494128"/>
+        <c:axId val="222107200"/>
         <c:scaling>
           <c:orientation val="minMax"/>
         </c:scaling>
@@ -2398,7 +2398,7 @@
             <a:endParaRPr lang="pt-PT"/>
           </a:p>
         </c:txPr>
-        <c:crossAx val="217492560"/>
+        <c:crossAx val="222110728"/>
         <c:crosses val="autoZero"/>
         <c:auto val="1"/>
         <c:lblAlgn val="ctr"/>
@@ -2406,7 +2406,7 @@
         <c:noMultiLvlLbl val="0"/>
       </c:catAx>
       <c:valAx>
-        <c:axId val="217492560"/>
+        <c:axId val="222110728"/>
         <c:scaling>
           <c:orientation val="minMax"/>
         </c:scaling>
@@ -2457,7 +2457,7 @@
             <a:endParaRPr lang="pt-PT"/>
           </a:p>
         </c:txPr>
-        <c:crossAx val="217494128"/>
+        <c:crossAx val="222107200"/>
         <c:crosses val="autoZero"/>
         <c:crossBetween val="between"/>
         <c:majorUnit val="1"/>
@@ -27370,7 +27370,122 @@
           <a:bodyPr/>
           <a:lstStyle/>
           <a:p>
-            <a:endParaRPr lang="pt-PT"/>
+            <a:pPr marL="285750" lvl="1"/>
+            <a:r>
+              <a:rPr lang="pt-PT" dirty="0" err="1" smtClean="0"/>
+              <a:t>The</a:t>
+            </a:r>
+            <a:r>
+              <a:rPr lang="pt-PT" dirty="0" smtClean="0"/>
+              <a:t> </a:t>
+            </a:r>
+            <a:r>
+              <a:rPr lang="pt-PT" dirty="0" err="1" smtClean="0"/>
+              <a:t>Product</a:t>
+            </a:r>
+            <a:r>
+              <a:rPr lang="pt-PT" dirty="0" smtClean="0"/>
+              <a:t> </a:t>
+            </a:r>
+            <a:r>
+              <a:rPr lang="pt-PT" dirty="0" err="1" smtClean="0"/>
+              <a:t>Keep</a:t>
+            </a:r>
+            <a:r>
+              <a:rPr lang="pt-PT" dirty="0" smtClean="0"/>
+              <a:t> </a:t>
+            </a:r>
+            <a:r>
+              <a:rPr lang="pt-PT" dirty="0" err="1" smtClean="0"/>
+              <a:t>Your</a:t>
+            </a:r>
+            <a:r>
+              <a:rPr lang="pt-PT" dirty="0" smtClean="0"/>
+              <a:t> time </a:t>
+            </a:r>
+            <a:r>
+              <a:rPr lang="pt-PT" dirty="0" err="1" smtClean="0"/>
+              <a:t>will</a:t>
+            </a:r>
+            <a:r>
+              <a:rPr lang="pt-PT" dirty="0" smtClean="0"/>
+              <a:t> </a:t>
+            </a:r>
+            <a:r>
+              <a:rPr lang="pt-PT" dirty="0" err="1"/>
+              <a:t>Allow</a:t>
+            </a:r>
+            <a:r>
+              <a:rPr lang="pt-PT" dirty="0"/>
+              <a:t> </a:t>
+            </a:r>
+            <a:r>
+              <a:rPr lang="pt-PT" dirty="0" err="1"/>
+              <a:t>users</a:t>
+            </a:r>
+            <a:r>
+              <a:rPr lang="pt-PT" dirty="0"/>
+              <a:t> to </a:t>
+            </a:r>
+            <a:r>
+              <a:rPr lang="en-US" dirty="0"/>
+              <a:t>manage their time in an easy and instinctively </a:t>
+            </a:r>
+            <a:r>
+              <a:rPr lang="en-US" dirty="0" smtClean="0"/>
+              <a:t>way</a:t>
+            </a:r>
+            <a:r>
+              <a:rPr lang="pt-PT" dirty="0"/>
+              <a:t> </a:t>
+            </a:r>
+            <a:r>
+              <a:rPr lang="en-US" dirty="0" smtClean="0"/>
+              <a:t>by allowing to record the time spent on a task.</a:t>
+            </a:r>
+          </a:p>
+          <a:p>
+            <a:pPr marL="285750" lvl="1"/>
+            <a:r>
+              <a:rPr lang="en-US" dirty="0"/>
+              <a:t>In addition, this tool provides a mobile component that permits adding new tasks, selecting and viewing list of all incomplete tasks and their </a:t>
+            </a:r>
+            <a:r>
+              <a:rPr lang="en-US" dirty="0" smtClean="0"/>
+              <a:t>description.</a:t>
+            </a:r>
+          </a:p>
+          <a:p>
+            <a:pPr marL="285750" lvl="1"/>
+            <a:r>
+              <a:rPr lang="en-US" dirty="0"/>
+              <a:t>The users can start and stop time tracking </a:t>
+            </a:r>
+            <a:r>
+              <a:rPr lang="en-US" dirty="0" smtClean="0"/>
+              <a:t>anytime without having to think where to click.</a:t>
+            </a:r>
+          </a:p>
+          <a:p>
+            <a:pPr marL="285750" lvl="1"/>
+            <a:r>
+              <a:rPr lang="en-US" dirty="0" smtClean="0"/>
+              <a:t>Later it’s possible to export all the data into a </a:t>
+            </a:r>
+            <a:r>
+              <a:rPr lang="en-US" smtClean="0"/>
+              <a:t>CSV sheet.</a:t>
+            </a:r>
+            <a:endParaRPr lang="en-US" dirty="0" smtClean="0"/>
+          </a:p>
+          <a:p>
+            <a:pPr marL="457200" lvl="1" indent="0">
+              <a:buNone/>
+            </a:pPr>
+            <a:endParaRPr lang="en-US" dirty="0" smtClean="0"/>
+          </a:p>
+          <a:p>
+            <a:endParaRPr lang="en-US" dirty="0" smtClean="0"/>
           </a:p>
         </p:txBody>
       </p:sp>
@@ -29515,11 +29630,7 @@
             <a:pPr lvl="1"/>
             <a:r>
               <a:rPr lang="en-US" dirty="0" smtClean="0"/>
-              <a:t>Test </a:t>
-            </a:r>
-            <a:r>
-              <a:rPr lang="en-US" dirty="0" smtClean="0"/>
-              <a:t>plan</a:t>
+              <a:t>Test plan</a:t>
             </a:r>
           </a:p>
           <a:p>

--- a/Final Presentation/Presentation.pptx
+++ b/Final Presentation/Presentation.pptx
@@ -519,11 +519,11 @@
         </c:dLbls>
         <c:gapWidth val="444"/>
         <c:overlap val="-90"/>
-        <c:axId val="222106024"/>
-        <c:axId val="222109552"/>
+        <c:axId val="223373176"/>
+        <c:axId val="223370824"/>
       </c:barChart>
       <c:catAx>
-        <c:axId val="222106024"/>
+        <c:axId val="223373176"/>
         <c:scaling>
           <c:orientation val="minMax"/>
         </c:scaling>
@@ -580,7 +580,7 @@
             <a:endParaRPr lang="pt-PT"/>
           </a:p>
         </c:txPr>
-        <c:crossAx val="222109552"/>
+        <c:crossAx val="223370824"/>
         <c:crosses val="autoZero"/>
         <c:auto val="1"/>
         <c:lblAlgn val="ctr"/>
@@ -588,7 +588,7 @@
         <c:noMultiLvlLbl val="0"/>
       </c:catAx>
       <c:valAx>
-        <c:axId val="222109552"/>
+        <c:axId val="223370824"/>
         <c:scaling>
           <c:orientation val="minMax"/>
         </c:scaling>
@@ -598,7 +598,7 @@
         <c:majorTickMark val="none"/>
         <c:minorTickMark val="none"/>
         <c:tickLblPos val="none"/>
-        <c:crossAx val="222106024"/>
+        <c:crossAx val="223373176"/>
         <c:crosses val="autoZero"/>
         <c:crossBetween val="between"/>
       </c:valAx>
@@ -1008,11 +1008,11 @@
         </c:dLbls>
         <c:gapWidth val="444"/>
         <c:overlap val="-90"/>
-        <c:axId val="222110336"/>
-        <c:axId val="222105632"/>
+        <c:axId val="223366120"/>
+        <c:axId val="223368080"/>
       </c:barChart>
       <c:catAx>
-        <c:axId val="222110336"/>
+        <c:axId val="223366120"/>
         <c:scaling>
           <c:orientation val="minMax"/>
         </c:scaling>
@@ -1069,7 +1069,7 @@
             <a:endParaRPr lang="pt-PT"/>
           </a:p>
         </c:txPr>
-        <c:crossAx val="222105632"/>
+        <c:crossAx val="223368080"/>
         <c:crosses val="autoZero"/>
         <c:auto val="1"/>
         <c:lblAlgn val="ctr"/>
@@ -1077,7 +1077,7 @@
         <c:noMultiLvlLbl val="0"/>
       </c:catAx>
       <c:valAx>
-        <c:axId val="222105632"/>
+        <c:axId val="223368080"/>
         <c:scaling>
           <c:orientation val="minMax"/>
         </c:scaling>
@@ -1087,7 +1087,7 @@
         <c:majorTickMark val="none"/>
         <c:minorTickMark val="none"/>
         <c:tickLblPos val="none"/>
-        <c:crossAx val="222110336"/>
+        <c:crossAx val="223366120"/>
         <c:crosses val="autoZero"/>
         <c:crossBetween val="between"/>
       </c:valAx>
@@ -1407,11 +1407,11 @@
         </c:dLbls>
         <c:gapWidth val="444"/>
         <c:overlap val="-90"/>
-        <c:axId val="222105240"/>
-        <c:axId val="222109160"/>
+        <c:axId val="223371216"/>
+        <c:axId val="223372784"/>
       </c:barChart>
       <c:catAx>
-        <c:axId val="222105240"/>
+        <c:axId val="223371216"/>
         <c:scaling>
           <c:orientation val="minMax"/>
         </c:scaling>
@@ -1468,7 +1468,7 @@
             <a:endParaRPr lang="pt-PT"/>
           </a:p>
         </c:txPr>
-        <c:crossAx val="222109160"/>
+        <c:crossAx val="223372784"/>
         <c:crosses val="autoZero"/>
         <c:auto val="1"/>
         <c:lblAlgn val="ctr"/>
@@ -1476,7 +1476,7 @@
         <c:noMultiLvlLbl val="0"/>
       </c:catAx>
       <c:valAx>
-        <c:axId val="222109160"/>
+        <c:axId val="223372784"/>
         <c:scaling>
           <c:orientation val="minMax"/>
         </c:scaling>
@@ -1486,7 +1486,7 @@
         <c:majorTickMark val="none"/>
         <c:minorTickMark val="none"/>
         <c:tickLblPos val="none"/>
-        <c:crossAx val="222105240"/>
+        <c:crossAx val="223371216"/>
         <c:crosses val="autoZero"/>
         <c:crossBetween val="between"/>
       </c:valAx>
@@ -1843,11 +1843,11 @@
         </c:dLbls>
         <c:gapWidth val="219"/>
         <c:overlap val="-27"/>
-        <c:axId val="222106416"/>
-        <c:axId val="222107592"/>
+        <c:axId val="223370040"/>
+        <c:axId val="223366512"/>
       </c:barChart>
       <c:catAx>
-        <c:axId val="222106416"/>
+        <c:axId val="223370040"/>
         <c:scaling>
           <c:orientation val="minMax"/>
         </c:scaling>
@@ -1890,7 +1890,7 @@
             <a:endParaRPr lang="pt-PT"/>
           </a:p>
         </c:txPr>
-        <c:crossAx val="222107592"/>
+        <c:crossAx val="223366512"/>
         <c:crosses val="autoZero"/>
         <c:auto val="1"/>
         <c:lblAlgn val="ctr"/>
@@ -1898,7 +1898,7 @@
         <c:noMultiLvlLbl val="0"/>
       </c:catAx>
       <c:valAx>
-        <c:axId val="222107592"/>
+        <c:axId val="223366512"/>
         <c:scaling>
           <c:orientation val="minMax"/>
         </c:scaling>
@@ -1949,7 +1949,7 @@
             <a:endParaRPr lang="pt-PT"/>
           </a:p>
         </c:txPr>
-        <c:crossAx val="222106416"/>
+        <c:crossAx val="223370040"/>
         <c:crosses val="autoZero"/>
         <c:crossBetween val="between"/>
       </c:valAx>
@@ -2351,11 +2351,11 @@
             <a:effectLst/>
           </c:spPr>
         </c:hiLowLines>
-        <c:axId val="222107200"/>
-        <c:axId val="222110728"/>
+        <c:axId val="223366904"/>
+        <c:axId val="223370432"/>
       </c:stockChart>
       <c:catAx>
-        <c:axId val="222107200"/>
+        <c:axId val="223366904"/>
         <c:scaling>
           <c:orientation val="minMax"/>
         </c:scaling>
@@ -2398,7 +2398,7 @@
             <a:endParaRPr lang="pt-PT"/>
           </a:p>
         </c:txPr>
-        <c:crossAx val="222110728"/>
+        <c:crossAx val="223370432"/>
         <c:crosses val="autoZero"/>
         <c:auto val="1"/>
         <c:lblAlgn val="ctr"/>
@@ -2406,7 +2406,7 @@
         <c:noMultiLvlLbl val="0"/>
       </c:catAx>
       <c:valAx>
-        <c:axId val="222110728"/>
+        <c:axId val="223370432"/>
         <c:scaling>
           <c:orientation val="minMax"/>
         </c:scaling>
@@ -2457,7 +2457,7 @@
             <a:endParaRPr lang="pt-PT"/>
           </a:p>
         </c:txPr>
-        <c:crossAx val="222107200"/>
+        <c:crossAx val="223366904"/>
         <c:crosses val="autoZero"/>
         <c:crossBetween val="between"/>
         <c:majorUnit val="1"/>
@@ -7807,7 +7807,7 @@
             <a:fld id="{82948236-07A4-447C-AC43-06AAF24DC65B}" type="datetimeFigureOut">
               <a:rPr lang="pt-PT" smtClean="0"/>
               <a:pPr/>
-              <a:t>02-07-2013</a:t>
+              <a:t>03-07-2013</a:t>
             </a:fld>
             <a:endParaRPr lang="pt-PT"/>
           </a:p>
@@ -10523,7 +10523,7 @@
             <a:fld id="{F71B3DB1-8543-40E0-A2D1-830196AD91DE}" type="datetimeFigureOut">
               <a:rPr lang="pt-PT" smtClean="0"/>
               <a:pPr/>
-              <a:t>02-07-2013</a:t>
+              <a:t>03-07-2013</a:t>
             </a:fld>
             <a:endParaRPr lang="pt-PT" dirty="0"/>
           </a:p>
@@ -10857,7 +10857,7 @@
             <a:fld id="{F71B3DB1-8543-40E0-A2D1-830196AD91DE}" type="datetimeFigureOut">
               <a:rPr lang="pt-PT" smtClean="0"/>
               <a:pPr/>
-              <a:t>02-07-2013</a:t>
+              <a:t>03-07-2013</a:t>
             </a:fld>
             <a:endParaRPr lang="pt-PT" dirty="0"/>
           </a:p>
@@ -11107,7 +11107,7 @@
             <a:fld id="{F71B3DB1-8543-40E0-A2D1-830196AD91DE}" type="datetimeFigureOut">
               <a:rPr lang="pt-PT" smtClean="0"/>
               <a:pPr/>
-              <a:t>02-07-2013</a:t>
+              <a:t>03-07-2013</a:t>
             </a:fld>
             <a:endParaRPr lang="pt-PT" dirty="0"/>
           </a:p>
@@ -11455,7 +11455,7 @@
             <a:fld id="{F71B3DB1-8